--- a/Seminar/Stanford_CoreNLP.pptx
+++ b/Seminar/Stanford_CoreNLP.pptx
@@ -5,15 +5,20 @@
     <p:sldMasterId id="2147483660" r:id="rId1"/>
   </p:sldMasterIdLst>
   <p:notesMasterIdLst>
-    <p:notesMasterId r:id="rId8"/>
+    <p:notesMasterId r:id="rId13"/>
   </p:notesMasterIdLst>
   <p:sldIdLst>
     <p:sldId id="256" r:id="rId2"/>
     <p:sldId id="260" r:id="rId3"/>
     <p:sldId id="257" r:id="rId4"/>
-    <p:sldId id="261" r:id="rId5"/>
-    <p:sldId id="258" r:id="rId6"/>
+    <p:sldId id="263" r:id="rId5"/>
+    <p:sldId id="261" r:id="rId6"/>
     <p:sldId id="259" r:id="rId7"/>
+    <p:sldId id="258" r:id="rId8"/>
+    <p:sldId id="264" r:id="rId9"/>
+    <p:sldId id="265" r:id="rId10"/>
+    <p:sldId id="266" r:id="rId11"/>
+    <p:sldId id="267" r:id="rId12"/>
   </p:sldIdLst>
   <p:sldSz cx="12192000" cy="6858000"/>
   <p:notesSz cx="6858000" cy="9144000"/>
@@ -120,6 +125,2953 @@
 </p:presentation>
 </file>
 
+<file path=ppt/revisionInfo.xml><?xml version="1.0" encoding="utf-8"?>
+<p1510:revInfo xmlns:a="http://schemas.openxmlformats.org/drawingml/2006/main" xmlns:r="http://schemas.openxmlformats.org/officeDocument/2006/relationships" xmlns:p1510="http://schemas.microsoft.com/office/powerpoint/2015/10/main"/>
+</file>
+
+<file path=ppt/diagrams/colors1.xml><?xml version="1.0" encoding="utf-8"?>
+<dgm:colorsDef xmlns:dgm="http://schemas.openxmlformats.org/drawingml/2006/diagram" xmlns:a="http://schemas.openxmlformats.org/drawingml/2006/main" uniqueId="urn:microsoft.com/office/officeart/2005/8/colors/accent1_2">
+  <dgm:title val=""/>
+  <dgm:desc val=""/>
+  <dgm:catLst>
+    <dgm:cat type="accent1" pri="11200"/>
+  </dgm:catLst>
+  <dgm:styleLbl name="node0">
+    <dgm:fillClrLst meth="repeat">
+      <a:schemeClr val="accent1"/>
+    </dgm:fillClrLst>
+    <dgm:linClrLst meth="repeat">
+      <a:schemeClr val="lt1"/>
+    </dgm:linClrLst>
+    <dgm:effectClrLst/>
+    <dgm:txLinClrLst/>
+    <dgm:txFillClrLst/>
+    <dgm:txEffectClrLst/>
+  </dgm:styleLbl>
+  <dgm:styleLbl name="alignNode1">
+    <dgm:fillClrLst meth="repeat">
+      <a:schemeClr val="accent1"/>
+    </dgm:fillClrLst>
+    <dgm:linClrLst meth="repeat">
+      <a:schemeClr val="accent1"/>
+    </dgm:linClrLst>
+    <dgm:effectClrLst/>
+    <dgm:txLinClrLst/>
+    <dgm:txFillClrLst/>
+    <dgm:txEffectClrLst/>
+  </dgm:styleLbl>
+  <dgm:styleLbl name="node1">
+    <dgm:fillClrLst meth="repeat">
+      <a:schemeClr val="accent1"/>
+    </dgm:fillClrLst>
+    <dgm:linClrLst meth="repeat">
+      <a:schemeClr val="lt1"/>
+    </dgm:linClrLst>
+    <dgm:effectClrLst/>
+    <dgm:txLinClrLst/>
+    <dgm:txFillClrLst/>
+    <dgm:txEffectClrLst/>
+  </dgm:styleLbl>
+  <dgm:styleLbl name="lnNode1">
+    <dgm:fillClrLst meth="repeat">
+      <a:schemeClr val="accent1"/>
+    </dgm:fillClrLst>
+    <dgm:linClrLst meth="repeat">
+      <a:schemeClr val="lt1"/>
+    </dgm:linClrLst>
+    <dgm:effectClrLst/>
+    <dgm:txLinClrLst/>
+    <dgm:txFillClrLst/>
+    <dgm:txEffectClrLst/>
+  </dgm:styleLbl>
+  <dgm:styleLbl name="vennNode1">
+    <dgm:fillClrLst meth="repeat">
+      <a:schemeClr val="accent1">
+        <a:alpha val="50000"/>
+      </a:schemeClr>
+    </dgm:fillClrLst>
+    <dgm:linClrLst meth="repeat">
+      <a:schemeClr val="lt1"/>
+    </dgm:linClrLst>
+    <dgm:effectClrLst/>
+    <dgm:txLinClrLst/>
+    <dgm:txFillClrLst/>
+    <dgm:txEffectClrLst/>
+  </dgm:styleLbl>
+  <dgm:styleLbl name="node2">
+    <dgm:fillClrLst meth="repeat">
+      <a:schemeClr val="accent1"/>
+    </dgm:fillClrLst>
+    <dgm:linClrLst meth="repeat">
+      <a:schemeClr val="lt1"/>
+    </dgm:linClrLst>
+    <dgm:effectClrLst/>
+    <dgm:txLinClrLst/>
+    <dgm:txFillClrLst/>
+    <dgm:txEffectClrLst/>
+  </dgm:styleLbl>
+  <dgm:styleLbl name="node3">
+    <dgm:fillClrLst meth="repeat">
+      <a:schemeClr val="accent1"/>
+    </dgm:fillClrLst>
+    <dgm:linClrLst meth="repeat">
+      <a:schemeClr val="lt1"/>
+    </dgm:linClrLst>
+    <dgm:effectClrLst/>
+    <dgm:txLinClrLst/>
+    <dgm:txFillClrLst/>
+    <dgm:txEffectClrLst/>
+  </dgm:styleLbl>
+  <dgm:styleLbl name="node4">
+    <dgm:fillClrLst meth="repeat">
+      <a:schemeClr val="accent1"/>
+    </dgm:fillClrLst>
+    <dgm:linClrLst meth="repeat">
+      <a:schemeClr val="lt1"/>
+    </dgm:linClrLst>
+    <dgm:effectClrLst/>
+    <dgm:txLinClrLst/>
+    <dgm:txFillClrLst/>
+    <dgm:txEffectClrLst/>
+  </dgm:styleLbl>
+  <dgm:styleLbl name="fgImgPlace1">
+    <dgm:fillClrLst meth="repeat">
+      <a:schemeClr val="accent1">
+        <a:tint val="50000"/>
+      </a:schemeClr>
+    </dgm:fillClrLst>
+    <dgm:linClrLst meth="repeat">
+      <a:schemeClr val="lt1"/>
+    </dgm:linClrLst>
+    <dgm:effectClrLst/>
+    <dgm:txLinClrLst/>
+    <dgm:txFillClrLst meth="repeat">
+      <a:schemeClr val="lt1"/>
+    </dgm:txFillClrLst>
+    <dgm:txEffectClrLst/>
+  </dgm:styleLbl>
+  <dgm:styleLbl name="alignImgPlace1">
+    <dgm:fillClrLst meth="repeat">
+      <a:schemeClr val="accent1">
+        <a:tint val="50000"/>
+      </a:schemeClr>
+    </dgm:fillClrLst>
+    <dgm:linClrLst meth="repeat">
+      <a:schemeClr val="lt1"/>
+    </dgm:linClrLst>
+    <dgm:effectClrLst/>
+    <dgm:txLinClrLst/>
+    <dgm:txFillClrLst meth="repeat">
+      <a:schemeClr val="lt1"/>
+    </dgm:txFillClrLst>
+    <dgm:txEffectClrLst/>
+  </dgm:styleLbl>
+  <dgm:styleLbl name="bgImgPlace1">
+    <dgm:fillClrLst meth="repeat">
+      <a:schemeClr val="accent1">
+        <a:tint val="50000"/>
+      </a:schemeClr>
+    </dgm:fillClrLst>
+    <dgm:linClrLst meth="repeat">
+      <a:schemeClr val="lt1"/>
+    </dgm:linClrLst>
+    <dgm:effectClrLst/>
+    <dgm:txLinClrLst/>
+    <dgm:txFillClrLst meth="repeat">
+      <a:schemeClr val="lt1"/>
+    </dgm:txFillClrLst>
+    <dgm:txEffectClrLst/>
+  </dgm:styleLbl>
+  <dgm:styleLbl name="sibTrans2D1">
+    <dgm:fillClrLst meth="repeat">
+      <a:schemeClr val="accent1">
+        <a:tint val="60000"/>
+      </a:schemeClr>
+    </dgm:fillClrLst>
+    <dgm:linClrLst meth="repeat">
+      <a:schemeClr val="accent1">
+        <a:tint val="60000"/>
+      </a:schemeClr>
+    </dgm:linClrLst>
+    <dgm:effectClrLst/>
+    <dgm:txLinClrLst/>
+    <dgm:txFillClrLst/>
+    <dgm:txEffectClrLst/>
+  </dgm:styleLbl>
+  <dgm:styleLbl name="fgSibTrans2D1">
+    <dgm:fillClrLst meth="repeat">
+      <a:schemeClr val="accent1">
+        <a:tint val="60000"/>
+      </a:schemeClr>
+    </dgm:fillClrLst>
+    <dgm:linClrLst meth="repeat">
+      <a:schemeClr val="accent1">
+        <a:tint val="60000"/>
+      </a:schemeClr>
+    </dgm:linClrLst>
+    <dgm:effectClrLst/>
+    <dgm:txLinClrLst/>
+    <dgm:txFillClrLst/>
+    <dgm:txEffectClrLst/>
+  </dgm:styleLbl>
+  <dgm:styleLbl name="bgSibTrans2D1">
+    <dgm:fillClrLst meth="repeat">
+      <a:schemeClr val="accent1">
+        <a:tint val="60000"/>
+      </a:schemeClr>
+    </dgm:fillClrLst>
+    <dgm:linClrLst meth="repeat">
+      <a:schemeClr val="accent1">
+        <a:tint val="60000"/>
+      </a:schemeClr>
+    </dgm:linClrLst>
+    <dgm:effectClrLst/>
+    <dgm:txLinClrLst/>
+    <dgm:txFillClrLst/>
+    <dgm:txEffectClrLst/>
+  </dgm:styleLbl>
+  <dgm:styleLbl name="sibTrans1D1">
+    <dgm:fillClrLst meth="repeat">
+      <a:schemeClr val="accent1"/>
+    </dgm:fillClrLst>
+    <dgm:linClrLst meth="repeat">
+      <a:schemeClr val="accent1"/>
+    </dgm:linClrLst>
+    <dgm:effectClrLst/>
+    <dgm:txLinClrLst/>
+    <dgm:txFillClrLst meth="repeat">
+      <a:schemeClr val="tx1"/>
+    </dgm:txFillClrLst>
+    <dgm:txEffectClrLst/>
+  </dgm:styleLbl>
+  <dgm:styleLbl name="callout">
+    <dgm:fillClrLst meth="repeat">
+      <a:schemeClr val="accent1"/>
+    </dgm:fillClrLst>
+    <dgm:linClrLst meth="repeat">
+      <a:schemeClr val="accent1">
+        <a:tint val="50000"/>
+      </a:schemeClr>
+    </dgm:linClrLst>
+    <dgm:effectClrLst/>
+    <dgm:txLinClrLst/>
+    <dgm:txFillClrLst meth="repeat">
+      <a:schemeClr val="tx1"/>
+    </dgm:txFillClrLst>
+    <dgm:txEffectClrLst/>
+  </dgm:styleLbl>
+  <dgm:styleLbl name="asst0">
+    <dgm:fillClrLst meth="repeat">
+      <a:schemeClr val="accent1"/>
+    </dgm:fillClrLst>
+    <dgm:linClrLst meth="repeat">
+      <a:schemeClr val="lt1"/>
+    </dgm:linClrLst>
+    <dgm:effectClrLst/>
+    <dgm:txLinClrLst/>
+    <dgm:txFillClrLst/>
+    <dgm:txEffectClrLst/>
+  </dgm:styleLbl>
+  <dgm:styleLbl name="asst1">
+    <dgm:fillClrLst meth="repeat">
+      <a:schemeClr val="accent1"/>
+    </dgm:fillClrLst>
+    <dgm:linClrLst meth="repeat">
+      <a:schemeClr val="lt1"/>
+    </dgm:linClrLst>
+    <dgm:effectClrLst/>
+    <dgm:txLinClrLst/>
+    <dgm:txFillClrLst/>
+    <dgm:txEffectClrLst/>
+  </dgm:styleLbl>
+  <dgm:styleLbl name="asst2">
+    <dgm:fillClrLst meth="repeat">
+      <a:schemeClr val="accent1"/>
+    </dgm:fillClrLst>
+    <dgm:linClrLst meth="repeat">
+      <a:schemeClr val="lt1"/>
+    </dgm:linClrLst>
+    <dgm:effectClrLst/>
+    <dgm:txLinClrLst/>
+    <dgm:txFillClrLst/>
+    <dgm:txEffectClrLst/>
+  </dgm:styleLbl>
+  <dgm:styleLbl name="asst3">
+    <dgm:fillClrLst meth="repeat">
+      <a:schemeClr val="accent1"/>
+    </dgm:fillClrLst>
+    <dgm:linClrLst meth="repeat">
+      <a:schemeClr val="lt1"/>
+    </dgm:linClrLst>
+    <dgm:effectClrLst/>
+    <dgm:txLinClrLst/>
+    <dgm:txFillClrLst/>
+    <dgm:txEffectClrLst/>
+  </dgm:styleLbl>
+  <dgm:styleLbl name="asst4">
+    <dgm:fillClrLst meth="repeat">
+      <a:schemeClr val="accent1"/>
+    </dgm:fillClrLst>
+    <dgm:linClrLst meth="repeat">
+      <a:schemeClr val="lt1"/>
+    </dgm:linClrLst>
+    <dgm:effectClrLst/>
+    <dgm:txLinClrLst/>
+    <dgm:txFillClrLst/>
+    <dgm:txEffectClrLst/>
+  </dgm:styleLbl>
+  <dgm:styleLbl name="parChTrans2D1">
+    <dgm:fillClrLst meth="repeat">
+      <a:schemeClr val="accent1">
+        <a:tint val="60000"/>
+      </a:schemeClr>
+    </dgm:fillClrLst>
+    <dgm:linClrLst meth="repeat">
+      <a:schemeClr val="accent1">
+        <a:tint val="60000"/>
+      </a:schemeClr>
+    </dgm:linClrLst>
+    <dgm:effectClrLst/>
+    <dgm:txLinClrLst/>
+    <dgm:txFillClrLst meth="repeat">
+      <a:schemeClr val="lt1"/>
+    </dgm:txFillClrLst>
+    <dgm:txEffectClrLst/>
+  </dgm:styleLbl>
+  <dgm:styleLbl name="parChTrans2D2">
+    <dgm:fillClrLst meth="repeat">
+      <a:schemeClr val="accent1"/>
+    </dgm:fillClrLst>
+    <dgm:linClrLst meth="repeat">
+      <a:schemeClr val="accent1"/>
+    </dgm:linClrLst>
+    <dgm:effectClrLst/>
+    <dgm:txLinClrLst/>
+    <dgm:txFillClrLst meth="repeat">
+      <a:schemeClr val="lt1"/>
+    </dgm:txFillClrLst>
+    <dgm:txEffectClrLst/>
+  </dgm:styleLbl>
+  <dgm:styleLbl name="parChTrans2D3">
+    <dgm:fillClrLst meth="repeat">
+      <a:schemeClr val="accent1"/>
+    </dgm:fillClrLst>
+    <dgm:linClrLst meth="repeat">
+      <a:schemeClr val="accent1"/>
+    </dgm:linClrLst>
+    <dgm:effectClrLst/>
+    <dgm:txLinClrLst/>
+    <dgm:txFillClrLst meth="repeat">
+      <a:schemeClr val="lt1"/>
+    </dgm:txFillClrLst>
+    <dgm:txEffectClrLst/>
+  </dgm:styleLbl>
+  <dgm:styleLbl name="parChTrans2D4">
+    <dgm:fillClrLst meth="repeat">
+      <a:schemeClr val="accent1"/>
+    </dgm:fillClrLst>
+    <dgm:linClrLst meth="repeat">
+      <a:schemeClr val="accent1"/>
+    </dgm:linClrLst>
+    <dgm:effectClrLst/>
+    <dgm:txLinClrLst/>
+    <dgm:txFillClrLst meth="repeat">
+      <a:schemeClr val="lt1"/>
+    </dgm:txFillClrLst>
+    <dgm:txEffectClrLst/>
+  </dgm:styleLbl>
+  <dgm:styleLbl name="parChTrans1D1">
+    <dgm:fillClrLst meth="repeat">
+      <a:schemeClr val="accent1"/>
+    </dgm:fillClrLst>
+    <dgm:linClrLst meth="repeat">
+      <a:schemeClr val="accent1">
+        <a:shade val="60000"/>
+      </a:schemeClr>
+    </dgm:linClrLst>
+    <dgm:effectClrLst/>
+    <dgm:txLinClrLst/>
+    <dgm:txFillClrLst meth="repeat">
+      <a:schemeClr val="tx1"/>
+    </dgm:txFillClrLst>
+    <dgm:txEffectClrLst/>
+  </dgm:styleLbl>
+  <dgm:styleLbl name="parChTrans1D2">
+    <dgm:fillClrLst meth="repeat">
+      <a:schemeClr val="accent1"/>
+    </dgm:fillClrLst>
+    <dgm:linClrLst meth="repeat">
+      <a:schemeClr val="accent1">
+        <a:shade val="60000"/>
+      </a:schemeClr>
+    </dgm:linClrLst>
+    <dgm:effectClrLst/>
+    <dgm:txLinClrLst/>
+    <dgm:txFillClrLst meth="repeat">
+      <a:schemeClr val="tx1"/>
+    </dgm:txFillClrLst>
+    <dgm:txEffectClrLst/>
+  </dgm:styleLbl>
+  <dgm:styleLbl name="parChTrans1D3">
+    <dgm:fillClrLst meth="repeat">
+      <a:schemeClr val="accent1"/>
+    </dgm:fillClrLst>
+    <dgm:linClrLst meth="repeat">
+      <a:schemeClr val="accent1">
+        <a:shade val="80000"/>
+      </a:schemeClr>
+    </dgm:linClrLst>
+    <dgm:effectClrLst/>
+    <dgm:txLinClrLst/>
+    <dgm:txFillClrLst meth="repeat">
+      <a:schemeClr val="tx1"/>
+    </dgm:txFillClrLst>
+    <dgm:txEffectClrLst/>
+  </dgm:styleLbl>
+  <dgm:styleLbl name="parChTrans1D4">
+    <dgm:fillClrLst meth="repeat">
+      <a:schemeClr val="accent1"/>
+    </dgm:fillClrLst>
+    <dgm:linClrLst meth="repeat">
+      <a:schemeClr val="accent1">
+        <a:shade val="80000"/>
+      </a:schemeClr>
+    </dgm:linClrLst>
+    <dgm:effectClrLst/>
+    <dgm:txLinClrLst/>
+    <dgm:txFillClrLst meth="repeat">
+      <a:schemeClr val="tx1"/>
+    </dgm:txFillClrLst>
+    <dgm:txEffectClrLst/>
+  </dgm:styleLbl>
+  <dgm:styleLbl name="fgAcc1">
+    <dgm:fillClrLst meth="repeat">
+      <a:schemeClr val="lt1">
+        <a:alpha val="90000"/>
+      </a:schemeClr>
+    </dgm:fillClrLst>
+    <dgm:linClrLst meth="repeat">
+      <a:schemeClr val="accent1"/>
+    </dgm:linClrLst>
+    <dgm:effectClrLst/>
+    <dgm:txLinClrLst/>
+    <dgm:txFillClrLst meth="repeat">
+      <a:schemeClr val="dk1"/>
+    </dgm:txFillClrLst>
+    <dgm:txEffectClrLst/>
+  </dgm:styleLbl>
+  <dgm:styleLbl name="conFgAcc1">
+    <dgm:fillClrLst meth="repeat">
+      <a:schemeClr val="lt1">
+        <a:alpha val="90000"/>
+      </a:schemeClr>
+    </dgm:fillClrLst>
+    <dgm:linClrLst meth="repeat">
+      <a:schemeClr val="accent1"/>
+    </dgm:linClrLst>
+    <dgm:effectClrLst/>
+    <dgm:txLinClrLst/>
+    <dgm:txFillClrLst meth="repeat">
+      <a:schemeClr val="dk1"/>
+    </dgm:txFillClrLst>
+    <dgm:txEffectClrLst/>
+  </dgm:styleLbl>
+  <dgm:styleLbl name="alignAcc1">
+    <dgm:fillClrLst meth="repeat">
+      <a:schemeClr val="lt1">
+        <a:alpha val="90000"/>
+      </a:schemeClr>
+    </dgm:fillClrLst>
+    <dgm:linClrLst meth="repeat">
+      <a:schemeClr val="accent1"/>
+    </dgm:linClrLst>
+    <dgm:effectClrLst/>
+    <dgm:txLinClrLst/>
+    <dgm:txFillClrLst meth="repeat">
+      <a:schemeClr val="dk1"/>
+    </dgm:txFillClrLst>
+    <dgm:txEffectClrLst/>
+  </dgm:styleLbl>
+  <dgm:styleLbl name="trAlignAcc1">
+    <dgm:fillClrLst meth="repeat">
+      <a:schemeClr val="lt1">
+        <a:alpha val="40000"/>
+      </a:schemeClr>
+    </dgm:fillClrLst>
+    <dgm:linClrLst meth="repeat">
+      <a:schemeClr val="accent1"/>
+    </dgm:linClrLst>
+    <dgm:effectClrLst/>
+    <dgm:txLinClrLst/>
+    <dgm:txFillClrLst meth="repeat">
+      <a:schemeClr val="dk1"/>
+    </dgm:txFillClrLst>
+    <dgm:txEffectClrLst/>
+  </dgm:styleLbl>
+  <dgm:styleLbl name="bgAcc1">
+    <dgm:fillClrLst meth="repeat">
+      <a:schemeClr val="lt1">
+        <a:alpha val="90000"/>
+      </a:schemeClr>
+    </dgm:fillClrLst>
+    <dgm:linClrLst meth="repeat">
+      <a:schemeClr val="accent1"/>
+    </dgm:linClrLst>
+    <dgm:effectClrLst/>
+    <dgm:txLinClrLst/>
+    <dgm:txFillClrLst meth="repeat">
+      <a:schemeClr val="dk1"/>
+    </dgm:txFillClrLst>
+    <dgm:txEffectClrLst/>
+  </dgm:styleLbl>
+  <dgm:styleLbl name="solidFgAcc1">
+    <dgm:fillClrLst meth="repeat">
+      <a:schemeClr val="lt1"/>
+    </dgm:fillClrLst>
+    <dgm:linClrLst meth="repeat">
+      <a:schemeClr val="accent1"/>
+    </dgm:linClrLst>
+    <dgm:effectClrLst/>
+    <dgm:txLinClrLst/>
+    <dgm:txFillClrLst meth="repeat">
+      <a:schemeClr val="dk1"/>
+    </dgm:txFillClrLst>
+    <dgm:txEffectClrLst/>
+  </dgm:styleLbl>
+  <dgm:styleLbl name="solidAlignAcc1">
+    <dgm:fillClrLst meth="repeat">
+      <a:schemeClr val="lt1"/>
+    </dgm:fillClrLst>
+    <dgm:linClrLst meth="repeat">
+      <a:schemeClr val="accent1"/>
+    </dgm:linClrLst>
+    <dgm:effectClrLst/>
+    <dgm:txLinClrLst/>
+    <dgm:txFillClrLst meth="repeat">
+      <a:schemeClr val="dk1"/>
+    </dgm:txFillClrLst>
+    <dgm:txEffectClrLst/>
+  </dgm:styleLbl>
+  <dgm:styleLbl name="solidBgAcc1">
+    <dgm:fillClrLst meth="repeat">
+      <a:schemeClr val="lt1"/>
+    </dgm:fillClrLst>
+    <dgm:linClrLst meth="repeat">
+      <a:schemeClr val="accent1"/>
+    </dgm:linClrLst>
+    <dgm:effectClrLst/>
+    <dgm:txLinClrLst/>
+    <dgm:txFillClrLst meth="repeat">
+      <a:schemeClr val="dk1"/>
+    </dgm:txFillClrLst>
+    <dgm:txEffectClrLst/>
+  </dgm:styleLbl>
+  <dgm:styleLbl name="fgAccFollowNode1">
+    <dgm:fillClrLst meth="repeat">
+      <a:schemeClr val="accent1">
+        <a:alpha val="90000"/>
+        <a:tint val="40000"/>
+      </a:schemeClr>
+    </dgm:fillClrLst>
+    <dgm:linClrLst meth="repeat">
+      <a:schemeClr val="accent1">
+        <a:alpha val="90000"/>
+        <a:tint val="40000"/>
+      </a:schemeClr>
+    </dgm:linClrLst>
+    <dgm:effectClrLst/>
+    <dgm:txLinClrLst/>
+    <dgm:txFillClrLst meth="repeat">
+      <a:schemeClr val="dk1"/>
+    </dgm:txFillClrLst>
+    <dgm:txEffectClrLst/>
+  </dgm:styleLbl>
+  <dgm:styleLbl name="alignAccFollowNode1">
+    <dgm:fillClrLst meth="repeat">
+      <a:schemeClr val="accent1">
+        <a:alpha val="90000"/>
+        <a:tint val="40000"/>
+      </a:schemeClr>
+    </dgm:fillClrLst>
+    <dgm:linClrLst meth="repeat">
+      <a:schemeClr val="accent1">
+        <a:alpha val="90000"/>
+        <a:tint val="40000"/>
+      </a:schemeClr>
+    </dgm:linClrLst>
+    <dgm:effectClrLst/>
+    <dgm:txLinClrLst/>
+    <dgm:txFillClrLst meth="repeat">
+      <a:schemeClr val="dk1"/>
+    </dgm:txFillClrLst>
+    <dgm:txEffectClrLst/>
+  </dgm:styleLbl>
+  <dgm:styleLbl name="bgAccFollowNode1">
+    <dgm:fillClrLst meth="repeat">
+      <a:schemeClr val="accent1">
+        <a:alpha val="90000"/>
+        <a:tint val="40000"/>
+      </a:schemeClr>
+    </dgm:fillClrLst>
+    <dgm:linClrLst meth="repeat">
+      <a:schemeClr val="accent1">
+        <a:alpha val="90000"/>
+        <a:tint val="40000"/>
+      </a:schemeClr>
+    </dgm:linClrLst>
+    <dgm:effectClrLst/>
+    <dgm:txLinClrLst/>
+    <dgm:txFillClrLst meth="repeat">
+      <a:schemeClr val="dk1"/>
+    </dgm:txFillClrLst>
+    <dgm:txEffectClrLst/>
+  </dgm:styleLbl>
+  <dgm:styleLbl name="fgAcc0">
+    <dgm:fillClrLst meth="repeat">
+      <a:schemeClr val="lt1">
+        <a:alpha val="90000"/>
+      </a:schemeClr>
+    </dgm:fillClrLst>
+    <dgm:linClrLst meth="repeat">
+      <a:schemeClr val="accent1"/>
+    </dgm:linClrLst>
+    <dgm:effectClrLst/>
+    <dgm:txLinClrLst/>
+    <dgm:txFillClrLst meth="repeat">
+      <a:schemeClr val="dk1"/>
+    </dgm:txFillClrLst>
+    <dgm:txEffectClrLst/>
+  </dgm:styleLbl>
+  <dgm:styleLbl name="fgAcc2">
+    <dgm:fillClrLst meth="repeat">
+      <a:schemeClr val="lt1">
+        <a:alpha val="90000"/>
+      </a:schemeClr>
+    </dgm:fillClrLst>
+    <dgm:linClrLst meth="repeat">
+      <a:schemeClr val="accent1"/>
+    </dgm:linClrLst>
+    <dgm:effectClrLst/>
+    <dgm:txLinClrLst/>
+    <dgm:txFillClrLst meth="repeat">
+      <a:schemeClr val="dk1"/>
+    </dgm:txFillClrLst>
+    <dgm:txEffectClrLst/>
+  </dgm:styleLbl>
+  <dgm:styleLbl name="fgAcc3">
+    <dgm:fillClrLst meth="repeat">
+      <a:schemeClr val="lt1">
+        <a:alpha val="90000"/>
+      </a:schemeClr>
+    </dgm:fillClrLst>
+    <dgm:linClrLst meth="repeat">
+      <a:schemeClr val="accent1"/>
+    </dgm:linClrLst>
+    <dgm:effectClrLst/>
+    <dgm:txLinClrLst/>
+    <dgm:txFillClrLst meth="repeat">
+      <a:schemeClr val="dk1"/>
+    </dgm:txFillClrLst>
+    <dgm:txEffectClrLst/>
+  </dgm:styleLbl>
+  <dgm:styleLbl name="fgAcc4">
+    <dgm:fillClrLst meth="repeat">
+      <a:schemeClr val="lt1">
+        <a:alpha val="90000"/>
+      </a:schemeClr>
+    </dgm:fillClrLst>
+    <dgm:linClrLst meth="repeat">
+      <a:schemeClr val="accent1"/>
+    </dgm:linClrLst>
+    <dgm:effectClrLst/>
+    <dgm:txLinClrLst/>
+    <dgm:txFillClrLst meth="repeat">
+      <a:schemeClr val="dk1"/>
+    </dgm:txFillClrLst>
+    <dgm:txEffectClrLst/>
+  </dgm:styleLbl>
+  <dgm:styleLbl name="bgShp">
+    <dgm:fillClrLst meth="repeat">
+      <a:schemeClr val="accent1">
+        <a:tint val="40000"/>
+      </a:schemeClr>
+    </dgm:fillClrLst>
+    <dgm:linClrLst meth="repeat">
+      <a:schemeClr val="accent1"/>
+    </dgm:linClrLst>
+    <dgm:effectClrLst/>
+    <dgm:txLinClrLst/>
+    <dgm:txFillClrLst meth="repeat">
+      <a:schemeClr val="dk1"/>
+    </dgm:txFillClrLst>
+    <dgm:txEffectClrLst/>
+  </dgm:styleLbl>
+  <dgm:styleLbl name="dkBgShp">
+    <dgm:fillClrLst meth="repeat">
+      <a:schemeClr val="accent1">
+        <a:shade val="80000"/>
+      </a:schemeClr>
+    </dgm:fillClrLst>
+    <dgm:linClrLst meth="repeat">
+      <a:schemeClr val="accent1"/>
+    </dgm:linClrLst>
+    <dgm:effectClrLst/>
+    <dgm:txLinClrLst/>
+    <dgm:txFillClrLst meth="repeat">
+      <a:schemeClr val="lt1"/>
+    </dgm:txFillClrLst>
+    <dgm:txEffectClrLst/>
+  </dgm:styleLbl>
+  <dgm:styleLbl name="trBgShp">
+    <dgm:fillClrLst meth="repeat">
+      <a:schemeClr val="accent1">
+        <a:tint val="50000"/>
+        <a:alpha val="40000"/>
+      </a:schemeClr>
+    </dgm:fillClrLst>
+    <dgm:linClrLst meth="repeat">
+      <a:schemeClr val="accent1"/>
+    </dgm:linClrLst>
+    <dgm:effectClrLst/>
+    <dgm:txLinClrLst/>
+    <dgm:txFillClrLst meth="repeat">
+      <a:schemeClr val="lt1"/>
+    </dgm:txFillClrLst>
+    <dgm:txEffectClrLst/>
+  </dgm:styleLbl>
+  <dgm:styleLbl name="fgShp">
+    <dgm:fillClrLst meth="repeat">
+      <a:schemeClr val="accent1">
+        <a:tint val="60000"/>
+      </a:schemeClr>
+    </dgm:fillClrLst>
+    <dgm:linClrLst meth="repeat">
+      <a:schemeClr val="lt1"/>
+    </dgm:linClrLst>
+    <dgm:effectClrLst/>
+    <dgm:txLinClrLst/>
+    <dgm:txFillClrLst meth="repeat">
+      <a:schemeClr val="dk1"/>
+    </dgm:txFillClrLst>
+    <dgm:txEffectClrLst/>
+  </dgm:styleLbl>
+  <dgm:styleLbl name="revTx">
+    <dgm:fillClrLst meth="repeat">
+      <a:schemeClr val="lt1">
+        <a:alpha val="0"/>
+      </a:schemeClr>
+    </dgm:fillClrLst>
+    <dgm:linClrLst meth="repeat">
+      <a:schemeClr val="dk1">
+        <a:alpha val="0"/>
+      </a:schemeClr>
+    </dgm:linClrLst>
+    <dgm:effectClrLst/>
+    <dgm:txLinClrLst/>
+    <dgm:txFillClrLst meth="repeat">
+      <a:schemeClr val="tx1"/>
+    </dgm:txFillClrLst>
+    <dgm:txEffectClrLst/>
+  </dgm:styleLbl>
+</dgm:colorsDef>
+</file>
+
+<file path=ppt/diagrams/data1.xml><?xml version="1.0" encoding="utf-8"?>
+<dgm:dataModel xmlns:dgm="http://schemas.openxmlformats.org/drawingml/2006/diagram" xmlns:a="http://schemas.openxmlformats.org/drawingml/2006/main">
+  <dgm:ptLst>
+    <dgm:pt modelId="{17C67EE0-DB73-4A57-A340-E5143F29C601}" type="doc">
+      <dgm:prSet loTypeId="urn:microsoft.com/office/officeart/2005/8/layout/vList2" loCatId="list" qsTypeId="urn:microsoft.com/office/officeart/2005/8/quickstyle/simple1" qsCatId="simple" csTypeId="urn:microsoft.com/office/officeart/2005/8/colors/accent1_2" csCatId="accent1" phldr="1"/>
+      <dgm:spPr/>
+      <dgm:t>
+        <a:bodyPr/>
+        <a:lstStyle/>
+        <a:p>
+          <a:endParaRPr lang="en-US"/>
+        </a:p>
+      </dgm:t>
+    </dgm:pt>
+    <dgm:pt modelId="{1062D434-FD21-4024-A00A-F09F77E26E2A}">
+      <dgm:prSet phldrT="[Text]" custT="1"/>
+      <dgm:spPr/>
+      <dgm:t>
+        <a:bodyPr/>
+        <a:lstStyle/>
+        <a:p>
+          <a:r>
+            <a:rPr lang="en-US" sz="3000" dirty="0" err="1">
+              <a:latin typeface="Times New Roman" panose="02020603050405020304" pitchFamily="18" charset="0"/>
+              <a:cs typeface="Times New Roman" panose="02020603050405020304" pitchFamily="18" charset="0"/>
+            </a:rPr>
+            <a:t>Tổng</a:t>
+          </a:r>
+          <a:r>
+            <a:rPr lang="en-US" sz="3000" dirty="0">
+              <a:latin typeface="Times New Roman" panose="02020603050405020304" pitchFamily="18" charset="0"/>
+              <a:cs typeface="Times New Roman" panose="02020603050405020304" pitchFamily="18" charset="0"/>
+            </a:rPr>
+            <a:t> </a:t>
+          </a:r>
+          <a:r>
+            <a:rPr lang="en-US" sz="3000" dirty="0" err="1">
+              <a:latin typeface="Times New Roman" panose="02020603050405020304" pitchFamily="18" charset="0"/>
+              <a:cs typeface="Times New Roman" panose="02020603050405020304" pitchFamily="18" charset="0"/>
+            </a:rPr>
+            <a:t>quan</a:t>
+          </a:r>
+          <a:r>
+            <a:rPr lang="en-US" sz="3000" dirty="0">
+              <a:latin typeface="Times New Roman" panose="02020603050405020304" pitchFamily="18" charset="0"/>
+              <a:cs typeface="Times New Roman" panose="02020603050405020304" pitchFamily="18" charset="0"/>
+            </a:rPr>
+            <a:t> </a:t>
+          </a:r>
+          <a:r>
+            <a:rPr lang="en-US" sz="3000" dirty="0" err="1">
+              <a:latin typeface="Times New Roman" panose="02020603050405020304" pitchFamily="18" charset="0"/>
+              <a:cs typeface="Times New Roman" panose="02020603050405020304" pitchFamily="18" charset="0"/>
+            </a:rPr>
+            <a:t>về</a:t>
+          </a:r>
+          <a:r>
+            <a:rPr lang="en-US" sz="3000" dirty="0">
+              <a:latin typeface="Times New Roman" panose="02020603050405020304" pitchFamily="18" charset="0"/>
+              <a:cs typeface="Times New Roman" panose="02020603050405020304" pitchFamily="18" charset="0"/>
+            </a:rPr>
+            <a:t> Stanford </a:t>
+          </a:r>
+          <a:r>
+            <a:rPr lang="en-US" sz="3000" dirty="0" err="1">
+              <a:latin typeface="Times New Roman" panose="02020603050405020304" pitchFamily="18" charset="0"/>
+              <a:cs typeface="Times New Roman" panose="02020603050405020304" pitchFamily="18" charset="0"/>
+            </a:rPr>
+            <a:t>CoreNLP</a:t>
+          </a:r>
+          <a:endParaRPr lang="en-US" sz="3000" dirty="0">
+            <a:latin typeface="Times New Roman" panose="02020603050405020304" pitchFamily="18" charset="0"/>
+            <a:cs typeface="Times New Roman" panose="02020603050405020304" pitchFamily="18" charset="0"/>
+          </a:endParaRPr>
+        </a:p>
+      </dgm:t>
+    </dgm:pt>
+    <dgm:pt modelId="{83EF1B3F-8B5E-4CE9-82FD-5619D4429045}" type="parTrans" cxnId="{B9300FB9-24D2-4E0A-A1B0-F99D36BDD716}">
+      <dgm:prSet/>
+      <dgm:spPr/>
+      <dgm:t>
+        <a:bodyPr/>
+        <a:lstStyle/>
+        <a:p>
+          <a:endParaRPr lang="en-US" sz="3000">
+            <a:latin typeface="Times New Roman" panose="02020603050405020304" pitchFamily="18" charset="0"/>
+            <a:cs typeface="Times New Roman" panose="02020603050405020304" pitchFamily="18" charset="0"/>
+          </a:endParaRPr>
+        </a:p>
+      </dgm:t>
+    </dgm:pt>
+    <dgm:pt modelId="{6B7137D4-F18E-4AAB-BA22-2340DB292175}" type="sibTrans" cxnId="{B9300FB9-24D2-4E0A-A1B0-F99D36BDD716}">
+      <dgm:prSet/>
+      <dgm:spPr/>
+      <dgm:t>
+        <a:bodyPr/>
+        <a:lstStyle/>
+        <a:p>
+          <a:endParaRPr lang="en-US" sz="3000">
+            <a:latin typeface="Times New Roman" panose="02020603050405020304" pitchFamily="18" charset="0"/>
+            <a:cs typeface="Times New Roman" panose="02020603050405020304" pitchFamily="18" charset="0"/>
+          </a:endParaRPr>
+        </a:p>
+      </dgm:t>
+    </dgm:pt>
+    <dgm:pt modelId="{4667FDAC-0756-475F-A979-CC434EB14F94}">
+      <dgm:prSet phldrT="[Text]" custT="1"/>
+      <dgm:spPr/>
+      <dgm:t>
+        <a:bodyPr/>
+        <a:lstStyle/>
+        <a:p>
+          <a:r>
+            <a:rPr lang="en-US" sz="3000" dirty="0" err="1">
+              <a:latin typeface="Times New Roman" panose="02020603050405020304" pitchFamily="18" charset="0"/>
+              <a:cs typeface="Times New Roman" panose="02020603050405020304" pitchFamily="18" charset="0"/>
+            </a:rPr>
+            <a:t>Một</a:t>
+          </a:r>
+          <a:r>
+            <a:rPr lang="en-US" sz="3000" dirty="0">
+              <a:latin typeface="Times New Roman" panose="02020603050405020304" pitchFamily="18" charset="0"/>
+              <a:cs typeface="Times New Roman" panose="02020603050405020304" pitchFamily="18" charset="0"/>
+            </a:rPr>
+            <a:t> </a:t>
+          </a:r>
+          <a:r>
+            <a:rPr lang="en-US" sz="3000" dirty="0" err="1">
+              <a:latin typeface="Times New Roman" panose="02020603050405020304" pitchFamily="18" charset="0"/>
+              <a:cs typeface="Times New Roman" panose="02020603050405020304" pitchFamily="18" charset="0"/>
+            </a:rPr>
+            <a:t>số</a:t>
+          </a:r>
+          <a:r>
+            <a:rPr lang="en-US" sz="3000" dirty="0">
+              <a:latin typeface="Times New Roman" panose="02020603050405020304" pitchFamily="18" charset="0"/>
+              <a:cs typeface="Times New Roman" panose="02020603050405020304" pitchFamily="18" charset="0"/>
+            </a:rPr>
+            <a:t> </a:t>
+          </a:r>
+          <a:r>
+            <a:rPr lang="en-US" sz="3000" dirty="0" err="1">
+              <a:latin typeface="Times New Roman" panose="02020603050405020304" pitchFamily="18" charset="0"/>
+              <a:cs typeface="Times New Roman" panose="02020603050405020304" pitchFamily="18" charset="0"/>
+            </a:rPr>
+            <a:t>công</a:t>
+          </a:r>
+          <a:r>
+            <a:rPr lang="en-US" sz="3000" dirty="0">
+              <a:latin typeface="Times New Roman" panose="02020603050405020304" pitchFamily="18" charset="0"/>
+              <a:cs typeface="Times New Roman" panose="02020603050405020304" pitchFamily="18" charset="0"/>
+            </a:rPr>
+            <a:t> </a:t>
+          </a:r>
+          <a:r>
+            <a:rPr lang="en-US" sz="3000" dirty="0" err="1">
+              <a:latin typeface="Times New Roman" panose="02020603050405020304" pitchFamily="18" charset="0"/>
+              <a:cs typeface="Times New Roman" panose="02020603050405020304" pitchFamily="18" charset="0"/>
+            </a:rPr>
+            <a:t>cụ</a:t>
+          </a:r>
+          <a:r>
+            <a:rPr lang="en-US" sz="3000" dirty="0">
+              <a:latin typeface="Times New Roman" panose="02020603050405020304" pitchFamily="18" charset="0"/>
+              <a:cs typeface="Times New Roman" panose="02020603050405020304" pitchFamily="18" charset="0"/>
+            </a:rPr>
+            <a:t> Stanford </a:t>
+          </a:r>
+          <a:r>
+            <a:rPr lang="en-US" sz="3000" dirty="0" err="1">
+              <a:latin typeface="Times New Roman" panose="02020603050405020304" pitchFamily="18" charset="0"/>
+              <a:cs typeface="Times New Roman" panose="02020603050405020304" pitchFamily="18" charset="0"/>
+            </a:rPr>
+            <a:t>CoreNLP</a:t>
+          </a:r>
+          <a:r>
+            <a:rPr lang="en-US" sz="3000" dirty="0">
+              <a:latin typeface="Times New Roman" panose="02020603050405020304" pitchFamily="18" charset="0"/>
+              <a:cs typeface="Times New Roman" panose="02020603050405020304" pitchFamily="18" charset="0"/>
+            </a:rPr>
+            <a:t> </a:t>
+          </a:r>
+          <a:r>
+            <a:rPr lang="en-US" sz="3000" dirty="0" err="1">
+              <a:latin typeface="Times New Roman" panose="02020603050405020304" pitchFamily="18" charset="0"/>
+              <a:cs typeface="Times New Roman" panose="02020603050405020304" pitchFamily="18" charset="0"/>
+            </a:rPr>
+            <a:t>hỗ</a:t>
+          </a:r>
+          <a:r>
+            <a:rPr lang="en-US" sz="3000" dirty="0">
+              <a:latin typeface="Times New Roman" panose="02020603050405020304" pitchFamily="18" charset="0"/>
+              <a:cs typeface="Times New Roman" panose="02020603050405020304" pitchFamily="18" charset="0"/>
+            </a:rPr>
+            <a:t> </a:t>
+          </a:r>
+          <a:r>
+            <a:rPr lang="en-US" sz="3000" dirty="0" err="1">
+              <a:latin typeface="Times New Roman" panose="02020603050405020304" pitchFamily="18" charset="0"/>
+              <a:cs typeface="Times New Roman" panose="02020603050405020304" pitchFamily="18" charset="0"/>
+            </a:rPr>
+            <a:t>trợ</a:t>
+          </a:r>
+          <a:endParaRPr lang="en-US" sz="3000" dirty="0">
+            <a:latin typeface="Times New Roman" panose="02020603050405020304" pitchFamily="18" charset="0"/>
+            <a:cs typeface="Times New Roman" panose="02020603050405020304" pitchFamily="18" charset="0"/>
+          </a:endParaRPr>
+        </a:p>
+      </dgm:t>
+    </dgm:pt>
+    <dgm:pt modelId="{08CCA7B2-06EC-4A4B-9137-33D5D87960B5}" type="parTrans" cxnId="{F4DC01B9-FB5F-49AF-B7CA-6A12135C8B2F}">
+      <dgm:prSet/>
+      <dgm:spPr/>
+      <dgm:t>
+        <a:bodyPr/>
+        <a:lstStyle/>
+        <a:p>
+          <a:endParaRPr lang="en-US" sz="3000">
+            <a:latin typeface="Times New Roman" panose="02020603050405020304" pitchFamily="18" charset="0"/>
+            <a:cs typeface="Times New Roman" panose="02020603050405020304" pitchFamily="18" charset="0"/>
+          </a:endParaRPr>
+        </a:p>
+      </dgm:t>
+    </dgm:pt>
+    <dgm:pt modelId="{18B8EA86-D5BC-4BF0-94C4-DC6A2921D373}" type="sibTrans" cxnId="{F4DC01B9-FB5F-49AF-B7CA-6A12135C8B2F}">
+      <dgm:prSet/>
+      <dgm:spPr/>
+      <dgm:t>
+        <a:bodyPr/>
+        <a:lstStyle/>
+        <a:p>
+          <a:endParaRPr lang="en-US" sz="3000">
+            <a:latin typeface="Times New Roman" panose="02020603050405020304" pitchFamily="18" charset="0"/>
+            <a:cs typeface="Times New Roman" panose="02020603050405020304" pitchFamily="18" charset="0"/>
+          </a:endParaRPr>
+        </a:p>
+      </dgm:t>
+    </dgm:pt>
+    <dgm:pt modelId="{36498E60-BBD7-4129-ABD7-BF474CD4B00B}">
+      <dgm:prSet phldrT="[Text]" custT="1"/>
+      <dgm:spPr/>
+      <dgm:t>
+        <a:bodyPr/>
+        <a:lstStyle/>
+        <a:p>
+          <a:r>
+            <a:rPr lang="en-US" sz="2600" dirty="0">
+              <a:latin typeface="Times New Roman" panose="02020603050405020304" pitchFamily="18" charset="0"/>
+              <a:cs typeface="Times New Roman" panose="02020603050405020304" pitchFamily="18" charset="0"/>
+            </a:rPr>
+            <a:t>Tokenization/ Sentence segmentation</a:t>
+          </a:r>
+        </a:p>
+      </dgm:t>
+    </dgm:pt>
+    <dgm:pt modelId="{93353577-B8D8-4B9D-8759-0E95CDBEAFD4}" type="parTrans" cxnId="{E005D8AE-FBA9-4DCD-98B7-88CB4A0632B3}">
+      <dgm:prSet/>
+      <dgm:spPr/>
+      <dgm:t>
+        <a:bodyPr/>
+        <a:lstStyle/>
+        <a:p>
+          <a:endParaRPr lang="en-US" sz="3000">
+            <a:latin typeface="Times New Roman" panose="02020603050405020304" pitchFamily="18" charset="0"/>
+            <a:cs typeface="Times New Roman" panose="02020603050405020304" pitchFamily="18" charset="0"/>
+          </a:endParaRPr>
+        </a:p>
+      </dgm:t>
+    </dgm:pt>
+    <dgm:pt modelId="{14DD8FFD-371F-428C-ADB2-DEC35D5C74DE}" type="sibTrans" cxnId="{E005D8AE-FBA9-4DCD-98B7-88CB4A0632B3}">
+      <dgm:prSet/>
+      <dgm:spPr/>
+      <dgm:t>
+        <a:bodyPr/>
+        <a:lstStyle/>
+        <a:p>
+          <a:endParaRPr lang="en-US" sz="3000">
+            <a:latin typeface="Times New Roman" panose="02020603050405020304" pitchFamily="18" charset="0"/>
+            <a:cs typeface="Times New Roman" panose="02020603050405020304" pitchFamily="18" charset="0"/>
+          </a:endParaRPr>
+        </a:p>
+      </dgm:t>
+    </dgm:pt>
+    <dgm:pt modelId="{487AB114-347D-4FF0-A347-45D12B94FC14}">
+      <dgm:prSet custT="1"/>
+      <dgm:spPr/>
+      <dgm:t>
+        <a:bodyPr/>
+        <a:lstStyle/>
+        <a:p>
+          <a:r>
+            <a:rPr lang="en-US" sz="2600" dirty="0">
+              <a:latin typeface="Times New Roman" panose="02020603050405020304" pitchFamily="18" charset="0"/>
+              <a:cs typeface="Times New Roman" panose="02020603050405020304" pitchFamily="18" charset="0"/>
+            </a:rPr>
+            <a:t>Part of Speech (POS) </a:t>
+          </a:r>
+        </a:p>
+      </dgm:t>
+    </dgm:pt>
+    <dgm:pt modelId="{BFBD223E-095F-4591-8332-31704BE389C6}" type="parTrans" cxnId="{DEBF60C1-F90E-4EAA-9303-0FEF4E19C083}">
+      <dgm:prSet/>
+      <dgm:spPr/>
+      <dgm:t>
+        <a:bodyPr/>
+        <a:lstStyle/>
+        <a:p>
+          <a:endParaRPr lang="en-US" sz="3000">
+            <a:latin typeface="Times New Roman" panose="02020603050405020304" pitchFamily="18" charset="0"/>
+            <a:cs typeface="Times New Roman" panose="02020603050405020304" pitchFamily="18" charset="0"/>
+          </a:endParaRPr>
+        </a:p>
+      </dgm:t>
+    </dgm:pt>
+    <dgm:pt modelId="{942D1FF3-FE3B-45C6-BC46-C7A16D21A017}" type="sibTrans" cxnId="{DEBF60C1-F90E-4EAA-9303-0FEF4E19C083}">
+      <dgm:prSet/>
+      <dgm:spPr/>
+      <dgm:t>
+        <a:bodyPr/>
+        <a:lstStyle/>
+        <a:p>
+          <a:endParaRPr lang="en-US" sz="3000">
+            <a:latin typeface="Times New Roman" panose="02020603050405020304" pitchFamily="18" charset="0"/>
+            <a:cs typeface="Times New Roman" panose="02020603050405020304" pitchFamily="18" charset="0"/>
+          </a:endParaRPr>
+        </a:p>
+      </dgm:t>
+    </dgm:pt>
+    <dgm:pt modelId="{2159B9D9-B6BC-48D5-88E9-68CFB6B8ECE3}">
+      <dgm:prSet custT="1"/>
+      <dgm:spPr/>
+      <dgm:t>
+        <a:bodyPr/>
+        <a:lstStyle/>
+        <a:p>
+          <a:r>
+            <a:rPr lang="en-US" sz="2600" dirty="0">
+              <a:latin typeface="Times New Roman" panose="02020603050405020304" pitchFamily="18" charset="0"/>
+              <a:cs typeface="Times New Roman" panose="02020603050405020304" pitchFamily="18" charset="0"/>
+            </a:rPr>
+            <a:t>The named entity recognizer (NER)</a:t>
+          </a:r>
+        </a:p>
+      </dgm:t>
+    </dgm:pt>
+    <dgm:pt modelId="{5F00B5B1-3279-43EF-B470-4021F530D3FC}" type="parTrans" cxnId="{9A604406-136E-476D-AB14-56F73DC70261}">
+      <dgm:prSet/>
+      <dgm:spPr/>
+      <dgm:t>
+        <a:bodyPr/>
+        <a:lstStyle/>
+        <a:p>
+          <a:endParaRPr lang="en-US" sz="3000">
+            <a:latin typeface="Times New Roman" panose="02020603050405020304" pitchFamily="18" charset="0"/>
+            <a:cs typeface="Times New Roman" panose="02020603050405020304" pitchFamily="18" charset="0"/>
+          </a:endParaRPr>
+        </a:p>
+      </dgm:t>
+    </dgm:pt>
+    <dgm:pt modelId="{2A8EA90C-3F81-46BB-8AA2-FEADE9AB026F}" type="sibTrans" cxnId="{9A604406-136E-476D-AB14-56F73DC70261}">
+      <dgm:prSet/>
+      <dgm:spPr/>
+      <dgm:t>
+        <a:bodyPr/>
+        <a:lstStyle/>
+        <a:p>
+          <a:endParaRPr lang="en-US" sz="3000">
+            <a:latin typeface="Times New Roman" panose="02020603050405020304" pitchFamily="18" charset="0"/>
+            <a:cs typeface="Times New Roman" panose="02020603050405020304" pitchFamily="18" charset="0"/>
+          </a:endParaRPr>
+        </a:p>
+      </dgm:t>
+    </dgm:pt>
+    <dgm:pt modelId="{2349D537-3D73-46A2-BE5D-06FD99FF5D23}">
+      <dgm:prSet custT="1"/>
+      <dgm:spPr/>
+      <dgm:t>
+        <a:bodyPr/>
+        <a:lstStyle/>
+        <a:p>
+          <a:r>
+            <a:rPr lang="en-US" sz="2600">
+              <a:latin typeface="Times New Roman" panose="02020603050405020304" pitchFamily="18" charset="0"/>
+              <a:cs typeface="Times New Roman" panose="02020603050405020304" pitchFamily="18" charset="0"/>
+            </a:rPr>
+            <a:t>The parser</a:t>
+          </a:r>
+          <a:endParaRPr lang="en-US" sz="2600" dirty="0">
+            <a:latin typeface="Times New Roman" panose="02020603050405020304" pitchFamily="18" charset="0"/>
+            <a:cs typeface="Times New Roman" panose="02020603050405020304" pitchFamily="18" charset="0"/>
+          </a:endParaRPr>
+        </a:p>
+      </dgm:t>
+    </dgm:pt>
+    <dgm:pt modelId="{D22666A6-DDF1-46D3-AC3F-F5E2CFD4C13D}" type="parTrans" cxnId="{D4329D49-47E0-43D1-B50A-277F67EA0A4F}">
+      <dgm:prSet/>
+      <dgm:spPr/>
+      <dgm:t>
+        <a:bodyPr/>
+        <a:lstStyle/>
+        <a:p>
+          <a:endParaRPr lang="en-US" sz="3000">
+            <a:latin typeface="Times New Roman" panose="02020603050405020304" pitchFamily="18" charset="0"/>
+            <a:cs typeface="Times New Roman" panose="02020603050405020304" pitchFamily="18" charset="0"/>
+          </a:endParaRPr>
+        </a:p>
+      </dgm:t>
+    </dgm:pt>
+    <dgm:pt modelId="{D0FBB0C1-BCF4-4E01-A07F-ACEA5115DC09}" type="sibTrans" cxnId="{D4329D49-47E0-43D1-B50A-277F67EA0A4F}">
+      <dgm:prSet/>
+      <dgm:spPr/>
+      <dgm:t>
+        <a:bodyPr/>
+        <a:lstStyle/>
+        <a:p>
+          <a:endParaRPr lang="en-US" sz="3000">
+            <a:latin typeface="Times New Roman" panose="02020603050405020304" pitchFamily="18" charset="0"/>
+            <a:cs typeface="Times New Roman" panose="02020603050405020304" pitchFamily="18" charset="0"/>
+          </a:endParaRPr>
+        </a:p>
+      </dgm:t>
+    </dgm:pt>
+    <dgm:pt modelId="{B9683ADE-51CB-4BC1-9A3A-BE274282F963}">
+      <dgm:prSet custT="1"/>
+      <dgm:spPr/>
+      <dgm:t>
+        <a:bodyPr/>
+        <a:lstStyle/>
+        <a:p>
+          <a:r>
+            <a:rPr lang="en-US" sz="2600" dirty="0">
+              <a:latin typeface="Times New Roman" panose="02020603050405020304" pitchFamily="18" charset="0"/>
+              <a:cs typeface="Times New Roman" panose="02020603050405020304" pitchFamily="18" charset="0"/>
+            </a:rPr>
+            <a:t>The coreference resolution system</a:t>
+          </a:r>
+        </a:p>
+      </dgm:t>
+    </dgm:pt>
+    <dgm:pt modelId="{05C23253-FB13-4F2D-80EC-7B08EB17A8E5}" type="parTrans" cxnId="{32BC9F00-BBBD-4B64-B8BF-8B98AE8FD68C}">
+      <dgm:prSet/>
+      <dgm:spPr/>
+      <dgm:t>
+        <a:bodyPr/>
+        <a:lstStyle/>
+        <a:p>
+          <a:endParaRPr lang="en-US" sz="3000">
+            <a:latin typeface="Times New Roman" panose="02020603050405020304" pitchFamily="18" charset="0"/>
+            <a:cs typeface="Times New Roman" panose="02020603050405020304" pitchFamily="18" charset="0"/>
+          </a:endParaRPr>
+        </a:p>
+      </dgm:t>
+    </dgm:pt>
+    <dgm:pt modelId="{252AFAAB-7E52-496E-8EE9-09C0535B382C}" type="sibTrans" cxnId="{32BC9F00-BBBD-4B64-B8BF-8B98AE8FD68C}">
+      <dgm:prSet/>
+      <dgm:spPr/>
+      <dgm:t>
+        <a:bodyPr/>
+        <a:lstStyle/>
+        <a:p>
+          <a:endParaRPr lang="en-US" sz="3000">
+            <a:latin typeface="Times New Roman" panose="02020603050405020304" pitchFamily="18" charset="0"/>
+            <a:cs typeface="Times New Roman" panose="02020603050405020304" pitchFamily="18" charset="0"/>
+          </a:endParaRPr>
+        </a:p>
+      </dgm:t>
+    </dgm:pt>
+    <dgm:pt modelId="{52DCF57B-F921-4F34-BB51-8EA86DE81EE5}" type="pres">
+      <dgm:prSet presAssocID="{17C67EE0-DB73-4A57-A340-E5143F29C601}" presName="linear" presStyleCnt="0">
+        <dgm:presLayoutVars>
+          <dgm:animLvl val="lvl"/>
+          <dgm:resizeHandles val="exact"/>
+        </dgm:presLayoutVars>
+      </dgm:prSet>
+      <dgm:spPr/>
+    </dgm:pt>
+    <dgm:pt modelId="{BD6F99BE-639D-4AD7-A35A-BA247FB9B8EA}" type="pres">
+      <dgm:prSet presAssocID="{1062D434-FD21-4024-A00A-F09F77E26E2A}" presName="parentText" presStyleLbl="node1" presStyleIdx="0" presStyleCnt="2">
+        <dgm:presLayoutVars>
+          <dgm:chMax val="0"/>
+          <dgm:bulletEnabled val="1"/>
+        </dgm:presLayoutVars>
+      </dgm:prSet>
+      <dgm:spPr/>
+    </dgm:pt>
+    <dgm:pt modelId="{8C09DAC4-6B0D-478C-A58C-7E8BD393A1D0}" type="pres">
+      <dgm:prSet presAssocID="{6B7137D4-F18E-4AAB-BA22-2340DB292175}" presName="spacer" presStyleCnt="0"/>
+      <dgm:spPr/>
+    </dgm:pt>
+    <dgm:pt modelId="{2BDB51C8-987F-4802-A627-3B964BB8807F}" type="pres">
+      <dgm:prSet presAssocID="{4667FDAC-0756-475F-A979-CC434EB14F94}" presName="parentText" presStyleLbl="node1" presStyleIdx="1" presStyleCnt="2">
+        <dgm:presLayoutVars>
+          <dgm:chMax val="0"/>
+          <dgm:bulletEnabled val="1"/>
+        </dgm:presLayoutVars>
+      </dgm:prSet>
+      <dgm:spPr/>
+    </dgm:pt>
+    <dgm:pt modelId="{7ECBE9F7-2ECC-4F57-BC9E-5D6A45EAB17A}" type="pres">
+      <dgm:prSet presAssocID="{4667FDAC-0756-475F-A979-CC434EB14F94}" presName="childText" presStyleLbl="revTx" presStyleIdx="0" presStyleCnt="1">
+        <dgm:presLayoutVars>
+          <dgm:bulletEnabled val="1"/>
+        </dgm:presLayoutVars>
+      </dgm:prSet>
+      <dgm:spPr/>
+    </dgm:pt>
+  </dgm:ptLst>
+  <dgm:cxnLst>
+    <dgm:cxn modelId="{32BC9F00-BBBD-4B64-B8BF-8B98AE8FD68C}" srcId="{4667FDAC-0756-475F-A979-CC434EB14F94}" destId="{B9683ADE-51CB-4BC1-9A3A-BE274282F963}" srcOrd="4" destOrd="0" parTransId="{05C23253-FB13-4F2D-80EC-7B08EB17A8E5}" sibTransId="{252AFAAB-7E52-496E-8EE9-09C0535B382C}"/>
+    <dgm:cxn modelId="{9A604406-136E-476D-AB14-56F73DC70261}" srcId="{4667FDAC-0756-475F-A979-CC434EB14F94}" destId="{2159B9D9-B6BC-48D5-88E9-68CFB6B8ECE3}" srcOrd="2" destOrd="0" parTransId="{5F00B5B1-3279-43EF-B470-4021F530D3FC}" sibTransId="{2A8EA90C-3F81-46BB-8AA2-FEADE9AB026F}"/>
+    <dgm:cxn modelId="{D4329D49-47E0-43D1-B50A-277F67EA0A4F}" srcId="{4667FDAC-0756-475F-A979-CC434EB14F94}" destId="{2349D537-3D73-46A2-BE5D-06FD99FF5D23}" srcOrd="3" destOrd="0" parTransId="{D22666A6-DDF1-46D3-AC3F-F5E2CFD4C13D}" sibTransId="{D0FBB0C1-BCF4-4E01-A07F-ACEA5115DC09}"/>
+    <dgm:cxn modelId="{B76B456E-939F-4A78-9A90-186563505147}" type="presOf" srcId="{B9683ADE-51CB-4BC1-9A3A-BE274282F963}" destId="{7ECBE9F7-2ECC-4F57-BC9E-5D6A45EAB17A}" srcOrd="0" destOrd="4" presId="urn:microsoft.com/office/officeart/2005/8/layout/vList2"/>
+    <dgm:cxn modelId="{8F1F1A54-8761-4F73-BD1A-25D70D984C47}" type="presOf" srcId="{17C67EE0-DB73-4A57-A340-E5143F29C601}" destId="{52DCF57B-F921-4F34-BB51-8EA86DE81EE5}" srcOrd="0" destOrd="0" presId="urn:microsoft.com/office/officeart/2005/8/layout/vList2"/>
+    <dgm:cxn modelId="{235D6079-736E-4BF0-92FF-42DC4B32ECB8}" type="presOf" srcId="{36498E60-BBD7-4129-ABD7-BF474CD4B00B}" destId="{7ECBE9F7-2ECC-4F57-BC9E-5D6A45EAB17A}" srcOrd="0" destOrd="0" presId="urn:microsoft.com/office/officeart/2005/8/layout/vList2"/>
+    <dgm:cxn modelId="{ABF5C17A-AB51-4E6B-8BCC-F1565282BE46}" type="presOf" srcId="{487AB114-347D-4FF0-A347-45D12B94FC14}" destId="{7ECBE9F7-2ECC-4F57-BC9E-5D6A45EAB17A}" srcOrd="0" destOrd="1" presId="urn:microsoft.com/office/officeart/2005/8/layout/vList2"/>
+    <dgm:cxn modelId="{3CAE2F9D-340D-4D4C-80C0-247C2F39C49C}" type="presOf" srcId="{2349D537-3D73-46A2-BE5D-06FD99FF5D23}" destId="{7ECBE9F7-2ECC-4F57-BC9E-5D6A45EAB17A}" srcOrd="0" destOrd="3" presId="urn:microsoft.com/office/officeart/2005/8/layout/vList2"/>
+    <dgm:cxn modelId="{0677B0AB-E1F2-49C7-9788-FF7B736BD84F}" type="presOf" srcId="{1062D434-FD21-4024-A00A-F09F77E26E2A}" destId="{BD6F99BE-639D-4AD7-A35A-BA247FB9B8EA}" srcOrd="0" destOrd="0" presId="urn:microsoft.com/office/officeart/2005/8/layout/vList2"/>
+    <dgm:cxn modelId="{E005D8AE-FBA9-4DCD-98B7-88CB4A0632B3}" srcId="{4667FDAC-0756-475F-A979-CC434EB14F94}" destId="{36498E60-BBD7-4129-ABD7-BF474CD4B00B}" srcOrd="0" destOrd="0" parTransId="{93353577-B8D8-4B9D-8759-0E95CDBEAFD4}" sibTransId="{14DD8FFD-371F-428C-ADB2-DEC35D5C74DE}"/>
+    <dgm:cxn modelId="{F4DC01B9-FB5F-49AF-B7CA-6A12135C8B2F}" srcId="{17C67EE0-DB73-4A57-A340-E5143F29C601}" destId="{4667FDAC-0756-475F-A979-CC434EB14F94}" srcOrd="1" destOrd="0" parTransId="{08CCA7B2-06EC-4A4B-9137-33D5D87960B5}" sibTransId="{18B8EA86-D5BC-4BF0-94C4-DC6A2921D373}"/>
+    <dgm:cxn modelId="{B9300FB9-24D2-4E0A-A1B0-F99D36BDD716}" srcId="{17C67EE0-DB73-4A57-A340-E5143F29C601}" destId="{1062D434-FD21-4024-A00A-F09F77E26E2A}" srcOrd="0" destOrd="0" parTransId="{83EF1B3F-8B5E-4CE9-82FD-5619D4429045}" sibTransId="{6B7137D4-F18E-4AAB-BA22-2340DB292175}"/>
+    <dgm:cxn modelId="{DEBF60C1-F90E-4EAA-9303-0FEF4E19C083}" srcId="{4667FDAC-0756-475F-A979-CC434EB14F94}" destId="{487AB114-347D-4FF0-A347-45D12B94FC14}" srcOrd="1" destOrd="0" parTransId="{BFBD223E-095F-4591-8332-31704BE389C6}" sibTransId="{942D1FF3-FE3B-45C6-BC46-C7A16D21A017}"/>
+    <dgm:cxn modelId="{E6272BCB-BB46-4CBE-8E3A-E50DEB5A5C70}" type="presOf" srcId="{2159B9D9-B6BC-48D5-88E9-68CFB6B8ECE3}" destId="{7ECBE9F7-2ECC-4F57-BC9E-5D6A45EAB17A}" srcOrd="0" destOrd="2" presId="urn:microsoft.com/office/officeart/2005/8/layout/vList2"/>
+    <dgm:cxn modelId="{414B11F7-9C65-414D-912E-26184994731E}" type="presOf" srcId="{4667FDAC-0756-475F-A979-CC434EB14F94}" destId="{2BDB51C8-987F-4802-A627-3B964BB8807F}" srcOrd="0" destOrd="0" presId="urn:microsoft.com/office/officeart/2005/8/layout/vList2"/>
+    <dgm:cxn modelId="{9BD1C03A-A756-45F5-AABF-26B75D3195EE}" type="presParOf" srcId="{52DCF57B-F921-4F34-BB51-8EA86DE81EE5}" destId="{BD6F99BE-639D-4AD7-A35A-BA247FB9B8EA}" srcOrd="0" destOrd="0" presId="urn:microsoft.com/office/officeart/2005/8/layout/vList2"/>
+    <dgm:cxn modelId="{6D70FDC2-9E3A-4FA9-B00B-B48E1562BBCD}" type="presParOf" srcId="{52DCF57B-F921-4F34-BB51-8EA86DE81EE5}" destId="{8C09DAC4-6B0D-478C-A58C-7E8BD393A1D0}" srcOrd="1" destOrd="0" presId="urn:microsoft.com/office/officeart/2005/8/layout/vList2"/>
+    <dgm:cxn modelId="{8A2849C6-7E81-4DAB-895B-701EDE09B3DB}" type="presParOf" srcId="{52DCF57B-F921-4F34-BB51-8EA86DE81EE5}" destId="{2BDB51C8-987F-4802-A627-3B964BB8807F}" srcOrd="2" destOrd="0" presId="urn:microsoft.com/office/officeart/2005/8/layout/vList2"/>
+    <dgm:cxn modelId="{5A8AC066-0559-4605-A480-CC7D06C232A9}" type="presParOf" srcId="{52DCF57B-F921-4F34-BB51-8EA86DE81EE5}" destId="{7ECBE9F7-2ECC-4F57-BC9E-5D6A45EAB17A}" srcOrd="3" destOrd="0" presId="urn:microsoft.com/office/officeart/2005/8/layout/vList2"/>
+  </dgm:cxnLst>
+  <dgm:bg/>
+  <dgm:whole/>
+  <dgm:extLst>
+    <a:ext uri="http://schemas.microsoft.com/office/drawing/2008/diagram">
+      <dsp:dataModelExt xmlns:dsp="http://schemas.microsoft.com/office/drawing/2008/diagram" relId="rId7" minVer="http://schemas.openxmlformats.org/drawingml/2006/diagram"/>
+    </a:ext>
+  </dgm:extLst>
+</dgm:dataModel>
+</file>
+
+<file path=ppt/diagrams/drawing1.xml><?xml version="1.0" encoding="utf-8"?>
+<dsp:drawing xmlns:dgm="http://schemas.openxmlformats.org/drawingml/2006/diagram" xmlns:dsp="http://schemas.microsoft.com/office/drawing/2008/diagram" xmlns:a="http://schemas.openxmlformats.org/drawingml/2006/main">
+  <dsp:spTree>
+    <dsp:nvGrpSpPr>
+      <dsp:cNvPr id="0" name=""/>
+      <dsp:cNvGrpSpPr/>
+    </dsp:nvGrpSpPr>
+    <dsp:grpSpPr/>
+    <dsp:sp modelId="{BD6F99BE-639D-4AD7-A35A-BA247FB9B8EA}">
+      <dsp:nvSpPr>
+        <dsp:cNvPr id="0" name=""/>
+        <dsp:cNvSpPr/>
+      </dsp:nvSpPr>
+      <dsp:spPr>
+        <a:xfrm>
+          <a:off x="0" y="29026"/>
+          <a:ext cx="9187543" cy="1141920"/>
+        </a:xfrm>
+        <a:prstGeom prst="roundRect">
+          <a:avLst/>
+        </a:prstGeom>
+        <a:solidFill>
+          <a:schemeClr val="accent1">
+            <a:hueOff val="0"/>
+            <a:satOff val="0"/>
+            <a:lumOff val="0"/>
+            <a:alphaOff val="0"/>
+          </a:schemeClr>
+        </a:solidFill>
+        <a:ln w="15875" cap="rnd" cmpd="sng" algn="ctr">
+          <a:solidFill>
+            <a:schemeClr val="lt1">
+              <a:hueOff val="0"/>
+              <a:satOff val="0"/>
+              <a:lumOff val="0"/>
+              <a:alphaOff val="0"/>
+            </a:schemeClr>
+          </a:solidFill>
+          <a:prstDash val="solid"/>
+        </a:ln>
+        <a:effectLst/>
+      </dsp:spPr>
+      <dsp:style>
+        <a:lnRef idx="2">
+          <a:scrgbClr r="0" g="0" b="0"/>
+        </a:lnRef>
+        <a:fillRef idx="1">
+          <a:scrgbClr r="0" g="0" b="0"/>
+        </a:fillRef>
+        <a:effectRef idx="0">
+          <a:scrgbClr r="0" g="0" b="0"/>
+        </a:effectRef>
+        <a:fontRef idx="minor">
+          <a:schemeClr val="lt1"/>
+        </a:fontRef>
+      </dsp:style>
+      <dsp:txBody>
+        <a:bodyPr spcFirstLastPara="0" vert="horz" wrap="square" lIns="114300" tIns="114300" rIns="114300" bIns="114300" numCol="1" spcCol="1270" anchor="ctr" anchorCtr="0">
+          <a:noAutofit/>
+        </a:bodyPr>
+        <a:lstStyle/>
+        <a:p>
+          <a:pPr marL="0" lvl="0" indent="0" algn="l" defTabSz="1333500">
+            <a:lnSpc>
+              <a:spcPct val="90000"/>
+            </a:lnSpc>
+            <a:spcBef>
+              <a:spcPct val="0"/>
+            </a:spcBef>
+            <a:spcAft>
+              <a:spcPct val="35000"/>
+            </a:spcAft>
+            <a:buNone/>
+          </a:pPr>
+          <a:r>
+            <a:rPr lang="en-US" sz="3000" kern="1200" dirty="0" err="1">
+              <a:latin typeface="Times New Roman" panose="02020603050405020304" pitchFamily="18" charset="0"/>
+              <a:cs typeface="Times New Roman" panose="02020603050405020304" pitchFamily="18" charset="0"/>
+            </a:rPr>
+            <a:t>Tổng</a:t>
+          </a:r>
+          <a:r>
+            <a:rPr lang="en-US" sz="3000" kern="1200" dirty="0">
+              <a:latin typeface="Times New Roman" panose="02020603050405020304" pitchFamily="18" charset="0"/>
+              <a:cs typeface="Times New Roman" panose="02020603050405020304" pitchFamily="18" charset="0"/>
+            </a:rPr>
+            <a:t> </a:t>
+          </a:r>
+          <a:r>
+            <a:rPr lang="en-US" sz="3000" kern="1200" dirty="0" err="1">
+              <a:latin typeface="Times New Roman" panose="02020603050405020304" pitchFamily="18" charset="0"/>
+              <a:cs typeface="Times New Roman" panose="02020603050405020304" pitchFamily="18" charset="0"/>
+            </a:rPr>
+            <a:t>quan</a:t>
+          </a:r>
+          <a:r>
+            <a:rPr lang="en-US" sz="3000" kern="1200" dirty="0">
+              <a:latin typeface="Times New Roman" panose="02020603050405020304" pitchFamily="18" charset="0"/>
+              <a:cs typeface="Times New Roman" panose="02020603050405020304" pitchFamily="18" charset="0"/>
+            </a:rPr>
+            <a:t> </a:t>
+          </a:r>
+          <a:r>
+            <a:rPr lang="en-US" sz="3000" kern="1200" dirty="0" err="1">
+              <a:latin typeface="Times New Roman" panose="02020603050405020304" pitchFamily="18" charset="0"/>
+              <a:cs typeface="Times New Roman" panose="02020603050405020304" pitchFamily="18" charset="0"/>
+            </a:rPr>
+            <a:t>về</a:t>
+          </a:r>
+          <a:r>
+            <a:rPr lang="en-US" sz="3000" kern="1200" dirty="0">
+              <a:latin typeface="Times New Roman" panose="02020603050405020304" pitchFamily="18" charset="0"/>
+              <a:cs typeface="Times New Roman" panose="02020603050405020304" pitchFamily="18" charset="0"/>
+            </a:rPr>
+            <a:t> Stanford </a:t>
+          </a:r>
+          <a:r>
+            <a:rPr lang="en-US" sz="3000" kern="1200" dirty="0" err="1">
+              <a:latin typeface="Times New Roman" panose="02020603050405020304" pitchFamily="18" charset="0"/>
+              <a:cs typeface="Times New Roman" panose="02020603050405020304" pitchFamily="18" charset="0"/>
+            </a:rPr>
+            <a:t>CoreNLP</a:t>
+          </a:r>
+          <a:endParaRPr lang="en-US" sz="3000" kern="1200" dirty="0">
+            <a:latin typeface="Times New Roman" panose="02020603050405020304" pitchFamily="18" charset="0"/>
+            <a:cs typeface="Times New Roman" panose="02020603050405020304" pitchFamily="18" charset="0"/>
+          </a:endParaRPr>
+        </a:p>
+      </dsp:txBody>
+      <dsp:txXfrm>
+        <a:off x="55744" y="84770"/>
+        <a:ext cx="9076055" cy="1030432"/>
+      </dsp:txXfrm>
+    </dsp:sp>
+    <dsp:sp modelId="{2BDB51C8-987F-4802-A627-3B964BB8807F}">
+      <dsp:nvSpPr>
+        <dsp:cNvPr id="0" name=""/>
+        <dsp:cNvSpPr/>
+      </dsp:nvSpPr>
+      <dsp:spPr>
+        <a:xfrm>
+          <a:off x="0" y="1346627"/>
+          <a:ext cx="9187543" cy="1141920"/>
+        </a:xfrm>
+        <a:prstGeom prst="roundRect">
+          <a:avLst/>
+        </a:prstGeom>
+        <a:solidFill>
+          <a:schemeClr val="accent1">
+            <a:hueOff val="0"/>
+            <a:satOff val="0"/>
+            <a:lumOff val="0"/>
+            <a:alphaOff val="0"/>
+          </a:schemeClr>
+        </a:solidFill>
+        <a:ln w="15875" cap="rnd" cmpd="sng" algn="ctr">
+          <a:solidFill>
+            <a:schemeClr val="lt1">
+              <a:hueOff val="0"/>
+              <a:satOff val="0"/>
+              <a:lumOff val="0"/>
+              <a:alphaOff val="0"/>
+            </a:schemeClr>
+          </a:solidFill>
+          <a:prstDash val="solid"/>
+        </a:ln>
+        <a:effectLst/>
+      </dsp:spPr>
+      <dsp:style>
+        <a:lnRef idx="2">
+          <a:scrgbClr r="0" g="0" b="0"/>
+        </a:lnRef>
+        <a:fillRef idx="1">
+          <a:scrgbClr r="0" g="0" b="0"/>
+        </a:fillRef>
+        <a:effectRef idx="0">
+          <a:scrgbClr r="0" g="0" b="0"/>
+        </a:effectRef>
+        <a:fontRef idx="minor">
+          <a:schemeClr val="lt1"/>
+        </a:fontRef>
+      </dsp:style>
+      <dsp:txBody>
+        <a:bodyPr spcFirstLastPara="0" vert="horz" wrap="square" lIns="114300" tIns="114300" rIns="114300" bIns="114300" numCol="1" spcCol="1270" anchor="ctr" anchorCtr="0">
+          <a:noAutofit/>
+        </a:bodyPr>
+        <a:lstStyle/>
+        <a:p>
+          <a:pPr marL="0" lvl="0" indent="0" algn="l" defTabSz="1333500">
+            <a:lnSpc>
+              <a:spcPct val="90000"/>
+            </a:lnSpc>
+            <a:spcBef>
+              <a:spcPct val="0"/>
+            </a:spcBef>
+            <a:spcAft>
+              <a:spcPct val="35000"/>
+            </a:spcAft>
+            <a:buNone/>
+          </a:pPr>
+          <a:r>
+            <a:rPr lang="en-US" sz="3000" kern="1200" dirty="0" err="1">
+              <a:latin typeface="Times New Roman" panose="02020603050405020304" pitchFamily="18" charset="0"/>
+              <a:cs typeface="Times New Roman" panose="02020603050405020304" pitchFamily="18" charset="0"/>
+            </a:rPr>
+            <a:t>Một</a:t>
+          </a:r>
+          <a:r>
+            <a:rPr lang="en-US" sz="3000" kern="1200" dirty="0">
+              <a:latin typeface="Times New Roman" panose="02020603050405020304" pitchFamily="18" charset="0"/>
+              <a:cs typeface="Times New Roman" panose="02020603050405020304" pitchFamily="18" charset="0"/>
+            </a:rPr>
+            <a:t> </a:t>
+          </a:r>
+          <a:r>
+            <a:rPr lang="en-US" sz="3000" kern="1200" dirty="0" err="1">
+              <a:latin typeface="Times New Roman" panose="02020603050405020304" pitchFamily="18" charset="0"/>
+              <a:cs typeface="Times New Roman" panose="02020603050405020304" pitchFamily="18" charset="0"/>
+            </a:rPr>
+            <a:t>số</a:t>
+          </a:r>
+          <a:r>
+            <a:rPr lang="en-US" sz="3000" kern="1200" dirty="0">
+              <a:latin typeface="Times New Roman" panose="02020603050405020304" pitchFamily="18" charset="0"/>
+              <a:cs typeface="Times New Roman" panose="02020603050405020304" pitchFamily="18" charset="0"/>
+            </a:rPr>
+            <a:t> </a:t>
+          </a:r>
+          <a:r>
+            <a:rPr lang="en-US" sz="3000" kern="1200" dirty="0" err="1">
+              <a:latin typeface="Times New Roman" panose="02020603050405020304" pitchFamily="18" charset="0"/>
+              <a:cs typeface="Times New Roman" panose="02020603050405020304" pitchFamily="18" charset="0"/>
+            </a:rPr>
+            <a:t>công</a:t>
+          </a:r>
+          <a:r>
+            <a:rPr lang="en-US" sz="3000" kern="1200" dirty="0">
+              <a:latin typeface="Times New Roman" panose="02020603050405020304" pitchFamily="18" charset="0"/>
+              <a:cs typeface="Times New Roman" panose="02020603050405020304" pitchFamily="18" charset="0"/>
+            </a:rPr>
+            <a:t> </a:t>
+          </a:r>
+          <a:r>
+            <a:rPr lang="en-US" sz="3000" kern="1200" dirty="0" err="1">
+              <a:latin typeface="Times New Roman" panose="02020603050405020304" pitchFamily="18" charset="0"/>
+              <a:cs typeface="Times New Roman" panose="02020603050405020304" pitchFamily="18" charset="0"/>
+            </a:rPr>
+            <a:t>cụ</a:t>
+          </a:r>
+          <a:r>
+            <a:rPr lang="en-US" sz="3000" kern="1200" dirty="0">
+              <a:latin typeface="Times New Roman" panose="02020603050405020304" pitchFamily="18" charset="0"/>
+              <a:cs typeface="Times New Roman" panose="02020603050405020304" pitchFamily="18" charset="0"/>
+            </a:rPr>
+            <a:t> Stanford </a:t>
+          </a:r>
+          <a:r>
+            <a:rPr lang="en-US" sz="3000" kern="1200" dirty="0" err="1">
+              <a:latin typeface="Times New Roman" panose="02020603050405020304" pitchFamily="18" charset="0"/>
+              <a:cs typeface="Times New Roman" panose="02020603050405020304" pitchFamily="18" charset="0"/>
+            </a:rPr>
+            <a:t>CoreNLP</a:t>
+          </a:r>
+          <a:r>
+            <a:rPr lang="en-US" sz="3000" kern="1200" dirty="0">
+              <a:latin typeface="Times New Roman" panose="02020603050405020304" pitchFamily="18" charset="0"/>
+              <a:cs typeface="Times New Roman" panose="02020603050405020304" pitchFamily="18" charset="0"/>
+            </a:rPr>
+            <a:t> </a:t>
+          </a:r>
+          <a:r>
+            <a:rPr lang="en-US" sz="3000" kern="1200" dirty="0" err="1">
+              <a:latin typeface="Times New Roman" panose="02020603050405020304" pitchFamily="18" charset="0"/>
+              <a:cs typeface="Times New Roman" panose="02020603050405020304" pitchFamily="18" charset="0"/>
+            </a:rPr>
+            <a:t>hỗ</a:t>
+          </a:r>
+          <a:r>
+            <a:rPr lang="en-US" sz="3000" kern="1200" dirty="0">
+              <a:latin typeface="Times New Roman" panose="02020603050405020304" pitchFamily="18" charset="0"/>
+              <a:cs typeface="Times New Roman" panose="02020603050405020304" pitchFamily="18" charset="0"/>
+            </a:rPr>
+            <a:t> </a:t>
+          </a:r>
+          <a:r>
+            <a:rPr lang="en-US" sz="3000" kern="1200" dirty="0" err="1">
+              <a:latin typeface="Times New Roman" panose="02020603050405020304" pitchFamily="18" charset="0"/>
+              <a:cs typeface="Times New Roman" panose="02020603050405020304" pitchFamily="18" charset="0"/>
+            </a:rPr>
+            <a:t>trợ</a:t>
+          </a:r>
+          <a:endParaRPr lang="en-US" sz="3000" kern="1200" dirty="0">
+            <a:latin typeface="Times New Roman" panose="02020603050405020304" pitchFamily="18" charset="0"/>
+            <a:cs typeface="Times New Roman" panose="02020603050405020304" pitchFamily="18" charset="0"/>
+          </a:endParaRPr>
+        </a:p>
+      </dsp:txBody>
+      <dsp:txXfrm>
+        <a:off x="55744" y="1402371"/>
+        <a:ext cx="9076055" cy="1030432"/>
+      </dsp:txXfrm>
+    </dsp:sp>
+    <dsp:sp modelId="{7ECBE9F7-2ECC-4F57-BC9E-5D6A45EAB17A}">
+      <dsp:nvSpPr>
+        <dsp:cNvPr id="0" name=""/>
+        <dsp:cNvSpPr/>
+      </dsp:nvSpPr>
+      <dsp:spPr>
+        <a:xfrm>
+          <a:off x="0" y="2488547"/>
+          <a:ext cx="9187543" cy="2083455"/>
+        </a:xfrm>
+        <a:prstGeom prst="rect">
+          <a:avLst/>
+        </a:prstGeom>
+        <a:noFill/>
+        <a:ln>
+          <a:noFill/>
+        </a:ln>
+        <a:effectLst/>
+      </dsp:spPr>
+      <dsp:style>
+        <a:lnRef idx="0">
+          <a:scrgbClr r="0" g="0" b="0"/>
+        </a:lnRef>
+        <a:fillRef idx="0">
+          <a:scrgbClr r="0" g="0" b="0"/>
+        </a:fillRef>
+        <a:effectRef idx="0">
+          <a:scrgbClr r="0" g="0" b="0"/>
+        </a:effectRef>
+        <a:fontRef idx="minor"/>
+      </dsp:style>
+      <dsp:txBody>
+        <a:bodyPr spcFirstLastPara="0" vert="horz" wrap="square" lIns="291704" tIns="33020" rIns="184912" bIns="33020" numCol="1" spcCol="1270" anchor="t" anchorCtr="0">
+          <a:noAutofit/>
+        </a:bodyPr>
+        <a:lstStyle/>
+        <a:p>
+          <a:pPr marL="228600" lvl="1" indent="-228600" algn="l" defTabSz="1155700">
+            <a:lnSpc>
+              <a:spcPct val="90000"/>
+            </a:lnSpc>
+            <a:spcBef>
+              <a:spcPct val="0"/>
+            </a:spcBef>
+            <a:spcAft>
+              <a:spcPct val="20000"/>
+            </a:spcAft>
+            <a:buChar char="•"/>
+          </a:pPr>
+          <a:r>
+            <a:rPr lang="en-US" sz="2600" kern="1200" dirty="0">
+              <a:latin typeface="Times New Roman" panose="02020603050405020304" pitchFamily="18" charset="0"/>
+              <a:cs typeface="Times New Roman" panose="02020603050405020304" pitchFamily="18" charset="0"/>
+            </a:rPr>
+            <a:t>Tokenization/ Sentence segmentation</a:t>
+          </a:r>
+        </a:p>
+        <a:p>
+          <a:pPr marL="228600" lvl="1" indent="-228600" algn="l" defTabSz="1155700">
+            <a:lnSpc>
+              <a:spcPct val="90000"/>
+            </a:lnSpc>
+            <a:spcBef>
+              <a:spcPct val="0"/>
+            </a:spcBef>
+            <a:spcAft>
+              <a:spcPct val="20000"/>
+            </a:spcAft>
+            <a:buChar char="•"/>
+          </a:pPr>
+          <a:r>
+            <a:rPr lang="en-US" sz="2600" kern="1200" dirty="0">
+              <a:latin typeface="Times New Roman" panose="02020603050405020304" pitchFamily="18" charset="0"/>
+              <a:cs typeface="Times New Roman" panose="02020603050405020304" pitchFamily="18" charset="0"/>
+            </a:rPr>
+            <a:t>Part of Speech (POS) </a:t>
+          </a:r>
+        </a:p>
+        <a:p>
+          <a:pPr marL="228600" lvl="1" indent="-228600" algn="l" defTabSz="1155700">
+            <a:lnSpc>
+              <a:spcPct val="90000"/>
+            </a:lnSpc>
+            <a:spcBef>
+              <a:spcPct val="0"/>
+            </a:spcBef>
+            <a:spcAft>
+              <a:spcPct val="20000"/>
+            </a:spcAft>
+            <a:buChar char="•"/>
+          </a:pPr>
+          <a:r>
+            <a:rPr lang="en-US" sz="2600" kern="1200" dirty="0">
+              <a:latin typeface="Times New Roman" panose="02020603050405020304" pitchFamily="18" charset="0"/>
+              <a:cs typeface="Times New Roman" panose="02020603050405020304" pitchFamily="18" charset="0"/>
+            </a:rPr>
+            <a:t>The named entity recognizer (NER)</a:t>
+          </a:r>
+        </a:p>
+        <a:p>
+          <a:pPr marL="228600" lvl="1" indent="-228600" algn="l" defTabSz="1155700">
+            <a:lnSpc>
+              <a:spcPct val="90000"/>
+            </a:lnSpc>
+            <a:spcBef>
+              <a:spcPct val="0"/>
+            </a:spcBef>
+            <a:spcAft>
+              <a:spcPct val="20000"/>
+            </a:spcAft>
+            <a:buChar char="•"/>
+          </a:pPr>
+          <a:r>
+            <a:rPr lang="en-US" sz="2600" kern="1200">
+              <a:latin typeface="Times New Roman" panose="02020603050405020304" pitchFamily="18" charset="0"/>
+              <a:cs typeface="Times New Roman" panose="02020603050405020304" pitchFamily="18" charset="0"/>
+            </a:rPr>
+            <a:t>The parser</a:t>
+          </a:r>
+          <a:endParaRPr lang="en-US" sz="2600" kern="1200" dirty="0">
+            <a:latin typeface="Times New Roman" panose="02020603050405020304" pitchFamily="18" charset="0"/>
+            <a:cs typeface="Times New Roman" panose="02020603050405020304" pitchFamily="18" charset="0"/>
+          </a:endParaRPr>
+        </a:p>
+        <a:p>
+          <a:pPr marL="228600" lvl="1" indent="-228600" algn="l" defTabSz="1155700">
+            <a:lnSpc>
+              <a:spcPct val="90000"/>
+            </a:lnSpc>
+            <a:spcBef>
+              <a:spcPct val="0"/>
+            </a:spcBef>
+            <a:spcAft>
+              <a:spcPct val="20000"/>
+            </a:spcAft>
+            <a:buChar char="•"/>
+          </a:pPr>
+          <a:r>
+            <a:rPr lang="en-US" sz="2600" kern="1200" dirty="0">
+              <a:latin typeface="Times New Roman" panose="02020603050405020304" pitchFamily="18" charset="0"/>
+              <a:cs typeface="Times New Roman" panose="02020603050405020304" pitchFamily="18" charset="0"/>
+            </a:rPr>
+            <a:t>The coreference resolution system</a:t>
+          </a:r>
+        </a:p>
+      </dsp:txBody>
+      <dsp:txXfrm>
+        <a:off x="0" y="2488547"/>
+        <a:ext cx="9187543" cy="2083455"/>
+      </dsp:txXfrm>
+    </dsp:sp>
+  </dsp:spTree>
+</dsp:drawing>
+</file>
+
+<file path=ppt/diagrams/layout1.xml><?xml version="1.0" encoding="utf-8"?>
+<dgm:layoutDef xmlns:dgm="http://schemas.openxmlformats.org/drawingml/2006/diagram" xmlns:a="http://schemas.openxmlformats.org/drawingml/2006/main" uniqueId="urn:microsoft.com/office/officeart/2005/8/layout/vList2">
+  <dgm:title val=""/>
+  <dgm:desc val=""/>
+  <dgm:catLst>
+    <dgm:cat type="list" pri="3000"/>
+    <dgm:cat type="convert" pri="1000"/>
+  </dgm:catLst>
+  <dgm:sampData>
+    <dgm:dataModel>
+      <dgm:ptLst>
+        <dgm:pt modelId="0" type="doc"/>
+        <dgm:pt modelId="1">
+          <dgm:prSet phldr="1"/>
+        </dgm:pt>
+        <dgm:pt modelId="11">
+          <dgm:prSet phldr="1"/>
+        </dgm:pt>
+        <dgm:pt modelId="2">
+          <dgm:prSet phldr="1"/>
+        </dgm:pt>
+        <dgm:pt modelId="21">
+          <dgm:prSet phldr="1"/>
+        </dgm:pt>
+      </dgm:ptLst>
+      <dgm:cxnLst>
+        <dgm:cxn modelId="4" srcId="0" destId="1" srcOrd="0" destOrd="0"/>
+        <dgm:cxn modelId="5" srcId="0" destId="2" srcOrd="1" destOrd="0"/>
+        <dgm:cxn modelId="12" srcId="1" destId="11" srcOrd="0" destOrd="0"/>
+        <dgm:cxn modelId="23" srcId="2" destId="21" srcOrd="0" destOrd="0"/>
+      </dgm:cxnLst>
+      <dgm:bg/>
+      <dgm:whole/>
+    </dgm:dataModel>
+  </dgm:sampData>
+  <dgm:styleData>
+    <dgm:dataModel>
+      <dgm:ptLst>
+        <dgm:pt modelId="0" type="doc"/>
+        <dgm:pt modelId="1"/>
+        <dgm:pt modelId="2"/>
+      </dgm:ptLst>
+      <dgm:cxnLst>
+        <dgm:cxn modelId="3" srcId="0" destId="1" srcOrd="0" destOrd="0"/>
+        <dgm:cxn modelId="4" srcId="0" destId="2" srcOrd="1" destOrd="0"/>
+      </dgm:cxnLst>
+      <dgm:bg/>
+      <dgm:whole/>
+    </dgm:dataModel>
+  </dgm:styleData>
+  <dgm:clrData>
+    <dgm:dataModel>
+      <dgm:ptLst>
+        <dgm:pt modelId="0" type="doc"/>
+        <dgm:pt modelId="1"/>
+        <dgm:pt modelId="2"/>
+        <dgm:pt modelId="3"/>
+        <dgm:pt modelId="4"/>
+      </dgm:ptLst>
+      <dgm:cxnLst>
+        <dgm:cxn modelId="5" srcId="0" destId="1" srcOrd="0" destOrd="0"/>
+        <dgm:cxn modelId="6" srcId="0" destId="2" srcOrd="1" destOrd="0"/>
+        <dgm:cxn modelId="7" srcId="0" destId="3" srcOrd="2" destOrd="0"/>
+        <dgm:cxn modelId="8" srcId="0" destId="4" srcOrd="3" destOrd="0"/>
+      </dgm:cxnLst>
+      <dgm:bg/>
+      <dgm:whole/>
+    </dgm:dataModel>
+  </dgm:clrData>
+  <dgm:layoutNode name="linear">
+    <dgm:varLst>
+      <dgm:animLvl val="lvl"/>
+      <dgm:resizeHandles val="exact"/>
+    </dgm:varLst>
+    <dgm:alg type="lin">
+      <dgm:param type="linDir" val="fromT"/>
+      <dgm:param type="vertAlign" val="mid"/>
+    </dgm:alg>
+    <dgm:shape xmlns:r="http://schemas.openxmlformats.org/officeDocument/2006/relationships" r:blip="">
+      <dgm:adjLst/>
+    </dgm:shape>
+    <dgm:presOf/>
+    <dgm:constrLst>
+      <dgm:constr type="w" for="ch" forName="parentText" refType="w"/>
+      <dgm:constr type="h" for="ch" forName="parentText" refType="primFontSz" refFor="ch" refForName="parentText" fact="0.52"/>
+      <dgm:constr type="w" for="ch" forName="childText" refType="w"/>
+      <dgm:constr type="h" for="ch" forName="childText" refType="primFontSz" refFor="ch" refForName="parentText" fact="0.46"/>
+      <dgm:constr type="h" for="ch" forName="parentText" op="equ"/>
+      <dgm:constr type="primFontSz" for="ch" forName="parentText" op="equ" val="65"/>
+      <dgm:constr type="primFontSz" for="ch" forName="childText" refType="primFontSz" refFor="ch" refForName="parentText" op="equ"/>
+      <dgm:constr type="h" for="ch" forName="spacer" refType="primFontSz" refFor="ch" refForName="parentText" fact="0.08"/>
+    </dgm:constrLst>
+    <dgm:ruleLst>
+      <dgm:rule type="primFontSz" for="ch" forName="parentText" val="5" fact="NaN" max="NaN"/>
+    </dgm:ruleLst>
+    <dgm:forEach name="Name0" axis="ch" ptType="node">
+      <dgm:layoutNode name="parentText" styleLbl="node1">
+        <dgm:varLst>
+          <dgm:chMax val="0"/>
+          <dgm:bulletEnabled val="1"/>
+        </dgm:varLst>
+        <dgm:alg type="tx">
+          <dgm:param type="parTxLTRAlign" val="l"/>
+          <dgm:param type="parTxRTLAlign" val="r"/>
+        </dgm:alg>
+        <dgm:shape xmlns:r="http://schemas.openxmlformats.org/officeDocument/2006/relationships" type="roundRect" r:blip="">
+          <dgm:adjLst/>
+        </dgm:shape>
+        <dgm:presOf axis="self"/>
+        <dgm:constrLst>
+          <dgm:constr type="tMarg" refType="primFontSz" fact="0.3"/>
+          <dgm:constr type="bMarg" refType="primFontSz" fact="0.3"/>
+          <dgm:constr type="lMarg" refType="primFontSz" fact="0.3"/>
+          <dgm:constr type="rMarg" refType="primFontSz" fact="0.3"/>
+        </dgm:constrLst>
+        <dgm:ruleLst>
+          <dgm:rule type="h" val="INF" fact="NaN" max="NaN"/>
+        </dgm:ruleLst>
+      </dgm:layoutNode>
+      <dgm:choose name="Name1">
+        <dgm:if name="Name2" axis="ch" ptType="node" func="cnt" op="gte" val="1">
+          <dgm:layoutNode name="childText" styleLbl="revTx">
+            <dgm:varLst>
+              <dgm:bulletEnabled val="1"/>
+            </dgm:varLst>
+            <dgm:alg type="tx">
+              <dgm:param type="stBulletLvl" val="1"/>
+              <dgm:param type="lnSpAfChP" val="20"/>
+            </dgm:alg>
+            <dgm:shape xmlns:r="http://schemas.openxmlformats.org/officeDocument/2006/relationships" type="rect" r:blip="">
+              <dgm:adjLst/>
+            </dgm:shape>
+            <dgm:presOf axis="des" ptType="node"/>
+            <dgm:constrLst>
+              <dgm:constr type="tMarg" refType="primFontSz" fact="0.1"/>
+              <dgm:constr type="bMarg" refType="primFontSz" fact="0.1"/>
+              <dgm:constr type="lMarg" refType="w" fact="0.09"/>
+            </dgm:constrLst>
+            <dgm:ruleLst>
+              <dgm:rule type="h" val="INF" fact="NaN" max="NaN"/>
+            </dgm:ruleLst>
+          </dgm:layoutNode>
+        </dgm:if>
+        <dgm:else name="Name3">
+          <dgm:choose name="Name4">
+            <dgm:if name="Name5" axis="par ch" ptType="doc node" func="cnt" op="gte" val="2">
+              <dgm:forEach name="Name6" axis="followSib" ptType="sibTrans" cnt="1">
+                <dgm:layoutNode name="spacer">
+                  <dgm:alg type="sp"/>
+                  <dgm:shape xmlns:r="http://schemas.openxmlformats.org/officeDocument/2006/relationships" r:blip="">
+                    <dgm:adjLst/>
+                  </dgm:shape>
+                  <dgm:presOf/>
+                  <dgm:constrLst/>
+                  <dgm:ruleLst/>
+                </dgm:layoutNode>
+              </dgm:forEach>
+            </dgm:if>
+            <dgm:else name="Name7"/>
+          </dgm:choose>
+        </dgm:else>
+      </dgm:choose>
+    </dgm:forEach>
+  </dgm:layoutNode>
+</dgm:layoutDef>
+</file>
+
+<file path=ppt/diagrams/quickStyle1.xml><?xml version="1.0" encoding="utf-8"?>
+<dgm:styleDef xmlns:dgm="http://schemas.openxmlformats.org/drawingml/2006/diagram" xmlns:a="http://schemas.openxmlformats.org/drawingml/2006/main" uniqueId="urn:microsoft.com/office/officeart/2005/8/quickstyle/simple1">
+  <dgm:title val=""/>
+  <dgm:desc val=""/>
+  <dgm:catLst>
+    <dgm:cat type="simple" pri="10100"/>
+  </dgm:catLst>
+  <dgm:scene3d>
+    <a:camera prst="orthographicFront"/>
+    <a:lightRig rig="threePt" dir="t"/>
+  </dgm:scene3d>
+  <dgm:styleLbl name="node0">
+    <dgm:scene3d>
+      <a:camera prst="orthographicFront"/>
+      <a:lightRig rig="threePt" dir="t"/>
+    </dgm:scene3d>
+    <dgm:sp3d/>
+    <dgm:txPr/>
+    <dgm:style>
+      <a:lnRef idx="2">
+        <a:scrgbClr r="0" g="0" b="0"/>
+      </a:lnRef>
+      <a:fillRef idx="1">
+        <a:scrgbClr r="0" g="0" b="0"/>
+      </a:fillRef>
+      <a:effectRef idx="0">
+        <a:scrgbClr r="0" g="0" b="0"/>
+      </a:effectRef>
+      <a:fontRef idx="minor">
+        <a:schemeClr val="lt1"/>
+      </a:fontRef>
+    </dgm:style>
+  </dgm:styleLbl>
+  <dgm:styleLbl name="lnNode1">
+    <dgm:scene3d>
+      <a:camera prst="orthographicFront"/>
+      <a:lightRig rig="threePt" dir="t"/>
+    </dgm:scene3d>
+    <dgm:sp3d/>
+    <dgm:txPr/>
+    <dgm:style>
+      <a:lnRef idx="2">
+        <a:scrgbClr r="0" g="0" b="0"/>
+      </a:lnRef>
+      <a:fillRef idx="1">
+        <a:scrgbClr r="0" g="0" b="0"/>
+      </a:fillRef>
+      <a:effectRef idx="0">
+        <a:scrgbClr r="0" g="0" b="0"/>
+      </a:effectRef>
+      <a:fontRef idx="minor">
+        <a:schemeClr val="lt1"/>
+      </a:fontRef>
+    </dgm:style>
+  </dgm:styleLbl>
+  <dgm:styleLbl name="vennNode1">
+    <dgm:scene3d>
+      <a:camera prst="orthographicFront"/>
+      <a:lightRig rig="threePt" dir="t"/>
+    </dgm:scene3d>
+    <dgm:sp3d/>
+    <dgm:txPr/>
+    <dgm:style>
+      <a:lnRef idx="2">
+        <a:scrgbClr r="0" g="0" b="0"/>
+      </a:lnRef>
+      <a:fillRef idx="1">
+        <a:scrgbClr r="0" g="0" b="0"/>
+      </a:fillRef>
+      <a:effectRef idx="0">
+        <a:scrgbClr r="0" g="0" b="0"/>
+      </a:effectRef>
+      <a:fontRef idx="minor">
+        <a:schemeClr val="tx1"/>
+      </a:fontRef>
+    </dgm:style>
+  </dgm:styleLbl>
+  <dgm:styleLbl name="alignNode1">
+    <dgm:scene3d>
+      <a:camera prst="orthographicFront"/>
+      <a:lightRig rig="threePt" dir="t"/>
+    </dgm:scene3d>
+    <dgm:sp3d/>
+    <dgm:txPr/>
+    <dgm:style>
+      <a:lnRef idx="2">
+        <a:scrgbClr r="0" g="0" b="0"/>
+      </a:lnRef>
+      <a:fillRef idx="1">
+        <a:scrgbClr r="0" g="0" b="0"/>
+      </a:fillRef>
+      <a:effectRef idx="0">
+        <a:scrgbClr r="0" g="0" b="0"/>
+      </a:effectRef>
+      <a:fontRef idx="minor">
+        <a:schemeClr val="lt1"/>
+      </a:fontRef>
+    </dgm:style>
+  </dgm:styleLbl>
+  <dgm:styleLbl name="node1">
+    <dgm:scene3d>
+      <a:camera prst="orthographicFront"/>
+      <a:lightRig rig="threePt" dir="t"/>
+    </dgm:scene3d>
+    <dgm:sp3d/>
+    <dgm:txPr/>
+    <dgm:style>
+      <a:lnRef idx="2">
+        <a:scrgbClr r="0" g="0" b="0"/>
+      </a:lnRef>
+      <a:fillRef idx="1">
+        <a:scrgbClr r="0" g="0" b="0"/>
+      </a:fillRef>
+      <a:effectRef idx="0">
+        <a:scrgbClr r="0" g="0" b="0"/>
+      </a:effectRef>
+      <a:fontRef idx="minor">
+        <a:schemeClr val="lt1"/>
+      </a:fontRef>
+    </dgm:style>
+  </dgm:styleLbl>
+  <dgm:styleLbl name="node2">
+    <dgm:scene3d>
+      <a:camera prst="orthographicFront"/>
+      <a:lightRig rig="threePt" dir="t"/>
+    </dgm:scene3d>
+    <dgm:sp3d/>
+    <dgm:txPr/>
+    <dgm:style>
+      <a:lnRef idx="2">
+        <a:scrgbClr r="0" g="0" b="0"/>
+      </a:lnRef>
+      <a:fillRef idx="1">
+        <a:scrgbClr r="0" g="0" b="0"/>
+      </a:fillRef>
+      <a:effectRef idx="0">
+        <a:scrgbClr r="0" g="0" b="0"/>
+      </a:effectRef>
+      <a:fontRef idx="minor">
+        <a:schemeClr val="lt1"/>
+      </a:fontRef>
+    </dgm:style>
+  </dgm:styleLbl>
+  <dgm:styleLbl name="node3">
+    <dgm:scene3d>
+      <a:camera prst="orthographicFront"/>
+      <a:lightRig rig="threePt" dir="t"/>
+    </dgm:scene3d>
+    <dgm:sp3d/>
+    <dgm:txPr/>
+    <dgm:style>
+      <a:lnRef idx="2">
+        <a:scrgbClr r="0" g="0" b="0"/>
+      </a:lnRef>
+      <a:fillRef idx="1">
+        <a:scrgbClr r="0" g="0" b="0"/>
+      </a:fillRef>
+      <a:effectRef idx="0">
+        <a:scrgbClr r="0" g="0" b="0"/>
+      </a:effectRef>
+      <a:fontRef idx="minor">
+        <a:schemeClr val="lt1"/>
+      </a:fontRef>
+    </dgm:style>
+  </dgm:styleLbl>
+  <dgm:styleLbl name="node4">
+    <dgm:scene3d>
+      <a:camera prst="orthographicFront"/>
+      <a:lightRig rig="threePt" dir="t"/>
+    </dgm:scene3d>
+    <dgm:sp3d/>
+    <dgm:txPr/>
+    <dgm:style>
+      <a:lnRef idx="2">
+        <a:scrgbClr r="0" g="0" b="0"/>
+      </a:lnRef>
+      <a:fillRef idx="1">
+        <a:scrgbClr r="0" g="0" b="0"/>
+      </a:fillRef>
+      <a:effectRef idx="0">
+        <a:scrgbClr r="0" g="0" b="0"/>
+      </a:effectRef>
+      <a:fontRef idx="minor">
+        <a:schemeClr val="lt1"/>
+      </a:fontRef>
+    </dgm:style>
+  </dgm:styleLbl>
+  <dgm:styleLbl name="fgImgPlace1">
+    <dgm:scene3d>
+      <a:camera prst="orthographicFront"/>
+      <a:lightRig rig="threePt" dir="t"/>
+    </dgm:scene3d>
+    <dgm:sp3d/>
+    <dgm:txPr/>
+    <dgm:style>
+      <a:lnRef idx="2">
+        <a:scrgbClr r="0" g="0" b="0"/>
+      </a:lnRef>
+      <a:fillRef idx="1">
+        <a:scrgbClr r="0" g="0" b="0"/>
+      </a:fillRef>
+      <a:effectRef idx="0">
+        <a:scrgbClr r="0" g="0" b="0"/>
+      </a:effectRef>
+      <a:fontRef idx="minor"/>
+    </dgm:style>
+  </dgm:styleLbl>
+  <dgm:styleLbl name="alignImgPlace1">
+    <dgm:scene3d>
+      <a:camera prst="orthographicFront"/>
+      <a:lightRig rig="threePt" dir="t"/>
+    </dgm:scene3d>
+    <dgm:sp3d/>
+    <dgm:txPr/>
+    <dgm:style>
+      <a:lnRef idx="2">
+        <a:scrgbClr r="0" g="0" b="0"/>
+      </a:lnRef>
+      <a:fillRef idx="1">
+        <a:scrgbClr r="0" g="0" b="0"/>
+      </a:fillRef>
+      <a:effectRef idx="0">
+        <a:scrgbClr r="0" g="0" b="0"/>
+      </a:effectRef>
+      <a:fontRef idx="minor"/>
+    </dgm:style>
+  </dgm:styleLbl>
+  <dgm:styleLbl name="bgImgPlace1">
+    <dgm:scene3d>
+      <a:camera prst="orthographicFront"/>
+      <a:lightRig rig="threePt" dir="t"/>
+    </dgm:scene3d>
+    <dgm:sp3d/>
+    <dgm:txPr/>
+    <dgm:style>
+      <a:lnRef idx="2">
+        <a:scrgbClr r="0" g="0" b="0"/>
+      </a:lnRef>
+      <a:fillRef idx="1">
+        <a:scrgbClr r="0" g="0" b="0"/>
+      </a:fillRef>
+      <a:effectRef idx="0">
+        <a:scrgbClr r="0" g="0" b="0"/>
+      </a:effectRef>
+      <a:fontRef idx="minor"/>
+    </dgm:style>
+  </dgm:styleLbl>
+  <dgm:styleLbl name="sibTrans2D1">
+    <dgm:scene3d>
+      <a:camera prst="orthographicFront"/>
+      <a:lightRig rig="threePt" dir="t"/>
+    </dgm:scene3d>
+    <dgm:sp3d/>
+    <dgm:txPr/>
+    <dgm:style>
+      <a:lnRef idx="0">
+        <a:scrgbClr r="0" g="0" b="0"/>
+      </a:lnRef>
+      <a:fillRef idx="1">
+        <a:scrgbClr r="0" g="0" b="0"/>
+      </a:fillRef>
+      <a:effectRef idx="0">
+        <a:scrgbClr r="0" g="0" b="0"/>
+      </a:effectRef>
+      <a:fontRef idx="minor">
+        <a:schemeClr val="lt1"/>
+      </a:fontRef>
+    </dgm:style>
+  </dgm:styleLbl>
+  <dgm:styleLbl name="fgSibTrans2D1">
+    <dgm:scene3d>
+      <a:camera prst="orthographicFront"/>
+      <a:lightRig rig="threePt" dir="t"/>
+    </dgm:scene3d>
+    <dgm:sp3d/>
+    <dgm:txPr/>
+    <dgm:style>
+      <a:lnRef idx="0">
+        <a:scrgbClr r="0" g="0" b="0"/>
+      </a:lnRef>
+      <a:fillRef idx="1">
+        <a:scrgbClr r="0" g="0" b="0"/>
+      </a:fillRef>
+      <a:effectRef idx="0">
+        <a:scrgbClr r="0" g="0" b="0"/>
+      </a:effectRef>
+      <a:fontRef idx="minor">
+        <a:schemeClr val="lt1"/>
+      </a:fontRef>
+    </dgm:style>
+  </dgm:styleLbl>
+  <dgm:styleLbl name="bgSibTrans2D1">
+    <dgm:scene3d>
+      <a:camera prst="orthographicFront"/>
+      <a:lightRig rig="threePt" dir="t"/>
+    </dgm:scene3d>
+    <dgm:sp3d/>
+    <dgm:txPr/>
+    <dgm:style>
+      <a:lnRef idx="0">
+        <a:scrgbClr r="0" g="0" b="0"/>
+      </a:lnRef>
+      <a:fillRef idx="1">
+        <a:scrgbClr r="0" g="0" b="0"/>
+      </a:fillRef>
+      <a:effectRef idx="0">
+        <a:scrgbClr r="0" g="0" b="0"/>
+      </a:effectRef>
+      <a:fontRef idx="minor">
+        <a:schemeClr val="lt1"/>
+      </a:fontRef>
+    </dgm:style>
+  </dgm:styleLbl>
+  <dgm:styleLbl name="sibTrans1D1">
+    <dgm:scene3d>
+      <a:camera prst="orthographicFront"/>
+      <a:lightRig rig="threePt" dir="t"/>
+    </dgm:scene3d>
+    <dgm:sp3d/>
+    <dgm:txPr/>
+    <dgm:style>
+      <a:lnRef idx="1">
+        <a:scrgbClr r="0" g="0" b="0"/>
+      </a:lnRef>
+      <a:fillRef idx="0">
+        <a:scrgbClr r="0" g="0" b="0"/>
+      </a:fillRef>
+      <a:effectRef idx="0">
+        <a:scrgbClr r="0" g="0" b="0"/>
+      </a:effectRef>
+      <a:fontRef idx="minor"/>
+    </dgm:style>
+  </dgm:styleLbl>
+  <dgm:styleLbl name="callout">
+    <dgm:scene3d>
+      <a:camera prst="orthographicFront"/>
+      <a:lightRig rig="threePt" dir="t"/>
+    </dgm:scene3d>
+    <dgm:sp3d/>
+    <dgm:txPr/>
+    <dgm:style>
+      <a:lnRef idx="2">
+        <a:scrgbClr r="0" g="0" b="0"/>
+      </a:lnRef>
+      <a:fillRef idx="1">
+        <a:scrgbClr r="0" g="0" b="0"/>
+      </a:fillRef>
+      <a:effectRef idx="0">
+        <a:scrgbClr r="0" g="0" b="0"/>
+      </a:effectRef>
+      <a:fontRef idx="minor"/>
+    </dgm:style>
+  </dgm:styleLbl>
+  <dgm:styleLbl name="asst0">
+    <dgm:scene3d>
+      <a:camera prst="orthographicFront"/>
+      <a:lightRig rig="threePt" dir="t"/>
+    </dgm:scene3d>
+    <dgm:sp3d/>
+    <dgm:txPr/>
+    <dgm:style>
+      <a:lnRef idx="2">
+        <a:scrgbClr r="0" g="0" b="0"/>
+      </a:lnRef>
+      <a:fillRef idx="1">
+        <a:scrgbClr r="0" g="0" b="0"/>
+      </a:fillRef>
+      <a:effectRef idx="0">
+        <a:scrgbClr r="0" g="0" b="0"/>
+      </a:effectRef>
+      <a:fontRef idx="minor">
+        <a:schemeClr val="lt1"/>
+      </a:fontRef>
+    </dgm:style>
+  </dgm:styleLbl>
+  <dgm:styleLbl name="asst1">
+    <dgm:scene3d>
+      <a:camera prst="orthographicFront"/>
+      <a:lightRig rig="threePt" dir="t"/>
+    </dgm:scene3d>
+    <dgm:sp3d/>
+    <dgm:txPr/>
+    <dgm:style>
+      <a:lnRef idx="2">
+        <a:scrgbClr r="0" g="0" b="0"/>
+      </a:lnRef>
+      <a:fillRef idx="1">
+        <a:scrgbClr r="0" g="0" b="0"/>
+      </a:fillRef>
+      <a:effectRef idx="0">
+        <a:scrgbClr r="0" g="0" b="0"/>
+      </a:effectRef>
+      <a:fontRef idx="minor">
+        <a:schemeClr val="lt1"/>
+      </a:fontRef>
+    </dgm:style>
+  </dgm:styleLbl>
+  <dgm:styleLbl name="asst2">
+    <dgm:scene3d>
+      <a:camera prst="orthographicFront"/>
+      <a:lightRig rig="threePt" dir="t"/>
+    </dgm:scene3d>
+    <dgm:sp3d/>
+    <dgm:txPr/>
+    <dgm:style>
+      <a:lnRef idx="2">
+        <a:scrgbClr r="0" g="0" b="0"/>
+      </a:lnRef>
+      <a:fillRef idx="1">
+        <a:scrgbClr r="0" g="0" b="0"/>
+      </a:fillRef>
+      <a:effectRef idx="0">
+        <a:scrgbClr r="0" g="0" b="0"/>
+      </a:effectRef>
+      <a:fontRef idx="minor">
+        <a:schemeClr val="lt1"/>
+      </a:fontRef>
+    </dgm:style>
+  </dgm:styleLbl>
+  <dgm:styleLbl name="asst3">
+    <dgm:scene3d>
+      <a:camera prst="orthographicFront"/>
+      <a:lightRig rig="threePt" dir="t"/>
+    </dgm:scene3d>
+    <dgm:sp3d/>
+    <dgm:txPr/>
+    <dgm:style>
+      <a:lnRef idx="2">
+        <a:scrgbClr r="0" g="0" b="0"/>
+      </a:lnRef>
+      <a:fillRef idx="1">
+        <a:scrgbClr r="0" g="0" b="0"/>
+      </a:fillRef>
+      <a:effectRef idx="0">
+        <a:scrgbClr r="0" g="0" b="0"/>
+      </a:effectRef>
+      <a:fontRef idx="minor">
+        <a:schemeClr val="lt1"/>
+      </a:fontRef>
+    </dgm:style>
+  </dgm:styleLbl>
+  <dgm:styleLbl name="asst4">
+    <dgm:scene3d>
+      <a:camera prst="orthographicFront"/>
+      <a:lightRig rig="threePt" dir="t"/>
+    </dgm:scene3d>
+    <dgm:sp3d/>
+    <dgm:txPr/>
+    <dgm:style>
+      <a:lnRef idx="2">
+        <a:scrgbClr r="0" g="0" b="0"/>
+      </a:lnRef>
+      <a:fillRef idx="1">
+        <a:scrgbClr r="0" g="0" b="0"/>
+      </a:fillRef>
+      <a:effectRef idx="0">
+        <a:scrgbClr r="0" g="0" b="0"/>
+      </a:effectRef>
+      <a:fontRef idx="minor">
+        <a:schemeClr val="lt1"/>
+      </a:fontRef>
+    </dgm:style>
+  </dgm:styleLbl>
+  <dgm:styleLbl name="parChTrans2D1">
+    <dgm:scene3d>
+      <a:camera prst="orthographicFront"/>
+      <a:lightRig rig="threePt" dir="t"/>
+    </dgm:scene3d>
+    <dgm:sp3d/>
+    <dgm:txPr/>
+    <dgm:style>
+      <a:lnRef idx="2">
+        <a:scrgbClr r="0" g="0" b="0"/>
+      </a:lnRef>
+      <a:fillRef idx="1">
+        <a:scrgbClr r="0" g="0" b="0"/>
+      </a:fillRef>
+      <a:effectRef idx="0">
+        <a:scrgbClr r="0" g="0" b="0"/>
+      </a:effectRef>
+      <a:fontRef idx="minor">
+        <a:schemeClr val="lt1"/>
+      </a:fontRef>
+    </dgm:style>
+  </dgm:styleLbl>
+  <dgm:styleLbl name="parChTrans2D2">
+    <dgm:scene3d>
+      <a:camera prst="orthographicFront"/>
+      <a:lightRig rig="threePt" dir="t"/>
+    </dgm:scene3d>
+    <dgm:sp3d/>
+    <dgm:txPr/>
+    <dgm:style>
+      <a:lnRef idx="2">
+        <a:scrgbClr r="0" g="0" b="0"/>
+      </a:lnRef>
+      <a:fillRef idx="1">
+        <a:scrgbClr r="0" g="0" b="0"/>
+      </a:fillRef>
+      <a:effectRef idx="0">
+        <a:scrgbClr r="0" g="0" b="0"/>
+      </a:effectRef>
+      <a:fontRef idx="minor">
+        <a:schemeClr val="lt1"/>
+      </a:fontRef>
+    </dgm:style>
+  </dgm:styleLbl>
+  <dgm:styleLbl name="parChTrans2D3">
+    <dgm:scene3d>
+      <a:camera prst="orthographicFront"/>
+      <a:lightRig rig="threePt" dir="t"/>
+    </dgm:scene3d>
+    <dgm:sp3d/>
+    <dgm:txPr/>
+    <dgm:style>
+      <a:lnRef idx="2">
+        <a:scrgbClr r="0" g="0" b="0"/>
+      </a:lnRef>
+      <a:fillRef idx="1">
+        <a:scrgbClr r="0" g="0" b="0"/>
+      </a:fillRef>
+      <a:effectRef idx="0">
+        <a:scrgbClr r="0" g="0" b="0"/>
+      </a:effectRef>
+      <a:fontRef idx="minor">
+        <a:schemeClr val="lt1"/>
+      </a:fontRef>
+    </dgm:style>
+  </dgm:styleLbl>
+  <dgm:styleLbl name="parChTrans2D4">
+    <dgm:scene3d>
+      <a:camera prst="orthographicFront"/>
+      <a:lightRig rig="threePt" dir="t"/>
+    </dgm:scene3d>
+    <dgm:sp3d/>
+    <dgm:txPr/>
+    <dgm:style>
+      <a:lnRef idx="2">
+        <a:scrgbClr r="0" g="0" b="0"/>
+      </a:lnRef>
+      <a:fillRef idx="1">
+        <a:scrgbClr r="0" g="0" b="0"/>
+      </a:fillRef>
+      <a:effectRef idx="0">
+        <a:scrgbClr r="0" g="0" b="0"/>
+      </a:effectRef>
+      <a:fontRef idx="minor">
+        <a:schemeClr val="lt1"/>
+      </a:fontRef>
+    </dgm:style>
+  </dgm:styleLbl>
+  <dgm:styleLbl name="parChTrans1D1">
+    <dgm:scene3d>
+      <a:camera prst="orthographicFront"/>
+      <a:lightRig rig="threePt" dir="t"/>
+    </dgm:scene3d>
+    <dgm:sp3d/>
+    <dgm:txPr/>
+    <dgm:style>
+      <a:lnRef idx="2">
+        <a:scrgbClr r="0" g="0" b="0"/>
+      </a:lnRef>
+      <a:fillRef idx="0">
+        <a:scrgbClr r="0" g="0" b="0"/>
+      </a:fillRef>
+      <a:effectRef idx="0">
+        <a:scrgbClr r="0" g="0" b="0"/>
+      </a:effectRef>
+      <a:fontRef idx="minor"/>
+    </dgm:style>
+  </dgm:styleLbl>
+  <dgm:styleLbl name="parChTrans1D2">
+    <dgm:scene3d>
+      <a:camera prst="orthographicFront"/>
+      <a:lightRig rig="threePt" dir="t"/>
+    </dgm:scene3d>
+    <dgm:sp3d/>
+    <dgm:txPr/>
+    <dgm:style>
+      <a:lnRef idx="2">
+        <a:scrgbClr r="0" g="0" b="0"/>
+      </a:lnRef>
+      <a:fillRef idx="0">
+        <a:scrgbClr r="0" g="0" b="0"/>
+      </a:fillRef>
+      <a:effectRef idx="0">
+        <a:scrgbClr r="0" g="0" b="0"/>
+      </a:effectRef>
+      <a:fontRef idx="minor"/>
+    </dgm:style>
+  </dgm:styleLbl>
+  <dgm:styleLbl name="parChTrans1D3">
+    <dgm:scene3d>
+      <a:camera prst="orthographicFront"/>
+      <a:lightRig rig="threePt" dir="t"/>
+    </dgm:scene3d>
+    <dgm:sp3d/>
+    <dgm:txPr/>
+    <dgm:style>
+      <a:lnRef idx="2">
+        <a:scrgbClr r="0" g="0" b="0"/>
+      </a:lnRef>
+      <a:fillRef idx="0">
+        <a:scrgbClr r="0" g="0" b="0"/>
+      </a:fillRef>
+      <a:effectRef idx="0">
+        <a:scrgbClr r="0" g="0" b="0"/>
+      </a:effectRef>
+      <a:fontRef idx="minor"/>
+    </dgm:style>
+  </dgm:styleLbl>
+  <dgm:styleLbl name="parChTrans1D4">
+    <dgm:scene3d>
+      <a:camera prst="orthographicFront"/>
+      <a:lightRig rig="threePt" dir="t"/>
+    </dgm:scene3d>
+    <dgm:sp3d/>
+    <dgm:txPr/>
+    <dgm:style>
+      <a:lnRef idx="2">
+        <a:scrgbClr r="0" g="0" b="0"/>
+      </a:lnRef>
+      <a:fillRef idx="0">
+        <a:scrgbClr r="0" g="0" b="0"/>
+      </a:fillRef>
+      <a:effectRef idx="0">
+        <a:scrgbClr r="0" g="0" b="0"/>
+      </a:effectRef>
+      <a:fontRef idx="minor"/>
+    </dgm:style>
+  </dgm:styleLbl>
+  <dgm:styleLbl name="fgAcc1">
+    <dgm:scene3d>
+      <a:camera prst="orthographicFront"/>
+      <a:lightRig rig="threePt" dir="t"/>
+    </dgm:scene3d>
+    <dgm:sp3d/>
+    <dgm:txPr/>
+    <dgm:style>
+      <a:lnRef idx="2">
+        <a:scrgbClr r="0" g="0" b="0"/>
+      </a:lnRef>
+      <a:fillRef idx="1">
+        <a:scrgbClr r="0" g="0" b="0"/>
+      </a:fillRef>
+      <a:effectRef idx="0">
+        <a:scrgbClr r="0" g="0" b="0"/>
+      </a:effectRef>
+      <a:fontRef idx="minor"/>
+    </dgm:style>
+  </dgm:styleLbl>
+  <dgm:styleLbl name="conFgAcc1">
+    <dgm:scene3d>
+      <a:camera prst="orthographicFront"/>
+      <a:lightRig rig="threePt" dir="t"/>
+    </dgm:scene3d>
+    <dgm:sp3d/>
+    <dgm:txPr/>
+    <dgm:style>
+      <a:lnRef idx="2">
+        <a:scrgbClr r="0" g="0" b="0"/>
+      </a:lnRef>
+      <a:fillRef idx="1">
+        <a:scrgbClr r="0" g="0" b="0"/>
+      </a:fillRef>
+      <a:effectRef idx="0">
+        <a:scrgbClr r="0" g="0" b="0"/>
+      </a:effectRef>
+      <a:fontRef idx="minor"/>
+    </dgm:style>
+  </dgm:styleLbl>
+  <dgm:styleLbl name="alignAcc1">
+    <dgm:scene3d>
+      <a:camera prst="orthographicFront"/>
+      <a:lightRig rig="threePt" dir="t"/>
+    </dgm:scene3d>
+    <dgm:sp3d/>
+    <dgm:txPr/>
+    <dgm:style>
+      <a:lnRef idx="2">
+        <a:scrgbClr r="0" g="0" b="0"/>
+      </a:lnRef>
+      <a:fillRef idx="1">
+        <a:scrgbClr r="0" g="0" b="0"/>
+      </a:fillRef>
+      <a:effectRef idx="0">
+        <a:scrgbClr r="0" g="0" b="0"/>
+      </a:effectRef>
+      <a:fontRef idx="minor"/>
+    </dgm:style>
+  </dgm:styleLbl>
+  <dgm:styleLbl name="trAlignAcc1">
+    <dgm:scene3d>
+      <a:camera prst="orthographicFront"/>
+      <a:lightRig rig="threePt" dir="t"/>
+    </dgm:scene3d>
+    <dgm:sp3d/>
+    <dgm:txPr/>
+    <dgm:style>
+      <a:lnRef idx="1">
+        <a:scrgbClr r="0" g="0" b="0"/>
+      </a:lnRef>
+      <a:fillRef idx="1">
+        <a:scrgbClr r="0" g="0" b="0"/>
+      </a:fillRef>
+      <a:effectRef idx="0">
+        <a:scrgbClr r="0" g="0" b="0"/>
+      </a:effectRef>
+      <a:fontRef idx="minor"/>
+    </dgm:style>
+  </dgm:styleLbl>
+  <dgm:styleLbl name="bgAcc1">
+    <dgm:scene3d>
+      <a:camera prst="orthographicFront"/>
+      <a:lightRig rig="threePt" dir="t"/>
+    </dgm:scene3d>
+    <dgm:sp3d/>
+    <dgm:txPr/>
+    <dgm:style>
+      <a:lnRef idx="2">
+        <a:scrgbClr r="0" g="0" b="0"/>
+      </a:lnRef>
+      <a:fillRef idx="1">
+        <a:scrgbClr r="0" g="0" b="0"/>
+      </a:fillRef>
+      <a:effectRef idx="0">
+        <a:scrgbClr r="0" g="0" b="0"/>
+      </a:effectRef>
+      <a:fontRef idx="minor"/>
+    </dgm:style>
+  </dgm:styleLbl>
+  <dgm:styleLbl name="solidFgAcc1">
+    <dgm:scene3d>
+      <a:camera prst="orthographicFront"/>
+      <a:lightRig rig="threePt" dir="t"/>
+    </dgm:scene3d>
+    <dgm:sp3d/>
+    <dgm:txPr/>
+    <dgm:style>
+      <a:lnRef idx="2">
+        <a:scrgbClr r="0" g="0" b="0"/>
+      </a:lnRef>
+      <a:fillRef idx="1">
+        <a:scrgbClr r="0" g="0" b="0"/>
+      </a:fillRef>
+      <a:effectRef idx="0">
+        <a:scrgbClr r="0" g="0" b="0"/>
+      </a:effectRef>
+      <a:fontRef idx="minor"/>
+    </dgm:style>
+  </dgm:styleLbl>
+  <dgm:styleLbl name="solidAlignAcc1">
+    <dgm:scene3d>
+      <a:camera prst="orthographicFront"/>
+      <a:lightRig rig="threePt" dir="t"/>
+    </dgm:scene3d>
+    <dgm:sp3d/>
+    <dgm:txPr/>
+    <dgm:style>
+      <a:lnRef idx="2">
+        <a:scrgbClr r="0" g="0" b="0"/>
+      </a:lnRef>
+      <a:fillRef idx="1">
+        <a:scrgbClr r="0" g="0" b="0"/>
+      </a:fillRef>
+      <a:effectRef idx="0">
+        <a:scrgbClr r="0" g="0" b="0"/>
+      </a:effectRef>
+      <a:fontRef idx="minor"/>
+    </dgm:style>
+  </dgm:styleLbl>
+  <dgm:styleLbl name="solidBgAcc1">
+    <dgm:scene3d>
+      <a:camera prst="orthographicFront"/>
+      <a:lightRig rig="threePt" dir="t"/>
+    </dgm:scene3d>
+    <dgm:sp3d/>
+    <dgm:txPr/>
+    <dgm:style>
+      <a:lnRef idx="2">
+        <a:scrgbClr r="0" g="0" b="0"/>
+      </a:lnRef>
+      <a:fillRef idx="1">
+        <a:scrgbClr r="0" g="0" b="0"/>
+      </a:fillRef>
+      <a:effectRef idx="0">
+        <a:scrgbClr r="0" g="0" b="0"/>
+      </a:effectRef>
+      <a:fontRef idx="minor"/>
+    </dgm:style>
+  </dgm:styleLbl>
+  <dgm:styleLbl name="fgAccFollowNode1">
+    <dgm:scene3d>
+      <a:camera prst="orthographicFront"/>
+      <a:lightRig rig="threePt" dir="t"/>
+    </dgm:scene3d>
+    <dgm:sp3d/>
+    <dgm:txPr/>
+    <dgm:style>
+      <a:lnRef idx="2">
+        <a:scrgbClr r="0" g="0" b="0"/>
+      </a:lnRef>
+      <a:fillRef idx="1">
+        <a:scrgbClr r="0" g="0" b="0"/>
+      </a:fillRef>
+      <a:effectRef idx="0">
+        <a:scrgbClr r="0" g="0" b="0"/>
+      </a:effectRef>
+      <a:fontRef idx="minor"/>
+    </dgm:style>
+  </dgm:styleLbl>
+  <dgm:styleLbl name="alignAccFollowNode1">
+    <dgm:scene3d>
+      <a:camera prst="orthographicFront"/>
+      <a:lightRig rig="threePt" dir="t"/>
+    </dgm:scene3d>
+    <dgm:sp3d/>
+    <dgm:txPr/>
+    <dgm:style>
+      <a:lnRef idx="2">
+        <a:scrgbClr r="0" g="0" b="0"/>
+      </a:lnRef>
+      <a:fillRef idx="1">
+        <a:scrgbClr r="0" g="0" b="0"/>
+      </a:fillRef>
+      <a:effectRef idx="0">
+        <a:scrgbClr r="0" g="0" b="0"/>
+      </a:effectRef>
+      <a:fontRef idx="minor"/>
+    </dgm:style>
+  </dgm:styleLbl>
+  <dgm:styleLbl name="bgAccFollowNode1">
+    <dgm:scene3d>
+      <a:camera prst="orthographicFront"/>
+      <a:lightRig rig="threePt" dir="t"/>
+    </dgm:scene3d>
+    <dgm:sp3d/>
+    <dgm:txPr/>
+    <dgm:style>
+      <a:lnRef idx="2">
+        <a:scrgbClr r="0" g="0" b="0"/>
+      </a:lnRef>
+      <a:fillRef idx="1">
+        <a:scrgbClr r="0" g="0" b="0"/>
+      </a:fillRef>
+      <a:effectRef idx="0">
+        <a:scrgbClr r="0" g="0" b="0"/>
+      </a:effectRef>
+      <a:fontRef idx="minor"/>
+    </dgm:style>
+  </dgm:styleLbl>
+  <dgm:styleLbl name="fgAcc0">
+    <dgm:scene3d>
+      <a:camera prst="orthographicFront"/>
+      <a:lightRig rig="threePt" dir="t"/>
+    </dgm:scene3d>
+    <dgm:sp3d/>
+    <dgm:txPr/>
+    <dgm:style>
+      <a:lnRef idx="2">
+        <a:scrgbClr r="0" g="0" b="0"/>
+      </a:lnRef>
+      <a:fillRef idx="1">
+        <a:scrgbClr r="0" g="0" b="0"/>
+      </a:fillRef>
+      <a:effectRef idx="0">
+        <a:scrgbClr r="0" g="0" b="0"/>
+      </a:effectRef>
+      <a:fontRef idx="minor"/>
+    </dgm:style>
+  </dgm:styleLbl>
+  <dgm:styleLbl name="fgAcc2">
+    <dgm:scene3d>
+      <a:camera prst="orthographicFront"/>
+      <a:lightRig rig="threePt" dir="t"/>
+    </dgm:scene3d>
+    <dgm:sp3d/>
+    <dgm:txPr/>
+    <dgm:style>
+      <a:lnRef idx="2">
+        <a:scrgbClr r="0" g="0" b="0"/>
+      </a:lnRef>
+      <a:fillRef idx="1">
+        <a:scrgbClr r="0" g="0" b="0"/>
+      </a:fillRef>
+      <a:effectRef idx="0">
+        <a:scrgbClr r="0" g="0" b="0"/>
+      </a:effectRef>
+      <a:fontRef idx="minor"/>
+    </dgm:style>
+  </dgm:styleLbl>
+  <dgm:styleLbl name="fgAcc3">
+    <dgm:scene3d>
+      <a:camera prst="orthographicFront"/>
+      <a:lightRig rig="threePt" dir="t"/>
+    </dgm:scene3d>
+    <dgm:sp3d/>
+    <dgm:txPr/>
+    <dgm:style>
+      <a:lnRef idx="2">
+        <a:scrgbClr r="0" g="0" b="0"/>
+      </a:lnRef>
+      <a:fillRef idx="1">
+        <a:scrgbClr r="0" g="0" b="0"/>
+      </a:fillRef>
+      <a:effectRef idx="0">
+        <a:scrgbClr r="0" g="0" b="0"/>
+      </a:effectRef>
+      <a:fontRef idx="minor"/>
+    </dgm:style>
+  </dgm:styleLbl>
+  <dgm:styleLbl name="fgAcc4">
+    <dgm:scene3d>
+      <a:camera prst="orthographicFront"/>
+      <a:lightRig rig="threePt" dir="t"/>
+    </dgm:scene3d>
+    <dgm:sp3d/>
+    <dgm:txPr/>
+    <dgm:style>
+      <a:lnRef idx="2">
+        <a:scrgbClr r="0" g="0" b="0"/>
+      </a:lnRef>
+      <a:fillRef idx="1">
+        <a:scrgbClr r="0" g="0" b="0"/>
+      </a:fillRef>
+      <a:effectRef idx="0">
+        <a:scrgbClr r="0" g="0" b="0"/>
+      </a:effectRef>
+      <a:fontRef idx="minor"/>
+    </dgm:style>
+  </dgm:styleLbl>
+  <dgm:styleLbl name="bgShp">
+    <dgm:scene3d>
+      <a:camera prst="orthographicFront"/>
+      <a:lightRig rig="threePt" dir="t"/>
+    </dgm:scene3d>
+    <dgm:sp3d/>
+    <dgm:txPr/>
+    <dgm:style>
+      <a:lnRef idx="0">
+        <a:scrgbClr r="0" g="0" b="0"/>
+      </a:lnRef>
+      <a:fillRef idx="1">
+        <a:scrgbClr r="0" g="0" b="0"/>
+      </a:fillRef>
+      <a:effectRef idx="0">
+        <a:scrgbClr r="0" g="0" b="0"/>
+      </a:effectRef>
+      <a:fontRef idx="minor"/>
+    </dgm:style>
+  </dgm:styleLbl>
+  <dgm:styleLbl name="dkBgShp">
+    <dgm:scene3d>
+      <a:camera prst="orthographicFront"/>
+      <a:lightRig rig="threePt" dir="t"/>
+    </dgm:scene3d>
+    <dgm:sp3d/>
+    <dgm:txPr/>
+    <dgm:style>
+      <a:lnRef idx="0">
+        <a:scrgbClr r="0" g="0" b="0"/>
+      </a:lnRef>
+      <a:fillRef idx="1">
+        <a:scrgbClr r="0" g="0" b="0"/>
+      </a:fillRef>
+      <a:effectRef idx="0">
+        <a:scrgbClr r="0" g="0" b="0"/>
+      </a:effectRef>
+      <a:fontRef idx="minor"/>
+    </dgm:style>
+  </dgm:styleLbl>
+  <dgm:styleLbl name="trBgShp">
+    <dgm:scene3d>
+      <a:camera prst="orthographicFront"/>
+      <a:lightRig rig="threePt" dir="t"/>
+    </dgm:scene3d>
+    <dgm:sp3d/>
+    <dgm:txPr/>
+    <dgm:style>
+      <a:lnRef idx="0">
+        <a:scrgbClr r="0" g="0" b="0"/>
+      </a:lnRef>
+      <a:fillRef idx="1">
+        <a:scrgbClr r="0" g="0" b="0"/>
+      </a:fillRef>
+      <a:effectRef idx="0">
+        <a:scrgbClr r="0" g="0" b="0"/>
+      </a:effectRef>
+      <a:fontRef idx="minor"/>
+    </dgm:style>
+  </dgm:styleLbl>
+  <dgm:styleLbl name="fgShp">
+    <dgm:scene3d>
+      <a:camera prst="orthographicFront"/>
+      <a:lightRig rig="threePt" dir="t"/>
+    </dgm:scene3d>
+    <dgm:sp3d/>
+    <dgm:txPr/>
+    <dgm:style>
+      <a:lnRef idx="2">
+        <a:scrgbClr r="0" g="0" b="0"/>
+      </a:lnRef>
+      <a:fillRef idx="1">
+        <a:scrgbClr r="0" g="0" b="0"/>
+      </a:fillRef>
+      <a:effectRef idx="0">
+        <a:scrgbClr r="0" g="0" b="0"/>
+      </a:effectRef>
+      <a:fontRef idx="minor"/>
+    </dgm:style>
+  </dgm:styleLbl>
+  <dgm:styleLbl name="revTx">
+    <dgm:scene3d>
+      <a:camera prst="orthographicFront"/>
+      <a:lightRig rig="threePt" dir="t"/>
+    </dgm:scene3d>
+    <dgm:sp3d/>
+    <dgm:txPr/>
+    <dgm:style>
+      <a:lnRef idx="0">
+        <a:scrgbClr r="0" g="0" b="0"/>
+      </a:lnRef>
+      <a:fillRef idx="0">
+        <a:scrgbClr r="0" g="0" b="0"/>
+      </a:fillRef>
+      <a:effectRef idx="0">
+        <a:scrgbClr r="0" g="0" b="0"/>
+      </a:effectRef>
+      <a:fontRef idx="minor"/>
+    </dgm:style>
+  </dgm:styleLbl>
+</dgm:styleDef>
+</file>
+
 <file path=ppt/notesMasters/notesMaster1.xml><?xml version="1.0" encoding="utf-8"?>
 <p:notesMaster xmlns:a="http://schemas.openxmlformats.org/drawingml/2006/main" xmlns:r="http://schemas.openxmlformats.org/officeDocument/2006/relationships" xmlns:p="http://schemas.openxmlformats.org/presentationml/2006/main">
   <p:cSld>
@@ -202,7 +3154,7 @@
           <a:p>
             <a:fld id="{063B485B-56CE-4234-859C-028E31A6017E}" type="datetimeFigureOut">
               <a:rPr lang="en-US" smtClean="0"/>
-              <a:t>5/13/2018</a:t>
+              <a:t>14-May-18</a:t>
             </a:fld>
             <a:endParaRPr lang="en-US"/>
           </a:p>
@@ -628,6 +3580,426 @@
     <p:extLst>
       <p:ext uri="{BB962C8B-B14F-4D97-AF65-F5344CB8AC3E}">
         <p14:creationId xmlns:p14="http://schemas.microsoft.com/office/powerpoint/2010/main" val="3192933777"/>
+      </p:ext>
+    </p:extLst>
+  </p:cSld>
+  <p:clrMapOvr>
+    <a:masterClrMapping/>
+  </p:clrMapOvr>
+</p:notes>
+</file>
+
+<file path=ppt/notesSlides/notesSlide3.xml><?xml version="1.0" encoding="utf-8"?>
+<p:notes xmlns:a="http://schemas.openxmlformats.org/drawingml/2006/main" xmlns:r="http://schemas.openxmlformats.org/officeDocument/2006/relationships" xmlns:p="http://schemas.openxmlformats.org/presentationml/2006/main">
+  <p:cSld>
+    <p:spTree>
+      <p:nvGrpSpPr>
+        <p:cNvPr id="1" name=""/>
+        <p:cNvGrpSpPr/>
+        <p:nvPr/>
+      </p:nvGrpSpPr>
+      <p:grpSpPr>
+        <a:xfrm>
+          <a:off x="0" y="0"/>
+          <a:ext cx="0" cy="0"/>
+          <a:chOff x="0" y="0"/>
+          <a:chExt cx="0" cy="0"/>
+        </a:xfrm>
+      </p:grpSpPr>
+      <p:sp>
+        <p:nvSpPr>
+          <p:cNvPr id="2" name="Slide Image Placeholder 1"/>
+          <p:cNvSpPr>
+            <a:spLocks noGrp="1" noRot="1" noChangeAspect="1"/>
+          </p:cNvSpPr>
+          <p:nvPr>
+            <p:ph type="sldImg"/>
+          </p:nvPr>
+        </p:nvSpPr>
+        <p:spPr/>
+      </p:sp>
+      <p:sp>
+        <p:nvSpPr>
+          <p:cNvPr id="3" name="Notes Placeholder 2"/>
+          <p:cNvSpPr>
+            <a:spLocks noGrp="1"/>
+          </p:cNvSpPr>
+          <p:nvPr>
+            <p:ph type="body" idx="1"/>
+          </p:nvPr>
+        </p:nvSpPr>
+        <p:spPr/>
+        <p:txBody>
+          <a:bodyPr/>
+          <a:lstStyle/>
+          <a:p>
+            <a:endParaRPr lang="en-US"/>
+          </a:p>
+        </p:txBody>
+      </p:sp>
+      <p:sp>
+        <p:nvSpPr>
+          <p:cNvPr id="4" name="Slide Number Placeholder 3"/>
+          <p:cNvSpPr>
+            <a:spLocks noGrp="1"/>
+          </p:cNvSpPr>
+          <p:nvPr>
+            <p:ph type="sldNum" sz="quarter" idx="10"/>
+          </p:nvPr>
+        </p:nvSpPr>
+        <p:spPr/>
+        <p:txBody>
+          <a:bodyPr/>
+          <a:lstStyle/>
+          <a:p>
+            <a:fld id="{78BBFBE1-F28B-4D2E-997C-B307AD86A0C8}" type="slidenum">
+              <a:rPr lang="en-US" smtClean="0"/>
+              <a:t>4</a:t>
+            </a:fld>
+            <a:endParaRPr lang="en-US"/>
+          </a:p>
+        </p:txBody>
+      </p:sp>
+    </p:spTree>
+    <p:extLst>
+      <p:ext uri="{BB962C8B-B14F-4D97-AF65-F5344CB8AC3E}">
+        <p14:creationId xmlns:p14="http://schemas.microsoft.com/office/powerpoint/2010/main" val="2700774597"/>
+      </p:ext>
+    </p:extLst>
+  </p:cSld>
+  <p:clrMapOvr>
+    <a:masterClrMapping/>
+  </p:clrMapOvr>
+</p:notes>
+</file>
+
+<file path=ppt/notesSlides/notesSlide4.xml><?xml version="1.0" encoding="utf-8"?>
+<p:notes xmlns:a="http://schemas.openxmlformats.org/drawingml/2006/main" xmlns:r="http://schemas.openxmlformats.org/officeDocument/2006/relationships" xmlns:p="http://schemas.openxmlformats.org/presentationml/2006/main">
+  <p:cSld>
+    <p:spTree>
+      <p:nvGrpSpPr>
+        <p:cNvPr id="1" name=""/>
+        <p:cNvGrpSpPr/>
+        <p:nvPr/>
+      </p:nvGrpSpPr>
+      <p:grpSpPr>
+        <a:xfrm>
+          <a:off x="0" y="0"/>
+          <a:ext cx="0" cy="0"/>
+          <a:chOff x="0" y="0"/>
+          <a:chExt cx="0" cy="0"/>
+        </a:xfrm>
+      </p:grpSpPr>
+      <p:sp>
+        <p:nvSpPr>
+          <p:cNvPr id="2" name="Slide Image Placeholder 1"/>
+          <p:cNvSpPr>
+            <a:spLocks noGrp="1" noRot="1" noChangeAspect="1"/>
+          </p:cNvSpPr>
+          <p:nvPr>
+            <p:ph type="sldImg"/>
+          </p:nvPr>
+        </p:nvSpPr>
+        <p:spPr/>
+      </p:sp>
+      <p:sp>
+        <p:nvSpPr>
+          <p:cNvPr id="3" name="Notes Placeholder 2"/>
+          <p:cNvSpPr>
+            <a:spLocks noGrp="1"/>
+          </p:cNvSpPr>
+          <p:nvPr>
+            <p:ph type="body" idx="1"/>
+          </p:nvPr>
+        </p:nvSpPr>
+        <p:spPr/>
+        <p:txBody>
+          <a:bodyPr/>
+          <a:lstStyle/>
+          <a:p>
+            <a:endParaRPr lang="en-US" dirty="0"/>
+          </a:p>
+        </p:txBody>
+      </p:sp>
+      <p:sp>
+        <p:nvSpPr>
+          <p:cNvPr id="4" name="Slide Number Placeholder 3"/>
+          <p:cNvSpPr>
+            <a:spLocks noGrp="1"/>
+          </p:cNvSpPr>
+          <p:nvPr>
+            <p:ph type="sldNum" sz="quarter" idx="10"/>
+          </p:nvPr>
+        </p:nvSpPr>
+        <p:spPr/>
+        <p:txBody>
+          <a:bodyPr/>
+          <a:lstStyle/>
+          <a:p>
+            <a:fld id="{78BBFBE1-F28B-4D2E-997C-B307AD86A0C8}" type="slidenum">
+              <a:rPr lang="en-US" smtClean="0"/>
+              <a:t>8</a:t>
+            </a:fld>
+            <a:endParaRPr lang="en-US"/>
+          </a:p>
+        </p:txBody>
+      </p:sp>
+    </p:spTree>
+    <p:extLst>
+      <p:ext uri="{BB962C8B-B14F-4D97-AF65-F5344CB8AC3E}">
+        <p14:creationId xmlns:p14="http://schemas.microsoft.com/office/powerpoint/2010/main" val="394658720"/>
+      </p:ext>
+    </p:extLst>
+  </p:cSld>
+  <p:clrMapOvr>
+    <a:masterClrMapping/>
+  </p:clrMapOvr>
+</p:notes>
+</file>
+
+<file path=ppt/notesSlides/notesSlide5.xml><?xml version="1.0" encoding="utf-8"?>
+<p:notes xmlns:a="http://schemas.openxmlformats.org/drawingml/2006/main" xmlns:r="http://schemas.openxmlformats.org/officeDocument/2006/relationships" xmlns:p="http://schemas.openxmlformats.org/presentationml/2006/main">
+  <p:cSld>
+    <p:spTree>
+      <p:nvGrpSpPr>
+        <p:cNvPr id="1" name=""/>
+        <p:cNvGrpSpPr/>
+        <p:nvPr/>
+      </p:nvGrpSpPr>
+      <p:grpSpPr>
+        <a:xfrm>
+          <a:off x="0" y="0"/>
+          <a:ext cx="0" cy="0"/>
+          <a:chOff x="0" y="0"/>
+          <a:chExt cx="0" cy="0"/>
+        </a:xfrm>
+      </p:grpSpPr>
+      <p:sp>
+        <p:nvSpPr>
+          <p:cNvPr id="2" name="Slide Image Placeholder 1"/>
+          <p:cNvSpPr>
+            <a:spLocks noGrp="1" noRot="1" noChangeAspect="1"/>
+          </p:cNvSpPr>
+          <p:nvPr>
+            <p:ph type="sldImg"/>
+          </p:nvPr>
+        </p:nvSpPr>
+        <p:spPr/>
+      </p:sp>
+      <p:sp>
+        <p:nvSpPr>
+          <p:cNvPr id="3" name="Notes Placeholder 2"/>
+          <p:cNvSpPr>
+            <a:spLocks noGrp="1"/>
+          </p:cNvSpPr>
+          <p:nvPr>
+            <p:ph type="body" idx="1"/>
+          </p:nvPr>
+        </p:nvSpPr>
+        <p:spPr/>
+        <p:txBody>
+          <a:bodyPr/>
+          <a:lstStyle/>
+          <a:p>
+            <a:endParaRPr lang="en-US" dirty="0"/>
+          </a:p>
+        </p:txBody>
+      </p:sp>
+      <p:sp>
+        <p:nvSpPr>
+          <p:cNvPr id="4" name="Slide Number Placeholder 3"/>
+          <p:cNvSpPr>
+            <a:spLocks noGrp="1"/>
+          </p:cNvSpPr>
+          <p:nvPr>
+            <p:ph type="sldNum" sz="quarter" idx="10"/>
+          </p:nvPr>
+        </p:nvSpPr>
+        <p:spPr/>
+        <p:txBody>
+          <a:bodyPr/>
+          <a:lstStyle/>
+          <a:p>
+            <a:fld id="{78BBFBE1-F28B-4D2E-997C-B307AD86A0C8}" type="slidenum">
+              <a:rPr lang="en-US" smtClean="0"/>
+              <a:t>9</a:t>
+            </a:fld>
+            <a:endParaRPr lang="en-US"/>
+          </a:p>
+        </p:txBody>
+      </p:sp>
+    </p:spTree>
+    <p:extLst>
+      <p:ext uri="{BB962C8B-B14F-4D97-AF65-F5344CB8AC3E}">
+        <p14:creationId xmlns:p14="http://schemas.microsoft.com/office/powerpoint/2010/main" val="1284971071"/>
+      </p:ext>
+    </p:extLst>
+  </p:cSld>
+  <p:clrMapOvr>
+    <a:masterClrMapping/>
+  </p:clrMapOvr>
+</p:notes>
+</file>
+
+<file path=ppt/notesSlides/notesSlide6.xml><?xml version="1.0" encoding="utf-8"?>
+<p:notes xmlns:a="http://schemas.openxmlformats.org/drawingml/2006/main" xmlns:r="http://schemas.openxmlformats.org/officeDocument/2006/relationships" xmlns:p="http://schemas.openxmlformats.org/presentationml/2006/main">
+  <p:cSld>
+    <p:spTree>
+      <p:nvGrpSpPr>
+        <p:cNvPr id="1" name=""/>
+        <p:cNvGrpSpPr/>
+        <p:nvPr/>
+      </p:nvGrpSpPr>
+      <p:grpSpPr>
+        <a:xfrm>
+          <a:off x="0" y="0"/>
+          <a:ext cx="0" cy="0"/>
+          <a:chOff x="0" y="0"/>
+          <a:chExt cx="0" cy="0"/>
+        </a:xfrm>
+      </p:grpSpPr>
+      <p:sp>
+        <p:nvSpPr>
+          <p:cNvPr id="2" name="Slide Image Placeholder 1"/>
+          <p:cNvSpPr>
+            <a:spLocks noGrp="1" noRot="1" noChangeAspect="1"/>
+          </p:cNvSpPr>
+          <p:nvPr>
+            <p:ph type="sldImg"/>
+          </p:nvPr>
+        </p:nvSpPr>
+        <p:spPr/>
+      </p:sp>
+      <p:sp>
+        <p:nvSpPr>
+          <p:cNvPr id="3" name="Notes Placeholder 2"/>
+          <p:cNvSpPr>
+            <a:spLocks noGrp="1"/>
+          </p:cNvSpPr>
+          <p:nvPr>
+            <p:ph type="body" idx="1"/>
+          </p:nvPr>
+        </p:nvSpPr>
+        <p:spPr/>
+        <p:txBody>
+          <a:bodyPr/>
+          <a:lstStyle/>
+          <a:p>
+            <a:endParaRPr lang="en-US" dirty="0"/>
+          </a:p>
+        </p:txBody>
+      </p:sp>
+      <p:sp>
+        <p:nvSpPr>
+          <p:cNvPr id="4" name="Slide Number Placeholder 3"/>
+          <p:cNvSpPr>
+            <a:spLocks noGrp="1"/>
+          </p:cNvSpPr>
+          <p:nvPr>
+            <p:ph type="sldNum" sz="quarter" idx="10"/>
+          </p:nvPr>
+        </p:nvSpPr>
+        <p:spPr/>
+        <p:txBody>
+          <a:bodyPr/>
+          <a:lstStyle/>
+          <a:p>
+            <a:fld id="{78BBFBE1-F28B-4D2E-997C-B307AD86A0C8}" type="slidenum">
+              <a:rPr lang="en-US" smtClean="0"/>
+              <a:t>10</a:t>
+            </a:fld>
+            <a:endParaRPr lang="en-US"/>
+          </a:p>
+        </p:txBody>
+      </p:sp>
+    </p:spTree>
+    <p:extLst>
+      <p:ext uri="{BB962C8B-B14F-4D97-AF65-F5344CB8AC3E}">
+        <p14:creationId xmlns:p14="http://schemas.microsoft.com/office/powerpoint/2010/main" val="4132018371"/>
+      </p:ext>
+    </p:extLst>
+  </p:cSld>
+  <p:clrMapOvr>
+    <a:masterClrMapping/>
+  </p:clrMapOvr>
+</p:notes>
+</file>
+
+<file path=ppt/notesSlides/notesSlide7.xml><?xml version="1.0" encoding="utf-8"?>
+<p:notes xmlns:a="http://schemas.openxmlformats.org/drawingml/2006/main" xmlns:r="http://schemas.openxmlformats.org/officeDocument/2006/relationships" xmlns:p="http://schemas.openxmlformats.org/presentationml/2006/main">
+  <p:cSld>
+    <p:spTree>
+      <p:nvGrpSpPr>
+        <p:cNvPr id="1" name=""/>
+        <p:cNvGrpSpPr/>
+        <p:nvPr/>
+      </p:nvGrpSpPr>
+      <p:grpSpPr>
+        <a:xfrm>
+          <a:off x="0" y="0"/>
+          <a:ext cx="0" cy="0"/>
+          <a:chOff x="0" y="0"/>
+          <a:chExt cx="0" cy="0"/>
+        </a:xfrm>
+      </p:grpSpPr>
+      <p:sp>
+        <p:nvSpPr>
+          <p:cNvPr id="2" name="Slide Image Placeholder 1"/>
+          <p:cNvSpPr>
+            <a:spLocks noGrp="1" noRot="1" noChangeAspect="1"/>
+          </p:cNvSpPr>
+          <p:nvPr>
+            <p:ph type="sldImg"/>
+          </p:nvPr>
+        </p:nvSpPr>
+        <p:spPr/>
+      </p:sp>
+      <p:sp>
+        <p:nvSpPr>
+          <p:cNvPr id="3" name="Notes Placeholder 2"/>
+          <p:cNvSpPr>
+            <a:spLocks noGrp="1"/>
+          </p:cNvSpPr>
+          <p:nvPr>
+            <p:ph type="body" idx="1"/>
+          </p:nvPr>
+        </p:nvSpPr>
+        <p:spPr/>
+        <p:txBody>
+          <a:bodyPr/>
+          <a:lstStyle/>
+          <a:p>
+            <a:endParaRPr lang="en-US" dirty="0"/>
+          </a:p>
+        </p:txBody>
+      </p:sp>
+      <p:sp>
+        <p:nvSpPr>
+          <p:cNvPr id="4" name="Slide Number Placeholder 3"/>
+          <p:cNvSpPr>
+            <a:spLocks noGrp="1"/>
+          </p:cNvSpPr>
+          <p:nvPr>
+            <p:ph type="sldNum" sz="quarter" idx="10"/>
+          </p:nvPr>
+        </p:nvSpPr>
+        <p:spPr/>
+        <p:txBody>
+          <a:bodyPr/>
+          <a:lstStyle/>
+          <a:p>
+            <a:fld id="{78BBFBE1-F28B-4D2E-997C-B307AD86A0C8}" type="slidenum">
+              <a:rPr lang="en-US" smtClean="0"/>
+              <a:t>11</a:t>
+            </a:fld>
+            <a:endParaRPr lang="en-US"/>
+          </a:p>
+        </p:txBody>
+      </p:sp>
+    </p:spTree>
+    <p:extLst>
+      <p:ext uri="{BB962C8B-B14F-4D97-AF65-F5344CB8AC3E}">
+        <p14:creationId xmlns:p14="http://schemas.microsoft.com/office/powerpoint/2010/main" val="3815226250"/>
       </p:ext>
     </p:extLst>
   </p:cSld>
@@ -1139,7 +4511,7 @@
           <a:p>
             <a:fld id="{B2C65A4B-112E-42DC-8450-93227160E903}" type="datetimeFigureOut">
               <a:rPr lang="en-US" smtClean="0"/>
-              <a:t>5/13/2018</a:t>
+              <a:t>14-May-18</a:t>
             </a:fld>
             <a:endParaRPr lang="en-US"/>
           </a:p>
@@ -1435,7 +4807,7 @@
           <a:p>
             <a:fld id="{B2C65A4B-112E-42DC-8450-93227160E903}" type="datetimeFigureOut">
               <a:rPr lang="en-US" smtClean="0"/>
-              <a:t>5/13/2018</a:t>
+              <a:t>14-May-18</a:t>
             </a:fld>
             <a:endParaRPr lang="en-US"/>
           </a:p>
@@ -1683,7 +5055,7 @@
           <a:p>
             <a:fld id="{B2C65A4B-112E-42DC-8450-93227160E903}" type="datetimeFigureOut">
               <a:rPr lang="en-US" smtClean="0"/>
-              <a:t>5/13/2018</a:t>
+              <a:t>14-May-18</a:t>
             </a:fld>
             <a:endParaRPr lang="en-US"/>
           </a:p>
@@ -2223,7 +5595,7 @@
           <a:p>
             <a:fld id="{B2C65A4B-112E-42DC-8450-93227160E903}" type="datetimeFigureOut">
               <a:rPr lang="en-US" smtClean="0"/>
-              <a:t>5/13/2018</a:t>
+              <a:t>14-May-18</a:t>
             </a:fld>
             <a:endParaRPr lang="en-US"/>
           </a:p>
@@ -2471,7 +5843,7 @@
           <a:p>
             <a:fld id="{B2C65A4B-112E-42DC-8450-93227160E903}" type="datetimeFigureOut">
               <a:rPr lang="en-US" smtClean="0"/>
-              <a:t>5/13/2018</a:t>
+              <a:t>14-May-18</a:t>
             </a:fld>
             <a:endParaRPr lang="en-US"/>
           </a:p>
@@ -3003,7 +6375,7 @@
           <a:p>
             <a:fld id="{B2C65A4B-112E-42DC-8450-93227160E903}" type="datetimeFigureOut">
               <a:rPr lang="en-US" smtClean="0"/>
-              <a:t>5/13/2018</a:t>
+              <a:t>14-May-18</a:t>
             </a:fld>
             <a:endParaRPr lang="en-US"/>
           </a:p>
@@ -3300,7 +6672,7 @@
           <a:p>
             <a:fld id="{B2C65A4B-112E-42DC-8450-93227160E903}" type="datetimeFigureOut">
               <a:rPr lang="en-US" smtClean="0"/>
-              <a:t>5/13/2018</a:t>
+              <a:t>14-May-18</a:t>
             </a:fld>
             <a:endParaRPr lang="en-US"/>
           </a:p>
@@ -3474,7 +6846,7 @@
           <a:p>
             <a:fld id="{B2C65A4B-112E-42DC-8450-93227160E903}" type="datetimeFigureOut">
               <a:rPr lang="en-US" smtClean="0"/>
-              <a:t>5/13/2018</a:t>
+              <a:t>14-May-18</a:t>
             </a:fld>
             <a:endParaRPr lang="en-US"/>
           </a:p>
@@ -3654,7 +7026,7 @@
           <a:p>
             <a:fld id="{B2C65A4B-112E-42DC-8450-93227160E903}" type="datetimeFigureOut">
               <a:rPr lang="en-US" smtClean="0"/>
-              <a:t>5/13/2018</a:t>
+              <a:t>14-May-18</a:t>
             </a:fld>
             <a:endParaRPr lang="en-US"/>
           </a:p>
@@ -3824,7 +7196,7 @@
           <a:p>
             <a:fld id="{B2C65A4B-112E-42DC-8450-93227160E903}" type="datetimeFigureOut">
               <a:rPr lang="en-US" smtClean="0"/>
-              <a:t>5/13/2018</a:t>
+              <a:t>14-May-18</a:t>
             </a:fld>
             <a:endParaRPr lang="en-US"/>
           </a:p>
@@ -4075,7 +7447,7 @@
           <a:p>
             <a:fld id="{B2C65A4B-112E-42DC-8450-93227160E903}" type="datetimeFigureOut">
               <a:rPr lang="en-US" smtClean="0"/>
-              <a:t>5/13/2018</a:t>
+              <a:t>14-May-18</a:t>
             </a:fld>
             <a:endParaRPr lang="en-US"/>
           </a:p>
@@ -4372,7 +7744,7 @@
           <a:p>
             <a:fld id="{B2C65A4B-112E-42DC-8450-93227160E903}" type="datetimeFigureOut">
               <a:rPr lang="en-US" smtClean="0"/>
-              <a:t>5/13/2018</a:t>
+              <a:t>14-May-18</a:t>
             </a:fld>
             <a:endParaRPr lang="en-US"/>
           </a:p>
@@ -4814,7 +8186,7 @@
           <a:p>
             <a:fld id="{B2C65A4B-112E-42DC-8450-93227160E903}" type="datetimeFigureOut">
               <a:rPr lang="en-US" smtClean="0"/>
-              <a:t>5/13/2018</a:t>
+              <a:t>14-May-18</a:t>
             </a:fld>
             <a:endParaRPr lang="en-US"/>
           </a:p>
@@ -4932,7 +8304,7 @@
           <a:p>
             <a:fld id="{B2C65A4B-112E-42DC-8450-93227160E903}" type="datetimeFigureOut">
               <a:rPr lang="en-US" smtClean="0"/>
-              <a:t>5/13/2018</a:t>
+              <a:t>14-May-18</a:t>
             </a:fld>
             <a:endParaRPr lang="en-US"/>
           </a:p>
@@ -5027,7 +8399,7 @@
           <a:p>
             <a:fld id="{B2C65A4B-112E-42DC-8450-93227160E903}" type="datetimeFigureOut">
               <a:rPr lang="en-US" smtClean="0"/>
-              <a:t>5/13/2018</a:t>
+              <a:t>14-May-18</a:t>
             </a:fld>
             <a:endParaRPr lang="en-US"/>
           </a:p>
@@ -5310,7 +8682,7 @@
           <a:p>
             <a:fld id="{B2C65A4B-112E-42DC-8450-93227160E903}" type="datetimeFigureOut">
               <a:rPr lang="en-US" smtClean="0"/>
-              <a:t>5/13/2018</a:t>
+              <a:t>14-May-18</a:t>
             </a:fld>
             <a:endParaRPr lang="en-US"/>
           </a:p>
@@ -5601,7 +8973,7 @@
           <a:p>
             <a:fld id="{B2C65A4B-112E-42DC-8450-93227160E903}" type="datetimeFigureOut">
               <a:rPr lang="en-US" smtClean="0"/>
-              <a:t>5/13/2018</a:t>
+              <a:t>14-May-18</a:t>
             </a:fld>
             <a:endParaRPr lang="en-US"/>
           </a:p>
@@ -6131,7 +9503,7 @@
           <a:p>
             <a:fld id="{B2C65A4B-112E-42DC-8450-93227160E903}" type="datetimeFigureOut">
               <a:rPr lang="en-US" smtClean="0"/>
-              <a:t>5/13/2018</a:t>
+              <a:t>14-May-18</a:t>
             </a:fld>
             <a:endParaRPr lang="en-US"/>
           </a:p>
@@ -6775,6 +10147,1235 @@
 </p:sld>
 </file>
 
+<file path=ppt/slides/slide10.xml><?xml version="1.0" encoding="utf-8"?>
+<p:sld xmlns:a="http://schemas.openxmlformats.org/drawingml/2006/main" xmlns:r="http://schemas.openxmlformats.org/officeDocument/2006/relationships" xmlns:p="http://schemas.openxmlformats.org/presentationml/2006/main">
+  <p:cSld>
+    <p:spTree>
+      <p:nvGrpSpPr>
+        <p:cNvPr id="1" name=""/>
+        <p:cNvGrpSpPr/>
+        <p:nvPr/>
+      </p:nvGrpSpPr>
+      <p:grpSpPr>
+        <a:xfrm>
+          <a:off x="0" y="0"/>
+          <a:ext cx="0" cy="0"/>
+          <a:chOff x="0" y="0"/>
+          <a:chExt cx="0" cy="0"/>
+        </a:xfrm>
+      </p:grpSpPr>
+      <p:sp>
+        <p:nvSpPr>
+          <p:cNvPr id="2" name="Title 1">
+            <a:extLst>
+              <a:ext uri="{FF2B5EF4-FFF2-40B4-BE49-F238E27FC236}">
+                <a16:creationId xmlns:a16="http://schemas.microsoft.com/office/drawing/2014/main" id="{3320184A-853A-46BC-A5D5-0BA775050763}"/>
+              </a:ext>
+            </a:extLst>
+          </p:cNvPr>
+          <p:cNvSpPr>
+            <a:spLocks noGrp="1"/>
+          </p:cNvSpPr>
+          <p:nvPr>
+            <p:ph type="title"/>
+          </p:nvPr>
+        </p:nvSpPr>
+        <p:spPr>
+          <a:xfrm>
+            <a:off x="1602298" y="213852"/>
+            <a:ext cx="7807173" cy="1511710"/>
+          </a:xfrm>
+        </p:spPr>
+        <p:txBody>
+          <a:bodyPr/>
+          <a:lstStyle/>
+          <a:p>
+            <a:pPr algn="l"/>
+            <a:r>
+              <a:rPr lang="en-US" b="1" dirty="0">
+                <a:solidFill>
+                  <a:srgbClr val="0000FF"/>
+                </a:solidFill>
+                <a:latin typeface="Times New Roman" panose="02020603050405020304" pitchFamily="18" charset="0"/>
+                <a:cs typeface="Times New Roman" panose="02020603050405020304" pitchFamily="18" charset="0"/>
+              </a:rPr>
+              <a:t>NER </a:t>
+            </a:r>
+            <a:r>
+              <a:rPr lang="en-US" b="1" dirty="0" err="1">
+                <a:solidFill>
+                  <a:srgbClr val="0000FF"/>
+                </a:solidFill>
+                <a:latin typeface="Times New Roman" panose="02020603050405020304" pitchFamily="18" charset="0"/>
+                <a:cs typeface="Times New Roman" panose="02020603050405020304" pitchFamily="18" charset="0"/>
+              </a:rPr>
+              <a:t>trong</a:t>
+            </a:r>
+            <a:r>
+              <a:rPr lang="en-US" b="1" dirty="0">
+                <a:solidFill>
+                  <a:srgbClr val="0000FF"/>
+                </a:solidFill>
+                <a:latin typeface="Times New Roman" panose="02020603050405020304" pitchFamily="18" charset="0"/>
+                <a:cs typeface="Times New Roman" panose="02020603050405020304" pitchFamily="18" charset="0"/>
+              </a:rPr>
+              <a:t> Stanford </a:t>
+            </a:r>
+            <a:r>
+              <a:rPr lang="en-US" b="1" dirty="0" err="1">
+                <a:solidFill>
+                  <a:srgbClr val="0000FF"/>
+                </a:solidFill>
+                <a:latin typeface="Times New Roman" panose="02020603050405020304" pitchFamily="18" charset="0"/>
+                <a:cs typeface="Times New Roman" panose="02020603050405020304" pitchFamily="18" charset="0"/>
+              </a:rPr>
+              <a:t>CoreNLP</a:t>
+            </a:r>
+            <a:endParaRPr lang="en-US" b="1" dirty="0">
+              <a:solidFill>
+                <a:srgbClr val="0000FF"/>
+              </a:solidFill>
+              <a:latin typeface="Times New Roman" panose="02020603050405020304" pitchFamily="18" charset="0"/>
+              <a:cs typeface="Times New Roman" panose="02020603050405020304" pitchFamily="18" charset="0"/>
+            </a:endParaRPr>
+          </a:p>
+        </p:txBody>
+      </p:sp>
+      <p:sp>
+        <p:nvSpPr>
+          <p:cNvPr id="3" name="Content Placeholder 2">
+            <a:extLst>
+              <a:ext uri="{FF2B5EF4-FFF2-40B4-BE49-F238E27FC236}">
+                <a16:creationId xmlns:a16="http://schemas.microsoft.com/office/drawing/2014/main" id="{B19C7083-1D02-477A-B7C0-251FB4CF8D56}"/>
+              </a:ext>
+            </a:extLst>
+          </p:cNvPr>
+          <p:cNvSpPr>
+            <a:spLocks noGrp="1"/>
+          </p:cNvSpPr>
+          <p:nvPr>
+            <p:ph idx="1"/>
+          </p:nvPr>
+        </p:nvSpPr>
+        <p:spPr>
+          <a:xfrm>
+            <a:off x="1282984" y="1582056"/>
+            <a:ext cx="9893016" cy="2757715"/>
+          </a:xfrm>
+        </p:spPr>
+        <p:txBody>
+          <a:bodyPr>
+            <a:noAutofit/>
+          </a:bodyPr>
+          <a:lstStyle/>
+          <a:p>
+            <a:pPr lvl="1">
+              <a:lnSpc>
+                <a:spcPct val="150000"/>
+              </a:lnSpc>
+            </a:pPr>
+            <a:r>
+              <a:rPr lang="en-US" sz="2200" dirty="0" err="1">
+                <a:latin typeface="Times New Roman" panose="02020603050405020304" pitchFamily="18" charset="0"/>
+                <a:cs typeface="Times New Roman" panose="02020603050405020304" pitchFamily="18" charset="0"/>
+              </a:rPr>
+              <a:t>Thực</a:t>
+            </a:r>
+            <a:r>
+              <a:rPr lang="en-US" sz="2200" dirty="0">
+                <a:latin typeface="Times New Roman" panose="02020603050405020304" pitchFamily="18" charset="0"/>
+                <a:cs typeface="Times New Roman" panose="02020603050405020304" pitchFamily="18" charset="0"/>
+              </a:rPr>
+              <a:t> </a:t>
+            </a:r>
+            <a:r>
+              <a:rPr lang="en-US" sz="2200" dirty="0" err="1">
+                <a:latin typeface="Times New Roman" panose="02020603050405020304" pitchFamily="18" charset="0"/>
+                <a:cs typeface="Times New Roman" panose="02020603050405020304" pitchFamily="18" charset="0"/>
+              </a:rPr>
+              <a:t>hiện</a:t>
+            </a:r>
+            <a:r>
+              <a:rPr lang="en-US" sz="2200" dirty="0">
+                <a:latin typeface="Times New Roman" panose="02020603050405020304" pitchFamily="18" charset="0"/>
+                <a:cs typeface="Times New Roman" panose="02020603050405020304" pitchFamily="18" charset="0"/>
+              </a:rPr>
+              <a:t> NER </a:t>
+            </a:r>
+            <a:r>
+              <a:rPr lang="en-US" sz="2200" dirty="0" err="1">
+                <a:latin typeface="Times New Roman" panose="02020603050405020304" pitchFamily="18" charset="0"/>
+                <a:cs typeface="Times New Roman" panose="02020603050405020304" pitchFamily="18" charset="0"/>
+              </a:rPr>
+              <a:t>thông</a:t>
+            </a:r>
+            <a:r>
+              <a:rPr lang="en-US" sz="2200" dirty="0">
+                <a:latin typeface="Times New Roman" panose="02020603050405020304" pitchFamily="18" charset="0"/>
+                <a:cs typeface="Times New Roman" panose="02020603050405020304" pitchFamily="18" charset="0"/>
+              </a:rPr>
+              <a:t> qua </a:t>
+            </a:r>
+            <a:r>
+              <a:rPr lang="en-US" sz="2200" dirty="0" err="1">
+                <a:latin typeface="Times New Roman" panose="02020603050405020304" pitchFamily="18" charset="0"/>
+                <a:cs typeface="Times New Roman" panose="02020603050405020304" pitchFamily="18" charset="0"/>
+              </a:rPr>
+              <a:t>lớp</a:t>
+            </a:r>
+            <a:r>
+              <a:rPr lang="en-US" sz="2200" dirty="0">
+                <a:latin typeface="Times New Roman" panose="02020603050405020304" pitchFamily="18" charset="0"/>
+                <a:cs typeface="Times New Roman" panose="02020603050405020304" pitchFamily="18" charset="0"/>
+              </a:rPr>
+              <a:t> </a:t>
+            </a:r>
+            <a:r>
+              <a:rPr lang="en-US" sz="2200" dirty="0" err="1">
+                <a:latin typeface="Times New Roman" panose="02020603050405020304" pitchFamily="18" charset="0"/>
+                <a:cs typeface="Times New Roman" panose="02020603050405020304" pitchFamily="18" charset="0"/>
+              </a:rPr>
+              <a:t>CRFClassifier</a:t>
+            </a:r>
+            <a:endParaRPr lang="en-US" sz="2200" dirty="0">
+              <a:latin typeface="Times New Roman" panose="02020603050405020304" pitchFamily="18" charset="0"/>
+              <a:cs typeface="Times New Roman" panose="02020603050405020304" pitchFamily="18" charset="0"/>
+            </a:endParaRPr>
+          </a:p>
+          <a:p>
+            <a:pPr lvl="1">
+              <a:lnSpc>
+                <a:spcPct val="150000"/>
+              </a:lnSpc>
+            </a:pPr>
+            <a:r>
+              <a:rPr lang="en-US" sz="2200" dirty="0" err="1">
+                <a:latin typeface="Times New Roman" panose="02020603050405020304" pitchFamily="18" charset="0"/>
+                <a:cs typeface="Times New Roman" panose="02020603050405020304" pitchFamily="18" charset="0"/>
+              </a:rPr>
+              <a:t>Đầu</a:t>
+            </a:r>
+            <a:r>
+              <a:rPr lang="en-US" sz="2200" dirty="0">
+                <a:latin typeface="Times New Roman" panose="02020603050405020304" pitchFamily="18" charset="0"/>
+                <a:cs typeface="Times New Roman" panose="02020603050405020304" pitchFamily="18" charset="0"/>
+              </a:rPr>
+              <a:t> </a:t>
+            </a:r>
+            <a:r>
+              <a:rPr lang="en-US" sz="2200" dirty="0" err="1">
+                <a:latin typeface="Times New Roman" panose="02020603050405020304" pitchFamily="18" charset="0"/>
+                <a:cs typeface="Times New Roman" panose="02020603050405020304" pitchFamily="18" charset="0"/>
+              </a:rPr>
+              <a:t>tiên</a:t>
+            </a:r>
+            <a:r>
+              <a:rPr lang="en-US" sz="2200" dirty="0">
+                <a:latin typeface="Times New Roman" panose="02020603050405020304" pitchFamily="18" charset="0"/>
+                <a:cs typeface="Times New Roman" panose="02020603050405020304" pitchFamily="18" charset="0"/>
+              </a:rPr>
+              <a:t>, ta </a:t>
+            </a:r>
+            <a:r>
+              <a:rPr lang="en-US" sz="2200" dirty="0" err="1">
+                <a:latin typeface="Times New Roman" panose="02020603050405020304" pitchFamily="18" charset="0"/>
+                <a:cs typeface="Times New Roman" panose="02020603050405020304" pitchFamily="18" charset="0"/>
+              </a:rPr>
+              <a:t>khai</a:t>
+            </a:r>
+            <a:r>
+              <a:rPr lang="en-US" sz="2200" dirty="0">
+                <a:latin typeface="Times New Roman" panose="02020603050405020304" pitchFamily="18" charset="0"/>
+                <a:cs typeface="Times New Roman" panose="02020603050405020304" pitchFamily="18" charset="0"/>
+              </a:rPr>
+              <a:t> </a:t>
+            </a:r>
+            <a:r>
+              <a:rPr lang="en-US" sz="2200" dirty="0" err="1">
+                <a:latin typeface="Times New Roman" panose="02020603050405020304" pitchFamily="18" charset="0"/>
+                <a:cs typeface="Times New Roman" panose="02020603050405020304" pitchFamily="18" charset="0"/>
+              </a:rPr>
+              <a:t>báo</a:t>
+            </a:r>
+            <a:r>
+              <a:rPr lang="en-US" sz="2200" dirty="0">
+                <a:latin typeface="Times New Roman" panose="02020603050405020304" pitchFamily="18" charset="0"/>
+                <a:cs typeface="Times New Roman" panose="02020603050405020304" pitchFamily="18" charset="0"/>
+              </a:rPr>
+              <a:t> </a:t>
+            </a:r>
+            <a:r>
+              <a:rPr lang="en-US" sz="2200" dirty="0" err="1">
+                <a:latin typeface="Times New Roman" panose="02020603050405020304" pitchFamily="18" charset="0"/>
+                <a:cs typeface="Times New Roman" panose="02020603050405020304" pitchFamily="18" charset="0"/>
+              </a:rPr>
+              <a:t>mô</a:t>
+            </a:r>
+            <a:r>
+              <a:rPr lang="en-US" sz="2200" dirty="0">
+                <a:latin typeface="Times New Roman" panose="02020603050405020304" pitchFamily="18" charset="0"/>
+                <a:cs typeface="Times New Roman" panose="02020603050405020304" pitchFamily="18" charset="0"/>
+              </a:rPr>
+              <a:t> </a:t>
+            </a:r>
+            <a:r>
+              <a:rPr lang="en-US" sz="2200" dirty="0" err="1">
+                <a:latin typeface="Times New Roman" panose="02020603050405020304" pitchFamily="18" charset="0"/>
+                <a:cs typeface="Times New Roman" panose="02020603050405020304" pitchFamily="18" charset="0"/>
+              </a:rPr>
+              <a:t>hình</a:t>
+            </a:r>
+            <a:r>
+              <a:rPr lang="en-US" sz="2200" dirty="0">
+                <a:latin typeface="Times New Roman" panose="02020603050405020304" pitchFamily="18" charset="0"/>
+                <a:cs typeface="Times New Roman" panose="02020603050405020304" pitchFamily="18" charset="0"/>
+              </a:rPr>
+              <a:t> </a:t>
+            </a:r>
+            <a:r>
+              <a:rPr lang="en-US" sz="2200" dirty="0" err="1">
+                <a:latin typeface="Times New Roman" panose="02020603050405020304" pitchFamily="18" charset="0"/>
+                <a:cs typeface="Times New Roman" panose="02020603050405020304" pitchFamily="18" charset="0"/>
+              </a:rPr>
+              <a:t>phân</a:t>
+            </a:r>
+            <a:r>
+              <a:rPr lang="en-US" sz="2200" dirty="0">
+                <a:latin typeface="Times New Roman" panose="02020603050405020304" pitchFamily="18" charset="0"/>
+                <a:cs typeface="Times New Roman" panose="02020603050405020304" pitchFamily="18" charset="0"/>
+              </a:rPr>
+              <a:t> </a:t>
+            </a:r>
+            <a:r>
+              <a:rPr lang="en-US" sz="2200" dirty="0" err="1">
+                <a:latin typeface="Times New Roman" panose="02020603050405020304" pitchFamily="18" charset="0"/>
+                <a:cs typeface="Times New Roman" panose="02020603050405020304" pitchFamily="18" charset="0"/>
+              </a:rPr>
+              <a:t>lớp</a:t>
+            </a:r>
+            <a:r>
+              <a:rPr lang="en-US" sz="2200" dirty="0">
+                <a:latin typeface="Times New Roman" panose="02020603050405020304" pitchFamily="18" charset="0"/>
+                <a:cs typeface="Times New Roman" panose="02020603050405020304" pitchFamily="18" charset="0"/>
+              </a:rPr>
+              <a:t> </a:t>
+            </a:r>
+            <a:r>
+              <a:rPr lang="en-US" sz="2200" dirty="0" err="1">
+                <a:latin typeface="Times New Roman" panose="02020603050405020304" pitchFamily="18" charset="0"/>
+                <a:cs typeface="Times New Roman" panose="02020603050405020304" pitchFamily="18" charset="0"/>
+              </a:rPr>
+              <a:t>bằng</a:t>
+            </a:r>
+            <a:r>
+              <a:rPr lang="en-US" sz="2200" dirty="0">
+                <a:latin typeface="Times New Roman" panose="02020603050405020304" pitchFamily="18" charset="0"/>
+                <a:cs typeface="Times New Roman" panose="02020603050405020304" pitchFamily="18" charset="0"/>
+              </a:rPr>
+              <a:t> </a:t>
+            </a:r>
+            <a:r>
+              <a:rPr lang="en-US" sz="2200" dirty="0" err="1">
+                <a:latin typeface="Times New Roman" panose="02020603050405020304" pitchFamily="18" charset="0"/>
+                <a:cs typeface="Times New Roman" panose="02020603050405020304" pitchFamily="18" charset="0"/>
+              </a:rPr>
+              <a:t>hàm</a:t>
+            </a:r>
+            <a:r>
+              <a:rPr lang="en-US" sz="2200" dirty="0">
+                <a:latin typeface="Times New Roman" panose="02020603050405020304" pitchFamily="18" charset="0"/>
+                <a:cs typeface="Times New Roman" panose="02020603050405020304" pitchFamily="18" charset="0"/>
+              </a:rPr>
+              <a:t> </a:t>
+            </a:r>
+            <a:r>
+              <a:rPr lang="en-US" sz="2200" i="1" dirty="0" err="1">
+                <a:latin typeface="Times New Roman" panose="02020603050405020304" pitchFamily="18" charset="0"/>
+                <a:cs typeface="Times New Roman" panose="02020603050405020304" pitchFamily="18" charset="0"/>
+              </a:rPr>
+              <a:t>getClassifierNoExceptions</a:t>
+            </a:r>
+            <a:r>
+              <a:rPr lang="en-US" sz="2200" i="1" dirty="0">
+                <a:latin typeface="Times New Roman" panose="02020603050405020304" pitchFamily="18" charset="0"/>
+                <a:cs typeface="Times New Roman" panose="02020603050405020304" pitchFamily="18" charset="0"/>
+              </a:rPr>
+              <a:t>( )</a:t>
+            </a:r>
+          </a:p>
+          <a:p>
+            <a:pPr lvl="2">
+              <a:lnSpc>
+                <a:spcPct val="150000"/>
+              </a:lnSpc>
+            </a:pPr>
+            <a:r>
+              <a:rPr lang="en-US" sz="2000" i="1" dirty="0">
+                <a:latin typeface="Times New Roman" panose="02020603050405020304" pitchFamily="18" charset="0"/>
+                <a:cs typeface="Times New Roman" panose="02020603050405020304" pitchFamily="18" charset="0"/>
+              </a:rPr>
+              <a:t>Input: </a:t>
+            </a:r>
+            <a:r>
+              <a:rPr lang="en-US" sz="2000" i="1" dirty="0" err="1">
+                <a:latin typeface="Times New Roman" panose="02020603050405020304" pitchFamily="18" charset="0"/>
+                <a:cs typeface="Times New Roman" panose="02020603050405020304" pitchFamily="18" charset="0"/>
+              </a:rPr>
+              <a:t>đường</a:t>
+            </a:r>
+            <a:r>
+              <a:rPr lang="en-US" sz="2000" i="1" dirty="0">
+                <a:latin typeface="Times New Roman" panose="02020603050405020304" pitchFamily="18" charset="0"/>
+                <a:cs typeface="Times New Roman" panose="02020603050405020304" pitchFamily="18" charset="0"/>
+              </a:rPr>
+              <a:t> </a:t>
+            </a:r>
+            <a:r>
+              <a:rPr lang="en-US" sz="2000" i="1" dirty="0" err="1">
+                <a:latin typeface="Times New Roman" panose="02020603050405020304" pitchFamily="18" charset="0"/>
+                <a:cs typeface="Times New Roman" panose="02020603050405020304" pitchFamily="18" charset="0"/>
+              </a:rPr>
+              <a:t>dẫn</a:t>
+            </a:r>
+            <a:r>
+              <a:rPr lang="en-US" sz="2000" i="1" dirty="0">
+                <a:latin typeface="Times New Roman" panose="02020603050405020304" pitchFamily="18" charset="0"/>
+                <a:cs typeface="Times New Roman" panose="02020603050405020304" pitchFamily="18" charset="0"/>
+              </a:rPr>
+              <a:t> </a:t>
+            </a:r>
+            <a:r>
+              <a:rPr lang="en-US" sz="2000" i="1" dirty="0" err="1">
+                <a:latin typeface="Times New Roman" panose="02020603050405020304" pitchFamily="18" charset="0"/>
+                <a:cs typeface="Times New Roman" panose="02020603050405020304" pitchFamily="18" charset="0"/>
+              </a:rPr>
+              <a:t>đến</a:t>
+            </a:r>
+            <a:r>
+              <a:rPr lang="en-US" sz="2000" i="1" dirty="0">
+                <a:latin typeface="Times New Roman" panose="02020603050405020304" pitchFamily="18" charset="0"/>
+                <a:cs typeface="Times New Roman" panose="02020603050405020304" pitchFamily="18" charset="0"/>
+              </a:rPr>
+              <a:t> file </a:t>
+            </a:r>
+            <a:r>
+              <a:rPr lang="en-US" sz="2000" i="1" dirty="0" err="1">
+                <a:latin typeface="Times New Roman" panose="02020603050405020304" pitchFamily="18" charset="0"/>
+                <a:cs typeface="Times New Roman" panose="02020603050405020304" pitchFamily="18" charset="0"/>
+              </a:rPr>
+              <a:t>mô</a:t>
+            </a:r>
+            <a:r>
+              <a:rPr lang="en-US" sz="2000" i="1" dirty="0">
+                <a:latin typeface="Times New Roman" panose="02020603050405020304" pitchFamily="18" charset="0"/>
+                <a:cs typeface="Times New Roman" panose="02020603050405020304" pitchFamily="18" charset="0"/>
+              </a:rPr>
+              <a:t> </a:t>
+            </a:r>
+            <a:r>
+              <a:rPr lang="en-US" sz="2000" i="1" dirty="0" err="1">
+                <a:latin typeface="Times New Roman" panose="02020603050405020304" pitchFamily="18" charset="0"/>
+                <a:cs typeface="Times New Roman" panose="02020603050405020304" pitchFamily="18" charset="0"/>
+              </a:rPr>
+              <a:t>hình</a:t>
+            </a:r>
+            <a:endParaRPr lang="en-US" sz="2000" i="1" dirty="0">
+              <a:latin typeface="Times New Roman" panose="02020603050405020304" pitchFamily="18" charset="0"/>
+              <a:cs typeface="Times New Roman" panose="02020603050405020304" pitchFamily="18" charset="0"/>
+            </a:endParaRPr>
+          </a:p>
+          <a:p>
+            <a:pPr marL="914400" lvl="2" indent="0">
+              <a:lnSpc>
+                <a:spcPct val="150000"/>
+              </a:lnSpc>
+              <a:buNone/>
+            </a:pPr>
+            <a:endParaRPr lang="en-US" sz="2000" i="1" dirty="0">
+              <a:latin typeface="Times New Roman" panose="02020603050405020304" pitchFamily="18" charset="0"/>
+              <a:cs typeface="Times New Roman" panose="02020603050405020304" pitchFamily="18" charset="0"/>
+            </a:endParaRPr>
+          </a:p>
+        </p:txBody>
+      </p:sp>
+      <p:pic>
+        <p:nvPicPr>
+          <p:cNvPr id="4" name="Picture 3">
+            <a:extLst>
+              <a:ext uri="{FF2B5EF4-FFF2-40B4-BE49-F238E27FC236}">
+                <a16:creationId xmlns:a16="http://schemas.microsoft.com/office/drawing/2014/main" id="{AA30FB0C-9B9A-4EED-A952-9454BE666E87}"/>
+              </a:ext>
+            </a:extLst>
+          </p:cNvPr>
+          <p:cNvPicPr/>
+          <p:nvPr/>
+        </p:nvPicPr>
+        <p:blipFill>
+          <a:blip r:embed="rId3">
+            <a:extLst>
+              <a:ext uri="{28A0092B-C50C-407E-A947-70E740481C1C}">
+                <a14:useLocalDpi xmlns:a14="http://schemas.microsoft.com/office/drawing/2010/main" val="0"/>
+              </a:ext>
+            </a:extLst>
+          </a:blip>
+          <a:srcRect/>
+          <a:stretch>
+            <a:fillRect/>
+          </a:stretch>
+        </p:blipFill>
+        <p:spPr bwMode="auto">
+          <a:xfrm>
+            <a:off x="1751835" y="4026669"/>
+            <a:ext cx="8955314" cy="1314589"/>
+          </a:xfrm>
+          <a:prstGeom prst="rect">
+            <a:avLst/>
+          </a:prstGeom>
+          <a:noFill/>
+          <a:ln>
+            <a:noFill/>
+          </a:ln>
+        </p:spPr>
+      </p:pic>
+    </p:spTree>
+    <p:extLst>
+      <p:ext uri="{BB962C8B-B14F-4D97-AF65-F5344CB8AC3E}">
+        <p14:creationId xmlns:p14="http://schemas.microsoft.com/office/powerpoint/2010/main" val="1306910708"/>
+      </p:ext>
+    </p:extLst>
+  </p:cSld>
+  <p:clrMapOvr>
+    <a:masterClrMapping/>
+  </p:clrMapOvr>
+</p:sld>
+</file>
+
+<file path=ppt/slides/slide11.xml><?xml version="1.0" encoding="utf-8"?>
+<p:sld xmlns:a="http://schemas.openxmlformats.org/drawingml/2006/main" xmlns:r="http://schemas.openxmlformats.org/officeDocument/2006/relationships" xmlns:p="http://schemas.openxmlformats.org/presentationml/2006/main">
+  <p:cSld>
+    <p:spTree>
+      <p:nvGrpSpPr>
+        <p:cNvPr id="1" name=""/>
+        <p:cNvGrpSpPr/>
+        <p:nvPr/>
+      </p:nvGrpSpPr>
+      <p:grpSpPr>
+        <a:xfrm>
+          <a:off x="0" y="0"/>
+          <a:ext cx="0" cy="0"/>
+          <a:chOff x="0" y="0"/>
+          <a:chExt cx="0" cy="0"/>
+        </a:xfrm>
+      </p:grpSpPr>
+      <p:sp>
+        <p:nvSpPr>
+          <p:cNvPr id="2" name="Title 1">
+            <a:extLst>
+              <a:ext uri="{FF2B5EF4-FFF2-40B4-BE49-F238E27FC236}">
+                <a16:creationId xmlns:a16="http://schemas.microsoft.com/office/drawing/2014/main" id="{3320184A-853A-46BC-A5D5-0BA775050763}"/>
+              </a:ext>
+            </a:extLst>
+          </p:cNvPr>
+          <p:cNvSpPr>
+            <a:spLocks noGrp="1"/>
+          </p:cNvSpPr>
+          <p:nvPr>
+            <p:ph type="title"/>
+          </p:nvPr>
+        </p:nvSpPr>
+        <p:spPr>
+          <a:xfrm>
+            <a:off x="1602298" y="213852"/>
+            <a:ext cx="7807173" cy="1511710"/>
+          </a:xfrm>
+        </p:spPr>
+        <p:txBody>
+          <a:bodyPr/>
+          <a:lstStyle/>
+          <a:p>
+            <a:pPr algn="l"/>
+            <a:r>
+              <a:rPr lang="en-US" b="1" dirty="0">
+                <a:solidFill>
+                  <a:srgbClr val="0000FF"/>
+                </a:solidFill>
+                <a:latin typeface="Times New Roman" panose="02020603050405020304" pitchFamily="18" charset="0"/>
+                <a:cs typeface="Times New Roman" panose="02020603050405020304" pitchFamily="18" charset="0"/>
+              </a:rPr>
+              <a:t>NER </a:t>
+            </a:r>
+            <a:r>
+              <a:rPr lang="en-US" b="1" dirty="0" err="1">
+                <a:solidFill>
+                  <a:srgbClr val="0000FF"/>
+                </a:solidFill>
+                <a:latin typeface="Times New Roman" panose="02020603050405020304" pitchFamily="18" charset="0"/>
+                <a:cs typeface="Times New Roman" panose="02020603050405020304" pitchFamily="18" charset="0"/>
+              </a:rPr>
+              <a:t>trong</a:t>
+            </a:r>
+            <a:r>
+              <a:rPr lang="en-US" b="1" dirty="0">
+                <a:solidFill>
+                  <a:srgbClr val="0000FF"/>
+                </a:solidFill>
+                <a:latin typeface="Times New Roman" panose="02020603050405020304" pitchFamily="18" charset="0"/>
+                <a:cs typeface="Times New Roman" panose="02020603050405020304" pitchFamily="18" charset="0"/>
+              </a:rPr>
+              <a:t> Stanford </a:t>
+            </a:r>
+            <a:r>
+              <a:rPr lang="en-US" b="1" dirty="0" err="1">
+                <a:solidFill>
+                  <a:srgbClr val="0000FF"/>
+                </a:solidFill>
+                <a:latin typeface="Times New Roman" panose="02020603050405020304" pitchFamily="18" charset="0"/>
+                <a:cs typeface="Times New Roman" panose="02020603050405020304" pitchFamily="18" charset="0"/>
+              </a:rPr>
+              <a:t>CoreNLP</a:t>
+            </a:r>
+            <a:endParaRPr lang="en-US" b="1" dirty="0">
+              <a:solidFill>
+                <a:srgbClr val="0000FF"/>
+              </a:solidFill>
+              <a:latin typeface="Times New Roman" panose="02020603050405020304" pitchFamily="18" charset="0"/>
+              <a:cs typeface="Times New Roman" panose="02020603050405020304" pitchFamily="18" charset="0"/>
+            </a:endParaRPr>
+          </a:p>
+        </p:txBody>
+      </p:sp>
+      <p:sp>
+        <p:nvSpPr>
+          <p:cNvPr id="3" name="Content Placeholder 2">
+            <a:extLst>
+              <a:ext uri="{FF2B5EF4-FFF2-40B4-BE49-F238E27FC236}">
+                <a16:creationId xmlns:a16="http://schemas.microsoft.com/office/drawing/2014/main" id="{B19C7083-1D02-477A-B7C0-251FB4CF8D56}"/>
+              </a:ext>
+            </a:extLst>
+          </p:cNvPr>
+          <p:cNvSpPr>
+            <a:spLocks noGrp="1"/>
+          </p:cNvSpPr>
+          <p:nvPr>
+            <p:ph idx="1"/>
+          </p:nvPr>
+        </p:nvSpPr>
+        <p:spPr>
+          <a:xfrm>
+            <a:off x="1282984" y="1204685"/>
+            <a:ext cx="9893016" cy="2670629"/>
+          </a:xfrm>
+        </p:spPr>
+        <p:txBody>
+          <a:bodyPr>
+            <a:noAutofit/>
+          </a:bodyPr>
+          <a:lstStyle/>
+          <a:p>
+            <a:pPr lvl="1">
+              <a:lnSpc>
+                <a:spcPct val="150000"/>
+              </a:lnSpc>
+            </a:pPr>
+            <a:r>
+              <a:rPr lang="en-US" dirty="0">
+                <a:latin typeface="Times New Roman" panose="02020603050405020304" pitchFamily="18" charset="0"/>
+                <a:cs typeface="Times New Roman" panose="02020603050405020304" pitchFamily="18" charset="0"/>
+              </a:rPr>
+              <a:t>Sau </a:t>
+            </a:r>
+            <a:r>
+              <a:rPr lang="en-US" dirty="0" err="1">
+                <a:latin typeface="Times New Roman" panose="02020603050405020304" pitchFamily="18" charset="0"/>
+                <a:cs typeface="Times New Roman" panose="02020603050405020304" pitchFamily="18" charset="0"/>
+              </a:rPr>
+              <a:t>đó</a:t>
+            </a:r>
+            <a:r>
+              <a:rPr lang="en-US" dirty="0">
+                <a:latin typeface="Times New Roman" panose="02020603050405020304" pitchFamily="18" charset="0"/>
+                <a:cs typeface="Times New Roman" panose="02020603050405020304" pitchFamily="18" charset="0"/>
+              </a:rPr>
+              <a:t>, ta </a:t>
+            </a:r>
+            <a:r>
+              <a:rPr lang="en-US" dirty="0" err="1">
+                <a:latin typeface="Times New Roman" panose="02020603050405020304" pitchFamily="18" charset="0"/>
+                <a:cs typeface="Times New Roman" panose="02020603050405020304" pitchFamily="18" charset="0"/>
+              </a:rPr>
+              <a:t>thực</a:t>
+            </a:r>
+            <a:r>
+              <a:rPr lang="en-US" dirty="0">
+                <a:latin typeface="Times New Roman" panose="02020603050405020304" pitchFamily="18" charset="0"/>
+                <a:cs typeface="Times New Roman" panose="02020603050405020304" pitchFamily="18" charset="0"/>
+              </a:rPr>
+              <a:t> </a:t>
+            </a:r>
+            <a:r>
+              <a:rPr lang="en-US" dirty="0" err="1">
+                <a:latin typeface="Times New Roman" panose="02020603050405020304" pitchFamily="18" charset="0"/>
+                <a:cs typeface="Times New Roman" panose="02020603050405020304" pitchFamily="18" charset="0"/>
+              </a:rPr>
+              <a:t>hiện</a:t>
+            </a:r>
+            <a:r>
+              <a:rPr lang="en-US" dirty="0">
+                <a:latin typeface="Times New Roman" panose="02020603050405020304" pitchFamily="18" charset="0"/>
+                <a:cs typeface="Times New Roman" panose="02020603050405020304" pitchFamily="18" charset="0"/>
+              </a:rPr>
+              <a:t> </a:t>
+            </a:r>
+            <a:r>
+              <a:rPr lang="en-US" dirty="0" err="1">
+                <a:latin typeface="Times New Roman" panose="02020603050405020304" pitchFamily="18" charset="0"/>
+                <a:cs typeface="Times New Roman" panose="02020603050405020304" pitchFamily="18" charset="0"/>
+              </a:rPr>
+              <a:t>phân</a:t>
+            </a:r>
+            <a:r>
+              <a:rPr lang="en-US" dirty="0">
+                <a:latin typeface="Times New Roman" panose="02020603050405020304" pitchFamily="18" charset="0"/>
+                <a:cs typeface="Times New Roman" panose="02020603050405020304" pitchFamily="18" charset="0"/>
+              </a:rPr>
+              <a:t> </a:t>
+            </a:r>
+            <a:r>
+              <a:rPr lang="en-US" dirty="0" err="1">
+                <a:latin typeface="Times New Roman" panose="02020603050405020304" pitchFamily="18" charset="0"/>
+                <a:cs typeface="Times New Roman" panose="02020603050405020304" pitchFamily="18" charset="0"/>
+              </a:rPr>
+              <a:t>lớp</a:t>
+            </a:r>
+            <a:r>
+              <a:rPr lang="en-US" dirty="0">
+                <a:latin typeface="Times New Roman" panose="02020603050405020304" pitchFamily="18" charset="0"/>
+                <a:cs typeface="Times New Roman" panose="02020603050405020304" pitchFamily="18" charset="0"/>
+              </a:rPr>
+              <a:t> </a:t>
+            </a:r>
+            <a:r>
+              <a:rPr lang="en-US" dirty="0" err="1">
+                <a:latin typeface="Times New Roman" panose="02020603050405020304" pitchFamily="18" charset="0"/>
+                <a:cs typeface="Times New Roman" panose="02020603050405020304" pitchFamily="18" charset="0"/>
+              </a:rPr>
+              <a:t>các</a:t>
+            </a:r>
+            <a:r>
+              <a:rPr lang="en-US" dirty="0">
+                <a:latin typeface="Times New Roman" panose="02020603050405020304" pitchFamily="18" charset="0"/>
+                <a:cs typeface="Times New Roman" panose="02020603050405020304" pitchFamily="18" charset="0"/>
+              </a:rPr>
+              <a:t> </a:t>
+            </a:r>
+            <a:r>
+              <a:rPr lang="en-US" dirty="0" err="1">
+                <a:latin typeface="Times New Roman" panose="02020603050405020304" pitchFamily="18" charset="0"/>
+                <a:cs typeface="Times New Roman" panose="02020603050405020304" pitchFamily="18" charset="0"/>
+              </a:rPr>
+              <a:t>từ</a:t>
+            </a:r>
+            <a:r>
+              <a:rPr lang="en-US" dirty="0">
+                <a:latin typeface="Times New Roman" panose="02020603050405020304" pitchFamily="18" charset="0"/>
+                <a:cs typeface="Times New Roman" panose="02020603050405020304" pitchFamily="18" charset="0"/>
+              </a:rPr>
+              <a:t> </a:t>
+            </a:r>
+            <a:r>
+              <a:rPr lang="en-US" dirty="0" err="1">
+                <a:latin typeface="Times New Roman" panose="02020603050405020304" pitchFamily="18" charset="0"/>
+                <a:cs typeface="Times New Roman" panose="02020603050405020304" pitchFamily="18" charset="0"/>
+              </a:rPr>
+              <a:t>của</a:t>
+            </a:r>
+            <a:r>
+              <a:rPr lang="en-US" dirty="0">
+                <a:latin typeface="Times New Roman" panose="02020603050405020304" pitchFamily="18" charset="0"/>
+                <a:cs typeface="Times New Roman" panose="02020603050405020304" pitchFamily="18" charset="0"/>
+              </a:rPr>
+              <a:t> </a:t>
+            </a:r>
+            <a:r>
+              <a:rPr lang="en-US" dirty="0" err="1">
+                <a:latin typeface="Times New Roman" panose="02020603050405020304" pitchFamily="18" charset="0"/>
+                <a:cs typeface="Times New Roman" panose="02020603050405020304" pitchFamily="18" charset="0"/>
+              </a:rPr>
+              <a:t>văn</a:t>
+            </a:r>
+            <a:r>
+              <a:rPr lang="en-US" dirty="0">
+                <a:latin typeface="Times New Roman" panose="02020603050405020304" pitchFamily="18" charset="0"/>
+                <a:cs typeface="Times New Roman" panose="02020603050405020304" pitchFamily="18" charset="0"/>
+              </a:rPr>
+              <a:t> </a:t>
+            </a:r>
+            <a:r>
+              <a:rPr lang="en-US" dirty="0" err="1">
+                <a:latin typeface="Times New Roman" panose="02020603050405020304" pitchFamily="18" charset="0"/>
+                <a:cs typeface="Times New Roman" panose="02020603050405020304" pitchFamily="18" charset="0"/>
+              </a:rPr>
+              <a:t>bản</a:t>
+            </a:r>
+            <a:r>
+              <a:rPr lang="en-US" dirty="0">
+                <a:latin typeface="Times New Roman" panose="02020603050405020304" pitchFamily="18" charset="0"/>
+                <a:cs typeface="Times New Roman" panose="02020603050405020304" pitchFamily="18" charset="0"/>
+              </a:rPr>
+              <a:t> </a:t>
+            </a:r>
+            <a:r>
+              <a:rPr lang="en-US" dirty="0" err="1">
+                <a:latin typeface="Times New Roman" panose="02020603050405020304" pitchFamily="18" charset="0"/>
+                <a:cs typeface="Times New Roman" panose="02020603050405020304" pitchFamily="18" charset="0"/>
+              </a:rPr>
+              <a:t>bằng</a:t>
+            </a:r>
+            <a:r>
+              <a:rPr lang="en-US" dirty="0">
+                <a:latin typeface="Times New Roman" panose="02020603050405020304" pitchFamily="18" charset="0"/>
+                <a:cs typeface="Times New Roman" panose="02020603050405020304" pitchFamily="18" charset="0"/>
+              </a:rPr>
+              <a:t> </a:t>
+            </a:r>
+            <a:r>
+              <a:rPr lang="en-US" dirty="0" err="1">
+                <a:latin typeface="Times New Roman" panose="02020603050405020304" pitchFamily="18" charset="0"/>
+                <a:cs typeface="Times New Roman" panose="02020603050405020304" pitchFamily="18" charset="0"/>
+              </a:rPr>
+              <a:t>phương</a:t>
+            </a:r>
+            <a:r>
+              <a:rPr lang="en-US" dirty="0">
+                <a:latin typeface="Times New Roman" panose="02020603050405020304" pitchFamily="18" charset="0"/>
+                <a:cs typeface="Times New Roman" panose="02020603050405020304" pitchFamily="18" charset="0"/>
+              </a:rPr>
+              <a:t> </a:t>
+            </a:r>
+            <a:r>
+              <a:rPr lang="en-US" dirty="0" err="1">
+                <a:latin typeface="Times New Roman" panose="02020603050405020304" pitchFamily="18" charset="0"/>
+                <a:cs typeface="Times New Roman" panose="02020603050405020304" pitchFamily="18" charset="0"/>
+              </a:rPr>
+              <a:t>thức</a:t>
+            </a:r>
+            <a:r>
+              <a:rPr lang="en-US" dirty="0">
+                <a:latin typeface="Times New Roman" panose="02020603050405020304" pitchFamily="18" charset="0"/>
+                <a:cs typeface="Times New Roman" panose="02020603050405020304" pitchFamily="18" charset="0"/>
+              </a:rPr>
+              <a:t> </a:t>
+            </a:r>
+            <a:r>
+              <a:rPr lang="en-US" i="1" dirty="0" err="1">
+                <a:latin typeface="Times New Roman" panose="02020603050405020304" pitchFamily="18" charset="0"/>
+                <a:cs typeface="Times New Roman" panose="02020603050405020304" pitchFamily="18" charset="0"/>
+              </a:rPr>
+              <a:t>classifyToString</a:t>
+            </a:r>
+            <a:r>
+              <a:rPr lang="en-US" i="1" dirty="0">
+                <a:latin typeface="Times New Roman" panose="02020603050405020304" pitchFamily="18" charset="0"/>
+                <a:cs typeface="Times New Roman" panose="02020603050405020304" pitchFamily="18" charset="0"/>
+              </a:rPr>
+              <a:t>( ) </a:t>
+            </a:r>
+          </a:p>
+          <a:p>
+            <a:pPr lvl="2">
+              <a:lnSpc>
+                <a:spcPct val="150000"/>
+              </a:lnSpc>
+            </a:pPr>
+            <a:r>
+              <a:rPr lang="en-US" sz="2000" i="1" dirty="0">
+                <a:latin typeface="Times New Roman" panose="02020603050405020304" pitchFamily="18" charset="0"/>
+                <a:cs typeface="Times New Roman" panose="02020603050405020304" pitchFamily="18" charset="0"/>
+              </a:rPr>
+              <a:t>Input: </a:t>
+            </a:r>
+            <a:r>
+              <a:rPr lang="en-US" sz="2000" i="1" dirty="0" err="1">
+                <a:latin typeface="Times New Roman" panose="02020603050405020304" pitchFamily="18" charset="0"/>
+                <a:cs typeface="Times New Roman" panose="02020603050405020304" pitchFamily="18" charset="0"/>
+              </a:rPr>
+              <a:t>chuỗi</a:t>
+            </a:r>
+            <a:r>
+              <a:rPr lang="en-US" sz="2000" i="1" dirty="0">
+                <a:latin typeface="Times New Roman" panose="02020603050405020304" pitchFamily="18" charset="0"/>
+                <a:cs typeface="Times New Roman" panose="02020603050405020304" pitchFamily="18" charset="0"/>
+              </a:rPr>
+              <a:t> </a:t>
+            </a:r>
+            <a:r>
+              <a:rPr lang="en-US" sz="2000" i="1" dirty="0" err="1">
+                <a:latin typeface="Times New Roman" panose="02020603050405020304" pitchFamily="18" charset="0"/>
+                <a:cs typeface="Times New Roman" panose="02020603050405020304" pitchFamily="18" charset="0"/>
+              </a:rPr>
+              <a:t>ký</a:t>
+            </a:r>
+            <a:r>
+              <a:rPr lang="en-US" sz="2000" i="1" dirty="0">
+                <a:latin typeface="Times New Roman" panose="02020603050405020304" pitchFamily="18" charset="0"/>
+                <a:cs typeface="Times New Roman" panose="02020603050405020304" pitchFamily="18" charset="0"/>
+              </a:rPr>
+              <a:t> </a:t>
+            </a:r>
+            <a:r>
+              <a:rPr lang="en-US" sz="2000" i="1" dirty="0" err="1">
+                <a:latin typeface="Times New Roman" panose="02020603050405020304" pitchFamily="18" charset="0"/>
+                <a:cs typeface="Times New Roman" panose="02020603050405020304" pitchFamily="18" charset="0"/>
+              </a:rPr>
+              <a:t>tự</a:t>
+            </a:r>
+            <a:r>
+              <a:rPr lang="en-US" sz="2000" i="1" dirty="0">
+                <a:latin typeface="Times New Roman" panose="02020603050405020304" pitchFamily="18" charset="0"/>
+                <a:cs typeface="Times New Roman" panose="02020603050405020304" pitchFamily="18" charset="0"/>
+              </a:rPr>
+              <a:t> ( </a:t>
+            </a:r>
+            <a:r>
+              <a:rPr lang="en-US" sz="2000" i="1" dirty="0" err="1">
+                <a:latin typeface="Times New Roman" panose="02020603050405020304" pitchFamily="18" charset="0"/>
+                <a:cs typeface="Times New Roman" panose="02020603050405020304" pitchFamily="18" charset="0"/>
+              </a:rPr>
+              <a:t>văn</a:t>
+            </a:r>
+            <a:r>
+              <a:rPr lang="en-US" sz="2000" i="1" dirty="0">
+                <a:latin typeface="Times New Roman" panose="02020603050405020304" pitchFamily="18" charset="0"/>
+                <a:cs typeface="Times New Roman" panose="02020603050405020304" pitchFamily="18" charset="0"/>
+              </a:rPr>
+              <a:t> </a:t>
+            </a:r>
+            <a:r>
+              <a:rPr lang="en-US" sz="2000" i="1" dirty="0" err="1">
+                <a:latin typeface="Times New Roman" panose="02020603050405020304" pitchFamily="18" charset="0"/>
+                <a:cs typeface="Times New Roman" panose="02020603050405020304" pitchFamily="18" charset="0"/>
+              </a:rPr>
+              <a:t>bản</a:t>
+            </a:r>
+            <a:r>
+              <a:rPr lang="en-US" sz="2000" i="1" dirty="0">
+                <a:latin typeface="Times New Roman" panose="02020603050405020304" pitchFamily="18" charset="0"/>
+                <a:cs typeface="Times New Roman" panose="02020603050405020304" pitchFamily="18" charset="0"/>
+              </a:rPr>
+              <a:t> </a:t>
+            </a:r>
+            <a:r>
+              <a:rPr lang="en-US" sz="2000" i="1" dirty="0" err="1">
+                <a:latin typeface="Times New Roman" panose="02020603050405020304" pitchFamily="18" charset="0"/>
+                <a:cs typeface="Times New Roman" panose="02020603050405020304" pitchFamily="18" charset="0"/>
+              </a:rPr>
+              <a:t>cần</a:t>
+            </a:r>
+            <a:r>
+              <a:rPr lang="en-US" sz="2000" i="1" dirty="0">
+                <a:latin typeface="Times New Roman" panose="02020603050405020304" pitchFamily="18" charset="0"/>
+                <a:cs typeface="Times New Roman" panose="02020603050405020304" pitchFamily="18" charset="0"/>
+              </a:rPr>
+              <a:t> </a:t>
+            </a:r>
+            <a:r>
+              <a:rPr lang="en-US" sz="2000" i="1" dirty="0" err="1">
+                <a:latin typeface="Times New Roman" panose="02020603050405020304" pitchFamily="18" charset="0"/>
+                <a:cs typeface="Times New Roman" panose="02020603050405020304" pitchFamily="18" charset="0"/>
+              </a:rPr>
+              <a:t>phân</a:t>
+            </a:r>
+            <a:r>
+              <a:rPr lang="en-US" sz="2000" i="1" dirty="0">
+                <a:latin typeface="Times New Roman" panose="02020603050405020304" pitchFamily="18" charset="0"/>
+                <a:cs typeface="Times New Roman" panose="02020603050405020304" pitchFamily="18" charset="0"/>
+              </a:rPr>
+              <a:t> </a:t>
+            </a:r>
+            <a:r>
+              <a:rPr lang="en-US" sz="2000" i="1" dirty="0" err="1">
+                <a:latin typeface="Times New Roman" panose="02020603050405020304" pitchFamily="18" charset="0"/>
+                <a:cs typeface="Times New Roman" panose="02020603050405020304" pitchFamily="18" charset="0"/>
+              </a:rPr>
+              <a:t>loại</a:t>
+            </a:r>
+            <a:r>
+              <a:rPr lang="en-US" sz="2000" i="1" dirty="0">
+                <a:latin typeface="Times New Roman" panose="02020603050405020304" pitchFamily="18" charset="0"/>
+                <a:cs typeface="Times New Roman" panose="02020603050405020304" pitchFamily="18" charset="0"/>
+              </a:rPr>
+              <a:t> </a:t>
+            </a:r>
+            <a:r>
+              <a:rPr lang="en-US" sz="2000" i="1" dirty="0" err="1">
+                <a:latin typeface="Times New Roman" panose="02020603050405020304" pitchFamily="18" charset="0"/>
+                <a:cs typeface="Times New Roman" panose="02020603050405020304" pitchFamily="18" charset="0"/>
+              </a:rPr>
+              <a:t>từ</a:t>
+            </a:r>
+            <a:r>
+              <a:rPr lang="en-US" sz="2000" i="1" dirty="0">
+                <a:latin typeface="Times New Roman" panose="02020603050405020304" pitchFamily="18" charset="0"/>
+                <a:cs typeface="Times New Roman" panose="02020603050405020304" pitchFamily="18" charset="0"/>
+              </a:rPr>
+              <a:t>)</a:t>
+            </a:r>
+          </a:p>
+          <a:p>
+            <a:pPr lvl="2">
+              <a:lnSpc>
+                <a:spcPct val="150000"/>
+              </a:lnSpc>
+            </a:pPr>
+            <a:r>
+              <a:rPr lang="en-US" sz="2000" i="1" dirty="0">
+                <a:latin typeface="Times New Roman" panose="02020603050405020304" pitchFamily="18" charset="0"/>
+                <a:cs typeface="Times New Roman" panose="02020603050405020304" pitchFamily="18" charset="0"/>
+              </a:rPr>
+              <a:t>Output: </a:t>
+            </a:r>
+            <a:r>
+              <a:rPr lang="en-US" sz="2000" i="1" dirty="0" err="1">
+                <a:latin typeface="Times New Roman" panose="02020603050405020304" pitchFamily="18" charset="0"/>
+                <a:cs typeface="Times New Roman" panose="02020603050405020304" pitchFamily="18" charset="0"/>
+              </a:rPr>
+              <a:t>Chuỗi</a:t>
+            </a:r>
+            <a:r>
+              <a:rPr lang="en-US" sz="2000" i="1" dirty="0">
+                <a:latin typeface="Times New Roman" panose="02020603050405020304" pitchFamily="18" charset="0"/>
+                <a:cs typeface="Times New Roman" panose="02020603050405020304" pitchFamily="18" charset="0"/>
+              </a:rPr>
+              <a:t> </a:t>
+            </a:r>
+            <a:r>
+              <a:rPr lang="en-US" sz="2000" i="1" dirty="0" err="1">
+                <a:latin typeface="Times New Roman" panose="02020603050405020304" pitchFamily="18" charset="0"/>
+                <a:cs typeface="Times New Roman" panose="02020603050405020304" pitchFamily="18" charset="0"/>
+              </a:rPr>
+              <a:t>các</a:t>
+            </a:r>
+            <a:r>
+              <a:rPr lang="en-US" sz="2000" i="1" dirty="0">
+                <a:latin typeface="Times New Roman" panose="02020603050405020304" pitchFamily="18" charset="0"/>
+                <a:cs typeface="Times New Roman" panose="02020603050405020304" pitchFamily="18" charset="0"/>
+              </a:rPr>
+              <a:t> </a:t>
+            </a:r>
+            <a:r>
+              <a:rPr lang="en-US" sz="2000" i="1" dirty="0" err="1">
+                <a:latin typeface="Times New Roman" panose="02020603050405020304" pitchFamily="18" charset="0"/>
+                <a:cs typeface="Times New Roman" panose="02020603050405020304" pitchFamily="18" charset="0"/>
+              </a:rPr>
+              <a:t>từ</a:t>
+            </a:r>
+            <a:r>
+              <a:rPr lang="en-US" sz="2000" i="1" dirty="0">
+                <a:latin typeface="Times New Roman" panose="02020603050405020304" pitchFamily="18" charset="0"/>
+                <a:cs typeface="Times New Roman" panose="02020603050405020304" pitchFamily="18" charset="0"/>
+              </a:rPr>
+              <a:t> </a:t>
+            </a:r>
+            <a:r>
+              <a:rPr lang="en-US" sz="2000" i="1" dirty="0" err="1">
+                <a:latin typeface="Times New Roman" panose="02020603050405020304" pitchFamily="18" charset="0"/>
+                <a:cs typeface="Times New Roman" panose="02020603050405020304" pitchFamily="18" charset="0"/>
+              </a:rPr>
+              <a:t>đã</a:t>
+            </a:r>
+            <a:r>
+              <a:rPr lang="en-US" sz="2000" i="1" dirty="0">
+                <a:latin typeface="Times New Roman" panose="02020603050405020304" pitchFamily="18" charset="0"/>
+                <a:cs typeface="Times New Roman" panose="02020603050405020304" pitchFamily="18" charset="0"/>
+              </a:rPr>
+              <a:t> đ</a:t>
+            </a:r>
+            <a:r>
+              <a:rPr lang="vi-VN" sz="2000" i="1" dirty="0">
+                <a:latin typeface="Times New Roman" panose="02020603050405020304" pitchFamily="18" charset="0"/>
+                <a:cs typeface="Times New Roman" panose="02020603050405020304" pitchFamily="18" charset="0"/>
+              </a:rPr>
+              <a:t>ư</a:t>
+            </a:r>
+            <a:r>
+              <a:rPr lang="en-US" sz="2000" i="1" dirty="0" err="1">
+                <a:latin typeface="Times New Roman" panose="02020603050405020304" pitchFamily="18" charset="0"/>
+                <a:cs typeface="Times New Roman" panose="02020603050405020304" pitchFamily="18" charset="0"/>
+              </a:rPr>
+              <a:t>ợc</a:t>
+            </a:r>
+            <a:r>
+              <a:rPr lang="en-US" sz="2000" i="1" dirty="0">
+                <a:latin typeface="Times New Roman" panose="02020603050405020304" pitchFamily="18" charset="0"/>
+                <a:cs typeface="Times New Roman" panose="02020603050405020304" pitchFamily="18" charset="0"/>
+              </a:rPr>
+              <a:t> </a:t>
+            </a:r>
+            <a:r>
+              <a:rPr lang="en-US" sz="2000" i="1" dirty="0" err="1">
+                <a:latin typeface="Times New Roman" panose="02020603050405020304" pitchFamily="18" charset="0"/>
+                <a:cs typeface="Times New Roman" panose="02020603050405020304" pitchFamily="18" charset="0"/>
+              </a:rPr>
+              <a:t>gán</a:t>
+            </a:r>
+            <a:r>
+              <a:rPr lang="en-US" sz="2000" i="1" dirty="0">
+                <a:latin typeface="Times New Roman" panose="02020603050405020304" pitchFamily="18" charset="0"/>
+                <a:cs typeface="Times New Roman" panose="02020603050405020304" pitchFamily="18" charset="0"/>
+              </a:rPr>
+              <a:t> </a:t>
+            </a:r>
+            <a:r>
+              <a:rPr lang="en-US" sz="2000" i="1" dirty="0" err="1">
+                <a:latin typeface="Times New Roman" panose="02020603050405020304" pitchFamily="18" charset="0"/>
+                <a:cs typeface="Times New Roman" panose="02020603050405020304" pitchFamily="18" charset="0"/>
+              </a:rPr>
+              <a:t>nhãn</a:t>
+            </a:r>
+            <a:endParaRPr lang="en-US" sz="2000" dirty="0">
+              <a:latin typeface="Times New Roman" panose="02020603050405020304" pitchFamily="18" charset="0"/>
+              <a:cs typeface="Times New Roman" panose="02020603050405020304" pitchFamily="18" charset="0"/>
+            </a:endParaRPr>
+          </a:p>
+        </p:txBody>
+      </p:sp>
+      <p:pic>
+        <p:nvPicPr>
+          <p:cNvPr id="5" name="Picture 4">
+            <a:extLst>
+              <a:ext uri="{FF2B5EF4-FFF2-40B4-BE49-F238E27FC236}">
+                <a16:creationId xmlns:a16="http://schemas.microsoft.com/office/drawing/2014/main" id="{92C274AA-38C8-4266-B6BE-A61B283B1D37}"/>
+              </a:ext>
+            </a:extLst>
+          </p:cNvPr>
+          <p:cNvPicPr/>
+          <p:nvPr/>
+        </p:nvPicPr>
+        <p:blipFill>
+          <a:blip r:embed="rId3">
+            <a:extLst>
+              <a:ext uri="{28A0092B-C50C-407E-A947-70E740481C1C}">
+                <a14:useLocalDpi xmlns:a14="http://schemas.microsoft.com/office/drawing/2010/main" val="0"/>
+              </a:ext>
+            </a:extLst>
+          </a:blip>
+          <a:srcRect/>
+          <a:stretch>
+            <a:fillRect/>
+          </a:stretch>
+        </p:blipFill>
+        <p:spPr bwMode="auto">
+          <a:xfrm>
+            <a:off x="1927367" y="3684814"/>
+            <a:ext cx="8972862" cy="945243"/>
+          </a:xfrm>
+          <a:prstGeom prst="rect">
+            <a:avLst/>
+          </a:prstGeom>
+          <a:noFill/>
+          <a:ln>
+            <a:noFill/>
+          </a:ln>
+        </p:spPr>
+      </p:pic>
+      <p:pic>
+        <p:nvPicPr>
+          <p:cNvPr id="6" name="Picture 5">
+            <a:extLst>
+              <a:ext uri="{FF2B5EF4-FFF2-40B4-BE49-F238E27FC236}">
+                <a16:creationId xmlns:a16="http://schemas.microsoft.com/office/drawing/2014/main" id="{11A33592-FE4F-4BFE-8B4D-12663CF54976}"/>
+              </a:ext>
+            </a:extLst>
+          </p:cNvPr>
+          <p:cNvPicPr/>
+          <p:nvPr/>
+        </p:nvPicPr>
+        <p:blipFill>
+          <a:blip r:embed="rId4">
+            <a:extLst>
+              <a:ext uri="{28A0092B-C50C-407E-A947-70E740481C1C}">
+                <a14:useLocalDpi xmlns:a14="http://schemas.microsoft.com/office/drawing/2010/main" val="0"/>
+              </a:ext>
+            </a:extLst>
+          </a:blip>
+          <a:srcRect/>
+          <a:stretch>
+            <a:fillRect/>
+          </a:stretch>
+        </p:blipFill>
+        <p:spPr bwMode="auto">
+          <a:xfrm>
+            <a:off x="2899597" y="5152572"/>
+            <a:ext cx="8000632" cy="681994"/>
+          </a:xfrm>
+          <a:prstGeom prst="rect">
+            <a:avLst/>
+          </a:prstGeom>
+          <a:noFill/>
+          <a:ln>
+            <a:noFill/>
+          </a:ln>
+        </p:spPr>
+      </p:pic>
+      <p:sp>
+        <p:nvSpPr>
+          <p:cNvPr id="7" name="Arrow: Right 6">
+            <a:extLst>
+              <a:ext uri="{FF2B5EF4-FFF2-40B4-BE49-F238E27FC236}">
+                <a16:creationId xmlns:a16="http://schemas.microsoft.com/office/drawing/2014/main" id="{96780124-2963-4FD4-BF64-4C7BD7B69292}"/>
+              </a:ext>
+            </a:extLst>
+          </p:cNvPr>
+          <p:cNvSpPr/>
+          <p:nvPr/>
+        </p:nvSpPr>
+        <p:spPr>
+          <a:xfrm>
+            <a:off x="1480457" y="5370286"/>
+            <a:ext cx="1001486" cy="275771"/>
+          </a:xfrm>
+          <a:prstGeom prst="rightArrow">
+            <a:avLst/>
+          </a:prstGeom>
+        </p:spPr>
+        <p:style>
+          <a:lnRef idx="2">
+            <a:schemeClr val="accent1">
+              <a:shade val="50000"/>
+            </a:schemeClr>
+          </a:lnRef>
+          <a:fillRef idx="1">
+            <a:schemeClr val="accent1"/>
+          </a:fillRef>
+          <a:effectRef idx="0">
+            <a:schemeClr val="accent1"/>
+          </a:effectRef>
+          <a:fontRef idx="minor">
+            <a:schemeClr val="lt1"/>
+          </a:fontRef>
+        </p:style>
+        <p:txBody>
+          <a:bodyPr rtlCol="0" anchor="ctr"/>
+          <a:lstStyle/>
+          <a:p>
+            <a:pPr algn="ctr"/>
+            <a:endParaRPr lang="en-US"/>
+          </a:p>
+        </p:txBody>
+      </p:sp>
+    </p:spTree>
+    <p:extLst>
+      <p:ext uri="{BB962C8B-B14F-4D97-AF65-F5344CB8AC3E}">
+        <p14:creationId xmlns:p14="http://schemas.microsoft.com/office/powerpoint/2010/main" val="433254483"/>
+      </p:ext>
+    </p:extLst>
+  </p:cSld>
+  <p:clrMapOvr>
+    <a:masterClrMapping/>
+  </p:clrMapOvr>
+</p:sld>
+</file>
+
 <file path=ppt/slides/slide2.xml><?xml version="1.0" encoding="utf-8"?>
 <p:sld xmlns:a="http://schemas.openxmlformats.org/drawingml/2006/main" xmlns:r="http://schemas.openxmlformats.org/officeDocument/2006/relationships" xmlns:p="http://schemas.openxmlformats.org/presentationml/2006/main">
   <p:cSld>
@@ -6997,15 +11598,192 @@
           <a:p>
             <a:pPr algn="l"/>
             <a:r>
-              <a:rPr lang="en-US" b="1">
+              <a:rPr lang="en-US" b="1" dirty="0" err="1">
                 <a:solidFill>
                   <a:srgbClr val="0000FF"/>
                 </a:solidFill>
                 <a:latin typeface="Times New Roman" panose="02020603050405020304" pitchFamily="18" charset="0"/>
                 <a:cs typeface="Times New Roman" panose="02020603050405020304" pitchFamily="18" charset="0"/>
               </a:rPr>
-              <a:t>Khái niệm</a:t>
-            </a:r>
+              <a:t>Nội</a:t>
+            </a:r>
+            <a:r>
+              <a:rPr lang="en-US" b="1" dirty="0">
+                <a:solidFill>
+                  <a:srgbClr val="0000FF"/>
+                </a:solidFill>
+                <a:latin typeface="Times New Roman" panose="02020603050405020304" pitchFamily="18" charset="0"/>
+                <a:cs typeface="Times New Roman" panose="02020603050405020304" pitchFamily="18" charset="0"/>
+              </a:rPr>
+              <a:t> dung</a:t>
+            </a:r>
+          </a:p>
+        </p:txBody>
+      </p:sp>
+      <p:graphicFrame>
+        <p:nvGraphicFramePr>
+          <p:cNvPr id="4" name="Diagram 3">
+            <a:extLst>
+              <a:ext uri="{FF2B5EF4-FFF2-40B4-BE49-F238E27FC236}">
+                <a16:creationId xmlns:a16="http://schemas.microsoft.com/office/drawing/2014/main" id="{B73E53B0-E32A-46B9-A985-8FAC34A22EB3}"/>
+              </a:ext>
+            </a:extLst>
+          </p:cNvPr>
+          <p:cNvGraphicFramePr/>
+          <p:nvPr>
+            <p:extLst>
+              <p:ext uri="{D42A27DB-BD31-4B8C-83A1-F6EECF244321}">
+                <p14:modId xmlns:p14="http://schemas.microsoft.com/office/powerpoint/2010/main" val="1605035400"/>
+              </p:ext>
+            </p:extLst>
+          </p:nvPr>
+        </p:nvGraphicFramePr>
+        <p:xfrm>
+          <a:off x="2031999" y="1640114"/>
+          <a:ext cx="9187543" cy="4601029"/>
+        </p:xfrm>
+        <a:graphic>
+          <a:graphicData uri="http://schemas.openxmlformats.org/drawingml/2006/diagram">
+            <dgm:relIds xmlns:dgm="http://schemas.openxmlformats.org/drawingml/2006/diagram" xmlns:r="http://schemas.openxmlformats.org/officeDocument/2006/relationships" r:dm="rId3" r:lo="rId4" r:qs="rId5" r:cs="rId6"/>
+          </a:graphicData>
+        </a:graphic>
+      </p:graphicFrame>
+    </p:spTree>
+    <p:extLst>
+      <p:ext uri="{BB962C8B-B14F-4D97-AF65-F5344CB8AC3E}">
+        <p14:creationId xmlns:p14="http://schemas.microsoft.com/office/powerpoint/2010/main" val="1760130702"/>
+      </p:ext>
+    </p:extLst>
+  </p:cSld>
+  <p:clrMapOvr>
+    <a:masterClrMapping/>
+  </p:clrMapOvr>
+</p:sld>
+</file>
+
+<file path=ppt/slides/slide4.xml><?xml version="1.0" encoding="utf-8"?>
+<p:sld xmlns:a="http://schemas.openxmlformats.org/drawingml/2006/main" xmlns:r="http://schemas.openxmlformats.org/officeDocument/2006/relationships" xmlns:p="http://schemas.openxmlformats.org/presentationml/2006/main">
+  <p:cSld>
+    <p:spTree>
+      <p:nvGrpSpPr>
+        <p:cNvPr id="1" name=""/>
+        <p:cNvGrpSpPr/>
+        <p:nvPr/>
+      </p:nvGrpSpPr>
+      <p:grpSpPr>
+        <a:xfrm>
+          <a:off x="0" y="0"/>
+          <a:ext cx="0" cy="0"/>
+          <a:chOff x="0" y="0"/>
+          <a:chExt cx="0" cy="0"/>
+        </a:xfrm>
+      </p:grpSpPr>
+      <p:sp>
+        <p:nvSpPr>
+          <p:cNvPr id="2" name="Title 1">
+            <a:extLst>
+              <a:ext uri="{FF2B5EF4-FFF2-40B4-BE49-F238E27FC236}">
+                <a16:creationId xmlns:a16="http://schemas.microsoft.com/office/drawing/2014/main" id="{DCDE6074-9E5A-45C2-A679-F2A8D4000FE9}"/>
+              </a:ext>
+            </a:extLst>
+          </p:cNvPr>
+          <p:cNvSpPr>
+            <a:spLocks noGrp="1"/>
+          </p:cNvSpPr>
+          <p:nvPr>
+            <p:ph type="title"/>
+          </p:nvPr>
+        </p:nvSpPr>
+        <p:spPr>
+          <a:xfrm>
+            <a:off x="1572803" y="443679"/>
+            <a:ext cx="7295426" cy="951271"/>
+          </a:xfrm>
+        </p:spPr>
+        <p:txBody>
+          <a:bodyPr>
+            <a:normAutofit fontScale="90000"/>
+          </a:bodyPr>
+          <a:lstStyle/>
+          <a:p>
+            <a:pPr algn="l"/>
+            <a:r>
+              <a:rPr lang="en-US" b="1" dirty="0" err="1">
+                <a:solidFill>
+                  <a:srgbClr val="0000FF"/>
+                </a:solidFill>
+                <a:latin typeface="Times New Roman" panose="02020603050405020304" pitchFamily="18" charset="0"/>
+                <a:cs typeface="Times New Roman" panose="02020603050405020304" pitchFamily="18" charset="0"/>
+              </a:rPr>
+              <a:t>Tổng</a:t>
+            </a:r>
+            <a:r>
+              <a:rPr lang="en-US" b="1" dirty="0">
+                <a:solidFill>
+                  <a:srgbClr val="0000FF"/>
+                </a:solidFill>
+                <a:latin typeface="Times New Roman" panose="02020603050405020304" pitchFamily="18" charset="0"/>
+                <a:cs typeface="Times New Roman" panose="02020603050405020304" pitchFamily="18" charset="0"/>
+              </a:rPr>
+              <a:t> </a:t>
+            </a:r>
+            <a:r>
+              <a:rPr lang="en-US" b="1" dirty="0" err="1">
+                <a:solidFill>
+                  <a:srgbClr val="0000FF"/>
+                </a:solidFill>
+                <a:latin typeface="Times New Roman" panose="02020603050405020304" pitchFamily="18" charset="0"/>
+                <a:cs typeface="Times New Roman" panose="02020603050405020304" pitchFamily="18" charset="0"/>
+              </a:rPr>
+              <a:t>quan</a:t>
+            </a:r>
+            <a:r>
+              <a:rPr lang="en-US" b="1" dirty="0">
+                <a:solidFill>
+                  <a:srgbClr val="0000FF"/>
+                </a:solidFill>
+                <a:latin typeface="Times New Roman" panose="02020603050405020304" pitchFamily="18" charset="0"/>
+                <a:cs typeface="Times New Roman" panose="02020603050405020304" pitchFamily="18" charset="0"/>
+              </a:rPr>
+              <a:t> </a:t>
+            </a:r>
+            <a:r>
+              <a:rPr lang="en-US" b="1" dirty="0" err="1">
+                <a:solidFill>
+                  <a:srgbClr val="0000FF"/>
+                </a:solidFill>
+                <a:latin typeface="Times New Roman" panose="02020603050405020304" pitchFamily="18" charset="0"/>
+                <a:cs typeface="Times New Roman" panose="02020603050405020304" pitchFamily="18" charset="0"/>
+              </a:rPr>
+              <a:t>về</a:t>
+            </a:r>
+            <a:r>
+              <a:rPr lang="en-US" b="1" dirty="0">
+                <a:solidFill>
+                  <a:srgbClr val="0000FF"/>
+                </a:solidFill>
+                <a:latin typeface="Times New Roman" panose="02020603050405020304" pitchFamily="18" charset="0"/>
+                <a:cs typeface="Times New Roman" panose="02020603050405020304" pitchFamily="18" charset="0"/>
+              </a:rPr>
+              <a:t> Stanford </a:t>
+            </a:r>
+            <a:r>
+              <a:rPr lang="en-US" b="1" dirty="0" err="1">
+                <a:solidFill>
+                  <a:srgbClr val="0000FF"/>
+                </a:solidFill>
+                <a:latin typeface="Times New Roman" panose="02020603050405020304" pitchFamily="18" charset="0"/>
+                <a:cs typeface="Times New Roman" panose="02020603050405020304" pitchFamily="18" charset="0"/>
+              </a:rPr>
+              <a:t>CoreNLP</a:t>
+            </a:r>
+            <a:endParaRPr lang="en-US" b="1" dirty="0">
+              <a:solidFill>
+                <a:srgbClr val="0000FF"/>
+              </a:solidFill>
+              <a:latin typeface="Times New Roman" panose="02020603050405020304" pitchFamily="18" charset="0"/>
+              <a:cs typeface="Times New Roman" panose="02020603050405020304" pitchFamily="18" charset="0"/>
+            </a:endParaRPr>
           </a:p>
         </p:txBody>
       </p:sp>
@@ -7131,7 +11909,7 @@
     </p:spTree>
     <p:extLst>
       <p:ext uri="{BB962C8B-B14F-4D97-AF65-F5344CB8AC3E}">
-        <p14:creationId xmlns:p14="http://schemas.microsoft.com/office/powerpoint/2010/main" val="1760130702"/>
+        <p14:creationId xmlns:p14="http://schemas.microsoft.com/office/powerpoint/2010/main" val="2159409460"/>
       </p:ext>
     </p:extLst>
   </p:cSld>
@@ -7141,7 +11919,7 @@
 </p:sld>
 </file>
 
-<file path=ppt/slides/slide4.xml><?xml version="1.0" encoding="utf-8"?>
+<file path=ppt/slides/slide5.xml><?xml version="1.0" encoding="utf-8"?>
 <p:sld xmlns:a="http://schemas.openxmlformats.org/drawingml/2006/main" xmlns:r="http://schemas.openxmlformats.org/officeDocument/2006/relationships" xmlns:p="http://schemas.openxmlformats.org/presentationml/2006/main">
   <p:cSld>
     <p:spTree>
@@ -7413,242 +12191,6 @@
     <p:extLst>
       <p:ext uri="{BB962C8B-B14F-4D97-AF65-F5344CB8AC3E}">
         <p14:creationId xmlns:p14="http://schemas.microsoft.com/office/powerpoint/2010/main" val="1715104839"/>
-      </p:ext>
-    </p:extLst>
-  </p:cSld>
-  <p:clrMapOvr>
-    <a:masterClrMapping/>
-  </p:clrMapOvr>
-</p:sld>
-</file>
-
-<file path=ppt/slides/slide5.xml><?xml version="1.0" encoding="utf-8"?>
-<p:sld xmlns:a="http://schemas.openxmlformats.org/drawingml/2006/main" xmlns:r="http://schemas.openxmlformats.org/officeDocument/2006/relationships" xmlns:p="http://schemas.openxmlformats.org/presentationml/2006/main">
-  <p:cSld>
-    <p:spTree>
-      <p:nvGrpSpPr>
-        <p:cNvPr id="1" name=""/>
-        <p:cNvGrpSpPr/>
-        <p:nvPr/>
-      </p:nvGrpSpPr>
-      <p:grpSpPr>
-        <a:xfrm>
-          <a:off x="0" y="0"/>
-          <a:ext cx="0" cy="0"/>
-          <a:chOff x="0" y="0"/>
-          <a:chExt cx="0" cy="0"/>
-        </a:xfrm>
-      </p:grpSpPr>
-      <p:sp>
-        <p:nvSpPr>
-          <p:cNvPr id="2" name="Title 1">
-            <a:extLst>
-              <a:ext uri="{FF2B5EF4-FFF2-40B4-BE49-F238E27FC236}">
-                <a16:creationId xmlns:a16="http://schemas.microsoft.com/office/drawing/2014/main" id="{3320184A-853A-46BC-A5D5-0BA775050763}"/>
-              </a:ext>
-            </a:extLst>
-          </p:cNvPr>
-          <p:cNvSpPr>
-            <a:spLocks noGrp="1"/>
-          </p:cNvSpPr>
-          <p:nvPr>
-            <p:ph type="title"/>
-          </p:nvPr>
-        </p:nvSpPr>
-        <p:spPr>
-          <a:xfrm>
-            <a:off x="1602298" y="213852"/>
-            <a:ext cx="7807173" cy="1511710"/>
-          </a:xfrm>
-        </p:spPr>
-        <p:txBody>
-          <a:bodyPr/>
-          <a:lstStyle/>
-          <a:p>
-            <a:pPr algn="l"/>
-            <a:r>
-              <a:rPr lang="en-US" b="1">
-                <a:solidFill>
-                  <a:srgbClr val="0000FF"/>
-                </a:solidFill>
-                <a:latin typeface="Times New Roman" panose="02020603050405020304" pitchFamily="18" charset="0"/>
-                <a:cs typeface="Times New Roman" panose="02020603050405020304" pitchFamily="18" charset="0"/>
-              </a:rPr>
-              <a:t>Các công cụ đ</a:t>
-            </a:r>
-            <a:r>
-              <a:rPr lang="vi-VN" b="1">
-                <a:solidFill>
-                  <a:srgbClr val="0000FF"/>
-                </a:solidFill>
-                <a:latin typeface="Times New Roman" panose="02020603050405020304" pitchFamily="18" charset="0"/>
-                <a:cs typeface="Times New Roman" panose="02020603050405020304" pitchFamily="18" charset="0"/>
-              </a:rPr>
-              <a:t>ư</a:t>
-            </a:r>
-            <a:r>
-              <a:rPr lang="en-US" b="1">
-                <a:solidFill>
-                  <a:srgbClr val="0000FF"/>
-                </a:solidFill>
-                <a:latin typeface="Times New Roman" panose="02020603050405020304" pitchFamily="18" charset="0"/>
-                <a:cs typeface="Times New Roman" panose="02020603050405020304" pitchFamily="18" charset="0"/>
-              </a:rPr>
-              <a:t>ợc tích hợp trong</a:t>
-            </a:r>
-            <a:br>
-              <a:rPr lang="en-US" b="1">
-                <a:solidFill>
-                  <a:srgbClr val="0000FF"/>
-                </a:solidFill>
-                <a:latin typeface="Times New Roman" panose="02020603050405020304" pitchFamily="18" charset="0"/>
-                <a:cs typeface="Times New Roman" panose="02020603050405020304" pitchFamily="18" charset="0"/>
-              </a:rPr>
-            </a:br>
-            <a:r>
-              <a:rPr lang="en-US" b="1">
-                <a:solidFill>
-                  <a:srgbClr val="0000FF"/>
-                </a:solidFill>
-                <a:latin typeface="Times New Roman" panose="02020603050405020304" pitchFamily="18" charset="0"/>
-                <a:cs typeface="Times New Roman" panose="02020603050405020304" pitchFamily="18" charset="0"/>
-              </a:rPr>
-              <a:t>Stanford CoreNLP</a:t>
-            </a:r>
-          </a:p>
-        </p:txBody>
-      </p:sp>
-      <p:sp>
-        <p:nvSpPr>
-          <p:cNvPr id="3" name="Content Placeholder 2">
-            <a:extLst>
-              <a:ext uri="{FF2B5EF4-FFF2-40B4-BE49-F238E27FC236}">
-                <a16:creationId xmlns:a16="http://schemas.microsoft.com/office/drawing/2014/main" id="{B19C7083-1D02-477A-B7C0-251FB4CF8D56}"/>
-              </a:ext>
-            </a:extLst>
-          </p:cNvPr>
-          <p:cNvSpPr>
-            <a:spLocks noGrp="1"/>
-          </p:cNvSpPr>
-          <p:nvPr>
-            <p:ph idx="1"/>
-          </p:nvPr>
-        </p:nvSpPr>
-        <p:spPr>
-          <a:xfrm>
-            <a:off x="3034141" y="1827550"/>
-            <a:ext cx="6375330" cy="3275392"/>
-          </a:xfrm>
-        </p:spPr>
-        <p:txBody>
-          <a:bodyPr>
-            <a:noAutofit/>
-          </a:bodyPr>
-          <a:lstStyle/>
-          <a:p>
-            <a:pPr lvl="1"/>
-            <a:r>
-              <a:rPr lang="en-US" sz="2400">
-                <a:latin typeface="Times New Roman" panose="02020603050405020304" pitchFamily="18" charset="0"/>
-                <a:cs typeface="Times New Roman" panose="02020603050405020304" pitchFamily="18" charset="0"/>
-              </a:rPr>
-              <a:t>Tokenization/ Sentence segmentation</a:t>
-            </a:r>
-          </a:p>
-          <a:p>
-            <a:pPr lvl="1"/>
-            <a:r>
-              <a:rPr lang="en-US" sz="2400">
-                <a:latin typeface="Times New Roman" panose="02020603050405020304" pitchFamily="18" charset="0"/>
-                <a:cs typeface="Times New Roman" panose="02020603050405020304" pitchFamily="18" charset="0"/>
-              </a:rPr>
-              <a:t>Part of Speech (POS) </a:t>
-            </a:r>
-          </a:p>
-          <a:p>
-            <a:pPr lvl="1"/>
-            <a:r>
-              <a:rPr lang="en-US" sz="2400">
-                <a:latin typeface="Times New Roman" panose="02020603050405020304" pitchFamily="18" charset="0"/>
-                <a:cs typeface="Times New Roman" panose="02020603050405020304" pitchFamily="18" charset="0"/>
-              </a:rPr>
-              <a:t>Normalization/Stemming/Lemmatization</a:t>
-            </a:r>
-          </a:p>
-          <a:p>
-            <a:pPr lvl="1"/>
-            <a:r>
-              <a:rPr lang="en-US" sz="2400">
-                <a:latin typeface="Times New Roman" panose="02020603050405020304" pitchFamily="18" charset="0"/>
-                <a:cs typeface="Times New Roman" panose="02020603050405020304" pitchFamily="18" charset="0"/>
-              </a:rPr>
-              <a:t>The named entity recognizer (NER)</a:t>
-            </a:r>
-          </a:p>
-          <a:p>
-            <a:pPr lvl="1"/>
-            <a:r>
-              <a:rPr lang="en-US" sz="2400">
-                <a:latin typeface="Times New Roman" panose="02020603050405020304" pitchFamily="18" charset="0"/>
-                <a:cs typeface="Times New Roman" panose="02020603050405020304" pitchFamily="18" charset="0"/>
-              </a:rPr>
-              <a:t>The parser</a:t>
-            </a:r>
-          </a:p>
-          <a:p>
-            <a:pPr lvl="1"/>
-            <a:r>
-              <a:rPr lang="en-US" sz="2400">
-                <a:latin typeface="Times New Roman" panose="02020603050405020304" pitchFamily="18" charset="0"/>
-                <a:cs typeface="Times New Roman" panose="02020603050405020304" pitchFamily="18" charset="0"/>
-              </a:rPr>
-              <a:t>The coreference resolution system</a:t>
-            </a:r>
-          </a:p>
-        </p:txBody>
-      </p:sp>
-      <p:sp>
-        <p:nvSpPr>
-          <p:cNvPr id="4" name="TextBox 3">
-            <a:extLst>
-              <a:ext uri="{FF2B5EF4-FFF2-40B4-BE49-F238E27FC236}">
-                <a16:creationId xmlns:a16="http://schemas.microsoft.com/office/drawing/2014/main" id="{62CCE3DC-5F37-4E4C-959F-B07501F2D377}"/>
-              </a:ext>
-            </a:extLst>
-          </p:cNvPr>
-          <p:cNvSpPr txBox="1"/>
-          <p:nvPr/>
-        </p:nvSpPr>
-        <p:spPr>
-          <a:xfrm>
-            <a:off x="1921789" y="5411408"/>
-            <a:ext cx="9949912" cy="830997"/>
-          </a:xfrm>
-          <a:prstGeom prst="rect">
-            <a:avLst/>
-          </a:prstGeom>
-          <a:noFill/>
-        </p:spPr>
-        <p:txBody>
-          <a:bodyPr wrap="square" rtlCol="0">
-            <a:spAutoFit/>
-          </a:bodyPr>
-          <a:lstStyle/>
-          <a:p>
-            <a:r>
-              <a:rPr lang="en-US" sz="2400">
-                <a:latin typeface="Times New Roman" panose="02020603050405020304" pitchFamily="18" charset="0"/>
-                <a:cs typeface="Times New Roman" panose="02020603050405020304" pitchFamily="18" charset="0"/>
-              </a:rPr>
-              <a:t>Bạn có thể chạy tất cả các công cụ trên bằng công cụ “pipeline”. Ngoài ra bạn cũng có thể chọn riêng lẻ từng công cụ để sử dụng.</a:t>
-            </a:r>
-          </a:p>
-        </p:txBody>
-      </p:sp>
-    </p:spTree>
-    <p:extLst>
-      <p:ext uri="{BB962C8B-B14F-4D97-AF65-F5344CB8AC3E}">
-        <p14:creationId xmlns:p14="http://schemas.microsoft.com/office/powerpoint/2010/main" val="2196253925"/>
       </p:ext>
     </p:extLst>
   </p:cSld>
@@ -7759,35 +12301,273 @@
               </a:spcAft>
             </a:pPr>
             <a:r>
-              <a:rPr lang="en-US">
+              <a:rPr lang="en-US" dirty="0">
                 <a:latin typeface="Times New Roman" panose="02020603050405020304" pitchFamily="18" charset="0"/>
                 <a:cs typeface="Times New Roman" panose="02020603050405020304" pitchFamily="18" charset="0"/>
               </a:rPr>
               <a:t>Stanford đ</a:t>
             </a:r>
             <a:r>
-              <a:rPr lang="vi-VN">
+              <a:rPr lang="vi-VN" dirty="0">
                 <a:latin typeface="Times New Roman" panose="02020603050405020304" pitchFamily="18" charset="0"/>
                 <a:cs typeface="Times New Roman" panose="02020603050405020304" pitchFamily="18" charset="0"/>
               </a:rPr>
               <a:t>ư</a:t>
             </a:r>
             <a:r>
-              <a:rPr lang="en-US">
-                <a:latin typeface="Times New Roman" panose="02020603050405020304" pitchFamily="18" charset="0"/>
-                <a:cs typeface="Times New Roman" panose="02020603050405020304" pitchFamily="18" charset="0"/>
-              </a:rPr>
-              <a:t>ợc viết bằng Java. Tuy nhiên bạn cũng có thể sử dụng Stanford CoreNLP bằng những ngôn ngữ khác nh</a:t>
-            </a:r>
-            <a:r>
-              <a:rPr lang="vi-VN">
+              <a:rPr lang="en-US" dirty="0" err="1">
+                <a:latin typeface="Times New Roman" panose="02020603050405020304" pitchFamily="18" charset="0"/>
+                <a:cs typeface="Times New Roman" panose="02020603050405020304" pitchFamily="18" charset="0"/>
+              </a:rPr>
+              <a:t>ợc</a:t>
+            </a:r>
+            <a:r>
+              <a:rPr lang="en-US" dirty="0">
+                <a:latin typeface="Times New Roman" panose="02020603050405020304" pitchFamily="18" charset="0"/>
+                <a:cs typeface="Times New Roman" panose="02020603050405020304" pitchFamily="18" charset="0"/>
+              </a:rPr>
+              <a:t> </a:t>
+            </a:r>
+            <a:r>
+              <a:rPr lang="en-US" dirty="0" err="1">
+                <a:latin typeface="Times New Roman" panose="02020603050405020304" pitchFamily="18" charset="0"/>
+                <a:cs typeface="Times New Roman" panose="02020603050405020304" pitchFamily="18" charset="0"/>
+              </a:rPr>
+              <a:t>viết</a:t>
+            </a:r>
+            <a:r>
+              <a:rPr lang="en-US" dirty="0">
+                <a:latin typeface="Times New Roman" panose="02020603050405020304" pitchFamily="18" charset="0"/>
+                <a:cs typeface="Times New Roman" panose="02020603050405020304" pitchFamily="18" charset="0"/>
+              </a:rPr>
+              <a:t> </a:t>
+            </a:r>
+            <a:r>
+              <a:rPr lang="en-US" dirty="0" err="1">
+                <a:latin typeface="Times New Roman" panose="02020603050405020304" pitchFamily="18" charset="0"/>
+                <a:cs typeface="Times New Roman" panose="02020603050405020304" pitchFamily="18" charset="0"/>
+              </a:rPr>
+              <a:t>bằng</a:t>
+            </a:r>
+            <a:r>
+              <a:rPr lang="en-US" dirty="0">
+                <a:latin typeface="Times New Roman" panose="02020603050405020304" pitchFamily="18" charset="0"/>
+                <a:cs typeface="Times New Roman" panose="02020603050405020304" pitchFamily="18" charset="0"/>
+              </a:rPr>
+              <a:t> Java. </a:t>
+            </a:r>
+            <a:r>
+              <a:rPr lang="en-US" dirty="0" err="1">
+                <a:latin typeface="Times New Roman" panose="02020603050405020304" pitchFamily="18" charset="0"/>
+                <a:cs typeface="Times New Roman" panose="02020603050405020304" pitchFamily="18" charset="0"/>
+              </a:rPr>
+              <a:t>Tuy</a:t>
+            </a:r>
+            <a:r>
+              <a:rPr lang="en-US" dirty="0">
+                <a:latin typeface="Times New Roman" panose="02020603050405020304" pitchFamily="18" charset="0"/>
+                <a:cs typeface="Times New Roman" panose="02020603050405020304" pitchFamily="18" charset="0"/>
+              </a:rPr>
+              <a:t> </a:t>
+            </a:r>
+            <a:r>
+              <a:rPr lang="en-US" dirty="0" err="1">
+                <a:latin typeface="Times New Roman" panose="02020603050405020304" pitchFamily="18" charset="0"/>
+                <a:cs typeface="Times New Roman" panose="02020603050405020304" pitchFamily="18" charset="0"/>
+              </a:rPr>
+              <a:t>nhiên</a:t>
+            </a:r>
+            <a:r>
+              <a:rPr lang="en-US" dirty="0">
+                <a:latin typeface="Times New Roman" panose="02020603050405020304" pitchFamily="18" charset="0"/>
+                <a:cs typeface="Times New Roman" panose="02020603050405020304" pitchFamily="18" charset="0"/>
+              </a:rPr>
+              <a:t> </a:t>
+            </a:r>
+            <a:r>
+              <a:rPr lang="en-US" dirty="0" err="1">
+                <a:latin typeface="Times New Roman" panose="02020603050405020304" pitchFamily="18" charset="0"/>
+                <a:cs typeface="Times New Roman" panose="02020603050405020304" pitchFamily="18" charset="0"/>
+              </a:rPr>
+              <a:t>bạn</a:t>
+            </a:r>
+            <a:r>
+              <a:rPr lang="en-US" dirty="0">
+                <a:latin typeface="Times New Roman" panose="02020603050405020304" pitchFamily="18" charset="0"/>
+                <a:cs typeface="Times New Roman" panose="02020603050405020304" pitchFamily="18" charset="0"/>
+              </a:rPr>
+              <a:t> </a:t>
+            </a:r>
+            <a:r>
+              <a:rPr lang="en-US" dirty="0" err="1">
+                <a:latin typeface="Times New Roman" panose="02020603050405020304" pitchFamily="18" charset="0"/>
+                <a:cs typeface="Times New Roman" panose="02020603050405020304" pitchFamily="18" charset="0"/>
+              </a:rPr>
+              <a:t>cũng</a:t>
+            </a:r>
+            <a:r>
+              <a:rPr lang="en-US" dirty="0">
+                <a:latin typeface="Times New Roman" panose="02020603050405020304" pitchFamily="18" charset="0"/>
+                <a:cs typeface="Times New Roman" panose="02020603050405020304" pitchFamily="18" charset="0"/>
+              </a:rPr>
+              <a:t> </a:t>
+            </a:r>
+            <a:r>
+              <a:rPr lang="en-US" dirty="0" err="1">
+                <a:latin typeface="Times New Roman" panose="02020603050405020304" pitchFamily="18" charset="0"/>
+                <a:cs typeface="Times New Roman" panose="02020603050405020304" pitchFamily="18" charset="0"/>
+              </a:rPr>
+              <a:t>có</a:t>
+            </a:r>
+            <a:r>
+              <a:rPr lang="en-US" dirty="0">
+                <a:latin typeface="Times New Roman" panose="02020603050405020304" pitchFamily="18" charset="0"/>
+                <a:cs typeface="Times New Roman" panose="02020603050405020304" pitchFamily="18" charset="0"/>
+              </a:rPr>
+              <a:t> </a:t>
+            </a:r>
+            <a:r>
+              <a:rPr lang="en-US" dirty="0" err="1">
+                <a:latin typeface="Times New Roman" panose="02020603050405020304" pitchFamily="18" charset="0"/>
+                <a:cs typeface="Times New Roman" panose="02020603050405020304" pitchFamily="18" charset="0"/>
+              </a:rPr>
+              <a:t>thể</a:t>
+            </a:r>
+            <a:r>
+              <a:rPr lang="en-US" dirty="0">
+                <a:latin typeface="Times New Roman" panose="02020603050405020304" pitchFamily="18" charset="0"/>
+                <a:cs typeface="Times New Roman" panose="02020603050405020304" pitchFamily="18" charset="0"/>
+              </a:rPr>
+              <a:t> </a:t>
+            </a:r>
+            <a:r>
+              <a:rPr lang="en-US" dirty="0" err="1">
+                <a:latin typeface="Times New Roman" panose="02020603050405020304" pitchFamily="18" charset="0"/>
+                <a:cs typeface="Times New Roman" panose="02020603050405020304" pitchFamily="18" charset="0"/>
+              </a:rPr>
+              <a:t>sử</a:t>
+            </a:r>
+            <a:r>
+              <a:rPr lang="en-US" dirty="0">
+                <a:latin typeface="Times New Roman" panose="02020603050405020304" pitchFamily="18" charset="0"/>
+                <a:cs typeface="Times New Roman" panose="02020603050405020304" pitchFamily="18" charset="0"/>
+              </a:rPr>
+              <a:t> </a:t>
+            </a:r>
+            <a:r>
+              <a:rPr lang="en-US" dirty="0" err="1">
+                <a:latin typeface="Times New Roman" panose="02020603050405020304" pitchFamily="18" charset="0"/>
+                <a:cs typeface="Times New Roman" panose="02020603050405020304" pitchFamily="18" charset="0"/>
+              </a:rPr>
+              <a:t>dụng</a:t>
+            </a:r>
+            <a:r>
+              <a:rPr lang="en-US" dirty="0">
+                <a:latin typeface="Times New Roman" panose="02020603050405020304" pitchFamily="18" charset="0"/>
+                <a:cs typeface="Times New Roman" panose="02020603050405020304" pitchFamily="18" charset="0"/>
+              </a:rPr>
+              <a:t> Stanford </a:t>
+            </a:r>
+            <a:r>
+              <a:rPr lang="en-US" dirty="0" err="1">
+                <a:latin typeface="Times New Roman" panose="02020603050405020304" pitchFamily="18" charset="0"/>
+                <a:cs typeface="Times New Roman" panose="02020603050405020304" pitchFamily="18" charset="0"/>
+              </a:rPr>
+              <a:t>CoreNLP</a:t>
+            </a:r>
+            <a:r>
+              <a:rPr lang="en-US" dirty="0">
+                <a:latin typeface="Times New Roman" panose="02020603050405020304" pitchFamily="18" charset="0"/>
+                <a:cs typeface="Times New Roman" panose="02020603050405020304" pitchFamily="18" charset="0"/>
+              </a:rPr>
+              <a:t> </a:t>
+            </a:r>
+            <a:r>
+              <a:rPr lang="en-US" dirty="0" err="1">
+                <a:latin typeface="Times New Roman" panose="02020603050405020304" pitchFamily="18" charset="0"/>
+                <a:cs typeface="Times New Roman" panose="02020603050405020304" pitchFamily="18" charset="0"/>
+              </a:rPr>
+              <a:t>bằng</a:t>
+            </a:r>
+            <a:r>
+              <a:rPr lang="en-US" dirty="0">
+                <a:latin typeface="Times New Roman" panose="02020603050405020304" pitchFamily="18" charset="0"/>
+                <a:cs typeface="Times New Roman" panose="02020603050405020304" pitchFamily="18" charset="0"/>
+              </a:rPr>
+              <a:t> </a:t>
+            </a:r>
+            <a:r>
+              <a:rPr lang="en-US" dirty="0" err="1">
+                <a:latin typeface="Times New Roman" panose="02020603050405020304" pitchFamily="18" charset="0"/>
+                <a:cs typeface="Times New Roman" panose="02020603050405020304" pitchFamily="18" charset="0"/>
+              </a:rPr>
+              <a:t>những</a:t>
+            </a:r>
+            <a:r>
+              <a:rPr lang="en-US" dirty="0">
+                <a:latin typeface="Times New Roman" panose="02020603050405020304" pitchFamily="18" charset="0"/>
+                <a:cs typeface="Times New Roman" panose="02020603050405020304" pitchFamily="18" charset="0"/>
+              </a:rPr>
+              <a:t> </a:t>
+            </a:r>
+            <a:r>
+              <a:rPr lang="en-US" dirty="0" err="1">
+                <a:latin typeface="Times New Roman" panose="02020603050405020304" pitchFamily="18" charset="0"/>
+                <a:cs typeface="Times New Roman" panose="02020603050405020304" pitchFamily="18" charset="0"/>
+              </a:rPr>
+              <a:t>ngôn</a:t>
+            </a:r>
+            <a:r>
+              <a:rPr lang="en-US" dirty="0">
+                <a:latin typeface="Times New Roman" panose="02020603050405020304" pitchFamily="18" charset="0"/>
+                <a:cs typeface="Times New Roman" panose="02020603050405020304" pitchFamily="18" charset="0"/>
+              </a:rPr>
+              <a:t> </a:t>
+            </a:r>
+            <a:r>
+              <a:rPr lang="en-US" dirty="0" err="1">
+                <a:latin typeface="Times New Roman" panose="02020603050405020304" pitchFamily="18" charset="0"/>
+                <a:cs typeface="Times New Roman" panose="02020603050405020304" pitchFamily="18" charset="0"/>
+              </a:rPr>
+              <a:t>ngữ</a:t>
+            </a:r>
+            <a:r>
+              <a:rPr lang="en-US" dirty="0">
+                <a:latin typeface="Times New Roman" panose="02020603050405020304" pitchFamily="18" charset="0"/>
+                <a:cs typeface="Times New Roman" panose="02020603050405020304" pitchFamily="18" charset="0"/>
+              </a:rPr>
+              <a:t> </a:t>
+            </a:r>
+            <a:r>
+              <a:rPr lang="en-US" dirty="0" err="1">
+                <a:latin typeface="Times New Roman" panose="02020603050405020304" pitchFamily="18" charset="0"/>
+                <a:cs typeface="Times New Roman" panose="02020603050405020304" pitchFamily="18" charset="0"/>
+              </a:rPr>
+              <a:t>khác</a:t>
+            </a:r>
+            <a:r>
+              <a:rPr lang="en-US" dirty="0">
+                <a:latin typeface="Times New Roman" panose="02020603050405020304" pitchFamily="18" charset="0"/>
+                <a:cs typeface="Times New Roman" panose="02020603050405020304" pitchFamily="18" charset="0"/>
+              </a:rPr>
+              <a:t> </a:t>
+            </a:r>
+            <a:r>
+              <a:rPr lang="en-US" dirty="0" err="1">
+                <a:latin typeface="Times New Roman" panose="02020603050405020304" pitchFamily="18" charset="0"/>
+                <a:cs typeface="Times New Roman" panose="02020603050405020304" pitchFamily="18" charset="0"/>
+              </a:rPr>
+              <a:t>nh</a:t>
+            </a:r>
+            <a:r>
+              <a:rPr lang="vi-VN" dirty="0">
                 <a:latin typeface="Times New Roman" panose="02020603050405020304" pitchFamily="18" charset="0"/>
                 <a:cs typeface="Times New Roman" panose="02020603050405020304" pitchFamily="18" charset="0"/>
               </a:rPr>
               <a:t>ư</a:t>
             </a:r>
             <a:r>
-              <a:rPr lang="en-US">
+              <a:rPr lang="en-US" dirty="0">
                 <a:latin typeface="Times New Roman" panose="02020603050405020304" pitchFamily="18" charset="0"/>
                 <a:cs typeface="Times New Roman" panose="02020603050405020304" pitchFamily="18" charset="0"/>
               </a:rPr>
@@ -7801,25 +12581,137 @@
               </a:spcAft>
             </a:pPr>
             <a:r>
-              <a:rPr lang="en-US">
-                <a:latin typeface="Times New Roman" panose="02020603050405020304" pitchFamily="18" charset="0"/>
-                <a:cs typeface="Times New Roman" panose="02020603050405020304" pitchFamily="18" charset="0"/>
-              </a:rPr>
-              <a:t>Trong .NET bạn có thể cài đặt th</a:t>
-            </a:r>
-            <a:r>
-              <a:rPr lang="vi-VN">
+              <a:rPr lang="en-US" dirty="0" err="1">
+                <a:latin typeface="Times New Roman" panose="02020603050405020304" pitchFamily="18" charset="0"/>
+                <a:cs typeface="Times New Roman" panose="02020603050405020304" pitchFamily="18" charset="0"/>
+              </a:rPr>
+              <a:t>Trong</a:t>
+            </a:r>
+            <a:r>
+              <a:rPr lang="en-US" dirty="0">
+                <a:latin typeface="Times New Roman" panose="02020603050405020304" pitchFamily="18" charset="0"/>
+                <a:cs typeface="Times New Roman" panose="02020603050405020304" pitchFamily="18" charset="0"/>
+              </a:rPr>
+              <a:t> .NET </a:t>
+            </a:r>
+            <a:r>
+              <a:rPr lang="en-US" dirty="0" err="1">
+                <a:latin typeface="Times New Roman" panose="02020603050405020304" pitchFamily="18" charset="0"/>
+                <a:cs typeface="Times New Roman" panose="02020603050405020304" pitchFamily="18" charset="0"/>
+              </a:rPr>
+              <a:t>bạn</a:t>
+            </a:r>
+            <a:r>
+              <a:rPr lang="en-US" dirty="0">
+                <a:latin typeface="Times New Roman" panose="02020603050405020304" pitchFamily="18" charset="0"/>
+                <a:cs typeface="Times New Roman" panose="02020603050405020304" pitchFamily="18" charset="0"/>
+              </a:rPr>
+              <a:t> </a:t>
+            </a:r>
+            <a:r>
+              <a:rPr lang="en-US" dirty="0" err="1">
+                <a:latin typeface="Times New Roman" panose="02020603050405020304" pitchFamily="18" charset="0"/>
+                <a:cs typeface="Times New Roman" panose="02020603050405020304" pitchFamily="18" charset="0"/>
+              </a:rPr>
+              <a:t>có</a:t>
+            </a:r>
+            <a:r>
+              <a:rPr lang="en-US" dirty="0">
+                <a:latin typeface="Times New Roman" panose="02020603050405020304" pitchFamily="18" charset="0"/>
+                <a:cs typeface="Times New Roman" panose="02020603050405020304" pitchFamily="18" charset="0"/>
+              </a:rPr>
+              <a:t> </a:t>
+            </a:r>
+            <a:r>
+              <a:rPr lang="en-US" dirty="0" err="1">
+                <a:latin typeface="Times New Roman" panose="02020603050405020304" pitchFamily="18" charset="0"/>
+                <a:cs typeface="Times New Roman" panose="02020603050405020304" pitchFamily="18" charset="0"/>
+              </a:rPr>
+              <a:t>thể</a:t>
+            </a:r>
+            <a:r>
+              <a:rPr lang="en-US" dirty="0">
+                <a:latin typeface="Times New Roman" panose="02020603050405020304" pitchFamily="18" charset="0"/>
+                <a:cs typeface="Times New Roman" panose="02020603050405020304" pitchFamily="18" charset="0"/>
+              </a:rPr>
+              <a:t> </a:t>
+            </a:r>
+            <a:r>
+              <a:rPr lang="en-US" dirty="0" err="1">
+                <a:latin typeface="Times New Roman" panose="02020603050405020304" pitchFamily="18" charset="0"/>
+                <a:cs typeface="Times New Roman" panose="02020603050405020304" pitchFamily="18" charset="0"/>
+              </a:rPr>
+              <a:t>cài</a:t>
+            </a:r>
+            <a:r>
+              <a:rPr lang="en-US" dirty="0">
+                <a:latin typeface="Times New Roman" panose="02020603050405020304" pitchFamily="18" charset="0"/>
+                <a:cs typeface="Times New Roman" panose="02020603050405020304" pitchFamily="18" charset="0"/>
+              </a:rPr>
+              <a:t> </a:t>
+            </a:r>
+            <a:r>
+              <a:rPr lang="en-US" dirty="0" err="1">
+                <a:latin typeface="Times New Roman" panose="02020603050405020304" pitchFamily="18" charset="0"/>
+                <a:cs typeface="Times New Roman" panose="02020603050405020304" pitchFamily="18" charset="0"/>
+              </a:rPr>
+              <a:t>đặt</a:t>
+            </a:r>
+            <a:r>
+              <a:rPr lang="en-US" dirty="0">
+                <a:latin typeface="Times New Roman" panose="02020603050405020304" pitchFamily="18" charset="0"/>
+                <a:cs typeface="Times New Roman" panose="02020603050405020304" pitchFamily="18" charset="0"/>
+              </a:rPr>
+              <a:t> </a:t>
+            </a:r>
+            <a:r>
+              <a:rPr lang="en-US" dirty="0" err="1">
+                <a:latin typeface="Times New Roman" panose="02020603050405020304" pitchFamily="18" charset="0"/>
+                <a:cs typeface="Times New Roman" panose="02020603050405020304" pitchFamily="18" charset="0"/>
+              </a:rPr>
+              <a:t>th</a:t>
+            </a:r>
+            <a:r>
+              <a:rPr lang="vi-VN" dirty="0">
                 <a:latin typeface="Times New Roman" panose="02020603050405020304" pitchFamily="18" charset="0"/>
                 <a:cs typeface="Times New Roman" panose="02020603050405020304" pitchFamily="18" charset="0"/>
               </a:rPr>
               <a:t>ư</a:t>
             </a:r>
             <a:r>
-              <a:rPr lang="en-US">
-                <a:latin typeface="Times New Roman" panose="02020603050405020304" pitchFamily="18" charset="0"/>
-                <a:cs typeface="Times New Roman" panose="02020603050405020304" pitchFamily="18" charset="0"/>
-              </a:rPr>
-              <a:t> viện Stanford CoreNLP qua NuGet packages</a:t>
+              <a:rPr lang="en-US" dirty="0">
+                <a:latin typeface="Times New Roman" panose="02020603050405020304" pitchFamily="18" charset="0"/>
+                <a:cs typeface="Times New Roman" panose="02020603050405020304" pitchFamily="18" charset="0"/>
+              </a:rPr>
+              <a:t> </a:t>
+            </a:r>
+            <a:r>
+              <a:rPr lang="en-US" dirty="0" err="1">
+                <a:latin typeface="Times New Roman" panose="02020603050405020304" pitchFamily="18" charset="0"/>
+                <a:cs typeface="Times New Roman" panose="02020603050405020304" pitchFamily="18" charset="0"/>
+              </a:rPr>
+              <a:t>viện</a:t>
+            </a:r>
+            <a:r>
+              <a:rPr lang="en-US" dirty="0">
+                <a:latin typeface="Times New Roman" panose="02020603050405020304" pitchFamily="18" charset="0"/>
+                <a:cs typeface="Times New Roman" panose="02020603050405020304" pitchFamily="18" charset="0"/>
+              </a:rPr>
+              <a:t> Stanford </a:t>
+            </a:r>
+            <a:r>
+              <a:rPr lang="en-US" dirty="0" err="1">
+                <a:latin typeface="Times New Roman" panose="02020603050405020304" pitchFamily="18" charset="0"/>
+                <a:cs typeface="Times New Roman" panose="02020603050405020304" pitchFamily="18" charset="0"/>
+              </a:rPr>
+              <a:t>CoreNLP</a:t>
+            </a:r>
+            <a:r>
+              <a:rPr lang="en-US" dirty="0">
+                <a:latin typeface="Times New Roman" panose="02020603050405020304" pitchFamily="18" charset="0"/>
+                <a:cs typeface="Times New Roman" panose="02020603050405020304" pitchFamily="18" charset="0"/>
+              </a:rPr>
+              <a:t> qua NuGet packages</a:t>
             </a:r>
           </a:p>
         </p:txBody>
@@ -7858,6 +12750,1906 @@
     <p:extLst>
       <p:ext uri="{BB962C8B-B14F-4D97-AF65-F5344CB8AC3E}">
         <p14:creationId xmlns:p14="http://schemas.microsoft.com/office/powerpoint/2010/main" val="1871652294"/>
+      </p:ext>
+    </p:extLst>
+  </p:cSld>
+  <p:clrMapOvr>
+    <a:masterClrMapping/>
+  </p:clrMapOvr>
+</p:sld>
+</file>
+
+<file path=ppt/slides/slide7.xml><?xml version="1.0" encoding="utf-8"?>
+<p:sld xmlns:a="http://schemas.openxmlformats.org/drawingml/2006/main" xmlns:r="http://schemas.openxmlformats.org/officeDocument/2006/relationships" xmlns:p="http://schemas.openxmlformats.org/presentationml/2006/main">
+  <p:cSld>
+    <p:spTree>
+      <p:nvGrpSpPr>
+        <p:cNvPr id="1" name=""/>
+        <p:cNvGrpSpPr/>
+        <p:nvPr/>
+      </p:nvGrpSpPr>
+      <p:grpSpPr>
+        <a:xfrm>
+          <a:off x="0" y="0"/>
+          <a:ext cx="0" cy="0"/>
+          <a:chOff x="0" y="0"/>
+          <a:chExt cx="0" cy="0"/>
+        </a:xfrm>
+      </p:grpSpPr>
+      <p:sp>
+        <p:nvSpPr>
+          <p:cNvPr id="2" name="Title 1">
+            <a:extLst>
+              <a:ext uri="{FF2B5EF4-FFF2-40B4-BE49-F238E27FC236}">
+                <a16:creationId xmlns:a16="http://schemas.microsoft.com/office/drawing/2014/main" id="{3320184A-853A-46BC-A5D5-0BA775050763}"/>
+              </a:ext>
+            </a:extLst>
+          </p:cNvPr>
+          <p:cNvSpPr>
+            <a:spLocks noGrp="1"/>
+          </p:cNvSpPr>
+          <p:nvPr>
+            <p:ph type="title"/>
+          </p:nvPr>
+        </p:nvSpPr>
+        <p:spPr>
+          <a:xfrm>
+            <a:off x="1602298" y="213852"/>
+            <a:ext cx="7807173" cy="1511710"/>
+          </a:xfrm>
+        </p:spPr>
+        <p:txBody>
+          <a:bodyPr/>
+          <a:lstStyle/>
+          <a:p>
+            <a:pPr algn="l"/>
+            <a:r>
+              <a:rPr lang="en-US" b="1">
+                <a:solidFill>
+                  <a:srgbClr val="0000FF"/>
+                </a:solidFill>
+                <a:latin typeface="Times New Roman" panose="02020603050405020304" pitchFamily="18" charset="0"/>
+                <a:cs typeface="Times New Roman" panose="02020603050405020304" pitchFamily="18" charset="0"/>
+              </a:rPr>
+              <a:t>Các công cụ đ</a:t>
+            </a:r>
+            <a:r>
+              <a:rPr lang="vi-VN" b="1">
+                <a:solidFill>
+                  <a:srgbClr val="0000FF"/>
+                </a:solidFill>
+                <a:latin typeface="Times New Roman" panose="02020603050405020304" pitchFamily="18" charset="0"/>
+                <a:cs typeface="Times New Roman" panose="02020603050405020304" pitchFamily="18" charset="0"/>
+              </a:rPr>
+              <a:t>ư</a:t>
+            </a:r>
+            <a:r>
+              <a:rPr lang="en-US" b="1">
+                <a:solidFill>
+                  <a:srgbClr val="0000FF"/>
+                </a:solidFill>
+                <a:latin typeface="Times New Roman" panose="02020603050405020304" pitchFamily="18" charset="0"/>
+                <a:cs typeface="Times New Roman" panose="02020603050405020304" pitchFamily="18" charset="0"/>
+              </a:rPr>
+              <a:t>ợc tích hợp trong</a:t>
+            </a:r>
+            <a:br>
+              <a:rPr lang="en-US" b="1">
+                <a:solidFill>
+                  <a:srgbClr val="0000FF"/>
+                </a:solidFill>
+                <a:latin typeface="Times New Roman" panose="02020603050405020304" pitchFamily="18" charset="0"/>
+                <a:cs typeface="Times New Roman" panose="02020603050405020304" pitchFamily="18" charset="0"/>
+              </a:rPr>
+            </a:br>
+            <a:r>
+              <a:rPr lang="en-US" b="1">
+                <a:solidFill>
+                  <a:srgbClr val="0000FF"/>
+                </a:solidFill>
+                <a:latin typeface="Times New Roman" panose="02020603050405020304" pitchFamily="18" charset="0"/>
+                <a:cs typeface="Times New Roman" panose="02020603050405020304" pitchFamily="18" charset="0"/>
+              </a:rPr>
+              <a:t>Stanford CoreNLP</a:t>
+            </a:r>
+          </a:p>
+        </p:txBody>
+      </p:sp>
+      <p:sp>
+        <p:nvSpPr>
+          <p:cNvPr id="3" name="Content Placeholder 2">
+            <a:extLst>
+              <a:ext uri="{FF2B5EF4-FFF2-40B4-BE49-F238E27FC236}">
+                <a16:creationId xmlns:a16="http://schemas.microsoft.com/office/drawing/2014/main" id="{B19C7083-1D02-477A-B7C0-251FB4CF8D56}"/>
+              </a:ext>
+            </a:extLst>
+          </p:cNvPr>
+          <p:cNvSpPr>
+            <a:spLocks noGrp="1"/>
+          </p:cNvSpPr>
+          <p:nvPr>
+            <p:ph idx="1"/>
+          </p:nvPr>
+        </p:nvSpPr>
+        <p:spPr>
+          <a:xfrm>
+            <a:off x="3034141" y="1827550"/>
+            <a:ext cx="6375330" cy="3275392"/>
+          </a:xfrm>
+        </p:spPr>
+        <p:txBody>
+          <a:bodyPr>
+            <a:noAutofit/>
+          </a:bodyPr>
+          <a:lstStyle/>
+          <a:p>
+            <a:pPr lvl="1"/>
+            <a:r>
+              <a:rPr lang="en-US" sz="2400" dirty="0">
+                <a:latin typeface="Times New Roman" panose="02020603050405020304" pitchFamily="18" charset="0"/>
+                <a:cs typeface="Times New Roman" panose="02020603050405020304" pitchFamily="18" charset="0"/>
+              </a:rPr>
+              <a:t>Tokenization/ Sentence segmentation</a:t>
+            </a:r>
+          </a:p>
+          <a:p>
+            <a:pPr lvl="1"/>
+            <a:r>
+              <a:rPr lang="en-US" sz="2400" dirty="0">
+                <a:latin typeface="Times New Roman" panose="02020603050405020304" pitchFamily="18" charset="0"/>
+                <a:cs typeface="Times New Roman" panose="02020603050405020304" pitchFamily="18" charset="0"/>
+              </a:rPr>
+              <a:t>Part of Speech (POS) </a:t>
+            </a:r>
+          </a:p>
+          <a:p>
+            <a:pPr lvl="1"/>
+            <a:r>
+              <a:rPr lang="en-US" sz="2400" dirty="0">
+                <a:latin typeface="Times New Roman" panose="02020603050405020304" pitchFamily="18" charset="0"/>
+                <a:cs typeface="Times New Roman" panose="02020603050405020304" pitchFamily="18" charset="0"/>
+              </a:rPr>
+              <a:t>The named entity recognizer (NER)</a:t>
+            </a:r>
+          </a:p>
+          <a:p>
+            <a:pPr lvl="1"/>
+            <a:r>
+              <a:rPr lang="en-US" sz="2400" dirty="0">
+                <a:latin typeface="Times New Roman" panose="02020603050405020304" pitchFamily="18" charset="0"/>
+                <a:cs typeface="Times New Roman" panose="02020603050405020304" pitchFamily="18" charset="0"/>
+              </a:rPr>
+              <a:t>The parser</a:t>
+            </a:r>
+          </a:p>
+          <a:p>
+            <a:pPr lvl="1"/>
+            <a:r>
+              <a:rPr lang="en-US" sz="2400" dirty="0">
+                <a:latin typeface="Times New Roman" panose="02020603050405020304" pitchFamily="18" charset="0"/>
+                <a:cs typeface="Times New Roman" panose="02020603050405020304" pitchFamily="18" charset="0"/>
+              </a:rPr>
+              <a:t>The coreference resolution system</a:t>
+            </a:r>
+          </a:p>
+        </p:txBody>
+      </p:sp>
+      <p:sp>
+        <p:nvSpPr>
+          <p:cNvPr id="4" name="TextBox 3">
+            <a:extLst>
+              <a:ext uri="{FF2B5EF4-FFF2-40B4-BE49-F238E27FC236}">
+                <a16:creationId xmlns:a16="http://schemas.microsoft.com/office/drawing/2014/main" id="{62CCE3DC-5F37-4E4C-959F-B07501F2D377}"/>
+              </a:ext>
+            </a:extLst>
+          </p:cNvPr>
+          <p:cNvSpPr txBox="1"/>
+          <p:nvPr/>
+        </p:nvSpPr>
+        <p:spPr>
+          <a:xfrm>
+            <a:off x="1921789" y="5411408"/>
+            <a:ext cx="9949912" cy="830997"/>
+          </a:xfrm>
+          <a:prstGeom prst="rect">
+            <a:avLst/>
+          </a:prstGeom>
+          <a:noFill/>
+        </p:spPr>
+        <p:txBody>
+          <a:bodyPr wrap="square" rtlCol="0">
+            <a:spAutoFit/>
+          </a:bodyPr>
+          <a:lstStyle/>
+          <a:p>
+            <a:r>
+              <a:rPr lang="en-US" sz="2400">
+                <a:latin typeface="Times New Roman" panose="02020603050405020304" pitchFamily="18" charset="0"/>
+                <a:cs typeface="Times New Roman" panose="02020603050405020304" pitchFamily="18" charset="0"/>
+              </a:rPr>
+              <a:t>Bạn có thể chạy tất cả các công cụ trên bằng công cụ “pipeline”. Ngoài ra bạn cũng có thể chọn riêng lẻ từng công cụ để sử dụng.</a:t>
+            </a:r>
+          </a:p>
+        </p:txBody>
+      </p:sp>
+    </p:spTree>
+    <p:extLst>
+      <p:ext uri="{BB962C8B-B14F-4D97-AF65-F5344CB8AC3E}">
+        <p14:creationId xmlns:p14="http://schemas.microsoft.com/office/powerpoint/2010/main" val="2196253925"/>
+      </p:ext>
+    </p:extLst>
+  </p:cSld>
+  <p:clrMapOvr>
+    <a:masterClrMapping/>
+  </p:clrMapOvr>
+</p:sld>
+</file>
+
+<file path=ppt/slides/slide8.xml><?xml version="1.0" encoding="utf-8"?>
+<p:sld xmlns:a="http://schemas.openxmlformats.org/drawingml/2006/main" xmlns:r="http://schemas.openxmlformats.org/officeDocument/2006/relationships" xmlns:p="http://schemas.openxmlformats.org/presentationml/2006/main">
+  <p:cSld>
+    <p:spTree>
+      <p:nvGrpSpPr>
+        <p:cNvPr id="1" name=""/>
+        <p:cNvGrpSpPr/>
+        <p:nvPr/>
+      </p:nvGrpSpPr>
+      <p:grpSpPr>
+        <a:xfrm>
+          <a:off x="0" y="0"/>
+          <a:ext cx="0" cy="0"/>
+          <a:chOff x="0" y="0"/>
+          <a:chExt cx="0" cy="0"/>
+        </a:xfrm>
+      </p:grpSpPr>
+      <p:sp>
+        <p:nvSpPr>
+          <p:cNvPr id="2" name="Title 1">
+            <a:extLst>
+              <a:ext uri="{FF2B5EF4-FFF2-40B4-BE49-F238E27FC236}">
+                <a16:creationId xmlns:a16="http://schemas.microsoft.com/office/drawing/2014/main" id="{3320184A-853A-46BC-A5D5-0BA775050763}"/>
+              </a:ext>
+            </a:extLst>
+          </p:cNvPr>
+          <p:cNvSpPr>
+            <a:spLocks noGrp="1"/>
+          </p:cNvSpPr>
+          <p:nvPr>
+            <p:ph type="title"/>
+          </p:nvPr>
+        </p:nvSpPr>
+        <p:spPr>
+          <a:xfrm>
+            <a:off x="1602298" y="213852"/>
+            <a:ext cx="7807173" cy="1511710"/>
+          </a:xfrm>
+        </p:spPr>
+        <p:txBody>
+          <a:bodyPr/>
+          <a:lstStyle/>
+          <a:p>
+            <a:pPr algn="l"/>
+            <a:r>
+              <a:rPr lang="en-US" b="1" dirty="0" err="1">
+                <a:solidFill>
+                  <a:srgbClr val="0000FF"/>
+                </a:solidFill>
+                <a:latin typeface="Times New Roman" panose="02020603050405020304" pitchFamily="18" charset="0"/>
+                <a:cs typeface="Times New Roman" panose="02020603050405020304" pitchFamily="18" charset="0"/>
+              </a:rPr>
+              <a:t>Xác</a:t>
+            </a:r>
+            <a:r>
+              <a:rPr lang="en-US" b="1" dirty="0">
+                <a:solidFill>
+                  <a:srgbClr val="0000FF"/>
+                </a:solidFill>
+                <a:latin typeface="Times New Roman" panose="02020603050405020304" pitchFamily="18" charset="0"/>
+                <a:cs typeface="Times New Roman" panose="02020603050405020304" pitchFamily="18" charset="0"/>
+              </a:rPr>
+              <a:t> </a:t>
+            </a:r>
+            <a:r>
+              <a:rPr lang="en-US" b="1" dirty="0" err="1">
+                <a:solidFill>
+                  <a:srgbClr val="0000FF"/>
+                </a:solidFill>
+                <a:latin typeface="Times New Roman" panose="02020603050405020304" pitchFamily="18" charset="0"/>
+                <a:cs typeface="Times New Roman" panose="02020603050405020304" pitchFamily="18" charset="0"/>
+              </a:rPr>
+              <a:t>định</a:t>
+            </a:r>
+            <a:r>
+              <a:rPr lang="en-US" b="1" dirty="0">
+                <a:solidFill>
+                  <a:srgbClr val="0000FF"/>
+                </a:solidFill>
+                <a:latin typeface="Times New Roman" panose="02020603050405020304" pitchFamily="18" charset="0"/>
+                <a:cs typeface="Times New Roman" panose="02020603050405020304" pitchFamily="18" charset="0"/>
+              </a:rPr>
+              <a:t> </a:t>
+            </a:r>
+            <a:r>
+              <a:rPr lang="en-US" b="1" dirty="0" err="1">
+                <a:solidFill>
+                  <a:srgbClr val="0000FF"/>
+                </a:solidFill>
+                <a:latin typeface="Times New Roman" panose="02020603050405020304" pitchFamily="18" charset="0"/>
+                <a:cs typeface="Times New Roman" panose="02020603050405020304" pitchFamily="18" charset="0"/>
+              </a:rPr>
+              <a:t>thực</a:t>
+            </a:r>
+            <a:r>
+              <a:rPr lang="en-US" b="1" dirty="0">
+                <a:solidFill>
+                  <a:srgbClr val="0000FF"/>
+                </a:solidFill>
+                <a:latin typeface="Times New Roman" panose="02020603050405020304" pitchFamily="18" charset="0"/>
+                <a:cs typeface="Times New Roman" panose="02020603050405020304" pitchFamily="18" charset="0"/>
+              </a:rPr>
+              <a:t> </a:t>
+            </a:r>
+            <a:r>
+              <a:rPr lang="en-US" b="1" dirty="0" err="1">
+                <a:solidFill>
+                  <a:srgbClr val="0000FF"/>
+                </a:solidFill>
+                <a:latin typeface="Times New Roman" panose="02020603050405020304" pitchFamily="18" charset="0"/>
+                <a:cs typeface="Times New Roman" panose="02020603050405020304" pitchFamily="18" charset="0"/>
+              </a:rPr>
+              <a:t>thể</a:t>
+            </a:r>
+            <a:r>
+              <a:rPr lang="en-US" b="1" dirty="0">
+                <a:solidFill>
+                  <a:srgbClr val="0000FF"/>
+                </a:solidFill>
+                <a:latin typeface="Times New Roman" panose="02020603050405020304" pitchFamily="18" charset="0"/>
+                <a:cs typeface="Times New Roman" panose="02020603050405020304" pitchFamily="18" charset="0"/>
+              </a:rPr>
+              <a:t> </a:t>
+            </a:r>
+            <a:r>
+              <a:rPr lang="en-US" b="1" dirty="0" err="1">
+                <a:solidFill>
+                  <a:srgbClr val="0000FF"/>
+                </a:solidFill>
+                <a:latin typeface="Times New Roman" panose="02020603050405020304" pitchFamily="18" charset="0"/>
+                <a:cs typeface="Times New Roman" panose="02020603050405020304" pitchFamily="18" charset="0"/>
+              </a:rPr>
+              <a:t>có</a:t>
+            </a:r>
+            <a:r>
+              <a:rPr lang="en-US" b="1" dirty="0">
+                <a:solidFill>
+                  <a:srgbClr val="0000FF"/>
+                </a:solidFill>
+                <a:latin typeface="Times New Roman" panose="02020603050405020304" pitchFamily="18" charset="0"/>
+                <a:cs typeface="Times New Roman" panose="02020603050405020304" pitchFamily="18" charset="0"/>
+              </a:rPr>
+              <a:t> </a:t>
+            </a:r>
+            <a:r>
+              <a:rPr lang="en-US" b="1" dirty="0" err="1">
+                <a:solidFill>
+                  <a:srgbClr val="0000FF"/>
+                </a:solidFill>
+                <a:latin typeface="Times New Roman" panose="02020603050405020304" pitchFamily="18" charset="0"/>
+                <a:cs typeface="Times New Roman" panose="02020603050405020304" pitchFamily="18" charset="0"/>
+              </a:rPr>
+              <a:t>nghĩa</a:t>
+            </a:r>
+            <a:r>
+              <a:rPr lang="en-US" b="1" dirty="0">
+                <a:solidFill>
+                  <a:srgbClr val="0000FF"/>
+                </a:solidFill>
+                <a:latin typeface="Times New Roman" panose="02020603050405020304" pitchFamily="18" charset="0"/>
+                <a:cs typeface="Times New Roman" panose="02020603050405020304" pitchFamily="18" charset="0"/>
+              </a:rPr>
+              <a:t> (NER)</a:t>
+            </a:r>
+          </a:p>
+        </p:txBody>
+      </p:sp>
+      <p:sp>
+        <p:nvSpPr>
+          <p:cNvPr id="3" name="Content Placeholder 2">
+            <a:extLst>
+              <a:ext uri="{FF2B5EF4-FFF2-40B4-BE49-F238E27FC236}">
+                <a16:creationId xmlns:a16="http://schemas.microsoft.com/office/drawing/2014/main" id="{B19C7083-1D02-477A-B7C0-251FB4CF8D56}"/>
+              </a:ext>
+            </a:extLst>
+          </p:cNvPr>
+          <p:cNvSpPr>
+            <a:spLocks noGrp="1"/>
+          </p:cNvSpPr>
+          <p:nvPr>
+            <p:ph idx="1"/>
+          </p:nvPr>
+        </p:nvSpPr>
+        <p:spPr>
+          <a:xfrm>
+            <a:off x="1602298" y="1515924"/>
+            <a:ext cx="9646273" cy="4980038"/>
+          </a:xfrm>
+        </p:spPr>
+        <p:txBody>
+          <a:bodyPr>
+            <a:noAutofit/>
+          </a:bodyPr>
+          <a:lstStyle/>
+          <a:p>
+            <a:pPr lvl="1"/>
+            <a:r>
+              <a:rPr lang="en-US" sz="2400" dirty="0" err="1">
+                <a:latin typeface="Times New Roman" panose="02020603050405020304" pitchFamily="18" charset="0"/>
+                <a:cs typeface="Times New Roman" panose="02020603050405020304" pitchFamily="18" charset="0"/>
+              </a:rPr>
+              <a:t>Là</a:t>
+            </a:r>
+            <a:r>
+              <a:rPr lang="en-US" sz="2400" dirty="0">
+                <a:latin typeface="Times New Roman" panose="02020603050405020304" pitchFamily="18" charset="0"/>
+                <a:cs typeface="Times New Roman" panose="02020603050405020304" pitchFamily="18" charset="0"/>
+              </a:rPr>
+              <a:t> </a:t>
+            </a:r>
+            <a:r>
+              <a:rPr lang="en-US" sz="2400" dirty="0" err="1">
+                <a:latin typeface="Times New Roman" panose="02020603050405020304" pitchFamily="18" charset="0"/>
+                <a:cs typeface="Times New Roman" panose="02020603050405020304" pitchFamily="18" charset="0"/>
+              </a:rPr>
+              <a:t>tiến</a:t>
+            </a:r>
+            <a:r>
+              <a:rPr lang="en-US" sz="2400" dirty="0">
+                <a:latin typeface="Times New Roman" panose="02020603050405020304" pitchFamily="18" charset="0"/>
+                <a:cs typeface="Times New Roman" panose="02020603050405020304" pitchFamily="18" charset="0"/>
+              </a:rPr>
+              <a:t> </a:t>
+            </a:r>
+            <a:r>
+              <a:rPr lang="en-US" sz="2400" dirty="0" err="1">
+                <a:latin typeface="Times New Roman" panose="02020603050405020304" pitchFamily="18" charset="0"/>
+                <a:cs typeface="Times New Roman" panose="02020603050405020304" pitchFamily="18" charset="0"/>
+              </a:rPr>
+              <a:t>trình</a:t>
+            </a:r>
+            <a:r>
+              <a:rPr lang="en-US" sz="2400" dirty="0">
+                <a:latin typeface="Times New Roman" panose="02020603050405020304" pitchFamily="18" charset="0"/>
+                <a:cs typeface="Times New Roman" panose="02020603050405020304" pitchFamily="18" charset="0"/>
+              </a:rPr>
+              <a:t> </a:t>
+            </a:r>
+            <a:r>
+              <a:rPr lang="en-US" sz="2400" dirty="0" err="1">
+                <a:latin typeface="Times New Roman" panose="02020603050405020304" pitchFamily="18" charset="0"/>
+                <a:cs typeface="Times New Roman" panose="02020603050405020304" pitchFamily="18" charset="0"/>
+              </a:rPr>
+              <a:t>xác</a:t>
+            </a:r>
+            <a:r>
+              <a:rPr lang="en-US" sz="2400" dirty="0">
+                <a:latin typeface="Times New Roman" panose="02020603050405020304" pitchFamily="18" charset="0"/>
+                <a:cs typeface="Times New Roman" panose="02020603050405020304" pitchFamily="18" charset="0"/>
+              </a:rPr>
+              <a:t> </a:t>
+            </a:r>
+            <a:r>
+              <a:rPr lang="en-US" sz="2400" dirty="0" err="1">
+                <a:latin typeface="Times New Roman" panose="02020603050405020304" pitchFamily="18" charset="0"/>
+                <a:cs typeface="Times New Roman" panose="02020603050405020304" pitchFamily="18" charset="0"/>
+              </a:rPr>
+              <a:t>định</a:t>
+            </a:r>
+            <a:r>
+              <a:rPr lang="en-US" sz="2400" dirty="0">
+                <a:latin typeface="Times New Roman" panose="02020603050405020304" pitchFamily="18" charset="0"/>
+                <a:cs typeface="Times New Roman" panose="02020603050405020304" pitchFamily="18" charset="0"/>
+              </a:rPr>
+              <a:t> </a:t>
+            </a:r>
+            <a:r>
+              <a:rPr lang="en-US" sz="2400" dirty="0" err="1">
+                <a:latin typeface="Times New Roman" panose="02020603050405020304" pitchFamily="18" charset="0"/>
+                <a:cs typeface="Times New Roman" panose="02020603050405020304" pitchFamily="18" charset="0"/>
+              </a:rPr>
+              <a:t>và</a:t>
+            </a:r>
+            <a:r>
+              <a:rPr lang="en-US" sz="2400" dirty="0">
+                <a:latin typeface="Times New Roman" panose="02020603050405020304" pitchFamily="18" charset="0"/>
+                <a:cs typeface="Times New Roman" panose="02020603050405020304" pitchFamily="18" charset="0"/>
+              </a:rPr>
+              <a:t> </a:t>
+            </a:r>
+            <a:r>
+              <a:rPr lang="en-US" sz="2400" dirty="0" err="1">
+                <a:latin typeface="Times New Roman" panose="02020603050405020304" pitchFamily="18" charset="0"/>
+                <a:cs typeface="Times New Roman" panose="02020603050405020304" pitchFamily="18" charset="0"/>
+              </a:rPr>
+              <a:t>phân</a:t>
+            </a:r>
+            <a:r>
+              <a:rPr lang="en-US" sz="2400" dirty="0">
+                <a:latin typeface="Times New Roman" panose="02020603050405020304" pitchFamily="18" charset="0"/>
+                <a:cs typeface="Times New Roman" panose="02020603050405020304" pitchFamily="18" charset="0"/>
+              </a:rPr>
+              <a:t> </a:t>
+            </a:r>
+            <a:r>
+              <a:rPr lang="en-US" sz="2400" dirty="0" err="1">
+                <a:latin typeface="Times New Roman" panose="02020603050405020304" pitchFamily="18" charset="0"/>
+                <a:cs typeface="Times New Roman" panose="02020603050405020304" pitchFamily="18" charset="0"/>
+              </a:rPr>
+              <a:t>loại</a:t>
+            </a:r>
+            <a:r>
+              <a:rPr lang="en-US" sz="2400" dirty="0">
+                <a:latin typeface="Times New Roman" panose="02020603050405020304" pitchFamily="18" charset="0"/>
+                <a:cs typeface="Times New Roman" panose="02020603050405020304" pitchFamily="18" charset="0"/>
+              </a:rPr>
+              <a:t> </a:t>
+            </a:r>
+            <a:r>
+              <a:rPr lang="en-US" sz="2400" dirty="0" err="1">
+                <a:latin typeface="Times New Roman" panose="02020603050405020304" pitchFamily="18" charset="0"/>
+                <a:cs typeface="Times New Roman" panose="02020603050405020304" pitchFamily="18" charset="0"/>
+              </a:rPr>
+              <a:t>các</a:t>
+            </a:r>
+            <a:r>
+              <a:rPr lang="en-US" sz="2400" dirty="0">
+                <a:latin typeface="Times New Roman" panose="02020603050405020304" pitchFamily="18" charset="0"/>
+                <a:cs typeface="Times New Roman" panose="02020603050405020304" pitchFamily="18" charset="0"/>
+              </a:rPr>
+              <a:t> </a:t>
+            </a:r>
+            <a:r>
+              <a:rPr lang="en-US" sz="2400" dirty="0" err="1">
+                <a:latin typeface="Times New Roman" panose="02020603050405020304" pitchFamily="18" charset="0"/>
+                <a:cs typeface="Times New Roman" panose="02020603050405020304" pitchFamily="18" charset="0"/>
+              </a:rPr>
+              <a:t>phần</a:t>
+            </a:r>
+            <a:r>
+              <a:rPr lang="en-US" sz="2400" dirty="0">
+                <a:latin typeface="Times New Roman" panose="02020603050405020304" pitchFamily="18" charset="0"/>
+                <a:cs typeface="Times New Roman" panose="02020603050405020304" pitchFamily="18" charset="0"/>
+              </a:rPr>
+              <a:t> </a:t>
+            </a:r>
+            <a:r>
+              <a:rPr lang="en-US" sz="2400" dirty="0" err="1">
+                <a:latin typeface="Times New Roman" panose="02020603050405020304" pitchFamily="18" charset="0"/>
+                <a:cs typeface="Times New Roman" panose="02020603050405020304" pitchFamily="18" charset="0"/>
+              </a:rPr>
+              <a:t>tử</a:t>
+            </a:r>
+            <a:r>
+              <a:rPr lang="en-US" sz="2400" dirty="0">
+                <a:latin typeface="Times New Roman" panose="02020603050405020304" pitchFamily="18" charset="0"/>
+                <a:cs typeface="Times New Roman" panose="02020603050405020304" pitchFamily="18" charset="0"/>
+              </a:rPr>
+              <a:t> </a:t>
+            </a:r>
+            <a:r>
+              <a:rPr lang="en-US" sz="2400" dirty="0" err="1">
+                <a:latin typeface="Times New Roman" panose="02020603050405020304" pitchFamily="18" charset="0"/>
+                <a:cs typeface="Times New Roman" panose="02020603050405020304" pitchFamily="18" charset="0"/>
+              </a:rPr>
+              <a:t>trong</a:t>
+            </a:r>
+            <a:r>
+              <a:rPr lang="en-US" sz="2400" dirty="0">
+                <a:latin typeface="Times New Roman" panose="02020603050405020304" pitchFamily="18" charset="0"/>
+                <a:cs typeface="Times New Roman" panose="02020603050405020304" pitchFamily="18" charset="0"/>
+              </a:rPr>
+              <a:t> </a:t>
+            </a:r>
+            <a:r>
+              <a:rPr lang="en-US" sz="2400" dirty="0" err="1">
+                <a:latin typeface="Times New Roman" panose="02020603050405020304" pitchFamily="18" charset="0"/>
+                <a:cs typeface="Times New Roman" panose="02020603050405020304" pitchFamily="18" charset="0"/>
+              </a:rPr>
+              <a:t>văn</a:t>
+            </a:r>
+            <a:r>
+              <a:rPr lang="en-US" sz="2400" dirty="0">
+                <a:latin typeface="Times New Roman" panose="02020603050405020304" pitchFamily="18" charset="0"/>
+                <a:cs typeface="Times New Roman" panose="02020603050405020304" pitchFamily="18" charset="0"/>
+              </a:rPr>
+              <a:t> </a:t>
+            </a:r>
+            <a:r>
+              <a:rPr lang="en-US" sz="2400" dirty="0" err="1">
+                <a:latin typeface="Times New Roman" panose="02020603050405020304" pitchFamily="18" charset="0"/>
+                <a:cs typeface="Times New Roman" panose="02020603050405020304" pitchFamily="18" charset="0"/>
+              </a:rPr>
+              <a:t>bản</a:t>
+            </a:r>
+            <a:r>
+              <a:rPr lang="en-US" sz="2400" dirty="0">
+                <a:latin typeface="Times New Roman" panose="02020603050405020304" pitchFamily="18" charset="0"/>
+                <a:cs typeface="Times New Roman" panose="02020603050405020304" pitchFamily="18" charset="0"/>
+              </a:rPr>
+              <a:t> </a:t>
+            </a:r>
+            <a:r>
+              <a:rPr lang="en-US" sz="2400" dirty="0" err="1">
+                <a:latin typeface="Times New Roman" panose="02020603050405020304" pitchFamily="18" charset="0"/>
+                <a:cs typeface="Times New Roman" panose="02020603050405020304" pitchFamily="18" charset="0"/>
+              </a:rPr>
+              <a:t>vào</a:t>
+            </a:r>
+            <a:r>
+              <a:rPr lang="en-US" sz="2400" dirty="0">
+                <a:latin typeface="Times New Roman" panose="02020603050405020304" pitchFamily="18" charset="0"/>
+                <a:cs typeface="Times New Roman" panose="02020603050405020304" pitchFamily="18" charset="0"/>
+              </a:rPr>
+              <a:t> </a:t>
+            </a:r>
+            <a:r>
+              <a:rPr lang="en-US" sz="2400" dirty="0" err="1">
+                <a:latin typeface="Times New Roman" panose="02020603050405020304" pitchFamily="18" charset="0"/>
+                <a:cs typeface="Times New Roman" panose="02020603050405020304" pitchFamily="18" charset="0"/>
+              </a:rPr>
+              <a:t>các</a:t>
+            </a:r>
+            <a:r>
+              <a:rPr lang="en-US" sz="2400" dirty="0">
+                <a:latin typeface="Times New Roman" panose="02020603050405020304" pitchFamily="18" charset="0"/>
+                <a:cs typeface="Times New Roman" panose="02020603050405020304" pitchFamily="18" charset="0"/>
+              </a:rPr>
+              <a:t> </a:t>
+            </a:r>
+            <a:r>
+              <a:rPr lang="en-US" sz="2400" dirty="0" err="1">
+                <a:latin typeface="Times New Roman" panose="02020603050405020304" pitchFamily="18" charset="0"/>
+                <a:cs typeface="Times New Roman" panose="02020603050405020304" pitchFamily="18" charset="0"/>
+              </a:rPr>
+              <a:t>danh</a:t>
+            </a:r>
+            <a:r>
+              <a:rPr lang="en-US" sz="2400" dirty="0">
+                <a:latin typeface="Times New Roman" panose="02020603050405020304" pitchFamily="18" charset="0"/>
+                <a:cs typeface="Times New Roman" panose="02020603050405020304" pitchFamily="18" charset="0"/>
+              </a:rPr>
+              <a:t> </a:t>
+            </a:r>
+            <a:r>
+              <a:rPr lang="en-US" sz="2400" dirty="0" err="1">
+                <a:latin typeface="Times New Roman" panose="02020603050405020304" pitchFamily="18" charset="0"/>
+                <a:cs typeface="Times New Roman" panose="02020603050405020304" pitchFamily="18" charset="0"/>
+              </a:rPr>
+              <a:t>mục</a:t>
+            </a:r>
+            <a:r>
+              <a:rPr lang="en-US" sz="2400" dirty="0">
+                <a:latin typeface="Times New Roman" panose="02020603050405020304" pitchFamily="18" charset="0"/>
+                <a:cs typeface="Times New Roman" panose="02020603050405020304" pitchFamily="18" charset="0"/>
+              </a:rPr>
+              <a:t> </a:t>
+            </a:r>
+            <a:r>
+              <a:rPr lang="en-US" sz="2400" dirty="0" err="1">
+                <a:latin typeface="Times New Roman" panose="02020603050405020304" pitchFamily="18" charset="0"/>
+                <a:cs typeface="Times New Roman" panose="02020603050405020304" pitchFamily="18" charset="0"/>
+              </a:rPr>
+              <a:t>được</a:t>
+            </a:r>
+            <a:r>
+              <a:rPr lang="en-US" sz="2400" dirty="0">
+                <a:latin typeface="Times New Roman" panose="02020603050405020304" pitchFamily="18" charset="0"/>
+                <a:cs typeface="Times New Roman" panose="02020603050405020304" pitchFamily="18" charset="0"/>
+              </a:rPr>
+              <a:t> </a:t>
+            </a:r>
+            <a:r>
+              <a:rPr lang="en-US" sz="2400" dirty="0" err="1">
+                <a:latin typeface="Times New Roman" panose="02020603050405020304" pitchFamily="18" charset="0"/>
+                <a:cs typeface="Times New Roman" panose="02020603050405020304" pitchFamily="18" charset="0"/>
+              </a:rPr>
+              <a:t>định</a:t>
+            </a:r>
+            <a:r>
+              <a:rPr lang="en-US" sz="2400" dirty="0">
+                <a:latin typeface="Times New Roman" panose="02020603050405020304" pitchFamily="18" charset="0"/>
+                <a:cs typeface="Times New Roman" panose="02020603050405020304" pitchFamily="18" charset="0"/>
+              </a:rPr>
+              <a:t> </a:t>
+            </a:r>
+            <a:r>
+              <a:rPr lang="en-US" sz="2400" dirty="0" err="1">
+                <a:latin typeface="Times New Roman" panose="02020603050405020304" pitchFamily="18" charset="0"/>
+                <a:cs typeface="Times New Roman" panose="02020603050405020304" pitchFamily="18" charset="0"/>
+              </a:rPr>
+              <a:t>nghĩa</a:t>
+            </a:r>
+            <a:r>
+              <a:rPr lang="en-US" sz="2400" dirty="0">
+                <a:latin typeface="Times New Roman" panose="02020603050405020304" pitchFamily="18" charset="0"/>
+                <a:cs typeface="Times New Roman" panose="02020603050405020304" pitchFamily="18" charset="0"/>
+              </a:rPr>
+              <a:t> </a:t>
+            </a:r>
+            <a:r>
+              <a:rPr lang="en-US" sz="2400" dirty="0" err="1">
+                <a:latin typeface="Times New Roman" panose="02020603050405020304" pitchFamily="18" charset="0"/>
+                <a:cs typeface="Times New Roman" panose="02020603050405020304" pitchFamily="18" charset="0"/>
+              </a:rPr>
+              <a:t>trước</a:t>
+            </a:r>
+            <a:endParaRPr lang="en-US" sz="2400" dirty="0">
+              <a:latin typeface="Times New Roman" panose="02020603050405020304" pitchFamily="18" charset="0"/>
+              <a:cs typeface="Times New Roman" panose="02020603050405020304" pitchFamily="18" charset="0"/>
+            </a:endParaRPr>
+          </a:p>
+          <a:p>
+            <a:pPr lvl="1"/>
+            <a:endParaRPr lang="en-US" sz="2400" dirty="0">
+              <a:latin typeface="Times New Roman" panose="02020603050405020304" pitchFamily="18" charset="0"/>
+              <a:cs typeface="Times New Roman" panose="02020603050405020304" pitchFamily="18" charset="0"/>
+            </a:endParaRPr>
+          </a:p>
+          <a:p>
+            <a:pPr lvl="1"/>
+            <a:endParaRPr lang="en-US" sz="2400" dirty="0">
+              <a:latin typeface="Times New Roman" panose="02020603050405020304" pitchFamily="18" charset="0"/>
+              <a:cs typeface="Times New Roman" panose="02020603050405020304" pitchFamily="18" charset="0"/>
+            </a:endParaRPr>
+          </a:p>
+          <a:p>
+            <a:pPr marL="457200" lvl="1" indent="0">
+              <a:buNone/>
+            </a:pPr>
+            <a:endParaRPr lang="en-US" sz="2400" dirty="0">
+              <a:latin typeface="Times New Roman" panose="02020603050405020304" pitchFamily="18" charset="0"/>
+              <a:cs typeface="Times New Roman" panose="02020603050405020304" pitchFamily="18" charset="0"/>
+            </a:endParaRPr>
+          </a:p>
+          <a:p>
+            <a:pPr lvl="1">
+              <a:lnSpc>
+                <a:spcPct val="150000"/>
+              </a:lnSpc>
+            </a:pPr>
+            <a:r>
+              <a:rPr lang="en-US" sz="2400" dirty="0" err="1">
+                <a:latin typeface="Times New Roman" panose="02020603050405020304" pitchFamily="18" charset="0"/>
+                <a:cs typeface="Times New Roman" panose="02020603050405020304" pitchFamily="18" charset="0"/>
+              </a:rPr>
+              <a:t>Là</a:t>
+            </a:r>
+            <a:r>
+              <a:rPr lang="en-US" sz="2400" dirty="0">
+                <a:latin typeface="Times New Roman" panose="02020603050405020304" pitchFamily="18" charset="0"/>
+                <a:cs typeface="Times New Roman" panose="02020603050405020304" pitchFamily="18" charset="0"/>
+              </a:rPr>
+              <a:t> b</a:t>
+            </a:r>
+            <a:r>
+              <a:rPr lang="vi-VN" sz="2400" dirty="0">
+                <a:latin typeface="Times New Roman" panose="02020603050405020304" pitchFamily="18" charset="0"/>
+                <a:cs typeface="Times New Roman" panose="02020603050405020304" pitchFamily="18" charset="0"/>
+              </a:rPr>
+              <a:t>ư</a:t>
+            </a:r>
+            <a:r>
+              <a:rPr lang="en-US" sz="2400" dirty="0" err="1">
+                <a:latin typeface="Times New Roman" panose="02020603050405020304" pitchFamily="18" charset="0"/>
+                <a:cs typeface="Times New Roman" panose="02020603050405020304" pitchFamily="18" charset="0"/>
+              </a:rPr>
+              <a:t>ớc</a:t>
+            </a:r>
+            <a:r>
+              <a:rPr lang="en-US" sz="2400" dirty="0">
+                <a:latin typeface="Times New Roman" panose="02020603050405020304" pitchFamily="18" charset="0"/>
+                <a:cs typeface="Times New Roman" panose="02020603050405020304" pitchFamily="18" charset="0"/>
+              </a:rPr>
+              <a:t> </a:t>
+            </a:r>
+            <a:r>
+              <a:rPr lang="en-US" sz="2400" dirty="0" err="1">
+                <a:latin typeface="Times New Roman" panose="02020603050405020304" pitchFamily="18" charset="0"/>
+                <a:cs typeface="Times New Roman" panose="02020603050405020304" pitchFamily="18" charset="0"/>
+              </a:rPr>
+              <a:t>tiền</a:t>
+            </a:r>
+            <a:r>
+              <a:rPr lang="en-US" sz="2400" dirty="0">
+                <a:latin typeface="Times New Roman" panose="02020603050405020304" pitchFamily="18" charset="0"/>
+                <a:cs typeface="Times New Roman" panose="02020603050405020304" pitchFamily="18" charset="0"/>
+              </a:rPr>
+              <a:t> </a:t>
+            </a:r>
+            <a:r>
+              <a:rPr lang="en-US" sz="2400" dirty="0" err="1">
+                <a:latin typeface="Times New Roman" panose="02020603050405020304" pitchFamily="18" charset="0"/>
+                <a:cs typeface="Times New Roman" panose="02020603050405020304" pitchFamily="18" charset="0"/>
+              </a:rPr>
+              <a:t>xử</a:t>
+            </a:r>
+            <a:r>
+              <a:rPr lang="en-US" sz="2400" dirty="0">
+                <a:latin typeface="Times New Roman" panose="02020603050405020304" pitchFamily="18" charset="0"/>
+                <a:cs typeface="Times New Roman" panose="02020603050405020304" pitchFamily="18" charset="0"/>
+              </a:rPr>
+              <a:t> </a:t>
+            </a:r>
+            <a:r>
+              <a:rPr lang="en-US" sz="2400" dirty="0" err="1">
+                <a:latin typeface="Times New Roman" panose="02020603050405020304" pitchFamily="18" charset="0"/>
+                <a:cs typeface="Times New Roman" panose="02020603050405020304" pitchFamily="18" charset="0"/>
+              </a:rPr>
+              <a:t>lí</a:t>
+            </a:r>
+            <a:r>
+              <a:rPr lang="en-US" sz="2400" dirty="0">
+                <a:latin typeface="Times New Roman" panose="02020603050405020304" pitchFamily="18" charset="0"/>
+                <a:cs typeface="Times New Roman" panose="02020603050405020304" pitchFamily="18" charset="0"/>
+              </a:rPr>
+              <a:t> </a:t>
+            </a:r>
+            <a:r>
+              <a:rPr lang="en-US" sz="2400" dirty="0" err="1">
+                <a:latin typeface="Times New Roman" panose="02020603050405020304" pitchFamily="18" charset="0"/>
+                <a:cs typeface="Times New Roman" panose="02020603050405020304" pitchFamily="18" charset="0"/>
+              </a:rPr>
+              <a:t>trong</a:t>
+            </a:r>
+            <a:r>
+              <a:rPr lang="en-US" sz="2400" dirty="0">
+                <a:latin typeface="Times New Roman" panose="02020603050405020304" pitchFamily="18" charset="0"/>
+                <a:cs typeface="Times New Roman" panose="02020603050405020304" pitchFamily="18" charset="0"/>
+              </a:rPr>
+              <a:t> </a:t>
+            </a:r>
+            <a:r>
+              <a:rPr lang="en-US" sz="2400" dirty="0" err="1">
+                <a:latin typeface="Times New Roman" panose="02020603050405020304" pitchFamily="18" charset="0"/>
+                <a:cs typeface="Times New Roman" panose="02020603050405020304" pitchFamily="18" charset="0"/>
+              </a:rPr>
+              <a:t>các</a:t>
+            </a:r>
+            <a:r>
+              <a:rPr lang="en-US" sz="2400" dirty="0">
+                <a:latin typeface="Times New Roman" panose="02020603050405020304" pitchFamily="18" charset="0"/>
+                <a:cs typeface="Times New Roman" panose="02020603050405020304" pitchFamily="18" charset="0"/>
+              </a:rPr>
+              <a:t> </a:t>
+            </a:r>
+            <a:r>
+              <a:rPr lang="en-US" sz="2400" dirty="0" err="1">
+                <a:latin typeface="Times New Roman" panose="02020603050405020304" pitchFamily="18" charset="0"/>
+                <a:cs typeface="Times New Roman" panose="02020603050405020304" pitchFamily="18" charset="0"/>
+              </a:rPr>
+              <a:t>bài</a:t>
+            </a:r>
+            <a:r>
+              <a:rPr lang="en-US" sz="2400" dirty="0">
+                <a:latin typeface="Times New Roman" panose="02020603050405020304" pitchFamily="18" charset="0"/>
+                <a:cs typeface="Times New Roman" panose="02020603050405020304" pitchFamily="18" charset="0"/>
+              </a:rPr>
+              <a:t> </a:t>
+            </a:r>
+            <a:r>
+              <a:rPr lang="en-US" sz="2400" dirty="0" err="1">
+                <a:latin typeface="Times New Roman" panose="02020603050405020304" pitchFamily="18" charset="0"/>
+                <a:cs typeface="Times New Roman" panose="02020603050405020304" pitchFamily="18" charset="0"/>
+              </a:rPr>
+              <a:t>toán</a:t>
+            </a:r>
+            <a:r>
+              <a:rPr lang="en-US" sz="2400" dirty="0">
+                <a:latin typeface="Times New Roman" panose="02020603050405020304" pitchFamily="18" charset="0"/>
+                <a:cs typeface="Times New Roman" panose="02020603050405020304" pitchFamily="18" charset="0"/>
+              </a:rPr>
+              <a:t> </a:t>
+            </a:r>
+            <a:r>
+              <a:rPr lang="en-US" sz="2400" dirty="0" err="1">
+                <a:latin typeface="Times New Roman" panose="02020603050405020304" pitchFamily="18" charset="0"/>
+                <a:cs typeface="Times New Roman" panose="02020603050405020304" pitchFamily="18" charset="0"/>
+              </a:rPr>
+              <a:t>khai</a:t>
+            </a:r>
+            <a:r>
+              <a:rPr lang="en-US" sz="2400" dirty="0">
+                <a:latin typeface="Times New Roman" panose="02020603050405020304" pitchFamily="18" charset="0"/>
+                <a:cs typeface="Times New Roman" panose="02020603050405020304" pitchFamily="18" charset="0"/>
+              </a:rPr>
+              <a:t> </a:t>
+            </a:r>
+            <a:r>
+              <a:rPr lang="en-US" sz="2400" dirty="0" err="1">
+                <a:latin typeface="Times New Roman" panose="02020603050405020304" pitchFamily="18" charset="0"/>
+                <a:cs typeface="Times New Roman" panose="02020603050405020304" pitchFamily="18" charset="0"/>
+              </a:rPr>
+              <a:t>thác</a:t>
+            </a:r>
+            <a:r>
+              <a:rPr lang="en-US" sz="2400" dirty="0">
+                <a:latin typeface="Times New Roman" panose="02020603050405020304" pitchFamily="18" charset="0"/>
+                <a:cs typeface="Times New Roman" panose="02020603050405020304" pitchFamily="18" charset="0"/>
+              </a:rPr>
+              <a:t> </a:t>
+            </a:r>
+            <a:r>
+              <a:rPr lang="en-US" sz="2400" dirty="0" err="1">
+                <a:latin typeface="Times New Roman" panose="02020603050405020304" pitchFamily="18" charset="0"/>
+                <a:cs typeface="Times New Roman" panose="02020603050405020304" pitchFamily="18" charset="0"/>
+              </a:rPr>
+              <a:t>mối</a:t>
+            </a:r>
+            <a:r>
+              <a:rPr lang="en-US" sz="2400" dirty="0">
+                <a:latin typeface="Times New Roman" panose="02020603050405020304" pitchFamily="18" charset="0"/>
+                <a:cs typeface="Times New Roman" panose="02020603050405020304" pitchFamily="18" charset="0"/>
+              </a:rPr>
+              <a:t> </a:t>
+            </a:r>
+            <a:r>
+              <a:rPr lang="en-US" sz="2400" dirty="0" err="1">
+                <a:latin typeface="Times New Roman" panose="02020603050405020304" pitchFamily="18" charset="0"/>
+                <a:cs typeface="Times New Roman" panose="02020603050405020304" pitchFamily="18" charset="0"/>
+              </a:rPr>
+              <a:t>quan</a:t>
+            </a:r>
+            <a:r>
+              <a:rPr lang="en-US" sz="2400" dirty="0">
+                <a:latin typeface="Times New Roman" panose="02020603050405020304" pitchFamily="18" charset="0"/>
+                <a:cs typeface="Times New Roman" panose="02020603050405020304" pitchFamily="18" charset="0"/>
+              </a:rPr>
+              <a:t> </a:t>
+            </a:r>
+            <a:r>
+              <a:rPr lang="en-US" sz="2400" dirty="0" err="1">
+                <a:latin typeface="Times New Roman" panose="02020603050405020304" pitchFamily="18" charset="0"/>
+                <a:cs typeface="Times New Roman" panose="02020603050405020304" pitchFamily="18" charset="0"/>
+              </a:rPr>
+              <a:t>hệ</a:t>
+            </a:r>
+            <a:r>
+              <a:rPr lang="en-US" sz="2400" dirty="0">
+                <a:latin typeface="Times New Roman" panose="02020603050405020304" pitchFamily="18" charset="0"/>
+                <a:cs typeface="Times New Roman" panose="02020603050405020304" pitchFamily="18" charset="0"/>
+              </a:rPr>
+              <a:t>, </a:t>
+            </a:r>
+            <a:r>
+              <a:rPr lang="en-US" sz="2400" dirty="0" err="1">
+                <a:latin typeface="Times New Roman" panose="02020603050405020304" pitchFamily="18" charset="0"/>
+                <a:cs typeface="Times New Roman" panose="02020603050405020304" pitchFamily="18" charset="0"/>
+              </a:rPr>
+              <a:t>hỏi</a:t>
+            </a:r>
+            <a:r>
+              <a:rPr lang="en-US" sz="2400" dirty="0">
+                <a:latin typeface="Times New Roman" panose="02020603050405020304" pitchFamily="18" charset="0"/>
+                <a:cs typeface="Times New Roman" panose="02020603050405020304" pitchFamily="18" charset="0"/>
+              </a:rPr>
+              <a:t> </a:t>
+            </a:r>
+            <a:r>
+              <a:rPr lang="en-US" sz="2400" dirty="0" err="1">
+                <a:latin typeface="Times New Roman" panose="02020603050405020304" pitchFamily="18" charset="0"/>
+                <a:cs typeface="Times New Roman" panose="02020603050405020304" pitchFamily="18" charset="0"/>
+              </a:rPr>
+              <a:t>đáp</a:t>
+            </a:r>
+            <a:r>
+              <a:rPr lang="en-US" sz="2400" dirty="0">
+                <a:latin typeface="Times New Roman" panose="02020603050405020304" pitchFamily="18" charset="0"/>
+                <a:cs typeface="Times New Roman" panose="02020603050405020304" pitchFamily="18" charset="0"/>
+              </a:rPr>
+              <a:t>, </a:t>
+            </a:r>
+            <a:r>
+              <a:rPr lang="en-US" sz="2400" dirty="0" err="1">
+                <a:latin typeface="Times New Roman" panose="02020603050405020304" pitchFamily="18" charset="0"/>
+                <a:cs typeface="Times New Roman" panose="02020603050405020304" pitchFamily="18" charset="0"/>
+              </a:rPr>
+              <a:t>tìm</a:t>
+            </a:r>
+            <a:r>
+              <a:rPr lang="en-US" sz="2400" dirty="0">
+                <a:latin typeface="Times New Roman" panose="02020603050405020304" pitchFamily="18" charset="0"/>
+                <a:cs typeface="Times New Roman" panose="02020603050405020304" pitchFamily="18" charset="0"/>
+              </a:rPr>
+              <a:t> </a:t>
+            </a:r>
+            <a:r>
+              <a:rPr lang="en-US" sz="2400" dirty="0" err="1">
+                <a:latin typeface="Times New Roman" panose="02020603050405020304" pitchFamily="18" charset="0"/>
+                <a:cs typeface="Times New Roman" panose="02020603050405020304" pitchFamily="18" charset="0"/>
+              </a:rPr>
+              <a:t>kiếm</a:t>
+            </a:r>
+            <a:r>
+              <a:rPr lang="en-US" sz="2400" dirty="0">
+                <a:latin typeface="Times New Roman" panose="02020603050405020304" pitchFamily="18" charset="0"/>
+                <a:cs typeface="Times New Roman" panose="02020603050405020304" pitchFamily="18" charset="0"/>
+              </a:rPr>
+              <a:t> </a:t>
+            </a:r>
+            <a:r>
+              <a:rPr lang="en-US" sz="2400" dirty="0" err="1">
+                <a:latin typeface="Times New Roman" panose="02020603050405020304" pitchFamily="18" charset="0"/>
+                <a:cs typeface="Times New Roman" panose="02020603050405020304" pitchFamily="18" charset="0"/>
+              </a:rPr>
+              <a:t>theo</a:t>
+            </a:r>
+            <a:r>
+              <a:rPr lang="en-US" sz="2400" dirty="0">
+                <a:latin typeface="Times New Roman" panose="02020603050405020304" pitchFamily="18" charset="0"/>
+                <a:cs typeface="Times New Roman" panose="02020603050405020304" pitchFamily="18" charset="0"/>
+              </a:rPr>
+              <a:t> </a:t>
+            </a:r>
+            <a:r>
+              <a:rPr lang="en-US" sz="2400" dirty="0" err="1">
+                <a:latin typeface="Times New Roman" panose="02020603050405020304" pitchFamily="18" charset="0"/>
+                <a:cs typeface="Times New Roman" panose="02020603050405020304" pitchFamily="18" charset="0"/>
+              </a:rPr>
+              <a:t>thực</a:t>
+            </a:r>
+            <a:r>
+              <a:rPr lang="en-US" sz="2400" dirty="0">
+                <a:latin typeface="Times New Roman" panose="02020603050405020304" pitchFamily="18" charset="0"/>
+                <a:cs typeface="Times New Roman" panose="02020603050405020304" pitchFamily="18" charset="0"/>
+              </a:rPr>
+              <a:t> </a:t>
+            </a:r>
+            <a:r>
+              <a:rPr lang="en-US" sz="2400" dirty="0" err="1">
+                <a:latin typeface="Times New Roman" panose="02020603050405020304" pitchFamily="18" charset="0"/>
+                <a:cs typeface="Times New Roman" panose="02020603050405020304" pitchFamily="18" charset="0"/>
+              </a:rPr>
+              <a:t>thể</a:t>
+            </a:r>
+            <a:r>
+              <a:rPr lang="en-US" sz="2400" dirty="0">
+                <a:latin typeface="Times New Roman" panose="02020603050405020304" pitchFamily="18" charset="0"/>
+                <a:cs typeface="Times New Roman" panose="02020603050405020304" pitchFamily="18" charset="0"/>
+              </a:rPr>
+              <a:t>…</a:t>
+            </a:r>
+          </a:p>
+          <a:p>
+            <a:pPr lvl="1"/>
+            <a:r>
+              <a:rPr lang="en-US" sz="2400" dirty="0" err="1">
+                <a:latin typeface="Times New Roman" panose="02020603050405020304" pitchFamily="18" charset="0"/>
+                <a:cs typeface="Times New Roman" panose="02020603050405020304" pitchFamily="18" charset="0"/>
+              </a:rPr>
+              <a:t>Mã</a:t>
+            </a:r>
+            <a:r>
+              <a:rPr lang="en-US" sz="2400" dirty="0">
+                <a:latin typeface="Times New Roman" panose="02020603050405020304" pitchFamily="18" charset="0"/>
+                <a:cs typeface="Times New Roman" panose="02020603050405020304" pitchFamily="18" charset="0"/>
+              </a:rPr>
+              <a:t> </a:t>
+            </a:r>
+            <a:r>
+              <a:rPr lang="en-US" sz="2400" dirty="0" err="1">
+                <a:latin typeface="Times New Roman" panose="02020603050405020304" pitchFamily="18" charset="0"/>
+                <a:cs typeface="Times New Roman" panose="02020603050405020304" pitchFamily="18" charset="0"/>
+              </a:rPr>
+              <a:t>ký</a:t>
+            </a:r>
+            <a:r>
+              <a:rPr lang="en-US" sz="2400" dirty="0">
+                <a:latin typeface="Times New Roman" panose="02020603050405020304" pitchFamily="18" charset="0"/>
+                <a:cs typeface="Times New Roman" panose="02020603050405020304" pitchFamily="18" charset="0"/>
+              </a:rPr>
+              <a:t> </a:t>
+            </a:r>
+            <a:r>
+              <a:rPr lang="en-US" sz="2400" dirty="0" err="1">
+                <a:latin typeface="Times New Roman" panose="02020603050405020304" pitchFamily="18" charset="0"/>
+                <a:cs typeface="Times New Roman" panose="02020603050405020304" pitchFamily="18" charset="0"/>
+              </a:rPr>
+              <a:t>hiệu</a:t>
+            </a:r>
+            <a:r>
+              <a:rPr lang="en-US" sz="2400" dirty="0">
+                <a:latin typeface="Times New Roman" panose="02020603050405020304" pitchFamily="18" charset="0"/>
+                <a:cs typeface="Times New Roman" panose="02020603050405020304" pitchFamily="18" charset="0"/>
+              </a:rPr>
+              <a:t> </a:t>
+            </a:r>
+            <a:r>
+              <a:rPr lang="en-US" sz="2400" dirty="0" err="1">
+                <a:latin typeface="Times New Roman" panose="02020603050405020304" pitchFamily="18" charset="0"/>
+                <a:cs typeface="Times New Roman" panose="02020603050405020304" pitchFamily="18" charset="0"/>
+              </a:rPr>
+              <a:t>các</a:t>
+            </a:r>
+            <a:r>
+              <a:rPr lang="en-US" sz="2400" dirty="0">
+                <a:latin typeface="Times New Roman" panose="02020603050405020304" pitchFamily="18" charset="0"/>
+                <a:cs typeface="Times New Roman" panose="02020603050405020304" pitchFamily="18" charset="0"/>
+              </a:rPr>
+              <a:t> </a:t>
+            </a:r>
+            <a:r>
+              <a:rPr lang="en-US" sz="2400" dirty="0" err="1">
+                <a:latin typeface="Times New Roman" panose="02020603050405020304" pitchFamily="18" charset="0"/>
+                <a:cs typeface="Times New Roman" panose="02020603050405020304" pitchFamily="18" charset="0"/>
+              </a:rPr>
+              <a:t>lớp</a:t>
+            </a:r>
+            <a:r>
+              <a:rPr lang="en-US" sz="2400" dirty="0">
+                <a:latin typeface="Times New Roman" panose="02020603050405020304" pitchFamily="18" charset="0"/>
+                <a:cs typeface="Times New Roman" panose="02020603050405020304" pitchFamily="18" charset="0"/>
+              </a:rPr>
+              <a:t> </a:t>
+            </a:r>
+            <a:r>
+              <a:rPr lang="en-US" sz="2400" dirty="0" err="1">
+                <a:latin typeface="Times New Roman" panose="02020603050405020304" pitchFamily="18" charset="0"/>
+                <a:cs typeface="Times New Roman" panose="02020603050405020304" pitchFamily="18" charset="0"/>
+              </a:rPr>
+              <a:t>trong</a:t>
+            </a:r>
+            <a:r>
+              <a:rPr lang="en-US" sz="2400" dirty="0">
+                <a:latin typeface="Times New Roman" panose="02020603050405020304" pitchFamily="18" charset="0"/>
+                <a:cs typeface="Times New Roman" panose="02020603050405020304" pitchFamily="18" charset="0"/>
+              </a:rPr>
+              <a:t> NER:</a:t>
+            </a:r>
+          </a:p>
+          <a:p>
+            <a:pPr lvl="2"/>
+            <a:r>
+              <a:rPr lang="en-US" sz="2400" dirty="0">
+                <a:latin typeface="Times New Roman" panose="02020603050405020304" pitchFamily="18" charset="0"/>
+                <a:cs typeface="Times New Roman" panose="02020603050405020304" pitchFamily="18" charset="0"/>
+              </a:rPr>
+              <a:t>BIO , IO , BMEWO,…</a:t>
+            </a:r>
+          </a:p>
+        </p:txBody>
+      </p:sp>
+      <p:pic>
+        <p:nvPicPr>
+          <p:cNvPr id="5" name="Picture 4">
+            <a:extLst>
+              <a:ext uri="{FF2B5EF4-FFF2-40B4-BE49-F238E27FC236}">
+                <a16:creationId xmlns:a16="http://schemas.microsoft.com/office/drawing/2014/main" id="{8F1855AA-649A-44BB-8012-6896CFC10868}"/>
+              </a:ext>
+            </a:extLst>
+          </p:cNvPr>
+          <p:cNvPicPr/>
+          <p:nvPr/>
+        </p:nvPicPr>
+        <p:blipFill>
+          <a:blip r:embed="rId3">
+            <a:extLst>
+              <a:ext uri="{28A0092B-C50C-407E-A947-70E740481C1C}">
+                <a14:useLocalDpi xmlns:a14="http://schemas.microsoft.com/office/drawing/2010/main" val="0"/>
+              </a:ext>
+            </a:extLst>
+          </a:blip>
+          <a:srcRect/>
+          <a:stretch>
+            <a:fillRect/>
+          </a:stretch>
+        </p:blipFill>
+        <p:spPr bwMode="auto">
+          <a:xfrm>
+            <a:off x="2220686" y="2598057"/>
+            <a:ext cx="8781143" cy="1480457"/>
+          </a:xfrm>
+          <a:prstGeom prst="rect">
+            <a:avLst/>
+          </a:prstGeom>
+        </p:spPr>
+      </p:pic>
+    </p:spTree>
+    <p:extLst>
+      <p:ext uri="{BB962C8B-B14F-4D97-AF65-F5344CB8AC3E}">
+        <p14:creationId xmlns:p14="http://schemas.microsoft.com/office/powerpoint/2010/main" val="335153483"/>
+      </p:ext>
+    </p:extLst>
+  </p:cSld>
+  <p:clrMapOvr>
+    <a:masterClrMapping/>
+  </p:clrMapOvr>
+</p:sld>
+</file>
+
+<file path=ppt/slides/slide9.xml><?xml version="1.0" encoding="utf-8"?>
+<p:sld xmlns:a="http://schemas.openxmlformats.org/drawingml/2006/main" xmlns:r="http://schemas.openxmlformats.org/officeDocument/2006/relationships" xmlns:p="http://schemas.openxmlformats.org/presentationml/2006/main">
+  <p:cSld>
+    <p:spTree>
+      <p:nvGrpSpPr>
+        <p:cNvPr id="1" name=""/>
+        <p:cNvGrpSpPr/>
+        <p:nvPr/>
+      </p:nvGrpSpPr>
+      <p:grpSpPr>
+        <a:xfrm>
+          <a:off x="0" y="0"/>
+          <a:ext cx="0" cy="0"/>
+          <a:chOff x="0" y="0"/>
+          <a:chExt cx="0" cy="0"/>
+        </a:xfrm>
+      </p:grpSpPr>
+      <p:sp>
+        <p:nvSpPr>
+          <p:cNvPr id="2" name="Title 1">
+            <a:extLst>
+              <a:ext uri="{FF2B5EF4-FFF2-40B4-BE49-F238E27FC236}">
+                <a16:creationId xmlns:a16="http://schemas.microsoft.com/office/drawing/2014/main" id="{3320184A-853A-46BC-A5D5-0BA775050763}"/>
+              </a:ext>
+            </a:extLst>
+          </p:cNvPr>
+          <p:cNvSpPr>
+            <a:spLocks noGrp="1"/>
+          </p:cNvSpPr>
+          <p:nvPr>
+            <p:ph type="title"/>
+          </p:nvPr>
+        </p:nvSpPr>
+        <p:spPr>
+          <a:xfrm>
+            <a:off x="1602298" y="213852"/>
+            <a:ext cx="7807173" cy="1511710"/>
+          </a:xfrm>
+        </p:spPr>
+        <p:txBody>
+          <a:bodyPr/>
+          <a:lstStyle/>
+          <a:p>
+            <a:pPr algn="l"/>
+            <a:r>
+              <a:rPr lang="en-US" b="1" dirty="0">
+                <a:solidFill>
+                  <a:srgbClr val="0000FF"/>
+                </a:solidFill>
+                <a:latin typeface="Times New Roman" panose="02020603050405020304" pitchFamily="18" charset="0"/>
+                <a:cs typeface="Times New Roman" panose="02020603050405020304" pitchFamily="18" charset="0"/>
+              </a:rPr>
+              <a:t>NER </a:t>
+            </a:r>
+            <a:r>
+              <a:rPr lang="en-US" b="1" dirty="0" err="1">
+                <a:solidFill>
+                  <a:srgbClr val="0000FF"/>
+                </a:solidFill>
+                <a:latin typeface="Times New Roman" panose="02020603050405020304" pitchFamily="18" charset="0"/>
+                <a:cs typeface="Times New Roman" panose="02020603050405020304" pitchFamily="18" charset="0"/>
+              </a:rPr>
+              <a:t>trong</a:t>
+            </a:r>
+            <a:r>
+              <a:rPr lang="en-US" b="1" dirty="0">
+                <a:solidFill>
+                  <a:srgbClr val="0000FF"/>
+                </a:solidFill>
+                <a:latin typeface="Times New Roman" panose="02020603050405020304" pitchFamily="18" charset="0"/>
+                <a:cs typeface="Times New Roman" panose="02020603050405020304" pitchFamily="18" charset="0"/>
+              </a:rPr>
+              <a:t> Stanford </a:t>
+            </a:r>
+            <a:r>
+              <a:rPr lang="en-US" b="1" dirty="0" err="1">
+                <a:solidFill>
+                  <a:srgbClr val="0000FF"/>
+                </a:solidFill>
+                <a:latin typeface="Times New Roman" panose="02020603050405020304" pitchFamily="18" charset="0"/>
+                <a:cs typeface="Times New Roman" panose="02020603050405020304" pitchFamily="18" charset="0"/>
+              </a:rPr>
+              <a:t>CoreNLP</a:t>
+            </a:r>
+            <a:endParaRPr lang="en-US" b="1" dirty="0">
+              <a:solidFill>
+                <a:srgbClr val="0000FF"/>
+              </a:solidFill>
+              <a:latin typeface="Times New Roman" panose="02020603050405020304" pitchFamily="18" charset="0"/>
+              <a:cs typeface="Times New Roman" panose="02020603050405020304" pitchFamily="18" charset="0"/>
+            </a:endParaRPr>
+          </a:p>
+        </p:txBody>
+      </p:sp>
+      <p:sp>
+        <p:nvSpPr>
+          <p:cNvPr id="3" name="Content Placeholder 2">
+            <a:extLst>
+              <a:ext uri="{FF2B5EF4-FFF2-40B4-BE49-F238E27FC236}">
+                <a16:creationId xmlns:a16="http://schemas.microsoft.com/office/drawing/2014/main" id="{B19C7083-1D02-477A-B7C0-251FB4CF8D56}"/>
+              </a:ext>
+            </a:extLst>
+          </p:cNvPr>
+          <p:cNvSpPr>
+            <a:spLocks noGrp="1"/>
+          </p:cNvSpPr>
+          <p:nvPr>
+            <p:ph idx="1"/>
+          </p:nvPr>
+        </p:nvSpPr>
+        <p:spPr>
+          <a:xfrm>
+            <a:off x="1602298" y="1523999"/>
+            <a:ext cx="9646273" cy="3294744"/>
+          </a:xfrm>
+        </p:spPr>
+        <p:txBody>
+          <a:bodyPr>
+            <a:noAutofit/>
+          </a:bodyPr>
+          <a:lstStyle/>
+          <a:p>
+            <a:pPr lvl="1">
+              <a:lnSpc>
+                <a:spcPct val="150000"/>
+              </a:lnSpc>
+            </a:pPr>
+            <a:r>
+              <a:rPr lang="en-US" sz="2400" dirty="0">
+                <a:latin typeface="Times New Roman" panose="02020603050405020304" pitchFamily="18" charset="0"/>
+                <a:cs typeface="Times New Roman" panose="02020603050405020304" pitchFamily="18" charset="0"/>
+              </a:rPr>
+              <a:t> </a:t>
+            </a:r>
+            <a:r>
+              <a:rPr lang="en-US" sz="3000" dirty="0">
+                <a:latin typeface="Times New Roman" panose="02020603050405020304" pitchFamily="18" charset="0"/>
+                <a:cs typeface="Times New Roman" panose="02020603050405020304" pitchFamily="18" charset="0"/>
+              </a:rPr>
+              <a:t>3 </a:t>
+            </a:r>
+            <a:r>
+              <a:rPr lang="en-US" sz="3000" dirty="0" err="1">
+                <a:latin typeface="Times New Roman" panose="02020603050405020304" pitchFamily="18" charset="0"/>
+                <a:cs typeface="Times New Roman" panose="02020603050405020304" pitchFamily="18" charset="0"/>
+              </a:rPr>
+              <a:t>mô</a:t>
+            </a:r>
+            <a:r>
+              <a:rPr lang="en-US" sz="3000" dirty="0">
+                <a:latin typeface="Times New Roman" panose="02020603050405020304" pitchFamily="18" charset="0"/>
+                <a:cs typeface="Times New Roman" panose="02020603050405020304" pitchFamily="18" charset="0"/>
+              </a:rPr>
+              <a:t> </a:t>
+            </a:r>
+            <a:r>
+              <a:rPr lang="en-US" sz="3000" dirty="0" err="1">
+                <a:latin typeface="Times New Roman" panose="02020603050405020304" pitchFamily="18" charset="0"/>
+                <a:cs typeface="Times New Roman" panose="02020603050405020304" pitchFamily="18" charset="0"/>
+              </a:rPr>
+              <a:t>hình</a:t>
+            </a:r>
+            <a:r>
+              <a:rPr lang="en-US" sz="3000" dirty="0">
+                <a:latin typeface="Times New Roman" panose="02020603050405020304" pitchFamily="18" charset="0"/>
+                <a:cs typeface="Times New Roman" panose="02020603050405020304" pitchFamily="18" charset="0"/>
+              </a:rPr>
+              <a:t> </a:t>
+            </a:r>
+            <a:r>
+              <a:rPr lang="en-US" sz="3000" dirty="0" err="1">
+                <a:latin typeface="Times New Roman" panose="02020603050405020304" pitchFamily="18" charset="0"/>
+                <a:cs typeface="Times New Roman" panose="02020603050405020304" pitchFamily="18" charset="0"/>
+              </a:rPr>
+              <a:t>phân</a:t>
+            </a:r>
+            <a:r>
+              <a:rPr lang="en-US" sz="3000" dirty="0">
+                <a:latin typeface="Times New Roman" panose="02020603050405020304" pitchFamily="18" charset="0"/>
+                <a:cs typeface="Times New Roman" panose="02020603050405020304" pitchFamily="18" charset="0"/>
+              </a:rPr>
+              <a:t> </a:t>
+            </a:r>
+            <a:r>
+              <a:rPr lang="en-US" sz="3000" dirty="0" err="1">
+                <a:latin typeface="Times New Roman" panose="02020603050405020304" pitchFamily="18" charset="0"/>
+                <a:cs typeface="Times New Roman" panose="02020603050405020304" pitchFamily="18" charset="0"/>
+              </a:rPr>
+              <a:t>loại</a:t>
+            </a:r>
+            <a:r>
+              <a:rPr lang="en-US" sz="3000" dirty="0">
+                <a:latin typeface="Times New Roman" panose="02020603050405020304" pitchFamily="18" charset="0"/>
+                <a:cs typeface="Times New Roman" panose="02020603050405020304" pitchFamily="18" charset="0"/>
+              </a:rPr>
+              <a:t>:</a:t>
+            </a:r>
+          </a:p>
+          <a:p>
+            <a:pPr lvl="2">
+              <a:lnSpc>
+                <a:spcPct val="150000"/>
+              </a:lnSpc>
+            </a:pPr>
+            <a:r>
+              <a:rPr lang="en-US" sz="2400" dirty="0" err="1">
+                <a:latin typeface="Times New Roman" panose="02020603050405020304" pitchFamily="18" charset="0"/>
+                <a:cs typeface="Times New Roman" panose="02020603050405020304" pitchFamily="18" charset="0"/>
+              </a:rPr>
+              <a:t>Mô</a:t>
+            </a:r>
+            <a:r>
+              <a:rPr lang="en-US" sz="2400" dirty="0">
+                <a:latin typeface="Times New Roman" panose="02020603050405020304" pitchFamily="18" charset="0"/>
+                <a:cs typeface="Times New Roman" panose="02020603050405020304" pitchFamily="18" charset="0"/>
+              </a:rPr>
+              <a:t> </a:t>
+            </a:r>
+            <a:r>
+              <a:rPr lang="en-US" sz="2400" dirty="0" err="1">
+                <a:latin typeface="Times New Roman" panose="02020603050405020304" pitchFamily="18" charset="0"/>
+                <a:cs typeface="Times New Roman" panose="02020603050405020304" pitchFamily="18" charset="0"/>
+              </a:rPr>
+              <a:t>hình</a:t>
+            </a:r>
+            <a:r>
+              <a:rPr lang="en-US" sz="2400" dirty="0">
+                <a:latin typeface="Times New Roman" panose="02020603050405020304" pitchFamily="18" charset="0"/>
+                <a:cs typeface="Times New Roman" panose="02020603050405020304" pitchFamily="18" charset="0"/>
+              </a:rPr>
+              <a:t> 3 </a:t>
+            </a:r>
+            <a:r>
+              <a:rPr lang="en-US" sz="2400" dirty="0" err="1">
+                <a:latin typeface="Times New Roman" panose="02020603050405020304" pitchFamily="18" charset="0"/>
+                <a:cs typeface="Times New Roman" panose="02020603050405020304" pitchFamily="18" charset="0"/>
+              </a:rPr>
+              <a:t>lớp</a:t>
+            </a:r>
+            <a:r>
+              <a:rPr lang="en-US" sz="2400" dirty="0">
+                <a:latin typeface="Times New Roman" panose="02020603050405020304" pitchFamily="18" charset="0"/>
+                <a:cs typeface="Times New Roman" panose="02020603050405020304" pitchFamily="18" charset="0"/>
+              </a:rPr>
+              <a:t>: Location, Person, Organization</a:t>
+            </a:r>
+          </a:p>
+          <a:p>
+            <a:pPr lvl="2">
+              <a:lnSpc>
+                <a:spcPct val="150000"/>
+              </a:lnSpc>
+            </a:pPr>
+            <a:r>
+              <a:rPr lang="en-US" sz="2400" dirty="0" err="1">
+                <a:latin typeface="Times New Roman" panose="02020603050405020304" pitchFamily="18" charset="0"/>
+                <a:cs typeface="Times New Roman" panose="02020603050405020304" pitchFamily="18" charset="0"/>
+              </a:rPr>
+              <a:t>Mô</a:t>
+            </a:r>
+            <a:r>
+              <a:rPr lang="en-US" sz="2400" dirty="0">
+                <a:latin typeface="Times New Roman" panose="02020603050405020304" pitchFamily="18" charset="0"/>
+                <a:cs typeface="Times New Roman" panose="02020603050405020304" pitchFamily="18" charset="0"/>
+              </a:rPr>
+              <a:t> </a:t>
+            </a:r>
+            <a:r>
+              <a:rPr lang="en-US" sz="2400" dirty="0" err="1">
+                <a:latin typeface="Times New Roman" panose="02020603050405020304" pitchFamily="18" charset="0"/>
+                <a:cs typeface="Times New Roman" panose="02020603050405020304" pitchFamily="18" charset="0"/>
+              </a:rPr>
+              <a:t>hình</a:t>
+            </a:r>
+            <a:r>
+              <a:rPr lang="en-US" sz="2400" dirty="0">
+                <a:latin typeface="Times New Roman" panose="02020603050405020304" pitchFamily="18" charset="0"/>
+                <a:cs typeface="Times New Roman" panose="02020603050405020304" pitchFamily="18" charset="0"/>
+              </a:rPr>
+              <a:t> 4 </a:t>
+            </a:r>
+            <a:r>
+              <a:rPr lang="en-US" sz="2400" dirty="0" err="1">
+                <a:latin typeface="Times New Roman" panose="02020603050405020304" pitchFamily="18" charset="0"/>
+                <a:cs typeface="Times New Roman" panose="02020603050405020304" pitchFamily="18" charset="0"/>
+              </a:rPr>
+              <a:t>lớp</a:t>
+            </a:r>
+            <a:r>
+              <a:rPr lang="en-US" sz="2400" dirty="0">
+                <a:latin typeface="Times New Roman" panose="02020603050405020304" pitchFamily="18" charset="0"/>
+                <a:cs typeface="Times New Roman" panose="02020603050405020304" pitchFamily="18" charset="0"/>
+              </a:rPr>
+              <a:t>: Location, Person, Organization, </a:t>
+            </a:r>
+            <a:r>
+              <a:rPr lang="en-US" sz="2400" dirty="0" err="1">
+                <a:latin typeface="Times New Roman" panose="02020603050405020304" pitchFamily="18" charset="0"/>
+                <a:cs typeface="Times New Roman" panose="02020603050405020304" pitchFamily="18" charset="0"/>
+              </a:rPr>
+              <a:t>Misc</a:t>
+            </a:r>
+            <a:endParaRPr lang="en-US" sz="2400" dirty="0">
+              <a:latin typeface="Times New Roman" panose="02020603050405020304" pitchFamily="18" charset="0"/>
+              <a:cs typeface="Times New Roman" panose="02020603050405020304" pitchFamily="18" charset="0"/>
+            </a:endParaRPr>
+          </a:p>
+          <a:p>
+            <a:pPr lvl="2">
+              <a:lnSpc>
+                <a:spcPct val="150000"/>
+              </a:lnSpc>
+            </a:pPr>
+            <a:r>
+              <a:rPr lang="en-US" sz="2400" dirty="0" err="1">
+                <a:latin typeface="Times New Roman" panose="02020603050405020304" pitchFamily="18" charset="0"/>
+                <a:cs typeface="Times New Roman" panose="02020603050405020304" pitchFamily="18" charset="0"/>
+              </a:rPr>
+              <a:t>Mô</a:t>
+            </a:r>
+            <a:r>
+              <a:rPr lang="en-US" sz="2400" dirty="0">
+                <a:latin typeface="Times New Roman" panose="02020603050405020304" pitchFamily="18" charset="0"/>
+                <a:cs typeface="Times New Roman" panose="02020603050405020304" pitchFamily="18" charset="0"/>
+              </a:rPr>
+              <a:t> </a:t>
+            </a:r>
+            <a:r>
+              <a:rPr lang="en-US" sz="2400" dirty="0" err="1">
+                <a:latin typeface="Times New Roman" panose="02020603050405020304" pitchFamily="18" charset="0"/>
+                <a:cs typeface="Times New Roman" panose="02020603050405020304" pitchFamily="18" charset="0"/>
+              </a:rPr>
+              <a:t>hình</a:t>
+            </a:r>
+            <a:r>
+              <a:rPr lang="en-US" sz="2400" dirty="0">
+                <a:latin typeface="Times New Roman" panose="02020603050405020304" pitchFamily="18" charset="0"/>
+                <a:cs typeface="Times New Roman" panose="02020603050405020304" pitchFamily="18" charset="0"/>
+              </a:rPr>
+              <a:t> 7 </a:t>
+            </a:r>
+            <a:r>
+              <a:rPr lang="en-US" sz="2400" dirty="0" err="1">
+                <a:latin typeface="Times New Roman" panose="02020603050405020304" pitchFamily="18" charset="0"/>
+                <a:cs typeface="Times New Roman" panose="02020603050405020304" pitchFamily="18" charset="0"/>
+              </a:rPr>
+              <a:t>lớp</a:t>
+            </a:r>
+            <a:r>
+              <a:rPr lang="en-US" sz="2400" dirty="0">
+                <a:latin typeface="Times New Roman" panose="02020603050405020304" pitchFamily="18" charset="0"/>
+                <a:cs typeface="Times New Roman" panose="02020603050405020304" pitchFamily="18" charset="0"/>
+              </a:rPr>
+              <a:t>: Location, Person, Organization, Money, Percentage, Date, Time</a:t>
+            </a:r>
+          </a:p>
+        </p:txBody>
+      </p:sp>
+      <p:sp>
+        <p:nvSpPr>
+          <p:cNvPr id="7" name="Content Placeholder 2">
+            <a:extLst>
+              <a:ext uri="{FF2B5EF4-FFF2-40B4-BE49-F238E27FC236}">
+                <a16:creationId xmlns:a16="http://schemas.microsoft.com/office/drawing/2014/main" id="{18944DA1-41BD-4A6B-B34E-E230E66A6105}"/>
+              </a:ext>
+            </a:extLst>
+          </p:cNvPr>
+          <p:cNvSpPr txBox="1">
+            <a:spLocks/>
+          </p:cNvSpPr>
+          <p:nvPr/>
+        </p:nvSpPr>
+        <p:spPr>
+          <a:xfrm>
+            <a:off x="1602298" y="4818743"/>
+            <a:ext cx="9646273" cy="1018223"/>
+          </a:xfrm>
+          <a:prstGeom prst="rect">
+            <a:avLst/>
+          </a:prstGeom>
+        </p:spPr>
+        <p:txBody>
+          <a:bodyPr vert="horz" lIns="91440" tIns="45720" rIns="91440" bIns="45720" rtlCol="0" anchor="ctr">
+            <a:noAutofit/>
+          </a:bodyPr>
+          <a:lstStyle>
+            <a:lvl1pPr marL="285750" indent="-285750" algn="l" defTabSz="457200" rtl="0" eaLnBrk="1" latinLnBrk="0" hangingPunct="1">
+              <a:spcBef>
+                <a:spcPct val="20000"/>
+              </a:spcBef>
+              <a:spcAft>
+                <a:spcPts val="600"/>
+              </a:spcAft>
+              <a:buClr>
+                <a:schemeClr val="accent1">
+                  <a:lumMod val="75000"/>
+                </a:schemeClr>
+              </a:buClr>
+              <a:buSzPct val="145000"/>
+              <a:buFont typeface="Arial"/>
+              <a:buChar char="•"/>
+              <a:defRPr sz="2400" kern="1200" cap="none">
+                <a:solidFill>
+                  <a:schemeClr val="tx1"/>
+                </a:solidFill>
+                <a:effectLst/>
+                <a:latin typeface="+mn-lt"/>
+                <a:ea typeface="+mn-ea"/>
+                <a:cs typeface="+mn-cs"/>
+              </a:defRPr>
+            </a:lvl1pPr>
+            <a:lvl2pPr marL="742950" indent="-285750" algn="l" defTabSz="457200" rtl="0" eaLnBrk="1" latinLnBrk="0" hangingPunct="1">
+              <a:spcBef>
+                <a:spcPct val="20000"/>
+              </a:spcBef>
+              <a:spcAft>
+                <a:spcPts val="600"/>
+              </a:spcAft>
+              <a:buClr>
+                <a:schemeClr val="accent1">
+                  <a:lumMod val="75000"/>
+                </a:schemeClr>
+              </a:buClr>
+              <a:buSzPct val="145000"/>
+              <a:buFont typeface="Arial"/>
+              <a:buChar char="•"/>
+              <a:defRPr sz="2000" kern="1200" cap="none">
+                <a:solidFill>
+                  <a:schemeClr val="tx1"/>
+                </a:solidFill>
+                <a:effectLst/>
+                <a:latin typeface="+mn-lt"/>
+                <a:ea typeface="+mn-ea"/>
+                <a:cs typeface="+mn-cs"/>
+              </a:defRPr>
+            </a:lvl2pPr>
+            <a:lvl3pPr marL="1200150" indent="-285750" algn="l" defTabSz="457200" rtl="0" eaLnBrk="1" latinLnBrk="0" hangingPunct="1">
+              <a:spcBef>
+                <a:spcPct val="20000"/>
+              </a:spcBef>
+              <a:spcAft>
+                <a:spcPts val="600"/>
+              </a:spcAft>
+              <a:buClr>
+                <a:schemeClr val="accent1">
+                  <a:lumMod val="75000"/>
+                </a:schemeClr>
+              </a:buClr>
+              <a:buSzPct val="145000"/>
+              <a:buFont typeface="Arial"/>
+              <a:buChar char="•"/>
+              <a:defRPr sz="1800" kern="1200" cap="none">
+                <a:solidFill>
+                  <a:schemeClr val="tx1"/>
+                </a:solidFill>
+                <a:effectLst/>
+                <a:latin typeface="+mn-lt"/>
+                <a:ea typeface="+mn-ea"/>
+                <a:cs typeface="+mn-cs"/>
+              </a:defRPr>
+            </a:lvl3pPr>
+            <a:lvl4pPr marL="1543050" indent="-171450" algn="l" defTabSz="457200" rtl="0" eaLnBrk="1" latinLnBrk="0" hangingPunct="1">
+              <a:spcBef>
+                <a:spcPct val="20000"/>
+              </a:spcBef>
+              <a:spcAft>
+                <a:spcPts val="600"/>
+              </a:spcAft>
+              <a:buClr>
+                <a:schemeClr val="accent1">
+                  <a:lumMod val="75000"/>
+                </a:schemeClr>
+              </a:buClr>
+              <a:buSzPct val="145000"/>
+              <a:buFont typeface="Arial"/>
+              <a:buChar char="•"/>
+              <a:defRPr sz="1600" kern="1200" cap="none">
+                <a:solidFill>
+                  <a:schemeClr val="tx1"/>
+                </a:solidFill>
+                <a:effectLst/>
+                <a:latin typeface="+mn-lt"/>
+                <a:ea typeface="+mn-ea"/>
+                <a:cs typeface="+mn-cs"/>
+              </a:defRPr>
+            </a:lvl4pPr>
+            <a:lvl5pPr marL="2000250" indent="-171450" algn="l" defTabSz="457200" rtl="0" eaLnBrk="1" latinLnBrk="0" hangingPunct="1">
+              <a:spcBef>
+                <a:spcPct val="20000"/>
+              </a:spcBef>
+              <a:spcAft>
+                <a:spcPts val="600"/>
+              </a:spcAft>
+              <a:buClr>
+                <a:schemeClr val="accent1">
+                  <a:lumMod val="75000"/>
+                </a:schemeClr>
+              </a:buClr>
+              <a:buSzPct val="145000"/>
+              <a:buFont typeface="Arial"/>
+              <a:buChar char="•"/>
+              <a:defRPr sz="1400" kern="1200" cap="none">
+                <a:solidFill>
+                  <a:schemeClr val="tx1"/>
+                </a:solidFill>
+                <a:effectLst/>
+                <a:latin typeface="+mn-lt"/>
+                <a:ea typeface="+mn-ea"/>
+                <a:cs typeface="+mn-cs"/>
+              </a:defRPr>
+            </a:lvl5pPr>
+            <a:lvl6pPr marL="2514600" indent="-228600" algn="l" defTabSz="457200" rtl="0" eaLnBrk="1" latinLnBrk="0" hangingPunct="1">
+              <a:spcBef>
+                <a:spcPct val="20000"/>
+              </a:spcBef>
+              <a:spcAft>
+                <a:spcPts val="600"/>
+              </a:spcAft>
+              <a:buClr>
+                <a:schemeClr val="accent1">
+                  <a:lumMod val="75000"/>
+                </a:schemeClr>
+              </a:buClr>
+              <a:buSzPct val="145000"/>
+              <a:buFont typeface="Arial"/>
+              <a:buChar char="•"/>
+              <a:defRPr sz="1400" kern="1200" cap="none">
+                <a:solidFill>
+                  <a:schemeClr val="tx1"/>
+                </a:solidFill>
+                <a:effectLst/>
+                <a:latin typeface="+mn-lt"/>
+                <a:ea typeface="+mn-ea"/>
+                <a:cs typeface="+mn-cs"/>
+              </a:defRPr>
+            </a:lvl6pPr>
+            <a:lvl7pPr marL="2971800" indent="-228600" algn="l" defTabSz="457200" rtl="0" eaLnBrk="1" latinLnBrk="0" hangingPunct="1">
+              <a:spcBef>
+                <a:spcPct val="20000"/>
+              </a:spcBef>
+              <a:spcAft>
+                <a:spcPts val="600"/>
+              </a:spcAft>
+              <a:buClr>
+                <a:schemeClr val="accent1">
+                  <a:lumMod val="75000"/>
+                </a:schemeClr>
+              </a:buClr>
+              <a:buSzPct val="145000"/>
+              <a:buFont typeface="Arial"/>
+              <a:buChar char="•"/>
+              <a:defRPr sz="1400" kern="1200" cap="none">
+                <a:solidFill>
+                  <a:schemeClr val="tx1"/>
+                </a:solidFill>
+                <a:effectLst/>
+                <a:latin typeface="+mn-lt"/>
+                <a:ea typeface="+mn-ea"/>
+                <a:cs typeface="+mn-cs"/>
+              </a:defRPr>
+            </a:lvl7pPr>
+            <a:lvl8pPr marL="3429000" indent="-228600" algn="l" defTabSz="457200" rtl="0" eaLnBrk="1" latinLnBrk="0" hangingPunct="1">
+              <a:spcBef>
+                <a:spcPct val="20000"/>
+              </a:spcBef>
+              <a:spcAft>
+                <a:spcPts val="600"/>
+              </a:spcAft>
+              <a:buClr>
+                <a:schemeClr val="accent1">
+                  <a:lumMod val="75000"/>
+                </a:schemeClr>
+              </a:buClr>
+              <a:buSzPct val="145000"/>
+              <a:buFont typeface="Arial"/>
+              <a:buChar char="•"/>
+              <a:defRPr sz="1400" kern="1200" cap="none">
+                <a:solidFill>
+                  <a:schemeClr val="tx1"/>
+                </a:solidFill>
+                <a:effectLst/>
+                <a:latin typeface="+mn-lt"/>
+                <a:ea typeface="+mn-ea"/>
+                <a:cs typeface="+mn-cs"/>
+              </a:defRPr>
+            </a:lvl8pPr>
+            <a:lvl9pPr marL="3886200" indent="-228600" algn="l" defTabSz="457200" rtl="0" eaLnBrk="1" latinLnBrk="0" hangingPunct="1">
+              <a:spcBef>
+                <a:spcPct val="20000"/>
+              </a:spcBef>
+              <a:spcAft>
+                <a:spcPts val="600"/>
+              </a:spcAft>
+              <a:buClr>
+                <a:schemeClr val="accent1">
+                  <a:lumMod val="75000"/>
+                </a:schemeClr>
+              </a:buClr>
+              <a:buSzPct val="145000"/>
+              <a:buFont typeface="Arial"/>
+              <a:buChar char="•"/>
+              <a:defRPr sz="1400" kern="1200" cap="none">
+                <a:solidFill>
+                  <a:schemeClr val="tx1"/>
+                </a:solidFill>
+                <a:effectLst/>
+                <a:latin typeface="+mn-lt"/>
+                <a:ea typeface="+mn-ea"/>
+                <a:cs typeface="+mn-cs"/>
+              </a:defRPr>
+            </a:lvl9pPr>
+          </a:lstStyle>
+          <a:p>
+            <a:pPr lvl="1">
+              <a:lnSpc>
+                <a:spcPct val="150000"/>
+              </a:lnSpc>
+            </a:pPr>
+            <a:r>
+              <a:rPr lang="en-US" sz="2400" dirty="0">
+                <a:latin typeface="Times New Roman" panose="02020603050405020304" pitchFamily="18" charset="0"/>
+                <a:cs typeface="Times New Roman" panose="02020603050405020304" pitchFamily="18" charset="0"/>
+              </a:rPr>
+              <a:t>Link </a:t>
+            </a:r>
+            <a:r>
+              <a:rPr lang="en-US" sz="2400" dirty="0" err="1">
+                <a:latin typeface="Times New Roman" panose="02020603050405020304" pitchFamily="18" charset="0"/>
+                <a:cs typeface="Times New Roman" panose="02020603050405020304" pitchFamily="18" charset="0"/>
+              </a:rPr>
+              <a:t>tải</a:t>
+            </a:r>
+            <a:r>
+              <a:rPr lang="en-US" sz="2400" dirty="0">
+                <a:latin typeface="Times New Roman" panose="02020603050405020304" pitchFamily="18" charset="0"/>
+                <a:cs typeface="Times New Roman" panose="02020603050405020304" pitchFamily="18" charset="0"/>
+              </a:rPr>
+              <a:t> </a:t>
+            </a:r>
+            <a:r>
+              <a:rPr lang="en-US" sz="2400" dirty="0" err="1">
+                <a:latin typeface="Times New Roman" panose="02020603050405020304" pitchFamily="18" charset="0"/>
+                <a:cs typeface="Times New Roman" panose="02020603050405020304" pitchFamily="18" charset="0"/>
+              </a:rPr>
+              <a:t>mô</a:t>
+            </a:r>
+            <a:r>
+              <a:rPr lang="en-US" sz="2400" dirty="0">
+                <a:latin typeface="Times New Roman" panose="02020603050405020304" pitchFamily="18" charset="0"/>
+                <a:cs typeface="Times New Roman" panose="02020603050405020304" pitchFamily="18" charset="0"/>
+              </a:rPr>
+              <a:t> </a:t>
+            </a:r>
+            <a:r>
+              <a:rPr lang="en-US" sz="2400" dirty="0" err="1">
+                <a:latin typeface="Times New Roman" panose="02020603050405020304" pitchFamily="18" charset="0"/>
+                <a:cs typeface="Times New Roman" panose="02020603050405020304" pitchFamily="18" charset="0"/>
+              </a:rPr>
+              <a:t>hình</a:t>
+            </a:r>
+            <a:r>
+              <a:rPr lang="en-US" sz="2400" dirty="0">
+                <a:latin typeface="Times New Roman" panose="02020603050405020304" pitchFamily="18" charset="0"/>
+                <a:cs typeface="Times New Roman" panose="02020603050405020304" pitchFamily="18" charset="0"/>
+              </a:rPr>
+              <a:t>: </a:t>
+            </a:r>
+            <a:r>
+              <a:rPr lang="vi-VN" u="sng" dirty="0">
+                <a:hlinkClick r:id="rId3"/>
+              </a:rPr>
+              <a:t>https://nlp.stanford.edu/software/CRF-NER.html</a:t>
+            </a:r>
+            <a:r>
+              <a:rPr lang="vi-VN" dirty="0"/>
+              <a:t> </a:t>
+            </a:r>
+            <a:endParaRPr lang="en-US" dirty="0"/>
+          </a:p>
+        </p:txBody>
+      </p:sp>
+    </p:spTree>
+    <p:extLst>
+      <p:ext uri="{BB962C8B-B14F-4D97-AF65-F5344CB8AC3E}">
+        <p14:creationId xmlns:p14="http://schemas.microsoft.com/office/powerpoint/2010/main" val="1844693688"/>
       </p:ext>
     </p:extLst>
   </p:cSld>

--- a/Seminar/Stanford_CoreNLP.pptx
+++ b/Seminar/Stanford_CoreNLP.pptx
@@ -5,7 +5,7 @@
     <p:sldMasterId id="2147483660" r:id="rId1"/>
   </p:sldMasterIdLst>
   <p:notesMasterIdLst>
-    <p:notesMasterId r:id="rId13"/>
+    <p:notesMasterId r:id="rId17"/>
   </p:notesMasterIdLst>
   <p:sldIdLst>
     <p:sldId id="256" r:id="rId2"/>
@@ -15,10 +15,14 @@
     <p:sldId id="261" r:id="rId6"/>
     <p:sldId id="259" r:id="rId7"/>
     <p:sldId id="258" r:id="rId8"/>
-    <p:sldId id="264" r:id="rId9"/>
-    <p:sldId id="265" r:id="rId10"/>
-    <p:sldId id="266" r:id="rId11"/>
-    <p:sldId id="267" r:id="rId12"/>
+    <p:sldId id="268" r:id="rId9"/>
+    <p:sldId id="273" r:id="rId10"/>
+    <p:sldId id="274" r:id="rId11"/>
+    <p:sldId id="272" r:id="rId12"/>
+    <p:sldId id="264" r:id="rId13"/>
+    <p:sldId id="265" r:id="rId14"/>
+    <p:sldId id="266" r:id="rId15"/>
+    <p:sldId id="267" r:id="rId16"/>
   </p:sldIdLst>
   <p:sldSz cx="12192000" cy="6858000"/>
   <p:notesSz cx="6858000" cy="9144000"/>
@@ -120,6 +124,9 @@
   <p:extLst>
     <p:ext uri="{EFAFB233-063F-42B5-8137-9DF3F51BA10A}">
       <p15:sldGuideLst xmlns:p15="http://schemas.microsoft.com/office/powerpoint/2012/main"/>
+    </p:ext>
+    <p:ext uri="{2D200454-40CA-4A62-9FC3-DE9A4176ACB9}">
+      <p15:notesGuideLst xmlns:p15="http://schemas.microsoft.com/office/powerpoint/2012/main"/>
     </p:ext>
   </p:extLst>
 </p:presentation>
@@ -3154,7 +3161,7 @@
           <a:p>
             <a:fld id="{063B485B-56CE-4234-859C-028E31A6017E}" type="datetimeFigureOut">
               <a:rPr lang="en-US" smtClean="0"/>
-              <a:t>14-May-18</a:t>
+              <a:t>5/14/2018</a:t>
             </a:fld>
             <a:endParaRPr lang="en-US"/>
           </a:p>
@@ -3738,7 +3745,7 @@
           <a:p>
             <a:fld id="{78BBFBE1-F28B-4D2E-997C-B307AD86A0C8}" type="slidenum">
               <a:rPr lang="en-US" smtClean="0"/>
-              <a:t>8</a:t>
+              <a:t>12</a:t>
             </a:fld>
             <a:endParaRPr lang="en-US"/>
           </a:p>
@@ -3822,7 +3829,7 @@
           <a:p>
             <a:fld id="{78BBFBE1-F28B-4D2E-997C-B307AD86A0C8}" type="slidenum">
               <a:rPr lang="en-US" smtClean="0"/>
-              <a:t>9</a:t>
+              <a:t>13</a:t>
             </a:fld>
             <a:endParaRPr lang="en-US"/>
           </a:p>
@@ -3906,7 +3913,7 @@
           <a:p>
             <a:fld id="{78BBFBE1-F28B-4D2E-997C-B307AD86A0C8}" type="slidenum">
               <a:rPr lang="en-US" smtClean="0"/>
-              <a:t>10</a:t>
+              <a:t>14</a:t>
             </a:fld>
             <a:endParaRPr lang="en-US"/>
           </a:p>
@@ -3990,7 +3997,7 @@
           <a:p>
             <a:fld id="{78BBFBE1-F28B-4D2E-997C-B307AD86A0C8}" type="slidenum">
               <a:rPr lang="en-US" smtClean="0"/>
-              <a:t>11</a:t>
+              <a:t>15</a:t>
             </a:fld>
             <a:endParaRPr lang="en-US"/>
           </a:p>
@@ -4511,7 +4518,7 @@
           <a:p>
             <a:fld id="{B2C65A4B-112E-42DC-8450-93227160E903}" type="datetimeFigureOut">
               <a:rPr lang="en-US" smtClean="0"/>
-              <a:t>14-May-18</a:t>
+              <a:t>5/14/2018</a:t>
             </a:fld>
             <a:endParaRPr lang="en-US"/>
           </a:p>
@@ -4807,7 +4814,7 @@
           <a:p>
             <a:fld id="{B2C65A4B-112E-42DC-8450-93227160E903}" type="datetimeFigureOut">
               <a:rPr lang="en-US" smtClean="0"/>
-              <a:t>14-May-18</a:t>
+              <a:t>5/14/2018</a:t>
             </a:fld>
             <a:endParaRPr lang="en-US"/>
           </a:p>
@@ -5055,7 +5062,7 @@
           <a:p>
             <a:fld id="{B2C65A4B-112E-42DC-8450-93227160E903}" type="datetimeFigureOut">
               <a:rPr lang="en-US" smtClean="0"/>
-              <a:t>14-May-18</a:t>
+              <a:t>5/14/2018</a:t>
             </a:fld>
             <a:endParaRPr lang="en-US"/>
           </a:p>
@@ -5595,7 +5602,7 @@
           <a:p>
             <a:fld id="{B2C65A4B-112E-42DC-8450-93227160E903}" type="datetimeFigureOut">
               <a:rPr lang="en-US" smtClean="0"/>
-              <a:t>14-May-18</a:t>
+              <a:t>5/14/2018</a:t>
             </a:fld>
             <a:endParaRPr lang="en-US"/>
           </a:p>
@@ -5843,7 +5850,7 @@
           <a:p>
             <a:fld id="{B2C65A4B-112E-42DC-8450-93227160E903}" type="datetimeFigureOut">
               <a:rPr lang="en-US" smtClean="0"/>
-              <a:t>14-May-18</a:t>
+              <a:t>5/14/2018</a:t>
             </a:fld>
             <a:endParaRPr lang="en-US"/>
           </a:p>
@@ -6375,7 +6382,7 @@
           <a:p>
             <a:fld id="{B2C65A4B-112E-42DC-8450-93227160E903}" type="datetimeFigureOut">
               <a:rPr lang="en-US" smtClean="0"/>
-              <a:t>14-May-18</a:t>
+              <a:t>5/14/2018</a:t>
             </a:fld>
             <a:endParaRPr lang="en-US"/>
           </a:p>
@@ -6672,7 +6679,7 @@
           <a:p>
             <a:fld id="{B2C65A4B-112E-42DC-8450-93227160E903}" type="datetimeFigureOut">
               <a:rPr lang="en-US" smtClean="0"/>
-              <a:t>14-May-18</a:t>
+              <a:t>5/14/2018</a:t>
             </a:fld>
             <a:endParaRPr lang="en-US"/>
           </a:p>
@@ -6846,7 +6853,7 @@
           <a:p>
             <a:fld id="{B2C65A4B-112E-42DC-8450-93227160E903}" type="datetimeFigureOut">
               <a:rPr lang="en-US" smtClean="0"/>
-              <a:t>14-May-18</a:t>
+              <a:t>5/14/2018</a:t>
             </a:fld>
             <a:endParaRPr lang="en-US"/>
           </a:p>
@@ -7026,7 +7033,7 @@
           <a:p>
             <a:fld id="{B2C65A4B-112E-42DC-8450-93227160E903}" type="datetimeFigureOut">
               <a:rPr lang="en-US" smtClean="0"/>
-              <a:t>14-May-18</a:t>
+              <a:t>5/14/2018</a:t>
             </a:fld>
             <a:endParaRPr lang="en-US"/>
           </a:p>
@@ -7196,7 +7203,7 @@
           <a:p>
             <a:fld id="{B2C65A4B-112E-42DC-8450-93227160E903}" type="datetimeFigureOut">
               <a:rPr lang="en-US" smtClean="0"/>
-              <a:t>14-May-18</a:t>
+              <a:t>5/14/2018</a:t>
             </a:fld>
             <a:endParaRPr lang="en-US"/>
           </a:p>
@@ -7447,7 +7454,7 @@
           <a:p>
             <a:fld id="{B2C65A4B-112E-42DC-8450-93227160E903}" type="datetimeFigureOut">
               <a:rPr lang="en-US" smtClean="0"/>
-              <a:t>14-May-18</a:t>
+              <a:t>5/14/2018</a:t>
             </a:fld>
             <a:endParaRPr lang="en-US"/>
           </a:p>
@@ -7744,7 +7751,7 @@
           <a:p>
             <a:fld id="{B2C65A4B-112E-42DC-8450-93227160E903}" type="datetimeFigureOut">
               <a:rPr lang="en-US" smtClean="0"/>
-              <a:t>14-May-18</a:t>
+              <a:t>5/14/2018</a:t>
             </a:fld>
             <a:endParaRPr lang="en-US"/>
           </a:p>
@@ -8186,7 +8193,7 @@
           <a:p>
             <a:fld id="{B2C65A4B-112E-42DC-8450-93227160E903}" type="datetimeFigureOut">
               <a:rPr lang="en-US" smtClean="0"/>
-              <a:t>14-May-18</a:t>
+              <a:t>5/14/2018</a:t>
             </a:fld>
             <a:endParaRPr lang="en-US"/>
           </a:p>
@@ -8304,7 +8311,7 @@
           <a:p>
             <a:fld id="{B2C65A4B-112E-42DC-8450-93227160E903}" type="datetimeFigureOut">
               <a:rPr lang="en-US" smtClean="0"/>
-              <a:t>14-May-18</a:t>
+              <a:t>5/14/2018</a:t>
             </a:fld>
             <a:endParaRPr lang="en-US"/>
           </a:p>
@@ -8399,7 +8406,7 @@
           <a:p>
             <a:fld id="{B2C65A4B-112E-42DC-8450-93227160E903}" type="datetimeFigureOut">
               <a:rPr lang="en-US" smtClean="0"/>
-              <a:t>14-May-18</a:t>
+              <a:t>5/14/2018</a:t>
             </a:fld>
             <a:endParaRPr lang="en-US"/>
           </a:p>
@@ -8682,7 +8689,7 @@
           <a:p>
             <a:fld id="{B2C65A4B-112E-42DC-8450-93227160E903}" type="datetimeFigureOut">
               <a:rPr lang="en-US" smtClean="0"/>
-              <a:t>14-May-18</a:t>
+              <a:t>5/14/2018</a:t>
             </a:fld>
             <a:endParaRPr lang="en-US"/>
           </a:p>
@@ -8973,7 +8980,7 @@
           <a:p>
             <a:fld id="{B2C65A4B-112E-42DC-8450-93227160E903}" type="datetimeFigureOut">
               <a:rPr lang="en-US" smtClean="0"/>
-              <a:t>14-May-18</a:t>
+              <a:t>5/14/2018</a:t>
             </a:fld>
             <a:endParaRPr lang="en-US"/>
           </a:p>
@@ -9503,7 +9510,7 @@
           <a:p>
             <a:fld id="{B2C65A4B-112E-42DC-8450-93227160E903}" type="datetimeFigureOut">
               <a:rPr lang="en-US" smtClean="0"/>
-              <a:t>14-May-18</a:t>
+              <a:t>5/14/2018</a:t>
             </a:fld>
             <a:endParaRPr lang="en-US"/>
           </a:p>
@@ -10166,87 +10173,10 @@
       </p:grpSpPr>
       <p:sp>
         <p:nvSpPr>
-          <p:cNvPr id="2" name="Title 1">
-            <a:extLst>
-              <a:ext uri="{FF2B5EF4-FFF2-40B4-BE49-F238E27FC236}">
-                <a16:creationId xmlns:a16="http://schemas.microsoft.com/office/drawing/2014/main" id="{3320184A-853A-46BC-A5D5-0BA775050763}"/>
-              </a:ext>
-            </a:extLst>
-          </p:cNvPr>
-          <p:cNvSpPr>
-            <a:spLocks noGrp="1"/>
-          </p:cNvSpPr>
-          <p:nvPr>
-            <p:ph type="title"/>
-          </p:nvPr>
-        </p:nvSpPr>
-        <p:spPr>
-          <a:xfrm>
-            <a:off x="1602298" y="213852"/>
-            <a:ext cx="7807173" cy="1511710"/>
-          </a:xfrm>
-        </p:spPr>
-        <p:txBody>
-          <a:bodyPr/>
-          <a:lstStyle/>
-          <a:p>
-            <a:pPr algn="l"/>
-            <a:r>
-              <a:rPr lang="en-US" b="1" dirty="0">
-                <a:solidFill>
-                  <a:srgbClr val="0000FF"/>
-                </a:solidFill>
-                <a:latin typeface="Times New Roman" panose="02020603050405020304" pitchFamily="18" charset="0"/>
-                <a:cs typeface="Times New Roman" panose="02020603050405020304" pitchFamily="18" charset="0"/>
-              </a:rPr>
-              <a:t>NER </a:t>
-            </a:r>
-            <a:r>
-              <a:rPr lang="en-US" b="1" dirty="0" err="1">
-                <a:solidFill>
-                  <a:srgbClr val="0000FF"/>
-                </a:solidFill>
-                <a:latin typeface="Times New Roman" panose="02020603050405020304" pitchFamily="18" charset="0"/>
-                <a:cs typeface="Times New Roman" panose="02020603050405020304" pitchFamily="18" charset="0"/>
-              </a:rPr>
-              <a:t>trong</a:t>
-            </a:r>
-            <a:r>
-              <a:rPr lang="en-US" b="1" dirty="0">
-                <a:solidFill>
-                  <a:srgbClr val="0000FF"/>
-                </a:solidFill>
-                <a:latin typeface="Times New Roman" panose="02020603050405020304" pitchFamily="18" charset="0"/>
-                <a:cs typeface="Times New Roman" panose="02020603050405020304" pitchFamily="18" charset="0"/>
-              </a:rPr>
-              <a:t> Stanford </a:t>
-            </a:r>
-            <a:r>
-              <a:rPr lang="en-US" b="1" dirty="0" err="1">
-                <a:solidFill>
-                  <a:srgbClr val="0000FF"/>
-                </a:solidFill>
-                <a:latin typeface="Times New Roman" panose="02020603050405020304" pitchFamily="18" charset="0"/>
-                <a:cs typeface="Times New Roman" panose="02020603050405020304" pitchFamily="18" charset="0"/>
-              </a:rPr>
-              <a:t>CoreNLP</a:t>
-            </a:r>
-            <a:endParaRPr lang="en-US" b="1" dirty="0">
-              <a:solidFill>
-                <a:srgbClr val="0000FF"/>
-              </a:solidFill>
-              <a:latin typeface="Times New Roman" panose="02020603050405020304" pitchFamily="18" charset="0"/>
-              <a:cs typeface="Times New Roman" panose="02020603050405020304" pitchFamily="18" charset="0"/>
-            </a:endParaRPr>
-          </a:p>
-        </p:txBody>
-      </p:sp>
-      <p:sp>
-        <p:nvSpPr>
           <p:cNvPr id="3" name="Content Placeholder 2">
             <a:extLst>
               <a:ext uri="{FF2B5EF4-FFF2-40B4-BE49-F238E27FC236}">
-                <a16:creationId xmlns:a16="http://schemas.microsoft.com/office/drawing/2014/main" id="{B19C7083-1D02-477A-B7C0-251FB4CF8D56}"/>
+                <a16:creationId xmlns:a16="http://schemas.microsoft.com/office/drawing/2014/main" id="{77CB0060-EA5E-40CD-87BE-643EDBDB86B0}"/>
               </a:ext>
             </a:extLst>
           </p:cNvPr>
@@ -10259,8 +10189,8 @@
         </p:nvSpPr>
         <p:spPr>
           <a:xfrm>
-            <a:off x="1282984" y="1582056"/>
-            <a:ext cx="9893016" cy="2757715"/>
+            <a:off x="1484310" y="2573383"/>
+            <a:ext cx="10018713" cy="3596640"/>
           </a:xfrm>
         </p:spPr>
         <p:txBody>
@@ -10270,377 +10200,600 @@
           <a:lstStyle/>
           <a:p>
             <a:pPr lvl="1">
-              <a:lnSpc>
-                <a:spcPct val="150000"/>
-              </a:lnSpc>
+              <a:buFont typeface="Arial" panose="020B0604020202020204" pitchFamily="34" charset="0"/>
+              <a:buChar char="•"/>
             </a:pPr>
             <a:r>
-              <a:rPr lang="en-US" sz="2200" dirty="0" err="1">
-                <a:latin typeface="Times New Roman" panose="02020603050405020304" pitchFamily="18" charset="0"/>
-                <a:cs typeface="Times New Roman" panose="02020603050405020304" pitchFamily="18" charset="0"/>
-              </a:rPr>
-              <a:t>Thực</a:t>
-            </a:r>
-            <a:r>
-              <a:rPr lang="en-US" sz="2200" dirty="0">
-                <a:latin typeface="Times New Roman" panose="02020603050405020304" pitchFamily="18" charset="0"/>
-                <a:cs typeface="Times New Roman" panose="02020603050405020304" pitchFamily="18" charset="0"/>
-              </a:rPr>
-              <a:t> </a:t>
-            </a:r>
-            <a:r>
-              <a:rPr lang="en-US" sz="2200" dirty="0" err="1">
-                <a:latin typeface="Times New Roman" panose="02020603050405020304" pitchFamily="18" charset="0"/>
-                <a:cs typeface="Times New Roman" panose="02020603050405020304" pitchFamily="18" charset="0"/>
-              </a:rPr>
-              <a:t>hiện</a:t>
-            </a:r>
-            <a:r>
-              <a:rPr lang="en-US" sz="2200" dirty="0">
-                <a:latin typeface="Times New Roman" panose="02020603050405020304" pitchFamily="18" charset="0"/>
-                <a:cs typeface="Times New Roman" panose="02020603050405020304" pitchFamily="18" charset="0"/>
-              </a:rPr>
-              <a:t> NER </a:t>
-            </a:r>
-            <a:r>
-              <a:rPr lang="en-US" sz="2200" dirty="0" err="1">
-                <a:latin typeface="Times New Roman" panose="02020603050405020304" pitchFamily="18" charset="0"/>
-                <a:cs typeface="Times New Roman" panose="02020603050405020304" pitchFamily="18" charset="0"/>
-              </a:rPr>
-              <a:t>thông</a:t>
-            </a:r>
-            <a:r>
-              <a:rPr lang="en-US" sz="2200" dirty="0">
-                <a:latin typeface="Times New Roman" panose="02020603050405020304" pitchFamily="18" charset="0"/>
-                <a:cs typeface="Times New Roman" panose="02020603050405020304" pitchFamily="18" charset="0"/>
-              </a:rPr>
-              <a:t> qua </a:t>
-            </a:r>
-            <a:r>
-              <a:rPr lang="en-US" sz="2200" dirty="0" err="1">
-                <a:latin typeface="Times New Roman" panose="02020603050405020304" pitchFamily="18" charset="0"/>
-                <a:cs typeface="Times New Roman" panose="02020603050405020304" pitchFamily="18" charset="0"/>
-              </a:rPr>
-              <a:t>lớp</a:t>
-            </a:r>
-            <a:r>
-              <a:rPr lang="en-US" sz="2200" dirty="0">
-                <a:latin typeface="Times New Roman" panose="02020603050405020304" pitchFamily="18" charset="0"/>
-                <a:cs typeface="Times New Roman" panose="02020603050405020304" pitchFamily="18" charset="0"/>
-              </a:rPr>
-              <a:t> </a:t>
-            </a:r>
-            <a:r>
-              <a:rPr lang="en-US" sz="2200" dirty="0" err="1">
-                <a:latin typeface="Times New Roman" panose="02020603050405020304" pitchFamily="18" charset="0"/>
-                <a:cs typeface="Times New Roman" panose="02020603050405020304" pitchFamily="18" charset="0"/>
-              </a:rPr>
-              <a:t>CRFClassifier</a:t>
-            </a:r>
-            <a:endParaRPr lang="en-US" sz="2200" dirty="0">
+              <a:rPr lang="en-US" sz="2400" dirty="0" err="1">
+                <a:latin typeface="Times New Roman" panose="02020603050405020304" pitchFamily="18" charset="0"/>
+                <a:cs typeface="Times New Roman" panose="02020603050405020304" pitchFamily="18" charset="0"/>
+              </a:rPr>
+              <a:t>Tiếng</a:t>
+            </a:r>
+            <a:r>
+              <a:rPr lang="en-US" sz="2400" dirty="0">
+                <a:latin typeface="Times New Roman" panose="02020603050405020304" pitchFamily="18" charset="0"/>
+                <a:cs typeface="Times New Roman" panose="02020603050405020304" pitchFamily="18" charset="0"/>
+              </a:rPr>
+              <a:t> Anh </a:t>
+            </a:r>
+            <a:r>
+              <a:rPr lang="en-US" sz="2400" dirty="0" err="1">
+                <a:latin typeface="Times New Roman" panose="02020603050405020304" pitchFamily="18" charset="0"/>
+                <a:cs typeface="Times New Roman" panose="02020603050405020304" pitchFamily="18" charset="0"/>
+              </a:rPr>
+              <a:t>sử</a:t>
+            </a:r>
+            <a:r>
+              <a:rPr lang="en-US" sz="2400" dirty="0">
+                <a:latin typeface="Times New Roman" panose="02020603050405020304" pitchFamily="18" charset="0"/>
+                <a:cs typeface="Times New Roman" panose="02020603050405020304" pitchFamily="18" charset="0"/>
+              </a:rPr>
+              <a:t> </a:t>
+            </a:r>
+            <a:r>
+              <a:rPr lang="en-US" sz="2400" dirty="0" err="1">
+                <a:latin typeface="Times New Roman" panose="02020603050405020304" pitchFamily="18" charset="0"/>
+                <a:cs typeface="Times New Roman" panose="02020603050405020304" pitchFamily="18" charset="0"/>
+              </a:rPr>
+              <a:t>và</a:t>
+            </a:r>
+            <a:r>
+              <a:rPr lang="en-US" sz="2400" dirty="0">
+                <a:latin typeface="Times New Roman" panose="02020603050405020304" pitchFamily="18" charset="0"/>
+                <a:cs typeface="Times New Roman" panose="02020603050405020304" pitchFamily="18" charset="0"/>
+              </a:rPr>
+              <a:t> </a:t>
+            </a:r>
+            <a:r>
+              <a:rPr lang="en-US" sz="2400" dirty="0" err="1">
+                <a:latin typeface="Times New Roman" panose="02020603050405020304" pitchFamily="18" charset="0"/>
+                <a:cs typeface="Times New Roman" panose="02020603050405020304" pitchFamily="18" charset="0"/>
+              </a:rPr>
+              <a:t>nhiều</a:t>
+            </a:r>
+            <a:r>
+              <a:rPr lang="en-US" sz="2400" dirty="0">
+                <a:latin typeface="Times New Roman" panose="02020603050405020304" pitchFamily="18" charset="0"/>
+                <a:cs typeface="Times New Roman" panose="02020603050405020304" pitchFamily="18" charset="0"/>
+              </a:rPr>
+              <a:t> </a:t>
+            </a:r>
+            <a:r>
+              <a:rPr lang="en-US" sz="2400" dirty="0" err="1">
+                <a:latin typeface="Times New Roman" panose="02020603050405020304" pitchFamily="18" charset="0"/>
+                <a:cs typeface="Times New Roman" panose="02020603050405020304" pitchFamily="18" charset="0"/>
+              </a:rPr>
+              <a:t>ngôn</a:t>
+            </a:r>
+            <a:r>
+              <a:rPr lang="en-US" sz="2400" dirty="0">
+                <a:latin typeface="Times New Roman" panose="02020603050405020304" pitchFamily="18" charset="0"/>
+                <a:cs typeface="Times New Roman" panose="02020603050405020304" pitchFamily="18" charset="0"/>
+              </a:rPr>
+              <a:t> </a:t>
+            </a:r>
+            <a:r>
+              <a:rPr lang="en-US" sz="2400" dirty="0" err="1">
+                <a:latin typeface="Times New Roman" panose="02020603050405020304" pitchFamily="18" charset="0"/>
+                <a:cs typeface="Times New Roman" panose="02020603050405020304" pitchFamily="18" charset="0"/>
+              </a:rPr>
+              <a:t>ngữ</a:t>
+            </a:r>
+            <a:r>
+              <a:rPr lang="en-US" sz="2400" dirty="0">
+                <a:latin typeface="Times New Roman" panose="02020603050405020304" pitchFamily="18" charset="0"/>
+                <a:cs typeface="Times New Roman" panose="02020603050405020304" pitchFamily="18" charset="0"/>
+              </a:rPr>
+              <a:t> </a:t>
+            </a:r>
+            <a:r>
+              <a:rPr lang="en-US" sz="2400" dirty="0" err="1">
+                <a:latin typeface="Times New Roman" panose="02020603050405020304" pitchFamily="18" charset="0"/>
+                <a:cs typeface="Times New Roman" panose="02020603050405020304" pitchFamily="18" charset="0"/>
+              </a:rPr>
+              <a:t>sử</a:t>
+            </a:r>
+            <a:r>
+              <a:rPr lang="en-US" sz="2400" dirty="0">
+                <a:latin typeface="Times New Roman" panose="02020603050405020304" pitchFamily="18" charset="0"/>
+                <a:cs typeface="Times New Roman" panose="02020603050405020304" pitchFamily="18" charset="0"/>
+              </a:rPr>
+              <a:t> </a:t>
+            </a:r>
+            <a:r>
+              <a:rPr lang="en-US" sz="2400" dirty="0" err="1">
+                <a:latin typeface="Times New Roman" panose="02020603050405020304" pitchFamily="18" charset="0"/>
+                <a:cs typeface="Times New Roman" panose="02020603050405020304" pitchFamily="18" charset="0"/>
+              </a:rPr>
+              <a:t>dụng</a:t>
+            </a:r>
+            <a:r>
+              <a:rPr lang="en-US" sz="2400" dirty="0">
+                <a:latin typeface="Times New Roman" panose="02020603050405020304" pitchFamily="18" charset="0"/>
+                <a:cs typeface="Times New Roman" panose="02020603050405020304" pitchFamily="18" charset="0"/>
+              </a:rPr>
+              <a:t> </a:t>
+            </a:r>
+            <a:r>
+              <a:rPr lang="en-US" sz="2400" dirty="0" err="1">
+                <a:latin typeface="Times New Roman" panose="02020603050405020304" pitchFamily="18" charset="0"/>
+                <a:cs typeface="Times New Roman" panose="02020603050405020304" pitchFamily="18" charset="0"/>
+              </a:rPr>
+              <a:t>khoảng</a:t>
+            </a:r>
+            <a:r>
+              <a:rPr lang="en-US" sz="2400" dirty="0">
+                <a:latin typeface="Times New Roman" panose="02020603050405020304" pitchFamily="18" charset="0"/>
+                <a:cs typeface="Times New Roman" panose="02020603050405020304" pitchFamily="18" charset="0"/>
+              </a:rPr>
+              <a:t> </a:t>
+            </a:r>
+            <a:r>
+              <a:rPr lang="en-US" sz="2400" dirty="0" err="1">
+                <a:latin typeface="Times New Roman" panose="02020603050405020304" pitchFamily="18" charset="0"/>
+                <a:cs typeface="Times New Roman" panose="02020603050405020304" pitchFamily="18" charset="0"/>
+              </a:rPr>
+              <a:t>trắng</a:t>
+            </a:r>
+            <a:r>
+              <a:rPr lang="en-US" sz="2400" dirty="0">
+                <a:latin typeface="Times New Roman" panose="02020603050405020304" pitchFamily="18" charset="0"/>
+                <a:cs typeface="Times New Roman" panose="02020603050405020304" pitchFamily="18" charset="0"/>
+              </a:rPr>
+              <a:t> </a:t>
+            </a:r>
+            <a:r>
+              <a:rPr lang="en-US" sz="2400" dirty="0" err="1">
+                <a:latin typeface="Times New Roman" panose="02020603050405020304" pitchFamily="18" charset="0"/>
+                <a:cs typeface="Times New Roman" panose="02020603050405020304" pitchFamily="18" charset="0"/>
+              </a:rPr>
+              <a:t>để</a:t>
+            </a:r>
+            <a:r>
+              <a:rPr lang="en-US" sz="2400" dirty="0">
+                <a:latin typeface="Times New Roman" panose="02020603050405020304" pitchFamily="18" charset="0"/>
+                <a:cs typeface="Times New Roman" panose="02020603050405020304" pitchFamily="18" charset="0"/>
+              </a:rPr>
+              <a:t> </a:t>
+            </a:r>
+            <a:r>
+              <a:rPr lang="en-US" sz="2400" dirty="0" err="1">
+                <a:latin typeface="Times New Roman" panose="02020603050405020304" pitchFamily="18" charset="0"/>
+                <a:cs typeface="Times New Roman" panose="02020603050405020304" pitchFamily="18" charset="0"/>
+              </a:rPr>
+              <a:t>phân</a:t>
+            </a:r>
+            <a:r>
+              <a:rPr lang="en-US" sz="2400" dirty="0">
+                <a:latin typeface="Times New Roman" panose="02020603050405020304" pitchFamily="18" charset="0"/>
+                <a:cs typeface="Times New Roman" panose="02020603050405020304" pitchFamily="18" charset="0"/>
+              </a:rPr>
+              <a:t> </a:t>
+            </a:r>
+            <a:r>
+              <a:rPr lang="en-US" sz="2400" dirty="0" err="1">
+                <a:latin typeface="Times New Roman" panose="02020603050405020304" pitchFamily="18" charset="0"/>
+                <a:cs typeface="Times New Roman" panose="02020603050405020304" pitchFamily="18" charset="0"/>
+              </a:rPr>
+              <a:t>cách</a:t>
+            </a:r>
+            <a:r>
+              <a:rPr lang="en-US" sz="2400" dirty="0">
+                <a:latin typeface="Times New Roman" panose="02020603050405020304" pitchFamily="18" charset="0"/>
+                <a:cs typeface="Times New Roman" panose="02020603050405020304" pitchFamily="18" charset="0"/>
+              </a:rPr>
+              <a:t> </a:t>
+            </a:r>
+            <a:r>
+              <a:rPr lang="en-US" sz="2400" dirty="0" err="1">
+                <a:latin typeface="Times New Roman" panose="02020603050405020304" pitchFamily="18" charset="0"/>
+                <a:cs typeface="Times New Roman" panose="02020603050405020304" pitchFamily="18" charset="0"/>
+              </a:rPr>
+              <a:t>từ</a:t>
+            </a:r>
+            <a:r>
+              <a:rPr lang="en-US" sz="2400" dirty="0">
+                <a:latin typeface="Times New Roman" panose="02020603050405020304" pitchFamily="18" charset="0"/>
+                <a:cs typeface="Times New Roman" panose="02020603050405020304" pitchFamily="18" charset="0"/>
+              </a:rPr>
+              <a:t>. </a:t>
+            </a:r>
+            <a:r>
+              <a:rPr lang="en-US" sz="2400" dirty="0" err="1">
+                <a:latin typeface="Times New Roman" panose="02020603050405020304" pitchFamily="18" charset="0"/>
+                <a:cs typeface="Times New Roman" panose="02020603050405020304" pitchFamily="18" charset="0"/>
+              </a:rPr>
+              <a:t>Một</a:t>
+            </a:r>
+            <a:r>
+              <a:rPr lang="en-US" sz="2400" dirty="0">
+                <a:latin typeface="Times New Roman" panose="02020603050405020304" pitchFamily="18" charset="0"/>
+                <a:cs typeface="Times New Roman" panose="02020603050405020304" pitchFamily="18" charset="0"/>
+              </a:rPr>
+              <a:t> </a:t>
+            </a:r>
+            <a:r>
+              <a:rPr lang="en-US" sz="2400" dirty="0" err="1">
+                <a:latin typeface="Times New Roman" panose="02020603050405020304" pitchFamily="18" charset="0"/>
+                <a:cs typeface="Times New Roman" panose="02020603050405020304" pitchFamily="18" charset="0"/>
+              </a:rPr>
+              <a:t>số</a:t>
+            </a:r>
+            <a:r>
+              <a:rPr lang="en-US" sz="2400" dirty="0">
+                <a:latin typeface="Times New Roman" panose="02020603050405020304" pitchFamily="18" charset="0"/>
+                <a:cs typeface="Times New Roman" panose="02020603050405020304" pitchFamily="18" charset="0"/>
+              </a:rPr>
+              <a:t> </a:t>
+            </a:r>
+            <a:r>
+              <a:rPr lang="en-US" sz="2400" dirty="0" err="1">
+                <a:latin typeface="Times New Roman" panose="02020603050405020304" pitchFamily="18" charset="0"/>
+                <a:cs typeface="Times New Roman" panose="02020603050405020304" pitchFamily="18" charset="0"/>
+              </a:rPr>
+              <a:t>ngôn</a:t>
+            </a:r>
+            <a:r>
+              <a:rPr lang="en-US" sz="2400" dirty="0">
+                <a:latin typeface="Times New Roman" panose="02020603050405020304" pitchFamily="18" charset="0"/>
+                <a:cs typeface="Times New Roman" panose="02020603050405020304" pitchFamily="18" charset="0"/>
+              </a:rPr>
+              <a:t> </a:t>
+            </a:r>
+            <a:r>
+              <a:rPr lang="en-US" sz="2400" dirty="0" err="1">
+                <a:latin typeface="Times New Roman" panose="02020603050405020304" pitchFamily="18" charset="0"/>
+                <a:cs typeface="Times New Roman" panose="02020603050405020304" pitchFamily="18" charset="0"/>
+              </a:rPr>
+              <a:t>ngữ</a:t>
+            </a:r>
+            <a:r>
+              <a:rPr lang="en-US" sz="2400" dirty="0">
+                <a:latin typeface="Times New Roman" panose="02020603050405020304" pitchFamily="18" charset="0"/>
+                <a:cs typeface="Times New Roman" panose="02020603050405020304" pitchFamily="18" charset="0"/>
+              </a:rPr>
+              <a:t> </a:t>
+            </a:r>
+            <a:r>
+              <a:rPr lang="en-US" sz="2400" dirty="0" err="1">
+                <a:latin typeface="Times New Roman" panose="02020603050405020304" pitchFamily="18" charset="0"/>
+                <a:cs typeface="Times New Roman" panose="02020603050405020304" pitchFamily="18" charset="0"/>
+              </a:rPr>
+              <a:t>khác</a:t>
+            </a:r>
+            <a:r>
+              <a:rPr lang="en-US" sz="2400" dirty="0">
+                <a:latin typeface="Times New Roman" panose="02020603050405020304" pitchFamily="18" charset="0"/>
+                <a:cs typeface="Times New Roman" panose="02020603050405020304" pitchFamily="18" charset="0"/>
+              </a:rPr>
+              <a:t> </a:t>
+            </a:r>
+            <a:r>
+              <a:rPr lang="en-US" sz="2400" dirty="0" err="1">
+                <a:latin typeface="Times New Roman" panose="02020603050405020304" pitchFamily="18" charset="0"/>
+                <a:cs typeface="Times New Roman" panose="02020603050405020304" pitchFamily="18" charset="0"/>
+              </a:rPr>
+              <a:t>nh</a:t>
+            </a:r>
+            <a:r>
+              <a:rPr lang="vi-VN" sz="2400" dirty="0">
+                <a:latin typeface="Times New Roman" panose="02020603050405020304" pitchFamily="18" charset="0"/>
+                <a:cs typeface="Times New Roman" panose="02020603050405020304" pitchFamily="18" charset="0"/>
+              </a:rPr>
+              <a:t>ư</a:t>
+            </a:r>
+            <a:r>
+              <a:rPr lang="en-US" sz="2400" dirty="0">
+                <a:latin typeface="Times New Roman" panose="02020603050405020304" pitchFamily="18" charset="0"/>
+                <a:cs typeface="Times New Roman" panose="02020603050405020304" pitchFamily="18" charset="0"/>
+              </a:rPr>
+              <a:t> </a:t>
+            </a:r>
+            <a:r>
+              <a:rPr lang="en-US" sz="2400" dirty="0" err="1">
+                <a:latin typeface="Times New Roman" panose="02020603050405020304" pitchFamily="18" charset="0"/>
+                <a:cs typeface="Times New Roman" panose="02020603050405020304" pitchFamily="18" charset="0"/>
+              </a:rPr>
+              <a:t>Nhật</a:t>
+            </a:r>
+            <a:r>
+              <a:rPr lang="en-US" sz="2400" dirty="0">
+                <a:latin typeface="Times New Roman" panose="02020603050405020304" pitchFamily="18" charset="0"/>
+                <a:cs typeface="Times New Roman" panose="02020603050405020304" pitchFamily="18" charset="0"/>
+              </a:rPr>
+              <a:t>, </a:t>
+            </a:r>
+            <a:r>
+              <a:rPr lang="en-US" sz="2400" dirty="0" err="1">
+                <a:latin typeface="Times New Roman" panose="02020603050405020304" pitchFamily="18" charset="0"/>
+                <a:cs typeface="Times New Roman" panose="02020603050405020304" pitchFamily="18" charset="0"/>
+              </a:rPr>
+              <a:t>Trung</a:t>
+            </a:r>
+            <a:r>
+              <a:rPr lang="en-US" sz="2400" dirty="0">
+                <a:latin typeface="Times New Roman" panose="02020603050405020304" pitchFamily="18" charset="0"/>
+                <a:cs typeface="Times New Roman" panose="02020603050405020304" pitchFamily="18" charset="0"/>
+              </a:rPr>
+              <a:t> </a:t>
+            </a:r>
+            <a:r>
+              <a:rPr lang="en-US" sz="2400" dirty="0" err="1">
+                <a:latin typeface="Times New Roman" panose="02020603050405020304" pitchFamily="18" charset="0"/>
+                <a:cs typeface="Times New Roman" panose="02020603050405020304" pitchFamily="18" charset="0"/>
+              </a:rPr>
+              <a:t>Quốc</a:t>
+            </a:r>
+            <a:r>
+              <a:rPr lang="en-US" sz="2400" dirty="0">
+                <a:latin typeface="Times New Roman" panose="02020603050405020304" pitchFamily="18" charset="0"/>
+                <a:cs typeface="Times New Roman" panose="02020603050405020304" pitchFamily="18" charset="0"/>
+              </a:rPr>
+              <a:t>,… </a:t>
+            </a:r>
+            <a:r>
+              <a:rPr lang="en-US" sz="2400" dirty="0" err="1">
+                <a:latin typeface="Times New Roman" panose="02020603050405020304" pitchFamily="18" charset="0"/>
+                <a:cs typeface="Times New Roman" panose="02020603050405020304" pitchFamily="18" charset="0"/>
+              </a:rPr>
+              <a:t>thì</a:t>
+            </a:r>
+            <a:r>
+              <a:rPr lang="en-US" sz="2400" dirty="0">
+                <a:latin typeface="Times New Roman" panose="02020603050405020304" pitchFamily="18" charset="0"/>
+                <a:cs typeface="Times New Roman" panose="02020603050405020304" pitchFamily="18" charset="0"/>
+              </a:rPr>
+              <a:t> </a:t>
+            </a:r>
+            <a:r>
+              <a:rPr lang="en-US" sz="2400" dirty="0" err="1">
+                <a:latin typeface="Times New Roman" panose="02020603050405020304" pitchFamily="18" charset="0"/>
+                <a:cs typeface="Times New Roman" panose="02020603050405020304" pitchFamily="18" charset="0"/>
+              </a:rPr>
+              <a:t>không</a:t>
+            </a:r>
+            <a:r>
+              <a:rPr lang="en-US" sz="2400" dirty="0">
+                <a:latin typeface="Times New Roman" panose="02020603050405020304" pitchFamily="18" charset="0"/>
+                <a:cs typeface="Times New Roman" panose="02020603050405020304" pitchFamily="18" charset="0"/>
+              </a:rPr>
+              <a:t> </a:t>
+            </a:r>
+            <a:r>
+              <a:rPr lang="en-US" sz="2400" dirty="0" err="1">
+                <a:latin typeface="Times New Roman" panose="02020603050405020304" pitchFamily="18" charset="0"/>
+                <a:cs typeface="Times New Roman" panose="02020603050405020304" pitchFamily="18" charset="0"/>
+              </a:rPr>
+              <a:t>có</a:t>
+            </a:r>
+            <a:r>
+              <a:rPr lang="en-US" sz="2400" dirty="0">
+                <a:latin typeface="Times New Roman" panose="02020603050405020304" pitchFamily="18" charset="0"/>
+                <a:cs typeface="Times New Roman" panose="02020603050405020304" pitchFamily="18" charset="0"/>
+              </a:rPr>
+              <a:t> </a:t>
+            </a:r>
+            <a:r>
+              <a:rPr lang="en-US" sz="2400" dirty="0">
+                <a:latin typeface="Times New Roman" panose="02020603050405020304" pitchFamily="18" charset="0"/>
+                <a:cs typeface="Times New Roman" panose="02020603050405020304" pitchFamily="18" charset="0"/>
+                <a:sym typeface="Wingdings" panose="05000000000000000000" pitchFamily="2" charset="2"/>
+              </a:rPr>
+              <a:t> </a:t>
+            </a:r>
+            <a:r>
+              <a:rPr lang="en-US" sz="2400" dirty="0" err="1">
+                <a:latin typeface="Times New Roman" panose="02020603050405020304" pitchFamily="18" charset="0"/>
+                <a:cs typeface="Times New Roman" panose="02020603050405020304" pitchFamily="18" charset="0"/>
+                <a:sym typeface="Wingdings" panose="05000000000000000000" pitchFamily="2" charset="2"/>
+              </a:rPr>
+              <a:t>Khó</a:t>
+            </a:r>
+            <a:r>
+              <a:rPr lang="en-US" sz="2400" dirty="0">
+                <a:latin typeface="Times New Roman" panose="02020603050405020304" pitchFamily="18" charset="0"/>
+                <a:cs typeface="Times New Roman" panose="02020603050405020304" pitchFamily="18" charset="0"/>
+                <a:sym typeface="Wingdings" panose="05000000000000000000" pitchFamily="2" charset="2"/>
+              </a:rPr>
+              <a:t> </a:t>
+            </a:r>
+            <a:r>
+              <a:rPr lang="en-US" sz="2400" dirty="0" err="1">
+                <a:latin typeface="Times New Roman" panose="02020603050405020304" pitchFamily="18" charset="0"/>
+                <a:cs typeface="Times New Roman" panose="02020603050405020304" pitchFamily="18" charset="0"/>
+                <a:sym typeface="Wingdings" panose="05000000000000000000" pitchFamily="2" charset="2"/>
+              </a:rPr>
+              <a:t>khăn</a:t>
+            </a:r>
+            <a:r>
+              <a:rPr lang="en-US" sz="2400" dirty="0">
+                <a:latin typeface="Times New Roman" panose="02020603050405020304" pitchFamily="18" charset="0"/>
+                <a:cs typeface="Times New Roman" panose="02020603050405020304" pitchFamily="18" charset="0"/>
+                <a:sym typeface="Wingdings" panose="05000000000000000000" pitchFamily="2" charset="2"/>
+              </a:rPr>
+              <a:t> t</a:t>
+            </a:r>
+            <a:r>
+              <a:rPr lang="en-US" sz="2400" dirty="0">
+                <a:latin typeface="Times New Roman" panose="02020603050405020304" pitchFamily="18" charset="0"/>
+                <a:cs typeface="Times New Roman" panose="02020603050405020304" pitchFamily="18" charset="0"/>
+              </a:rPr>
+              <a:t>okenization: </a:t>
+            </a:r>
+            <a:endParaRPr lang="en-US" sz="2400" dirty="0">
+              <a:latin typeface="Times New Roman" panose="02020603050405020304" pitchFamily="18" charset="0"/>
+              <a:cs typeface="Times New Roman" panose="02020603050405020304" pitchFamily="18" charset="0"/>
+              <a:sym typeface="Wingdings" panose="05000000000000000000" pitchFamily="2" charset="2"/>
+            </a:endParaRPr>
+          </a:p>
+          <a:p>
+            <a:pPr lvl="1">
+              <a:buFont typeface="Arial" panose="020B0604020202020204" pitchFamily="34" charset="0"/>
+              <a:buChar char="•"/>
+            </a:pPr>
+            <a:r>
+              <a:rPr lang="en-US" sz="2400" dirty="0" err="1">
+                <a:latin typeface="Times New Roman" panose="02020603050405020304" pitchFamily="18" charset="0"/>
+                <a:cs typeface="Times New Roman" panose="02020603050405020304" pitchFamily="18" charset="0"/>
+                <a:sym typeface="Wingdings" panose="05000000000000000000" pitchFamily="2" charset="2"/>
+              </a:rPr>
+              <a:t>Ví</a:t>
+            </a:r>
+            <a:r>
+              <a:rPr lang="en-US" sz="2400" dirty="0">
+                <a:latin typeface="Times New Roman" panose="02020603050405020304" pitchFamily="18" charset="0"/>
+                <a:cs typeface="Times New Roman" panose="02020603050405020304" pitchFamily="18" charset="0"/>
+                <a:sym typeface="Wingdings" panose="05000000000000000000" pitchFamily="2" charset="2"/>
+              </a:rPr>
+              <a:t> </a:t>
+            </a:r>
+            <a:r>
+              <a:rPr lang="en-US" sz="2400" dirty="0" err="1">
+                <a:latin typeface="Times New Roman" panose="02020603050405020304" pitchFamily="18" charset="0"/>
+                <a:cs typeface="Times New Roman" panose="02020603050405020304" pitchFamily="18" charset="0"/>
+                <a:sym typeface="Wingdings" panose="05000000000000000000" pitchFamily="2" charset="2"/>
+              </a:rPr>
+              <a:t>dụ</a:t>
+            </a:r>
+            <a:r>
+              <a:rPr lang="en-US" sz="2400" dirty="0">
+                <a:latin typeface="Times New Roman" panose="02020603050405020304" pitchFamily="18" charset="0"/>
+                <a:cs typeface="Times New Roman" panose="02020603050405020304" pitchFamily="18" charset="0"/>
+                <a:sym typeface="Wingdings" panose="05000000000000000000" pitchFamily="2" charset="2"/>
+              </a:rPr>
+              <a:t>: </a:t>
+            </a:r>
+          </a:p>
+          <a:p>
+            <a:pPr marL="0" indent="0">
+              <a:buNone/>
+            </a:pPr>
+            <a:r>
+              <a:rPr lang="en-US" dirty="0">
+                <a:latin typeface="Times New Roman" panose="02020603050405020304" pitchFamily="18" charset="0"/>
+                <a:cs typeface="Times New Roman" panose="02020603050405020304" pitchFamily="18" charset="0"/>
+                <a:sym typeface="Wingdings" panose="05000000000000000000" pitchFamily="2" charset="2"/>
+              </a:rPr>
+              <a:t>		</a:t>
+            </a:r>
+            <a:r>
+              <a:rPr lang="en-US" dirty="0" err="1">
+                <a:latin typeface="Times New Roman" panose="02020603050405020304" pitchFamily="18" charset="0"/>
+                <a:cs typeface="Times New Roman" panose="02020603050405020304" pitchFamily="18" charset="0"/>
+                <a:sym typeface="Wingdings" panose="05000000000000000000" pitchFamily="2" charset="2"/>
+              </a:rPr>
+              <a:t>Tiếng</a:t>
+            </a:r>
+            <a:r>
+              <a:rPr lang="en-US" dirty="0">
+                <a:latin typeface="Times New Roman" panose="02020603050405020304" pitchFamily="18" charset="0"/>
+                <a:cs typeface="Times New Roman" panose="02020603050405020304" pitchFamily="18" charset="0"/>
+                <a:sym typeface="Wingdings" panose="05000000000000000000" pitchFamily="2" charset="2"/>
+              </a:rPr>
+              <a:t> Anh: This is a cat</a:t>
+            </a:r>
+          </a:p>
+          <a:p>
+            <a:pPr marL="0" indent="0">
+              <a:buNone/>
+            </a:pPr>
+            <a:r>
+              <a:rPr lang="en-US" dirty="0">
+                <a:latin typeface="Times New Roman" panose="02020603050405020304" pitchFamily="18" charset="0"/>
+                <a:cs typeface="Times New Roman" panose="02020603050405020304" pitchFamily="18" charset="0"/>
+                <a:sym typeface="Wingdings" panose="05000000000000000000" pitchFamily="2" charset="2"/>
+              </a:rPr>
+              <a:t>		</a:t>
+            </a:r>
+            <a:r>
+              <a:rPr lang="en-US" dirty="0" err="1">
+                <a:latin typeface="Times New Roman" panose="02020603050405020304" pitchFamily="18" charset="0"/>
+                <a:cs typeface="Times New Roman" panose="02020603050405020304" pitchFamily="18" charset="0"/>
+                <a:sym typeface="Wingdings" panose="05000000000000000000" pitchFamily="2" charset="2"/>
+              </a:rPr>
+              <a:t>Tiếng</a:t>
+            </a:r>
+            <a:r>
+              <a:rPr lang="en-US" dirty="0">
+                <a:latin typeface="Times New Roman" panose="02020603050405020304" pitchFamily="18" charset="0"/>
+                <a:cs typeface="Times New Roman" panose="02020603050405020304" pitchFamily="18" charset="0"/>
+                <a:sym typeface="Wingdings" panose="05000000000000000000" pitchFamily="2" charset="2"/>
+              </a:rPr>
+              <a:t> </a:t>
+            </a:r>
+            <a:r>
+              <a:rPr lang="en-US" dirty="0" err="1">
+                <a:latin typeface="Times New Roman" panose="02020603050405020304" pitchFamily="18" charset="0"/>
+                <a:cs typeface="Times New Roman" panose="02020603050405020304" pitchFamily="18" charset="0"/>
+                <a:sym typeface="Wingdings" panose="05000000000000000000" pitchFamily="2" charset="2"/>
+              </a:rPr>
+              <a:t>Nhật</a:t>
+            </a:r>
+            <a:r>
+              <a:rPr lang="en-US" dirty="0">
+                <a:latin typeface="Times New Roman" panose="02020603050405020304" pitchFamily="18" charset="0"/>
+                <a:cs typeface="Times New Roman" panose="02020603050405020304" pitchFamily="18" charset="0"/>
+                <a:sym typeface="Wingdings" panose="05000000000000000000" pitchFamily="2" charset="2"/>
+              </a:rPr>
+              <a:t>: </a:t>
+            </a:r>
+            <a:r>
+              <a:rPr lang="ja-JP" altLang="en-US" dirty="0">
+                <a:latin typeface="Times New Roman" panose="02020603050405020304" pitchFamily="18" charset="0"/>
+                <a:cs typeface="Times New Roman" panose="02020603050405020304" pitchFamily="18" charset="0"/>
+                <a:sym typeface="Wingdings" panose="05000000000000000000" pitchFamily="2" charset="2"/>
+              </a:rPr>
+              <a:t>これは犬です</a:t>
+            </a:r>
+          </a:p>
+          <a:p>
+            <a:endParaRPr lang="en-US" dirty="0">
               <a:latin typeface="Times New Roman" panose="02020603050405020304" pitchFamily="18" charset="0"/>
               <a:cs typeface="Times New Roman" panose="02020603050405020304" pitchFamily="18" charset="0"/>
             </a:endParaRPr>
           </a:p>
-          <a:p>
-            <a:pPr lvl="1">
-              <a:lnSpc>
-                <a:spcPct val="150000"/>
-              </a:lnSpc>
-            </a:pPr>
-            <a:r>
-              <a:rPr lang="en-US" sz="2200" dirty="0" err="1">
-                <a:latin typeface="Times New Roman" panose="02020603050405020304" pitchFamily="18" charset="0"/>
-                <a:cs typeface="Times New Roman" panose="02020603050405020304" pitchFamily="18" charset="0"/>
-              </a:rPr>
-              <a:t>Đầu</a:t>
-            </a:r>
-            <a:r>
-              <a:rPr lang="en-US" sz="2200" dirty="0">
-                <a:latin typeface="Times New Roman" panose="02020603050405020304" pitchFamily="18" charset="0"/>
-                <a:cs typeface="Times New Roman" panose="02020603050405020304" pitchFamily="18" charset="0"/>
-              </a:rPr>
-              <a:t> </a:t>
-            </a:r>
-            <a:r>
-              <a:rPr lang="en-US" sz="2200" dirty="0" err="1">
-                <a:latin typeface="Times New Roman" panose="02020603050405020304" pitchFamily="18" charset="0"/>
-                <a:cs typeface="Times New Roman" panose="02020603050405020304" pitchFamily="18" charset="0"/>
-              </a:rPr>
-              <a:t>tiên</a:t>
-            </a:r>
-            <a:r>
-              <a:rPr lang="en-US" sz="2200" dirty="0">
-                <a:latin typeface="Times New Roman" panose="02020603050405020304" pitchFamily="18" charset="0"/>
-                <a:cs typeface="Times New Roman" panose="02020603050405020304" pitchFamily="18" charset="0"/>
-              </a:rPr>
-              <a:t>, ta </a:t>
-            </a:r>
-            <a:r>
-              <a:rPr lang="en-US" sz="2200" dirty="0" err="1">
-                <a:latin typeface="Times New Roman" panose="02020603050405020304" pitchFamily="18" charset="0"/>
-                <a:cs typeface="Times New Roman" panose="02020603050405020304" pitchFamily="18" charset="0"/>
-              </a:rPr>
-              <a:t>khai</a:t>
-            </a:r>
-            <a:r>
-              <a:rPr lang="en-US" sz="2200" dirty="0">
-                <a:latin typeface="Times New Roman" panose="02020603050405020304" pitchFamily="18" charset="0"/>
-                <a:cs typeface="Times New Roman" panose="02020603050405020304" pitchFamily="18" charset="0"/>
-              </a:rPr>
-              <a:t> </a:t>
-            </a:r>
-            <a:r>
-              <a:rPr lang="en-US" sz="2200" dirty="0" err="1">
-                <a:latin typeface="Times New Roman" panose="02020603050405020304" pitchFamily="18" charset="0"/>
-                <a:cs typeface="Times New Roman" panose="02020603050405020304" pitchFamily="18" charset="0"/>
-              </a:rPr>
-              <a:t>báo</a:t>
-            </a:r>
-            <a:r>
-              <a:rPr lang="en-US" sz="2200" dirty="0">
-                <a:latin typeface="Times New Roman" panose="02020603050405020304" pitchFamily="18" charset="0"/>
-                <a:cs typeface="Times New Roman" panose="02020603050405020304" pitchFamily="18" charset="0"/>
-              </a:rPr>
-              <a:t> </a:t>
-            </a:r>
-            <a:r>
-              <a:rPr lang="en-US" sz="2200" dirty="0" err="1">
-                <a:latin typeface="Times New Roman" panose="02020603050405020304" pitchFamily="18" charset="0"/>
-                <a:cs typeface="Times New Roman" panose="02020603050405020304" pitchFamily="18" charset="0"/>
-              </a:rPr>
-              <a:t>mô</a:t>
-            </a:r>
-            <a:r>
-              <a:rPr lang="en-US" sz="2200" dirty="0">
-                <a:latin typeface="Times New Roman" panose="02020603050405020304" pitchFamily="18" charset="0"/>
-                <a:cs typeface="Times New Roman" panose="02020603050405020304" pitchFamily="18" charset="0"/>
-              </a:rPr>
-              <a:t> </a:t>
-            </a:r>
-            <a:r>
-              <a:rPr lang="en-US" sz="2200" dirty="0" err="1">
-                <a:latin typeface="Times New Roman" panose="02020603050405020304" pitchFamily="18" charset="0"/>
-                <a:cs typeface="Times New Roman" panose="02020603050405020304" pitchFamily="18" charset="0"/>
-              </a:rPr>
-              <a:t>hình</a:t>
-            </a:r>
-            <a:r>
-              <a:rPr lang="en-US" sz="2200" dirty="0">
-                <a:latin typeface="Times New Roman" panose="02020603050405020304" pitchFamily="18" charset="0"/>
-                <a:cs typeface="Times New Roman" panose="02020603050405020304" pitchFamily="18" charset="0"/>
-              </a:rPr>
-              <a:t> </a:t>
-            </a:r>
-            <a:r>
-              <a:rPr lang="en-US" sz="2200" dirty="0" err="1">
-                <a:latin typeface="Times New Roman" panose="02020603050405020304" pitchFamily="18" charset="0"/>
-                <a:cs typeface="Times New Roman" panose="02020603050405020304" pitchFamily="18" charset="0"/>
-              </a:rPr>
-              <a:t>phân</a:t>
-            </a:r>
-            <a:r>
-              <a:rPr lang="en-US" sz="2200" dirty="0">
-                <a:latin typeface="Times New Roman" panose="02020603050405020304" pitchFamily="18" charset="0"/>
-                <a:cs typeface="Times New Roman" panose="02020603050405020304" pitchFamily="18" charset="0"/>
-              </a:rPr>
-              <a:t> </a:t>
-            </a:r>
-            <a:r>
-              <a:rPr lang="en-US" sz="2200" dirty="0" err="1">
-                <a:latin typeface="Times New Roman" panose="02020603050405020304" pitchFamily="18" charset="0"/>
-                <a:cs typeface="Times New Roman" panose="02020603050405020304" pitchFamily="18" charset="0"/>
-              </a:rPr>
-              <a:t>lớp</a:t>
-            </a:r>
-            <a:r>
-              <a:rPr lang="en-US" sz="2200" dirty="0">
-                <a:latin typeface="Times New Roman" panose="02020603050405020304" pitchFamily="18" charset="0"/>
-                <a:cs typeface="Times New Roman" panose="02020603050405020304" pitchFamily="18" charset="0"/>
-              </a:rPr>
-              <a:t> </a:t>
-            </a:r>
-            <a:r>
-              <a:rPr lang="en-US" sz="2200" dirty="0" err="1">
-                <a:latin typeface="Times New Roman" panose="02020603050405020304" pitchFamily="18" charset="0"/>
-                <a:cs typeface="Times New Roman" panose="02020603050405020304" pitchFamily="18" charset="0"/>
-              </a:rPr>
-              <a:t>bằng</a:t>
-            </a:r>
-            <a:r>
-              <a:rPr lang="en-US" sz="2200" dirty="0">
-                <a:latin typeface="Times New Roman" panose="02020603050405020304" pitchFamily="18" charset="0"/>
-                <a:cs typeface="Times New Roman" panose="02020603050405020304" pitchFamily="18" charset="0"/>
-              </a:rPr>
-              <a:t> </a:t>
-            </a:r>
-            <a:r>
-              <a:rPr lang="en-US" sz="2200" dirty="0" err="1">
-                <a:latin typeface="Times New Roman" panose="02020603050405020304" pitchFamily="18" charset="0"/>
-                <a:cs typeface="Times New Roman" panose="02020603050405020304" pitchFamily="18" charset="0"/>
-              </a:rPr>
-              <a:t>hàm</a:t>
-            </a:r>
-            <a:r>
-              <a:rPr lang="en-US" sz="2200" dirty="0">
-                <a:latin typeface="Times New Roman" panose="02020603050405020304" pitchFamily="18" charset="0"/>
-                <a:cs typeface="Times New Roman" panose="02020603050405020304" pitchFamily="18" charset="0"/>
-              </a:rPr>
-              <a:t> </a:t>
-            </a:r>
-            <a:r>
-              <a:rPr lang="en-US" sz="2200" i="1" dirty="0" err="1">
-                <a:latin typeface="Times New Roman" panose="02020603050405020304" pitchFamily="18" charset="0"/>
-                <a:cs typeface="Times New Roman" panose="02020603050405020304" pitchFamily="18" charset="0"/>
-              </a:rPr>
-              <a:t>getClassifierNoExceptions</a:t>
-            </a:r>
-            <a:r>
-              <a:rPr lang="en-US" sz="2200" i="1" dirty="0">
-                <a:latin typeface="Times New Roman" panose="02020603050405020304" pitchFamily="18" charset="0"/>
-                <a:cs typeface="Times New Roman" panose="02020603050405020304" pitchFamily="18" charset="0"/>
-              </a:rPr>
-              <a:t>( )</a:t>
-            </a:r>
-          </a:p>
-          <a:p>
-            <a:pPr lvl="2">
-              <a:lnSpc>
-                <a:spcPct val="150000"/>
-              </a:lnSpc>
-            </a:pPr>
-            <a:r>
-              <a:rPr lang="en-US" sz="2000" i="1" dirty="0">
-                <a:latin typeface="Times New Roman" panose="02020603050405020304" pitchFamily="18" charset="0"/>
-                <a:cs typeface="Times New Roman" panose="02020603050405020304" pitchFamily="18" charset="0"/>
-              </a:rPr>
-              <a:t>Input: </a:t>
-            </a:r>
-            <a:r>
-              <a:rPr lang="en-US" sz="2000" i="1" dirty="0" err="1">
-                <a:latin typeface="Times New Roman" panose="02020603050405020304" pitchFamily="18" charset="0"/>
-                <a:cs typeface="Times New Roman" panose="02020603050405020304" pitchFamily="18" charset="0"/>
-              </a:rPr>
-              <a:t>đường</a:t>
-            </a:r>
-            <a:r>
-              <a:rPr lang="en-US" sz="2000" i="1" dirty="0">
-                <a:latin typeface="Times New Roman" panose="02020603050405020304" pitchFamily="18" charset="0"/>
-                <a:cs typeface="Times New Roman" panose="02020603050405020304" pitchFamily="18" charset="0"/>
-              </a:rPr>
-              <a:t> </a:t>
-            </a:r>
-            <a:r>
-              <a:rPr lang="en-US" sz="2000" i="1" dirty="0" err="1">
-                <a:latin typeface="Times New Roman" panose="02020603050405020304" pitchFamily="18" charset="0"/>
-                <a:cs typeface="Times New Roman" panose="02020603050405020304" pitchFamily="18" charset="0"/>
-              </a:rPr>
-              <a:t>dẫn</a:t>
-            </a:r>
-            <a:r>
-              <a:rPr lang="en-US" sz="2000" i="1" dirty="0">
-                <a:latin typeface="Times New Roman" panose="02020603050405020304" pitchFamily="18" charset="0"/>
-                <a:cs typeface="Times New Roman" panose="02020603050405020304" pitchFamily="18" charset="0"/>
-              </a:rPr>
-              <a:t> </a:t>
-            </a:r>
-            <a:r>
-              <a:rPr lang="en-US" sz="2000" i="1" dirty="0" err="1">
-                <a:latin typeface="Times New Roman" panose="02020603050405020304" pitchFamily="18" charset="0"/>
-                <a:cs typeface="Times New Roman" panose="02020603050405020304" pitchFamily="18" charset="0"/>
-              </a:rPr>
-              <a:t>đến</a:t>
-            </a:r>
-            <a:r>
-              <a:rPr lang="en-US" sz="2000" i="1" dirty="0">
-                <a:latin typeface="Times New Roman" panose="02020603050405020304" pitchFamily="18" charset="0"/>
-                <a:cs typeface="Times New Roman" panose="02020603050405020304" pitchFamily="18" charset="0"/>
-              </a:rPr>
-              <a:t> file </a:t>
-            </a:r>
-            <a:r>
-              <a:rPr lang="en-US" sz="2000" i="1" dirty="0" err="1">
-                <a:latin typeface="Times New Roman" panose="02020603050405020304" pitchFamily="18" charset="0"/>
-                <a:cs typeface="Times New Roman" panose="02020603050405020304" pitchFamily="18" charset="0"/>
-              </a:rPr>
-              <a:t>mô</a:t>
-            </a:r>
-            <a:r>
-              <a:rPr lang="en-US" sz="2000" i="1" dirty="0">
-                <a:latin typeface="Times New Roman" panose="02020603050405020304" pitchFamily="18" charset="0"/>
-                <a:cs typeface="Times New Roman" panose="02020603050405020304" pitchFamily="18" charset="0"/>
-              </a:rPr>
-              <a:t> </a:t>
-            </a:r>
-            <a:r>
-              <a:rPr lang="en-US" sz="2000" i="1" dirty="0" err="1">
-                <a:latin typeface="Times New Roman" panose="02020603050405020304" pitchFamily="18" charset="0"/>
-                <a:cs typeface="Times New Roman" panose="02020603050405020304" pitchFamily="18" charset="0"/>
-              </a:rPr>
-              <a:t>hình</a:t>
-            </a:r>
-            <a:endParaRPr lang="en-US" sz="2000" i="1" dirty="0">
-              <a:latin typeface="Times New Roman" panose="02020603050405020304" pitchFamily="18" charset="0"/>
-              <a:cs typeface="Times New Roman" panose="02020603050405020304" pitchFamily="18" charset="0"/>
-            </a:endParaRPr>
-          </a:p>
-          <a:p>
-            <a:pPr marL="914400" lvl="2" indent="0">
-              <a:lnSpc>
-                <a:spcPct val="150000"/>
-              </a:lnSpc>
-              <a:buNone/>
-            </a:pPr>
-            <a:endParaRPr lang="en-US" sz="2000" i="1" dirty="0">
-              <a:latin typeface="Times New Roman" panose="02020603050405020304" pitchFamily="18" charset="0"/>
-              <a:cs typeface="Times New Roman" panose="02020603050405020304" pitchFamily="18" charset="0"/>
-            </a:endParaRPr>
-          </a:p>
         </p:txBody>
       </p:sp>
-      <p:pic>
-        <p:nvPicPr>
-          <p:cNvPr id="4" name="Picture 3">
+      <p:sp>
+        <p:nvSpPr>
+          <p:cNvPr id="4" name="Title 1">
             <a:extLst>
               <a:ext uri="{FF2B5EF4-FFF2-40B4-BE49-F238E27FC236}">
-                <a16:creationId xmlns:a16="http://schemas.microsoft.com/office/drawing/2014/main" id="{AA30FB0C-9B9A-4EED-A952-9454BE666E87}"/>
+                <a16:creationId xmlns:a16="http://schemas.microsoft.com/office/drawing/2014/main" id="{AF1CA3CF-B47B-4E45-BDAB-6D8E8590E04C}"/>
               </a:ext>
             </a:extLst>
           </p:cNvPr>
-          <p:cNvPicPr/>
-          <p:nvPr/>
-        </p:nvPicPr>
-        <p:blipFill>
-          <a:blip r:embed="rId3">
-            <a:extLst>
-              <a:ext uri="{28A0092B-C50C-407E-A947-70E740481C1C}">
-                <a14:useLocalDpi xmlns:a14="http://schemas.microsoft.com/office/drawing/2010/main" val="0"/>
-              </a:ext>
-            </a:extLst>
-          </a:blip>
-          <a:srcRect/>
-          <a:stretch>
-            <a:fillRect/>
-          </a:stretch>
-        </p:blipFill>
-        <p:spPr bwMode="auto">
-          <a:xfrm>
-            <a:off x="1751835" y="4026669"/>
-            <a:ext cx="8955314" cy="1314589"/>
-          </a:xfrm>
-          <a:prstGeom prst="rect">
-            <a:avLst/>
-          </a:prstGeom>
-          <a:noFill/>
-          <a:ln>
-            <a:noFill/>
-          </a:ln>
-        </p:spPr>
-      </p:pic>
+          <p:cNvSpPr>
+            <a:spLocks noGrp="1"/>
+          </p:cNvSpPr>
+          <p:nvPr>
+            <p:ph type="title"/>
+          </p:nvPr>
+        </p:nvSpPr>
+        <p:spPr/>
+        <p:txBody>
+          <a:bodyPr/>
+          <a:lstStyle/>
+          <a:p>
+            <a:pPr algn="l"/>
+            <a:r>
+              <a:rPr lang="en-US" b="1" dirty="0">
+                <a:solidFill>
+                  <a:srgbClr val="0000FF"/>
+                </a:solidFill>
+                <a:latin typeface="Times New Roman" panose="02020603050405020304" pitchFamily="18" charset="0"/>
+                <a:cs typeface="Times New Roman" panose="02020603050405020304" pitchFamily="18" charset="0"/>
+              </a:rPr>
+              <a:t>Tokenization/ Sentence Segmentation</a:t>
+            </a:r>
+          </a:p>
+        </p:txBody>
+      </p:sp>
     </p:spTree>
     <p:extLst>
       <p:ext uri="{BB962C8B-B14F-4D97-AF65-F5344CB8AC3E}">
-        <p14:creationId xmlns:p14="http://schemas.microsoft.com/office/powerpoint/2010/main" val="1306910708"/>
+        <p14:creationId xmlns:p14="http://schemas.microsoft.com/office/powerpoint/2010/main" val="3983537852"/>
       </p:ext>
     </p:extLst>
   </p:cSld>
@@ -10669,10 +10822,904 @@
       </p:grpSpPr>
       <p:sp>
         <p:nvSpPr>
-          <p:cNvPr id="2" name="Title 1">
+          <p:cNvPr id="3" name="Content Placeholder 2">
             <a:extLst>
               <a:ext uri="{FF2B5EF4-FFF2-40B4-BE49-F238E27FC236}">
-                <a16:creationId xmlns:a16="http://schemas.microsoft.com/office/drawing/2014/main" id="{3320184A-853A-46BC-A5D5-0BA775050763}"/>
+                <a16:creationId xmlns:a16="http://schemas.microsoft.com/office/drawing/2014/main" id="{46319F7C-AEAD-471F-947F-60F56F29266F}"/>
+              </a:ext>
+            </a:extLst>
+          </p:cNvPr>
+          <p:cNvSpPr>
+            <a:spLocks noGrp="1"/>
+          </p:cNvSpPr>
+          <p:nvPr>
+            <p:ph idx="1"/>
+          </p:nvPr>
+        </p:nvSpPr>
+        <p:spPr>
+          <a:xfrm>
+            <a:off x="1280161" y="2438399"/>
+            <a:ext cx="10222863" cy="3352801"/>
+          </a:xfrm>
+        </p:spPr>
+        <p:txBody>
+          <a:bodyPr>
+            <a:normAutofit/>
+          </a:bodyPr>
+          <a:lstStyle/>
+          <a:p>
+            <a:r>
+              <a:rPr lang="en-US" dirty="0" err="1">
+                <a:latin typeface="Times New Roman" panose="02020603050405020304" pitchFamily="18" charset="0"/>
+                <a:cs typeface="Times New Roman" panose="02020603050405020304" pitchFamily="18" charset="0"/>
+              </a:rPr>
+              <a:t>Tiếng</a:t>
+            </a:r>
+            <a:r>
+              <a:rPr lang="en-US" dirty="0">
+                <a:latin typeface="Times New Roman" panose="02020603050405020304" pitchFamily="18" charset="0"/>
+                <a:cs typeface="Times New Roman" panose="02020603050405020304" pitchFamily="18" charset="0"/>
+              </a:rPr>
+              <a:t> Anh </a:t>
+            </a:r>
+            <a:r>
+              <a:rPr lang="en-US" dirty="0" err="1">
+                <a:latin typeface="Times New Roman" panose="02020603050405020304" pitchFamily="18" charset="0"/>
+                <a:cs typeface="Times New Roman" panose="02020603050405020304" pitchFamily="18" charset="0"/>
+              </a:rPr>
+              <a:t>sử</a:t>
+            </a:r>
+            <a:r>
+              <a:rPr lang="en-US" dirty="0">
+                <a:latin typeface="Times New Roman" panose="02020603050405020304" pitchFamily="18" charset="0"/>
+                <a:cs typeface="Times New Roman" panose="02020603050405020304" pitchFamily="18" charset="0"/>
+              </a:rPr>
+              <a:t> </a:t>
+            </a:r>
+            <a:r>
+              <a:rPr lang="en-US" dirty="0" err="1">
+                <a:latin typeface="Times New Roman" panose="02020603050405020304" pitchFamily="18" charset="0"/>
+                <a:cs typeface="Times New Roman" panose="02020603050405020304" pitchFamily="18" charset="0"/>
+              </a:rPr>
+              <a:t>và</a:t>
+            </a:r>
+            <a:r>
+              <a:rPr lang="en-US" dirty="0">
+                <a:latin typeface="Times New Roman" panose="02020603050405020304" pitchFamily="18" charset="0"/>
+                <a:cs typeface="Times New Roman" panose="02020603050405020304" pitchFamily="18" charset="0"/>
+              </a:rPr>
+              <a:t> </a:t>
+            </a:r>
+            <a:r>
+              <a:rPr lang="en-US" dirty="0" err="1">
+                <a:latin typeface="Times New Roman" panose="02020603050405020304" pitchFamily="18" charset="0"/>
+                <a:cs typeface="Times New Roman" panose="02020603050405020304" pitchFamily="18" charset="0"/>
+              </a:rPr>
+              <a:t>nhiều</a:t>
+            </a:r>
+            <a:r>
+              <a:rPr lang="en-US" dirty="0">
+                <a:latin typeface="Times New Roman" panose="02020603050405020304" pitchFamily="18" charset="0"/>
+                <a:cs typeface="Times New Roman" panose="02020603050405020304" pitchFamily="18" charset="0"/>
+              </a:rPr>
+              <a:t> </a:t>
+            </a:r>
+            <a:r>
+              <a:rPr lang="en-US" dirty="0" err="1">
+                <a:latin typeface="Times New Roman" panose="02020603050405020304" pitchFamily="18" charset="0"/>
+                <a:cs typeface="Times New Roman" panose="02020603050405020304" pitchFamily="18" charset="0"/>
+              </a:rPr>
+              <a:t>ngôn</a:t>
+            </a:r>
+            <a:r>
+              <a:rPr lang="en-US" dirty="0">
+                <a:latin typeface="Times New Roman" panose="02020603050405020304" pitchFamily="18" charset="0"/>
+                <a:cs typeface="Times New Roman" panose="02020603050405020304" pitchFamily="18" charset="0"/>
+              </a:rPr>
+              <a:t> </a:t>
+            </a:r>
+            <a:r>
+              <a:rPr lang="en-US" dirty="0" err="1">
+                <a:latin typeface="Times New Roman" panose="02020603050405020304" pitchFamily="18" charset="0"/>
+                <a:cs typeface="Times New Roman" panose="02020603050405020304" pitchFamily="18" charset="0"/>
+              </a:rPr>
+              <a:t>ngữ</a:t>
+            </a:r>
+            <a:r>
+              <a:rPr lang="en-US" dirty="0">
+                <a:latin typeface="Times New Roman" panose="02020603050405020304" pitchFamily="18" charset="0"/>
+                <a:cs typeface="Times New Roman" panose="02020603050405020304" pitchFamily="18" charset="0"/>
+              </a:rPr>
+              <a:t> </a:t>
+            </a:r>
+            <a:r>
+              <a:rPr lang="en-US" dirty="0" err="1">
+                <a:latin typeface="Times New Roman" panose="02020603050405020304" pitchFamily="18" charset="0"/>
+                <a:cs typeface="Times New Roman" panose="02020603050405020304" pitchFamily="18" charset="0"/>
+              </a:rPr>
+              <a:t>sử</a:t>
+            </a:r>
+            <a:r>
+              <a:rPr lang="en-US" dirty="0">
+                <a:latin typeface="Times New Roman" panose="02020603050405020304" pitchFamily="18" charset="0"/>
+                <a:cs typeface="Times New Roman" panose="02020603050405020304" pitchFamily="18" charset="0"/>
+              </a:rPr>
+              <a:t> </a:t>
+            </a:r>
+            <a:r>
+              <a:rPr lang="en-US" dirty="0" err="1">
+                <a:latin typeface="Times New Roman" panose="02020603050405020304" pitchFamily="18" charset="0"/>
+                <a:cs typeface="Times New Roman" panose="02020603050405020304" pitchFamily="18" charset="0"/>
+              </a:rPr>
+              <a:t>dụng</a:t>
+            </a:r>
+            <a:r>
+              <a:rPr lang="en-US" dirty="0">
+                <a:latin typeface="Times New Roman" panose="02020603050405020304" pitchFamily="18" charset="0"/>
+                <a:cs typeface="Times New Roman" panose="02020603050405020304" pitchFamily="18" charset="0"/>
+              </a:rPr>
+              <a:t> </a:t>
+            </a:r>
+            <a:r>
+              <a:rPr lang="en-US" dirty="0" err="1">
+                <a:latin typeface="Times New Roman" panose="02020603050405020304" pitchFamily="18" charset="0"/>
+                <a:cs typeface="Times New Roman" panose="02020603050405020304" pitchFamily="18" charset="0"/>
+              </a:rPr>
+              <a:t>dấu</a:t>
+            </a:r>
+            <a:r>
+              <a:rPr lang="en-US" dirty="0">
+                <a:latin typeface="Times New Roman" panose="02020603050405020304" pitchFamily="18" charset="0"/>
+                <a:cs typeface="Times New Roman" panose="02020603050405020304" pitchFamily="18" charset="0"/>
+              </a:rPr>
+              <a:t> </a:t>
+            </a:r>
+            <a:r>
+              <a:rPr lang="en-US" dirty="0" err="1">
+                <a:latin typeface="Times New Roman" panose="02020603050405020304" pitchFamily="18" charset="0"/>
+                <a:cs typeface="Times New Roman" panose="02020603050405020304" pitchFamily="18" charset="0"/>
+              </a:rPr>
+              <a:t>chấm</a:t>
+            </a:r>
+            <a:r>
+              <a:rPr lang="en-US" dirty="0">
+                <a:latin typeface="Times New Roman" panose="02020603050405020304" pitchFamily="18" charset="0"/>
+                <a:cs typeface="Times New Roman" panose="02020603050405020304" pitchFamily="18" charset="0"/>
+              </a:rPr>
+              <a:t> </a:t>
+            </a:r>
+            <a:r>
+              <a:rPr lang="en-US" dirty="0" err="1">
+                <a:latin typeface="Times New Roman" panose="02020603050405020304" pitchFamily="18" charset="0"/>
+                <a:cs typeface="Times New Roman" panose="02020603050405020304" pitchFamily="18" charset="0"/>
+              </a:rPr>
+              <a:t>câu</a:t>
+            </a:r>
+            <a:r>
+              <a:rPr lang="en-US" dirty="0">
+                <a:latin typeface="Times New Roman" panose="02020603050405020304" pitchFamily="18" charset="0"/>
+                <a:cs typeface="Times New Roman" panose="02020603050405020304" pitchFamily="18" charset="0"/>
+              </a:rPr>
+              <a:t> </a:t>
+            </a:r>
+            <a:r>
+              <a:rPr lang="en-US" dirty="0" err="1">
+                <a:latin typeface="Times New Roman" panose="02020603050405020304" pitchFamily="18" charset="0"/>
+                <a:cs typeface="Times New Roman" panose="02020603050405020304" pitchFamily="18" charset="0"/>
+              </a:rPr>
+              <a:t>để</a:t>
+            </a:r>
+            <a:r>
+              <a:rPr lang="en-US" dirty="0">
+                <a:latin typeface="Times New Roman" panose="02020603050405020304" pitchFamily="18" charset="0"/>
+                <a:cs typeface="Times New Roman" panose="02020603050405020304" pitchFamily="18" charset="0"/>
+              </a:rPr>
+              <a:t> </a:t>
+            </a:r>
+            <a:r>
+              <a:rPr lang="en-US" dirty="0" err="1">
+                <a:latin typeface="Times New Roman" panose="02020603050405020304" pitchFamily="18" charset="0"/>
+                <a:cs typeface="Times New Roman" panose="02020603050405020304" pitchFamily="18" charset="0"/>
+              </a:rPr>
+              <a:t>phân</a:t>
+            </a:r>
+            <a:r>
+              <a:rPr lang="en-US" dirty="0">
+                <a:latin typeface="Times New Roman" panose="02020603050405020304" pitchFamily="18" charset="0"/>
+                <a:cs typeface="Times New Roman" panose="02020603050405020304" pitchFamily="18" charset="0"/>
+              </a:rPr>
+              <a:t> </a:t>
+            </a:r>
+            <a:r>
+              <a:rPr lang="en-US" dirty="0" err="1">
+                <a:latin typeface="Times New Roman" panose="02020603050405020304" pitchFamily="18" charset="0"/>
+                <a:cs typeface="Times New Roman" panose="02020603050405020304" pitchFamily="18" charset="0"/>
+              </a:rPr>
+              <a:t>cách</a:t>
+            </a:r>
+            <a:r>
+              <a:rPr lang="en-US" dirty="0">
+                <a:latin typeface="Times New Roman" panose="02020603050405020304" pitchFamily="18" charset="0"/>
+                <a:cs typeface="Times New Roman" panose="02020603050405020304" pitchFamily="18" charset="0"/>
+              </a:rPr>
+              <a:t> </a:t>
+            </a:r>
+            <a:r>
+              <a:rPr lang="en-US" dirty="0" err="1">
+                <a:latin typeface="Times New Roman" panose="02020603050405020304" pitchFamily="18" charset="0"/>
+                <a:cs typeface="Times New Roman" panose="02020603050405020304" pitchFamily="18" charset="0"/>
+              </a:rPr>
+              <a:t>câu</a:t>
+            </a:r>
+            <a:r>
+              <a:rPr lang="en-US" dirty="0">
+                <a:latin typeface="Times New Roman" panose="02020603050405020304" pitchFamily="18" charset="0"/>
+                <a:cs typeface="Times New Roman" panose="02020603050405020304" pitchFamily="18" charset="0"/>
+              </a:rPr>
+              <a:t>. </a:t>
+            </a:r>
+            <a:r>
+              <a:rPr lang="en-US" dirty="0" err="1">
+                <a:latin typeface="Times New Roman" panose="02020603050405020304" pitchFamily="18" charset="0"/>
+                <a:cs typeface="Times New Roman" panose="02020603050405020304" pitchFamily="18" charset="0"/>
+              </a:rPr>
+              <a:t>Một</a:t>
+            </a:r>
+            <a:r>
+              <a:rPr lang="en-US" dirty="0">
+                <a:latin typeface="Times New Roman" panose="02020603050405020304" pitchFamily="18" charset="0"/>
+                <a:cs typeface="Times New Roman" panose="02020603050405020304" pitchFamily="18" charset="0"/>
+              </a:rPr>
+              <a:t> </a:t>
+            </a:r>
+            <a:r>
+              <a:rPr lang="en-US" dirty="0" err="1">
+                <a:latin typeface="Times New Roman" panose="02020603050405020304" pitchFamily="18" charset="0"/>
+                <a:cs typeface="Times New Roman" panose="02020603050405020304" pitchFamily="18" charset="0"/>
+              </a:rPr>
+              <a:t>số</a:t>
+            </a:r>
+            <a:r>
+              <a:rPr lang="en-US" dirty="0">
+                <a:latin typeface="Times New Roman" panose="02020603050405020304" pitchFamily="18" charset="0"/>
+                <a:cs typeface="Times New Roman" panose="02020603050405020304" pitchFamily="18" charset="0"/>
+              </a:rPr>
+              <a:t> </a:t>
+            </a:r>
+            <a:r>
+              <a:rPr lang="en-US" dirty="0" err="1">
+                <a:latin typeface="Times New Roman" panose="02020603050405020304" pitchFamily="18" charset="0"/>
+                <a:cs typeface="Times New Roman" panose="02020603050405020304" pitchFamily="18" charset="0"/>
+              </a:rPr>
+              <a:t>ngôn</a:t>
+            </a:r>
+            <a:r>
+              <a:rPr lang="en-US" dirty="0">
+                <a:latin typeface="Times New Roman" panose="02020603050405020304" pitchFamily="18" charset="0"/>
+                <a:cs typeface="Times New Roman" panose="02020603050405020304" pitchFamily="18" charset="0"/>
+              </a:rPr>
+              <a:t> </a:t>
+            </a:r>
+            <a:r>
+              <a:rPr lang="en-US" dirty="0" err="1">
+                <a:latin typeface="Times New Roman" panose="02020603050405020304" pitchFamily="18" charset="0"/>
+                <a:cs typeface="Times New Roman" panose="02020603050405020304" pitchFamily="18" charset="0"/>
+              </a:rPr>
+              <a:t>ngữ</a:t>
+            </a:r>
+            <a:r>
+              <a:rPr lang="en-US" dirty="0">
+                <a:latin typeface="Times New Roman" panose="02020603050405020304" pitchFamily="18" charset="0"/>
+                <a:cs typeface="Times New Roman" panose="02020603050405020304" pitchFamily="18" charset="0"/>
+              </a:rPr>
+              <a:t> </a:t>
+            </a:r>
+            <a:r>
+              <a:rPr lang="en-US" dirty="0" err="1">
+                <a:latin typeface="Times New Roman" panose="02020603050405020304" pitchFamily="18" charset="0"/>
+                <a:cs typeface="Times New Roman" panose="02020603050405020304" pitchFamily="18" charset="0"/>
+              </a:rPr>
+              <a:t>khác</a:t>
+            </a:r>
+            <a:r>
+              <a:rPr lang="en-US" dirty="0">
+                <a:latin typeface="Times New Roman" panose="02020603050405020304" pitchFamily="18" charset="0"/>
+                <a:cs typeface="Times New Roman" panose="02020603050405020304" pitchFamily="18" charset="0"/>
+              </a:rPr>
+              <a:t> </a:t>
+            </a:r>
+            <a:r>
+              <a:rPr lang="en-US" dirty="0" err="1">
+                <a:latin typeface="Times New Roman" panose="02020603050405020304" pitchFamily="18" charset="0"/>
+                <a:cs typeface="Times New Roman" panose="02020603050405020304" pitchFamily="18" charset="0"/>
+              </a:rPr>
+              <a:t>thì</a:t>
+            </a:r>
+            <a:r>
+              <a:rPr lang="en-US" dirty="0">
+                <a:latin typeface="Times New Roman" panose="02020603050405020304" pitchFamily="18" charset="0"/>
+                <a:cs typeface="Times New Roman" panose="02020603050405020304" pitchFamily="18" charset="0"/>
+              </a:rPr>
+              <a:t> </a:t>
+            </a:r>
+            <a:r>
+              <a:rPr lang="en-US" dirty="0" err="1">
+                <a:latin typeface="Times New Roman" panose="02020603050405020304" pitchFamily="18" charset="0"/>
+                <a:cs typeface="Times New Roman" panose="02020603050405020304" pitchFamily="18" charset="0"/>
+              </a:rPr>
+              <a:t>không</a:t>
+            </a:r>
+            <a:r>
+              <a:rPr lang="en-US" dirty="0">
+                <a:latin typeface="Times New Roman" panose="02020603050405020304" pitchFamily="18" charset="0"/>
+                <a:cs typeface="Times New Roman" panose="02020603050405020304" pitchFamily="18" charset="0"/>
+              </a:rPr>
+              <a:t> </a:t>
+            </a:r>
+            <a:r>
+              <a:rPr lang="en-US" dirty="0" err="1">
+                <a:latin typeface="Times New Roman" panose="02020603050405020304" pitchFamily="18" charset="0"/>
+                <a:cs typeface="Times New Roman" panose="02020603050405020304" pitchFamily="18" charset="0"/>
+              </a:rPr>
+              <a:t>có</a:t>
+            </a:r>
+            <a:r>
+              <a:rPr lang="en-US" dirty="0">
+                <a:latin typeface="Times New Roman" panose="02020603050405020304" pitchFamily="18" charset="0"/>
+                <a:cs typeface="Times New Roman" panose="02020603050405020304" pitchFamily="18" charset="0"/>
+              </a:rPr>
+              <a:t> </a:t>
+            </a:r>
+            <a:r>
+              <a:rPr lang="en-US" dirty="0" err="1">
+                <a:latin typeface="Times New Roman" panose="02020603050405020304" pitchFamily="18" charset="0"/>
+                <a:cs typeface="Times New Roman" panose="02020603050405020304" pitchFamily="18" charset="0"/>
+              </a:rPr>
+              <a:t>hoặc</a:t>
+            </a:r>
+            <a:r>
+              <a:rPr lang="en-US" dirty="0">
+                <a:latin typeface="Times New Roman" panose="02020603050405020304" pitchFamily="18" charset="0"/>
+                <a:cs typeface="Times New Roman" panose="02020603050405020304" pitchFamily="18" charset="0"/>
+              </a:rPr>
+              <a:t> </a:t>
+            </a:r>
+            <a:r>
+              <a:rPr lang="en-US" dirty="0" err="1">
+                <a:latin typeface="Times New Roman" panose="02020603050405020304" pitchFamily="18" charset="0"/>
+                <a:cs typeface="Times New Roman" panose="02020603050405020304" pitchFamily="18" charset="0"/>
+              </a:rPr>
+              <a:t>khác</a:t>
+            </a:r>
+            <a:r>
+              <a:rPr lang="en-US" dirty="0">
+                <a:latin typeface="Times New Roman" panose="02020603050405020304" pitchFamily="18" charset="0"/>
+                <a:cs typeface="Times New Roman" panose="02020603050405020304" pitchFamily="18" charset="0"/>
+              </a:rPr>
+              <a:t> </a:t>
+            </a:r>
+            <a:r>
+              <a:rPr lang="en-US" dirty="0">
+                <a:latin typeface="Times New Roman" panose="02020603050405020304" pitchFamily="18" charset="0"/>
+                <a:cs typeface="Times New Roman" panose="02020603050405020304" pitchFamily="18" charset="0"/>
+                <a:sym typeface="Wingdings" panose="05000000000000000000" pitchFamily="2" charset="2"/>
+              </a:rPr>
+              <a:t> </a:t>
+            </a:r>
+            <a:r>
+              <a:rPr lang="en-US" dirty="0" err="1">
+                <a:latin typeface="Times New Roman" panose="02020603050405020304" pitchFamily="18" charset="0"/>
+                <a:cs typeface="Times New Roman" panose="02020603050405020304" pitchFamily="18" charset="0"/>
+                <a:sym typeface="Wingdings" panose="05000000000000000000" pitchFamily="2" charset="2"/>
+              </a:rPr>
+              <a:t>Khó</a:t>
+            </a:r>
+            <a:r>
+              <a:rPr lang="en-US" dirty="0">
+                <a:latin typeface="Times New Roman" panose="02020603050405020304" pitchFamily="18" charset="0"/>
+                <a:cs typeface="Times New Roman" panose="02020603050405020304" pitchFamily="18" charset="0"/>
+                <a:sym typeface="Wingdings" panose="05000000000000000000" pitchFamily="2" charset="2"/>
+              </a:rPr>
+              <a:t> </a:t>
+            </a:r>
+            <a:r>
+              <a:rPr lang="en-US" dirty="0" err="1">
+                <a:latin typeface="Times New Roman" panose="02020603050405020304" pitchFamily="18" charset="0"/>
+                <a:cs typeface="Times New Roman" panose="02020603050405020304" pitchFamily="18" charset="0"/>
+                <a:sym typeface="Wingdings" panose="05000000000000000000" pitchFamily="2" charset="2"/>
+              </a:rPr>
+              <a:t>khăn</a:t>
+            </a:r>
+            <a:r>
+              <a:rPr lang="en-US" dirty="0">
+                <a:latin typeface="Times New Roman" panose="02020603050405020304" pitchFamily="18" charset="0"/>
+                <a:cs typeface="Times New Roman" panose="02020603050405020304" pitchFamily="18" charset="0"/>
+                <a:sym typeface="Wingdings" panose="05000000000000000000" pitchFamily="2" charset="2"/>
+              </a:rPr>
+              <a:t> sentence segmentation</a:t>
+            </a:r>
+            <a:endParaRPr lang="en-US" dirty="0">
+              <a:latin typeface="Times New Roman" panose="02020603050405020304" pitchFamily="18" charset="0"/>
+              <a:cs typeface="Times New Roman" panose="02020603050405020304" pitchFamily="18" charset="0"/>
+            </a:endParaRPr>
+          </a:p>
+          <a:p>
+            <a:pPr marL="0" indent="0">
+              <a:buNone/>
+            </a:pPr>
+            <a:r>
+              <a:rPr lang="en-US" dirty="0">
+                <a:latin typeface="Times New Roman" panose="02020603050405020304" pitchFamily="18" charset="0"/>
+                <a:cs typeface="Times New Roman" panose="02020603050405020304" pitchFamily="18" charset="0"/>
+              </a:rPr>
+              <a:t>	</a:t>
+            </a:r>
+            <a:r>
+              <a:rPr lang="en-US" dirty="0" err="1">
+                <a:latin typeface="Times New Roman" panose="02020603050405020304" pitchFamily="18" charset="0"/>
+                <a:cs typeface="Times New Roman" panose="02020603050405020304" pitchFamily="18" charset="0"/>
+              </a:rPr>
+              <a:t>Ví</a:t>
+            </a:r>
+            <a:r>
+              <a:rPr lang="en-US" dirty="0">
+                <a:latin typeface="Times New Roman" panose="02020603050405020304" pitchFamily="18" charset="0"/>
+                <a:cs typeface="Times New Roman" panose="02020603050405020304" pitchFamily="18" charset="0"/>
+              </a:rPr>
+              <a:t> </a:t>
+            </a:r>
+            <a:r>
+              <a:rPr lang="en-US" dirty="0" err="1">
+                <a:latin typeface="Times New Roman" panose="02020603050405020304" pitchFamily="18" charset="0"/>
+                <a:cs typeface="Times New Roman" panose="02020603050405020304" pitchFamily="18" charset="0"/>
+              </a:rPr>
+              <a:t>dụ</a:t>
+            </a:r>
+            <a:r>
+              <a:rPr lang="en-US" dirty="0">
+                <a:latin typeface="Times New Roman" panose="02020603050405020304" pitchFamily="18" charset="0"/>
+                <a:cs typeface="Times New Roman" panose="02020603050405020304" pitchFamily="18" charset="0"/>
+              </a:rPr>
+              <a:t>: </a:t>
+            </a:r>
+            <a:r>
+              <a:rPr lang="en-US" dirty="0" err="1">
+                <a:latin typeface="Times New Roman" panose="02020603050405020304" pitchFamily="18" charset="0"/>
+                <a:cs typeface="Times New Roman" panose="02020603050405020304" pitchFamily="18" charset="0"/>
+              </a:rPr>
+              <a:t>Tiếng</a:t>
+            </a:r>
+            <a:r>
+              <a:rPr lang="en-US" dirty="0">
+                <a:latin typeface="Times New Roman" panose="02020603050405020304" pitchFamily="18" charset="0"/>
+                <a:cs typeface="Times New Roman" panose="02020603050405020304" pitchFamily="18" charset="0"/>
+              </a:rPr>
+              <a:t> Anh: where is the manager?</a:t>
+            </a:r>
+          </a:p>
+          <a:p>
+            <a:pPr marL="0" indent="0">
+              <a:buNone/>
+            </a:pPr>
+            <a:r>
+              <a:rPr lang="en-US" dirty="0">
+                <a:latin typeface="Times New Roman" panose="02020603050405020304" pitchFamily="18" charset="0"/>
+                <a:cs typeface="Times New Roman" panose="02020603050405020304" pitchFamily="18" charset="0"/>
+              </a:rPr>
+              <a:t>			</a:t>
+            </a:r>
+            <a:r>
+              <a:rPr lang="en-US" dirty="0" err="1">
+                <a:latin typeface="Times New Roman" panose="02020603050405020304" pitchFamily="18" charset="0"/>
+                <a:cs typeface="Times New Roman" panose="02020603050405020304" pitchFamily="18" charset="0"/>
+              </a:rPr>
+              <a:t>Tiếng</a:t>
+            </a:r>
+            <a:r>
+              <a:rPr lang="en-US" dirty="0">
+                <a:latin typeface="Times New Roman" panose="02020603050405020304" pitchFamily="18" charset="0"/>
+                <a:cs typeface="Times New Roman" panose="02020603050405020304" pitchFamily="18" charset="0"/>
+              </a:rPr>
+              <a:t> Ả </a:t>
+            </a:r>
+            <a:r>
+              <a:rPr lang="en-US" dirty="0" err="1">
+                <a:latin typeface="Times New Roman" panose="02020603050405020304" pitchFamily="18" charset="0"/>
+                <a:cs typeface="Times New Roman" panose="02020603050405020304" pitchFamily="18" charset="0"/>
+              </a:rPr>
+              <a:t>Rập</a:t>
+            </a:r>
+            <a:r>
+              <a:rPr lang="en-US" dirty="0">
+                <a:latin typeface="Times New Roman" panose="02020603050405020304" pitchFamily="18" charset="0"/>
+                <a:cs typeface="Times New Roman" panose="02020603050405020304" pitchFamily="18" charset="0"/>
+              </a:rPr>
+              <a:t>: </a:t>
+            </a:r>
+            <a:r>
+              <a:rPr lang="ar-AE" dirty="0"/>
+              <a:t>أين المدير؟</a:t>
+            </a:r>
+            <a:endParaRPr lang="en-US" dirty="0">
+              <a:latin typeface="Times New Roman" panose="02020603050405020304" pitchFamily="18" charset="0"/>
+              <a:cs typeface="Times New Roman" panose="02020603050405020304" pitchFamily="18" charset="0"/>
+            </a:endParaRPr>
+          </a:p>
+          <a:p>
+            <a:r>
+              <a:rPr lang="en-US" dirty="0" err="1">
+                <a:latin typeface="Times New Roman" panose="02020603050405020304" pitchFamily="18" charset="0"/>
+                <a:cs typeface="Times New Roman" panose="02020603050405020304" pitchFamily="18" charset="0"/>
+              </a:rPr>
+              <a:t>Trong</a:t>
+            </a:r>
+            <a:r>
+              <a:rPr lang="en-US" dirty="0">
+                <a:latin typeface="Times New Roman" panose="02020603050405020304" pitchFamily="18" charset="0"/>
+                <a:cs typeface="Times New Roman" panose="02020603050405020304" pitchFamily="18" charset="0"/>
+              </a:rPr>
+              <a:t> </a:t>
+            </a:r>
+            <a:r>
+              <a:rPr lang="en-US" dirty="0" err="1">
+                <a:latin typeface="Times New Roman" panose="02020603050405020304" pitchFamily="18" charset="0"/>
+                <a:cs typeface="Times New Roman" panose="02020603050405020304" pitchFamily="18" charset="0"/>
+              </a:rPr>
+              <a:t>tiếng</a:t>
+            </a:r>
+            <a:r>
+              <a:rPr lang="en-US" dirty="0">
+                <a:latin typeface="Times New Roman" panose="02020603050405020304" pitchFamily="18" charset="0"/>
+                <a:cs typeface="Times New Roman" panose="02020603050405020304" pitchFamily="18" charset="0"/>
+              </a:rPr>
+              <a:t> Anh, </a:t>
+            </a:r>
+            <a:r>
+              <a:rPr lang="en-US" dirty="0" err="1">
+                <a:latin typeface="Times New Roman" panose="02020603050405020304" pitchFamily="18" charset="0"/>
+                <a:cs typeface="Times New Roman" panose="02020603050405020304" pitchFamily="18" charset="0"/>
+              </a:rPr>
+              <a:t>đôi</a:t>
+            </a:r>
+            <a:r>
+              <a:rPr lang="en-US" dirty="0">
+                <a:latin typeface="Times New Roman" panose="02020603050405020304" pitchFamily="18" charset="0"/>
+                <a:cs typeface="Times New Roman" panose="02020603050405020304" pitchFamily="18" charset="0"/>
+              </a:rPr>
+              <a:t> </a:t>
+            </a:r>
+            <a:r>
+              <a:rPr lang="en-US" dirty="0" err="1">
+                <a:latin typeface="Times New Roman" panose="02020603050405020304" pitchFamily="18" charset="0"/>
+                <a:cs typeface="Times New Roman" panose="02020603050405020304" pitchFamily="18" charset="0"/>
+              </a:rPr>
+              <a:t>khi</a:t>
+            </a:r>
+            <a:r>
+              <a:rPr lang="en-US" dirty="0">
+                <a:latin typeface="Times New Roman" panose="02020603050405020304" pitchFamily="18" charset="0"/>
+                <a:cs typeface="Times New Roman" panose="02020603050405020304" pitchFamily="18" charset="0"/>
+              </a:rPr>
+              <a:t> </a:t>
+            </a:r>
+            <a:r>
+              <a:rPr lang="en-US" dirty="0" err="1">
+                <a:latin typeface="Times New Roman" panose="02020603050405020304" pitchFamily="18" charset="0"/>
+                <a:cs typeface="Times New Roman" panose="02020603050405020304" pitchFamily="18" charset="0"/>
+              </a:rPr>
+              <a:t>dấu</a:t>
+            </a:r>
+            <a:r>
+              <a:rPr lang="en-US" dirty="0">
+                <a:latin typeface="Times New Roman" panose="02020603050405020304" pitchFamily="18" charset="0"/>
+                <a:cs typeface="Times New Roman" panose="02020603050405020304" pitchFamily="18" charset="0"/>
+              </a:rPr>
+              <a:t> </a:t>
+            </a:r>
+            <a:r>
+              <a:rPr lang="en-US" dirty="0" err="1">
+                <a:latin typeface="Times New Roman" panose="02020603050405020304" pitchFamily="18" charset="0"/>
+                <a:cs typeface="Times New Roman" panose="02020603050405020304" pitchFamily="18" charset="0"/>
+              </a:rPr>
+              <a:t>chấm</a:t>
+            </a:r>
+            <a:r>
+              <a:rPr lang="en-US" dirty="0">
+                <a:latin typeface="Times New Roman" panose="02020603050405020304" pitchFamily="18" charset="0"/>
+                <a:cs typeface="Times New Roman" panose="02020603050405020304" pitchFamily="18" charset="0"/>
+              </a:rPr>
+              <a:t> đ</a:t>
+            </a:r>
+            <a:r>
+              <a:rPr lang="vi-VN" dirty="0">
+                <a:latin typeface="Times New Roman" panose="02020603050405020304" pitchFamily="18" charset="0"/>
+                <a:cs typeface="Times New Roman" panose="02020603050405020304" pitchFamily="18" charset="0"/>
+              </a:rPr>
+              <a:t>ư</a:t>
+            </a:r>
+            <a:r>
+              <a:rPr lang="en-US" dirty="0" err="1">
+                <a:latin typeface="Times New Roman" panose="02020603050405020304" pitchFamily="18" charset="0"/>
+                <a:cs typeface="Times New Roman" panose="02020603050405020304" pitchFamily="18" charset="0"/>
+              </a:rPr>
+              <a:t>ợc</a:t>
+            </a:r>
+            <a:r>
+              <a:rPr lang="en-US" dirty="0">
+                <a:latin typeface="Times New Roman" panose="02020603050405020304" pitchFamily="18" charset="0"/>
+                <a:cs typeface="Times New Roman" panose="02020603050405020304" pitchFamily="18" charset="0"/>
+              </a:rPr>
+              <a:t> </a:t>
+            </a:r>
+            <a:r>
+              <a:rPr lang="en-US" dirty="0" err="1">
+                <a:latin typeface="Times New Roman" panose="02020603050405020304" pitchFamily="18" charset="0"/>
+                <a:cs typeface="Times New Roman" panose="02020603050405020304" pitchFamily="18" charset="0"/>
+              </a:rPr>
+              <a:t>sử</a:t>
+            </a:r>
+            <a:r>
+              <a:rPr lang="en-US" dirty="0">
+                <a:latin typeface="Times New Roman" panose="02020603050405020304" pitchFamily="18" charset="0"/>
+                <a:cs typeface="Times New Roman" panose="02020603050405020304" pitchFamily="18" charset="0"/>
+              </a:rPr>
+              <a:t> </a:t>
+            </a:r>
+            <a:r>
+              <a:rPr lang="en-US" dirty="0" err="1">
+                <a:latin typeface="Times New Roman" panose="02020603050405020304" pitchFamily="18" charset="0"/>
+                <a:cs typeface="Times New Roman" panose="02020603050405020304" pitchFamily="18" charset="0"/>
+              </a:rPr>
+              <a:t>dụng</a:t>
+            </a:r>
+            <a:r>
+              <a:rPr lang="en-US" dirty="0">
+                <a:latin typeface="Times New Roman" panose="02020603050405020304" pitchFamily="18" charset="0"/>
+                <a:cs typeface="Times New Roman" panose="02020603050405020304" pitchFamily="18" charset="0"/>
+              </a:rPr>
+              <a:t> </a:t>
+            </a:r>
+            <a:r>
+              <a:rPr lang="en-US" dirty="0" err="1">
+                <a:latin typeface="Times New Roman" panose="02020603050405020304" pitchFamily="18" charset="0"/>
+                <a:cs typeface="Times New Roman" panose="02020603050405020304" pitchFamily="18" charset="0"/>
+              </a:rPr>
+              <a:t>với</a:t>
+            </a:r>
+            <a:r>
+              <a:rPr lang="en-US" dirty="0">
+                <a:latin typeface="Times New Roman" panose="02020603050405020304" pitchFamily="18" charset="0"/>
+                <a:cs typeface="Times New Roman" panose="02020603050405020304" pitchFamily="18" charset="0"/>
+              </a:rPr>
+              <a:t> </a:t>
+            </a:r>
+            <a:r>
+              <a:rPr lang="en-US" dirty="0" err="1">
+                <a:latin typeface="Times New Roman" panose="02020603050405020304" pitchFamily="18" charset="0"/>
+                <a:cs typeface="Times New Roman" panose="02020603050405020304" pitchFamily="18" charset="0"/>
+              </a:rPr>
+              <a:t>mục</a:t>
+            </a:r>
+            <a:r>
+              <a:rPr lang="en-US" dirty="0">
+                <a:latin typeface="Times New Roman" panose="02020603050405020304" pitchFamily="18" charset="0"/>
+                <a:cs typeface="Times New Roman" panose="02020603050405020304" pitchFamily="18" charset="0"/>
+              </a:rPr>
+              <a:t> </a:t>
+            </a:r>
+            <a:r>
+              <a:rPr lang="en-US" dirty="0" err="1">
+                <a:latin typeface="Times New Roman" panose="02020603050405020304" pitchFamily="18" charset="0"/>
+                <a:cs typeface="Times New Roman" panose="02020603050405020304" pitchFamily="18" charset="0"/>
+              </a:rPr>
+              <a:t>đích</a:t>
+            </a:r>
+            <a:r>
+              <a:rPr lang="en-US" dirty="0">
+                <a:latin typeface="Times New Roman" panose="02020603050405020304" pitchFamily="18" charset="0"/>
+                <a:cs typeface="Times New Roman" panose="02020603050405020304" pitchFamily="18" charset="0"/>
+              </a:rPr>
+              <a:t> </a:t>
+            </a:r>
+            <a:r>
+              <a:rPr lang="en-US" dirty="0" err="1">
+                <a:latin typeface="Times New Roman" panose="02020603050405020304" pitchFamily="18" charset="0"/>
+                <a:cs typeface="Times New Roman" panose="02020603050405020304" pitchFamily="18" charset="0"/>
+              </a:rPr>
+              <a:t>khác</a:t>
+            </a:r>
+            <a:r>
+              <a:rPr lang="en-US" dirty="0">
+                <a:latin typeface="Times New Roman" panose="02020603050405020304" pitchFamily="18" charset="0"/>
+                <a:cs typeface="Times New Roman" panose="02020603050405020304" pitchFamily="18" charset="0"/>
+              </a:rPr>
+              <a:t> </a:t>
+            </a:r>
+            <a:r>
+              <a:rPr lang="en-US" dirty="0" err="1">
+                <a:latin typeface="Times New Roman" panose="02020603050405020304" pitchFamily="18" charset="0"/>
+                <a:cs typeface="Times New Roman" panose="02020603050405020304" pitchFamily="18" charset="0"/>
+              </a:rPr>
+              <a:t>như</a:t>
+            </a:r>
+            <a:r>
+              <a:rPr lang="en-US" dirty="0">
+                <a:latin typeface="Times New Roman" panose="02020603050405020304" pitchFamily="18" charset="0"/>
+                <a:cs typeface="Times New Roman" panose="02020603050405020304" pitchFamily="18" charset="0"/>
+              </a:rPr>
+              <a:t> </a:t>
+            </a:r>
+            <a:r>
+              <a:rPr lang="en-US" dirty="0" err="1">
+                <a:latin typeface="Times New Roman" panose="02020603050405020304" pitchFamily="18" charset="0"/>
+                <a:cs typeface="Times New Roman" panose="02020603050405020304" pitchFamily="18" charset="0"/>
+              </a:rPr>
+              <a:t>từ</a:t>
+            </a:r>
+            <a:r>
+              <a:rPr lang="en-US" dirty="0">
+                <a:latin typeface="Times New Roman" panose="02020603050405020304" pitchFamily="18" charset="0"/>
+                <a:cs typeface="Times New Roman" panose="02020603050405020304" pitchFamily="18" charset="0"/>
+              </a:rPr>
+              <a:t> </a:t>
+            </a:r>
+            <a:r>
+              <a:rPr lang="en-US" dirty="0" err="1">
+                <a:latin typeface="Times New Roman" panose="02020603050405020304" pitchFamily="18" charset="0"/>
+                <a:cs typeface="Times New Roman" panose="02020603050405020304" pitchFamily="18" charset="0"/>
+              </a:rPr>
+              <a:t>viết</a:t>
+            </a:r>
+            <a:r>
+              <a:rPr lang="en-US" dirty="0">
+                <a:latin typeface="Times New Roman" panose="02020603050405020304" pitchFamily="18" charset="0"/>
+                <a:cs typeface="Times New Roman" panose="02020603050405020304" pitchFamily="18" charset="0"/>
+              </a:rPr>
+              <a:t> </a:t>
+            </a:r>
+            <a:r>
+              <a:rPr lang="en-US" dirty="0" err="1">
+                <a:latin typeface="Times New Roman" panose="02020603050405020304" pitchFamily="18" charset="0"/>
+                <a:cs typeface="Times New Roman" panose="02020603050405020304" pitchFamily="18" charset="0"/>
+              </a:rPr>
+              <a:t>tắt</a:t>
+            </a:r>
+            <a:r>
+              <a:rPr lang="en-US" dirty="0">
+                <a:latin typeface="Times New Roman" panose="02020603050405020304" pitchFamily="18" charset="0"/>
+                <a:cs typeface="Times New Roman" panose="02020603050405020304" pitchFamily="18" charset="0"/>
+              </a:rPr>
+              <a:t>, </a:t>
+            </a:r>
+            <a:r>
+              <a:rPr lang="en-US" dirty="0" err="1">
+                <a:latin typeface="Times New Roman" panose="02020603050405020304" pitchFamily="18" charset="0"/>
+                <a:cs typeface="Times New Roman" panose="02020603050405020304" pitchFamily="18" charset="0"/>
+              </a:rPr>
+              <a:t>số</a:t>
+            </a:r>
+            <a:r>
+              <a:rPr lang="en-US" dirty="0">
+                <a:latin typeface="Times New Roman" panose="02020603050405020304" pitchFamily="18" charset="0"/>
+                <a:cs typeface="Times New Roman" panose="02020603050405020304" pitchFamily="18" charset="0"/>
+              </a:rPr>
+              <a:t> </a:t>
+            </a:r>
+            <a:r>
+              <a:rPr lang="en-US" dirty="0" err="1">
+                <a:latin typeface="Times New Roman" panose="02020603050405020304" pitchFamily="18" charset="0"/>
+                <a:cs typeface="Times New Roman" panose="02020603050405020304" pitchFamily="18" charset="0"/>
+              </a:rPr>
+              <a:t>phẩy</a:t>
+            </a:r>
+            <a:r>
+              <a:rPr lang="en-US" dirty="0">
+                <a:latin typeface="Times New Roman" panose="02020603050405020304" pitchFamily="18" charset="0"/>
+                <a:cs typeface="Times New Roman" panose="02020603050405020304" pitchFamily="18" charset="0"/>
+              </a:rPr>
+              <a:t>… </a:t>
+            </a:r>
+            <a:r>
+              <a:rPr lang="en-US" dirty="0">
+                <a:latin typeface="Times New Roman" panose="02020603050405020304" pitchFamily="18" charset="0"/>
+                <a:cs typeface="Times New Roman" panose="02020603050405020304" pitchFamily="18" charset="0"/>
+                <a:sym typeface="Wingdings" panose="05000000000000000000" pitchFamily="2" charset="2"/>
+              </a:rPr>
+              <a:t> </a:t>
+            </a:r>
+            <a:r>
+              <a:rPr lang="en-US" dirty="0" err="1">
+                <a:latin typeface="Times New Roman" panose="02020603050405020304" pitchFamily="18" charset="0"/>
+                <a:cs typeface="Times New Roman" panose="02020603050405020304" pitchFamily="18" charset="0"/>
+                <a:sym typeface="Wingdings" panose="05000000000000000000" pitchFamily="2" charset="2"/>
+              </a:rPr>
+              <a:t>Khó</a:t>
+            </a:r>
+            <a:r>
+              <a:rPr lang="en-US" dirty="0">
+                <a:latin typeface="Times New Roman" panose="02020603050405020304" pitchFamily="18" charset="0"/>
+                <a:cs typeface="Times New Roman" panose="02020603050405020304" pitchFamily="18" charset="0"/>
+                <a:sym typeface="Wingdings" panose="05000000000000000000" pitchFamily="2" charset="2"/>
+              </a:rPr>
+              <a:t> </a:t>
+            </a:r>
+            <a:r>
+              <a:rPr lang="en-US" dirty="0" err="1">
+                <a:latin typeface="Times New Roman" panose="02020603050405020304" pitchFamily="18" charset="0"/>
+                <a:cs typeface="Times New Roman" panose="02020603050405020304" pitchFamily="18" charset="0"/>
+                <a:sym typeface="Wingdings" panose="05000000000000000000" pitchFamily="2" charset="2"/>
+              </a:rPr>
+              <a:t>khăn</a:t>
+            </a:r>
+            <a:r>
+              <a:rPr lang="en-US" dirty="0">
+                <a:latin typeface="Times New Roman" panose="02020603050405020304" pitchFamily="18" charset="0"/>
+                <a:cs typeface="Times New Roman" panose="02020603050405020304" pitchFamily="18" charset="0"/>
+                <a:sym typeface="Wingdings" panose="05000000000000000000" pitchFamily="2" charset="2"/>
+              </a:rPr>
+              <a:t> sentence segmentation</a:t>
+            </a:r>
+          </a:p>
+          <a:p>
+            <a:pPr marL="0" indent="0">
+              <a:buNone/>
+            </a:pPr>
+            <a:r>
+              <a:rPr lang="en-US" dirty="0">
+                <a:latin typeface="Times New Roman" panose="02020603050405020304" pitchFamily="18" charset="0"/>
+                <a:cs typeface="Times New Roman" panose="02020603050405020304" pitchFamily="18" charset="0"/>
+                <a:sym typeface="Wingdings" panose="05000000000000000000" pitchFamily="2" charset="2"/>
+              </a:rPr>
+              <a:t>			</a:t>
+            </a:r>
+            <a:r>
+              <a:rPr lang="en-US" dirty="0" err="1">
+                <a:latin typeface="Times New Roman" panose="02020603050405020304" pitchFamily="18" charset="0"/>
+                <a:cs typeface="Times New Roman" panose="02020603050405020304" pitchFamily="18" charset="0"/>
+                <a:sym typeface="Wingdings" panose="05000000000000000000" pitchFamily="2" charset="2"/>
+              </a:rPr>
+              <a:t>Ví</a:t>
+            </a:r>
+            <a:r>
+              <a:rPr lang="en-US" dirty="0">
+                <a:latin typeface="Times New Roman" panose="02020603050405020304" pitchFamily="18" charset="0"/>
+                <a:cs typeface="Times New Roman" panose="02020603050405020304" pitchFamily="18" charset="0"/>
+                <a:sym typeface="Wingdings" panose="05000000000000000000" pitchFamily="2" charset="2"/>
+              </a:rPr>
+              <a:t> </a:t>
+            </a:r>
+            <a:r>
+              <a:rPr lang="en-US" dirty="0" err="1">
+                <a:latin typeface="Times New Roman" panose="02020603050405020304" pitchFamily="18" charset="0"/>
+                <a:cs typeface="Times New Roman" panose="02020603050405020304" pitchFamily="18" charset="0"/>
+                <a:sym typeface="Wingdings" panose="05000000000000000000" pitchFamily="2" charset="2"/>
+              </a:rPr>
+              <a:t>dụ</a:t>
+            </a:r>
+            <a:r>
+              <a:rPr lang="en-US" dirty="0">
+                <a:latin typeface="Times New Roman" panose="02020603050405020304" pitchFamily="18" charset="0"/>
+                <a:cs typeface="Times New Roman" panose="02020603050405020304" pitchFamily="18" charset="0"/>
+                <a:sym typeface="Wingdings" panose="05000000000000000000" pitchFamily="2" charset="2"/>
+              </a:rPr>
+              <a:t>: Mr. Lam	HVN Corp.	1.2</a:t>
+            </a:r>
+            <a:endParaRPr lang="en-US" dirty="0">
+              <a:latin typeface="Times New Roman" panose="02020603050405020304" pitchFamily="18" charset="0"/>
+              <a:cs typeface="Times New Roman" panose="02020603050405020304" pitchFamily="18" charset="0"/>
+            </a:endParaRPr>
+          </a:p>
+          <a:p>
+            <a:endParaRPr lang="en-US" dirty="0"/>
+          </a:p>
+        </p:txBody>
+      </p:sp>
+      <p:sp>
+        <p:nvSpPr>
+          <p:cNvPr id="4" name="Title 1">
+            <a:extLst>
+              <a:ext uri="{FF2B5EF4-FFF2-40B4-BE49-F238E27FC236}">
+                <a16:creationId xmlns:a16="http://schemas.microsoft.com/office/drawing/2014/main" id="{01A58B5A-1ACB-486F-A6E0-8F446AC6748B}"/>
               </a:ext>
             </a:extLst>
           </p:cNvPr>
@@ -10685,8 +11732,8 @@
         </p:nvSpPr>
         <p:spPr>
           <a:xfrm>
-            <a:off x="1602298" y="213852"/>
-            <a:ext cx="7807173" cy="1511710"/>
+            <a:off x="1484311" y="685800"/>
+            <a:ext cx="10018713" cy="1752599"/>
           </a:xfrm>
         </p:spPr>
         <p:txBody>
@@ -10702,671 +11749,15 @@
                 <a:latin typeface="Times New Roman" panose="02020603050405020304" pitchFamily="18" charset="0"/>
                 <a:cs typeface="Times New Roman" panose="02020603050405020304" pitchFamily="18" charset="0"/>
               </a:rPr>
-              <a:t>NER </a:t>
-            </a:r>
-            <a:r>
-              <a:rPr lang="en-US" b="1" dirty="0" err="1">
-                <a:solidFill>
-                  <a:srgbClr val="0000FF"/>
-                </a:solidFill>
-                <a:latin typeface="Times New Roman" panose="02020603050405020304" pitchFamily="18" charset="0"/>
-                <a:cs typeface="Times New Roman" panose="02020603050405020304" pitchFamily="18" charset="0"/>
-              </a:rPr>
-              <a:t>trong</a:t>
-            </a:r>
-            <a:r>
-              <a:rPr lang="en-US" b="1" dirty="0">
-                <a:solidFill>
-                  <a:srgbClr val="0000FF"/>
-                </a:solidFill>
-                <a:latin typeface="Times New Roman" panose="02020603050405020304" pitchFamily="18" charset="0"/>
-                <a:cs typeface="Times New Roman" panose="02020603050405020304" pitchFamily="18" charset="0"/>
-              </a:rPr>
-              <a:t> Stanford </a:t>
-            </a:r>
-            <a:r>
-              <a:rPr lang="en-US" b="1" dirty="0" err="1">
-                <a:solidFill>
-                  <a:srgbClr val="0000FF"/>
-                </a:solidFill>
-                <a:latin typeface="Times New Roman" panose="02020603050405020304" pitchFamily="18" charset="0"/>
-                <a:cs typeface="Times New Roman" panose="02020603050405020304" pitchFamily="18" charset="0"/>
-              </a:rPr>
-              <a:t>CoreNLP</a:t>
-            </a:r>
-            <a:endParaRPr lang="en-US" b="1" dirty="0">
-              <a:solidFill>
-                <a:srgbClr val="0000FF"/>
-              </a:solidFill>
-              <a:latin typeface="Times New Roman" panose="02020603050405020304" pitchFamily="18" charset="0"/>
-              <a:cs typeface="Times New Roman" panose="02020603050405020304" pitchFamily="18" charset="0"/>
-            </a:endParaRPr>
-          </a:p>
-        </p:txBody>
-      </p:sp>
-      <p:sp>
-        <p:nvSpPr>
-          <p:cNvPr id="3" name="Content Placeholder 2">
-            <a:extLst>
-              <a:ext uri="{FF2B5EF4-FFF2-40B4-BE49-F238E27FC236}">
-                <a16:creationId xmlns:a16="http://schemas.microsoft.com/office/drawing/2014/main" id="{B19C7083-1D02-477A-B7C0-251FB4CF8D56}"/>
-              </a:ext>
-            </a:extLst>
-          </p:cNvPr>
-          <p:cNvSpPr>
-            <a:spLocks noGrp="1"/>
-          </p:cNvSpPr>
-          <p:nvPr>
-            <p:ph idx="1"/>
-          </p:nvPr>
-        </p:nvSpPr>
-        <p:spPr>
-          <a:xfrm>
-            <a:off x="1282984" y="1204685"/>
-            <a:ext cx="9893016" cy="2670629"/>
-          </a:xfrm>
-        </p:spPr>
-        <p:txBody>
-          <a:bodyPr>
-            <a:noAutofit/>
-          </a:bodyPr>
-          <a:lstStyle/>
-          <a:p>
-            <a:pPr lvl="1">
-              <a:lnSpc>
-                <a:spcPct val="150000"/>
-              </a:lnSpc>
-            </a:pPr>
-            <a:r>
-              <a:rPr lang="en-US" dirty="0">
-                <a:latin typeface="Times New Roman" panose="02020603050405020304" pitchFamily="18" charset="0"/>
-                <a:cs typeface="Times New Roman" panose="02020603050405020304" pitchFamily="18" charset="0"/>
-              </a:rPr>
-              <a:t>Sau </a:t>
-            </a:r>
-            <a:r>
-              <a:rPr lang="en-US" dirty="0" err="1">
-                <a:latin typeface="Times New Roman" panose="02020603050405020304" pitchFamily="18" charset="0"/>
-                <a:cs typeface="Times New Roman" panose="02020603050405020304" pitchFamily="18" charset="0"/>
-              </a:rPr>
-              <a:t>đó</a:t>
-            </a:r>
-            <a:r>
-              <a:rPr lang="en-US" dirty="0">
-                <a:latin typeface="Times New Roman" panose="02020603050405020304" pitchFamily="18" charset="0"/>
-                <a:cs typeface="Times New Roman" panose="02020603050405020304" pitchFamily="18" charset="0"/>
-              </a:rPr>
-              <a:t>, ta </a:t>
-            </a:r>
-            <a:r>
-              <a:rPr lang="en-US" dirty="0" err="1">
-                <a:latin typeface="Times New Roman" panose="02020603050405020304" pitchFamily="18" charset="0"/>
-                <a:cs typeface="Times New Roman" panose="02020603050405020304" pitchFamily="18" charset="0"/>
-              </a:rPr>
-              <a:t>thực</a:t>
-            </a:r>
-            <a:r>
-              <a:rPr lang="en-US" dirty="0">
-                <a:latin typeface="Times New Roman" panose="02020603050405020304" pitchFamily="18" charset="0"/>
-                <a:cs typeface="Times New Roman" panose="02020603050405020304" pitchFamily="18" charset="0"/>
-              </a:rPr>
-              <a:t> </a:t>
-            </a:r>
-            <a:r>
-              <a:rPr lang="en-US" dirty="0" err="1">
-                <a:latin typeface="Times New Roman" panose="02020603050405020304" pitchFamily="18" charset="0"/>
-                <a:cs typeface="Times New Roman" panose="02020603050405020304" pitchFamily="18" charset="0"/>
-              </a:rPr>
-              <a:t>hiện</a:t>
-            </a:r>
-            <a:r>
-              <a:rPr lang="en-US" dirty="0">
-                <a:latin typeface="Times New Roman" panose="02020603050405020304" pitchFamily="18" charset="0"/>
-                <a:cs typeface="Times New Roman" panose="02020603050405020304" pitchFamily="18" charset="0"/>
-              </a:rPr>
-              <a:t> </a:t>
-            </a:r>
-            <a:r>
-              <a:rPr lang="en-US" dirty="0" err="1">
-                <a:latin typeface="Times New Roman" panose="02020603050405020304" pitchFamily="18" charset="0"/>
-                <a:cs typeface="Times New Roman" panose="02020603050405020304" pitchFamily="18" charset="0"/>
-              </a:rPr>
-              <a:t>phân</a:t>
-            </a:r>
-            <a:r>
-              <a:rPr lang="en-US" dirty="0">
-                <a:latin typeface="Times New Roman" panose="02020603050405020304" pitchFamily="18" charset="0"/>
-                <a:cs typeface="Times New Roman" panose="02020603050405020304" pitchFamily="18" charset="0"/>
-              </a:rPr>
-              <a:t> </a:t>
-            </a:r>
-            <a:r>
-              <a:rPr lang="en-US" dirty="0" err="1">
-                <a:latin typeface="Times New Roman" panose="02020603050405020304" pitchFamily="18" charset="0"/>
-                <a:cs typeface="Times New Roman" panose="02020603050405020304" pitchFamily="18" charset="0"/>
-              </a:rPr>
-              <a:t>lớp</a:t>
-            </a:r>
-            <a:r>
-              <a:rPr lang="en-US" dirty="0">
-                <a:latin typeface="Times New Roman" panose="02020603050405020304" pitchFamily="18" charset="0"/>
-                <a:cs typeface="Times New Roman" panose="02020603050405020304" pitchFamily="18" charset="0"/>
-              </a:rPr>
-              <a:t> </a:t>
-            </a:r>
-            <a:r>
-              <a:rPr lang="en-US" dirty="0" err="1">
-                <a:latin typeface="Times New Roman" panose="02020603050405020304" pitchFamily="18" charset="0"/>
-                <a:cs typeface="Times New Roman" panose="02020603050405020304" pitchFamily="18" charset="0"/>
-              </a:rPr>
-              <a:t>các</a:t>
-            </a:r>
-            <a:r>
-              <a:rPr lang="en-US" dirty="0">
-                <a:latin typeface="Times New Roman" panose="02020603050405020304" pitchFamily="18" charset="0"/>
-                <a:cs typeface="Times New Roman" panose="02020603050405020304" pitchFamily="18" charset="0"/>
-              </a:rPr>
-              <a:t> </a:t>
-            </a:r>
-            <a:r>
-              <a:rPr lang="en-US" dirty="0" err="1">
-                <a:latin typeface="Times New Roman" panose="02020603050405020304" pitchFamily="18" charset="0"/>
-                <a:cs typeface="Times New Roman" panose="02020603050405020304" pitchFamily="18" charset="0"/>
-              </a:rPr>
-              <a:t>từ</a:t>
-            </a:r>
-            <a:r>
-              <a:rPr lang="en-US" dirty="0">
-                <a:latin typeface="Times New Roman" panose="02020603050405020304" pitchFamily="18" charset="0"/>
-                <a:cs typeface="Times New Roman" panose="02020603050405020304" pitchFamily="18" charset="0"/>
-              </a:rPr>
-              <a:t> </a:t>
-            </a:r>
-            <a:r>
-              <a:rPr lang="en-US" dirty="0" err="1">
-                <a:latin typeface="Times New Roman" panose="02020603050405020304" pitchFamily="18" charset="0"/>
-                <a:cs typeface="Times New Roman" panose="02020603050405020304" pitchFamily="18" charset="0"/>
-              </a:rPr>
-              <a:t>của</a:t>
-            </a:r>
-            <a:r>
-              <a:rPr lang="en-US" dirty="0">
-                <a:latin typeface="Times New Roman" panose="02020603050405020304" pitchFamily="18" charset="0"/>
-                <a:cs typeface="Times New Roman" panose="02020603050405020304" pitchFamily="18" charset="0"/>
-              </a:rPr>
-              <a:t> </a:t>
-            </a:r>
-            <a:r>
-              <a:rPr lang="en-US" dirty="0" err="1">
-                <a:latin typeface="Times New Roman" panose="02020603050405020304" pitchFamily="18" charset="0"/>
-                <a:cs typeface="Times New Roman" panose="02020603050405020304" pitchFamily="18" charset="0"/>
-              </a:rPr>
-              <a:t>văn</a:t>
-            </a:r>
-            <a:r>
-              <a:rPr lang="en-US" dirty="0">
-                <a:latin typeface="Times New Roman" panose="02020603050405020304" pitchFamily="18" charset="0"/>
-                <a:cs typeface="Times New Roman" panose="02020603050405020304" pitchFamily="18" charset="0"/>
-              </a:rPr>
-              <a:t> </a:t>
-            </a:r>
-            <a:r>
-              <a:rPr lang="en-US" dirty="0" err="1">
-                <a:latin typeface="Times New Roman" panose="02020603050405020304" pitchFamily="18" charset="0"/>
-                <a:cs typeface="Times New Roman" panose="02020603050405020304" pitchFamily="18" charset="0"/>
-              </a:rPr>
-              <a:t>bản</a:t>
-            </a:r>
-            <a:r>
-              <a:rPr lang="en-US" dirty="0">
-                <a:latin typeface="Times New Roman" panose="02020603050405020304" pitchFamily="18" charset="0"/>
-                <a:cs typeface="Times New Roman" panose="02020603050405020304" pitchFamily="18" charset="0"/>
-              </a:rPr>
-              <a:t> </a:t>
-            </a:r>
-            <a:r>
-              <a:rPr lang="en-US" dirty="0" err="1">
-                <a:latin typeface="Times New Roman" panose="02020603050405020304" pitchFamily="18" charset="0"/>
-                <a:cs typeface="Times New Roman" panose="02020603050405020304" pitchFamily="18" charset="0"/>
-              </a:rPr>
-              <a:t>bằng</a:t>
-            </a:r>
-            <a:r>
-              <a:rPr lang="en-US" dirty="0">
-                <a:latin typeface="Times New Roman" panose="02020603050405020304" pitchFamily="18" charset="0"/>
-                <a:cs typeface="Times New Roman" panose="02020603050405020304" pitchFamily="18" charset="0"/>
-              </a:rPr>
-              <a:t> </a:t>
-            </a:r>
-            <a:r>
-              <a:rPr lang="en-US" dirty="0" err="1">
-                <a:latin typeface="Times New Roman" panose="02020603050405020304" pitchFamily="18" charset="0"/>
-                <a:cs typeface="Times New Roman" panose="02020603050405020304" pitchFamily="18" charset="0"/>
-              </a:rPr>
-              <a:t>phương</a:t>
-            </a:r>
-            <a:r>
-              <a:rPr lang="en-US" dirty="0">
-                <a:latin typeface="Times New Roman" panose="02020603050405020304" pitchFamily="18" charset="0"/>
-                <a:cs typeface="Times New Roman" panose="02020603050405020304" pitchFamily="18" charset="0"/>
-              </a:rPr>
-              <a:t> </a:t>
-            </a:r>
-            <a:r>
-              <a:rPr lang="en-US" dirty="0" err="1">
-                <a:latin typeface="Times New Roman" panose="02020603050405020304" pitchFamily="18" charset="0"/>
-                <a:cs typeface="Times New Roman" panose="02020603050405020304" pitchFamily="18" charset="0"/>
-              </a:rPr>
-              <a:t>thức</a:t>
-            </a:r>
-            <a:r>
-              <a:rPr lang="en-US" dirty="0">
-                <a:latin typeface="Times New Roman" panose="02020603050405020304" pitchFamily="18" charset="0"/>
-                <a:cs typeface="Times New Roman" panose="02020603050405020304" pitchFamily="18" charset="0"/>
-              </a:rPr>
-              <a:t> </a:t>
-            </a:r>
-            <a:r>
-              <a:rPr lang="en-US" i="1" dirty="0" err="1">
-                <a:latin typeface="Times New Roman" panose="02020603050405020304" pitchFamily="18" charset="0"/>
-                <a:cs typeface="Times New Roman" panose="02020603050405020304" pitchFamily="18" charset="0"/>
-              </a:rPr>
-              <a:t>classifyToString</a:t>
-            </a:r>
-            <a:r>
-              <a:rPr lang="en-US" i="1" dirty="0">
-                <a:latin typeface="Times New Roman" panose="02020603050405020304" pitchFamily="18" charset="0"/>
-                <a:cs typeface="Times New Roman" panose="02020603050405020304" pitchFamily="18" charset="0"/>
-              </a:rPr>
-              <a:t>( ) </a:t>
-            </a:r>
-          </a:p>
-          <a:p>
-            <a:pPr lvl="2">
-              <a:lnSpc>
-                <a:spcPct val="150000"/>
-              </a:lnSpc>
-            </a:pPr>
-            <a:r>
-              <a:rPr lang="en-US" sz="2000" i="1" dirty="0">
-                <a:latin typeface="Times New Roman" panose="02020603050405020304" pitchFamily="18" charset="0"/>
-                <a:cs typeface="Times New Roman" panose="02020603050405020304" pitchFamily="18" charset="0"/>
-              </a:rPr>
-              <a:t>Input: </a:t>
-            </a:r>
-            <a:r>
-              <a:rPr lang="en-US" sz="2000" i="1" dirty="0" err="1">
-                <a:latin typeface="Times New Roman" panose="02020603050405020304" pitchFamily="18" charset="0"/>
-                <a:cs typeface="Times New Roman" panose="02020603050405020304" pitchFamily="18" charset="0"/>
-              </a:rPr>
-              <a:t>chuỗi</a:t>
-            </a:r>
-            <a:r>
-              <a:rPr lang="en-US" sz="2000" i="1" dirty="0">
-                <a:latin typeface="Times New Roman" panose="02020603050405020304" pitchFamily="18" charset="0"/>
-                <a:cs typeface="Times New Roman" panose="02020603050405020304" pitchFamily="18" charset="0"/>
-              </a:rPr>
-              <a:t> </a:t>
-            </a:r>
-            <a:r>
-              <a:rPr lang="en-US" sz="2000" i="1" dirty="0" err="1">
-                <a:latin typeface="Times New Roman" panose="02020603050405020304" pitchFamily="18" charset="0"/>
-                <a:cs typeface="Times New Roman" panose="02020603050405020304" pitchFamily="18" charset="0"/>
-              </a:rPr>
-              <a:t>ký</a:t>
-            </a:r>
-            <a:r>
-              <a:rPr lang="en-US" sz="2000" i="1" dirty="0">
-                <a:latin typeface="Times New Roman" panose="02020603050405020304" pitchFamily="18" charset="0"/>
-                <a:cs typeface="Times New Roman" panose="02020603050405020304" pitchFamily="18" charset="0"/>
-              </a:rPr>
-              <a:t> </a:t>
-            </a:r>
-            <a:r>
-              <a:rPr lang="en-US" sz="2000" i="1" dirty="0" err="1">
-                <a:latin typeface="Times New Roman" panose="02020603050405020304" pitchFamily="18" charset="0"/>
-                <a:cs typeface="Times New Roman" panose="02020603050405020304" pitchFamily="18" charset="0"/>
-              </a:rPr>
-              <a:t>tự</a:t>
-            </a:r>
-            <a:r>
-              <a:rPr lang="en-US" sz="2000" i="1" dirty="0">
-                <a:latin typeface="Times New Roman" panose="02020603050405020304" pitchFamily="18" charset="0"/>
-                <a:cs typeface="Times New Roman" panose="02020603050405020304" pitchFamily="18" charset="0"/>
-              </a:rPr>
-              <a:t> ( </a:t>
-            </a:r>
-            <a:r>
-              <a:rPr lang="en-US" sz="2000" i="1" dirty="0" err="1">
-                <a:latin typeface="Times New Roman" panose="02020603050405020304" pitchFamily="18" charset="0"/>
-                <a:cs typeface="Times New Roman" panose="02020603050405020304" pitchFamily="18" charset="0"/>
-              </a:rPr>
-              <a:t>văn</a:t>
-            </a:r>
-            <a:r>
-              <a:rPr lang="en-US" sz="2000" i="1" dirty="0">
-                <a:latin typeface="Times New Roman" panose="02020603050405020304" pitchFamily="18" charset="0"/>
-                <a:cs typeface="Times New Roman" panose="02020603050405020304" pitchFamily="18" charset="0"/>
-              </a:rPr>
-              <a:t> </a:t>
-            </a:r>
-            <a:r>
-              <a:rPr lang="en-US" sz="2000" i="1" dirty="0" err="1">
-                <a:latin typeface="Times New Roman" panose="02020603050405020304" pitchFamily="18" charset="0"/>
-                <a:cs typeface="Times New Roman" panose="02020603050405020304" pitchFamily="18" charset="0"/>
-              </a:rPr>
-              <a:t>bản</a:t>
-            </a:r>
-            <a:r>
-              <a:rPr lang="en-US" sz="2000" i="1" dirty="0">
-                <a:latin typeface="Times New Roman" panose="02020603050405020304" pitchFamily="18" charset="0"/>
-                <a:cs typeface="Times New Roman" panose="02020603050405020304" pitchFamily="18" charset="0"/>
-              </a:rPr>
-              <a:t> </a:t>
-            </a:r>
-            <a:r>
-              <a:rPr lang="en-US" sz="2000" i="1" dirty="0" err="1">
-                <a:latin typeface="Times New Roman" panose="02020603050405020304" pitchFamily="18" charset="0"/>
-                <a:cs typeface="Times New Roman" panose="02020603050405020304" pitchFamily="18" charset="0"/>
-              </a:rPr>
-              <a:t>cần</a:t>
-            </a:r>
-            <a:r>
-              <a:rPr lang="en-US" sz="2000" i="1" dirty="0">
-                <a:latin typeface="Times New Roman" panose="02020603050405020304" pitchFamily="18" charset="0"/>
-                <a:cs typeface="Times New Roman" panose="02020603050405020304" pitchFamily="18" charset="0"/>
-              </a:rPr>
-              <a:t> </a:t>
-            </a:r>
-            <a:r>
-              <a:rPr lang="en-US" sz="2000" i="1" dirty="0" err="1">
-                <a:latin typeface="Times New Roman" panose="02020603050405020304" pitchFamily="18" charset="0"/>
-                <a:cs typeface="Times New Roman" panose="02020603050405020304" pitchFamily="18" charset="0"/>
-              </a:rPr>
-              <a:t>phân</a:t>
-            </a:r>
-            <a:r>
-              <a:rPr lang="en-US" sz="2000" i="1" dirty="0">
-                <a:latin typeface="Times New Roman" panose="02020603050405020304" pitchFamily="18" charset="0"/>
-                <a:cs typeface="Times New Roman" panose="02020603050405020304" pitchFamily="18" charset="0"/>
-              </a:rPr>
-              <a:t> </a:t>
-            </a:r>
-            <a:r>
-              <a:rPr lang="en-US" sz="2000" i="1" dirty="0" err="1">
-                <a:latin typeface="Times New Roman" panose="02020603050405020304" pitchFamily="18" charset="0"/>
-                <a:cs typeface="Times New Roman" panose="02020603050405020304" pitchFamily="18" charset="0"/>
-              </a:rPr>
-              <a:t>loại</a:t>
-            </a:r>
-            <a:r>
-              <a:rPr lang="en-US" sz="2000" i="1" dirty="0">
-                <a:latin typeface="Times New Roman" panose="02020603050405020304" pitchFamily="18" charset="0"/>
-                <a:cs typeface="Times New Roman" panose="02020603050405020304" pitchFamily="18" charset="0"/>
-              </a:rPr>
-              <a:t> </a:t>
-            </a:r>
-            <a:r>
-              <a:rPr lang="en-US" sz="2000" i="1" dirty="0" err="1">
-                <a:latin typeface="Times New Roman" panose="02020603050405020304" pitchFamily="18" charset="0"/>
-                <a:cs typeface="Times New Roman" panose="02020603050405020304" pitchFamily="18" charset="0"/>
-              </a:rPr>
-              <a:t>từ</a:t>
-            </a:r>
-            <a:r>
-              <a:rPr lang="en-US" sz="2000" i="1" dirty="0">
-                <a:latin typeface="Times New Roman" panose="02020603050405020304" pitchFamily="18" charset="0"/>
-                <a:cs typeface="Times New Roman" panose="02020603050405020304" pitchFamily="18" charset="0"/>
-              </a:rPr>
-              <a:t>)</a:t>
-            </a:r>
-          </a:p>
-          <a:p>
-            <a:pPr lvl="2">
-              <a:lnSpc>
-                <a:spcPct val="150000"/>
-              </a:lnSpc>
-            </a:pPr>
-            <a:r>
-              <a:rPr lang="en-US" sz="2000" i="1" dirty="0">
-                <a:latin typeface="Times New Roman" panose="02020603050405020304" pitchFamily="18" charset="0"/>
-                <a:cs typeface="Times New Roman" panose="02020603050405020304" pitchFamily="18" charset="0"/>
-              </a:rPr>
-              <a:t>Output: </a:t>
-            </a:r>
-            <a:r>
-              <a:rPr lang="en-US" sz="2000" i="1" dirty="0" err="1">
-                <a:latin typeface="Times New Roman" panose="02020603050405020304" pitchFamily="18" charset="0"/>
-                <a:cs typeface="Times New Roman" panose="02020603050405020304" pitchFamily="18" charset="0"/>
-              </a:rPr>
-              <a:t>Chuỗi</a:t>
-            </a:r>
-            <a:r>
-              <a:rPr lang="en-US" sz="2000" i="1" dirty="0">
-                <a:latin typeface="Times New Roman" panose="02020603050405020304" pitchFamily="18" charset="0"/>
-                <a:cs typeface="Times New Roman" panose="02020603050405020304" pitchFamily="18" charset="0"/>
-              </a:rPr>
-              <a:t> </a:t>
-            </a:r>
-            <a:r>
-              <a:rPr lang="en-US" sz="2000" i="1" dirty="0" err="1">
-                <a:latin typeface="Times New Roman" panose="02020603050405020304" pitchFamily="18" charset="0"/>
-                <a:cs typeface="Times New Roman" panose="02020603050405020304" pitchFamily="18" charset="0"/>
-              </a:rPr>
-              <a:t>các</a:t>
-            </a:r>
-            <a:r>
-              <a:rPr lang="en-US" sz="2000" i="1" dirty="0">
-                <a:latin typeface="Times New Roman" panose="02020603050405020304" pitchFamily="18" charset="0"/>
-                <a:cs typeface="Times New Roman" panose="02020603050405020304" pitchFamily="18" charset="0"/>
-              </a:rPr>
-              <a:t> </a:t>
-            </a:r>
-            <a:r>
-              <a:rPr lang="en-US" sz="2000" i="1" dirty="0" err="1">
-                <a:latin typeface="Times New Roman" panose="02020603050405020304" pitchFamily="18" charset="0"/>
-                <a:cs typeface="Times New Roman" panose="02020603050405020304" pitchFamily="18" charset="0"/>
-              </a:rPr>
-              <a:t>từ</a:t>
-            </a:r>
-            <a:r>
-              <a:rPr lang="en-US" sz="2000" i="1" dirty="0">
-                <a:latin typeface="Times New Roman" panose="02020603050405020304" pitchFamily="18" charset="0"/>
-                <a:cs typeface="Times New Roman" panose="02020603050405020304" pitchFamily="18" charset="0"/>
-              </a:rPr>
-              <a:t> </a:t>
-            </a:r>
-            <a:r>
-              <a:rPr lang="en-US" sz="2000" i="1" dirty="0" err="1">
-                <a:latin typeface="Times New Roman" panose="02020603050405020304" pitchFamily="18" charset="0"/>
-                <a:cs typeface="Times New Roman" panose="02020603050405020304" pitchFamily="18" charset="0"/>
-              </a:rPr>
-              <a:t>đã</a:t>
-            </a:r>
-            <a:r>
-              <a:rPr lang="en-US" sz="2000" i="1" dirty="0">
-                <a:latin typeface="Times New Roman" panose="02020603050405020304" pitchFamily="18" charset="0"/>
-                <a:cs typeface="Times New Roman" panose="02020603050405020304" pitchFamily="18" charset="0"/>
-              </a:rPr>
-              <a:t> đ</a:t>
-            </a:r>
-            <a:r>
-              <a:rPr lang="vi-VN" sz="2000" i="1" dirty="0">
-                <a:latin typeface="Times New Roman" panose="02020603050405020304" pitchFamily="18" charset="0"/>
-                <a:cs typeface="Times New Roman" panose="02020603050405020304" pitchFamily="18" charset="0"/>
-              </a:rPr>
-              <a:t>ư</a:t>
-            </a:r>
-            <a:r>
-              <a:rPr lang="en-US" sz="2000" i="1" dirty="0" err="1">
-                <a:latin typeface="Times New Roman" panose="02020603050405020304" pitchFamily="18" charset="0"/>
-                <a:cs typeface="Times New Roman" panose="02020603050405020304" pitchFamily="18" charset="0"/>
-              </a:rPr>
-              <a:t>ợc</a:t>
-            </a:r>
-            <a:r>
-              <a:rPr lang="en-US" sz="2000" i="1" dirty="0">
-                <a:latin typeface="Times New Roman" panose="02020603050405020304" pitchFamily="18" charset="0"/>
-                <a:cs typeface="Times New Roman" panose="02020603050405020304" pitchFamily="18" charset="0"/>
-              </a:rPr>
-              <a:t> </a:t>
-            </a:r>
-            <a:r>
-              <a:rPr lang="en-US" sz="2000" i="1" dirty="0" err="1">
-                <a:latin typeface="Times New Roman" panose="02020603050405020304" pitchFamily="18" charset="0"/>
-                <a:cs typeface="Times New Roman" panose="02020603050405020304" pitchFamily="18" charset="0"/>
-              </a:rPr>
-              <a:t>gán</a:t>
-            </a:r>
-            <a:r>
-              <a:rPr lang="en-US" sz="2000" i="1" dirty="0">
-                <a:latin typeface="Times New Roman" panose="02020603050405020304" pitchFamily="18" charset="0"/>
-                <a:cs typeface="Times New Roman" panose="02020603050405020304" pitchFamily="18" charset="0"/>
-              </a:rPr>
-              <a:t> </a:t>
-            </a:r>
-            <a:r>
-              <a:rPr lang="en-US" sz="2000" i="1" dirty="0" err="1">
-                <a:latin typeface="Times New Roman" panose="02020603050405020304" pitchFamily="18" charset="0"/>
-                <a:cs typeface="Times New Roman" panose="02020603050405020304" pitchFamily="18" charset="0"/>
-              </a:rPr>
-              <a:t>nhãn</a:t>
-            </a:r>
-            <a:endParaRPr lang="en-US" sz="2000" dirty="0">
-              <a:latin typeface="Times New Roman" panose="02020603050405020304" pitchFamily="18" charset="0"/>
-              <a:cs typeface="Times New Roman" panose="02020603050405020304" pitchFamily="18" charset="0"/>
-            </a:endParaRPr>
-          </a:p>
-        </p:txBody>
-      </p:sp>
-      <p:pic>
-        <p:nvPicPr>
-          <p:cNvPr id="5" name="Picture 4">
-            <a:extLst>
-              <a:ext uri="{FF2B5EF4-FFF2-40B4-BE49-F238E27FC236}">
-                <a16:creationId xmlns:a16="http://schemas.microsoft.com/office/drawing/2014/main" id="{92C274AA-38C8-4266-B6BE-A61B283B1D37}"/>
-              </a:ext>
-            </a:extLst>
-          </p:cNvPr>
-          <p:cNvPicPr/>
-          <p:nvPr/>
-        </p:nvPicPr>
-        <p:blipFill>
-          <a:blip r:embed="rId3">
-            <a:extLst>
-              <a:ext uri="{28A0092B-C50C-407E-A947-70E740481C1C}">
-                <a14:useLocalDpi xmlns:a14="http://schemas.microsoft.com/office/drawing/2010/main" val="0"/>
-              </a:ext>
-            </a:extLst>
-          </a:blip>
-          <a:srcRect/>
-          <a:stretch>
-            <a:fillRect/>
-          </a:stretch>
-        </p:blipFill>
-        <p:spPr bwMode="auto">
-          <a:xfrm>
-            <a:off x="1927367" y="3684814"/>
-            <a:ext cx="8972862" cy="945243"/>
-          </a:xfrm>
-          <a:prstGeom prst="rect">
-            <a:avLst/>
-          </a:prstGeom>
-          <a:noFill/>
-          <a:ln>
-            <a:noFill/>
-          </a:ln>
-        </p:spPr>
-      </p:pic>
-      <p:pic>
-        <p:nvPicPr>
-          <p:cNvPr id="6" name="Picture 5">
-            <a:extLst>
-              <a:ext uri="{FF2B5EF4-FFF2-40B4-BE49-F238E27FC236}">
-                <a16:creationId xmlns:a16="http://schemas.microsoft.com/office/drawing/2014/main" id="{11A33592-FE4F-4BFE-8B4D-12663CF54976}"/>
-              </a:ext>
-            </a:extLst>
-          </p:cNvPr>
-          <p:cNvPicPr/>
-          <p:nvPr/>
-        </p:nvPicPr>
-        <p:blipFill>
-          <a:blip r:embed="rId4">
-            <a:extLst>
-              <a:ext uri="{28A0092B-C50C-407E-A947-70E740481C1C}">
-                <a14:useLocalDpi xmlns:a14="http://schemas.microsoft.com/office/drawing/2010/main" val="0"/>
-              </a:ext>
-            </a:extLst>
-          </a:blip>
-          <a:srcRect/>
-          <a:stretch>
-            <a:fillRect/>
-          </a:stretch>
-        </p:blipFill>
-        <p:spPr bwMode="auto">
-          <a:xfrm>
-            <a:off x="2899597" y="5152572"/>
-            <a:ext cx="8000632" cy="681994"/>
-          </a:xfrm>
-          <a:prstGeom prst="rect">
-            <a:avLst/>
-          </a:prstGeom>
-          <a:noFill/>
-          <a:ln>
-            <a:noFill/>
-          </a:ln>
-        </p:spPr>
-      </p:pic>
-      <p:sp>
-        <p:nvSpPr>
-          <p:cNvPr id="7" name="Arrow: Right 6">
-            <a:extLst>
-              <a:ext uri="{FF2B5EF4-FFF2-40B4-BE49-F238E27FC236}">
-                <a16:creationId xmlns:a16="http://schemas.microsoft.com/office/drawing/2014/main" id="{96780124-2963-4FD4-BF64-4C7BD7B69292}"/>
-              </a:ext>
-            </a:extLst>
-          </p:cNvPr>
-          <p:cNvSpPr/>
-          <p:nvPr/>
-        </p:nvSpPr>
-        <p:spPr>
-          <a:xfrm>
-            <a:off x="1480457" y="5370286"/>
-            <a:ext cx="1001486" cy="275771"/>
-          </a:xfrm>
-          <a:prstGeom prst="rightArrow">
-            <a:avLst/>
-          </a:prstGeom>
-        </p:spPr>
-        <p:style>
-          <a:lnRef idx="2">
-            <a:schemeClr val="accent1">
-              <a:shade val="50000"/>
-            </a:schemeClr>
-          </a:lnRef>
-          <a:fillRef idx="1">
-            <a:schemeClr val="accent1"/>
-          </a:fillRef>
-          <a:effectRef idx="0">
-            <a:schemeClr val="accent1"/>
-          </a:effectRef>
-          <a:fontRef idx="minor">
-            <a:schemeClr val="lt1"/>
-          </a:fontRef>
-        </p:style>
-        <p:txBody>
-          <a:bodyPr rtlCol="0" anchor="ctr"/>
-          <a:lstStyle/>
-          <a:p>
-            <a:pPr algn="ctr"/>
-            <a:endParaRPr lang="en-US"/>
+              <a:t>Tokenization/ Sentence Segmentation</a:t>
+            </a:r>
           </a:p>
         </p:txBody>
       </p:sp>
     </p:spTree>
     <p:extLst>
       <p:ext uri="{BB962C8B-B14F-4D97-AF65-F5344CB8AC3E}">
-        <p14:creationId xmlns:p14="http://schemas.microsoft.com/office/powerpoint/2010/main" val="433254483"/>
+        <p14:creationId xmlns:p14="http://schemas.microsoft.com/office/powerpoint/2010/main" val="1734089245"/>
       </p:ext>
     </p:extLst>
   </p:cSld>
@@ -11376,1616 +11767,7 @@
 </p:sld>
 </file>
 
-<file path=ppt/slides/slide2.xml><?xml version="1.0" encoding="utf-8"?>
-<p:sld xmlns:a="http://schemas.openxmlformats.org/drawingml/2006/main" xmlns:r="http://schemas.openxmlformats.org/officeDocument/2006/relationships" xmlns:p="http://schemas.openxmlformats.org/presentationml/2006/main">
-  <p:cSld>
-    <p:spTree>
-      <p:nvGrpSpPr>
-        <p:cNvPr id="1" name=""/>
-        <p:cNvGrpSpPr/>
-        <p:nvPr/>
-      </p:nvGrpSpPr>
-      <p:grpSpPr>
-        <a:xfrm>
-          <a:off x="0" y="0"/>
-          <a:ext cx="0" cy="0"/>
-          <a:chOff x="0" y="0"/>
-          <a:chExt cx="0" cy="0"/>
-        </a:xfrm>
-      </p:grpSpPr>
-      <p:sp>
-        <p:nvSpPr>
-          <p:cNvPr id="2" name="Title 1">
-            <a:extLst>
-              <a:ext uri="{FF2B5EF4-FFF2-40B4-BE49-F238E27FC236}">
-                <a16:creationId xmlns:a16="http://schemas.microsoft.com/office/drawing/2014/main" id="{11DE62A2-70BD-4054-8726-5F66199E19F1}"/>
-              </a:ext>
-            </a:extLst>
-          </p:cNvPr>
-          <p:cNvSpPr>
-            <a:spLocks noGrp="1"/>
-          </p:cNvSpPr>
-          <p:nvPr>
-            <p:ph type="title"/>
-          </p:nvPr>
-        </p:nvSpPr>
-        <p:spPr>
-          <a:xfrm>
-            <a:off x="1568245" y="251952"/>
-            <a:ext cx="4911213" cy="1128252"/>
-          </a:xfrm>
-        </p:spPr>
-        <p:txBody>
-          <a:bodyPr/>
-          <a:lstStyle/>
-          <a:p>
-            <a:pPr algn="l"/>
-            <a:r>
-              <a:rPr lang="en-US" b="1">
-                <a:solidFill>
-                  <a:srgbClr val="0000FF"/>
-                </a:solidFill>
-                <a:latin typeface="Times New Roman" panose="02020603050405020304" pitchFamily="18" charset="0"/>
-                <a:cs typeface="Times New Roman" panose="02020603050405020304" pitchFamily="18" charset="0"/>
-              </a:rPr>
-              <a:t>Thành viên nhóm</a:t>
-            </a:r>
-          </a:p>
-        </p:txBody>
-      </p:sp>
-      <p:sp>
-        <p:nvSpPr>
-          <p:cNvPr id="3" name="Content Placeholder 2">
-            <a:extLst>
-              <a:ext uri="{FF2B5EF4-FFF2-40B4-BE49-F238E27FC236}">
-                <a16:creationId xmlns:a16="http://schemas.microsoft.com/office/drawing/2014/main" id="{70BE8753-D59F-43F8-9425-932D86987DBD}"/>
-              </a:ext>
-            </a:extLst>
-          </p:cNvPr>
-          <p:cNvSpPr>
-            <a:spLocks noGrp="1"/>
-          </p:cNvSpPr>
-          <p:nvPr>
-            <p:ph idx="1"/>
-          </p:nvPr>
-        </p:nvSpPr>
-        <p:spPr>
-          <a:xfrm>
-            <a:off x="3308555" y="1763664"/>
-            <a:ext cx="6341806" cy="4961602"/>
-          </a:xfrm>
-        </p:spPr>
-        <p:txBody>
-          <a:bodyPr>
-            <a:normAutofit/>
-          </a:bodyPr>
-          <a:lstStyle/>
-          <a:p>
-            <a:pPr marL="0" indent="0">
-              <a:lnSpc>
-                <a:spcPct val="150000"/>
-              </a:lnSpc>
-              <a:buNone/>
-            </a:pPr>
-            <a:r>
-              <a:rPr lang="en-US" sz="2800">
-                <a:latin typeface="Times New Roman" panose="02020603050405020304" pitchFamily="18" charset="0"/>
-                <a:cs typeface="Times New Roman" panose="02020603050405020304" pitchFamily="18" charset="0"/>
-              </a:rPr>
-              <a:t>1412503 - Nguyễn Thị Thanh Thảo</a:t>
-            </a:r>
-          </a:p>
-          <a:p>
-            <a:pPr marL="0" indent="0">
-              <a:lnSpc>
-                <a:spcPct val="150000"/>
-              </a:lnSpc>
-              <a:buNone/>
-            </a:pPr>
-            <a:r>
-              <a:rPr lang="en-US" sz="2800">
-                <a:latin typeface="Times New Roman" panose="02020603050405020304" pitchFamily="18" charset="0"/>
-                <a:cs typeface="Times New Roman" panose="02020603050405020304" pitchFamily="18" charset="0"/>
-              </a:rPr>
-              <a:t>1412520 – Nguyễn Hoàng Thi </a:t>
-            </a:r>
-          </a:p>
-          <a:p>
-            <a:pPr marL="0" indent="0">
-              <a:lnSpc>
-                <a:spcPct val="150000"/>
-              </a:lnSpc>
-              <a:buNone/>
-            </a:pPr>
-            <a:r>
-              <a:rPr lang="en-US" sz="2800">
-                <a:latin typeface="Times New Roman" panose="02020603050405020304" pitchFamily="18" charset="0"/>
-                <a:cs typeface="Times New Roman" panose="02020603050405020304" pitchFamily="18" charset="0"/>
-              </a:rPr>
-              <a:t>1412542 - Nguyễn Hà Tiên</a:t>
-            </a:r>
-          </a:p>
-          <a:p>
-            <a:pPr marL="0" indent="0">
-              <a:lnSpc>
-                <a:spcPct val="150000"/>
-              </a:lnSpc>
-              <a:buNone/>
-            </a:pPr>
-            <a:r>
-              <a:rPr lang="en-US" sz="2800">
-                <a:latin typeface="Times New Roman" panose="02020603050405020304" pitchFamily="18" charset="0"/>
-                <a:cs typeface="Times New Roman" panose="02020603050405020304" pitchFamily="18" charset="0"/>
-              </a:rPr>
-              <a:t>1412543 - Nguyễn Thủy Tiên</a:t>
-            </a:r>
-          </a:p>
-          <a:p>
-            <a:pPr marL="0" indent="0">
-              <a:lnSpc>
-                <a:spcPct val="150000"/>
-              </a:lnSpc>
-              <a:buNone/>
-            </a:pPr>
-            <a:r>
-              <a:rPr lang="en-US" sz="2800">
-                <a:latin typeface="Times New Roman" panose="02020603050405020304" pitchFamily="18" charset="0"/>
-                <a:cs typeface="Times New Roman" panose="02020603050405020304" pitchFamily="18" charset="0"/>
-              </a:rPr>
-              <a:t>1412595 - Võ Thị Thanh Trúc</a:t>
-            </a:r>
-          </a:p>
-          <a:p>
-            <a:endParaRPr lang="en-US" sz="2800"/>
-          </a:p>
-        </p:txBody>
-      </p:sp>
-    </p:spTree>
-    <p:extLst>
-      <p:ext uri="{BB962C8B-B14F-4D97-AF65-F5344CB8AC3E}">
-        <p14:creationId xmlns:p14="http://schemas.microsoft.com/office/powerpoint/2010/main" val="1532792253"/>
-      </p:ext>
-    </p:extLst>
-  </p:cSld>
-  <p:clrMapOvr>
-    <a:masterClrMapping/>
-  </p:clrMapOvr>
-</p:sld>
-</file>
-
-<file path=ppt/slides/slide3.xml><?xml version="1.0" encoding="utf-8"?>
-<p:sld xmlns:a="http://schemas.openxmlformats.org/drawingml/2006/main" xmlns:r="http://schemas.openxmlformats.org/officeDocument/2006/relationships" xmlns:p="http://schemas.openxmlformats.org/presentationml/2006/main">
-  <p:cSld>
-    <p:spTree>
-      <p:nvGrpSpPr>
-        <p:cNvPr id="1" name=""/>
-        <p:cNvGrpSpPr/>
-        <p:nvPr/>
-      </p:nvGrpSpPr>
-      <p:grpSpPr>
-        <a:xfrm>
-          <a:off x="0" y="0"/>
-          <a:ext cx="0" cy="0"/>
-          <a:chOff x="0" y="0"/>
-          <a:chExt cx="0" cy="0"/>
-        </a:xfrm>
-      </p:grpSpPr>
-      <p:sp>
-        <p:nvSpPr>
-          <p:cNvPr id="2" name="Title 1">
-            <a:extLst>
-              <a:ext uri="{FF2B5EF4-FFF2-40B4-BE49-F238E27FC236}">
-                <a16:creationId xmlns:a16="http://schemas.microsoft.com/office/drawing/2014/main" id="{DCDE6074-9E5A-45C2-A679-F2A8D4000FE9}"/>
-              </a:ext>
-            </a:extLst>
-          </p:cNvPr>
-          <p:cNvSpPr>
-            <a:spLocks noGrp="1"/>
-          </p:cNvSpPr>
-          <p:nvPr>
-            <p:ph type="title"/>
-          </p:nvPr>
-        </p:nvSpPr>
-        <p:spPr>
-          <a:xfrm>
-            <a:off x="1572803" y="443679"/>
-            <a:ext cx="2763224" cy="951271"/>
-          </a:xfrm>
-        </p:spPr>
-        <p:txBody>
-          <a:bodyPr/>
-          <a:lstStyle/>
-          <a:p>
-            <a:pPr algn="l"/>
-            <a:r>
-              <a:rPr lang="en-US" b="1" dirty="0" err="1">
-                <a:solidFill>
-                  <a:srgbClr val="0000FF"/>
-                </a:solidFill>
-                <a:latin typeface="Times New Roman" panose="02020603050405020304" pitchFamily="18" charset="0"/>
-                <a:cs typeface="Times New Roman" panose="02020603050405020304" pitchFamily="18" charset="0"/>
-              </a:rPr>
-              <a:t>Nội</a:t>
-            </a:r>
-            <a:r>
-              <a:rPr lang="en-US" b="1" dirty="0">
-                <a:solidFill>
-                  <a:srgbClr val="0000FF"/>
-                </a:solidFill>
-                <a:latin typeface="Times New Roman" panose="02020603050405020304" pitchFamily="18" charset="0"/>
-                <a:cs typeface="Times New Roman" panose="02020603050405020304" pitchFamily="18" charset="0"/>
-              </a:rPr>
-              <a:t> dung</a:t>
-            </a:r>
-          </a:p>
-        </p:txBody>
-      </p:sp>
-      <p:graphicFrame>
-        <p:nvGraphicFramePr>
-          <p:cNvPr id="4" name="Diagram 3">
-            <a:extLst>
-              <a:ext uri="{FF2B5EF4-FFF2-40B4-BE49-F238E27FC236}">
-                <a16:creationId xmlns:a16="http://schemas.microsoft.com/office/drawing/2014/main" id="{B73E53B0-E32A-46B9-A985-8FAC34A22EB3}"/>
-              </a:ext>
-            </a:extLst>
-          </p:cNvPr>
-          <p:cNvGraphicFramePr/>
-          <p:nvPr>
-            <p:extLst>
-              <p:ext uri="{D42A27DB-BD31-4B8C-83A1-F6EECF244321}">
-                <p14:modId xmlns:p14="http://schemas.microsoft.com/office/powerpoint/2010/main" val="1605035400"/>
-              </p:ext>
-            </p:extLst>
-          </p:nvPr>
-        </p:nvGraphicFramePr>
-        <p:xfrm>
-          <a:off x="2031999" y="1640114"/>
-          <a:ext cx="9187543" cy="4601029"/>
-        </p:xfrm>
-        <a:graphic>
-          <a:graphicData uri="http://schemas.openxmlformats.org/drawingml/2006/diagram">
-            <dgm:relIds xmlns:dgm="http://schemas.openxmlformats.org/drawingml/2006/diagram" xmlns:r="http://schemas.openxmlformats.org/officeDocument/2006/relationships" r:dm="rId3" r:lo="rId4" r:qs="rId5" r:cs="rId6"/>
-          </a:graphicData>
-        </a:graphic>
-      </p:graphicFrame>
-    </p:spTree>
-    <p:extLst>
-      <p:ext uri="{BB962C8B-B14F-4D97-AF65-F5344CB8AC3E}">
-        <p14:creationId xmlns:p14="http://schemas.microsoft.com/office/powerpoint/2010/main" val="1760130702"/>
-      </p:ext>
-    </p:extLst>
-  </p:cSld>
-  <p:clrMapOvr>
-    <a:masterClrMapping/>
-  </p:clrMapOvr>
-</p:sld>
-</file>
-
-<file path=ppt/slides/slide4.xml><?xml version="1.0" encoding="utf-8"?>
-<p:sld xmlns:a="http://schemas.openxmlformats.org/drawingml/2006/main" xmlns:r="http://schemas.openxmlformats.org/officeDocument/2006/relationships" xmlns:p="http://schemas.openxmlformats.org/presentationml/2006/main">
-  <p:cSld>
-    <p:spTree>
-      <p:nvGrpSpPr>
-        <p:cNvPr id="1" name=""/>
-        <p:cNvGrpSpPr/>
-        <p:nvPr/>
-      </p:nvGrpSpPr>
-      <p:grpSpPr>
-        <a:xfrm>
-          <a:off x="0" y="0"/>
-          <a:ext cx="0" cy="0"/>
-          <a:chOff x="0" y="0"/>
-          <a:chExt cx="0" cy="0"/>
-        </a:xfrm>
-      </p:grpSpPr>
-      <p:sp>
-        <p:nvSpPr>
-          <p:cNvPr id="2" name="Title 1">
-            <a:extLst>
-              <a:ext uri="{FF2B5EF4-FFF2-40B4-BE49-F238E27FC236}">
-                <a16:creationId xmlns:a16="http://schemas.microsoft.com/office/drawing/2014/main" id="{DCDE6074-9E5A-45C2-A679-F2A8D4000FE9}"/>
-              </a:ext>
-            </a:extLst>
-          </p:cNvPr>
-          <p:cNvSpPr>
-            <a:spLocks noGrp="1"/>
-          </p:cNvSpPr>
-          <p:nvPr>
-            <p:ph type="title"/>
-          </p:nvPr>
-        </p:nvSpPr>
-        <p:spPr>
-          <a:xfrm>
-            <a:off x="1572803" y="443679"/>
-            <a:ext cx="7295426" cy="951271"/>
-          </a:xfrm>
-        </p:spPr>
-        <p:txBody>
-          <a:bodyPr>
-            <a:normAutofit fontScale="90000"/>
-          </a:bodyPr>
-          <a:lstStyle/>
-          <a:p>
-            <a:pPr algn="l"/>
-            <a:r>
-              <a:rPr lang="en-US" b="1" dirty="0" err="1">
-                <a:solidFill>
-                  <a:srgbClr val="0000FF"/>
-                </a:solidFill>
-                <a:latin typeface="Times New Roman" panose="02020603050405020304" pitchFamily="18" charset="0"/>
-                <a:cs typeface="Times New Roman" panose="02020603050405020304" pitchFamily="18" charset="0"/>
-              </a:rPr>
-              <a:t>Tổng</a:t>
-            </a:r>
-            <a:r>
-              <a:rPr lang="en-US" b="1" dirty="0">
-                <a:solidFill>
-                  <a:srgbClr val="0000FF"/>
-                </a:solidFill>
-                <a:latin typeface="Times New Roman" panose="02020603050405020304" pitchFamily="18" charset="0"/>
-                <a:cs typeface="Times New Roman" panose="02020603050405020304" pitchFamily="18" charset="0"/>
-              </a:rPr>
-              <a:t> </a:t>
-            </a:r>
-            <a:r>
-              <a:rPr lang="en-US" b="1" dirty="0" err="1">
-                <a:solidFill>
-                  <a:srgbClr val="0000FF"/>
-                </a:solidFill>
-                <a:latin typeface="Times New Roman" panose="02020603050405020304" pitchFamily="18" charset="0"/>
-                <a:cs typeface="Times New Roman" panose="02020603050405020304" pitchFamily="18" charset="0"/>
-              </a:rPr>
-              <a:t>quan</a:t>
-            </a:r>
-            <a:r>
-              <a:rPr lang="en-US" b="1" dirty="0">
-                <a:solidFill>
-                  <a:srgbClr val="0000FF"/>
-                </a:solidFill>
-                <a:latin typeface="Times New Roman" panose="02020603050405020304" pitchFamily="18" charset="0"/>
-                <a:cs typeface="Times New Roman" panose="02020603050405020304" pitchFamily="18" charset="0"/>
-              </a:rPr>
-              <a:t> </a:t>
-            </a:r>
-            <a:r>
-              <a:rPr lang="en-US" b="1" dirty="0" err="1">
-                <a:solidFill>
-                  <a:srgbClr val="0000FF"/>
-                </a:solidFill>
-                <a:latin typeface="Times New Roman" panose="02020603050405020304" pitchFamily="18" charset="0"/>
-                <a:cs typeface="Times New Roman" panose="02020603050405020304" pitchFamily="18" charset="0"/>
-              </a:rPr>
-              <a:t>về</a:t>
-            </a:r>
-            <a:r>
-              <a:rPr lang="en-US" b="1" dirty="0">
-                <a:solidFill>
-                  <a:srgbClr val="0000FF"/>
-                </a:solidFill>
-                <a:latin typeface="Times New Roman" panose="02020603050405020304" pitchFamily="18" charset="0"/>
-                <a:cs typeface="Times New Roman" panose="02020603050405020304" pitchFamily="18" charset="0"/>
-              </a:rPr>
-              <a:t> Stanford </a:t>
-            </a:r>
-            <a:r>
-              <a:rPr lang="en-US" b="1" dirty="0" err="1">
-                <a:solidFill>
-                  <a:srgbClr val="0000FF"/>
-                </a:solidFill>
-                <a:latin typeface="Times New Roman" panose="02020603050405020304" pitchFamily="18" charset="0"/>
-                <a:cs typeface="Times New Roman" panose="02020603050405020304" pitchFamily="18" charset="0"/>
-              </a:rPr>
-              <a:t>CoreNLP</a:t>
-            </a:r>
-            <a:endParaRPr lang="en-US" b="1" dirty="0">
-              <a:solidFill>
-                <a:srgbClr val="0000FF"/>
-              </a:solidFill>
-              <a:latin typeface="Times New Roman" panose="02020603050405020304" pitchFamily="18" charset="0"/>
-              <a:cs typeface="Times New Roman" panose="02020603050405020304" pitchFamily="18" charset="0"/>
-            </a:endParaRPr>
-          </a:p>
-        </p:txBody>
-      </p:sp>
-      <p:sp>
-        <p:nvSpPr>
-          <p:cNvPr id="3" name="Content Placeholder 2">
-            <a:extLst>
-              <a:ext uri="{FF2B5EF4-FFF2-40B4-BE49-F238E27FC236}">
-                <a16:creationId xmlns:a16="http://schemas.microsoft.com/office/drawing/2014/main" id="{F94A4AF2-B749-4F3D-9AC4-F9E4EA236747}"/>
-              </a:ext>
-            </a:extLst>
-          </p:cNvPr>
-          <p:cNvSpPr>
-            <a:spLocks noGrp="1"/>
-          </p:cNvSpPr>
-          <p:nvPr>
-            <p:ph idx="1"/>
-          </p:nvPr>
-        </p:nvSpPr>
-        <p:spPr>
-          <a:xfrm>
-            <a:off x="1749781" y="1755059"/>
-            <a:ext cx="10018713" cy="3564194"/>
-          </a:xfrm>
-        </p:spPr>
-        <p:txBody>
-          <a:bodyPr>
-            <a:normAutofit/>
-          </a:bodyPr>
-          <a:lstStyle/>
-          <a:p>
-            <a:pPr algn="just">
-              <a:spcAft>
-                <a:spcPts val="1800"/>
-              </a:spcAft>
-              <a:buFont typeface="Arial" panose="020B0604020202020204" pitchFamily="34" charset="0"/>
-              <a:buChar char="•"/>
-            </a:pPr>
-            <a:r>
-              <a:rPr lang="en-US" sz="2600">
-                <a:latin typeface="Times New Roman" panose="02020603050405020304" pitchFamily="18" charset="0"/>
-                <a:cs typeface="Times New Roman" panose="02020603050405020304" pitchFamily="18" charset="0"/>
-              </a:rPr>
-              <a:t>Stanford CoreNLP cung cấp một bộ công cụ xử lý ngôn ngữ tự nhiên. Nó có thể phân tích đ</a:t>
-            </a:r>
-            <a:r>
-              <a:rPr lang="vi-VN" sz="2600">
-                <a:latin typeface="Times New Roman" panose="02020603050405020304" pitchFamily="18" charset="0"/>
-                <a:cs typeface="Times New Roman" panose="02020603050405020304" pitchFamily="18" charset="0"/>
-              </a:rPr>
-              <a:t>ư</a:t>
-            </a:r>
-            <a:r>
-              <a:rPr lang="en-US" sz="2600">
-                <a:latin typeface="Times New Roman" panose="02020603050405020304" pitchFamily="18" charset="0"/>
-                <a:cs typeface="Times New Roman" panose="02020603050405020304" pitchFamily="18" charset="0"/>
-              </a:rPr>
-              <a:t>ợc các hình thức của từ, cấu trúc của câu, sự phụ thuôc giữa các từ, biết đ</a:t>
-            </a:r>
-            <a:r>
-              <a:rPr lang="vi-VN" sz="2600">
-                <a:latin typeface="Times New Roman" panose="02020603050405020304" pitchFamily="18" charset="0"/>
-                <a:cs typeface="Times New Roman" panose="02020603050405020304" pitchFamily="18" charset="0"/>
-              </a:rPr>
-              <a:t>ư</a:t>
-            </a:r>
-            <a:r>
-              <a:rPr lang="en-US" sz="2600">
-                <a:latin typeface="Times New Roman" panose="02020603050405020304" pitchFamily="18" charset="0"/>
-                <a:cs typeface="Times New Roman" panose="02020603050405020304" pitchFamily="18" charset="0"/>
-              </a:rPr>
-              <a:t>ợc các từ nào cũng chỉ môt thực thể,… </a:t>
-            </a:r>
-          </a:p>
-          <a:p>
-            <a:pPr algn="just">
-              <a:spcAft>
-                <a:spcPts val="1800"/>
-              </a:spcAft>
-              <a:buFont typeface="Arial" panose="020B0604020202020204" pitchFamily="34" charset="0"/>
-              <a:buChar char="•"/>
-            </a:pPr>
-            <a:r>
-              <a:rPr lang="en-US" sz="2600">
-                <a:latin typeface="Times New Roman" panose="02020603050405020304" pitchFamily="18" charset="0"/>
-                <a:cs typeface="Times New Roman" panose="02020603050405020304" pitchFamily="18" charset="0"/>
-              </a:rPr>
-              <a:t>Đ</a:t>
-            </a:r>
-            <a:r>
-              <a:rPr lang="vi-VN" sz="2600">
-                <a:latin typeface="Times New Roman" panose="02020603050405020304" pitchFamily="18" charset="0"/>
-                <a:cs typeface="Times New Roman" panose="02020603050405020304" pitchFamily="18" charset="0"/>
-              </a:rPr>
-              <a:t>ư</a:t>
-            </a:r>
-            <a:r>
-              <a:rPr lang="en-US" sz="2600">
-                <a:latin typeface="Times New Roman" panose="02020603050405020304" pitchFamily="18" charset="0"/>
-                <a:cs typeface="Times New Roman" panose="02020603050405020304" pitchFamily="18" charset="0"/>
-              </a:rPr>
-              <a:t>ợc thiết kế rất linh hoạt và có thể mở rộng.</a:t>
-            </a:r>
-          </a:p>
-          <a:p>
-            <a:pPr algn="just">
-              <a:spcAft>
-                <a:spcPts val="1800"/>
-              </a:spcAft>
-              <a:buFont typeface="Arial" panose="020B0604020202020204" pitchFamily="34" charset="0"/>
-              <a:buChar char="•"/>
-            </a:pPr>
-            <a:r>
-              <a:rPr lang="en-US" sz="2600">
-                <a:latin typeface="Times New Roman" panose="02020603050405020304" pitchFamily="18" charset="0"/>
-                <a:cs typeface="Times New Roman" panose="02020603050405020304" pitchFamily="18" charset="0"/>
-              </a:rPr>
-              <a:t>Nhờ Stanford CoreNLP ta có thể dễ dàng áp dụng một loạt các công cụ phân tích ngôn ngữ cho một đoạn văn bản.</a:t>
-            </a:r>
-          </a:p>
-        </p:txBody>
-      </p:sp>
-    </p:spTree>
-    <p:extLst>
-      <p:ext uri="{BB962C8B-B14F-4D97-AF65-F5344CB8AC3E}">
-        <p14:creationId xmlns:p14="http://schemas.microsoft.com/office/powerpoint/2010/main" val="2159409460"/>
-      </p:ext>
-    </p:extLst>
-  </p:cSld>
-  <p:clrMapOvr>
-    <a:masterClrMapping/>
-  </p:clrMapOvr>
-</p:sld>
-</file>
-
-<file path=ppt/slides/slide5.xml><?xml version="1.0" encoding="utf-8"?>
-<p:sld xmlns:a="http://schemas.openxmlformats.org/drawingml/2006/main" xmlns:r="http://schemas.openxmlformats.org/officeDocument/2006/relationships" xmlns:p="http://schemas.openxmlformats.org/presentationml/2006/main">
-  <p:cSld>
-    <p:spTree>
-      <p:nvGrpSpPr>
-        <p:cNvPr id="1" name=""/>
-        <p:cNvGrpSpPr/>
-        <p:nvPr/>
-      </p:nvGrpSpPr>
-      <p:grpSpPr>
-        <a:xfrm>
-          <a:off x="0" y="0"/>
-          <a:ext cx="0" cy="0"/>
-          <a:chOff x="0" y="0"/>
-          <a:chExt cx="0" cy="0"/>
-        </a:xfrm>
-      </p:grpSpPr>
-      <p:sp>
-        <p:nvSpPr>
-          <p:cNvPr id="2" name="Title 1">
-            <a:extLst>
-              <a:ext uri="{FF2B5EF4-FFF2-40B4-BE49-F238E27FC236}">
-                <a16:creationId xmlns:a16="http://schemas.microsoft.com/office/drawing/2014/main" id="{66087C5C-B158-4DD8-BC70-CC5BE9FD067A}"/>
-              </a:ext>
-            </a:extLst>
-          </p:cNvPr>
-          <p:cNvSpPr>
-            <a:spLocks noGrp="1"/>
-          </p:cNvSpPr>
-          <p:nvPr>
-            <p:ph type="title"/>
-          </p:nvPr>
-        </p:nvSpPr>
-        <p:spPr>
-          <a:xfrm>
-            <a:off x="1587550" y="250722"/>
-            <a:ext cx="2261779" cy="1061885"/>
-          </a:xfrm>
-        </p:spPr>
-        <p:txBody>
-          <a:bodyPr/>
-          <a:lstStyle/>
-          <a:p>
-            <a:pPr algn="l"/>
-            <a:r>
-              <a:rPr lang="en-US" b="1">
-                <a:solidFill>
-                  <a:srgbClr val="0000FF"/>
-                </a:solidFill>
-                <a:latin typeface="Times New Roman" panose="02020603050405020304" pitchFamily="18" charset="0"/>
-                <a:cs typeface="Times New Roman" panose="02020603050405020304" pitchFamily="18" charset="0"/>
-              </a:rPr>
-              <a:t>Đặc điểm</a:t>
-            </a:r>
-          </a:p>
-        </p:txBody>
-      </p:sp>
-      <p:sp>
-        <p:nvSpPr>
-          <p:cNvPr id="3" name="Content Placeholder 2">
-            <a:extLst>
-              <a:ext uri="{FF2B5EF4-FFF2-40B4-BE49-F238E27FC236}">
-                <a16:creationId xmlns:a16="http://schemas.microsoft.com/office/drawing/2014/main" id="{2181F6E7-23DC-4F0A-B2EE-014EF29CC373}"/>
-              </a:ext>
-            </a:extLst>
-          </p:cNvPr>
-          <p:cNvSpPr>
-            <a:spLocks noGrp="1"/>
-          </p:cNvSpPr>
-          <p:nvPr>
-            <p:ph idx="1"/>
-          </p:nvPr>
-        </p:nvSpPr>
-        <p:spPr>
-          <a:xfrm>
-            <a:off x="1587550" y="1607576"/>
-            <a:ext cx="10018713" cy="4483510"/>
-          </a:xfrm>
-        </p:spPr>
-        <p:txBody>
-          <a:bodyPr>
-            <a:normAutofit/>
-          </a:bodyPr>
-          <a:lstStyle/>
-          <a:p>
-            <a:pPr>
-              <a:spcAft>
-                <a:spcPts val="1800"/>
-              </a:spcAft>
-            </a:pPr>
-            <a:r>
-              <a:rPr lang="en-US">
-                <a:latin typeface="Times New Roman" panose="02020603050405020304" pitchFamily="18" charset="0"/>
-                <a:cs typeface="Times New Roman" panose="02020603050405020304" pitchFamily="18" charset="0"/>
-              </a:rPr>
-              <a:t>Là  một bộ công cụ phân tích ngôn ngữ tự nhiên tích hợp với hàng loạt công cụ phân tích ngữ pháp.</a:t>
-            </a:r>
-          </a:p>
-          <a:p>
-            <a:pPr>
-              <a:spcAft>
-                <a:spcPts val="1800"/>
-              </a:spcAft>
-            </a:pPr>
-            <a:r>
-              <a:rPr lang="en-US">
-                <a:latin typeface="Times New Roman" panose="02020603050405020304" pitchFamily="18" charset="0"/>
-                <a:cs typeface="Times New Roman" panose="02020603050405020304" pitchFamily="18" charset="0"/>
-              </a:rPr>
-              <a:t>Nhanh, tốt, đ</a:t>
-            </a:r>
-            <a:r>
-              <a:rPr lang="vi-VN">
-                <a:latin typeface="Times New Roman" panose="02020603050405020304" pitchFamily="18" charset="0"/>
-                <a:cs typeface="Times New Roman" panose="02020603050405020304" pitchFamily="18" charset="0"/>
-              </a:rPr>
-              <a:t>ư</a:t>
-            </a:r>
-            <a:r>
-              <a:rPr lang="en-US">
-                <a:latin typeface="Times New Roman" panose="02020603050405020304" pitchFamily="18" charset="0"/>
-                <a:cs typeface="Times New Roman" panose="02020603050405020304" pitchFamily="18" charset="0"/>
-              </a:rPr>
-              <a:t>ợc sử dụng rộng rãi.</a:t>
-            </a:r>
-          </a:p>
-          <a:p>
-            <a:pPr>
-              <a:spcAft>
-                <a:spcPts val="1800"/>
-              </a:spcAft>
-            </a:pPr>
-            <a:r>
-              <a:rPr lang="en-US">
-                <a:latin typeface="Times New Roman" panose="02020603050405020304" pitchFamily="18" charset="0"/>
-                <a:cs typeface="Times New Roman" panose="02020603050405020304" pitchFamily="18" charset="0"/>
-              </a:rPr>
-              <a:t>Hiện đại, đ</a:t>
-            </a:r>
-            <a:r>
-              <a:rPr lang="vi-VN">
-                <a:latin typeface="Times New Roman" panose="02020603050405020304" pitchFamily="18" charset="0"/>
-                <a:cs typeface="Times New Roman" panose="02020603050405020304" pitchFamily="18" charset="0"/>
-              </a:rPr>
-              <a:t>ư</a:t>
-            </a:r>
-            <a:r>
-              <a:rPr lang="en-US">
-                <a:latin typeface="Times New Roman" panose="02020603050405020304" pitchFamily="18" charset="0"/>
-                <a:cs typeface="Times New Roman" panose="02020603050405020304" pitchFamily="18" charset="0"/>
-              </a:rPr>
-              <a:t>ợc cập nhật th</a:t>
-            </a:r>
-            <a:r>
-              <a:rPr lang="vi-VN">
-                <a:latin typeface="Times New Roman" panose="02020603050405020304" pitchFamily="18" charset="0"/>
-                <a:cs typeface="Times New Roman" panose="02020603050405020304" pitchFamily="18" charset="0"/>
-              </a:rPr>
-              <a:t>ư</a:t>
-            </a:r>
-            <a:r>
-              <a:rPr lang="en-US">
-                <a:latin typeface="Times New Roman" panose="02020603050405020304" pitchFamily="18" charset="0"/>
-                <a:cs typeface="Times New Roman" panose="02020603050405020304" pitchFamily="18" charset="0"/>
-              </a:rPr>
-              <a:t>ờng xuyên, chất l</a:t>
-            </a:r>
-            <a:r>
-              <a:rPr lang="vi-VN">
-                <a:latin typeface="Times New Roman" panose="02020603050405020304" pitchFamily="18" charset="0"/>
-                <a:cs typeface="Times New Roman" panose="02020603050405020304" pitchFamily="18" charset="0"/>
-              </a:rPr>
-              <a:t>ư</a:t>
-            </a:r>
-            <a:r>
-              <a:rPr lang="en-US">
-                <a:latin typeface="Times New Roman" panose="02020603050405020304" pitchFamily="18" charset="0"/>
-                <a:cs typeface="Times New Roman" panose="02020603050405020304" pitchFamily="18" charset="0"/>
-              </a:rPr>
-              <a:t>ợng phân tích văn bản cao.</a:t>
-            </a:r>
-          </a:p>
-          <a:p>
-            <a:pPr>
-              <a:spcAft>
-                <a:spcPts val="1800"/>
-              </a:spcAft>
-            </a:pPr>
-            <a:r>
-              <a:rPr lang="en-US">
-                <a:latin typeface="Times New Roman" panose="02020603050405020304" pitchFamily="18" charset="0"/>
-                <a:cs typeface="Times New Roman" panose="02020603050405020304" pitchFamily="18" charset="0"/>
-              </a:rPr>
-              <a:t>Hỗ trợ cho một số ngôn ngữ đ</a:t>
-            </a:r>
-            <a:r>
-              <a:rPr lang="vi-VN">
-                <a:latin typeface="Times New Roman" panose="02020603050405020304" pitchFamily="18" charset="0"/>
-                <a:cs typeface="Times New Roman" panose="02020603050405020304" pitchFamily="18" charset="0"/>
-              </a:rPr>
-              <a:t>ư</a:t>
-            </a:r>
-            <a:r>
-              <a:rPr lang="en-US">
-                <a:latin typeface="Times New Roman" panose="02020603050405020304" pitchFamily="18" charset="0"/>
-                <a:cs typeface="Times New Roman" panose="02020603050405020304" pitchFamily="18" charset="0"/>
-              </a:rPr>
-              <a:t>ợc sử dụng phổ biến.</a:t>
-            </a:r>
-          </a:p>
-          <a:p>
-            <a:pPr>
-              <a:spcAft>
-                <a:spcPts val="1800"/>
-              </a:spcAft>
-            </a:pPr>
-            <a:r>
-              <a:rPr lang="en-US">
-                <a:latin typeface="Times New Roman" panose="02020603050405020304" pitchFamily="18" charset="0"/>
-                <a:cs typeface="Times New Roman" panose="02020603050405020304" pitchFamily="18" charset="0"/>
-              </a:rPr>
-              <a:t>Có sẵn APIs cho hầu hết các ngôn ngữ lập trình hiện đại.</a:t>
-            </a:r>
-          </a:p>
-          <a:p>
-            <a:pPr>
-              <a:spcAft>
-                <a:spcPts val="1800"/>
-              </a:spcAft>
-            </a:pPr>
-            <a:r>
-              <a:rPr lang="en-US">
-                <a:latin typeface="Times New Roman" panose="02020603050405020304" pitchFamily="18" charset="0"/>
-                <a:cs typeface="Times New Roman" panose="02020603050405020304" pitchFamily="18" charset="0"/>
-              </a:rPr>
-              <a:t>Có thể hoạt động nh</a:t>
-            </a:r>
-            <a:r>
-              <a:rPr lang="vi-VN">
-                <a:latin typeface="Times New Roman" panose="02020603050405020304" pitchFamily="18" charset="0"/>
-                <a:cs typeface="Times New Roman" panose="02020603050405020304" pitchFamily="18" charset="0"/>
-              </a:rPr>
-              <a:t>ư</a:t>
-            </a:r>
-            <a:r>
-              <a:rPr lang="en-US">
-                <a:latin typeface="Times New Roman" panose="02020603050405020304" pitchFamily="18" charset="0"/>
-                <a:cs typeface="Times New Roman" panose="02020603050405020304" pitchFamily="18" charset="0"/>
-              </a:rPr>
-              <a:t> một dịch vụ web đ</a:t>
-            </a:r>
-            <a:r>
-              <a:rPr lang="vi-VN">
-                <a:latin typeface="Times New Roman" panose="02020603050405020304" pitchFamily="18" charset="0"/>
-                <a:cs typeface="Times New Roman" panose="02020603050405020304" pitchFamily="18" charset="0"/>
-              </a:rPr>
-              <a:t>ơ</a:t>
-            </a:r>
-            <a:r>
-              <a:rPr lang="en-US">
-                <a:latin typeface="Times New Roman" panose="02020603050405020304" pitchFamily="18" charset="0"/>
-                <a:cs typeface="Times New Roman" panose="02020603050405020304" pitchFamily="18" charset="0"/>
-              </a:rPr>
-              <a:t>n giản.</a:t>
-            </a:r>
-          </a:p>
-        </p:txBody>
-      </p:sp>
-    </p:spTree>
-    <p:extLst>
-      <p:ext uri="{BB962C8B-B14F-4D97-AF65-F5344CB8AC3E}">
-        <p14:creationId xmlns:p14="http://schemas.microsoft.com/office/powerpoint/2010/main" val="1715104839"/>
-      </p:ext>
-    </p:extLst>
-  </p:cSld>
-  <p:clrMapOvr>
-    <a:masterClrMapping/>
-  </p:clrMapOvr>
-</p:sld>
-</file>
-
-<file path=ppt/slides/slide6.xml><?xml version="1.0" encoding="utf-8"?>
-<p:sld xmlns:a="http://schemas.openxmlformats.org/drawingml/2006/main" xmlns:r="http://schemas.openxmlformats.org/officeDocument/2006/relationships" xmlns:p="http://schemas.openxmlformats.org/presentationml/2006/main">
-  <p:cSld>
-    <p:bg>
-      <p:bgPr>
-        <a:solidFill>
-          <a:schemeClr val="bg1"/>
-        </a:solidFill>
-        <a:effectLst/>
-      </p:bgPr>
-    </p:bg>
-    <p:spTree>
-      <p:nvGrpSpPr>
-        <p:cNvPr id="1" name=""/>
-        <p:cNvGrpSpPr/>
-        <p:nvPr/>
-      </p:nvGrpSpPr>
-      <p:grpSpPr>
-        <a:xfrm>
-          <a:off x="0" y="0"/>
-          <a:ext cx="0" cy="0"/>
-          <a:chOff x="0" y="0"/>
-          <a:chExt cx="0" cy="0"/>
-        </a:xfrm>
-      </p:grpSpPr>
-      <p:sp>
-        <p:nvSpPr>
-          <p:cNvPr id="2" name="Title 1">
-            <a:extLst>
-              <a:ext uri="{FF2B5EF4-FFF2-40B4-BE49-F238E27FC236}">
-                <a16:creationId xmlns:a16="http://schemas.microsoft.com/office/drawing/2014/main" id="{3375D0FA-01BF-416F-B395-3B8402B7C557}"/>
-              </a:ext>
-            </a:extLst>
-          </p:cNvPr>
-          <p:cNvSpPr>
-            <a:spLocks noGrp="1"/>
-          </p:cNvSpPr>
-          <p:nvPr>
-            <p:ph type="title"/>
-          </p:nvPr>
-        </p:nvSpPr>
-        <p:spPr>
-          <a:xfrm>
-            <a:off x="1528556" y="29650"/>
-            <a:ext cx="8126888" cy="1302773"/>
-          </a:xfrm>
-        </p:spPr>
-        <p:txBody>
-          <a:bodyPr>
-            <a:normAutofit fontScale="90000"/>
-          </a:bodyPr>
-          <a:lstStyle/>
-          <a:p>
-            <a:pPr algn="l"/>
-            <a:r>
-              <a:rPr lang="en-US" b="1">
-                <a:solidFill>
-                  <a:srgbClr val="0000FF"/>
-                </a:solidFill>
-                <a:latin typeface="Times New Roman" panose="02020603050405020304" pitchFamily="18" charset="0"/>
-                <a:cs typeface="Times New Roman" panose="02020603050405020304" pitchFamily="18" charset="0"/>
-              </a:rPr>
-              <a:t>Sử dụng Stanford CoreNLP trong .NET</a:t>
-            </a:r>
-          </a:p>
-        </p:txBody>
-      </p:sp>
-      <p:sp>
-        <p:nvSpPr>
-          <p:cNvPr id="3" name="Content Placeholder 2">
-            <a:extLst>
-              <a:ext uri="{FF2B5EF4-FFF2-40B4-BE49-F238E27FC236}">
-                <a16:creationId xmlns:a16="http://schemas.microsoft.com/office/drawing/2014/main" id="{63A8A89F-E945-4563-94B0-32D957447F15}"/>
-              </a:ext>
-            </a:extLst>
-          </p:cNvPr>
-          <p:cNvSpPr>
-            <a:spLocks noGrp="1"/>
-          </p:cNvSpPr>
-          <p:nvPr>
-            <p:ph idx="1"/>
-          </p:nvPr>
-        </p:nvSpPr>
-        <p:spPr>
-          <a:xfrm>
-            <a:off x="1528556" y="1332423"/>
-            <a:ext cx="10389641" cy="1952787"/>
-          </a:xfrm>
-        </p:spPr>
-        <p:txBody>
-          <a:bodyPr>
-            <a:noAutofit/>
-          </a:bodyPr>
-          <a:lstStyle/>
-          <a:p>
-            <a:pPr>
-              <a:spcAft>
-                <a:spcPts val="1800"/>
-              </a:spcAft>
-            </a:pPr>
-            <a:r>
-              <a:rPr lang="en-US" dirty="0">
-                <a:latin typeface="Times New Roman" panose="02020603050405020304" pitchFamily="18" charset="0"/>
-                <a:cs typeface="Times New Roman" panose="02020603050405020304" pitchFamily="18" charset="0"/>
-              </a:rPr>
-              <a:t>Stanford đ</a:t>
-            </a:r>
-            <a:r>
-              <a:rPr lang="vi-VN" dirty="0">
-                <a:latin typeface="Times New Roman" panose="02020603050405020304" pitchFamily="18" charset="0"/>
-                <a:cs typeface="Times New Roman" panose="02020603050405020304" pitchFamily="18" charset="0"/>
-              </a:rPr>
-              <a:t>ư</a:t>
-            </a:r>
-            <a:r>
-              <a:rPr lang="en-US" dirty="0" err="1">
-                <a:latin typeface="Times New Roman" panose="02020603050405020304" pitchFamily="18" charset="0"/>
-                <a:cs typeface="Times New Roman" panose="02020603050405020304" pitchFamily="18" charset="0"/>
-              </a:rPr>
-              <a:t>ợc</a:t>
-            </a:r>
-            <a:r>
-              <a:rPr lang="en-US" dirty="0">
-                <a:latin typeface="Times New Roman" panose="02020603050405020304" pitchFamily="18" charset="0"/>
-                <a:cs typeface="Times New Roman" panose="02020603050405020304" pitchFamily="18" charset="0"/>
-              </a:rPr>
-              <a:t> </a:t>
-            </a:r>
-            <a:r>
-              <a:rPr lang="en-US" dirty="0" err="1">
-                <a:latin typeface="Times New Roman" panose="02020603050405020304" pitchFamily="18" charset="0"/>
-                <a:cs typeface="Times New Roman" panose="02020603050405020304" pitchFamily="18" charset="0"/>
-              </a:rPr>
-              <a:t>viết</a:t>
-            </a:r>
-            <a:r>
-              <a:rPr lang="en-US" dirty="0">
-                <a:latin typeface="Times New Roman" panose="02020603050405020304" pitchFamily="18" charset="0"/>
-                <a:cs typeface="Times New Roman" panose="02020603050405020304" pitchFamily="18" charset="0"/>
-              </a:rPr>
-              <a:t> </a:t>
-            </a:r>
-            <a:r>
-              <a:rPr lang="en-US" dirty="0" err="1">
-                <a:latin typeface="Times New Roman" panose="02020603050405020304" pitchFamily="18" charset="0"/>
-                <a:cs typeface="Times New Roman" panose="02020603050405020304" pitchFamily="18" charset="0"/>
-              </a:rPr>
-              <a:t>bằng</a:t>
-            </a:r>
-            <a:r>
-              <a:rPr lang="en-US" dirty="0">
-                <a:latin typeface="Times New Roman" panose="02020603050405020304" pitchFamily="18" charset="0"/>
-                <a:cs typeface="Times New Roman" panose="02020603050405020304" pitchFamily="18" charset="0"/>
-              </a:rPr>
-              <a:t> Java. </a:t>
-            </a:r>
-            <a:r>
-              <a:rPr lang="en-US" dirty="0" err="1">
-                <a:latin typeface="Times New Roman" panose="02020603050405020304" pitchFamily="18" charset="0"/>
-                <a:cs typeface="Times New Roman" panose="02020603050405020304" pitchFamily="18" charset="0"/>
-              </a:rPr>
-              <a:t>Tuy</a:t>
-            </a:r>
-            <a:r>
-              <a:rPr lang="en-US" dirty="0">
-                <a:latin typeface="Times New Roman" panose="02020603050405020304" pitchFamily="18" charset="0"/>
-                <a:cs typeface="Times New Roman" panose="02020603050405020304" pitchFamily="18" charset="0"/>
-              </a:rPr>
-              <a:t> </a:t>
-            </a:r>
-            <a:r>
-              <a:rPr lang="en-US" dirty="0" err="1">
-                <a:latin typeface="Times New Roman" panose="02020603050405020304" pitchFamily="18" charset="0"/>
-                <a:cs typeface="Times New Roman" panose="02020603050405020304" pitchFamily="18" charset="0"/>
-              </a:rPr>
-              <a:t>nhiên</a:t>
-            </a:r>
-            <a:r>
-              <a:rPr lang="en-US" dirty="0">
-                <a:latin typeface="Times New Roman" panose="02020603050405020304" pitchFamily="18" charset="0"/>
-                <a:cs typeface="Times New Roman" panose="02020603050405020304" pitchFamily="18" charset="0"/>
-              </a:rPr>
-              <a:t> </a:t>
-            </a:r>
-            <a:r>
-              <a:rPr lang="en-US" dirty="0" err="1">
-                <a:latin typeface="Times New Roman" panose="02020603050405020304" pitchFamily="18" charset="0"/>
-                <a:cs typeface="Times New Roman" panose="02020603050405020304" pitchFamily="18" charset="0"/>
-              </a:rPr>
-              <a:t>bạn</a:t>
-            </a:r>
-            <a:r>
-              <a:rPr lang="en-US" dirty="0">
-                <a:latin typeface="Times New Roman" panose="02020603050405020304" pitchFamily="18" charset="0"/>
-                <a:cs typeface="Times New Roman" panose="02020603050405020304" pitchFamily="18" charset="0"/>
-              </a:rPr>
-              <a:t> </a:t>
-            </a:r>
-            <a:r>
-              <a:rPr lang="en-US" dirty="0" err="1">
-                <a:latin typeface="Times New Roman" panose="02020603050405020304" pitchFamily="18" charset="0"/>
-                <a:cs typeface="Times New Roman" panose="02020603050405020304" pitchFamily="18" charset="0"/>
-              </a:rPr>
-              <a:t>cũng</a:t>
-            </a:r>
-            <a:r>
-              <a:rPr lang="en-US" dirty="0">
-                <a:latin typeface="Times New Roman" panose="02020603050405020304" pitchFamily="18" charset="0"/>
-                <a:cs typeface="Times New Roman" panose="02020603050405020304" pitchFamily="18" charset="0"/>
-              </a:rPr>
-              <a:t> </a:t>
-            </a:r>
-            <a:r>
-              <a:rPr lang="en-US" dirty="0" err="1">
-                <a:latin typeface="Times New Roman" panose="02020603050405020304" pitchFamily="18" charset="0"/>
-                <a:cs typeface="Times New Roman" panose="02020603050405020304" pitchFamily="18" charset="0"/>
-              </a:rPr>
-              <a:t>có</a:t>
-            </a:r>
-            <a:r>
-              <a:rPr lang="en-US" dirty="0">
-                <a:latin typeface="Times New Roman" panose="02020603050405020304" pitchFamily="18" charset="0"/>
-                <a:cs typeface="Times New Roman" panose="02020603050405020304" pitchFamily="18" charset="0"/>
-              </a:rPr>
-              <a:t> </a:t>
-            </a:r>
-            <a:r>
-              <a:rPr lang="en-US" dirty="0" err="1">
-                <a:latin typeface="Times New Roman" panose="02020603050405020304" pitchFamily="18" charset="0"/>
-                <a:cs typeface="Times New Roman" panose="02020603050405020304" pitchFamily="18" charset="0"/>
-              </a:rPr>
-              <a:t>thể</a:t>
-            </a:r>
-            <a:r>
-              <a:rPr lang="en-US" dirty="0">
-                <a:latin typeface="Times New Roman" panose="02020603050405020304" pitchFamily="18" charset="0"/>
-                <a:cs typeface="Times New Roman" panose="02020603050405020304" pitchFamily="18" charset="0"/>
-              </a:rPr>
-              <a:t> </a:t>
-            </a:r>
-            <a:r>
-              <a:rPr lang="en-US" dirty="0" err="1">
-                <a:latin typeface="Times New Roman" panose="02020603050405020304" pitchFamily="18" charset="0"/>
-                <a:cs typeface="Times New Roman" panose="02020603050405020304" pitchFamily="18" charset="0"/>
-              </a:rPr>
-              <a:t>sử</a:t>
-            </a:r>
-            <a:r>
-              <a:rPr lang="en-US" dirty="0">
-                <a:latin typeface="Times New Roman" panose="02020603050405020304" pitchFamily="18" charset="0"/>
-                <a:cs typeface="Times New Roman" panose="02020603050405020304" pitchFamily="18" charset="0"/>
-              </a:rPr>
-              <a:t> </a:t>
-            </a:r>
-            <a:r>
-              <a:rPr lang="en-US" dirty="0" err="1">
-                <a:latin typeface="Times New Roman" panose="02020603050405020304" pitchFamily="18" charset="0"/>
-                <a:cs typeface="Times New Roman" panose="02020603050405020304" pitchFamily="18" charset="0"/>
-              </a:rPr>
-              <a:t>dụng</a:t>
-            </a:r>
-            <a:r>
-              <a:rPr lang="en-US" dirty="0">
-                <a:latin typeface="Times New Roman" panose="02020603050405020304" pitchFamily="18" charset="0"/>
-                <a:cs typeface="Times New Roman" panose="02020603050405020304" pitchFamily="18" charset="0"/>
-              </a:rPr>
-              <a:t> Stanford </a:t>
-            </a:r>
-            <a:r>
-              <a:rPr lang="en-US" dirty="0" err="1">
-                <a:latin typeface="Times New Roman" panose="02020603050405020304" pitchFamily="18" charset="0"/>
-                <a:cs typeface="Times New Roman" panose="02020603050405020304" pitchFamily="18" charset="0"/>
-              </a:rPr>
-              <a:t>CoreNLP</a:t>
-            </a:r>
-            <a:r>
-              <a:rPr lang="en-US" dirty="0">
-                <a:latin typeface="Times New Roman" panose="02020603050405020304" pitchFamily="18" charset="0"/>
-                <a:cs typeface="Times New Roman" panose="02020603050405020304" pitchFamily="18" charset="0"/>
-              </a:rPr>
-              <a:t> </a:t>
-            </a:r>
-            <a:r>
-              <a:rPr lang="en-US" dirty="0" err="1">
-                <a:latin typeface="Times New Roman" panose="02020603050405020304" pitchFamily="18" charset="0"/>
-                <a:cs typeface="Times New Roman" panose="02020603050405020304" pitchFamily="18" charset="0"/>
-              </a:rPr>
-              <a:t>bằng</a:t>
-            </a:r>
-            <a:r>
-              <a:rPr lang="en-US" dirty="0">
-                <a:latin typeface="Times New Roman" panose="02020603050405020304" pitchFamily="18" charset="0"/>
-                <a:cs typeface="Times New Roman" panose="02020603050405020304" pitchFamily="18" charset="0"/>
-              </a:rPr>
-              <a:t> </a:t>
-            </a:r>
-            <a:r>
-              <a:rPr lang="en-US" dirty="0" err="1">
-                <a:latin typeface="Times New Roman" panose="02020603050405020304" pitchFamily="18" charset="0"/>
-                <a:cs typeface="Times New Roman" panose="02020603050405020304" pitchFamily="18" charset="0"/>
-              </a:rPr>
-              <a:t>những</a:t>
-            </a:r>
-            <a:r>
-              <a:rPr lang="en-US" dirty="0">
-                <a:latin typeface="Times New Roman" panose="02020603050405020304" pitchFamily="18" charset="0"/>
-                <a:cs typeface="Times New Roman" panose="02020603050405020304" pitchFamily="18" charset="0"/>
-              </a:rPr>
-              <a:t> </a:t>
-            </a:r>
-            <a:r>
-              <a:rPr lang="en-US" dirty="0" err="1">
-                <a:latin typeface="Times New Roman" panose="02020603050405020304" pitchFamily="18" charset="0"/>
-                <a:cs typeface="Times New Roman" panose="02020603050405020304" pitchFamily="18" charset="0"/>
-              </a:rPr>
-              <a:t>ngôn</a:t>
-            </a:r>
-            <a:r>
-              <a:rPr lang="en-US" dirty="0">
-                <a:latin typeface="Times New Roman" panose="02020603050405020304" pitchFamily="18" charset="0"/>
-                <a:cs typeface="Times New Roman" panose="02020603050405020304" pitchFamily="18" charset="0"/>
-              </a:rPr>
-              <a:t> </a:t>
-            </a:r>
-            <a:r>
-              <a:rPr lang="en-US" dirty="0" err="1">
-                <a:latin typeface="Times New Roman" panose="02020603050405020304" pitchFamily="18" charset="0"/>
-                <a:cs typeface="Times New Roman" panose="02020603050405020304" pitchFamily="18" charset="0"/>
-              </a:rPr>
-              <a:t>ngữ</a:t>
-            </a:r>
-            <a:r>
-              <a:rPr lang="en-US" dirty="0">
-                <a:latin typeface="Times New Roman" panose="02020603050405020304" pitchFamily="18" charset="0"/>
-                <a:cs typeface="Times New Roman" panose="02020603050405020304" pitchFamily="18" charset="0"/>
-              </a:rPr>
-              <a:t> </a:t>
-            </a:r>
-            <a:r>
-              <a:rPr lang="en-US" dirty="0" err="1">
-                <a:latin typeface="Times New Roman" panose="02020603050405020304" pitchFamily="18" charset="0"/>
-                <a:cs typeface="Times New Roman" panose="02020603050405020304" pitchFamily="18" charset="0"/>
-              </a:rPr>
-              <a:t>khác</a:t>
-            </a:r>
-            <a:r>
-              <a:rPr lang="en-US" dirty="0">
-                <a:latin typeface="Times New Roman" panose="02020603050405020304" pitchFamily="18" charset="0"/>
-                <a:cs typeface="Times New Roman" panose="02020603050405020304" pitchFamily="18" charset="0"/>
-              </a:rPr>
-              <a:t> </a:t>
-            </a:r>
-            <a:r>
-              <a:rPr lang="en-US" dirty="0" err="1">
-                <a:latin typeface="Times New Roman" panose="02020603050405020304" pitchFamily="18" charset="0"/>
-                <a:cs typeface="Times New Roman" panose="02020603050405020304" pitchFamily="18" charset="0"/>
-              </a:rPr>
-              <a:t>nh</a:t>
-            </a:r>
-            <a:r>
-              <a:rPr lang="vi-VN" dirty="0">
-                <a:latin typeface="Times New Roman" panose="02020603050405020304" pitchFamily="18" charset="0"/>
-                <a:cs typeface="Times New Roman" panose="02020603050405020304" pitchFamily="18" charset="0"/>
-              </a:rPr>
-              <a:t>ư</a:t>
-            </a:r>
-            <a:r>
-              <a:rPr lang="en-US" dirty="0">
-                <a:latin typeface="Times New Roman" panose="02020603050405020304" pitchFamily="18" charset="0"/>
-                <a:cs typeface="Times New Roman" panose="02020603050405020304" pitchFamily="18" charset="0"/>
-              </a:rPr>
-              <a:t> JavaScript, Python, C# ,…</a:t>
-            </a:r>
-          </a:p>
-          <a:p>
-            <a:pPr>
-              <a:spcAft>
-                <a:spcPts val="1800"/>
-              </a:spcAft>
-            </a:pPr>
-            <a:r>
-              <a:rPr lang="en-US" dirty="0" err="1">
-                <a:latin typeface="Times New Roman" panose="02020603050405020304" pitchFamily="18" charset="0"/>
-                <a:cs typeface="Times New Roman" panose="02020603050405020304" pitchFamily="18" charset="0"/>
-              </a:rPr>
-              <a:t>Trong</a:t>
-            </a:r>
-            <a:r>
-              <a:rPr lang="en-US" dirty="0">
-                <a:latin typeface="Times New Roman" panose="02020603050405020304" pitchFamily="18" charset="0"/>
-                <a:cs typeface="Times New Roman" panose="02020603050405020304" pitchFamily="18" charset="0"/>
-              </a:rPr>
-              <a:t> .NET </a:t>
-            </a:r>
-            <a:r>
-              <a:rPr lang="en-US" dirty="0" err="1">
-                <a:latin typeface="Times New Roman" panose="02020603050405020304" pitchFamily="18" charset="0"/>
-                <a:cs typeface="Times New Roman" panose="02020603050405020304" pitchFamily="18" charset="0"/>
-              </a:rPr>
-              <a:t>bạn</a:t>
-            </a:r>
-            <a:r>
-              <a:rPr lang="en-US" dirty="0">
-                <a:latin typeface="Times New Roman" panose="02020603050405020304" pitchFamily="18" charset="0"/>
-                <a:cs typeface="Times New Roman" panose="02020603050405020304" pitchFamily="18" charset="0"/>
-              </a:rPr>
-              <a:t> </a:t>
-            </a:r>
-            <a:r>
-              <a:rPr lang="en-US" dirty="0" err="1">
-                <a:latin typeface="Times New Roman" panose="02020603050405020304" pitchFamily="18" charset="0"/>
-                <a:cs typeface="Times New Roman" panose="02020603050405020304" pitchFamily="18" charset="0"/>
-              </a:rPr>
-              <a:t>có</a:t>
-            </a:r>
-            <a:r>
-              <a:rPr lang="en-US" dirty="0">
-                <a:latin typeface="Times New Roman" panose="02020603050405020304" pitchFamily="18" charset="0"/>
-                <a:cs typeface="Times New Roman" panose="02020603050405020304" pitchFamily="18" charset="0"/>
-              </a:rPr>
-              <a:t> </a:t>
-            </a:r>
-            <a:r>
-              <a:rPr lang="en-US" dirty="0" err="1">
-                <a:latin typeface="Times New Roman" panose="02020603050405020304" pitchFamily="18" charset="0"/>
-                <a:cs typeface="Times New Roman" panose="02020603050405020304" pitchFamily="18" charset="0"/>
-              </a:rPr>
-              <a:t>thể</a:t>
-            </a:r>
-            <a:r>
-              <a:rPr lang="en-US" dirty="0">
-                <a:latin typeface="Times New Roman" panose="02020603050405020304" pitchFamily="18" charset="0"/>
-                <a:cs typeface="Times New Roman" panose="02020603050405020304" pitchFamily="18" charset="0"/>
-              </a:rPr>
-              <a:t> </a:t>
-            </a:r>
-            <a:r>
-              <a:rPr lang="en-US" dirty="0" err="1">
-                <a:latin typeface="Times New Roman" panose="02020603050405020304" pitchFamily="18" charset="0"/>
-                <a:cs typeface="Times New Roman" panose="02020603050405020304" pitchFamily="18" charset="0"/>
-              </a:rPr>
-              <a:t>cài</a:t>
-            </a:r>
-            <a:r>
-              <a:rPr lang="en-US" dirty="0">
-                <a:latin typeface="Times New Roman" panose="02020603050405020304" pitchFamily="18" charset="0"/>
-                <a:cs typeface="Times New Roman" panose="02020603050405020304" pitchFamily="18" charset="0"/>
-              </a:rPr>
-              <a:t> </a:t>
-            </a:r>
-            <a:r>
-              <a:rPr lang="en-US" dirty="0" err="1">
-                <a:latin typeface="Times New Roman" panose="02020603050405020304" pitchFamily="18" charset="0"/>
-                <a:cs typeface="Times New Roman" panose="02020603050405020304" pitchFamily="18" charset="0"/>
-              </a:rPr>
-              <a:t>đặt</a:t>
-            </a:r>
-            <a:r>
-              <a:rPr lang="en-US" dirty="0">
-                <a:latin typeface="Times New Roman" panose="02020603050405020304" pitchFamily="18" charset="0"/>
-                <a:cs typeface="Times New Roman" panose="02020603050405020304" pitchFamily="18" charset="0"/>
-              </a:rPr>
-              <a:t> </a:t>
-            </a:r>
-            <a:r>
-              <a:rPr lang="en-US" dirty="0" err="1">
-                <a:latin typeface="Times New Roman" panose="02020603050405020304" pitchFamily="18" charset="0"/>
-                <a:cs typeface="Times New Roman" panose="02020603050405020304" pitchFamily="18" charset="0"/>
-              </a:rPr>
-              <a:t>th</a:t>
-            </a:r>
-            <a:r>
-              <a:rPr lang="vi-VN" dirty="0">
-                <a:latin typeface="Times New Roman" panose="02020603050405020304" pitchFamily="18" charset="0"/>
-                <a:cs typeface="Times New Roman" panose="02020603050405020304" pitchFamily="18" charset="0"/>
-              </a:rPr>
-              <a:t>ư</a:t>
-            </a:r>
-            <a:r>
-              <a:rPr lang="en-US" dirty="0">
-                <a:latin typeface="Times New Roman" panose="02020603050405020304" pitchFamily="18" charset="0"/>
-                <a:cs typeface="Times New Roman" panose="02020603050405020304" pitchFamily="18" charset="0"/>
-              </a:rPr>
-              <a:t> </a:t>
-            </a:r>
-            <a:r>
-              <a:rPr lang="en-US" dirty="0" err="1">
-                <a:latin typeface="Times New Roman" panose="02020603050405020304" pitchFamily="18" charset="0"/>
-                <a:cs typeface="Times New Roman" panose="02020603050405020304" pitchFamily="18" charset="0"/>
-              </a:rPr>
-              <a:t>viện</a:t>
-            </a:r>
-            <a:r>
-              <a:rPr lang="en-US" dirty="0">
-                <a:latin typeface="Times New Roman" panose="02020603050405020304" pitchFamily="18" charset="0"/>
-                <a:cs typeface="Times New Roman" panose="02020603050405020304" pitchFamily="18" charset="0"/>
-              </a:rPr>
-              <a:t> Stanford </a:t>
-            </a:r>
-            <a:r>
-              <a:rPr lang="en-US" dirty="0" err="1">
-                <a:latin typeface="Times New Roman" panose="02020603050405020304" pitchFamily="18" charset="0"/>
-                <a:cs typeface="Times New Roman" panose="02020603050405020304" pitchFamily="18" charset="0"/>
-              </a:rPr>
-              <a:t>CoreNLP</a:t>
-            </a:r>
-            <a:r>
-              <a:rPr lang="en-US" dirty="0">
-                <a:latin typeface="Times New Roman" panose="02020603050405020304" pitchFamily="18" charset="0"/>
-                <a:cs typeface="Times New Roman" panose="02020603050405020304" pitchFamily="18" charset="0"/>
-              </a:rPr>
-              <a:t> qua NuGet packages</a:t>
-            </a:r>
-          </a:p>
-        </p:txBody>
-      </p:sp>
-      <p:pic>
-        <p:nvPicPr>
-          <p:cNvPr id="8" name="Picture 7" descr="A screenshot of a social media post&#10;&#10;Description generated with very high confidence">
-            <a:extLst>
-              <a:ext uri="{FF2B5EF4-FFF2-40B4-BE49-F238E27FC236}">
-                <a16:creationId xmlns:a16="http://schemas.microsoft.com/office/drawing/2014/main" id="{9FBA958E-F809-4515-BCBD-CF0F241EA837}"/>
-              </a:ext>
-            </a:extLst>
-          </p:cNvPr>
-          <p:cNvPicPr>
-            <a:picLocks noChangeAspect="1"/>
-          </p:cNvPicPr>
-          <p:nvPr/>
-        </p:nvPicPr>
-        <p:blipFill>
-          <a:blip r:embed="rId2"/>
-          <a:stretch>
-            <a:fillRect/>
-          </a:stretch>
-        </p:blipFill>
-        <p:spPr>
-          <a:xfrm>
-            <a:off x="1796149" y="3429000"/>
-            <a:ext cx="9606477" cy="2712033"/>
-          </a:xfrm>
-          <a:prstGeom prst="rect">
-            <a:avLst/>
-          </a:prstGeom>
-        </p:spPr>
-      </p:pic>
-    </p:spTree>
-    <p:extLst>
-      <p:ext uri="{BB962C8B-B14F-4D97-AF65-F5344CB8AC3E}">
-        <p14:creationId xmlns:p14="http://schemas.microsoft.com/office/powerpoint/2010/main" val="1871652294"/>
-      </p:ext>
-    </p:extLst>
-  </p:cSld>
-  <p:clrMapOvr>
-    <a:masterClrMapping/>
-  </p:clrMapOvr>
-</p:sld>
-</file>
-
-<file path=ppt/slides/slide7.xml><?xml version="1.0" encoding="utf-8"?>
-<p:sld xmlns:a="http://schemas.openxmlformats.org/drawingml/2006/main" xmlns:r="http://schemas.openxmlformats.org/officeDocument/2006/relationships" xmlns:p="http://schemas.openxmlformats.org/presentationml/2006/main">
-  <p:cSld>
-    <p:spTree>
-      <p:nvGrpSpPr>
-        <p:cNvPr id="1" name=""/>
-        <p:cNvGrpSpPr/>
-        <p:nvPr/>
-      </p:nvGrpSpPr>
-      <p:grpSpPr>
-        <a:xfrm>
-          <a:off x="0" y="0"/>
-          <a:ext cx="0" cy="0"/>
-          <a:chOff x="0" y="0"/>
-          <a:chExt cx="0" cy="0"/>
-        </a:xfrm>
-      </p:grpSpPr>
-      <p:sp>
-        <p:nvSpPr>
-          <p:cNvPr id="2" name="Title 1">
-            <a:extLst>
-              <a:ext uri="{FF2B5EF4-FFF2-40B4-BE49-F238E27FC236}">
-                <a16:creationId xmlns:a16="http://schemas.microsoft.com/office/drawing/2014/main" id="{3320184A-853A-46BC-A5D5-0BA775050763}"/>
-              </a:ext>
-            </a:extLst>
-          </p:cNvPr>
-          <p:cNvSpPr>
-            <a:spLocks noGrp="1"/>
-          </p:cNvSpPr>
-          <p:nvPr>
-            <p:ph type="title"/>
-          </p:nvPr>
-        </p:nvSpPr>
-        <p:spPr>
-          <a:xfrm>
-            <a:off x="1602298" y="213852"/>
-            <a:ext cx="7807173" cy="1511710"/>
-          </a:xfrm>
-        </p:spPr>
-        <p:txBody>
-          <a:bodyPr/>
-          <a:lstStyle/>
-          <a:p>
-            <a:pPr algn="l"/>
-            <a:r>
-              <a:rPr lang="en-US" b="1">
-                <a:solidFill>
-                  <a:srgbClr val="0000FF"/>
-                </a:solidFill>
-                <a:latin typeface="Times New Roman" panose="02020603050405020304" pitchFamily="18" charset="0"/>
-                <a:cs typeface="Times New Roman" panose="02020603050405020304" pitchFamily="18" charset="0"/>
-              </a:rPr>
-              <a:t>Các công cụ đ</a:t>
-            </a:r>
-            <a:r>
-              <a:rPr lang="vi-VN" b="1">
-                <a:solidFill>
-                  <a:srgbClr val="0000FF"/>
-                </a:solidFill>
-                <a:latin typeface="Times New Roman" panose="02020603050405020304" pitchFamily="18" charset="0"/>
-                <a:cs typeface="Times New Roman" panose="02020603050405020304" pitchFamily="18" charset="0"/>
-              </a:rPr>
-              <a:t>ư</a:t>
-            </a:r>
-            <a:r>
-              <a:rPr lang="en-US" b="1">
-                <a:solidFill>
-                  <a:srgbClr val="0000FF"/>
-                </a:solidFill>
-                <a:latin typeface="Times New Roman" panose="02020603050405020304" pitchFamily="18" charset="0"/>
-                <a:cs typeface="Times New Roman" panose="02020603050405020304" pitchFamily="18" charset="0"/>
-              </a:rPr>
-              <a:t>ợc tích hợp trong</a:t>
-            </a:r>
-            <a:br>
-              <a:rPr lang="en-US" b="1">
-                <a:solidFill>
-                  <a:srgbClr val="0000FF"/>
-                </a:solidFill>
-                <a:latin typeface="Times New Roman" panose="02020603050405020304" pitchFamily="18" charset="0"/>
-                <a:cs typeface="Times New Roman" panose="02020603050405020304" pitchFamily="18" charset="0"/>
-              </a:rPr>
-            </a:br>
-            <a:r>
-              <a:rPr lang="en-US" b="1">
-                <a:solidFill>
-                  <a:srgbClr val="0000FF"/>
-                </a:solidFill>
-                <a:latin typeface="Times New Roman" panose="02020603050405020304" pitchFamily="18" charset="0"/>
-                <a:cs typeface="Times New Roman" panose="02020603050405020304" pitchFamily="18" charset="0"/>
-              </a:rPr>
-              <a:t>Stanford CoreNLP</a:t>
-            </a:r>
-          </a:p>
-        </p:txBody>
-      </p:sp>
-      <p:sp>
-        <p:nvSpPr>
-          <p:cNvPr id="3" name="Content Placeholder 2">
-            <a:extLst>
-              <a:ext uri="{FF2B5EF4-FFF2-40B4-BE49-F238E27FC236}">
-                <a16:creationId xmlns:a16="http://schemas.microsoft.com/office/drawing/2014/main" id="{B19C7083-1D02-477A-B7C0-251FB4CF8D56}"/>
-              </a:ext>
-            </a:extLst>
-          </p:cNvPr>
-          <p:cNvSpPr>
-            <a:spLocks noGrp="1"/>
-          </p:cNvSpPr>
-          <p:nvPr>
-            <p:ph idx="1"/>
-          </p:nvPr>
-        </p:nvSpPr>
-        <p:spPr>
-          <a:xfrm>
-            <a:off x="3034141" y="1827550"/>
-            <a:ext cx="6375330" cy="3275392"/>
-          </a:xfrm>
-        </p:spPr>
-        <p:txBody>
-          <a:bodyPr>
-            <a:noAutofit/>
-          </a:bodyPr>
-          <a:lstStyle/>
-          <a:p>
-            <a:pPr lvl="1"/>
-            <a:r>
-              <a:rPr lang="en-US" sz="2400" dirty="0">
-                <a:latin typeface="Times New Roman" panose="02020603050405020304" pitchFamily="18" charset="0"/>
-                <a:cs typeface="Times New Roman" panose="02020603050405020304" pitchFamily="18" charset="0"/>
-              </a:rPr>
-              <a:t>Tokenization/ Sentence segmentation</a:t>
-            </a:r>
-          </a:p>
-          <a:p>
-            <a:pPr lvl="1"/>
-            <a:r>
-              <a:rPr lang="en-US" sz="2400" dirty="0">
-                <a:latin typeface="Times New Roman" panose="02020603050405020304" pitchFamily="18" charset="0"/>
-                <a:cs typeface="Times New Roman" panose="02020603050405020304" pitchFamily="18" charset="0"/>
-              </a:rPr>
-              <a:t>Part of Speech (POS) </a:t>
-            </a:r>
-          </a:p>
-          <a:p>
-            <a:pPr lvl="1"/>
-            <a:r>
-              <a:rPr lang="en-US" sz="2400" dirty="0">
-                <a:latin typeface="Times New Roman" panose="02020603050405020304" pitchFamily="18" charset="0"/>
-                <a:cs typeface="Times New Roman" panose="02020603050405020304" pitchFamily="18" charset="0"/>
-              </a:rPr>
-              <a:t>The named entity recognizer (NER)</a:t>
-            </a:r>
-          </a:p>
-          <a:p>
-            <a:pPr lvl="1"/>
-            <a:r>
-              <a:rPr lang="en-US" sz="2400" dirty="0">
-                <a:latin typeface="Times New Roman" panose="02020603050405020304" pitchFamily="18" charset="0"/>
-                <a:cs typeface="Times New Roman" panose="02020603050405020304" pitchFamily="18" charset="0"/>
-              </a:rPr>
-              <a:t>The parser</a:t>
-            </a:r>
-          </a:p>
-          <a:p>
-            <a:pPr lvl="1"/>
-            <a:r>
-              <a:rPr lang="en-US" sz="2400" dirty="0">
-                <a:latin typeface="Times New Roman" panose="02020603050405020304" pitchFamily="18" charset="0"/>
-                <a:cs typeface="Times New Roman" panose="02020603050405020304" pitchFamily="18" charset="0"/>
-              </a:rPr>
-              <a:t>The coreference resolution system</a:t>
-            </a:r>
-          </a:p>
-        </p:txBody>
-      </p:sp>
-      <p:sp>
-        <p:nvSpPr>
-          <p:cNvPr id="4" name="TextBox 3">
-            <a:extLst>
-              <a:ext uri="{FF2B5EF4-FFF2-40B4-BE49-F238E27FC236}">
-                <a16:creationId xmlns:a16="http://schemas.microsoft.com/office/drawing/2014/main" id="{62CCE3DC-5F37-4E4C-959F-B07501F2D377}"/>
-              </a:ext>
-            </a:extLst>
-          </p:cNvPr>
-          <p:cNvSpPr txBox="1"/>
-          <p:nvPr/>
-        </p:nvSpPr>
-        <p:spPr>
-          <a:xfrm>
-            <a:off x="1921789" y="5411408"/>
-            <a:ext cx="9949912" cy="830997"/>
-          </a:xfrm>
-          <a:prstGeom prst="rect">
-            <a:avLst/>
-          </a:prstGeom>
-          <a:noFill/>
-        </p:spPr>
-        <p:txBody>
-          <a:bodyPr wrap="square" rtlCol="0">
-            <a:spAutoFit/>
-          </a:bodyPr>
-          <a:lstStyle/>
-          <a:p>
-            <a:r>
-              <a:rPr lang="en-US" sz="2400">
-                <a:latin typeface="Times New Roman" panose="02020603050405020304" pitchFamily="18" charset="0"/>
-                <a:cs typeface="Times New Roman" panose="02020603050405020304" pitchFamily="18" charset="0"/>
-              </a:rPr>
-              <a:t>Bạn có thể chạy tất cả các công cụ trên bằng công cụ “pipeline”. Ngoài ra bạn cũng có thể chọn riêng lẻ từng công cụ để sử dụng.</a:t>
-            </a:r>
-          </a:p>
-        </p:txBody>
-      </p:sp>
-    </p:spTree>
-    <p:extLst>
-      <p:ext uri="{BB962C8B-B14F-4D97-AF65-F5344CB8AC3E}">
-        <p14:creationId xmlns:p14="http://schemas.microsoft.com/office/powerpoint/2010/main" val="2196253925"/>
-      </p:ext>
-    </p:extLst>
-  </p:cSld>
-  <p:clrMapOvr>
-    <a:masterClrMapping/>
-  </p:clrMapOvr>
-</p:sld>
-</file>
-
-<file path=ppt/slides/slide8.xml><?xml version="1.0" encoding="utf-8"?>
+<file path=ppt/slides/slide12.xml><?xml version="1.0" encoding="utf-8"?>
 <p:sld xmlns:a="http://schemas.openxmlformats.org/drawingml/2006/main" xmlns:r="http://schemas.openxmlformats.org/officeDocument/2006/relationships" xmlns:p="http://schemas.openxmlformats.org/presentationml/2006/main">
   <p:cSld>
     <p:spTree>
@@ -13965,7 +12747,7 @@
 </p:sld>
 </file>
 
-<file path=ppt/slides/slide9.xml><?xml version="1.0" encoding="utf-8"?>
+<file path=ppt/slides/slide13.xml><?xml version="1.0" encoding="utf-8"?>
 <p:sld xmlns:a="http://schemas.openxmlformats.org/drawingml/2006/main" xmlns:r="http://schemas.openxmlformats.org/officeDocument/2006/relationships" xmlns:p="http://schemas.openxmlformats.org/presentationml/2006/main">
   <p:cSld>
     <p:spTree>
@@ -14650,6 +13432,5277 @@
     <p:extLst>
       <p:ext uri="{BB962C8B-B14F-4D97-AF65-F5344CB8AC3E}">
         <p14:creationId xmlns:p14="http://schemas.microsoft.com/office/powerpoint/2010/main" val="1844693688"/>
+      </p:ext>
+    </p:extLst>
+  </p:cSld>
+  <p:clrMapOvr>
+    <a:masterClrMapping/>
+  </p:clrMapOvr>
+</p:sld>
+</file>
+
+<file path=ppt/slides/slide14.xml><?xml version="1.0" encoding="utf-8"?>
+<p:sld xmlns:a="http://schemas.openxmlformats.org/drawingml/2006/main" xmlns:r="http://schemas.openxmlformats.org/officeDocument/2006/relationships" xmlns:p="http://schemas.openxmlformats.org/presentationml/2006/main">
+  <p:cSld>
+    <p:spTree>
+      <p:nvGrpSpPr>
+        <p:cNvPr id="1" name=""/>
+        <p:cNvGrpSpPr/>
+        <p:nvPr/>
+      </p:nvGrpSpPr>
+      <p:grpSpPr>
+        <a:xfrm>
+          <a:off x="0" y="0"/>
+          <a:ext cx="0" cy="0"/>
+          <a:chOff x="0" y="0"/>
+          <a:chExt cx="0" cy="0"/>
+        </a:xfrm>
+      </p:grpSpPr>
+      <p:sp>
+        <p:nvSpPr>
+          <p:cNvPr id="2" name="Title 1">
+            <a:extLst>
+              <a:ext uri="{FF2B5EF4-FFF2-40B4-BE49-F238E27FC236}">
+                <a16:creationId xmlns:a16="http://schemas.microsoft.com/office/drawing/2014/main" id="{3320184A-853A-46BC-A5D5-0BA775050763}"/>
+              </a:ext>
+            </a:extLst>
+          </p:cNvPr>
+          <p:cNvSpPr>
+            <a:spLocks noGrp="1"/>
+          </p:cNvSpPr>
+          <p:nvPr>
+            <p:ph type="title"/>
+          </p:nvPr>
+        </p:nvSpPr>
+        <p:spPr>
+          <a:xfrm>
+            <a:off x="1602298" y="213852"/>
+            <a:ext cx="7807173" cy="1511710"/>
+          </a:xfrm>
+        </p:spPr>
+        <p:txBody>
+          <a:bodyPr/>
+          <a:lstStyle/>
+          <a:p>
+            <a:pPr algn="l"/>
+            <a:r>
+              <a:rPr lang="en-US" b="1" dirty="0">
+                <a:solidFill>
+                  <a:srgbClr val="0000FF"/>
+                </a:solidFill>
+                <a:latin typeface="Times New Roman" panose="02020603050405020304" pitchFamily="18" charset="0"/>
+                <a:cs typeface="Times New Roman" panose="02020603050405020304" pitchFamily="18" charset="0"/>
+              </a:rPr>
+              <a:t>NER </a:t>
+            </a:r>
+            <a:r>
+              <a:rPr lang="en-US" b="1" dirty="0" err="1">
+                <a:solidFill>
+                  <a:srgbClr val="0000FF"/>
+                </a:solidFill>
+                <a:latin typeface="Times New Roman" panose="02020603050405020304" pitchFamily="18" charset="0"/>
+                <a:cs typeface="Times New Roman" panose="02020603050405020304" pitchFamily="18" charset="0"/>
+              </a:rPr>
+              <a:t>trong</a:t>
+            </a:r>
+            <a:r>
+              <a:rPr lang="en-US" b="1" dirty="0">
+                <a:solidFill>
+                  <a:srgbClr val="0000FF"/>
+                </a:solidFill>
+                <a:latin typeface="Times New Roman" panose="02020603050405020304" pitchFamily="18" charset="0"/>
+                <a:cs typeface="Times New Roman" panose="02020603050405020304" pitchFamily="18" charset="0"/>
+              </a:rPr>
+              <a:t> Stanford </a:t>
+            </a:r>
+            <a:r>
+              <a:rPr lang="en-US" b="1" dirty="0" err="1">
+                <a:solidFill>
+                  <a:srgbClr val="0000FF"/>
+                </a:solidFill>
+                <a:latin typeface="Times New Roman" panose="02020603050405020304" pitchFamily="18" charset="0"/>
+                <a:cs typeface="Times New Roman" panose="02020603050405020304" pitchFamily="18" charset="0"/>
+              </a:rPr>
+              <a:t>CoreNLP</a:t>
+            </a:r>
+            <a:endParaRPr lang="en-US" b="1" dirty="0">
+              <a:solidFill>
+                <a:srgbClr val="0000FF"/>
+              </a:solidFill>
+              <a:latin typeface="Times New Roman" panose="02020603050405020304" pitchFamily="18" charset="0"/>
+              <a:cs typeface="Times New Roman" panose="02020603050405020304" pitchFamily="18" charset="0"/>
+            </a:endParaRPr>
+          </a:p>
+        </p:txBody>
+      </p:sp>
+      <p:sp>
+        <p:nvSpPr>
+          <p:cNvPr id="3" name="Content Placeholder 2">
+            <a:extLst>
+              <a:ext uri="{FF2B5EF4-FFF2-40B4-BE49-F238E27FC236}">
+                <a16:creationId xmlns:a16="http://schemas.microsoft.com/office/drawing/2014/main" id="{B19C7083-1D02-477A-B7C0-251FB4CF8D56}"/>
+              </a:ext>
+            </a:extLst>
+          </p:cNvPr>
+          <p:cNvSpPr>
+            <a:spLocks noGrp="1"/>
+          </p:cNvSpPr>
+          <p:nvPr>
+            <p:ph idx="1"/>
+          </p:nvPr>
+        </p:nvSpPr>
+        <p:spPr>
+          <a:xfrm>
+            <a:off x="1282984" y="1582056"/>
+            <a:ext cx="9893016" cy="2757715"/>
+          </a:xfrm>
+        </p:spPr>
+        <p:txBody>
+          <a:bodyPr>
+            <a:noAutofit/>
+          </a:bodyPr>
+          <a:lstStyle/>
+          <a:p>
+            <a:pPr lvl="1">
+              <a:lnSpc>
+                <a:spcPct val="150000"/>
+              </a:lnSpc>
+            </a:pPr>
+            <a:r>
+              <a:rPr lang="en-US" sz="2200" dirty="0" err="1">
+                <a:latin typeface="Times New Roman" panose="02020603050405020304" pitchFamily="18" charset="0"/>
+                <a:cs typeface="Times New Roman" panose="02020603050405020304" pitchFamily="18" charset="0"/>
+              </a:rPr>
+              <a:t>Thực</a:t>
+            </a:r>
+            <a:r>
+              <a:rPr lang="en-US" sz="2200" dirty="0">
+                <a:latin typeface="Times New Roman" panose="02020603050405020304" pitchFamily="18" charset="0"/>
+                <a:cs typeface="Times New Roman" panose="02020603050405020304" pitchFamily="18" charset="0"/>
+              </a:rPr>
+              <a:t> </a:t>
+            </a:r>
+            <a:r>
+              <a:rPr lang="en-US" sz="2200" dirty="0" err="1">
+                <a:latin typeface="Times New Roman" panose="02020603050405020304" pitchFamily="18" charset="0"/>
+                <a:cs typeface="Times New Roman" panose="02020603050405020304" pitchFamily="18" charset="0"/>
+              </a:rPr>
+              <a:t>hiện</a:t>
+            </a:r>
+            <a:r>
+              <a:rPr lang="en-US" sz="2200" dirty="0">
+                <a:latin typeface="Times New Roman" panose="02020603050405020304" pitchFamily="18" charset="0"/>
+                <a:cs typeface="Times New Roman" panose="02020603050405020304" pitchFamily="18" charset="0"/>
+              </a:rPr>
+              <a:t> NER </a:t>
+            </a:r>
+            <a:r>
+              <a:rPr lang="en-US" sz="2200" dirty="0" err="1">
+                <a:latin typeface="Times New Roman" panose="02020603050405020304" pitchFamily="18" charset="0"/>
+                <a:cs typeface="Times New Roman" panose="02020603050405020304" pitchFamily="18" charset="0"/>
+              </a:rPr>
+              <a:t>thông</a:t>
+            </a:r>
+            <a:r>
+              <a:rPr lang="en-US" sz="2200" dirty="0">
+                <a:latin typeface="Times New Roman" panose="02020603050405020304" pitchFamily="18" charset="0"/>
+                <a:cs typeface="Times New Roman" panose="02020603050405020304" pitchFamily="18" charset="0"/>
+              </a:rPr>
+              <a:t> qua </a:t>
+            </a:r>
+            <a:r>
+              <a:rPr lang="en-US" sz="2200" dirty="0" err="1">
+                <a:latin typeface="Times New Roman" panose="02020603050405020304" pitchFamily="18" charset="0"/>
+                <a:cs typeface="Times New Roman" panose="02020603050405020304" pitchFamily="18" charset="0"/>
+              </a:rPr>
+              <a:t>lớp</a:t>
+            </a:r>
+            <a:r>
+              <a:rPr lang="en-US" sz="2200" dirty="0">
+                <a:latin typeface="Times New Roman" panose="02020603050405020304" pitchFamily="18" charset="0"/>
+                <a:cs typeface="Times New Roman" panose="02020603050405020304" pitchFamily="18" charset="0"/>
+              </a:rPr>
+              <a:t> </a:t>
+            </a:r>
+            <a:r>
+              <a:rPr lang="en-US" sz="2200" dirty="0" err="1">
+                <a:latin typeface="Times New Roman" panose="02020603050405020304" pitchFamily="18" charset="0"/>
+                <a:cs typeface="Times New Roman" panose="02020603050405020304" pitchFamily="18" charset="0"/>
+              </a:rPr>
+              <a:t>CRFClassifier</a:t>
+            </a:r>
+            <a:endParaRPr lang="en-US" sz="2200" dirty="0">
+              <a:latin typeface="Times New Roman" panose="02020603050405020304" pitchFamily="18" charset="0"/>
+              <a:cs typeface="Times New Roman" panose="02020603050405020304" pitchFamily="18" charset="0"/>
+            </a:endParaRPr>
+          </a:p>
+          <a:p>
+            <a:pPr lvl="1">
+              <a:lnSpc>
+                <a:spcPct val="150000"/>
+              </a:lnSpc>
+            </a:pPr>
+            <a:r>
+              <a:rPr lang="en-US" sz="2200" dirty="0" err="1">
+                <a:latin typeface="Times New Roman" panose="02020603050405020304" pitchFamily="18" charset="0"/>
+                <a:cs typeface="Times New Roman" panose="02020603050405020304" pitchFamily="18" charset="0"/>
+              </a:rPr>
+              <a:t>Đầu</a:t>
+            </a:r>
+            <a:r>
+              <a:rPr lang="en-US" sz="2200" dirty="0">
+                <a:latin typeface="Times New Roman" panose="02020603050405020304" pitchFamily="18" charset="0"/>
+                <a:cs typeface="Times New Roman" panose="02020603050405020304" pitchFamily="18" charset="0"/>
+              </a:rPr>
+              <a:t> </a:t>
+            </a:r>
+            <a:r>
+              <a:rPr lang="en-US" sz="2200" dirty="0" err="1">
+                <a:latin typeface="Times New Roman" panose="02020603050405020304" pitchFamily="18" charset="0"/>
+                <a:cs typeface="Times New Roman" panose="02020603050405020304" pitchFamily="18" charset="0"/>
+              </a:rPr>
+              <a:t>tiên</a:t>
+            </a:r>
+            <a:r>
+              <a:rPr lang="en-US" sz="2200" dirty="0">
+                <a:latin typeface="Times New Roman" panose="02020603050405020304" pitchFamily="18" charset="0"/>
+                <a:cs typeface="Times New Roman" panose="02020603050405020304" pitchFamily="18" charset="0"/>
+              </a:rPr>
+              <a:t>, ta </a:t>
+            </a:r>
+            <a:r>
+              <a:rPr lang="en-US" sz="2200" dirty="0" err="1">
+                <a:latin typeface="Times New Roman" panose="02020603050405020304" pitchFamily="18" charset="0"/>
+                <a:cs typeface="Times New Roman" panose="02020603050405020304" pitchFamily="18" charset="0"/>
+              </a:rPr>
+              <a:t>khai</a:t>
+            </a:r>
+            <a:r>
+              <a:rPr lang="en-US" sz="2200" dirty="0">
+                <a:latin typeface="Times New Roman" panose="02020603050405020304" pitchFamily="18" charset="0"/>
+                <a:cs typeface="Times New Roman" panose="02020603050405020304" pitchFamily="18" charset="0"/>
+              </a:rPr>
+              <a:t> </a:t>
+            </a:r>
+            <a:r>
+              <a:rPr lang="en-US" sz="2200" dirty="0" err="1">
+                <a:latin typeface="Times New Roman" panose="02020603050405020304" pitchFamily="18" charset="0"/>
+                <a:cs typeface="Times New Roman" panose="02020603050405020304" pitchFamily="18" charset="0"/>
+              </a:rPr>
+              <a:t>báo</a:t>
+            </a:r>
+            <a:r>
+              <a:rPr lang="en-US" sz="2200" dirty="0">
+                <a:latin typeface="Times New Roman" panose="02020603050405020304" pitchFamily="18" charset="0"/>
+                <a:cs typeface="Times New Roman" panose="02020603050405020304" pitchFamily="18" charset="0"/>
+              </a:rPr>
+              <a:t> </a:t>
+            </a:r>
+            <a:r>
+              <a:rPr lang="en-US" sz="2200" dirty="0" err="1">
+                <a:latin typeface="Times New Roman" panose="02020603050405020304" pitchFamily="18" charset="0"/>
+                <a:cs typeface="Times New Roman" panose="02020603050405020304" pitchFamily="18" charset="0"/>
+              </a:rPr>
+              <a:t>mô</a:t>
+            </a:r>
+            <a:r>
+              <a:rPr lang="en-US" sz="2200" dirty="0">
+                <a:latin typeface="Times New Roman" panose="02020603050405020304" pitchFamily="18" charset="0"/>
+                <a:cs typeface="Times New Roman" panose="02020603050405020304" pitchFamily="18" charset="0"/>
+              </a:rPr>
+              <a:t> </a:t>
+            </a:r>
+            <a:r>
+              <a:rPr lang="en-US" sz="2200" dirty="0" err="1">
+                <a:latin typeface="Times New Roman" panose="02020603050405020304" pitchFamily="18" charset="0"/>
+                <a:cs typeface="Times New Roman" panose="02020603050405020304" pitchFamily="18" charset="0"/>
+              </a:rPr>
+              <a:t>hình</a:t>
+            </a:r>
+            <a:r>
+              <a:rPr lang="en-US" sz="2200" dirty="0">
+                <a:latin typeface="Times New Roman" panose="02020603050405020304" pitchFamily="18" charset="0"/>
+                <a:cs typeface="Times New Roman" panose="02020603050405020304" pitchFamily="18" charset="0"/>
+              </a:rPr>
+              <a:t> </a:t>
+            </a:r>
+            <a:r>
+              <a:rPr lang="en-US" sz="2200" dirty="0" err="1">
+                <a:latin typeface="Times New Roman" panose="02020603050405020304" pitchFamily="18" charset="0"/>
+                <a:cs typeface="Times New Roman" panose="02020603050405020304" pitchFamily="18" charset="0"/>
+              </a:rPr>
+              <a:t>phân</a:t>
+            </a:r>
+            <a:r>
+              <a:rPr lang="en-US" sz="2200" dirty="0">
+                <a:latin typeface="Times New Roman" panose="02020603050405020304" pitchFamily="18" charset="0"/>
+                <a:cs typeface="Times New Roman" panose="02020603050405020304" pitchFamily="18" charset="0"/>
+              </a:rPr>
+              <a:t> </a:t>
+            </a:r>
+            <a:r>
+              <a:rPr lang="en-US" sz="2200" dirty="0" err="1">
+                <a:latin typeface="Times New Roman" panose="02020603050405020304" pitchFamily="18" charset="0"/>
+                <a:cs typeface="Times New Roman" panose="02020603050405020304" pitchFamily="18" charset="0"/>
+              </a:rPr>
+              <a:t>lớp</a:t>
+            </a:r>
+            <a:r>
+              <a:rPr lang="en-US" sz="2200" dirty="0">
+                <a:latin typeface="Times New Roman" panose="02020603050405020304" pitchFamily="18" charset="0"/>
+                <a:cs typeface="Times New Roman" panose="02020603050405020304" pitchFamily="18" charset="0"/>
+              </a:rPr>
+              <a:t> </a:t>
+            </a:r>
+            <a:r>
+              <a:rPr lang="en-US" sz="2200" dirty="0" err="1">
+                <a:latin typeface="Times New Roman" panose="02020603050405020304" pitchFamily="18" charset="0"/>
+                <a:cs typeface="Times New Roman" panose="02020603050405020304" pitchFamily="18" charset="0"/>
+              </a:rPr>
+              <a:t>bằng</a:t>
+            </a:r>
+            <a:r>
+              <a:rPr lang="en-US" sz="2200" dirty="0">
+                <a:latin typeface="Times New Roman" panose="02020603050405020304" pitchFamily="18" charset="0"/>
+                <a:cs typeface="Times New Roman" panose="02020603050405020304" pitchFamily="18" charset="0"/>
+              </a:rPr>
+              <a:t> </a:t>
+            </a:r>
+            <a:r>
+              <a:rPr lang="en-US" sz="2200" dirty="0" err="1">
+                <a:latin typeface="Times New Roman" panose="02020603050405020304" pitchFamily="18" charset="0"/>
+                <a:cs typeface="Times New Roman" panose="02020603050405020304" pitchFamily="18" charset="0"/>
+              </a:rPr>
+              <a:t>hàm</a:t>
+            </a:r>
+            <a:r>
+              <a:rPr lang="en-US" sz="2200" dirty="0">
+                <a:latin typeface="Times New Roman" panose="02020603050405020304" pitchFamily="18" charset="0"/>
+                <a:cs typeface="Times New Roman" panose="02020603050405020304" pitchFamily="18" charset="0"/>
+              </a:rPr>
+              <a:t> </a:t>
+            </a:r>
+            <a:r>
+              <a:rPr lang="en-US" sz="2200" i="1" dirty="0" err="1">
+                <a:latin typeface="Times New Roman" panose="02020603050405020304" pitchFamily="18" charset="0"/>
+                <a:cs typeface="Times New Roman" panose="02020603050405020304" pitchFamily="18" charset="0"/>
+              </a:rPr>
+              <a:t>getClassifierNoExceptions</a:t>
+            </a:r>
+            <a:r>
+              <a:rPr lang="en-US" sz="2200" i="1" dirty="0">
+                <a:latin typeface="Times New Roman" panose="02020603050405020304" pitchFamily="18" charset="0"/>
+                <a:cs typeface="Times New Roman" panose="02020603050405020304" pitchFamily="18" charset="0"/>
+              </a:rPr>
+              <a:t>( )</a:t>
+            </a:r>
+          </a:p>
+          <a:p>
+            <a:pPr lvl="2">
+              <a:lnSpc>
+                <a:spcPct val="150000"/>
+              </a:lnSpc>
+            </a:pPr>
+            <a:r>
+              <a:rPr lang="en-US" sz="2000" i="1" dirty="0">
+                <a:latin typeface="Times New Roman" panose="02020603050405020304" pitchFamily="18" charset="0"/>
+                <a:cs typeface="Times New Roman" panose="02020603050405020304" pitchFamily="18" charset="0"/>
+              </a:rPr>
+              <a:t>Input: </a:t>
+            </a:r>
+            <a:r>
+              <a:rPr lang="en-US" sz="2000" i="1" dirty="0" err="1">
+                <a:latin typeface="Times New Roman" panose="02020603050405020304" pitchFamily="18" charset="0"/>
+                <a:cs typeface="Times New Roman" panose="02020603050405020304" pitchFamily="18" charset="0"/>
+              </a:rPr>
+              <a:t>đường</a:t>
+            </a:r>
+            <a:r>
+              <a:rPr lang="en-US" sz="2000" i="1" dirty="0">
+                <a:latin typeface="Times New Roman" panose="02020603050405020304" pitchFamily="18" charset="0"/>
+                <a:cs typeface="Times New Roman" panose="02020603050405020304" pitchFamily="18" charset="0"/>
+              </a:rPr>
+              <a:t> </a:t>
+            </a:r>
+            <a:r>
+              <a:rPr lang="en-US" sz="2000" i="1" dirty="0" err="1">
+                <a:latin typeface="Times New Roman" panose="02020603050405020304" pitchFamily="18" charset="0"/>
+                <a:cs typeface="Times New Roman" panose="02020603050405020304" pitchFamily="18" charset="0"/>
+              </a:rPr>
+              <a:t>dẫn</a:t>
+            </a:r>
+            <a:r>
+              <a:rPr lang="en-US" sz="2000" i="1" dirty="0">
+                <a:latin typeface="Times New Roman" panose="02020603050405020304" pitchFamily="18" charset="0"/>
+                <a:cs typeface="Times New Roman" panose="02020603050405020304" pitchFamily="18" charset="0"/>
+              </a:rPr>
+              <a:t> </a:t>
+            </a:r>
+            <a:r>
+              <a:rPr lang="en-US" sz="2000" i="1" dirty="0" err="1">
+                <a:latin typeface="Times New Roman" panose="02020603050405020304" pitchFamily="18" charset="0"/>
+                <a:cs typeface="Times New Roman" panose="02020603050405020304" pitchFamily="18" charset="0"/>
+              </a:rPr>
+              <a:t>đến</a:t>
+            </a:r>
+            <a:r>
+              <a:rPr lang="en-US" sz="2000" i="1" dirty="0">
+                <a:latin typeface="Times New Roman" panose="02020603050405020304" pitchFamily="18" charset="0"/>
+                <a:cs typeface="Times New Roman" panose="02020603050405020304" pitchFamily="18" charset="0"/>
+              </a:rPr>
+              <a:t> file </a:t>
+            </a:r>
+            <a:r>
+              <a:rPr lang="en-US" sz="2000" i="1" dirty="0" err="1">
+                <a:latin typeface="Times New Roman" panose="02020603050405020304" pitchFamily="18" charset="0"/>
+                <a:cs typeface="Times New Roman" panose="02020603050405020304" pitchFamily="18" charset="0"/>
+              </a:rPr>
+              <a:t>mô</a:t>
+            </a:r>
+            <a:r>
+              <a:rPr lang="en-US" sz="2000" i="1" dirty="0">
+                <a:latin typeface="Times New Roman" panose="02020603050405020304" pitchFamily="18" charset="0"/>
+                <a:cs typeface="Times New Roman" panose="02020603050405020304" pitchFamily="18" charset="0"/>
+              </a:rPr>
+              <a:t> </a:t>
+            </a:r>
+            <a:r>
+              <a:rPr lang="en-US" sz="2000" i="1" dirty="0" err="1">
+                <a:latin typeface="Times New Roman" panose="02020603050405020304" pitchFamily="18" charset="0"/>
+                <a:cs typeface="Times New Roman" panose="02020603050405020304" pitchFamily="18" charset="0"/>
+              </a:rPr>
+              <a:t>hình</a:t>
+            </a:r>
+            <a:endParaRPr lang="en-US" sz="2000" i="1" dirty="0">
+              <a:latin typeface="Times New Roman" panose="02020603050405020304" pitchFamily="18" charset="0"/>
+              <a:cs typeface="Times New Roman" panose="02020603050405020304" pitchFamily="18" charset="0"/>
+            </a:endParaRPr>
+          </a:p>
+          <a:p>
+            <a:pPr marL="914400" lvl="2" indent="0">
+              <a:lnSpc>
+                <a:spcPct val="150000"/>
+              </a:lnSpc>
+              <a:buNone/>
+            </a:pPr>
+            <a:endParaRPr lang="en-US" sz="2000" i="1" dirty="0">
+              <a:latin typeface="Times New Roman" panose="02020603050405020304" pitchFamily="18" charset="0"/>
+              <a:cs typeface="Times New Roman" panose="02020603050405020304" pitchFamily="18" charset="0"/>
+            </a:endParaRPr>
+          </a:p>
+        </p:txBody>
+      </p:sp>
+      <p:pic>
+        <p:nvPicPr>
+          <p:cNvPr id="4" name="Picture 3">
+            <a:extLst>
+              <a:ext uri="{FF2B5EF4-FFF2-40B4-BE49-F238E27FC236}">
+                <a16:creationId xmlns:a16="http://schemas.microsoft.com/office/drawing/2014/main" id="{AA30FB0C-9B9A-4EED-A952-9454BE666E87}"/>
+              </a:ext>
+            </a:extLst>
+          </p:cNvPr>
+          <p:cNvPicPr/>
+          <p:nvPr/>
+        </p:nvPicPr>
+        <p:blipFill>
+          <a:blip r:embed="rId3">
+            <a:extLst>
+              <a:ext uri="{28A0092B-C50C-407E-A947-70E740481C1C}">
+                <a14:useLocalDpi xmlns:a14="http://schemas.microsoft.com/office/drawing/2010/main" val="0"/>
+              </a:ext>
+            </a:extLst>
+          </a:blip>
+          <a:srcRect/>
+          <a:stretch>
+            <a:fillRect/>
+          </a:stretch>
+        </p:blipFill>
+        <p:spPr bwMode="auto">
+          <a:xfrm>
+            <a:off x="1751835" y="4026669"/>
+            <a:ext cx="8955314" cy="1314589"/>
+          </a:xfrm>
+          <a:prstGeom prst="rect">
+            <a:avLst/>
+          </a:prstGeom>
+          <a:noFill/>
+          <a:ln>
+            <a:noFill/>
+          </a:ln>
+        </p:spPr>
+      </p:pic>
+    </p:spTree>
+    <p:extLst>
+      <p:ext uri="{BB962C8B-B14F-4D97-AF65-F5344CB8AC3E}">
+        <p14:creationId xmlns:p14="http://schemas.microsoft.com/office/powerpoint/2010/main" val="1306910708"/>
+      </p:ext>
+    </p:extLst>
+  </p:cSld>
+  <p:clrMapOvr>
+    <a:masterClrMapping/>
+  </p:clrMapOvr>
+</p:sld>
+</file>
+
+<file path=ppt/slides/slide15.xml><?xml version="1.0" encoding="utf-8"?>
+<p:sld xmlns:a="http://schemas.openxmlformats.org/drawingml/2006/main" xmlns:r="http://schemas.openxmlformats.org/officeDocument/2006/relationships" xmlns:p="http://schemas.openxmlformats.org/presentationml/2006/main">
+  <p:cSld>
+    <p:spTree>
+      <p:nvGrpSpPr>
+        <p:cNvPr id="1" name=""/>
+        <p:cNvGrpSpPr/>
+        <p:nvPr/>
+      </p:nvGrpSpPr>
+      <p:grpSpPr>
+        <a:xfrm>
+          <a:off x="0" y="0"/>
+          <a:ext cx="0" cy="0"/>
+          <a:chOff x="0" y="0"/>
+          <a:chExt cx="0" cy="0"/>
+        </a:xfrm>
+      </p:grpSpPr>
+      <p:sp>
+        <p:nvSpPr>
+          <p:cNvPr id="2" name="Title 1">
+            <a:extLst>
+              <a:ext uri="{FF2B5EF4-FFF2-40B4-BE49-F238E27FC236}">
+                <a16:creationId xmlns:a16="http://schemas.microsoft.com/office/drawing/2014/main" id="{3320184A-853A-46BC-A5D5-0BA775050763}"/>
+              </a:ext>
+            </a:extLst>
+          </p:cNvPr>
+          <p:cNvSpPr>
+            <a:spLocks noGrp="1"/>
+          </p:cNvSpPr>
+          <p:nvPr>
+            <p:ph type="title"/>
+          </p:nvPr>
+        </p:nvSpPr>
+        <p:spPr>
+          <a:xfrm>
+            <a:off x="1602298" y="213852"/>
+            <a:ext cx="7807173" cy="1511710"/>
+          </a:xfrm>
+        </p:spPr>
+        <p:txBody>
+          <a:bodyPr/>
+          <a:lstStyle/>
+          <a:p>
+            <a:pPr algn="l"/>
+            <a:r>
+              <a:rPr lang="en-US" b="1" dirty="0">
+                <a:solidFill>
+                  <a:srgbClr val="0000FF"/>
+                </a:solidFill>
+                <a:latin typeface="Times New Roman" panose="02020603050405020304" pitchFamily="18" charset="0"/>
+                <a:cs typeface="Times New Roman" panose="02020603050405020304" pitchFamily="18" charset="0"/>
+              </a:rPr>
+              <a:t>NER </a:t>
+            </a:r>
+            <a:r>
+              <a:rPr lang="en-US" b="1" dirty="0" err="1">
+                <a:solidFill>
+                  <a:srgbClr val="0000FF"/>
+                </a:solidFill>
+                <a:latin typeface="Times New Roman" panose="02020603050405020304" pitchFamily="18" charset="0"/>
+                <a:cs typeface="Times New Roman" panose="02020603050405020304" pitchFamily="18" charset="0"/>
+              </a:rPr>
+              <a:t>trong</a:t>
+            </a:r>
+            <a:r>
+              <a:rPr lang="en-US" b="1" dirty="0">
+                <a:solidFill>
+                  <a:srgbClr val="0000FF"/>
+                </a:solidFill>
+                <a:latin typeface="Times New Roman" panose="02020603050405020304" pitchFamily="18" charset="0"/>
+                <a:cs typeface="Times New Roman" panose="02020603050405020304" pitchFamily="18" charset="0"/>
+              </a:rPr>
+              <a:t> Stanford </a:t>
+            </a:r>
+            <a:r>
+              <a:rPr lang="en-US" b="1" dirty="0" err="1">
+                <a:solidFill>
+                  <a:srgbClr val="0000FF"/>
+                </a:solidFill>
+                <a:latin typeface="Times New Roman" panose="02020603050405020304" pitchFamily="18" charset="0"/>
+                <a:cs typeface="Times New Roman" panose="02020603050405020304" pitchFamily="18" charset="0"/>
+              </a:rPr>
+              <a:t>CoreNLP</a:t>
+            </a:r>
+            <a:endParaRPr lang="en-US" b="1" dirty="0">
+              <a:solidFill>
+                <a:srgbClr val="0000FF"/>
+              </a:solidFill>
+              <a:latin typeface="Times New Roman" panose="02020603050405020304" pitchFamily="18" charset="0"/>
+              <a:cs typeface="Times New Roman" panose="02020603050405020304" pitchFamily="18" charset="0"/>
+            </a:endParaRPr>
+          </a:p>
+        </p:txBody>
+      </p:sp>
+      <p:sp>
+        <p:nvSpPr>
+          <p:cNvPr id="3" name="Content Placeholder 2">
+            <a:extLst>
+              <a:ext uri="{FF2B5EF4-FFF2-40B4-BE49-F238E27FC236}">
+                <a16:creationId xmlns:a16="http://schemas.microsoft.com/office/drawing/2014/main" id="{B19C7083-1D02-477A-B7C0-251FB4CF8D56}"/>
+              </a:ext>
+            </a:extLst>
+          </p:cNvPr>
+          <p:cNvSpPr>
+            <a:spLocks noGrp="1"/>
+          </p:cNvSpPr>
+          <p:nvPr>
+            <p:ph idx="1"/>
+          </p:nvPr>
+        </p:nvSpPr>
+        <p:spPr>
+          <a:xfrm>
+            <a:off x="1282984" y="1204685"/>
+            <a:ext cx="9893016" cy="2670629"/>
+          </a:xfrm>
+        </p:spPr>
+        <p:txBody>
+          <a:bodyPr>
+            <a:noAutofit/>
+          </a:bodyPr>
+          <a:lstStyle/>
+          <a:p>
+            <a:pPr lvl="1">
+              <a:lnSpc>
+                <a:spcPct val="150000"/>
+              </a:lnSpc>
+            </a:pPr>
+            <a:r>
+              <a:rPr lang="en-US" dirty="0">
+                <a:latin typeface="Times New Roman" panose="02020603050405020304" pitchFamily="18" charset="0"/>
+                <a:cs typeface="Times New Roman" panose="02020603050405020304" pitchFamily="18" charset="0"/>
+              </a:rPr>
+              <a:t>Sau </a:t>
+            </a:r>
+            <a:r>
+              <a:rPr lang="en-US" dirty="0" err="1">
+                <a:latin typeface="Times New Roman" panose="02020603050405020304" pitchFamily="18" charset="0"/>
+                <a:cs typeface="Times New Roman" panose="02020603050405020304" pitchFamily="18" charset="0"/>
+              </a:rPr>
+              <a:t>đó</a:t>
+            </a:r>
+            <a:r>
+              <a:rPr lang="en-US" dirty="0">
+                <a:latin typeface="Times New Roman" panose="02020603050405020304" pitchFamily="18" charset="0"/>
+                <a:cs typeface="Times New Roman" panose="02020603050405020304" pitchFamily="18" charset="0"/>
+              </a:rPr>
+              <a:t>, ta </a:t>
+            </a:r>
+            <a:r>
+              <a:rPr lang="en-US" dirty="0" err="1">
+                <a:latin typeface="Times New Roman" panose="02020603050405020304" pitchFamily="18" charset="0"/>
+                <a:cs typeface="Times New Roman" panose="02020603050405020304" pitchFamily="18" charset="0"/>
+              </a:rPr>
+              <a:t>thực</a:t>
+            </a:r>
+            <a:r>
+              <a:rPr lang="en-US" dirty="0">
+                <a:latin typeface="Times New Roman" panose="02020603050405020304" pitchFamily="18" charset="0"/>
+                <a:cs typeface="Times New Roman" panose="02020603050405020304" pitchFamily="18" charset="0"/>
+              </a:rPr>
+              <a:t> </a:t>
+            </a:r>
+            <a:r>
+              <a:rPr lang="en-US" dirty="0" err="1">
+                <a:latin typeface="Times New Roman" panose="02020603050405020304" pitchFamily="18" charset="0"/>
+                <a:cs typeface="Times New Roman" panose="02020603050405020304" pitchFamily="18" charset="0"/>
+              </a:rPr>
+              <a:t>hiện</a:t>
+            </a:r>
+            <a:r>
+              <a:rPr lang="en-US" dirty="0">
+                <a:latin typeface="Times New Roman" panose="02020603050405020304" pitchFamily="18" charset="0"/>
+                <a:cs typeface="Times New Roman" panose="02020603050405020304" pitchFamily="18" charset="0"/>
+              </a:rPr>
+              <a:t> </a:t>
+            </a:r>
+            <a:r>
+              <a:rPr lang="en-US" dirty="0" err="1">
+                <a:latin typeface="Times New Roman" panose="02020603050405020304" pitchFamily="18" charset="0"/>
+                <a:cs typeface="Times New Roman" panose="02020603050405020304" pitchFamily="18" charset="0"/>
+              </a:rPr>
+              <a:t>phân</a:t>
+            </a:r>
+            <a:r>
+              <a:rPr lang="en-US" dirty="0">
+                <a:latin typeface="Times New Roman" panose="02020603050405020304" pitchFamily="18" charset="0"/>
+                <a:cs typeface="Times New Roman" panose="02020603050405020304" pitchFamily="18" charset="0"/>
+              </a:rPr>
+              <a:t> </a:t>
+            </a:r>
+            <a:r>
+              <a:rPr lang="en-US" dirty="0" err="1">
+                <a:latin typeface="Times New Roman" panose="02020603050405020304" pitchFamily="18" charset="0"/>
+                <a:cs typeface="Times New Roman" panose="02020603050405020304" pitchFamily="18" charset="0"/>
+              </a:rPr>
+              <a:t>lớp</a:t>
+            </a:r>
+            <a:r>
+              <a:rPr lang="en-US" dirty="0">
+                <a:latin typeface="Times New Roman" panose="02020603050405020304" pitchFamily="18" charset="0"/>
+                <a:cs typeface="Times New Roman" panose="02020603050405020304" pitchFamily="18" charset="0"/>
+              </a:rPr>
+              <a:t> </a:t>
+            </a:r>
+            <a:r>
+              <a:rPr lang="en-US" dirty="0" err="1">
+                <a:latin typeface="Times New Roman" panose="02020603050405020304" pitchFamily="18" charset="0"/>
+                <a:cs typeface="Times New Roman" panose="02020603050405020304" pitchFamily="18" charset="0"/>
+              </a:rPr>
+              <a:t>các</a:t>
+            </a:r>
+            <a:r>
+              <a:rPr lang="en-US" dirty="0">
+                <a:latin typeface="Times New Roman" panose="02020603050405020304" pitchFamily="18" charset="0"/>
+                <a:cs typeface="Times New Roman" panose="02020603050405020304" pitchFamily="18" charset="0"/>
+              </a:rPr>
+              <a:t> </a:t>
+            </a:r>
+            <a:r>
+              <a:rPr lang="en-US" dirty="0" err="1">
+                <a:latin typeface="Times New Roman" panose="02020603050405020304" pitchFamily="18" charset="0"/>
+                <a:cs typeface="Times New Roman" panose="02020603050405020304" pitchFamily="18" charset="0"/>
+              </a:rPr>
+              <a:t>từ</a:t>
+            </a:r>
+            <a:r>
+              <a:rPr lang="en-US" dirty="0">
+                <a:latin typeface="Times New Roman" panose="02020603050405020304" pitchFamily="18" charset="0"/>
+                <a:cs typeface="Times New Roman" panose="02020603050405020304" pitchFamily="18" charset="0"/>
+              </a:rPr>
+              <a:t> </a:t>
+            </a:r>
+            <a:r>
+              <a:rPr lang="en-US" dirty="0" err="1">
+                <a:latin typeface="Times New Roman" panose="02020603050405020304" pitchFamily="18" charset="0"/>
+                <a:cs typeface="Times New Roman" panose="02020603050405020304" pitchFamily="18" charset="0"/>
+              </a:rPr>
+              <a:t>của</a:t>
+            </a:r>
+            <a:r>
+              <a:rPr lang="en-US" dirty="0">
+                <a:latin typeface="Times New Roman" panose="02020603050405020304" pitchFamily="18" charset="0"/>
+                <a:cs typeface="Times New Roman" panose="02020603050405020304" pitchFamily="18" charset="0"/>
+              </a:rPr>
+              <a:t> </a:t>
+            </a:r>
+            <a:r>
+              <a:rPr lang="en-US" dirty="0" err="1">
+                <a:latin typeface="Times New Roman" panose="02020603050405020304" pitchFamily="18" charset="0"/>
+                <a:cs typeface="Times New Roman" panose="02020603050405020304" pitchFamily="18" charset="0"/>
+              </a:rPr>
+              <a:t>văn</a:t>
+            </a:r>
+            <a:r>
+              <a:rPr lang="en-US" dirty="0">
+                <a:latin typeface="Times New Roman" panose="02020603050405020304" pitchFamily="18" charset="0"/>
+                <a:cs typeface="Times New Roman" panose="02020603050405020304" pitchFamily="18" charset="0"/>
+              </a:rPr>
+              <a:t> </a:t>
+            </a:r>
+            <a:r>
+              <a:rPr lang="en-US" dirty="0" err="1">
+                <a:latin typeface="Times New Roman" panose="02020603050405020304" pitchFamily="18" charset="0"/>
+                <a:cs typeface="Times New Roman" panose="02020603050405020304" pitchFamily="18" charset="0"/>
+              </a:rPr>
+              <a:t>bản</a:t>
+            </a:r>
+            <a:r>
+              <a:rPr lang="en-US" dirty="0">
+                <a:latin typeface="Times New Roman" panose="02020603050405020304" pitchFamily="18" charset="0"/>
+                <a:cs typeface="Times New Roman" panose="02020603050405020304" pitchFamily="18" charset="0"/>
+              </a:rPr>
+              <a:t> </a:t>
+            </a:r>
+            <a:r>
+              <a:rPr lang="en-US" dirty="0" err="1">
+                <a:latin typeface="Times New Roman" panose="02020603050405020304" pitchFamily="18" charset="0"/>
+                <a:cs typeface="Times New Roman" panose="02020603050405020304" pitchFamily="18" charset="0"/>
+              </a:rPr>
+              <a:t>bằng</a:t>
+            </a:r>
+            <a:r>
+              <a:rPr lang="en-US" dirty="0">
+                <a:latin typeface="Times New Roman" panose="02020603050405020304" pitchFamily="18" charset="0"/>
+                <a:cs typeface="Times New Roman" panose="02020603050405020304" pitchFamily="18" charset="0"/>
+              </a:rPr>
+              <a:t> </a:t>
+            </a:r>
+            <a:r>
+              <a:rPr lang="en-US" dirty="0" err="1">
+                <a:latin typeface="Times New Roman" panose="02020603050405020304" pitchFamily="18" charset="0"/>
+                <a:cs typeface="Times New Roman" panose="02020603050405020304" pitchFamily="18" charset="0"/>
+              </a:rPr>
+              <a:t>phương</a:t>
+            </a:r>
+            <a:r>
+              <a:rPr lang="en-US" dirty="0">
+                <a:latin typeface="Times New Roman" panose="02020603050405020304" pitchFamily="18" charset="0"/>
+                <a:cs typeface="Times New Roman" panose="02020603050405020304" pitchFamily="18" charset="0"/>
+              </a:rPr>
+              <a:t> </a:t>
+            </a:r>
+            <a:r>
+              <a:rPr lang="en-US" dirty="0" err="1">
+                <a:latin typeface="Times New Roman" panose="02020603050405020304" pitchFamily="18" charset="0"/>
+                <a:cs typeface="Times New Roman" panose="02020603050405020304" pitchFamily="18" charset="0"/>
+              </a:rPr>
+              <a:t>thức</a:t>
+            </a:r>
+            <a:r>
+              <a:rPr lang="en-US" dirty="0">
+                <a:latin typeface="Times New Roman" panose="02020603050405020304" pitchFamily="18" charset="0"/>
+                <a:cs typeface="Times New Roman" panose="02020603050405020304" pitchFamily="18" charset="0"/>
+              </a:rPr>
+              <a:t> </a:t>
+            </a:r>
+            <a:r>
+              <a:rPr lang="en-US" i="1" dirty="0" err="1">
+                <a:latin typeface="Times New Roman" panose="02020603050405020304" pitchFamily="18" charset="0"/>
+                <a:cs typeface="Times New Roman" panose="02020603050405020304" pitchFamily="18" charset="0"/>
+              </a:rPr>
+              <a:t>classifyToString</a:t>
+            </a:r>
+            <a:r>
+              <a:rPr lang="en-US" i="1" dirty="0">
+                <a:latin typeface="Times New Roman" panose="02020603050405020304" pitchFamily="18" charset="0"/>
+                <a:cs typeface="Times New Roman" panose="02020603050405020304" pitchFamily="18" charset="0"/>
+              </a:rPr>
+              <a:t>( ) </a:t>
+            </a:r>
+          </a:p>
+          <a:p>
+            <a:pPr lvl="2">
+              <a:lnSpc>
+                <a:spcPct val="150000"/>
+              </a:lnSpc>
+            </a:pPr>
+            <a:r>
+              <a:rPr lang="en-US" sz="2000" i="1" dirty="0">
+                <a:latin typeface="Times New Roman" panose="02020603050405020304" pitchFamily="18" charset="0"/>
+                <a:cs typeface="Times New Roman" panose="02020603050405020304" pitchFamily="18" charset="0"/>
+              </a:rPr>
+              <a:t>Input: </a:t>
+            </a:r>
+            <a:r>
+              <a:rPr lang="en-US" sz="2000" i="1" dirty="0" err="1">
+                <a:latin typeface="Times New Roman" panose="02020603050405020304" pitchFamily="18" charset="0"/>
+                <a:cs typeface="Times New Roman" panose="02020603050405020304" pitchFamily="18" charset="0"/>
+              </a:rPr>
+              <a:t>chuỗi</a:t>
+            </a:r>
+            <a:r>
+              <a:rPr lang="en-US" sz="2000" i="1" dirty="0">
+                <a:latin typeface="Times New Roman" panose="02020603050405020304" pitchFamily="18" charset="0"/>
+                <a:cs typeface="Times New Roman" panose="02020603050405020304" pitchFamily="18" charset="0"/>
+              </a:rPr>
+              <a:t> </a:t>
+            </a:r>
+            <a:r>
+              <a:rPr lang="en-US" sz="2000" i="1" dirty="0" err="1">
+                <a:latin typeface="Times New Roman" panose="02020603050405020304" pitchFamily="18" charset="0"/>
+                <a:cs typeface="Times New Roman" panose="02020603050405020304" pitchFamily="18" charset="0"/>
+              </a:rPr>
+              <a:t>ký</a:t>
+            </a:r>
+            <a:r>
+              <a:rPr lang="en-US" sz="2000" i="1" dirty="0">
+                <a:latin typeface="Times New Roman" panose="02020603050405020304" pitchFamily="18" charset="0"/>
+                <a:cs typeface="Times New Roman" panose="02020603050405020304" pitchFamily="18" charset="0"/>
+              </a:rPr>
+              <a:t> </a:t>
+            </a:r>
+            <a:r>
+              <a:rPr lang="en-US" sz="2000" i="1" dirty="0" err="1">
+                <a:latin typeface="Times New Roman" panose="02020603050405020304" pitchFamily="18" charset="0"/>
+                <a:cs typeface="Times New Roman" panose="02020603050405020304" pitchFamily="18" charset="0"/>
+              </a:rPr>
+              <a:t>tự</a:t>
+            </a:r>
+            <a:r>
+              <a:rPr lang="en-US" sz="2000" i="1" dirty="0">
+                <a:latin typeface="Times New Roman" panose="02020603050405020304" pitchFamily="18" charset="0"/>
+                <a:cs typeface="Times New Roman" panose="02020603050405020304" pitchFamily="18" charset="0"/>
+              </a:rPr>
+              <a:t> ( </a:t>
+            </a:r>
+            <a:r>
+              <a:rPr lang="en-US" sz="2000" i="1" dirty="0" err="1">
+                <a:latin typeface="Times New Roman" panose="02020603050405020304" pitchFamily="18" charset="0"/>
+                <a:cs typeface="Times New Roman" panose="02020603050405020304" pitchFamily="18" charset="0"/>
+              </a:rPr>
+              <a:t>văn</a:t>
+            </a:r>
+            <a:r>
+              <a:rPr lang="en-US" sz="2000" i="1" dirty="0">
+                <a:latin typeface="Times New Roman" panose="02020603050405020304" pitchFamily="18" charset="0"/>
+                <a:cs typeface="Times New Roman" panose="02020603050405020304" pitchFamily="18" charset="0"/>
+              </a:rPr>
+              <a:t> </a:t>
+            </a:r>
+            <a:r>
+              <a:rPr lang="en-US" sz="2000" i="1" dirty="0" err="1">
+                <a:latin typeface="Times New Roman" panose="02020603050405020304" pitchFamily="18" charset="0"/>
+                <a:cs typeface="Times New Roman" panose="02020603050405020304" pitchFamily="18" charset="0"/>
+              </a:rPr>
+              <a:t>bản</a:t>
+            </a:r>
+            <a:r>
+              <a:rPr lang="en-US" sz="2000" i="1" dirty="0">
+                <a:latin typeface="Times New Roman" panose="02020603050405020304" pitchFamily="18" charset="0"/>
+                <a:cs typeface="Times New Roman" panose="02020603050405020304" pitchFamily="18" charset="0"/>
+              </a:rPr>
+              <a:t> </a:t>
+            </a:r>
+            <a:r>
+              <a:rPr lang="en-US" sz="2000" i="1" dirty="0" err="1">
+                <a:latin typeface="Times New Roman" panose="02020603050405020304" pitchFamily="18" charset="0"/>
+                <a:cs typeface="Times New Roman" panose="02020603050405020304" pitchFamily="18" charset="0"/>
+              </a:rPr>
+              <a:t>cần</a:t>
+            </a:r>
+            <a:r>
+              <a:rPr lang="en-US" sz="2000" i="1" dirty="0">
+                <a:latin typeface="Times New Roman" panose="02020603050405020304" pitchFamily="18" charset="0"/>
+                <a:cs typeface="Times New Roman" panose="02020603050405020304" pitchFamily="18" charset="0"/>
+              </a:rPr>
+              <a:t> </a:t>
+            </a:r>
+            <a:r>
+              <a:rPr lang="en-US" sz="2000" i="1" dirty="0" err="1">
+                <a:latin typeface="Times New Roman" panose="02020603050405020304" pitchFamily="18" charset="0"/>
+                <a:cs typeface="Times New Roman" panose="02020603050405020304" pitchFamily="18" charset="0"/>
+              </a:rPr>
+              <a:t>phân</a:t>
+            </a:r>
+            <a:r>
+              <a:rPr lang="en-US" sz="2000" i="1" dirty="0">
+                <a:latin typeface="Times New Roman" panose="02020603050405020304" pitchFamily="18" charset="0"/>
+                <a:cs typeface="Times New Roman" panose="02020603050405020304" pitchFamily="18" charset="0"/>
+              </a:rPr>
+              <a:t> </a:t>
+            </a:r>
+            <a:r>
+              <a:rPr lang="en-US" sz="2000" i="1" dirty="0" err="1">
+                <a:latin typeface="Times New Roman" panose="02020603050405020304" pitchFamily="18" charset="0"/>
+                <a:cs typeface="Times New Roman" panose="02020603050405020304" pitchFamily="18" charset="0"/>
+              </a:rPr>
+              <a:t>loại</a:t>
+            </a:r>
+            <a:r>
+              <a:rPr lang="en-US" sz="2000" i="1" dirty="0">
+                <a:latin typeface="Times New Roman" panose="02020603050405020304" pitchFamily="18" charset="0"/>
+                <a:cs typeface="Times New Roman" panose="02020603050405020304" pitchFamily="18" charset="0"/>
+              </a:rPr>
+              <a:t> </a:t>
+            </a:r>
+            <a:r>
+              <a:rPr lang="en-US" sz="2000" i="1" dirty="0" err="1">
+                <a:latin typeface="Times New Roman" panose="02020603050405020304" pitchFamily="18" charset="0"/>
+                <a:cs typeface="Times New Roman" panose="02020603050405020304" pitchFamily="18" charset="0"/>
+              </a:rPr>
+              <a:t>từ</a:t>
+            </a:r>
+            <a:r>
+              <a:rPr lang="en-US" sz="2000" i="1" dirty="0">
+                <a:latin typeface="Times New Roman" panose="02020603050405020304" pitchFamily="18" charset="0"/>
+                <a:cs typeface="Times New Roman" panose="02020603050405020304" pitchFamily="18" charset="0"/>
+              </a:rPr>
+              <a:t>)</a:t>
+            </a:r>
+          </a:p>
+          <a:p>
+            <a:pPr lvl="2">
+              <a:lnSpc>
+                <a:spcPct val="150000"/>
+              </a:lnSpc>
+            </a:pPr>
+            <a:r>
+              <a:rPr lang="en-US" sz="2000" i="1" dirty="0">
+                <a:latin typeface="Times New Roman" panose="02020603050405020304" pitchFamily="18" charset="0"/>
+                <a:cs typeface="Times New Roman" panose="02020603050405020304" pitchFamily="18" charset="0"/>
+              </a:rPr>
+              <a:t>Output: </a:t>
+            </a:r>
+            <a:r>
+              <a:rPr lang="en-US" sz="2000" i="1" dirty="0" err="1">
+                <a:latin typeface="Times New Roman" panose="02020603050405020304" pitchFamily="18" charset="0"/>
+                <a:cs typeface="Times New Roman" panose="02020603050405020304" pitchFamily="18" charset="0"/>
+              </a:rPr>
+              <a:t>Chuỗi</a:t>
+            </a:r>
+            <a:r>
+              <a:rPr lang="en-US" sz="2000" i="1" dirty="0">
+                <a:latin typeface="Times New Roman" panose="02020603050405020304" pitchFamily="18" charset="0"/>
+                <a:cs typeface="Times New Roman" panose="02020603050405020304" pitchFamily="18" charset="0"/>
+              </a:rPr>
+              <a:t> </a:t>
+            </a:r>
+            <a:r>
+              <a:rPr lang="en-US" sz="2000" i="1" dirty="0" err="1">
+                <a:latin typeface="Times New Roman" panose="02020603050405020304" pitchFamily="18" charset="0"/>
+                <a:cs typeface="Times New Roman" panose="02020603050405020304" pitchFamily="18" charset="0"/>
+              </a:rPr>
+              <a:t>các</a:t>
+            </a:r>
+            <a:r>
+              <a:rPr lang="en-US" sz="2000" i="1" dirty="0">
+                <a:latin typeface="Times New Roman" panose="02020603050405020304" pitchFamily="18" charset="0"/>
+                <a:cs typeface="Times New Roman" panose="02020603050405020304" pitchFamily="18" charset="0"/>
+              </a:rPr>
+              <a:t> </a:t>
+            </a:r>
+            <a:r>
+              <a:rPr lang="en-US" sz="2000" i="1" dirty="0" err="1">
+                <a:latin typeface="Times New Roman" panose="02020603050405020304" pitchFamily="18" charset="0"/>
+                <a:cs typeface="Times New Roman" panose="02020603050405020304" pitchFamily="18" charset="0"/>
+              </a:rPr>
+              <a:t>từ</a:t>
+            </a:r>
+            <a:r>
+              <a:rPr lang="en-US" sz="2000" i="1" dirty="0">
+                <a:latin typeface="Times New Roman" panose="02020603050405020304" pitchFamily="18" charset="0"/>
+                <a:cs typeface="Times New Roman" panose="02020603050405020304" pitchFamily="18" charset="0"/>
+              </a:rPr>
+              <a:t> </a:t>
+            </a:r>
+            <a:r>
+              <a:rPr lang="en-US" sz="2000" i="1" dirty="0" err="1">
+                <a:latin typeface="Times New Roman" panose="02020603050405020304" pitchFamily="18" charset="0"/>
+                <a:cs typeface="Times New Roman" panose="02020603050405020304" pitchFamily="18" charset="0"/>
+              </a:rPr>
+              <a:t>đã</a:t>
+            </a:r>
+            <a:r>
+              <a:rPr lang="en-US" sz="2000" i="1" dirty="0">
+                <a:latin typeface="Times New Roman" panose="02020603050405020304" pitchFamily="18" charset="0"/>
+                <a:cs typeface="Times New Roman" panose="02020603050405020304" pitchFamily="18" charset="0"/>
+              </a:rPr>
+              <a:t> đ</a:t>
+            </a:r>
+            <a:r>
+              <a:rPr lang="vi-VN" sz="2000" i="1" dirty="0">
+                <a:latin typeface="Times New Roman" panose="02020603050405020304" pitchFamily="18" charset="0"/>
+                <a:cs typeface="Times New Roman" panose="02020603050405020304" pitchFamily="18" charset="0"/>
+              </a:rPr>
+              <a:t>ư</a:t>
+            </a:r>
+            <a:r>
+              <a:rPr lang="en-US" sz="2000" i="1" dirty="0" err="1">
+                <a:latin typeface="Times New Roman" panose="02020603050405020304" pitchFamily="18" charset="0"/>
+                <a:cs typeface="Times New Roman" panose="02020603050405020304" pitchFamily="18" charset="0"/>
+              </a:rPr>
+              <a:t>ợc</a:t>
+            </a:r>
+            <a:r>
+              <a:rPr lang="en-US" sz="2000" i="1" dirty="0">
+                <a:latin typeface="Times New Roman" panose="02020603050405020304" pitchFamily="18" charset="0"/>
+                <a:cs typeface="Times New Roman" panose="02020603050405020304" pitchFamily="18" charset="0"/>
+              </a:rPr>
+              <a:t> </a:t>
+            </a:r>
+            <a:r>
+              <a:rPr lang="en-US" sz="2000" i="1" dirty="0" err="1">
+                <a:latin typeface="Times New Roman" panose="02020603050405020304" pitchFamily="18" charset="0"/>
+                <a:cs typeface="Times New Roman" panose="02020603050405020304" pitchFamily="18" charset="0"/>
+              </a:rPr>
+              <a:t>gán</a:t>
+            </a:r>
+            <a:r>
+              <a:rPr lang="en-US" sz="2000" i="1" dirty="0">
+                <a:latin typeface="Times New Roman" panose="02020603050405020304" pitchFamily="18" charset="0"/>
+                <a:cs typeface="Times New Roman" panose="02020603050405020304" pitchFamily="18" charset="0"/>
+              </a:rPr>
+              <a:t> </a:t>
+            </a:r>
+            <a:r>
+              <a:rPr lang="en-US" sz="2000" i="1" dirty="0" err="1">
+                <a:latin typeface="Times New Roman" panose="02020603050405020304" pitchFamily="18" charset="0"/>
+                <a:cs typeface="Times New Roman" panose="02020603050405020304" pitchFamily="18" charset="0"/>
+              </a:rPr>
+              <a:t>nhãn</a:t>
+            </a:r>
+            <a:endParaRPr lang="en-US" sz="2000" dirty="0">
+              <a:latin typeface="Times New Roman" panose="02020603050405020304" pitchFamily="18" charset="0"/>
+              <a:cs typeface="Times New Roman" panose="02020603050405020304" pitchFamily="18" charset="0"/>
+            </a:endParaRPr>
+          </a:p>
+        </p:txBody>
+      </p:sp>
+      <p:pic>
+        <p:nvPicPr>
+          <p:cNvPr id="5" name="Picture 4">
+            <a:extLst>
+              <a:ext uri="{FF2B5EF4-FFF2-40B4-BE49-F238E27FC236}">
+                <a16:creationId xmlns:a16="http://schemas.microsoft.com/office/drawing/2014/main" id="{92C274AA-38C8-4266-B6BE-A61B283B1D37}"/>
+              </a:ext>
+            </a:extLst>
+          </p:cNvPr>
+          <p:cNvPicPr/>
+          <p:nvPr/>
+        </p:nvPicPr>
+        <p:blipFill>
+          <a:blip r:embed="rId3">
+            <a:extLst>
+              <a:ext uri="{28A0092B-C50C-407E-A947-70E740481C1C}">
+                <a14:useLocalDpi xmlns:a14="http://schemas.microsoft.com/office/drawing/2010/main" val="0"/>
+              </a:ext>
+            </a:extLst>
+          </a:blip>
+          <a:srcRect/>
+          <a:stretch>
+            <a:fillRect/>
+          </a:stretch>
+        </p:blipFill>
+        <p:spPr bwMode="auto">
+          <a:xfrm>
+            <a:off x="1927367" y="3684814"/>
+            <a:ext cx="8972862" cy="945243"/>
+          </a:xfrm>
+          <a:prstGeom prst="rect">
+            <a:avLst/>
+          </a:prstGeom>
+          <a:noFill/>
+          <a:ln>
+            <a:noFill/>
+          </a:ln>
+        </p:spPr>
+      </p:pic>
+      <p:pic>
+        <p:nvPicPr>
+          <p:cNvPr id="6" name="Picture 5">
+            <a:extLst>
+              <a:ext uri="{FF2B5EF4-FFF2-40B4-BE49-F238E27FC236}">
+                <a16:creationId xmlns:a16="http://schemas.microsoft.com/office/drawing/2014/main" id="{11A33592-FE4F-4BFE-8B4D-12663CF54976}"/>
+              </a:ext>
+            </a:extLst>
+          </p:cNvPr>
+          <p:cNvPicPr/>
+          <p:nvPr/>
+        </p:nvPicPr>
+        <p:blipFill>
+          <a:blip r:embed="rId4">
+            <a:extLst>
+              <a:ext uri="{28A0092B-C50C-407E-A947-70E740481C1C}">
+                <a14:useLocalDpi xmlns:a14="http://schemas.microsoft.com/office/drawing/2010/main" val="0"/>
+              </a:ext>
+            </a:extLst>
+          </a:blip>
+          <a:srcRect/>
+          <a:stretch>
+            <a:fillRect/>
+          </a:stretch>
+        </p:blipFill>
+        <p:spPr bwMode="auto">
+          <a:xfrm>
+            <a:off x="2899597" y="5152572"/>
+            <a:ext cx="8000632" cy="681994"/>
+          </a:xfrm>
+          <a:prstGeom prst="rect">
+            <a:avLst/>
+          </a:prstGeom>
+          <a:noFill/>
+          <a:ln>
+            <a:noFill/>
+          </a:ln>
+        </p:spPr>
+      </p:pic>
+      <p:sp>
+        <p:nvSpPr>
+          <p:cNvPr id="7" name="Arrow: Right 6">
+            <a:extLst>
+              <a:ext uri="{FF2B5EF4-FFF2-40B4-BE49-F238E27FC236}">
+                <a16:creationId xmlns:a16="http://schemas.microsoft.com/office/drawing/2014/main" id="{96780124-2963-4FD4-BF64-4C7BD7B69292}"/>
+              </a:ext>
+            </a:extLst>
+          </p:cNvPr>
+          <p:cNvSpPr/>
+          <p:nvPr/>
+        </p:nvSpPr>
+        <p:spPr>
+          <a:xfrm>
+            <a:off x="1480457" y="5370286"/>
+            <a:ext cx="1001486" cy="275771"/>
+          </a:xfrm>
+          <a:prstGeom prst="rightArrow">
+            <a:avLst/>
+          </a:prstGeom>
+        </p:spPr>
+        <p:style>
+          <a:lnRef idx="2">
+            <a:schemeClr val="accent1">
+              <a:shade val="50000"/>
+            </a:schemeClr>
+          </a:lnRef>
+          <a:fillRef idx="1">
+            <a:schemeClr val="accent1"/>
+          </a:fillRef>
+          <a:effectRef idx="0">
+            <a:schemeClr val="accent1"/>
+          </a:effectRef>
+          <a:fontRef idx="minor">
+            <a:schemeClr val="lt1"/>
+          </a:fontRef>
+        </p:style>
+        <p:txBody>
+          <a:bodyPr rtlCol="0" anchor="ctr"/>
+          <a:lstStyle/>
+          <a:p>
+            <a:pPr algn="ctr"/>
+            <a:endParaRPr lang="en-US"/>
+          </a:p>
+        </p:txBody>
+      </p:sp>
+    </p:spTree>
+    <p:extLst>
+      <p:ext uri="{BB962C8B-B14F-4D97-AF65-F5344CB8AC3E}">
+        <p14:creationId xmlns:p14="http://schemas.microsoft.com/office/powerpoint/2010/main" val="433254483"/>
+      </p:ext>
+    </p:extLst>
+  </p:cSld>
+  <p:clrMapOvr>
+    <a:masterClrMapping/>
+  </p:clrMapOvr>
+</p:sld>
+</file>
+
+<file path=ppt/slides/slide2.xml><?xml version="1.0" encoding="utf-8"?>
+<p:sld xmlns:a="http://schemas.openxmlformats.org/drawingml/2006/main" xmlns:r="http://schemas.openxmlformats.org/officeDocument/2006/relationships" xmlns:p="http://schemas.openxmlformats.org/presentationml/2006/main">
+  <p:cSld>
+    <p:spTree>
+      <p:nvGrpSpPr>
+        <p:cNvPr id="1" name=""/>
+        <p:cNvGrpSpPr/>
+        <p:nvPr/>
+      </p:nvGrpSpPr>
+      <p:grpSpPr>
+        <a:xfrm>
+          <a:off x="0" y="0"/>
+          <a:ext cx="0" cy="0"/>
+          <a:chOff x="0" y="0"/>
+          <a:chExt cx="0" cy="0"/>
+        </a:xfrm>
+      </p:grpSpPr>
+      <p:sp>
+        <p:nvSpPr>
+          <p:cNvPr id="2" name="Title 1">
+            <a:extLst>
+              <a:ext uri="{FF2B5EF4-FFF2-40B4-BE49-F238E27FC236}">
+                <a16:creationId xmlns:a16="http://schemas.microsoft.com/office/drawing/2014/main" id="{11DE62A2-70BD-4054-8726-5F66199E19F1}"/>
+              </a:ext>
+            </a:extLst>
+          </p:cNvPr>
+          <p:cNvSpPr>
+            <a:spLocks noGrp="1"/>
+          </p:cNvSpPr>
+          <p:nvPr>
+            <p:ph type="title"/>
+          </p:nvPr>
+        </p:nvSpPr>
+        <p:spPr>
+          <a:xfrm>
+            <a:off x="1568245" y="251952"/>
+            <a:ext cx="4911213" cy="1128252"/>
+          </a:xfrm>
+        </p:spPr>
+        <p:txBody>
+          <a:bodyPr/>
+          <a:lstStyle/>
+          <a:p>
+            <a:pPr algn="l"/>
+            <a:r>
+              <a:rPr lang="en-US" b="1">
+                <a:solidFill>
+                  <a:srgbClr val="0000FF"/>
+                </a:solidFill>
+                <a:latin typeface="Times New Roman" panose="02020603050405020304" pitchFamily="18" charset="0"/>
+                <a:cs typeface="Times New Roman" panose="02020603050405020304" pitchFamily="18" charset="0"/>
+              </a:rPr>
+              <a:t>Thành viên nhóm</a:t>
+            </a:r>
+          </a:p>
+        </p:txBody>
+      </p:sp>
+      <p:sp>
+        <p:nvSpPr>
+          <p:cNvPr id="3" name="Content Placeholder 2">
+            <a:extLst>
+              <a:ext uri="{FF2B5EF4-FFF2-40B4-BE49-F238E27FC236}">
+                <a16:creationId xmlns:a16="http://schemas.microsoft.com/office/drawing/2014/main" id="{70BE8753-D59F-43F8-9425-932D86987DBD}"/>
+              </a:ext>
+            </a:extLst>
+          </p:cNvPr>
+          <p:cNvSpPr>
+            <a:spLocks noGrp="1"/>
+          </p:cNvSpPr>
+          <p:nvPr>
+            <p:ph idx="1"/>
+          </p:nvPr>
+        </p:nvSpPr>
+        <p:spPr>
+          <a:xfrm>
+            <a:off x="3308555" y="1763664"/>
+            <a:ext cx="6341806" cy="4961602"/>
+          </a:xfrm>
+        </p:spPr>
+        <p:txBody>
+          <a:bodyPr>
+            <a:normAutofit/>
+          </a:bodyPr>
+          <a:lstStyle/>
+          <a:p>
+            <a:pPr marL="0" indent="0">
+              <a:lnSpc>
+                <a:spcPct val="150000"/>
+              </a:lnSpc>
+              <a:buNone/>
+            </a:pPr>
+            <a:r>
+              <a:rPr lang="en-US" sz="2800">
+                <a:latin typeface="Times New Roman" panose="02020603050405020304" pitchFamily="18" charset="0"/>
+                <a:cs typeface="Times New Roman" panose="02020603050405020304" pitchFamily="18" charset="0"/>
+              </a:rPr>
+              <a:t>1412503 - Nguyễn Thị Thanh Thảo</a:t>
+            </a:r>
+          </a:p>
+          <a:p>
+            <a:pPr marL="0" indent="0">
+              <a:lnSpc>
+                <a:spcPct val="150000"/>
+              </a:lnSpc>
+              <a:buNone/>
+            </a:pPr>
+            <a:r>
+              <a:rPr lang="en-US" sz="2800">
+                <a:latin typeface="Times New Roman" panose="02020603050405020304" pitchFamily="18" charset="0"/>
+                <a:cs typeface="Times New Roman" panose="02020603050405020304" pitchFamily="18" charset="0"/>
+              </a:rPr>
+              <a:t>1412520 – Nguyễn Hoàng Thi </a:t>
+            </a:r>
+          </a:p>
+          <a:p>
+            <a:pPr marL="0" indent="0">
+              <a:lnSpc>
+                <a:spcPct val="150000"/>
+              </a:lnSpc>
+              <a:buNone/>
+            </a:pPr>
+            <a:r>
+              <a:rPr lang="en-US" sz="2800">
+                <a:latin typeface="Times New Roman" panose="02020603050405020304" pitchFamily="18" charset="0"/>
+                <a:cs typeface="Times New Roman" panose="02020603050405020304" pitchFamily="18" charset="0"/>
+              </a:rPr>
+              <a:t>1412542 - Nguyễn Hà Tiên</a:t>
+            </a:r>
+          </a:p>
+          <a:p>
+            <a:pPr marL="0" indent="0">
+              <a:lnSpc>
+                <a:spcPct val="150000"/>
+              </a:lnSpc>
+              <a:buNone/>
+            </a:pPr>
+            <a:r>
+              <a:rPr lang="en-US" sz="2800">
+                <a:latin typeface="Times New Roman" panose="02020603050405020304" pitchFamily="18" charset="0"/>
+                <a:cs typeface="Times New Roman" panose="02020603050405020304" pitchFamily="18" charset="0"/>
+              </a:rPr>
+              <a:t>1412543 - Nguyễn Thủy Tiên</a:t>
+            </a:r>
+          </a:p>
+          <a:p>
+            <a:pPr marL="0" indent="0">
+              <a:lnSpc>
+                <a:spcPct val="150000"/>
+              </a:lnSpc>
+              <a:buNone/>
+            </a:pPr>
+            <a:r>
+              <a:rPr lang="en-US" sz="2800">
+                <a:latin typeface="Times New Roman" panose="02020603050405020304" pitchFamily="18" charset="0"/>
+                <a:cs typeface="Times New Roman" panose="02020603050405020304" pitchFamily="18" charset="0"/>
+              </a:rPr>
+              <a:t>1412595 - Võ Thị Thanh Trúc</a:t>
+            </a:r>
+          </a:p>
+          <a:p>
+            <a:endParaRPr lang="en-US" sz="2800"/>
+          </a:p>
+        </p:txBody>
+      </p:sp>
+    </p:spTree>
+    <p:extLst>
+      <p:ext uri="{BB962C8B-B14F-4D97-AF65-F5344CB8AC3E}">
+        <p14:creationId xmlns:p14="http://schemas.microsoft.com/office/powerpoint/2010/main" val="1532792253"/>
+      </p:ext>
+    </p:extLst>
+  </p:cSld>
+  <p:clrMapOvr>
+    <a:masterClrMapping/>
+  </p:clrMapOvr>
+</p:sld>
+</file>
+
+<file path=ppt/slides/slide3.xml><?xml version="1.0" encoding="utf-8"?>
+<p:sld xmlns:a="http://schemas.openxmlformats.org/drawingml/2006/main" xmlns:r="http://schemas.openxmlformats.org/officeDocument/2006/relationships" xmlns:p="http://schemas.openxmlformats.org/presentationml/2006/main">
+  <p:cSld>
+    <p:spTree>
+      <p:nvGrpSpPr>
+        <p:cNvPr id="1" name=""/>
+        <p:cNvGrpSpPr/>
+        <p:nvPr/>
+      </p:nvGrpSpPr>
+      <p:grpSpPr>
+        <a:xfrm>
+          <a:off x="0" y="0"/>
+          <a:ext cx="0" cy="0"/>
+          <a:chOff x="0" y="0"/>
+          <a:chExt cx="0" cy="0"/>
+        </a:xfrm>
+      </p:grpSpPr>
+      <p:sp>
+        <p:nvSpPr>
+          <p:cNvPr id="2" name="Title 1">
+            <a:extLst>
+              <a:ext uri="{FF2B5EF4-FFF2-40B4-BE49-F238E27FC236}">
+                <a16:creationId xmlns:a16="http://schemas.microsoft.com/office/drawing/2014/main" id="{DCDE6074-9E5A-45C2-A679-F2A8D4000FE9}"/>
+              </a:ext>
+            </a:extLst>
+          </p:cNvPr>
+          <p:cNvSpPr>
+            <a:spLocks noGrp="1"/>
+          </p:cNvSpPr>
+          <p:nvPr>
+            <p:ph type="title"/>
+          </p:nvPr>
+        </p:nvSpPr>
+        <p:spPr>
+          <a:xfrm>
+            <a:off x="1572803" y="443679"/>
+            <a:ext cx="2763224" cy="951271"/>
+          </a:xfrm>
+        </p:spPr>
+        <p:txBody>
+          <a:bodyPr/>
+          <a:lstStyle/>
+          <a:p>
+            <a:pPr algn="l"/>
+            <a:r>
+              <a:rPr lang="en-US" b="1" dirty="0" err="1">
+                <a:solidFill>
+                  <a:srgbClr val="0000FF"/>
+                </a:solidFill>
+                <a:latin typeface="Times New Roman" panose="02020603050405020304" pitchFamily="18" charset="0"/>
+                <a:cs typeface="Times New Roman" panose="02020603050405020304" pitchFamily="18" charset="0"/>
+              </a:rPr>
+              <a:t>Nội</a:t>
+            </a:r>
+            <a:r>
+              <a:rPr lang="en-US" b="1" dirty="0">
+                <a:solidFill>
+                  <a:srgbClr val="0000FF"/>
+                </a:solidFill>
+                <a:latin typeface="Times New Roman" panose="02020603050405020304" pitchFamily="18" charset="0"/>
+                <a:cs typeface="Times New Roman" panose="02020603050405020304" pitchFamily="18" charset="0"/>
+              </a:rPr>
+              <a:t> dung</a:t>
+            </a:r>
+          </a:p>
+        </p:txBody>
+      </p:sp>
+      <p:graphicFrame>
+        <p:nvGraphicFramePr>
+          <p:cNvPr id="4" name="Diagram 3">
+            <a:extLst>
+              <a:ext uri="{FF2B5EF4-FFF2-40B4-BE49-F238E27FC236}">
+                <a16:creationId xmlns:a16="http://schemas.microsoft.com/office/drawing/2014/main" id="{B73E53B0-E32A-46B9-A985-8FAC34A22EB3}"/>
+              </a:ext>
+            </a:extLst>
+          </p:cNvPr>
+          <p:cNvGraphicFramePr/>
+          <p:nvPr>
+            <p:extLst>
+              <p:ext uri="{D42A27DB-BD31-4B8C-83A1-F6EECF244321}">
+                <p14:modId xmlns:p14="http://schemas.microsoft.com/office/powerpoint/2010/main" val="1605035400"/>
+              </p:ext>
+            </p:extLst>
+          </p:nvPr>
+        </p:nvGraphicFramePr>
+        <p:xfrm>
+          <a:off x="2031999" y="1640114"/>
+          <a:ext cx="9187543" cy="4601029"/>
+        </p:xfrm>
+        <a:graphic>
+          <a:graphicData uri="http://schemas.openxmlformats.org/drawingml/2006/diagram">
+            <dgm:relIds xmlns:dgm="http://schemas.openxmlformats.org/drawingml/2006/diagram" xmlns:r="http://schemas.openxmlformats.org/officeDocument/2006/relationships" r:dm="rId3" r:lo="rId4" r:qs="rId5" r:cs="rId6"/>
+          </a:graphicData>
+        </a:graphic>
+      </p:graphicFrame>
+    </p:spTree>
+    <p:extLst>
+      <p:ext uri="{BB962C8B-B14F-4D97-AF65-F5344CB8AC3E}">
+        <p14:creationId xmlns:p14="http://schemas.microsoft.com/office/powerpoint/2010/main" val="1760130702"/>
+      </p:ext>
+    </p:extLst>
+  </p:cSld>
+  <p:clrMapOvr>
+    <a:masterClrMapping/>
+  </p:clrMapOvr>
+</p:sld>
+</file>
+
+<file path=ppt/slides/slide4.xml><?xml version="1.0" encoding="utf-8"?>
+<p:sld xmlns:a="http://schemas.openxmlformats.org/drawingml/2006/main" xmlns:r="http://schemas.openxmlformats.org/officeDocument/2006/relationships" xmlns:p="http://schemas.openxmlformats.org/presentationml/2006/main">
+  <p:cSld>
+    <p:spTree>
+      <p:nvGrpSpPr>
+        <p:cNvPr id="1" name=""/>
+        <p:cNvGrpSpPr/>
+        <p:nvPr/>
+      </p:nvGrpSpPr>
+      <p:grpSpPr>
+        <a:xfrm>
+          <a:off x="0" y="0"/>
+          <a:ext cx="0" cy="0"/>
+          <a:chOff x="0" y="0"/>
+          <a:chExt cx="0" cy="0"/>
+        </a:xfrm>
+      </p:grpSpPr>
+      <p:sp>
+        <p:nvSpPr>
+          <p:cNvPr id="2" name="Title 1">
+            <a:extLst>
+              <a:ext uri="{FF2B5EF4-FFF2-40B4-BE49-F238E27FC236}">
+                <a16:creationId xmlns:a16="http://schemas.microsoft.com/office/drawing/2014/main" id="{DCDE6074-9E5A-45C2-A679-F2A8D4000FE9}"/>
+              </a:ext>
+            </a:extLst>
+          </p:cNvPr>
+          <p:cNvSpPr>
+            <a:spLocks noGrp="1"/>
+          </p:cNvSpPr>
+          <p:nvPr>
+            <p:ph type="title"/>
+          </p:nvPr>
+        </p:nvSpPr>
+        <p:spPr>
+          <a:xfrm>
+            <a:off x="1572803" y="443679"/>
+            <a:ext cx="7295426" cy="951271"/>
+          </a:xfrm>
+        </p:spPr>
+        <p:txBody>
+          <a:bodyPr>
+            <a:normAutofit fontScale="90000"/>
+          </a:bodyPr>
+          <a:lstStyle/>
+          <a:p>
+            <a:pPr algn="l"/>
+            <a:r>
+              <a:rPr lang="en-US" b="1" dirty="0" err="1">
+                <a:solidFill>
+                  <a:srgbClr val="0000FF"/>
+                </a:solidFill>
+                <a:latin typeface="Times New Roman" panose="02020603050405020304" pitchFamily="18" charset="0"/>
+                <a:cs typeface="Times New Roman" panose="02020603050405020304" pitchFamily="18" charset="0"/>
+              </a:rPr>
+              <a:t>Tổng</a:t>
+            </a:r>
+            <a:r>
+              <a:rPr lang="en-US" b="1" dirty="0">
+                <a:solidFill>
+                  <a:srgbClr val="0000FF"/>
+                </a:solidFill>
+                <a:latin typeface="Times New Roman" panose="02020603050405020304" pitchFamily="18" charset="0"/>
+                <a:cs typeface="Times New Roman" panose="02020603050405020304" pitchFamily="18" charset="0"/>
+              </a:rPr>
+              <a:t> </a:t>
+            </a:r>
+            <a:r>
+              <a:rPr lang="en-US" b="1" dirty="0" err="1">
+                <a:solidFill>
+                  <a:srgbClr val="0000FF"/>
+                </a:solidFill>
+                <a:latin typeface="Times New Roman" panose="02020603050405020304" pitchFamily="18" charset="0"/>
+                <a:cs typeface="Times New Roman" panose="02020603050405020304" pitchFamily="18" charset="0"/>
+              </a:rPr>
+              <a:t>quan</a:t>
+            </a:r>
+            <a:r>
+              <a:rPr lang="en-US" b="1" dirty="0">
+                <a:solidFill>
+                  <a:srgbClr val="0000FF"/>
+                </a:solidFill>
+                <a:latin typeface="Times New Roman" panose="02020603050405020304" pitchFamily="18" charset="0"/>
+                <a:cs typeface="Times New Roman" panose="02020603050405020304" pitchFamily="18" charset="0"/>
+              </a:rPr>
+              <a:t> </a:t>
+            </a:r>
+            <a:r>
+              <a:rPr lang="en-US" b="1" dirty="0" err="1">
+                <a:solidFill>
+                  <a:srgbClr val="0000FF"/>
+                </a:solidFill>
+                <a:latin typeface="Times New Roman" panose="02020603050405020304" pitchFamily="18" charset="0"/>
+                <a:cs typeface="Times New Roman" panose="02020603050405020304" pitchFamily="18" charset="0"/>
+              </a:rPr>
+              <a:t>về</a:t>
+            </a:r>
+            <a:r>
+              <a:rPr lang="en-US" b="1" dirty="0">
+                <a:solidFill>
+                  <a:srgbClr val="0000FF"/>
+                </a:solidFill>
+                <a:latin typeface="Times New Roman" panose="02020603050405020304" pitchFamily="18" charset="0"/>
+                <a:cs typeface="Times New Roman" panose="02020603050405020304" pitchFamily="18" charset="0"/>
+              </a:rPr>
+              <a:t> Stanford </a:t>
+            </a:r>
+            <a:r>
+              <a:rPr lang="en-US" b="1" dirty="0" err="1">
+                <a:solidFill>
+                  <a:srgbClr val="0000FF"/>
+                </a:solidFill>
+                <a:latin typeface="Times New Roman" panose="02020603050405020304" pitchFamily="18" charset="0"/>
+                <a:cs typeface="Times New Roman" panose="02020603050405020304" pitchFamily="18" charset="0"/>
+              </a:rPr>
+              <a:t>CoreNLP</a:t>
+            </a:r>
+            <a:endParaRPr lang="en-US" b="1" dirty="0">
+              <a:solidFill>
+                <a:srgbClr val="0000FF"/>
+              </a:solidFill>
+              <a:latin typeface="Times New Roman" panose="02020603050405020304" pitchFamily="18" charset="0"/>
+              <a:cs typeface="Times New Roman" panose="02020603050405020304" pitchFamily="18" charset="0"/>
+            </a:endParaRPr>
+          </a:p>
+        </p:txBody>
+      </p:sp>
+      <p:sp>
+        <p:nvSpPr>
+          <p:cNvPr id="3" name="Content Placeholder 2">
+            <a:extLst>
+              <a:ext uri="{FF2B5EF4-FFF2-40B4-BE49-F238E27FC236}">
+                <a16:creationId xmlns:a16="http://schemas.microsoft.com/office/drawing/2014/main" id="{F94A4AF2-B749-4F3D-9AC4-F9E4EA236747}"/>
+              </a:ext>
+            </a:extLst>
+          </p:cNvPr>
+          <p:cNvSpPr>
+            <a:spLocks noGrp="1"/>
+          </p:cNvSpPr>
+          <p:nvPr>
+            <p:ph idx="1"/>
+          </p:nvPr>
+        </p:nvSpPr>
+        <p:spPr>
+          <a:xfrm>
+            <a:off x="1749781" y="1755059"/>
+            <a:ext cx="10018713" cy="3564194"/>
+          </a:xfrm>
+        </p:spPr>
+        <p:txBody>
+          <a:bodyPr>
+            <a:normAutofit/>
+          </a:bodyPr>
+          <a:lstStyle/>
+          <a:p>
+            <a:pPr algn="just">
+              <a:spcAft>
+                <a:spcPts val="1800"/>
+              </a:spcAft>
+              <a:buFont typeface="Arial" panose="020B0604020202020204" pitchFamily="34" charset="0"/>
+              <a:buChar char="•"/>
+            </a:pPr>
+            <a:r>
+              <a:rPr lang="en-US" sz="2600" dirty="0">
+                <a:latin typeface="Times New Roman" panose="02020603050405020304" pitchFamily="18" charset="0"/>
+                <a:cs typeface="Times New Roman" panose="02020603050405020304" pitchFamily="18" charset="0"/>
+              </a:rPr>
+              <a:t>Stanford </a:t>
+            </a:r>
+            <a:r>
+              <a:rPr lang="en-US" sz="2600" dirty="0" err="1">
+                <a:latin typeface="Times New Roman" panose="02020603050405020304" pitchFamily="18" charset="0"/>
+                <a:cs typeface="Times New Roman" panose="02020603050405020304" pitchFamily="18" charset="0"/>
+              </a:rPr>
+              <a:t>CoreNLP</a:t>
+            </a:r>
+            <a:r>
+              <a:rPr lang="en-US" sz="2600" dirty="0">
+                <a:latin typeface="Times New Roman" panose="02020603050405020304" pitchFamily="18" charset="0"/>
+                <a:cs typeface="Times New Roman" panose="02020603050405020304" pitchFamily="18" charset="0"/>
+              </a:rPr>
+              <a:t> </a:t>
+            </a:r>
+            <a:r>
+              <a:rPr lang="en-US" sz="2600" dirty="0" err="1">
+                <a:latin typeface="Times New Roman" panose="02020603050405020304" pitchFamily="18" charset="0"/>
+                <a:cs typeface="Times New Roman" panose="02020603050405020304" pitchFamily="18" charset="0"/>
+              </a:rPr>
+              <a:t>cung</a:t>
+            </a:r>
+            <a:r>
+              <a:rPr lang="en-US" sz="2600" dirty="0">
+                <a:latin typeface="Times New Roman" panose="02020603050405020304" pitchFamily="18" charset="0"/>
+                <a:cs typeface="Times New Roman" panose="02020603050405020304" pitchFamily="18" charset="0"/>
+              </a:rPr>
+              <a:t> </a:t>
+            </a:r>
+            <a:r>
+              <a:rPr lang="en-US" sz="2600" dirty="0" err="1">
+                <a:latin typeface="Times New Roman" panose="02020603050405020304" pitchFamily="18" charset="0"/>
+                <a:cs typeface="Times New Roman" panose="02020603050405020304" pitchFamily="18" charset="0"/>
+              </a:rPr>
+              <a:t>cấp</a:t>
+            </a:r>
+            <a:r>
+              <a:rPr lang="en-US" sz="2600" dirty="0">
+                <a:latin typeface="Times New Roman" panose="02020603050405020304" pitchFamily="18" charset="0"/>
+                <a:cs typeface="Times New Roman" panose="02020603050405020304" pitchFamily="18" charset="0"/>
+              </a:rPr>
+              <a:t> </a:t>
+            </a:r>
+            <a:r>
+              <a:rPr lang="en-US" sz="2600" dirty="0" err="1">
+                <a:latin typeface="Times New Roman" panose="02020603050405020304" pitchFamily="18" charset="0"/>
+                <a:cs typeface="Times New Roman" panose="02020603050405020304" pitchFamily="18" charset="0"/>
+              </a:rPr>
+              <a:t>một</a:t>
+            </a:r>
+            <a:r>
+              <a:rPr lang="en-US" sz="2600" dirty="0">
+                <a:latin typeface="Times New Roman" panose="02020603050405020304" pitchFamily="18" charset="0"/>
+                <a:cs typeface="Times New Roman" panose="02020603050405020304" pitchFamily="18" charset="0"/>
+              </a:rPr>
+              <a:t> </a:t>
+            </a:r>
+            <a:r>
+              <a:rPr lang="en-US" sz="2600" dirty="0" err="1">
+                <a:latin typeface="Times New Roman" panose="02020603050405020304" pitchFamily="18" charset="0"/>
+                <a:cs typeface="Times New Roman" panose="02020603050405020304" pitchFamily="18" charset="0"/>
+              </a:rPr>
+              <a:t>bộ</a:t>
+            </a:r>
+            <a:r>
+              <a:rPr lang="en-US" sz="2600" dirty="0">
+                <a:latin typeface="Times New Roman" panose="02020603050405020304" pitchFamily="18" charset="0"/>
+                <a:cs typeface="Times New Roman" panose="02020603050405020304" pitchFamily="18" charset="0"/>
+              </a:rPr>
+              <a:t> </a:t>
+            </a:r>
+            <a:r>
+              <a:rPr lang="en-US" sz="2600" dirty="0" err="1">
+                <a:latin typeface="Times New Roman" panose="02020603050405020304" pitchFamily="18" charset="0"/>
+                <a:cs typeface="Times New Roman" panose="02020603050405020304" pitchFamily="18" charset="0"/>
+              </a:rPr>
+              <a:t>công</a:t>
+            </a:r>
+            <a:r>
+              <a:rPr lang="en-US" sz="2600" dirty="0">
+                <a:latin typeface="Times New Roman" panose="02020603050405020304" pitchFamily="18" charset="0"/>
+                <a:cs typeface="Times New Roman" panose="02020603050405020304" pitchFamily="18" charset="0"/>
+              </a:rPr>
+              <a:t> </a:t>
+            </a:r>
+            <a:r>
+              <a:rPr lang="en-US" sz="2600" dirty="0" err="1">
+                <a:latin typeface="Times New Roman" panose="02020603050405020304" pitchFamily="18" charset="0"/>
+                <a:cs typeface="Times New Roman" panose="02020603050405020304" pitchFamily="18" charset="0"/>
+              </a:rPr>
+              <a:t>cụ</a:t>
+            </a:r>
+            <a:r>
+              <a:rPr lang="en-US" sz="2600" dirty="0">
+                <a:latin typeface="Times New Roman" panose="02020603050405020304" pitchFamily="18" charset="0"/>
+                <a:cs typeface="Times New Roman" panose="02020603050405020304" pitchFamily="18" charset="0"/>
+              </a:rPr>
+              <a:t> </a:t>
+            </a:r>
+            <a:r>
+              <a:rPr lang="en-US" sz="2600" dirty="0" err="1">
+                <a:latin typeface="Times New Roman" panose="02020603050405020304" pitchFamily="18" charset="0"/>
+                <a:cs typeface="Times New Roman" panose="02020603050405020304" pitchFamily="18" charset="0"/>
+              </a:rPr>
+              <a:t>xử</a:t>
+            </a:r>
+            <a:r>
+              <a:rPr lang="en-US" sz="2600" dirty="0">
+                <a:latin typeface="Times New Roman" panose="02020603050405020304" pitchFamily="18" charset="0"/>
+                <a:cs typeface="Times New Roman" panose="02020603050405020304" pitchFamily="18" charset="0"/>
+              </a:rPr>
+              <a:t> </a:t>
+            </a:r>
+            <a:r>
+              <a:rPr lang="en-US" sz="2600" dirty="0" err="1">
+                <a:latin typeface="Times New Roman" panose="02020603050405020304" pitchFamily="18" charset="0"/>
+                <a:cs typeface="Times New Roman" panose="02020603050405020304" pitchFamily="18" charset="0"/>
+              </a:rPr>
+              <a:t>lý</a:t>
+            </a:r>
+            <a:r>
+              <a:rPr lang="en-US" sz="2600" dirty="0">
+                <a:latin typeface="Times New Roman" panose="02020603050405020304" pitchFamily="18" charset="0"/>
+                <a:cs typeface="Times New Roman" panose="02020603050405020304" pitchFamily="18" charset="0"/>
+              </a:rPr>
+              <a:t> </a:t>
+            </a:r>
+            <a:r>
+              <a:rPr lang="en-US" sz="2600" dirty="0" err="1">
+                <a:latin typeface="Times New Roman" panose="02020603050405020304" pitchFamily="18" charset="0"/>
+                <a:cs typeface="Times New Roman" panose="02020603050405020304" pitchFamily="18" charset="0"/>
+              </a:rPr>
+              <a:t>ngôn</a:t>
+            </a:r>
+            <a:r>
+              <a:rPr lang="en-US" sz="2600" dirty="0">
+                <a:latin typeface="Times New Roman" panose="02020603050405020304" pitchFamily="18" charset="0"/>
+                <a:cs typeface="Times New Roman" panose="02020603050405020304" pitchFamily="18" charset="0"/>
+              </a:rPr>
+              <a:t> </a:t>
+            </a:r>
+            <a:r>
+              <a:rPr lang="en-US" sz="2600" dirty="0" err="1">
+                <a:latin typeface="Times New Roman" panose="02020603050405020304" pitchFamily="18" charset="0"/>
+                <a:cs typeface="Times New Roman" panose="02020603050405020304" pitchFamily="18" charset="0"/>
+              </a:rPr>
+              <a:t>ngữ</a:t>
+            </a:r>
+            <a:r>
+              <a:rPr lang="en-US" sz="2600" dirty="0">
+                <a:latin typeface="Times New Roman" panose="02020603050405020304" pitchFamily="18" charset="0"/>
+                <a:cs typeface="Times New Roman" panose="02020603050405020304" pitchFamily="18" charset="0"/>
+              </a:rPr>
+              <a:t> </a:t>
+            </a:r>
+            <a:r>
+              <a:rPr lang="en-US" sz="2600" dirty="0" err="1">
+                <a:latin typeface="Times New Roman" panose="02020603050405020304" pitchFamily="18" charset="0"/>
+                <a:cs typeface="Times New Roman" panose="02020603050405020304" pitchFamily="18" charset="0"/>
+              </a:rPr>
+              <a:t>tự</a:t>
+            </a:r>
+            <a:r>
+              <a:rPr lang="en-US" sz="2600" dirty="0">
+                <a:latin typeface="Times New Roman" panose="02020603050405020304" pitchFamily="18" charset="0"/>
+                <a:cs typeface="Times New Roman" panose="02020603050405020304" pitchFamily="18" charset="0"/>
+              </a:rPr>
+              <a:t> </a:t>
+            </a:r>
+            <a:r>
+              <a:rPr lang="en-US" sz="2600" dirty="0" err="1">
+                <a:latin typeface="Times New Roman" panose="02020603050405020304" pitchFamily="18" charset="0"/>
+                <a:cs typeface="Times New Roman" panose="02020603050405020304" pitchFamily="18" charset="0"/>
+              </a:rPr>
+              <a:t>nhiên</a:t>
+            </a:r>
+            <a:r>
+              <a:rPr lang="en-US" sz="2600" dirty="0">
+                <a:latin typeface="Times New Roman" panose="02020603050405020304" pitchFamily="18" charset="0"/>
+                <a:cs typeface="Times New Roman" panose="02020603050405020304" pitchFamily="18" charset="0"/>
+              </a:rPr>
+              <a:t>. </a:t>
+            </a:r>
+            <a:r>
+              <a:rPr lang="en-US" sz="2600" dirty="0" err="1">
+                <a:latin typeface="Times New Roman" panose="02020603050405020304" pitchFamily="18" charset="0"/>
+                <a:cs typeface="Times New Roman" panose="02020603050405020304" pitchFamily="18" charset="0"/>
+              </a:rPr>
+              <a:t>Nó</a:t>
+            </a:r>
+            <a:r>
+              <a:rPr lang="en-US" sz="2600" dirty="0">
+                <a:latin typeface="Times New Roman" panose="02020603050405020304" pitchFamily="18" charset="0"/>
+                <a:cs typeface="Times New Roman" panose="02020603050405020304" pitchFamily="18" charset="0"/>
+              </a:rPr>
+              <a:t> </a:t>
+            </a:r>
+            <a:r>
+              <a:rPr lang="en-US" sz="2600" dirty="0" err="1">
+                <a:latin typeface="Times New Roman" panose="02020603050405020304" pitchFamily="18" charset="0"/>
+                <a:cs typeface="Times New Roman" panose="02020603050405020304" pitchFamily="18" charset="0"/>
+              </a:rPr>
+              <a:t>có</a:t>
+            </a:r>
+            <a:r>
+              <a:rPr lang="en-US" sz="2600" dirty="0">
+                <a:latin typeface="Times New Roman" panose="02020603050405020304" pitchFamily="18" charset="0"/>
+                <a:cs typeface="Times New Roman" panose="02020603050405020304" pitchFamily="18" charset="0"/>
+              </a:rPr>
+              <a:t> </a:t>
+            </a:r>
+            <a:r>
+              <a:rPr lang="en-US" sz="2600" dirty="0" err="1">
+                <a:latin typeface="Times New Roman" panose="02020603050405020304" pitchFamily="18" charset="0"/>
+                <a:cs typeface="Times New Roman" panose="02020603050405020304" pitchFamily="18" charset="0"/>
+              </a:rPr>
+              <a:t>thể</a:t>
+            </a:r>
+            <a:r>
+              <a:rPr lang="en-US" sz="2600" dirty="0">
+                <a:latin typeface="Times New Roman" panose="02020603050405020304" pitchFamily="18" charset="0"/>
+                <a:cs typeface="Times New Roman" panose="02020603050405020304" pitchFamily="18" charset="0"/>
+              </a:rPr>
+              <a:t> </a:t>
+            </a:r>
+            <a:r>
+              <a:rPr lang="en-US" sz="2600" dirty="0" err="1">
+                <a:latin typeface="Times New Roman" panose="02020603050405020304" pitchFamily="18" charset="0"/>
+                <a:cs typeface="Times New Roman" panose="02020603050405020304" pitchFamily="18" charset="0"/>
+              </a:rPr>
+              <a:t>phân</a:t>
+            </a:r>
+            <a:r>
+              <a:rPr lang="en-US" sz="2600" dirty="0">
+                <a:latin typeface="Times New Roman" panose="02020603050405020304" pitchFamily="18" charset="0"/>
+                <a:cs typeface="Times New Roman" panose="02020603050405020304" pitchFamily="18" charset="0"/>
+              </a:rPr>
+              <a:t> </a:t>
+            </a:r>
+            <a:r>
+              <a:rPr lang="en-US" sz="2600" dirty="0" err="1">
+                <a:latin typeface="Times New Roman" panose="02020603050405020304" pitchFamily="18" charset="0"/>
+                <a:cs typeface="Times New Roman" panose="02020603050405020304" pitchFamily="18" charset="0"/>
+              </a:rPr>
+              <a:t>tích</a:t>
+            </a:r>
+            <a:r>
+              <a:rPr lang="en-US" sz="2600" dirty="0">
+                <a:latin typeface="Times New Roman" panose="02020603050405020304" pitchFamily="18" charset="0"/>
+                <a:cs typeface="Times New Roman" panose="02020603050405020304" pitchFamily="18" charset="0"/>
+              </a:rPr>
+              <a:t> đ</a:t>
+            </a:r>
+            <a:r>
+              <a:rPr lang="vi-VN" sz="2600" dirty="0">
+                <a:latin typeface="Times New Roman" panose="02020603050405020304" pitchFamily="18" charset="0"/>
+                <a:cs typeface="Times New Roman" panose="02020603050405020304" pitchFamily="18" charset="0"/>
+              </a:rPr>
+              <a:t>ư</a:t>
+            </a:r>
+            <a:r>
+              <a:rPr lang="en-US" sz="2600" dirty="0" err="1">
+                <a:latin typeface="Times New Roman" panose="02020603050405020304" pitchFamily="18" charset="0"/>
+                <a:cs typeface="Times New Roman" panose="02020603050405020304" pitchFamily="18" charset="0"/>
+              </a:rPr>
+              <a:t>ợc</a:t>
+            </a:r>
+            <a:r>
+              <a:rPr lang="en-US" sz="2600" dirty="0">
+                <a:latin typeface="Times New Roman" panose="02020603050405020304" pitchFamily="18" charset="0"/>
+                <a:cs typeface="Times New Roman" panose="02020603050405020304" pitchFamily="18" charset="0"/>
+              </a:rPr>
+              <a:t> </a:t>
+            </a:r>
+            <a:r>
+              <a:rPr lang="en-US" sz="2600" dirty="0" err="1">
+                <a:latin typeface="Times New Roman" panose="02020603050405020304" pitchFamily="18" charset="0"/>
+                <a:cs typeface="Times New Roman" panose="02020603050405020304" pitchFamily="18" charset="0"/>
+              </a:rPr>
+              <a:t>các</a:t>
+            </a:r>
+            <a:r>
+              <a:rPr lang="en-US" sz="2600" dirty="0">
+                <a:latin typeface="Times New Roman" panose="02020603050405020304" pitchFamily="18" charset="0"/>
+                <a:cs typeface="Times New Roman" panose="02020603050405020304" pitchFamily="18" charset="0"/>
+              </a:rPr>
+              <a:t> </a:t>
+            </a:r>
+            <a:r>
+              <a:rPr lang="en-US" sz="2600" dirty="0" err="1">
+                <a:latin typeface="Times New Roman" panose="02020603050405020304" pitchFamily="18" charset="0"/>
+                <a:cs typeface="Times New Roman" panose="02020603050405020304" pitchFamily="18" charset="0"/>
+              </a:rPr>
+              <a:t>hình</a:t>
+            </a:r>
+            <a:r>
+              <a:rPr lang="en-US" sz="2600" dirty="0">
+                <a:latin typeface="Times New Roman" panose="02020603050405020304" pitchFamily="18" charset="0"/>
+                <a:cs typeface="Times New Roman" panose="02020603050405020304" pitchFamily="18" charset="0"/>
+              </a:rPr>
+              <a:t> </a:t>
+            </a:r>
+            <a:r>
+              <a:rPr lang="en-US" sz="2600" dirty="0" err="1">
+                <a:latin typeface="Times New Roman" panose="02020603050405020304" pitchFamily="18" charset="0"/>
+                <a:cs typeface="Times New Roman" panose="02020603050405020304" pitchFamily="18" charset="0"/>
+              </a:rPr>
+              <a:t>thức</a:t>
+            </a:r>
+            <a:r>
+              <a:rPr lang="en-US" sz="2600" dirty="0">
+                <a:latin typeface="Times New Roman" panose="02020603050405020304" pitchFamily="18" charset="0"/>
+                <a:cs typeface="Times New Roman" panose="02020603050405020304" pitchFamily="18" charset="0"/>
+              </a:rPr>
+              <a:t> </a:t>
+            </a:r>
+            <a:r>
+              <a:rPr lang="en-US" sz="2600" dirty="0" err="1">
+                <a:latin typeface="Times New Roman" panose="02020603050405020304" pitchFamily="18" charset="0"/>
+                <a:cs typeface="Times New Roman" panose="02020603050405020304" pitchFamily="18" charset="0"/>
+              </a:rPr>
+              <a:t>của</a:t>
+            </a:r>
+            <a:r>
+              <a:rPr lang="en-US" sz="2600" dirty="0">
+                <a:latin typeface="Times New Roman" panose="02020603050405020304" pitchFamily="18" charset="0"/>
+                <a:cs typeface="Times New Roman" panose="02020603050405020304" pitchFamily="18" charset="0"/>
+              </a:rPr>
+              <a:t> </a:t>
+            </a:r>
+            <a:r>
+              <a:rPr lang="en-US" sz="2600" dirty="0" err="1">
+                <a:latin typeface="Times New Roman" panose="02020603050405020304" pitchFamily="18" charset="0"/>
+                <a:cs typeface="Times New Roman" panose="02020603050405020304" pitchFamily="18" charset="0"/>
+              </a:rPr>
+              <a:t>từ</a:t>
+            </a:r>
+            <a:r>
+              <a:rPr lang="en-US" sz="2600" dirty="0">
+                <a:latin typeface="Times New Roman" panose="02020603050405020304" pitchFamily="18" charset="0"/>
+                <a:cs typeface="Times New Roman" panose="02020603050405020304" pitchFamily="18" charset="0"/>
+              </a:rPr>
+              <a:t>, </a:t>
+            </a:r>
+            <a:r>
+              <a:rPr lang="en-US" sz="2600" dirty="0" err="1">
+                <a:latin typeface="Times New Roman" panose="02020603050405020304" pitchFamily="18" charset="0"/>
+                <a:cs typeface="Times New Roman" panose="02020603050405020304" pitchFamily="18" charset="0"/>
+              </a:rPr>
+              <a:t>cấu</a:t>
+            </a:r>
+            <a:r>
+              <a:rPr lang="en-US" sz="2600" dirty="0">
+                <a:latin typeface="Times New Roman" panose="02020603050405020304" pitchFamily="18" charset="0"/>
+                <a:cs typeface="Times New Roman" panose="02020603050405020304" pitchFamily="18" charset="0"/>
+              </a:rPr>
+              <a:t> </a:t>
+            </a:r>
+            <a:r>
+              <a:rPr lang="en-US" sz="2600" dirty="0" err="1">
+                <a:latin typeface="Times New Roman" panose="02020603050405020304" pitchFamily="18" charset="0"/>
+                <a:cs typeface="Times New Roman" panose="02020603050405020304" pitchFamily="18" charset="0"/>
+              </a:rPr>
+              <a:t>trúc</a:t>
+            </a:r>
+            <a:r>
+              <a:rPr lang="en-US" sz="2600" dirty="0">
+                <a:latin typeface="Times New Roman" panose="02020603050405020304" pitchFamily="18" charset="0"/>
+                <a:cs typeface="Times New Roman" panose="02020603050405020304" pitchFamily="18" charset="0"/>
+              </a:rPr>
+              <a:t> </a:t>
+            </a:r>
+            <a:r>
+              <a:rPr lang="en-US" sz="2600" dirty="0" err="1">
+                <a:latin typeface="Times New Roman" panose="02020603050405020304" pitchFamily="18" charset="0"/>
+                <a:cs typeface="Times New Roman" panose="02020603050405020304" pitchFamily="18" charset="0"/>
+              </a:rPr>
+              <a:t>của</a:t>
+            </a:r>
+            <a:r>
+              <a:rPr lang="en-US" sz="2600" dirty="0">
+                <a:latin typeface="Times New Roman" panose="02020603050405020304" pitchFamily="18" charset="0"/>
+                <a:cs typeface="Times New Roman" panose="02020603050405020304" pitchFamily="18" charset="0"/>
+              </a:rPr>
+              <a:t> </a:t>
+            </a:r>
+            <a:r>
+              <a:rPr lang="en-US" sz="2600" dirty="0" err="1">
+                <a:latin typeface="Times New Roman" panose="02020603050405020304" pitchFamily="18" charset="0"/>
+                <a:cs typeface="Times New Roman" panose="02020603050405020304" pitchFamily="18" charset="0"/>
+              </a:rPr>
+              <a:t>câu</a:t>
+            </a:r>
+            <a:r>
+              <a:rPr lang="en-US" sz="2600" dirty="0">
+                <a:latin typeface="Times New Roman" panose="02020603050405020304" pitchFamily="18" charset="0"/>
+                <a:cs typeface="Times New Roman" panose="02020603050405020304" pitchFamily="18" charset="0"/>
+              </a:rPr>
+              <a:t>, </a:t>
+            </a:r>
+            <a:r>
+              <a:rPr lang="en-US" sz="2600" dirty="0" err="1">
+                <a:latin typeface="Times New Roman" panose="02020603050405020304" pitchFamily="18" charset="0"/>
+                <a:cs typeface="Times New Roman" panose="02020603050405020304" pitchFamily="18" charset="0"/>
+              </a:rPr>
+              <a:t>sự</a:t>
+            </a:r>
+            <a:r>
+              <a:rPr lang="en-US" sz="2600" dirty="0">
+                <a:latin typeface="Times New Roman" panose="02020603050405020304" pitchFamily="18" charset="0"/>
+                <a:cs typeface="Times New Roman" panose="02020603050405020304" pitchFamily="18" charset="0"/>
+              </a:rPr>
+              <a:t> </a:t>
+            </a:r>
+            <a:r>
+              <a:rPr lang="en-US" sz="2600" dirty="0" err="1">
+                <a:latin typeface="Times New Roman" panose="02020603050405020304" pitchFamily="18" charset="0"/>
+                <a:cs typeface="Times New Roman" panose="02020603050405020304" pitchFamily="18" charset="0"/>
+              </a:rPr>
+              <a:t>phụ</a:t>
+            </a:r>
+            <a:r>
+              <a:rPr lang="en-US" sz="2600" dirty="0">
+                <a:latin typeface="Times New Roman" panose="02020603050405020304" pitchFamily="18" charset="0"/>
+                <a:cs typeface="Times New Roman" panose="02020603050405020304" pitchFamily="18" charset="0"/>
+              </a:rPr>
+              <a:t> </a:t>
+            </a:r>
+            <a:r>
+              <a:rPr lang="en-US" sz="2600" dirty="0" err="1">
+                <a:latin typeface="Times New Roman" panose="02020603050405020304" pitchFamily="18" charset="0"/>
+                <a:cs typeface="Times New Roman" panose="02020603050405020304" pitchFamily="18" charset="0"/>
+              </a:rPr>
+              <a:t>thuộc</a:t>
+            </a:r>
+            <a:r>
+              <a:rPr lang="en-US" sz="2600" dirty="0">
+                <a:latin typeface="Times New Roman" panose="02020603050405020304" pitchFamily="18" charset="0"/>
+                <a:cs typeface="Times New Roman" panose="02020603050405020304" pitchFamily="18" charset="0"/>
+              </a:rPr>
+              <a:t> </a:t>
+            </a:r>
+            <a:r>
+              <a:rPr lang="en-US" sz="2600" dirty="0" err="1">
+                <a:latin typeface="Times New Roman" panose="02020603050405020304" pitchFamily="18" charset="0"/>
+                <a:cs typeface="Times New Roman" panose="02020603050405020304" pitchFamily="18" charset="0"/>
+              </a:rPr>
+              <a:t>giữa</a:t>
+            </a:r>
+            <a:r>
+              <a:rPr lang="en-US" sz="2600" dirty="0">
+                <a:latin typeface="Times New Roman" panose="02020603050405020304" pitchFamily="18" charset="0"/>
+                <a:cs typeface="Times New Roman" panose="02020603050405020304" pitchFamily="18" charset="0"/>
+              </a:rPr>
+              <a:t> </a:t>
+            </a:r>
+            <a:r>
+              <a:rPr lang="en-US" sz="2600" dirty="0" err="1">
+                <a:latin typeface="Times New Roman" panose="02020603050405020304" pitchFamily="18" charset="0"/>
+                <a:cs typeface="Times New Roman" panose="02020603050405020304" pitchFamily="18" charset="0"/>
+              </a:rPr>
+              <a:t>các</a:t>
+            </a:r>
+            <a:r>
+              <a:rPr lang="en-US" sz="2600" dirty="0">
+                <a:latin typeface="Times New Roman" panose="02020603050405020304" pitchFamily="18" charset="0"/>
+                <a:cs typeface="Times New Roman" panose="02020603050405020304" pitchFamily="18" charset="0"/>
+              </a:rPr>
+              <a:t> </a:t>
+            </a:r>
+            <a:r>
+              <a:rPr lang="en-US" sz="2600" dirty="0" err="1">
+                <a:latin typeface="Times New Roman" panose="02020603050405020304" pitchFamily="18" charset="0"/>
+                <a:cs typeface="Times New Roman" panose="02020603050405020304" pitchFamily="18" charset="0"/>
+              </a:rPr>
+              <a:t>từ</a:t>
+            </a:r>
+            <a:r>
+              <a:rPr lang="en-US" sz="2600" dirty="0">
+                <a:latin typeface="Times New Roman" panose="02020603050405020304" pitchFamily="18" charset="0"/>
+                <a:cs typeface="Times New Roman" panose="02020603050405020304" pitchFamily="18" charset="0"/>
+              </a:rPr>
+              <a:t>, </a:t>
+            </a:r>
+            <a:r>
+              <a:rPr lang="en-US" sz="2600" dirty="0" err="1">
+                <a:latin typeface="Times New Roman" panose="02020603050405020304" pitchFamily="18" charset="0"/>
+                <a:cs typeface="Times New Roman" panose="02020603050405020304" pitchFamily="18" charset="0"/>
+              </a:rPr>
+              <a:t>biết</a:t>
+            </a:r>
+            <a:r>
+              <a:rPr lang="en-US" sz="2600" dirty="0">
+                <a:latin typeface="Times New Roman" panose="02020603050405020304" pitchFamily="18" charset="0"/>
+                <a:cs typeface="Times New Roman" panose="02020603050405020304" pitchFamily="18" charset="0"/>
+              </a:rPr>
+              <a:t> đ</a:t>
+            </a:r>
+            <a:r>
+              <a:rPr lang="vi-VN" sz="2600" dirty="0">
+                <a:latin typeface="Times New Roman" panose="02020603050405020304" pitchFamily="18" charset="0"/>
+                <a:cs typeface="Times New Roman" panose="02020603050405020304" pitchFamily="18" charset="0"/>
+              </a:rPr>
+              <a:t>ư</a:t>
+            </a:r>
+            <a:r>
+              <a:rPr lang="en-US" sz="2600" dirty="0" err="1">
+                <a:latin typeface="Times New Roman" panose="02020603050405020304" pitchFamily="18" charset="0"/>
+                <a:cs typeface="Times New Roman" panose="02020603050405020304" pitchFamily="18" charset="0"/>
+              </a:rPr>
+              <a:t>ợc</a:t>
+            </a:r>
+            <a:r>
+              <a:rPr lang="en-US" sz="2600" dirty="0">
+                <a:latin typeface="Times New Roman" panose="02020603050405020304" pitchFamily="18" charset="0"/>
+                <a:cs typeface="Times New Roman" panose="02020603050405020304" pitchFamily="18" charset="0"/>
+              </a:rPr>
+              <a:t> </a:t>
+            </a:r>
+            <a:r>
+              <a:rPr lang="en-US" sz="2600" dirty="0" err="1">
+                <a:latin typeface="Times New Roman" panose="02020603050405020304" pitchFamily="18" charset="0"/>
+                <a:cs typeface="Times New Roman" panose="02020603050405020304" pitchFamily="18" charset="0"/>
+              </a:rPr>
+              <a:t>các</a:t>
+            </a:r>
+            <a:r>
+              <a:rPr lang="en-US" sz="2600" dirty="0">
+                <a:latin typeface="Times New Roman" panose="02020603050405020304" pitchFamily="18" charset="0"/>
+                <a:cs typeface="Times New Roman" panose="02020603050405020304" pitchFamily="18" charset="0"/>
+              </a:rPr>
+              <a:t> </a:t>
+            </a:r>
+            <a:r>
+              <a:rPr lang="en-US" sz="2600" dirty="0" err="1">
+                <a:latin typeface="Times New Roman" panose="02020603050405020304" pitchFamily="18" charset="0"/>
+                <a:cs typeface="Times New Roman" panose="02020603050405020304" pitchFamily="18" charset="0"/>
+              </a:rPr>
+              <a:t>từ</a:t>
+            </a:r>
+            <a:r>
+              <a:rPr lang="en-US" sz="2600" dirty="0">
+                <a:latin typeface="Times New Roman" panose="02020603050405020304" pitchFamily="18" charset="0"/>
+                <a:cs typeface="Times New Roman" panose="02020603050405020304" pitchFamily="18" charset="0"/>
+              </a:rPr>
+              <a:t> </a:t>
+            </a:r>
+            <a:r>
+              <a:rPr lang="en-US" sz="2600" dirty="0" err="1">
+                <a:latin typeface="Times New Roman" panose="02020603050405020304" pitchFamily="18" charset="0"/>
+                <a:cs typeface="Times New Roman" panose="02020603050405020304" pitchFamily="18" charset="0"/>
+              </a:rPr>
+              <a:t>nào</a:t>
+            </a:r>
+            <a:r>
+              <a:rPr lang="en-US" sz="2600" dirty="0">
+                <a:latin typeface="Times New Roman" panose="02020603050405020304" pitchFamily="18" charset="0"/>
+                <a:cs typeface="Times New Roman" panose="02020603050405020304" pitchFamily="18" charset="0"/>
+              </a:rPr>
+              <a:t> </a:t>
+            </a:r>
+            <a:r>
+              <a:rPr lang="en-US" sz="2600" dirty="0" err="1">
+                <a:latin typeface="Times New Roman" panose="02020603050405020304" pitchFamily="18" charset="0"/>
+                <a:cs typeface="Times New Roman" panose="02020603050405020304" pitchFamily="18" charset="0"/>
+              </a:rPr>
+              <a:t>cũng</a:t>
+            </a:r>
+            <a:r>
+              <a:rPr lang="en-US" sz="2600" dirty="0">
+                <a:latin typeface="Times New Roman" panose="02020603050405020304" pitchFamily="18" charset="0"/>
+                <a:cs typeface="Times New Roman" panose="02020603050405020304" pitchFamily="18" charset="0"/>
+              </a:rPr>
+              <a:t> </a:t>
+            </a:r>
+            <a:r>
+              <a:rPr lang="en-US" sz="2600" dirty="0" err="1">
+                <a:latin typeface="Times New Roman" panose="02020603050405020304" pitchFamily="18" charset="0"/>
+                <a:cs typeface="Times New Roman" panose="02020603050405020304" pitchFamily="18" charset="0"/>
+              </a:rPr>
+              <a:t>chỉ</a:t>
+            </a:r>
+            <a:r>
+              <a:rPr lang="en-US" sz="2600" dirty="0">
+                <a:latin typeface="Times New Roman" panose="02020603050405020304" pitchFamily="18" charset="0"/>
+                <a:cs typeface="Times New Roman" panose="02020603050405020304" pitchFamily="18" charset="0"/>
+              </a:rPr>
+              <a:t> </a:t>
+            </a:r>
+            <a:r>
+              <a:rPr lang="en-US" sz="2600" dirty="0" err="1">
+                <a:latin typeface="Times New Roman" panose="02020603050405020304" pitchFamily="18" charset="0"/>
+                <a:cs typeface="Times New Roman" panose="02020603050405020304" pitchFamily="18" charset="0"/>
+              </a:rPr>
+              <a:t>môt</a:t>
+            </a:r>
+            <a:r>
+              <a:rPr lang="en-US" sz="2600" dirty="0">
+                <a:latin typeface="Times New Roman" panose="02020603050405020304" pitchFamily="18" charset="0"/>
+                <a:cs typeface="Times New Roman" panose="02020603050405020304" pitchFamily="18" charset="0"/>
+              </a:rPr>
+              <a:t> </a:t>
+            </a:r>
+            <a:r>
+              <a:rPr lang="en-US" sz="2600" dirty="0" err="1">
+                <a:latin typeface="Times New Roman" panose="02020603050405020304" pitchFamily="18" charset="0"/>
+                <a:cs typeface="Times New Roman" panose="02020603050405020304" pitchFamily="18" charset="0"/>
+              </a:rPr>
+              <a:t>thực</a:t>
+            </a:r>
+            <a:r>
+              <a:rPr lang="en-US" sz="2600" dirty="0">
+                <a:latin typeface="Times New Roman" panose="02020603050405020304" pitchFamily="18" charset="0"/>
+                <a:cs typeface="Times New Roman" panose="02020603050405020304" pitchFamily="18" charset="0"/>
+              </a:rPr>
+              <a:t> </a:t>
+            </a:r>
+            <a:r>
+              <a:rPr lang="en-US" sz="2600" dirty="0" err="1">
+                <a:latin typeface="Times New Roman" panose="02020603050405020304" pitchFamily="18" charset="0"/>
+                <a:cs typeface="Times New Roman" panose="02020603050405020304" pitchFamily="18" charset="0"/>
+              </a:rPr>
+              <a:t>thể</a:t>
+            </a:r>
+            <a:r>
+              <a:rPr lang="en-US" sz="2600" dirty="0">
+                <a:latin typeface="Times New Roman" panose="02020603050405020304" pitchFamily="18" charset="0"/>
+                <a:cs typeface="Times New Roman" panose="02020603050405020304" pitchFamily="18" charset="0"/>
+              </a:rPr>
+              <a:t>,… </a:t>
+            </a:r>
+          </a:p>
+          <a:p>
+            <a:pPr algn="just">
+              <a:spcAft>
+                <a:spcPts val="1800"/>
+              </a:spcAft>
+              <a:buFont typeface="Arial" panose="020B0604020202020204" pitchFamily="34" charset="0"/>
+              <a:buChar char="•"/>
+            </a:pPr>
+            <a:r>
+              <a:rPr lang="en-US" sz="2600" dirty="0">
+                <a:latin typeface="Times New Roman" panose="02020603050405020304" pitchFamily="18" charset="0"/>
+                <a:cs typeface="Times New Roman" panose="02020603050405020304" pitchFamily="18" charset="0"/>
+              </a:rPr>
+              <a:t>Đ</a:t>
+            </a:r>
+            <a:r>
+              <a:rPr lang="vi-VN" sz="2600" dirty="0">
+                <a:latin typeface="Times New Roman" panose="02020603050405020304" pitchFamily="18" charset="0"/>
+                <a:cs typeface="Times New Roman" panose="02020603050405020304" pitchFamily="18" charset="0"/>
+              </a:rPr>
+              <a:t>ư</a:t>
+            </a:r>
+            <a:r>
+              <a:rPr lang="en-US" sz="2600" dirty="0" err="1">
+                <a:latin typeface="Times New Roman" panose="02020603050405020304" pitchFamily="18" charset="0"/>
+                <a:cs typeface="Times New Roman" panose="02020603050405020304" pitchFamily="18" charset="0"/>
+              </a:rPr>
+              <a:t>ợc</a:t>
+            </a:r>
+            <a:r>
+              <a:rPr lang="en-US" sz="2600" dirty="0">
+                <a:latin typeface="Times New Roman" panose="02020603050405020304" pitchFamily="18" charset="0"/>
+                <a:cs typeface="Times New Roman" panose="02020603050405020304" pitchFamily="18" charset="0"/>
+              </a:rPr>
+              <a:t> </a:t>
+            </a:r>
+            <a:r>
+              <a:rPr lang="en-US" sz="2600" dirty="0" err="1">
+                <a:latin typeface="Times New Roman" panose="02020603050405020304" pitchFamily="18" charset="0"/>
+                <a:cs typeface="Times New Roman" panose="02020603050405020304" pitchFamily="18" charset="0"/>
+              </a:rPr>
+              <a:t>thiết</a:t>
+            </a:r>
+            <a:r>
+              <a:rPr lang="en-US" sz="2600" dirty="0">
+                <a:latin typeface="Times New Roman" panose="02020603050405020304" pitchFamily="18" charset="0"/>
+                <a:cs typeface="Times New Roman" panose="02020603050405020304" pitchFamily="18" charset="0"/>
+              </a:rPr>
+              <a:t> </a:t>
+            </a:r>
+            <a:r>
+              <a:rPr lang="en-US" sz="2600" dirty="0" err="1">
+                <a:latin typeface="Times New Roman" panose="02020603050405020304" pitchFamily="18" charset="0"/>
+                <a:cs typeface="Times New Roman" panose="02020603050405020304" pitchFamily="18" charset="0"/>
+              </a:rPr>
+              <a:t>kế</a:t>
+            </a:r>
+            <a:r>
+              <a:rPr lang="en-US" sz="2600" dirty="0">
+                <a:latin typeface="Times New Roman" panose="02020603050405020304" pitchFamily="18" charset="0"/>
+                <a:cs typeface="Times New Roman" panose="02020603050405020304" pitchFamily="18" charset="0"/>
+              </a:rPr>
+              <a:t> </a:t>
+            </a:r>
+            <a:r>
+              <a:rPr lang="en-US" sz="2600" dirty="0" err="1">
+                <a:latin typeface="Times New Roman" panose="02020603050405020304" pitchFamily="18" charset="0"/>
+                <a:cs typeface="Times New Roman" panose="02020603050405020304" pitchFamily="18" charset="0"/>
+              </a:rPr>
+              <a:t>rất</a:t>
+            </a:r>
+            <a:r>
+              <a:rPr lang="en-US" sz="2600" dirty="0">
+                <a:latin typeface="Times New Roman" panose="02020603050405020304" pitchFamily="18" charset="0"/>
+                <a:cs typeface="Times New Roman" panose="02020603050405020304" pitchFamily="18" charset="0"/>
+              </a:rPr>
+              <a:t> </a:t>
+            </a:r>
+            <a:r>
+              <a:rPr lang="en-US" sz="2600" dirty="0" err="1">
+                <a:latin typeface="Times New Roman" panose="02020603050405020304" pitchFamily="18" charset="0"/>
+                <a:cs typeface="Times New Roman" panose="02020603050405020304" pitchFamily="18" charset="0"/>
+              </a:rPr>
+              <a:t>linh</a:t>
+            </a:r>
+            <a:r>
+              <a:rPr lang="en-US" sz="2600" dirty="0">
+                <a:latin typeface="Times New Roman" panose="02020603050405020304" pitchFamily="18" charset="0"/>
+                <a:cs typeface="Times New Roman" panose="02020603050405020304" pitchFamily="18" charset="0"/>
+              </a:rPr>
+              <a:t> </a:t>
+            </a:r>
+            <a:r>
+              <a:rPr lang="en-US" sz="2600" dirty="0" err="1">
+                <a:latin typeface="Times New Roman" panose="02020603050405020304" pitchFamily="18" charset="0"/>
+                <a:cs typeface="Times New Roman" panose="02020603050405020304" pitchFamily="18" charset="0"/>
+              </a:rPr>
+              <a:t>hoạt</a:t>
+            </a:r>
+            <a:r>
+              <a:rPr lang="en-US" sz="2600" dirty="0">
+                <a:latin typeface="Times New Roman" panose="02020603050405020304" pitchFamily="18" charset="0"/>
+                <a:cs typeface="Times New Roman" panose="02020603050405020304" pitchFamily="18" charset="0"/>
+              </a:rPr>
+              <a:t> </a:t>
+            </a:r>
+            <a:r>
+              <a:rPr lang="en-US" sz="2600" dirty="0" err="1">
+                <a:latin typeface="Times New Roman" panose="02020603050405020304" pitchFamily="18" charset="0"/>
+                <a:cs typeface="Times New Roman" panose="02020603050405020304" pitchFamily="18" charset="0"/>
+              </a:rPr>
+              <a:t>và</a:t>
+            </a:r>
+            <a:r>
+              <a:rPr lang="en-US" sz="2600" dirty="0">
+                <a:latin typeface="Times New Roman" panose="02020603050405020304" pitchFamily="18" charset="0"/>
+                <a:cs typeface="Times New Roman" panose="02020603050405020304" pitchFamily="18" charset="0"/>
+              </a:rPr>
+              <a:t> </a:t>
+            </a:r>
+            <a:r>
+              <a:rPr lang="en-US" sz="2600" dirty="0" err="1">
+                <a:latin typeface="Times New Roman" panose="02020603050405020304" pitchFamily="18" charset="0"/>
+                <a:cs typeface="Times New Roman" panose="02020603050405020304" pitchFamily="18" charset="0"/>
+              </a:rPr>
+              <a:t>có</a:t>
+            </a:r>
+            <a:r>
+              <a:rPr lang="en-US" sz="2600" dirty="0">
+                <a:latin typeface="Times New Roman" panose="02020603050405020304" pitchFamily="18" charset="0"/>
+                <a:cs typeface="Times New Roman" panose="02020603050405020304" pitchFamily="18" charset="0"/>
+              </a:rPr>
+              <a:t> </a:t>
+            </a:r>
+            <a:r>
+              <a:rPr lang="en-US" sz="2600" dirty="0" err="1">
+                <a:latin typeface="Times New Roman" panose="02020603050405020304" pitchFamily="18" charset="0"/>
+                <a:cs typeface="Times New Roman" panose="02020603050405020304" pitchFamily="18" charset="0"/>
+              </a:rPr>
+              <a:t>thể</a:t>
+            </a:r>
+            <a:r>
+              <a:rPr lang="en-US" sz="2600" dirty="0">
+                <a:latin typeface="Times New Roman" panose="02020603050405020304" pitchFamily="18" charset="0"/>
+                <a:cs typeface="Times New Roman" panose="02020603050405020304" pitchFamily="18" charset="0"/>
+              </a:rPr>
+              <a:t> </a:t>
+            </a:r>
+            <a:r>
+              <a:rPr lang="en-US" sz="2600" dirty="0" err="1">
+                <a:latin typeface="Times New Roman" panose="02020603050405020304" pitchFamily="18" charset="0"/>
+                <a:cs typeface="Times New Roman" panose="02020603050405020304" pitchFamily="18" charset="0"/>
+              </a:rPr>
+              <a:t>mở</a:t>
+            </a:r>
+            <a:r>
+              <a:rPr lang="en-US" sz="2600" dirty="0">
+                <a:latin typeface="Times New Roman" panose="02020603050405020304" pitchFamily="18" charset="0"/>
+                <a:cs typeface="Times New Roman" panose="02020603050405020304" pitchFamily="18" charset="0"/>
+              </a:rPr>
+              <a:t> </a:t>
+            </a:r>
+            <a:r>
+              <a:rPr lang="en-US" sz="2600" dirty="0" err="1">
+                <a:latin typeface="Times New Roman" panose="02020603050405020304" pitchFamily="18" charset="0"/>
+                <a:cs typeface="Times New Roman" panose="02020603050405020304" pitchFamily="18" charset="0"/>
+              </a:rPr>
+              <a:t>rộng</a:t>
+            </a:r>
+            <a:r>
+              <a:rPr lang="en-US" sz="2600" dirty="0">
+                <a:latin typeface="Times New Roman" panose="02020603050405020304" pitchFamily="18" charset="0"/>
+                <a:cs typeface="Times New Roman" panose="02020603050405020304" pitchFamily="18" charset="0"/>
+              </a:rPr>
+              <a:t>.</a:t>
+            </a:r>
+          </a:p>
+          <a:p>
+            <a:pPr algn="just">
+              <a:spcAft>
+                <a:spcPts val="1800"/>
+              </a:spcAft>
+              <a:buFont typeface="Arial" panose="020B0604020202020204" pitchFamily="34" charset="0"/>
+              <a:buChar char="•"/>
+            </a:pPr>
+            <a:r>
+              <a:rPr lang="en-US" sz="2600" dirty="0" err="1">
+                <a:latin typeface="Times New Roman" panose="02020603050405020304" pitchFamily="18" charset="0"/>
+                <a:cs typeface="Times New Roman" panose="02020603050405020304" pitchFamily="18" charset="0"/>
+              </a:rPr>
+              <a:t>Nhờ</a:t>
+            </a:r>
+            <a:r>
+              <a:rPr lang="en-US" sz="2600" dirty="0">
+                <a:latin typeface="Times New Roman" panose="02020603050405020304" pitchFamily="18" charset="0"/>
+                <a:cs typeface="Times New Roman" panose="02020603050405020304" pitchFamily="18" charset="0"/>
+              </a:rPr>
+              <a:t> Stanford </a:t>
+            </a:r>
+            <a:r>
+              <a:rPr lang="en-US" sz="2600" dirty="0" err="1">
+                <a:latin typeface="Times New Roman" panose="02020603050405020304" pitchFamily="18" charset="0"/>
+                <a:cs typeface="Times New Roman" panose="02020603050405020304" pitchFamily="18" charset="0"/>
+              </a:rPr>
+              <a:t>CoreNLP</a:t>
+            </a:r>
+            <a:r>
+              <a:rPr lang="en-US" sz="2600" dirty="0">
+                <a:latin typeface="Times New Roman" panose="02020603050405020304" pitchFamily="18" charset="0"/>
+                <a:cs typeface="Times New Roman" panose="02020603050405020304" pitchFamily="18" charset="0"/>
+              </a:rPr>
+              <a:t> ta </a:t>
+            </a:r>
+            <a:r>
+              <a:rPr lang="en-US" sz="2600" dirty="0" err="1">
+                <a:latin typeface="Times New Roman" panose="02020603050405020304" pitchFamily="18" charset="0"/>
+                <a:cs typeface="Times New Roman" panose="02020603050405020304" pitchFamily="18" charset="0"/>
+              </a:rPr>
+              <a:t>có</a:t>
+            </a:r>
+            <a:r>
+              <a:rPr lang="en-US" sz="2600" dirty="0">
+                <a:latin typeface="Times New Roman" panose="02020603050405020304" pitchFamily="18" charset="0"/>
+                <a:cs typeface="Times New Roman" panose="02020603050405020304" pitchFamily="18" charset="0"/>
+              </a:rPr>
+              <a:t> </a:t>
+            </a:r>
+            <a:r>
+              <a:rPr lang="en-US" sz="2600" dirty="0" err="1">
+                <a:latin typeface="Times New Roman" panose="02020603050405020304" pitchFamily="18" charset="0"/>
+                <a:cs typeface="Times New Roman" panose="02020603050405020304" pitchFamily="18" charset="0"/>
+              </a:rPr>
+              <a:t>thể</a:t>
+            </a:r>
+            <a:r>
+              <a:rPr lang="en-US" sz="2600" dirty="0">
+                <a:latin typeface="Times New Roman" panose="02020603050405020304" pitchFamily="18" charset="0"/>
+                <a:cs typeface="Times New Roman" panose="02020603050405020304" pitchFamily="18" charset="0"/>
+              </a:rPr>
+              <a:t> </a:t>
+            </a:r>
+            <a:r>
+              <a:rPr lang="en-US" sz="2600" dirty="0" err="1">
+                <a:latin typeface="Times New Roman" panose="02020603050405020304" pitchFamily="18" charset="0"/>
+                <a:cs typeface="Times New Roman" panose="02020603050405020304" pitchFamily="18" charset="0"/>
+              </a:rPr>
+              <a:t>dễ</a:t>
+            </a:r>
+            <a:r>
+              <a:rPr lang="en-US" sz="2600" dirty="0">
+                <a:latin typeface="Times New Roman" panose="02020603050405020304" pitchFamily="18" charset="0"/>
+                <a:cs typeface="Times New Roman" panose="02020603050405020304" pitchFamily="18" charset="0"/>
+              </a:rPr>
+              <a:t> </a:t>
+            </a:r>
+            <a:r>
+              <a:rPr lang="en-US" sz="2600" dirty="0" err="1">
+                <a:latin typeface="Times New Roman" panose="02020603050405020304" pitchFamily="18" charset="0"/>
+                <a:cs typeface="Times New Roman" panose="02020603050405020304" pitchFamily="18" charset="0"/>
+              </a:rPr>
+              <a:t>dàng</a:t>
+            </a:r>
+            <a:r>
+              <a:rPr lang="en-US" sz="2600" dirty="0">
+                <a:latin typeface="Times New Roman" panose="02020603050405020304" pitchFamily="18" charset="0"/>
+                <a:cs typeface="Times New Roman" panose="02020603050405020304" pitchFamily="18" charset="0"/>
+              </a:rPr>
+              <a:t> </a:t>
+            </a:r>
+            <a:r>
+              <a:rPr lang="en-US" sz="2600" dirty="0" err="1">
+                <a:latin typeface="Times New Roman" panose="02020603050405020304" pitchFamily="18" charset="0"/>
+                <a:cs typeface="Times New Roman" panose="02020603050405020304" pitchFamily="18" charset="0"/>
+              </a:rPr>
+              <a:t>áp</a:t>
+            </a:r>
+            <a:r>
+              <a:rPr lang="en-US" sz="2600" dirty="0">
+                <a:latin typeface="Times New Roman" panose="02020603050405020304" pitchFamily="18" charset="0"/>
+                <a:cs typeface="Times New Roman" panose="02020603050405020304" pitchFamily="18" charset="0"/>
+              </a:rPr>
+              <a:t> </a:t>
+            </a:r>
+            <a:r>
+              <a:rPr lang="en-US" sz="2600" dirty="0" err="1">
+                <a:latin typeface="Times New Roman" panose="02020603050405020304" pitchFamily="18" charset="0"/>
+                <a:cs typeface="Times New Roman" panose="02020603050405020304" pitchFamily="18" charset="0"/>
+              </a:rPr>
+              <a:t>dụng</a:t>
+            </a:r>
+            <a:r>
+              <a:rPr lang="en-US" sz="2600" dirty="0">
+                <a:latin typeface="Times New Roman" panose="02020603050405020304" pitchFamily="18" charset="0"/>
+                <a:cs typeface="Times New Roman" panose="02020603050405020304" pitchFamily="18" charset="0"/>
+              </a:rPr>
+              <a:t> </a:t>
+            </a:r>
+            <a:r>
+              <a:rPr lang="en-US" sz="2600" dirty="0" err="1">
+                <a:latin typeface="Times New Roman" panose="02020603050405020304" pitchFamily="18" charset="0"/>
+                <a:cs typeface="Times New Roman" panose="02020603050405020304" pitchFamily="18" charset="0"/>
+              </a:rPr>
+              <a:t>một</a:t>
+            </a:r>
+            <a:r>
+              <a:rPr lang="en-US" sz="2600" dirty="0">
+                <a:latin typeface="Times New Roman" panose="02020603050405020304" pitchFamily="18" charset="0"/>
+                <a:cs typeface="Times New Roman" panose="02020603050405020304" pitchFamily="18" charset="0"/>
+              </a:rPr>
+              <a:t> </a:t>
+            </a:r>
+            <a:r>
+              <a:rPr lang="en-US" sz="2600" dirty="0" err="1">
+                <a:latin typeface="Times New Roman" panose="02020603050405020304" pitchFamily="18" charset="0"/>
+                <a:cs typeface="Times New Roman" panose="02020603050405020304" pitchFamily="18" charset="0"/>
+              </a:rPr>
+              <a:t>loạt</a:t>
+            </a:r>
+            <a:r>
+              <a:rPr lang="en-US" sz="2600" dirty="0">
+                <a:latin typeface="Times New Roman" panose="02020603050405020304" pitchFamily="18" charset="0"/>
+                <a:cs typeface="Times New Roman" panose="02020603050405020304" pitchFamily="18" charset="0"/>
+              </a:rPr>
+              <a:t> </a:t>
+            </a:r>
+            <a:r>
+              <a:rPr lang="en-US" sz="2600" dirty="0" err="1">
+                <a:latin typeface="Times New Roman" panose="02020603050405020304" pitchFamily="18" charset="0"/>
+                <a:cs typeface="Times New Roman" panose="02020603050405020304" pitchFamily="18" charset="0"/>
+              </a:rPr>
+              <a:t>các</a:t>
+            </a:r>
+            <a:r>
+              <a:rPr lang="en-US" sz="2600" dirty="0">
+                <a:latin typeface="Times New Roman" panose="02020603050405020304" pitchFamily="18" charset="0"/>
+                <a:cs typeface="Times New Roman" panose="02020603050405020304" pitchFamily="18" charset="0"/>
+              </a:rPr>
+              <a:t> </a:t>
+            </a:r>
+            <a:r>
+              <a:rPr lang="en-US" sz="2600" dirty="0" err="1">
+                <a:latin typeface="Times New Roman" panose="02020603050405020304" pitchFamily="18" charset="0"/>
+                <a:cs typeface="Times New Roman" panose="02020603050405020304" pitchFamily="18" charset="0"/>
+              </a:rPr>
+              <a:t>công</a:t>
+            </a:r>
+            <a:r>
+              <a:rPr lang="en-US" sz="2600" dirty="0">
+                <a:latin typeface="Times New Roman" panose="02020603050405020304" pitchFamily="18" charset="0"/>
+                <a:cs typeface="Times New Roman" panose="02020603050405020304" pitchFamily="18" charset="0"/>
+              </a:rPr>
+              <a:t> </a:t>
+            </a:r>
+            <a:r>
+              <a:rPr lang="en-US" sz="2600" dirty="0" err="1">
+                <a:latin typeface="Times New Roman" panose="02020603050405020304" pitchFamily="18" charset="0"/>
+                <a:cs typeface="Times New Roman" panose="02020603050405020304" pitchFamily="18" charset="0"/>
+              </a:rPr>
+              <a:t>cụ</a:t>
+            </a:r>
+            <a:r>
+              <a:rPr lang="en-US" sz="2600" dirty="0">
+                <a:latin typeface="Times New Roman" panose="02020603050405020304" pitchFamily="18" charset="0"/>
+                <a:cs typeface="Times New Roman" panose="02020603050405020304" pitchFamily="18" charset="0"/>
+              </a:rPr>
+              <a:t> </a:t>
+            </a:r>
+            <a:r>
+              <a:rPr lang="en-US" sz="2600" dirty="0" err="1">
+                <a:latin typeface="Times New Roman" panose="02020603050405020304" pitchFamily="18" charset="0"/>
+                <a:cs typeface="Times New Roman" panose="02020603050405020304" pitchFamily="18" charset="0"/>
+              </a:rPr>
+              <a:t>phân</a:t>
+            </a:r>
+            <a:r>
+              <a:rPr lang="en-US" sz="2600" dirty="0">
+                <a:latin typeface="Times New Roman" panose="02020603050405020304" pitchFamily="18" charset="0"/>
+                <a:cs typeface="Times New Roman" panose="02020603050405020304" pitchFamily="18" charset="0"/>
+              </a:rPr>
+              <a:t> </a:t>
+            </a:r>
+            <a:r>
+              <a:rPr lang="en-US" sz="2600" dirty="0" err="1">
+                <a:latin typeface="Times New Roman" panose="02020603050405020304" pitchFamily="18" charset="0"/>
+                <a:cs typeface="Times New Roman" panose="02020603050405020304" pitchFamily="18" charset="0"/>
+              </a:rPr>
+              <a:t>tích</a:t>
+            </a:r>
+            <a:r>
+              <a:rPr lang="en-US" sz="2600" dirty="0">
+                <a:latin typeface="Times New Roman" panose="02020603050405020304" pitchFamily="18" charset="0"/>
+                <a:cs typeface="Times New Roman" panose="02020603050405020304" pitchFamily="18" charset="0"/>
+              </a:rPr>
+              <a:t> </a:t>
+            </a:r>
+            <a:r>
+              <a:rPr lang="en-US" sz="2600" dirty="0" err="1">
+                <a:latin typeface="Times New Roman" panose="02020603050405020304" pitchFamily="18" charset="0"/>
+                <a:cs typeface="Times New Roman" panose="02020603050405020304" pitchFamily="18" charset="0"/>
+              </a:rPr>
+              <a:t>ngôn</a:t>
+            </a:r>
+            <a:r>
+              <a:rPr lang="en-US" sz="2600" dirty="0">
+                <a:latin typeface="Times New Roman" panose="02020603050405020304" pitchFamily="18" charset="0"/>
+                <a:cs typeface="Times New Roman" panose="02020603050405020304" pitchFamily="18" charset="0"/>
+              </a:rPr>
+              <a:t> </a:t>
+            </a:r>
+            <a:r>
+              <a:rPr lang="en-US" sz="2600" dirty="0" err="1">
+                <a:latin typeface="Times New Roman" panose="02020603050405020304" pitchFamily="18" charset="0"/>
+                <a:cs typeface="Times New Roman" panose="02020603050405020304" pitchFamily="18" charset="0"/>
+              </a:rPr>
+              <a:t>ngữ</a:t>
+            </a:r>
+            <a:r>
+              <a:rPr lang="en-US" sz="2600" dirty="0">
+                <a:latin typeface="Times New Roman" panose="02020603050405020304" pitchFamily="18" charset="0"/>
+                <a:cs typeface="Times New Roman" panose="02020603050405020304" pitchFamily="18" charset="0"/>
+              </a:rPr>
+              <a:t> </a:t>
+            </a:r>
+            <a:r>
+              <a:rPr lang="en-US" sz="2600" dirty="0" err="1">
+                <a:latin typeface="Times New Roman" panose="02020603050405020304" pitchFamily="18" charset="0"/>
+                <a:cs typeface="Times New Roman" panose="02020603050405020304" pitchFamily="18" charset="0"/>
+              </a:rPr>
+              <a:t>cho</a:t>
+            </a:r>
+            <a:r>
+              <a:rPr lang="en-US" sz="2600" dirty="0">
+                <a:latin typeface="Times New Roman" panose="02020603050405020304" pitchFamily="18" charset="0"/>
+                <a:cs typeface="Times New Roman" panose="02020603050405020304" pitchFamily="18" charset="0"/>
+              </a:rPr>
+              <a:t> </a:t>
+            </a:r>
+            <a:r>
+              <a:rPr lang="en-US" sz="2600" dirty="0" err="1">
+                <a:latin typeface="Times New Roman" panose="02020603050405020304" pitchFamily="18" charset="0"/>
+                <a:cs typeface="Times New Roman" panose="02020603050405020304" pitchFamily="18" charset="0"/>
+              </a:rPr>
+              <a:t>một</a:t>
+            </a:r>
+            <a:r>
+              <a:rPr lang="en-US" sz="2600" dirty="0">
+                <a:latin typeface="Times New Roman" panose="02020603050405020304" pitchFamily="18" charset="0"/>
+                <a:cs typeface="Times New Roman" panose="02020603050405020304" pitchFamily="18" charset="0"/>
+              </a:rPr>
+              <a:t> </a:t>
+            </a:r>
+            <a:r>
+              <a:rPr lang="en-US" sz="2600" dirty="0" err="1">
+                <a:latin typeface="Times New Roman" panose="02020603050405020304" pitchFamily="18" charset="0"/>
+                <a:cs typeface="Times New Roman" panose="02020603050405020304" pitchFamily="18" charset="0"/>
+              </a:rPr>
+              <a:t>đoạn</a:t>
+            </a:r>
+            <a:r>
+              <a:rPr lang="en-US" sz="2600" dirty="0">
+                <a:latin typeface="Times New Roman" panose="02020603050405020304" pitchFamily="18" charset="0"/>
+                <a:cs typeface="Times New Roman" panose="02020603050405020304" pitchFamily="18" charset="0"/>
+              </a:rPr>
+              <a:t> </a:t>
+            </a:r>
+            <a:r>
+              <a:rPr lang="en-US" sz="2600" dirty="0" err="1">
+                <a:latin typeface="Times New Roman" panose="02020603050405020304" pitchFamily="18" charset="0"/>
+                <a:cs typeface="Times New Roman" panose="02020603050405020304" pitchFamily="18" charset="0"/>
+              </a:rPr>
+              <a:t>văn</a:t>
+            </a:r>
+            <a:r>
+              <a:rPr lang="en-US" sz="2600" dirty="0">
+                <a:latin typeface="Times New Roman" panose="02020603050405020304" pitchFamily="18" charset="0"/>
+                <a:cs typeface="Times New Roman" panose="02020603050405020304" pitchFamily="18" charset="0"/>
+              </a:rPr>
+              <a:t> </a:t>
+            </a:r>
+            <a:r>
+              <a:rPr lang="en-US" sz="2600" dirty="0" err="1">
+                <a:latin typeface="Times New Roman" panose="02020603050405020304" pitchFamily="18" charset="0"/>
+                <a:cs typeface="Times New Roman" panose="02020603050405020304" pitchFamily="18" charset="0"/>
+              </a:rPr>
+              <a:t>bản</a:t>
+            </a:r>
+            <a:r>
+              <a:rPr lang="en-US" sz="2600" dirty="0">
+                <a:latin typeface="Times New Roman" panose="02020603050405020304" pitchFamily="18" charset="0"/>
+                <a:cs typeface="Times New Roman" panose="02020603050405020304" pitchFamily="18" charset="0"/>
+              </a:rPr>
+              <a:t>.</a:t>
+            </a:r>
+          </a:p>
+        </p:txBody>
+      </p:sp>
+    </p:spTree>
+    <p:extLst>
+      <p:ext uri="{BB962C8B-B14F-4D97-AF65-F5344CB8AC3E}">
+        <p14:creationId xmlns:p14="http://schemas.microsoft.com/office/powerpoint/2010/main" val="2159409460"/>
+      </p:ext>
+    </p:extLst>
+  </p:cSld>
+  <p:clrMapOvr>
+    <a:masterClrMapping/>
+  </p:clrMapOvr>
+</p:sld>
+</file>
+
+<file path=ppt/slides/slide5.xml><?xml version="1.0" encoding="utf-8"?>
+<p:sld xmlns:a="http://schemas.openxmlformats.org/drawingml/2006/main" xmlns:r="http://schemas.openxmlformats.org/officeDocument/2006/relationships" xmlns:p="http://schemas.openxmlformats.org/presentationml/2006/main">
+  <p:cSld>
+    <p:spTree>
+      <p:nvGrpSpPr>
+        <p:cNvPr id="1" name=""/>
+        <p:cNvGrpSpPr/>
+        <p:nvPr/>
+      </p:nvGrpSpPr>
+      <p:grpSpPr>
+        <a:xfrm>
+          <a:off x="0" y="0"/>
+          <a:ext cx="0" cy="0"/>
+          <a:chOff x="0" y="0"/>
+          <a:chExt cx="0" cy="0"/>
+        </a:xfrm>
+      </p:grpSpPr>
+      <p:sp>
+        <p:nvSpPr>
+          <p:cNvPr id="2" name="Title 1">
+            <a:extLst>
+              <a:ext uri="{FF2B5EF4-FFF2-40B4-BE49-F238E27FC236}">
+                <a16:creationId xmlns:a16="http://schemas.microsoft.com/office/drawing/2014/main" id="{66087C5C-B158-4DD8-BC70-CC5BE9FD067A}"/>
+              </a:ext>
+            </a:extLst>
+          </p:cNvPr>
+          <p:cNvSpPr>
+            <a:spLocks noGrp="1"/>
+          </p:cNvSpPr>
+          <p:nvPr>
+            <p:ph type="title"/>
+          </p:nvPr>
+        </p:nvSpPr>
+        <p:spPr>
+          <a:xfrm>
+            <a:off x="1587550" y="250722"/>
+            <a:ext cx="2261779" cy="1061885"/>
+          </a:xfrm>
+        </p:spPr>
+        <p:txBody>
+          <a:bodyPr/>
+          <a:lstStyle/>
+          <a:p>
+            <a:pPr algn="l"/>
+            <a:r>
+              <a:rPr lang="en-US" b="1">
+                <a:solidFill>
+                  <a:srgbClr val="0000FF"/>
+                </a:solidFill>
+                <a:latin typeface="Times New Roman" panose="02020603050405020304" pitchFamily="18" charset="0"/>
+                <a:cs typeface="Times New Roman" panose="02020603050405020304" pitchFamily="18" charset="0"/>
+              </a:rPr>
+              <a:t>Đặc điểm</a:t>
+            </a:r>
+          </a:p>
+        </p:txBody>
+      </p:sp>
+      <p:sp>
+        <p:nvSpPr>
+          <p:cNvPr id="3" name="Content Placeholder 2">
+            <a:extLst>
+              <a:ext uri="{FF2B5EF4-FFF2-40B4-BE49-F238E27FC236}">
+                <a16:creationId xmlns:a16="http://schemas.microsoft.com/office/drawing/2014/main" id="{2181F6E7-23DC-4F0A-B2EE-014EF29CC373}"/>
+              </a:ext>
+            </a:extLst>
+          </p:cNvPr>
+          <p:cNvSpPr>
+            <a:spLocks noGrp="1"/>
+          </p:cNvSpPr>
+          <p:nvPr>
+            <p:ph idx="1"/>
+          </p:nvPr>
+        </p:nvSpPr>
+        <p:spPr>
+          <a:xfrm>
+            <a:off x="1587550" y="1607576"/>
+            <a:ext cx="10018713" cy="4483510"/>
+          </a:xfrm>
+        </p:spPr>
+        <p:txBody>
+          <a:bodyPr>
+            <a:normAutofit/>
+          </a:bodyPr>
+          <a:lstStyle/>
+          <a:p>
+            <a:pPr>
+              <a:spcAft>
+                <a:spcPts val="1800"/>
+              </a:spcAft>
+            </a:pPr>
+            <a:r>
+              <a:rPr lang="en-US">
+                <a:latin typeface="Times New Roman" panose="02020603050405020304" pitchFamily="18" charset="0"/>
+                <a:cs typeface="Times New Roman" panose="02020603050405020304" pitchFamily="18" charset="0"/>
+              </a:rPr>
+              <a:t>Là  một bộ công cụ phân tích ngôn ngữ tự nhiên tích hợp với hàng loạt công cụ phân tích ngữ pháp.</a:t>
+            </a:r>
+          </a:p>
+          <a:p>
+            <a:pPr>
+              <a:spcAft>
+                <a:spcPts val="1800"/>
+              </a:spcAft>
+            </a:pPr>
+            <a:r>
+              <a:rPr lang="en-US">
+                <a:latin typeface="Times New Roman" panose="02020603050405020304" pitchFamily="18" charset="0"/>
+                <a:cs typeface="Times New Roman" panose="02020603050405020304" pitchFamily="18" charset="0"/>
+              </a:rPr>
+              <a:t>Nhanh, tốt, đ</a:t>
+            </a:r>
+            <a:r>
+              <a:rPr lang="vi-VN">
+                <a:latin typeface="Times New Roman" panose="02020603050405020304" pitchFamily="18" charset="0"/>
+                <a:cs typeface="Times New Roman" panose="02020603050405020304" pitchFamily="18" charset="0"/>
+              </a:rPr>
+              <a:t>ư</a:t>
+            </a:r>
+            <a:r>
+              <a:rPr lang="en-US">
+                <a:latin typeface="Times New Roman" panose="02020603050405020304" pitchFamily="18" charset="0"/>
+                <a:cs typeface="Times New Roman" panose="02020603050405020304" pitchFamily="18" charset="0"/>
+              </a:rPr>
+              <a:t>ợc sử dụng rộng rãi.</a:t>
+            </a:r>
+          </a:p>
+          <a:p>
+            <a:pPr>
+              <a:spcAft>
+                <a:spcPts val="1800"/>
+              </a:spcAft>
+            </a:pPr>
+            <a:r>
+              <a:rPr lang="en-US">
+                <a:latin typeface="Times New Roman" panose="02020603050405020304" pitchFamily="18" charset="0"/>
+                <a:cs typeface="Times New Roman" panose="02020603050405020304" pitchFamily="18" charset="0"/>
+              </a:rPr>
+              <a:t>Hiện đại, đ</a:t>
+            </a:r>
+            <a:r>
+              <a:rPr lang="vi-VN">
+                <a:latin typeface="Times New Roman" panose="02020603050405020304" pitchFamily="18" charset="0"/>
+                <a:cs typeface="Times New Roman" panose="02020603050405020304" pitchFamily="18" charset="0"/>
+              </a:rPr>
+              <a:t>ư</a:t>
+            </a:r>
+            <a:r>
+              <a:rPr lang="en-US">
+                <a:latin typeface="Times New Roman" panose="02020603050405020304" pitchFamily="18" charset="0"/>
+                <a:cs typeface="Times New Roman" panose="02020603050405020304" pitchFamily="18" charset="0"/>
+              </a:rPr>
+              <a:t>ợc cập nhật th</a:t>
+            </a:r>
+            <a:r>
+              <a:rPr lang="vi-VN">
+                <a:latin typeface="Times New Roman" panose="02020603050405020304" pitchFamily="18" charset="0"/>
+                <a:cs typeface="Times New Roman" panose="02020603050405020304" pitchFamily="18" charset="0"/>
+              </a:rPr>
+              <a:t>ư</a:t>
+            </a:r>
+            <a:r>
+              <a:rPr lang="en-US">
+                <a:latin typeface="Times New Roman" panose="02020603050405020304" pitchFamily="18" charset="0"/>
+                <a:cs typeface="Times New Roman" panose="02020603050405020304" pitchFamily="18" charset="0"/>
+              </a:rPr>
+              <a:t>ờng xuyên, chất l</a:t>
+            </a:r>
+            <a:r>
+              <a:rPr lang="vi-VN">
+                <a:latin typeface="Times New Roman" panose="02020603050405020304" pitchFamily="18" charset="0"/>
+                <a:cs typeface="Times New Roman" panose="02020603050405020304" pitchFamily="18" charset="0"/>
+              </a:rPr>
+              <a:t>ư</a:t>
+            </a:r>
+            <a:r>
+              <a:rPr lang="en-US">
+                <a:latin typeface="Times New Roman" panose="02020603050405020304" pitchFamily="18" charset="0"/>
+                <a:cs typeface="Times New Roman" panose="02020603050405020304" pitchFamily="18" charset="0"/>
+              </a:rPr>
+              <a:t>ợng phân tích văn bản cao.</a:t>
+            </a:r>
+          </a:p>
+          <a:p>
+            <a:pPr>
+              <a:spcAft>
+                <a:spcPts val="1800"/>
+              </a:spcAft>
+            </a:pPr>
+            <a:r>
+              <a:rPr lang="en-US">
+                <a:latin typeface="Times New Roman" panose="02020603050405020304" pitchFamily="18" charset="0"/>
+                <a:cs typeface="Times New Roman" panose="02020603050405020304" pitchFamily="18" charset="0"/>
+              </a:rPr>
+              <a:t>Hỗ trợ cho một số ngôn ngữ đ</a:t>
+            </a:r>
+            <a:r>
+              <a:rPr lang="vi-VN">
+                <a:latin typeface="Times New Roman" panose="02020603050405020304" pitchFamily="18" charset="0"/>
+                <a:cs typeface="Times New Roman" panose="02020603050405020304" pitchFamily="18" charset="0"/>
+              </a:rPr>
+              <a:t>ư</a:t>
+            </a:r>
+            <a:r>
+              <a:rPr lang="en-US">
+                <a:latin typeface="Times New Roman" panose="02020603050405020304" pitchFamily="18" charset="0"/>
+                <a:cs typeface="Times New Roman" panose="02020603050405020304" pitchFamily="18" charset="0"/>
+              </a:rPr>
+              <a:t>ợc sử dụng phổ biến.</a:t>
+            </a:r>
+          </a:p>
+          <a:p>
+            <a:pPr>
+              <a:spcAft>
+                <a:spcPts val="1800"/>
+              </a:spcAft>
+            </a:pPr>
+            <a:r>
+              <a:rPr lang="en-US">
+                <a:latin typeface="Times New Roman" panose="02020603050405020304" pitchFamily="18" charset="0"/>
+                <a:cs typeface="Times New Roman" panose="02020603050405020304" pitchFamily="18" charset="0"/>
+              </a:rPr>
+              <a:t>Có sẵn APIs cho hầu hết các ngôn ngữ lập trình hiện đại.</a:t>
+            </a:r>
+          </a:p>
+          <a:p>
+            <a:pPr>
+              <a:spcAft>
+                <a:spcPts val="1800"/>
+              </a:spcAft>
+            </a:pPr>
+            <a:r>
+              <a:rPr lang="en-US">
+                <a:latin typeface="Times New Roman" panose="02020603050405020304" pitchFamily="18" charset="0"/>
+                <a:cs typeface="Times New Roman" panose="02020603050405020304" pitchFamily="18" charset="0"/>
+              </a:rPr>
+              <a:t>Có thể hoạt động nh</a:t>
+            </a:r>
+            <a:r>
+              <a:rPr lang="vi-VN">
+                <a:latin typeface="Times New Roman" panose="02020603050405020304" pitchFamily="18" charset="0"/>
+                <a:cs typeface="Times New Roman" panose="02020603050405020304" pitchFamily="18" charset="0"/>
+              </a:rPr>
+              <a:t>ư</a:t>
+            </a:r>
+            <a:r>
+              <a:rPr lang="en-US">
+                <a:latin typeface="Times New Roman" panose="02020603050405020304" pitchFamily="18" charset="0"/>
+                <a:cs typeface="Times New Roman" panose="02020603050405020304" pitchFamily="18" charset="0"/>
+              </a:rPr>
+              <a:t> một dịch vụ web đ</a:t>
+            </a:r>
+            <a:r>
+              <a:rPr lang="vi-VN">
+                <a:latin typeface="Times New Roman" panose="02020603050405020304" pitchFamily="18" charset="0"/>
+                <a:cs typeface="Times New Roman" panose="02020603050405020304" pitchFamily="18" charset="0"/>
+              </a:rPr>
+              <a:t>ơ</a:t>
+            </a:r>
+            <a:r>
+              <a:rPr lang="en-US">
+                <a:latin typeface="Times New Roman" panose="02020603050405020304" pitchFamily="18" charset="0"/>
+                <a:cs typeface="Times New Roman" panose="02020603050405020304" pitchFamily="18" charset="0"/>
+              </a:rPr>
+              <a:t>n giản.</a:t>
+            </a:r>
+          </a:p>
+        </p:txBody>
+      </p:sp>
+    </p:spTree>
+    <p:extLst>
+      <p:ext uri="{BB962C8B-B14F-4D97-AF65-F5344CB8AC3E}">
+        <p14:creationId xmlns:p14="http://schemas.microsoft.com/office/powerpoint/2010/main" val="1715104839"/>
+      </p:ext>
+    </p:extLst>
+  </p:cSld>
+  <p:clrMapOvr>
+    <a:masterClrMapping/>
+  </p:clrMapOvr>
+</p:sld>
+</file>
+
+<file path=ppt/slides/slide6.xml><?xml version="1.0" encoding="utf-8"?>
+<p:sld xmlns:a="http://schemas.openxmlformats.org/drawingml/2006/main" xmlns:r="http://schemas.openxmlformats.org/officeDocument/2006/relationships" xmlns:p="http://schemas.openxmlformats.org/presentationml/2006/main">
+  <p:cSld>
+    <p:bg>
+      <p:bgPr>
+        <a:solidFill>
+          <a:schemeClr val="bg1"/>
+        </a:solidFill>
+        <a:effectLst/>
+      </p:bgPr>
+    </p:bg>
+    <p:spTree>
+      <p:nvGrpSpPr>
+        <p:cNvPr id="1" name=""/>
+        <p:cNvGrpSpPr/>
+        <p:nvPr/>
+      </p:nvGrpSpPr>
+      <p:grpSpPr>
+        <a:xfrm>
+          <a:off x="0" y="0"/>
+          <a:ext cx="0" cy="0"/>
+          <a:chOff x="0" y="0"/>
+          <a:chExt cx="0" cy="0"/>
+        </a:xfrm>
+      </p:grpSpPr>
+      <p:sp>
+        <p:nvSpPr>
+          <p:cNvPr id="2" name="Title 1">
+            <a:extLst>
+              <a:ext uri="{FF2B5EF4-FFF2-40B4-BE49-F238E27FC236}">
+                <a16:creationId xmlns:a16="http://schemas.microsoft.com/office/drawing/2014/main" id="{3375D0FA-01BF-416F-B395-3B8402B7C557}"/>
+              </a:ext>
+            </a:extLst>
+          </p:cNvPr>
+          <p:cNvSpPr>
+            <a:spLocks noGrp="1"/>
+          </p:cNvSpPr>
+          <p:nvPr>
+            <p:ph type="title"/>
+          </p:nvPr>
+        </p:nvSpPr>
+        <p:spPr>
+          <a:xfrm>
+            <a:off x="1528556" y="29650"/>
+            <a:ext cx="8126888" cy="1302773"/>
+          </a:xfrm>
+        </p:spPr>
+        <p:txBody>
+          <a:bodyPr>
+            <a:normAutofit fontScale="90000"/>
+          </a:bodyPr>
+          <a:lstStyle/>
+          <a:p>
+            <a:pPr algn="l"/>
+            <a:r>
+              <a:rPr lang="en-US" b="1">
+                <a:solidFill>
+                  <a:srgbClr val="0000FF"/>
+                </a:solidFill>
+                <a:latin typeface="Times New Roman" panose="02020603050405020304" pitchFamily="18" charset="0"/>
+                <a:cs typeface="Times New Roman" panose="02020603050405020304" pitchFamily="18" charset="0"/>
+              </a:rPr>
+              <a:t>Sử dụng Stanford CoreNLP trong .NET</a:t>
+            </a:r>
+          </a:p>
+        </p:txBody>
+      </p:sp>
+      <p:sp>
+        <p:nvSpPr>
+          <p:cNvPr id="3" name="Content Placeholder 2">
+            <a:extLst>
+              <a:ext uri="{FF2B5EF4-FFF2-40B4-BE49-F238E27FC236}">
+                <a16:creationId xmlns:a16="http://schemas.microsoft.com/office/drawing/2014/main" id="{63A8A89F-E945-4563-94B0-32D957447F15}"/>
+              </a:ext>
+            </a:extLst>
+          </p:cNvPr>
+          <p:cNvSpPr>
+            <a:spLocks noGrp="1"/>
+          </p:cNvSpPr>
+          <p:nvPr>
+            <p:ph idx="1"/>
+          </p:nvPr>
+        </p:nvSpPr>
+        <p:spPr>
+          <a:xfrm>
+            <a:off x="1528556" y="1332423"/>
+            <a:ext cx="10389641" cy="1952787"/>
+          </a:xfrm>
+        </p:spPr>
+        <p:txBody>
+          <a:bodyPr>
+            <a:noAutofit/>
+          </a:bodyPr>
+          <a:lstStyle/>
+          <a:p>
+            <a:pPr>
+              <a:spcAft>
+                <a:spcPts val="1800"/>
+              </a:spcAft>
+            </a:pPr>
+            <a:r>
+              <a:rPr lang="en-US" dirty="0">
+                <a:latin typeface="Times New Roman" panose="02020603050405020304" pitchFamily="18" charset="0"/>
+                <a:cs typeface="Times New Roman" panose="02020603050405020304" pitchFamily="18" charset="0"/>
+              </a:rPr>
+              <a:t>Stanford đ</a:t>
+            </a:r>
+            <a:r>
+              <a:rPr lang="vi-VN" dirty="0">
+                <a:latin typeface="Times New Roman" panose="02020603050405020304" pitchFamily="18" charset="0"/>
+                <a:cs typeface="Times New Roman" panose="02020603050405020304" pitchFamily="18" charset="0"/>
+              </a:rPr>
+              <a:t>ư</a:t>
+            </a:r>
+            <a:r>
+              <a:rPr lang="en-US" dirty="0" err="1">
+                <a:latin typeface="Times New Roman" panose="02020603050405020304" pitchFamily="18" charset="0"/>
+                <a:cs typeface="Times New Roman" panose="02020603050405020304" pitchFamily="18" charset="0"/>
+              </a:rPr>
+              <a:t>ợc</a:t>
+            </a:r>
+            <a:r>
+              <a:rPr lang="en-US" dirty="0">
+                <a:latin typeface="Times New Roman" panose="02020603050405020304" pitchFamily="18" charset="0"/>
+                <a:cs typeface="Times New Roman" panose="02020603050405020304" pitchFamily="18" charset="0"/>
+              </a:rPr>
+              <a:t> </a:t>
+            </a:r>
+            <a:r>
+              <a:rPr lang="en-US" dirty="0" err="1">
+                <a:latin typeface="Times New Roman" panose="02020603050405020304" pitchFamily="18" charset="0"/>
+                <a:cs typeface="Times New Roman" panose="02020603050405020304" pitchFamily="18" charset="0"/>
+              </a:rPr>
+              <a:t>viết</a:t>
+            </a:r>
+            <a:r>
+              <a:rPr lang="en-US" dirty="0">
+                <a:latin typeface="Times New Roman" panose="02020603050405020304" pitchFamily="18" charset="0"/>
+                <a:cs typeface="Times New Roman" panose="02020603050405020304" pitchFamily="18" charset="0"/>
+              </a:rPr>
+              <a:t> </a:t>
+            </a:r>
+            <a:r>
+              <a:rPr lang="en-US" dirty="0" err="1">
+                <a:latin typeface="Times New Roman" panose="02020603050405020304" pitchFamily="18" charset="0"/>
+                <a:cs typeface="Times New Roman" panose="02020603050405020304" pitchFamily="18" charset="0"/>
+              </a:rPr>
+              <a:t>bằng</a:t>
+            </a:r>
+            <a:r>
+              <a:rPr lang="en-US" dirty="0">
+                <a:latin typeface="Times New Roman" panose="02020603050405020304" pitchFamily="18" charset="0"/>
+                <a:cs typeface="Times New Roman" panose="02020603050405020304" pitchFamily="18" charset="0"/>
+              </a:rPr>
+              <a:t> Java. </a:t>
+            </a:r>
+            <a:r>
+              <a:rPr lang="en-US" dirty="0" err="1">
+                <a:latin typeface="Times New Roman" panose="02020603050405020304" pitchFamily="18" charset="0"/>
+                <a:cs typeface="Times New Roman" panose="02020603050405020304" pitchFamily="18" charset="0"/>
+              </a:rPr>
+              <a:t>Tuy</a:t>
+            </a:r>
+            <a:r>
+              <a:rPr lang="en-US" dirty="0">
+                <a:latin typeface="Times New Roman" panose="02020603050405020304" pitchFamily="18" charset="0"/>
+                <a:cs typeface="Times New Roman" panose="02020603050405020304" pitchFamily="18" charset="0"/>
+              </a:rPr>
+              <a:t> </a:t>
+            </a:r>
+            <a:r>
+              <a:rPr lang="en-US" dirty="0" err="1">
+                <a:latin typeface="Times New Roman" panose="02020603050405020304" pitchFamily="18" charset="0"/>
+                <a:cs typeface="Times New Roman" panose="02020603050405020304" pitchFamily="18" charset="0"/>
+              </a:rPr>
+              <a:t>nhiên</a:t>
+            </a:r>
+            <a:r>
+              <a:rPr lang="en-US" dirty="0">
+                <a:latin typeface="Times New Roman" panose="02020603050405020304" pitchFamily="18" charset="0"/>
+                <a:cs typeface="Times New Roman" panose="02020603050405020304" pitchFamily="18" charset="0"/>
+              </a:rPr>
+              <a:t> </a:t>
+            </a:r>
+            <a:r>
+              <a:rPr lang="en-US" dirty="0" err="1">
+                <a:latin typeface="Times New Roman" panose="02020603050405020304" pitchFamily="18" charset="0"/>
+                <a:cs typeface="Times New Roman" panose="02020603050405020304" pitchFamily="18" charset="0"/>
+              </a:rPr>
+              <a:t>bạn</a:t>
+            </a:r>
+            <a:r>
+              <a:rPr lang="en-US" dirty="0">
+                <a:latin typeface="Times New Roman" panose="02020603050405020304" pitchFamily="18" charset="0"/>
+                <a:cs typeface="Times New Roman" panose="02020603050405020304" pitchFamily="18" charset="0"/>
+              </a:rPr>
+              <a:t> </a:t>
+            </a:r>
+            <a:r>
+              <a:rPr lang="en-US" dirty="0" err="1">
+                <a:latin typeface="Times New Roman" panose="02020603050405020304" pitchFamily="18" charset="0"/>
+                <a:cs typeface="Times New Roman" panose="02020603050405020304" pitchFamily="18" charset="0"/>
+              </a:rPr>
+              <a:t>cũng</a:t>
+            </a:r>
+            <a:r>
+              <a:rPr lang="en-US" dirty="0">
+                <a:latin typeface="Times New Roman" panose="02020603050405020304" pitchFamily="18" charset="0"/>
+                <a:cs typeface="Times New Roman" panose="02020603050405020304" pitchFamily="18" charset="0"/>
+              </a:rPr>
+              <a:t> </a:t>
+            </a:r>
+            <a:r>
+              <a:rPr lang="en-US" dirty="0" err="1">
+                <a:latin typeface="Times New Roman" panose="02020603050405020304" pitchFamily="18" charset="0"/>
+                <a:cs typeface="Times New Roman" panose="02020603050405020304" pitchFamily="18" charset="0"/>
+              </a:rPr>
+              <a:t>có</a:t>
+            </a:r>
+            <a:r>
+              <a:rPr lang="en-US" dirty="0">
+                <a:latin typeface="Times New Roman" panose="02020603050405020304" pitchFamily="18" charset="0"/>
+                <a:cs typeface="Times New Roman" panose="02020603050405020304" pitchFamily="18" charset="0"/>
+              </a:rPr>
+              <a:t> </a:t>
+            </a:r>
+            <a:r>
+              <a:rPr lang="en-US" dirty="0" err="1">
+                <a:latin typeface="Times New Roman" panose="02020603050405020304" pitchFamily="18" charset="0"/>
+                <a:cs typeface="Times New Roman" panose="02020603050405020304" pitchFamily="18" charset="0"/>
+              </a:rPr>
+              <a:t>thể</a:t>
+            </a:r>
+            <a:r>
+              <a:rPr lang="en-US" dirty="0">
+                <a:latin typeface="Times New Roman" panose="02020603050405020304" pitchFamily="18" charset="0"/>
+                <a:cs typeface="Times New Roman" panose="02020603050405020304" pitchFamily="18" charset="0"/>
+              </a:rPr>
+              <a:t> </a:t>
+            </a:r>
+            <a:r>
+              <a:rPr lang="en-US" dirty="0" err="1">
+                <a:latin typeface="Times New Roman" panose="02020603050405020304" pitchFamily="18" charset="0"/>
+                <a:cs typeface="Times New Roman" panose="02020603050405020304" pitchFamily="18" charset="0"/>
+              </a:rPr>
+              <a:t>sử</a:t>
+            </a:r>
+            <a:r>
+              <a:rPr lang="en-US" dirty="0">
+                <a:latin typeface="Times New Roman" panose="02020603050405020304" pitchFamily="18" charset="0"/>
+                <a:cs typeface="Times New Roman" panose="02020603050405020304" pitchFamily="18" charset="0"/>
+              </a:rPr>
+              <a:t> </a:t>
+            </a:r>
+            <a:r>
+              <a:rPr lang="en-US" dirty="0" err="1">
+                <a:latin typeface="Times New Roman" panose="02020603050405020304" pitchFamily="18" charset="0"/>
+                <a:cs typeface="Times New Roman" panose="02020603050405020304" pitchFamily="18" charset="0"/>
+              </a:rPr>
+              <a:t>dụng</a:t>
+            </a:r>
+            <a:r>
+              <a:rPr lang="en-US" dirty="0">
+                <a:latin typeface="Times New Roman" panose="02020603050405020304" pitchFamily="18" charset="0"/>
+                <a:cs typeface="Times New Roman" panose="02020603050405020304" pitchFamily="18" charset="0"/>
+              </a:rPr>
+              <a:t> Stanford </a:t>
+            </a:r>
+            <a:r>
+              <a:rPr lang="en-US" dirty="0" err="1">
+                <a:latin typeface="Times New Roman" panose="02020603050405020304" pitchFamily="18" charset="0"/>
+                <a:cs typeface="Times New Roman" panose="02020603050405020304" pitchFamily="18" charset="0"/>
+              </a:rPr>
+              <a:t>CoreNLP</a:t>
+            </a:r>
+            <a:r>
+              <a:rPr lang="en-US" dirty="0">
+                <a:latin typeface="Times New Roman" panose="02020603050405020304" pitchFamily="18" charset="0"/>
+                <a:cs typeface="Times New Roman" panose="02020603050405020304" pitchFamily="18" charset="0"/>
+              </a:rPr>
+              <a:t> </a:t>
+            </a:r>
+            <a:r>
+              <a:rPr lang="en-US" dirty="0" err="1">
+                <a:latin typeface="Times New Roman" panose="02020603050405020304" pitchFamily="18" charset="0"/>
+                <a:cs typeface="Times New Roman" panose="02020603050405020304" pitchFamily="18" charset="0"/>
+              </a:rPr>
+              <a:t>bằng</a:t>
+            </a:r>
+            <a:r>
+              <a:rPr lang="en-US" dirty="0">
+                <a:latin typeface="Times New Roman" panose="02020603050405020304" pitchFamily="18" charset="0"/>
+                <a:cs typeface="Times New Roman" panose="02020603050405020304" pitchFamily="18" charset="0"/>
+              </a:rPr>
+              <a:t> </a:t>
+            </a:r>
+            <a:r>
+              <a:rPr lang="en-US" dirty="0" err="1">
+                <a:latin typeface="Times New Roman" panose="02020603050405020304" pitchFamily="18" charset="0"/>
+                <a:cs typeface="Times New Roman" panose="02020603050405020304" pitchFamily="18" charset="0"/>
+              </a:rPr>
+              <a:t>những</a:t>
+            </a:r>
+            <a:r>
+              <a:rPr lang="en-US" dirty="0">
+                <a:latin typeface="Times New Roman" panose="02020603050405020304" pitchFamily="18" charset="0"/>
+                <a:cs typeface="Times New Roman" panose="02020603050405020304" pitchFamily="18" charset="0"/>
+              </a:rPr>
+              <a:t> </a:t>
+            </a:r>
+            <a:r>
+              <a:rPr lang="en-US" dirty="0" err="1">
+                <a:latin typeface="Times New Roman" panose="02020603050405020304" pitchFamily="18" charset="0"/>
+                <a:cs typeface="Times New Roman" panose="02020603050405020304" pitchFamily="18" charset="0"/>
+              </a:rPr>
+              <a:t>ngôn</a:t>
+            </a:r>
+            <a:r>
+              <a:rPr lang="en-US" dirty="0">
+                <a:latin typeface="Times New Roman" panose="02020603050405020304" pitchFamily="18" charset="0"/>
+                <a:cs typeface="Times New Roman" panose="02020603050405020304" pitchFamily="18" charset="0"/>
+              </a:rPr>
+              <a:t> </a:t>
+            </a:r>
+            <a:r>
+              <a:rPr lang="en-US" dirty="0" err="1">
+                <a:latin typeface="Times New Roman" panose="02020603050405020304" pitchFamily="18" charset="0"/>
+                <a:cs typeface="Times New Roman" panose="02020603050405020304" pitchFamily="18" charset="0"/>
+              </a:rPr>
+              <a:t>ngữ</a:t>
+            </a:r>
+            <a:r>
+              <a:rPr lang="en-US" dirty="0">
+                <a:latin typeface="Times New Roman" panose="02020603050405020304" pitchFamily="18" charset="0"/>
+                <a:cs typeface="Times New Roman" panose="02020603050405020304" pitchFamily="18" charset="0"/>
+              </a:rPr>
+              <a:t> </a:t>
+            </a:r>
+            <a:r>
+              <a:rPr lang="en-US" dirty="0" err="1">
+                <a:latin typeface="Times New Roman" panose="02020603050405020304" pitchFamily="18" charset="0"/>
+                <a:cs typeface="Times New Roman" panose="02020603050405020304" pitchFamily="18" charset="0"/>
+              </a:rPr>
+              <a:t>khác</a:t>
+            </a:r>
+            <a:r>
+              <a:rPr lang="en-US" dirty="0">
+                <a:latin typeface="Times New Roman" panose="02020603050405020304" pitchFamily="18" charset="0"/>
+                <a:cs typeface="Times New Roman" panose="02020603050405020304" pitchFamily="18" charset="0"/>
+              </a:rPr>
+              <a:t> </a:t>
+            </a:r>
+            <a:r>
+              <a:rPr lang="en-US" dirty="0" err="1">
+                <a:latin typeface="Times New Roman" panose="02020603050405020304" pitchFamily="18" charset="0"/>
+                <a:cs typeface="Times New Roman" panose="02020603050405020304" pitchFamily="18" charset="0"/>
+              </a:rPr>
+              <a:t>nh</a:t>
+            </a:r>
+            <a:r>
+              <a:rPr lang="vi-VN" dirty="0">
+                <a:latin typeface="Times New Roman" panose="02020603050405020304" pitchFamily="18" charset="0"/>
+                <a:cs typeface="Times New Roman" panose="02020603050405020304" pitchFamily="18" charset="0"/>
+              </a:rPr>
+              <a:t>ư</a:t>
+            </a:r>
+            <a:r>
+              <a:rPr lang="en-US" dirty="0">
+                <a:latin typeface="Times New Roman" panose="02020603050405020304" pitchFamily="18" charset="0"/>
+                <a:cs typeface="Times New Roman" panose="02020603050405020304" pitchFamily="18" charset="0"/>
+              </a:rPr>
+              <a:t> JavaScript, Python, C# ,…</a:t>
+            </a:r>
+          </a:p>
+          <a:p>
+            <a:pPr>
+              <a:spcAft>
+                <a:spcPts val="1800"/>
+              </a:spcAft>
+            </a:pPr>
+            <a:r>
+              <a:rPr lang="en-US" dirty="0" err="1">
+                <a:latin typeface="Times New Roman" panose="02020603050405020304" pitchFamily="18" charset="0"/>
+                <a:cs typeface="Times New Roman" panose="02020603050405020304" pitchFamily="18" charset="0"/>
+              </a:rPr>
+              <a:t>Trong</a:t>
+            </a:r>
+            <a:r>
+              <a:rPr lang="en-US" dirty="0">
+                <a:latin typeface="Times New Roman" panose="02020603050405020304" pitchFamily="18" charset="0"/>
+                <a:cs typeface="Times New Roman" panose="02020603050405020304" pitchFamily="18" charset="0"/>
+              </a:rPr>
+              <a:t> .NET </a:t>
+            </a:r>
+            <a:r>
+              <a:rPr lang="en-US" dirty="0" err="1">
+                <a:latin typeface="Times New Roman" panose="02020603050405020304" pitchFamily="18" charset="0"/>
+                <a:cs typeface="Times New Roman" panose="02020603050405020304" pitchFamily="18" charset="0"/>
+              </a:rPr>
+              <a:t>bạn</a:t>
+            </a:r>
+            <a:r>
+              <a:rPr lang="en-US" dirty="0">
+                <a:latin typeface="Times New Roman" panose="02020603050405020304" pitchFamily="18" charset="0"/>
+                <a:cs typeface="Times New Roman" panose="02020603050405020304" pitchFamily="18" charset="0"/>
+              </a:rPr>
+              <a:t> </a:t>
+            </a:r>
+            <a:r>
+              <a:rPr lang="en-US" dirty="0" err="1">
+                <a:latin typeface="Times New Roman" panose="02020603050405020304" pitchFamily="18" charset="0"/>
+                <a:cs typeface="Times New Roman" panose="02020603050405020304" pitchFamily="18" charset="0"/>
+              </a:rPr>
+              <a:t>có</a:t>
+            </a:r>
+            <a:r>
+              <a:rPr lang="en-US" dirty="0">
+                <a:latin typeface="Times New Roman" panose="02020603050405020304" pitchFamily="18" charset="0"/>
+                <a:cs typeface="Times New Roman" panose="02020603050405020304" pitchFamily="18" charset="0"/>
+              </a:rPr>
+              <a:t> </a:t>
+            </a:r>
+            <a:r>
+              <a:rPr lang="en-US" dirty="0" err="1">
+                <a:latin typeface="Times New Roman" panose="02020603050405020304" pitchFamily="18" charset="0"/>
+                <a:cs typeface="Times New Roman" panose="02020603050405020304" pitchFamily="18" charset="0"/>
+              </a:rPr>
+              <a:t>thể</a:t>
+            </a:r>
+            <a:r>
+              <a:rPr lang="en-US" dirty="0">
+                <a:latin typeface="Times New Roman" panose="02020603050405020304" pitchFamily="18" charset="0"/>
+                <a:cs typeface="Times New Roman" panose="02020603050405020304" pitchFamily="18" charset="0"/>
+              </a:rPr>
+              <a:t> </a:t>
+            </a:r>
+            <a:r>
+              <a:rPr lang="en-US" dirty="0" err="1">
+                <a:latin typeface="Times New Roman" panose="02020603050405020304" pitchFamily="18" charset="0"/>
+                <a:cs typeface="Times New Roman" panose="02020603050405020304" pitchFamily="18" charset="0"/>
+              </a:rPr>
+              <a:t>cài</a:t>
+            </a:r>
+            <a:r>
+              <a:rPr lang="en-US" dirty="0">
+                <a:latin typeface="Times New Roman" panose="02020603050405020304" pitchFamily="18" charset="0"/>
+                <a:cs typeface="Times New Roman" panose="02020603050405020304" pitchFamily="18" charset="0"/>
+              </a:rPr>
+              <a:t> </a:t>
+            </a:r>
+            <a:r>
+              <a:rPr lang="en-US" dirty="0" err="1">
+                <a:latin typeface="Times New Roman" panose="02020603050405020304" pitchFamily="18" charset="0"/>
+                <a:cs typeface="Times New Roman" panose="02020603050405020304" pitchFamily="18" charset="0"/>
+              </a:rPr>
+              <a:t>đặt</a:t>
+            </a:r>
+            <a:r>
+              <a:rPr lang="en-US" dirty="0">
+                <a:latin typeface="Times New Roman" panose="02020603050405020304" pitchFamily="18" charset="0"/>
+                <a:cs typeface="Times New Roman" panose="02020603050405020304" pitchFamily="18" charset="0"/>
+              </a:rPr>
+              <a:t> </a:t>
+            </a:r>
+            <a:r>
+              <a:rPr lang="en-US" dirty="0" err="1">
+                <a:latin typeface="Times New Roman" panose="02020603050405020304" pitchFamily="18" charset="0"/>
+                <a:cs typeface="Times New Roman" panose="02020603050405020304" pitchFamily="18" charset="0"/>
+              </a:rPr>
+              <a:t>th</a:t>
+            </a:r>
+            <a:r>
+              <a:rPr lang="vi-VN" dirty="0">
+                <a:latin typeface="Times New Roman" panose="02020603050405020304" pitchFamily="18" charset="0"/>
+                <a:cs typeface="Times New Roman" panose="02020603050405020304" pitchFamily="18" charset="0"/>
+              </a:rPr>
+              <a:t>ư</a:t>
+            </a:r>
+            <a:r>
+              <a:rPr lang="en-US" dirty="0">
+                <a:latin typeface="Times New Roman" panose="02020603050405020304" pitchFamily="18" charset="0"/>
+                <a:cs typeface="Times New Roman" panose="02020603050405020304" pitchFamily="18" charset="0"/>
+              </a:rPr>
+              <a:t> </a:t>
+            </a:r>
+            <a:r>
+              <a:rPr lang="en-US" dirty="0" err="1">
+                <a:latin typeface="Times New Roman" panose="02020603050405020304" pitchFamily="18" charset="0"/>
+                <a:cs typeface="Times New Roman" panose="02020603050405020304" pitchFamily="18" charset="0"/>
+              </a:rPr>
+              <a:t>viện</a:t>
+            </a:r>
+            <a:r>
+              <a:rPr lang="en-US" dirty="0">
+                <a:latin typeface="Times New Roman" panose="02020603050405020304" pitchFamily="18" charset="0"/>
+                <a:cs typeface="Times New Roman" panose="02020603050405020304" pitchFamily="18" charset="0"/>
+              </a:rPr>
+              <a:t> Stanford </a:t>
+            </a:r>
+            <a:r>
+              <a:rPr lang="en-US" dirty="0" err="1">
+                <a:latin typeface="Times New Roman" panose="02020603050405020304" pitchFamily="18" charset="0"/>
+                <a:cs typeface="Times New Roman" panose="02020603050405020304" pitchFamily="18" charset="0"/>
+              </a:rPr>
+              <a:t>CoreNLP</a:t>
+            </a:r>
+            <a:r>
+              <a:rPr lang="en-US" dirty="0">
+                <a:latin typeface="Times New Roman" panose="02020603050405020304" pitchFamily="18" charset="0"/>
+                <a:cs typeface="Times New Roman" panose="02020603050405020304" pitchFamily="18" charset="0"/>
+              </a:rPr>
+              <a:t> qua NuGet packages</a:t>
+            </a:r>
+          </a:p>
+        </p:txBody>
+      </p:sp>
+      <p:pic>
+        <p:nvPicPr>
+          <p:cNvPr id="8" name="Picture 7" descr="A screenshot of a social media post&#10;&#10;Description generated with very high confidence">
+            <a:extLst>
+              <a:ext uri="{FF2B5EF4-FFF2-40B4-BE49-F238E27FC236}">
+                <a16:creationId xmlns:a16="http://schemas.microsoft.com/office/drawing/2014/main" id="{9FBA958E-F809-4515-BCBD-CF0F241EA837}"/>
+              </a:ext>
+            </a:extLst>
+          </p:cNvPr>
+          <p:cNvPicPr>
+            <a:picLocks noChangeAspect="1"/>
+          </p:cNvPicPr>
+          <p:nvPr/>
+        </p:nvPicPr>
+        <p:blipFill>
+          <a:blip r:embed="rId2"/>
+          <a:stretch>
+            <a:fillRect/>
+          </a:stretch>
+        </p:blipFill>
+        <p:spPr>
+          <a:xfrm>
+            <a:off x="1796149" y="3429000"/>
+            <a:ext cx="9606477" cy="2712033"/>
+          </a:xfrm>
+          <a:prstGeom prst="rect">
+            <a:avLst/>
+          </a:prstGeom>
+        </p:spPr>
+      </p:pic>
+    </p:spTree>
+    <p:extLst>
+      <p:ext uri="{BB962C8B-B14F-4D97-AF65-F5344CB8AC3E}">
+        <p14:creationId xmlns:p14="http://schemas.microsoft.com/office/powerpoint/2010/main" val="1871652294"/>
+      </p:ext>
+    </p:extLst>
+  </p:cSld>
+  <p:clrMapOvr>
+    <a:masterClrMapping/>
+  </p:clrMapOvr>
+</p:sld>
+</file>
+
+<file path=ppt/slides/slide7.xml><?xml version="1.0" encoding="utf-8"?>
+<p:sld xmlns:a="http://schemas.openxmlformats.org/drawingml/2006/main" xmlns:r="http://schemas.openxmlformats.org/officeDocument/2006/relationships" xmlns:p="http://schemas.openxmlformats.org/presentationml/2006/main">
+  <p:cSld>
+    <p:spTree>
+      <p:nvGrpSpPr>
+        <p:cNvPr id="1" name=""/>
+        <p:cNvGrpSpPr/>
+        <p:nvPr/>
+      </p:nvGrpSpPr>
+      <p:grpSpPr>
+        <a:xfrm>
+          <a:off x="0" y="0"/>
+          <a:ext cx="0" cy="0"/>
+          <a:chOff x="0" y="0"/>
+          <a:chExt cx="0" cy="0"/>
+        </a:xfrm>
+      </p:grpSpPr>
+      <p:sp>
+        <p:nvSpPr>
+          <p:cNvPr id="2" name="Title 1">
+            <a:extLst>
+              <a:ext uri="{FF2B5EF4-FFF2-40B4-BE49-F238E27FC236}">
+                <a16:creationId xmlns:a16="http://schemas.microsoft.com/office/drawing/2014/main" id="{3320184A-853A-46BC-A5D5-0BA775050763}"/>
+              </a:ext>
+            </a:extLst>
+          </p:cNvPr>
+          <p:cNvSpPr>
+            <a:spLocks noGrp="1"/>
+          </p:cNvSpPr>
+          <p:nvPr>
+            <p:ph type="title"/>
+          </p:nvPr>
+        </p:nvSpPr>
+        <p:spPr>
+          <a:xfrm>
+            <a:off x="1602298" y="213852"/>
+            <a:ext cx="7807173" cy="1511710"/>
+          </a:xfrm>
+        </p:spPr>
+        <p:txBody>
+          <a:bodyPr/>
+          <a:lstStyle/>
+          <a:p>
+            <a:pPr algn="l"/>
+            <a:r>
+              <a:rPr lang="en-US" b="1">
+                <a:solidFill>
+                  <a:srgbClr val="0000FF"/>
+                </a:solidFill>
+                <a:latin typeface="Times New Roman" panose="02020603050405020304" pitchFamily="18" charset="0"/>
+                <a:cs typeface="Times New Roman" panose="02020603050405020304" pitchFamily="18" charset="0"/>
+              </a:rPr>
+              <a:t>Các công cụ đ</a:t>
+            </a:r>
+            <a:r>
+              <a:rPr lang="vi-VN" b="1">
+                <a:solidFill>
+                  <a:srgbClr val="0000FF"/>
+                </a:solidFill>
+                <a:latin typeface="Times New Roman" panose="02020603050405020304" pitchFamily="18" charset="0"/>
+                <a:cs typeface="Times New Roman" panose="02020603050405020304" pitchFamily="18" charset="0"/>
+              </a:rPr>
+              <a:t>ư</a:t>
+            </a:r>
+            <a:r>
+              <a:rPr lang="en-US" b="1">
+                <a:solidFill>
+                  <a:srgbClr val="0000FF"/>
+                </a:solidFill>
+                <a:latin typeface="Times New Roman" panose="02020603050405020304" pitchFamily="18" charset="0"/>
+                <a:cs typeface="Times New Roman" panose="02020603050405020304" pitchFamily="18" charset="0"/>
+              </a:rPr>
+              <a:t>ợc tích hợp trong</a:t>
+            </a:r>
+            <a:br>
+              <a:rPr lang="en-US" b="1">
+                <a:solidFill>
+                  <a:srgbClr val="0000FF"/>
+                </a:solidFill>
+                <a:latin typeface="Times New Roman" panose="02020603050405020304" pitchFamily="18" charset="0"/>
+                <a:cs typeface="Times New Roman" panose="02020603050405020304" pitchFamily="18" charset="0"/>
+              </a:rPr>
+            </a:br>
+            <a:r>
+              <a:rPr lang="en-US" b="1">
+                <a:solidFill>
+                  <a:srgbClr val="0000FF"/>
+                </a:solidFill>
+                <a:latin typeface="Times New Roman" panose="02020603050405020304" pitchFamily="18" charset="0"/>
+                <a:cs typeface="Times New Roman" panose="02020603050405020304" pitchFamily="18" charset="0"/>
+              </a:rPr>
+              <a:t>Stanford CoreNLP</a:t>
+            </a:r>
+          </a:p>
+        </p:txBody>
+      </p:sp>
+      <p:sp>
+        <p:nvSpPr>
+          <p:cNvPr id="3" name="Content Placeholder 2">
+            <a:extLst>
+              <a:ext uri="{FF2B5EF4-FFF2-40B4-BE49-F238E27FC236}">
+                <a16:creationId xmlns:a16="http://schemas.microsoft.com/office/drawing/2014/main" id="{B19C7083-1D02-477A-B7C0-251FB4CF8D56}"/>
+              </a:ext>
+            </a:extLst>
+          </p:cNvPr>
+          <p:cNvSpPr>
+            <a:spLocks noGrp="1"/>
+          </p:cNvSpPr>
+          <p:nvPr>
+            <p:ph idx="1"/>
+          </p:nvPr>
+        </p:nvSpPr>
+        <p:spPr>
+          <a:xfrm>
+            <a:off x="3034141" y="1827550"/>
+            <a:ext cx="6375330" cy="3275392"/>
+          </a:xfrm>
+        </p:spPr>
+        <p:txBody>
+          <a:bodyPr>
+            <a:noAutofit/>
+          </a:bodyPr>
+          <a:lstStyle/>
+          <a:p>
+            <a:pPr lvl="1"/>
+            <a:r>
+              <a:rPr lang="en-US" sz="2400" dirty="0">
+                <a:latin typeface="Times New Roman" panose="02020603050405020304" pitchFamily="18" charset="0"/>
+                <a:cs typeface="Times New Roman" panose="02020603050405020304" pitchFamily="18" charset="0"/>
+              </a:rPr>
+              <a:t>Tokenization/ Sentence segmentation</a:t>
+            </a:r>
+          </a:p>
+          <a:p>
+            <a:pPr lvl="1"/>
+            <a:r>
+              <a:rPr lang="en-US" sz="2400" dirty="0">
+                <a:latin typeface="Times New Roman" panose="02020603050405020304" pitchFamily="18" charset="0"/>
+                <a:cs typeface="Times New Roman" panose="02020603050405020304" pitchFamily="18" charset="0"/>
+              </a:rPr>
+              <a:t>Part of Speech (POS) </a:t>
+            </a:r>
+          </a:p>
+          <a:p>
+            <a:pPr lvl="1"/>
+            <a:r>
+              <a:rPr lang="en-US" sz="2400" dirty="0">
+                <a:latin typeface="Times New Roman" panose="02020603050405020304" pitchFamily="18" charset="0"/>
+                <a:cs typeface="Times New Roman" panose="02020603050405020304" pitchFamily="18" charset="0"/>
+              </a:rPr>
+              <a:t>The named entity recognizer (NER)</a:t>
+            </a:r>
+          </a:p>
+          <a:p>
+            <a:pPr lvl="1"/>
+            <a:r>
+              <a:rPr lang="en-US" sz="2400" dirty="0">
+                <a:latin typeface="Times New Roman" panose="02020603050405020304" pitchFamily="18" charset="0"/>
+                <a:cs typeface="Times New Roman" panose="02020603050405020304" pitchFamily="18" charset="0"/>
+              </a:rPr>
+              <a:t>The parser</a:t>
+            </a:r>
+          </a:p>
+          <a:p>
+            <a:pPr lvl="1"/>
+            <a:r>
+              <a:rPr lang="en-US" sz="2400" dirty="0">
+                <a:latin typeface="Times New Roman" panose="02020603050405020304" pitchFamily="18" charset="0"/>
+                <a:cs typeface="Times New Roman" panose="02020603050405020304" pitchFamily="18" charset="0"/>
+              </a:rPr>
+              <a:t>The coreference resolution system</a:t>
+            </a:r>
+          </a:p>
+        </p:txBody>
+      </p:sp>
+      <p:sp>
+        <p:nvSpPr>
+          <p:cNvPr id="4" name="TextBox 3">
+            <a:extLst>
+              <a:ext uri="{FF2B5EF4-FFF2-40B4-BE49-F238E27FC236}">
+                <a16:creationId xmlns:a16="http://schemas.microsoft.com/office/drawing/2014/main" id="{62CCE3DC-5F37-4E4C-959F-B07501F2D377}"/>
+              </a:ext>
+            </a:extLst>
+          </p:cNvPr>
+          <p:cNvSpPr txBox="1"/>
+          <p:nvPr/>
+        </p:nvSpPr>
+        <p:spPr>
+          <a:xfrm>
+            <a:off x="1921789" y="5411408"/>
+            <a:ext cx="9949912" cy="830997"/>
+          </a:xfrm>
+          <a:prstGeom prst="rect">
+            <a:avLst/>
+          </a:prstGeom>
+          <a:noFill/>
+        </p:spPr>
+        <p:txBody>
+          <a:bodyPr wrap="square" rtlCol="0">
+            <a:spAutoFit/>
+          </a:bodyPr>
+          <a:lstStyle/>
+          <a:p>
+            <a:r>
+              <a:rPr lang="en-US" sz="2400">
+                <a:latin typeface="Times New Roman" panose="02020603050405020304" pitchFamily="18" charset="0"/>
+                <a:cs typeface="Times New Roman" panose="02020603050405020304" pitchFamily="18" charset="0"/>
+              </a:rPr>
+              <a:t>Bạn có thể chạy tất cả các công cụ trên bằng công cụ “pipeline”. Ngoài ra bạn cũng có thể chọn riêng lẻ từng công cụ để sử dụng.</a:t>
+            </a:r>
+          </a:p>
+        </p:txBody>
+      </p:sp>
+    </p:spTree>
+    <p:extLst>
+      <p:ext uri="{BB962C8B-B14F-4D97-AF65-F5344CB8AC3E}">
+        <p14:creationId xmlns:p14="http://schemas.microsoft.com/office/powerpoint/2010/main" val="2196253925"/>
+      </p:ext>
+    </p:extLst>
+  </p:cSld>
+  <p:clrMapOvr>
+    <a:masterClrMapping/>
+  </p:clrMapOvr>
+</p:sld>
+</file>
+
+<file path=ppt/slides/slide8.xml><?xml version="1.0" encoding="utf-8"?>
+<p:sld xmlns:a="http://schemas.openxmlformats.org/drawingml/2006/main" xmlns:r="http://schemas.openxmlformats.org/officeDocument/2006/relationships" xmlns:p="http://schemas.openxmlformats.org/presentationml/2006/main">
+  <p:cSld>
+    <p:spTree>
+      <p:nvGrpSpPr>
+        <p:cNvPr id="1" name=""/>
+        <p:cNvGrpSpPr/>
+        <p:nvPr/>
+      </p:nvGrpSpPr>
+      <p:grpSpPr>
+        <a:xfrm>
+          <a:off x="0" y="0"/>
+          <a:ext cx="0" cy="0"/>
+          <a:chOff x="0" y="0"/>
+          <a:chExt cx="0" cy="0"/>
+        </a:xfrm>
+      </p:grpSpPr>
+      <p:sp>
+        <p:nvSpPr>
+          <p:cNvPr id="3" name="Content Placeholder 2">
+            <a:extLst>
+              <a:ext uri="{FF2B5EF4-FFF2-40B4-BE49-F238E27FC236}">
+                <a16:creationId xmlns:a16="http://schemas.microsoft.com/office/drawing/2014/main" id="{77CB0060-EA5E-40CD-87BE-643EDBDB86B0}"/>
+              </a:ext>
+            </a:extLst>
+          </p:cNvPr>
+          <p:cNvSpPr>
+            <a:spLocks noGrp="1"/>
+          </p:cNvSpPr>
+          <p:nvPr>
+            <p:ph idx="1"/>
+          </p:nvPr>
+        </p:nvSpPr>
+        <p:spPr/>
+        <p:txBody>
+          <a:bodyPr/>
+          <a:lstStyle/>
+          <a:p>
+            <a:r>
+              <a:rPr lang="en-US" dirty="0" err="1">
+                <a:latin typeface="Times New Roman" panose="02020603050405020304" pitchFamily="18" charset="0"/>
+                <a:cs typeface="Times New Roman" panose="02020603050405020304" pitchFamily="18" charset="0"/>
+              </a:rPr>
+              <a:t>Là</a:t>
+            </a:r>
+            <a:r>
+              <a:rPr lang="en-US" dirty="0">
+                <a:latin typeface="Times New Roman" panose="02020603050405020304" pitchFamily="18" charset="0"/>
+                <a:cs typeface="Times New Roman" panose="02020603050405020304" pitchFamily="18" charset="0"/>
+              </a:rPr>
+              <a:t> </a:t>
+            </a:r>
+            <a:r>
+              <a:rPr lang="en-US" dirty="0" err="1">
+                <a:latin typeface="Times New Roman" panose="02020603050405020304" pitchFamily="18" charset="0"/>
+                <a:cs typeface="Times New Roman" panose="02020603050405020304" pitchFamily="18" charset="0"/>
+              </a:rPr>
+              <a:t>quá</a:t>
+            </a:r>
+            <a:r>
+              <a:rPr lang="en-US" dirty="0">
+                <a:latin typeface="Times New Roman" panose="02020603050405020304" pitchFamily="18" charset="0"/>
+                <a:cs typeface="Times New Roman" panose="02020603050405020304" pitchFamily="18" charset="0"/>
+              </a:rPr>
+              <a:t> </a:t>
+            </a:r>
+            <a:r>
+              <a:rPr lang="en-US" dirty="0" err="1">
+                <a:latin typeface="Times New Roman" panose="02020603050405020304" pitchFamily="18" charset="0"/>
+                <a:cs typeface="Times New Roman" panose="02020603050405020304" pitchFamily="18" charset="0"/>
+              </a:rPr>
+              <a:t>trình</a:t>
+            </a:r>
+            <a:r>
+              <a:rPr lang="en-US" dirty="0">
+                <a:latin typeface="Times New Roman" panose="02020603050405020304" pitchFamily="18" charset="0"/>
+                <a:cs typeface="Times New Roman" panose="02020603050405020304" pitchFamily="18" charset="0"/>
+              </a:rPr>
+              <a:t> </a:t>
+            </a:r>
+            <a:r>
+              <a:rPr lang="en-US" dirty="0" err="1">
+                <a:latin typeface="Times New Roman" panose="02020603050405020304" pitchFamily="18" charset="0"/>
+                <a:cs typeface="Times New Roman" panose="02020603050405020304" pitchFamily="18" charset="0"/>
+              </a:rPr>
+              <a:t>phân</a:t>
+            </a:r>
+            <a:r>
+              <a:rPr lang="en-US" dirty="0">
+                <a:latin typeface="Times New Roman" panose="02020603050405020304" pitchFamily="18" charset="0"/>
+                <a:cs typeface="Times New Roman" panose="02020603050405020304" pitchFamily="18" charset="0"/>
+              </a:rPr>
+              <a:t> chia </a:t>
+            </a:r>
+            <a:r>
+              <a:rPr lang="en-US" dirty="0" err="1">
+                <a:latin typeface="Times New Roman" panose="02020603050405020304" pitchFamily="18" charset="0"/>
+                <a:cs typeface="Times New Roman" panose="02020603050405020304" pitchFamily="18" charset="0"/>
+              </a:rPr>
+              <a:t>văn</a:t>
+            </a:r>
+            <a:r>
+              <a:rPr lang="en-US" dirty="0">
+                <a:latin typeface="Times New Roman" panose="02020603050405020304" pitchFamily="18" charset="0"/>
+                <a:cs typeface="Times New Roman" panose="02020603050405020304" pitchFamily="18" charset="0"/>
+              </a:rPr>
+              <a:t> </a:t>
+            </a:r>
+            <a:r>
+              <a:rPr lang="en-US" dirty="0" err="1">
+                <a:latin typeface="Times New Roman" panose="02020603050405020304" pitchFamily="18" charset="0"/>
+                <a:cs typeface="Times New Roman" panose="02020603050405020304" pitchFamily="18" charset="0"/>
+              </a:rPr>
+              <a:t>bản</a:t>
+            </a:r>
+            <a:r>
+              <a:rPr lang="en-US" dirty="0">
+                <a:latin typeface="Times New Roman" panose="02020603050405020304" pitchFamily="18" charset="0"/>
+                <a:cs typeface="Times New Roman" panose="02020603050405020304" pitchFamily="18" charset="0"/>
+              </a:rPr>
+              <a:t> </a:t>
+            </a:r>
+            <a:r>
+              <a:rPr lang="en-US" dirty="0" err="1">
+                <a:latin typeface="Times New Roman" panose="02020603050405020304" pitchFamily="18" charset="0"/>
+                <a:cs typeface="Times New Roman" panose="02020603050405020304" pitchFamily="18" charset="0"/>
+              </a:rPr>
+              <a:t>thành</a:t>
+            </a:r>
+            <a:r>
+              <a:rPr lang="en-US" dirty="0">
+                <a:latin typeface="Times New Roman" panose="02020603050405020304" pitchFamily="18" charset="0"/>
+                <a:cs typeface="Times New Roman" panose="02020603050405020304" pitchFamily="18" charset="0"/>
+              </a:rPr>
+              <a:t> </a:t>
+            </a:r>
+            <a:r>
+              <a:rPr lang="en-US" dirty="0" err="1">
+                <a:latin typeface="Times New Roman" panose="02020603050405020304" pitchFamily="18" charset="0"/>
+                <a:cs typeface="Times New Roman" panose="02020603050405020304" pitchFamily="18" charset="0"/>
+              </a:rPr>
+              <a:t>các</a:t>
+            </a:r>
+            <a:r>
+              <a:rPr lang="en-US" dirty="0">
+                <a:latin typeface="Times New Roman" panose="02020603050405020304" pitchFamily="18" charset="0"/>
+                <a:cs typeface="Times New Roman" panose="02020603050405020304" pitchFamily="18" charset="0"/>
+              </a:rPr>
+              <a:t> đ</a:t>
+            </a:r>
+            <a:r>
+              <a:rPr lang="vi-VN" dirty="0">
+                <a:latin typeface="Times New Roman" panose="02020603050405020304" pitchFamily="18" charset="0"/>
+                <a:cs typeface="Times New Roman" panose="02020603050405020304" pitchFamily="18" charset="0"/>
+              </a:rPr>
+              <a:t>ơ</a:t>
+            </a:r>
+            <a:r>
+              <a:rPr lang="en-US" dirty="0">
+                <a:latin typeface="Times New Roman" panose="02020603050405020304" pitchFamily="18" charset="0"/>
+                <a:cs typeface="Times New Roman" panose="02020603050405020304" pitchFamily="18" charset="0"/>
+              </a:rPr>
+              <a:t>n </a:t>
+            </a:r>
+            <a:r>
+              <a:rPr lang="en-US" dirty="0" err="1">
+                <a:latin typeface="Times New Roman" panose="02020603050405020304" pitchFamily="18" charset="0"/>
+                <a:cs typeface="Times New Roman" panose="02020603050405020304" pitchFamily="18" charset="0"/>
+              </a:rPr>
+              <a:t>vị</a:t>
+            </a:r>
+            <a:r>
+              <a:rPr lang="en-US" dirty="0">
+                <a:latin typeface="Times New Roman" panose="02020603050405020304" pitchFamily="18" charset="0"/>
+                <a:cs typeface="Times New Roman" panose="02020603050405020304" pitchFamily="18" charset="0"/>
+              </a:rPr>
+              <a:t> </a:t>
+            </a:r>
+            <a:r>
+              <a:rPr lang="en-US" dirty="0" err="1">
+                <a:latin typeface="Times New Roman" panose="02020603050405020304" pitchFamily="18" charset="0"/>
+                <a:cs typeface="Times New Roman" panose="02020603050405020304" pitchFamily="18" charset="0"/>
+              </a:rPr>
+              <a:t>có</a:t>
+            </a:r>
+            <a:r>
+              <a:rPr lang="en-US" dirty="0">
+                <a:latin typeface="Times New Roman" panose="02020603050405020304" pitchFamily="18" charset="0"/>
+                <a:cs typeface="Times New Roman" panose="02020603050405020304" pitchFamily="18" charset="0"/>
+              </a:rPr>
+              <a:t> ý </a:t>
+            </a:r>
+            <a:r>
+              <a:rPr lang="en-US" dirty="0" err="1">
+                <a:latin typeface="Times New Roman" panose="02020603050405020304" pitchFamily="18" charset="0"/>
+                <a:cs typeface="Times New Roman" panose="02020603050405020304" pitchFamily="18" charset="0"/>
+              </a:rPr>
+              <a:t>nghĩa</a:t>
+            </a:r>
+            <a:r>
+              <a:rPr lang="en-US" dirty="0">
+                <a:latin typeface="Times New Roman" panose="02020603050405020304" pitchFamily="18" charset="0"/>
+                <a:cs typeface="Times New Roman" panose="02020603050405020304" pitchFamily="18" charset="0"/>
+              </a:rPr>
+              <a:t> (</a:t>
+            </a:r>
+            <a:r>
+              <a:rPr lang="en-US" dirty="0" err="1">
+                <a:latin typeface="Times New Roman" panose="02020603050405020304" pitchFamily="18" charset="0"/>
+                <a:cs typeface="Times New Roman" panose="02020603050405020304" pitchFamily="18" charset="0"/>
+              </a:rPr>
+              <a:t>câu</a:t>
+            </a:r>
+            <a:r>
+              <a:rPr lang="en-US" dirty="0">
+                <a:latin typeface="Times New Roman" panose="02020603050405020304" pitchFamily="18" charset="0"/>
+                <a:cs typeface="Times New Roman" panose="02020603050405020304" pitchFamily="18" charset="0"/>
+              </a:rPr>
+              <a:t>, </a:t>
+            </a:r>
+            <a:r>
+              <a:rPr lang="en-US" dirty="0" err="1">
+                <a:latin typeface="Times New Roman" panose="02020603050405020304" pitchFamily="18" charset="0"/>
+                <a:cs typeface="Times New Roman" panose="02020603050405020304" pitchFamily="18" charset="0"/>
+              </a:rPr>
+              <a:t>từ</a:t>
+            </a:r>
+            <a:r>
+              <a:rPr lang="en-US" dirty="0">
+                <a:latin typeface="Times New Roman" panose="02020603050405020304" pitchFamily="18" charset="0"/>
+                <a:cs typeface="Times New Roman" panose="02020603050405020304" pitchFamily="18" charset="0"/>
+              </a:rPr>
+              <a:t>).</a:t>
+            </a:r>
+          </a:p>
+          <a:p>
+            <a:r>
+              <a:rPr lang="en-US" dirty="0">
+                <a:latin typeface="Times New Roman" panose="02020603050405020304" pitchFamily="18" charset="0"/>
+                <a:cs typeface="Times New Roman" panose="02020603050405020304" pitchFamily="18" charset="0"/>
+              </a:rPr>
+              <a:t>Tokenization </a:t>
+            </a:r>
+            <a:r>
+              <a:rPr lang="en-US" dirty="0" err="1">
+                <a:latin typeface="Times New Roman" panose="02020603050405020304" pitchFamily="18" charset="0"/>
+                <a:cs typeface="Times New Roman" panose="02020603050405020304" pitchFamily="18" charset="0"/>
+              </a:rPr>
+              <a:t>là</a:t>
+            </a:r>
+            <a:r>
+              <a:rPr lang="en-US" dirty="0">
+                <a:latin typeface="Times New Roman" panose="02020603050405020304" pitchFamily="18" charset="0"/>
+                <a:cs typeface="Times New Roman" panose="02020603050405020304" pitchFamily="18" charset="0"/>
+              </a:rPr>
+              <a:t> </a:t>
+            </a:r>
+            <a:r>
+              <a:rPr lang="en-US" dirty="0" err="1">
+                <a:latin typeface="Times New Roman" panose="02020603050405020304" pitchFamily="18" charset="0"/>
+                <a:cs typeface="Times New Roman" panose="02020603050405020304" pitchFamily="18" charset="0"/>
+              </a:rPr>
+              <a:t>phân</a:t>
+            </a:r>
+            <a:r>
+              <a:rPr lang="en-US" dirty="0">
+                <a:latin typeface="Times New Roman" panose="02020603050405020304" pitchFamily="18" charset="0"/>
+                <a:cs typeface="Times New Roman" panose="02020603050405020304" pitchFamily="18" charset="0"/>
+              </a:rPr>
+              <a:t> </a:t>
+            </a:r>
+            <a:r>
+              <a:rPr lang="en-US" dirty="0" err="1">
+                <a:latin typeface="Times New Roman" panose="02020603050405020304" pitchFamily="18" charset="0"/>
+                <a:cs typeface="Times New Roman" panose="02020603050405020304" pitchFamily="18" charset="0"/>
+              </a:rPr>
+              <a:t>đoạn</a:t>
+            </a:r>
+            <a:r>
+              <a:rPr lang="en-US" dirty="0">
+                <a:latin typeface="Times New Roman" panose="02020603050405020304" pitchFamily="18" charset="0"/>
+                <a:cs typeface="Times New Roman" panose="02020603050405020304" pitchFamily="18" charset="0"/>
+              </a:rPr>
+              <a:t> </a:t>
+            </a:r>
+            <a:r>
+              <a:rPr lang="en-US" dirty="0" err="1">
+                <a:latin typeface="Times New Roman" panose="02020603050405020304" pitchFamily="18" charset="0"/>
+                <a:cs typeface="Times New Roman" panose="02020603050405020304" pitchFamily="18" charset="0"/>
+              </a:rPr>
+              <a:t>văn</a:t>
+            </a:r>
+            <a:r>
+              <a:rPr lang="en-US" dirty="0">
+                <a:latin typeface="Times New Roman" panose="02020603050405020304" pitchFamily="18" charset="0"/>
+                <a:cs typeface="Times New Roman" panose="02020603050405020304" pitchFamily="18" charset="0"/>
+              </a:rPr>
+              <a:t> </a:t>
+            </a:r>
+            <a:r>
+              <a:rPr lang="en-US" dirty="0" err="1">
+                <a:latin typeface="Times New Roman" panose="02020603050405020304" pitchFamily="18" charset="0"/>
+                <a:cs typeface="Times New Roman" panose="02020603050405020304" pitchFamily="18" charset="0"/>
+              </a:rPr>
+              <a:t>bản</a:t>
+            </a:r>
+            <a:r>
+              <a:rPr lang="en-US" dirty="0">
+                <a:latin typeface="Times New Roman" panose="02020603050405020304" pitchFamily="18" charset="0"/>
+                <a:cs typeface="Times New Roman" panose="02020603050405020304" pitchFamily="18" charset="0"/>
+              </a:rPr>
+              <a:t> </a:t>
+            </a:r>
+            <a:r>
+              <a:rPr lang="en-US" dirty="0" err="1">
+                <a:latin typeface="Times New Roman" panose="02020603050405020304" pitchFamily="18" charset="0"/>
+                <a:cs typeface="Times New Roman" panose="02020603050405020304" pitchFamily="18" charset="0"/>
+              </a:rPr>
+              <a:t>thành</a:t>
+            </a:r>
+            <a:r>
+              <a:rPr lang="en-US" dirty="0">
+                <a:latin typeface="Times New Roman" panose="02020603050405020304" pitchFamily="18" charset="0"/>
+                <a:cs typeface="Times New Roman" panose="02020603050405020304" pitchFamily="18" charset="0"/>
+              </a:rPr>
+              <a:t> </a:t>
+            </a:r>
+            <a:r>
+              <a:rPr lang="en-US" dirty="0" err="1">
+                <a:latin typeface="Times New Roman" panose="02020603050405020304" pitchFamily="18" charset="0"/>
+                <a:cs typeface="Times New Roman" panose="02020603050405020304" pitchFamily="18" charset="0"/>
+              </a:rPr>
+              <a:t>từng</a:t>
+            </a:r>
+            <a:r>
+              <a:rPr lang="en-US" dirty="0">
+                <a:latin typeface="Times New Roman" panose="02020603050405020304" pitchFamily="18" charset="0"/>
+                <a:cs typeface="Times New Roman" panose="02020603050405020304" pitchFamily="18" charset="0"/>
+              </a:rPr>
+              <a:t> </a:t>
+            </a:r>
+            <a:r>
+              <a:rPr lang="en-US" dirty="0" err="1">
+                <a:latin typeface="Times New Roman" panose="02020603050405020304" pitchFamily="18" charset="0"/>
+                <a:cs typeface="Times New Roman" panose="02020603050405020304" pitchFamily="18" charset="0"/>
+              </a:rPr>
+              <a:t>từ</a:t>
+            </a:r>
+            <a:r>
+              <a:rPr lang="en-US" dirty="0">
+                <a:latin typeface="Times New Roman" panose="02020603050405020304" pitchFamily="18" charset="0"/>
+                <a:cs typeface="Times New Roman" panose="02020603050405020304" pitchFamily="18" charset="0"/>
+              </a:rPr>
+              <a:t> </a:t>
+            </a:r>
+            <a:r>
+              <a:rPr lang="en-US" dirty="0" err="1">
+                <a:latin typeface="Times New Roman" panose="02020603050405020304" pitchFamily="18" charset="0"/>
+                <a:cs typeface="Times New Roman" panose="02020603050405020304" pitchFamily="18" charset="0"/>
+              </a:rPr>
+              <a:t>bằng</a:t>
+            </a:r>
+            <a:r>
+              <a:rPr lang="en-US" dirty="0">
+                <a:latin typeface="Times New Roman" panose="02020603050405020304" pitchFamily="18" charset="0"/>
+                <a:cs typeface="Times New Roman" panose="02020603050405020304" pitchFamily="18" charset="0"/>
+              </a:rPr>
+              <a:t> </a:t>
+            </a:r>
+            <a:r>
+              <a:rPr lang="en-US" dirty="0" err="1">
+                <a:latin typeface="Times New Roman" panose="02020603050405020304" pitchFamily="18" charset="0"/>
+                <a:cs typeface="Times New Roman" panose="02020603050405020304" pitchFamily="18" charset="0"/>
+              </a:rPr>
+              <a:t>các</a:t>
+            </a:r>
+            <a:r>
+              <a:rPr lang="en-US" dirty="0">
+                <a:latin typeface="Times New Roman" panose="02020603050405020304" pitchFamily="18" charset="0"/>
+                <a:cs typeface="Times New Roman" panose="02020603050405020304" pitchFamily="18" charset="0"/>
+              </a:rPr>
+              <a:t> word boundaries (</a:t>
+            </a:r>
+            <a:r>
+              <a:rPr lang="en-US" dirty="0" err="1">
+                <a:latin typeface="Times New Roman" panose="02020603050405020304" pitchFamily="18" charset="0"/>
+                <a:cs typeface="Times New Roman" panose="02020603050405020304" pitchFamily="18" charset="0"/>
+              </a:rPr>
+              <a:t>th</a:t>
+            </a:r>
+            <a:r>
+              <a:rPr lang="vi-VN" dirty="0">
+                <a:latin typeface="Times New Roman" panose="02020603050405020304" pitchFamily="18" charset="0"/>
+                <a:cs typeface="Times New Roman" panose="02020603050405020304" pitchFamily="18" charset="0"/>
+              </a:rPr>
+              <a:t>ư</a:t>
+            </a:r>
+            <a:r>
+              <a:rPr lang="en-US" dirty="0" err="1">
+                <a:latin typeface="Times New Roman" panose="02020603050405020304" pitchFamily="18" charset="0"/>
+                <a:cs typeface="Times New Roman" panose="02020603050405020304" pitchFamily="18" charset="0"/>
+              </a:rPr>
+              <a:t>ờng</a:t>
+            </a:r>
+            <a:r>
+              <a:rPr lang="en-US" dirty="0">
+                <a:latin typeface="Times New Roman" panose="02020603050405020304" pitchFamily="18" charset="0"/>
+                <a:cs typeface="Times New Roman" panose="02020603050405020304" pitchFamily="18" charset="0"/>
+              </a:rPr>
+              <a:t> </a:t>
+            </a:r>
+            <a:r>
+              <a:rPr lang="en-US" dirty="0" err="1">
+                <a:latin typeface="Times New Roman" panose="02020603050405020304" pitchFamily="18" charset="0"/>
+                <a:cs typeface="Times New Roman" panose="02020603050405020304" pitchFamily="18" charset="0"/>
+              </a:rPr>
+              <a:t>là</a:t>
+            </a:r>
+            <a:r>
+              <a:rPr lang="en-US" dirty="0">
+                <a:latin typeface="Times New Roman" panose="02020603050405020304" pitchFamily="18" charset="0"/>
+                <a:cs typeface="Times New Roman" panose="02020603050405020304" pitchFamily="18" charset="0"/>
+              </a:rPr>
+              <a:t> </a:t>
+            </a:r>
+            <a:r>
+              <a:rPr lang="en-US" dirty="0" err="1">
+                <a:latin typeface="Times New Roman" panose="02020603050405020304" pitchFamily="18" charset="0"/>
+                <a:cs typeface="Times New Roman" panose="02020603050405020304" pitchFamily="18" charset="0"/>
+              </a:rPr>
+              <a:t>khoảng</a:t>
+            </a:r>
+            <a:r>
+              <a:rPr lang="en-US" dirty="0">
+                <a:latin typeface="Times New Roman" panose="02020603050405020304" pitchFamily="18" charset="0"/>
+                <a:cs typeface="Times New Roman" panose="02020603050405020304" pitchFamily="18" charset="0"/>
+              </a:rPr>
+              <a:t> </a:t>
+            </a:r>
+            <a:r>
+              <a:rPr lang="en-US" dirty="0" err="1">
+                <a:latin typeface="Times New Roman" panose="02020603050405020304" pitchFamily="18" charset="0"/>
+                <a:cs typeface="Times New Roman" panose="02020603050405020304" pitchFamily="18" charset="0"/>
+              </a:rPr>
+              <a:t>trắng</a:t>
+            </a:r>
+            <a:r>
+              <a:rPr lang="en-US" dirty="0">
+                <a:latin typeface="Times New Roman" panose="02020603050405020304" pitchFamily="18" charset="0"/>
+                <a:cs typeface="Times New Roman" panose="02020603050405020304" pitchFamily="18" charset="0"/>
+              </a:rPr>
+              <a:t>). Sentence segmentation </a:t>
+            </a:r>
+            <a:r>
+              <a:rPr lang="en-US" dirty="0" err="1">
+                <a:latin typeface="Times New Roman" panose="02020603050405020304" pitchFamily="18" charset="0"/>
+                <a:cs typeface="Times New Roman" panose="02020603050405020304" pitchFamily="18" charset="0"/>
+              </a:rPr>
+              <a:t>là</a:t>
+            </a:r>
+            <a:r>
+              <a:rPr lang="en-US" dirty="0">
+                <a:latin typeface="Times New Roman" panose="02020603050405020304" pitchFamily="18" charset="0"/>
+                <a:cs typeface="Times New Roman" panose="02020603050405020304" pitchFamily="18" charset="0"/>
+              </a:rPr>
+              <a:t> </a:t>
+            </a:r>
+            <a:r>
+              <a:rPr lang="en-US" dirty="0" err="1">
+                <a:latin typeface="Times New Roman" panose="02020603050405020304" pitchFamily="18" charset="0"/>
+                <a:cs typeface="Times New Roman" panose="02020603050405020304" pitchFamily="18" charset="0"/>
+              </a:rPr>
+              <a:t>phân</a:t>
+            </a:r>
+            <a:r>
+              <a:rPr lang="en-US" dirty="0">
+                <a:latin typeface="Times New Roman" panose="02020603050405020304" pitchFamily="18" charset="0"/>
+                <a:cs typeface="Times New Roman" panose="02020603050405020304" pitchFamily="18" charset="0"/>
+              </a:rPr>
+              <a:t> </a:t>
+            </a:r>
+            <a:r>
+              <a:rPr lang="en-US" dirty="0" err="1">
+                <a:latin typeface="Times New Roman" panose="02020603050405020304" pitchFamily="18" charset="0"/>
+                <a:cs typeface="Times New Roman" panose="02020603050405020304" pitchFamily="18" charset="0"/>
+              </a:rPr>
+              <a:t>đoạn</a:t>
+            </a:r>
+            <a:r>
+              <a:rPr lang="en-US" dirty="0">
+                <a:latin typeface="Times New Roman" panose="02020603050405020304" pitchFamily="18" charset="0"/>
+                <a:cs typeface="Times New Roman" panose="02020603050405020304" pitchFamily="18" charset="0"/>
+              </a:rPr>
+              <a:t> </a:t>
+            </a:r>
+            <a:r>
+              <a:rPr lang="en-US" dirty="0" err="1">
+                <a:latin typeface="Times New Roman" panose="02020603050405020304" pitchFamily="18" charset="0"/>
+                <a:cs typeface="Times New Roman" panose="02020603050405020304" pitchFamily="18" charset="0"/>
+              </a:rPr>
+              <a:t>văn</a:t>
+            </a:r>
+            <a:r>
+              <a:rPr lang="en-US" dirty="0">
+                <a:latin typeface="Times New Roman" panose="02020603050405020304" pitchFamily="18" charset="0"/>
+                <a:cs typeface="Times New Roman" panose="02020603050405020304" pitchFamily="18" charset="0"/>
+              </a:rPr>
+              <a:t> </a:t>
+            </a:r>
+            <a:r>
+              <a:rPr lang="en-US" dirty="0" err="1">
+                <a:latin typeface="Times New Roman" panose="02020603050405020304" pitchFamily="18" charset="0"/>
+                <a:cs typeface="Times New Roman" panose="02020603050405020304" pitchFamily="18" charset="0"/>
+              </a:rPr>
+              <a:t>bản</a:t>
+            </a:r>
+            <a:r>
+              <a:rPr lang="en-US" dirty="0">
+                <a:latin typeface="Times New Roman" panose="02020603050405020304" pitchFamily="18" charset="0"/>
+                <a:cs typeface="Times New Roman" panose="02020603050405020304" pitchFamily="18" charset="0"/>
+              </a:rPr>
+              <a:t> </a:t>
+            </a:r>
+            <a:r>
+              <a:rPr lang="en-US" dirty="0" err="1">
+                <a:latin typeface="Times New Roman" panose="02020603050405020304" pitchFamily="18" charset="0"/>
+                <a:cs typeface="Times New Roman" panose="02020603050405020304" pitchFamily="18" charset="0"/>
+              </a:rPr>
+              <a:t>thành</a:t>
+            </a:r>
+            <a:r>
+              <a:rPr lang="en-US" dirty="0">
+                <a:latin typeface="Times New Roman" panose="02020603050405020304" pitchFamily="18" charset="0"/>
+                <a:cs typeface="Times New Roman" panose="02020603050405020304" pitchFamily="18" charset="0"/>
+              </a:rPr>
+              <a:t> </a:t>
+            </a:r>
+            <a:r>
+              <a:rPr lang="en-US" dirty="0" err="1">
+                <a:latin typeface="Times New Roman" panose="02020603050405020304" pitchFamily="18" charset="0"/>
+                <a:cs typeface="Times New Roman" panose="02020603050405020304" pitchFamily="18" charset="0"/>
+              </a:rPr>
+              <a:t>từng</a:t>
+            </a:r>
+            <a:r>
+              <a:rPr lang="en-US" dirty="0">
+                <a:latin typeface="Times New Roman" panose="02020603050405020304" pitchFamily="18" charset="0"/>
+                <a:cs typeface="Times New Roman" panose="02020603050405020304" pitchFamily="18" charset="0"/>
+              </a:rPr>
+              <a:t> </a:t>
+            </a:r>
+            <a:r>
+              <a:rPr lang="en-US" dirty="0" err="1">
+                <a:latin typeface="Times New Roman" panose="02020603050405020304" pitchFamily="18" charset="0"/>
+                <a:cs typeface="Times New Roman" panose="02020603050405020304" pitchFamily="18" charset="0"/>
+              </a:rPr>
+              <a:t>câu</a:t>
+            </a:r>
+            <a:r>
+              <a:rPr lang="en-US" dirty="0">
+                <a:latin typeface="Times New Roman" panose="02020603050405020304" pitchFamily="18" charset="0"/>
+                <a:cs typeface="Times New Roman" panose="02020603050405020304" pitchFamily="18" charset="0"/>
+              </a:rPr>
+              <a:t> </a:t>
+            </a:r>
+            <a:r>
+              <a:rPr lang="en-US" dirty="0" err="1">
+                <a:latin typeface="Times New Roman" panose="02020603050405020304" pitchFamily="18" charset="0"/>
+                <a:cs typeface="Times New Roman" panose="02020603050405020304" pitchFamily="18" charset="0"/>
+              </a:rPr>
+              <a:t>bằng</a:t>
+            </a:r>
+            <a:r>
+              <a:rPr lang="en-US" dirty="0">
+                <a:latin typeface="Times New Roman" panose="02020603050405020304" pitchFamily="18" charset="0"/>
+                <a:cs typeface="Times New Roman" panose="02020603050405020304" pitchFamily="18" charset="0"/>
+              </a:rPr>
+              <a:t> </a:t>
+            </a:r>
+            <a:r>
+              <a:rPr lang="en-US" dirty="0" err="1">
+                <a:latin typeface="Times New Roman" panose="02020603050405020304" pitchFamily="18" charset="0"/>
+                <a:cs typeface="Times New Roman" panose="02020603050405020304" pitchFamily="18" charset="0"/>
+              </a:rPr>
+              <a:t>các</a:t>
+            </a:r>
+            <a:r>
+              <a:rPr lang="en-US" dirty="0">
+                <a:latin typeface="Times New Roman" panose="02020603050405020304" pitchFamily="18" charset="0"/>
+                <a:cs typeface="Times New Roman" panose="02020603050405020304" pitchFamily="18" charset="0"/>
+              </a:rPr>
+              <a:t> sentence boundary detection (</a:t>
+            </a:r>
+            <a:r>
+              <a:rPr lang="en-US" dirty="0" err="1">
+                <a:latin typeface="Times New Roman" panose="02020603050405020304" pitchFamily="18" charset="0"/>
+                <a:cs typeface="Times New Roman" panose="02020603050405020304" pitchFamily="18" charset="0"/>
+              </a:rPr>
+              <a:t>th</a:t>
+            </a:r>
+            <a:r>
+              <a:rPr lang="vi-VN" dirty="0">
+                <a:latin typeface="Times New Roman" panose="02020603050405020304" pitchFamily="18" charset="0"/>
+                <a:cs typeface="Times New Roman" panose="02020603050405020304" pitchFamily="18" charset="0"/>
+              </a:rPr>
+              <a:t>ư</a:t>
+            </a:r>
+            <a:r>
+              <a:rPr lang="en-US" dirty="0" err="1">
+                <a:latin typeface="Times New Roman" panose="02020603050405020304" pitchFamily="18" charset="0"/>
+                <a:cs typeface="Times New Roman" panose="02020603050405020304" pitchFamily="18" charset="0"/>
+              </a:rPr>
+              <a:t>ờng</a:t>
+            </a:r>
+            <a:r>
+              <a:rPr lang="en-US" dirty="0">
+                <a:latin typeface="Times New Roman" panose="02020603050405020304" pitchFamily="18" charset="0"/>
+                <a:cs typeface="Times New Roman" panose="02020603050405020304" pitchFamily="18" charset="0"/>
+              </a:rPr>
+              <a:t> </a:t>
+            </a:r>
+            <a:r>
+              <a:rPr lang="en-US" dirty="0" err="1">
+                <a:latin typeface="Times New Roman" panose="02020603050405020304" pitchFamily="18" charset="0"/>
+                <a:cs typeface="Times New Roman" panose="02020603050405020304" pitchFamily="18" charset="0"/>
+              </a:rPr>
+              <a:t>là</a:t>
+            </a:r>
+            <a:r>
+              <a:rPr lang="en-US" dirty="0">
+                <a:latin typeface="Times New Roman" panose="02020603050405020304" pitchFamily="18" charset="0"/>
+                <a:cs typeface="Times New Roman" panose="02020603050405020304" pitchFamily="18" charset="0"/>
+              </a:rPr>
+              <a:t> </a:t>
+            </a:r>
+            <a:r>
+              <a:rPr lang="en-US" dirty="0" err="1">
+                <a:latin typeface="Times New Roman" panose="02020603050405020304" pitchFamily="18" charset="0"/>
+                <a:cs typeface="Times New Roman" panose="02020603050405020304" pitchFamily="18" charset="0"/>
+              </a:rPr>
+              <a:t>dấu</a:t>
+            </a:r>
+            <a:r>
+              <a:rPr lang="en-US" dirty="0">
+                <a:latin typeface="Times New Roman" panose="02020603050405020304" pitchFamily="18" charset="0"/>
+                <a:cs typeface="Times New Roman" panose="02020603050405020304" pitchFamily="18" charset="0"/>
+              </a:rPr>
+              <a:t> </a:t>
+            </a:r>
+            <a:r>
+              <a:rPr lang="en-US" dirty="0" err="1">
+                <a:latin typeface="Times New Roman" panose="02020603050405020304" pitchFamily="18" charset="0"/>
+                <a:cs typeface="Times New Roman" panose="02020603050405020304" pitchFamily="18" charset="0"/>
+              </a:rPr>
+              <a:t>chấm</a:t>
+            </a:r>
+            <a:r>
+              <a:rPr lang="en-US" dirty="0">
+                <a:latin typeface="Times New Roman" panose="02020603050405020304" pitchFamily="18" charset="0"/>
+                <a:cs typeface="Times New Roman" panose="02020603050405020304" pitchFamily="18" charset="0"/>
+              </a:rPr>
+              <a:t> </a:t>
+            </a:r>
+            <a:r>
+              <a:rPr lang="en-US" dirty="0" err="1">
+                <a:latin typeface="Times New Roman" panose="02020603050405020304" pitchFamily="18" charset="0"/>
+                <a:cs typeface="Times New Roman" panose="02020603050405020304" pitchFamily="18" charset="0"/>
+              </a:rPr>
+              <a:t>câu</a:t>
+            </a:r>
+            <a:r>
+              <a:rPr lang="en-US" dirty="0">
+                <a:latin typeface="Times New Roman" panose="02020603050405020304" pitchFamily="18" charset="0"/>
+                <a:cs typeface="Times New Roman" panose="02020603050405020304" pitchFamily="18" charset="0"/>
+              </a:rPr>
+              <a:t>)</a:t>
+            </a:r>
+          </a:p>
+          <a:p>
+            <a:endParaRPr lang="en-US" dirty="0">
+              <a:latin typeface="Times New Roman" panose="02020603050405020304" pitchFamily="18" charset="0"/>
+              <a:cs typeface="Times New Roman" panose="02020603050405020304" pitchFamily="18" charset="0"/>
+            </a:endParaRPr>
+          </a:p>
+        </p:txBody>
+      </p:sp>
+      <p:sp>
+        <p:nvSpPr>
+          <p:cNvPr id="4" name="Title 1">
+            <a:extLst>
+              <a:ext uri="{FF2B5EF4-FFF2-40B4-BE49-F238E27FC236}">
+                <a16:creationId xmlns:a16="http://schemas.microsoft.com/office/drawing/2014/main" id="{AF1CA3CF-B47B-4E45-BDAB-6D8E8590E04C}"/>
+              </a:ext>
+            </a:extLst>
+          </p:cNvPr>
+          <p:cNvSpPr>
+            <a:spLocks noGrp="1"/>
+          </p:cNvSpPr>
+          <p:nvPr>
+            <p:ph type="title"/>
+          </p:nvPr>
+        </p:nvSpPr>
+        <p:spPr/>
+        <p:txBody>
+          <a:bodyPr/>
+          <a:lstStyle/>
+          <a:p>
+            <a:pPr algn="l"/>
+            <a:r>
+              <a:rPr lang="en-US" b="1" dirty="0">
+                <a:solidFill>
+                  <a:srgbClr val="0000FF"/>
+                </a:solidFill>
+                <a:latin typeface="Times New Roman" panose="02020603050405020304" pitchFamily="18" charset="0"/>
+                <a:cs typeface="Times New Roman" panose="02020603050405020304" pitchFamily="18" charset="0"/>
+              </a:rPr>
+              <a:t>Tokenization/ Sentence Segmentation</a:t>
+            </a:r>
+          </a:p>
+        </p:txBody>
+      </p:sp>
+    </p:spTree>
+    <p:extLst>
+      <p:ext uri="{BB962C8B-B14F-4D97-AF65-F5344CB8AC3E}">
+        <p14:creationId xmlns:p14="http://schemas.microsoft.com/office/powerpoint/2010/main" val="992221799"/>
+      </p:ext>
+    </p:extLst>
+  </p:cSld>
+  <p:clrMapOvr>
+    <a:masterClrMapping/>
+  </p:clrMapOvr>
+</p:sld>
+</file>
+
+<file path=ppt/slides/slide9.xml><?xml version="1.0" encoding="utf-8"?>
+<p:sld xmlns:a="http://schemas.openxmlformats.org/drawingml/2006/main" xmlns:r="http://schemas.openxmlformats.org/officeDocument/2006/relationships" xmlns:p="http://schemas.openxmlformats.org/presentationml/2006/main">
+  <p:cSld>
+    <p:spTree>
+      <p:nvGrpSpPr>
+        <p:cNvPr id="1" name=""/>
+        <p:cNvGrpSpPr/>
+        <p:nvPr/>
+      </p:nvGrpSpPr>
+      <p:grpSpPr>
+        <a:xfrm>
+          <a:off x="0" y="0"/>
+          <a:ext cx="0" cy="0"/>
+          <a:chOff x="0" y="0"/>
+          <a:chExt cx="0" cy="0"/>
+        </a:xfrm>
+      </p:grpSpPr>
+      <p:sp>
+        <p:nvSpPr>
+          <p:cNvPr id="3" name="Content Placeholder 2">
+            <a:extLst>
+              <a:ext uri="{FF2B5EF4-FFF2-40B4-BE49-F238E27FC236}">
+                <a16:creationId xmlns:a16="http://schemas.microsoft.com/office/drawing/2014/main" id="{77CB0060-EA5E-40CD-87BE-643EDBDB86B0}"/>
+              </a:ext>
+            </a:extLst>
+          </p:cNvPr>
+          <p:cNvSpPr>
+            <a:spLocks noGrp="1"/>
+          </p:cNvSpPr>
+          <p:nvPr>
+            <p:ph idx="1"/>
+          </p:nvPr>
+        </p:nvSpPr>
+        <p:spPr>
+          <a:xfrm>
+            <a:off x="1484310" y="2573383"/>
+            <a:ext cx="10018713" cy="3596640"/>
+          </a:xfrm>
+        </p:spPr>
+        <p:txBody>
+          <a:bodyPr>
+            <a:noAutofit/>
+          </a:bodyPr>
+          <a:lstStyle/>
+          <a:p>
+            <a:pPr lvl="1">
+              <a:buFont typeface="Arial" panose="020B0604020202020204" pitchFamily="34" charset="0"/>
+              <a:buChar char="•"/>
+            </a:pPr>
+            <a:r>
+              <a:rPr lang="en-US" sz="2400" dirty="0" err="1">
+                <a:latin typeface="Times New Roman" panose="02020603050405020304" pitchFamily="18" charset="0"/>
+                <a:cs typeface="Times New Roman" panose="02020603050405020304" pitchFamily="18" charset="0"/>
+              </a:rPr>
+              <a:t>Tiếng</a:t>
+            </a:r>
+            <a:r>
+              <a:rPr lang="en-US" sz="2400" dirty="0">
+                <a:latin typeface="Times New Roman" panose="02020603050405020304" pitchFamily="18" charset="0"/>
+                <a:cs typeface="Times New Roman" panose="02020603050405020304" pitchFamily="18" charset="0"/>
+              </a:rPr>
+              <a:t> Anh </a:t>
+            </a:r>
+            <a:r>
+              <a:rPr lang="en-US" sz="2400" dirty="0" err="1">
+                <a:latin typeface="Times New Roman" panose="02020603050405020304" pitchFamily="18" charset="0"/>
+                <a:cs typeface="Times New Roman" panose="02020603050405020304" pitchFamily="18" charset="0"/>
+              </a:rPr>
+              <a:t>sử</a:t>
+            </a:r>
+            <a:r>
+              <a:rPr lang="en-US" sz="2400" dirty="0">
+                <a:latin typeface="Times New Roman" panose="02020603050405020304" pitchFamily="18" charset="0"/>
+                <a:cs typeface="Times New Roman" panose="02020603050405020304" pitchFamily="18" charset="0"/>
+              </a:rPr>
+              <a:t> </a:t>
+            </a:r>
+            <a:r>
+              <a:rPr lang="en-US" sz="2400" dirty="0" err="1">
+                <a:latin typeface="Times New Roman" panose="02020603050405020304" pitchFamily="18" charset="0"/>
+                <a:cs typeface="Times New Roman" panose="02020603050405020304" pitchFamily="18" charset="0"/>
+              </a:rPr>
+              <a:t>và</a:t>
+            </a:r>
+            <a:r>
+              <a:rPr lang="en-US" sz="2400" dirty="0">
+                <a:latin typeface="Times New Roman" panose="02020603050405020304" pitchFamily="18" charset="0"/>
+                <a:cs typeface="Times New Roman" panose="02020603050405020304" pitchFamily="18" charset="0"/>
+              </a:rPr>
+              <a:t> </a:t>
+            </a:r>
+            <a:r>
+              <a:rPr lang="en-US" sz="2400" dirty="0" err="1">
+                <a:latin typeface="Times New Roman" panose="02020603050405020304" pitchFamily="18" charset="0"/>
+                <a:cs typeface="Times New Roman" panose="02020603050405020304" pitchFamily="18" charset="0"/>
+              </a:rPr>
+              <a:t>nhiều</a:t>
+            </a:r>
+            <a:r>
+              <a:rPr lang="en-US" sz="2400" dirty="0">
+                <a:latin typeface="Times New Roman" panose="02020603050405020304" pitchFamily="18" charset="0"/>
+                <a:cs typeface="Times New Roman" panose="02020603050405020304" pitchFamily="18" charset="0"/>
+              </a:rPr>
+              <a:t> </a:t>
+            </a:r>
+            <a:r>
+              <a:rPr lang="en-US" sz="2400" dirty="0" err="1">
+                <a:latin typeface="Times New Roman" panose="02020603050405020304" pitchFamily="18" charset="0"/>
+                <a:cs typeface="Times New Roman" panose="02020603050405020304" pitchFamily="18" charset="0"/>
+              </a:rPr>
+              <a:t>ngôn</a:t>
+            </a:r>
+            <a:r>
+              <a:rPr lang="en-US" sz="2400" dirty="0">
+                <a:latin typeface="Times New Roman" panose="02020603050405020304" pitchFamily="18" charset="0"/>
+                <a:cs typeface="Times New Roman" panose="02020603050405020304" pitchFamily="18" charset="0"/>
+              </a:rPr>
+              <a:t> </a:t>
+            </a:r>
+            <a:r>
+              <a:rPr lang="en-US" sz="2400" dirty="0" err="1">
+                <a:latin typeface="Times New Roman" panose="02020603050405020304" pitchFamily="18" charset="0"/>
+                <a:cs typeface="Times New Roman" panose="02020603050405020304" pitchFamily="18" charset="0"/>
+              </a:rPr>
+              <a:t>ngữ</a:t>
+            </a:r>
+            <a:r>
+              <a:rPr lang="en-US" sz="2400" dirty="0">
+                <a:latin typeface="Times New Roman" panose="02020603050405020304" pitchFamily="18" charset="0"/>
+                <a:cs typeface="Times New Roman" panose="02020603050405020304" pitchFamily="18" charset="0"/>
+              </a:rPr>
+              <a:t> </a:t>
+            </a:r>
+            <a:r>
+              <a:rPr lang="en-US" sz="2400" dirty="0" err="1">
+                <a:latin typeface="Times New Roman" panose="02020603050405020304" pitchFamily="18" charset="0"/>
+                <a:cs typeface="Times New Roman" panose="02020603050405020304" pitchFamily="18" charset="0"/>
+              </a:rPr>
+              <a:t>sử</a:t>
+            </a:r>
+            <a:r>
+              <a:rPr lang="en-US" sz="2400" dirty="0">
+                <a:latin typeface="Times New Roman" panose="02020603050405020304" pitchFamily="18" charset="0"/>
+                <a:cs typeface="Times New Roman" panose="02020603050405020304" pitchFamily="18" charset="0"/>
+              </a:rPr>
+              <a:t> </a:t>
+            </a:r>
+            <a:r>
+              <a:rPr lang="en-US" sz="2400" dirty="0" err="1">
+                <a:latin typeface="Times New Roman" panose="02020603050405020304" pitchFamily="18" charset="0"/>
+                <a:cs typeface="Times New Roman" panose="02020603050405020304" pitchFamily="18" charset="0"/>
+              </a:rPr>
+              <a:t>dụng</a:t>
+            </a:r>
+            <a:r>
+              <a:rPr lang="en-US" sz="2400" dirty="0">
+                <a:latin typeface="Times New Roman" panose="02020603050405020304" pitchFamily="18" charset="0"/>
+                <a:cs typeface="Times New Roman" panose="02020603050405020304" pitchFamily="18" charset="0"/>
+              </a:rPr>
+              <a:t> </a:t>
+            </a:r>
+            <a:r>
+              <a:rPr lang="en-US" sz="2400" dirty="0" err="1">
+                <a:latin typeface="Times New Roman" panose="02020603050405020304" pitchFamily="18" charset="0"/>
+                <a:cs typeface="Times New Roman" panose="02020603050405020304" pitchFamily="18" charset="0"/>
+              </a:rPr>
+              <a:t>khoảng</a:t>
+            </a:r>
+            <a:r>
+              <a:rPr lang="en-US" sz="2400" dirty="0">
+                <a:latin typeface="Times New Roman" panose="02020603050405020304" pitchFamily="18" charset="0"/>
+                <a:cs typeface="Times New Roman" panose="02020603050405020304" pitchFamily="18" charset="0"/>
+              </a:rPr>
+              <a:t> </a:t>
+            </a:r>
+            <a:r>
+              <a:rPr lang="en-US" sz="2400" dirty="0" err="1">
+                <a:latin typeface="Times New Roman" panose="02020603050405020304" pitchFamily="18" charset="0"/>
+                <a:cs typeface="Times New Roman" panose="02020603050405020304" pitchFamily="18" charset="0"/>
+              </a:rPr>
+              <a:t>trắng</a:t>
+            </a:r>
+            <a:r>
+              <a:rPr lang="en-US" sz="2400" dirty="0">
+                <a:latin typeface="Times New Roman" panose="02020603050405020304" pitchFamily="18" charset="0"/>
+                <a:cs typeface="Times New Roman" panose="02020603050405020304" pitchFamily="18" charset="0"/>
+              </a:rPr>
+              <a:t> </a:t>
+            </a:r>
+            <a:r>
+              <a:rPr lang="en-US" sz="2400" dirty="0" err="1">
+                <a:latin typeface="Times New Roman" panose="02020603050405020304" pitchFamily="18" charset="0"/>
+                <a:cs typeface="Times New Roman" panose="02020603050405020304" pitchFamily="18" charset="0"/>
+              </a:rPr>
+              <a:t>để</a:t>
+            </a:r>
+            <a:r>
+              <a:rPr lang="en-US" sz="2400" dirty="0">
+                <a:latin typeface="Times New Roman" panose="02020603050405020304" pitchFamily="18" charset="0"/>
+                <a:cs typeface="Times New Roman" panose="02020603050405020304" pitchFamily="18" charset="0"/>
+              </a:rPr>
+              <a:t> </a:t>
+            </a:r>
+            <a:r>
+              <a:rPr lang="en-US" sz="2400" dirty="0" err="1">
+                <a:latin typeface="Times New Roman" panose="02020603050405020304" pitchFamily="18" charset="0"/>
+                <a:cs typeface="Times New Roman" panose="02020603050405020304" pitchFamily="18" charset="0"/>
+              </a:rPr>
+              <a:t>phân</a:t>
+            </a:r>
+            <a:r>
+              <a:rPr lang="en-US" sz="2400" dirty="0">
+                <a:latin typeface="Times New Roman" panose="02020603050405020304" pitchFamily="18" charset="0"/>
+                <a:cs typeface="Times New Roman" panose="02020603050405020304" pitchFamily="18" charset="0"/>
+              </a:rPr>
+              <a:t> </a:t>
+            </a:r>
+            <a:r>
+              <a:rPr lang="en-US" sz="2400" dirty="0" err="1">
+                <a:latin typeface="Times New Roman" panose="02020603050405020304" pitchFamily="18" charset="0"/>
+                <a:cs typeface="Times New Roman" panose="02020603050405020304" pitchFamily="18" charset="0"/>
+              </a:rPr>
+              <a:t>cách</a:t>
+            </a:r>
+            <a:r>
+              <a:rPr lang="en-US" sz="2400" dirty="0">
+                <a:latin typeface="Times New Roman" panose="02020603050405020304" pitchFamily="18" charset="0"/>
+                <a:cs typeface="Times New Roman" panose="02020603050405020304" pitchFamily="18" charset="0"/>
+              </a:rPr>
+              <a:t> </a:t>
+            </a:r>
+            <a:r>
+              <a:rPr lang="en-US" sz="2400" dirty="0" err="1">
+                <a:latin typeface="Times New Roman" panose="02020603050405020304" pitchFamily="18" charset="0"/>
+                <a:cs typeface="Times New Roman" panose="02020603050405020304" pitchFamily="18" charset="0"/>
+              </a:rPr>
+              <a:t>từ</a:t>
+            </a:r>
+            <a:r>
+              <a:rPr lang="en-US" sz="2400" dirty="0">
+                <a:latin typeface="Times New Roman" panose="02020603050405020304" pitchFamily="18" charset="0"/>
+                <a:cs typeface="Times New Roman" panose="02020603050405020304" pitchFamily="18" charset="0"/>
+              </a:rPr>
+              <a:t>. </a:t>
+            </a:r>
+            <a:r>
+              <a:rPr lang="en-US" sz="2400" dirty="0" err="1">
+                <a:latin typeface="Times New Roman" panose="02020603050405020304" pitchFamily="18" charset="0"/>
+                <a:cs typeface="Times New Roman" panose="02020603050405020304" pitchFamily="18" charset="0"/>
+              </a:rPr>
+              <a:t>Một</a:t>
+            </a:r>
+            <a:r>
+              <a:rPr lang="en-US" sz="2400" dirty="0">
+                <a:latin typeface="Times New Roman" panose="02020603050405020304" pitchFamily="18" charset="0"/>
+                <a:cs typeface="Times New Roman" panose="02020603050405020304" pitchFamily="18" charset="0"/>
+              </a:rPr>
+              <a:t> </a:t>
+            </a:r>
+            <a:r>
+              <a:rPr lang="en-US" sz="2400" dirty="0" err="1">
+                <a:latin typeface="Times New Roman" panose="02020603050405020304" pitchFamily="18" charset="0"/>
+                <a:cs typeface="Times New Roman" panose="02020603050405020304" pitchFamily="18" charset="0"/>
+              </a:rPr>
+              <a:t>số</a:t>
+            </a:r>
+            <a:r>
+              <a:rPr lang="en-US" sz="2400" dirty="0">
+                <a:latin typeface="Times New Roman" panose="02020603050405020304" pitchFamily="18" charset="0"/>
+                <a:cs typeface="Times New Roman" panose="02020603050405020304" pitchFamily="18" charset="0"/>
+              </a:rPr>
+              <a:t> </a:t>
+            </a:r>
+            <a:r>
+              <a:rPr lang="en-US" sz="2400" dirty="0" err="1">
+                <a:latin typeface="Times New Roman" panose="02020603050405020304" pitchFamily="18" charset="0"/>
+                <a:cs typeface="Times New Roman" panose="02020603050405020304" pitchFamily="18" charset="0"/>
+              </a:rPr>
+              <a:t>ngôn</a:t>
+            </a:r>
+            <a:r>
+              <a:rPr lang="en-US" sz="2400" dirty="0">
+                <a:latin typeface="Times New Roman" panose="02020603050405020304" pitchFamily="18" charset="0"/>
+                <a:cs typeface="Times New Roman" panose="02020603050405020304" pitchFamily="18" charset="0"/>
+              </a:rPr>
+              <a:t> </a:t>
+            </a:r>
+            <a:r>
+              <a:rPr lang="en-US" sz="2400" dirty="0" err="1">
+                <a:latin typeface="Times New Roman" panose="02020603050405020304" pitchFamily="18" charset="0"/>
+                <a:cs typeface="Times New Roman" panose="02020603050405020304" pitchFamily="18" charset="0"/>
+              </a:rPr>
+              <a:t>ngữ</a:t>
+            </a:r>
+            <a:r>
+              <a:rPr lang="en-US" sz="2400" dirty="0">
+                <a:latin typeface="Times New Roman" panose="02020603050405020304" pitchFamily="18" charset="0"/>
+                <a:cs typeface="Times New Roman" panose="02020603050405020304" pitchFamily="18" charset="0"/>
+              </a:rPr>
+              <a:t> </a:t>
+            </a:r>
+            <a:r>
+              <a:rPr lang="en-US" sz="2400" dirty="0" err="1">
+                <a:latin typeface="Times New Roman" panose="02020603050405020304" pitchFamily="18" charset="0"/>
+                <a:cs typeface="Times New Roman" panose="02020603050405020304" pitchFamily="18" charset="0"/>
+              </a:rPr>
+              <a:t>khác</a:t>
+            </a:r>
+            <a:r>
+              <a:rPr lang="en-US" sz="2400" dirty="0">
+                <a:latin typeface="Times New Roman" panose="02020603050405020304" pitchFamily="18" charset="0"/>
+                <a:cs typeface="Times New Roman" panose="02020603050405020304" pitchFamily="18" charset="0"/>
+              </a:rPr>
+              <a:t> </a:t>
+            </a:r>
+            <a:r>
+              <a:rPr lang="en-US" sz="2400" dirty="0" err="1">
+                <a:latin typeface="Times New Roman" panose="02020603050405020304" pitchFamily="18" charset="0"/>
+                <a:cs typeface="Times New Roman" panose="02020603050405020304" pitchFamily="18" charset="0"/>
+              </a:rPr>
+              <a:t>nh</a:t>
+            </a:r>
+            <a:r>
+              <a:rPr lang="vi-VN" sz="2400" dirty="0">
+                <a:latin typeface="Times New Roman" panose="02020603050405020304" pitchFamily="18" charset="0"/>
+                <a:cs typeface="Times New Roman" panose="02020603050405020304" pitchFamily="18" charset="0"/>
+              </a:rPr>
+              <a:t>ư</a:t>
+            </a:r>
+            <a:r>
+              <a:rPr lang="en-US" sz="2400" dirty="0">
+                <a:latin typeface="Times New Roman" panose="02020603050405020304" pitchFamily="18" charset="0"/>
+                <a:cs typeface="Times New Roman" panose="02020603050405020304" pitchFamily="18" charset="0"/>
+              </a:rPr>
+              <a:t> </a:t>
+            </a:r>
+            <a:r>
+              <a:rPr lang="en-US" sz="2400" dirty="0" err="1">
+                <a:latin typeface="Times New Roman" panose="02020603050405020304" pitchFamily="18" charset="0"/>
+                <a:cs typeface="Times New Roman" panose="02020603050405020304" pitchFamily="18" charset="0"/>
+              </a:rPr>
+              <a:t>Nhật</a:t>
+            </a:r>
+            <a:r>
+              <a:rPr lang="en-US" sz="2400" dirty="0">
+                <a:latin typeface="Times New Roman" panose="02020603050405020304" pitchFamily="18" charset="0"/>
+                <a:cs typeface="Times New Roman" panose="02020603050405020304" pitchFamily="18" charset="0"/>
+              </a:rPr>
+              <a:t>, </a:t>
+            </a:r>
+            <a:r>
+              <a:rPr lang="en-US" sz="2400" dirty="0" err="1">
+                <a:latin typeface="Times New Roman" panose="02020603050405020304" pitchFamily="18" charset="0"/>
+                <a:cs typeface="Times New Roman" panose="02020603050405020304" pitchFamily="18" charset="0"/>
+              </a:rPr>
+              <a:t>Trung</a:t>
+            </a:r>
+            <a:r>
+              <a:rPr lang="en-US" sz="2400" dirty="0">
+                <a:latin typeface="Times New Roman" panose="02020603050405020304" pitchFamily="18" charset="0"/>
+                <a:cs typeface="Times New Roman" panose="02020603050405020304" pitchFamily="18" charset="0"/>
+              </a:rPr>
+              <a:t> </a:t>
+            </a:r>
+            <a:r>
+              <a:rPr lang="en-US" sz="2400" dirty="0" err="1">
+                <a:latin typeface="Times New Roman" panose="02020603050405020304" pitchFamily="18" charset="0"/>
+                <a:cs typeface="Times New Roman" panose="02020603050405020304" pitchFamily="18" charset="0"/>
+              </a:rPr>
+              <a:t>Quốc</a:t>
+            </a:r>
+            <a:r>
+              <a:rPr lang="en-US" sz="2400" dirty="0">
+                <a:latin typeface="Times New Roman" panose="02020603050405020304" pitchFamily="18" charset="0"/>
+                <a:cs typeface="Times New Roman" panose="02020603050405020304" pitchFamily="18" charset="0"/>
+              </a:rPr>
+              <a:t>,… </a:t>
+            </a:r>
+            <a:r>
+              <a:rPr lang="en-US" sz="2400" dirty="0" err="1">
+                <a:latin typeface="Times New Roman" panose="02020603050405020304" pitchFamily="18" charset="0"/>
+                <a:cs typeface="Times New Roman" panose="02020603050405020304" pitchFamily="18" charset="0"/>
+              </a:rPr>
+              <a:t>thì</a:t>
+            </a:r>
+            <a:r>
+              <a:rPr lang="en-US" sz="2400" dirty="0">
+                <a:latin typeface="Times New Roman" panose="02020603050405020304" pitchFamily="18" charset="0"/>
+                <a:cs typeface="Times New Roman" panose="02020603050405020304" pitchFamily="18" charset="0"/>
+              </a:rPr>
+              <a:t> </a:t>
+            </a:r>
+            <a:r>
+              <a:rPr lang="en-US" sz="2400" dirty="0" err="1">
+                <a:latin typeface="Times New Roman" panose="02020603050405020304" pitchFamily="18" charset="0"/>
+                <a:cs typeface="Times New Roman" panose="02020603050405020304" pitchFamily="18" charset="0"/>
+              </a:rPr>
+              <a:t>không</a:t>
+            </a:r>
+            <a:r>
+              <a:rPr lang="en-US" sz="2400" dirty="0">
+                <a:latin typeface="Times New Roman" panose="02020603050405020304" pitchFamily="18" charset="0"/>
+                <a:cs typeface="Times New Roman" panose="02020603050405020304" pitchFamily="18" charset="0"/>
+              </a:rPr>
+              <a:t> </a:t>
+            </a:r>
+            <a:r>
+              <a:rPr lang="en-US" sz="2400" dirty="0" err="1">
+                <a:latin typeface="Times New Roman" panose="02020603050405020304" pitchFamily="18" charset="0"/>
+                <a:cs typeface="Times New Roman" panose="02020603050405020304" pitchFamily="18" charset="0"/>
+              </a:rPr>
+              <a:t>có</a:t>
+            </a:r>
+            <a:r>
+              <a:rPr lang="en-US" sz="2400" dirty="0">
+                <a:latin typeface="Times New Roman" panose="02020603050405020304" pitchFamily="18" charset="0"/>
+                <a:cs typeface="Times New Roman" panose="02020603050405020304" pitchFamily="18" charset="0"/>
+              </a:rPr>
+              <a:t> </a:t>
+            </a:r>
+            <a:r>
+              <a:rPr lang="en-US" sz="2400" dirty="0">
+                <a:latin typeface="Times New Roman" panose="02020603050405020304" pitchFamily="18" charset="0"/>
+                <a:cs typeface="Times New Roman" panose="02020603050405020304" pitchFamily="18" charset="0"/>
+                <a:sym typeface="Wingdings" panose="05000000000000000000" pitchFamily="2" charset="2"/>
+              </a:rPr>
+              <a:t> </a:t>
+            </a:r>
+            <a:r>
+              <a:rPr lang="en-US" sz="2400" dirty="0" err="1">
+                <a:latin typeface="Times New Roman" panose="02020603050405020304" pitchFamily="18" charset="0"/>
+                <a:cs typeface="Times New Roman" panose="02020603050405020304" pitchFamily="18" charset="0"/>
+                <a:sym typeface="Wingdings" panose="05000000000000000000" pitchFamily="2" charset="2"/>
+              </a:rPr>
+              <a:t>Khó</a:t>
+            </a:r>
+            <a:r>
+              <a:rPr lang="en-US" sz="2400" dirty="0">
+                <a:latin typeface="Times New Roman" panose="02020603050405020304" pitchFamily="18" charset="0"/>
+                <a:cs typeface="Times New Roman" panose="02020603050405020304" pitchFamily="18" charset="0"/>
+                <a:sym typeface="Wingdings" panose="05000000000000000000" pitchFamily="2" charset="2"/>
+              </a:rPr>
+              <a:t> </a:t>
+            </a:r>
+            <a:r>
+              <a:rPr lang="en-US" sz="2400" dirty="0" err="1">
+                <a:latin typeface="Times New Roman" panose="02020603050405020304" pitchFamily="18" charset="0"/>
+                <a:cs typeface="Times New Roman" panose="02020603050405020304" pitchFamily="18" charset="0"/>
+                <a:sym typeface="Wingdings" panose="05000000000000000000" pitchFamily="2" charset="2"/>
+              </a:rPr>
+              <a:t>khăn</a:t>
+            </a:r>
+            <a:r>
+              <a:rPr lang="en-US" sz="2400" dirty="0">
+                <a:latin typeface="Times New Roman" panose="02020603050405020304" pitchFamily="18" charset="0"/>
+                <a:cs typeface="Times New Roman" panose="02020603050405020304" pitchFamily="18" charset="0"/>
+                <a:sym typeface="Wingdings" panose="05000000000000000000" pitchFamily="2" charset="2"/>
+              </a:rPr>
+              <a:t> t</a:t>
+            </a:r>
+            <a:r>
+              <a:rPr lang="en-US" sz="2400" dirty="0">
+                <a:latin typeface="Times New Roman" panose="02020603050405020304" pitchFamily="18" charset="0"/>
+                <a:cs typeface="Times New Roman" panose="02020603050405020304" pitchFamily="18" charset="0"/>
+              </a:rPr>
+              <a:t>okenization: </a:t>
+            </a:r>
+            <a:endParaRPr lang="en-US" sz="2400" dirty="0">
+              <a:latin typeface="Times New Roman" panose="02020603050405020304" pitchFamily="18" charset="0"/>
+              <a:cs typeface="Times New Roman" panose="02020603050405020304" pitchFamily="18" charset="0"/>
+              <a:sym typeface="Wingdings" panose="05000000000000000000" pitchFamily="2" charset="2"/>
+            </a:endParaRPr>
+          </a:p>
+          <a:p>
+            <a:pPr lvl="1">
+              <a:buFont typeface="Arial" panose="020B0604020202020204" pitchFamily="34" charset="0"/>
+              <a:buChar char="•"/>
+            </a:pPr>
+            <a:r>
+              <a:rPr lang="en-US" sz="2400" dirty="0" err="1">
+                <a:latin typeface="Times New Roman" panose="02020603050405020304" pitchFamily="18" charset="0"/>
+                <a:cs typeface="Times New Roman" panose="02020603050405020304" pitchFamily="18" charset="0"/>
+                <a:sym typeface="Wingdings" panose="05000000000000000000" pitchFamily="2" charset="2"/>
+              </a:rPr>
+              <a:t>Ví</a:t>
+            </a:r>
+            <a:r>
+              <a:rPr lang="en-US" sz="2400" dirty="0">
+                <a:latin typeface="Times New Roman" panose="02020603050405020304" pitchFamily="18" charset="0"/>
+                <a:cs typeface="Times New Roman" panose="02020603050405020304" pitchFamily="18" charset="0"/>
+                <a:sym typeface="Wingdings" panose="05000000000000000000" pitchFamily="2" charset="2"/>
+              </a:rPr>
+              <a:t> </a:t>
+            </a:r>
+            <a:r>
+              <a:rPr lang="en-US" sz="2400" dirty="0" err="1">
+                <a:latin typeface="Times New Roman" panose="02020603050405020304" pitchFamily="18" charset="0"/>
+                <a:cs typeface="Times New Roman" panose="02020603050405020304" pitchFamily="18" charset="0"/>
+                <a:sym typeface="Wingdings" panose="05000000000000000000" pitchFamily="2" charset="2"/>
+              </a:rPr>
+              <a:t>dụ</a:t>
+            </a:r>
+            <a:r>
+              <a:rPr lang="en-US" sz="2400" dirty="0">
+                <a:latin typeface="Times New Roman" panose="02020603050405020304" pitchFamily="18" charset="0"/>
+                <a:cs typeface="Times New Roman" panose="02020603050405020304" pitchFamily="18" charset="0"/>
+                <a:sym typeface="Wingdings" panose="05000000000000000000" pitchFamily="2" charset="2"/>
+              </a:rPr>
+              <a:t>: </a:t>
+            </a:r>
+          </a:p>
+          <a:p>
+            <a:pPr marL="0" indent="0">
+              <a:buNone/>
+            </a:pPr>
+            <a:r>
+              <a:rPr lang="en-US" dirty="0">
+                <a:latin typeface="Times New Roman" panose="02020603050405020304" pitchFamily="18" charset="0"/>
+                <a:cs typeface="Times New Roman" panose="02020603050405020304" pitchFamily="18" charset="0"/>
+                <a:sym typeface="Wingdings" panose="05000000000000000000" pitchFamily="2" charset="2"/>
+              </a:rPr>
+              <a:t>		</a:t>
+            </a:r>
+            <a:r>
+              <a:rPr lang="en-US" dirty="0" err="1">
+                <a:latin typeface="Times New Roman" panose="02020603050405020304" pitchFamily="18" charset="0"/>
+                <a:cs typeface="Times New Roman" panose="02020603050405020304" pitchFamily="18" charset="0"/>
+                <a:sym typeface="Wingdings" panose="05000000000000000000" pitchFamily="2" charset="2"/>
+              </a:rPr>
+              <a:t>Tiếng</a:t>
+            </a:r>
+            <a:r>
+              <a:rPr lang="en-US" dirty="0">
+                <a:latin typeface="Times New Roman" panose="02020603050405020304" pitchFamily="18" charset="0"/>
+                <a:cs typeface="Times New Roman" panose="02020603050405020304" pitchFamily="18" charset="0"/>
+                <a:sym typeface="Wingdings" panose="05000000000000000000" pitchFamily="2" charset="2"/>
+              </a:rPr>
+              <a:t> Anh: This is a cat</a:t>
+            </a:r>
+          </a:p>
+          <a:p>
+            <a:pPr marL="0" indent="0">
+              <a:buNone/>
+            </a:pPr>
+            <a:r>
+              <a:rPr lang="en-US" dirty="0">
+                <a:latin typeface="Times New Roman" panose="02020603050405020304" pitchFamily="18" charset="0"/>
+                <a:cs typeface="Times New Roman" panose="02020603050405020304" pitchFamily="18" charset="0"/>
+                <a:sym typeface="Wingdings" panose="05000000000000000000" pitchFamily="2" charset="2"/>
+              </a:rPr>
+              <a:t>		</a:t>
+            </a:r>
+            <a:r>
+              <a:rPr lang="en-US" dirty="0" err="1">
+                <a:latin typeface="Times New Roman" panose="02020603050405020304" pitchFamily="18" charset="0"/>
+                <a:cs typeface="Times New Roman" panose="02020603050405020304" pitchFamily="18" charset="0"/>
+                <a:sym typeface="Wingdings" panose="05000000000000000000" pitchFamily="2" charset="2"/>
+              </a:rPr>
+              <a:t>Tiếng</a:t>
+            </a:r>
+            <a:r>
+              <a:rPr lang="en-US" dirty="0">
+                <a:latin typeface="Times New Roman" panose="02020603050405020304" pitchFamily="18" charset="0"/>
+                <a:cs typeface="Times New Roman" panose="02020603050405020304" pitchFamily="18" charset="0"/>
+                <a:sym typeface="Wingdings" panose="05000000000000000000" pitchFamily="2" charset="2"/>
+              </a:rPr>
+              <a:t> </a:t>
+            </a:r>
+            <a:r>
+              <a:rPr lang="en-US" dirty="0" err="1">
+                <a:latin typeface="Times New Roman" panose="02020603050405020304" pitchFamily="18" charset="0"/>
+                <a:cs typeface="Times New Roman" panose="02020603050405020304" pitchFamily="18" charset="0"/>
+                <a:sym typeface="Wingdings" panose="05000000000000000000" pitchFamily="2" charset="2"/>
+              </a:rPr>
+              <a:t>Nhật</a:t>
+            </a:r>
+            <a:r>
+              <a:rPr lang="en-US" dirty="0">
+                <a:latin typeface="Times New Roman" panose="02020603050405020304" pitchFamily="18" charset="0"/>
+                <a:cs typeface="Times New Roman" panose="02020603050405020304" pitchFamily="18" charset="0"/>
+                <a:sym typeface="Wingdings" panose="05000000000000000000" pitchFamily="2" charset="2"/>
+              </a:rPr>
+              <a:t>: </a:t>
+            </a:r>
+            <a:r>
+              <a:rPr lang="ja-JP" altLang="en-US" dirty="0">
+                <a:latin typeface="Times New Roman" panose="02020603050405020304" pitchFamily="18" charset="0"/>
+                <a:cs typeface="Times New Roman" panose="02020603050405020304" pitchFamily="18" charset="0"/>
+                <a:sym typeface="Wingdings" panose="05000000000000000000" pitchFamily="2" charset="2"/>
+              </a:rPr>
+              <a:t>これは犬です</a:t>
+            </a:r>
+          </a:p>
+          <a:p>
+            <a:endParaRPr lang="en-US" dirty="0">
+              <a:latin typeface="Times New Roman" panose="02020603050405020304" pitchFamily="18" charset="0"/>
+              <a:cs typeface="Times New Roman" panose="02020603050405020304" pitchFamily="18" charset="0"/>
+            </a:endParaRPr>
+          </a:p>
+        </p:txBody>
+      </p:sp>
+      <p:sp>
+        <p:nvSpPr>
+          <p:cNvPr id="4" name="Title 1">
+            <a:extLst>
+              <a:ext uri="{FF2B5EF4-FFF2-40B4-BE49-F238E27FC236}">
+                <a16:creationId xmlns:a16="http://schemas.microsoft.com/office/drawing/2014/main" id="{AF1CA3CF-B47B-4E45-BDAB-6D8E8590E04C}"/>
+              </a:ext>
+            </a:extLst>
+          </p:cNvPr>
+          <p:cNvSpPr>
+            <a:spLocks noGrp="1"/>
+          </p:cNvSpPr>
+          <p:nvPr>
+            <p:ph type="title"/>
+          </p:nvPr>
+        </p:nvSpPr>
+        <p:spPr/>
+        <p:txBody>
+          <a:bodyPr/>
+          <a:lstStyle/>
+          <a:p>
+            <a:pPr algn="l"/>
+            <a:r>
+              <a:rPr lang="en-US" b="1" dirty="0">
+                <a:solidFill>
+                  <a:srgbClr val="0000FF"/>
+                </a:solidFill>
+                <a:latin typeface="Times New Roman" panose="02020603050405020304" pitchFamily="18" charset="0"/>
+                <a:cs typeface="Times New Roman" panose="02020603050405020304" pitchFamily="18" charset="0"/>
+              </a:rPr>
+              <a:t>Tokenization/ Sentence Segmentation</a:t>
+            </a:r>
+          </a:p>
+        </p:txBody>
+      </p:sp>
+    </p:spTree>
+    <p:extLst>
+      <p:ext uri="{BB962C8B-B14F-4D97-AF65-F5344CB8AC3E}">
+        <p14:creationId xmlns:p14="http://schemas.microsoft.com/office/powerpoint/2010/main" val="301499303"/>
       </p:ext>
     </p:extLst>
   </p:cSld>

--- a/Seminar/Stanford_CoreNLP.pptx
+++ b/Seminar/Stanford_CoreNLP.pptx
@@ -5,7 +5,7 @@
     <p:sldMasterId id="2147483660" r:id="rId1"/>
   </p:sldMasterIdLst>
   <p:notesMasterIdLst>
-    <p:notesMasterId r:id="rId17"/>
+    <p:notesMasterId r:id="rId24"/>
   </p:notesMasterIdLst>
   <p:sldIdLst>
     <p:sldId id="256" r:id="rId2"/>
@@ -23,6 +23,13 @@
     <p:sldId id="265" r:id="rId14"/>
     <p:sldId id="266" r:id="rId15"/>
     <p:sldId id="267" r:id="rId16"/>
+    <p:sldId id="275" r:id="rId17"/>
+    <p:sldId id="276" r:id="rId18"/>
+    <p:sldId id="277" r:id="rId19"/>
+    <p:sldId id="278" r:id="rId20"/>
+    <p:sldId id="279" r:id="rId21"/>
+    <p:sldId id="280" r:id="rId22"/>
+    <p:sldId id="281" r:id="rId23"/>
   </p:sldIdLst>
   <p:sldSz cx="12192000" cy="6858000"/>
   <p:notesSz cx="6858000" cy="9144000"/>
@@ -3161,7 +3168,7 @@
           <a:p>
             <a:fld id="{063B485B-56CE-4234-859C-028E31A6017E}" type="datetimeFigureOut">
               <a:rPr lang="en-US" smtClean="0"/>
-              <a:t>5/14/2018</a:t>
+              <a:t>5/15/2018</a:t>
             </a:fld>
             <a:endParaRPr lang="en-US"/>
           </a:p>
@@ -4007,6 +4014,90 @@
     <p:extLst>
       <p:ext uri="{BB962C8B-B14F-4D97-AF65-F5344CB8AC3E}">
         <p14:creationId xmlns:p14="http://schemas.microsoft.com/office/powerpoint/2010/main" val="3815226250"/>
+      </p:ext>
+    </p:extLst>
+  </p:cSld>
+  <p:clrMapOvr>
+    <a:masterClrMapping/>
+  </p:clrMapOvr>
+</p:notes>
+</file>
+
+<file path=ppt/notesSlides/notesSlide8.xml><?xml version="1.0" encoding="utf-8"?>
+<p:notes xmlns:a="http://schemas.openxmlformats.org/drawingml/2006/main" xmlns:r="http://schemas.openxmlformats.org/officeDocument/2006/relationships" xmlns:p="http://schemas.openxmlformats.org/presentationml/2006/main">
+  <p:cSld>
+    <p:spTree>
+      <p:nvGrpSpPr>
+        <p:cNvPr id="1" name=""/>
+        <p:cNvGrpSpPr/>
+        <p:nvPr/>
+      </p:nvGrpSpPr>
+      <p:grpSpPr>
+        <a:xfrm>
+          <a:off x="0" y="0"/>
+          <a:ext cx="0" cy="0"/>
+          <a:chOff x="0" y="0"/>
+          <a:chExt cx="0" cy="0"/>
+        </a:xfrm>
+      </p:grpSpPr>
+      <p:sp>
+        <p:nvSpPr>
+          <p:cNvPr id="2" name="Slide Image Placeholder 1"/>
+          <p:cNvSpPr>
+            <a:spLocks noGrp="1" noRot="1" noChangeAspect="1"/>
+          </p:cNvSpPr>
+          <p:nvPr>
+            <p:ph type="sldImg"/>
+          </p:nvPr>
+        </p:nvSpPr>
+        <p:spPr/>
+      </p:sp>
+      <p:sp>
+        <p:nvSpPr>
+          <p:cNvPr id="3" name="Notes Placeholder 2"/>
+          <p:cNvSpPr>
+            <a:spLocks noGrp="1"/>
+          </p:cNvSpPr>
+          <p:nvPr>
+            <p:ph type="body" idx="1"/>
+          </p:nvPr>
+        </p:nvSpPr>
+        <p:spPr/>
+        <p:txBody>
+          <a:bodyPr/>
+          <a:lstStyle/>
+          <a:p>
+            <a:endParaRPr lang="en-US" dirty="0"/>
+          </a:p>
+        </p:txBody>
+      </p:sp>
+      <p:sp>
+        <p:nvSpPr>
+          <p:cNvPr id="4" name="Slide Number Placeholder 3"/>
+          <p:cNvSpPr>
+            <a:spLocks noGrp="1"/>
+          </p:cNvSpPr>
+          <p:nvPr>
+            <p:ph type="sldNum" sz="quarter" idx="10"/>
+          </p:nvPr>
+        </p:nvSpPr>
+        <p:spPr/>
+        <p:txBody>
+          <a:bodyPr/>
+          <a:lstStyle/>
+          <a:p>
+            <a:fld id="{415931D0-8F45-45FA-A05E-D11DF5C9AD02}" type="slidenum">
+              <a:rPr lang="en-US" smtClean="0"/>
+              <a:t>19</a:t>
+            </a:fld>
+            <a:endParaRPr lang="en-US"/>
+          </a:p>
+        </p:txBody>
+      </p:sp>
+    </p:spTree>
+    <p:extLst>
+      <p:ext uri="{BB962C8B-B14F-4D97-AF65-F5344CB8AC3E}">
+        <p14:creationId xmlns:p14="http://schemas.microsoft.com/office/powerpoint/2010/main" val="523550093"/>
       </p:ext>
     </p:extLst>
   </p:cSld>
@@ -4518,7 +4609,7 @@
           <a:p>
             <a:fld id="{B2C65A4B-112E-42DC-8450-93227160E903}" type="datetimeFigureOut">
               <a:rPr lang="en-US" smtClean="0"/>
-              <a:t>5/14/2018</a:t>
+              <a:t>5/15/2018</a:t>
             </a:fld>
             <a:endParaRPr lang="en-US"/>
           </a:p>
@@ -4814,7 +4905,7 @@
           <a:p>
             <a:fld id="{B2C65A4B-112E-42DC-8450-93227160E903}" type="datetimeFigureOut">
               <a:rPr lang="en-US" smtClean="0"/>
-              <a:t>5/14/2018</a:t>
+              <a:t>5/15/2018</a:t>
             </a:fld>
             <a:endParaRPr lang="en-US"/>
           </a:p>
@@ -5062,7 +5153,7 @@
           <a:p>
             <a:fld id="{B2C65A4B-112E-42DC-8450-93227160E903}" type="datetimeFigureOut">
               <a:rPr lang="en-US" smtClean="0"/>
-              <a:t>5/14/2018</a:t>
+              <a:t>5/15/2018</a:t>
             </a:fld>
             <a:endParaRPr lang="en-US"/>
           </a:p>
@@ -5602,7 +5693,7 @@
           <a:p>
             <a:fld id="{B2C65A4B-112E-42DC-8450-93227160E903}" type="datetimeFigureOut">
               <a:rPr lang="en-US" smtClean="0"/>
-              <a:t>5/14/2018</a:t>
+              <a:t>5/15/2018</a:t>
             </a:fld>
             <a:endParaRPr lang="en-US"/>
           </a:p>
@@ -5850,7 +5941,7 @@
           <a:p>
             <a:fld id="{B2C65A4B-112E-42DC-8450-93227160E903}" type="datetimeFigureOut">
               <a:rPr lang="en-US" smtClean="0"/>
-              <a:t>5/14/2018</a:t>
+              <a:t>5/15/2018</a:t>
             </a:fld>
             <a:endParaRPr lang="en-US"/>
           </a:p>
@@ -6382,7 +6473,7 @@
           <a:p>
             <a:fld id="{B2C65A4B-112E-42DC-8450-93227160E903}" type="datetimeFigureOut">
               <a:rPr lang="en-US" smtClean="0"/>
-              <a:t>5/14/2018</a:t>
+              <a:t>5/15/2018</a:t>
             </a:fld>
             <a:endParaRPr lang="en-US"/>
           </a:p>
@@ -6679,7 +6770,7 @@
           <a:p>
             <a:fld id="{B2C65A4B-112E-42DC-8450-93227160E903}" type="datetimeFigureOut">
               <a:rPr lang="en-US" smtClean="0"/>
-              <a:t>5/14/2018</a:t>
+              <a:t>5/15/2018</a:t>
             </a:fld>
             <a:endParaRPr lang="en-US"/>
           </a:p>
@@ -6853,7 +6944,7 @@
           <a:p>
             <a:fld id="{B2C65A4B-112E-42DC-8450-93227160E903}" type="datetimeFigureOut">
               <a:rPr lang="en-US" smtClean="0"/>
-              <a:t>5/14/2018</a:t>
+              <a:t>5/15/2018</a:t>
             </a:fld>
             <a:endParaRPr lang="en-US"/>
           </a:p>
@@ -7033,7 +7124,7 @@
           <a:p>
             <a:fld id="{B2C65A4B-112E-42DC-8450-93227160E903}" type="datetimeFigureOut">
               <a:rPr lang="en-US" smtClean="0"/>
-              <a:t>5/14/2018</a:t>
+              <a:t>5/15/2018</a:t>
             </a:fld>
             <a:endParaRPr lang="en-US"/>
           </a:p>
@@ -7203,7 +7294,7 @@
           <a:p>
             <a:fld id="{B2C65A4B-112E-42DC-8450-93227160E903}" type="datetimeFigureOut">
               <a:rPr lang="en-US" smtClean="0"/>
-              <a:t>5/14/2018</a:t>
+              <a:t>5/15/2018</a:t>
             </a:fld>
             <a:endParaRPr lang="en-US"/>
           </a:p>
@@ -7454,7 +7545,7 @@
           <a:p>
             <a:fld id="{B2C65A4B-112E-42DC-8450-93227160E903}" type="datetimeFigureOut">
               <a:rPr lang="en-US" smtClean="0"/>
-              <a:t>5/14/2018</a:t>
+              <a:t>5/15/2018</a:t>
             </a:fld>
             <a:endParaRPr lang="en-US"/>
           </a:p>
@@ -7751,7 +7842,7 @@
           <a:p>
             <a:fld id="{B2C65A4B-112E-42DC-8450-93227160E903}" type="datetimeFigureOut">
               <a:rPr lang="en-US" smtClean="0"/>
-              <a:t>5/14/2018</a:t>
+              <a:t>5/15/2018</a:t>
             </a:fld>
             <a:endParaRPr lang="en-US"/>
           </a:p>
@@ -8193,7 +8284,7 @@
           <a:p>
             <a:fld id="{B2C65A4B-112E-42DC-8450-93227160E903}" type="datetimeFigureOut">
               <a:rPr lang="en-US" smtClean="0"/>
-              <a:t>5/14/2018</a:t>
+              <a:t>5/15/2018</a:t>
             </a:fld>
             <a:endParaRPr lang="en-US"/>
           </a:p>
@@ -8311,7 +8402,7 @@
           <a:p>
             <a:fld id="{B2C65A4B-112E-42DC-8450-93227160E903}" type="datetimeFigureOut">
               <a:rPr lang="en-US" smtClean="0"/>
-              <a:t>5/14/2018</a:t>
+              <a:t>5/15/2018</a:t>
             </a:fld>
             <a:endParaRPr lang="en-US"/>
           </a:p>
@@ -8406,7 +8497,7 @@
           <a:p>
             <a:fld id="{B2C65A4B-112E-42DC-8450-93227160E903}" type="datetimeFigureOut">
               <a:rPr lang="en-US" smtClean="0"/>
-              <a:t>5/14/2018</a:t>
+              <a:t>5/15/2018</a:t>
             </a:fld>
             <a:endParaRPr lang="en-US"/>
           </a:p>
@@ -8689,7 +8780,7 @@
           <a:p>
             <a:fld id="{B2C65A4B-112E-42DC-8450-93227160E903}" type="datetimeFigureOut">
               <a:rPr lang="en-US" smtClean="0"/>
-              <a:t>5/14/2018</a:t>
+              <a:t>5/15/2018</a:t>
             </a:fld>
             <a:endParaRPr lang="en-US"/>
           </a:p>
@@ -8980,7 +9071,7 @@
           <a:p>
             <a:fld id="{B2C65A4B-112E-42DC-8450-93227160E903}" type="datetimeFigureOut">
               <a:rPr lang="en-US" smtClean="0"/>
-              <a:t>5/14/2018</a:t>
+              <a:t>5/15/2018</a:t>
             </a:fld>
             <a:endParaRPr lang="en-US"/>
           </a:p>
@@ -9510,7 +9601,7 @@
           <a:p>
             <a:fld id="{B2C65A4B-112E-42DC-8450-93227160E903}" type="datetimeFigureOut">
               <a:rPr lang="en-US" smtClean="0"/>
-              <a:t>5/14/2018</a:t>
+              <a:t>5/15/2018</a:t>
             </a:fld>
             <a:endParaRPr lang="en-US"/>
           </a:p>
@@ -14670,6 +14761,4089 @@
 </p:sld>
 </file>
 
+<file path=ppt/slides/slide16.xml><?xml version="1.0" encoding="utf-8"?>
+<p:sld xmlns:a="http://schemas.openxmlformats.org/drawingml/2006/main" xmlns:r="http://schemas.openxmlformats.org/officeDocument/2006/relationships" xmlns:p="http://schemas.openxmlformats.org/presentationml/2006/main">
+  <p:cSld>
+    <p:spTree>
+      <p:nvGrpSpPr>
+        <p:cNvPr id="1" name=""/>
+        <p:cNvGrpSpPr/>
+        <p:nvPr/>
+      </p:nvGrpSpPr>
+      <p:grpSpPr>
+        <a:xfrm>
+          <a:off x="0" y="0"/>
+          <a:ext cx="0" cy="0"/>
+          <a:chOff x="0" y="0"/>
+          <a:chExt cx="0" cy="0"/>
+        </a:xfrm>
+      </p:grpSpPr>
+      <p:pic>
+        <p:nvPicPr>
+          <p:cNvPr id="6" name="Picture 5">
+            <a:extLst>
+              <a:ext uri="{FF2B5EF4-FFF2-40B4-BE49-F238E27FC236}">
+                <a16:creationId xmlns:a16="http://schemas.microsoft.com/office/drawing/2014/main" id="{D5E2479C-BAE4-4735-92BD-830BD93BCB9C}"/>
+              </a:ext>
+            </a:extLst>
+          </p:cNvPr>
+          <p:cNvPicPr/>
+          <p:nvPr/>
+        </p:nvPicPr>
+        <p:blipFill>
+          <a:blip r:embed="rId2">
+            <a:extLst>
+              <a:ext uri="{28A0092B-C50C-407E-A947-70E740481C1C}">
+                <a14:useLocalDpi xmlns:a14="http://schemas.microsoft.com/office/drawing/2010/main" val="0"/>
+              </a:ext>
+            </a:extLst>
+          </a:blip>
+          <a:stretch>
+            <a:fillRect/>
+          </a:stretch>
+        </p:blipFill>
+        <p:spPr>
+          <a:xfrm>
+            <a:off x="2543202" y="4631792"/>
+            <a:ext cx="8296690" cy="1740401"/>
+          </a:xfrm>
+          <a:prstGeom prst="rect">
+            <a:avLst/>
+          </a:prstGeom>
+        </p:spPr>
+      </p:pic>
+      <p:sp>
+        <p:nvSpPr>
+          <p:cNvPr id="7" name="Title 1">
+            <a:extLst>
+              <a:ext uri="{FF2B5EF4-FFF2-40B4-BE49-F238E27FC236}">
+                <a16:creationId xmlns:a16="http://schemas.microsoft.com/office/drawing/2014/main" id="{BCE672A8-F7E2-4A65-B560-20B3B34B22CA}"/>
+              </a:ext>
+            </a:extLst>
+          </p:cNvPr>
+          <p:cNvSpPr>
+            <a:spLocks noGrp="1"/>
+          </p:cNvSpPr>
+          <p:nvPr>
+            <p:ph type="title"/>
+          </p:nvPr>
+        </p:nvSpPr>
+        <p:spPr>
+          <a:xfrm>
+            <a:off x="1729812" y="266482"/>
+            <a:ext cx="7445876" cy="585734"/>
+          </a:xfrm>
+        </p:spPr>
+        <p:txBody>
+          <a:bodyPr anchor="t">
+            <a:normAutofit fontScale="90000"/>
+          </a:bodyPr>
+          <a:lstStyle/>
+          <a:p>
+            <a:pPr algn="l"/>
+            <a:r>
+              <a:rPr lang="en-US" b="1" dirty="0">
+                <a:solidFill>
+                  <a:srgbClr val="0000FF"/>
+                </a:solidFill>
+                <a:latin typeface="Times New Roman" panose="02020603050405020304" pitchFamily="18" charset="0"/>
+                <a:cs typeface="Times New Roman" panose="02020603050405020304" pitchFamily="18" charset="0"/>
+              </a:rPr>
+              <a:t>Conference Resolution</a:t>
+            </a:r>
+            <a:br>
+              <a:rPr lang="en-US" b="1" dirty="0">
+                <a:solidFill>
+                  <a:srgbClr val="0000FF"/>
+                </a:solidFill>
+                <a:latin typeface="Times New Roman" panose="02020603050405020304" pitchFamily="18" charset="0"/>
+                <a:cs typeface="Times New Roman" panose="02020603050405020304" pitchFamily="18" charset="0"/>
+              </a:rPr>
+            </a:br>
+            <a:endParaRPr lang="en-US" b="1" dirty="0">
+              <a:solidFill>
+                <a:srgbClr val="0000FF"/>
+              </a:solidFill>
+              <a:latin typeface="Times New Roman" panose="02020603050405020304" pitchFamily="18" charset="0"/>
+              <a:cs typeface="Times New Roman" panose="02020603050405020304" pitchFamily="18" charset="0"/>
+            </a:endParaRPr>
+          </a:p>
+        </p:txBody>
+      </p:sp>
+      <p:sp>
+        <p:nvSpPr>
+          <p:cNvPr id="8" name="Content Placeholder 2">
+            <a:extLst>
+              <a:ext uri="{FF2B5EF4-FFF2-40B4-BE49-F238E27FC236}">
+                <a16:creationId xmlns:a16="http://schemas.microsoft.com/office/drawing/2014/main" id="{55D925BD-5490-4C9A-B9C1-8A7C3985E577}"/>
+              </a:ext>
+            </a:extLst>
+          </p:cNvPr>
+          <p:cNvSpPr>
+            <a:spLocks noGrp="1"/>
+          </p:cNvSpPr>
+          <p:nvPr>
+            <p:ph idx="1"/>
+          </p:nvPr>
+        </p:nvSpPr>
+        <p:spPr>
+          <a:xfrm>
+            <a:off x="1729812" y="773900"/>
+            <a:ext cx="9923471" cy="3857892"/>
+          </a:xfrm>
+        </p:spPr>
+        <p:txBody>
+          <a:bodyPr anchor="t">
+            <a:noAutofit/>
+          </a:bodyPr>
+          <a:lstStyle/>
+          <a:p>
+            <a:pPr>
+              <a:lnSpc>
+                <a:spcPct val="150000"/>
+              </a:lnSpc>
+            </a:pPr>
+            <a:r>
+              <a:rPr lang="en-US" dirty="0" err="1">
+                <a:latin typeface="Arial" panose="020B0604020202020204" pitchFamily="34" charset="0"/>
+                <a:cs typeface="Arial" panose="020B0604020202020204" pitchFamily="34" charset="0"/>
+              </a:rPr>
+              <a:t>Chức</a:t>
+            </a:r>
+            <a:r>
+              <a:rPr lang="en-US" dirty="0">
+                <a:latin typeface="Arial" panose="020B0604020202020204" pitchFamily="34" charset="0"/>
+                <a:cs typeface="Arial" panose="020B0604020202020204" pitchFamily="34" charset="0"/>
+              </a:rPr>
+              <a:t> </a:t>
+            </a:r>
+            <a:r>
+              <a:rPr lang="en-US" dirty="0" err="1">
+                <a:latin typeface="Arial" panose="020B0604020202020204" pitchFamily="34" charset="0"/>
+                <a:cs typeface="Arial" panose="020B0604020202020204" pitchFamily="34" charset="0"/>
+              </a:rPr>
+              <a:t>năng</a:t>
+            </a:r>
+            <a:r>
+              <a:rPr lang="en-US" dirty="0">
+                <a:latin typeface="Arial" panose="020B0604020202020204" pitchFamily="34" charset="0"/>
+                <a:cs typeface="Arial" panose="020B0604020202020204" pitchFamily="34" charset="0"/>
+              </a:rPr>
+              <a:t>:</a:t>
+            </a:r>
+          </a:p>
+          <a:p>
+            <a:pPr marL="0" indent="0">
+              <a:lnSpc>
+                <a:spcPct val="150000"/>
+              </a:lnSpc>
+              <a:buNone/>
+            </a:pPr>
+            <a:r>
+              <a:rPr lang="en-US" dirty="0" err="1">
+                <a:latin typeface="Arial" panose="020B0604020202020204" pitchFamily="34" charset="0"/>
+                <a:cs typeface="Arial" panose="020B0604020202020204" pitchFamily="34" charset="0"/>
+              </a:rPr>
+              <a:t>Trong</a:t>
+            </a:r>
+            <a:r>
+              <a:rPr lang="en-US" dirty="0">
+                <a:latin typeface="Arial" panose="020B0604020202020204" pitchFamily="34" charset="0"/>
+                <a:cs typeface="Arial" panose="020B0604020202020204" pitchFamily="34" charset="0"/>
+              </a:rPr>
+              <a:t> </a:t>
+            </a:r>
+            <a:r>
+              <a:rPr lang="en-US" dirty="0" err="1">
+                <a:latin typeface="Arial" panose="020B0604020202020204" pitchFamily="34" charset="0"/>
+                <a:cs typeface="Arial" panose="020B0604020202020204" pitchFamily="34" charset="0"/>
+              </a:rPr>
+              <a:t>những</a:t>
+            </a:r>
+            <a:r>
+              <a:rPr lang="en-US" dirty="0">
+                <a:latin typeface="Arial" panose="020B0604020202020204" pitchFamily="34" charset="0"/>
+                <a:cs typeface="Arial" panose="020B0604020202020204" pitchFamily="34" charset="0"/>
+              </a:rPr>
+              <a:t> </a:t>
+            </a:r>
+            <a:r>
+              <a:rPr lang="en-US" dirty="0" err="1">
+                <a:latin typeface="Arial" panose="020B0604020202020204" pitchFamily="34" charset="0"/>
+                <a:cs typeface="Arial" panose="020B0604020202020204" pitchFamily="34" charset="0"/>
+              </a:rPr>
+              <a:t>cụm</a:t>
+            </a:r>
+            <a:r>
+              <a:rPr lang="en-US" dirty="0">
+                <a:latin typeface="Arial" panose="020B0604020202020204" pitchFamily="34" charset="0"/>
+                <a:cs typeface="Arial" panose="020B0604020202020204" pitchFamily="34" charset="0"/>
+              </a:rPr>
+              <a:t> </a:t>
+            </a:r>
+            <a:r>
+              <a:rPr lang="en-US" dirty="0" err="1">
+                <a:latin typeface="Arial" panose="020B0604020202020204" pitchFamily="34" charset="0"/>
+                <a:cs typeface="Arial" panose="020B0604020202020204" pitchFamily="34" charset="0"/>
+              </a:rPr>
+              <a:t>từ</a:t>
+            </a:r>
+            <a:r>
+              <a:rPr lang="en-US" dirty="0">
+                <a:latin typeface="Arial" panose="020B0604020202020204" pitchFamily="34" charset="0"/>
+                <a:cs typeface="Arial" panose="020B0604020202020204" pitchFamily="34" charset="0"/>
+              </a:rPr>
+              <a:t> </a:t>
+            </a:r>
+            <a:r>
+              <a:rPr lang="en-US" dirty="0" err="1">
+                <a:latin typeface="Arial" panose="020B0604020202020204" pitchFamily="34" charset="0"/>
+                <a:cs typeface="Arial" panose="020B0604020202020204" pitchFamily="34" charset="0"/>
+              </a:rPr>
+              <a:t>nói</a:t>
+            </a:r>
+            <a:r>
+              <a:rPr lang="en-US" dirty="0">
+                <a:latin typeface="Arial" panose="020B0604020202020204" pitchFamily="34" charset="0"/>
+                <a:cs typeface="Arial" panose="020B0604020202020204" pitchFamily="34" charset="0"/>
+              </a:rPr>
+              <a:t> </a:t>
+            </a:r>
+            <a:r>
+              <a:rPr lang="en-US" dirty="0" err="1">
+                <a:latin typeface="Arial" panose="020B0604020202020204" pitchFamily="34" charset="0"/>
+                <a:cs typeface="Arial" panose="020B0604020202020204" pitchFamily="34" charset="0"/>
+              </a:rPr>
+              <a:t>đến</a:t>
+            </a:r>
+            <a:r>
+              <a:rPr lang="en-US" dirty="0">
+                <a:latin typeface="Arial" panose="020B0604020202020204" pitchFamily="34" charset="0"/>
+                <a:cs typeface="Arial" panose="020B0604020202020204" pitchFamily="34" charset="0"/>
+              </a:rPr>
+              <a:t> </a:t>
+            </a:r>
+            <a:r>
+              <a:rPr lang="en-US" dirty="0" err="1">
+                <a:latin typeface="Arial" panose="020B0604020202020204" pitchFamily="34" charset="0"/>
+                <a:cs typeface="Arial" panose="020B0604020202020204" pitchFamily="34" charset="0"/>
+              </a:rPr>
+              <a:t>các</a:t>
+            </a:r>
+            <a:r>
+              <a:rPr lang="en-US" dirty="0">
+                <a:latin typeface="Arial" panose="020B0604020202020204" pitchFamily="34" charset="0"/>
+                <a:cs typeface="Arial" panose="020B0604020202020204" pitchFamily="34" charset="0"/>
+              </a:rPr>
+              <a:t> </a:t>
+            </a:r>
+            <a:r>
+              <a:rPr lang="en-US" dirty="0" err="1">
+                <a:latin typeface="Arial" panose="020B0604020202020204" pitchFamily="34" charset="0"/>
+                <a:cs typeface="Arial" panose="020B0604020202020204" pitchFamily="34" charset="0"/>
+              </a:rPr>
+              <a:t>thực</a:t>
+            </a:r>
+            <a:r>
+              <a:rPr lang="en-US" dirty="0">
+                <a:latin typeface="Arial" panose="020B0604020202020204" pitchFamily="34" charset="0"/>
+                <a:cs typeface="Arial" panose="020B0604020202020204" pitchFamily="34" charset="0"/>
+              </a:rPr>
+              <a:t> </a:t>
+            </a:r>
+            <a:r>
+              <a:rPr lang="en-US" dirty="0" err="1">
+                <a:latin typeface="Arial" panose="020B0604020202020204" pitchFamily="34" charset="0"/>
+                <a:cs typeface="Arial" panose="020B0604020202020204" pitchFamily="34" charset="0"/>
+              </a:rPr>
+              <a:t>thể</a:t>
+            </a:r>
+            <a:r>
+              <a:rPr lang="en-US" dirty="0">
+                <a:latin typeface="Arial" panose="020B0604020202020204" pitchFamily="34" charset="0"/>
+                <a:cs typeface="Arial" panose="020B0604020202020204" pitchFamily="34" charset="0"/>
+              </a:rPr>
+              <a:t>, </a:t>
+            </a:r>
+            <a:r>
+              <a:rPr lang="en-US" dirty="0" err="1">
+                <a:latin typeface="Arial" panose="020B0604020202020204" pitchFamily="34" charset="0"/>
+                <a:cs typeface="Arial" panose="020B0604020202020204" pitchFamily="34" charset="0"/>
+              </a:rPr>
+              <a:t>nhiều</a:t>
+            </a:r>
+            <a:r>
+              <a:rPr lang="en-US" dirty="0">
+                <a:latin typeface="Arial" panose="020B0604020202020204" pitchFamily="34" charset="0"/>
+                <a:cs typeface="Arial" panose="020B0604020202020204" pitchFamily="34" charset="0"/>
+              </a:rPr>
+              <a:t> </a:t>
+            </a:r>
+            <a:r>
+              <a:rPr lang="en-US" dirty="0" err="1">
+                <a:latin typeface="Arial" panose="020B0604020202020204" pitchFamily="34" charset="0"/>
+                <a:cs typeface="Arial" panose="020B0604020202020204" pitchFamily="34" charset="0"/>
+              </a:rPr>
+              <a:t>cặp</a:t>
+            </a:r>
+            <a:r>
+              <a:rPr lang="en-US" dirty="0">
+                <a:latin typeface="Arial" panose="020B0604020202020204" pitchFamily="34" charset="0"/>
+                <a:cs typeface="Arial" panose="020B0604020202020204" pitchFamily="34" charset="0"/>
+              </a:rPr>
+              <a:t> </a:t>
+            </a:r>
+            <a:r>
+              <a:rPr lang="en-US" dirty="0" err="1">
+                <a:latin typeface="Arial" panose="020B0604020202020204" pitchFamily="34" charset="0"/>
+                <a:cs typeface="Arial" panose="020B0604020202020204" pitchFamily="34" charset="0"/>
+              </a:rPr>
+              <a:t>từ</a:t>
+            </a:r>
+            <a:r>
+              <a:rPr lang="en-US" dirty="0">
+                <a:latin typeface="Arial" panose="020B0604020202020204" pitchFamily="34" charset="0"/>
+                <a:cs typeface="Arial" panose="020B0604020202020204" pitchFamily="34" charset="0"/>
+              </a:rPr>
+              <a:t> </a:t>
+            </a:r>
+            <a:r>
+              <a:rPr lang="en-US" dirty="0" err="1">
+                <a:latin typeface="Arial" panose="020B0604020202020204" pitchFamily="34" charset="0"/>
+                <a:cs typeface="Arial" panose="020B0604020202020204" pitchFamily="34" charset="0"/>
+              </a:rPr>
+              <a:t>giống</a:t>
+            </a:r>
+            <a:r>
+              <a:rPr lang="en-US" dirty="0">
+                <a:latin typeface="Arial" panose="020B0604020202020204" pitchFamily="34" charset="0"/>
+                <a:cs typeface="Arial" panose="020B0604020202020204" pitchFamily="34" charset="0"/>
+              </a:rPr>
+              <a:t> </a:t>
+            </a:r>
+            <a:r>
+              <a:rPr lang="en-US" dirty="0" err="1">
+                <a:latin typeface="Arial" panose="020B0604020202020204" pitchFamily="34" charset="0"/>
+                <a:cs typeface="Arial" panose="020B0604020202020204" pitchFamily="34" charset="0"/>
+              </a:rPr>
+              <a:t>nhau</a:t>
+            </a:r>
+            <a:r>
+              <a:rPr lang="en-US" dirty="0">
+                <a:latin typeface="Arial" panose="020B0604020202020204" pitchFamily="34" charset="0"/>
+                <a:cs typeface="Arial" panose="020B0604020202020204" pitchFamily="34" charset="0"/>
+              </a:rPr>
+              <a:t> </a:t>
+            </a:r>
+            <a:r>
+              <a:rPr lang="en-US" dirty="0" err="1">
+                <a:latin typeface="Arial" panose="020B0604020202020204" pitchFamily="34" charset="0"/>
+                <a:cs typeface="Arial" panose="020B0604020202020204" pitchFamily="34" charset="0"/>
+              </a:rPr>
+              <a:t>hoặc</a:t>
+            </a:r>
+            <a:r>
+              <a:rPr lang="en-US" dirty="0">
+                <a:latin typeface="Arial" panose="020B0604020202020204" pitchFamily="34" charset="0"/>
+                <a:cs typeface="Arial" panose="020B0604020202020204" pitchFamily="34" charset="0"/>
+              </a:rPr>
+              <a:t> </a:t>
+            </a:r>
+            <a:r>
+              <a:rPr lang="en-US" dirty="0" err="1">
+                <a:latin typeface="Arial" panose="020B0604020202020204" pitchFamily="34" charset="0"/>
+                <a:cs typeface="Arial" panose="020B0604020202020204" pitchFamily="34" charset="0"/>
+              </a:rPr>
+              <a:t>tham</a:t>
+            </a:r>
+            <a:r>
+              <a:rPr lang="en-US" dirty="0">
+                <a:latin typeface="Arial" panose="020B0604020202020204" pitchFamily="34" charset="0"/>
+                <a:cs typeface="Arial" panose="020B0604020202020204" pitchFamily="34" charset="0"/>
+              </a:rPr>
+              <a:t> </a:t>
+            </a:r>
+            <a:r>
+              <a:rPr lang="en-US" dirty="0" err="1">
+                <a:latin typeface="Arial" panose="020B0604020202020204" pitchFamily="34" charset="0"/>
+                <a:cs typeface="Arial" panose="020B0604020202020204" pitchFamily="34" charset="0"/>
+              </a:rPr>
+              <a:t>chiếu</a:t>
+            </a:r>
+            <a:r>
+              <a:rPr lang="en-US" dirty="0">
+                <a:latin typeface="Arial" panose="020B0604020202020204" pitchFamily="34" charset="0"/>
+                <a:cs typeface="Arial" panose="020B0604020202020204" pitchFamily="34" charset="0"/>
+              </a:rPr>
+              <a:t> </a:t>
+            </a:r>
+            <a:r>
+              <a:rPr lang="en-US" dirty="0" err="1">
+                <a:latin typeface="Arial" panose="020B0604020202020204" pitchFamily="34" charset="0"/>
+                <a:cs typeface="Arial" panose="020B0604020202020204" pitchFamily="34" charset="0"/>
+              </a:rPr>
+              <a:t>đến</a:t>
+            </a:r>
+            <a:r>
+              <a:rPr lang="en-US" dirty="0">
+                <a:latin typeface="Arial" panose="020B0604020202020204" pitchFamily="34" charset="0"/>
+                <a:cs typeface="Arial" panose="020B0604020202020204" pitchFamily="34" charset="0"/>
+              </a:rPr>
+              <a:t> </a:t>
+            </a:r>
+            <a:r>
+              <a:rPr lang="en-US" dirty="0" err="1">
+                <a:latin typeface="Arial" panose="020B0604020202020204" pitchFamily="34" charset="0"/>
+                <a:cs typeface="Arial" panose="020B0604020202020204" pitchFamily="34" charset="0"/>
+              </a:rPr>
+              <a:t>nhau</a:t>
+            </a:r>
+            <a:r>
+              <a:rPr lang="en-US" dirty="0">
+                <a:latin typeface="Arial" panose="020B0604020202020204" pitchFamily="34" charset="0"/>
+                <a:cs typeface="Arial" panose="020B0604020202020204" pitchFamily="34" charset="0"/>
+              </a:rPr>
+              <a:t>, </a:t>
+            </a:r>
+            <a:r>
+              <a:rPr lang="en-US" dirty="0" err="1">
+                <a:latin typeface="Arial" panose="020B0604020202020204" pitchFamily="34" charset="0"/>
+                <a:cs typeface="Arial" panose="020B0604020202020204" pitchFamily="34" charset="0"/>
+              </a:rPr>
+              <a:t>một</a:t>
+            </a:r>
+            <a:r>
+              <a:rPr lang="en-US" dirty="0">
+                <a:latin typeface="Arial" panose="020B0604020202020204" pitchFamily="34" charset="0"/>
+                <a:cs typeface="Arial" panose="020B0604020202020204" pitchFamily="34" charset="0"/>
+              </a:rPr>
+              <a:t> </a:t>
+            </a:r>
+            <a:r>
+              <a:rPr lang="en-US" dirty="0" err="1">
+                <a:latin typeface="Arial" panose="020B0604020202020204" pitchFamily="34" charset="0"/>
+                <a:cs typeface="Arial" panose="020B0604020202020204" pitchFamily="34" charset="0"/>
+              </a:rPr>
+              <a:t>số</a:t>
+            </a:r>
+            <a:r>
+              <a:rPr lang="en-US" dirty="0">
+                <a:latin typeface="Arial" panose="020B0604020202020204" pitchFamily="34" charset="0"/>
+                <a:cs typeface="Arial" panose="020B0604020202020204" pitchFamily="34" charset="0"/>
+              </a:rPr>
+              <a:t> </a:t>
+            </a:r>
+            <a:r>
+              <a:rPr lang="en-US" dirty="0" err="1">
+                <a:latin typeface="Arial" panose="020B0604020202020204" pitchFamily="34" charset="0"/>
+                <a:cs typeface="Arial" panose="020B0604020202020204" pitchFamily="34" charset="0"/>
+              </a:rPr>
+              <a:t>được</a:t>
+            </a:r>
+            <a:r>
+              <a:rPr lang="en-US" dirty="0">
+                <a:latin typeface="Arial" panose="020B0604020202020204" pitchFamily="34" charset="0"/>
+                <a:cs typeface="Arial" panose="020B0604020202020204" pitchFamily="34" charset="0"/>
+              </a:rPr>
+              <a:t> </a:t>
+            </a:r>
+            <a:r>
+              <a:rPr lang="en-US" dirty="0" err="1">
+                <a:latin typeface="Arial" panose="020B0604020202020204" pitchFamily="34" charset="0"/>
+                <a:cs typeface="Arial" panose="020B0604020202020204" pitchFamily="34" charset="0"/>
+              </a:rPr>
+              <a:t>lồng</a:t>
+            </a:r>
+            <a:r>
+              <a:rPr lang="en-US" dirty="0">
+                <a:latin typeface="Arial" panose="020B0604020202020204" pitchFamily="34" charset="0"/>
+                <a:cs typeface="Arial" panose="020B0604020202020204" pitchFamily="34" charset="0"/>
+              </a:rPr>
+              <a:t> </a:t>
+            </a:r>
+            <a:r>
+              <a:rPr lang="en-US" dirty="0" err="1">
+                <a:latin typeface="Arial" panose="020B0604020202020204" pitchFamily="34" charset="0"/>
+                <a:cs typeface="Arial" panose="020B0604020202020204" pitchFamily="34" charset="0"/>
+              </a:rPr>
+              <a:t>vào</a:t>
+            </a:r>
+            <a:r>
+              <a:rPr lang="en-US" dirty="0">
+                <a:latin typeface="Arial" panose="020B0604020202020204" pitchFamily="34" charset="0"/>
+                <a:cs typeface="Arial" panose="020B0604020202020204" pitchFamily="34" charset="0"/>
+              </a:rPr>
+              <a:t> </a:t>
+            </a:r>
+            <a:r>
+              <a:rPr lang="en-US" dirty="0" err="1">
+                <a:latin typeface="Arial" panose="020B0604020202020204" pitchFamily="34" charset="0"/>
+                <a:cs typeface="Arial" panose="020B0604020202020204" pitchFamily="34" charset="0"/>
+              </a:rPr>
+              <a:t>bên</a:t>
+            </a:r>
+            <a:r>
+              <a:rPr lang="en-US" dirty="0">
+                <a:latin typeface="Arial" panose="020B0604020202020204" pitchFamily="34" charset="0"/>
+                <a:cs typeface="Arial" panose="020B0604020202020204" pitchFamily="34" charset="0"/>
+              </a:rPr>
+              <a:t> </a:t>
+            </a:r>
+            <a:r>
+              <a:rPr lang="en-US" dirty="0" err="1">
+                <a:latin typeface="Arial" panose="020B0604020202020204" pitchFamily="34" charset="0"/>
+                <a:cs typeface="Arial" panose="020B0604020202020204" pitchFamily="34" charset="0"/>
+              </a:rPr>
+              <a:t>trong</a:t>
+            </a:r>
+            <a:r>
+              <a:rPr lang="en-US" dirty="0">
+                <a:latin typeface="Arial" panose="020B0604020202020204" pitchFamily="34" charset="0"/>
+                <a:cs typeface="Arial" panose="020B0604020202020204" pitchFamily="34" charset="0"/>
+              </a:rPr>
+              <a:t> </a:t>
+            </a:r>
+            <a:r>
+              <a:rPr lang="en-US" dirty="0" err="1">
+                <a:latin typeface="Arial" panose="020B0604020202020204" pitchFamily="34" charset="0"/>
+                <a:cs typeface="Arial" panose="020B0604020202020204" pitchFamily="34" charset="0"/>
+              </a:rPr>
+              <a:t>thực</a:t>
+            </a:r>
+            <a:r>
+              <a:rPr lang="en-US" dirty="0">
+                <a:latin typeface="Arial" panose="020B0604020202020204" pitchFamily="34" charset="0"/>
+                <a:cs typeface="Arial" panose="020B0604020202020204" pitchFamily="34" charset="0"/>
+              </a:rPr>
+              <a:t> </a:t>
+            </a:r>
+            <a:r>
+              <a:rPr lang="en-US" dirty="0" err="1">
+                <a:latin typeface="Arial" panose="020B0604020202020204" pitchFamily="34" charset="0"/>
+                <a:cs typeface="Arial" panose="020B0604020202020204" pitchFamily="34" charset="0"/>
+              </a:rPr>
+              <a:t>thể</a:t>
+            </a:r>
+            <a:r>
+              <a:rPr lang="en-US" dirty="0">
+                <a:latin typeface="Arial" panose="020B0604020202020204" pitchFamily="34" charset="0"/>
+                <a:cs typeface="Arial" panose="020B0604020202020204" pitchFamily="34" charset="0"/>
+              </a:rPr>
+              <a:t> </a:t>
+            </a:r>
+            <a:r>
+              <a:rPr lang="en-US" dirty="0" err="1">
+                <a:latin typeface="Arial" panose="020B0604020202020204" pitchFamily="34" charset="0"/>
+                <a:cs typeface="Arial" panose="020B0604020202020204" pitchFamily="34" charset="0"/>
+              </a:rPr>
+              <a:t>khác</a:t>
+            </a:r>
+            <a:r>
+              <a:rPr lang="en-US" dirty="0">
+                <a:latin typeface="Arial" panose="020B0604020202020204" pitchFamily="34" charset="0"/>
+                <a:cs typeface="Arial" panose="020B0604020202020204" pitchFamily="34" charset="0"/>
+              </a:rPr>
+              <a:t>, Coreferences Resolution </a:t>
+            </a:r>
+            <a:r>
+              <a:rPr lang="en-US" dirty="0" err="1">
+                <a:latin typeface="Arial" panose="020B0604020202020204" pitchFamily="34" charset="0"/>
+                <a:cs typeface="Arial" panose="020B0604020202020204" pitchFamily="34" charset="0"/>
+              </a:rPr>
+              <a:t>xác</a:t>
+            </a:r>
+            <a:r>
+              <a:rPr lang="en-US" dirty="0">
+                <a:latin typeface="Arial" panose="020B0604020202020204" pitchFamily="34" charset="0"/>
+                <a:cs typeface="Arial" panose="020B0604020202020204" pitchFamily="34" charset="0"/>
+              </a:rPr>
+              <a:t> </a:t>
+            </a:r>
+            <a:r>
+              <a:rPr lang="en-US" dirty="0" err="1">
+                <a:latin typeface="Arial" panose="020B0604020202020204" pitchFamily="34" charset="0"/>
+                <a:cs typeface="Arial" panose="020B0604020202020204" pitchFamily="34" charset="0"/>
+              </a:rPr>
+              <a:t>định</a:t>
+            </a:r>
+            <a:r>
+              <a:rPr lang="en-US" dirty="0">
+                <a:latin typeface="Arial" panose="020B0604020202020204" pitchFamily="34" charset="0"/>
+                <a:cs typeface="Arial" panose="020B0604020202020204" pitchFamily="34" charset="0"/>
+              </a:rPr>
+              <a:t> </a:t>
+            </a:r>
+            <a:r>
+              <a:rPr lang="en-US" dirty="0" err="1">
+                <a:latin typeface="Arial" panose="020B0604020202020204" pitchFamily="34" charset="0"/>
+                <a:cs typeface="Arial" panose="020B0604020202020204" pitchFamily="34" charset="0"/>
+              </a:rPr>
+              <a:t>tất</a:t>
+            </a:r>
+            <a:r>
+              <a:rPr lang="en-US" dirty="0">
+                <a:latin typeface="Arial" panose="020B0604020202020204" pitchFamily="34" charset="0"/>
+                <a:cs typeface="Arial" panose="020B0604020202020204" pitchFamily="34" charset="0"/>
+              </a:rPr>
+              <a:t> </a:t>
+            </a:r>
+            <a:r>
+              <a:rPr lang="en-US" dirty="0" err="1">
+                <a:latin typeface="Arial" panose="020B0604020202020204" pitchFamily="34" charset="0"/>
+                <a:cs typeface="Arial" panose="020B0604020202020204" pitchFamily="34" charset="0"/>
+              </a:rPr>
+              <a:t>cả</a:t>
+            </a:r>
+            <a:r>
+              <a:rPr lang="en-US" dirty="0">
+                <a:latin typeface="Arial" panose="020B0604020202020204" pitchFamily="34" charset="0"/>
+                <a:cs typeface="Arial" panose="020B0604020202020204" pitchFamily="34" charset="0"/>
+              </a:rPr>
+              <a:t> </a:t>
+            </a:r>
+            <a:r>
+              <a:rPr lang="en-US" dirty="0" err="1">
+                <a:latin typeface="Arial" panose="020B0604020202020204" pitchFamily="34" charset="0"/>
+                <a:cs typeface="Arial" panose="020B0604020202020204" pitchFamily="34" charset="0"/>
+              </a:rPr>
+              <a:t>các</a:t>
+            </a:r>
+            <a:r>
+              <a:rPr lang="en-US" dirty="0">
+                <a:latin typeface="Arial" panose="020B0604020202020204" pitchFamily="34" charset="0"/>
+                <a:cs typeface="Arial" panose="020B0604020202020204" pitchFamily="34" charset="0"/>
+              </a:rPr>
+              <a:t> </a:t>
+            </a:r>
+            <a:r>
+              <a:rPr lang="en-US" dirty="0" err="1">
+                <a:latin typeface="Arial" panose="020B0604020202020204" pitchFamily="34" charset="0"/>
+                <a:cs typeface="Arial" panose="020B0604020202020204" pitchFamily="34" charset="0"/>
+              </a:rPr>
+              <a:t>cụm</a:t>
+            </a:r>
+            <a:r>
+              <a:rPr lang="en-US" dirty="0">
+                <a:latin typeface="Arial" panose="020B0604020202020204" pitchFamily="34" charset="0"/>
+                <a:cs typeface="Arial" panose="020B0604020202020204" pitchFamily="34" charset="0"/>
+              </a:rPr>
+              <a:t> </a:t>
+            </a:r>
+            <a:r>
+              <a:rPr lang="en-US" dirty="0" err="1">
+                <a:latin typeface="Arial" panose="020B0604020202020204" pitchFamily="34" charset="0"/>
+                <a:cs typeface="Arial" panose="020B0604020202020204" pitchFamily="34" charset="0"/>
+              </a:rPr>
+              <a:t>từ</a:t>
+            </a:r>
+            <a:r>
+              <a:rPr lang="en-US" dirty="0">
+                <a:latin typeface="Arial" panose="020B0604020202020204" pitchFamily="34" charset="0"/>
+                <a:cs typeface="Arial" panose="020B0604020202020204" pitchFamily="34" charset="0"/>
+              </a:rPr>
+              <a:t> </a:t>
+            </a:r>
+            <a:r>
+              <a:rPr lang="en-US" dirty="0" err="1">
+                <a:latin typeface="Arial" panose="020B0604020202020204" pitchFamily="34" charset="0"/>
+                <a:cs typeface="Arial" panose="020B0604020202020204" pitchFamily="34" charset="0"/>
+              </a:rPr>
+              <a:t>đề</a:t>
+            </a:r>
+            <a:r>
+              <a:rPr lang="en-US" dirty="0">
+                <a:latin typeface="Arial" panose="020B0604020202020204" pitchFamily="34" charset="0"/>
+                <a:cs typeface="Arial" panose="020B0604020202020204" pitchFamily="34" charset="0"/>
+              </a:rPr>
+              <a:t> </a:t>
+            </a:r>
+            <a:r>
+              <a:rPr lang="en-US" dirty="0" err="1">
+                <a:latin typeface="Arial" panose="020B0604020202020204" pitchFamily="34" charset="0"/>
+                <a:cs typeface="Arial" panose="020B0604020202020204" pitchFamily="34" charset="0"/>
+              </a:rPr>
+              <a:t>cập</a:t>
+            </a:r>
+            <a:r>
+              <a:rPr lang="en-US" dirty="0">
+                <a:latin typeface="Arial" panose="020B0604020202020204" pitchFamily="34" charset="0"/>
+                <a:cs typeface="Arial" panose="020B0604020202020204" pitchFamily="34" charset="0"/>
+              </a:rPr>
+              <a:t> </a:t>
+            </a:r>
+            <a:r>
+              <a:rPr lang="en-US" dirty="0" err="1">
+                <a:latin typeface="Arial" panose="020B0604020202020204" pitchFamily="34" charset="0"/>
+                <a:cs typeface="Arial" panose="020B0604020202020204" pitchFamily="34" charset="0"/>
+              </a:rPr>
+              <a:t>đến</a:t>
+            </a:r>
+            <a:r>
+              <a:rPr lang="en-US" dirty="0">
+                <a:latin typeface="Arial" panose="020B0604020202020204" pitchFamily="34" charset="0"/>
+                <a:cs typeface="Arial" panose="020B0604020202020204" pitchFamily="34" charset="0"/>
+              </a:rPr>
+              <a:t> </a:t>
+            </a:r>
+            <a:r>
+              <a:rPr lang="en-US" dirty="0" err="1">
+                <a:latin typeface="Arial" panose="020B0604020202020204" pitchFamily="34" charset="0"/>
+                <a:cs typeface="Arial" panose="020B0604020202020204" pitchFamily="34" charset="0"/>
+              </a:rPr>
+              <a:t>cùng</a:t>
+            </a:r>
+            <a:r>
+              <a:rPr lang="en-US" dirty="0">
+                <a:latin typeface="Arial" panose="020B0604020202020204" pitchFamily="34" charset="0"/>
+                <a:cs typeface="Arial" panose="020B0604020202020204" pitchFamily="34" charset="0"/>
+              </a:rPr>
+              <a:t> </a:t>
+            </a:r>
+            <a:r>
+              <a:rPr lang="en-US" dirty="0" err="1">
+                <a:latin typeface="Arial" panose="020B0604020202020204" pitchFamily="34" charset="0"/>
+                <a:cs typeface="Arial" panose="020B0604020202020204" pitchFamily="34" charset="0"/>
+              </a:rPr>
+              <a:t>một</a:t>
+            </a:r>
+            <a:r>
+              <a:rPr lang="en-US" dirty="0">
+                <a:latin typeface="Arial" panose="020B0604020202020204" pitchFamily="34" charset="0"/>
+                <a:cs typeface="Arial" panose="020B0604020202020204" pitchFamily="34" charset="0"/>
+              </a:rPr>
+              <a:t> </a:t>
+            </a:r>
+            <a:r>
+              <a:rPr lang="en-US" dirty="0" err="1">
+                <a:latin typeface="Arial" panose="020B0604020202020204" pitchFamily="34" charset="0"/>
+                <a:cs typeface="Arial" panose="020B0604020202020204" pitchFamily="34" charset="0"/>
+              </a:rPr>
+              <a:t>thực</a:t>
+            </a:r>
+            <a:r>
+              <a:rPr lang="en-US" dirty="0">
+                <a:latin typeface="Arial" panose="020B0604020202020204" pitchFamily="34" charset="0"/>
+                <a:cs typeface="Arial" panose="020B0604020202020204" pitchFamily="34" charset="0"/>
+              </a:rPr>
+              <a:t> </a:t>
+            </a:r>
+            <a:r>
+              <a:rPr lang="en-US" dirty="0" err="1">
+                <a:latin typeface="Arial" panose="020B0604020202020204" pitchFamily="34" charset="0"/>
+                <a:cs typeface="Arial" panose="020B0604020202020204" pitchFamily="34" charset="0"/>
+              </a:rPr>
+              <a:t>thể</a:t>
+            </a:r>
+            <a:r>
+              <a:rPr lang="en-US" dirty="0">
+                <a:latin typeface="Arial" panose="020B0604020202020204" pitchFamily="34" charset="0"/>
+                <a:cs typeface="Arial" panose="020B0604020202020204" pitchFamily="34" charset="0"/>
+              </a:rPr>
+              <a:t>.</a:t>
+            </a:r>
+          </a:p>
+          <a:p>
+            <a:pPr>
+              <a:lnSpc>
+                <a:spcPct val="150000"/>
+              </a:lnSpc>
+            </a:pPr>
+            <a:r>
+              <a:rPr lang="en-US" dirty="0" err="1">
+                <a:latin typeface="Arial" panose="020B0604020202020204" pitchFamily="34" charset="0"/>
+                <a:cs typeface="Arial" panose="020B0604020202020204" pitchFamily="34" charset="0"/>
+              </a:rPr>
+              <a:t>Ví</a:t>
+            </a:r>
+            <a:r>
+              <a:rPr lang="en-US" dirty="0">
+                <a:latin typeface="Arial" panose="020B0604020202020204" pitchFamily="34" charset="0"/>
+                <a:cs typeface="Arial" panose="020B0604020202020204" pitchFamily="34" charset="0"/>
+              </a:rPr>
+              <a:t> </a:t>
+            </a:r>
+            <a:r>
+              <a:rPr lang="en-US" dirty="0" err="1">
+                <a:latin typeface="Arial" panose="020B0604020202020204" pitchFamily="34" charset="0"/>
+                <a:cs typeface="Arial" panose="020B0604020202020204" pitchFamily="34" charset="0"/>
+              </a:rPr>
+              <a:t>dụ</a:t>
+            </a:r>
+            <a:r>
+              <a:rPr lang="en-US" dirty="0">
+                <a:latin typeface="Arial" panose="020B0604020202020204" pitchFamily="34" charset="0"/>
+                <a:cs typeface="Arial" panose="020B0604020202020204" pitchFamily="34" charset="0"/>
+              </a:rPr>
+              <a:t>:</a:t>
+            </a:r>
+          </a:p>
+        </p:txBody>
+      </p:sp>
+    </p:spTree>
+    <p:extLst>
+      <p:ext uri="{BB962C8B-B14F-4D97-AF65-F5344CB8AC3E}">
+        <p14:creationId xmlns:p14="http://schemas.microsoft.com/office/powerpoint/2010/main" val="1886115833"/>
+      </p:ext>
+    </p:extLst>
+  </p:cSld>
+  <p:clrMapOvr>
+    <a:masterClrMapping/>
+  </p:clrMapOvr>
+</p:sld>
+</file>
+
+<file path=ppt/slides/slide17.xml><?xml version="1.0" encoding="utf-8"?>
+<p:sld xmlns:a="http://schemas.openxmlformats.org/drawingml/2006/main" xmlns:r="http://schemas.openxmlformats.org/officeDocument/2006/relationships" xmlns:p="http://schemas.openxmlformats.org/presentationml/2006/main">
+  <p:cSld>
+    <p:spTree>
+      <p:nvGrpSpPr>
+        <p:cNvPr id="1" name=""/>
+        <p:cNvGrpSpPr/>
+        <p:nvPr/>
+      </p:nvGrpSpPr>
+      <p:grpSpPr>
+        <a:xfrm>
+          <a:off x="0" y="0"/>
+          <a:ext cx="0" cy="0"/>
+          <a:chOff x="0" y="0"/>
+          <a:chExt cx="0" cy="0"/>
+        </a:xfrm>
+      </p:grpSpPr>
+      <p:sp>
+        <p:nvSpPr>
+          <p:cNvPr id="3" name="Content Placeholder 2">
+            <a:extLst>
+              <a:ext uri="{FF2B5EF4-FFF2-40B4-BE49-F238E27FC236}">
+                <a16:creationId xmlns:a16="http://schemas.microsoft.com/office/drawing/2014/main" id="{AB7A56BC-1341-4751-8F7F-D17CE60EAF0C}"/>
+              </a:ext>
+            </a:extLst>
+          </p:cNvPr>
+          <p:cNvSpPr>
+            <a:spLocks noGrp="1"/>
+          </p:cNvSpPr>
+          <p:nvPr>
+            <p:ph idx="1"/>
+          </p:nvPr>
+        </p:nvSpPr>
+        <p:spPr>
+          <a:xfrm>
+            <a:off x="1729812" y="1094881"/>
+            <a:ext cx="9561965" cy="669851"/>
+          </a:xfrm>
+        </p:spPr>
+        <p:txBody>
+          <a:bodyPr>
+            <a:normAutofit/>
+          </a:bodyPr>
+          <a:lstStyle/>
+          <a:p>
+            <a:r>
+              <a:rPr lang="en-US" dirty="0" err="1">
+                <a:latin typeface="Arial" panose="020B0604020202020204" pitchFamily="34" charset="0"/>
+                <a:cs typeface="Arial" panose="020B0604020202020204" pitchFamily="34" charset="0"/>
+              </a:rPr>
+              <a:t>Từ</a:t>
+            </a:r>
+            <a:r>
+              <a:rPr lang="en-US" dirty="0">
+                <a:latin typeface="Arial" panose="020B0604020202020204" pitchFamily="34" charset="0"/>
+                <a:cs typeface="Arial" panose="020B0604020202020204" pitchFamily="34" charset="0"/>
+              </a:rPr>
+              <a:t> “He” </a:t>
+            </a:r>
+            <a:r>
+              <a:rPr lang="en-US" dirty="0" err="1">
+                <a:latin typeface="Arial" panose="020B0604020202020204" pitchFamily="34" charset="0"/>
+                <a:cs typeface="Arial" panose="020B0604020202020204" pitchFamily="34" charset="0"/>
+              </a:rPr>
+              <a:t>và</a:t>
+            </a:r>
+            <a:r>
+              <a:rPr lang="en-US" dirty="0">
+                <a:latin typeface="Arial" panose="020B0604020202020204" pitchFamily="34" charset="0"/>
+                <a:cs typeface="Arial" panose="020B0604020202020204" pitchFamily="34" charset="0"/>
+              </a:rPr>
+              <a:t> “his” </a:t>
+            </a:r>
+            <a:r>
+              <a:rPr lang="en-US" dirty="0" err="1">
+                <a:latin typeface="Arial" panose="020B0604020202020204" pitchFamily="34" charset="0"/>
+                <a:cs typeface="Arial" panose="020B0604020202020204" pitchFamily="34" charset="0"/>
+              </a:rPr>
+              <a:t>cùng</a:t>
+            </a:r>
+            <a:r>
+              <a:rPr lang="en-US" dirty="0">
+                <a:latin typeface="Arial" panose="020B0604020202020204" pitchFamily="34" charset="0"/>
+                <a:cs typeface="Arial" panose="020B0604020202020204" pitchFamily="34" charset="0"/>
+              </a:rPr>
+              <a:t> </a:t>
+            </a:r>
+            <a:r>
+              <a:rPr lang="en-US" dirty="0" err="1">
+                <a:latin typeface="Arial" panose="020B0604020202020204" pitchFamily="34" charset="0"/>
+                <a:cs typeface="Arial" panose="020B0604020202020204" pitchFamily="34" charset="0"/>
+              </a:rPr>
+              <a:t>đề</a:t>
+            </a:r>
+            <a:r>
+              <a:rPr lang="en-US" dirty="0">
+                <a:latin typeface="Arial" panose="020B0604020202020204" pitchFamily="34" charset="0"/>
+                <a:cs typeface="Arial" panose="020B0604020202020204" pitchFamily="34" charset="0"/>
+              </a:rPr>
+              <a:t> </a:t>
+            </a:r>
+            <a:r>
+              <a:rPr lang="en-US" dirty="0" err="1">
+                <a:latin typeface="Arial" panose="020B0604020202020204" pitchFamily="34" charset="0"/>
+                <a:cs typeface="Arial" panose="020B0604020202020204" pitchFamily="34" charset="0"/>
+              </a:rPr>
+              <a:t>cập</a:t>
+            </a:r>
+            <a:r>
+              <a:rPr lang="en-US" dirty="0">
+                <a:latin typeface="Arial" panose="020B0604020202020204" pitchFamily="34" charset="0"/>
+                <a:cs typeface="Arial" panose="020B0604020202020204" pitchFamily="34" charset="0"/>
+              </a:rPr>
+              <a:t> </a:t>
+            </a:r>
+            <a:r>
+              <a:rPr lang="en-US" dirty="0" err="1">
+                <a:latin typeface="Arial" panose="020B0604020202020204" pitchFamily="34" charset="0"/>
+                <a:cs typeface="Arial" panose="020B0604020202020204" pitchFamily="34" charset="0"/>
+              </a:rPr>
+              <a:t>đến</a:t>
+            </a:r>
+            <a:r>
+              <a:rPr lang="en-US" dirty="0">
+                <a:latin typeface="Arial" panose="020B0604020202020204" pitchFamily="34" charset="0"/>
+                <a:cs typeface="Arial" panose="020B0604020202020204" pitchFamily="34" charset="0"/>
+              </a:rPr>
+              <a:t> </a:t>
+            </a:r>
+            <a:r>
+              <a:rPr lang="en-US" dirty="0" err="1">
+                <a:latin typeface="Arial" panose="020B0604020202020204" pitchFamily="34" charset="0"/>
+                <a:cs typeface="Arial" panose="020B0604020202020204" pitchFamily="34" charset="0"/>
+              </a:rPr>
+              <a:t>một</a:t>
+            </a:r>
+            <a:r>
+              <a:rPr lang="en-US" dirty="0">
+                <a:latin typeface="Arial" panose="020B0604020202020204" pitchFamily="34" charset="0"/>
+                <a:cs typeface="Arial" panose="020B0604020202020204" pitchFamily="34" charset="0"/>
+              </a:rPr>
+              <a:t> </a:t>
+            </a:r>
+            <a:r>
+              <a:rPr lang="en-US" dirty="0" err="1">
+                <a:latin typeface="Arial" panose="020B0604020202020204" pitchFamily="34" charset="0"/>
+                <a:cs typeface="Arial" panose="020B0604020202020204" pitchFamily="34" charset="0"/>
+              </a:rPr>
+              <a:t>thực</a:t>
+            </a:r>
+            <a:r>
+              <a:rPr lang="en-US" dirty="0">
+                <a:latin typeface="Arial" panose="020B0604020202020204" pitchFamily="34" charset="0"/>
+                <a:cs typeface="Arial" panose="020B0604020202020204" pitchFamily="34" charset="0"/>
+              </a:rPr>
+              <a:t> </a:t>
+            </a:r>
+            <a:r>
+              <a:rPr lang="en-US" dirty="0" err="1">
+                <a:latin typeface="Arial" panose="020B0604020202020204" pitchFamily="34" charset="0"/>
+                <a:cs typeface="Arial" panose="020B0604020202020204" pitchFamily="34" charset="0"/>
+              </a:rPr>
+              <a:t>thể</a:t>
+            </a:r>
+            <a:r>
+              <a:rPr lang="en-US" dirty="0">
+                <a:latin typeface="Arial" panose="020B0604020202020204" pitchFamily="34" charset="0"/>
+                <a:cs typeface="Arial" panose="020B0604020202020204" pitchFamily="34" charset="0"/>
+              </a:rPr>
+              <a:t> </a:t>
+            </a:r>
+            <a:r>
+              <a:rPr lang="en-US" dirty="0" err="1">
+                <a:latin typeface="Arial" panose="020B0604020202020204" pitchFamily="34" charset="0"/>
+                <a:cs typeface="Arial" panose="020B0604020202020204" pitchFamily="34" charset="0"/>
+              </a:rPr>
+              <a:t>là</a:t>
+            </a:r>
+            <a:r>
+              <a:rPr lang="en-US" dirty="0">
+                <a:latin typeface="Arial" panose="020B0604020202020204" pitchFamily="34" charset="0"/>
+                <a:cs typeface="Arial" panose="020B0604020202020204" pitchFamily="34" charset="0"/>
+              </a:rPr>
+              <a:t> “Barack Obama”</a:t>
+            </a:r>
+          </a:p>
+        </p:txBody>
+      </p:sp>
+      <p:pic>
+        <p:nvPicPr>
+          <p:cNvPr id="4" name="Picture 3">
+            <a:extLst>
+              <a:ext uri="{FF2B5EF4-FFF2-40B4-BE49-F238E27FC236}">
+                <a16:creationId xmlns:a16="http://schemas.microsoft.com/office/drawing/2014/main" id="{13F94AAC-BF28-4B9A-942C-ECE96C34043D}"/>
+              </a:ext>
+            </a:extLst>
+          </p:cNvPr>
+          <p:cNvPicPr/>
+          <p:nvPr/>
+        </p:nvPicPr>
+        <p:blipFill>
+          <a:blip r:embed="rId2">
+            <a:extLst>
+              <a:ext uri="{28A0092B-C50C-407E-A947-70E740481C1C}">
+                <a14:useLocalDpi xmlns:a14="http://schemas.microsoft.com/office/drawing/2010/main" val="0"/>
+              </a:ext>
+            </a:extLst>
+          </a:blip>
+          <a:stretch>
+            <a:fillRect/>
+          </a:stretch>
+        </p:blipFill>
+        <p:spPr>
+          <a:xfrm>
+            <a:off x="2970512" y="1764732"/>
+            <a:ext cx="6205176" cy="1446029"/>
+          </a:xfrm>
+          <a:prstGeom prst="rect">
+            <a:avLst/>
+          </a:prstGeom>
+        </p:spPr>
+      </p:pic>
+      <p:pic>
+        <p:nvPicPr>
+          <p:cNvPr id="6" name="Picture 5">
+            <a:extLst>
+              <a:ext uri="{FF2B5EF4-FFF2-40B4-BE49-F238E27FC236}">
+                <a16:creationId xmlns:a16="http://schemas.microsoft.com/office/drawing/2014/main" id="{AB63A977-E977-4D15-A0CA-54479F007C84}"/>
+              </a:ext>
+            </a:extLst>
+          </p:cNvPr>
+          <p:cNvPicPr/>
+          <p:nvPr/>
+        </p:nvPicPr>
+        <p:blipFill>
+          <a:blip r:embed="rId3">
+            <a:extLst>
+              <a:ext uri="{28A0092B-C50C-407E-A947-70E740481C1C}">
+                <a14:useLocalDpi xmlns:a14="http://schemas.microsoft.com/office/drawing/2010/main" val="0"/>
+              </a:ext>
+            </a:extLst>
+          </a:blip>
+          <a:stretch>
+            <a:fillRect/>
+          </a:stretch>
+        </p:blipFill>
+        <p:spPr>
+          <a:xfrm>
+            <a:off x="2970512" y="4215537"/>
+            <a:ext cx="6205176" cy="1429531"/>
+          </a:xfrm>
+          <a:prstGeom prst="rect">
+            <a:avLst/>
+          </a:prstGeom>
+        </p:spPr>
+      </p:pic>
+      <p:sp>
+        <p:nvSpPr>
+          <p:cNvPr id="7" name="Title 1">
+            <a:extLst>
+              <a:ext uri="{FF2B5EF4-FFF2-40B4-BE49-F238E27FC236}">
+                <a16:creationId xmlns:a16="http://schemas.microsoft.com/office/drawing/2014/main" id="{D2FA14C9-7F52-4427-98FE-522E97A1F819}"/>
+              </a:ext>
+            </a:extLst>
+          </p:cNvPr>
+          <p:cNvSpPr>
+            <a:spLocks noGrp="1"/>
+          </p:cNvSpPr>
+          <p:nvPr>
+            <p:ph type="title"/>
+          </p:nvPr>
+        </p:nvSpPr>
+        <p:spPr>
+          <a:xfrm>
+            <a:off x="1729812" y="266482"/>
+            <a:ext cx="7445876" cy="585734"/>
+          </a:xfrm>
+        </p:spPr>
+        <p:txBody>
+          <a:bodyPr anchor="t">
+            <a:normAutofit fontScale="90000"/>
+          </a:bodyPr>
+          <a:lstStyle/>
+          <a:p>
+            <a:pPr algn="l"/>
+            <a:r>
+              <a:rPr lang="en-US" b="1" dirty="0">
+                <a:solidFill>
+                  <a:srgbClr val="0000FF"/>
+                </a:solidFill>
+                <a:latin typeface="Times New Roman" panose="02020603050405020304" pitchFamily="18" charset="0"/>
+                <a:cs typeface="Times New Roman" panose="02020603050405020304" pitchFamily="18" charset="0"/>
+              </a:rPr>
+              <a:t>Conference Resolution</a:t>
+            </a:r>
+            <a:br>
+              <a:rPr lang="en-US" b="1" dirty="0">
+                <a:solidFill>
+                  <a:srgbClr val="0000FF"/>
+                </a:solidFill>
+                <a:latin typeface="Times New Roman" panose="02020603050405020304" pitchFamily="18" charset="0"/>
+                <a:cs typeface="Times New Roman" panose="02020603050405020304" pitchFamily="18" charset="0"/>
+              </a:rPr>
+            </a:br>
+            <a:endParaRPr lang="en-US" b="1" dirty="0">
+              <a:solidFill>
+                <a:srgbClr val="0000FF"/>
+              </a:solidFill>
+              <a:latin typeface="Times New Roman" panose="02020603050405020304" pitchFamily="18" charset="0"/>
+              <a:cs typeface="Times New Roman" panose="02020603050405020304" pitchFamily="18" charset="0"/>
+            </a:endParaRPr>
+          </a:p>
+        </p:txBody>
+      </p:sp>
+      <p:sp>
+        <p:nvSpPr>
+          <p:cNvPr id="8" name="Content Placeholder 2">
+            <a:extLst>
+              <a:ext uri="{FF2B5EF4-FFF2-40B4-BE49-F238E27FC236}">
+                <a16:creationId xmlns:a16="http://schemas.microsoft.com/office/drawing/2014/main" id="{9D17A0BE-0157-489F-8AF2-1EFA0CCEBEFB}"/>
+              </a:ext>
+            </a:extLst>
+          </p:cNvPr>
+          <p:cNvSpPr txBox="1">
+            <a:spLocks/>
+          </p:cNvSpPr>
+          <p:nvPr/>
+        </p:nvSpPr>
+        <p:spPr>
+          <a:xfrm>
+            <a:off x="1729812" y="3545686"/>
+            <a:ext cx="9561965" cy="669851"/>
+          </a:xfrm>
+          <a:prstGeom prst="rect">
+            <a:avLst/>
+          </a:prstGeom>
+        </p:spPr>
+        <p:txBody>
+          <a:bodyPr vert="horz" lIns="91440" tIns="45720" rIns="91440" bIns="45720" rtlCol="0" anchor="ctr">
+            <a:normAutofit fontScale="92500"/>
+          </a:bodyPr>
+          <a:lstStyle>
+            <a:lvl1pPr marL="285750" indent="-285750" algn="l" defTabSz="457200" rtl="0" eaLnBrk="1" latinLnBrk="0" hangingPunct="1">
+              <a:spcBef>
+                <a:spcPct val="20000"/>
+              </a:spcBef>
+              <a:spcAft>
+                <a:spcPts val="600"/>
+              </a:spcAft>
+              <a:buClr>
+                <a:schemeClr val="accent1">
+                  <a:lumMod val="75000"/>
+                </a:schemeClr>
+              </a:buClr>
+              <a:buSzPct val="145000"/>
+              <a:buFont typeface="Arial"/>
+              <a:buChar char="•"/>
+              <a:defRPr sz="2400" kern="1200" cap="none">
+                <a:solidFill>
+                  <a:schemeClr val="tx1"/>
+                </a:solidFill>
+                <a:effectLst/>
+                <a:latin typeface="+mn-lt"/>
+                <a:ea typeface="+mn-ea"/>
+                <a:cs typeface="+mn-cs"/>
+              </a:defRPr>
+            </a:lvl1pPr>
+            <a:lvl2pPr marL="742950" indent="-285750" algn="l" defTabSz="457200" rtl="0" eaLnBrk="1" latinLnBrk="0" hangingPunct="1">
+              <a:spcBef>
+                <a:spcPct val="20000"/>
+              </a:spcBef>
+              <a:spcAft>
+                <a:spcPts val="600"/>
+              </a:spcAft>
+              <a:buClr>
+                <a:schemeClr val="accent1">
+                  <a:lumMod val="75000"/>
+                </a:schemeClr>
+              </a:buClr>
+              <a:buSzPct val="145000"/>
+              <a:buFont typeface="Arial"/>
+              <a:buChar char="•"/>
+              <a:defRPr sz="2000" kern="1200" cap="none">
+                <a:solidFill>
+                  <a:schemeClr val="tx1"/>
+                </a:solidFill>
+                <a:effectLst/>
+                <a:latin typeface="+mn-lt"/>
+                <a:ea typeface="+mn-ea"/>
+                <a:cs typeface="+mn-cs"/>
+              </a:defRPr>
+            </a:lvl2pPr>
+            <a:lvl3pPr marL="1200150" indent="-285750" algn="l" defTabSz="457200" rtl="0" eaLnBrk="1" latinLnBrk="0" hangingPunct="1">
+              <a:spcBef>
+                <a:spcPct val="20000"/>
+              </a:spcBef>
+              <a:spcAft>
+                <a:spcPts val="600"/>
+              </a:spcAft>
+              <a:buClr>
+                <a:schemeClr val="accent1">
+                  <a:lumMod val="75000"/>
+                </a:schemeClr>
+              </a:buClr>
+              <a:buSzPct val="145000"/>
+              <a:buFont typeface="Arial"/>
+              <a:buChar char="•"/>
+              <a:defRPr sz="1800" kern="1200" cap="none">
+                <a:solidFill>
+                  <a:schemeClr val="tx1"/>
+                </a:solidFill>
+                <a:effectLst/>
+                <a:latin typeface="+mn-lt"/>
+                <a:ea typeface="+mn-ea"/>
+                <a:cs typeface="+mn-cs"/>
+              </a:defRPr>
+            </a:lvl3pPr>
+            <a:lvl4pPr marL="1543050" indent="-171450" algn="l" defTabSz="457200" rtl="0" eaLnBrk="1" latinLnBrk="0" hangingPunct="1">
+              <a:spcBef>
+                <a:spcPct val="20000"/>
+              </a:spcBef>
+              <a:spcAft>
+                <a:spcPts val="600"/>
+              </a:spcAft>
+              <a:buClr>
+                <a:schemeClr val="accent1">
+                  <a:lumMod val="75000"/>
+                </a:schemeClr>
+              </a:buClr>
+              <a:buSzPct val="145000"/>
+              <a:buFont typeface="Arial"/>
+              <a:buChar char="•"/>
+              <a:defRPr sz="1600" kern="1200" cap="none">
+                <a:solidFill>
+                  <a:schemeClr val="tx1"/>
+                </a:solidFill>
+                <a:effectLst/>
+                <a:latin typeface="+mn-lt"/>
+                <a:ea typeface="+mn-ea"/>
+                <a:cs typeface="+mn-cs"/>
+              </a:defRPr>
+            </a:lvl4pPr>
+            <a:lvl5pPr marL="2000250" indent="-171450" algn="l" defTabSz="457200" rtl="0" eaLnBrk="1" latinLnBrk="0" hangingPunct="1">
+              <a:spcBef>
+                <a:spcPct val="20000"/>
+              </a:spcBef>
+              <a:spcAft>
+                <a:spcPts val="600"/>
+              </a:spcAft>
+              <a:buClr>
+                <a:schemeClr val="accent1">
+                  <a:lumMod val="75000"/>
+                </a:schemeClr>
+              </a:buClr>
+              <a:buSzPct val="145000"/>
+              <a:buFont typeface="Arial"/>
+              <a:buChar char="•"/>
+              <a:defRPr sz="1400" kern="1200" cap="none">
+                <a:solidFill>
+                  <a:schemeClr val="tx1"/>
+                </a:solidFill>
+                <a:effectLst/>
+                <a:latin typeface="+mn-lt"/>
+                <a:ea typeface="+mn-ea"/>
+                <a:cs typeface="+mn-cs"/>
+              </a:defRPr>
+            </a:lvl5pPr>
+            <a:lvl6pPr marL="2514600" indent="-228600" algn="l" defTabSz="457200" rtl="0" eaLnBrk="1" latinLnBrk="0" hangingPunct="1">
+              <a:spcBef>
+                <a:spcPct val="20000"/>
+              </a:spcBef>
+              <a:spcAft>
+                <a:spcPts val="600"/>
+              </a:spcAft>
+              <a:buClr>
+                <a:schemeClr val="accent1">
+                  <a:lumMod val="75000"/>
+                </a:schemeClr>
+              </a:buClr>
+              <a:buSzPct val="145000"/>
+              <a:buFont typeface="Arial"/>
+              <a:buChar char="•"/>
+              <a:defRPr sz="1400" kern="1200" cap="none">
+                <a:solidFill>
+                  <a:schemeClr val="tx1"/>
+                </a:solidFill>
+                <a:effectLst/>
+                <a:latin typeface="+mn-lt"/>
+                <a:ea typeface="+mn-ea"/>
+                <a:cs typeface="+mn-cs"/>
+              </a:defRPr>
+            </a:lvl6pPr>
+            <a:lvl7pPr marL="2971800" indent="-228600" algn="l" defTabSz="457200" rtl="0" eaLnBrk="1" latinLnBrk="0" hangingPunct="1">
+              <a:spcBef>
+                <a:spcPct val="20000"/>
+              </a:spcBef>
+              <a:spcAft>
+                <a:spcPts val="600"/>
+              </a:spcAft>
+              <a:buClr>
+                <a:schemeClr val="accent1">
+                  <a:lumMod val="75000"/>
+                </a:schemeClr>
+              </a:buClr>
+              <a:buSzPct val="145000"/>
+              <a:buFont typeface="Arial"/>
+              <a:buChar char="•"/>
+              <a:defRPr sz="1400" kern="1200" cap="none">
+                <a:solidFill>
+                  <a:schemeClr val="tx1"/>
+                </a:solidFill>
+                <a:effectLst/>
+                <a:latin typeface="+mn-lt"/>
+                <a:ea typeface="+mn-ea"/>
+                <a:cs typeface="+mn-cs"/>
+              </a:defRPr>
+            </a:lvl7pPr>
+            <a:lvl8pPr marL="3429000" indent="-228600" algn="l" defTabSz="457200" rtl="0" eaLnBrk="1" latinLnBrk="0" hangingPunct="1">
+              <a:spcBef>
+                <a:spcPct val="20000"/>
+              </a:spcBef>
+              <a:spcAft>
+                <a:spcPts val="600"/>
+              </a:spcAft>
+              <a:buClr>
+                <a:schemeClr val="accent1">
+                  <a:lumMod val="75000"/>
+                </a:schemeClr>
+              </a:buClr>
+              <a:buSzPct val="145000"/>
+              <a:buFont typeface="Arial"/>
+              <a:buChar char="•"/>
+              <a:defRPr sz="1400" kern="1200" cap="none">
+                <a:solidFill>
+                  <a:schemeClr val="tx1"/>
+                </a:solidFill>
+                <a:effectLst/>
+                <a:latin typeface="+mn-lt"/>
+                <a:ea typeface="+mn-ea"/>
+                <a:cs typeface="+mn-cs"/>
+              </a:defRPr>
+            </a:lvl8pPr>
+            <a:lvl9pPr marL="3886200" indent="-228600" algn="l" defTabSz="457200" rtl="0" eaLnBrk="1" latinLnBrk="0" hangingPunct="1">
+              <a:spcBef>
+                <a:spcPct val="20000"/>
+              </a:spcBef>
+              <a:spcAft>
+                <a:spcPts val="600"/>
+              </a:spcAft>
+              <a:buClr>
+                <a:schemeClr val="accent1">
+                  <a:lumMod val="75000"/>
+                </a:schemeClr>
+              </a:buClr>
+              <a:buSzPct val="145000"/>
+              <a:buFont typeface="Arial"/>
+              <a:buChar char="•"/>
+              <a:defRPr sz="1400" kern="1200" cap="none">
+                <a:solidFill>
+                  <a:schemeClr val="tx1"/>
+                </a:solidFill>
+                <a:effectLst/>
+                <a:latin typeface="+mn-lt"/>
+                <a:ea typeface="+mn-ea"/>
+                <a:cs typeface="+mn-cs"/>
+              </a:defRPr>
+            </a:lvl9pPr>
+          </a:lstStyle>
+          <a:p>
+            <a:r>
+              <a:rPr lang="en-US" dirty="0" err="1">
+                <a:latin typeface="Arial" panose="020B0604020202020204" pitchFamily="34" charset="0"/>
+                <a:cs typeface="Arial" panose="020B0604020202020204" pitchFamily="34" charset="0"/>
+              </a:rPr>
+              <a:t>Từ</a:t>
+            </a:r>
+            <a:r>
+              <a:rPr lang="en-US" dirty="0">
+                <a:latin typeface="Arial" panose="020B0604020202020204" pitchFamily="34" charset="0"/>
+                <a:cs typeface="Arial" panose="020B0604020202020204" pitchFamily="34" charset="0"/>
+              </a:rPr>
+              <a:t> “her” </a:t>
+            </a:r>
+            <a:r>
+              <a:rPr lang="en-US" dirty="0" err="1">
+                <a:latin typeface="Arial" panose="020B0604020202020204" pitchFamily="34" charset="0"/>
+                <a:cs typeface="Arial" panose="020B0604020202020204" pitchFamily="34" charset="0"/>
+              </a:rPr>
+              <a:t>và</a:t>
+            </a:r>
+            <a:r>
+              <a:rPr lang="en-US" dirty="0">
+                <a:latin typeface="Arial" panose="020B0604020202020204" pitchFamily="34" charset="0"/>
+                <a:cs typeface="Arial" panose="020B0604020202020204" pitchFamily="34" charset="0"/>
+              </a:rPr>
+              <a:t> “she” </a:t>
+            </a:r>
+            <a:r>
+              <a:rPr lang="en-US" dirty="0" err="1">
+                <a:latin typeface="Arial" panose="020B0604020202020204" pitchFamily="34" charset="0"/>
+                <a:cs typeface="Arial" panose="020B0604020202020204" pitchFamily="34" charset="0"/>
+              </a:rPr>
+              <a:t>cùng</a:t>
+            </a:r>
+            <a:r>
+              <a:rPr lang="en-US" dirty="0">
+                <a:latin typeface="Arial" panose="020B0604020202020204" pitchFamily="34" charset="0"/>
+                <a:cs typeface="Arial" panose="020B0604020202020204" pitchFamily="34" charset="0"/>
+              </a:rPr>
+              <a:t> </a:t>
+            </a:r>
+            <a:r>
+              <a:rPr lang="en-US" dirty="0" err="1">
+                <a:latin typeface="Arial" panose="020B0604020202020204" pitchFamily="34" charset="0"/>
+                <a:cs typeface="Arial" panose="020B0604020202020204" pitchFamily="34" charset="0"/>
+              </a:rPr>
+              <a:t>đề</a:t>
+            </a:r>
+            <a:r>
+              <a:rPr lang="en-US" dirty="0">
+                <a:latin typeface="Arial" panose="020B0604020202020204" pitchFamily="34" charset="0"/>
+                <a:cs typeface="Arial" panose="020B0604020202020204" pitchFamily="34" charset="0"/>
+              </a:rPr>
+              <a:t> </a:t>
+            </a:r>
+            <a:r>
+              <a:rPr lang="en-US" dirty="0" err="1">
+                <a:latin typeface="Arial" panose="020B0604020202020204" pitchFamily="34" charset="0"/>
+                <a:cs typeface="Arial" panose="020B0604020202020204" pitchFamily="34" charset="0"/>
+              </a:rPr>
+              <a:t>cập</a:t>
+            </a:r>
+            <a:r>
+              <a:rPr lang="en-US" dirty="0">
+                <a:latin typeface="Arial" panose="020B0604020202020204" pitchFamily="34" charset="0"/>
+                <a:cs typeface="Arial" panose="020B0604020202020204" pitchFamily="34" charset="0"/>
+              </a:rPr>
+              <a:t> </a:t>
+            </a:r>
+            <a:r>
+              <a:rPr lang="en-US" dirty="0" err="1">
+                <a:latin typeface="Arial" panose="020B0604020202020204" pitchFamily="34" charset="0"/>
+                <a:cs typeface="Arial" panose="020B0604020202020204" pitchFamily="34" charset="0"/>
+              </a:rPr>
+              <a:t>đến</a:t>
+            </a:r>
+            <a:r>
+              <a:rPr lang="en-US" dirty="0">
+                <a:latin typeface="Arial" panose="020B0604020202020204" pitchFamily="34" charset="0"/>
+                <a:cs typeface="Arial" panose="020B0604020202020204" pitchFamily="34" charset="0"/>
+              </a:rPr>
+              <a:t> </a:t>
+            </a:r>
+            <a:r>
+              <a:rPr lang="en-US" dirty="0" err="1">
+                <a:latin typeface="Arial" panose="020B0604020202020204" pitchFamily="34" charset="0"/>
+                <a:cs typeface="Arial" panose="020B0604020202020204" pitchFamily="34" charset="0"/>
+              </a:rPr>
+              <a:t>thực</a:t>
+            </a:r>
+            <a:r>
+              <a:rPr lang="en-US" dirty="0">
+                <a:latin typeface="Arial" panose="020B0604020202020204" pitchFamily="34" charset="0"/>
+                <a:cs typeface="Arial" panose="020B0604020202020204" pitchFamily="34" charset="0"/>
+              </a:rPr>
+              <a:t> </a:t>
+            </a:r>
+            <a:r>
+              <a:rPr lang="en-US" dirty="0" err="1">
+                <a:latin typeface="Arial" panose="020B0604020202020204" pitchFamily="34" charset="0"/>
+                <a:cs typeface="Arial" panose="020B0604020202020204" pitchFamily="34" charset="0"/>
+              </a:rPr>
+              <a:t>thể</a:t>
+            </a:r>
+            <a:r>
+              <a:rPr lang="en-US" dirty="0">
+                <a:latin typeface="Arial" panose="020B0604020202020204" pitchFamily="34" charset="0"/>
+                <a:cs typeface="Arial" panose="020B0604020202020204" pitchFamily="34" charset="0"/>
+              </a:rPr>
+              <a:t> </a:t>
+            </a:r>
+            <a:r>
+              <a:rPr lang="en-US" dirty="0" err="1">
+                <a:latin typeface="Arial" panose="020B0604020202020204" pitchFamily="34" charset="0"/>
+                <a:cs typeface="Arial" panose="020B0604020202020204" pitchFamily="34" charset="0"/>
+              </a:rPr>
+              <a:t>là</a:t>
+            </a:r>
+            <a:r>
+              <a:rPr lang="en-US" dirty="0">
+                <a:latin typeface="Arial" panose="020B0604020202020204" pitchFamily="34" charset="0"/>
+                <a:cs typeface="Arial" panose="020B0604020202020204" pitchFamily="34" charset="0"/>
+              </a:rPr>
+              <a:t> “Hillary Rodham Clinton”</a:t>
+            </a:r>
+          </a:p>
+        </p:txBody>
+      </p:sp>
+    </p:spTree>
+    <p:extLst>
+      <p:ext uri="{BB962C8B-B14F-4D97-AF65-F5344CB8AC3E}">
+        <p14:creationId xmlns:p14="http://schemas.microsoft.com/office/powerpoint/2010/main" val="903229568"/>
+      </p:ext>
+    </p:extLst>
+  </p:cSld>
+  <p:clrMapOvr>
+    <a:masterClrMapping/>
+  </p:clrMapOvr>
+</p:sld>
+</file>
+
+<file path=ppt/slides/slide18.xml><?xml version="1.0" encoding="utf-8"?>
+<p:sld xmlns:a="http://schemas.openxmlformats.org/drawingml/2006/main" xmlns:r="http://schemas.openxmlformats.org/officeDocument/2006/relationships" xmlns:p="http://schemas.openxmlformats.org/presentationml/2006/main">
+  <p:cSld>
+    <p:spTree>
+      <p:nvGrpSpPr>
+        <p:cNvPr id="1" name=""/>
+        <p:cNvGrpSpPr/>
+        <p:nvPr/>
+      </p:nvGrpSpPr>
+      <p:grpSpPr>
+        <a:xfrm>
+          <a:off x="0" y="0"/>
+          <a:ext cx="0" cy="0"/>
+          <a:chOff x="0" y="0"/>
+          <a:chExt cx="0" cy="0"/>
+        </a:xfrm>
+      </p:grpSpPr>
+      <p:sp>
+        <p:nvSpPr>
+          <p:cNvPr id="3" name="Content Placeholder 2">
+            <a:extLst>
+              <a:ext uri="{FF2B5EF4-FFF2-40B4-BE49-F238E27FC236}">
+                <a16:creationId xmlns:a16="http://schemas.microsoft.com/office/drawing/2014/main" id="{54B66AE5-AB41-48F0-AD40-B5D720DAA0EE}"/>
+              </a:ext>
+            </a:extLst>
+          </p:cNvPr>
+          <p:cNvSpPr>
+            <a:spLocks noGrp="1"/>
+          </p:cNvSpPr>
+          <p:nvPr>
+            <p:ph idx="1"/>
+          </p:nvPr>
+        </p:nvSpPr>
+        <p:spPr>
+          <a:xfrm>
+            <a:off x="1729812" y="965790"/>
+            <a:ext cx="10051062" cy="5158564"/>
+          </a:xfrm>
+        </p:spPr>
+        <p:txBody>
+          <a:bodyPr anchor="t">
+            <a:normAutofit/>
+          </a:bodyPr>
+          <a:lstStyle/>
+          <a:p>
+            <a:pPr>
+              <a:lnSpc>
+                <a:spcPct val="150000"/>
+              </a:lnSpc>
+              <a:spcBef>
+                <a:spcPts val="0"/>
+              </a:spcBef>
+              <a:spcAft>
+                <a:spcPts val="0"/>
+              </a:spcAft>
+            </a:pPr>
+            <a:r>
+              <a:rPr lang="en-US" dirty="0">
+                <a:latin typeface="Arial" panose="020B0604020202020204" pitchFamily="34" charset="0"/>
+                <a:cs typeface="Arial" panose="020B0604020202020204" pitchFamily="34" charset="0"/>
+              </a:rPr>
+              <a:t>Coreference resolution </a:t>
+            </a:r>
+            <a:r>
+              <a:rPr lang="en-US" dirty="0" err="1">
+                <a:latin typeface="Arial" panose="020B0604020202020204" pitchFamily="34" charset="0"/>
+                <a:cs typeface="Arial" panose="020B0604020202020204" pitchFamily="34" charset="0"/>
+              </a:rPr>
+              <a:t>trong</a:t>
+            </a:r>
+            <a:r>
+              <a:rPr lang="en-US" dirty="0">
+                <a:latin typeface="Arial" panose="020B0604020202020204" pitchFamily="34" charset="0"/>
+                <a:cs typeface="Arial" panose="020B0604020202020204" pitchFamily="34" charset="0"/>
+              </a:rPr>
+              <a:t> Stanford </a:t>
+            </a:r>
+            <a:r>
+              <a:rPr lang="en-US" dirty="0" err="1">
+                <a:latin typeface="Arial" panose="020B0604020202020204" pitchFamily="34" charset="0"/>
+                <a:cs typeface="Arial" panose="020B0604020202020204" pitchFamily="34" charset="0"/>
+              </a:rPr>
+              <a:t>CoreNLP</a:t>
+            </a:r>
+            <a:r>
+              <a:rPr lang="en-US" dirty="0">
+                <a:latin typeface="Arial" panose="020B0604020202020204" pitchFamily="34" charset="0"/>
+                <a:cs typeface="Arial" panose="020B0604020202020204" pitchFamily="34" charset="0"/>
+              </a:rPr>
+              <a:t> </a:t>
+            </a:r>
+            <a:r>
+              <a:rPr lang="en-US" dirty="0" err="1">
+                <a:latin typeface="Arial" panose="020B0604020202020204" pitchFamily="34" charset="0"/>
+                <a:cs typeface="Arial" panose="020B0604020202020204" pitchFamily="34" charset="0"/>
+              </a:rPr>
+              <a:t>dùng</a:t>
+            </a:r>
+            <a:r>
+              <a:rPr lang="en-US" dirty="0">
+                <a:latin typeface="Arial" panose="020B0604020202020204" pitchFamily="34" charset="0"/>
+                <a:cs typeface="Arial" panose="020B0604020202020204" pitchFamily="34" charset="0"/>
+              </a:rPr>
+              <a:t> </a:t>
+            </a:r>
+            <a:r>
+              <a:rPr lang="en-US" dirty="0" err="1">
+                <a:latin typeface="Arial" panose="020B0604020202020204" pitchFamily="34" charset="0"/>
+                <a:cs typeface="Arial" panose="020B0604020202020204" pitchFamily="34" charset="0"/>
+              </a:rPr>
+              <a:t>CorefAnnotator</a:t>
+            </a:r>
+            <a:r>
+              <a:rPr lang="en-US" dirty="0">
+                <a:latin typeface="Arial" panose="020B0604020202020204" pitchFamily="34" charset="0"/>
+                <a:cs typeface="Arial" panose="020B0604020202020204" pitchFamily="34" charset="0"/>
+              </a:rPr>
+              <a:t> </a:t>
+            </a:r>
+            <a:r>
+              <a:rPr lang="en-US" dirty="0" err="1">
+                <a:latin typeface="Arial" panose="020B0604020202020204" pitchFamily="34" charset="0"/>
+                <a:cs typeface="Arial" panose="020B0604020202020204" pitchFamily="34" charset="0"/>
+              </a:rPr>
+              <a:t>để</a:t>
+            </a:r>
+            <a:r>
+              <a:rPr lang="en-US" dirty="0">
+                <a:latin typeface="Arial" panose="020B0604020202020204" pitchFamily="34" charset="0"/>
+                <a:cs typeface="Arial" panose="020B0604020202020204" pitchFamily="34" charset="0"/>
+              </a:rPr>
+              <a:t> </a:t>
+            </a:r>
+            <a:r>
+              <a:rPr lang="en-US" dirty="0" err="1">
+                <a:latin typeface="Arial" panose="020B0604020202020204" pitchFamily="34" charset="0"/>
+                <a:cs typeface="Arial" panose="020B0604020202020204" pitchFamily="34" charset="0"/>
+              </a:rPr>
+              <a:t>giải</a:t>
+            </a:r>
+            <a:r>
+              <a:rPr lang="en-US" dirty="0">
+                <a:latin typeface="Arial" panose="020B0604020202020204" pitchFamily="34" charset="0"/>
+                <a:cs typeface="Arial" panose="020B0604020202020204" pitchFamily="34" charset="0"/>
+              </a:rPr>
+              <a:t> </a:t>
+            </a:r>
+            <a:r>
+              <a:rPr lang="en-US" dirty="0" err="1">
+                <a:latin typeface="Arial" panose="020B0604020202020204" pitchFamily="34" charset="0"/>
+                <a:cs typeface="Arial" panose="020B0604020202020204" pitchFamily="34" charset="0"/>
+              </a:rPr>
+              <a:t>quyết</a:t>
+            </a:r>
+            <a:r>
+              <a:rPr lang="en-US" dirty="0">
+                <a:latin typeface="Arial" panose="020B0604020202020204" pitchFamily="34" charset="0"/>
+                <a:cs typeface="Arial" panose="020B0604020202020204" pitchFamily="34" charset="0"/>
+              </a:rPr>
+              <a:t> </a:t>
+            </a:r>
+            <a:r>
+              <a:rPr lang="en-US" dirty="0" err="1">
+                <a:latin typeface="Arial" panose="020B0604020202020204" pitchFamily="34" charset="0"/>
+                <a:cs typeface="Arial" panose="020B0604020202020204" pitchFamily="34" charset="0"/>
+              </a:rPr>
+              <a:t>bài</a:t>
+            </a:r>
+            <a:r>
+              <a:rPr lang="en-US" dirty="0">
+                <a:latin typeface="Arial" panose="020B0604020202020204" pitchFamily="34" charset="0"/>
+                <a:cs typeface="Arial" panose="020B0604020202020204" pitchFamily="34" charset="0"/>
+              </a:rPr>
+              <a:t> </a:t>
+            </a:r>
+            <a:r>
+              <a:rPr lang="en-US" dirty="0" err="1">
+                <a:latin typeface="Arial" panose="020B0604020202020204" pitchFamily="34" charset="0"/>
+                <a:cs typeface="Arial" panose="020B0604020202020204" pitchFamily="34" charset="0"/>
+              </a:rPr>
+              <a:t>toán</a:t>
+            </a:r>
+            <a:r>
+              <a:rPr lang="en-US" dirty="0">
+                <a:latin typeface="Arial" panose="020B0604020202020204" pitchFamily="34" charset="0"/>
+                <a:cs typeface="Arial" panose="020B0604020202020204" pitchFamily="34" charset="0"/>
+              </a:rPr>
+              <a:t> </a:t>
+            </a:r>
+            <a:r>
+              <a:rPr lang="en-US" dirty="0" err="1">
+                <a:latin typeface="Arial" panose="020B0604020202020204" pitchFamily="34" charset="0"/>
+                <a:cs typeface="Arial" panose="020B0604020202020204" pitchFamily="34" charset="0"/>
+              </a:rPr>
+              <a:t>trên</a:t>
+            </a:r>
+            <a:r>
+              <a:rPr lang="en-US" dirty="0">
+                <a:latin typeface="Arial" panose="020B0604020202020204" pitchFamily="34" charset="0"/>
+                <a:cs typeface="Arial" panose="020B0604020202020204" pitchFamily="34" charset="0"/>
+              </a:rPr>
+              <a:t>.</a:t>
+            </a:r>
+          </a:p>
+          <a:p>
+            <a:pPr>
+              <a:lnSpc>
+                <a:spcPct val="150000"/>
+              </a:lnSpc>
+              <a:spcBef>
+                <a:spcPts val="0"/>
+              </a:spcBef>
+              <a:spcAft>
+                <a:spcPts val="0"/>
+              </a:spcAft>
+            </a:pPr>
+            <a:r>
+              <a:rPr lang="en-US" dirty="0" err="1">
+                <a:latin typeface="Arial" panose="020B0604020202020204" pitchFamily="34" charset="0"/>
+                <a:cs typeface="Arial" panose="020B0604020202020204" pitchFamily="34" charset="0"/>
+              </a:rPr>
+              <a:t>Toàn</a:t>
+            </a:r>
+            <a:r>
+              <a:rPr lang="en-US" dirty="0">
+                <a:latin typeface="Arial" panose="020B0604020202020204" pitchFamily="34" charset="0"/>
+                <a:cs typeface="Arial" panose="020B0604020202020204" pitchFamily="34" charset="0"/>
+              </a:rPr>
+              <a:t> </a:t>
+            </a:r>
+            <a:r>
+              <a:rPr lang="en-US" dirty="0" err="1">
+                <a:latin typeface="Arial" panose="020B0604020202020204" pitchFamily="34" charset="0"/>
+                <a:cs typeface="Arial" panose="020B0604020202020204" pitchFamily="34" charset="0"/>
+              </a:rPr>
+              <a:t>bộ</a:t>
+            </a:r>
+            <a:r>
+              <a:rPr lang="en-US" dirty="0">
+                <a:latin typeface="Arial" panose="020B0604020202020204" pitchFamily="34" charset="0"/>
+                <a:cs typeface="Arial" panose="020B0604020202020204" pitchFamily="34" charset="0"/>
+              </a:rPr>
+              <a:t> </a:t>
+            </a:r>
+            <a:r>
+              <a:rPr lang="en-US" dirty="0" err="1">
+                <a:latin typeface="Arial" panose="020B0604020202020204" pitchFamily="34" charset="0"/>
+                <a:cs typeface="Arial" panose="020B0604020202020204" pitchFamily="34" charset="0"/>
+              </a:rPr>
+              <a:t>từ</a:t>
+            </a:r>
+            <a:r>
+              <a:rPr lang="en-US" dirty="0">
+                <a:latin typeface="Arial" panose="020B0604020202020204" pitchFamily="34" charset="0"/>
+                <a:cs typeface="Arial" panose="020B0604020202020204" pitchFamily="34" charset="0"/>
+              </a:rPr>
+              <a:t> </a:t>
+            </a:r>
+            <a:r>
+              <a:rPr lang="en-US" dirty="0" err="1">
+                <a:latin typeface="Arial" panose="020B0604020202020204" pitchFamily="34" charset="0"/>
+                <a:cs typeface="Arial" panose="020B0604020202020204" pitchFamily="34" charset="0"/>
+              </a:rPr>
+              <a:t>tham</a:t>
+            </a:r>
+            <a:r>
+              <a:rPr lang="en-US" dirty="0">
+                <a:latin typeface="Arial" panose="020B0604020202020204" pitchFamily="34" charset="0"/>
+                <a:cs typeface="Arial" panose="020B0604020202020204" pitchFamily="34" charset="0"/>
+              </a:rPr>
+              <a:t> </a:t>
+            </a:r>
+            <a:r>
+              <a:rPr lang="en-US" dirty="0" err="1">
+                <a:latin typeface="Arial" panose="020B0604020202020204" pitchFamily="34" charset="0"/>
+                <a:cs typeface="Arial" panose="020B0604020202020204" pitchFamily="34" charset="0"/>
+              </a:rPr>
+              <a:t>chiếu</a:t>
+            </a:r>
+            <a:r>
+              <a:rPr lang="en-US" dirty="0">
+                <a:latin typeface="Arial" panose="020B0604020202020204" pitchFamily="34" charset="0"/>
+                <a:cs typeface="Arial" panose="020B0604020202020204" pitchFamily="34" charset="0"/>
+              </a:rPr>
+              <a:t> </a:t>
+            </a:r>
+            <a:r>
+              <a:rPr lang="en-US" dirty="0" err="1">
+                <a:latin typeface="Arial" panose="020B0604020202020204" pitchFamily="34" charset="0"/>
+                <a:cs typeface="Arial" panose="020B0604020202020204" pitchFamily="34" charset="0"/>
+              </a:rPr>
+              <a:t>với</a:t>
+            </a:r>
+            <a:r>
+              <a:rPr lang="en-US" dirty="0">
+                <a:latin typeface="Arial" panose="020B0604020202020204" pitchFamily="34" charset="0"/>
+                <a:cs typeface="Arial" panose="020B0604020202020204" pitchFamily="34" charset="0"/>
+              </a:rPr>
+              <a:t> </a:t>
+            </a:r>
+            <a:r>
+              <a:rPr lang="en-US" dirty="0" err="1">
+                <a:latin typeface="Arial" panose="020B0604020202020204" pitchFamily="34" charset="0"/>
+                <a:cs typeface="Arial" panose="020B0604020202020204" pitchFamily="34" charset="0"/>
+              </a:rPr>
+              <a:t>những</a:t>
+            </a:r>
+            <a:r>
+              <a:rPr lang="en-US" dirty="0">
+                <a:latin typeface="Arial" panose="020B0604020202020204" pitchFamily="34" charset="0"/>
+                <a:cs typeface="Arial" panose="020B0604020202020204" pitchFamily="34" charset="0"/>
+              </a:rPr>
+              <a:t> </a:t>
+            </a:r>
+            <a:r>
+              <a:rPr lang="en-US" dirty="0" err="1">
+                <a:latin typeface="Arial" panose="020B0604020202020204" pitchFamily="34" charset="0"/>
+                <a:cs typeface="Arial" panose="020B0604020202020204" pitchFamily="34" charset="0"/>
+              </a:rPr>
+              <a:t>từ</a:t>
+            </a:r>
+            <a:r>
+              <a:rPr lang="en-US" dirty="0">
+                <a:latin typeface="Arial" panose="020B0604020202020204" pitchFamily="34" charset="0"/>
+                <a:cs typeface="Arial" panose="020B0604020202020204" pitchFamily="34" charset="0"/>
+              </a:rPr>
+              <a:t> </a:t>
+            </a:r>
+            <a:r>
+              <a:rPr lang="en-US" dirty="0" err="1">
+                <a:latin typeface="Arial" panose="020B0604020202020204" pitchFamily="34" charset="0"/>
+                <a:cs typeface="Arial" panose="020B0604020202020204" pitchFamily="34" charset="0"/>
+              </a:rPr>
+              <a:t>được</a:t>
+            </a:r>
+            <a:r>
+              <a:rPr lang="en-US" dirty="0">
+                <a:latin typeface="Arial" panose="020B0604020202020204" pitchFamily="34" charset="0"/>
+                <a:cs typeface="Arial" panose="020B0604020202020204" pitchFamily="34" charset="0"/>
+              </a:rPr>
+              <a:t> </a:t>
+            </a:r>
+            <a:r>
+              <a:rPr lang="en-US" dirty="0" err="1">
+                <a:latin typeface="Arial" panose="020B0604020202020204" pitchFamily="34" charset="0"/>
+                <a:cs typeface="Arial" panose="020B0604020202020204" pitchFamily="34" charset="0"/>
+              </a:rPr>
+              <a:t>đề</a:t>
+            </a:r>
+            <a:r>
+              <a:rPr lang="en-US" dirty="0">
+                <a:latin typeface="Arial" panose="020B0604020202020204" pitchFamily="34" charset="0"/>
+                <a:cs typeface="Arial" panose="020B0604020202020204" pitchFamily="34" charset="0"/>
+              </a:rPr>
+              <a:t> </a:t>
+            </a:r>
+            <a:r>
+              <a:rPr lang="en-US" dirty="0" err="1">
+                <a:latin typeface="Arial" panose="020B0604020202020204" pitchFamily="34" charset="0"/>
+                <a:cs typeface="Arial" panose="020B0604020202020204" pitchFamily="34" charset="0"/>
+              </a:rPr>
+              <a:t>cập</a:t>
+            </a:r>
+            <a:r>
+              <a:rPr lang="en-US" dirty="0">
+                <a:latin typeface="Arial" panose="020B0604020202020204" pitchFamily="34" charset="0"/>
+                <a:cs typeface="Arial" panose="020B0604020202020204" pitchFamily="34" charset="0"/>
+              </a:rPr>
+              <a:t> </a:t>
+            </a:r>
+            <a:r>
+              <a:rPr lang="en-US" dirty="0" err="1">
+                <a:latin typeface="Arial" panose="020B0604020202020204" pitchFamily="34" charset="0"/>
+                <a:cs typeface="Arial" panose="020B0604020202020204" pitchFamily="34" charset="0"/>
+              </a:rPr>
+              <a:t>đầu</a:t>
+            </a:r>
+            <a:r>
+              <a:rPr lang="en-US" dirty="0">
+                <a:latin typeface="Arial" panose="020B0604020202020204" pitchFamily="34" charset="0"/>
+                <a:cs typeface="Arial" panose="020B0604020202020204" pitchFamily="34" charset="0"/>
+              </a:rPr>
+              <a:t> </a:t>
+            </a:r>
+            <a:r>
+              <a:rPr lang="en-US" dirty="0" err="1">
+                <a:latin typeface="Arial" panose="020B0604020202020204" pitchFamily="34" charset="0"/>
+                <a:cs typeface="Arial" panose="020B0604020202020204" pitchFamily="34" charset="0"/>
+              </a:rPr>
+              <a:t>sẽ</a:t>
+            </a:r>
+            <a:r>
+              <a:rPr lang="en-US" dirty="0">
+                <a:latin typeface="Arial" panose="020B0604020202020204" pitchFamily="34" charset="0"/>
+                <a:cs typeface="Arial" panose="020B0604020202020204" pitchFamily="34" charset="0"/>
+              </a:rPr>
+              <a:t> </a:t>
+            </a:r>
+            <a:r>
+              <a:rPr lang="en-US" dirty="0" err="1">
+                <a:latin typeface="Arial" panose="020B0604020202020204" pitchFamily="34" charset="0"/>
+                <a:cs typeface="Arial" panose="020B0604020202020204" pitchFamily="34" charset="0"/>
+              </a:rPr>
+              <a:t>được</a:t>
+            </a:r>
+            <a:r>
+              <a:rPr lang="en-US" dirty="0">
+                <a:latin typeface="Arial" panose="020B0604020202020204" pitchFamily="34" charset="0"/>
+                <a:cs typeface="Arial" panose="020B0604020202020204" pitchFamily="34" charset="0"/>
+              </a:rPr>
+              <a:t> </a:t>
+            </a:r>
+            <a:r>
+              <a:rPr lang="en-US" dirty="0" err="1">
+                <a:latin typeface="Arial" panose="020B0604020202020204" pitchFamily="34" charset="0"/>
+                <a:cs typeface="Arial" panose="020B0604020202020204" pitchFamily="34" charset="0"/>
+              </a:rPr>
+              <a:t>lưu</a:t>
+            </a:r>
+            <a:r>
+              <a:rPr lang="en-US" dirty="0">
+                <a:latin typeface="Arial" panose="020B0604020202020204" pitchFamily="34" charset="0"/>
+                <a:cs typeface="Arial" panose="020B0604020202020204" pitchFamily="34" charset="0"/>
+              </a:rPr>
+              <a:t> </a:t>
+            </a:r>
+            <a:r>
+              <a:rPr lang="en-US" dirty="0" err="1">
+                <a:latin typeface="Arial" panose="020B0604020202020204" pitchFamily="34" charset="0"/>
+                <a:cs typeface="Arial" panose="020B0604020202020204" pitchFamily="34" charset="0"/>
+              </a:rPr>
+              <a:t>vào</a:t>
+            </a:r>
+            <a:r>
+              <a:rPr lang="en-US" dirty="0">
+                <a:latin typeface="Arial" panose="020B0604020202020204" pitchFamily="34" charset="0"/>
+                <a:cs typeface="Arial" panose="020B0604020202020204" pitchFamily="34" charset="0"/>
+              </a:rPr>
+              <a:t> </a:t>
+            </a:r>
+            <a:r>
+              <a:rPr lang="vi-VN" dirty="0">
+                <a:latin typeface="Arial" panose="020B0604020202020204" pitchFamily="34" charset="0"/>
+                <a:cs typeface="Arial" panose="020B0604020202020204" pitchFamily="34" charset="0"/>
+              </a:rPr>
+              <a:t>CorefChainAnnotation</a:t>
+            </a:r>
+            <a:r>
+              <a:rPr lang="en-US" dirty="0">
+                <a:latin typeface="Arial" panose="020B0604020202020204" pitchFamily="34" charset="0"/>
+                <a:cs typeface="Arial" panose="020B0604020202020204" pitchFamily="34" charset="0"/>
+              </a:rPr>
+              <a:t>.</a:t>
+            </a:r>
+          </a:p>
+          <a:p>
+            <a:pPr>
+              <a:lnSpc>
+                <a:spcPct val="150000"/>
+              </a:lnSpc>
+              <a:spcBef>
+                <a:spcPts val="0"/>
+              </a:spcBef>
+              <a:spcAft>
+                <a:spcPts val="0"/>
+              </a:spcAft>
+            </a:pPr>
+            <a:r>
+              <a:rPr lang="en-US" dirty="0" err="1">
+                <a:latin typeface="Arial" panose="020B0604020202020204" pitchFamily="34" charset="0"/>
+                <a:cs typeface="Arial" panose="020B0604020202020204" pitchFamily="34" charset="0"/>
+              </a:rPr>
+              <a:t>Có</a:t>
+            </a:r>
+            <a:r>
+              <a:rPr lang="en-US" dirty="0">
+                <a:latin typeface="Arial" panose="020B0604020202020204" pitchFamily="34" charset="0"/>
+                <a:cs typeface="Arial" panose="020B0604020202020204" pitchFamily="34" charset="0"/>
+              </a:rPr>
+              <a:t> 3 </a:t>
+            </a:r>
+            <a:r>
+              <a:rPr lang="en-US" dirty="0" err="1">
+                <a:latin typeface="Arial" panose="020B0604020202020204" pitchFamily="34" charset="0"/>
+                <a:cs typeface="Arial" panose="020B0604020202020204" pitchFamily="34" charset="0"/>
+              </a:rPr>
+              <a:t>hệ</a:t>
+            </a:r>
+            <a:r>
+              <a:rPr lang="en-US" dirty="0">
+                <a:latin typeface="Arial" panose="020B0604020202020204" pitchFamily="34" charset="0"/>
+                <a:cs typeface="Arial" panose="020B0604020202020204" pitchFamily="34" charset="0"/>
+              </a:rPr>
+              <a:t> </a:t>
+            </a:r>
+            <a:r>
+              <a:rPr lang="en-US" dirty="0" err="1">
+                <a:latin typeface="Arial" panose="020B0604020202020204" pitchFamily="34" charset="0"/>
+                <a:cs typeface="Arial" panose="020B0604020202020204" pitchFamily="34" charset="0"/>
+              </a:rPr>
+              <a:t>thống</a:t>
+            </a:r>
+            <a:r>
+              <a:rPr lang="en-US" dirty="0">
+                <a:latin typeface="Arial" panose="020B0604020202020204" pitchFamily="34" charset="0"/>
+                <a:cs typeface="Arial" panose="020B0604020202020204" pitchFamily="34" charset="0"/>
+              </a:rPr>
+              <a:t> </a:t>
+            </a:r>
+            <a:r>
+              <a:rPr lang="en-US" dirty="0" err="1">
+                <a:latin typeface="Arial" panose="020B0604020202020204" pitchFamily="34" charset="0"/>
+                <a:cs typeface="Arial" panose="020B0604020202020204" pitchFamily="34" charset="0"/>
+              </a:rPr>
+              <a:t>phân</a:t>
+            </a:r>
+            <a:r>
+              <a:rPr lang="en-US" dirty="0">
+                <a:latin typeface="Arial" panose="020B0604020202020204" pitchFamily="34" charset="0"/>
+                <a:cs typeface="Arial" panose="020B0604020202020204" pitchFamily="34" charset="0"/>
+              </a:rPr>
+              <a:t> </a:t>
+            </a:r>
+            <a:r>
+              <a:rPr lang="en-US" dirty="0" err="1">
+                <a:latin typeface="Arial" panose="020B0604020202020204" pitchFamily="34" charset="0"/>
+                <a:cs typeface="Arial" panose="020B0604020202020204" pitchFamily="34" charset="0"/>
+              </a:rPr>
+              <a:t>giải</a:t>
+            </a:r>
+            <a:r>
+              <a:rPr lang="en-US" dirty="0">
+                <a:latin typeface="Arial" panose="020B0604020202020204" pitchFamily="34" charset="0"/>
+                <a:cs typeface="Arial" panose="020B0604020202020204" pitchFamily="34" charset="0"/>
+              </a:rPr>
+              <a:t> </a:t>
+            </a:r>
+            <a:r>
+              <a:rPr lang="en-US" dirty="0" err="1">
+                <a:latin typeface="Arial" panose="020B0604020202020204" pitchFamily="34" charset="0"/>
+                <a:cs typeface="Arial" panose="020B0604020202020204" pitchFamily="34" charset="0"/>
+              </a:rPr>
+              <a:t>tham</a:t>
+            </a:r>
+            <a:r>
+              <a:rPr lang="en-US" dirty="0">
+                <a:latin typeface="Arial" panose="020B0604020202020204" pitchFamily="34" charset="0"/>
+                <a:cs typeface="Arial" panose="020B0604020202020204" pitchFamily="34" charset="0"/>
+              </a:rPr>
+              <a:t> </a:t>
+            </a:r>
+            <a:r>
+              <a:rPr lang="en-US" dirty="0" err="1">
+                <a:latin typeface="Arial" panose="020B0604020202020204" pitchFamily="34" charset="0"/>
+                <a:cs typeface="Arial" panose="020B0604020202020204" pitchFamily="34" charset="0"/>
+              </a:rPr>
+              <a:t>chiếu</a:t>
+            </a:r>
+            <a:r>
+              <a:rPr lang="en-US" dirty="0">
+                <a:latin typeface="Arial" panose="020B0604020202020204" pitchFamily="34" charset="0"/>
+                <a:cs typeface="Arial" panose="020B0604020202020204" pitchFamily="34" charset="0"/>
+              </a:rPr>
+              <a:t> </a:t>
+            </a:r>
+            <a:r>
+              <a:rPr lang="en-US" dirty="0" err="1">
+                <a:latin typeface="Arial" panose="020B0604020202020204" pitchFamily="34" charset="0"/>
+                <a:cs typeface="Arial" panose="020B0604020202020204" pitchFamily="34" charset="0"/>
+              </a:rPr>
+              <a:t>khác</a:t>
+            </a:r>
+            <a:r>
+              <a:rPr lang="en-US" dirty="0">
+                <a:latin typeface="Arial" panose="020B0604020202020204" pitchFamily="34" charset="0"/>
+                <a:cs typeface="Arial" panose="020B0604020202020204" pitchFamily="34" charset="0"/>
+              </a:rPr>
+              <a:t> </a:t>
+            </a:r>
+            <a:r>
+              <a:rPr lang="en-US" dirty="0" err="1">
+                <a:latin typeface="Arial" panose="020B0604020202020204" pitchFamily="34" charset="0"/>
+                <a:cs typeface="Arial" panose="020B0604020202020204" pitchFamily="34" charset="0"/>
+              </a:rPr>
+              <a:t>nhau</a:t>
+            </a:r>
+            <a:r>
+              <a:rPr lang="en-US" dirty="0">
+                <a:latin typeface="Arial" panose="020B0604020202020204" pitchFamily="34" charset="0"/>
+                <a:cs typeface="Arial" panose="020B0604020202020204" pitchFamily="34" charset="0"/>
+              </a:rPr>
+              <a:t> </a:t>
+            </a:r>
+            <a:r>
+              <a:rPr lang="en-US" dirty="0" err="1">
+                <a:latin typeface="Arial" panose="020B0604020202020204" pitchFamily="34" charset="0"/>
+                <a:cs typeface="Arial" panose="020B0604020202020204" pitchFamily="34" charset="0"/>
+              </a:rPr>
+              <a:t>có</a:t>
+            </a:r>
+            <a:r>
+              <a:rPr lang="en-US" dirty="0">
+                <a:latin typeface="Arial" panose="020B0604020202020204" pitchFamily="34" charset="0"/>
+                <a:cs typeface="Arial" panose="020B0604020202020204" pitchFamily="34" charset="0"/>
+              </a:rPr>
+              <a:t> </a:t>
+            </a:r>
+            <a:r>
+              <a:rPr lang="en-US" dirty="0" err="1">
+                <a:latin typeface="Arial" panose="020B0604020202020204" pitchFamily="34" charset="0"/>
+                <a:cs typeface="Arial" panose="020B0604020202020204" pitchFamily="34" charset="0"/>
+              </a:rPr>
+              <a:t>sẵn</a:t>
+            </a:r>
+            <a:r>
+              <a:rPr lang="en-US" dirty="0">
+                <a:latin typeface="Arial" panose="020B0604020202020204" pitchFamily="34" charset="0"/>
+                <a:cs typeface="Arial" panose="020B0604020202020204" pitchFamily="34" charset="0"/>
+              </a:rPr>
+              <a:t> </a:t>
+            </a:r>
+            <a:r>
+              <a:rPr lang="en-US" dirty="0" err="1">
+                <a:latin typeface="Arial" panose="020B0604020202020204" pitchFamily="34" charset="0"/>
+                <a:cs typeface="Arial" panose="020B0604020202020204" pitchFamily="34" charset="0"/>
+              </a:rPr>
+              <a:t>trong</a:t>
+            </a:r>
+            <a:r>
+              <a:rPr lang="en-US" dirty="0">
+                <a:latin typeface="Arial" panose="020B0604020202020204" pitchFamily="34" charset="0"/>
+                <a:cs typeface="Arial" panose="020B0604020202020204" pitchFamily="34" charset="0"/>
+              </a:rPr>
+              <a:t> </a:t>
+            </a:r>
+            <a:r>
+              <a:rPr lang="en-US" dirty="0" err="1">
+                <a:latin typeface="Arial" panose="020B0604020202020204" pitchFamily="34" charset="0"/>
+                <a:cs typeface="Arial" panose="020B0604020202020204" pitchFamily="34" charset="0"/>
+              </a:rPr>
+              <a:t>CoreNLP</a:t>
+            </a:r>
+            <a:r>
+              <a:rPr lang="en-US" dirty="0">
+                <a:latin typeface="Arial" panose="020B0604020202020204" pitchFamily="34" charset="0"/>
+                <a:cs typeface="Arial" panose="020B0604020202020204" pitchFamily="34" charset="0"/>
+              </a:rPr>
+              <a:t>:</a:t>
+            </a:r>
+          </a:p>
+          <a:p>
+            <a:pPr marL="0" indent="0">
+              <a:lnSpc>
+                <a:spcPct val="150000"/>
+              </a:lnSpc>
+              <a:spcBef>
+                <a:spcPts val="0"/>
+              </a:spcBef>
+              <a:spcAft>
+                <a:spcPts val="0"/>
+              </a:spcAft>
+              <a:buNone/>
+            </a:pPr>
+            <a:r>
+              <a:rPr lang="en-US" dirty="0">
+                <a:latin typeface="Arial" panose="020B0604020202020204" pitchFamily="34" charset="0"/>
+                <a:cs typeface="Arial" panose="020B0604020202020204" pitchFamily="34" charset="0"/>
+              </a:rPr>
+              <a:t>	- Deterministic</a:t>
+            </a:r>
+          </a:p>
+          <a:p>
+            <a:pPr marL="0" indent="0">
+              <a:lnSpc>
+                <a:spcPct val="150000"/>
+              </a:lnSpc>
+              <a:spcBef>
+                <a:spcPts val="0"/>
+              </a:spcBef>
+              <a:spcAft>
+                <a:spcPts val="0"/>
+              </a:spcAft>
+              <a:buNone/>
+            </a:pPr>
+            <a:r>
+              <a:rPr lang="en-US" dirty="0">
+                <a:latin typeface="Arial" panose="020B0604020202020204" pitchFamily="34" charset="0"/>
+                <a:cs typeface="Arial" panose="020B0604020202020204" pitchFamily="34" charset="0"/>
+              </a:rPr>
+              <a:t>	- Statistical</a:t>
+            </a:r>
+          </a:p>
+          <a:p>
+            <a:pPr marL="0" indent="0">
+              <a:lnSpc>
+                <a:spcPct val="150000"/>
+              </a:lnSpc>
+              <a:spcBef>
+                <a:spcPts val="0"/>
+              </a:spcBef>
+              <a:spcAft>
+                <a:spcPts val="0"/>
+              </a:spcAft>
+              <a:buNone/>
+            </a:pPr>
+            <a:r>
+              <a:rPr lang="en-US" dirty="0">
+                <a:latin typeface="Arial" panose="020B0604020202020204" pitchFamily="34" charset="0"/>
+                <a:cs typeface="Arial" panose="020B0604020202020204" pitchFamily="34" charset="0"/>
+              </a:rPr>
+              <a:t>	- Neural</a:t>
+            </a:r>
+          </a:p>
+          <a:p>
+            <a:pPr marL="0" indent="0">
+              <a:lnSpc>
+                <a:spcPct val="150000"/>
+              </a:lnSpc>
+              <a:spcBef>
+                <a:spcPts val="0"/>
+              </a:spcBef>
+              <a:spcAft>
+                <a:spcPts val="0"/>
+              </a:spcAft>
+              <a:buNone/>
+            </a:pPr>
+            <a:r>
+              <a:rPr lang="en-US" dirty="0">
+                <a:latin typeface="Arial" panose="020B0604020202020204" pitchFamily="34" charset="0"/>
+                <a:cs typeface="Arial" panose="020B0604020202020204" pitchFamily="34" charset="0"/>
+              </a:rPr>
+              <a:t>	- </a:t>
+            </a:r>
+            <a:r>
+              <a:rPr lang="en-US" dirty="0" err="1">
+                <a:latin typeface="Arial" panose="020B0604020202020204" pitchFamily="34" charset="0"/>
+                <a:cs typeface="Arial" panose="020B0604020202020204" pitchFamily="34" charset="0"/>
+              </a:rPr>
+              <a:t>Ngoài</a:t>
+            </a:r>
+            <a:r>
+              <a:rPr lang="en-US" dirty="0">
+                <a:latin typeface="Arial" panose="020B0604020202020204" pitchFamily="34" charset="0"/>
+                <a:cs typeface="Arial" panose="020B0604020202020204" pitchFamily="34" charset="0"/>
+              </a:rPr>
+              <a:t> </a:t>
+            </a:r>
+            <a:r>
+              <a:rPr lang="en-US" dirty="0" err="1">
+                <a:latin typeface="Arial" panose="020B0604020202020204" pitchFamily="34" charset="0"/>
+                <a:cs typeface="Arial" panose="020B0604020202020204" pitchFamily="34" charset="0"/>
+              </a:rPr>
+              <a:t>ra</a:t>
+            </a:r>
+            <a:r>
+              <a:rPr lang="en-US" dirty="0">
+                <a:latin typeface="Arial" panose="020B0604020202020204" pitchFamily="34" charset="0"/>
+                <a:cs typeface="Arial" panose="020B0604020202020204" pitchFamily="34" charset="0"/>
+              </a:rPr>
+              <a:t> </a:t>
+            </a:r>
+            <a:r>
+              <a:rPr lang="en-US" dirty="0" err="1">
+                <a:latin typeface="Arial" panose="020B0604020202020204" pitchFamily="34" charset="0"/>
+                <a:cs typeface="Arial" panose="020B0604020202020204" pitchFamily="34" charset="0"/>
+              </a:rPr>
+              <a:t>còn</a:t>
+            </a:r>
+            <a:r>
+              <a:rPr lang="en-US" dirty="0">
+                <a:latin typeface="Arial" panose="020B0604020202020204" pitchFamily="34" charset="0"/>
+                <a:cs typeface="Arial" panose="020B0604020202020204" pitchFamily="34" charset="0"/>
+              </a:rPr>
+              <a:t> </a:t>
+            </a:r>
+            <a:r>
+              <a:rPr lang="en-US" dirty="0" err="1">
+                <a:latin typeface="Arial" panose="020B0604020202020204" pitchFamily="34" charset="0"/>
+                <a:cs typeface="Arial" panose="020B0604020202020204" pitchFamily="34" charset="0"/>
+              </a:rPr>
+              <a:t>có</a:t>
+            </a:r>
+            <a:r>
+              <a:rPr lang="en-US" dirty="0">
+                <a:latin typeface="Arial" panose="020B0604020202020204" pitchFamily="34" charset="0"/>
+                <a:cs typeface="Arial" panose="020B0604020202020204" pitchFamily="34" charset="0"/>
+              </a:rPr>
+              <a:t> </a:t>
+            </a:r>
+            <a:r>
+              <a:rPr lang="en-US" dirty="0" err="1">
+                <a:latin typeface="Arial" panose="020B0604020202020204" pitchFamily="34" charset="0"/>
+                <a:cs typeface="Arial" panose="020B0604020202020204" pitchFamily="34" charset="0"/>
+              </a:rPr>
+              <a:t>hệ</a:t>
+            </a:r>
+            <a:r>
+              <a:rPr lang="en-US" dirty="0">
+                <a:latin typeface="Arial" panose="020B0604020202020204" pitchFamily="34" charset="0"/>
+                <a:cs typeface="Arial" panose="020B0604020202020204" pitchFamily="34" charset="0"/>
+              </a:rPr>
+              <a:t> </a:t>
+            </a:r>
+            <a:r>
+              <a:rPr lang="en-US" dirty="0" err="1">
+                <a:latin typeface="Arial" panose="020B0604020202020204" pitchFamily="34" charset="0"/>
+                <a:cs typeface="Arial" panose="020B0604020202020204" pitchFamily="34" charset="0"/>
+              </a:rPr>
+              <a:t>thống</a:t>
+            </a:r>
+            <a:r>
+              <a:rPr lang="en-US" dirty="0">
+                <a:latin typeface="Arial" panose="020B0604020202020204" pitchFamily="34" charset="0"/>
+                <a:cs typeface="Arial" panose="020B0604020202020204" pitchFamily="34" charset="0"/>
+              </a:rPr>
+              <a:t> </a:t>
+            </a:r>
+            <a:r>
+              <a:rPr lang="en-US" dirty="0" err="1">
+                <a:latin typeface="Arial" panose="020B0604020202020204" pitchFamily="34" charset="0"/>
+                <a:cs typeface="Arial" panose="020B0604020202020204" pitchFamily="34" charset="0"/>
+              </a:rPr>
+              <a:t>thứ</a:t>
+            </a:r>
+            <a:r>
+              <a:rPr lang="en-US" dirty="0">
+                <a:latin typeface="Arial" panose="020B0604020202020204" pitchFamily="34" charset="0"/>
+                <a:cs typeface="Arial" panose="020B0604020202020204" pitchFamily="34" charset="0"/>
+              </a:rPr>
+              <a:t> </a:t>
+            </a:r>
+            <a:r>
+              <a:rPr lang="en-US" dirty="0" err="1">
+                <a:latin typeface="Arial" panose="020B0604020202020204" pitchFamily="34" charset="0"/>
+                <a:cs typeface="Arial" panose="020B0604020202020204" pitchFamily="34" charset="0"/>
+              </a:rPr>
+              <a:t>tư</a:t>
+            </a:r>
+            <a:r>
+              <a:rPr lang="en-US" dirty="0">
+                <a:latin typeface="Arial" panose="020B0604020202020204" pitchFamily="34" charset="0"/>
+                <a:cs typeface="Arial" panose="020B0604020202020204" pitchFamily="34" charset="0"/>
+              </a:rPr>
+              <a:t> </a:t>
+            </a:r>
+            <a:r>
+              <a:rPr lang="en-US" dirty="0" err="1">
+                <a:latin typeface="Arial" panose="020B0604020202020204" pitchFamily="34" charset="0"/>
+                <a:cs typeface="Arial" panose="020B0604020202020204" pitchFamily="34" charset="0"/>
+              </a:rPr>
+              <a:t>là</a:t>
+            </a:r>
+            <a:r>
+              <a:rPr lang="en-US" dirty="0">
+                <a:latin typeface="Arial" panose="020B0604020202020204" pitchFamily="34" charset="0"/>
+                <a:cs typeface="Arial" panose="020B0604020202020204" pitchFamily="34" charset="0"/>
+              </a:rPr>
+              <a:t> hybrid or </a:t>
+            </a:r>
+            <a:r>
+              <a:rPr lang="en-US" dirty="0" err="1">
+                <a:latin typeface="Arial" panose="020B0604020202020204" pitchFamily="34" charset="0"/>
+                <a:cs typeface="Arial" panose="020B0604020202020204" pitchFamily="34" charset="0"/>
+              </a:rPr>
+              <a:t>hcoref</a:t>
+            </a:r>
+            <a:endParaRPr lang="en-US" dirty="0">
+              <a:latin typeface="Arial" panose="020B0604020202020204" pitchFamily="34" charset="0"/>
+              <a:cs typeface="Arial" panose="020B0604020202020204" pitchFamily="34" charset="0"/>
+            </a:endParaRPr>
+          </a:p>
+          <a:p>
+            <a:pPr>
+              <a:lnSpc>
+                <a:spcPct val="150000"/>
+              </a:lnSpc>
+              <a:spcBef>
+                <a:spcPts val="0"/>
+              </a:spcBef>
+              <a:spcAft>
+                <a:spcPts val="0"/>
+              </a:spcAft>
+            </a:pPr>
+            <a:endParaRPr lang="en-US" dirty="0">
+              <a:latin typeface="Arial" panose="020B0604020202020204" pitchFamily="34" charset="0"/>
+              <a:cs typeface="Arial" panose="020B0604020202020204" pitchFamily="34" charset="0"/>
+            </a:endParaRPr>
+          </a:p>
+          <a:p>
+            <a:pPr>
+              <a:lnSpc>
+                <a:spcPct val="150000"/>
+              </a:lnSpc>
+              <a:spcBef>
+                <a:spcPts val="0"/>
+              </a:spcBef>
+              <a:spcAft>
+                <a:spcPts val="0"/>
+              </a:spcAft>
+            </a:pPr>
+            <a:endParaRPr lang="en-US" dirty="0">
+              <a:latin typeface="Arial" panose="020B0604020202020204" pitchFamily="34" charset="0"/>
+              <a:cs typeface="Arial" panose="020B0604020202020204" pitchFamily="34" charset="0"/>
+            </a:endParaRPr>
+          </a:p>
+        </p:txBody>
+      </p:sp>
+      <p:sp>
+        <p:nvSpPr>
+          <p:cNvPr id="4" name="Title 1">
+            <a:extLst>
+              <a:ext uri="{FF2B5EF4-FFF2-40B4-BE49-F238E27FC236}">
+                <a16:creationId xmlns:a16="http://schemas.microsoft.com/office/drawing/2014/main" id="{3BBE93FA-2F9D-4677-A7EC-181CB13B0ED8}"/>
+              </a:ext>
+            </a:extLst>
+          </p:cNvPr>
+          <p:cNvSpPr>
+            <a:spLocks noGrp="1"/>
+          </p:cNvSpPr>
+          <p:nvPr>
+            <p:ph type="title"/>
+          </p:nvPr>
+        </p:nvSpPr>
+        <p:spPr>
+          <a:xfrm>
+            <a:off x="1729812" y="266482"/>
+            <a:ext cx="7445876" cy="585734"/>
+          </a:xfrm>
+        </p:spPr>
+        <p:txBody>
+          <a:bodyPr anchor="t">
+            <a:normAutofit fontScale="90000"/>
+          </a:bodyPr>
+          <a:lstStyle/>
+          <a:p>
+            <a:pPr algn="l"/>
+            <a:r>
+              <a:rPr lang="en-US" b="1" dirty="0">
+                <a:solidFill>
+                  <a:srgbClr val="0000FF"/>
+                </a:solidFill>
+                <a:latin typeface="Times New Roman" panose="02020603050405020304" pitchFamily="18" charset="0"/>
+                <a:cs typeface="Times New Roman" panose="02020603050405020304" pitchFamily="18" charset="0"/>
+              </a:rPr>
+              <a:t>Conference Resolution</a:t>
+            </a:r>
+            <a:br>
+              <a:rPr lang="en-US" b="1" dirty="0">
+                <a:solidFill>
+                  <a:srgbClr val="0000FF"/>
+                </a:solidFill>
+                <a:latin typeface="Times New Roman" panose="02020603050405020304" pitchFamily="18" charset="0"/>
+                <a:cs typeface="Times New Roman" panose="02020603050405020304" pitchFamily="18" charset="0"/>
+              </a:rPr>
+            </a:br>
+            <a:endParaRPr lang="en-US" b="1" dirty="0">
+              <a:solidFill>
+                <a:srgbClr val="0000FF"/>
+              </a:solidFill>
+              <a:latin typeface="Times New Roman" panose="02020603050405020304" pitchFamily="18" charset="0"/>
+              <a:cs typeface="Times New Roman" panose="02020603050405020304" pitchFamily="18" charset="0"/>
+            </a:endParaRPr>
+          </a:p>
+        </p:txBody>
+      </p:sp>
+    </p:spTree>
+    <p:extLst>
+      <p:ext uri="{BB962C8B-B14F-4D97-AF65-F5344CB8AC3E}">
+        <p14:creationId xmlns:p14="http://schemas.microsoft.com/office/powerpoint/2010/main" val="2560511328"/>
+      </p:ext>
+    </p:extLst>
+  </p:cSld>
+  <p:clrMapOvr>
+    <a:masterClrMapping/>
+  </p:clrMapOvr>
+</p:sld>
+</file>
+
+<file path=ppt/slides/slide19.xml><?xml version="1.0" encoding="utf-8"?>
+<p:sld xmlns:a="http://schemas.openxmlformats.org/drawingml/2006/main" xmlns:r="http://schemas.openxmlformats.org/officeDocument/2006/relationships" xmlns:p="http://schemas.openxmlformats.org/presentationml/2006/main">
+  <p:cSld>
+    <p:spTree>
+      <p:nvGrpSpPr>
+        <p:cNvPr id="1" name=""/>
+        <p:cNvGrpSpPr/>
+        <p:nvPr/>
+      </p:nvGrpSpPr>
+      <p:grpSpPr>
+        <a:xfrm>
+          <a:off x="0" y="0"/>
+          <a:ext cx="0" cy="0"/>
+          <a:chOff x="0" y="0"/>
+          <a:chExt cx="0" cy="0"/>
+        </a:xfrm>
+      </p:grpSpPr>
+      <p:sp>
+        <p:nvSpPr>
+          <p:cNvPr id="3" name="Content Placeholder 2">
+            <a:extLst>
+              <a:ext uri="{FF2B5EF4-FFF2-40B4-BE49-F238E27FC236}">
+                <a16:creationId xmlns:a16="http://schemas.microsoft.com/office/drawing/2014/main" id="{45DF0A00-5D7C-4275-A70A-E2B462FF2E96}"/>
+              </a:ext>
+            </a:extLst>
+          </p:cNvPr>
+          <p:cNvSpPr>
+            <a:spLocks noGrp="1"/>
+          </p:cNvSpPr>
+          <p:nvPr>
+            <p:ph idx="1"/>
+          </p:nvPr>
+        </p:nvSpPr>
+        <p:spPr>
+          <a:xfrm>
+            <a:off x="1729812" y="852216"/>
+            <a:ext cx="10370992" cy="5605131"/>
+          </a:xfrm>
+        </p:spPr>
+        <p:txBody>
+          <a:bodyPr anchor="t">
+            <a:noAutofit/>
+          </a:bodyPr>
+          <a:lstStyle/>
+          <a:p>
+            <a:pPr lvl="0">
+              <a:lnSpc>
+                <a:spcPct val="150000"/>
+              </a:lnSpc>
+              <a:spcBef>
+                <a:spcPts val="0"/>
+              </a:spcBef>
+              <a:spcAft>
+                <a:spcPts val="0"/>
+              </a:spcAft>
+            </a:pPr>
+            <a:r>
+              <a:rPr lang="en-US" dirty="0">
+                <a:latin typeface="Arial" panose="020B0604020202020204" pitchFamily="34" charset="0"/>
+                <a:cs typeface="Arial" panose="020B0604020202020204" pitchFamily="34" charset="0"/>
+              </a:rPr>
+              <a:t>Deterministic: </a:t>
+            </a:r>
+            <a:r>
+              <a:rPr lang="en-US" dirty="0" err="1">
+                <a:latin typeface="Arial" panose="020B0604020202020204" pitchFamily="34" charset="0"/>
+                <a:cs typeface="Arial" panose="020B0604020202020204" pitchFamily="34" charset="0"/>
+              </a:rPr>
+              <a:t>Phân</a:t>
+            </a:r>
+            <a:r>
+              <a:rPr lang="en-US" dirty="0">
+                <a:latin typeface="Arial" panose="020B0604020202020204" pitchFamily="34" charset="0"/>
+                <a:cs typeface="Arial" panose="020B0604020202020204" pitchFamily="34" charset="0"/>
+              </a:rPr>
+              <a:t> </a:t>
+            </a:r>
+            <a:r>
+              <a:rPr lang="en-US" dirty="0" err="1">
+                <a:latin typeface="Arial" panose="020B0604020202020204" pitchFamily="34" charset="0"/>
+                <a:cs typeface="Arial" panose="020B0604020202020204" pitchFamily="34" charset="0"/>
+              </a:rPr>
+              <a:t>giải</a:t>
+            </a:r>
+            <a:r>
+              <a:rPr lang="en-US" dirty="0">
+                <a:latin typeface="Arial" panose="020B0604020202020204" pitchFamily="34" charset="0"/>
+                <a:cs typeface="Arial" panose="020B0604020202020204" pitchFamily="34" charset="0"/>
+              </a:rPr>
+              <a:t> </a:t>
+            </a:r>
+            <a:r>
+              <a:rPr lang="en-US" dirty="0" err="1">
+                <a:latin typeface="Arial" panose="020B0604020202020204" pitchFamily="34" charset="0"/>
+                <a:cs typeface="Arial" panose="020B0604020202020204" pitchFamily="34" charset="0"/>
+              </a:rPr>
+              <a:t>đồng</a:t>
+            </a:r>
+            <a:r>
+              <a:rPr lang="en-US" dirty="0">
+                <a:latin typeface="Arial" panose="020B0604020202020204" pitchFamily="34" charset="0"/>
+                <a:cs typeface="Arial" panose="020B0604020202020204" pitchFamily="34" charset="0"/>
+              </a:rPr>
+              <a:t> </a:t>
+            </a:r>
+            <a:r>
+              <a:rPr lang="en-US" dirty="0" err="1">
+                <a:latin typeface="Arial" panose="020B0604020202020204" pitchFamily="34" charset="0"/>
+                <a:cs typeface="Arial" panose="020B0604020202020204" pitchFamily="34" charset="0"/>
+              </a:rPr>
+              <a:t>tham</a:t>
+            </a:r>
+            <a:r>
+              <a:rPr lang="en-US" dirty="0">
+                <a:latin typeface="Arial" panose="020B0604020202020204" pitchFamily="34" charset="0"/>
+                <a:cs typeface="Arial" panose="020B0604020202020204" pitchFamily="34" charset="0"/>
+              </a:rPr>
+              <a:t> </a:t>
+            </a:r>
+            <a:r>
+              <a:rPr lang="en-US" dirty="0" err="1">
+                <a:latin typeface="Arial" panose="020B0604020202020204" pitchFamily="34" charset="0"/>
+                <a:cs typeface="Arial" panose="020B0604020202020204" pitchFamily="34" charset="0"/>
+              </a:rPr>
+              <a:t>chiếu</a:t>
+            </a:r>
+            <a:r>
+              <a:rPr lang="en-US" dirty="0">
+                <a:latin typeface="Arial" panose="020B0604020202020204" pitchFamily="34" charset="0"/>
+                <a:cs typeface="Arial" panose="020B0604020202020204" pitchFamily="34" charset="0"/>
+              </a:rPr>
+              <a:t> </a:t>
+            </a:r>
+            <a:r>
+              <a:rPr lang="en-US" dirty="0" err="1">
+                <a:latin typeface="Arial" panose="020B0604020202020204" pitchFamily="34" charset="0"/>
+                <a:cs typeface="Arial" panose="020B0604020202020204" pitchFamily="34" charset="0"/>
+              </a:rPr>
+              <a:t>dựa</a:t>
+            </a:r>
+            <a:r>
+              <a:rPr lang="en-US" dirty="0">
+                <a:latin typeface="Arial" panose="020B0604020202020204" pitchFamily="34" charset="0"/>
+                <a:cs typeface="Arial" panose="020B0604020202020204" pitchFamily="34" charset="0"/>
+              </a:rPr>
+              <a:t> </a:t>
+            </a:r>
+            <a:r>
+              <a:rPr lang="en-US" dirty="0" err="1">
+                <a:latin typeface="Arial" panose="020B0604020202020204" pitchFamily="34" charset="0"/>
+                <a:cs typeface="Arial" panose="020B0604020202020204" pitchFamily="34" charset="0"/>
+              </a:rPr>
+              <a:t>trên</a:t>
+            </a:r>
+            <a:r>
+              <a:rPr lang="en-US" dirty="0">
+                <a:latin typeface="Arial" panose="020B0604020202020204" pitchFamily="34" charset="0"/>
+                <a:cs typeface="Arial" panose="020B0604020202020204" pitchFamily="34" charset="0"/>
+              </a:rPr>
+              <a:t> </a:t>
+            </a:r>
+            <a:r>
+              <a:rPr lang="en-US" dirty="0" err="1">
+                <a:latin typeface="Arial" panose="020B0604020202020204" pitchFamily="34" charset="0"/>
+                <a:cs typeface="Arial" panose="020B0604020202020204" pitchFamily="34" charset="0"/>
+              </a:rPr>
+              <a:t>quy</a:t>
+            </a:r>
+            <a:r>
+              <a:rPr lang="en-US" dirty="0">
+                <a:latin typeface="Arial" panose="020B0604020202020204" pitchFamily="34" charset="0"/>
+                <a:cs typeface="Arial" panose="020B0604020202020204" pitchFamily="34" charset="0"/>
+              </a:rPr>
+              <a:t> </a:t>
+            </a:r>
+            <a:r>
+              <a:rPr lang="en-US" dirty="0" err="1">
+                <a:latin typeface="Arial" panose="020B0604020202020204" pitchFamily="34" charset="0"/>
+                <a:cs typeface="Arial" panose="020B0604020202020204" pitchFamily="34" charset="0"/>
+              </a:rPr>
+              <a:t>tắc</a:t>
+            </a:r>
+            <a:r>
+              <a:rPr lang="en-US" dirty="0">
+                <a:latin typeface="Arial" panose="020B0604020202020204" pitchFamily="34" charset="0"/>
+                <a:cs typeface="Arial" panose="020B0604020202020204" pitchFamily="34" charset="0"/>
+              </a:rPr>
+              <a:t> </a:t>
+            </a:r>
+            <a:r>
+              <a:rPr lang="en-US" dirty="0" err="1">
+                <a:latin typeface="Arial" panose="020B0604020202020204" pitchFamily="34" charset="0"/>
+                <a:cs typeface="Arial" panose="020B0604020202020204" pitchFamily="34" charset="0"/>
+              </a:rPr>
+              <a:t>nhanh</a:t>
+            </a:r>
+            <a:r>
+              <a:rPr lang="en-US" dirty="0">
+                <a:latin typeface="Arial" panose="020B0604020202020204" pitchFamily="34" charset="0"/>
+                <a:cs typeface="Arial" panose="020B0604020202020204" pitchFamily="34" charset="0"/>
+              </a:rPr>
+              <a:t> (</a:t>
+            </a:r>
+            <a:r>
+              <a:rPr lang="en-US" dirty="0" err="1">
+                <a:latin typeface="Arial" panose="020B0604020202020204" pitchFamily="34" charset="0"/>
+                <a:cs typeface="Arial" panose="020B0604020202020204" pitchFamily="34" charset="0"/>
+              </a:rPr>
+              <a:t>quy</a:t>
+            </a:r>
+            <a:r>
+              <a:rPr lang="en-US" dirty="0">
+                <a:latin typeface="Arial" panose="020B0604020202020204" pitchFamily="34" charset="0"/>
+                <a:cs typeface="Arial" panose="020B0604020202020204" pitchFamily="34" charset="0"/>
+              </a:rPr>
+              <a:t> </a:t>
+            </a:r>
+            <a:r>
+              <a:rPr lang="en-US" dirty="0" err="1">
+                <a:latin typeface="Arial" panose="020B0604020202020204" pitchFamily="34" charset="0"/>
+                <a:cs typeface="Arial" panose="020B0604020202020204" pitchFamily="34" charset="0"/>
+              </a:rPr>
+              <a:t>tắc</a:t>
+            </a:r>
+            <a:r>
+              <a:rPr lang="en-US" dirty="0">
+                <a:latin typeface="Arial" panose="020B0604020202020204" pitchFamily="34" charset="0"/>
+                <a:cs typeface="Arial" panose="020B0604020202020204" pitchFamily="34" charset="0"/>
+              </a:rPr>
+              <a:t> </a:t>
+            </a:r>
+            <a:r>
+              <a:rPr lang="en-US" dirty="0" err="1">
+                <a:latin typeface="Arial" panose="020B0604020202020204" pitchFamily="34" charset="0"/>
+                <a:cs typeface="Arial" panose="020B0604020202020204" pitchFamily="34" charset="0"/>
+              </a:rPr>
+              <a:t>sàn</a:t>
+            </a:r>
+            <a:r>
+              <a:rPr lang="en-US" dirty="0">
+                <a:latin typeface="Arial" panose="020B0604020202020204" pitchFamily="34" charset="0"/>
+                <a:cs typeface="Arial" panose="020B0604020202020204" pitchFamily="34" charset="0"/>
+              </a:rPr>
+              <a:t> </a:t>
+            </a:r>
+            <a:r>
+              <a:rPr lang="en-US" dirty="0" err="1">
+                <a:latin typeface="Arial" panose="020B0604020202020204" pitchFamily="34" charset="0"/>
+                <a:cs typeface="Arial" panose="020B0604020202020204" pitchFamily="34" charset="0"/>
+              </a:rPr>
+              <a:t>lọc</a:t>
+            </a:r>
+            <a:r>
+              <a:rPr lang="en-US" dirty="0">
+                <a:latin typeface="Arial" panose="020B0604020202020204" pitchFamily="34" charset="0"/>
+                <a:cs typeface="Arial" panose="020B0604020202020204" pitchFamily="34" charset="0"/>
+              </a:rPr>
+              <a:t> </a:t>
+            </a:r>
+            <a:r>
+              <a:rPr lang="en-US" dirty="0" err="1">
+                <a:latin typeface="Arial" panose="020B0604020202020204" pitchFamily="34" charset="0"/>
+                <a:cs typeface="Arial" panose="020B0604020202020204" pitchFamily="34" charset="0"/>
+              </a:rPr>
+              <a:t>nhiều</a:t>
+            </a:r>
+            <a:r>
+              <a:rPr lang="en-US" dirty="0">
+                <a:latin typeface="Arial" panose="020B0604020202020204" pitchFamily="34" charset="0"/>
+                <a:cs typeface="Arial" panose="020B0604020202020204" pitchFamily="34" charset="0"/>
+              </a:rPr>
+              <a:t> </a:t>
+            </a:r>
+            <a:r>
+              <a:rPr lang="en-US" dirty="0" err="1">
+                <a:latin typeface="Arial" panose="020B0604020202020204" pitchFamily="34" charset="0"/>
+                <a:cs typeface="Arial" panose="020B0604020202020204" pitchFamily="34" charset="0"/>
+              </a:rPr>
+              <a:t>điểm</a:t>
+            </a:r>
+            <a:r>
+              <a:rPr lang="en-US" dirty="0">
+                <a:latin typeface="Arial" panose="020B0604020202020204" pitchFamily="34" charset="0"/>
+                <a:cs typeface="Arial" panose="020B0604020202020204" pitchFamily="34" charset="0"/>
+              </a:rPr>
+              <a:t>) </a:t>
+            </a:r>
+            <a:r>
+              <a:rPr lang="en-US" dirty="0" err="1">
+                <a:latin typeface="Arial" panose="020B0604020202020204" pitchFamily="34" charset="0"/>
+                <a:cs typeface="Arial" panose="020B0604020202020204" pitchFamily="34" charset="0"/>
+              </a:rPr>
+              <a:t>trong</a:t>
+            </a:r>
+            <a:r>
+              <a:rPr lang="en-US" dirty="0">
+                <a:latin typeface="Arial" panose="020B0604020202020204" pitchFamily="34" charset="0"/>
+                <a:cs typeface="Arial" panose="020B0604020202020204" pitchFamily="34" charset="0"/>
+              </a:rPr>
+              <a:t> tiếng Anh </a:t>
+            </a:r>
+            <a:r>
+              <a:rPr lang="en-US" dirty="0" err="1">
+                <a:latin typeface="Arial" panose="020B0604020202020204" pitchFamily="34" charset="0"/>
+                <a:cs typeface="Arial" panose="020B0604020202020204" pitchFamily="34" charset="0"/>
+              </a:rPr>
+              <a:t>và</a:t>
+            </a:r>
+            <a:r>
+              <a:rPr lang="en-US" dirty="0">
+                <a:latin typeface="Arial" panose="020B0604020202020204" pitchFamily="34" charset="0"/>
+                <a:cs typeface="Arial" panose="020B0604020202020204" pitchFamily="34" charset="0"/>
+              </a:rPr>
+              <a:t> tiếng </a:t>
+            </a:r>
+            <a:r>
+              <a:rPr lang="en-US" dirty="0" err="1">
+                <a:latin typeface="Arial" panose="020B0604020202020204" pitchFamily="34" charset="0"/>
+                <a:cs typeface="Arial" panose="020B0604020202020204" pitchFamily="34" charset="0"/>
+              </a:rPr>
+              <a:t>Trung</a:t>
+            </a:r>
+            <a:r>
+              <a:rPr lang="en-US" dirty="0">
+                <a:latin typeface="Arial" panose="020B0604020202020204" pitchFamily="34" charset="0"/>
+                <a:cs typeface="Arial" panose="020B0604020202020204" pitchFamily="34" charset="0"/>
+              </a:rPr>
+              <a:t> </a:t>
+            </a:r>
+            <a:r>
+              <a:rPr lang="en-US" dirty="0" err="1">
+                <a:latin typeface="Arial" panose="020B0604020202020204" pitchFamily="34" charset="0"/>
+                <a:cs typeface="Arial" panose="020B0604020202020204" pitchFamily="34" charset="0"/>
+              </a:rPr>
+              <a:t>Quốc</a:t>
+            </a:r>
+            <a:r>
+              <a:rPr lang="en-US" dirty="0">
+                <a:latin typeface="Arial" panose="020B0604020202020204" pitchFamily="34" charset="0"/>
+                <a:cs typeface="Arial" panose="020B0604020202020204" pitchFamily="34" charset="0"/>
+              </a:rPr>
+              <a:t>.</a:t>
+            </a:r>
+          </a:p>
+          <a:p>
+            <a:pPr lvl="0">
+              <a:lnSpc>
+                <a:spcPct val="150000"/>
+              </a:lnSpc>
+              <a:spcBef>
+                <a:spcPts val="0"/>
+              </a:spcBef>
+              <a:spcAft>
+                <a:spcPts val="0"/>
+              </a:spcAft>
+            </a:pPr>
+            <a:r>
+              <a:rPr lang="en-US" dirty="0">
+                <a:latin typeface="Arial" panose="020B0604020202020204" pitchFamily="34" charset="0"/>
+                <a:cs typeface="Arial" panose="020B0604020202020204" pitchFamily="34" charset="0"/>
+              </a:rPr>
+              <a:t>Statistical: </a:t>
+            </a:r>
+            <a:r>
+              <a:rPr lang="en-US" dirty="0" err="1">
+                <a:latin typeface="Arial" panose="020B0604020202020204" pitchFamily="34" charset="0"/>
+                <a:cs typeface="Arial" panose="020B0604020202020204" pitchFamily="34" charset="0"/>
+              </a:rPr>
+              <a:t>Phân</a:t>
+            </a:r>
+            <a:r>
+              <a:rPr lang="en-US" dirty="0">
+                <a:latin typeface="Arial" panose="020B0604020202020204" pitchFamily="34" charset="0"/>
+                <a:cs typeface="Arial" panose="020B0604020202020204" pitchFamily="34" charset="0"/>
+              </a:rPr>
+              <a:t> </a:t>
+            </a:r>
+            <a:r>
+              <a:rPr lang="en-US" dirty="0" err="1">
+                <a:latin typeface="Arial" panose="020B0604020202020204" pitchFamily="34" charset="0"/>
+                <a:cs typeface="Arial" panose="020B0604020202020204" pitchFamily="34" charset="0"/>
+              </a:rPr>
+              <a:t>giải</a:t>
+            </a:r>
+            <a:r>
+              <a:rPr lang="en-US" dirty="0">
+                <a:latin typeface="Arial" panose="020B0604020202020204" pitchFamily="34" charset="0"/>
+                <a:cs typeface="Arial" panose="020B0604020202020204" pitchFamily="34" charset="0"/>
+              </a:rPr>
+              <a:t> </a:t>
+            </a:r>
+            <a:r>
+              <a:rPr lang="en-US" dirty="0" err="1">
+                <a:latin typeface="Arial" panose="020B0604020202020204" pitchFamily="34" charset="0"/>
+                <a:cs typeface="Arial" panose="020B0604020202020204" pitchFamily="34" charset="0"/>
+              </a:rPr>
+              <a:t>đồng</a:t>
+            </a:r>
+            <a:r>
+              <a:rPr lang="en-US" dirty="0">
+                <a:latin typeface="Arial" panose="020B0604020202020204" pitchFamily="34" charset="0"/>
+                <a:cs typeface="Arial" panose="020B0604020202020204" pitchFamily="34" charset="0"/>
+              </a:rPr>
+              <a:t> </a:t>
+            </a:r>
+            <a:r>
+              <a:rPr lang="en-US" dirty="0" err="1">
+                <a:latin typeface="Arial" panose="020B0604020202020204" pitchFamily="34" charset="0"/>
+                <a:cs typeface="Arial" panose="020B0604020202020204" pitchFamily="34" charset="0"/>
+              </a:rPr>
+              <a:t>tham</a:t>
+            </a:r>
+            <a:r>
+              <a:rPr lang="en-US" dirty="0">
+                <a:latin typeface="Arial" panose="020B0604020202020204" pitchFamily="34" charset="0"/>
+                <a:cs typeface="Arial" panose="020B0604020202020204" pitchFamily="34" charset="0"/>
+              </a:rPr>
+              <a:t> </a:t>
+            </a:r>
+            <a:r>
+              <a:rPr lang="en-US" dirty="0" err="1">
+                <a:latin typeface="Arial" panose="020B0604020202020204" pitchFamily="34" charset="0"/>
+                <a:cs typeface="Arial" panose="020B0604020202020204" pitchFamily="34" charset="0"/>
+              </a:rPr>
+              <a:t>chiếu</a:t>
+            </a:r>
+            <a:r>
+              <a:rPr lang="en-US" dirty="0">
+                <a:latin typeface="Arial" panose="020B0604020202020204" pitchFamily="34" charset="0"/>
+                <a:cs typeface="Arial" panose="020B0604020202020204" pitchFamily="34" charset="0"/>
+              </a:rPr>
+              <a:t> </a:t>
+            </a:r>
+            <a:r>
+              <a:rPr lang="en-US" dirty="0" err="1">
+                <a:latin typeface="Arial" panose="020B0604020202020204" pitchFamily="34" charset="0"/>
+                <a:cs typeface="Arial" panose="020B0604020202020204" pitchFamily="34" charset="0"/>
+              </a:rPr>
+              <a:t>dựa</a:t>
+            </a:r>
+            <a:r>
+              <a:rPr lang="en-US" dirty="0">
+                <a:latin typeface="Arial" panose="020B0604020202020204" pitchFamily="34" charset="0"/>
+                <a:cs typeface="Arial" panose="020B0604020202020204" pitchFamily="34" charset="0"/>
+              </a:rPr>
+              <a:t> </a:t>
+            </a:r>
+            <a:r>
+              <a:rPr lang="en-US" dirty="0" err="1">
+                <a:latin typeface="Arial" panose="020B0604020202020204" pitchFamily="34" charset="0"/>
+                <a:cs typeface="Arial" panose="020B0604020202020204" pitchFamily="34" charset="0"/>
+              </a:rPr>
+              <a:t>trên</a:t>
+            </a:r>
+            <a:r>
+              <a:rPr lang="en-US" dirty="0">
+                <a:latin typeface="Arial" panose="020B0604020202020204" pitchFamily="34" charset="0"/>
+                <a:cs typeface="Arial" panose="020B0604020202020204" pitchFamily="34" charset="0"/>
+              </a:rPr>
+              <a:t> </a:t>
+            </a:r>
+            <a:r>
+              <a:rPr lang="en-US" dirty="0" err="1">
+                <a:latin typeface="Arial" panose="020B0604020202020204" pitchFamily="34" charset="0"/>
+                <a:cs typeface="Arial" panose="020B0604020202020204" pitchFamily="34" charset="0"/>
+              </a:rPr>
+              <a:t>máy</a:t>
+            </a:r>
+            <a:r>
+              <a:rPr lang="en-US" dirty="0">
+                <a:latin typeface="Arial" panose="020B0604020202020204" pitchFamily="34" charset="0"/>
+                <a:cs typeface="Arial" panose="020B0604020202020204" pitchFamily="34" charset="0"/>
+              </a:rPr>
+              <a:t> </a:t>
+            </a:r>
+            <a:r>
+              <a:rPr lang="en-US" dirty="0" err="1">
+                <a:latin typeface="Arial" panose="020B0604020202020204" pitchFamily="34" charset="0"/>
+                <a:cs typeface="Arial" panose="020B0604020202020204" pitchFamily="34" charset="0"/>
+              </a:rPr>
+              <a:t>học</a:t>
+            </a:r>
+            <a:r>
+              <a:rPr lang="en-US" dirty="0">
+                <a:latin typeface="Arial" panose="020B0604020202020204" pitchFamily="34" charset="0"/>
+                <a:cs typeface="Arial" panose="020B0604020202020204" pitchFamily="34" charset="0"/>
+              </a:rPr>
+              <a:t> </a:t>
+            </a:r>
+            <a:r>
+              <a:rPr lang="en-US" dirty="0" err="1">
+                <a:latin typeface="Arial" panose="020B0604020202020204" pitchFamily="34" charset="0"/>
+                <a:cs typeface="Arial" panose="020B0604020202020204" pitchFamily="34" charset="0"/>
+              </a:rPr>
+              <a:t>cho</a:t>
+            </a:r>
+            <a:r>
+              <a:rPr lang="en-US" dirty="0">
+                <a:latin typeface="Arial" panose="020B0604020202020204" pitchFamily="34" charset="0"/>
+                <a:cs typeface="Arial" panose="020B0604020202020204" pitchFamily="34" charset="0"/>
+              </a:rPr>
+              <a:t> tiếng Anh. </a:t>
+            </a:r>
+            <a:r>
+              <a:rPr lang="en-US" dirty="0" err="1">
+                <a:latin typeface="Arial" panose="020B0604020202020204" pitchFamily="34" charset="0"/>
+                <a:cs typeface="Arial" panose="020B0604020202020204" pitchFamily="34" charset="0"/>
+              </a:rPr>
+              <a:t>Nó</a:t>
+            </a:r>
+            <a:r>
+              <a:rPr lang="en-US" dirty="0">
+                <a:latin typeface="Arial" panose="020B0604020202020204" pitchFamily="34" charset="0"/>
+                <a:cs typeface="Arial" panose="020B0604020202020204" pitchFamily="34" charset="0"/>
+              </a:rPr>
+              <a:t> </a:t>
+            </a:r>
+            <a:r>
+              <a:rPr lang="en-US" dirty="0" err="1">
+                <a:latin typeface="Arial" panose="020B0604020202020204" pitchFamily="34" charset="0"/>
+                <a:cs typeface="Arial" panose="020B0604020202020204" pitchFamily="34" charset="0"/>
+              </a:rPr>
+              <a:t>yêu</a:t>
+            </a:r>
+            <a:r>
+              <a:rPr lang="en-US" dirty="0">
+                <a:latin typeface="Arial" panose="020B0604020202020204" pitchFamily="34" charset="0"/>
+                <a:cs typeface="Arial" panose="020B0604020202020204" pitchFamily="34" charset="0"/>
+              </a:rPr>
+              <a:t> </a:t>
+            </a:r>
+            <a:r>
+              <a:rPr lang="en-US" dirty="0" err="1">
+                <a:latin typeface="Arial" panose="020B0604020202020204" pitchFamily="34" charset="0"/>
+                <a:cs typeface="Arial" panose="020B0604020202020204" pitchFamily="34" charset="0"/>
+              </a:rPr>
+              <a:t>cầu</a:t>
+            </a:r>
+            <a:r>
+              <a:rPr lang="en-US" dirty="0">
+                <a:latin typeface="Arial" panose="020B0604020202020204" pitchFamily="34" charset="0"/>
+                <a:cs typeface="Arial" panose="020B0604020202020204" pitchFamily="34" charset="0"/>
+              </a:rPr>
+              <a:t> </a:t>
+            </a:r>
+            <a:r>
+              <a:rPr lang="en-US" dirty="0" err="1">
+                <a:latin typeface="Arial" panose="020B0604020202020204" pitchFamily="34" charset="0"/>
+                <a:cs typeface="Arial" panose="020B0604020202020204" pitchFamily="34" charset="0"/>
+              </a:rPr>
+              <a:t>phân</a:t>
+            </a:r>
+            <a:r>
+              <a:rPr lang="en-US" dirty="0">
+                <a:latin typeface="Arial" panose="020B0604020202020204" pitchFamily="34" charset="0"/>
+                <a:cs typeface="Arial" panose="020B0604020202020204" pitchFamily="34" charset="0"/>
+              </a:rPr>
+              <a:t> </a:t>
+            </a:r>
+            <a:r>
+              <a:rPr lang="en-US" dirty="0" err="1">
+                <a:latin typeface="Arial" panose="020B0604020202020204" pitchFamily="34" charset="0"/>
+                <a:cs typeface="Arial" panose="020B0604020202020204" pitchFamily="34" charset="0"/>
+              </a:rPr>
+              <a:t>tích</a:t>
+            </a:r>
+            <a:r>
+              <a:rPr lang="en-US" dirty="0">
+                <a:latin typeface="Arial" panose="020B0604020202020204" pitchFamily="34" charset="0"/>
+                <a:cs typeface="Arial" panose="020B0604020202020204" pitchFamily="34" charset="0"/>
+              </a:rPr>
+              <a:t> </a:t>
+            </a:r>
+            <a:r>
+              <a:rPr lang="en-US" dirty="0" err="1">
+                <a:latin typeface="Arial" panose="020B0604020202020204" pitchFamily="34" charset="0"/>
+                <a:cs typeface="Arial" panose="020B0604020202020204" pitchFamily="34" charset="0"/>
+              </a:rPr>
+              <a:t>sự</a:t>
+            </a:r>
+            <a:r>
+              <a:rPr lang="en-US" dirty="0">
+                <a:latin typeface="Arial" panose="020B0604020202020204" pitchFamily="34" charset="0"/>
+                <a:cs typeface="Arial" panose="020B0604020202020204" pitchFamily="34" charset="0"/>
+              </a:rPr>
+              <a:t> </a:t>
+            </a:r>
+            <a:r>
+              <a:rPr lang="en-US" dirty="0" err="1">
+                <a:latin typeface="Arial" panose="020B0604020202020204" pitchFamily="34" charset="0"/>
+                <a:cs typeface="Arial" panose="020B0604020202020204" pitchFamily="34" charset="0"/>
+              </a:rPr>
+              <a:t>phụ</a:t>
+            </a:r>
+            <a:r>
+              <a:rPr lang="en-US" dirty="0">
+                <a:latin typeface="Arial" panose="020B0604020202020204" pitchFamily="34" charset="0"/>
+                <a:cs typeface="Arial" panose="020B0604020202020204" pitchFamily="34" charset="0"/>
+              </a:rPr>
+              <a:t> </a:t>
+            </a:r>
+            <a:r>
+              <a:rPr lang="en-US" dirty="0" err="1">
+                <a:latin typeface="Arial" panose="020B0604020202020204" pitchFamily="34" charset="0"/>
+                <a:cs typeface="Arial" panose="020B0604020202020204" pitchFamily="34" charset="0"/>
+              </a:rPr>
+              <a:t>thuộc</a:t>
+            </a:r>
+            <a:r>
+              <a:rPr lang="en-US" dirty="0">
+                <a:latin typeface="Arial" panose="020B0604020202020204" pitchFamily="34" charset="0"/>
+                <a:cs typeface="Arial" panose="020B0604020202020204" pitchFamily="34" charset="0"/>
+              </a:rPr>
+              <a:t> </a:t>
+            </a:r>
+            <a:r>
+              <a:rPr lang="en-US" dirty="0" err="1">
+                <a:latin typeface="Arial" panose="020B0604020202020204" pitchFamily="34" charset="0"/>
+                <a:cs typeface="Arial" panose="020B0604020202020204" pitchFamily="34" charset="0"/>
+              </a:rPr>
+              <a:t>cú</a:t>
+            </a:r>
+            <a:r>
+              <a:rPr lang="en-US" dirty="0">
+                <a:latin typeface="Arial" panose="020B0604020202020204" pitchFamily="34" charset="0"/>
+                <a:cs typeface="Arial" panose="020B0604020202020204" pitchFamily="34" charset="0"/>
+              </a:rPr>
+              <a:t> </a:t>
+            </a:r>
+            <a:r>
+              <a:rPr lang="en-US" dirty="0" err="1">
+                <a:latin typeface="Arial" panose="020B0604020202020204" pitchFamily="34" charset="0"/>
+                <a:cs typeface="Arial" panose="020B0604020202020204" pitchFamily="34" charset="0"/>
+              </a:rPr>
+              <a:t>pháp</a:t>
+            </a:r>
+            <a:r>
+              <a:rPr lang="en-US" dirty="0">
+                <a:latin typeface="Arial" panose="020B0604020202020204" pitchFamily="34" charset="0"/>
+                <a:cs typeface="Arial" panose="020B0604020202020204" pitchFamily="34" charset="0"/>
+              </a:rPr>
+              <a:t>. Model </a:t>
+            </a:r>
+            <a:r>
+              <a:rPr lang="en-US" dirty="0" err="1">
+                <a:latin typeface="Arial" panose="020B0604020202020204" pitchFamily="34" charset="0"/>
+                <a:cs typeface="Arial" panose="020B0604020202020204" pitchFamily="34" charset="0"/>
+              </a:rPr>
+              <a:t>xếp</a:t>
+            </a:r>
+            <a:r>
+              <a:rPr lang="en-US" dirty="0">
+                <a:latin typeface="Arial" panose="020B0604020202020204" pitchFamily="34" charset="0"/>
+                <a:cs typeface="Arial" panose="020B0604020202020204" pitchFamily="34" charset="0"/>
+              </a:rPr>
+              <a:t> </a:t>
+            </a:r>
+            <a:r>
+              <a:rPr lang="en-US" dirty="0" err="1">
+                <a:latin typeface="Arial" panose="020B0604020202020204" pitchFamily="34" charset="0"/>
+                <a:cs typeface="Arial" panose="020B0604020202020204" pitchFamily="34" charset="0"/>
+              </a:rPr>
+              <a:t>hạng</a:t>
+            </a:r>
+            <a:r>
+              <a:rPr lang="en-US" dirty="0">
+                <a:latin typeface="Arial" panose="020B0604020202020204" pitchFamily="34" charset="0"/>
+                <a:cs typeface="Arial" panose="020B0604020202020204" pitchFamily="34" charset="0"/>
+              </a:rPr>
+              <a:t> </a:t>
+            </a:r>
+            <a:r>
+              <a:rPr lang="en-US" dirty="0" err="1">
+                <a:latin typeface="Arial" panose="020B0604020202020204" pitchFamily="34" charset="0"/>
+                <a:cs typeface="Arial" panose="020B0604020202020204" pitchFamily="34" charset="0"/>
+              </a:rPr>
+              <a:t>các</a:t>
+            </a:r>
+            <a:r>
+              <a:rPr lang="en-US" dirty="0">
+                <a:latin typeface="Arial" panose="020B0604020202020204" pitchFamily="34" charset="0"/>
+                <a:cs typeface="Arial" panose="020B0604020202020204" pitchFamily="34" charset="0"/>
+              </a:rPr>
+              <a:t> mention </a:t>
+            </a:r>
+            <a:r>
+              <a:rPr lang="en-US" dirty="0" err="1">
+                <a:latin typeface="Arial" panose="020B0604020202020204" pitchFamily="34" charset="0"/>
+                <a:cs typeface="Arial" panose="020B0604020202020204" pitchFamily="34" charset="0"/>
+              </a:rPr>
+              <a:t>dựa</a:t>
+            </a:r>
+            <a:r>
+              <a:rPr lang="en-US" dirty="0">
+                <a:latin typeface="Arial" panose="020B0604020202020204" pitchFamily="34" charset="0"/>
+                <a:cs typeface="Arial" panose="020B0604020202020204" pitchFamily="34" charset="0"/>
+              </a:rPr>
+              <a:t> </a:t>
+            </a:r>
+            <a:r>
+              <a:rPr lang="en-US" dirty="0" err="1">
+                <a:latin typeface="Arial" panose="020B0604020202020204" pitchFamily="34" charset="0"/>
+                <a:cs typeface="Arial" panose="020B0604020202020204" pitchFamily="34" charset="0"/>
+              </a:rPr>
+              <a:t>trên</a:t>
+            </a:r>
+            <a:r>
+              <a:rPr lang="en-US" dirty="0">
+                <a:latin typeface="Arial" panose="020B0604020202020204" pitchFamily="34" charset="0"/>
+                <a:cs typeface="Arial" panose="020B0604020202020204" pitchFamily="34" charset="0"/>
+              </a:rPr>
+              <a:t> </a:t>
+            </a:r>
+            <a:r>
+              <a:rPr lang="en-US" dirty="0" err="1">
+                <a:latin typeface="Arial" panose="020B0604020202020204" pitchFamily="34" charset="0"/>
+                <a:cs typeface="Arial" panose="020B0604020202020204" pitchFamily="34" charset="0"/>
+              </a:rPr>
+              <a:t>các</a:t>
+            </a:r>
+            <a:r>
+              <a:rPr lang="en-US" dirty="0">
+                <a:latin typeface="Arial" panose="020B0604020202020204" pitchFamily="34" charset="0"/>
+                <a:cs typeface="Arial" panose="020B0604020202020204" pitchFamily="34" charset="0"/>
+              </a:rPr>
+              <a:t> </a:t>
+            </a:r>
+            <a:r>
+              <a:rPr lang="en-US" dirty="0" err="1">
+                <a:latin typeface="Arial" panose="020B0604020202020204" pitchFamily="34" charset="0"/>
+                <a:cs typeface="Arial" panose="020B0604020202020204" pitchFamily="34" charset="0"/>
+              </a:rPr>
+              <a:t>đặc</a:t>
+            </a:r>
+            <a:r>
+              <a:rPr lang="en-US" dirty="0">
+                <a:latin typeface="Arial" panose="020B0604020202020204" pitchFamily="34" charset="0"/>
+                <a:cs typeface="Arial" panose="020B0604020202020204" pitchFamily="34" charset="0"/>
+              </a:rPr>
+              <a:t> </a:t>
+            </a:r>
+            <a:r>
+              <a:rPr lang="en-US" dirty="0" err="1">
+                <a:latin typeface="Arial" panose="020B0604020202020204" pitchFamily="34" charset="0"/>
+                <a:cs typeface="Arial" panose="020B0604020202020204" pitchFamily="34" charset="0"/>
+              </a:rPr>
+              <a:t>trưng</a:t>
+            </a:r>
+            <a:r>
+              <a:rPr lang="en-US" dirty="0">
+                <a:latin typeface="Arial" panose="020B0604020202020204" pitchFamily="34" charset="0"/>
+                <a:cs typeface="Arial" panose="020B0604020202020204" pitchFamily="34" charset="0"/>
+              </a:rPr>
+              <a:t> </a:t>
+            </a:r>
+            <a:r>
+              <a:rPr lang="en-US" dirty="0" err="1">
+                <a:latin typeface="Arial" panose="020B0604020202020204" pitchFamily="34" charset="0"/>
+                <a:cs typeface="Arial" panose="020B0604020202020204" pitchFamily="34" charset="0"/>
+              </a:rPr>
+              <a:t>lớn</a:t>
+            </a:r>
+            <a:r>
+              <a:rPr lang="en-US" dirty="0">
+                <a:latin typeface="Arial" panose="020B0604020202020204" pitchFamily="34" charset="0"/>
+                <a:cs typeface="Arial" panose="020B0604020202020204" pitchFamily="34" charset="0"/>
+              </a:rPr>
+              <a:t>, </a:t>
+            </a:r>
+            <a:r>
+              <a:rPr lang="en-US" dirty="0" err="1">
+                <a:latin typeface="Arial" panose="020B0604020202020204" pitchFamily="34" charset="0"/>
+                <a:cs typeface="Arial" panose="020B0604020202020204" pitchFamily="34" charset="0"/>
+              </a:rPr>
+              <a:t>nó</a:t>
+            </a:r>
+            <a:r>
+              <a:rPr lang="en-US" dirty="0">
+                <a:latin typeface="Arial" panose="020B0604020202020204" pitchFamily="34" charset="0"/>
+                <a:cs typeface="Arial" panose="020B0604020202020204" pitchFamily="34" charset="0"/>
+              </a:rPr>
+              <a:t> </a:t>
+            </a:r>
+            <a:r>
+              <a:rPr lang="en-US" dirty="0" err="1">
+                <a:latin typeface="Arial" panose="020B0604020202020204" pitchFamily="34" charset="0"/>
+                <a:cs typeface="Arial" panose="020B0604020202020204" pitchFamily="34" charset="0"/>
+              </a:rPr>
+              <a:t>hoạt</a:t>
+            </a:r>
+            <a:r>
+              <a:rPr lang="en-US" dirty="0">
+                <a:latin typeface="Arial" panose="020B0604020202020204" pitchFamily="34" charset="0"/>
+                <a:cs typeface="Arial" panose="020B0604020202020204" pitchFamily="34" charset="0"/>
+              </a:rPr>
+              <a:t> </a:t>
+            </a:r>
+            <a:r>
+              <a:rPr lang="en-US" dirty="0" err="1">
+                <a:latin typeface="Arial" panose="020B0604020202020204" pitchFamily="34" charset="0"/>
+                <a:cs typeface="Arial" panose="020B0604020202020204" pitchFamily="34" charset="0"/>
+              </a:rPr>
+              <a:t>động</a:t>
+            </a:r>
+            <a:r>
+              <a:rPr lang="en-US" dirty="0">
+                <a:latin typeface="Arial" panose="020B0604020202020204" pitchFamily="34" charset="0"/>
+                <a:cs typeface="Arial" panose="020B0604020202020204" pitchFamily="34" charset="0"/>
+              </a:rPr>
+              <a:t> </a:t>
+            </a:r>
+            <a:r>
+              <a:rPr lang="en-US" dirty="0" err="1">
+                <a:latin typeface="Arial" panose="020B0604020202020204" pitchFamily="34" charset="0"/>
+                <a:cs typeface="Arial" panose="020B0604020202020204" pitchFamily="34" charset="0"/>
+              </a:rPr>
+              <a:t>bằng</a:t>
+            </a:r>
+            <a:r>
+              <a:rPr lang="en-US" dirty="0">
+                <a:latin typeface="Arial" panose="020B0604020202020204" pitchFamily="34" charset="0"/>
+                <a:cs typeface="Arial" panose="020B0604020202020204" pitchFamily="34" charset="0"/>
+              </a:rPr>
+              <a:t> </a:t>
+            </a:r>
+            <a:r>
+              <a:rPr lang="en-US" dirty="0" err="1">
+                <a:latin typeface="Arial" panose="020B0604020202020204" pitchFamily="34" charset="0"/>
+                <a:cs typeface="Arial" panose="020B0604020202020204" pitchFamily="34" charset="0"/>
+              </a:rPr>
+              <a:t>cách</a:t>
+            </a:r>
+            <a:r>
+              <a:rPr lang="en-US" dirty="0">
+                <a:latin typeface="Arial" panose="020B0604020202020204" pitchFamily="34" charset="0"/>
+                <a:cs typeface="Arial" panose="020B0604020202020204" pitchFamily="34" charset="0"/>
+              </a:rPr>
+              <a:t> </a:t>
+            </a:r>
+            <a:r>
+              <a:rPr lang="en-US" dirty="0" err="1">
+                <a:latin typeface="Arial" panose="020B0604020202020204" pitchFamily="34" charset="0"/>
+                <a:cs typeface="Arial" panose="020B0604020202020204" pitchFamily="34" charset="0"/>
+              </a:rPr>
+              <a:t>lặp</a:t>
+            </a:r>
+            <a:r>
+              <a:rPr lang="en-US" dirty="0">
+                <a:latin typeface="Arial" panose="020B0604020202020204" pitchFamily="34" charset="0"/>
+                <a:cs typeface="Arial" panose="020B0604020202020204" pitchFamily="34" charset="0"/>
+              </a:rPr>
+              <a:t> qua </a:t>
+            </a:r>
+            <a:r>
+              <a:rPr lang="en-US" dirty="0" err="1">
+                <a:latin typeface="Arial" panose="020B0604020202020204" pitchFamily="34" charset="0"/>
+                <a:cs typeface="Arial" panose="020B0604020202020204" pitchFamily="34" charset="0"/>
+              </a:rPr>
+              <a:t>từng</a:t>
+            </a:r>
+            <a:r>
+              <a:rPr lang="en-US" dirty="0">
+                <a:latin typeface="Arial" panose="020B0604020202020204" pitchFamily="34" charset="0"/>
+                <a:cs typeface="Arial" panose="020B0604020202020204" pitchFamily="34" charset="0"/>
+              </a:rPr>
+              <a:t> mention </a:t>
+            </a:r>
+            <a:r>
+              <a:rPr lang="en-US" dirty="0" err="1">
+                <a:latin typeface="Arial" panose="020B0604020202020204" pitchFamily="34" charset="0"/>
+                <a:cs typeface="Arial" panose="020B0604020202020204" pitchFamily="34" charset="0"/>
+              </a:rPr>
+              <a:t>trong</a:t>
+            </a:r>
+            <a:r>
+              <a:rPr lang="en-US" dirty="0">
+                <a:latin typeface="Arial" panose="020B0604020202020204" pitchFamily="34" charset="0"/>
+                <a:cs typeface="Arial" panose="020B0604020202020204" pitchFamily="34" charset="0"/>
+              </a:rPr>
+              <a:t> </a:t>
+            </a:r>
+            <a:r>
+              <a:rPr lang="en-US" dirty="0" err="1">
+                <a:latin typeface="Arial" panose="020B0604020202020204" pitchFamily="34" charset="0"/>
+                <a:cs typeface="Arial" panose="020B0604020202020204" pitchFamily="34" charset="0"/>
+              </a:rPr>
+              <a:t>tài</a:t>
+            </a:r>
+            <a:r>
+              <a:rPr lang="en-US" dirty="0">
+                <a:latin typeface="Arial" panose="020B0604020202020204" pitchFamily="34" charset="0"/>
+                <a:cs typeface="Arial" panose="020B0604020202020204" pitchFamily="34" charset="0"/>
+              </a:rPr>
+              <a:t> </a:t>
+            </a:r>
+            <a:r>
+              <a:rPr lang="en-US" dirty="0" err="1">
+                <a:latin typeface="Arial" panose="020B0604020202020204" pitchFamily="34" charset="0"/>
+                <a:cs typeface="Arial" panose="020B0604020202020204" pitchFamily="34" charset="0"/>
+              </a:rPr>
+              <a:t>liệu</a:t>
+            </a:r>
+            <a:r>
+              <a:rPr lang="en-US" dirty="0">
+                <a:latin typeface="Arial" panose="020B0604020202020204" pitchFamily="34" charset="0"/>
+                <a:cs typeface="Arial" panose="020B0604020202020204" pitchFamily="34" charset="0"/>
+              </a:rPr>
+              <a:t>, </a:t>
+            </a:r>
+            <a:r>
+              <a:rPr lang="en-US" dirty="0" err="1">
+                <a:latin typeface="Arial" panose="020B0604020202020204" pitchFamily="34" charset="0"/>
+                <a:cs typeface="Arial" panose="020B0604020202020204" pitchFamily="34" charset="0"/>
+              </a:rPr>
+              <a:t>có</a:t>
+            </a:r>
+            <a:r>
+              <a:rPr lang="en-US" dirty="0">
+                <a:latin typeface="Arial" panose="020B0604020202020204" pitchFamily="34" charset="0"/>
+                <a:cs typeface="Arial" panose="020B0604020202020204" pitchFamily="34" charset="0"/>
+              </a:rPr>
+              <a:t> </a:t>
+            </a:r>
+            <a:r>
+              <a:rPr lang="en-US" dirty="0" err="1">
+                <a:latin typeface="Arial" panose="020B0604020202020204" pitchFamily="34" charset="0"/>
+                <a:cs typeface="Arial" panose="020B0604020202020204" pitchFamily="34" charset="0"/>
+              </a:rPr>
+              <a:t>thể</a:t>
+            </a:r>
+            <a:r>
+              <a:rPr lang="en-US" dirty="0">
+                <a:latin typeface="Arial" panose="020B0604020202020204" pitchFamily="34" charset="0"/>
+                <a:cs typeface="Arial" panose="020B0604020202020204" pitchFamily="34" charset="0"/>
+              </a:rPr>
+              <a:t> </a:t>
+            </a:r>
+            <a:r>
+              <a:rPr lang="en-US" dirty="0" err="1">
+                <a:latin typeface="Arial" panose="020B0604020202020204" pitchFamily="34" charset="0"/>
+                <a:cs typeface="Arial" panose="020B0604020202020204" pitchFamily="34" charset="0"/>
+              </a:rPr>
+              <a:t>thêm</a:t>
+            </a:r>
+            <a:r>
+              <a:rPr lang="en-US" dirty="0">
+                <a:latin typeface="Arial" panose="020B0604020202020204" pitchFamily="34" charset="0"/>
+                <a:cs typeface="Arial" panose="020B0604020202020204" pitchFamily="34" charset="0"/>
+              </a:rPr>
+              <a:t> </a:t>
+            </a:r>
+            <a:r>
+              <a:rPr lang="en-US" dirty="0" err="1">
+                <a:latin typeface="Arial" panose="020B0604020202020204" pitchFamily="34" charset="0"/>
+                <a:cs typeface="Arial" panose="020B0604020202020204" pitchFamily="34" charset="0"/>
+              </a:rPr>
+              <a:t>liên</a:t>
+            </a:r>
+            <a:r>
+              <a:rPr lang="en-US" dirty="0">
+                <a:latin typeface="Arial" panose="020B0604020202020204" pitchFamily="34" charset="0"/>
+                <a:cs typeface="Arial" panose="020B0604020202020204" pitchFamily="34" charset="0"/>
+              </a:rPr>
+              <a:t> </a:t>
+            </a:r>
+            <a:r>
+              <a:rPr lang="en-US" dirty="0" err="1">
+                <a:latin typeface="Arial" panose="020B0604020202020204" pitchFamily="34" charset="0"/>
+                <a:cs typeface="Arial" panose="020B0604020202020204" pitchFamily="34" charset="0"/>
+              </a:rPr>
+              <a:t>kết</a:t>
+            </a:r>
+            <a:r>
+              <a:rPr lang="en-US" dirty="0">
+                <a:latin typeface="Arial" panose="020B0604020202020204" pitchFamily="34" charset="0"/>
+                <a:cs typeface="Arial" panose="020B0604020202020204" pitchFamily="34" charset="0"/>
+              </a:rPr>
+              <a:t> </a:t>
+            </a:r>
+            <a:r>
+              <a:rPr lang="en-US" dirty="0" err="1">
+                <a:latin typeface="Arial" panose="020B0604020202020204" pitchFamily="34" charset="0"/>
+                <a:cs typeface="Arial" panose="020B0604020202020204" pitchFamily="34" charset="0"/>
+              </a:rPr>
+              <a:t>giữa</a:t>
+            </a:r>
+            <a:r>
+              <a:rPr lang="en-US" dirty="0">
+                <a:latin typeface="Arial" panose="020B0604020202020204" pitchFamily="34" charset="0"/>
+                <a:cs typeface="Arial" panose="020B0604020202020204" pitchFamily="34" charset="0"/>
+              </a:rPr>
+              <a:t> mention </a:t>
+            </a:r>
+            <a:r>
+              <a:rPr lang="en-US" dirty="0" err="1">
+                <a:latin typeface="Arial" panose="020B0604020202020204" pitchFamily="34" charset="0"/>
+                <a:cs typeface="Arial" panose="020B0604020202020204" pitchFamily="34" charset="0"/>
+              </a:rPr>
+              <a:t>hiện</a:t>
+            </a:r>
+            <a:r>
+              <a:rPr lang="en-US" dirty="0">
+                <a:latin typeface="Arial" panose="020B0604020202020204" pitchFamily="34" charset="0"/>
+                <a:cs typeface="Arial" panose="020B0604020202020204" pitchFamily="34" charset="0"/>
+              </a:rPr>
+              <a:t> </a:t>
+            </a:r>
+            <a:r>
+              <a:rPr lang="en-US" dirty="0" err="1">
+                <a:latin typeface="Arial" panose="020B0604020202020204" pitchFamily="34" charset="0"/>
+                <a:cs typeface="Arial" panose="020B0604020202020204" pitchFamily="34" charset="0"/>
+              </a:rPr>
+              <a:t>tại</a:t>
+            </a:r>
+            <a:r>
+              <a:rPr lang="en-US" dirty="0">
+                <a:latin typeface="Arial" panose="020B0604020202020204" pitchFamily="34" charset="0"/>
+                <a:cs typeface="Arial" panose="020B0604020202020204" pitchFamily="34" charset="0"/>
+              </a:rPr>
+              <a:t> </a:t>
+            </a:r>
+            <a:r>
+              <a:rPr lang="en-US" dirty="0" err="1">
+                <a:latin typeface="Arial" panose="020B0604020202020204" pitchFamily="34" charset="0"/>
+                <a:cs typeface="Arial" panose="020B0604020202020204" pitchFamily="34" charset="0"/>
+              </a:rPr>
+              <a:t>với</a:t>
+            </a:r>
+            <a:r>
+              <a:rPr lang="en-US" dirty="0">
+                <a:latin typeface="Arial" panose="020B0604020202020204" pitchFamily="34" charset="0"/>
+                <a:cs typeface="Arial" panose="020B0604020202020204" pitchFamily="34" charset="0"/>
+              </a:rPr>
+              <a:t> mention </a:t>
+            </a:r>
+            <a:r>
+              <a:rPr lang="en-US" dirty="0" err="1">
+                <a:latin typeface="Arial" panose="020B0604020202020204" pitchFamily="34" charset="0"/>
+                <a:cs typeface="Arial" panose="020B0604020202020204" pitchFamily="34" charset="0"/>
+              </a:rPr>
+              <a:t>trước</a:t>
+            </a:r>
+            <a:r>
+              <a:rPr lang="en-US" dirty="0">
+                <a:latin typeface="Arial" panose="020B0604020202020204" pitchFamily="34" charset="0"/>
+                <a:cs typeface="Arial" panose="020B0604020202020204" pitchFamily="34" charset="0"/>
+              </a:rPr>
+              <a:t> </a:t>
+            </a:r>
+            <a:r>
+              <a:rPr lang="en-US" dirty="0" err="1">
+                <a:latin typeface="Arial" panose="020B0604020202020204" pitchFamily="34" charset="0"/>
+                <a:cs typeface="Arial" panose="020B0604020202020204" pitchFamily="34" charset="0"/>
+              </a:rPr>
+              <a:t>đó</a:t>
+            </a:r>
+            <a:r>
+              <a:rPr lang="en-US" dirty="0">
+                <a:latin typeface="Arial" panose="020B0604020202020204" pitchFamily="34" charset="0"/>
+                <a:cs typeface="Arial" panose="020B0604020202020204" pitchFamily="34" charset="0"/>
+              </a:rPr>
+              <a:t> ở </a:t>
+            </a:r>
+            <a:r>
+              <a:rPr lang="en-US" dirty="0" err="1">
+                <a:latin typeface="Arial" panose="020B0604020202020204" pitchFamily="34" charset="0"/>
+                <a:cs typeface="Arial" panose="020B0604020202020204" pitchFamily="34" charset="0"/>
+              </a:rPr>
+              <a:t>mỗi</a:t>
+            </a:r>
+            <a:r>
+              <a:rPr lang="en-US" dirty="0">
+                <a:latin typeface="Arial" panose="020B0604020202020204" pitchFamily="34" charset="0"/>
+                <a:cs typeface="Arial" panose="020B0604020202020204" pitchFamily="34" charset="0"/>
+              </a:rPr>
+              <a:t> </a:t>
+            </a:r>
+            <a:r>
+              <a:rPr lang="en-US" dirty="0" err="1">
+                <a:latin typeface="Arial" panose="020B0604020202020204" pitchFamily="34" charset="0"/>
+                <a:cs typeface="Arial" panose="020B0604020202020204" pitchFamily="34" charset="0"/>
+              </a:rPr>
+              <a:t>bước</a:t>
+            </a:r>
+            <a:r>
+              <a:rPr lang="en-US" dirty="0">
+                <a:latin typeface="Arial" panose="020B0604020202020204" pitchFamily="34" charset="0"/>
+                <a:cs typeface="Arial" panose="020B0604020202020204" pitchFamily="34" charset="0"/>
+              </a:rPr>
+              <a:t>.</a:t>
+            </a:r>
+          </a:p>
+          <a:p>
+            <a:pPr>
+              <a:lnSpc>
+                <a:spcPct val="150000"/>
+              </a:lnSpc>
+              <a:spcBef>
+                <a:spcPts val="0"/>
+              </a:spcBef>
+              <a:spcAft>
+                <a:spcPts val="0"/>
+              </a:spcAft>
+            </a:pPr>
+            <a:r>
+              <a:rPr lang="en-US" dirty="0">
+                <a:latin typeface="Arial" panose="020B0604020202020204" pitchFamily="34" charset="0"/>
+                <a:cs typeface="Arial" panose="020B0604020202020204" pitchFamily="34" charset="0"/>
+              </a:rPr>
+              <a:t>Neural: </a:t>
+            </a:r>
+            <a:r>
+              <a:rPr lang="en-US" dirty="0" err="1">
+                <a:latin typeface="Arial" panose="020B0604020202020204" pitchFamily="34" charset="0"/>
+                <a:cs typeface="Arial" panose="020B0604020202020204" pitchFamily="34" charset="0"/>
+              </a:rPr>
+              <a:t>Phân</a:t>
+            </a:r>
+            <a:r>
+              <a:rPr lang="en-US" dirty="0">
+                <a:latin typeface="Arial" panose="020B0604020202020204" pitchFamily="34" charset="0"/>
+                <a:cs typeface="Arial" panose="020B0604020202020204" pitchFamily="34" charset="0"/>
+              </a:rPr>
+              <a:t> </a:t>
+            </a:r>
+            <a:r>
+              <a:rPr lang="en-US" dirty="0" err="1">
+                <a:latin typeface="Arial" panose="020B0604020202020204" pitchFamily="34" charset="0"/>
+                <a:cs typeface="Arial" panose="020B0604020202020204" pitchFamily="34" charset="0"/>
+              </a:rPr>
+              <a:t>giải</a:t>
+            </a:r>
+            <a:r>
+              <a:rPr lang="en-US" dirty="0">
+                <a:latin typeface="Arial" panose="020B0604020202020204" pitchFamily="34" charset="0"/>
+                <a:cs typeface="Arial" panose="020B0604020202020204" pitchFamily="34" charset="0"/>
+              </a:rPr>
+              <a:t> </a:t>
+            </a:r>
+            <a:r>
+              <a:rPr lang="en-US" dirty="0" err="1">
+                <a:latin typeface="Arial" panose="020B0604020202020204" pitchFamily="34" charset="0"/>
+                <a:cs typeface="Arial" panose="020B0604020202020204" pitchFamily="34" charset="0"/>
+              </a:rPr>
+              <a:t>đồng</a:t>
+            </a:r>
+            <a:r>
+              <a:rPr lang="en-US" dirty="0">
+                <a:latin typeface="Arial" panose="020B0604020202020204" pitchFamily="34" charset="0"/>
+                <a:cs typeface="Arial" panose="020B0604020202020204" pitchFamily="34" charset="0"/>
+              </a:rPr>
+              <a:t> </a:t>
+            </a:r>
+            <a:r>
+              <a:rPr lang="en-US" dirty="0" err="1">
+                <a:latin typeface="Arial" panose="020B0604020202020204" pitchFamily="34" charset="0"/>
+                <a:cs typeface="Arial" panose="020B0604020202020204" pitchFamily="34" charset="0"/>
+              </a:rPr>
+              <a:t>tham</a:t>
+            </a:r>
+            <a:r>
+              <a:rPr lang="en-US" dirty="0">
+                <a:latin typeface="Arial" panose="020B0604020202020204" pitchFamily="34" charset="0"/>
+                <a:cs typeface="Arial" panose="020B0604020202020204" pitchFamily="34" charset="0"/>
+              </a:rPr>
+              <a:t> </a:t>
+            </a:r>
+            <a:r>
+              <a:rPr lang="en-US" dirty="0" err="1">
+                <a:latin typeface="Arial" panose="020B0604020202020204" pitchFamily="34" charset="0"/>
+                <a:cs typeface="Arial" panose="020B0604020202020204" pitchFamily="34" charset="0"/>
+              </a:rPr>
+              <a:t>chiếu</a:t>
+            </a:r>
+            <a:r>
+              <a:rPr lang="en-US" dirty="0">
+                <a:latin typeface="Arial" panose="020B0604020202020204" pitchFamily="34" charset="0"/>
+                <a:cs typeface="Arial" panose="020B0604020202020204" pitchFamily="34" charset="0"/>
+              </a:rPr>
+              <a:t> </a:t>
+            </a:r>
+            <a:r>
+              <a:rPr lang="en-US" dirty="0" err="1">
+                <a:latin typeface="Arial" panose="020B0604020202020204" pitchFamily="34" charset="0"/>
+                <a:cs typeface="Arial" panose="020B0604020202020204" pitchFamily="34" charset="0"/>
+              </a:rPr>
+              <a:t>dựa</a:t>
+            </a:r>
+            <a:r>
+              <a:rPr lang="en-US" dirty="0">
+                <a:latin typeface="Arial" panose="020B0604020202020204" pitchFamily="34" charset="0"/>
+                <a:cs typeface="Arial" panose="020B0604020202020204" pitchFamily="34" charset="0"/>
+              </a:rPr>
+              <a:t> </a:t>
+            </a:r>
+            <a:r>
+              <a:rPr lang="en-US" dirty="0" err="1">
+                <a:latin typeface="Arial" panose="020B0604020202020204" pitchFamily="34" charset="0"/>
+                <a:cs typeface="Arial" panose="020B0604020202020204" pitchFamily="34" charset="0"/>
+              </a:rPr>
+              <a:t>trên</a:t>
+            </a:r>
+            <a:r>
+              <a:rPr lang="en-US" dirty="0">
+                <a:latin typeface="Arial" panose="020B0604020202020204" pitchFamily="34" charset="0"/>
+                <a:cs typeface="Arial" panose="020B0604020202020204" pitchFamily="34" charset="0"/>
+              </a:rPr>
+              <a:t> </a:t>
+            </a:r>
+            <a:r>
+              <a:rPr lang="en-US" dirty="0" err="1">
+                <a:latin typeface="Arial" panose="020B0604020202020204" pitchFamily="34" charset="0"/>
+                <a:cs typeface="Arial" panose="020B0604020202020204" pitchFamily="34" charset="0"/>
+              </a:rPr>
+              <a:t>mạng</a:t>
+            </a:r>
+            <a:r>
+              <a:rPr lang="en-US" dirty="0">
+                <a:latin typeface="Arial" panose="020B0604020202020204" pitchFamily="34" charset="0"/>
+                <a:cs typeface="Arial" panose="020B0604020202020204" pitchFamily="34" charset="0"/>
+              </a:rPr>
+              <a:t> </a:t>
+            </a:r>
+            <a:r>
+              <a:rPr lang="en-US" dirty="0" err="1">
+                <a:latin typeface="Arial" panose="020B0604020202020204" pitchFamily="34" charset="0"/>
+                <a:cs typeface="Arial" panose="020B0604020202020204" pitchFamily="34" charset="0"/>
+              </a:rPr>
+              <a:t>nơ-ron</a:t>
+            </a:r>
+            <a:r>
+              <a:rPr lang="en-US" dirty="0">
+                <a:latin typeface="Arial" panose="020B0604020202020204" pitchFamily="34" charset="0"/>
+                <a:cs typeface="Arial" panose="020B0604020202020204" pitchFamily="34" charset="0"/>
+              </a:rPr>
+              <a:t>, </a:t>
+            </a:r>
+            <a:r>
+              <a:rPr lang="en-US" dirty="0" err="1">
+                <a:latin typeface="Arial" panose="020B0604020202020204" pitchFamily="34" charset="0"/>
+                <a:cs typeface="Arial" panose="020B0604020202020204" pitchFamily="34" charset="0"/>
+              </a:rPr>
+              <a:t>thường</a:t>
+            </a:r>
+            <a:r>
+              <a:rPr lang="en-US" dirty="0">
+                <a:latin typeface="Arial" panose="020B0604020202020204" pitchFamily="34" charset="0"/>
+                <a:cs typeface="Arial" panose="020B0604020202020204" pitchFamily="34" charset="0"/>
+              </a:rPr>
+              <a:t> </a:t>
+            </a:r>
+            <a:r>
+              <a:rPr lang="en-US" dirty="0" err="1">
+                <a:latin typeface="Arial" panose="020B0604020202020204" pitchFamily="34" charset="0"/>
+                <a:cs typeface="Arial" panose="020B0604020202020204" pitchFamily="34" charset="0"/>
+              </a:rPr>
+              <a:t>chính</a:t>
+            </a:r>
+            <a:r>
+              <a:rPr lang="en-US" dirty="0">
+                <a:latin typeface="Arial" panose="020B0604020202020204" pitchFamily="34" charset="0"/>
+                <a:cs typeface="Arial" panose="020B0604020202020204" pitchFamily="34" charset="0"/>
+              </a:rPr>
+              <a:t> </a:t>
+            </a:r>
+            <a:r>
+              <a:rPr lang="en-US" dirty="0" err="1">
+                <a:latin typeface="Arial" panose="020B0604020202020204" pitchFamily="34" charset="0"/>
+                <a:cs typeface="Arial" panose="020B0604020202020204" pitchFamily="34" charset="0"/>
+              </a:rPr>
+              <a:t>xác</a:t>
+            </a:r>
+            <a:r>
+              <a:rPr lang="en-US" dirty="0">
+                <a:latin typeface="Arial" panose="020B0604020202020204" pitchFamily="34" charset="0"/>
+                <a:cs typeface="Arial" panose="020B0604020202020204" pitchFamily="34" charset="0"/>
+              </a:rPr>
+              <a:t> </a:t>
+            </a:r>
+            <a:r>
+              <a:rPr lang="en-US" dirty="0" err="1">
+                <a:latin typeface="Arial" panose="020B0604020202020204" pitchFamily="34" charset="0"/>
+                <a:cs typeface="Arial" panose="020B0604020202020204" pitchFamily="34" charset="0"/>
+              </a:rPr>
+              <a:t>nhưng</a:t>
+            </a:r>
+            <a:r>
+              <a:rPr lang="en-US" dirty="0">
+                <a:latin typeface="Arial" panose="020B0604020202020204" pitchFamily="34" charset="0"/>
+                <a:cs typeface="Arial" panose="020B0604020202020204" pitchFamily="34" charset="0"/>
+              </a:rPr>
+              <a:t> </a:t>
+            </a:r>
+            <a:r>
+              <a:rPr lang="en-US" dirty="0" err="1">
+                <a:latin typeface="Arial" panose="020B0604020202020204" pitchFamily="34" charset="0"/>
+                <a:cs typeface="Arial" panose="020B0604020202020204" pitchFamily="34" charset="0"/>
+              </a:rPr>
+              <a:t>lại</a:t>
+            </a:r>
+            <a:r>
+              <a:rPr lang="en-US" dirty="0">
+                <a:latin typeface="Arial" panose="020B0604020202020204" pitchFamily="34" charset="0"/>
+                <a:cs typeface="Arial" panose="020B0604020202020204" pitchFamily="34" charset="0"/>
+              </a:rPr>
+              <a:t> </a:t>
+            </a:r>
+            <a:r>
+              <a:rPr lang="en-US" dirty="0" err="1">
+                <a:latin typeface="Arial" panose="020B0604020202020204" pitchFamily="34" charset="0"/>
+                <a:cs typeface="Arial" panose="020B0604020202020204" pitchFamily="34" charset="0"/>
+              </a:rPr>
+              <a:t>xử</a:t>
+            </a:r>
+            <a:r>
+              <a:rPr lang="en-US" dirty="0">
+                <a:latin typeface="Arial" panose="020B0604020202020204" pitchFamily="34" charset="0"/>
+                <a:cs typeface="Arial" panose="020B0604020202020204" pitchFamily="34" charset="0"/>
+              </a:rPr>
+              <a:t> </a:t>
+            </a:r>
+            <a:r>
+              <a:rPr lang="en-US" dirty="0" err="1">
+                <a:latin typeface="Arial" panose="020B0604020202020204" pitchFamily="34" charset="0"/>
+                <a:cs typeface="Arial" panose="020B0604020202020204" pitchFamily="34" charset="0"/>
+              </a:rPr>
+              <a:t>lý</a:t>
+            </a:r>
+            <a:r>
+              <a:rPr lang="en-US" dirty="0">
+                <a:latin typeface="Arial" panose="020B0604020202020204" pitchFamily="34" charset="0"/>
+                <a:cs typeface="Arial" panose="020B0604020202020204" pitchFamily="34" charset="0"/>
+              </a:rPr>
+              <a:t> </a:t>
+            </a:r>
+            <a:r>
+              <a:rPr lang="en-US" dirty="0" err="1">
+                <a:latin typeface="Arial" panose="020B0604020202020204" pitchFamily="34" charset="0"/>
+                <a:cs typeface="Arial" panose="020B0604020202020204" pitchFamily="34" charset="0"/>
+              </a:rPr>
+              <a:t>chậm</a:t>
+            </a:r>
+            <a:r>
+              <a:rPr lang="en-US" dirty="0">
+                <a:latin typeface="Arial" panose="020B0604020202020204" pitchFamily="34" charset="0"/>
+                <a:cs typeface="Arial" panose="020B0604020202020204" pitchFamily="34" charset="0"/>
+              </a:rPr>
+              <a:t> </a:t>
+            </a:r>
+            <a:r>
+              <a:rPr lang="en-US" dirty="0" err="1">
+                <a:latin typeface="Arial" panose="020B0604020202020204" pitchFamily="34" charset="0"/>
+                <a:cs typeface="Arial" panose="020B0604020202020204" pitchFamily="34" charset="0"/>
+              </a:rPr>
+              <a:t>với</a:t>
+            </a:r>
+            <a:r>
+              <a:rPr lang="en-US" dirty="0">
+                <a:latin typeface="Arial" panose="020B0604020202020204" pitchFamily="34" charset="0"/>
+                <a:cs typeface="Arial" panose="020B0604020202020204" pitchFamily="34" charset="0"/>
+              </a:rPr>
+              <a:t> tiếng Anh </a:t>
+            </a:r>
+            <a:r>
+              <a:rPr lang="en-US" dirty="0" err="1">
+                <a:latin typeface="Arial" panose="020B0604020202020204" pitchFamily="34" charset="0"/>
+                <a:cs typeface="Arial" panose="020B0604020202020204" pitchFamily="34" charset="0"/>
+              </a:rPr>
+              <a:t>và</a:t>
+            </a:r>
+            <a:r>
+              <a:rPr lang="en-US" dirty="0">
+                <a:latin typeface="Arial" panose="020B0604020202020204" pitchFamily="34" charset="0"/>
+                <a:cs typeface="Arial" panose="020B0604020202020204" pitchFamily="34" charset="0"/>
+              </a:rPr>
+              <a:t> tiếng </a:t>
+            </a:r>
+            <a:r>
+              <a:rPr lang="en-US" dirty="0" err="1">
+                <a:latin typeface="Arial" panose="020B0604020202020204" pitchFamily="34" charset="0"/>
+                <a:cs typeface="Arial" panose="020B0604020202020204" pitchFamily="34" charset="0"/>
+              </a:rPr>
+              <a:t>Trung</a:t>
+            </a:r>
+            <a:r>
+              <a:rPr lang="en-US" dirty="0">
+                <a:latin typeface="Arial" panose="020B0604020202020204" pitchFamily="34" charset="0"/>
+                <a:cs typeface="Arial" panose="020B0604020202020204" pitchFamily="34" charset="0"/>
+              </a:rPr>
+              <a:t> </a:t>
+            </a:r>
+            <a:r>
+              <a:rPr lang="en-US" dirty="0" err="1">
+                <a:latin typeface="Arial" panose="020B0604020202020204" pitchFamily="34" charset="0"/>
+                <a:cs typeface="Arial" panose="020B0604020202020204" pitchFamily="34" charset="0"/>
+              </a:rPr>
+              <a:t>Quốc</a:t>
+            </a:r>
+            <a:r>
+              <a:rPr lang="en-US" dirty="0">
+                <a:latin typeface="Arial" panose="020B0604020202020204" pitchFamily="34" charset="0"/>
+                <a:cs typeface="Arial" panose="020B0604020202020204" pitchFamily="34" charset="0"/>
+              </a:rPr>
+              <a:t>. Model </a:t>
+            </a:r>
+            <a:r>
+              <a:rPr lang="en-US" dirty="0" err="1">
+                <a:latin typeface="Arial" panose="020B0604020202020204" pitchFamily="34" charset="0"/>
+                <a:cs typeface="Arial" panose="020B0604020202020204" pitchFamily="34" charset="0"/>
+              </a:rPr>
+              <a:t>xếp</a:t>
+            </a:r>
+            <a:r>
+              <a:rPr lang="en-US" dirty="0">
+                <a:latin typeface="Arial" panose="020B0604020202020204" pitchFamily="34" charset="0"/>
+                <a:cs typeface="Arial" panose="020B0604020202020204" pitchFamily="34" charset="0"/>
+              </a:rPr>
+              <a:t> </a:t>
+            </a:r>
+            <a:r>
+              <a:rPr lang="en-US" dirty="0" err="1">
+                <a:latin typeface="Arial" panose="020B0604020202020204" pitchFamily="34" charset="0"/>
+                <a:cs typeface="Arial" panose="020B0604020202020204" pitchFamily="34" charset="0"/>
+              </a:rPr>
+              <a:t>hạng</a:t>
+            </a:r>
+            <a:r>
+              <a:rPr lang="en-US" dirty="0">
+                <a:latin typeface="Arial" panose="020B0604020202020204" pitchFamily="34" charset="0"/>
+                <a:cs typeface="Arial" panose="020B0604020202020204" pitchFamily="34" charset="0"/>
+              </a:rPr>
+              <a:t> mention </a:t>
+            </a:r>
+            <a:r>
+              <a:rPr lang="en-US" dirty="0" err="1">
+                <a:latin typeface="Arial" panose="020B0604020202020204" pitchFamily="34" charset="0"/>
+                <a:cs typeface="Arial" panose="020B0604020202020204" pitchFamily="34" charset="0"/>
+              </a:rPr>
+              <a:t>dựa</a:t>
+            </a:r>
+            <a:r>
+              <a:rPr lang="en-US" dirty="0">
+                <a:latin typeface="Arial" panose="020B0604020202020204" pitchFamily="34" charset="0"/>
+                <a:cs typeface="Arial" panose="020B0604020202020204" pitchFamily="34" charset="0"/>
+              </a:rPr>
+              <a:t> </a:t>
+            </a:r>
+            <a:r>
+              <a:rPr lang="en-US" dirty="0" err="1">
+                <a:latin typeface="Arial" panose="020B0604020202020204" pitchFamily="34" charset="0"/>
+                <a:cs typeface="Arial" panose="020B0604020202020204" pitchFamily="34" charset="0"/>
+              </a:rPr>
+              <a:t>trên</a:t>
+            </a:r>
+            <a:r>
+              <a:rPr lang="en-US" dirty="0">
+                <a:latin typeface="Arial" panose="020B0604020202020204" pitchFamily="34" charset="0"/>
+                <a:cs typeface="Arial" panose="020B0604020202020204" pitchFamily="34" charset="0"/>
+              </a:rPr>
+              <a:t> </a:t>
+            </a:r>
+            <a:r>
+              <a:rPr lang="en-US" dirty="0" err="1">
+                <a:latin typeface="Arial" panose="020B0604020202020204" pitchFamily="34" charset="0"/>
+                <a:cs typeface="Arial" panose="020B0604020202020204" pitchFamily="34" charset="0"/>
+              </a:rPr>
+              <a:t>mạng</a:t>
+            </a:r>
+            <a:r>
+              <a:rPr lang="en-US" dirty="0">
+                <a:latin typeface="Arial" panose="020B0604020202020204" pitchFamily="34" charset="0"/>
+                <a:cs typeface="Arial" panose="020B0604020202020204" pitchFamily="34" charset="0"/>
+              </a:rPr>
+              <a:t> </a:t>
+            </a:r>
+            <a:r>
+              <a:rPr lang="en-US" dirty="0" err="1">
+                <a:latin typeface="Arial" panose="020B0604020202020204" pitchFamily="34" charset="0"/>
+                <a:cs typeface="Arial" panose="020B0604020202020204" pitchFamily="34" charset="0"/>
+              </a:rPr>
+              <a:t>nơ-ron</a:t>
+            </a:r>
+            <a:r>
+              <a:rPr lang="en-US" dirty="0">
+                <a:latin typeface="Arial" panose="020B0604020202020204" pitchFamily="34" charset="0"/>
+                <a:cs typeface="Arial" panose="020B0604020202020204" pitchFamily="34" charset="0"/>
+              </a:rPr>
+              <a:t>.</a:t>
+            </a:r>
+          </a:p>
+        </p:txBody>
+      </p:sp>
+      <p:sp>
+        <p:nvSpPr>
+          <p:cNvPr id="4" name="Title 1">
+            <a:extLst>
+              <a:ext uri="{FF2B5EF4-FFF2-40B4-BE49-F238E27FC236}">
+                <a16:creationId xmlns:a16="http://schemas.microsoft.com/office/drawing/2014/main" id="{A3B95D95-FFC1-4091-8EA3-31974BD12BC9}"/>
+              </a:ext>
+            </a:extLst>
+          </p:cNvPr>
+          <p:cNvSpPr>
+            <a:spLocks noGrp="1"/>
+          </p:cNvSpPr>
+          <p:nvPr>
+            <p:ph type="title"/>
+          </p:nvPr>
+        </p:nvSpPr>
+        <p:spPr>
+          <a:xfrm>
+            <a:off x="1729812" y="266482"/>
+            <a:ext cx="7445876" cy="585734"/>
+          </a:xfrm>
+        </p:spPr>
+        <p:txBody>
+          <a:bodyPr anchor="t">
+            <a:normAutofit fontScale="90000"/>
+          </a:bodyPr>
+          <a:lstStyle/>
+          <a:p>
+            <a:pPr algn="l"/>
+            <a:r>
+              <a:rPr lang="en-US" b="1" dirty="0">
+                <a:solidFill>
+                  <a:srgbClr val="0000FF"/>
+                </a:solidFill>
+                <a:latin typeface="Times New Roman" panose="02020603050405020304" pitchFamily="18" charset="0"/>
+                <a:cs typeface="Times New Roman" panose="02020603050405020304" pitchFamily="18" charset="0"/>
+              </a:rPr>
+              <a:t>Conference Resolution</a:t>
+            </a:r>
+            <a:br>
+              <a:rPr lang="en-US" b="1" dirty="0">
+                <a:solidFill>
+                  <a:srgbClr val="0000FF"/>
+                </a:solidFill>
+                <a:latin typeface="Times New Roman" panose="02020603050405020304" pitchFamily="18" charset="0"/>
+                <a:cs typeface="Times New Roman" panose="02020603050405020304" pitchFamily="18" charset="0"/>
+              </a:rPr>
+            </a:br>
+            <a:endParaRPr lang="en-US" b="1" dirty="0">
+              <a:solidFill>
+                <a:srgbClr val="0000FF"/>
+              </a:solidFill>
+              <a:latin typeface="Times New Roman" panose="02020603050405020304" pitchFamily="18" charset="0"/>
+              <a:cs typeface="Times New Roman" panose="02020603050405020304" pitchFamily="18" charset="0"/>
+            </a:endParaRPr>
+          </a:p>
+        </p:txBody>
+      </p:sp>
+    </p:spTree>
+    <p:extLst>
+      <p:ext uri="{BB962C8B-B14F-4D97-AF65-F5344CB8AC3E}">
+        <p14:creationId xmlns:p14="http://schemas.microsoft.com/office/powerpoint/2010/main" val="3411401662"/>
+      </p:ext>
+    </p:extLst>
+  </p:cSld>
+  <p:clrMapOvr>
+    <a:masterClrMapping/>
+  </p:clrMapOvr>
+</p:sld>
+</file>
+
 <file path=ppt/slides/slide2.xml><?xml version="1.0" encoding="utf-8"?>
 <p:sld xmlns:a="http://schemas.openxmlformats.org/drawingml/2006/main" xmlns:r="http://schemas.openxmlformats.org/officeDocument/2006/relationships" xmlns:p="http://schemas.openxmlformats.org/presentationml/2006/main">
   <p:cSld>
@@ -14838,6 +19012,2525 @@
     <p:extLst>
       <p:ext uri="{BB962C8B-B14F-4D97-AF65-F5344CB8AC3E}">
         <p14:creationId xmlns:p14="http://schemas.microsoft.com/office/powerpoint/2010/main" val="1532792253"/>
+      </p:ext>
+    </p:extLst>
+  </p:cSld>
+  <p:clrMapOvr>
+    <a:masterClrMapping/>
+  </p:clrMapOvr>
+</p:sld>
+</file>
+
+<file path=ppt/slides/slide20.xml><?xml version="1.0" encoding="utf-8"?>
+<p:sld xmlns:a="http://schemas.openxmlformats.org/drawingml/2006/main" xmlns:r="http://schemas.openxmlformats.org/officeDocument/2006/relationships" xmlns:p="http://schemas.openxmlformats.org/presentationml/2006/main">
+  <p:cSld>
+    <p:spTree>
+      <p:nvGrpSpPr>
+        <p:cNvPr id="1" name=""/>
+        <p:cNvGrpSpPr/>
+        <p:nvPr/>
+      </p:nvGrpSpPr>
+      <p:grpSpPr>
+        <a:xfrm>
+          <a:off x="0" y="0"/>
+          <a:ext cx="0" cy="0"/>
+          <a:chOff x="0" y="0"/>
+          <a:chExt cx="0" cy="0"/>
+        </a:xfrm>
+      </p:grpSpPr>
+      <p:sp>
+        <p:nvSpPr>
+          <p:cNvPr id="6" name="Title 1">
+            <a:extLst>
+              <a:ext uri="{FF2B5EF4-FFF2-40B4-BE49-F238E27FC236}">
+                <a16:creationId xmlns:a16="http://schemas.microsoft.com/office/drawing/2014/main" id="{C96ACB6C-A975-4CE8-80C2-C010C680F05A}"/>
+              </a:ext>
+            </a:extLst>
+          </p:cNvPr>
+          <p:cNvSpPr>
+            <a:spLocks noGrp="1"/>
+          </p:cNvSpPr>
+          <p:nvPr>
+            <p:ph type="title"/>
+          </p:nvPr>
+        </p:nvSpPr>
+        <p:spPr>
+          <a:xfrm>
+            <a:off x="1729812" y="266482"/>
+            <a:ext cx="7445876" cy="585734"/>
+          </a:xfrm>
+        </p:spPr>
+        <p:txBody>
+          <a:bodyPr anchor="t">
+            <a:normAutofit fontScale="90000"/>
+          </a:bodyPr>
+          <a:lstStyle/>
+          <a:p>
+            <a:pPr algn="l"/>
+            <a:r>
+              <a:rPr lang="en-US" b="1" dirty="0">
+                <a:solidFill>
+                  <a:srgbClr val="0000FF"/>
+                </a:solidFill>
+                <a:latin typeface="Times New Roman" panose="02020603050405020304" pitchFamily="18" charset="0"/>
+                <a:cs typeface="Times New Roman" panose="02020603050405020304" pitchFamily="18" charset="0"/>
+              </a:rPr>
+              <a:t>Conference Resolution</a:t>
+            </a:r>
+            <a:br>
+              <a:rPr lang="en-US" b="1" dirty="0">
+                <a:solidFill>
+                  <a:srgbClr val="0000FF"/>
+                </a:solidFill>
+                <a:latin typeface="Times New Roman" panose="02020603050405020304" pitchFamily="18" charset="0"/>
+                <a:cs typeface="Times New Roman" panose="02020603050405020304" pitchFamily="18" charset="0"/>
+              </a:rPr>
+            </a:br>
+            <a:endParaRPr lang="en-US" b="1" dirty="0">
+              <a:solidFill>
+                <a:srgbClr val="0000FF"/>
+              </a:solidFill>
+              <a:latin typeface="Times New Roman" panose="02020603050405020304" pitchFamily="18" charset="0"/>
+              <a:cs typeface="Times New Roman" panose="02020603050405020304" pitchFamily="18" charset="0"/>
+            </a:endParaRPr>
+          </a:p>
+        </p:txBody>
+      </p:sp>
+      <p:pic>
+        <p:nvPicPr>
+          <p:cNvPr id="9" name="Picture 8">
+            <a:extLst>
+              <a:ext uri="{FF2B5EF4-FFF2-40B4-BE49-F238E27FC236}">
+                <a16:creationId xmlns:a16="http://schemas.microsoft.com/office/drawing/2014/main" id="{05AEB741-FBA2-4FC1-A51D-C82859D47561}"/>
+              </a:ext>
+            </a:extLst>
+          </p:cNvPr>
+          <p:cNvPicPr>
+            <a:picLocks noChangeAspect="1"/>
+          </p:cNvPicPr>
+          <p:nvPr/>
+        </p:nvPicPr>
+        <p:blipFill>
+          <a:blip r:embed="rId2">
+            <a:extLst>
+              <a:ext uri="{28A0092B-C50C-407E-A947-70E740481C1C}">
+                <a14:useLocalDpi xmlns:a14="http://schemas.microsoft.com/office/drawing/2010/main" val="0"/>
+              </a:ext>
+            </a:extLst>
+          </a:blip>
+          <a:stretch>
+            <a:fillRect/>
+          </a:stretch>
+        </p:blipFill>
+        <p:spPr>
+          <a:xfrm>
+            <a:off x="1729809" y="3341880"/>
+            <a:ext cx="9993745" cy="1653618"/>
+          </a:xfrm>
+          <a:prstGeom prst="rect">
+            <a:avLst/>
+          </a:prstGeom>
+        </p:spPr>
+      </p:pic>
+      <p:sp>
+        <p:nvSpPr>
+          <p:cNvPr id="8" name="Content Placeholder 2">
+            <a:extLst>
+              <a:ext uri="{FF2B5EF4-FFF2-40B4-BE49-F238E27FC236}">
+                <a16:creationId xmlns:a16="http://schemas.microsoft.com/office/drawing/2014/main" id="{44490314-8A99-4B28-B654-6E55E6A6D23E}"/>
+              </a:ext>
+            </a:extLst>
+          </p:cNvPr>
+          <p:cNvSpPr txBox="1">
+            <a:spLocks/>
+          </p:cNvSpPr>
+          <p:nvPr/>
+        </p:nvSpPr>
+        <p:spPr>
+          <a:xfrm>
+            <a:off x="1729809" y="5098567"/>
+            <a:ext cx="9753353" cy="1614203"/>
+          </a:xfrm>
+          <a:prstGeom prst="rect">
+            <a:avLst/>
+          </a:prstGeom>
+        </p:spPr>
+        <p:txBody>
+          <a:bodyPr vert="horz" lIns="91440" tIns="45720" rIns="91440" bIns="45720" rtlCol="0" anchor="ctr">
+            <a:normAutofit fontScale="92500"/>
+          </a:bodyPr>
+          <a:lstStyle>
+            <a:lvl1pPr marL="285750" indent="-285750" algn="l" defTabSz="457200" rtl="0" eaLnBrk="1" latinLnBrk="0" hangingPunct="1">
+              <a:spcBef>
+                <a:spcPct val="20000"/>
+              </a:spcBef>
+              <a:spcAft>
+                <a:spcPts val="600"/>
+              </a:spcAft>
+              <a:buClr>
+                <a:schemeClr val="accent1">
+                  <a:lumMod val="75000"/>
+                </a:schemeClr>
+              </a:buClr>
+              <a:buSzPct val="145000"/>
+              <a:buFont typeface="Arial"/>
+              <a:buChar char="•"/>
+              <a:defRPr sz="2400" kern="1200" cap="none">
+                <a:solidFill>
+                  <a:schemeClr val="tx1"/>
+                </a:solidFill>
+                <a:effectLst/>
+                <a:latin typeface="+mn-lt"/>
+                <a:ea typeface="+mn-ea"/>
+                <a:cs typeface="+mn-cs"/>
+              </a:defRPr>
+            </a:lvl1pPr>
+            <a:lvl2pPr marL="742950" indent="-285750" algn="l" defTabSz="457200" rtl="0" eaLnBrk="1" latinLnBrk="0" hangingPunct="1">
+              <a:spcBef>
+                <a:spcPct val="20000"/>
+              </a:spcBef>
+              <a:spcAft>
+                <a:spcPts val="600"/>
+              </a:spcAft>
+              <a:buClr>
+                <a:schemeClr val="accent1">
+                  <a:lumMod val="75000"/>
+                </a:schemeClr>
+              </a:buClr>
+              <a:buSzPct val="145000"/>
+              <a:buFont typeface="Arial"/>
+              <a:buChar char="•"/>
+              <a:defRPr sz="2000" kern="1200" cap="none">
+                <a:solidFill>
+                  <a:schemeClr val="tx1"/>
+                </a:solidFill>
+                <a:effectLst/>
+                <a:latin typeface="+mn-lt"/>
+                <a:ea typeface="+mn-ea"/>
+                <a:cs typeface="+mn-cs"/>
+              </a:defRPr>
+            </a:lvl2pPr>
+            <a:lvl3pPr marL="1200150" indent="-285750" algn="l" defTabSz="457200" rtl="0" eaLnBrk="1" latinLnBrk="0" hangingPunct="1">
+              <a:spcBef>
+                <a:spcPct val="20000"/>
+              </a:spcBef>
+              <a:spcAft>
+                <a:spcPts val="600"/>
+              </a:spcAft>
+              <a:buClr>
+                <a:schemeClr val="accent1">
+                  <a:lumMod val="75000"/>
+                </a:schemeClr>
+              </a:buClr>
+              <a:buSzPct val="145000"/>
+              <a:buFont typeface="Arial"/>
+              <a:buChar char="•"/>
+              <a:defRPr sz="1800" kern="1200" cap="none">
+                <a:solidFill>
+                  <a:schemeClr val="tx1"/>
+                </a:solidFill>
+                <a:effectLst/>
+                <a:latin typeface="+mn-lt"/>
+                <a:ea typeface="+mn-ea"/>
+                <a:cs typeface="+mn-cs"/>
+              </a:defRPr>
+            </a:lvl3pPr>
+            <a:lvl4pPr marL="1543050" indent="-171450" algn="l" defTabSz="457200" rtl="0" eaLnBrk="1" latinLnBrk="0" hangingPunct="1">
+              <a:spcBef>
+                <a:spcPct val="20000"/>
+              </a:spcBef>
+              <a:spcAft>
+                <a:spcPts val="600"/>
+              </a:spcAft>
+              <a:buClr>
+                <a:schemeClr val="accent1">
+                  <a:lumMod val="75000"/>
+                </a:schemeClr>
+              </a:buClr>
+              <a:buSzPct val="145000"/>
+              <a:buFont typeface="Arial"/>
+              <a:buChar char="•"/>
+              <a:defRPr sz="1600" kern="1200" cap="none">
+                <a:solidFill>
+                  <a:schemeClr val="tx1"/>
+                </a:solidFill>
+                <a:effectLst/>
+                <a:latin typeface="+mn-lt"/>
+                <a:ea typeface="+mn-ea"/>
+                <a:cs typeface="+mn-cs"/>
+              </a:defRPr>
+            </a:lvl4pPr>
+            <a:lvl5pPr marL="2000250" indent="-171450" algn="l" defTabSz="457200" rtl="0" eaLnBrk="1" latinLnBrk="0" hangingPunct="1">
+              <a:spcBef>
+                <a:spcPct val="20000"/>
+              </a:spcBef>
+              <a:spcAft>
+                <a:spcPts val="600"/>
+              </a:spcAft>
+              <a:buClr>
+                <a:schemeClr val="accent1">
+                  <a:lumMod val="75000"/>
+                </a:schemeClr>
+              </a:buClr>
+              <a:buSzPct val="145000"/>
+              <a:buFont typeface="Arial"/>
+              <a:buChar char="•"/>
+              <a:defRPr sz="1400" kern="1200" cap="none">
+                <a:solidFill>
+                  <a:schemeClr val="tx1"/>
+                </a:solidFill>
+                <a:effectLst/>
+                <a:latin typeface="+mn-lt"/>
+                <a:ea typeface="+mn-ea"/>
+                <a:cs typeface="+mn-cs"/>
+              </a:defRPr>
+            </a:lvl5pPr>
+            <a:lvl6pPr marL="2514600" indent="-228600" algn="l" defTabSz="457200" rtl="0" eaLnBrk="1" latinLnBrk="0" hangingPunct="1">
+              <a:spcBef>
+                <a:spcPct val="20000"/>
+              </a:spcBef>
+              <a:spcAft>
+                <a:spcPts val="600"/>
+              </a:spcAft>
+              <a:buClr>
+                <a:schemeClr val="accent1">
+                  <a:lumMod val="75000"/>
+                </a:schemeClr>
+              </a:buClr>
+              <a:buSzPct val="145000"/>
+              <a:buFont typeface="Arial"/>
+              <a:buChar char="•"/>
+              <a:defRPr sz="1400" kern="1200" cap="none">
+                <a:solidFill>
+                  <a:schemeClr val="tx1"/>
+                </a:solidFill>
+                <a:effectLst/>
+                <a:latin typeface="+mn-lt"/>
+                <a:ea typeface="+mn-ea"/>
+                <a:cs typeface="+mn-cs"/>
+              </a:defRPr>
+            </a:lvl6pPr>
+            <a:lvl7pPr marL="2971800" indent="-228600" algn="l" defTabSz="457200" rtl="0" eaLnBrk="1" latinLnBrk="0" hangingPunct="1">
+              <a:spcBef>
+                <a:spcPct val="20000"/>
+              </a:spcBef>
+              <a:spcAft>
+                <a:spcPts val="600"/>
+              </a:spcAft>
+              <a:buClr>
+                <a:schemeClr val="accent1">
+                  <a:lumMod val="75000"/>
+                </a:schemeClr>
+              </a:buClr>
+              <a:buSzPct val="145000"/>
+              <a:buFont typeface="Arial"/>
+              <a:buChar char="•"/>
+              <a:defRPr sz="1400" kern="1200" cap="none">
+                <a:solidFill>
+                  <a:schemeClr val="tx1"/>
+                </a:solidFill>
+                <a:effectLst/>
+                <a:latin typeface="+mn-lt"/>
+                <a:ea typeface="+mn-ea"/>
+                <a:cs typeface="+mn-cs"/>
+              </a:defRPr>
+            </a:lvl7pPr>
+            <a:lvl8pPr marL="3429000" indent="-228600" algn="l" defTabSz="457200" rtl="0" eaLnBrk="1" latinLnBrk="0" hangingPunct="1">
+              <a:spcBef>
+                <a:spcPct val="20000"/>
+              </a:spcBef>
+              <a:spcAft>
+                <a:spcPts val="600"/>
+              </a:spcAft>
+              <a:buClr>
+                <a:schemeClr val="accent1">
+                  <a:lumMod val="75000"/>
+                </a:schemeClr>
+              </a:buClr>
+              <a:buSzPct val="145000"/>
+              <a:buFont typeface="Arial"/>
+              <a:buChar char="•"/>
+              <a:defRPr sz="1400" kern="1200" cap="none">
+                <a:solidFill>
+                  <a:schemeClr val="tx1"/>
+                </a:solidFill>
+                <a:effectLst/>
+                <a:latin typeface="+mn-lt"/>
+                <a:ea typeface="+mn-ea"/>
+                <a:cs typeface="+mn-cs"/>
+              </a:defRPr>
+            </a:lvl8pPr>
+            <a:lvl9pPr marL="3886200" indent="-228600" algn="l" defTabSz="457200" rtl="0" eaLnBrk="1" latinLnBrk="0" hangingPunct="1">
+              <a:spcBef>
+                <a:spcPct val="20000"/>
+              </a:spcBef>
+              <a:spcAft>
+                <a:spcPts val="600"/>
+              </a:spcAft>
+              <a:buClr>
+                <a:schemeClr val="accent1">
+                  <a:lumMod val="75000"/>
+                </a:schemeClr>
+              </a:buClr>
+              <a:buSzPct val="145000"/>
+              <a:buFont typeface="Arial"/>
+              <a:buChar char="•"/>
+              <a:defRPr sz="1400" kern="1200" cap="none">
+                <a:solidFill>
+                  <a:schemeClr val="tx1"/>
+                </a:solidFill>
+                <a:effectLst/>
+                <a:latin typeface="+mn-lt"/>
+                <a:ea typeface="+mn-ea"/>
+                <a:cs typeface="+mn-cs"/>
+              </a:defRPr>
+            </a:lvl9pPr>
+          </a:lstStyle>
+          <a:p>
+            <a:pPr marL="342900" indent="-342900">
+              <a:lnSpc>
+                <a:spcPct val="150000"/>
+              </a:lnSpc>
+              <a:spcBef>
+                <a:spcPts val="0"/>
+              </a:spcBef>
+              <a:spcAft>
+                <a:spcPts val="0"/>
+              </a:spcAft>
+              <a:buFont typeface="Arial" panose="020B0604020202020204" pitchFamily="34" charset="0"/>
+              <a:buChar char="•"/>
+            </a:pPr>
+            <a:r>
+              <a:rPr lang="en-US" dirty="0">
+                <a:latin typeface="Arial" panose="020B0604020202020204" pitchFamily="34" charset="0"/>
+                <a:cs typeface="Arial" panose="020B0604020202020204" pitchFamily="34" charset="0"/>
+              </a:rPr>
+              <a:t>Input </a:t>
+            </a:r>
+            <a:r>
+              <a:rPr lang="en-US" dirty="0" err="1">
+                <a:latin typeface="Arial" panose="020B0604020202020204" pitchFamily="34" charset="0"/>
+                <a:cs typeface="Arial" panose="020B0604020202020204" pitchFamily="34" charset="0"/>
+              </a:rPr>
+              <a:t>là</a:t>
+            </a:r>
+            <a:r>
+              <a:rPr lang="en-US" dirty="0">
+                <a:latin typeface="Arial" panose="020B0604020202020204" pitchFamily="34" charset="0"/>
+                <a:cs typeface="Arial" panose="020B0604020202020204" pitchFamily="34" charset="0"/>
+              </a:rPr>
+              <a:t> </a:t>
+            </a:r>
+            <a:r>
+              <a:rPr lang="en-US" dirty="0" err="1">
+                <a:latin typeface="Arial" panose="020B0604020202020204" pitchFamily="34" charset="0"/>
+                <a:cs typeface="Arial" panose="020B0604020202020204" pitchFamily="34" charset="0"/>
+              </a:rPr>
+              <a:t>một</a:t>
+            </a:r>
+            <a:r>
+              <a:rPr lang="en-US" dirty="0">
+                <a:latin typeface="Arial" panose="020B0604020202020204" pitchFamily="34" charset="0"/>
+                <a:cs typeface="Arial" panose="020B0604020202020204" pitchFamily="34" charset="0"/>
+              </a:rPr>
+              <a:t> </a:t>
+            </a:r>
+            <a:r>
+              <a:rPr lang="en-US" dirty="0" err="1">
+                <a:latin typeface="Arial" panose="020B0604020202020204" pitchFamily="34" charset="0"/>
+                <a:cs typeface="Arial" panose="020B0604020202020204" pitchFamily="34" charset="0"/>
+              </a:rPr>
+              <a:t>văn</a:t>
+            </a:r>
+            <a:r>
+              <a:rPr lang="en-US" dirty="0">
+                <a:latin typeface="Arial" panose="020B0604020202020204" pitchFamily="34" charset="0"/>
+                <a:cs typeface="Arial" panose="020B0604020202020204" pitchFamily="34" charset="0"/>
+              </a:rPr>
+              <a:t> </a:t>
+            </a:r>
+            <a:r>
+              <a:rPr lang="en-US" dirty="0" err="1">
+                <a:latin typeface="Arial" panose="020B0604020202020204" pitchFamily="34" charset="0"/>
+                <a:cs typeface="Arial" panose="020B0604020202020204" pitchFamily="34" charset="0"/>
+              </a:rPr>
+              <a:t>bản</a:t>
+            </a:r>
+            <a:r>
+              <a:rPr lang="en-US" dirty="0">
+                <a:latin typeface="Arial" panose="020B0604020202020204" pitchFamily="34" charset="0"/>
+                <a:cs typeface="Arial" panose="020B0604020202020204" pitchFamily="34" charset="0"/>
+              </a:rPr>
+              <a:t> </a:t>
+            </a:r>
+            <a:r>
+              <a:rPr lang="en-US" dirty="0" err="1">
+                <a:latin typeface="Arial" panose="020B0604020202020204" pitchFamily="34" charset="0"/>
+                <a:cs typeface="Arial" panose="020B0604020202020204" pitchFamily="34" charset="0"/>
+              </a:rPr>
+              <a:t>var</a:t>
+            </a:r>
+            <a:r>
+              <a:rPr lang="en-US" dirty="0">
+                <a:latin typeface="Arial" panose="020B0604020202020204" pitchFamily="34" charset="0"/>
+                <a:cs typeface="Arial" panose="020B0604020202020204" pitchFamily="34" charset="0"/>
+              </a:rPr>
+              <a:t> text = “Barack Obama nominated Hillary Rodham Clinton as his secretary of state on Monday. He chose her because she had foreign affairs experience as a former First Lady.”</a:t>
+            </a:r>
+          </a:p>
+        </p:txBody>
+      </p:sp>
+      <p:sp>
+        <p:nvSpPr>
+          <p:cNvPr id="10" name="Content Placeholder 2">
+            <a:extLst>
+              <a:ext uri="{FF2B5EF4-FFF2-40B4-BE49-F238E27FC236}">
+                <a16:creationId xmlns:a16="http://schemas.microsoft.com/office/drawing/2014/main" id="{0BF119C1-2AAB-4B87-8199-C232DBFEEA35}"/>
+              </a:ext>
+            </a:extLst>
+          </p:cNvPr>
+          <p:cNvSpPr txBox="1">
+            <a:spLocks/>
+          </p:cNvSpPr>
+          <p:nvPr/>
+        </p:nvSpPr>
+        <p:spPr>
+          <a:xfrm>
+            <a:off x="1729809" y="946967"/>
+            <a:ext cx="9561965" cy="2403231"/>
+          </a:xfrm>
+          <a:prstGeom prst="rect">
+            <a:avLst/>
+          </a:prstGeom>
+        </p:spPr>
+        <p:txBody>
+          <a:bodyPr vert="horz" lIns="91440" tIns="45720" rIns="91440" bIns="45720" rtlCol="0" anchor="ctr">
+            <a:normAutofit fontScale="92500"/>
+          </a:bodyPr>
+          <a:lstStyle>
+            <a:lvl1pPr marL="285750" indent="-285750" algn="l" defTabSz="457200" rtl="0" eaLnBrk="1" latinLnBrk="0" hangingPunct="1">
+              <a:spcBef>
+                <a:spcPct val="20000"/>
+              </a:spcBef>
+              <a:spcAft>
+                <a:spcPts val="600"/>
+              </a:spcAft>
+              <a:buClr>
+                <a:schemeClr val="accent1">
+                  <a:lumMod val="75000"/>
+                </a:schemeClr>
+              </a:buClr>
+              <a:buSzPct val="145000"/>
+              <a:buFont typeface="Arial"/>
+              <a:buChar char="•"/>
+              <a:defRPr sz="2400" kern="1200" cap="none">
+                <a:solidFill>
+                  <a:schemeClr val="tx1"/>
+                </a:solidFill>
+                <a:effectLst/>
+                <a:latin typeface="+mn-lt"/>
+                <a:ea typeface="+mn-ea"/>
+                <a:cs typeface="+mn-cs"/>
+              </a:defRPr>
+            </a:lvl1pPr>
+            <a:lvl2pPr marL="742950" indent="-285750" algn="l" defTabSz="457200" rtl="0" eaLnBrk="1" latinLnBrk="0" hangingPunct="1">
+              <a:spcBef>
+                <a:spcPct val="20000"/>
+              </a:spcBef>
+              <a:spcAft>
+                <a:spcPts val="600"/>
+              </a:spcAft>
+              <a:buClr>
+                <a:schemeClr val="accent1">
+                  <a:lumMod val="75000"/>
+                </a:schemeClr>
+              </a:buClr>
+              <a:buSzPct val="145000"/>
+              <a:buFont typeface="Arial"/>
+              <a:buChar char="•"/>
+              <a:defRPr sz="2000" kern="1200" cap="none">
+                <a:solidFill>
+                  <a:schemeClr val="tx1"/>
+                </a:solidFill>
+                <a:effectLst/>
+                <a:latin typeface="+mn-lt"/>
+                <a:ea typeface="+mn-ea"/>
+                <a:cs typeface="+mn-cs"/>
+              </a:defRPr>
+            </a:lvl2pPr>
+            <a:lvl3pPr marL="1200150" indent="-285750" algn="l" defTabSz="457200" rtl="0" eaLnBrk="1" latinLnBrk="0" hangingPunct="1">
+              <a:spcBef>
+                <a:spcPct val="20000"/>
+              </a:spcBef>
+              <a:spcAft>
+                <a:spcPts val="600"/>
+              </a:spcAft>
+              <a:buClr>
+                <a:schemeClr val="accent1">
+                  <a:lumMod val="75000"/>
+                </a:schemeClr>
+              </a:buClr>
+              <a:buSzPct val="145000"/>
+              <a:buFont typeface="Arial"/>
+              <a:buChar char="•"/>
+              <a:defRPr sz="1800" kern="1200" cap="none">
+                <a:solidFill>
+                  <a:schemeClr val="tx1"/>
+                </a:solidFill>
+                <a:effectLst/>
+                <a:latin typeface="+mn-lt"/>
+                <a:ea typeface="+mn-ea"/>
+                <a:cs typeface="+mn-cs"/>
+              </a:defRPr>
+            </a:lvl3pPr>
+            <a:lvl4pPr marL="1543050" indent="-171450" algn="l" defTabSz="457200" rtl="0" eaLnBrk="1" latinLnBrk="0" hangingPunct="1">
+              <a:spcBef>
+                <a:spcPct val="20000"/>
+              </a:spcBef>
+              <a:spcAft>
+                <a:spcPts val="600"/>
+              </a:spcAft>
+              <a:buClr>
+                <a:schemeClr val="accent1">
+                  <a:lumMod val="75000"/>
+                </a:schemeClr>
+              </a:buClr>
+              <a:buSzPct val="145000"/>
+              <a:buFont typeface="Arial"/>
+              <a:buChar char="•"/>
+              <a:defRPr sz="1600" kern="1200" cap="none">
+                <a:solidFill>
+                  <a:schemeClr val="tx1"/>
+                </a:solidFill>
+                <a:effectLst/>
+                <a:latin typeface="+mn-lt"/>
+                <a:ea typeface="+mn-ea"/>
+                <a:cs typeface="+mn-cs"/>
+              </a:defRPr>
+            </a:lvl4pPr>
+            <a:lvl5pPr marL="2000250" indent="-171450" algn="l" defTabSz="457200" rtl="0" eaLnBrk="1" latinLnBrk="0" hangingPunct="1">
+              <a:spcBef>
+                <a:spcPct val="20000"/>
+              </a:spcBef>
+              <a:spcAft>
+                <a:spcPts val="600"/>
+              </a:spcAft>
+              <a:buClr>
+                <a:schemeClr val="accent1">
+                  <a:lumMod val="75000"/>
+                </a:schemeClr>
+              </a:buClr>
+              <a:buSzPct val="145000"/>
+              <a:buFont typeface="Arial"/>
+              <a:buChar char="•"/>
+              <a:defRPr sz="1400" kern="1200" cap="none">
+                <a:solidFill>
+                  <a:schemeClr val="tx1"/>
+                </a:solidFill>
+                <a:effectLst/>
+                <a:latin typeface="+mn-lt"/>
+                <a:ea typeface="+mn-ea"/>
+                <a:cs typeface="+mn-cs"/>
+              </a:defRPr>
+            </a:lvl5pPr>
+            <a:lvl6pPr marL="2514600" indent="-228600" algn="l" defTabSz="457200" rtl="0" eaLnBrk="1" latinLnBrk="0" hangingPunct="1">
+              <a:spcBef>
+                <a:spcPct val="20000"/>
+              </a:spcBef>
+              <a:spcAft>
+                <a:spcPts val="600"/>
+              </a:spcAft>
+              <a:buClr>
+                <a:schemeClr val="accent1">
+                  <a:lumMod val="75000"/>
+                </a:schemeClr>
+              </a:buClr>
+              <a:buSzPct val="145000"/>
+              <a:buFont typeface="Arial"/>
+              <a:buChar char="•"/>
+              <a:defRPr sz="1400" kern="1200" cap="none">
+                <a:solidFill>
+                  <a:schemeClr val="tx1"/>
+                </a:solidFill>
+                <a:effectLst/>
+                <a:latin typeface="+mn-lt"/>
+                <a:ea typeface="+mn-ea"/>
+                <a:cs typeface="+mn-cs"/>
+              </a:defRPr>
+            </a:lvl6pPr>
+            <a:lvl7pPr marL="2971800" indent="-228600" algn="l" defTabSz="457200" rtl="0" eaLnBrk="1" latinLnBrk="0" hangingPunct="1">
+              <a:spcBef>
+                <a:spcPct val="20000"/>
+              </a:spcBef>
+              <a:spcAft>
+                <a:spcPts val="600"/>
+              </a:spcAft>
+              <a:buClr>
+                <a:schemeClr val="accent1">
+                  <a:lumMod val="75000"/>
+                </a:schemeClr>
+              </a:buClr>
+              <a:buSzPct val="145000"/>
+              <a:buFont typeface="Arial"/>
+              <a:buChar char="•"/>
+              <a:defRPr sz="1400" kern="1200" cap="none">
+                <a:solidFill>
+                  <a:schemeClr val="tx1"/>
+                </a:solidFill>
+                <a:effectLst/>
+                <a:latin typeface="+mn-lt"/>
+                <a:ea typeface="+mn-ea"/>
+                <a:cs typeface="+mn-cs"/>
+              </a:defRPr>
+            </a:lvl7pPr>
+            <a:lvl8pPr marL="3429000" indent="-228600" algn="l" defTabSz="457200" rtl="0" eaLnBrk="1" latinLnBrk="0" hangingPunct="1">
+              <a:spcBef>
+                <a:spcPct val="20000"/>
+              </a:spcBef>
+              <a:spcAft>
+                <a:spcPts val="600"/>
+              </a:spcAft>
+              <a:buClr>
+                <a:schemeClr val="accent1">
+                  <a:lumMod val="75000"/>
+                </a:schemeClr>
+              </a:buClr>
+              <a:buSzPct val="145000"/>
+              <a:buFont typeface="Arial"/>
+              <a:buChar char="•"/>
+              <a:defRPr sz="1400" kern="1200" cap="none">
+                <a:solidFill>
+                  <a:schemeClr val="tx1"/>
+                </a:solidFill>
+                <a:effectLst/>
+                <a:latin typeface="+mn-lt"/>
+                <a:ea typeface="+mn-ea"/>
+                <a:cs typeface="+mn-cs"/>
+              </a:defRPr>
+            </a:lvl8pPr>
+            <a:lvl9pPr marL="3886200" indent="-228600" algn="l" defTabSz="457200" rtl="0" eaLnBrk="1" latinLnBrk="0" hangingPunct="1">
+              <a:spcBef>
+                <a:spcPct val="20000"/>
+              </a:spcBef>
+              <a:spcAft>
+                <a:spcPts val="600"/>
+              </a:spcAft>
+              <a:buClr>
+                <a:schemeClr val="accent1">
+                  <a:lumMod val="75000"/>
+                </a:schemeClr>
+              </a:buClr>
+              <a:buSzPct val="145000"/>
+              <a:buFont typeface="Arial"/>
+              <a:buChar char="•"/>
+              <a:defRPr sz="1400" kern="1200" cap="none">
+                <a:solidFill>
+                  <a:schemeClr val="tx1"/>
+                </a:solidFill>
+                <a:effectLst/>
+                <a:latin typeface="+mn-lt"/>
+                <a:ea typeface="+mn-ea"/>
+                <a:cs typeface="+mn-cs"/>
+              </a:defRPr>
+            </a:lvl9pPr>
+          </a:lstStyle>
+          <a:p>
+            <a:pPr marL="0" indent="0">
+              <a:lnSpc>
+                <a:spcPct val="150000"/>
+              </a:lnSpc>
+              <a:buNone/>
+            </a:pPr>
+            <a:r>
+              <a:rPr lang="en-US" dirty="0" err="1">
+                <a:latin typeface="Arial" panose="020B0604020202020204" pitchFamily="34" charset="0"/>
+                <a:cs typeface="Arial" panose="020B0604020202020204" pitchFamily="34" charset="0"/>
+              </a:rPr>
+              <a:t>Cách</a:t>
+            </a:r>
+            <a:r>
+              <a:rPr lang="en-US" dirty="0">
+                <a:latin typeface="Arial" panose="020B0604020202020204" pitchFamily="34" charset="0"/>
+                <a:cs typeface="Arial" panose="020B0604020202020204" pitchFamily="34" charset="0"/>
+              </a:rPr>
+              <a:t> </a:t>
+            </a:r>
+            <a:r>
+              <a:rPr lang="en-US" dirty="0" err="1">
+                <a:latin typeface="Arial" panose="020B0604020202020204" pitchFamily="34" charset="0"/>
+                <a:cs typeface="Arial" panose="020B0604020202020204" pitchFamily="34" charset="0"/>
+              </a:rPr>
+              <a:t>thực</a:t>
+            </a:r>
+            <a:r>
+              <a:rPr lang="en-US" dirty="0">
+                <a:latin typeface="Arial" panose="020B0604020202020204" pitchFamily="34" charset="0"/>
+                <a:cs typeface="Arial" panose="020B0604020202020204" pitchFamily="34" charset="0"/>
+              </a:rPr>
+              <a:t> </a:t>
+            </a:r>
+            <a:r>
+              <a:rPr lang="en-US" dirty="0" err="1">
+                <a:latin typeface="Arial" panose="020B0604020202020204" pitchFamily="34" charset="0"/>
+                <a:cs typeface="Arial" panose="020B0604020202020204" pitchFamily="34" charset="0"/>
+              </a:rPr>
+              <a:t>hiện</a:t>
+            </a:r>
+            <a:r>
+              <a:rPr lang="en-US" dirty="0">
+                <a:latin typeface="Arial" panose="020B0604020202020204" pitchFamily="34" charset="0"/>
+                <a:cs typeface="Arial" panose="020B0604020202020204" pitchFamily="34" charset="0"/>
+              </a:rPr>
+              <a:t>:</a:t>
+            </a:r>
+          </a:p>
+          <a:p>
+            <a:pPr>
+              <a:lnSpc>
+                <a:spcPct val="150000"/>
+              </a:lnSpc>
+              <a:buFont typeface="Arial" panose="020B0604020202020204" pitchFamily="34" charset="0"/>
+              <a:buChar char="•"/>
+            </a:pPr>
+            <a:r>
+              <a:rPr lang="en-US" dirty="0">
+                <a:latin typeface="Arial" panose="020B0604020202020204" pitchFamily="34" charset="0"/>
+                <a:cs typeface="Arial" panose="020B0604020202020204" pitchFamily="34" charset="0"/>
+              </a:rPr>
+              <a:t>Download Model jar English (KBP) </a:t>
+            </a:r>
+            <a:r>
+              <a:rPr lang="en-US" dirty="0" err="1">
+                <a:latin typeface="Arial" panose="020B0604020202020204" pitchFamily="34" charset="0"/>
+                <a:cs typeface="Arial" panose="020B0604020202020204" pitchFamily="34" charset="0"/>
+              </a:rPr>
+              <a:t>về</a:t>
+            </a:r>
+            <a:r>
+              <a:rPr lang="en-US" dirty="0">
+                <a:latin typeface="Arial" panose="020B0604020202020204" pitchFamily="34" charset="0"/>
+                <a:cs typeface="Arial" panose="020B0604020202020204" pitchFamily="34" charset="0"/>
+              </a:rPr>
+              <a:t> </a:t>
+            </a:r>
+            <a:r>
+              <a:rPr lang="en-US" dirty="0" err="1">
+                <a:latin typeface="Arial" panose="020B0604020202020204" pitchFamily="34" charset="0"/>
+                <a:cs typeface="Arial" panose="020B0604020202020204" pitchFamily="34" charset="0"/>
+              </a:rPr>
+              <a:t>máy</a:t>
+            </a:r>
+            <a:endParaRPr lang="en-US" dirty="0">
+              <a:latin typeface="Arial" panose="020B0604020202020204" pitchFamily="34" charset="0"/>
+              <a:cs typeface="Arial" panose="020B0604020202020204" pitchFamily="34" charset="0"/>
+            </a:endParaRPr>
+          </a:p>
+          <a:p>
+            <a:pPr>
+              <a:lnSpc>
+                <a:spcPct val="150000"/>
+              </a:lnSpc>
+              <a:buFont typeface="Arial" panose="020B0604020202020204" pitchFamily="34" charset="0"/>
+              <a:buChar char="•"/>
+            </a:pPr>
+            <a:r>
+              <a:rPr lang="en-US" dirty="0" err="1">
+                <a:latin typeface="Arial" panose="020B0604020202020204" pitchFamily="34" charset="0"/>
+                <a:cs typeface="Arial" panose="020B0604020202020204" pitchFamily="34" charset="0"/>
+              </a:rPr>
+              <a:t>Tạo</a:t>
+            </a:r>
+            <a:r>
+              <a:rPr lang="en-US" dirty="0">
+                <a:latin typeface="Arial" panose="020B0604020202020204" pitchFamily="34" charset="0"/>
+                <a:cs typeface="Arial" panose="020B0604020202020204" pitchFamily="34" charset="0"/>
+              </a:rPr>
+              <a:t> </a:t>
+            </a:r>
+            <a:r>
+              <a:rPr lang="en-US" dirty="0" err="1">
+                <a:latin typeface="Arial" panose="020B0604020202020204" pitchFamily="34" charset="0"/>
+                <a:cs typeface="Arial" panose="020B0604020202020204" pitchFamily="34" charset="0"/>
+              </a:rPr>
+              <a:t>đường</a:t>
+            </a:r>
+            <a:r>
+              <a:rPr lang="en-US" dirty="0">
+                <a:latin typeface="Arial" panose="020B0604020202020204" pitchFamily="34" charset="0"/>
+                <a:cs typeface="Arial" panose="020B0604020202020204" pitchFamily="34" charset="0"/>
+              </a:rPr>
+              <a:t> </a:t>
+            </a:r>
+            <a:r>
+              <a:rPr lang="en-US" dirty="0" err="1">
+                <a:latin typeface="Arial" panose="020B0604020202020204" pitchFamily="34" charset="0"/>
+                <a:cs typeface="Arial" panose="020B0604020202020204" pitchFamily="34" charset="0"/>
+              </a:rPr>
+              <a:t>dẫn</a:t>
+            </a:r>
+            <a:r>
+              <a:rPr lang="en-US" dirty="0">
+                <a:latin typeface="Arial" panose="020B0604020202020204" pitchFamily="34" charset="0"/>
+                <a:cs typeface="Arial" panose="020B0604020202020204" pitchFamily="34" charset="0"/>
+              </a:rPr>
+              <a:t> </a:t>
+            </a:r>
+            <a:r>
+              <a:rPr lang="en-US" dirty="0" err="1">
+                <a:latin typeface="Arial" panose="020B0604020202020204" pitchFamily="34" charset="0"/>
+                <a:cs typeface="Arial" panose="020B0604020202020204" pitchFamily="34" charset="0"/>
+              </a:rPr>
+              <a:t>đến</a:t>
+            </a:r>
+            <a:r>
+              <a:rPr lang="en-US" dirty="0">
+                <a:latin typeface="Arial" panose="020B0604020202020204" pitchFamily="34" charset="0"/>
+                <a:cs typeface="Arial" panose="020B0604020202020204" pitchFamily="34" charset="0"/>
+              </a:rPr>
+              <a:t> file </a:t>
+            </a:r>
+            <a:r>
+              <a:rPr lang="en-US" dirty="0" err="1">
+                <a:latin typeface="Arial" panose="020B0604020202020204" pitchFamily="34" charset="0"/>
+                <a:cs typeface="Arial" panose="020B0604020202020204" pitchFamily="34" charset="0"/>
+              </a:rPr>
+              <a:t>StanfordCoreNLP.properties</a:t>
+            </a:r>
+            <a:r>
+              <a:rPr lang="en-US" dirty="0">
+                <a:latin typeface="Arial" panose="020B0604020202020204" pitchFamily="34" charset="0"/>
+                <a:cs typeface="Arial" panose="020B0604020202020204" pitchFamily="34" charset="0"/>
+              </a:rPr>
+              <a:t> </a:t>
+            </a:r>
+            <a:r>
+              <a:rPr lang="en-US" dirty="0" err="1">
+                <a:latin typeface="Arial" panose="020B0604020202020204" pitchFamily="34" charset="0"/>
+                <a:cs typeface="Arial" panose="020B0604020202020204" pitchFamily="34" charset="0"/>
+              </a:rPr>
+              <a:t>và</a:t>
+            </a:r>
+            <a:r>
+              <a:rPr lang="en-US" dirty="0">
+                <a:latin typeface="Arial" panose="020B0604020202020204" pitchFamily="34" charset="0"/>
+                <a:cs typeface="Arial" panose="020B0604020202020204" pitchFamily="34" charset="0"/>
+              </a:rPr>
+              <a:t> </a:t>
+            </a:r>
+            <a:r>
+              <a:rPr lang="en-US" dirty="0" err="1">
+                <a:latin typeface="Arial" panose="020B0604020202020204" pitchFamily="34" charset="0"/>
+                <a:cs typeface="Arial" panose="020B0604020202020204" pitchFamily="34" charset="0"/>
+              </a:rPr>
+              <a:t>thêm</a:t>
+            </a:r>
+            <a:r>
+              <a:rPr lang="en-US" dirty="0">
+                <a:latin typeface="Arial" panose="020B0604020202020204" pitchFamily="34" charset="0"/>
+                <a:cs typeface="Arial" panose="020B0604020202020204" pitchFamily="34" charset="0"/>
+              </a:rPr>
+              <a:t> “</a:t>
+            </a:r>
+            <a:r>
+              <a:rPr lang="en-US" dirty="0" err="1">
+                <a:latin typeface="Arial" panose="020B0604020202020204" pitchFamily="34" charset="0"/>
+                <a:cs typeface="Arial" panose="020B0604020202020204" pitchFamily="34" charset="0"/>
+              </a:rPr>
+              <a:t>coref</a:t>
+            </a:r>
+            <a:r>
+              <a:rPr lang="en-US" dirty="0">
+                <a:latin typeface="Arial" panose="020B0604020202020204" pitchFamily="34" charset="0"/>
+                <a:cs typeface="Arial" panose="020B0604020202020204" pitchFamily="34" charset="0"/>
+              </a:rPr>
+              <a:t>” </a:t>
+            </a:r>
+            <a:r>
+              <a:rPr lang="en-US" dirty="0" err="1">
+                <a:latin typeface="Arial" panose="020B0604020202020204" pitchFamily="34" charset="0"/>
+                <a:cs typeface="Arial" panose="020B0604020202020204" pitchFamily="34" charset="0"/>
+              </a:rPr>
+              <a:t>vào</a:t>
+            </a:r>
+            <a:r>
+              <a:rPr lang="en-US" dirty="0">
+                <a:latin typeface="Arial" panose="020B0604020202020204" pitchFamily="34" charset="0"/>
+                <a:cs typeface="Arial" panose="020B0604020202020204" pitchFamily="34" charset="0"/>
+              </a:rPr>
+              <a:t> </a:t>
+            </a:r>
+            <a:r>
+              <a:rPr lang="en-US" dirty="0" err="1">
+                <a:latin typeface="Arial" panose="020B0604020202020204" pitchFamily="34" charset="0"/>
+                <a:cs typeface="Arial" panose="020B0604020202020204" pitchFamily="34" charset="0"/>
+              </a:rPr>
+              <a:t>cuối</a:t>
+            </a:r>
+            <a:r>
+              <a:rPr lang="en-US" dirty="0">
+                <a:latin typeface="Arial" panose="020B0604020202020204" pitchFamily="34" charset="0"/>
+                <a:cs typeface="Arial" panose="020B0604020202020204" pitchFamily="34" charset="0"/>
+              </a:rPr>
+              <a:t> annotators</a:t>
+            </a:r>
+          </a:p>
+        </p:txBody>
+      </p:sp>
+    </p:spTree>
+    <p:extLst>
+      <p:ext uri="{BB962C8B-B14F-4D97-AF65-F5344CB8AC3E}">
+        <p14:creationId xmlns:p14="http://schemas.microsoft.com/office/powerpoint/2010/main" val="2776868456"/>
+      </p:ext>
+    </p:extLst>
+  </p:cSld>
+  <p:clrMapOvr>
+    <a:masterClrMapping/>
+  </p:clrMapOvr>
+</p:sld>
+</file>
+
+<file path=ppt/slides/slide21.xml><?xml version="1.0" encoding="utf-8"?>
+<p:sld xmlns:a="http://schemas.openxmlformats.org/drawingml/2006/main" xmlns:r="http://schemas.openxmlformats.org/officeDocument/2006/relationships" xmlns:p="http://schemas.openxmlformats.org/presentationml/2006/main">
+  <p:cSld>
+    <p:spTree>
+      <p:nvGrpSpPr>
+        <p:cNvPr id="1" name=""/>
+        <p:cNvGrpSpPr/>
+        <p:nvPr/>
+      </p:nvGrpSpPr>
+      <p:grpSpPr>
+        <a:xfrm>
+          <a:off x="0" y="0"/>
+          <a:ext cx="0" cy="0"/>
+          <a:chOff x="0" y="0"/>
+          <a:chExt cx="0" cy="0"/>
+        </a:xfrm>
+      </p:grpSpPr>
+      <p:sp>
+        <p:nvSpPr>
+          <p:cNvPr id="5" name="Title 1">
+            <a:extLst>
+              <a:ext uri="{FF2B5EF4-FFF2-40B4-BE49-F238E27FC236}">
+                <a16:creationId xmlns:a16="http://schemas.microsoft.com/office/drawing/2014/main" id="{7C0B3CDD-A553-4D19-8E4F-FEFB8FF17CDF}"/>
+              </a:ext>
+            </a:extLst>
+          </p:cNvPr>
+          <p:cNvSpPr>
+            <a:spLocks noGrp="1"/>
+          </p:cNvSpPr>
+          <p:nvPr>
+            <p:ph type="title"/>
+          </p:nvPr>
+        </p:nvSpPr>
+        <p:spPr>
+          <a:xfrm>
+            <a:off x="1729812" y="266482"/>
+            <a:ext cx="7445876" cy="585734"/>
+          </a:xfrm>
+        </p:spPr>
+        <p:txBody>
+          <a:bodyPr anchor="t">
+            <a:normAutofit fontScale="90000"/>
+          </a:bodyPr>
+          <a:lstStyle/>
+          <a:p>
+            <a:pPr algn="l"/>
+            <a:r>
+              <a:rPr lang="en-US" b="1" dirty="0">
+                <a:solidFill>
+                  <a:srgbClr val="0000FF"/>
+                </a:solidFill>
+                <a:latin typeface="Times New Roman" panose="02020603050405020304" pitchFamily="18" charset="0"/>
+                <a:cs typeface="Times New Roman" panose="02020603050405020304" pitchFamily="18" charset="0"/>
+              </a:rPr>
+              <a:t>Conference Resolution</a:t>
+            </a:r>
+            <a:br>
+              <a:rPr lang="en-US" b="1" dirty="0">
+                <a:solidFill>
+                  <a:srgbClr val="0000FF"/>
+                </a:solidFill>
+                <a:latin typeface="Times New Roman" panose="02020603050405020304" pitchFamily="18" charset="0"/>
+                <a:cs typeface="Times New Roman" panose="02020603050405020304" pitchFamily="18" charset="0"/>
+              </a:rPr>
+            </a:br>
+            <a:endParaRPr lang="en-US" b="1" dirty="0">
+              <a:solidFill>
+                <a:srgbClr val="0000FF"/>
+              </a:solidFill>
+              <a:latin typeface="Times New Roman" panose="02020603050405020304" pitchFamily="18" charset="0"/>
+              <a:cs typeface="Times New Roman" panose="02020603050405020304" pitchFamily="18" charset="0"/>
+            </a:endParaRPr>
+          </a:p>
+        </p:txBody>
+      </p:sp>
+      <p:pic>
+        <p:nvPicPr>
+          <p:cNvPr id="6" name="Picture 5">
+            <a:extLst>
+              <a:ext uri="{FF2B5EF4-FFF2-40B4-BE49-F238E27FC236}">
+                <a16:creationId xmlns:a16="http://schemas.microsoft.com/office/drawing/2014/main" id="{19B9263D-826D-4126-891D-72215647B94C}"/>
+              </a:ext>
+            </a:extLst>
+          </p:cNvPr>
+          <p:cNvPicPr/>
+          <p:nvPr/>
+        </p:nvPicPr>
+        <p:blipFill>
+          <a:blip r:embed="rId2">
+            <a:extLst>
+              <a:ext uri="{28A0092B-C50C-407E-A947-70E740481C1C}">
+                <a14:useLocalDpi xmlns:a14="http://schemas.microsoft.com/office/drawing/2010/main" val="0"/>
+              </a:ext>
+            </a:extLst>
+          </a:blip>
+          <a:stretch>
+            <a:fillRect/>
+          </a:stretch>
+        </p:blipFill>
+        <p:spPr>
+          <a:xfrm>
+            <a:off x="2782773" y="2105032"/>
+            <a:ext cx="6999177" cy="1888977"/>
+          </a:xfrm>
+          <a:prstGeom prst="rect">
+            <a:avLst/>
+          </a:prstGeom>
+        </p:spPr>
+      </p:pic>
+      <p:pic>
+        <p:nvPicPr>
+          <p:cNvPr id="8" name="Picture 7">
+            <a:extLst>
+              <a:ext uri="{FF2B5EF4-FFF2-40B4-BE49-F238E27FC236}">
+                <a16:creationId xmlns:a16="http://schemas.microsoft.com/office/drawing/2014/main" id="{63F9D80F-8CDC-4C27-95BF-FCABFE09ADA7}"/>
+              </a:ext>
+            </a:extLst>
+          </p:cNvPr>
+          <p:cNvPicPr/>
+          <p:nvPr/>
+        </p:nvPicPr>
+        <p:blipFill>
+          <a:blip r:embed="rId3">
+            <a:extLst>
+              <a:ext uri="{28A0092B-C50C-407E-A947-70E740481C1C}">
+                <a14:useLocalDpi xmlns:a14="http://schemas.microsoft.com/office/drawing/2010/main" val="0"/>
+              </a:ext>
+            </a:extLst>
+          </a:blip>
+          <a:stretch>
+            <a:fillRect/>
+          </a:stretch>
+        </p:blipFill>
+        <p:spPr>
+          <a:xfrm>
+            <a:off x="2782773" y="4888922"/>
+            <a:ext cx="6999177" cy="1207381"/>
+          </a:xfrm>
+          <a:prstGeom prst="rect">
+            <a:avLst/>
+          </a:prstGeom>
+        </p:spPr>
+      </p:pic>
+      <p:sp>
+        <p:nvSpPr>
+          <p:cNvPr id="9" name="Content Placeholder 2">
+            <a:extLst>
+              <a:ext uri="{FF2B5EF4-FFF2-40B4-BE49-F238E27FC236}">
+                <a16:creationId xmlns:a16="http://schemas.microsoft.com/office/drawing/2014/main" id="{9D64869F-5C6C-41BC-BD98-49B0C1048443}"/>
+              </a:ext>
+            </a:extLst>
+          </p:cNvPr>
+          <p:cNvSpPr txBox="1">
+            <a:spLocks/>
+          </p:cNvSpPr>
+          <p:nvPr/>
+        </p:nvSpPr>
+        <p:spPr>
+          <a:xfrm>
+            <a:off x="1729812" y="1024435"/>
+            <a:ext cx="9561965" cy="997331"/>
+          </a:xfrm>
+          <a:prstGeom prst="rect">
+            <a:avLst/>
+          </a:prstGeom>
+        </p:spPr>
+        <p:txBody>
+          <a:bodyPr vert="horz" lIns="91440" tIns="45720" rIns="91440" bIns="45720" rtlCol="0" anchor="ctr">
+            <a:noAutofit/>
+          </a:bodyPr>
+          <a:lstStyle>
+            <a:lvl1pPr marL="285750" indent="-285750" algn="l" defTabSz="457200" rtl="0" eaLnBrk="1" latinLnBrk="0" hangingPunct="1">
+              <a:spcBef>
+                <a:spcPct val="20000"/>
+              </a:spcBef>
+              <a:spcAft>
+                <a:spcPts val="600"/>
+              </a:spcAft>
+              <a:buClr>
+                <a:schemeClr val="accent1">
+                  <a:lumMod val="75000"/>
+                </a:schemeClr>
+              </a:buClr>
+              <a:buSzPct val="145000"/>
+              <a:buFont typeface="Arial"/>
+              <a:buChar char="•"/>
+              <a:defRPr sz="2400" kern="1200" cap="none">
+                <a:solidFill>
+                  <a:schemeClr val="tx1"/>
+                </a:solidFill>
+                <a:effectLst/>
+                <a:latin typeface="+mn-lt"/>
+                <a:ea typeface="+mn-ea"/>
+                <a:cs typeface="+mn-cs"/>
+              </a:defRPr>
+            </a:lvl1pPr>
+            <a:lvl2pPr marL="742950" indent="-285750" algn="l" defTabSz="457200" rtl="0" eaLnBrk="1" latinLnBrk="0" hangingPunct="1">
+              <a:spcBef>
+                <a:spcPct val="20000"/>
+              </a:spcBef>
+              <a:spcAft>
+                <a:spcPts val="600"/>
+              </a:spcAft>
+              <a:buClr>
+                <a:schemeClr val="accent1">
+                  <a:lumMod val="75000"/>
+                </a:schemeClr>
+              </a:buClr>
+              <a:buSzPct val="145000"/>
+              <a:buFont typeface="Arial"/>
+              <a:buChar char="•"/>
+              <a:defRPr sz="2000" kern="1200" cap="none">
+                <a:solidFill>
+                  <a:schemeClr val="tx1"/>
+                </a:solidFill>
+                <a:effectLst/>
+                <a:latin typeface="+mn-lt"/>
+                <a:ea typeface="+mn-ea"/>
+                <a:cs typeface="+mn-cs"/>
+              </a:defRPr>
+            </a:lvl2pPr>
+            <a:lvl3pPr marL="1200150" indent="-285750" algn="l" defTabSz="457200" rtl="0" eaLnBrk="1" latinLnBrk="0" hangingPunct="1">
+              <a:spcBef>
+                <a:spcPct val="20000"/>
+              </a:spcBef>
+              <a:spcAft>
+                <a:spcPts val="600"/>
+              </a:spcAft>
+              <a:buClr>
+                <a:schemeClr val="accent1">
+                  <a:lumMod val="75000"/>
+                </a:schemeClr>
+              </a:buClr>
+              <a:buSzPct val="145000"/>
+              <a:buFont typeface="Arial"/>
+              <a:buChar char="•"/>
+              <a:defRPr sz="1800" kern="1200" cap="none">
+                <a:solidFill>
+                  <a:schemeClr val="tx1"/>
+                </a:solidFill>
+                <a:effectLst/>
+                <a:latin typeface="+mn-lt"/>
+                <a:ea typeface="+mn-ea"/>
+                <a:cs typeface="+mn-cs"/>
+              </a:defRPr>
+            </a:lvl3pPr>
+            <a:lvl4pPr marL="1543050" indent="-171450" algn="l" defTabSz="457200" rtl="0" eaLnBrk="1" latinLnBrk="0" hangingPunct="1">
+              <a:spcBef>
+                <a:spcPct val="20000"/>
+              </a:spcBef>
+              <a:spcAft>
+                <a:spcPts val="600"/>
+              </a:spcAft>
+              <a:buClr>
+                <a:schemeClr val="accent1">
+                  <a:lumMod val="75000"/>
+                </a:schemeClr>
+              </a:buClr>
+              <a:buSzPct val="145000"/>
+              <a:buFont typeface="Arial"/>
+              <a:buChar char="•"/>
+              <a:defRPr sz="1600" kern="1200" cap="none">
+                <a:solidFill>
+                  <a:schemeClr val="tx1"/>
+                </a:solidFill>
+                <a:effectLst/>
+                <a:latin typeface="+mn-lt"/>
+                <a:ea typeface="+mn-ea"/>
+                <a:cs typeface="+mn-cs"/>
+              </a:defRPr>
+            </a:lvl4pPr>
+            <a:lvl5pPr marL="2000250" indent="-171450" algn="l" defTabSz="457200" rtl="0" eaLnBrk="1" latinLnBrk="0" hangingPunct="1">
+              <a:spcBef>
+                <a:spcPct val="20000"/>
+              </a:spcBef>
+              <a:spcAft>
+                <a:spcPts val="600"/>
+              </a:spcAft>
+              <a:buClr>
+                <a:schemeClr val="accent1">
+                  <a:lumMod val="75000"/>
+                </a:schemeClr>
+              </a:buClr>
+              <a:buSzPct val="145000"/>
+              <a:buFont typeface="Arial"/>
+              <a:buChar char="•"/>
+              <a:defRPr sz="1400" kern="1200" cap="none">
+                <a:solidFill>
+                  <a:schemeClr val="tx1"/>
+                </a:solidFill>
+                <a:effectLst/>
+                <a:latin typeface="+mn-lt"/>
+                <a:ea typeface="+mn-ea"/>
+                <a:cs typeface="+mn-cs"/>
+              </a:defRPr>
+            </a:lvl5pPr>
+            <a:lvl6pPr marL="2514600" indent="-228600" algn="l" defTabSz="457200" rtl="0" eaLnBrk="1" latinLnBrk="0" hangingPunct="1">
+              <a:spcBef>
+                <a:spcPct val="20000"/>
+              </a:spcBef>
+              <a:spcAft>
+                <a:spcPts val="600"/>
+              </a:spcAft>
+              <a:buClr>
+                <a:schemeClr val="accent1">
+                  <a:lumMod val="75000"/>
+                </a:schemeClr>
+              </a:buClr>
+              <a:buSzPct val="145000"/>
+              <a:buFont typeface="Arial"/>
+              <a:buChar char="•"/>
+              <a:defRPr sz="1400" kern="1200" cap="none">
+                <a:solidFill>
+                  <a:schemeClr val="tx1"/>
+                </a:solidFill>
+                <a:effectLst/>
+                <a:latin typeface="+mn-lt"/>
+                <a:ea typeface="+mn-ea"/>
+                <a:cs typeface="+mn-cs"/>
+              </a:defRPr>
+            </a:lvl6pPr>
+            <a:lvl7pPr marL="2971800" indent="-228600" algn="l" defTabSz="457200" rtl="0" eaLnBrk="1" latinLnBrk="0" hangingPunct="1">
+              <a:spcBef>
+                <a:spcPct val="20000"/>
+              </a:spcBef>
+              <a:spcAft>
+                <a:spcPts val="600"/>
+              </a:spcAft>
+              <a:buClr>
+                <a:schemeClr val="accent1">
+                  <a:lumMod val="75000"/>
+                </a:schemeClr>
+              </a:buClr>
+              <a:buSzPct val="145000"/>
+              <a:buFont typeface="Arial"/>
+              <a:buChar char="•"/>
+              <a:defRPr sz="1400" kern="1200" cap="none">
+                <a:solidFill>
+                  <a:schemeClr val="tx1"/>
+                </a:solidFill>
+                <a:effectLst/>
+                <a:latin typeface="+mn-lt"/>
+                <a:ea typeface="+mn-ea"/>
+                <a:cs typeface="+mn-cs"/>
+              </a:defRPr>
+            </a:lvl7pPr>
+            <a:lvl8pPr marL="3429000" indent="-228600" algn="l" defTabSz="457200" rtl="0" eaLnBrk="1" latinLnBrk="0" hangingPunct="1">
+              <a:spcBef>
+                <a:spcPct val="20000"/>
+              </a:spcBef>
+              <a:spcAft>
+                <a:spcPts val="600"/>
+              </a:spcAft>
+              <a:buClr>
+                <a:schemeClr val="accent1">
+                  <a:lumMod val="75000"/>
+                </a:schemeClr>
+              </a:buClr>
+              <a:buSzPct val="145000"/>
+              <a:buFont typeface="Arial"/>
+              <a:buChar char="•"/>
+              <a:defRPr sz="1400" kern="1200" cap="none">
+                <a:solidFill>
+                  <a:schemeClr val="tx1"/>
+                </a:solidFill>
+                <a:effectLst/>
+                <a:latin typeface="+mn-lt"/>
+                <a:ea typeface="+mn-ea"/>
+                <a:cs typeface="+mn-cs"/>
+              </a:defRPr>
+            </a:lvl8pPr>
+            <a:lvl9pPr marL="3886200" indent="-228600" algn="l" defTabSz="457200" rtl="0" eaLnBrk="1" latinLnBrk="0" hangingPunct="1">
+              <a:spcBef>
+                <a:spcPct val="20000"/>
+              </a:spcBef>
+              <a:spcAft>
+                <a:spcPts val="600"/>
+              </a:spcAft>
+              <a:buClr>
+                <a:schemeClr val="accent1">
+                  <a:lumMod val="75000"/>
+                </a:schemeClr>
+              </a:buClr>
+              <a:buSzPct val="145000"/>
+              <a:buFont typeface="Arial"/>
+              <a:buChar char="•"/>
+              <a:defRPr sz="1400" kern="1200" cap="none">
+                <a:solidFill>
+                  <a:schemeClr val="tx1"/>
+                </a:solidFill>
+                <a:effectLst/>
+                <a:latin typeface="+mn-lt"/>
+                <a:ea typeface="+mn-ea"/>
+                <a:cs typeface="+mn-cs"/>
+              </a:defRPr>
+            </a:lvl9pPr>
+          </a:lstStyle>
+          <a:p>
+            <a:pPr>
+              <a:lnSpc>
+                <a:spcPct val="150000"/>
+              </a:lnSpc>
+              <a:spcBef>
+                <a:spcPts val="0"/>
+              </a:spcBef>
+              <a:spcAft>
+                <a:spcPts val="0"/>
+              </a:spcAft>
+              <a:buFont typeface="Arial" panose="020B0604020202020204" pitchFamily="34" charset="0"/>
+              <a:buChar char="•"/>
+            </a:pPr>
+            <a:r>
+              <a:rPr lang="en-US" dirty="0" err="1">
+                <a:latin typeface="Arial" panose="020B0604020202020204" pitchFamily="34" charset="0"/>
+                <a:cs typeface="Arial" panose="020B0604020202020204" pitchFamily="34" charset="0"/>
+              </a:rPr>
+              <a:t>StanfordCoreNLP</a:t>
+            </a:r>
+            <a:r>
+              <a:rPr lang="en-US" dirty="0">
+                <a:latin typeface="Arial" panose="020B0604020202020204" pitchFamily="34" charset="0"/>
+                <a:cs typeface="Arial" panose="020B0604020202020204" pitchFamily="34" charset="0"/>
+              </a:rPr>
+              <a:t> </a:t>
+            </a:r>
+            <a:r>
+              <a:rPr lang="en-US" dirty="0" err="1">
+                <a:latin typeface="Arial" panose="020B0604020202020204" pitchFamily="34" charset="0"/>
+                <a:cs typeface="Arial" panose="020B0604020202020204" pitchFamily="34" charset="0"/>
+              </a:rPr>
+              <a:t>tự</a:t>
+            </a:r>
+            <a:r>
+              <a:rPr lang="en-US" dirty="0">
+                <a:latin typeface="Arial" panose="020B0604020202020204" pitchFamily="34" charset="0"/>
+                <a:cs typeface="Arial" panose="020B0604020202020204" pitchFamily="34" charset="0"/>
+              </a:rPr>
+              <a:t> </a:t>
+            </a:r>
+            <a:r>
+              <a:rPr lang="en-US" dirty="0" err="1">
+                <a:latin typeface="Arial" panose="020B0604020202020204" pitchFamily="34" charset="0"/>
+                <a:cs typeface="Arial" panose="020B0604020202020204" pitchFamily="34" charset="0"/>
+              </a:rPr>
+              <a:t>động</a:t>
+            </a:r>
+            <a:r>
+              <a:rPr lang="en-US" dirty="0">
+                <a:latin typeface="Arial" panose="020B0604020202020204" pitchFamily="34" charset="0"/>
+                <a:cs typeface="Arial" panose="020B0604020202020204" pitchFamily="34" charset="0"/>
+              </a:rPr>
+              <a:t> </a:t>
+            </a:r>
+            <a:r>
+              <a:rPr lang="en-US" dirty="0" err="1">
+                <a:latin typeface="Arial" panose="020B0604020202020204" pitchFamily="34" charset="0"/>
+                <a:cs typeface="Arial" panose="020B0604020202020204" pitchFamily="34" charset="0"/>
+              </a:rPr>
+              <a:t>tìm</a:t>
+            </a:r>
+            <a:r>
+              <a:rPr lang="en-US" dirty="0">
+                <a:latin typeface="Arial" panose="020B0604020202020204" pitchFamily="34" charset="0"/>
+                <a:cs typeface="Arial" panose="020B0604020202020204" pitchFamily="34" charset="0"/>
+              </a:rPr>
+              <a:t> </a:t>
+            </a:r>
+            <a:r>
+              <a:rPr lang="en-US" dirty="0" err="1">
+                <a:latin typeface="Arial" panose="020B0604020202020204" pitchFamily="34" charset="0"/>
+                <a:cs typeface="Arial" panose="020B0604020202020204" pitchFamily="34" charset="0"/>
+              </a:rPr>
+              <a:t>tất</a:t>
+            </a:r>
+            <a:r>
+              <a:rPr lang="en-US" dirty="0">
+                <a:latin typeface="Arial" panose="020B0604020202020204" pitchFamily="34" charset="0"/>
+                <a:cs typeface="Arial" panose="020B0604020202020204" pitchFamily="34" charset="0"/>
+              </a:rPr>
+              <a:t> </a:t>
+            </a:r>
+            <a:r>
+              <a:rPr lang="en-US" dirty="0" err="1">
+                <a:latin typeface="Arial" panose="020B0604020202020204" pitchFamily="34" charset="0"/>
+                <a:cs typeface="Arial" panose="020B0604020202020204" pitchFamily="34" charset="0"/>
+              </a:rPr>
+              <a:t>cả</a:t>
+            </a:r>
+            <a:r>
+              <a:rPr lang="en-US" dirty="0">
+                <a:latin typeface="Arial" panose="020B0604020202020204" pitchFamily="34" charset="0"/>
+                <a:cs typeface="Arial" panose="020B0604020202020204" pitchFamily="34" charset="0"/>
+              </a:rPr>
+              <a:t> </a:t>
+            </a:r>
+            <a:r>
+              <a:rPr lang="en-US" dirty="0" err="1">
+                <a:latin typeface="Arial" panose="020B0604020202020204" pitchFamily="34" charset="0"/>
+                <a:cs typeface="Arial" panose="020B0604020202020204" pitchFamily="34" charset="0"/>
+              </a:rPr>
+              <a:t>các</a:t>
+            </a:r>
+            <a:r>
+              <a:rPr lang="en-US" dirty="0">
+                <a:latin typeface="Arial" panose="020B0604020202020204" pitchFamily="34" charset="0"/>
+                <a:cs typeface="Arial" panose="020B0604020202020204" pitchFamily="34" charset="0"/>
+              </a:rPr>
+              <a:t> file model (</a:t>
+            </a:r>
+            <a:r>
+              <a:rPr lang="vi-VN" dirty="0">
+                <a:latin typeface="Arial" panose="020B0604020202020204" pitchFamily="34" charset="0"/>
+                <a:cs typeface="Arial" panose="020B0604020202020204" pitchFamily="34" charset="0"/>
+              </a:rPr>
+              <a:t>CoreNLP có tệp DefaultPaths.java chỉ định đường dẫn đến </a:t>
+            </a:r>
+            <a:r>
+              <a:rPr lang="en-US" dirty="0" err="1">
+                <a:latin typeface="Arial" panose="020B0604020202020204" pitchFamily="34" charset="0"/>
+                <a:cs typeface="Arial" panose="020B0604020202020204" pitchFamily="34" charset="0"/>
+              </a:rPr>
+              <a:t>các</a:t>
+            </a:r>
+            <a:r>
+              <a:rPr lang="en-US" dirty="0">
+                <a:latin typeface="Arial" panose="020B0604020202020204" pitchFamily="34" charset="0"/>
+                <a:cs typeface="Arial" panose="020B0604020202020204" pitchFamily="34" charset="0"/>
+              </a:rPr>
+              <a:t> file model)</a:t>
+            </a:r>
+          </a:p>
+        </p:txBody>
+      </p:sp>
+      <p:sp>
+        <p:nvSpPr>
+          <p:cNvPr id="10" name="Content Placeholder 2">
+            <a:extLst>
+              <a:ext uri="{FF2B5EF4-FFF2-40B4-BE49-F238E27FC236}">
+                <a16:creationId xmlns:a16="http://schemas.microsoft.com/office/drawing/2014/main" id="{052F95BA-5020-4A38-8D5E-8B9D47562BA2}"/>
+              </a:ext>
+            </a:extLst>
+          </p:cNvPr>
+          <p:cNvSpPr txBox="1">
+            <a:spLocks/>
+          </p:cNvSpPr>
+          <p:nvPr/>
+        </p:nvSpPr>
+        <p:spPr>
+          <a:xfrm>
+            <a:off x="1729811" y="4219071"/>
+            <a:ext cx="9561965" cy="669851"/>
+          </a:xfrm>
+          <a:prstGeom prst="rect">
+            <a:avLst/>
+          </a:prstGeom>
+        </p:spPr>
+        <p:txBody>
+          <a:bodyPr vert="horz" lIns="91440" tIns="45720" rIns="91440" bIns="45720" rtlCol="0" anchor="ctr">
+            <a:normAutofit/>
+          </a:bodyPr>
+          <a:lstStyle>
+            <a:lvl1pPr marL="285750" indent="-285750" algn="l" defTabSz="457200" rtl="0" eaLnBrk="1" latinLnBrk="0" hangingPunct="1">
+              <a:spcBef>
+                <a:spcPct val="20000"/>
+              </a:spcBef>
+              <a:spcAft>
+                <a:spcPts val="600"/>
+              </a:spcAft>
+              <a:buClr>
+                <a:schemeClr val="accent1">
+                  <a:lumMod val="75000"/>
+                </a:schemeClr>
+              </a:buClr>
+              <a:buSzPct val="145000"/>
+              <a:buFont typeface="Arial"/>
+              <a:buChar char="•"/>
+              <a:defRPr sz="2400" kern="1200" cap="none">
+                <a:solidFill>
+                  <a:schemeClr val="tx1"/>
+                </a:solidFill>
+                <a:effectLst/>
+                <a:latin typeface="+mn-lt"/>
+                <a:ea typeface="+mn-ea"/>
+                <a:cs typeface="+mn-cs"/>
+              </a:defRPr>
+            </a:lvl1pPr>
+            <a:lvl2pPr marL="742950" indent="-285750" algn="l" defTabSz="457200" rtl="0" eaLnBrk="1" latinLnBrk="0" hangingPunct="1">
+              <a:spcBef>
+                <a:spcPct val="20000"/>
+              </a:spcBef>
+              <a:spcAft>
+                <a:spcPts val="600"/>
+              </a:spcAft>
+              <a:buClr>
+                <a:schemeClr val="accent1">
+                  <a:lumMod val="75000"/>
+                </a:schemeClr>
+              </a:buClr>
+              <a:buSzPct val="145000"/>
+              <a:buFont typeface="Arial"/>
+              <a:buChar char="•"/>
+              <a:defRPr sz="2000" kern="1200" cap="none">
+                <a:solidFill>
+                  <a:schemeClr val="tx1"/>
+                </a:solidFill>
+                <a:effectLst/>
+                <a:latin typeface="+mn-lt"/>
+                <a:ea typeface="+mn-ea"/>
+                <a:cs typeface="+mn-cs"/>
+              </a:defRPr>
+            </a:lvl2pPr>
+            <a:lvl3pPr marL="1200150" indent="-285750" algn="l" defTabSz="457200" rtl="0" eaLnBrk="1" latinLnBrk="0" hangingPunct="1">
+              <a:spcBef>
+                <a:spcPct val="20000"/>
+              </a:spcBef>
+              <a:spcAft>
+                <a:spcPts val="600"/>
+              </a:spcAft>
+              <a:buClr>
+                <a:schemeClr val="accent1">
+                  <a:lumMod val="75000"/>
+                </a:schemeClr>
+              </a:buClr>
+              <a:buSzPct val="145000"/>
+              <a:buFont typeface="Arial"/>
+              <a:buChar char="•"/>
+              <a:defRPr sz="1800" kern="1200" cap="none">
+                <a:solidFill>
+                  <a:schemeClr val="tx1"/>
+                </a:solidFill>
+                <a:effectLst/>
+                <a:latin typeface="+mn-lt"/>
+                <a:ea typeface="+mn-ea"/>
+                <a:cs typeface="+mn-cs"/>
+              </a:defRPr>
+            </a:lvl3pPr>
+            <a:lvl4pPr marL="1543050" indent="-171450" algn="l" defTabSz="457200" rtl="0" eaLnBrk="1" latinLnBrk="0" hangingPunct="1">
+              <a:spcBef>
+                <a:spcPct val="20000"/>
+              </a:spcBef>
+              <a:spcAft>
+                <a:spcPts val="600"/>
+              </a:spcAft>
+              <a:buClr>
+                <a:schemeClr val="accent1">
+                  <a:lumMod val="75000"/>
+                </a:schemeClr>
+              </a:buClr>
+              <a:buSzPct val="145000"/>
+              <a:buFont typeface="Arial"/>
+              <a:buChar char="•"/>
+              <a:defRPr sz="1600" kern="1200" cap="none">
+                <a:solidFill>
+                  <a:schemeClr val="tx1"/>
+                </a:solidFill>
+                <a:effectLst/>
+                <a:latin typeface="+mn-lt"/>
+                <a:ea typeface="+mn-ea"/>
+                <a:cs typeface="+mn-cs"/>
+              </a:defRPr>
+            </a:lvl4pPr>
+            <a:lvl5pPr marL="2000250" indent="-171450" algn="l" defTabSz="457200" rtl="0" eaLnBrk="1" latinLnBrk="0" hangingPunct="1">
+              <a:spcBef>
+                <a:spcPct val="20000"/>
+              </a:spcBef>
+              <a:spcAft>
+                <a:spcPts val="600"/>
+              </a:spcAft>
+              <a:buClr>
+                <a:schemeClr val="accent1">
+                  <a:lumMod val="75000"/>
+                </a:schemeClr>
+              </a:buClr>
+              <a:buSzPct val="145000"/>
+              <a:buFont typeface="Arial"/>
+              <a:buChar char="•"/>
+              <a:defRPr sz="1400" kern="1200" cap="none">
+                <a:solidFill>
+                  <a:schemeClr val="tx1"/>
+                </a:solidFill>
+                <a:effectLst/>
+                <a:latin typeface="+mn-lt"/>
+                <a:ea typeface="+mn-ea"/>
+                <a:cs typeface="+mn-cs"/>
+              </a:defRPr>
+            </a:lvl5pPr>
+            <a:lvl6pPr marL="2514600" indent="-228600" algn="l" defTabSz="457200" rtl="0" eaLnBrk="1" latinLnBrk="0" hangingPunct="1">
+              <a:spcBef>
+                <a:spcPct val="20000"/>
+              </a:spcBef>
+              <a:spcAft>
+                <a:spcPts val="600"/>
+              </a:spcAft>
+              <a:buClr>
+                <a:schemeClr val="accent1">
+                  <a:lumMod val="75000"/>
+                </a:schemeClr>
+              </a:buClr>
+              <a:buSzPct val="145000"/>
+              <a:buFont typeface="Arial"/>
+              <a:buChar char="•"/>
+              <a:defRPr sz="1400" kern="1200" cap="none">
+                <a:solidFill>
+                  <a:schemeClr val="tx1"/>
+                </a:solidFill>
+                <a:effectLst/>
+                <a:latin typeface="+mn-lt"/>
+                <a:ea typeface="+mn-ea"/>
+                <a:cs typeface="+mn-cs"/>
+              </a:defRPr>
+            </a:lvl6pPr>
+            <a:lvl7pPr marL="2971800" indent="-228600" algn="l" defTabSz="457200" rtl="0" eaLnBrk="1" latinLnBrk="0" hangingPunct="1">
+              <a:spcBef>
+                <a:spcPct val="20000"/>
+              </a:spcBef>
+              <a:spcAft>
+                <a:spcPts val="600"/>
+              </a:spcAft>
+              <a:buClr>
+                <a:schemeClr val="accent1">
+                  <a:lumMod val="75000"/>
+                </a:schemeClr>
+              </a:buClr>
+              <a:buSzPct val="145000"/>
+              <a:buFont typeface="Arial"/>
+              <a:buChar char="•"/>
+              <a:defRPr sz="1400" kern="1200" cap="none">
+                <a:solidFill>
+                  <a:schemeClr val="tx1"/>
+                </a:solidFill>
+                <a:effectLst/>
+                <a:latin typeface="+mn-lt"/>
+                <a:ea typeface="+mn-ea"/>
+                <a:cs typeface="+mn-cs"/>
+              </a:defRPr>
+            </a:lvl7pPr>
+            <a:lvl8pPr marL="3429000" indent="-228600" algn="l" defTabSz="457200" rtl="0" eaLnBrk="1" latinLnBrk="0" hangingPunct="1">
+              <a:spcBef>
+                <a:spcPct val="20000"/>
+              </a:spcBef>
+              <a:spcAft>
+                <a:spcPts val="600"/>
+              </a:spcAft>
+              <a:buClr>
+                <a:schemeClr val="accent1">
+                  <a:lumMod val="75000"/>
+                </a:schemeClr>
+              </a:buClr>
+              <a:buSzPct val="145000"/>
+              <a:buFont typeface="Arial"/>
+              <a:buChar char="•"/>
+              <a:defRPr sz="1400" kern="1200" cap="none">
+                <a:solidFill>
+                  <a:schemeClr val="tx1"/>
+                </a:solidFill>
+                <a:effectLst/>
+                <a:latin typeface="+mn-lt"/>
+                <a:ea typeface="+mn-ea"/>
+                <a:cs typeface="+mn-cs"/>
+              </a:defRPr>
+            </a:lvl8pPr>
+            <a:lvl9pPr marL="3886200" indent="-228600" algn="l" defTabSz="457200" rtl="0" eaLnBrk="1" latinLnBrk="0" hangingPunct="1">
+              <a:spcBef>
+                <a:spcPct val="20000"/>
+              </a:spcBef>
+              <a:spcAft>
+                <a:spcPts val="600"/>
+              </a:spcAft>
+              <a:buClr>
+                <a:schemeClr val="accent1">
+                  <a:lumMod val="75000"/>
+                </a:schemeClr>
+              </a:buClr>
+              <a:buSzPct val="145000"/>
+              <a:buFont typeface="Arial"/>
+              <a:buChar char="•"/>
+              <a:defRPr sz="1400" kern="1200" cap="none">
+                <a:solidFill>
+                  <a:schemeClr val="tx1"/>
+                </a:solidFill>
+                <a:effectLst/>
+                <a:latin typeface="+mn-lt"/>
+                <a:ea typeface="+mn-ea"/>
+                <a:cs typeface="+mn-cs"/>
+              </a:defRPr>
+            </a:lvl9pPr>
+          </a:lstStyle>
+          <a:p>
+            <a:pPr>
+              <a:buFont typeface="Arial" panose="020B0604020202020204" pitchFamily="34" charset="0"/>
+              <a:buChar char="•"/>
+            </a:pPr>
+            <a:r>
+              <a:rPr lang="en-US" dirty="0" err="1">
+                <a:latin typeface="Arial" panose="020B0604020202020204" pitchFamily="34" charset="0"/>
+                <a:ea typeface="Calibri" panose="020F0502020204030204" pitchFamily="34" charset="0"/>
+                <a:cs typeface="Arial" panose="020B0604020202020204" pitchFamily="34" charset="0"/>
+              </a:rPr>
+              <a:t>Thực</a:t>
+            </a:r>
+            <a:r>
+              <a:rPr lang="en-US" dirty="0">
+                <a:latin typeface="Arial" panose="020B0604020202020204" pitchFamily="34" charset="0"/>
+                <a:ea typeface="Calibri" panose="020F0502020204030204" pitchFamily="34" charset="0"/>
+                <a:cs typeface="Arial" panose="020B0604020202020204" pitchFamily="34" charset="0"/>
+              </a:rPr>
+              <a:t> </a:t>
+            </a:r>
+            <a:r>
+              <a:rPr lang="en-US" dirty="0" err="1">
+                <a:latin typeface="Arial" panose="020B0604020202020204" pitchFamily="34" charset="0"/>
+                <a:ea typeface="Calibri" panose="020F0502020204030204" pitchFamily="34" charset="0"/>
+                <a:cs typeface="Arial" panose="020B0604020202020204" pitchFamily="34" charset="0"/>
+              </a:rPr>
+              <a:t>hiện</a:t>
+            </a:r>
+            <a:r>
+              <a:rPr lang="en-US" dirty="0">
+                <a:latin typeface="Arial" panose="020B0604020202020204" pitchFamily="34" charset="0"/>
+                <a:ea typeface="Calibri" panose="020F0502020204030204" pitchFamily="34" charset="0"/>
+                <a:cs typeface="Arial" panose="020B0604020202020204" pitchFamily="34" charset="0"/>
+              </a:rPr>
+              <a:t> Annotation </a:t>
+            </a:r>
+            <a:r>
+              <a:rPr lang="en-US" dirty="0" err="1">
+                <a:latin typeface="Arial" panose="020B0604020202020204" pitchFamily="34" charset="0"/>
+                <a:ea typeface="Calibri" panose="020F0502020204030204" pitchFamily="34" charset="0"/>
+                <a:cs typeface="Arial" panose="020B0604020202020204" pitchFamily="34" charset="0"/>
+              </a:rPr>
+              <a:t>lưu</a:t>
+            </a:r>
+            <a:r>
+              <a:rPr lang="en-US" dirty="0">
+                <a:latin typeface="Arial" panose="020B0604020202020204" pitchFamily="34" charset="0"/>
+                <a:ea typeface="Calibri" panose="020F0502020204030204" pitchFamily="34" charset="0"/>
+                <a:cs typeface="Arial" panose="020B0604020202020204" pitchFamily="34" charset="0"/>
+              </a:rPr>
+              <a:t> </a:t>
+            </a:r>
+            <a:r>
+              <a:rPr lang="en-US" dirty="0" err="1">
+                <a:latin typeface="Arial" panose="020B0604020202020204" pitchFamily="34" charset="0"/>
+                <a:ea typeface="Calibri" panose="020F0502020204030204" pitchFamily="34" charset="0"/>
+                <a:cs typeface="Arial" panose="020B0604020202020204" pitchFamily="34" charset="0"/>
+              </a:rPr>
+              <a:t>trữ</a:t>
+            </a:r>
+            <a:r>
+              <a:rPr lang="en-US" dirty="0">
+                <a:latin typeface="Arial" panose="020B0604020202020204" pitchFamily="34" charset="0"/>
+                <a:ea typeface="Calibri" panose="020F0502020204030204" pitchFamily="34" charset="0"/>
+                <a:cs typeface="Arial" panose="020B0604020202020204" pitchFamily="34" charset="0"/>
+              </a:rPr>
+              <a:t> </a:t>
+            </a:r>
+            <a:r>
+              <a:rPr lang="en-US" dirty="0" err="1">
+                <a:latin typeface="Arial" panose="020B0604020202020204" pitchFamily="34" charset="0"/>
+                <a:ea typeface="Calibri" panose="020F0502020204030204" pitchFamily="34" charset="0"/>
+                <a:cs typeface="Arial" panose="020B0604020202020204" pitchFamily="34" charset="0"/>
+              </a:rPr>
+              <a:t>phân</a:t>
+            </a:r>
+            <a:r>
+              <a:rPr lang="en-US" dirty="0">
+                <a:latin typeface="Arial" panose="020B0604020202020204" pitchFamily="34" charset="0"/>
+                <a:ea typeface="Calibri" panose="020F0502020204030204" pitchFamily="34" charset="0"/>
+                <a:cs typeface="Arial" panose="020B0604020202020204" pitchFamily="34" charset="0"/>
+              </a:rPr>
+              <a:t> </a:t>
+            </a:r>
+            <a:r>
+              <a:rPr lang="en-US" dirty="0" err="1">
+                <a:latin typeface="Arial" panose="020B0604020202020204" pitchFamily="34" charset="0"/>
+                <a:ea typeface="Calibri" panose="020F0502020204030204" pitchFamily="34" charset="0"/>
+                <a:cs typeface="Arial" panose="020B0604020202020204" pitchFamily="34" charset="0"/>
+              </a:rPr>
+              <a:t>tích</a:t>
+            </a:r>
+            <a:r>
+              <a:rPr lang="en-US" dirty="0">
+                <a:latin typeface="Arial" panose="020B0604020202020204" pitchFamily="34" charset="0"/>
+                <a:ea typeface="Calibri" panose="020F0502020204030204" pitchFamily="34" charset="0"/>
+                <a:cs typeface="Arial" panose="020B0604020202020204" pitchFamily="34" charset="0"/>
+              </a:rPr>
+              <a:t> </a:t>
+            </a:r>
+            <a:r>
+              <a:rPr lang="en-US" dirty="0" err="1">
+                <a:latin typeface="Arial" panose="020B0604020202020204" pitchFamily="34" charset="0"/>
+                <a:ea typeface="Calibri" panose="020F0502020204030204" pitchFamily="34" charset="0"/>
+                <a:cs typeface="Arial" panose="020B0604020202020204" pitchFamily="34" charset="0"/>
+              </a:rPr>
+              <a:t>một</a:t>
+            </a:r>
+            <a:r>
+              <a:rPr lang="en-US" dirty="0">
+                <a:latin typeface="Arial" panose="020B0604020202020204" pitchFamily="34" charset="0"/>
+                <a:ea typeface="Calibri" panose="020F0502020204030204" pitchFamily="34" charset="0"/>
+                <a:cs typeface="Arial" panose="020B0604020202020204" pitchFamily="34" charset="0"/>
+              </a:rPr>
+              <a:t> </a:t>
+            </a:r>
+            <a:r>
+              <a:rPr lang="en-US" dirty="0" err="1">
+                <a:latin typeface="Arial" panose="020B0604020202020204" pitchFamily="34" charset="0"/>
+                <a:ea typeface="Calibri" panose="020F0502020204030204" pitchFamily="34" charset="0"/>
+                <a:cs typeface="Arial" panose="020B0604020202020204" pitchFamily="34" charset="0"/>
+              </a:rPr>
+              <a:t>văn</a:t>
+            </a:r>
+            <a:r>
+              <a:rPr lang="en-US" dirty="0">
+                <a:latin typeface="Arial" panose="020B0604020202020204" pitchFamily="34" charset="0"/>
+                <a:ea typeface="Calibri" panose="020F0502020204030204" pitchFamily="34" charset="0"/>
+                <a:cs typeface="Arial" panose="020B0604020202020204" pitchFamily="34" charset="0"/>
+              </a:rPr>
+              <a:t> </a:t>
+            </a:r>
+            <a:r>
+              <a:rPr lang="en-US" dirty="0" err="1">
+                <a:latin typeface="Arial" panose="020B0604020202020204" pitchFamily="34" charset="0"/>
+                <a:ea typeface="Calibri" panose="020F0502020204030204" pitchFamily="34" charset="0"/>
+                <a:cs typeface="Arial" panose="020B0604020202020204" pitchFamily="34" charset="0"/>
+              </a:rPr>
+              <a:t>bản</a:t>
+            </a:r>
+            <a:endParaRPr lang="en-US" dirty="0">
+              <a:latin typeface="Arial" panose="020B0604020202020204" pitchFamily="34" charset="0"/>
+              <a:cs typeface="Arial" panose="020B0604020202020204" pitchFamily="34" charset="0"/>
+            </a:endParaRPr>
+          </a:p>
+        </p:txBody>
+      </p:sp>
+    </p:spTree>
+    <p:extLst>
+      <p:ext uri="{BB962C8B-B14F-4D97-AF65-F5344CB8AC3E}">
+        <p14:creationId xmlns:p14="http://schemas.microsoft.com/office/powerpoint/2010/main" val="48514431"/>
+      </p:ext>
+    </p:extLst>
+  </p:cSld>
+  <p:clrMapOvr>
+    <a:masterClrMapping/>
+  </p:clrMapOvr>
+</p:sld>
+</file>
+
+<file path=ppt/slides/slide22.xml><?xml version="1.0" encoding="utf-8"?>
+<p:sld xmlns:a="http://schemas.openxmlformats.org/drawingml/2006/main" xmlns:r="http://schemas.openxmlformats.org/officeDocument/2006/relationships" xmlns:p="http://schemas.openxmlformats.org/presentationml/2006/main">
+  <p:cSld>
+    <p:spTree>
+      <p:nvGrpSpPr>
+        <p:cNvPr id="1" name=""/>
+        <p:cNvGrpSpPr/>
+        <p:nvPr/>
+      </p:nvGrpSpPr>
+      <p:grpSpPr>
+        <a:xfrm>
+          <a:off x="0" y="0"/>
+          <a:ext cx="0" cy="0"/>
+          <a:chOff x="0" y="0"/>
+          <a:chExt cx="0" cy="0"/>
+        </a:xfrm>
+      </p:grpSpPr>
+      <p:sp>
+        <p:nvSpPr>
+          <p:cNvPr id="7" name="Title 1">
+            <a:extLst>
+              <a:ext uri="{FF2B5EF4-FFF2-40B4-BE49-F238E27FC236}">
+                <a16:creationId xmlns:a16="http://schemas.microsoft.com/office/drawing/2014/main" id="{6B314D18-4813-46F0-B2D9-6AD029E0A619}"/>
+              </a:ext>
+            </a:extLst>
+          </p:cNvPr>
+          <p:cNvSpPr>
+            <a:spLocks noGrp="1"/>
+          </p:cNvSpPr>
+          <p:nvPr>
+            <p:ph type="title"/>
+          </p:nvPr>
+        </p:nvSpPr>
+        <p:spPr>
+          <a:xfrm>
+            <a:off x="1729812" y="266482"/>
+            <a:ext cx="7445876" cy="585734"/>
+          </a:xfrm>
+        </p:spPr>
+        <p:txBody>
+          <a:bodyPr anchor="t">
+            <a:normAutofit fontScale="90000"/>
+          </a:bodyPr>
+          <a:lstStyle/>
+          <a:p>
+            <a:pPr algn="l"/>
+            <a:r>
+              <a:rPr lang="en-US" b="1" dirty="0">
+                <a:solidFill>
+                  <a:srgbClr val="0000FF"/>
+                </a:solidFill>
+                <a:latin typeface="Times New Roman" panose="02020603050405020304" pitchFamily="18" charset="0"/>
+                <a:cs typeface="Times New Roman" panose="02020603050405020304" pitchFamily="18" charset="0"/>
+              </a:rPr>
+              <a:t>Conference Resolution</a:t>
+            </a:r>
+            <a:br>
+              <a:rPr lang="en-US" b="1" dirty="0">
+                <a:solidFill>
+                  <a:srgbClr val="0000FF"/>
+                </a:solidFill>
+                <a:latin typeface="Times New Roman" panose="02020603050405020304" pitchFamily="18" charset="0"/>
+                <a:cs typeface="Times New Roman" panose="02020603050405020304" pitchFamily="18" charset="0"/>
+              </a:rPr>
+            </a:br>
+            <a:endParaRPr lang="en-US" b="1" dirty="0">
+              <a:solidFill>
+                <a:srgbClr val="0000FF"/>
+              </a:solidFill>
+              <a:latin typeface="Times New Roman" panose="02020603050405020304" pitchFamily="18" charset="0"/>
+              <a:cs typeface="Times New Roman" panose="02020603050405020304" pitchFamily="18" charset="0"/>
+            </a:endParaRPr>
+          </a:p>
+        </p:txBody>
+      </p:sp>
+      <p:pic>
+        <p:nvPicPr>
+          <p:cNvPr id="3" name="Picture 2">
+            <a:extLst>
+              <a:ext uri="{FF2B5EF4-FFF2-40B4-BE49-F238E27FC236}">
+                <a16:creationId xmlns:a16="http://schemas.microsoft.com/office/drawing/2014/main" id="{4E693A49-C170-4925-8358-570683F043D7}"/>
+              </a:ext>
+            </a:extLst>
+          </p:cNvPr>
+          <p:cNvPicPr>
+            <a:picLocks noChangeAspect="1"/>
+          </p:cNvPicPr>
+          <p:nvPr/>
+        </p:nvPicPr>
+        <p:blipFill>
+          <a:blip r:embed="rId2">
+            <a:extLst>
+              <a:ext uri="{28A0092B-C50C-407E-A947-70E740481C1C}">
+                <a14:useLocalDpi xmlns:a14="http://schemas.microsoft.com/office/drawing/2010/main" val="0"/>
+              </a:ext>
+            </a:extLst>
+          </a:blip>
+          <a:stretch>
+            <a:fillRect/>
+          </a:stretch>
+        </p:blipFill>
+        <p:spPr>
+          <a:xfrm>
+            <a:off x="1729812" y="1571975"/>
+            <a:ext cx="9785248" cy="2767427"/>
+          </a:xfrm>
+          <a:prstGeom prst="rect">
+            <a:avLst/>
+          </a:prstGeom>
+        </p:spPr>
+      </p:pic>
+      <p:pic>
+        <p:nvPicPr>
+          <p:cNvPr id="11" name="Picture 10">
+            <a:extLst>
+              <a:ext uri="{FF2B5EF4-FFF2-40B4-BE49-F238E27FC236}">
+                <a16:creationId xmlns:a16="http://schemas.microsoft.com/office/drawing/2014/main" id="{57EB4BCD-54A5-4BF4-83CA-D96C25DF4ED4}"/>
+              </a:ext>
+            </a:extLst>
+          </p:cNvPr>
+          <p:cNvPicPr>
+            <a:picLocks noChangeAspect="1"/>
+          </p:cNvPicPr>
+          <p:nvPr/>
+        </p:nvPicPr>
+        <p:blipFill>
+          <a:blip r:embed="rId3">
+            <a:extLst>
+              <a:ext uri="{28A0092B-C50C-407E-A947-70E740481C1C}">
+                <a14:useLocalDpi xmlns:a14="http://schemas.microsoft.com/office/drawing/2010/main" val="0"/>
+              </a:ext>
+            </a:extLst>
+          </a:blip>
+          <a:stretch>
+            <a:fillRect/>
+          </a:stretch>
+        </p:blipFill>
+        <p:spPr>
+          <a:xfrm>
+            <a:off x="1729812" y="5059162"/>
+            <a:ext cx="9785248" cy="979707"/>
+          </a:xfrm>
+          <a:prstGeom prst="rect">
+            <a:avLst/>
+          </a:prstGeom>
+        </p:spPr>
+      </p:pic>
+      <p:sp>
+        <p:nvSpPr>
+          <p:cNvPr id="14" name="Content Placeholder 2">
+            <a:extLst>
+              <a:ext uri="{FF2B5EF4-FFF2-40B4-BE49-F238E27FC236}">
+                <a16:creationId xmlns:a16="http://schemas.microsoft.com/office/drawing/2014/main" id="{F689812C-143B-47DA-B286-7011C6DF2746}"/>
+              </a:ext>
+            </a:extLst>
+          </p:cNvPr>
+          <p:cNvSpPr>
+            <a:spLocks noGrp="1"/>
+          </p:cNvSpPr>
+          <p:nvPr>
+            <p:ph idx="1"/>
+          </p:nvPr>
+        </p:nvSpPr>
+        <p:spPr>
+          <a:xfrm>
+            <a:off x="1729813" y="4478034"/>
+            <a:ext cx="1959686" cy="444840"/>
+          </a:xfrm>
+        </p:spPr>
+        <p:txBody>
+          <a:bodyPr anchor="t">
+            <a:noAutofit/>
+          </a:bodyPr>
+          <a:lstStyle/>
+          <a:p>
+            <a:r>
+              <a:rPr lang="en-US" dirty="0">
+                <a:latin typeface="Arial" panose="020B0604020202020204" pitchFamily="34" charset="0"/>
+                <a:cs typeface="Arial" panose="020B0604020202020204" pitchFamily="34" charset="0"/>
+              </a:rPr>
+              <a:t>Output</a:t>
+            </a:r>
+          </a:p>
+          <a:p>
+            <a:pPr marL="0" indent="0">
+              <a:buNone/>
+            </a:pPr>
+            <a:endParaRPr lang="en-US" dirty="0">
+              <a:latin typeface="Arial" panose="020B0604020202020204" pitchFamily="34" charset="0"/>
+              <a:cs typeface="Arial" panose="020B0604020202020204" pitchFamily="34" charset="0"/>
+            </a:endParaRPr>
+          </a:p>
+        </p:txBody>
+      </p:sp>
+      <p:sp>
+        <p:nvSpPr>
+          <p:cNvPr id="15" name="Content Placeholder 2">
+            <a:extLst>
+              <a:ext uri="{FF2B5EF4-FFF2-40B4-BE49-F238E27FC236}">
+                <a16:creationId xmlns:a16="http://schemas.microsoft.com/office/drawing/2014/main" id="{6348E6B1-60FD-413E-89DF-15EAE7417152}"/>
+              </a:ext>
+            </a:extLst>
+          </p:cNvPr>
+          <p:cNvSpPr txBox="1">
+            <a:spLocks/>
+          </p:cNvSpPr>
+          <p:nvPr/>
+        </p:nvSpPr>
+        <p:spPr>
+          <a:xfrm>
+            <a:off x="1729812" y="988504"/>
+            <a:ext cx="4819949" cy="444840"/>
+          </a:xfrm>
+          <a:prstGeom prst="rect">
+            <a:avLst/>
+          </a:prstGeom>
+        </p:spPr>
+        <p:txBody>
+          <a:bodyPr vert="horz" lIns="91440" tIns="45720" rIns="91440" bIns="45720" rtlCol="0" anchor="t">
+            <a:noAutofit/>
+          </a:bodyPr>
+          <a:lstStyle>
+            <a:lvl1pPr marL="285750" indent="-285750" algn="l" defTabSz="457200" rtl="0" eaLnBrk="1" latinLnBrk="0" hangingPunct="1">
+              <a:spcBef>
+                <a:spcPct val="20000"/>
+              </a:spcBef>
+              <a:spcAft>
+                <a:spcPts val="600"/>
+              </a:spcAft>
+              <a:buClr>
+                <a:schemeClr val="accent1">
+                  <a:lumMod val="75000"/>
+                </a:schemeClr>
+              </a:buClr>
+              <a:buSzPct val="145000"/>
+              <a:buFont typeface="Arial"/>
+              <a:buChar char="•"/>
+              <a:defRPr sz="2400" kern="1200" cap="none">
+                <a:solidFill>
+                  <a:schemeClr val="tx1"/>
+                </a:solidFill>
+                <a:effectLst/>
+                <a:latin typeface="+mn-lt"/>
+                <a:ea typeface="+mn-ea"/>
+                <a:cs typeface="+mn-cs"/>
+              </a:defRPr>
+            </a:lvl1pPr>
+            <a:lvl2pPr marL="742950" indent="-285750" algn="l" defTabSz="457200" rtl="0" eaLnBrk="1" latinLnBrk="0" hangingPunct="1">
+              <a:spcBef>
+                <a:spcPct val="20000"/>
+              </a:spcBef>
+              <a:spcAft>
+                <a:spcPts val="600"/>
+              </a:spcAft>
+              <a:buClr>
+                <a:schemeClr val="accent1">
+                  <a:lumMod val="75000"/>
+                </a:schemeClr>
+              </a:buClr>
+              <a:buSzPct val="145000"/>
+              <a:buFont typeface="Arial"/>
+              <a:buChar char="•"/>
+              <a:defRPr sz="2000" kern="1200" cap="none">
+                <a:solidFill>
+                  <a:schemeClr val="tx1"/>
+                </a:solidFill>
+                <a:effectLst/>
+                <a:latin typeface="+mn-lt"/>
+                <a:ea typeface="+mn-ea"/>
+                <a:cs typeface="+mn-cs"/>
+              </a:defRPr>
+            </a:lvl2pPr>
+            <a:lvl3pPr marL="1200150" indent="-285750" algn="l" defTabSz="457200" rtl="0" eaLnBrk="1" latinLnBrk="0" hangingPunct="1">
+              <a:spcBef>
+                <a:spcPct val="20000"/>
+              </a:spcBef>
+              <a:spcAft>
+                <a:spcPts val="600"/>
+              </a:spcAft>
+              <a:buClr>
+                <a:schemeClr val="accent1">
+                  <a:lumMod val="75000"/>
+                </a:schemeClr>
+              </a:buClr>
+              <a:buSzPct val="145000"/>
+              <a:buFont typeface="Arial"/>
+              <a:buChar char="•"/>
+              <a:defRPr sz="1800" kern="1200" cap="none">
+                <a:solidFill>
+                  <a:schemeClr val="tx1"/>
+                </a:solidFill>
+                <a:effectLst/>
+                <a:latin typeface="+mn-lt"/>
+                <a:ea typeface="+mn-ea"/>
+                <a:cs typeface="+mn-cs"/>
+              </a:defRPr>
+            </a:lvl3pPr>
+            <a:lvl4pPr marL="1543050" indent="-171450" algn="l" defTabSz="457200" rtl="0" eaLnBrk="1" latinLnBrk="0" hangingPunct="1">
+              <a:spcBef>
+                <a:spcPct val="20000"/>
+              </a:spcBef>
+              <a:spcAft>
+                <a:spcPts val="600"/>
+              </a:spcAft>
+              <a:buClr>
+                <a:schemeClr val="accent1">
+                  <a:lumMod val="75000"/>
+                </a:schemeClr>
+              </a:buClr>
+              <a:buSzPct val="145000"/>
+              <a:buFont typeface="Arial"/>
+              <a:buChar char="•"/>
+              <a:defRPr sz="1600" kern="1200" cap="none">
+                <a:solidFill>
+                  <a:schemeClr val="tx1"/>
+                </a:solidFill>
+                <a:effectLst/>
+                <a:latin typeface="+mn-lt"/>
+                <a:ea typeface="+mn-ea"/>
+                <a:cs typeface="+mn-cs"/>
+              </a:defRPr>
+            </a:lvl4pPr>
+            <a:lvl5pPr marL="2000250" indent="-171450" algn="l" defTabSz="457200" rtl="0" eaLnBrk="1" latinLnBrk="0" hangingPunct="1">
+              <a:spcBef>
+                <a:spcPct val="20000"/>
+              </a:spcBef>
+              <a:spcAft>
+                <a:spcPts val="600"/>
+              </a:spcAft>
+              <a:buClr>
+                <a:schemeClr val="accent1">
+                  <a:lumMod val="75000"/>
+                </a:schemeClr>
+              </a:buClr>
+              <a:buSzPct val="145000"/>
+              <a:buFont typeface="Arial"/>
+              <a:buChar char="•"/>
+              <a:defRPr sz="1400" kern="1200" cap="none">
+                <a:solidFill>
+                  <a:schemeClr val="tx1"/>
+                </a:solidFill>
+                <a:effectLst/>
+                <a:latin typeface="+mn-lt"/>
+                <a:ea typeface="+mn-ea"/>
+                <a:cs typeface="+mn-cs"/>
+              </a:defRPr>
+            </a:lvl5pPr>
+            <a:lvl6pPr marL="2514600" indent="-228600" algn="l" defTabSz="457200" rtl="0" eaLnBrk="1" latinLnBrk="0" hangingPunct="1">
+              <a:spcBef>
+                <a:spcPct val="20000"/>
+              </a:spcBef>
+              <a:spcAft>
+                <a:spcPts val="600"/>
+              </a:spcAft>
+              <a:buClr>
+                <a:schemeClr val="accent1">
+                  <a:lumMod val="75000"/>
+                </a:schemeClr>
+              </a:buClr>
+              <a:buSzPct val="145000"/>
+              <a:buFont typeface="Arial"/>
+              <a:buChar char="•"/>
+              <a:defRPr sz="1400" kern="1200" cap="none">
+                <a:solidFill>
+                  <a:schemeClr val="tx1"/>
+                </a:solidFill>
+                <a:effectLst/>
+                <a:latin typeface="+mn-lt"/>
+                <a:ea typeface="+mn-ea"/>
+                <a:cs typeface="+mn-cs"/>
+              </a:defRPr>
+            </a:lvl6pPr>
+            <a:lvl7pPr marL="2971800" indent="-228600" algn="l" defTabSz="457200" rtl="0" eaLnBrk="1" latinLnBrk="0" hangingPunct="1">
+              <a:spcBef>
+                <a:spcPct val="20000"/>
+              </a:spcBef>
+              <a:spcAft>
+                <a:spcPts val="600"/>
+              </a:spcAft>
+              <a:buClr>
+                <a:schemeClr val="accent1">
+                  <a:lumMod val="75000"/>
+                </a:schemeClr>
+              </a:buClr>
+              <a:buSzPct val="145000"/>
+              <a:buFont typeface="Arial"/>
+              <a:buChar char="•"/>
+              <a:defRPr sz="1400" kern="1200" cap="none">
+                <a:solidFill>
+                  <a:schemeClr val="tx1"/>
+                </a:solidFill>
+                <a:effectLst/>
+                <a:latin typeface="+mn-lt"/>
+                <a:ea typeface="+mn-ea"/>
+                <a:cs typeface="+mn-cs"/>
+              </a:defRPr>
+            </a:lvl7pPr>
+            <a:lvl8pPr marL="3429000" indent="-228600" algn="l" defTabSz="457200" rtl="0" eaLnBrk="1" latinLnBrk="0" hangingPunct="1">
+              <a:spcBef>
+                <a:spcPct val="20000"/>
+              </a:spcBef>
+              <a:spcAft>
+                <a:spcPts val="600"/>
+              </a:spcAft>
+              <a:buClr>
+                <a:schemeClr val="accent1">
+                  <a:lumMod val="75000"/>
+                </a:schemeClr>
+              </a:buClr>
+              <a:buSzPct val="145000"/>
+              <a:buFont typeface="Arial"/>
+              <a:buChar char="•"/>
+              <a:defRPr sz="1400" kern="1200" cap="none">
+                <a:solidFill>
+                  <a:schemeClr val="tx1"/>
+                </a:solidFill>
+                <a:effectLst/>
+                <a:latin typeface="+mn-lt"/>
+                <a:ea typeface="+mn-ea"/>
+                <a:cs typeface="+mn-cs"/>
+              </a:defRPr>
+            </a:lvl8pPr>
+            <a:lvl9pPr marL="3886200" indent="-228600" algn="l" defTabSz="457200" rtl="0" eaLnBrk="1" latinLnBrk="0" hangingPunct="1">
+              <a:spcBef>
+                <a:spcPct val="20000"/>
+              </a:spcBef>
+              <a:spcAft>
+                <a:spcPts val="600"/>
+              </a:spcAft>
+              <a:buClr>
+                <a:schemeClr val="accent1">
+                  <a:lumMod val="75000"/>
+                </a:schemeClr>
+              </a:buClr>
+              <a:buSzPct val="145000"/>
+              <a:buFont typeface="Arial"/>
+              <a:buChar char="•"/>
+              <a:defRPr sz="1400" kern="1200" cap="none">
+                <a:solidFill>
+                  <a:schemeClr val="tx1"/>
+                </a:solidFill>
+                <a:effectLst/>
+                <a:latin typeface="+mn-lt"/>
+                <a:ea typeface="+mn-ea"/>
+                <a:cs typeface="+mn-cs"/>
+              </a:defRPr>
+            </a:lvl9pPr>
+          </a:lstStyle>
+          <a:p>
+            <a:pPr marL="342900" indent="-342900">
+              <a:buFont typeface="Arial" panose="020B0604020202020204" pitchFamily="34" charset="0"/>
+              <a:buChar char="•"/>
+            </a:pPr>
+            <a:r>
+              <a:rPr lang="en-US" dirty="0" err="1">
+                <a:latin typeface="Arial" panose="020B0604020202020204" pitchFamily="34" charset="0"/>
+                <a:ea typeface="Calibri" panose="020F0502020204030204" pitchFamily="34" charset="0"/>
+                <a:cs typeface="Arial" panose="020B0604020202020204" pitchFamily="34" charset="0"/>
+              </a:rPr>
+              <a:t>Lấy</a:t>
+            </a:r>
+            <a:r>
+              <a:rPr lang="en-US" dirty="0">
+                <a:latin typeface="Arial" panose="020B0604020202020204" pitchFamily="34" charset="0"/>
+                <a:ea typeface="Calibri" panose="020F0502020204030204" pitchFamily="34" charset="0"/>
+                <a:cs typeface="Arial" panose="020B0604020202020204" pitchFamily="34" charset="0"/>
+              </a:rPr>
+              <a:t> </a:t>
+            </a:r>
+            <a:r>
+              <a:rPr lang="en-US" dirty="0" err="1">
+                <a:latin typeface="Arial" panose="020B0604020202020204" pitchFamily="34" charset="0"/>
+                <a:ea typeface="Calibri" panose="020F0502020204030204" pitchFamily="34" charset="0"/>
+                <a:cs typeface="Arial" panose="020B0604020202020204" pitchFamily="34" charset="0"/>
+              </a:rPr>
+              <a:t>các</a:t>
+            </a:r>
+            <a:r>
+              <a:rPr lang="en-US" dirty="0">
+                <a:latin typeface="Arial" panose="020B0604020202020204" pitchFamily="34" charset="0"/>
+                <a:ea typeface="Calibri" panose="020F0502020204030204" pitchFamily="34" charset="0"/>
+                <a:cs typeface="Arial" panose="020B0604020202020204" pitchFamily="34" charset="0"/>
+              </a:rPr>
+              <a:t> </a:t>
+            </a:r>
+            <a:r>
+              <a:rPr lang="en-US" dirty="0" err="1">
+                <a:latin typeface="Arial" panose="020B0604020202020204" pitchFamily="34" charset="0"/>
+                <a:ea typeface="Calibri" panose="020F0502020204030204" pitchFamily="34" charset="0"/>
+                <a:cs typeface="Arial" panose="020B0604020202020204" pitchFamily="34" charset="0"/>
+              </a:rPr>
+              <a:t>giá</a:t>
+            </a:r>
+            <a:r>
+              <a:rPr lang="en-US" dirty="0">
+                <a:latin typeface="Arial" panose="020B0604020202020204" pitchFamily="34" charset="0"/>
+                <a:ea typeface="Calibri" panose="020F0502020204030204" pitchFamily="34" charset="0"/>
+                <a:cs typeface="Arial" panose="020B0604020202020204" pitchFamily="34" charset="0"/>
+              </a:rPr>
+              <a:t> </a:t>
+            </a:r>
+            <a:r>
+              <a:rPr lang="en-US" dirty="0" err="1">
+                <a:latin typeface="Arial" panose="020B0604020202020204" pitchFamily="34" charset="0"/>
+                <a:ea typeface="Calibri" panose="020F0502020204030204" pitchFamily="34" charset="0"/>
+                <a:cs typeface="Arial" panose="020B0604020202020204" pitchFamily="34" charset="0"/>
+              </a:rPr>
+              <a:t>trị</a:t>
+            </a:r>
+            <a:r>
+              <a:rPr lang="en-US" dirty="0">
+                <a:latin typeface="Arial" panose="020B0604020202020204" pitchFamily="34" charset="0"/>
+                <a:ea typeface="Calibri" panose="020F0502020204030204" pitchFamily="34" charset="0"/>
+                <a:cs typeface="Arial" panose="020B0604020202020204" pitchFamily="34" charset="0"/>
+              </a:rPr>
+              <a:t> </a:t>
+            </a:r>
+            <a:r>
+              <a:rPr lang="en-US" dirty="0" err="1">
+                <a:latin typeface="Arial" panose="020B0604020202020204" pitchFamily="34" charset="0"/>
+                <a:ea typeface="Calibri" panose="020F0502020204030204" pitchFamily="34" charset="0"/>
+                <a:cs typeface="Arial" panose="020B0604020202020204" pitchFamily="34" charset="0"/>
+              </a:rPr>
+              <a:t>để</a:t>
+            </a:r>
+            <a:r>
+              <a:rPr lang="en-US" dirty="0">
+                <a:latin typeface="Arial" panose="020B0604020202020204" pitchFamily="34" charset="0"/>
+                <a:ea typeface="Calibri" panose="020F0502020204030204" pitchFamily="34" charset="0"/>
+                <a:cs typeface="Arial" panose="020B0604020202020204" pitchFamily="34" charset="0"/>
+              </a:rPr>
+              <a:t> in </a:t>
+            </a:r>
+            <a:r>
+              <a:rPr lang="en-US" dirty="0" err="1">
+                <a:latin typeface="Arial" panose="020B0604020202020204" pitchFamily="34" charset="0"/>
+                <a:ea typeface="Calibri" panose="020F0502020204030204" pitchFamily="34" charset="0"/>
+                <a:cs typeface="Arial" panose="020B0604020202020204" pitchFamily="34" charset="0"/>
+              </a:rPr>
+              <a:t>ra</a:t>
+            </a:r>
+            <a:r>
+              <a:rPr lang="en-US" dirty="0">
+                <a:latin typeface="Arial" panose="020B0604020202020204" pitchFamily="34" charset="0"/>
+                <a:ea typeface="Calibri" panose="020F0502020204030204" pitchFamily="34" charset="0"/>
+                <a:cs typeface="Arial" panose="020B0604020202020204" pitchFamily="34" charset="0"/>
+              </a:rPr>
+              <a:t> </a:t>
+            </a:r>
+            <a:r>
+              <a:rPr lang="en-US" dirty="0" err="1">
+                <a:latin typeface="Arial" panose="020B0604020202020204" pitchFamily="34" charset="0"/>
+                <a:ea typeface="Calibri" panose="020F0502020204030204" pitchFamily="34" charset="0"/>
+                <a:cs typeface="Arial" panose="020B0604020202020204" pitchFamily="34" charset="0"/>
+              </a:rPr>
+              <a:t>kết</a:t>
+            </a:r>
+            <a:r>
+              <a:rPr lang="en-US" dirty="0">
+                <a:latin typeface="Arial" panose="020B0604020202020204" pitchFamily="34" charset="0"/>
+                <a:ea typeface="Calibri" panose="020F0502020204030204" pitchFamily="34" charset="0"/>
+                <a:cs typeface="Arial" panose="020B0604020202020204" pitchFamily="34" charset="0"/>
+              </a:rPr>
+              <a:t> </a:t>
+            </a:r>
+            <a:r>
+              <a:rPr lang="en-US" dirty="0" err="1">
+                <a:latin typeface="Arial" panose="020B0604020202020204" pitchFamily="34" charset="0"/>
+                <a:ea typeface="Calibri" panose="020F0502020204030204" pitchFamily="34" charset="0"/>
+                <a:cs typeface="Arial" panose="020B0604020202020204" pitchFamily="34" charset="0"/>
+              </a:rPr>
+              <a:t>quả</a:t>
+            </a:r>
+            <a:endParaRPr lang="en-US" dirty="0">
+              <a:latin typeface="Arial" panose="020B0604020202020204" pitchFamily="34" charset="0"/>
+              <a:cs typeface="Arial" panose="020B0604020202020204" pitchFamily="34" charset="0"/>
+            </a:endParaRPr>
+          </a:p>
+          <a:p>
+            <a:pPr marL="0" indent="0">
+              <a:buFont typeface="Arial"/>
+              <a:buNone/>
+            </a:pPr>
+            <a:endParaRPr lang="en-US" dirty="0">
+              <a:latin typeface="Arial" panose="020B0604020202020204" pitchFamily="34" charset="0"/>
+              <a:cs typeface="Arial" panose="020B0604020202020204" pitchFamily="34" charset="0"/>
+            </a:endParaRPr>
+          </a:p>
+        </p:txBody>
+      </p:sp>
+    </p:spTree>
+    <p:extLst>
+      <p:ext uri="{BB962C8B-B14F-4D97-AF65-F5344CB8AC3E}">
+        <p14:creationId xmlns:p14="http://schemas.microsoft.com/office/powerpoint/2010/main" val="2694177153"/>
       </p:ext>
     </p:extLst>
   </p:cSld>

--- a/Seminar/Stanford_CoreNLP.pptx
+++ b/Seminar/Stanford_CoreNLP.pptx
@@ -5,7 +5,7 @@
     <p:sldMasterId id="2147483660" r:id="rId1"/>
   </p:sldMasterIdLst>
   <p:notesMasterIdLst>
-    <p:notesMasterId r:id="rId24"/>
+    <p:notesMasterId r:id="rId29"/>
   </p:notesMasterIdLst>
   <p:sldIdLst>
     <p:sldId id="256" r:id="rId2"/>
@@ -13,7 +13,7 @@
     <p:sldId id="257" r:id="rId4"/>
     <p:sldId id="263" r:id="rId5"/>
     <p:sldId id="261" r:id="rId6"/>
-    <p:sldId id="259" r:id="rId7"/>
+    <p:sldId id="282" r:id="rId7"/>
     <p:sldId id="258" r:id="rId8"/>
     <p:sldId id="268" r:id="rId9"/>
     <p:sldId id="273" r:id="rId10"/>
@@ -30,6 +30,11 @@
     <p:sldId id="279" r:id="rId21"/>
     <p:sldId id="280" r:id="rId22"/>
     <p:sldId id="281" r:id="rId23"/>
+    <p:sldId id="283" r:id="rId24"/>
+    <p:sldId id="284" r:id="rId25"/>
+    <p:sldId id="285" r:id="rId26"/>
+    <p:sldId id="286" r:id="rId27"/>
+    <p:sldId id="287" r:id="rId28"/>
   </p:sldIdLst>
   <p:sldSz cx="12192000" cy="6858000"/>
   <p:notesSz cx="6858000" cy="9144000"/>
@@ -137,10 +142,6 @@
     </p:ext>
   </p:extLst>
 </p:presentation>
-</file>
-
-<file path=ppt/revisionInfo.xml><?xml version="1.0" encoding="utf-8"?>
-<p1510:revInfo xmlns:a="http://schemas.openxmlformats.org/drawingml/2006/main" xmlns:r="http://schemas.openxmlformats.org/officeDocument/2006/relationships" xmlns:p1510="http://schemas.microsoft.com/office/powerpoint/2015/10/main"/>
 </file>
 
 <file path=ppt/diagrams/colors1.xml><?xml version="1.0" encoding="utf-8"?>
@@ -4107,6 +4108,90 @@
 </p:notes>
 </file>
 
+<file path=ppt/notesSlides/notesSlide9.xml><?xml version="1.0" encoding="utf-8"?>
+<p:notes xmlns:a="http://schemas.openxmlformats.org/drawingml/2006/main" xmlns:r="http://schemas.openxmlformats.org/officeDocument/2006/relationships" xmlns:p="http://schemas.openxmlformats.org/presentationml/2006/main">
+  <p:cSld>
+    <p:spTree>
+      <p:nvGrpSpPr>
+        <p:cNvPr id="1" name=""/>
+        <p:cNvGrpSpPr/>
+        <p:nvPr/>
+      </p:nvGrpSpPr>
+      <p:grpSpPr>
+        <a:xfrm>
+          <a:off x="0" y="0"/>
+          <a:ext cx="0" cy="0"/>
+          <a:chOff x="0" y="0"/>
+          <a:chExt cx="0" cy="0"/>
+        </a:xfrm>
+      </p:grpSpPr>
+      <p:sp>
+        <p:nvSpPr>
+          <p:cNvPr id="2" name="Slide Image Placeholder 1"/>
+          <p:cNvSpPr>
+            <a:spLocks noGrp="1" noRot="1" noChangeAspect="1"/>
+          </p:cNvSpPr>
+          <p:nvPr>
+            <p:ph type="sldImg"/>
+          </p:nvPr>
+        </p:nvSpPr>
+        <p:spPr/>
+      </p:sp>
+      <p:sp>
+        <p:nvSpPr>
+          <p:cNvPr id="3" name="Notes Placeholder 2"/>
+          <p:cNvSpPr>
+            <a:spLocks noGrp="1"/>
+          </p:cNvSpPr>
+          <p:nvPr>
+            <p:ph type="body" idx="1"/>
+          </p:nvPr>
+        </p:nvSpPr>
+        <p:spPr/>
+        <p:txBody>
+          <a:bodyPr/>
+          <a:lstStyle/>
+          <a:p>
+            <a:endParaRPr lang="en-US"/>
+          </a:p>
+        </p:txBody>
+      </p:sp>
+      <p:sp>
+        <p:nvSpPr>
+          <p:cNvPr id="4" name="Slide Number Placeholder 3"/>
+          <p:cNvSpPr>
+            <a:spLocks noGrp="1"/>
+          </p:cNvSpPr>
+          <p:nvPr>
+            <p:ph type="sldNum" sz="quarter" idx="10"/>
+          </p:nvPr>
+        </p:nvSpPr>
+        <p:spPr/>
+        <p:txBody>
+          <a:bodyPr/>
+          <a:lstStyle/>
+          <a:p>
+            <a:fld id="{78BBFBE1-F28B-4D2E-997C-B307AD86A0C8}" type="slidenum">
+              <a:rPr lang="en-US" smtClean="0"/>
+              <a:t>25</a:t>
+            </a:fld>
+            <a:endParaRPr lang="en-US"/>
+          </a:p>
+        </p:txBody>
+      </p:sp>
+    </p:spTree>
+    <p:extLst>
+      <p:ext uri="{BB962C8B-B14F-4D97-AF65-F5344CB8AC3E}">
+        <p14:creationId xmlns:p14="http://schemas.microsoft.com/office/powerpoint/2010/main" val="698861264"/>
+      </p:ext>
+    </p:extLst>
+  </p:cSld>
+  <p:clrMapOvr>
+    <a:masterClrMapping/>
+  </p:clrMapOvr>
+</p:notes>
+</file>
+
 <file path=ppt/slideLayouts/slideLayout1.xml><?xml version="1.0" encoding="utf-8"?>
 <p:sldLayout xmlns:a="http://schemas.openxmlformats.org/drawingml/2006/main" xmlns:r="http://schemas.openxmlformats.org/officeDocument/2006/relationships" xmlns:p="http://schemas.openxmlformats.org/presentationml/2006/main" showMasterSp="0" type="title" preserve="1">
   <p:cSld name="Title Slide">
@@ -19157,7 +19242,7 @@
         </p:spPr>
         <p:txBody>
           <a:bodyPr vert="horz" lIns="91440" tIns="45720" rIns="91440" bIns="45720" rtlCol="0" anchor="ctr">
-            <a:normAutofit fontScale="92500"/>
+            <a:normAutofit lnSpcReduction="10000"/>
           </a:bodyPr>
           <a:lstStyle>
             <a:lvl1pPr marL="285750" indent="-285750" algn="l" defTabSz="457200" rtl="0" eaLnBrk="1" latinLnBrk="0" hangingPunct="1">
@@ -19505,7 +19590,7 @@
         </p:spPr>
         <p:txBody>
           <a:bodyPr vert="horz" lIns="91440" tIns="45720" rIns="91440" bIns="45720" rtlCol="0" anchor="ctr">
-            <a:normAutofit fontScale="92500"/>
+            <a:normAutofit lnSpcReduction="10000"/>
           </a:bodyPr>
           <a:lstStyle>
             <a:lvl1pPr marL="285750" indent="-285750" algn="l" defTabSz="457200" rtl="0" eaLnBrk="1" latinLnBrk="0" hangingPunct="1">
@@ -21540,6 +21625,1097 @@
 </p:sld>
 </file>
 
+<file path=ppt/slides/slide23.xml><?xml version="1.0" encoding="utf-8"?>
+<p:sld xmlns:a="http://schemas.openxmlformats.org/drawingml/2006/main" xmlns:r="http://schemas.openxmlformats.org/officeDocument/2006/relationships" xmlns:p="http://schemas.openxmlformats.org/presentationml/2006/main">
+  <p:cSld>
+    <p:spTree>
+      <p:nvGrpSpPr>
+        <p:cNvPr id="1" name=""/>
+        <p:cNvGrpSpPr/>
+        <p:nvPr/>
+      </p:nvGrpSpPr>
+      <p:grpSpPr>
+        <a:xfrm>
+          <a:off x="0" y="0"/>
+          <a:ext cx="0" cy="0"/>
+          <a:chOff x="0" y="0"/>
+          <a:chExt cx="0" cy="0"/>
+        </a:xfrm>
+      </p:grpSpPr>
+      <p:sp>
+        <p:nvSpPr>
+          <p:cNvPr id="2" name="Title 1">
+            <a:extLst>
+              <a:ext uri="{FF2B5EF4-FFF2-40B4-BE49-F238E27FC236}">
+                <a16:creationId xmlns:a16="http://schemas.microsoft.com/office/drawing/2014/main" id="{922C7F22-C285-44BA-86CB-3A96AFB77B23}"/>
+              </a:ext>
+            </a:extLst>
+          </p:cNvPr>
+          <p:cNvSpPr>
+            <a:spLocks noGrp="1"/>
+          </p:cNvSpPr>
+          <p:nvPr>
+            <p:ph type="title"/>
+          </p:nvPr>
+        </p:nvSpPr>
+        <p:spPr>
+          <a:xfrm>
+            <a:off x="1484310" y="361335"/>
+            <a:ext cx="2920180" cy="862781"/>
+          </a:xfrm>
+        </p:spPr>
+        <p:txBody>
+          <a:bodyPr>
+            <a:normAutofit/>
+          </a:bodyPr>
+          <a:lstStyle/>
+          <a:p>
+            <a:r>
+              <a:rPr lang="en-US" b="1">
+                <a:solidFill>
+                  <a:srgbClr val="0000FF"/>
+                </a:solidFill>
+                <a:latin typeface="Times New Roman" panose="02020603050405020304" pitchFamily="18" charset="0"/>
+                <a:cs typeface="Times New Roman" panose="02020603050405020304" pitchFamily="18" charset="0"/>
+              </a:rPr>
+              <a:t>The Parser</a:t>
+            </a:r>
+          </a:p>
+        </p:txBody>
+      </p:sp>
+      <p:sp>
+        <p:nvSpPr>
+          <p:cNvPr id="3" name="Content Placeholder 2">
+            <a:extLst>
+              <a:ext uri="{FF2B5EF4-FFF2-40B4-BE49-F238E27FC236}">
+                <a16:creationId xmlns:a16="http://schemas.microsoft.com/office/drawing/2014/main" id="{94E56254-3B5D-48D0-AFA2-29BB3098CE10}"/>
+              </a:ext>
+            </a:extLst>
+          </p:cNvPr>
+          <p:cNvSpPr>
+            <a:spLocks noGrp="1"/>
+          </p:cNvSpPr>
+          <p:nvPr>
+            <p:ph idx="1"/>
+          </p:nvPr>
+        </p:nvSpPr>
+        <p:spPr>
+          <a:xfrm>
+            <a:off x="1602297" y="2106561"/>
+            <a:ext cx="10018713" cy="3124201"/>
+          </a:xfrm>
+        </p:spPr>
+        <p:txBody>
+          <a:bodyPr>
+            <a:normAutofit/>
+          </a:bodyPr>
+          <a:lstStyle/>
+          <a:p>
+            <a:pPr>
+              <a:spcAft>
+                <a:spcPts val="1800"/>
+              </a:spcAft>
+            </a:pPr>
+            <a:r>
+              <a:rPr lang="en-US" sz="2600">
+                <a:latin typeface="Times New Roman" panose="02020603050405020304" pitchFamily="18" charset="0"/>
+                <a:cs typeface="Times New Roman" panose="02020603050405020304" pitchFamily="18" charset="0"/>
+              </a:rPr>
+              <a:t>Phân tích cấu trúc của câu nh</a:t>
+            </a:r>
+            <a:r>
+              <a:rPr lang="vi-VN" sz="2600">
+                <a:latin typeface="Times New Roman" panose="02020603050405020304" pitchFamily="18" charset="0"/>
+                <a:cs typeface="Times New Roman" panose="02020603050405020304" pitchFamily="18" charset="0"/>
+              </a:rPr>
+              <a:t>ư</a:t>
+            </a:r>
+            <a:r>
+              <a:rPr lang="en-US" sz="2600">
+                <a:latin typeface="Times New Roman" panose="02020603050405020304" pitchFamily="18" charset="0"/>
+                <a:cs typeface="Times New Roman" panose="02020603050405020304" pitchFamily="18" charset="0"/>
+              </a:rPr>
+              <a:t> những từ nào đi cùng nhau, từ nào là chủ ngữ, từ nào là vị ngữ,… </a:t>
+            </a:r>
+          </a:p>
+          <a:p>
+            <a:pPr>
+              <a:spcAft>
+                <a:spcPts val="1800"/>
+              </a:spcAft>
+            </a:pPr>
+            <a:r>
+              <a:rPr lang="en-US" sz="2600">
+                <a:latin typeface="Times New Roman" panose="02020603050405020304" pitchFamily="18" charset="0"/>
+                <a:cs typeface="Times New Roman" panose="02020603050405020304" pitchFamily="18" charset="0"/>
+              </a:rPr>
+              <a:t>Có 2 loại parser:</a:t>
+            </a:r>
+          </a:p>
+          <a:p>
+            <a:pPr marL="914400" lvl="2" indent="0">
+              <a:spcAft>
+                <a:spcPts val="1800"/>
+              </a:spcAft>
+              <a:buNone/>
+            </a:pPr>
+            <a:r>
+              <a:rPr lang="en-US" sz="2600">
+                <a:latin typeface="Times New Roman" panose="02020603050405020304" pitchFamily="18" charset="0"/>
+                <a:cs typeface="Times New Roman" panose="02020603050405020304" pitchFamily="18" charset="0"/>
+              </a:rPr>
+              <a:t>1. 	C</a:t>
+            </a:r>
+            <a:r>
+              <a:rPr lang="vi-VN" sz="2600">
+                <a:latin typeface="Times New Roman" panose="02020603050405020304" pitchFamily="18" charset="0"/>
+                <a:cs typeface="Times New Roman" panose="02020603050405020304" pitchFamily="18" charset="0"/>
+              </a:rPr>
+              <a:t>onstituency </a:t>
+            </a:r>
+            <a:r>
+              <a:rPr lang="en-US" sz="2600">
+                <a:latin typeface="Times New Roman" panose="02020603050405020304" pitchFamily="18" charset="0"/>
+                <a:cs typeface="Times New Roman" panose="02020603050405020304" pitchFamily="18" charset="0"/>
+              </a:rPr>
+              <a:t>P</a:t>
+            </a:r>
+            <a:r>
+              <a:rPr lang="vi-VN" sz="2600">
+                <a:latin typeface="Times New Roman" panose="02020603050405020304" pitchFamily="18" charset="0"/>
+                <a:cs typeface="Times New Roman" panose="02020603050405020304" pitchFamily="18" charset="0"/>
+              </a:rPr>
+              <a:t>arse</a:t>
+            </a:r>
+            <a:endParaRPr lang="en-US" sz="2600">
+              <a:latin typeface="Times New Roman" panose="02020603050405020304" pitchFamily="18" charset="0"/>
+              <a:cs typeface="Times New Roman" panose="02020603050405020304" pitchFamily="18" charset="0"/>
+            </a:endParaRPr>
+          </a:p>
+          <a:p>
+            <a:pPr marL="909638" lvl="1" indent="0">
+              <a:spcAft>
+                <a:spcPts val="1800"/>
+              </a:spcAft>
+              <a:buNone/>
+            </a:pPr>
+            <a:r>
+              <a:rPr lang="en-US" sz="2600">
+                <a:latin typeface="Times New Roman" panose="02020603050405020304" pitchFamily="18" charset="0"/>
+                <a:cs typeface="Times New Roman" panose="02020603050405020304" pitchFamily="18" charset="0"/>
+              </a:rPr>
+              <a:t>2.	D</a:t>
+            </a:r>
+            <a:r>
+              <a:rPr lang="vi-VN" sz="2600">
+                <a:latin typeface="Times New Roman" panose="02020603050405020304" pitchFamily="18" charset="0"/>
+                <a:cs typeface="Times New Roman" panose="02020603050405020304" pitchFamily="18" charset="0"/>
+              </a:rPr>
+              <a:t>ependency </a:t>
+            </a:r>
+            <a:r>
+              <a:rPr lang="en-US" sz="2600">
+                <a:latin typeface="Times New Roman" panose="02020603050405020304" pitchFamily="18" charset="0"/>
+                <a:cs typeface="Times New Roman" panose="02020603050405020304" pitchFamily="18" charset="0"/>
+              </a:rPr>
+              <a:t>P</a:t>
+            </a:r>
+            <a:r>
+              <a:rPr lang="vi-VN" sz="2600">
+                <a:latin typeface="Times New Roman" panose="02020603050405020304" pitchFamily="18" charset="0"/>
+                <a:cs typeface="Times New Roman" panose="02020603050405020304" pitchFamily="18" charset="0"/>
+              </a:rPr>
+              <a:t>arse</a:t>
+            </a:r>
+            <a:endParaRPr lang="en-US" sz="2600">
+              <a:latin typeface="Times New Roman" panose="02020603050405020304" pitchFamily="18" charset="0"/>
+              <a:cs typeface="Times New Roman" panose="02020603050405020304" pitchFamily="18" charset="0"/>
+            </a:endParaRPr>
+          </a:p>
+        </p:txBody>
+      </p:sp>
+    </p:spTree>
+    <p:extLst>
+      <p:ext uri="{BB962C8B-B14F-4D97-AF65-F5344CB8AC3E}">
+        <p14:creationId xmlns:p14="http://schemas.microsoft.com/office/powerpoint/2010/main" val="3673919625"/>
+      </p:ext>
+    </p:extLst>
+  </p:cSld>
+  <p:clrMapOvr>
+    <a:masterClrMapping/>
+  </p:clrMapOvr>
+</p:sld>
+</file>
+
+<file path=ppt/slides/slide24.xml><?xml version="1.0" encoding="utf-8"?>
+<p:sld xmlns:a="http://schemas.openxmlformats.org/drawingml/2006/main" xmlns:r="http://schemas.openxmlformats.org/officeDocument/2006/relationships" xmlns:p="http://schemas.openxmlformats.org/presentationml/2006/main">
+  <p:cSld>
+    <p:spTree>
+      <p:nvGrpSpPr>
+        <p:cNvPr id="1" name=""/>
+        <p:cNvGrpSpPr/>
+        <p:nvPr/>
+      </p:nvGrpSpPr>
+      <p:grpSpPr>
+        <a:xfrm>
+          <a:off x="0" y="0"/>
+          <a:ext cx="0" cy="0"/>
+          <a:chOff x="0" y="0"/>
+          <a:chExt cx="0" cy="0"/>
+        </a:xfrm>
+      </p:grpSpPr>
+      <p:pic>
+        <p:nvPicPr>
+          <p:cNvPr id="4" name="Picture 3">
+            <a:extLst>
+              <a:ext uri="{FF2B5EF4-FFF2-40B4-BE49-F238E27FC236}">
+                <a16:creationId xmlns:a16="http://schemas.microsoft.com/office/drawing/2014/main" id="{B759218E-A635-433B-B71D-157249449D93}"/>
+              </a:ext>
+            </a:extLst>
+          </p:cNvPr>
+          <p:cNvPicPr/>
+          <p:nvPr/>
+        </p:nvPicPr>
+        <p:blipFill>
+          <a:blip r:embed="rId2"/>
+          <a:stretch>
+            <a:fillRect/>
+          </a:stretch>
+        </p:blipFill>
+        <p:spPr>
+          <a:xfrm>
+            <a:off x="7168308" y="1235916"/>
+            <a:ext cx="4596221" cy="4117749"/>
+          </a:xfrm>
+          <a:prstGeom prst="rect">
+            <a:avLst/>
+          </a:prstGeom>
+        </p:spPr>
+      </p:pic>
+      <p:sp>
+        <p:nvSpPr>
+          <p:cNvPr id="2" name="Title 1">
+            <a:extLst>
+              <a:ext uri="{FF2B5EF4-FFF2-40B4-BE49-F238E27FC236}">
+                <a16:creationId xmlns:a16="http://schemas.microsoft.com/office/drawing/2014/main" id="{11CFEAA0-FD65-467A-908A-1D9B480CAC39}"/>
+              </a:ext>
+            </a:extLst>
+          </p:cNvPr>
+          <p:cNvSpPr>
+            <a:spLocks noGrp="1"/>
+          </p:cNvSpPr>
+          <p:nvPr>
+            <p:ph type="title"/>
+          </p:nvPr>
+        </p:nvSpPr>
+        <p:spPr>
+          <a:xfrm>
+            <a:off x="1751591" y="455180"/>
+            <a:ext cx="4037984" cy="640759"/>
+          </a:xfrm>
+        </p:spPr>
+        <p:txBody>
+          <a:bodyPr vert="horz" lIns="91440" tIns="45720" rIns="91440" bIns="45720" rtlCol="0" anchor="b">
+            <a:normAutofit fontScale="90000"/>
+          </a:bodyPr>
+          <a:lstStyle/>
+          <a:p>
+            <a:pPr algn="r"/>
+            <a:r>
+              <a:rPr lang="en-US" b="1">
+                <a:solidFill>
+                  <a:srgbClr val="0000FF"/>
+                </a:solidFill>
+                <a:latin typeface="Times New Roman" panose="02020603050405020304" pitchFamily="18" charset="0"/>
+                <a:cs typeface="Times New Roman" panose="02020603050405020304" pitchFamily="18" charset="0"/>
+              </a:rPr>
+              <a:t>Constituency Parse</a:t>
+            </a:r>
+          </a:p>
+        </p:txBody>
+      </p:sp>
+      <p:sp>
+        <p:nvSpPr>
+          <p:cNvPr id="3" name="Content Placeholder 2">
+            <a:extLst>
+              <a:ext uri="{FF2B5EF4-FFF2-40B4-BE49-F238E27FC236}">
+                <a16:creationId xmlns:a16="http://schemas.microsoft.com/office/drawing/2014/main" id="{B2A15174-E921-43A0-9EFE-5FF1CABA6A2B}"/>
+              </a:ext>
+            </a:extLst>
+          </p:cNvPr>
+          <p:cNvSpPr>
+            <a:spLocks noGrp="1"/>
+          </p:cNvSpPr>
+          <p:nvPr>
+            <p:ph idx="1"/>
+          </p:nvPr>
+        </p:nvSpPr>
+        <p:spPr>
+          <a:xfrm>
+            <a:off x="1584968" y="2515805"/>
+            <a:ext cx="4913364" cy="1826389"/>
+          </a:xfrm>
+        </p:spPr>
+        <p:txBody>
+          <a:bodyPr vert="horz" lIns="91440" tIns="45720" rIns="91440" bIns="45720" rtlCol="0" anchor="t">
+            <a:noAutofit/>
+          </a:bodyPr>
+          <a:lstStyle/>
+          <a:p>
+            <a:pPr marL="0" indent="0">
+              <a:buNone/>
+            </a:pPr>
+            <a:r>
+              <a:rPr lang="en-US" sz="2600">
+                <a:latin typeface="Times New Roman" panose="02020603050405020304" pitchFamily="18" charset="0"/>
+                <a:cs typeface="Times New Roman" panose="02020603050405020304" pitchFamily="18" charset="0"/>
+              </a:rPr>
+              <a:t>Tách câu thành từng phần (cụm từ) sau đó tiếp tục tách thành từng phần nhỏ hơn.</a:t>
+            </a:r>
+          </a:p>
+        </p:txBody>
+      </p:sp>
+    </p:spTree>
+    <p:extLst>
+      <p:ext uri="{BB962C8B-B14F-4D97-AF65-F5344CB8AC3E}">
+        <p14:creationId xmlns:p14="http://schemas.microsoft.com/office/powerpoint/2010/main" val="3026246626"/>
+      </p:ext>
+    </p:extLst>
+  </p:cSld>
+  <p:clrMapOvr>
+    <a:masterClrMapping/>
+  </p:clrMapOvr>
+</p:sld>
+</file>
+
+<file path=ppt/slides/slide25.xml><?xml version="1.0" encoding="utf-8"?>
+<p:sld xmlns:a="http://schemas.openxmlformats.org/drawingml/2006/main" xmlns:r="http://schemas.openxmlformats.org/officeDocument/2006/relationships" xmlns:p="http://schemas.openxmlformats.org/presentationml/2006/main">
+  <p:cSld>
+    <p:spTree>
+      <p:nvGrpSpPr>
+        <p:cNvPr id="1" name=""/>
+        <p:cNvGrpSpPr/>
+        <p:nvPr/>
+      </p:nvGrpSpPr>
+      <p:grpSpPr>
+        <a:xfrm>
+          <a:off x="0" y="0"/>
+          <a:ext cx="0" cy="0"/>
+          <a:chOff x="0" y="0"/>
+          <a:chExt cx="0" cy="0"/>
+        </a:xfrm>
+      </p:grpSpPr>
+      <p:sp>
+        <p:nvSpPr>
+          <p:cNvPr id="2" name="Title 1">
+            <a:extLst>
+              <a:ext uri="{FF2B5EF4-FFF2-40B4-BE49-F238E27FC236}">
+                <a16:creationId xmlns:a16="http://schemas.microsoft.com/office/drawing/2014/main" id="{6BB17E34-0395-432B-8A49-ED2D42FFBCB7}"/>
+              </a:ext>
+            </a:extLst>
+          </p:cNvPr>
+          <p:cNvSpPr>
+            <a:spLocks noGrp="1"/>
+          </p:cNvSpPr>
+          <p:nvPr>
+            <p:ph type="title"/>
+          </p:nvPr>
+        </p:nvSpPr>
+        <p:spPr>
+          <a:xfrm>
+            <a:off x="1351574" y="429162"/>
+            <a:ext cx="1834078" cy="877529"/>
+          </a:xfrm>
+        </p:spPr>
+        <p:txBody>
+          <a:bodyPr>
+            <a:normAutofit/>
+          </a:bodyPr>
+          <a:lstStyle/>
+          <a:p>
+            <a:r>
+              <a:rPr lang="en-US" b="1">
+                <a:solidFill>
+                  <a:srgbClr val="0000FF"/>
+                </a:solidFill>
+                <a:latin typeface="Times New Roman" panose="02020603050405020304" pitchFamily="18" charset="0"/>
+                <a:cs typeface="Times New Roman" panose="02020603050405020304" pitchFamily="18" charset="0"/>
+              </a:rPr>
+              <a:t>Ví dụ</a:t>
+            </a:r>
+          </a:p>
+        </p:txBody>
+      </p:sp>
+      <p:sp>
+        <p:nvSpPr>
+          <p:cNvPr id="3" name="Content Placeholder 2">
+            <a:extLst>
+              <a:ext uri="{FF2B5EF4-FFF2-40B4-BE49-F238E27FC236}">
+                <a16:creationId xmlns:a16="http://schemas.microsoft.com/office/drawing/2014/main" id="{61369707-3410-42ED-9E72-D16FA03D07D4}"/>
+              </a:ext>
+            </a:extLst>
+          </p:cNvPr>
+          <p:cNvSpPr>
+            <a:spLocks noGrp="1"/>
+          </p:cNvSpPr>
+          <p:nvPr>
+            <p:ph idx="1"/>
+          </p:nvPr>
+        </p:nvSpPr>
+        <p:spPr>
+          <a:xfrm>
+            <a:off x="1351574" y="1607575"/>
+            <a:ext cx="5329446" cy="1542202"/>
+          </a:xfrm>
+        </p:spPr>
+        <p:txBody>
+          <a:bodyPr>
+            <a:noAutofit/>
+          </a:bodyPr>
+          <a:lstStyle/>
+          <a:p>
+            <a:pPr marL="0" indent="0">
+              <a:buNone/>
+            </a:pPr>
+            <a:r>
+              <a:rPr lang="en-US" sz="2600" b="1">
+                <a:latin typeface="Times New Roman" panose="02020603050405020304" pitchFamily="18" charset="0"/>
+                <a:cs typeface="Times New Roman" panose="02020603050405020304" pitchFamily="18" charset="0"/>
+              </a:rPr>
+              <a:t>Input:</a:t>
+            </a:r>
+          </a:p>
+          <a:p>
+            <a:pPr marL="0" indent="0">
+              <a:buNone/>
+            </a:pPr>
+            <a:r>
+              <a:rPr lang="en-US" sz="2600">
+                <a:latin typeface="Times New Roman" panose="02020603050405020304" pitchFamily="18" charset="0"/>
+                <a:cs typeface="Times New Roman" panose="02020603050405020304" pitchFamily="18" charset="0"/>
+              </a:rPr>
+              <a:t>“This is an example of dependency grammar”</a:t>
+            </a:r>
+          </a:p>
+        </p:txBody>
+      </p:sp>
+      <p:pic>
+        <p:nvPicPr>
+          <p:cNvPr id="4" name="Picture 3">
+            <a:extLst>
+              <a:ext uri="{FF2B5EF4-FFF2-40B4-BE49-F238E27FC236}">
+                <a16:creationId xmlns:a16="http://schemas.microsoft.com/office/drawing/2014/main" id="{EEF02EBA-4598-4F29-A57F-246FEC1A900A}"/>
+              </a:ext>
+            </a:extLst>
+          </p:cNvPr>
+          <p:cNvPicPr/>
+          <p:nvPr/>
+        </p:nvPicPr>
+        <p:blipFill>
+          <a:blip r:embed="rId3">
+            <a:extLst>
+              <a:ext uri="{28A0092B-C50C-407E-A947-70E740481C1C}">
+                <a14:useLocalDpi xmlns:a14="http://schemas.microsoft.com/office/drawing/2010/main" val="0"/>
+              </a:ext>
+            </a:extLst>
+          </a:blip>
+          <a:stretch>
+            <a:fillRect/>
+          </a:stretch>
+        </p:blipFill>
+        <p:spPr>
+          <a:xfrm>
+            <a:off x="6448596" y="1272010"/>
+            <a:ext cx="5597869" cy="2016880"/>
+          </a:xfrm>
+          <a:prstGeom prst="rect">
+            <a:avLst/>
+          </a:prstGeom>
+        </p:spPr>
+      </p:pic>
+      <p:sp>
+        <p:nvSpPr>
+          <p:cNvPr id="5" name="TextBox 4">
+            <a:extLst>
+              <a:ext uri="{FF2B5EF4-FFF2-40B4-BE49-F238E27FC236}">
+                <a16:creationId xmlns:a16="http://schemas.microsoft.com/office/drawing/2014/main" id="{FC15F14F-7B50-4E4C-89D4-BFC0A467C3ED}"/>
+              </a:ext>
+            </a:extLst>
+          </p:cNvPr>
+          <p:cNvSpPr txBox="1"/>
+          <p:nvPr/>
+        </p:nvSpPr>
+        <p:spPr>
+          <a:xfrm>
+            <a:off x="1356310" y="3737722"/>
+            <a:ext cx="10061039" cy="2492990"/>
+          </a:xfrm>
+          <a:prstGeom prst="rect">
+            <a:avLst/>
+          </a:prstGeom>
+          <a:noFill/>
+        </p:spPr>
+        <p:txBody>
+          <a:bodyPr wrap="square" rtlCol="0">
+            <a:spAutoFit/>
+          </a:bodyPr>
+          <a:lstStyle/>
+          <a:p>
+            <a:r>
+              <a:rPr lang="en-US" sz="2600" b="1">
+                <a:latin typeface="Times New Roman" panose="02020603050405020304" pitchFamily="18" charset="0"/>
+                <a:cs typeface="Times New Roman" panose="02020603050405020304" pitchFamily="18" charset="0"/>
+              </a:rPr>
+              <a:t>Output: </a:t>
+            </a:r>
+          </a:p>
+          <a:p>
+            <a:r>
+              <a:rPr lang="en-US" sz="2600">
+                <a:latin typeface="Times New Roman" panose="02020603050405020304" pitchFamily="18" charset="0"/>
+                <a:cs typeface="Times New Roman" panose="02020603050405020304" pitchFamily="18" charset="0"/>
+              </a:rPr>
+              <a:t>	- S là “sentence”, nút gốc của cây</a:t>
+            </a:r>
+          </a:p>
+          <a:p>
+            <a:r>
+              <a:rPr lang="en-US" sz="2600">
+                <a:latin typeface="Times New Roman" panose="02020603050405020304" pitchFamily="18" charset="0"/>
+                <a:cs typeface="Times New Roman" panose="02020603050405020304" pitchFamily="18" charset="0"/>
+              </a:rPr>
+              <a:t>	- Các từ “NP”, “VP”, “PP” chỉ loại của cụm từ, trong đó “NP” là cụm 	  danh từ, “VP” là cụm động từ, “PP” là cụm giới từ</a:t>
+            </a:r>
+          </a:p>
+          <a:p>
+            <a:r>
+              <a:rPr lang="en-US" sz="2600">
+                <a:latin typeface="Times New Roman" panose="02020603050405020304" pitchFamily="18" charset="0"/>
+                <a:cs typeface="Times New Roman" panose="02020603050405020304" pitchFamily="18" charset="0"/>
+              </a:rPr>
+              <a:t>	- Các từ “DT”, VBZ”, “IN”, “JJ”, “NN” là nhãn của từ trong Penn 		  TreeBank</a:t>
+            </a:r>
+          </a:p>
+        </p:txBody>
+      </p:sp>
+    </p:spTree>
+    <p:extLst>
+      <p:ext uri="{BB962C8B-B14F-4D97-AF65-F5344CB8AC3E}">
+        <p14:creationId xmlns:p14="http://schemas.microsoft.com/office/powerpoint/2010/main" val="2732727971"/>
+      </p:ext>
+    </p:extLst>
+  </p:cSld>
+  <p:clrMapOvr>
+    <a:masterClrMapping/>
+  </p:clrMapOvr>
+</p:sld>
+</file>
+
+<file path=ppt/slides/slide26.xml><?xml version="1.0" encoding="utf-8"?>
+<p:sld xmlns:a="http://schemas.openxmlformats.org/drawingml/2006/main" xmlns:r="http://schemas.openxmlformats.org/officeDocument/2006/relationships" xmlns:p="http://schemas.openxmlformats.org/presentationml/2006/main">
+  <p:cSld>
+    <p:spTree>
+      <p:nvGrpSpPr>
+        <p:cNvPr id="1" name=""/>
+        <p:cNvGrpSpPr/>
+        <p:nvPr/>
+      </p:nvGrpSpPr>
+      <p:grpSpPr>
+        <a:xfrm>
+          <a:off x="0" y="0"/>
+          <a:ext cx="0" cy="0"/>
+          <a:chOff x="0" y="0"/>
+          <a:chExt cx="0" cy="0"/>
+        </a:xfrm>
+      </p:grpSpPr>
+      <p:sp>
+        <p:nvSpPr>
+          <p:cNvPr id="2" name="Title 1">
+            <a:extLst>
+              <a:ext uri="{FF2B5EF4-FFF2-40B4-BE49-F238E27FC236}">
+                <a16:creationId xmlns:a16="http://schemas.microsoft.com/office/drawing/2014/main" id="{946C940A-EECC-4E71-B937-72798D5C63C0}"/>
+              </a:ext>
+            </a:extLst>
+          </p:cNvPr>
+          <p:cNvSpPr>
+            <a:spLocks noGrp="1"/>
+          </p:cNvSpPr>
+          <p:nvPr>
+            <p:ph type="title"/>
+          </p:nvPr>
+        </p:nvSpPr>
+        <p:spPr>
+          <a:xfrm>
+            <a:off x="1381947" y="230454"/>
+            <a:ext cx="4660491" cy="1020098"/>
+          </a:xfrm>
+        </p:spPr>
+        <p:txBody>
+          <a:bodyPr/>
+          <a:lstStyle/>
+          <a:p>
+            <a:r>
+              <a:rPr lang="en-US" b="1">
+                <a:solidFill>
+                  <a:srgbClr val="0000FF"/>
+                </a:solidFill>
+                <a:latin typeface="Times New Roman" panose="02020603050405020304" pitchFamily="18" charset="0"/>
+                <a:cs typeface="Times New Roman" panose="02020603050405020304" pitchFamily="18" charset="0"/>
+              </a:rPr>
+              <a:t>D</a:t>
+            </a:r>
+            <a:r>
+              <a:rPr lang="vi-VN" b="1">
+                <a:solidFill>
+                  <a:srgbClr val="0000FF"/>
+                </a:solidFill>
+                <a:latin typeface="Times New Roman" panose="02020603050405020304" pitchFamily="18" charset="0"/>
+                <a:cs typeface="Times New Roman" panose="02020603050405020304" pitchFamily="18" charset="0"/>
+              </a:rPr>
+              <a:t>ependency </a:t>
+            </a:r>
+            <a:r>
+              <a:rPr lang="en-US" b="1">
+                <a:solidFill>
+                  <a:srgbClr val="0000FF"/>
+                </a:solidFill>
+                <a:latin typeface="Times New Roman" panose="02020603050405020304" pitchFamily="18" charset="0"/>
+                <a:cs typeface="Times New Roman" panose="02020603050405020304" pitchFamily="18" charset="0"/>
+              </a:rPr>
+              <a:t>P</a:t>
+            </a:r>
+            <a:r>
+              <a:rPr lang="vi-VN" b="1">
+                <a:solidFill>
+                  <a:srgbClr val="0000FF"/>
+                </a:solidFill>
+                <a:latin typeface="Times New Roman" panose="02020603050405020304" pitchFamily="18" charset="0"/>
+                <a:cs typeface="Times New Roman" panose="02020603050405020304" pitchFamily="18" charset="0"/>
+              </a:rPr>
+              <a:t>arse</a:t>
+            </a:r>
+            <a:endParaRPr lang="en-US" b="1">
+              <a:solidFill>
+                <a:srgbClr val="0000FF"/>
+              </a:solidFill>
+              <a:latin typeface="Times New Roman" panose="02020603050405020304" pitchFamily="18" charset="0"/>
+              <a:cs typeface="Times New Roman" panose="02020603050405020304" pitchFamily="18" charset="0"/>
+            </a:endParaRPr>
+          </a:p>
+        </p:txBody>
+      </p:sp>
+      <p:sp>
+        <p:nvSpPr>
+          <p:cNvPr id="3" name="Content Placeholder 2">
+            <a:extLst>
+              <a:ext uri="{FF2B5EF4-FFF2-40B4-BE49-F238E27FC236}">
+                <a16:creationId xmlns:a16="http://schemas.microsoft.com/office/drawing/2014/main" id="{8EFF4B83-A453-45FF-98DF-A8540DA65EFB}"/>
+              </a:ext>
+            </a:extLst>
+          </p:cNvPr>
+          <p:cNvSpPr>
+            <a:spLocks noGrp="1"/>
+          </p:cNvSpPr>
+          <p:nvPr>
+            <p:ph idx="1"/>
+          </p:nvPr>
+        </p:nvSpPr>
+        <p:spPr>
+          <a:xfrm>
+            <a:off x="1786305" y="1433448"/>
+            <a:ext cx="5314695" cy="646331"/>
+          </a:xfrm>
+        </p:spPr>
+        <p:txBody>
+          <a:bodyPr>
+            <a:normAutofit/>
+          </a:bodyPr>
+          <a:lstStyle/>
+          <a:p>
+            <a:pPr marL="0" indent="0">
+              <a:buNone/>
+            </a:pPr>
+            <a:r>
+              <a:rPr lang="en-US" sz="2600">
+                <a:latin typeface="Times New Roman" panose="02020603050405020304" pitchFamily="18" charset="0"/>
+                <a:cs typeface="Times New Roman" panose="02020603050405020304" pitchFamily="18" charset="0"/>
+              </a:rPr>
+              <a:t>Vẽ đ</a:t>
+            </a:r>
+            <a:r>
+              <a:rPr lang="vi-VN" sz="2600">
+                <a:latin typeface="Times New Roman" panose="02020603050405020304" pitchFamily="18" charset="0"/>
+                <a:cs typeface="Times New Roman" panose="02020603050405020304" pitchFamily="18" charset="0"/>
+              </a:rPr>
+              <a:t>ư</a:t>
+            </a:r>
+            <a:r>
+              <a:rPr lang="en-US" sz="2600">
+                <a:latin typeface="Times New Roman" panose="02020603050405020304" pitchFamily="18" charset="0"/>
+                <a:cs typeface="Times New Roman" panose="02020603050405020304" pitchFamily="18" charset="0"/>
+              </a:rPr>
+              <a:t>ờng liên hệ giữa các từ</a:t>
+            </a:r>
+          </a:p>
+        </p:txBody>
+      </p:sp>
+      <p:pic>
+        <p:nvPicPr>
+          <p:cNvPr id="5" name="Picture 4">
+            <a:extLst>
+              <a:ext uri="{FF2B5EF4-FFF2-40B4-BE49-F238E27FC236}">
+                <a16:creationId xmlns:a16="http://schemas.microsoft.com/office/drawing/2014/main" id="{867AA35C-1B43-4B0F-A5DA-EFFFB4C2183F}"/>
+              </a:ext>
+            </a:extLst>
+          </p:cNvPr>
+          <p:cNvPicPr>
+            <a:picLocks noChangeAspect="1"/>
+          </p:cNvPicPr>
+          <p:nvPr/>
+        </p:nvPicPr>
+        <p:blipFill>
+          <a:blip r:embed="rId2"/>
+          <a:stretch>
+            <a:fillRect/>
+          </a:stretch>
+        </p:blipFill>
+        <p:spPr>
+          <a:xfrm>
+            <a:off x="2954878" y="2410159"/>
+            <a:ext cx="7299449" cy="1526457"/>
+          </a:xfrm>
+          <a:prstGeom prst="rect">
+            <a:avLst/>
+          </a:prstGeom>
+        </p:spPr>
+      </p:pic>
+      <p:sp>
+        <p:nvSpPr>
+          <p:cNvPr id="6" name="TextBox 5">
+            <a:extLst>
+              <a:ext uri="{FF2B5EF4-FFF2-40B4-BE49-F238E27FC236}">
+                <a16:creationId xmlns:a16="http://schemas.microsoft.com/office/drawing/2014/main" id="{D64297A2-3015-4C30-881E-C8ACA8A9C596}"/>
+              </a:ext>
+            </a:extLst>
+          </p:cNvPr>
+          <p:cNvSpPr txBox="1"/>
+          <p:nvPr/>
+        </p:nvSpPr>
+        <p:spPr>
+          <a:xfrm>
+            <a:off x="1165124" y="4589506"/>
+            <a:ext cx="11356258" cy="1061829"/>
+          </a:xfrm>
+          <a:prstGeom prst="rect">
+            <a:avLst/>
+          </a:prstGeom>
+          <a:noFill/>
+        </p:spPr>
+        <p:txBody>
+          <a:bodyPr wrap="square" rtlCol="0">
+            <a:spAutoFit/>
+          </a:bodyPr>
+          <a:lstStyle/>
+          <a:p>
+            <a:pPr>
+              <a:spcAft>
+                <a:spcPts val="1800"/>
+              </a:spcAft>
+            </a:pPr>
+            <a:r>
+              <a:rPr lang="en-US" sz="2400">
+                <a:latin typeface="Times New Roman" panose="02020603050405020304" pitchFamily="18" charset="0"/>
+                <a:cs typeface="Times New Roman" panose="02020603050405020304" pitchFamily="18" charset="0"/>
+              </a:rPr>
+              <a:t>Mũi tên chỉ từ “example” đến “this” nghĩa là từ “this” làm ảnh h</a:t>
+            </a:r>
+            <a:r>
+              <a:rPr lang="vi-VN" sz="2400">
+                <a:latin typeface="Times New Roman" panose="02020603050405020304" pitchFamily="18" charset="0"/>
+                <a:cs typeface="Times New Roman" panose="02020603050405020304" pitchFamily="18" charset="0"/>
+              </a:rPr>
+              <a:t>ư</a:t>
+            </a:r>
+            <a:r>
+              <a:rPr lang="en-US" sz="2400">
+                <a:latin typeface="Times New Roman" panose="02020603050405020304" pitchFamily="18" charset="0"/>
+                <a:cs typeface="Times New Roman" panose="02020603050405020304" pitchFamily="18" charset="0"/>
+              </a:rPr>
+              <a:t>ởng đến từ “axample”. </a:t>
+            </a:r>
+          </a:p>
+          <a:p>
+            <a:pPr>
+              <a:spcAft>
+                <a:spcPts val="1800"/>
+              </a:spcAft>
+            </a:pPr>
+            <a:r>
+              <a:rPr lang="en-US" sz="2400">
+                <a:latin typeface="Times New Roman" panose="02020603050405020304" pitchFamily="18" charset="0"/>
+                <a:cs typeface="Times New Roman" panose="02020603050405020304" pitchFamily="18" charset="0"/>
+              </a:rPr>
+              <a:t>“nsubj” chỉ loại mối liên hệ giữa từ “example” và “this”</a:t>
+            </a:r>
+          </a:p>
+        </p:txBody>
+      </p:sp>
+    </p:spTree>
+    <p:extLst>
+      <p:ext uri="{BB962C8B-B14F-4D97-AF65-F5344CB8AC3E}">
+        <p14:creationId xmlns:p14="http://schemas.microsoft.com/office/powerpoint/2010/main" val="1196714314"/>
+      </p:ext>
+    </p:extLst>
+  </p:cSld>
+  <p:clrMapOvr>
+    <a:masterClrMapping/>
+  </p:clrMapOvr>
+</p:sld>
+</file>
+
+<file path=ppt/slides/slide27.xml><?xml version="1.0" encoding="utf-8"?>
+<p:sld xmlns:a="http://schemas.openxmlformats.org/drawingml/2006/main" xmlns:r="http://schemas.openxmlformats.org/officeDocument/2006/relationships" xmlns:p="http://schemas.openxmlformats.org/presentationml/2006/main">
+  <p:cSld>
+    <p:spTree>
+      <p:nvGrpSpPr>
+        <p:cNvPr id="1" name=""/>
+        <p:cNvGrpSpPr/>
+        <p:nvPr/>
+      </p:nvGrpSpPr>
+      <p:grpSpPr>
+        <a:xfrm>
+          <a:off x="0" y="0"/>
+          <a:ext cx="0" cy="0"/>
+          <a:chOff x="0" y="0"/>
+          <a:chExt cx="0" cy="0"/>
+        </a:xfrm>
+      </p:grpSpPr>
+      <p:sp>
+        <p:nvSpPr>
+          <p:cNvPr id="2" name="Title 1">
+            <a:extLst>
+              <a:ext uri="{FF2B5EF4-FFF2-40B4-BE49-F238E27FC236}">
+                <a16:creationId xmlns:a16="http://schemas.microsoft.com/office/drawing/2014/main" id="{9987F1D9-F897-4BF6-A4A9-65B472BF70C2}"/>
+              </a:ext>
+            </a:extLst>
+          </p:cNvPr>
+          <p:cNvSpPr>
+            <a:spLocks noGrp="1"/>
+          </p:cNvSpPr>
+          <p:nvPr>
+            <p:ph type="title"/>
+          </p:nvPr>
+        </p:nvSpPr>
+        <p:spPr>
+          <a:xfrm>
+            <a:off x="1499059" y="357802"/>
+            <a:ext cx="1622324" cy="848032"/>
+          </a:xfrm>
+        </p:spPr>
+        <p:txBody>
+          <a:bodyPr>
+            <a:normAutofit/>
+          </a:bodyPr>
+          <a:lstStyle/>
+          <a:p>
+            <a:r>
+              <a:rPr lang="en-US" b="1">
+                <a:solidFill>
+                  <a:srgbClr val="0000FF"/>
+                </a:solidFill>
+                <a:latin typeface="Times New Roman" panose="02020603050405020304" pitchFamily="18" charset="0"/>
+                <a:cs typeface="Times New Roman" panose="02020603050405020304" pitchFamily="18" charset="0"/>
+              </a:rPr>
+              <a:t>Ví dụ</a:t>
+            </a:r>
+          </a:p>
+        </p:txBody>
+      </p:sp>
+      <p:sp>
+        <p:nvSpPr>
+          <p:cNvPr id="3" name="Content Placeholder 2">
+            <a:extLst>
+              <a:ext uri="{FF2B5EF4-FFF2-40B4-BE49-F238E27FC236}">
+                <a16:creationId xmlns:a16="http://schemas.microsoft.com/office/drawing/2014/main" id="{C99B1C64-EFF2-4305-9402-932FE886757F}"/>
+              </a:ext>
+            </a:extLst>
+          </p:cNvPr>
+          <p:cNvSpPr>
+            <a:spLocks noGrp="1"/>
+          </p:cNvSpPr>
+          <p:nvPr>
+            <p:ph idx="1"/>
+          </p:nvPr>
+        </p:nvSpPr>
+        <p:spPr>
+          <a:xfrm>
+            <a:off x="1499059" y="1415844"/>
+            <a:ext cx="4827999" cy="1622323"/>
+          </a:xfrm>
+        </p:spPr>
+        <p:txBody>
+          <a:bodyPr>
+            <a:noAutofit/>
+          </a:bodyPr>
+          <a:lstStyle/>
+          <a:p>
+            <a:pPr marL="0" indent="0">
+              <a:buNone/>
+            </a:pPr>
+            <a:r>
+              <a:rPr lang="en-US" sz="2600" b="1">
+                <a:latin typeface="Times New Roman" panose="02020603050405020304" pitchFamily="18" charset="0"/>
+                <a:cs typeface="Times New Roman" panose="02020603050405020304" pitchFamily="18" charset="0"/>
+              </a:rPr>
+              <a:t>Input:</a:t>
+            </a:r>
+          </a:p>
+          <a:p>
+            <a:pPr marL="0" indent="0">
+              <a:buNone/>
+            </a:pPr>
+            <a:r>
+              <a:rPr lang="en-US" sz="2600">
+                <a:latin typeface="Times New Roman" panose="02020603050405020304" pitchFamily="18" charset="0"/>
+                <a:cs typeface="Times New Roman" panose="02020603050405020304" pitchFamily="18" charset="0"/>
+              </a:rPr>
+              <a:t>“This is an example of dependency grammar”</a:t>
+            </a:r>
+          </a:p>
+        </p:txBody>
+      </p:sp>
+      <p:pic>
+        <p:nvPicPr>
+          <p:cNvPr id="4" name="Picture 3">
+            <a:extLst>
+              <a:ext uri="{FF2B5EF4-FFF2-40B4-BE49-F238E27FC236}">
+                <a16:creationId xmlns:a16="http://schemas.microsoft.com/office/drawing/2014/main" id="{A8638AC6-5CAE-409E-BDA6-723F66EA9761}"/>
+              </a:ext>
+            </a:extLst>
+          </p:cNvPr>
+          <p:cNvPicPr/>
+          <p:nvPr/>
+        </p:nvPicPr>
+        <p:blipFill>
+          <a:blip r:embed="rId2">
+            <a:extLst>
+              <a:ext uri="{28A0092B-C50C-407E-A947-70E740481C1C}">
+                <a14:useLocalDpi xmlns:a14="http://schemas.microsoft.com/office/drawing/2010/main" val="0"/>
+              </a:ext>
+            </a:extLst>
+          </a:blip>
+          <a:stretch>
+            <a:fillRect/>
+          </a:stretch>
+        </p:blipFill>
+        <p:spPr>
+          <a:xfrm>
+            <a:off x="6758957" y="1205834"/>
+            <a:ext cx="4831105" cy="2466514"/>
+          </a:xfrm>
+          <a:prstGeom prst="rect">
+            <a:avLst/>
+          </a:prstGeom>
+        </p:spPr>
+      </p:pic>
+      <p:sp>
+        <p:nvSpPr>
+          <p:cNvPr id="6" name="TextBox 5">
+            <a:extLst>
+              <a:ext uri="{FF2B5EF4-FFF2-40B4-BE49-F238E27FC236}">
+                <a16:creationId xmlns:a16="http://schemas.microsoft.com/office/drawing/2014/main" id="{D6747176-CB55-4B08-A2E1-909DDC32B7A2}"/>
+              </a:ext>
+            </a:extLst>
+          </p:cNvPr>
+          <p:cNvSpPr txBox="1"/>
+          <p:nvPr/>
+        </p:nvSpPr>
+        <p:spPr>
+          <a:xfrm>
+            <a:off x="1499059" y="3882358"/>
+            <a:ext cx="10519796" cy="2154436"/>
+          </a:xfrm>
+          <a:prstGeom prst="rect">
+            <a:avLst/>
+          </a:prstGeom>
+          <a:noFill/>
+        </p:spPr>
+        <p:txBody>
+          <a:bodyPr wrap="square" rtlCol="0">
+            <a:spAutoFit/>
+          </a:bodyPr>
+          <a:lstStyle/>
+          <a:p>
+            <a:pPr>
+              <a:spcAft>
+                <a:spcPts val="1800"/>
+              </a:spcAft>
+            </a:pPr>
+            <a:r>
+              <a:rPr lang="en-US" sz="2600" b="1">
+                <a:latin typeface="Times New Roman" panose="02020603050405020304" pitchFamily="18" charset="0"/>
+                <a:cs typeface="Times New Roman" panose="02020603050405020304" pitchFamily="18" charset="0"/>
+              </a:rPr>
+              <a:t>Output:</a:t>
+            </a:r>
+          </a:p>
+          <a:p>
+            <a:pPr>
+              <a:spcAft>
+                <a:spcPts val="1800"/>
+              </a:spcAft>
+            </a:pPr>
+            <a:r>
+              <a:rPr lang="en-US" sz="2600">
+                <a:latin typeface="Times New Roman" panose="02020603050405020304" pitchFamily="18" charset="0"/>
+                <a:cs typeface="Times New Roman" panose="02020603050405020304" pitchFamily="18" charset="0"/>
+              </a:rPr>
+              <a:t>	Dòng 1 cho thấy từ “this” làm ảnh h</a:t>
+            </a:r>
+            <a:r>
+              <a:rPr lang="vi-VN" sz="2600">
+                <a:latin typeface="Times New Roman" panose="02020603050405020304" pitchFamily="18" charset="0"/>
+                <a:cs typeface="Times New Roman" panose="02020603050405020304" pitchFamily="18" charset="0"/>
+              </a:rPr>
+              <a:t>ư</a:t>
+            </a:r>
+            <a:r>
+              <a:rPr lang="en-US" sz="2600">
+                <a:latin typeface="Times New Roman" panose="02020603050405020304" pitchFamily="18" charset="0"/>
+                <a:cs typeface="Times New Roman" panose="02020603050405020304" pitchFamily="18" charset="0"/>
+              </a:rPr>
+              <a:t>ởng đến “example” và 2 từ này có mối liên hệ là “nsubj”,</a:t>
+            </a:r>
+          </a:p>
+          <a:p>
+            <a:pPr>
+              <a:spcAft>
+                <a:spcPts val="1800"/>
+              </a:spcAft>
+            </a:pPr>
+            <a:r>
+              <a:rPr lang="en-US" sz="2600">
+                <a:latin typeface="Times New Roman" panose="02020603050405020304" pitchFamily="18" charset="0"/>
+                <a:cs typeface="Times New Roman" panose="02020603050405020304" pitchFamily="18" charset="0"/>
+              </a:rPr>
+              <a:t>	4 và 1 là vị trí trong câu của “example” và “this”</a:t>
+            </a:r>
+          </a:p>
+        </p:txBody>
+      </p:sp>
+    </p:spTree>
+    <p:extLst>
+      <p:ext uri="{BB962C8B-B14F-4D97-AF65-F5344CB8AC3E}">
+        <p14:creationId xmlns:p14="http://schemas.microsoft.com/office/powerpoint/2010/main" val="3668074390"/>
+      </p:ext>
+    </p:extLst>
+  </p:cSld>
+  <p:clrMapOvr>
+    <a:masterClrMapping/>
+  </p:clrMapOvr>
+</p:sld>
+</file>
+
 <file path=ppt/slides/slide3.xml><?xml version="1.0" encoding="utf-8"?>
 <p:sld xmlns:a="http://schemas.openxmlformats.org/drawingml/2006/main" xmlns:r="http://schemas.openxmlformats.org/officeDocument/2006/relationships" xmlns:p="http://schemas.openxmlformats.org/presentationml/2006/main">
   <p:cSld>
@@ -23240,14 +24416,6 @@
 <file path=ppt/slides/slide6.xml><?xml version="1.0" encoding="utf-8"?>
 <p:sld xmlns:a="http://schemas.openxmlformats.org/drawingml/2006/main" xmlns:r="http://schemas.openxmlformats.org/officeDocument/2006/relationships" xmlns:p="http://schemas.openxmlformats.org/presentationml/2006/main">
   <p:cSld>
-    <p:bg>
-      <p:bgPr>
-        <a:solidFill>
-          <a:schemeClr val="bg1"/>
-        </a:solidFill>
-        <a:effectLst/>
-      </p:bgPr>
-    </p:bg>
     <p:spTree>
       <p:nvGrpSpPr>
         <p:cNvPr id="1" name=""/>
@@ -23267,7 +24435,7 @@
           <p:cNvPr id="2" name="Title 1">
             <a:extLst>
               <a:ext uri="{FF2B5EF4-FFF2-40B4-BE49-F238E27FC236}">
-                <a16:creationId xmlns:a16="http://schemas.microsoft.com/office/drawing/2014/main" id="{3375D0FA-01BF-416F-B395-3B8402B7C557}"/>
+                <a16:creationId xmlns:a16="http://schemas.microsoft.com/office/drawing/2014/main" id="{96FDB508-9710-454A-B982-041493308FE9}"/>
               </a:ext>
             </a:extLst>
           </p:cNvPr>
@@ -23280,17 +24448,14 @@
         </p:nvSpPr>
         <p:spPr>
           <a:xfrm>
-            <a:off x="1528556" y="29650"/>
-            <a:ext cx="8126888" cy="1302773"/>
+            <a:off x="1312606" y="317092"/>
+            <a:ext cx="9350478" cy="892276"/>
           </a:xfrm>
         </p:spPr>
         <p:txBody>
-          <a:bodyPr>
-            <a:normAutofit fontScale="90000"/>
-          </a:bodyPr>
+          <a:bodyPr/>
           <a:lstStyle/>
           <a:p>
-            <a:pPr algn="l"/>
             <a:r>
               <a:rPr lang="en-US" b="1">
                 <a:solidFill>
@@ -23301,6 +24466,7 @@
               </a:rPr>
               <a:t>Sử dụng Stanford CoreNLP trong .NET</a:t>
             </a:r>
+            <a:endParaRPr lang="en-US"/>
           </a:p>
         </p:txBody>
       </p:sp>
@@ -23309,7 +24475,7 @@
           <p:cNvPr id="3" name="Content Placeholder 2">
             <a:extLst>
               <a:ext uri="{FF2B5EF4-FFF2-40B4-BE49-F238E27FC236}">
-                <a16:creationId xmlns:a16="http://schemas.microsoft.com/office/drawing/2014/main" id="{63A8A89F-E945-4563-94B0-32D957447F15}"/>
+                <a16:creationId xmlns:a16="http://schemas.microsoft.com/office/drawing/2014/main" id="{54C26093-D17C-41D2-B1A3-7F696E6B41E7}"/>
               </a:ext>
             </a:extLst>
           </p:cNvPr>
@@ -23322,14 +24488,12 @@
         </p:nvSpPr>
         <p:spPr>
           <a:xfrm>
-            <a:off x="1528556" y="1332423"/>
-            <a:ext cx="10389641" cy="1952787"/>
+            <a:off x="1528916" y="1037302"/>
+            <a:ext cx="10210800" cy="2391698"/>
           </a:xfrm>
         </p:spPr>
         <p:txBody>
-          <a:bodyPr>
-            <a:noAutofit/>
-          </a:bodyPr>
+          <a:bodyPr/>
           <a:lstStyle/>
           <a:p>
             <a:pPr>
@@ -23338,273 +24502,35 @@
               </a:spcAft>
             </a:pPr>
             <a:r>
-              <a:rPr lang="en-US" dirty="0">
+              <a:rPr lang="en-US">
                 <a:latin typeface="Times New Roman" panose="02020603050405020304" pitchFamily="18" charset="0"/>
                 <a:cs typeface="Times New Roman" panose="02020603050405020304" pitchFamily="18" charset="0"/>
               </a:rPr>
               <a:t>Stanford đ</a:t>
             </a:r>
             <a:r>
-              <a:rPr lang="vi-VN" dirty="0">
+              <a:rPr lang="vi-VN">
                 <a:latin typeface="Times New Roman" panose="02020603050405020304" pitchFamily="18" charset="0"/>
                 <a:cs typeface="Times New Roman" panose="02020603050405020304" pitchFamily="18" charset="0"/>
               </a:rPr>
               <a:t>ư</a:t>
             </a:r>
             <a:r>
-              <a:rPr lang="en-US" dirty="0" err="1">
-                <a:latin typeface="Times New Roman" panose="02020603050405020304" pitchFamily="18" charset="0"/>
-                <a:cs typeface="Times New Roman" panose="02020603050405020304" pitchFamily="18" charset="0"/>
-              </a:rPr>
-              <a:t>ợc</a:t>
-            </a:r>
-            <a:r>
-              <a:rPr lang="en-US" dirty="0">
-                <a:latin typeface="Times New Roman" panose="02020603050405020304" pitchFamily="18" charset="0"/>
-                <a:cs typeface="Times New Roman" panose="02020603050405020304" pitchFamily="18" charset="0"/>
-              </a:rPr>
-              <a:t> </a:t>
-            </a:r>
-            <a:r>
-              <a:rPr lang="en-US" dirty="0" err="1">
-                <a:latin typeface="Times New Roman" panose="02020603050405020304" pitchFamily="18" charset="0"/>
-                <a:cs typeface="Times New Roman" panose="02020603050405020304" pitchFamily="18" charset="0"/>
-              </a:rPr>
-              <a:t>viết</a:t>
-            </a:r>
-            <a:r>
-              <a:rPr lang="en-US" dirty="0">
-                <a:latin typeface="Times New Roman" panose="02020603050405020304" pitchFamily="18" charset="0"/>
-                <a:cs typeface="Times New Roman" panose="02020603050405020304" pitchFamily="18" charset="0"/>
-              </a:rPr>
-              <a:t> </a:t>
-            </a:r>
-            <a:r>
-              <a:rPr lang="en-US" dirty="0" err="1">
-                <a:latin typeface="Times New Roman" panose="02020603050405020304" pitchFamily="18" charset="0"/>
-                <a:cs typeface="Times New Roman" panose="02020603050405020304" pitchFamily="18" charset="0"/>
-              </a:rPr>
-              <a:t>bằng</a:t>
-            </a:r>
-            <a:r>
-              <a:rPr lang="en-US" dirty="0">
-                <a:latin typeface="Times New Roman" panose="02020603050405020304" pitchFamily="18" charset="0"/>
-                <a:cs typeface="Times New Roman" panose="02020603050405020304" pitchFamily="18" charset="0"/>
-              </a:rPr>
-              <a:t> Java. </a:t>
-            </a:r>
-            <a:r>
-              <a:rPr lang="en-US" dirty="0" err="1">
-                <a:latin typeface="Times New Roman" panose="02020603050405020304" pitchFamily="18" charset="0"/>
-                <a:cs typeface="Times New Roman" panose="02020603050405020304" pitchFamily="18" charset="0"/>
-              </a:rPr>
-              <a:t>Tuy</a:t>
-            </a:r>
-            <a:r>
-              <a:rPr lang="en-US" dirty="0">
-                <a:latin typeface="Times New Roman" panose="02020603050405020304" pitchFamily="18" charset="0"/>
-                <a:cs typeface="Times New Roman" panose="02020603050405020304" pitchFamily="18" charset="0"/>
-              </a:rPr>
-              <a:t> </a:t>
-            </a:r>
-            <a:r>
-              <a:rPr lang="en-US" dirty="0" err="1">
-                <a:latin typeface="Times New Roman" panose="02020603050405020304" pitchFamily="18" charset="0"/>
-                <a:cs typeface="Times New Roman" panose="02020603050405020304" pitchFamily="18" charset="0"/>
-              </a:rPr>
-              <a:t>nhiên</a:t>
-            </a:r>
-            <a:r>
-              <a:rPr lang="en-US" dirty="0">
-                <a:latin typeface="Times New Roman" panose="02020603050405020304" pitchFamily="18" charset="0"/>
-                <a:cs typeface="Times New Roman" panose="02020603050405020304" pitchFamily="18" charset="0"/>
-              </a:rPr>
-              <a:t> </a:t>
-            </a:r>
-            <a:r>
-              <a:rPr lang="en-US" dirty="0" err="1">
-                <a:latin typeface="Times New Roman" panose="02020603050405020304" pitchFamily="18" charset="0"/>
-                <a:cs typeface="Times New Roman" panose="02020603050405020304" pitchFamily="18" charset="0"/>
-              </a:rPr>
-              <a:t>bạn</a:t>
-            </a:r>
-            <a:r>
-              <a:rPr lang="en-US" dirty="0">
-                <a:latin typeface="Times New Roman" panose="02020603050405020304" pitchFamily="18" charset="0"/>
-                <a:cs typeface="Times New Roman" panose="02020603050405020304" pitchFamily="18" charset="0"/>
-              </a:rPr>
-              <a:t> </a:t>
-            </a:r>
-            <a:r>
-              <a:rPr lang="en-US" dirty="0" err="1">
-                <a:latin typeface="Times New Roman" panose="02020603050405020304" pitchFamily="18" charset="0"/>
-                <a:cs typeface="Times New Roman" panose="02020603050405020304" pitchFamily="18" charset="0"/>
-              </a:rPr>
-              <a:t>cũng</a:t>
-            </a:r>
-            <a:r>
-              <a:rPr lang="en-US" dirty="0">
-                <a:latin typeface="Times New Roman" panose="02020603050405020304" pitchFamily="18" charset="0"/>
-                <a:cs typeface="Times New Roman" panose="02020603050405020304" pitchFamily="18" charset="0"/>
-              </a:rPr>
-              <a:t> </a:t>
-            </a:r>
-            <a:r>
-              <a:rPr lang="en-US" dirty="0" err="1">
-                <a:latin typeface="Times New Roman" panose="02020603050405020304" pitchFamily="18" charset="0"/>
-                <a:cs typeface="Times New Roman" panose="02020603050405020304" pitchFamily="18" charset="0"/>
-              </a:rPr>
-              <a:t>có</a:t>
-            </a:r>
-            <a:r>
-              <a:rPr lang="en-US" dirty="0">
-                <a:latin typeface="Times New Roman" panose="02020603050405020304" pitchFamily="18" charset="0"/>
-                <a:cs typeface="Times New Roman" panose="02020603050405020304" pitchFamily="18" charset="0"/>
-              </a:rPr>
-              <a:t> </a:t>
-            </a:r>
-            <a:r>
-              <a:rPr lang="en-US" dirty="0" err="1">
-                <a:latin typeface="Times New Roman" panose="02020603050405020304" pitchFamily="18" charset="0"/>
-                <a:cs typeface="Times New Roman" panose="02020603050405020304" pitchFamily="18" charset="0"/>
-              </a:rPr>
-              <a:t>thể</a:t>
-            </a:r>
-            <a:r>
-              <a:rPr lang="en-US" dirty="0">
-                <a:latin typeface="Times New Roman" panose="02020603050405020304" pitchFamily="18" charset="0"/>
-                <a:cs typeface="Times New Roman" panose="02020603050405020304" pitchFamily="18" charset="0"/>
-              </a:rPr>
-              <a:t> </a:t>
-            </a:r>
-            <a:r>
-              <a:rPr lang="en-US" dirty="0" err="1">
-                <a:latin typeface="Times New Roman" panose="02020603050405020304" pitchFamily="18" charset="0"/>
-                <a:cs typeface="Times New Roman" panose="02020603050405020304" pitchFamily="18" charset="0"/>
-              </a:rPr>
-              <a:t>sử</a:t>
-            </a:r>
-            <a:r>
-              <a:rPr lang="en-US" dirty="0">
-                <a:latin typeface="Times New Roman" panose="02020603050405020304" pitchFamily="18" charset="0"/>
-                <a:cs typeface="Times New Roman" panose="02020603050405020304" pitchFamily="18" charset="0"/>
-              </a:rPr>
-              <a:t> </a:t>
-            </a:r>
-            <a:r>
-              <a:rPr lang="en-US" dirty="0" err="1">
-                <a:latin typeface="Times New Roman" panose="02020603050405020304" pitchFamily="18" charset="0"/>
-                <a:cs typeface="Times New Roman" panose="02020603050405020304" pitchFamily="18" charset="0"/>
-              </a:rPr>
-              <a:t>dụng</a:t>
-            </a:r>
-            <a:r>
-              <a:rPr lang="en-US" dirty="0">
-                <a:latin typeface="Times New Roman" panose="02020603050405020304" pitchFamily="18" charset="0"/>
-                <a:cs typeface="Times New Roman" panose="02020603050405020304" pitchFamily="18" charset="0"/>
-              </a:rPr>
-              <a:t> Stanford </a:t>
-            </a:r>
-            <a:r>
-              <a:rPr lang="en-US" dirty="0" err="1">
-                <a:latin typeface="Times New Roman" panose="02020603050405020304" pitchFamily="18" charset="0"/>
-                <a:cs typeface="Times New Roman" panose="02020603050405020304" pitchFamily="18" charset="0"/>
-              </a:rPr>
-              <a:t>CoreNLP</a:t>
-            </a:r>
-            <a:r>
-              <a:rPr lang="en-US" dirty="0">
-                <a:latin typeface="Times New Roman" panose="02020603050405020304" pitchFamily="18" charset="0"/>
-                <a:cs typeface="Times New Roman" panose="02020603050405020304" pitchFamily="18" charset="0"/>
-              </a:rPr>
-              <a:t> </a:t>
-            </a:r>
-            <a:r>
-              <a:rPr lang="en-US" dirty="0" err="1">
-                <a:latin typeface="Times New Roman" panose="02020603050405020304" pitchFamily="18" charset="0"/>
-                <a:cs typeface="Times New Roman" panose="02020603050405020304" pitchFamily="18" charset="0"/>
-              </a:rPr>
-              <a:t>bằng</a:t>
-            </a:r>
-            <a:r>
-              <a:rPr lang="en-US" dirty="0">
-                <a:latin typeface="Times New Roman" panose="02020603050405020304" pitchFamily="18" charset="0"/>
-                <a:cs typeface="Times New Roman" panose="02020603050405020304" pitchFamily="18" charset="0"/>
-              </a:rPr>
-              <a:t> </a:t>
-            </a:r>
-            <a:r>
-              <a:rPr lang="en-US" dirty="0" err="1">
-                <a:latin typeface="Times New Roman" panose="02020603050405020304" pitchFamily="18" charset="0"/>
-                <a:cs typeface="Times New Roman" panose="02020603050405020304" pitchFamily="18" charset="0"/>
-              </a:rPr>
-              <a:t>những</a:t>
-            </a:r>
-            <a:r>
-              <a:rPr lang="en-US" dirty="0">
-                <a:latin typeface="Times New Roman" panose="02020603050405020304" pitchFamily="18" charset="0"/>
-                <a:cs typeface="Times New Roman" panose="02020603050405020304" pitchFamily="18" charset="0"/>
-              </a:rPr>
-              <a:t> </a:t>
-            </a:r>
-            <a:r>
-              <a:rPr lang="en-US" dirty="0" err="1">
-                <a:latin typeface="Times New Roman" panose="02020603050405020304" pitchFamily="18" charset="0"/>
-                <a:cs typeface="Times New Roman" panose="02020603050405020304" pitchFamily="18" charset="0"/>
-              </a:rPr>
-              <a:t>ngôn</a:t>
-            </a:r>
-            <a:r>
-              <a:rPr lang="en-US" dirty="0">
-                <a:latin typeface="Times New Roman" panose="02020603050405020304" pitchFamily="18" charset="0"/>
-                <a:cs typeface="Times New Roman" panose="02020603050405020304" pitchFamily="18" charset="0"/>
-              </a:rPr>
-              <a:t> </a:t>
-            </a:r>
-            <a:r>
-              <a:rPr lang="en-US" dirty="0" err="1">
-                <a:latin typeface="Times New Roman" panose="02020603050405020304" pitchFamily="18" charset="0"/>
-                <a:cs typeface="Times New Roman" panose="02020603050405020304" pitchFamily="18" charset="0"/>
-              </a:rPr>
-              <a:t>ngữ</a:t>
-            </a:r>
-            <a:r>
-              <a:rPr lang="en-US" dirty="0">
-                <a:latin typeface="Times New Roman" panose="02020603050405020304" pitchFamily="18" charset="0"/>
-                <a:cs typeface="Times New Roman" panose="02020603050405020304" pitchFamily="18" charset="0"/>
-              </a:rPr>
-              <a:t> </a:t>
-            </a:r>
-            <a:r>
-              <a:rPr lang="en-US" dirty="0" err="1">
-                <a:latin typeface="Times New Roman" panose="02020603050405020304" pitchFamily="18" charset="0"/>
-                <a:cs typeface="Times New Roman" panose="02020603050405020304" pitchFamily="18" charset="0"/>
-              </a:rPr>
-              <a:t>khác</a:t>
-            </a:r>
-            <a:r>
-              <a:rPr lang="en-US" dirty="0">
-                <a:latin typeface="Times New Roman" panose="02020603050405020304" pitchFamily="18" charset="0"/>
-                <a:cs typeface="Times New Roman" panose="02020603050405020304" pitchFamily="18" charset="0"/>
-              </a:rPr>
-              <a:t> </a:t>
-            </a:r>
-            <a:r>
-              <a:rPr lang="en-US" dirty="0" err="1">
-                <a:latin typeface="Times New Roman" panose="02020603050405020304" pitchFamily="18" charset="0"/>
-                <a:cs typeface="Times New Roman" panose="02020603050405020304" pitchFamily="18" charset="0"/>
-              </a:rPr>
-              <a:t>nh</a:t>
-            </a:r>
-            <a:r>
-              <a:rPr lang="vi-VN" dirty="0">
+              <a:rPr lang="en-US">
+                <a:latin typeface="Times New Roman" panose="02020603050405020304" pitchFamily="18" charset="0"/>
+                <a:cs typeface="Times New Roman" panose="02020603050405020304" pitchFamily="18" charset="0"/>
+              </a:rPr>
+              <a:t>ợc viết bằng Java. Tuy nhiên bạn cũng có thể sử dụng Stanford CoreNLP bằng những ngôn ngữ khác nh</a:t>
+            </a:r>
+            <a:r>
+              <a:rPr lang="vi-VN">
                 <a:latin typeface="Times New Roman" panose="02020603050405020304" pitchFamily="18" charset="0"/>
                 <a:cs typeface="Times New Roman" panose="02020603050405020304" pitchFamily="18" charset="0"/>
               </a:rPr>
               <a:t>ư</a:t>
             </a:r>
             <a:r>
-              <a:rPr lang="en-US" dirty="0">
+              <a:rPr lang="en-US">
                 <a:latin typeface="Times New Roman" panose="02020603050405020304" pitchFamily="18" charset="0"/>
                 <a:cs typeface="Times New Roman" panose="02020603050405020304" pitchFamily="18" charset="0"/>
               </a:rPr>
@@ -23618,147 +24544,35 @@
               </a:spcAft>
             </a:pPr>
             <a:r>
-              <a:rPr lang="en-US" dirty="0" err="1">
-                <a:latin typeface="Times New Roman" panose="02020603050405020304" pitchFamily="18" charset="0"/>
-                <a:cs typeface="Times New Roman" panose="02020603050405020304" pitchFamily="18" charset="0"/>
-              </a:rPr>
-              <a:t>Trong</a:t>
-            </a:r>
-            <a:r>
-              <a:rPr lang="en-US" dirty="0">
-                <a:latin typeface="Times New Roman" panose="02020603050405020304" pitchFamily="18" charset="0"/>
-                <a:cs typeface="Times New Roman" panose="02020603050405020304" pitchFamily="18" charset="0"/>
-              </a:rPr>
-              <a:t> .NET </a:t>
-            </a:r>
-            <a:r>
-              <a:rPr lang="en-US" dirty="0" err="1">
-                <a:latin typeface="Times New Roman" panose="02020603050405020304" pitchFamily="18" charset="0"/>
-                <a:cs typeface="Times New Roman" panose="02020603050405020304" pitchFamily="18" charset="0"/>
-              </a:rPr>
-              <a:t>bạn</a:t>
-            </a:r>
-            <a:r>
-              <a:rPr lang="en-US" dirty="0">
-                <a:latin typeface="Times New Roman" panose="02020603050405020304" pitchFamily="18" charset="0"/>
-                <a:cs typeface="Times New Roman" panose="02020603050405020304" pitchFamily="18" charset="0"/>
-              </a:rPr>
-              <a:t> </a:t>
-            </a:r>
-            <a:r>
-              <a:rPr lang="en-US" dirty="0" err="1">
-                <a:latin typeface="Times New Roman" panose="02020603050405020304" pitchFamily="18" charset="0"/>
-                <a:cs typeface="Times New Roman" panose="02020603050405020304" pitchFamily="18" charset="0"/>
-              </a:rPr>
-              <a:t>có</a:t>
-            </a:r>
-            <a:r>
-              <a:rPr lang="en-US" dirty="0">
-                <a:latin typeface="Times New Roman" panose="02020603050405020304" pitchFamily="18" charset="0"/>
-                <a:cs typeface="Times New Roman" panose="02020603050405020304" pitchFamily="18" charset="0"/>
-              </a:rPr>
-              <a:t> </a:t>
-            </a:r>
-            <a:r>
-              <a:rPr lang="en-US" dirty="0" err="1">
-                <a:latin typeface="Times New Roman" panose="02020603050405020304" pitchFamily="18" charset="0"/>
-                <a:cs typeface="Times New Roman" panose="02020603050405020304" pitchFamily="18" charset="0"/>
-              </a:rPr>
-              <a:t>thể</a:t>
-            </a:r>
-            <a:r>
-              <a:rPr lang="en-US" dirty="0">
-                <a:latin typeface="Times New Roman" panose="02020603050405020304" pitchFamily="18" charset="0"/>
-                <a:cs typeface="Times New Roman" panose="02020603050405020304" pitchFamily="18" charset="0"/>
-              </a:rPr>
-              <a:t> </a:t>
-            </a:r>
-            <a:r>
-              <a:rPr lang="en-US" dirty="0" err="1">
-                <a:latin typeface="Times New Roman" panose="02020603050405020304" pitchFamily="18" charset="0"/>
-                <a:cs typeface="Times New Roman" panose="02020603050405020304" pitchFamily="18" charset="0"/>
-              </a:rPr>
-              <a:t>cài</a:t>
-            </a:r>
-            <a:r>
-              <a:rPr lang="en-US" dirty="0">
-                <a:latin typeface="Times New Roman" panose="02020603050405020304" pitchFamily="18" charset="0"/>
-                <a:cs typeface="Times New Roman" panose="02020603050405020304" pitchFamily="18" charset="0"/>
-              </a:rPr>
-              <a:t> </a:t>
-            </a:r>
-            <a:r>
-              <a:rPr lang="en-US" dirty="0" err="1">
-                <a:latin typeface="Times New Roman" panose="02020603050405020304" pitchFamily="18" charset="0"/>
-                <a:cs typeface="Times New Roman" panose="02020603050405020304" pitchFamily="18" charset="0"/>
-              </a:rPr>
-              <a:t>đặt</a:t>
-            </a:r>
-            <a:r>
-              <a:rPr lang="en-US" dirty="0">
-                <a:latin typeface="Times New Roman" panose="02020603050405020304" pitchFamily="18" charset="0"/>
-                <a:cs typeface="Times New Roman" panose="02020603050405020304" pitchFamily="18" charset="0"/>
-              </a:rPr>
-              <a:t> </a:t>
-            </a:r>
-            <a:r>
-              <a:rPr lang="en-US" dirty="0" err="1">
-                <a:latin typeface="Times New Roman" panose="02020603050405020304" pitchFamily="18" charset="0"/>
-                <a:cs typeface="Times New Roman" panose="02020603050405020304" pitchFamily="18" charset="0"/>
-              </a:rPr>
-              <a:t>th</a:t>
-            </a:r>
-            <a:r>
-              <a:rPr lang="vi-VN" dirty="0">
+              <a:rPr lang="en-US">
+                <a:latin typeface="Times New Roman" panose="02020603050405020304" pitchFamily="18" charset="0"/>
+                <a:cs typeface="Times New Roman" panose="02020603050405020304" pitchFamily="18" charset="0"/>
+              </a:rPr>
+              <a:t>Trong .NET bạn có thể cài đặt th</a:t>
+            </a:r>
+            <a:r>
+              <a:rPr lang="vi-VN">
                 <a:latin typeface="Times New Roman" panose="02020603050405020304" pitchFamily="18" charset="0"/>
                 <a:cs typeface="Times New Roman" panose="02020603050405020304" pitchFamily="18" charset="0"/>
               </a:rPr>
               <a:t>ư</a:t>
             </a:r>
             <a:r>
-              <a:rPr lang="en-US" dirty="0">
-                <a:latin typeface="Times New Roman" panose="02020603050405020304" pitchFamily="18" charset="0"/>
-                <a:cs typeface="Times New Roman" panose="02020603050405020304" pitchFamily="18" charset="0"/>
-              </a:rPr>
-              <a:t> </a:t>
-            </a:r>
-            <a:r>
-              <a:rPr lang="en-US" dirty="0" err="1">
-                <a:latin typeface="Times New Roman" panose="02020603050405020304" pitchFamily="18" charset="0"/>
-                <a:cs typeface="Times New Roman" panose="02020603050405020304" pitchFamily="18" charset="0"/>
-              </a:rPr>
-              <a:t>viện</a:t>
-            </a:r>
-            <a:r>
-              <a:rPr lang="en-US" dirty="0">
-                <a:latin typeface="Times New Roman" panose="02020603050405020304" pitchFamily="18" charset="0"/>
-                <a:cs typeface="Times New Roman" panose="02020603050405020304" pitchFamily="18" charset="0"/>
-              </a:rPr>
-              <a:t> Stanford </a:t>
-            </a:r>
-            <a:r>
-              <a:rPr lang="en-US" dirty="0" err="1">
-                <a:latin typeface="Times New Roman" panose="02020603050405020304" pitchFamily="18" charset="0"/>
-                <a:cs typeface="Times New Roman" panose="02020603050405020304" pitchFamily="18" charset="0"/>
-              </a:rPr>
-              <a:t>CoreNLP</a:t>
-            </a:r>
-            <a:r>
-              <a:rPr lang="en-US" dirty="0">
-                <a:latin typeface="Times New Roman" panose="02020603050405020304" pitchFamily="18" charset="0"/>
-                <a:cs typeface="Times New Roman" panose="02020603050405020304" pitchFamily="18" charset="0"/>
-              </a:rPr>
-              <a:t> qua NuGet packages</a:t>
+              <a:rPr lang="en-US">
+                <a:latin typeface="Times New Roman" panose="02020603050405020304" pitchFamily="18" charset="0"/>
+                <a:cs typeface="Times New Roman" panose="02020603050405020304" pitchFamily="18" charset="0"/>
+              </a:rPr>
+              <a:t> viện Stanford CoreNLP qua NuGet packages</a:t>
             </a:r>
           </a:p>
         </p:txBody>
       </p:sp>
       <p:pic>
         <p:nvPicPr>
-          <p:cNvPr id="8" name="Picture 7" descr="A screenshot of a social media post&#10;&#10;Description generated with very high confidence">
+          <p:cNvPr id="4" name="Picture 3" descr="A screenshot of a social media post&#10;&#10;Description generated with very high confidence">
             <a:extLst>
               <a:ext uri="{FF2B5EF4-FFF2-40B4-BE49-F238E27FC236}">
-                <a16:creationId xmlns:a16="http://schemas.microsoft.com/office/drawing/2014/main" id="{9FBA958E-F809-4515-BCBD-CF0F241EA837}"/>
+                <a16:creationId xmlns:a16="http://schemas.microsoft.com/office/drawing/2014/main" id="{3714EA45-0EA7-4FE0-84FE-6294A25E2C48}"/>
               </a:ext>
             </a:extLst>
           </p:cNvPr>
@@ -23775,7 +24589,7 @@
         </p:blipFill>
         <p:spPr>
           <a:xfrm>
-            <a:off x="1796149" y="3429000"/>
+            <a:off x="1941152" y="3429000"/>
             <a:ext cx="9606477" cy="2712033"/>
           </a:xfrm>
           <a:prstGeom prst="rect">
@@ -23786,7 +24600,7 @@
     </p:spTree>
     <p:extLst>
       <p:ext uri="{BB962C8B-B14F-4D97-AF65-F5344CB8AC3E}">
-        <p14:creationId xmlns:p14="http://schemas.microsoft.com/office/powerpoint/2010/main" val="1871652294"/>
+        <p14:creationId xmlns:p14="http://schemas.microsoft.com/office/powerpoint/2010/main" val="2316484128"/>
       </p:ext>
     </p:extLst>
   </p:cSld>

--- a/Seminar/Stanford_CoreNLP.pptx
+++ b/Seminar/Stanford_CoreNLP.pptx
@@ -23,18 +23,18 @@
     <p:sldId id="265" r:id="rId14"/>
     <p:sldId id="266" r:id="rId15"/>
     <p:sldId id="267" r:id="rId16"/>
-    <p:sldId id="275" r:id="rId17"/>
-    <p:sldId id="276" r:id="rId18"/>
-    <p:sldId id="277" r:id="rId19"/>
-    <p:sldId id="278" r:id="rId20"/>
-    <p:sldId id="279" r:id="rId21"/>
-    <p:sldId id="280" r:id="rId22"/>
-    <p:sldId id="281" r:id="rId23"/>
-    <p:sldId id="283" r:id="rId24"/>
-    <p:sldId id="284" r:id="rId25"/>
-    <p:sldId id="285" r:id="rId26"/>
-    <p:sldId id="286" r:id="rId27"/>
-    <p:sldId id="287" r:id="rId28"/>
+    <p:sldId id="283" r:id="rId17"/>
+    <p:sldId id="284" r:id="rId18"/>
+    <p:sldId id="285" r:id="rId19"/>
+    <p:sldId id="286" r:id="rId20"/>
+    <p:sldId id="287" r:id="rId21"/>
+    <p:sldId id="275" r:id="rId22"/>
+    <p:sldId id="276" r:id="rId23"/>
+    <p:sldId id="277" r:id="rId24"/>
+    <p:sldId id="278" r:id="rId25"/>
+    <p:sldId id="279" r:id="rId26"/>
+    <p:sldId id="280" r:id="rId27"/>
+    <p:sldId id="281" r:id="rId28"/>
   </p:sldIdLst>
   <p:sldSz cx="12192000" cy="6858000"/>
   <p:notesSz cx="6858000" cy="9144000"/>
@@ -4068,7 +4068,7 @@
           <a:bodyPr/>
           <a:lstStyle/>
           <a:p>
-            <a:endParaRPr lang="en-US" dirty="0"/>
+            <a:endParaRPr lang="en-US"/>
           </a:p>
         </p:txBody>
       </p:sp>
@@ -4087,9 +4087,9 @@
           <a:bodyPr/>
           <a:lstStyle/>
           <a:p>
-            <a:fld id="{415931D0-8F45-45FA-A05E-D11DF5C9AD02}" type="slidenum">
+            <a:fld id="{78BBFBE1-F28B-4D2E-997C-B307AD86A0C8}" type="slidenum">
               <a:rPr lang="en-US" smtClean="0"/>
-              <a:t>19</a:t>
+              <a:t>18</a:t>
             </a:fld>
             <a:endParaRPr lang="en-US"/>
           </a:p>
@@ -4098,7 +4098,7 @@
     </p:spTree>
     <p:extLst>
       <p:ext uri="{BB962C8B-B14F-4D97-AF65-F5344CB8AC3E}">
-        <p14:creationId xmlns:p14="http://schemas.microsoft.com/office/powerpoint/2010/main" val="523550093"/>
+        <p14:creationId xmlns:p14="http://schemas.microsoft.com/office/powerpoint/2010/main" val="1739282530"/>
       </p:ext>
     </p:extLst>
   </p:cSld>
@@ -4152,7 +4152,7 @@
           <a:bodyPr/>
           <a:lstStyle/>
           <a:p>
-            <a:endParaRPr lang="en-US"/>
+            <a:endParaRPr lang="en-US" dirty="0"/>
           </a:p>
         </p:txBody>
       </p:sp>
@@ -4171,9 +4171,9 @@
           <a:bodyPr/>
           <a:lstStyle/>
           <a:p>
-            <a:fld id="{78BBFBE1-F28B-4D2E-997C-B307AD86A0C8}" type="slidenum">
+            <a:fld id="{415931D0-8F45-45FA-A05E-D11DF5C9AD02}" type="slidenum">
               <a:rPr lang="en-US" smtClean="0"/>
-              <a:t>25</a:t>
+              <a:t>24</a:t>
             </a:fld>
             <a:endParaRPr lang="en-US"/>
           </a:p>
@@ -4182,7 +4182,7 @@
     </p:spTree>
     <p:extLst>
       <p:ext uri="{BB962C8B-B14F-4D97-AF65-F5344CB8AC3E}">
-        <p14:creationId xmlns:p14="http://schemas.microsoft.com/office/powerpoint/2010/main" val="698861264"/>
+        <p14:creationId xmlns:p14="http://schemas.microsoft.com/office/powerpoint/2010/main" val="523550093"/>
       </p:ext>
     </p:extLst>
   </p:cSld>
@@ -14863,6 +14863,1274 @@
           <a:chExt cx="0" cy="0"/>
         </a:xfrm>
       </p:grpSpPr>
+      <p:sp>
+        <p:nvSpPr>
+          <p:cNvPr id="2" name="Title 1">
+            <a:extLst>
+              <a:ext uri="{FF2B5EF4-FFF2-40B4-BE49-F238E27FC236}">
+                <a16:creationId xmlns:a16="http://schemas.microsoft.com/office/drawing/2014/main" id="{922C7F22-C285-44BA-86CB-3A96AFB77B23}"/>
+              </a:ext>
+            </a:extLst>
+          </p:cNvPr>
+          <p:cNvSpPr>
+            <a:spLocks noGrp="1"/>
+          </p:cNvSpPr>
+          <p:nvPr>
+            <p:ph type="title"/>
+          </p:nvPr>
+        </p:nvSpPr>
+        <p:spPr>
+          <a:xfrm>
+            <a:off x="1484310" y="361335"/>
+            <a:ext cx="2920180" cy="862781"/>
+          </a:xfrm>
+        </p:spPr>
+        <p:txBody>
+          <a:bodyPr>
+            <a:normAutofit/>
+          </a:bodyPr>
+          <a:lstStyle/>
+          <a:p>
+            <a:r>
+              <a:rPr lang="en-US" b="1">
+                <a:solidFill>
+                  <a:srgbClr val="0000FF"/>
+                </a:solidFill>
+                <a:latin typeface="Times New Roman" panose="02020603050405020304" pitchFamily="18" charset="0"/>
+                <a:cs typeface="Times New Roman" panose="02020603050405020304" pitchFamily="18" charset="0"/>
+              </a:rPr>
+              <a:t>The Parser</a:t>
+            </a:r>
+          </a:p>
+        </p:txBody>
+      </p:sp>
+      <p:sp>
+        <p:nvSpPr>
+          <p:cNvPr id="3" name="Content Placeholder 2">
+            <a:extLst>
+              <a:ext uri="{FF2B5EF4-FFF2-40B4-BE49-F238E27FC236}">
+                <a16:creationId xmlns:a16="http://schemas.microsoft.com/office/drawing/2014/main" id="{94E56254-3B5D-48D0-AFA2-29BB3098CE10}"/>
+              </a:ext>
+            </a:extLst>
+          </p:cNvPr>
+          <p:cNvSpPr>
+            <a:spLocks noGrp="1"/>
+          </p:cNvSpPr>
+          <p:nvPr>
+            <p:ph idx="1"/>
+          </p:nvPr>
+        </p:nvSpPr>
+        <p:spPr>
+          <a:xfrm>
+            <a:off x="1602297" y="2106561"/>
+            <a:ext cx="10018713" cy="3124201"/>
+          </a:xfrm>
+        </p:spPr>
+        <p:txBody>
+          <a:bodyPr>
+            <a:normAutofit/>
+          </a:bodyPr>
+          <a:lstStyle/>
+          <a:p>
+            <a:pPr>
+              <a:spcAft>
+                <a:spcPts val="1800"/>
+              </a:spcAft>
+            </a:pPr>
+            <a:r>
+              <a:rPr lang="en-US" sz="2600">
+                <a:latin typeface="Times New Roman" panose="02020603050405020304" pitchFamily="18" charset="0"/>
+                <a:cs typeface="Times New Roman" panose="02020603050405020304" pitchFamily="18" charset="0"/>
+              </a:rPr>
+              <a:t>Phân tích cấu trúc của câu nh</a:t>
+            </a:r>
+            <a:r>
+              <a:rPr lang="vi-VN" sz="2600">
+                <a:latin typeface="Times New Roman" panose="02020603050405020304" pitchFamily="18" charset="0"/>
+                <a:cs typeface="Times New Roman" panose="02020603050405020304" pitchFamily="18" charset="0"/>
+              </a:rPr>
+              <a:t>ư</a:t>
+            </a:r>
+            <a:r>
+              <a:rPr lang="en-US" sz="2600">
+                <a:latin typeface="Times New Roman" panose="02020603050405020304" pitchFamily="18" charset="0"/>
+                <a:cs typeface="Times New Roman" panose="02020603050405020304" pitchFamily="18" charset="0"/>
+              </a:rPr>
+              <a:t> những từ nào đi cùng nhau, từ nào là chủ ngữ, từ nào là vị ngữ,… </a:t>
+            </a:r>
+          </a:p>
+          <a:p>
+            <a:pPr>
+              <a:spcAft>
+                <a:spcPts val="1800"/>
+              </a:spcAft>
+            </a:pPr>
+            <a:r>
+              <a:rPr lang="en-US" sz="2600">
+                <a:latin typeface="Times New Roman" panose="02020603050405020304" pitchFamily="18" charset="0"/>
+                <a:cs typeface="Times New Roman" panose="02020603050405020304" pitchFamily="18" charset="0"/>
+              </a:rPr>
+              <a:t>Có 2 loại parser:</a:t>
+            </a:r>
+          </a:p>
+          <a:p>
+            <a:pPr marL="914400" lvl="2" indent="0">
+              <a:spcAft>
+                <a:spcPts val="1800"/>
+              </a:spcAft>
+              <a:buNone/>
+            </a:pPr>
+            <a:r>
+              <a:rPr lang="en-US" sz="2600">
+                <a:latin typeface="Times New Roman" panose="02020603050405020304" pitchFamily="18" charset="0"/>
+                <a:cs typeface="Times New Roman" panose="02020603050405020304" pitchFamily="18" charset="0"/>
+              </a:rPr>
+              <a:t>1. 	C</a:t>
+            </a:r>
+            <a:r>
+              <a:rPr lang="vi-VN" sz="2600">
+                <a:latin typeface="Times New Roman" panose="02020603050405020304" pitchFamily="18" charset="0"/>
+                <a:cs typeface="Times New Roman" panose="02020603050405020304" pitchFamily="18" charset="0"/>
+              </a:rPr>
+              <a:t>onstituency </a:t>
+            </a:r>
+            <a:r>
+              <a:rPr lang="en-US" sz="2600">
+                <a:latin typeface="Times New Roman" panose="02020603050405020304" pitchFamily="18" charset="0"/>
+                <a:cs typeface="Times New Roman" panose="02020603050405020304" pitchFamily="18" charset="0"/>
+              </a:rPr>
+              <a:t>P</a:t>
+            </a:r>
+            <a:r>
+              <a:rPr lang="vi-VN" sz="2600">
+                <a:latin typeface="Times New Roman" panose="02020603050405020304" pitchFamily="18" charset="0"/>
+                <a:cs typeface="Times New Roman" panose="02020603050405020304" pitchFamily="18" charset="0"/>
+              </a:rPr>
+              <a:t>arse</a:t>
+            </a:r>
+            <a:endParaRPr lang="en-US" sz="2600">
+              <a:latin typeface="Times New Roman" panose="02020603050405020304" pitchFamily="18" charset="0"/>
+              <a:cs typeface="Times New Roman" panose="02020603050405020304" pitchFamily="18" charset="0"/>
+            </a:endParaRPr>
+          </a:p>
+          <a:p>
+            <a:pPr marL="909638" lvl="1" indent="0">
+              <a:spcAft>
+                <a:spcPts val="1800"/>
+              </a:spcAft>
+              <a:buNone/>
+            </a:pPr>
+            <a:r>
+              <a:rPr lang="en-US" sz="2600">
+                <a:latin typeface="Times New Roman" panose="02020603050405020304" pitchFamily="18" charset="0"/>
+                <a:cs typeface="Times New Roman" panose="02020603050405020304" pitchFamily="18" charset="0"/>
+              </a:rPr>
+              <a:t>2.	D</a:t>
+            </a:r>
+            <a:r>
+              <a:rPr lang="vi-VN" sz="2600">
+                <a:latin typeface="Times New Roman" panose="02020603050405020304" pitchFamily="18" charset="0"/>
+                <a:cs typeface="Times New Roman" panose="02020603050405020304" pitchFamily="18" charset="0"/>
+              </a:rPr>
+              <a:t>ependency </a:t>
+            </a:r>
+            <a:r>
+              <a:rPr lang="en-US" sz="2600">
+                <a:latin typeface="Times New Roman" panose="02020603050405020304" pitchFamily="18" charset="0"/>
+                <a:cs typeface="Times New Roman" panose="02020603050405020304" pitchFamily="18" charset="0"/>
+              </a:rPr>
+              <a:t>P</a:t>
+            </a:r>
+            <a:r>
+              <a:rPr lang="vi-VN" sz="2600">
+                <a:latin typeface="Times New Roman" panose="02020603050405020304" pitchFamily="18" charset="0"/>
+                <a:cs typeface="Times New Roman" panose="02020603050405020304" pitchFamily="18" charset="0"/>
+              </a:rPr>
+              <a:t>arse</a:t>
+            </a:r>
+            <a:endParaRPr lang="en-US" sz="2600">
+              <a:latin typeface="Times New Roman" panose="02020603050405020304" pitchFamily="18" charset="0"/>
+              <a:cs typeface="Times New Roman" panose="02020603050405020304" pitchFamily="18" charset="0"/>
+            </a:endParaRPr>
+          </a:p>
+        </p:txBody>
+      </p:sp>
+    </p:spTree>
+    <p:extLst>
+      <p:ext uri="{BB962C8B-B14F-4D97-AF65-F5344CB8AC3E}">
+        <p14:creationId xmlns:p14="http://schemas.microsoft.com/office/powerpoint/2010/main" val="644421581"/>
+      </p:ext>
+    </p:extLst>
+  </p:cSld>
+  <p:clrMapOvr>
+    <a:masterClrMapping/>
+  </p:clrMapOvr>
+</p:sld>
+</file>
+
+<file path=ppt/slides/slide17.xml><?xml version="1.0" encoding="utf-8"?>
+<p:sld xmlns:a="http://schemas.openxmlformats.org/drawingml/2006/main" xmlns:r="http://schemas.openxmlformats.org/officeDocument/2006/relationships" xmlns:p="http://schemas.openxmlformats.org/presentationml/2006/main">
+  <p:cSld>
+    <p:spTree>
+      <p:nvGrpSpPr>
+        <p:cNvPr id="1" name=""/>
+        <p:cNvGrpSpPr/>
+        <p:nvPr/>
+      </p:nvGrpSpPr>
+      <p:grpSpPr>
+        <a:xfrm>
+          <a:off x="0" y="0"/>
+          <a:ext cx="0" cy="0"/>
+          <a:chOff x="0" y="0"/>
+          <a:chExt cx="0" cy="0"/>
+        </a:xfrm>
+      </p:grpSpPr>
+      <p:pic>
+        <p:nvPicPr>
+          <p:cNvPr id="4" name="Picture 3">
+            <a:extLst>
+              <a:ext uri="{FF2B5EF4-FFF2-40B4-BE49-F238E27FC236}">
+                <a16:creationId xmlns:a16="http://schemas.microsoft.com/office/drawing/2014/main" id="{B759218E-A635-433B-B71D-157249449D93}"/>
+              </a:ext>
+            </a:extLst>
+          </p:cNvPr>
+          <p:cNvPicPr/>
+          <p:nvPr/>
+        </p:nvPicPr>
+        <p:blipFill>
+          <a:blip r:embed="rId2"/>
+          <a:stretch>
+            <a:fillRect/>
+          </a:stretch>
+        </p:blipFill>
+        <p:spPr>
+          <a:xfrm>
+            <a:off x="7168308" y="1235916"/>
+            <a:ext cx="4596221" cy="4117749"/>
+          </a:xfrm>
+          <a:prstGeom prst="rect">
+            <a:avLst/>
+          </a:prstGeom>
+        </p:spPr>
+      </p:pic>
+      <p:sp>
+        <p:nvSpPr>
+          <p:cNvPr id="2" name="Title 1">
+            <a:extLst>
+              <a:ext uri="{FF2B5EF4-FFF2-40B4-BE49-F238E27FC236}">
+                <a16:creationId xmlns:a16="http://schemas.microsoft.com/office/drawing/2014/main" id="{11CFEAA0-FD65-467A-908A-1D9B480CAC39}"/>
+              </a:ext>
+            </a:extLst>
+          </p:cNvPr>
+          <p:cNvSpPr>
+            <a:spLocks noGrp="1"/>
+          </p:cNvSpPr>
+          <p:nvPr>
+            <p:ph type="title"/>
+          </p:nvPr>
+        </p:nvSpPr>
+        <p:spPr>
+          <a:xfrm>
+            <a:off x="1441874" y="455180"/>
+            <a:ext cx="4501725" cy="640759"/>
+          </a:xfrm>
+        </p:spPr>
+        <p:txBody>
+          <a:bodyPr vert="horz" lIns="91440" tIns="45720" rIns="91440" bIns="45720" rtlCol="0" anchor="b">
+            <a:noAutofit/>
+          </a:bodyPr>
+          <a:lstStyle/>
+          <a:p>
+            <a:pPr algn="r"/>
+            <a:r>
+              <a:rPr lang="en-US" b="1">
+                <a:solidFill>
+                  <a:srgbClr val="0000FF"/>
+                </a:solidFill>
+                <a:latin typeface="Times New Roman" panose="02020603050405020304" pitchFamily="18" charset="0"/>
+                <a:cs typeface="Times New Roman" panose="02020603050405020304" pitchFamily="18" charset="0"/>
+              </a:rPr>
+              <a:t>Constituency Parse</a:t>
+            </a:r>
+          </a:p>
+        </p:txBody>
+      </p:sp>
+      <p:sp>
+        <p:nvSpPr>
+          <p:cNvPr id="3" name="Content Placeholder 2">
+            <a:extLst>
+              <a:ext uri="{FF2B5EF4-FFF2-40B4-BE49-F238E27FC236}">
+                <a16:creationId xmlns:a16="http://schemas.microsoft.com/office/drawing/2014/main" id="{B2A15174-E921-43A0-9EFE-5FF1CABA6A2B}"/>
+              </a:ext>
+            </a:extLst>
+          </p:cNvPr>
+          <p:cNvSpPr>
+            <a:spLocks noGrp="1"/>
+          </p:cNvSpPr>
+          <p:nvPr>
+            <p:ph idx="1"/>
+          </p:nvPr>
+        </p:nvSpPr>
+        <p:spPr>
+          <a:xfrm>
+            <a:off x="1584968" y="2515805"/>
+            <a:ext cx="4913364" cy="1826389"/>
+          </a:xfrm>
+        </p:spPr>
+        <p:txBody>
+          <a:bodyPr vert="horz" lIns="91440" tIns="45720" rIns="91440" bIns="45720" rtlCol="0" anchor="t">
+            <a:noAutofit/>
+          </a:bodyPr>
+          <a:lstStyle/>
+          <a:p>
+            <a:pPr marL="0" indent="0">
+              <a:buNone/>
+            </a:pPr>
+            <a:r>
+              <a:rPr lang="en-US" sz="2600">
+                <a:latin typeface="Times New Roman" panose="02020603050405020304" pitchFamily="18" charset="0"/>
+                <a:cs typeface="Times New Roman" panose="02020603050405020304" pitchFamily="18" charset="0"/>
+              </a:rPr>
+              <a:t>Tách câu thành từng phần (cụm từ) sau đó tiếp tục tách thành từng phần nhỏ hơn.</a:t>
+            </a:r>
+          </a:p>
+        </p:txBody>
+      </p:sp>
+    </p:spTree>
+    <p:extLst>
+      <p:ext uri="{BB962C8B-B14F-4D97-AF65-F5344CB8AC3E}">
+        <p14:creationId xmlns:p14="http://schemas.microsoft.com/office/powerpoint/2010/main" val="2348998020"/>
+      </p:ext>
+    </p:extLst>
+  </p:cSld>
+  <p:clrMapOvr>
+    <a:masterClrMapping/>
+  </p:clrMapOvr>
+</p:sld>
+</file>
+
+<file path=ppt/slides/slide18.xml><?xml version="1.0" encoding="utf-8"?>
+<p:sld xmlns:a="http://schemas.openxmlformats.org/drawingml/2006/main" xmlns:r="http://schemas.openxmlformats.org/officeDocument/2006/relationships" xmlns:p="http://schemas.openxmlformats.org/presentationml/2006/main">
+  <p:cSld>
+    <p:spTree>
+      <p:nvGrpSpPr>
+        <p:cNvPr id="1" name=""/>
+        <p:cNvGrpSpPr/>
+        <p:nvPr/>
+      </p:nvGrpSpPr>
+      <p:grpSpPr>
+        <a:xfrm>
+          <a:off x="0" y="0"/>
+          <a:ext cx="0" cy="0"/>
+          <a:chOff x="0" y="0"/>
+          <a:chExt cx="0" cy="0"/>
+        </a:xfrm>
+      </p:grpSpPr>
+      <p:sp>
+        <p:nvSpPr>
+          <p:cNvPr id="2" name="Title 1">
+            <a:extLst>
+              <a:ext uri="{FF2B5EF4-FFF2-40B4-BE49-F238E27FC236}">
+                <a16:creationId xmlns:a16="http://schemas.microsoft.com/office/drawing/2014/main" id="{6BB17E34-0395-432B-8A49-ED2D42FFBCB7}"/>
+              </a:ext>
+            </a:extLst>
+          </p:cNvPr>
+          <p:cNvSpPr>
+            <a:spLocks noGrp="1"/>
+          </p:cNvSpPr>
+          <p:nvPr>
+            <p:ph type="title"/>
+          </p:nvPr>
+        </p:nvSpPr>
+        <p:spPr>
+          <a:xfrm>
+            <a:off x="1351574" y="429162"/>
+            <a:ext cx="1834078" cy="877529"/>
+          </a:xfrm>
+        </p:spPr>
+        <p:txBody>
+          <a:bodyPr>
+            <a:normAutofit/>
+          </a:bodyPr>
+          <a:lstStyle/>
+          <a:p>
+            <a:r>
+              <a:rPr lang="en-US" b="1">
+                <a:solidFill>
+                  <a:srgbClr val="0000FF"/>
+                </a:solidFill>
+                <a:latin typeface="Times New Roman" panose="02020603050405020304" pitchFamily="18" charset="0"/>
+                <a:cs typeface="Times New Roman" panose="02020603050405020304" pitchFamily="18" charset="0"/>
+              </a:rPr>
+              <a:t>Ví dụ</a:t>
+            </a:r>
+          </a:p>
+        </p:txBody>
+      </p:sp>
+      <p:sp>
+        <p:nvSpPr>
+          <p:cNvPr id="3" name="Content Placeholder 2">
+            <a:extLst>
+              <a:ext uri="{FF2B5EF4-FFF2-40B4-BE49-F238E27FC236}">
+                <a16:creationId xmlns:a16="http://schemas.microsoft.com/office/drawing/2014/main" id="{61369707-3410-42ED-9E72-D16FA03D07D4}"/>
+              </a:ext>
+            </a:extLst>
+          </p:cNvPr>
+          <p:cNvSpPr>
+            <a:spLocks noGrp="1"/>
+          </p:cNvSpPr>
+          <p:nvPr>
+            <p:ph idx="1"/>
+          </p:nvPr>
+        </p:nvSpPr>
+        <p:spPr>
+          <a:xfrm>
+            <a:off x="1351574" y="1607575"/>
+            <a:ext cx="5329446" cy="1542202"/>
+          </a:xfrm>
+        </p:spPr>
+        <p:txBody>
+          <a:bodyPr>
+            <a:noAutofit/>
+          </a:bodyPr>
+          <a:lstStyle/>
+          <a:p>
+            <a:pPr marL="0" indent="0">
+              <a:buNone/>
+            </a:pPr>
+            <a:r>
+              <a:rPr lang="en-US" sz="2600" b="1">
+                <a:latin typeface="Times New Roman" panose="02020603050405020304" pitchFamily="18" charset="0"/>
+                <a:cs typeface="Times New Roman" panose="02020603050405020304" pitchFamily="18" charset="0"/>
+              </a:rPr>
+              <a:t>Input:</a:t>
+            </a:r>
+          </a:p>
+          <a:p>
+            <a:pPr marL="0" indent="0">
+              <a:buNone/>
+            </a:pPr>
+            <a:r>
+              <a:rPr lang="en-US" sz="2600">
+                <a:latin typeface="Times New Roman" panose="02020603050405020304" pitchFamily="18" charset="0"/>
+                <a:cs typeface="Times New Roman" panose="02020603050405020304" pitchFamily="18" charset="0"/>
+              </a:rPr>
+              <a:t>“This is an example of dependency grammar”</a:t>
+            </a:r>
+          </a:p>
+        </p:txBody>
+      </p:sp>
+      <p:pic>
+        <p:nvPicPr>
+          <p:cNvPr id="4" name="Picture 3">
+            <a:extLst>
+              <a:ext uri="{FF2B5EF4-FFF2-40B4-BE49-F238E27FC236}">
+                <a16:creationId xmlns:a16="http://schemas.microsoft.com/office/drawing/2014/main" id="{EEF02EBA-4598-4F29-A57F-246FEC1A900A}"/>
+              </a:ext>
+            </a:extLst>
+          </p:cNvPr>
+          <p:cNvPicPr/>
+          <p:nvPr/>
+        </p:nvPicPr>
+        <p:blipFill>
+          <a:blip r:embed="rId3">
+            <a:extLst>
+              <a:ext uri="{28A0092B-C50C-407E-A947-70E740481C1C}">
+                <a14:useLocalDpi xmlns:a14="http://schemas.microsoft.com/office/drawing/2010/main" val="0"/>
+              </a:ext>
+            </a:extLst>
+          </a:blip>
+          <a:stretch>
+            <a:fillRect/>
+          </a:stretch>
+        </p:blipFill>
+        <p:spPr>
+          <a:xfrm>
+            <a:off x="6448596" y="1272010"/>
+            <a:ext cx="5597869" cy="2016880"/>
+          </a:xfrm>
+          <a:prstGeom prst="rect">
+            <a:avLst/>
+          </a:prstGeom>
+        </p:spPr>
+      </p:pic>
+      <p:sp>
+        <p:nvSpPr>
+          <p:cNvPr id="5" name="TextBox 4">
+            <a:extLst>
+              <a:ext uri="{FF2B5EF4-FFF2-40B4-BE49-F238E27FC236}">
+                <a16:creationId xmlns:a16="http://schemas.microsoft.com/office/drawing/2014/main" id="{FC15F14F-7B50-4E4C-89D4-BFC0A467C3ED}"/>
+              </a:ext>
+            </a:extLst>
+          </p:cNvPr>
+          <p:cNvSpPr txBox="1"/>
+          <p:nvPr/>
+        </p:nvSpPr>
+        <p:spPr>
+          <a:xfrm>
+            <a:off x="1356310" y="3737722"/>
+            <a:ext cx="10061039" cy="2492990"/>
+          </a:xfrm>
+          <a:prstGeom prst="rect">
+            <a:avLst/>
+          </a:prstGeom>
+          <a:noFill/>
+        </p:spPr>
+        <p:txBody>
+          <a:bodyPr wrap="square" rtlCol="0">
+            <a:spAutoFit/>
+          </a:bodyPr>
+          <a:lstStyle/>
+          <a:p>
+            <a:r>
+              <a:rPr lang="en-US" sz="2600" b="1">
+                <a:latin typeface="Times New Roman" panose="02020603050405020304" pitchFamily="18" charset="0"/>
+                <a:cs typeface="Times New Roman" panose="02020603050405020304" pitchFamily="18" charset="0"/>
+              </a:rPr>
+              <a:t>Output: </a:t>
+            </a:r>
+          </a:p>
+          <a:p>
+            <a:r>
+              <a:rPr lang="en-US" sz="2600">
+                <a:latin typeface="Times New Roman" panose="02020603050405020304" pitchFamily="18" charset="0"/>
+                <a:cs typeface="Times New Roman" panose="02020603050405020304" pitchFamily="18" charset="0"/>
+              </a:rPr>
+              <a:t>	- S là “sentence”, nút gốc của cây</a:t>
+            </a:r>
+          </a:p>
+          <a:p>
+            <a:r>
+              <a:rPr lang="en-US" sz="2600">
+                <a:latin typeface="Times New Roman" panose="02020603050405020304" pitchFamily="18" charset="0"/>
+                <a:cs typeface="Times New Roman" panose="02020603050405020304" pitchFamily="18" charset="0"/>
+              </a:rPr>
+              <a:t>	- Các từ “NP”, “VP”, “PP” chỉ loại của cụm từ, trong đó “NP” là cụm 	  danh từ, “VP” là cụm động từ, “PP” là cụm giới từ</a:t>
+            </a:r>
+          </a:p>
+          <a:p>
+            <a:r>
+              <a:rPr lang="en-US" sz="2600">
+                <a:latin typeface="Times New Roman" panose="02020603050405020304" pitchFamily="18" charset="0"/>
+                <a:cs typeface="Times New Roman" panose="02020603050405020304" pitchFamily="18" charset="0"/>
+              </a:rPr>
+              <a:t>	- Các từ “DT”, VBZ”, “IN”, “JJ”, “NN” là nhãn của từ trong Penn 		  TreeBank</a:t>
+            </a:r>
+          </a:p>
+        </p:txBody>
+      </p:sp>
+    </p:spTree>
+    <p:extLst>
+      <p:ext uri="{BB962C8B-B14F-4D97-AF65-F5344CB8AC3E}">
+        <p14:creationId xmlns:p14="http://schemas.microsoft.com/office/powerpoint/2010/main" val="1295236929"/>
+      </p:ext>
+    </p:extLst>
+  </p:cSld>
+  <p:clrMapOvr>
+    <a:masterClrMapping/>
+  </p:clrMapOvr>
+</p:sld>
+</file>
+
+<file path=ppt/slides/slide19.xml><?xml version="1.0" encoding="utf-8"?>
+<p:sld xmlns:a="http://schemas.openxmlformats.org/drawingml/2006/main" xmlns:r="http://schemas.openxmlformats.org/officeDocument/2006/relationships" xmlns:p="http://schemas.openxmlformats.org/presentationml/2006/main">
+  <p:cSld>
+    <p:spTree>
+      <p:nvGrpSpPr>
+        <p:cNvPr id="1" name=""/>
+        <p:cNvGrpSpPr/>
+        <p:nvPr/>
+      </p:nvGrpSpPr>
+      <p:grpSpPr>
+        <a:xfrm>
+          <a:off x="0" y="0"/>
+          <a:ext cx="0" cy="0"/>
+          <a:chOff x="0" y="0"/>
+          <a:chExt cx="0" cy="0"/>
+        </a:xfrm>
+      </p:grpSpPr>
+      <p:sp>
+        <p:nvSpPr>
+          <p:cNvPr id="2" name="Title 1">
+            <a:extLst>
+              <a:ext uri="{FF2B5EF4-FFF2-40B4-BE49-F238E27FC236}">
+                <a16:creationId xmlns:a16="http://schemas.microsoft.com/office/drawing/2014/main" id="{946C940A-EECC-4E71-B937-72798D5C63C0}"/>
+              </a:ext>
+            </a:extLst>
+          </p:cNvPr>
+          <p:cNvSpPr>
+            <a:spLocks noGrp="1"/>
+          </p:cNvSpPr>
+          <p:nvPr>
+            <p:ph type="title"/>
+          </p:nvPr>
+        </p:nvSpPr>
+        <p:spPr>
+          <a:xfrm>
+            <a:off x="1381947" y="230454"/>
+            <a:ext cx="4660491" cy="1020098"/>
+          </a:xfrm>
+        </p:spPr>
+        <p:txBody>
+          <a:bodyPr/>
+          <a:lstStyle/>
+          <a:p>
+            <a:r>
+              <a:rPr lang="en-US" b="1">
+                <a:solidFill>
+                  <a:srgbClr val="0000FF"/>
+                </a:solidFill>
+                <a:latin typeface="Times New Roman" panose="02020603050405020304" pitchFamily="18" charset="0"/>
+                <a:cs typeface="Times New Roman" panose="02020603050405020304" pitchFamily="18" charset="0"/>
+              </a:rPr>
+              <a:t>D</a:t>
+            </a:r>
+            <a:r>
+              <a:rPr lang="vi-VN" b="1">
+                <a:solidFill>
+                  <a:srgbClr val="0000FF"/>
+                </a:solidFill>
+                <a:latin typeface="Times New Roman" panose="02020603050405020304" pitchFamily="18" charset="0"/>
+                <a:cs typeface="Times New Roman" panose="02020603050405020304" pitchFamily="18" charset="0"/>
+              </a:rPr>
+              <a:t>ependency </a:t>
+            </a:r>
+            <a:r>
+              <a:rPr lang="en-US" b="1">
+                <a:solidFill>
+                  <a:srgbClr val="0000FF"/>
+                </a:solidFill>
+                <a:latin typeface="Times New Roman" panose="02020603050405020304" pitchFamily="18" charset="0"/>
+                <a:cs typeface="Times New Roman" panose="02020603050405020304" pitchFamily="18" charset="0"/>
+              </a:rPr>
+              <a:t>P</a:t>
+            </a:r>
+            <a:r>
+              <a:rPr lang="vi-VN" b="1">
+                <a:solidFill>
+                  <a:srgbClr val="0000FF"/>
+                </a:solidFill>
+                <a:latin typeface="Times New Roman" panose="02020603050405020304" pitchFamily="18" charset="0"/>
+                <a:cs typeface="Times New Roman" panose="02020603050405020304" pitchFamily="18" charset="0"/>
+              </a:rPr>
+              <a:t>arse</a:t>
+            </a:r>
+            <a:endParaRPr lang="en-US" b="1">
+              <a:solidFill>
+                <a:srgbClr val="0000FF"/>
+              </a:solidFill>
+              <a:latin typeface="Times New Roman" panose="02020603050405020304" pitchFamily="18" charset="0"/>
+              <a:cs typeface="Times New Roman" panose="02020603050405020304" pitchFamily="18" charset="0"/>
+            </a:endParaRPr>
+          </a:p>
+        </p:txBody>
+      </p:sp>
+      <p:sp>
+        <p:nvSpPr>
+          <p:cNvPr id="3" name="Content Placeholder 2">
+            <a:extLst>
+              <a:ext uri="{FF2B5EF4-FFF2-40B4-BE49-F238E27FC236}">
+                <a16:creationId xmlns:a16="http://schemas.microsoft.com/office/drawing/2014/main" id="{8EFF4B83-A453-45FF-98DF-A8540DA65EFB}"/>
+              </a:ext>
+            </a:extLst>
+          </p:cNvPr>
+          <p:cNvSpPr>
+            <a:spLocks noGrp="1"/>
+          </p:cNvSpPr>
+          <p:nvPr>
+            <p:ph idx="1"/>
+          </p:nvPr>
+        </p:nvSpPr>
+        <p:spPr>
+          <a:xfrm>
+            <a:off x="1786305" y="1433448"/>
+            <a:ext cx="5314695" cy="646331"/>
+          </a:xfrm>
+        </p:spPr>
+        <p:txBody>
+          <a:bodyPr>
+            <a:normAutofit/>
+          </a:bodyPr>
+          <a:lstStyle/>
+          <a:p>
+            <a:pPr marL="0" indent="0">
+              <a:buNone/>
+            </a:pPr>
+            <a:r>
+              <a:rPr lang="en-US" sz="2600">
+                <a:latin typeface="Times New Roman" panose="02020603050405020304" pitchFamily="18" charset="0"/>
+                <a:cs typeface="Times New Roman" panose="02020603050405020304" pitchFamily="18" charset="0"/>
+              </a:rPr>
+              <a:t>Vẽ đ</a:t>
+            </a:r>
+            <a:r>
+              <a:rPr lang="vi-VN" sz="2600">
+                <a:latin typeface="Times New Roman" panose="02020603050405020304" pitchFamily="18" charset="0"/>
+                <a:cs typeface="Times New Roman" panose="02020603050405020304" pitchFamily="18" charset="0"/>
+              </a:rPr>
+              <a:t>ư</a:t>
+            </a:r>
+            <a:r>
+              <a:rPr lang="en-US" sz="2600">
+                <a:latin typeface="Times New Roman" panose="02020603050405020304" pitchFamily="18" charset="0"/>
+                <a:cs typeface="Times New Roman" panose="02020603050405020304" pitchFamily="18" charset="0"/>
+              </a:rPr>
+              <a:t>ờng liên hệ giữa các từ</a:t>
+            </a:r>
+          </a:p>
+        </p:txBody>
+      </p:sp>
+      <p:pic>
+        <p:nvPicPr>
+          <p:cNvPr id="5" name="Picture 4">
+            <a:extLst>
+              <a:ext uri="{FF2B5EF4-FFF2-40B4-BE49-F238E27FC236}">
+                <a16:creationId xmlns:a16="http://schemas.microsoft.com/office/drawing/2014/main" id="{867AA35C-1B43-4B0F-A5DA-EFFFB4C2183F}"/>
+              </a:ext>
+            </a:extLst>
+          </p:cNvPr>
+          <p:cNvPicPr>
+            <a:picLocks noChangeAspect="1"/>
+          </p:cNvPicPr>
+          <p:nvPr/>
+        </p:nvPicPr>
+        <p:blipFill>
+          <a:blip r:embed="rId2"/>
+          <a:stretch>
+            <a:fillRect/>
+          </a:stretch>
+        </p:blipFill>
+        <p:spPr>
+          <a:xfrm>
+            <a:off x="2954878" y="2410159"/>
+            <a:ext cx="7299449" cy="1526457"/>
+          </a:xfrm>
+          <a:prstGeom prst="rect">
+            <a:avLst/>
+          </a:prstGeom>
+        </p:spPr>
+      </p:pic>
+      <p:sp>
+        <p:nvSpPr>
+          <p:cNvPr id="6" name="TextBox 5">
+            <a:extLst>
+              <a:ext uri="{FF2B5EF4-FFF2-40B4-BE49-F238E27FC236}">
+                <a16:creationId xmlns:a16="http://schemas.microsoft.com/office/drawing/2014/main" id="{D64297A2-3015-4C30-881E-C8ACA8A9C596}"/>
+              </a:ext>
+            </a:extLst>
+          </p:cNvPr>
+          <p:cNvSpPr txBox="1"/>
+          <p:nvPr/>
+        </p:nvSpPr>
+        <p:spPr>
+          <a:xfrm>
+            <a:off x="1165124" y="4589506"/>
+            <a:ext cx="11356258" cy="1061829"/>
+          </a:xfrm>
+          <a:prstGeom prst="rect">
+            <a:avLst/>
+          </a:prstGeom>
+          <a:noFill/>
+        </p:spPr>
+        <p:txBody>
+          <a:bodyPr wrap="square" rtlCol="0">
+            <a:spAutoFit/>
+          </a:bodyPr>
+          <a:lstStyle/>
+          <a:p>
+            <a:pPr>
+              <a:spcAft>
+                <a:spcPts val="1800"/>
+              </a:spcAft>
+            </a:pPr>
+            <a:r>
+              <a:rPr lang="en-US" sz="2400">
+                <a:latin typeface="Times New Roman" panose="02020603050405020304" pitchFamily="18" charset="0"/>
+                <a:cs typeface="Times New Roman" panose="02020603050405020304" pitchFamily="18" charset="0"/>
+              </a:rPr>
+              <a:t>Mũi tên chỉ từ “example” đến “this” nghĩa là từ “this” làm ảnh h</a:t>
+            </a:r>
+            <a:r>
+              <a:rPr lang="vi-VN" sz="2400">
+                <a:latin typeface="Times New Roman" panose="02020603050405020304" pitchFamily="18" charset="0"/>
+                <a:cs typeface="Times New Roman" panose="02020603050405020304" pitchFamily="18" charset="0"/>
+              </a:rPr>
+              <a:t>ư</a:t>
+            </a:r>
+            <a:r>
+              <a:rPr lang="en-US" sz="2400">
+                <a:latin typeface="Times New Roman" panose="02020603050405020304" pitchFamily="18" charset="0"/>
+                <a:cs typeface="Times New Roman" panose="02020603050405020304" pitchFamily="18" charset="0"/>
+              </a:rPr>
+              <a:t>ởng đến từ “axample”. </a:t>
+            </a:r>
+          </a:p>
+          <a:p>
+            <a:pPr>
+              <a:spcAft>
+                <a:spcPts val="1800"/>
+              </a:spcAft>
+            </a:pPr>
+            <a:r>
+              <a:rPr lang="en-US" sz="2400">
+                <a:latin typeface="Times New Roman" panose="02020603050405020304" pitchFamily="18" charset="0"/>
+                <a:cs typeface="Times New Roman" panose="02020603050405020304" pitchFamily="18" charset="0"/>
+              </a:rPr>
+              <a:t>“nsubj” chỉ loại mối liên hệ giữa từ “example” và “this”</a:t>
+            </a:r>
+          </a:p>
+        </p:txBody>
+      </p:sp>
+    </p:spTree>
+    <p:extLst>
+      <p:ext uri="{BB962C8B-B14F-4D97-AF65-F5344CB8AC3E}">
+        <p14:creationId xmlns:p14="http://schemas.microsoft.com/office/powerpoint/2010/main" val="2257722130"/>
+      </p:ext>
+    </p:extLst>
+  </p:cSld>
+  <p:clrMapOvr>
+    <a:masterClrMapping/>
+  </p:clrMapOvr>
+</p:sld>
+</file>
+
+<file path=ppt/slides/slide2.xml><?xml version="1.0" encoding="utf-8"?>
+<p:sld xmlns:a="http://schemas.openxmlformats.org/drawingml/2006/main" xmlns:r="http://schemas.openxmlformats.org/officeDocument/2006/relationships" xmlns:p="http://schemas.openxmlformats.org/presentationml/2006/main">
+  <p:cSld>
+    <p:spTree>
+      <p:nvGrpSpPr>
+        <p:cNvPr id="1" name=""/>
+        <p:cNvGrpSpPr/>
+        <p:nvPr/>
+      </p:nvGrpSpPr>
+      <p:grpSpPr>
+        <a:xfrm>
+          <a:off x="0" y="0"/>
+          <a:ext cx="0" cy="0"/>
+          <a:chOff x="0" y="0"/>
+          <a:chExt cx="0" cy="0"/>
+        </a:xfrm>
+      </p:grpSpPr>
+      <p:sp>
+        <p:nvSpPr>
+          <p:cNvPr id="2" name="Title 1">
+            <a:extLst>
+              <a:ext uri="{FF2B5EF4-FFF2-40B4-BE49-F238E27FC236}">
+                <a16:creationId xmlns:a16="http://schemas.microsoft.com/office/drawing/2014/main" id="{11DE62A2-70BD-4054-8726-5F66199E19F1}"/>
+              </a:ext>
+            </a:extLst>
+          </p:cNvPr>
+          <p:cNvSpPr>
+            <a:spLocks noGrp="1"/>
+          </p:cNvSpPr>
+          <p:nvPr>
+            <p:ph type="title"/>
+          </p:nvPr>
+        </p:nvSpPr>
+        <p:spPr>
+          <a:xfrm>
+            <a:off x="1568245" y="251952"/>
+            <a:ext cx="4911213" cy="1128252"/>
+          </a:xfrm>
+        </p:spPr>
+        <p:txBody>
+          <a:bodyPr/>
+          <a:lstStyle/>
+          <a:p>
+            <a:pPr algn="l"/>
+            <a:r>
+              <a:rPr lang="en-US" b="1">
+                <a:solidFill>
+                  <a:srgbClr val="0000FF"/>
+                </a:solidFill>
+                <a:latin typeface="Times New Roman" panose="02020603050405020304" pitchFamily="18" charset="0"/>
+                <a:cs typeface="Times New Roman" panose="02020603050405020304" pitchFamily="18" charset="0"/>
+              </a:rPr>
+              <a:t>Thành viên nhóm</a:t>
+            </a:r>
+          </a:p>
+        </p:txBody>
+      </p:sp>
+      <p:sp>
+        <p:nvSpPr>
+          <p:cNvPr id="3" name="Content Placeholder 2">
+            <a:extLst>
+              <a:ext uri="{FF2B5EF4-FFF2-40B4-BE49-F238E27FC236}">
+                <a16:creationId xmlns:a16="http://schemas.microsoft.com/office/drawing/2014/main" id="{70BE8753-D59F-43F8-9425-932D86987DBD}"/>
+              </a:ext>
+            </a:extLst>
+          </p:cNvPr>
+          <p:cNvSpPr>
+            <a:spLocks noGrp="1"/>
+          </p:cNvSpPr>
+          <p:nvPr>
+            <p:ph idx="1"/>
+          </p:nvPr>
+        </p:nvSpPr>
+        <p:spPr>
+          <a:xfrm>
+            <a:off x="3308555" y="1763664"/>
+            <a:ext cx="6341806" cy="4961602"/>
+          </a:xfrm>
+        </p:spPr>
+        <p:txBody>
+          <a:bodyPr>
+            <a:normAutofit/>
+          </a:bodyPr>
+          <a:lstStyle/>
+          <a:p>
+            <a:pPr marL="0" indent="0">
+              <a:lnSpc>
+                <a:spcPct val="150000"/>
+              </a:lnSpc>
+              <a:buNone/>
+            </a:pPr>
+            <a:r>
+              <a:rPr lang="en-US" sz="2800">
+                <a:latin typeface="Times New Roman" panose="02020603050405020304" pitchFamily="18" charset="0"/>
+                <a:cs typeface="Times New Roman" panose="02020603050405020304" pitchFamily="18" charset="0"/>
+              </a:rPr>
+              <a:t>1412503 - Nguyễn Thị Thanh Thảo</a:t>
+            </a:r>
+          </a:p>
+          <a:p>
+            <a:pPr marL="0" indent="0">
+              <a:lnSpc>
+                <a:spcPct val="150000"/>
+              </a:lnSpc>
+              <a:buNone/>
+            </a:pPr>
+            <a:r>
+              <a:rPr lang="en-US" sz="2800">
+                <a:latin typeface="Times New Roman" panose="02020603050405020304" pitchFamily="18" charset="0"/>
+                <a:cs typeface="Times New Roman" panose="02020603050405020304" pitchFamily="18" charset="0"/>
+              </a:rPr>
+              <a:t>1412520 – Nguyễn Hoàng Thi </a:t>
+            </a:r>
+          </a:p>
+          <a:p>
+            <a:pPr marL="0" indent="0">
+              <a:lnSpc>
+                <a:spcPct val="150000"/>
+              </a:lnSpc>
+              <a:buNone/>
+            </a:pPr>
+            <a:r>
+              <a:rPr lang="en-US" sz="2800">
+                <a:latin typeface="Times New Roman" panose="02020603050405020304" pitchFamily="18" charset="0"/>
+                <a:cs typeface="Times New Roman" panose="02020603050405020304" pitchFamily="18" charset="0"/>
+              </a:rPr>
+              <a:t>1412542 - Nguyễn Hà Tiên</a:t>
+            </a:r>
+          </a:p>
+          <a:p>
+            <a:pPr marL="0" indent="0">
+              <a:lnSpc>
+                <a:spcPct val="150000"/>
+              </a:lnSpc>
+              <a:buNone/>
+            </a:pPr>
+            <a:r>
+              <a:rPr lang="en-US" sz="2800">
+                <a:latin typeface="Times New Roman" panose="02020603050405020304" pitchFamily="18" charset="0"/>
+                <a:cs typeface="Times New Roman" panose="02020603050405020304" pitchFamily="18" charset="0"/>
+              </a:rPr>
+              <a:t>1412543 - Nguyễn Thủy Tiên</a:t>
+            </a:r>
+          </a:p>
+          <a:p>
+            <a:pPr marL="0" indent="0">
+              <a:lnSpc>
+                <a:spcPct val="150000"/>
+              </a:lnSpc>
+              <a:buNone/>
+            </a:pPr>
+            <a:r>
+              <a:rPr lang="en-US" sz="2800">
+                <a:latin typeface="Times New Roman" panose="02020603050405020304" pitchFamily="18" charset="0"/>
+                <a:cs typeface="Times New Roman" panose="02020603050405020304" pitchFamily="18" charset="0"/>
+              </a:rPr>
+              <a:t>1412595 - Võ Thị Thanh Trúc</a:t>
+            </a:r>
+          </a:p>
+          <a:p>
+            <a:endParaRPr lang="en-US" sz="2800"/>
+          </a:p>
+        </p:txBody>
+      </p:sp>
+    </p:spTree>
+    <p:extLst>
+      <p:ext uri="{BB962C8B-B14F-4D97-AF65-F5344CB8AC3E}">
+        <p14:creationId xmlns:p14="http://schemas.microsoft.com/office/powerpoint/2010/main" val="1532792253"/>
+      </p:ext>
+    </p:extLst>
+  </p:cSld>
+  <p:clrMapOvr>
+    <a:masterClrMapping/>
+  </p:clrMapOvr>
+</p:sld>
+</file>
+
+<file path=ppt/slides/slide20.xml><?xml version="1.0" encoding="utf-8"?>
+<p:sld xmlns:a="http://schemas.openxmlformats.org/drawingml/2006/main" xmlns:r="http://schemas.openxmlformats.org/officeDocument/2006/relationships" xmlns:p="http://schemas.openxmlformats.org/presentationml/2006/main">
+  <p:cSld>
+    <p:spTree>
+      <p:nvGrpSpPr>
+        <p:cNvPr id="1" name=""/>
+        <p:cNvGrpSpPr/>
+        <p:nvPr/>
+      </p:nvGrpSpPr>
+      <p:grpSpPr>
+        <a:xfrm>
+          <a:off x="0" y="0"/>
+          <a:ext cx="0" cy="0"/>
+          <a:chOff x="0" y="0"/>
+          <a:chExt cx="0" cy="0"/>
+        </a:xfrm>
+      </p:grpSpPr>
+      <p:sp>
+        <p:nvSpPr>
+          <p:cNvPr id="2" name="Title 1">
+            <a:extLst>
+              <a:ext uri="{FF2B5EF4-FFF2-40B4-BE49-F238E27FC236}">
+                <a16:creationId xmlns:a16="http://schemas.microsoft.com/office/drawing/2014/main" id="{9987F1D9-F897-4BF6-A4A9-65B472BF70C2}"/>
+              </a:ext>
+            </a:extLst>
+          </p:cNvPr>
+          <p:cNvSpPr>
+            <a:spLocks noGrp="1"/>
+          </p:cNvSpPr>
+          <p:nvPr>
+            <p:ph type="title"/>
+          </p:nvPr>
+        </p:nvSpPr>
+        <p:spPr>
+          <a:xfrm>
+            <a:off x="1499059" y="357802"/>
+            <a:ext cx="1622324" cy="848032"/>
+          </a:xfrm>
+        </p:spPr>
+        <p:txBody>
+          <a:bodyPr>
+            <a:normAutofit/>
+          </a:bodyPr>
+          <a:lstStyle/>
+          <a:p>
+            <a:r>
+              <a:rPr lang="en-US" b="1">
+                <a:solidFill>
+                  <a:srgbClr val="0000FF"/>
+                </a:solidFill>
+                <a:latin typeface="Times New Roman" panose="02020603050405020304" pitchFamily="18" charset="0"/>
+                <a:cs typeface="Times New Roman" panose="02020603050405020304" pitchFamily="18" charset="0"/>
+              </a:rPr>
+              <a:t>Ví dụ</a:t>
+            </a:r>
+          </a:p>
+        </p:txBody>
+      </p:sp>
+      <p:sp>
+        <p:nvSpPr>
+          <p:cNvPr id="3" name="Content Placeholder 2">
+            <a:extLst>
+              <a:ext uri="{FF2B5EF4-FFF2-40B4-BE49-F238E27FC236}">
+                <a16:creationId xmlns:a16="http://schemas.microsoft.com/office/drawing/2014/main" id="{C99B1C64-EFF2-4305-9402-932FE886757F}"/>
+              </a:ext>
+            </a:extLst>
+          </p:cNvPr>
+          <p:cNvSpPr>
+            <a:spLocks noGrp="1"/>
+          </p:cNvSpPr>
+          <p:nvPr>
+            <p:ph idx="1"/>
+          </p:nvPr>
+        </p:nvSpPr>
+        <p:spPr>
+          <a:xfrm>
+            <a:off x="1499059" y="1415844"/>
+            <a:ext cx="4827999" cy="1622323"/>
+          </a:xfrm>
+        </p:spPr>
+        <p:txBody>
+          <a:bodyPr>
+            <a:noAutofit/>
+          </a:bodyPr>
+          <a:lstStyle/>
+          <a:p>
+            <a:pPr marL="0" indent="0">
+              <a:buNone/>
+            </a:pPr>
+            <a:r>
+              <a:rPr lang="en-US" sz="2600" b="1">
+                <a:latin typeface="Times New Roman" panose="02020603050405020304" pitchFamily="18" charset="0"/>
+                <a:cs typeface="Times New Roman" panose="02020603050405020304" pitchFamily="18" charset="0"/>
+              </a:rPr>
+              <a:t>Input:</a:t>
+            </a:r>
+          </a:p>
+          <a:p>
+            <a:pPr marL="0" indent="0">
+              <a:buNone/>
+            </a:pPr>
+            <a:r>
+              <a:rPr lang="en-US" sz="2600">
+                <a:latin typeface="Times New Roman" panose="02020603050405020304" pitchFamily="18" charset="0"/>
+                <a:cs typeface="Times New Roman" panose="02020603050405020304" pitchFamily="18" charset="0"/>
+              </a:rPr>
+              <a:t>“This is an example of dependency grammar”</a:t>
+            </a:r>
+          </a:p>
+        </p:txBody>
+      </p:sp>
+      <p:pic>
+        <p:nvPicPr>
+          <p:cNvPr id="4" name="Picture 3">
+            <a:extLst>
+              <a:ext uri="{FF2B5EF4-FFF2-40B4-BE49-F238E27FC236}">
+                <a16:creationId xmlns:a16="http://schemas.microsoft.com/office/drawing/2014/main" id="{A8638AC6-5CAE-409E-BDA6-723F66EA9761}"/>
+              </a:ext>
+            </a:extLst>
+          </p:cNvPr>
+          <p:cNvPicPr/>
+          <p:nvPr/>
+        </p:nvPicPr>
+        <p:blipFill>
+          <a:blip r:embed="rId2">
+            <a:extLst>
+              <a:ext uri="{28A0092B-C50C-407E-A947-70E740481C1C}">
+                <a14:useLocalDpi xmlns:a14="http://schemas.microsoft.com/office/drawing/2010/main" val="0"/>
+              </a:ext>
+            </a:extLst>
+          </a:blip>
+          <a:stretch>
+            <a:fillRect/>
+          </a:stretch>
+        </p:blipFill>
+        <p:spPr>
+          <a:xfrm>
+            <a:off x="6758957" y="1205834"/>
+            <a:ext cx="4831105" cy="2466514"/>
+          </a:xfrm>
+          <a:prstGeom prst="rect">
+            <a:avLst/>
+          </a:prstGeom>
+        </p:spPr>
+      </p:pic>
+      <p:sp>
+        <p:nvSpPr>
+          <p:cNvPr id="6" name="TextBox 5">
+            <a:extLst>
+              <a:ext uri="{FF2B5EF4-FFF2-40B4-BE49-F238E27FC236}">
+                <a16:creationId xmlns:a16="http://schemas.microsoft.com/office/drawing/2014/main" id="{D6747176-CB55-4B08-A2E1-909DDC32B7A2}"/>
+              </a:ext>
+            </a:extLst>
+          </p:cNvPr>
+          <p:cNvSpPr txBox="1"/>
+          <p:nvPr/>
+        </p:nvSpPr>
+        <p:spPr>
+          <a:xfrm>
+            <a:off x="1499059" y="3882358"/>
+            <a:ext cx="10519796" cy="2154436"/>
+          </a:xfrm>
+          <a:prstGeom prst="rect">
+            <a:avLst/>
+          </a:prstGeom>
+          <a:noFill/>
+        </p:spPr>
+        <p:txBody>
+          <a:bodyPr wrap="square" rtlCol="0">
+            <a:spAutoFit/>
+          </a:bodyPr>
+          <a:lstStyle/>
+          <a:p>
+            <a:pPr>
+              <a:spcAft>
+                <a:spcPts val="1800"/>
+              </a:spcAft>
+            </a:pPr>
+            <a:r>
+              <a:rPr lang="en-US" sz="2600" b="1">
+                <a:latin typeface="Times New Roman" panose="02020603050405020304" pitchFamily="18" charset="0"/>
+                <a:cs typeface="Times New Roman" panose="02020603050405020304" pitchFamily="18" charset="0"/>
+              </a:rPr>
+              <a:t>Output:</a:t>
+            </a:r>
+          </a:p>
+          <a:p>
+            <a:pPr>
+              <a:spcAft>
+                <a:spcPts val="1800"/>
+              </a:spcAft>
+            </a:pPr>
+            <a:r>
+              <a:rPr lang="en-US" sz="2600">
+                <a:latin typeface="Times New Roman" panose="02020603050405020304" pitchFamily="18" charset="0"/>
+                <a:cs typeface="Times New Roman" panose="02020603050405020304" pitchFamily="18" charset="0"/>
+              </a:rPr>
+              <a:t>	Dòng 1 cho thấy từ “this” làm ảnh h</a:t>
+            </a:r>
+            <a:r>
+              <a:rPr lang="vi-VN" sz="2600">
+                <a:latin typeface="Times New Roman" panose="02020603050405020304" pitchFamily="18" charset="0"/>
+                <a:cs typeface="Times New Roman" panose="02020603050405020304" pitchFamily="18" charset="0"/>
+              </a:rPr>
+              <a:t>ư</a:t>
+            </a:r>
+            <a:r>
+              <a:rPr lang="en-US" sz="2600">
+                <a:latin typeface="Times New Roman" panose="02020603050405020304" pitchFamily="18" charset="0"/>
+                <a:cs typeface="Times New Roman" panose="02020603050405020304" pitchFamily="18" charset="0"/>
+              </a:rPr>
+              <a:t>ởng đến “example” và 2 từ này có mối liên hệ là “nsubj”,</a:t>
+            </a:r>
+          </a:p>
+          <a:p>
+            <a:pPr>
+              <a:spcAft>
+                <a:spcPts val="1800"/>
+              </a:spcAft>
+            </a:pPr>
+            <a:r>
+              <a:rPr lang="en-US" sz="2600">
+                <a:latin typeface="Times New Roman" panose="02020603050405020304" pitchFamily="18" charset="0"/>
+                <a:cs typeface="Times New Roman" panose="02020603050405020304" pitchFamily="18" charset="0"/>
+              </a:rPr>
+              <a:t>	4 và 1 là vị trí trong câu của “example” và “this”</a:t>
+            </a:r>
+          </a:p>
+        </p:txBody>
+      </p:sp>
+    </p:spTree>
+    <p:extLst>
+      <p:ext uri="{BB962C8B-B14F-4D97-AF65-F5344CB8AC3E}">
+        <p14:creationId xmlns:p14="http://schemas.microsoft.com/office/powerpoint/2010/main" val="1667417012"/>
+      </p:ext>
+    </p:extLst>
+  </p:cSld>
+  <p:clrMapOvr>
+    <a:masterClrMapping/>
+  </p:clrMapOvr>
+</p:sld>
+</file>
+
+<file path=ppt/slides/slide21.xml><?xml version="1.0" encoding="utf-8"?>
+<p:sld xmlns:a="http://schemas.openxmlformats.org/drawingml/2006/main" xmlns:r="http://schemas.openxmlformats.org/officeDocument/2006/relationships" xmlns:p="http://schemas.openxmlformats.org/presentationml/2006/main">
+  <p:cSld>
+    <p:spTree>
+      <p:nvGrpSpPr>
+        <p:cNvPr id="1" name=""/>
+        <p:cNvGrpSpPr/>
+        <p:nvPr/>
+      </p:nvGrpSpPr>
+      <p:grpSpPr>
+        <a:xfrm>
+          <a:off x="0" y="0"/>
+          <a:ext cx="0" cy="0"/>
+          <a:chOff x="0" y="0"/>
+          <a:chExt cx="0" cy="0"/>
+        </a:xfrm>
+      </p:grpSpPr>
       <p:pic>
         <p:nvPicPr>
           <p:cNvPr id="6" name="Picture 5">
@@ -15677,7 +16945,7 @@
 </p:sld>
 </file>
 
-<file path=ppt/slides/slide17.xml><?xml version="1.0" encoding="utf-8"?>
+<file path=ppt/slides/slide22.xml><?xml version="1.0" encoding="utf-8"?>
 <p:sld xmlns:a="http://schemas.openxmlformats.org/drawingml/2006/main" xmlns:r="http://schemas.openxmlformats.org/officeDocument/2006/relationships" xmlns:p="http://schemas.openxmlformats.org/presentationml/2006/main">
   <p:cSld>
     <p:spTree>
@@ -16388,7 +17656,7 @@
 </p:sld>
 </file>
 
-<file path=ppt/slides/slide18.xml><?xml version="1.0" encoding="utf-8"?>
+<file path=ppt/slides/slide23.xml><?xml version="1.0" encoding="utf-8"?>
 <p:sld xmlns:a="http://schemas.openxmlformats.org/drawingml/2006/main" xmlns:r="http://schemas.openxmlformats.org/officeDocument/2006/relationships" xmlns:p="http://schemas.openxmlformats.org/presentationml/2006/main">
   <p:cSld>
     <p:spTree>
@@ -17366,7 +18634,7 @@
 </p:sld>
 </file>
 
-<file path=ppt/slides/slide19.xml><?xml version="1.0" encoding="utf-8"?>
+<file path=ppt/slides/slide24.xml><?xml version="1.0" encoding="utf-8"?>
 <p:sld xmlns:a="http://schemas.openxmlformats.org/drawingml/2006/main" xmlns:r="http://schemas.openxmlformats.org/officeDocument/2006/relationships" xmlns:p="http://schemas.openxmlformats.org/presentationml/2006/main">
   <p:cSld>
     <p:spTree>
@@ -18929,184 +20197,7 @@
 </p:sld>
 </file>
 
-<file path=ppt/slides/slide2.xml><?xml version="1.0" encoding="utf-8"?>
-<p:sld xmlns:a="http://schemas.openxmlformats.org/drawingml/2006/main" xmlns:r="http://schemas.openxmlformats.org/officeDocument/2006/relationships" xmlns:p="http://schemas.openxmlformats.org/presentationml/2006/main">
-  <p:cSld>
-    <p:spTree>
-      <p:nvGrpSpPr>
-        <p:cNvPr id="1" name=""/>
-        <p:cNvGrpSpPr/>
-        <p:nvPr/>
-      </p:nvGrpSpPr>
-      <p:grpSpPr>
-        <a:xfrm>
-          <a:off x="0" y="0"/>
-          <a:ext cx="0" cy="0"/>
-          <a:chOff x="0" y="0"/>
-          <a:chExt cx="0" cy="0"/>
-        </a:xfrm>
-      </p:grpSpPr>
-      <p:sp>
-        <p:nvSpPr>
-          <p:cNvPr id="2" name="Title 1">
-            <a:extLst>
-              <a:ext uri="{FF2B5EF4-FFF2-40B4-BE49-F238E27FC236}">
-                <a16:creationId xmlns:a16="http://schemas.microsoft.com/office/drawing/2014/main" id="{11DE62A2-70BD-4054-8726-5F66199E19F1}"/>
-              </a:ext>
-            </a:extLst>
-          </p:cNvPr>
-          <p:cNvSpPr>
-            <a:spLocks noGrp="1"/>
-          </p:cNvSpPr>
-          <p:nvPr>
-            <p:ph type="title"/>
-          </p:nvPr>
-        </p:nvSpPr>
-        <p:spPr>
-          <a:xfrm>
-            <a:off x="1568245" y="251952"/>
-            <a:ext cx="4911213" cy="1128252"/>
-          </a:xfrm>
-        </p:spPr>
-        <p:txBody>
-          <a:bodyPr/>
-          <a:lstStyle/>
-          <a:p>
-            <a:pPr algn="l"/>
-            <a:r>
-              <a:rPr lang="en-US" b="1">
-                <a:solidFill>
-                  <a:srgbClr val="0000FF"/>
-                </a:solidFill>
-                <a:latin typeface="Times New Roman" panose="02020603050405020304" pitchFamily="18" charset="0"/>
-                <a:cs typeface="Times New Roman" panose="02020603050405020304" pitchFamily="18" charset="0"/>
-              </a:rPr>
-              <a:t>Thành viên nhóm</a:t>
-            </a:r>
-          </a:p>
-        </p:txBody>
-      </p:sp>
-      <p:sp>
-        <p:nvSpPr>
-          <p:cNvPr id="3" name="Content Placeholder 2">
-            <a:extLst>
-              <a:ext uri="{FF2B5EF4-FFF2-40B4-BE49-F238E27FC236}">
-                <a16:creationId xmlns:a16="http://schemas.microsoft.com/office/drawing/2014/main" id="{70BE8753-D59F-43F8-9425-932D86987DBD}"/>
-              </a:ext>
-            </a:extLst>
-          </p:cNvPr>
-          <p:cNvSpPr>
-            <a:spLocks noGrp="1"/>
-          </p:cNvSpPr>
-          <p:nvPr>
-            <p:ph idx="1"/>
-          </p:nvPr>
-        </p:nvSpPr>
-        <p:spPr>
-          <a:xfrm>
-            <a:off x="3308555" y="1763664"/>
-            <a:ext cx="6341806" cy="4961602"/>
-          </a:xfrm>
-        </p:spPr>
-        <p:txBody>
-          <a:bodyPr>
-            <a:normAutofit/>
-          </a:bodyPr>
-          <a:lstStyle/>
-          <a:p>
-            <a:pPr marL="0" indent="0">
-              <a:lnSpc>
-                <a:spcPct val="150000"/>
-              </a:lnSpc>
-              <a:buNone/>
-            </a:pPr>
-            <a:r>
-              <a:rPr lang="en-US" sz="2800">
-                <a:latin typeface="Times New Roman" panose="02020603050405020304" pitchFamily="18" charset="0"/>
-                <a:cs typeface="Times New Roman" panose="02020603050405020304" pitchFamily="18" charset="0"/>
-              </a:rPr>
-              <a:t>1412503 - Nguyễn Thị Thanh Thảo</a:t>
-            </a:r>
-          </a:p>
-          <a:p>
-            <a:pPr marL="0" indent="0">
-              <a:lnSpc>
-                <a:spcPct val="150000"/>
-              </a:lnSpc>
-              <a:buNone/>
-            </a:pPr>
-            <a:r>
-              <a:rPr lang="en-US" sz="2800">
-                <a:latin typeface="Times New Roman" panose="02020603050405020304" pitchFamily="18" charset="0"/>
-                <a:cs typeface="Times New Roman" panose="02020603050405020304" pitchFamily="18" charset="0"/>
-              </a:rPr>
-              <a:t>1412520 – Nguyễn Hoàng Thi </a:t>
-            </a:r>
-          </a:p>
-          <a:p>
-            <a:pPr marL="0" indent="0">
-              <a:lnSpc>
-                <a:spcPct val="150000"/>
-              </a:lnSpc>
-              <a:buNone/>
-            </a:pPr>
-            <a:r>
-              <a:rPr lang="en-US" sz="2800">
-                <a:latin typeface="Times New Roman" panose="02020603050405020304" pitchFamily="18" charset="0"/>
-                <a:cs typeface="Times New Roman" panose="02020603050405020304" pitchFamily="18" charset="0"/>
-              </a:rPr>
-              <a:t>1412542 - Nguyễn Hà Tiên</a:t>
-            </a:r>
-          </a:p>
-          <a:p>
-            <a:pPr marL="0" indent="0">
-              <a:lnSpc>
-                <a:spcPct val="150000"/>
-              </a:lnSpc>
-              <a:buNone/>
-            </a:pPr>
-            <a:r>
-              <a:rPr lang="en-US" sz="2800">
-                <a:latin typeface="Times New Roman" panose="02020603050405020304" pitchFamily="18" charset="0"/>
-                <a:cs typeface="Times New Roman" panose="02020603050405020304" pitchFamily="18" charset="0"/>
-              </a:rPr>
-              <a:t>1412543 - Nguyễn Thủy Tiên</a:t>
-            </a:r>
-          </a:p>
-          <a:p>
-            <a:pPr marL="0" indent="0">
-              <a:lnSpc>
-                <a:spcPct val="150000"/>
-              </a:lnSpc>
-              <a:buNone/>
-            </a:pPr>
-            <a:r>
-              <a:rPr lang="en-US" sz="2800">
-                <a:latin typeface="Times New Roman" panose="02020603050405020304" pitchFamily="18" charset="0"/>
-                <a:cs typeface="Times New Roman" panose="02020603050405020304" pitchFamily="18" charset="0"/>
-              </a:rPr>
-              <a:t>1412595 - Võ Thị Thanh Trúc</a:t>
-            </a:r>
-          </a:p>
-          <a:p>
-            <a:endParaRPr lang="en-US" sz="2800"/>
-          </a:p>
-        </p:txBody>
-      </p:sp>
-    </p:spTree>
-    <p:extLst>
-      <p:ext uri="{BB962C8B-B14F-4D97-AF65-F5344CB8AC3E}">
-        <p14:creationId xmlns:p14="http://schemas.microsoft.com/office/powerpoint/2010/main" val="1532792253"/>
-      </p:ext>
-    </p:extLst>
-  </p:cSld>
-  <p:clrMapOvr>
-    <a:masterClrMapping/>
-  </p:clrMapOvr>
-</p:sld>
-</file>
-
-<file path=ppt/slides/slide20.xml><?xml version="1.0" encoding="utf-8"?>
+<file path=ppt/slides/slide25.xml><?xml version="1.0" encoding="utf-8"?>
 <p:sld xmlns:a="http://schemas.openxmlformats.org/drawingml/2006/main" xmlns:r="http://schemas.openxmlformats.org/officeDocument/2006/relationships" xmlns:p="http://schemas.openxmlformats.org/presentationml/2006/main">
   <p:cSld>
     <p:spTree>
@@ -20074,7 +21165,7 @@
 </p:sld>
 </file>
 
-<file path=ppt/slides/slide21.xml><?xml version="1.0" encoding="utf-8"?>
+<file path=ppt/slides/slide26.xml><?xml version="1.0" encoding="utf-8"?>
 <p:sld xmlns:a="http://schemas.openxmlformats.org/drawingml/2006/main" xmlns:r="http://schemas.openxmlformats.org/officeDocument/2006/relationships" xmlns:p="http://schemas.openxmlformats.org/presentationml/2006/main">
   <p:cSld>
     <p:spTree>
@@ -21022,7 +22113,7 @@
 </p:sld>
 </file>
 
-<file path=ppt/slides/slide22.xml><?xml version="1.0" encoding="utf-8"?>
+<file path=ppt/slides/slide27.xml><?xml version="1.0" encoding="utf-8"?>
 <p:sld xmlns:a="http://schemas.openxmlformats.org/drawingml/2006/main" xmlns:r="http://schemas.openxmlformats.org/officeDocument/2006/relationships" xmlns:p="http://schemas.openxmlformats.org/presentationml/2006/main">
   <p:cSld>
     <p:spTree>
@@ -21616,1097 +22707,6 @@
     <p:extLst>
       <p:ext uri="{BB962C8B-B14F-4D97-AF65-F5344CB8AC3E}">
         <p14:creationId xmlns:p14="http://schemas.microsoft.com/office/powerpoint/2010/main" val="2694177153"/>
-      </p:ext>
-    </p:extLst>
-  </p:cSld>
-  <p:clrMapOvr>
-    <a:masterClrMapping/>
-  </p:clrMapOvr>
-</p:sld>
-</file>
-
-<file path=ppt/slides/slide23.xml><?xml version="1.0" encoding="utf-8"?>
-<p:sld xmlns:a="http://schemas.openxmlformats.org/drawingml/2006/main" xmlns:r="http://schemas.openxmlformats.org/officeDocument/2006/relationships" xmlns:p="http://schemas.openxmlformats.org/presentationml/2006/main">
-  <p:cSld>
-    <p:spTree>
-      <p:nvGrpSpPr>
-        <p:cNvPr id="1" name=""/>
-        <p:cNvGrpSpPr/>
-        <p:nvPr/>
-      </p:nvGrpSpPr>
-      <p:grpSpPr>
-        <a:xfrm>
-          <a:off x="0" y="0"/>
-          <a:ext cx="0" cy="0"/>
-          <a:chOff x="0" y="0"/>
-          <a:chExt cx="0" cy="0"/>
-        </a:xfrm>
-      </p:grpSpPr>
-      <p:sp>
-        <p:nvSpPr>
-          <p:cNvPr id="2" name="Title 1">
-            <a:extLst>
-              <a:ext uri="{FF2B5EF4-FFF2-40B4-BE49-F238E27FC236}">
-                <a16:creationId xmlns:a16="http://schemas.microsoft.com/office/drawing/2014/main" id="{922C7F22-C285-44BA-86CB-3A96AFB77B23}"/>
-              </a:ext>
-            </a:extLst>
-          </p:cNvPr>
-          <p:cNvSpPr>
-            <a:spLocks noGrp="1"/>
-          </p:cNvSpPr>
-          <p:nvPr>
-            <p:ph type="title"/>
-          </p:nvPr>
-        </p:nvSpPr>
-        <p:spPr>
-          <a:xfrm>
-            <a:off x="1484310" y="361335"/>
-            <a:ext cx="2920180" cy="862781"/>
-          </a:xfrm>
-        </p:spPr>
-        <p:txBody>
-          <a:bodyPr>
-            <a:normAutofit/>
-          </a:bodyPr>
-          <a:lstStyle/>
-          <a:p>
-            <a:r>
-              <a:rPr lang="en-US" b="1">
-                <a:solidFill>
-                  <a:srgbClr val="0000FF"/>
-                </a:solidFill>
-                <a:latin typeface="Times New Roman" panose="02020603050405020304" pitchFamily="18" charset="0"/>
-                <a:cs typeface="Times New Roman" panose="02020603050405020304" pitchFamily="18" charset="0"/>
-              </a:rPr>
-              <a:t>The Parser</a:t>
-            </a:r>
-          </a:p>
-        </p:txBody>
-      </p:sp>
-      <p:sp>
-        <p:nvSpPr>
-          <p:cNvPr id="3" name="Content Placeholder 2">
-            <a:extLst>
-              <a:ext uri="{FF2B5EF4-FFF2-40B4-BE49-F238E27FC236}">
-                <a16:creationId xmlns:a16="http://schemas.microsoft.com/office/drawing/2014/main" id="{94E56254-3B5D-48D0-AFA2-29BB3098CE10}"/>
-              </a:ext>
-            </a:extLst>
-          </p:cNvPr>
-          <p:cNvSpPr>
-            <a:spLocks noGrp="1"/>
-          </p:cNvSpPr>
-          <p:nvPr>
-            <p:ph idx="1"/>
-          </p:nvPr>
-        </p:nvSpPr>
-        <p:spPr>
-          <a:xfrm>
-            <a:off x="1602297" y="2106561"/>
-            <a:ext cx="10018713" cy="3124201"/>
-          </a:xfrm>
-        </p:spPr>
-        <p:txBody>
-          <a:bodyPr>
-            <a:normAutofit/>
-          </a:bodyPr>
-          <a:lstStyle/>
-          <a:p>
-            <a:pPr>
-              <a:spcAft>
-                <a:spcPts val="1800"/>
-              </a:spcAft>
-            </a:pPr>
-            <a:r>
-              <a:rPr lang="en-US" sz="2600">
-                <a:latin typeface="Times New Roman" panose="02020603050405020304" pitchFamily="18" charset="0"/>
-                <a:cs typeface="Times New Roman" panose="02020603050405020304" pitchFamily="18" charset="0"/>
-              </a:rPr>
-              <a:t>Phân tích cấu trúc của câu nh</a:t>
-            </a:r>
-            <a:r>
-              <a:rPr lang="vi-VN" sz="2600">
-                <a:latin typeface="Times New Roman" panose="02020603050405020304" pitchFamily="18" charset="0"/>
-                <a:cs typeface="Times New Roman" panose="02020603050405020304" pitchFamily="18" charset="0"/>
-              </a:rPr>
-              <a:t>ư</a:t>
-            </a:r>
-            <a:r>
-              <a:rPr lang="en-US" sz="2600">
-                <a:latin typeface="Times New Roman" panose="02020603050405020304" pitchFamily="18" charset="0"/>
-                <a:cs typeface="Times New Roman" panose="02020603050405020304" pitchFamily="18" charset="0"/>
-              </a:rPr>
-              <a:t> những từ nào đi cùng nhau, từ nào là chủ ngữ, từ nào là vị ngữ,… </a:t>
-            </a:r>
-          </a:p>
-          <a:p>
-            <a:pPr>
-              <a:spcAft>
-                <a:spcPts val="1800"/>
-              </a:spcAft>
-            </a:pPr>
-            <a:r>
-              <a:rPr lang="en-US" sz="2600">
-                <a:latin typeface="Times New Roman" panose="02020603050405020304" pitchFamily="18" charset="0"/>
-                <a:cs typeface="Times New Roman" panose="02020603050405020304" pitchFamily="18" charset="0"/>
-              </a:rPr>
-              <a:t>Có 2 loại parser:</a:t>
-            </a:r>
-          </a:p>
-          <a:p>
-            <a:pPr marL="914400" lvl="2" indent="0">
-              <a:spcAft>
-                <a:spcPts val="1800"/>
-              </a:spcAft>
-              <a:buNone/>
-            </a:pPr>
-            <a:r>
-              <a:rPr lang="en-US" sz="2600">
-                <a:latin typeface="Times New Roman" panose="02020603050405020304" pitchFamily="18" charset="0"/>
-                <a:cs typeface="Times New Roman" panose="02020603050405020304" pitchFamily="18" charset="0"/>
-              </a:rPr>
-              <a:t>1. 	C</a:t>
-            </a:r>
-            <a:r>
-              <a:rPr lang="vi-VN" sz="2600">
-                <a:latin typeface="Times New Roman" panose="02020603050405020304" pitchFamily="18" charset="0"/>
-                <a:cs typeface="Times New Roman" panose="02020603050405020304" pitchFamily="18" charset="0"/>
-              </a:rPr>
-              <a:t>onstituency </a:t>
-            </a:r>
-            <a:r>
-              <a:rPr lang="en-US" sz="2600">
-                <a:latin typeface="Times New Roman" panose="02020603050405020304" pitchFamily="18" charset="0"/>
-                <a:cs typeface="Times New Roman" panose="02020603050405020304" pitchFamily="18" charset="0"/>
-              </a:rPr>
-              <a:t>P</a:t>
-            </a:r>
-            <a:r>
-              <a:rPr lang="vi-VN" sz="2600">
-                <a:latin typeface="Times New Roman" panose="02020603050405020304" pitchFamily="18" charset="0"/>
-                <a:cs typeface="Times New Roman" panose="02020603050405020304" pitchFamily="18" charset="0"/>
-              </a:rPr>
-              <a:t>arse</a:t>
-            </a:r>
-            <a:endParaRPr lang="en-US" sz="2600">
-              <a:latin typeface="Times New Roman" panose="02020603050405020304" pitchFamily="18" charset="0"/>
-              <a:cs typeface="Times New Roman" panose="02020603050405020304" pitchFamily="18" charset="0"/>
-            </a:endParaRPr>
-          </a:p>
-          <a:p>
-            <a:pPr marL="909638" lvl="1" indent="0">
-              <a:spcAft>
-                <a:spcPts val="1800"/>
-              </a:spcAft>
-              <a:buNone/>
-            </a:pPr>
-            <a:r>
-              <a:rPr lang="en-US" sz="2600">
-                <a:latin typeface="Times New Roman" panose="02020603050405020304" pitchFamily="18" charset="0"/>
-                <a:cs typeface="Times New Roman" panose="02020603050405020304" pitchFamily="18" charset="0"/>
-              </a:rPr>
-              <a:t>2.	D</a:t>
-            </a:r>
-            <a:r>
-              <a:rPr lang="vi-VN" sz="2600">
-                <a:latin typeface="Times New Roman" panose="02020603050405020304" pitchFamily="18" charset="0"/>
-                <a:cs typeface="Times New Roman" panose="02020603050405020304" pitchFamily="18" charset="0"/>
-              </a:rPr>
-              <a:t>ependency </a:t>
-            </a:r>
-            <a:r>
-              <a:rPr lang="en-US" sz="2600">
-                <a:latin typeface="Times New Roman" panose="02020603050405020304" pitchFamily="18" charset="0"/>
-                <a:cs typeface="Times New Roman" panose="02020603050405020304" pitchFamily="18" charset="0"/>
-              </a:rPr>
-              <a:t>P</a:t>
-            </a:r>
-            <a:r>
-              <a:rPr lang="vi-VN" sz="2600">
-                <a:latin typeface="Times New Roman" panose="02020603050405020304" pitchFamily="18" charset="0"/>
-                <a:cs typeface="Times New Roman" panose="02020603050405020304" pitchFamily="18" charset="0"/>
-              </a:rPr>
-              <a:t>arse</a:t>
-            </a:r>
-            <a:endParaRPr lang="en-US" sz="2600">
-              <a:latin typeface="Times New Roman" panose="02020603050405020304" pitchFamily="18" charset="0"/>
-              <a:cs typeface="Times New Roman" panose="02020603050405020304" pitchFamily="18" charset="0"/>
-            </a:endParaRPr>
-          </a:p>
-        </p:txBody>
-      </p:sp>
-    </p:spTree>
-    <p:extLst>
-      <p:ext uri="{BB962C8B-B14F-4D97-AF65-F5344CB8AC3E}">
-        <p14:creationId xmlns:p14="http://schemas.microsoft.com/office/powerpoint/2010/main" val="3673919625"/>
-      </p:ext>
-    </p:extLst>
-  </p:cSld>
-  <p:clrMapOvr>
-    <a:masterClrMapping/>
-  </p:clrMapOvr>
-</p:sld>
-</file>
-
-<file path=ppt/slides/slide24.xml><?xml version="1.0" encoding="utf-8"?>
-<p:sld xmlns:a="http://schemas.openxmlformats.org/drawingml/2006/main" xmlns:r="http://schemas.openxmlformats.org/officeDocument/2006/relationships" xmlns:p="http://schemas.openxmlformats.org/presentationml/2006/main">
-  <p:cSld>
-    <p:spTree>
-      <p:nvGrpSpPr>
-        <p:cNvPr id="1" name=""/>
-        <p:cNvGrpSpPr/>
-        <p:nvPr/>
-      </p:nvGrpSpPr>
-      <p:grpSpPr>
-        <a:xfrm>
-          <a:off x="0" y="0"/>
-          <a:ext cx="0" cy="0"/>
-          <a:chOff x="0" y="0"/>
-          <a:chExt cx="0" cy="0"/>
-        </a:xfrm>
-      </p:grpSpPr>
-      <p:pic>
-        <p:nvPicPr>
-          <p:cNvPr id="4" name="Picture 3">
-            <a:extLst>
-              <a:ext uri="{FF2B5EF4-FFF2-40B4-BE49-F238E27FC236}">
-                <a16:creationId xmlns:a16="http://schemas.microsoft.com/office/drawing/2014/main" id="{B759218E-A635-433B-B71D-157249449D93}"/>
-              </a:ext>
-            </a:extLst>
-          </p:cNvPr>
-          <p:cNvPicPr/>
-          <p:nvPr/>
-        </p:nvPicPr>
-        <p:blipFill>
-          <a:blip r:embed="rId2"/>
-          <a:stretch>
-            <a:fillRect/>
-          </a:stretch>
-        </p:blipFill>
-        <p:spPr>
-          <a:xfrm>
-            <a:off x="7168308" y="1235916"/>
-            <a:ext cx="4596221" cy="4117749"/>
-          </a:xfrm>
-          <a:prstGeom prst="rect">
-            <a:avLst/>
-          </a:prstGeom>
-        </p:spPr>
-      </p:pic>
-      <p:sp>
-        <p:nvSpPr>
-          <p:cNvPr id="2" name="Title 1">
-            <a:extLst>
-              <a:ext uri="{FF2B5EF4-FFF2-40B4-BE49-F238E27FC236}">
-                <a16:creationId xmlns:a16="http://schemas.microsoft.com/office/drawing/2014/main" id="{11CFEAA0-FD65-467A-908A-1D9B480CAC39}"/>
-              </a:ext>
-            </a:extLst>
-          </p:cNvPr>
-          <p:cNvSpPr>
-            <a:spLocks noGrp="1"/>
-          </p:cNvSpPr>
-          <p:nvPr>
-            <p:ph type="title"/>
-          </p:nvPr>
-        </p:nvSpPr>
-        <p:spPr>
-          <a:xfrm>
-            <a:off x="1751591" y="455180"/>
-            <a:ext cx="4037984" cy="640759"/>
-          </a:xfrm>
-        </p:spPr>
-        <p:txBody>
-          <a:bodyPr vert="horz" lIns="91440" tIns="45720" rIns="91440" bIns="45720" rtlCol="0" anchor="b">
-            <a:normAutofit fontScale="90000"/>
-          </a:bodyPr>
-          <a:lstStyle/>
-          <a:p>
-            <a:pPr algn="r"/>
-            <a:r>
-              <a:rPr lang="en-US" b="1">
-                <a:solidFill>
-                  <a:srgbClr val="0000FF"/>
-                </a:solidFill>
-                <a:latin typeface="Times New Roman" panose="02020603050405020304" pitchFamily="18" charset="0"/>
-                <a:cs typeface="Times New Roman" panose="02020603050405020304" pitchFamily="18" charset="0"/>
-              </a:rPr>
-              <a:t>Constituency Parse</a:t>
-            </a:r>
-          </a:p>
-        </p:txBody>
-      </p:sp>
-      <p:sp>
-        <p:nvSpPr>
-          <p:cNvPr id="3" name="Content Placeholder 2">
-            <a:extLst>
-              <a:ext uri="{FF2B5EF4-FFF2-40B4-BE49-F238E27FC236}">
-                <a16:creationId xmlns:a16="http://schemas.microsoft.com/office/drawing/2014/main" id="{B2A15174-E921-43A0-9EFE-5FF1CABA6A2B}"/>
-              </a:ext>
-            </a:extLst>
-          </p:cNvPr>
-          <p:cNvSpPr>
-            <a:spLocks noGrp="1"/>
-          </p:cNvSpPr>
-          <p:nvPr>
-            <p:ph idx="1"/>
-          </p:nvPr>
-        </p:nvSpPr>
-        <p:spPr>
-          <a:xfrm>
-            <a:off x="1584968" y="2515805"/>
-            <a:ext cx="4913364" cy="1826389"/>
-          </a:xfrm>
-        </p:spPr>
-        <p:txBody>
-          <a:bodyPr vert="horz" lIns="91440" tIns="45720" rIns="91440" bIns="45720" rtlCol="0" anchor="t">
-            <a:noAutofit/>
-          </a:bodyPr>
-          <a:lstStyle/>
-          <a:p>
-            <a:pPr marL="0" indent="0">
-              <a:buNone/>
-            </a:pPr>
-            <a:r>
-              <a:rPr lang="en-US" sz="2600">
-                <a:latin typeface="Times New Roman" panose="02020603050405020304" pitchFamily="18" charset="0"/>
-                <a:cs typeface="Times New Roman" panose="02020603050405020304" pitchFamily="18" charset="0"/>
-              </a:rPr>
-              <a:t>Tách câu thành từng phần (cụm từ) sau đó tiếp tục tách thành từng phần nhỏ hơn.</a:t>
-            </a:r>
-          </a:p>
-        </p:txBody>
-      </p:sp>
-    </p:spTree>
-    <p:extLst>
-      <p:ext uri="{BB962C8B-B14F-4D97-AF65-F5344CB8AC3E}">
-        <p14:creationId xmlns:p14="http://schemas.microsoft.com/office/powerpoint/2010/main" val="3026246626"/>
-      </p:ext>
-    </p:extLst>
-  </p:cSld>
-  <p:clrMapOvr>
-    <a:masterClrMapping/>
-  </p:clrMapOvr>
-</p:sld>
-</file>
-
-<file path=ppt/slides/slide25.xml><?xml version="1.0" encoding="utf-8"?>
-<p:sld xmlns:a="http://schemas.openxmlformats.org/drawingml/2006/main" xmlns:r="http://schemas.openxmlformats.org/officeDocument/2006/relationships" xmlns:p="http://schemas.openxmlformats.org/presentationml/2006/main">
-  <p:cSld>
-    <p:spTree>
-      <p:nvGrpSpPr>
-        <p:cNvPr id="1" name=""/>
-        <p:cNvGrpSpPr/>
-        <p:nvPr/>
-      </p:nvGrpSpPr>
-      <p:grpSpPr>
-        <a:xfrm>
-          <a:off x="0" y="0"/>
-          <a:ext cx="0" cy="0"/>
-          <a:chOff x="0" y="0"/>
-          <a:chExt cx="0" cy="0"/>
-        </a:xfrm>
-      </p:grpSpPr>
-      <p:sp>
-        <p:nvSpPr>
-          <p:cNvPr id="2" name="Title 1">
-            <a:extLst>
-              <a:ext uri="{FF2B5EF4-FFF2-40B4-BE49-F238E27FC236}">
-                <a16:creationId xmlns:a16="http://schemas.microsoft.com/office/drawing/2014/main" id="{6BB17E34-0395-432B-8A49-ED2D42FFBCB7}"/>
-              </a:ext>
-            </a:extLst>
-          </p:cNvPr>
-          <p:cNvSpPr>
-            <a:spLocks noGrp="1"/>
-          </p:cNvSpPr>
-          <p:nvPr>
-            <p:ph type="title"/>
-          </p:nvPr>
-        </p:nvSpPr>
-        <p:spPr>
-          <a:xfrm>
-            <a:off x="1351574" y="429162"/>
-            <a:ext cx="1834078" cy="877529"/>
-          </a:xfrm>
-        </p:spPr>
-        <p:txBody>
-          <a:bodyPr>
-            <a:normAutofit/>
-          </a:bodyPr>
-          <a:lstStyle/>
-          <a:p>
-            <a:r>
-              <a:rPr lang="en-US" b="1">
-                <a:solidFill>
-                  <a:srgbClr val="0000FF"/>
-                </a:solidFill>
-                <a:latin typeface="Times New Roman" panose="02020603050405020304" pitchFamily="18" charset="0"/>
-                <a:cs typeface="Times New Roman" panose="02020603050405020304" pitchFamily="18" charset="0"/>
-              </a:rPr>
-              <a:t>Ví dụ</a:t>
-            </a:r>
-          </a:p>
-        </p:txBody>
-      </p:sp>
-      <p:sp>
-        <p:nvSpPr>
-          <p:cNvPr id="3" name="Content Placeholder 2">
-            <a:extLst>
-              <a:ext uri="{FF2B5EF4-FFF2-40B4-BE49-F238E27FC236}">
-                <a16:creationId xmlns:a16="http://schemas.microsoft.com/office/drawing/2014/main" id="{61369707-3410-42ED-9E72-D16FA03D07D4}"/>
-              </a:ext>
-            </a:extLst>
-          </p:cNvPr>
-          <p:cNvSpPr>
-            <a:spLocks noGrp="1"/>
-          </p:cNvSpPr>
-          <p:nvPr>
-            <p:ph idx="1"/>
-          </p:nvPr>
-        </p:nvSpPr>
-        <p:spPr>
-          <a:xfrm>
-            <a:off x="1351574" y="1607575"/>
-            <a:ext cx="5329446" cy="1542202"/>
-          </a:xfrm>
-        </p:spPr>
-        <p:txBody>
-          <a:bodyPr>
-            <a:noAutofit/>
-          </a:bodyPr>
-          <a:lstStyle/>
-          <a:p>
-            <a:pPr marL="0" indent="0">
-              <a:buNone/>
-            </a:pPr>
-            <a:r>
-              <a:rPr lang="en-US" sz="2600" b="1">
-                <a:latin typeface="Times New Roman" panose="02020603050405020304" pitchFamily="18" charset="0"/>
-                <a:cs typeface="Times New Roman" panose="02020603050405020304" pitchFamily="18" charset="0"/>
-              </a:rPr>
-              <a:t>Input:</a:t>
-            </a:r>
-          </a:p>
-          <a:p>
-            <a:pPr marL="0" indent="0">
-              <a:buNone/>
-            </a:pPr>
-            <a:r>
-              <a:rPr lang="en-US" sz="2600">
-                <a:latin typeface="Times New Roman" panose="02020603050405020304" pitchFamily="18" charset="0"/>
-                <a:cs typeface="Times New Roman" panose="02020603050405020304" pitchFamily="18" charset="0"/>
-              </a:rPr>
-              <a:t>“This is an example of dependency grammar”</a:t>
-            </a:r>
-          </a:p>
-        </p:txBody>
-      </p:sp>
-      <p:pic>
-        <p:nvPicPr>
-          <p:cNvPr id="4" name="Picture 3">
-            <a:extLst>
-              <a:ext uri="{FF2B5EF4-FFF2-40B4-BE49-F238E27FC236}">
-                <a16:creationId xmlns:a16="http://schemas.microsoft.com/office/drawing/2014/main" id="{EEF02EBA-4598-4F29-A57F-246FEC1A900A}"/>
-              </a:ext>
-            </a:extLst>
-          </p:cNvPr>
-          <p:cNvPicPr/>
-          <p:nvPr/>
-        </p:nvPicPr>
-        <p:blipFill>
-          <a:blip r:embed="rId3">
-            <a:extLst>
-              <a:ext uri="{28A0092B-C50C-407E-A947-70E740481C1C}">
-                <a14:useLocalDpi xmlns:a14="http://schemas.microsoft.com/office/drawing/2010/main" val="0"/>
-              </a:ext>
-            </a:extLst>
-          </a:blip>
-          <a:stretch>
-            <a:fillRect/>
-          </a:stretch>
-        </p:blipFill>
-        <p:spPr>
-          <a:xfrm>
-            <a:off x="6448596" y="1272010"/>
-            <a:ext cx="5597869" cy="2016880"/>
-          </a:xfrm>
-          <a:prstGeom prst="rect">
-            <a:avLst/>
-          </a:prstGeom>
-        </p:spPr>
-      </p:pic>
-      <p:sp>
-        <p:nvSpPr>
-          <p:cNvPr id="5" name="TextBox 4">
-            <a:extLst>
-              <a:ext uri="{FF2B5EF4-FFF2-40B4-BE49-F238E27FC236}">
-                <a16:creationId xmlns:a16="http://schemas.microsoft.com/office/drawing/2014/main" id="{FC15F14F-7B50-4E4C-89D4-BFC0A467C3ED}"/>
-              </a:ext>
-            </a:extLst>
-          </p:cNvPr>
-          <p:cNvSpPr txBox="1"/>
-          <p:nvPr/>
-        </p:nvSpPr>
-        <p:spPr>
-          <a:xfrm>
-            <a:off x="1356310" y="3737722"/>
-            <a:ext cx="10061039" cy="2492990"/>
-          </a:xfrm>
-          <a:prstGeom prst="rect">
-            <a:avLst/>
-          </a:prstGeom>
-          <a:noFill/>
-        </p:spPr>
-        <p:txBody>
-          <a:bodyPr wrap="square" rtlCol="0">
-            <a:spAutoFit/>
-          </a:bodyPr>
-          <a:lstStyle/>
-          <a:p>
-            <a:r>
-              <a:rPr lang="en-US" sz="2600" b="1">
-                <a:latin typeface="Times New Roman" panose="02020603050405020304" pitchFamily="18" charset="0"/>
-                <a:cs typeface="Times New Roman" panose="02020603050405020304" pitchFamily="18" charset="0"/>
-              </a:rPr>
-              <a:t>Output: </a:t>
-            </a:r>
-          </a:p>
-          <a:p>
-            <a:r>
-              <a:rPr lang="en-US" sz="2600">
-                <a:latin typeface="Times New Roman" panose="02020603050405020304" pitchFamily="18" charset="0"/>
-                <a:cs typeface="Times New Roman" panose="02020603050405020304" pitchFamily="18" charset="0"/>
-              </a:rPr>
-              <a:t>	- S là “sentence”, nút gốc của cây</a:t>
-            </a:r>
-          </a:p>
-          <a:p>
-            <a:r>
-              <a:rPr lang="en-US" sz="2600">
-                <a:latin typeface="Times New Roman" panose="02020603050405020304" pitchFamily="18" charset="0"/>
-                <a:cs typeface="Times New Roman" panose="02020603050405020304" pitchFamily="18" charset="0"/>
-              </a:rPr>
-              <a:t>	- Các từ “NP”, “VP”, “PP” chỉ loại của cụm từ, trong đó “NP” là cụm 	  danh từ, “VP” là cụm động từ, “PP” là cụm giới từ</a:t>
-            </a:r>
-          </a:p>
-          <a:p>
-            <a:r>
-              <a:rPr lang="en-US" sz="2600">
-                <a:latin typeface="Times New Roman" panose="02020603050405020304" pitchFamily="18" charset="0"/>
-                <a:cs typeface="Times New Roman" panose="02020603050405020304" pitchFamily="18" charset="0"/>
-              </a:rPr>
-              <a:t>	- Các từ “DT”, VBZ”, “IN”, “JJ”, “NN” là nhãn của từ trong Penn 		  TreeBank</a:t>
-            </a:r>
-          </a:p>
-        </p:txBody>
-      </p:sp>
-    </p:spTree>
-    <p:extLst>
-      <p:ext uri="{BB962C8B-B14F-4D97-AF65-F5344CB8AC3E}">
-        <p14:creationId xmlns:p14="http://schemas.microsoft.com/office/powerpoint/2010/main" val="2732727971"/>
-      </p:ext>
-    </p:extLst>
-  </p:cSld>
-  <p:clrMapOvr>
-    <a:masterClrMapping/>
-  </p:clrMapOvr>
-</p:sld>
-</file>
-
-<file path=ppt/slides/slide26.xml><?xml version="1.0" encoding="utf-8"?>
-<p:sld xmlns:a="http://schemas.openxmlformats.org/drawingml/2006/main" xmlns:r="http://schemas.openxmlformats.org/officeDocument/2006/relationships" xmlns:p="http://schemas.openxmlformats.org/presentationml/2006/main">
-  <p:cSld>
-    <p:spTree>
-      <p:nvGrpSpPr>
-        <p:cNvPr id="1" name=""/>
-        <p:cNvGrpSpPr/>
-        <p:nvPr/>
-      </p:nvGrpSpPr>
-      <p:grpSpPr>
-        <a:xfrm>
-          <a:off x="0" y="0"/>
-          <a:ext cx="0" cy="0"/>
-          <a:chOff x="0" y="0"/>
-          <a:chExt cx="0" cy="0"/>
-        </a:xfrm>
-      </p:grpSpPr>
-      <p:sp>
-        <p:nvSpPr>
-          <p:cNvPr id="2" name="Title 1">
-            <a:extLst>
-              <a:ext uri="{FF2B5EF4-FFF2-40B4-BE49-F238E27FC236}">
-                <a16:creationId xmlns:a16="http://schemas.microsoft.com/office/drawing/2014/main" id="{946C940A-EECC-4E71-B937-72798D5C63C0}"/>
-              </a:ext>
-            </a:extLst>
-          </p:cNvPr>
-          <p:cNvSpPr>
-            <a:spLocks noGrp="1"/>
-          </p:cNvSpPr>
-          <p:nvPr>
-            <p:ph type="title"/>
-          </p:nvPr>
-        </p:nvSpPr>
-        <p:spPr>
-          <a:xfrm>
-            <a:off x="1381947" y="230454"/>
-            <a:ext cx="4660491" cy="1020098"/>
-          </a:xfrm>
-        </p:spPr>
-        <p:txBody>
-          <a:bodyPr/>
-          <a:lstStyle/>
-          <a:p>
-            <a:r>
-              <a:rPr lang="en-US" b="1">
-                <a:solidFill>
-                  <a:srgbClr val="0000FF"/>
-                </a:solidFill>
-                <a:latin typeface="Times New Roman" panose="02020603050405020304" pitchFamily="18" charset="0"/>
-                <a:cs typeface="Times New Roman" panose="02020603050405020304" pitchFamily="18" charset="0"/>
-              </a:rPr>
-              <a:t>D</a:t>
-            </a:r>
-            <a:r>
-              <a:rPr lang="vi-VN" b="1">
-                <a:solidFill>
-                  <a:srgbClr val="0000FF"/>
-                </a:solidFill>
-                <a:latin typeface="Times New Roman" panose="02020603050405020304" pitchFamily="18" charset="0"/>
-                <a:cs typeface="Times New Roman" panose="02020603050405020304" pitchFamily="18" charset="0"/>
-              </a:rPr>
-              <a:t>ependency </a:t>
-            </a:r>
-            <a:r>
-              <a:rPr lang="en-US" b="1">
-                <a:solidFill>
-                  <a:srgbClr val="0000FF"/>
-                </a:solidFill>
-                <a:latin typeface="Times New Roman" panose="02020603050405020304" pitchFamily="18" charset="0"/>
-                <a:cs typeface="Times New Roman" panose="02020603050405020304" pitchFamily="18" charset="0"/>
-              </a:rPr>
-              <a:t>P</a:t>
-            </a:r>
-            <a:r>
-              <a:rPr lang="vi-VN" b="1">
-                <a:solidFill>
-                  <a:srgbClr val="0000FF"/>
-                </a:solidFill>
-                <a:latin typeface="Times New Roman" panose="02020603050405020304" pitchFamily="18" charset="0"/>
-                <a:cs typeface="Times New Roman" panose="02020603050405020304" pitchFamily="18" charset="0"/>
-              </a:rPr>
-              <a:t>arse</a:t>
-            </a:r>
-            <a:endParaRPr lang="en-US" b="1">
-              <a:solidFill>
-                <a:srgbClr val="0000FF"/>
-              </a:solidFill>
-              <a:latin typeface="Times New Roman" panose="02020603050405020304" pitchFamily="18" charset="0"/>
-              <a:cs typeface="Times New Roman" panose="02020603050405020304" pitchFamily="18" charset="0"/>
-            </a:endParaRPr>
-          </a:p>
-        </p:txBody>
-      </p:sp>
-      <p:sp>
-        <p:nvSpPr>
-          <p:cNvPr id="3" name="Content Placeholder 2">
-            <a:extLst>
-              <a:ext uri="{FF2B5EF4-FFF2-40B4-BE49-F238E27FC236}">
-                <a16:creationId xmlns:a16="http://schemas.microsoft.com/office/drawing/2014/main" id="{8EFF4B83-A453-45FF-98DF-A8540DA65EFB}"/>
-              </a:ext>
-            </a:extLst>
-          </p:cNvPr>
-          <p:cNvSpPr>
-            <a:spLocks noGrp="1"/>
-          </p:cNvSpPr>
-          <p:nvPr>
-            <p:ph idx="1"/>
-          </p:nvPr>
-        </p:nvSpPr>
-        <p:spPr>
-          <a:xfrm>
-            <a:off x="1786305" y="1433448"/>
-            <a:ext cx="5314695" cy="646331"/>
-          </a:xfrm>
-        </p:spPr>
-        <p:txBody>
-          <a:bodyPr>
-            <a:normAutofit/>
-          </a:bodyPr>
-          <a:lstStyle/>
-          <a:p>
-            <a:pPr marL="0" indent="0">
-              <a:buNone/>
-            </a:pPr>
-            <a:r>
-              <a:rPr lang="en-US" sz="2600">
-                <a:latin typeface="Times New Roman" panose="02020603050405020304" pitchFamily="18" charset="0"/>
-                <a:cs typeface="Times New Roman" panose="02020603050405020304" pitchFamily="18" charset="0"/>
-              </a:rPr>
-              <a:t>Vẽ đ</a:t>
-            </a:r>
-            <a:r>
-              <a:rPr lang="vi-VN" sz="2600">
-                <a:latin typeface="Times New Roman" panose="02020603050405020304" pitchFamily="18" charset="0"/>
-                <a:cs typeface="Times New Roman" panose="02020603050405020304" pitchFamily="18" charset="0"/>
-              </a:rPr>
-              <a:t>ư</a:t>
-            </a:r>
-            <a:r>
-              <a:rPr lang="en-US" sz="2600">
-                <a:latin typeface="Times New Roman" panose="02020603050405020304" pitchFamily="18" charset="0"/>
-                <a:cs typeface="Times New Roman" panose="02020603050405020304" pitchFamily="18" charset="0"/>
-              </a:rPr>
-              <a:t>ờng liên hệ giữa các từ</a:t>
-            </a:r>
-          </a:p>
-        </p:txBody>
-      </p:sp>
-      <p:pic>
-        <p:nvPicPr>
-          <p:cNvPr id="5" name="Picture 4">
-            <a:extLst>
-              <a:ext uri="{FF2B5EF4-FFF2-40B4-BE49-F238E27FC236}">
-                <a16:creationId xmlns:a16="http://schemas.microsoft.com/office/drawing/2014/main" id="{867AA35C-1B43-4B0F-A5DA-EFFFB4C2183F}"/>
-              </a:ext>
-            </a:extLst>
-          </p:cNvPr>
-          <p:cNvPicPr>
-            <a:picLocks noChangeAspect="1"/>
-          </p:cNvPicPr>
-          <p:nvPr/>
-        </p:nvPicPr>
-        <p:blipFill>
-          <a:blip r:embed="rId2"/>
-          <a:stretch>
-            <a:fillRect/>
-          </a:stretch>
-        </p:blipFill>
-        <p:spPr>
-          <a:xfrm>
-            <a:off x="2954878" y="2410159"/>
-            <a:ext cx="7299449" cy="1526457"/>
-          </a:xfrm>
-          <a:prstGeom prst="rect">
-            <a:avLst/>
-          </a:prstGeom>
-        </p:spPr>
-      </p:pic>
-      <p:sp>
-        <p:nvSpPr>
-          <p:cNvPr id="6" name="TextBox 5">
-            <a:extLst>
-              <a:ext uri="{FF2B5EF4-FFF2-40B4-BE49-F238E27FC236}">
-                <a16:creationId xmlns:a16="http://schemas.microsoft.com/office/drawing/2014/main" id="{D64297A2-3015-4C30-881E-C8ACA8A9C596}"/>
-              </a:ext>
-            </a:extLst>
-          </p:cNvPr>
-          <p:cNvSpPr txBox="1"/>
-          <p:nvPr/>
-        </p:nvSpPr>
-        <p:spPr>
-          <a:xfrm>
-            <a:off x="1165124" y="4589506"/>
-            <a:ext cx="11356258" cy="1061829"/>
-          </a:xfrm>
-          <a:prstGeom prst="rect">
-            <a:avLst/>
-          </a:prstGeom>
-          <a:noFill/>
-        </p:spPr>
-        <p:txBody>
-          <a:bodyPr wrap="square" rtlCol="0">
-            <a:spAutoFit/>
-          </a:bodyPr>
-          <a:lstStyle/>
-          <a:p>
-            <a:pPr>
-              <a:spcAft>
-                <a:spcPts val="1800"/>
-              </a:spcAft>
-            </a:pPr>
-            <a:r>
-              <a:rPr lang="en-US" sz="2400">
-                <a:latin typeface="Times New Roman" panose="02020603050405020304" pitchFamily="18" charset="0"/>
-                <a:cs typeface="Times New Roman" panose="02020603050405020304" pitchFamily="18" charset="0"/>
-              </a:rPr>
-              <a:t>Mũi tên chỉ từ “example” đến “this” nghĩa là từ “this” làm ảnh h</a:t>
-            </a:r>
-            <a:r>
-              <a:rPr lang="vi-VN" sz="2400">
-                <a:latin typeface="Times New Roman" panose="02020603050405020304" pitchFamily="18" charset="0"/>
-                <a:cs typeface="Times New Roman" panose="02020603050405020304" pitchFamily="18" charset="0"/>
-              </a:rPr>
-              <a:t>ư</a:t>
-            </a:r>
-            <a:r>
-              <a:rPr lang="en-US" sz="2400">
-                <a:latin typeface="Times New Roman" panose="02020603050405020304" pitchFamily="18" charset="0"/>
-                <a:cs typeface="Times New Roman" panose="02020603050405020304" pitchFamily="18" charset="0"/>
-              </a:rPr>
-              <a:t>ởng đến từ “axample”. </a:t>
-            </a:r>
-          </a:p>
-          <a:p>
-            <a:pPr>
-              <a:spcAft>
-                <a:spcPts val="1800"/>
-              </a:spcAft>
-            </a:pPr>
-            <a:r>
-              <a:rPr lang="en-US" sz="2400">
-                <a:latin typeface="Times New Roman" panose="02020603050405020304" pitchFamily="18" charset="0"/>
-                <a:cs typeface="Times New Roman" panose="02020603050405020304" pitchFamily="18" charset="0"/>
-              </a:rPr>
-              <a:t>“nsubj” chỉ loại mối liên hệ giữa từ “example” và “this”</a:t>
-            </a:r>
-          </a:p>
-        </p:txBody>
-      </p:sp>
-    </p:spTree>
-    <p:extLst>
-      <p:ext uri="{BB962C8B-B14F-4D97-AF65-F5344CB8AC3E}">
-        <p14:creationId xmlns:p14="http://schemas.microsoft.com/office/powerpoint/2010/main" val="1196714314"/>
-      </p:ext>
-    </p:extLst>
-  </p:cSld>
-  <p:clrMapOvr>
-    <a:masterClrMapping/>
-  </p:clrMapOvr>
-</p:sld>
-</file>
-
-<file path=ppt/slides/slide27.xml><?xml version="1.0" encoding="utf-8"?>
-<p:sld xmlns:a="http://schemas.openxmlformats.org/drawingml/2006/main" xmlns:r="http://schemas.openxmlformats.org/officeDocument/2006/relationships" xmlns:p="http://schemas.openxmlformats.org/presentationml/2006/main">
-  <p:cSld>
-    <p:spTree>
-      <p:nvGrpSpPr>
-        <p:cNvPr id="1" name=""/>
-        <p:cNvGrpSpPr/>
-        <p:nvPr/>
-      </p:nvGrpSpPr>
-      <p:grpSpPr>
-        <a:xfrm>
-          <a:off x="0" y="0"/>
-          <a:ext cx="0" cy="0"/>
-          <a:chOff x="0" y="0"/>
-          <a:chExt cx="0" cy="0"/>
-        </a:xfrm>
-      </p:grpSpPr>
-      <p:sp>
-        <p:nvSpPr>
-          <p:cNvPr id="2" name="Title 1">
-            <a:extLst>
-              <a:ext uri="{FF2B5EF4-FFF2-40B4-BE49-F238E27FC236}">
-                <a16:creationId xmlns:a16="http://schemas.microsoft.com/office/drawing/2014/main" id="{9987F1D9-F897-4BF6-A4A9-65B472BF70C2}"/>
-              </a:ext>
-            </a:extLst>
-          </p:cNvPr>
-          <p:cNvSpPr>
-            <a:spLocks noGrp="1"/>
-          </p:cNvSpPr>
-          <p:nvPr>
-            <p:ph type="title"/>
-          </p:nvPr>
-        </p:nvSpPr>
-        <p:spPr>
-          <a:xfrm>
-            <a:off x="1499059" y="357802"/>
-            <a:ext cx="1622324" cy="848032"/>
-          </a:xfrm>
-        </p:spPr>
-        <p:txBody>
-          <a:bodyPr>
-            <a:normAutofit/>
-          </a:bodyPr>
-          <a:lstStyle/>
-          <a:p>
-            <a:r>
-              <a:rPr lang="en-US" b="1">
-                <a:solidFill>
-                  <a:srgbClr val="0000FF"/>
-                </a:solidFill>
-                <a:latin typeface="Times New Roman" panose="02020603050405020304" pitchFamily="18" charset="0"/>
-                <a:cs typeface="Times New Roman" panose="02020603050405020304" pitchFamily="18" charset="0"/>
-              </a:rPr>
-              <a:t>Ví dụ</a:t>
-            </a:r>
-          </a:p>
-        </p:txBody>
-      </p:sp>
-      <p:sp>
-        <p:nvSpPr>
-          <p:cNvPr id="3" name="Content Placeholder 2">
-            <a:extLst>
-              <a:ext uri="{FF2B5EF4-FFF2-40B4-BE49-F238E27FC236}">
-                <a16:creationId xmlns:a16="http://schemas.microsoft.com/office/drawing/2014/main" id="{C99B1C64-EFF2-4305-9402-932FE886757F}"/>
-              </a:ext>
-            </a:extLst>
-          </p:cNvPr>
-          <p:cNvSpPr>
-            <a:spLocks noGrp="1"/>
-          </p:cNvSpPr>
-          <p:nvPr>
-            <p:ph idx="1"/>
-          </p:nvPr>
-        </p:nvSpPr>
-        <p:spPr>
-          <a:xfrm>
-            <a:off x="1499059" y="1415844"/>
-            <a:ext cx="4827999" cy="1622323"/>
-          </a:xfrm>
-        </p:spPr>
-        <p:txBody>
-          <a:bodyPr>
-            <a:noAutofit/>
-          </a:bodyPr>
-          <a:lstStyle/>
-          <a:p>
-            <a:pPr marL="0" indent="0">
-              <a:buNone/>
-            </a:pPr>
-            <a:r>
-              <a:rPr lang="en-US" sz="2600" b="1">
-                <a:latin typeface="Times New Roman" panose="02020603050405020304" pitchFamily="18" charset="0"/>
-                <a:cs typeface="Times New Roman" panose="02020603050405020304" pitchFamily="18" charset="0"/>
-              </a:rPr>
-              <a:t>Input:</a:t>
-            </a:r>
-          </a:p>
-          <a:p>
-            <a:pPr marL="0" indent="0">
-              <a:buNone/>
-            </a:pPr>
-            <a:r>
-              <a:rPr lang="en-US" sz="2600">
-                <a:latin typeface="Times New Roman" panose="02020603050405020304" pitchFamily="18" charset="0"/>
-                <a:cs typeface="Times New Roman" panose="02020603050405020304" pitchFamily="18" charset="0"/>
-              </a:rPr>
-              <a:t>“This is an example of dependency grammar”</a:t>
-            </a:r>
-          </a:p>
-        </p:txBody>
-      </p:sp>
-      <p:pic>
-        <p:nvPicPr>
-          <p:cNvPr id="4" name="Picture 3">
-            <a:extLst>
-              <a:ext uri="{FF2B5EF4-FFF2-40B4-BE49-F238E27FC236}">
-                <a16:creationId xmlns:a16="http://schemas.microsoft.com/office/drawing/2014/main" id="{A8638AC6-5CAE-409E-BDA6-723F66EA9761}"/>
-              </a:ext>
-            </a:extLst>
-          </p:cNvPr>
-          <p:cNvPicPr/>
-          <p:nvPr/>
-        </p:nvPicPr>
-        <p:blipFill>
-          <a:blip r:embed="rId2">
-            <a:extLst>
-              <a:ext uri="{28A0092B-C50C-407E-A947-70E740481C1C}">
-                <a14:useLocalDpi xmlns:a14="http://schemas.microsoft.com/office/drawing/2010/main" val="0"/>
-              </a:ext>
-            </a:extLst>
-          </a:blip>
-          <a:stretch>
-            <a:fillRect/>
-          </a:stretch>
-        </p:blipFill>
-        <p:spPr>
-          <a:xfrm>
-            <a:off x="6758957" y="1205834"/>
-            <a:ext cx="4831105" cy="2466514"/>
-          </a:xfrm>
-          <a:prstGeom prst="rect">
-            <a:avLst/>
-          </a:prstGeom>
-        </p:spPr>
-      </p:pic>
-      <p:sp>
-        <p:nvSpPr>
-          <p:cNvPr id="6" name="TextBox 5">
-            <a:extLst>
-              <a:ext uri="{FF2B5EF4-FFF2-40B4-BE49-F238E27FC236}">
-                <a16:creationId xmlns:a16="http://schemas.microsoft.com/office/drawing/2014/main" id="{D6747176-CB55-4B08-A2E1-909DDC32B7A2}"/>
-              </a:ext>
-            </a:extLst>
-          </p:cNvPr>
-          <p:cNvSpPr txBox="1"/>
-          <p:nvPr/>
-        </p:nvSpPr>
-        <p:spPr>
-          <a:xfrm>
-            <a:off x="1499059" y="3882358"/>
-            <a:ext cx="10519796" cy="2154436"/>
-          </a:xfrm>
-          <a:prstGeom prst="rect">
-            <a:avLst/>
-          </a:prstGeom>
-          <a:noFill/>
-        </p:spPr>
-        <p:txBody>
-          <a:bodyPr wrap="square" rtlCol="0">
-            <a:spAutoFit/>
-          </a:bodyPr>
-          <a:lstStyle/>
-          <a:p>
-            <a:pPr>
-              <a:spcAft>
-                <a:spcPts val="1800"/>
-              </a:spcAft>
-            </a:pPr>
-            <a:r>
-              <a:rPr lang="en-US" sz="2600" b="1">
-                <a:latin typeface="Times New Roman" panose="02020603050405020304" pitchFamily="18" charset="0"/>
-                <a:cs typeface="Times New Roman" panose="02020603050405020304" pitchFamily="18" charset="0"/>
-              </a:rPr>
-              <a:t>Output:</a:t>
-            </a:r>
-          </a:p>
-          <a:p>
-            <a:pPr>
-              <a:spcAft>
-                <a:spcPts val="1800"/>
-              </a:spcAft>
-            </a:pPr>
-            <a:r>
-              <a:rPr lang="en-US" sz="2600">
-                <a:latin typeface="Times New Roman" panose="02020603050405020304" pitchFamily="18" charset="0"/>
-                <a:cs typeface="Times New Roman" panose="02020603050405020304" pitchFamily="18" charset="0"/>
-              </a:rPr>
-              <a:t>	Dòng 1 cho thấy từ “this” làm ảnh h</a:t>
-            </a:r>
-            <a:r>
-              <a:rPr lang="vi-VN" sz="2600">
-                <a:latin typeface="Times New Roman" panose="02020603050405020304" pitchFamily="18" charset="0"/>
-                <a:cs typeface="Times New Roman" panose="02020603050405020304" pitchFamily="18" charset="0"/>
-              </a:rPr>
-              <a:t>ư</a:t>
-            </a:r>
-            <a:r>
-              <a:rPr lang="en-US" sz="2600">
-                <a:latin typeface="Times New Roman" panose="02020603050405020304" pitchFamily="18" charset="0"/>
-                <a:cs typeface="Times New Roman" panose="02020603050405020304" pitchFamily="18" charset="0"/>
-              </a:rPr>
-              <a:t>ởng đến “example” và 2 từ này có mối liên hệ là “nsubj”,</a:t>
-            </a:r>
-          </a:p>
-          <a:p>
-            <a:pPr>
-              <a:spcAft>
-                <a:spcPts val="1800"/>
-              </a:spcAft>
-            </a:pPr>
-            <a:r>
-              <a:rPr lang="en-US" sz="2600">
-                <a:latin typeface="Times New Roman" panose="02020603050405020304" pitchFamily="18" charset="0"/>
-                <a:cs typeface="Times New Roman" panose="02020603050405020304" pitchFamily="18" charset="0"/>
-              </a:rPr>
-              <a:t>	4 và 1 là vị trí trong câu của “example” và “this”</a:t>
-            </a:r>
-          </a:p>
-        </p:txBody>
-      </p:sp>
-    </p:spTree>
-    <p:extLst>
-      <p:ext uri="{BB962C8B-B14F-4D97-AF65-F5344CB8AC3E}">
-        <p14:creationId xmlns:p14="http://schemas.microsoft.com/office/powerpoint/2010/main" val="3668074390"/>
       </p:ext>
     </p:extLst>
   </p:cSld>

--- a/Seminar/Stanford_CoreNLP.pptx
+++ b/Seminar/Stanford_CoreNLP.pptx
@@ -5,7 +5,7 @@
     <p:sldMasterId id="2147483660" r:id="rId1"/>
   </p:sldMasterIdLst>
   <p:notesMasterIdLst>
-    <p:notesMasterId r:id="rId29"/>
+    <p:notesMasterId r:id="rId30"/>
   </p:notesMasterIdLst>
   <p:sldIdLst>
     <p:sldId id="256" r:id="rId2"/>
@@ -17,24 +17,25 @@
     <p:sldId id="258" r:id="rId8"/>
     <p:sldId id="268" r:id="rId9"/>
     <p:sldId id="273" r:id="rId10"/>
-    <p:sldId id="274" r:id="rId11"/>
-    <p:sldId id="272" r:id="rId12"/>
-    <p:sldId id="264" r:id="rId13"/>
-    <p:sldId id="265" r:id="rId14"/>
-    <p:sldId id="266" r:id="rId15"/>
-    <p:sldId id="267" r:id="rId16"/>
-    <p:sldId id="283" r:id="rId17"/>
-    <p:sldId id="284" r:id="rId18"/>
-    <p:sldId id="285" r:id="rId19"/>
-    <p:sldId id="286" r:id="rId20"/>
-    <p:sldId id="287" r:id="rId21"/>
-    <p:sldId id="275" r:id="rId22"/>
-    <p:sldId id="276" r:id="rId23"/>
-    <p:sldId id="277" r:id="rId24"/>
-    <p:sldId id="278" r:id="rId25"/>
-    <p:sldId id="279" r:id="rId26"/>
-    <p:sldId id="280" r:id="rId27"/>
-    <p:sldId id="281" r:id="rId28"/>
+    <p:sldId id="272" r:id="rId11"/>
+    <p:sldId id="288" r:id="rId12"/>
+    <p:sldId id="290" r:id="rId13"/>
+    <p:sldId id="264" r:id="rId14"/>
+    <p:sldId id="265" r:id="rId15"/>
+    <p:sldId id="266" r:id="rId16"/>
+    <p:sldId id="267" r:id="rId17"/>
+    <p:sldId id="283" r:id="rId18"/>
+    <p:sldId id="284" r:id="rId19"/>
+    <p:sldId id="285" r:id="rId20"/>
+    <p:sldId id="286" r:id="rId21"/>
+    <p:sldId id="287" r:id="rId22"/>
+    <p:sldId id="275" r:id="rId23"/>
+    <p:sldId id="276" r:id="rId24"/>
+    <p:sldId id="277" r:id="rId25"/>
+    <p:sldId id="278" r:id="rId26"/>
+    <p:sldId id="279" r:id="rId27"/>
+    <p:sldId id="280" r:id="rId28"/>
+    <p:sldId id="281" r:id="rId29"/>
   </p:sldIdLst>
   <p:sldSz cx="12192000" cy="6858000"/>
   <p:notesSz cx="6858000" cy="9144000"/>
@@ -142,6 +143,10 @@
     </p:ext>
   </p:extLst>
 </p:presentation>
+</file>
+
+<file path=ppt/revisionInfo.xml><?xml version="1.0" encoding="utf-8"?>
+<p1510:revInfo xmlns:a="http://schemas.openxmlformats.org/drawingml/2006/main" xmlns:r="http://schemas.openxmlformats.org/officeDocument/2006/relationships" xmlns:p1510="http://schemas.microsoft.com/office/powerpoint/2015/10/main"/>
 </file>
 
 <file path=ppt/diagrams/colors1.xml><?xml version="1.0" encoding="utf-8"?>
@@ -1272,16 +1277,12 @@
         <a:lstStyle/>
         <a:p>
           <a:r>
-            <a:rPr lang="en-US" sz="2600">
+            <a:rPr lang="en-US" sz="2600" dirty="0">
               <a:latin typeface="Times New Roman" panose="02020603050405020304" pitchFamily="18" charset="0"/>
               <a:cs typeface="Times New Roman" panose="02020603050405020304" pitchFamily="18" charset="0"/>
             </a:rPr>
             <a:t>The parser</a:t>
           </a:r>
-          <a:endParaRPr lang="en-US" sz="2600" dirty="0">
-            <a:latin typeface="Times New Roman" panose="02020603050405020304" pitchFamily="18" charset="0"/>
-            <a:cs typeface="Times New Roman" panose="02020603050405020304" pitchFamily="18" charset="0"/>
-          </a:endParaRPr>
         </a:p>
       </dgm:t>
     </dgm:pt>
@@ -1844,16 +1845,12 @@
             <a:buChar char="•"/>
           </a:pPr>
           <a:r>
-            <a:rPr lang="en-US" sz="2600" kern="1200">
+            <a:rPr lang="en-US" sz="2600" kern="1200" dirty="0">
               <a:latin typeface="Times New Roman" panose="02020603050405020304" pitchFamily="18" charset="0"/>
               <a:cs typeface="Times New Roman" panose="02020603050405020304" pitchFamily="18" charset="0"/>
             </a:rPr>
             <a:t>The parser</a:t>
           </a:r>
-          <a:endParaRPr lang="en-US" sz="2600" kern="1200" dirty="0">
-            <a:latin typeface="Times New Roman" panose="02020603050405020304" pitchFamily="18" charset="0"/>
-            <a:cs typeface="Times New Roman" panose="02020603050405020304" pitchFamily="18" charset="0"/>
-          </a:endParaRPr>
         </a:p>
         <a:p>
           <a:pPr marL="228600" lvl="1" indent="-228600" algn="l" defTabSz="1155700">
@@ -3753,7 +3750,7 @@
           <a:p>
             <a:fld id="{78BBFBE1-F28B-4D2E-997C-B307AD86A0C8}" type="slidenum">
               <a:rPr lang="en-US" smtClean="0"/>
-              <a:t>12</a:t>
+              <a:t>13</a:t>
             </a:fld>
             <a:endParaRPr lang="en-US"/>
           </a:p>
@@ -3837,7 +3834,7 @@
           <a:p>
             <a:fld id="{78BBFBE1-F28B-4D2E-997C-B307AD86A0C8}" type="slidenum">
               <a:rPr lang="en-US" smtClean="0"/>
-              <a:t>13</a:t>
+              <a:t>14</a:t>
             </a:fld>
             <a:endParaRPr lang="en-US"/>
           </a:p>
@@ -3921,7 +3918,7 @@
           <a:p>
             <a:fld id="{78BBFBE1-F28B-4D2E-997C-B307AD86A0C8}" type="slidenum">
               <a:rPr lang="en-US" smtClean="0"/>
-              <a:t>14</a:t>
+              <a:t>15</a:t>
             </a:fld>
             <a:endParaRPr lang="en-US"/>
           </a:p>
@@ -4005,7 +4002,7 @@
           <a:p>
             <a:fld id="{78BBFBE1-F28B-4D2E-997C-B307AD86A0C8}" type="slidenum">
               <a:rPr lang="en-US" smtClean="0"/>
-              <a:t>15</a:t>
+              <a:t>16</a:t>
             </a:fld>
             <a:endParaRPr lang="en-US"/>
           </a:p>
@@ -4089,7 +4086,7 @@
           <a:p>
             <a:fld id="{78BBFBE1-F28B-4D2E-997C-B307AD86A0C8}" type="slidenum">
               <a:rPr lang="en-US" smtClean="0"/>
-              <a:t>18</a:t>
+              <a:t>19</a:t>
             </a:fld>
             <a:endParaRPr lang="en-US"/>
           </a:p>
@@ -4173,7 +4170,7 @@
           <a:p>
             <a:fld id="{415931D0-8F45-45FA-A05E-D11DF5C9AD02}" type="slidenum">
               <a:rPr lang="en-US" smtClean="0"/>
-              <a:t>24</a:t>
+              <a:t>25</a:t>
             </a:fld>
             <a:endParaRPr lang="en-US"/>
           </a:p>
@@ -10352,7 +10349,7 @@
           <p:cNvPr id="3" name="Content Placeholder 2">
             <a:extLst>
               <a:ext uri="{FF2B5EF4-FFF2-40B4-BE49-F238E27FC236}">
-                <a16:creationId xmlns:a16="http://schemas.microsoft.com/office/drawing/2014/main" id="{77CB0060-EA5E-40CD-87BE-643EDBDB86B0}"/>
+                <a16:creationId xmlns:a16="http://schemas.microsoft.com/office/drawing/2014/main" id="{46319F7C-AEAD-471F-947F-60F56F29266F}"/>
               </a:ext>
             </a:extLst>
           </p:cNvPr>
@@ -10365,393 +10362,368 @@
         </p:nvSpPr>
         <p:spPr>
           <a:xfrm>
-            <a:off x="1484310" y="2573383"/>
-            <a:ext cx="10018713" cy="3596640"/>
+            <a:off x="1280161" y="2438399"/>
+            <a:ext cx="10222863" cy="3352801"/>
           </a:xfrm>
         </p:spPr>
         <p:txBody>
           <a:bodyPr>
-            <a:noAutofit/>
+            <a:normAutofit/>
           </a:bodyPr>
           <a:lstStyle/>
           <a:p>
-            <a:pPr lvl="1">
-              <a:buFont typeface="Arial" panose="020B0604020202020204" pitchFamily="34" charset="0"/>
-              <a:buChar char="•"/>
-            </a:pPr>
-            <a:r>
-              <a:rPr lang="en-US" sz="2400" dirty="0" err="1">
+            <a:r>
+              <a:rPr lang="en-US" dirty="0" err="1">
                 <a:latin typeface="Times New Roman" panose="02020603050405020304" pitchFamily="18" charset="0"/>
                 <a:cs typeface="Times New Roman" panose="02020603050405020304" pitchFamily="18" charset="0"/>
               </a:rPr>
               <a:t>Tiếng</a:t>
             </a:r>
             <a:r>
-              <a:rPr lang="en-US" sz="2400" dirty="0">
+              <a:rPr lang="en-US" dirty="0">
                 <a:latin typeface="Times New Roman" panose="02020603050405020304" pitchFamily="18" charset="0"/>
                 <a:cs typeface="Times New Roman" panose="02020603050405020304" pitchFamily="18" charset="0"/>
               </a:rPr>
               <a:t> Anh </a:t>
             </a:r>
             <a:r>
-              <a:rPr lang="en-US" sz="2400" dirty="0" err="1">
+              <a:rPr lang="en-US" dirty="0" err="1">
                 <a:latin typeface="Times New Roman" panose="02020603050405020304" pitchFamily="18" charset="0"/>
                 <a:cs typeface="Times New Roman" panose="02020603050405020304" pitchFamily="18" charset="0"/>
               </a:rPr>
               <a:t>sử</a:t>
             </a:r>
             <a:r>
-              <a:rPr lang="en-US" sz="2400" dirty="0">
-                <a:latin typeface="Times New Roman" panose="02020603050405020304" pitchFamily="18" charset="0"/>
-                <a:cs typeface="Times New Roman" panose="02020603050405020304" pitchFamily="18" charset="0"/>
-              </a:rPr>
-              <a:t> </a:t>
-            </a:r>
-            <a:r>
-              <a:rPr lang="en-US" sz="2400" dirty="0" err="1">
+              <a:rPr lang="en-US" dirty="0">
+                <a:latin typeface="Times New Roman" panose="02020603050405020304" pitchFamily="18" charset="0"/>
+                <a:cs typeface="Times New Roman" panose="02020603050405020304" pitchFamily="18" charset="0"/>
+              </a:rPr>
+              <a:t> </a:t>
+            </a:r>
+            <a:r>
+              <a:rPr lang="en-US" dirty="0" err="1">
                 <a:latin typeface="Times New Roman" panose="02020603050405020304" pitchFamily="18" charset="0"/>
                 <a:cs typeface="Times New Roman" panose="02020603050405020304" pitchFamily="18" charset="0"/>
               </a:rPr>
               <a:t>và</a:t>
             </a:r>
             <a:r>
-              <a:rPr lang="en-US" sz="2400" dirty="0">
-                <a:latin typeface="Times New Roman" panose="02020603050405020304" pitchFamily="18" charset="0"/>
-                <a:cs typeface="Times New Roman" panose="02020603050405020304" pitchFamily="18" charset="0"/>
-              </a:rPr>
-              <a:t> </a:t>
-            </a:r>
-            <a:r>
-              <a:rPr lang="en-US" sz="2400" dirty="0" err="1">
+              <a:rPr lang="en-US" dirty="0">
+                <a:latin typeface="Times New Roman" panose="02020603050405020304" pitchFamily="18" charset="0"/>
+                <a:cs typeface="Times New Roman" panose="02020603050405020304" pitchFamily="18" charset="0"/>
+              </a:rPr>
+              <a:t> </a:t>
+            </a:r>
+            <a:r>
+              <a:rPr lang="en-US" dirty="0" err="1">
                 <a:latin typeface="Times New Roman" panose="02020603050405020304" pitchFamily="18" charset="0"/>
                 <a:cs typeface="Times New Roman" panose="02020603050405020304" pitchFamily="18" charset="0"/>
               </a:rPr>
               <a:t>nhiều</a:t>
             </a:r>
             <a:r>
-              <a:rPr lang="en-US" sz="2400" dirty="0">
-                <a:latin typeface="Times New Roman" panose="02020603050405020304" pitchFamily="18" charset="0"/>
-                <a:cs typeface="Times New Roman" panose="02020603050405020304" pitchFamily="18" charset="0"/>
-              </a:rPr>
-              <a:t> </a:t>
-            </a:r>
-            <a:r>
-              <a:rPr lang="en-US" sz="2400" dirty="0" err="1">
+              <a:rPr lang="en-US" dirty="0">
+                <a:latin typeface="Times New Roman" panose="02020603050405020304" pitchFamily="18" charset="0"/>
+                <a:cs typeface="Times New Roman" panose="02020603050405020304" pitchFamily="18" charset="0"/>
+              </a:rPr>
+              <a:t> </a:t>
+            </a:r>
+            <a:r>
+              <a:rPr lang="en-US" dirty="0" err="1">
                 <a:latin typeface="Times New Roman" panose="02020603050405020304" pitchFamily="18" charset="0"/>
                 <a:cs typeface="Times New Roman" panose="02020603050405020304" pitchFamily="18" charset="0"/>
               </a:rPr>
               <a:t>ngôn</a:t>
             </a:r>
             <a:r>
-              <a:rPr lang="en-US" sz="2400" dirty="0">
-                <a:latin typeface="Times New Roman" panose="02020603050405020304" pitchFamily="18" charset="0"/>
-                <a:cs typeface="Times New Roman" panose="02020603050405020304" pitchFamily="18" charset="0"/>
-              </a:rPr>
-              <a:t> </a:t>
-            </a:r>
-            <a:r>
-              <a:rPr lang="en-US" sz="2400" dirty="0" err="1">
+              <a:rPr lang="en-US" dirty="0">
+                <a:latin typeface="Times New Roman" panose="02020603050405020304" pitchFamily="18" charset="0"/>
+                <a:cs typeface="Times New Roman" panose="02020603050405020304" pitchFamily="18" charset="0"/>
+              </a:rPr>
+              <a:t> </a:t>
+            </a:r>
+            <a:r>
+              <a:rPr lang="en-US" dirty="0" err="1">
                 <a:latin typeface="Times New Roman" panose="02020603050405020304" pitchFamily="18" charset="0"/>
                 <a:cs typeface="Times New Roman" panose="02020603050405020304" pitchFamily="18" charset="0"/>
               </a:rPr>
               <a:t>ngữ</a:t>
             </a:r>
             <a:r>
-              <a:rPr lang="en-US" sz="2400" dirty="0">
-                <a:latin typeface="Times New Roman" panose="02020603050405020304" pitchFamily="18" charset="0"/>
-                <a:cs typeface="Times New Roman" panose="02020603050405020304" pitchFamily="18" charset="0"/>
-              </a:rPr>
-              <a:t> </a:t>
-            </a:r>
-            <a:r>
-              <a:rPr lang="en-US" sz="2400" dirty="0" err="1">
+              <a:rPr lang="en-US" dirty="0">
+                <a:latin typeface="Times New Roman" panose="02020603050405020304" pitchFamily="18" charset="0"/>
+                <a:cs typeface="Times New Roman" panose="02020603050405020304" pitchFamily="18" charset="0"/>
+              </a:rPr>
+              <a:t> </a:t>
+            </a:r>
+            <a:r>
+              <a:rPr lang="en-US" dirty="0" err="1">
                 <a:latin typeface="Times New Roman" panose="02020603050405020304" pitchFamily="18" charset="0"/>
                 <a:cs typeface="Times New Roman" panose="02020603050405020304" pitchFamily="18" charset="0"/>
               </a:rPr>
               <a:t>sử</a:t>
             </a:r>
             <a:r>
-              <a:rPr lang="en-US" sz="2400" dirty="0">
-                <a:latin typeface="Times New Roman" panose="02020603050405020304" pitchFamily="18" charset="0"/>
-                <a:cs typeface="Times New Roman" panose="02020603050405020304" pitchFamily="18" charset="0"/>
-              </a:rPr>
-              <a:t> </a:t>
-            </a:r>
-            <a:r>
-              <a:rPr lang="en-US" sz="2400" dirty="0" err="1">
+              <a:rPr lang="en-US" dirty="0">
+                <a:latin typeface="Times New Roman" panose="02020603050405020304" pitchFamily="18" charset="0"/>
+                <a:cs typeface="Times New Roman" panose="02020603050405020304" pitchFamily="18" charset="0"/>
+              </a:rPr>
+              <a:t> </a:t>
+            </a:r>
+            <a:r>
+              <a:rPr lang="en-US" dirty="0" err="1">
                 <a:latin typeface="Times New Roman" panose="02020603050405020304" pitchFamily="18" charset="0"/>
                 <a:cs typeface="Times New Roman" panose="02020603050405020304" pitchFamily="18" charset="0"/>
               </a:rPr>
               <a:t>dụng</a:t>
             </a:r>
             <a:r>
-              <a:rPr lang="en-US" sz="2400" dirty="0">
-                <a:latin typeface="Times New Roman" panose="02020603050405020304" pitchFamily="18" charset="0"/>
-                <a:cs typeface="Times New Roman" panose="02020603050405020304" pitchFamily="18" charset="0"/>
-              </a:rPr>
-              <a:t> </a:t>
-            </a:r>
-            <a:r>
-              <a:rPr lang="en-US" sz="2400" dirty="0" err="1">
-                <a:latin typeface="Times New Roman" panose="02020603050405020304" pitchFamily="18" charset="0"/>
-                <a:cs typeface="Times New Roman" panose="02020603050405020304" pitchFamily="18" charset="0"/>
-              </a:rPr>
-              <a:t>khoảng</a:t>
-            </a:r>
-            <a:r>
-              <a:rPr lang="en-US" sz="2400" dirty="0">
-                <a:latin typeface="Times New Roman" panose="02020603050405020304" pitchFamily="18" charset="0"/>
-                <a:cs typeface="Times New Roman" panose="02020603050405020304" pitchFamily="18" charset="0"/>
-              </a:rPr>
-              <a:t> </a:t>
-            </a:r>
-            <a:r>
-              <a:rPr lang="en-US" sz="2400" dirty="0" err="1">
-                <a:latin typeface="Times New Roman" panose="02020603050405020304" pitchFamily="18" charset="0"/>
-                <a:cs typeface="Times New Roman" panose="02020603050405020304" pitchFamily="18" charset="0"/>
-              </a:rPr>
-              <a:t>trắng</a:t>
-            </a:r>
-            <a:r>
-              <a:rPr lang="en-US" sz="2400" dirty="0">
-                <a:latin typeface="Times New Roman" panose="02020603050405020304" pitchFamily="18" charset="0"/>
-                <a:cs typeface="Times New Roman" panose="02020603050405020304" pitchFamily="18" charset="0"/>
-              </a:rPr>
-              <a:t> </a:t>
-            </a:r>
-            <a:r>
-              <a:rPr lang="en-US" sz="2400" dirty="0" err="1">
+              <a:rPr lang="en-US" dirty="0">
+                <a:latin typeface="Times New Roman" panose="02020603050405020304" pitchFamily="18" charset="0"/>
+                <a:cs typeface="Times New Roman" panose="02020603050405020304" pitchFamily="18" charset="0"/>
+              </a:rPr>
+              <a:t> </a:t>
+            </a:r>
+            <a:r>
+              <a:rPr lang="en-US" dirty="0" err="1">
+                <a:latin typeface="Times New Roman" panose="02020603050405020304" pitchFamily="18" charset="0"/>
+                <a:cs typeface="Times New Roman" panose="02020603050405020304" pitchFamily="18" charset="0"/>
+              </a:rPr>
+              <a:t>dấu</a:t>
+            </a:r>
+            <a:r>
+              <a:rPr lang="en-US" dirty="0">
+                <a:latin typeface="Times New Roman" panose="02020603050405020304" pitchFamily="18" charset="0"/>
+                <a:cs typeface="Times New Roman" panose="02020603050405020304" pitchFamily="18" charset="0"/>
+              </a:rPr>
+              <a:t> </a:t>
+            </a:r>
+            <a:r>
+              <a:rPr lang="en-US" dirty="0" err="1">
+                <a:latin typeface="Times New Roman" panose="02020603050405020304" pitchFamily="18" charset="0"/>
+                <a:cs typeface="Times New Roman" panose="02020603050405020304" pitchFamily="18" charset="0"/>
+              </a:rPr>
+              <a:t>chấm</a:t>
+            </a:r>
+            <a:r>
+              <a:rPr lang="en-US" dirty="0">
+                <a:latin typeface="Times New Roman" panose="02020603050405020304" pitchFamily="18" charset="0"/>
+                <a:cs typeface="Times New Roman" panose="02020603050405020304" pitchFamily="18" charset="0"/>
+              </a:rPr>
+              <a:t> </a:t>
+            </a:r>
+            <a:r>
+              <a:rPr lang="en-US" dirty="0" err="1">
+                <a:latin typeface="Times New Roman" panose="02020603050405020304" pitchFamily="18" charset="0"/>
+                <a:cs typeface="Times New Roman" panose="02020603050405020304" pitchFamily="18" charset="0"/>
+              </a:rPr>
+              <a:t>câu</a:t>
+            </a:r>
+            <a:r>
+              <a:rPr lang="en-US" dirty="0">
+                <a:latin typeface="Times New Roman" panose="02020603050405020304" pitchFamily="18" charset="0"/>
+                <a:cs typeface="Times New Roman" panose="02020603050405020304" pitchFamily="18" charset="0"/>
+              </a:rPr>
+              <a:t> </a:t>
+            </a:r>
+            <a:r>
+              <a:rPr lang="en-US" dirty="0" err="1">
                 <a:latin typeface="Times New Roman" panose="02020603050405020304" pitchFamily="18" charset="0"/>
                 <a:cs typeface="Times New Roman" panose="02020603050405020304" pitchFamily="18" charset="0"/>
               </a:rPr>
               <a:t>để</a:t>
             </a:r>
             <a:r>
-              <a:rPr lang="en-US" sz="2400" dirty="0">
-                <a:latin typeface="Times New Roman" panose="02020603050405020304" pitchFamily="18" charset="0"/>
-                <a:cs typeface="Times New Roman" panose="02020603050405020304" pitchFamily="18" charset="0"/>
-              </a:rPr>
-              <a:t> </a:t>
-            </a:r>
-            <a:r>
-              <a:rPr lang="en-US" sz="2400" dirty="0" err="1">
+              <a:rPr lang="en-US" dirty="0">
+                <a:latin typeface="Times New Roman" panose="02020603050405020304" pitchFamily="18" charset="0"/>
+                <a:cs typeface="Times New Roman" panose="02020603050405020304" pitchFamily="18" charset="0"/>
+              </a:rPr>
+              <a:t> </a:t>
+            </a:r>
+            <a:r>
+              <a:rPr lang="en-US" dirty="0" err="1">
                 <a:latin typeface="Times New Roman" panose="02020603050405020304" pitchFamily="18" charset="0"/>
                 <a:cs typeface="Times New Roman" panose="02020603050405020304" pitchFamily="18" charset="0"/>
               </a:rPr>
               <a:t>phân</a:t>
             </a:r>
             <a:r>
-              <a:rPr lang="en-US" sz="2400" dirty="0">
-                <a:latin typeface="Times New Roman" panose="02020603050405020304" pitchFamily="18" charset="0"/>
-                <a:cs typeface="Times New Roman" panose="02020603050405020304" pitchFamily="18" charset="0"/>
-              </a:rPr>
-              <a:t> </a:t>
-            </a:r>
-            <a:r>
-              <a:rPr lang="en-US" sz="2400" dirty="0" err="1">
+              <a:rPr lang="en-US" dirty="0">
+                <a:latin typeface="Times New Roman" panose="02020603050405020304" pitchFamily="18" charset="0"/>
+                <a:cs typeface="Times New Roman" panose="02020603050405020304" pitchFamily="18" charset="0"/>
+              </a:rPr>
+              <a:t> </a:t>
+            </a:r>
+            <a:r>
+              <a:rPr lang="en-US" dirty="0" err="1">
                 <a:latin typeface="Times New Roman" panose="02020603050405020304" pitchFamily="18" charset="0"/>
                 <a:cs typeface="Times New Roman" panose="02020603050405020304" pitchFamily="18" charset="0"/>
               </a:rPr>
               <a:t>cách</a:t>
             </a:r>
             <a:r>
-              <a:rPr lang="en-US" sz="2400" dirty="0">
-                <a:latin typeface="Times New Roman" panose="02020603050405020304" pitchFamily="18" charset="0"/>
-                <a:cs typeface="Times New Roman" panose="02020603050405020304" pitchFamily="18" charset="0"/>
-              </a:rPr>
-              <a:t> </a:t>
-            </a:r>
-            <a:r>
-              <a:rPr lang="en-US" sz="2400" dirty="0" err="1">
-                <a:latin typeface="Times New Roman" panose="02020603050405020304" pitchFamily="18" charset="0"/>
-                <a:cs typeface="Times New Roman" panose="02020603050405020304" pitchFamily="18" charset="0"/>
-              </a:rPr>
-              <a:t>từ</a:t>
-            </a:r>
-            <a:r>
-              <a:rPr lang="en-US" sz="2400" dirty="0">
+              <a:rPr lang="en-US" dirty="0">
+                <a:latin typeface="Times New Roman" panose="02020603050405020304" pitchFamily="18" charset="0"/>
+                <a:cs typeface="Times New Roman" panose="02020603050405020304" pitchFamily="18" charset="0"/>
+              </a:rPr>
+              <a:t> </a:t>
+            </a:r>
+            <a:r>
+              <a:rPr lang="en-US" dirty="0" err="1">
+                <a:latin typeface="Times New Roman" panose="02020603050405020304" pitchFamily="18" charset="0"/>
+                <a:cs typeface="Times New Roman" panose="02020603050405020304" pitchFamily="18" charset="0"/>
+              </a:rPr>
+              <a:t>câu</a:t>
+            </a:r>
+            <a:r>
+              <a:rPr lang="en-US" dirty="0">
                 <a:latin typeface="Times New Roman" panose="02020603050405020304" pitchFamily="18" charset="0"/>
                 <a:cs typeface="Times New Roman" panose="02020603050405020304" pitchFamily="18" charset="0"/>
               </a:rPr>
               <a:t>. </a:t>
             </a:r>
             <a:r>
-              <a:rPr lang="en-US" sz="2400" dirty="0" err="1">
+              <a:rPr lang="en-US" dirty="0" err="1">
                 <a:latin typeface="Times New Roman" panose="02020603050405020304" pitchFamily="18" charset="0"/>
                 <a:cs typeface="Times New Roman" panose="02020603050405020304" pitchFamily="18" charset="0"/>
               </a:rPr>
               <a:t>Một</a:t>
             </a:r>
             <a:r>
-              <a:rPr lang="en-US" sz="2400" dirty="0">
-                <a:latin typeface="Times New Roman" panose="02020603050405020304" pitchFamily="18" charset="0"/>
-                <a:cs typeface="Times New Roman" panose="02020603050405020304" pitchFamily="18" charset="0"/>
-              </a:rPr>
-              <a:t> </a:t>
-            </a:r>
-            <a:r>
-              <a:rPr lang="en-US" sz="2400" dirty="0" err="1">
+              <a:rPr lang="en-US" dirty="0">
+                <a:latin typeface="Times New Roman" panose="02020603050405020304" pitchFamily="18" charset="0"/>
+                <a:cs typeface="Times New Roman" panose="02020603050405020304" pitchFamily="18" charset="0"/>
+              </a:rPr>
+              <a:t> </a:t>
+            </a:r>
+            <a:r>
+              <a:rPr lang="en-US" dirty="0" err="1">
                 <a:latin typeface="Times New Roman" panose="02020603050405020304" pitchFamily="18" charset="0"/>
                 <a:cs typeface="Times New Roman" panose="02020603050405020304" pitchFamily="18" charset="0"/>
               </a:rPr>
               <a:t>số</a:t>
             </a:r>
             <a:r>
-              <a:rPr lang="en-US" sz="2400" dirty="0">
-                <a:latin typeface="Times New Roman" panose="02020603050405020304" pitchFamily="18" charset="0"/>
-                <a:cs typeface="Times New Roman" panose="02020603050405020304" pitchFamily="18" charset="0"/>
-              </a:rPr>
-              <a:t> </a:t>
-            </a:r>
-            <a:r>
-              <a:rPr lang="en-US" sz="2400" dirty="0" err="1">
+              <a:rPr lang="en-US" dirty="0">
+                <a:latin typeface="Times New Roman" panose="02020603050405020304" pitchFamily="18" charset="0"/>
+                <a:cs typeface="Times New Roman" panose="02020603050405020304" pitchFamily="18" charset="0"/>
+              </a:rPr>
+              <a:t> </a:t>
+            </a:r>
+            <a:r>
+              <a:rPr lang="en-US" dirty="0" err="1">
                 <a:latin typeface="Times New Roman" panose="02020603050405020304" pitchFamily="18" charset="0"/>
                 <a:cs typeface="Times New Roman" panose="02020603050405020304" pitchFamily="18" charset="0"/>
               </a:rPr>
               <a:t>ngôn</a:t>
             </a:r>
             <a:r>
-              <a:rPr lang="en-US" sz="2400" dirty="0">
-                <a:latin typeface="Times New Roman" panose="02020603050405020304" pitchFamily="18" charset="0"/>
-                <a:cs typeface="Times New Roman" panose="02020603050405020304" pitchFamily="18" charset="0"/>
-              </a:rPr>
-              <a:t> </a:t>
-            </a:r>
-            <a:r>
-              <a:rPr lang="en-US" sz="2400" dirty="0" err="1">
+              <a:rPr lang="en-US" dirty="0">
+                <a:latin typeface="Times New Roman" panose="02020603050405020304" pitchFamily="18" charset="0"/>
+                <a:cs typeface="Times New Roman" panose="02020603050405020304" pitchFamily="18" charset="0"/>
+              </a:rPr>
+              <a:t> </a:t>
+            </a:r>
+            <a:r>
+              <a:rPr lang="en-US" dirty="0" err="1">
                 <a:latin typeface="Times New Roman" panose="02020603050405020304" pitchFamily="18" charset="0"/>
                 <a:cs typeface="Times New Roman" panose="02020603050405020304" pitchFamily="18" charset="0"/>
               </a:rPr>
               <a:t>ngữ</a:t>
             </a:r>
             <a:r>
-              <a:rPr lang="en-US" sz="2400" dirty="0">
-                <a:latin typeface="Times New Roman" panose="02020603050405020304" pitchFamily="18" charset="0"/>
-                <a:cs typeface="Times New Roman" panose="02020603050405020304" pitchFamily="18" charset="0"/>
-              </a:rPr>
-              <a:t> </a:t>
-            </a:r>
-            <a:r>
-              <a:rPr lang="en-US" sz="2400" dirty="0" err="1">
+              <a:rPr lang="en-US" dirty="0">
+                <a:latin typeface="Times New Roman" panose="02020603050405020304" pitchFamily="18" charset="0"/>
+                <a:cs typeface="Times New Roman" panose="02020603050405020304" pitchFamily="18" charset="0"/>
+              </a:rPr>
+              <a:t> </a:t>
+            </a:r>
+            <a:r>
+              <a:rPr lang="en-US" dirty="0" err="1">
                 <a:latin typeface="Times New Roman" panose="02020603050405020304" pitchFamily="18" charset="0"/>
                 <a:cs typeface="Times New Roman" panose="02020603050405020304" pitchFamily="18" charset="0"/>
               </a:rPr>
               <a:t>khác</a:t>
             </a:r>
             <a:r>
-              <a:rPr lang="en-US" sz="2400" dirty="0">
-                <a:latin typeface="Times New Roman" panose="02020603050405020304" pitchFamily="18" charset="0"/>
-                <a:cs typeface="Times New Roman" panose="02020603050405020304" pitchFamily="18" charset="0"/>
-              </a:rPr>
-              <a:t> </a:t>
-            </a:r>
-            <a:r>
-              <a:rPr lang="en-US" sz="2400" dirty="0" err="1">
-                <a:latin typeface="Times New Roman" panose="02020603050405020304" pitchFamily="18" charset="0"/>
-                <a:cs typeface="Times New Roman" panose="02020603050405020304" pitchFamily="18" charset="0"/>
-              </a:rPr>
-              <a:t>nh</a:t>
-            </a:r>
-            <a:r>
-              <a:rPr lang="vi-VN" sz="2400" dirty="0">
-                <a:latin typeface="Times New Roman" panose="02020603050405020304" pitchFamily="18" charset="0"/>
-                <a:cs typeface="Times New Roman" panose="02020603050405020304" pitchFamily="18" charset="0"/>
-              </a:rPr>
-              <a:t>ư</a:t>
-            </a:r>
-            <a:r>
-              <a:rPr lang="en-US" sz="2400" dirty="0">
-                <a:latin typeface="Times New Roman" panose="02020603050405020304" pitchFamily="18" charset="0"/>
-                <a:cs typeface="Times New Roman" panose="02020603050405020304" pitchFamily="18" charset="0"/>
-              </a:rPr>
-              <a:t> </a:t>
-            </a:r>
-            <a:r>
-              <a:rPr lang="en-US" sz="2400" dirty="0" err="1">
-                <a:latin typeface="Times New Roman" panose="02020603050405020304" pitchFamily="18" charset="0"/>
-                <a:cs typeface="Times New Roman" panose="02020603050405020304" pitchFamily="18" charset="0"/>
-              </a:rPr>
-              <a:t>Nhật</a:t>
-            </a:r>
-            <a:r>
-              <a:rPr lang="en-US" sz="2400" dirty="0">
-                <a:latin typeface="Times New Roman" panose="02020603050405020304" pitchFamily="18" charset="0"/>
-                <a:cs typeface="Times New Roman" panose="02020603050405020304" pitchFamily="18" charset="0"/>
-              </a:rPr>
-              <a:t>, </a:t>
-            </a:r>
-            <a:r>
-              <a:rPr lang="en-US" sz="2400" dirty="0" err="1">
-                <a:latin typeface="Times New Roman" panose="02020603050405020304" pitchFamily="18" charset="0"/>
-                <a:cs typeface="Times New Roman" panose="02020603050405020304" pitchFamily="18" charset="0"/>
-              </a:rPr>
-              <a:t>Trung</a:t>
-            </a:r>
-            <a:r>
-              <a:rPr lang="en-US" sz="2400" dirty="0">
-                <a:latin typeface="Times New Roman" panose="02020603050405020304" pitchFamily="18" charset="0"/>
-                <a:cs typeface="Times New Roman" panose="02020603050405020304" pitchFamily="18" charset="0"/>
-              </a:rPr>
-              <a:t> </a:t>
-            </a:r>
-            <a:r>
-              <a:rPr lang="en-US" sz="2400" dirty="0" err="1">
-                <a:latin typeface="Times New Roman" panose="02020603050405020304" pitchFamily="18" charset="0"/>
-                <a:cs typeface="Times New Roman" panose="02020603050405020304" pitchFamily="18" charset="0"/>
-              </a:rPr>
-              <a:t>Quốc</a:t>
-            </a:r>
-            <a:r>
-              <a:rPr lang="en-US" sz="2400" dirty="0">
-                <a:latin typeface="Times New Roman" panose="02020603050405020304" pitchFamily="18" charset="0"/>
-                <a:cs typeface="Times New Roman" panose="02020603050405020304" pitchFamily="18" charset="0"/>
-              </a:rPr>
-              <a:t>,… </a:t>
-            </a:r>
-            <a:r>
-              <a:rPr lang="en-US" sz="2400" dirty="0" err="1">
+              <a:rPr lang="en-US" dirty="0">
+                <a:latin typeface="Times New Roman" panose="02020603050405020304" pitchFamily="18" charset="0"/>
+                <a:cs typeface="Times New Roman" panose="02020603050405020304" pitchFamily="18" charset="0"/>
+              </a:rPr>
+              <a:t> </a:t>
+            </a:r>
+            <a:r>
+              <a:rPr lang="en-US" dirty="0" err="1">
                 <a:latin typeface="Times New Roman" panose="02020603050405020304" pitchFamily="18" charset="0"/>
                 <a:cs typeface="Times New Roman" panose="02020603050405020304" pitchFamily="18" charset="0"/>
               </a:rPr>
               <a:t>thì</a:t>
             </a:r>
             <a:r>
-              <a:rPr lang="en-US" sz="2400" dirty="0">
-                <a:latin typeface="Times New Roman" panose="02020603050405020304" pitchFamily="18" charset="0"/>
-                <a:cs typeface="Times New Roman" panose="02020603050405020304" pitchFamily="18" charset="0"/>
-              </a:rPr>
-              <a:t> </a:t>
-            </a:r>
-            <a:r>
-              <a:rPr lang="en-US" sz="2400" dirty="0" err="1">
+              <a:rPr lang="en-US" dirty="0">
+                <a:latin typeface="Times New Roman" panose="02020603050405020304" pitchFamily="18" charset="0"/>
+                <a:cs typeface="Times New Roman" panose="02020603050405020304" pitchFamily="18" charset="0"/>
+              </a:rPr>
+              <a:t> </a:t>
+            </a:r>
+            <a:r>
+              <a:rPr lang="en-US" dirty="0" err="1">
                 <a:latin typeface="Times New Roman" panose="02020603050405020304" pitchFamily="18" charset="0"/>
                 <a:cs typeface="Times New Roman" panose="02020603050405020304" pitchFamily="18" charset="0"/>
               </a:rPr>
               <a:t>không</a:t>
             </a:r>
             <a:r>
-              <a:rPr lang="en-US" sz="2400" dirty="0">
-                <a:latin typeface="Times New Roman" panose="02020603050405020304" pitchFamily="18" charset="0"/>
-                <a:cs typeface="Times New Roman" panose="02020603050405020304" pitchFamily="18" charset="0"/>
-              </a:rPr>
-              <a:t> </a:t>
-            </a:r>
-            <a:r>
-              <a:rPr lang="en-US" sz="2400" dirty="0" err="1">
+              <a:rPr lang="en-US" dirty="0">
+                <a:latin typeface="Times New Roman" panose="02020603050405020304" pitchFamily="18" charset="0"/>
+                <a:cs typeface="Times New Roman" panose="02020603050405020304" pitchFamily="18" charset="0"/>
+              </a:rPr>
+              <a:t> </a:t>
+            </a:r>
+            <a:r>
+              <a:rPr lang="en-US" dirty="0" err="1">
                 <a:latin typeface="Times New Roman" panose="02020603050405020304" pitchFamily="18" charset="0"/>
                 <a:cs typeface="Times New Roman" panose="02020603050405020304" pitchFamily="18" charset="0"/>
               </a:rPr>
               <a:t>có</a:t>
             </a:r>
             <a:r>
-              <a:rPr lang="en-US" sz="2400" dirty="0">
-                <a:latin typeface="Times New Roman" panose="02020603050405020304" pitchFamily="18" charset="0"/>
-                <a:cs typeface="Times New Roman" panose="02020603050405020304" pitchFamily="18" charset="0"/>
-              </a:rPr>
-              <a:t> </a:t>
-            </a:r>
-            <a:r>
-              <a:rPr lang="en-US" sz="2400" dirty="0">
+              <a:rPr lang="en-US" dirty="0">
+                <a:latin typeface="Times New Roman" panose="02020603050405020304" pitchFamily="18" charset="0"/>
+                <a:cs typeface="Times New Roman" panose="02020603050405020304" pitchFamily="18" charset="0"/>
+              </a:rPr>
+              <a:t> </a:t>
+            </a:r>
+            <a:r>
+              <a:rPr lang="en-US" dirty="0" err="1">
+                <a:latin typeface="Times New Roman" panose="02020603050405020304" pitchFamily="18" charset="0"/>
+                <a:cs typeface="Times New Roman" panose="02020603050405020304" pitchFamily="18" charset="0"/>
+              </a:rPr>
+              <a:t>hoặc</a:t>
+            </a:r>
+            <a:r>
+              <a:rPr lang="en-US" dirty="0">
+                <a:latin typeface="Times New Roman" panose="02020603050405020304" pitchFamily="18" charset="0"/>
+                <a:cs typeface="Times New Roman" panose="02020603050405020304" pitchFamily="18" charset="0"/>
+              </a:rPr>
+              <a:t> </a:t>
+            </a:r>
+            <a:r>
+              <a:rPr lang="en-US" dirty="0" err="1">
+                <a:latin typeface="Times New Roman" panose="02020603050405020304" pitchFamily="18" charset="0"/>
+                <a:cs typeface="Times New Roman" panose="02020603050405020304" pitchFamily="18" charset="0"/>
+              </a:rPr>
+              <a:t>khác</a:t>
+            </a:r>
+            <a:r>
+              <a:rPr lang="en-US" dirty="0">
+                <a:latin typeface="Times New Roman" panose="02020603050405020304" pitchFamily="18" charset="0"/>
+                <a:cs typeface="Times New Roman" panose="02020603050405020304" pitchFamily="18" charset="0"/>
+              </a:rPr>
+              <a:t> </a:t>
+            </a:r>
+            <a:r>
+              <a:rPr lang="en-US" dirty="0">
                 <a:latin typeface="Times New Roman" panose="02020603050405020304" pitchFamily="18" charset="0"/>
                 <a:cs typeface="Times New Roman" panose="02020603050405020304" pitchFamily="18" charset="0"/>
                 <a:sym typeface="Wingdings" panose="05000000000000000000" pitchFamily="2" charset="2"/>
@@ -10759,7 +10731,7 @@
               <a:t> </a:t>
             </a:r>
             <a:r>
-              <a:rPr lang="en-US" sz="2400" dirty="0" err="1">
+              <a:rPr lang="en-US" dirty="0" err="1">
                 <a:latin typeface="Times New Roman" panose="02020603050405020304" pitchFamily="18" charset="0"/>
                 <a:cs typeface="Times New Roman" panose="02020603050405020304" pitchFamily="18" charset="0"/>
                 <a:sym typeface="Wingdings" panose="05000000000000000000" pitchFamily="2" charset="2"/>
@@ -10767,7 +10739,7 @@
               <a:t>Khó</a:t>
             </a:r>
             <a:r>
-              <a:rPr lang="en-US" sz="2400" dirty="0">
+              <a:rPr lang="en-US" dirty="0">
                 <a:latin typeface="Times New Roman" panose="02020603050405020304" pitchFamily="18" charset="0"/>
                 <a:cs typeface="Times New Roman" panose="02020603050405020304" pitchFamily="18" charset="0"/>
                 <a:sym typeface="Wingdings" panose="05000000000000000000" pitchFamily="2" charset="2"/>
@@ -10775,7 +10747,7 @@
               <a:t> </a:t>
             </a:r>
             <a:r>
-              <a:rPr lang="en-US" sz="2400" dirty="0" err="1">
+              <a:rPr lang="en-US" dirty="0" err="1">
                 <a:latin typeface="Times New Roman" panose="02020603050405020304" pitchFamily="18" charset="0"/>
                 <a:cs typeface="Times New Roman" panose="02020603050405020304" pitchFamily="18" charset="0"/>
                 <a:sym typeface="Wingdings" panose="05000000000000000000" pitchFamily="2" charset="2"/>
@@ -10783,151 +10755,486 @@
               <a:t>khăn</a:t>
             </a:r>
             <a:r>
-              <a:rPr lang="en-US" sz="2400" dirty="0">
+              <a:rPr lang="en-US" dirty="0">
                 <a:latin typeface="Times New Roman" panose="02020603050405020304" pitchFamily="18" charset="0"/>
                 <a:cs typeface="Times New Roman" panose="02020603050405020304" pitchFamily="18" charset="0"/>
                 <a:sym typeface="Wingdings" panose="05000000000000000000" pitchFamily="2" charset="2"/>
               </a:rPr>
-              <a:t> t</a:t>
-            </a:r>
-            <a:r>
-              <a:rPr lang="en-US" sz="2400" dirty="0">
-                <a:latin typeface="Times New Roman" panose="02020603050405020304" pitchFamily="18" charset="0"/>
-                <a:cs typeface="Times New Roman" panose="02020603050405020304" pitchFamily="18" charset="0"/>
-              </a:rPr>
-              <a:t>okenization: </a:t>
-            </a:r>
-            <a:endParaRPr lang="en-US" sz="2400" dirty="0">
-              <a:latin typeface="Times New Roman" panose="02020603050405020304" pitchFamily="18" charset="0"/>
-              <a:cs typeface="Times New Roman" panose="02020603050405020304" pitchFamily="18" charset="0"/>
-              <a:sym typeface="Wingdings" panose="05000000000000000000" pitchFamily="2" charset="2"/>
-            </a:endParaRPr>
-          </a:p>
-          <a:p>
-            <a:pPr lvl="1">
-              <a:buFont typeface="Arial" panose="020B0604020202020204" pitchFamily="34" charset="0"/>
-              <a:buChar char="•"/>
-            </a:pPr>
-            <a:r>
-              <a:rPr lang="en-US" sz="2400" dirty="0" err="1">
-                <a:latin typeface="Times New Roman" panose="02020603050405020304" pitchFamily="18" charset="0"/>
-                <a:cs typeface="Times New Roman" panose="02020603050405020304" pitchFamily="18" charset="0"/>
-                <a:sym typeface="Wingdings" panose="05000000000000000000" pitchFamily="2" charset="2"/>
-              </a:rPr>
-              <a:t>Ví</a:t>
-            </a:r>
-            <a:r>
-              <a:rPr lang="en-US" sz="2400" dirty="0">
-                <a:latin typeface="Times New Roman" panose="02020603050405020304" pitchFamily="18" charset="0"/>
-                <a:cs typeface="Times New Roman" panose="02020603050405020304" pitchFamily="18" charset="0"/>
-                <a:sym typeface="Wingdings" panose="05000000000000000000" pitchFamily="2" charset="2"/>
-              </a:rPr>
-              <a:t> </a:t>
-            </a:r>
-            <a:r>
-              <a:rPr lang="en-US" sz="2400" dirty="0" err="1">
-                <a:latin typeface="Times New Roman" panose="02020603050405020304" pitchFamily="18" charset="0"/>
-                <a:cs typeface="Times New Roman" panose="02020603050405020304" pitchFamily="18" charset="0"/>
-                <a:sym typeface="Wingdings" panose="05000000000000000000" pitchFamily="2" charset="2"/>
-              </a:rPr>
-              <a:t>dụ</a:t>
-            </a:r>
-            <a:r>
-              <a:rPr lang="en-US" sz="2400" dirty="0">
-                <a:latin typeface="Times New Roman" panose="02020603050405020304" pitchFamily="18" charset="0"/>
-                <a:cs typeface="Times New Roman" panose="02020603050405020304" pitchFamily="18" charset="0"/>
-                <a:sym typeface="Wingdings" panose="05000000000000000000" pitchFamily="2" charset="2"/>
-              </a:rPr>
-              <a:t>: </a:t>
-            </a:r>
-          </a:p>
-          <a:p>
-            <a:pPr marL="0" indent="0">
-              <a:buNone/>
-            </a:pPr>
-            <a:r>
-              <a:rPr lang="en-US" dirty="0">
-                <a:latin typeface="Times New Roman" panose="02020603050405020304" pitchFamily="18" charset="0"/>
-                <a:cs typeface="Times New Roman" panose="02020603050405020304" pitchFamily="18" charset="0"/>
-                <a:sym typeface="Wingdings" panose="05000000000000000000" pitchFamily="2" charset="2"/>
-              </a:rPr>
-              <a:t>		</a:t>
-            </a:r>
-            <a:r>
-              <a:rPr lang="en-US" dirty="0" err="1">
-                <a:latin typeface="Times New Roman" panose="02020603050405020304" pitchFamily="18" charset="0"/>
-                <a:cs typeface="Times New Roman" panose="02020603050405020304" pitchFamily="18" charset="0"/>
-                <a:sym typeface="Wingdings" panose="05000000000000000000" pitchFamily="2" charset="2"/>
-              </a:rPr>
-              <a:t>Tiếng</a:t>
-            </a:r>
-            <a:r>
-              <a:rPr lang="en-US" dirty="0">
-                <a:latin typeface="Times New Roman" panose="02020603050405020304" pitchFamily="18" charset="0"/>
-                <a:cs typeface="Times New Roman" panose="02020603050405020304" pitchFamily="18" charset="0"/>
-                <a:sym typeface="Wingdings" panose="05000000000000000000" pitchFamily="2" charset="2"/>
-              </a:rPr>
-              <a:t> Anh: This is a cat</a:t>
-            </a:r>
-          </a:p>
-          <a:p>
-            <a:pPr marL="0" indent="0">
-              <a:buNone/>
-            </a:pPr>
-            <a:r>
-              <a:rPr lang="en-US" dirty="0">
-                <a:latin typeface="Times New Roman" panose="02020603050405020304" pitchFamily="18" charset="0"/>
-                <a:cs typeface="Times New Roman" panose="02020603050405020304" pitchFamily="18" charset="0"/>
-                <a:sym typeface="Wingdings" panose="05000000000000000000" pitchFamily="2" charset="2"/>
-              </a:rPr>
-              <a:t>		</a:t>
-            </a:r>
-            <a:r>
-              <a:rPr lang="en-US" dirty="0" err="1">
-                <a:latin typeface="Times New Roman" panose="02020603050405020304" pitchFamily="18" charset="0"/>
-                <a:cs typeface="Times New Roman" panose="02020603050405020304" pitchFamily="18" charset="0"/>
-                <a:sym typeface="Wingdings" panose="05000000000000000000" pitchFamily="2" charset="2"/>
-              </a:rPr>
-              <a:t>Tiếng</a:t>
-            </a:r>
-            <a:r>
-              <a:rPr lang="en-US" dirty="0">
-                <a:latin typeface="Times New Roman" panose="02020603050405020304" pitchFamily="18" charset="0"/>
-                <a:cs typeface="Times New Roman" panose="02020603050405020304" pitchFamily="18" charset="0"/>
-                <a:sym typeface="Wingdings" panose="05000000000000000000" pitchFamily="2" charset="2"/>
-              </a:rPr>
-              <a:t> </a:t>
-            </a:r>
-            <a:r>
-              <a:rPr lang="en-US" dirty="0" err="1">
-                <a:latin typeface="Times New Roman" panose="02020603050405020304" pitchFamily="18" charset="0"/>
-                <a:cs typeface="Times New Roman" panose="02020603050405020304" pitchFamily="18" charset="0"/>
-                <a:sym typeface="Wingdings" panose="05000000000000000000" pitchFamily="2" charset="2"/>
-              </a:rPr>
-              <a:t>Nhật</a:t>
-            </a:r>
-            <a:r>
-              <a:rPr lang="en-US" dirty="0">
-                <a:latin typeface="Times New Roman" panose="02020603050405020304" pitchFamily="18" charset="0"/>
-                <a:cs typeface="Times New Roman" panose="02020603050405020304" pitchFamily="18" charset="0"/>
-                <a:sym typeface="Wingdings" panose="05000000000000000000" pitchFamily="2" charset="2"/>
-              </a:rPr>
-              <a:t>: </a:t>
-            </a:r>
-            <a:r>
-              <a:rPr lang="ja-JP" altLang="en-US" dirty="0">
-                <a:latin typeface="Times New Roman" panose="02020603050405020304" pitchFamily="18" charset="0"/>
-                <a:cs typeface="Times New Roman" panose="02020603050405020304" pitchFamily="18" charset="0"/>
-                <a:sym typeface="Wingdings" panose="05000000000000000000" pitchFamily="2" charset="2"/>
-              </a:rPr>
-              <a:t>これは犬です</a:t>
-            </a:r>
-          </a:p>
-          <a:p>
+              <a:t> sentence segmentation</a:t>
+            </a:r>
             <a:endParaRPr lang="en-US" dirty="0">
               <a:latin typeface="Times New Roman" panose="02020603050405020304" pitchFamily="18" charset="0"/>
               <a:cs typeface="Times New Roman" panose="02020603050405020304" pitchFamily="18" charset="0"/>
             </a:endParaRPr>
+          </a:p>
+          <a:p>
+            <a:pPr marL="0" indent="0">
+              <a:buNone/>
+            </a:pPr>
+            <a:r>
+              <a:rPr lang="en-US" dirty="0">
+                <a:latin typeface="Times New Roman" panose="02020603050405020304" pitchFamily="18" charset="0"/>
+                <a:cs typeface="Times New Roman" panose="02020603050405020304" pitchFamily="18" charset="0"/>
+              </a:rPr>
+              <a:t>	</a:t>
+            </a:r>
+            <a:r>
+              <a:rPr lang="en-US" dirty="0" err="1">
+                <a:latin typeface="Times New Roman" panose="02020603050405020304" pitchFamily="18" charset="0"/>
+                <a:cs typeface="Times New Roman" panose="02020603050405020304" pitchFamily="18" charset="0"/>
+              </a:rPr>
+              <a:t>Ví</a:t>
+            </a:r>
+            <a:r>
+              <a:rPr lang="en-US" dirty="0">
+                <a:latin typeface="Times New Roman" panose="02020603050405020304" pitchFamily="18" charset="0"/>
+                <a:cs typeface="Times New Roman" panose="02020603050405020304" pitchFamily="18" charset="0"/>
+              </a:rPr>
+              <a:t> </a:t>
+            </a:r>
+            <a:r>
+              <a:rPr lang="en-US" dirty="0" err="1">
+                <a:latin typeface="Times New Roman" panose="02020603050405020304" pitchFamily="18" charset="0"/>
+                <a:cs typeface="Times New Roman" panose="02020603050405020304" pitchFamily="18" charset="0"/>
+              </a:rPr>
+              <a:t>dụ</a:t>
+            </a:r>
+            <a:r>
+              <a:rPr lang="en-US" dirty="0">
+                <a:latin typeface="Times New Roman" panose="02020603050405020304" pitchFamily="18" charset="0"/>
+                <a:cs typeface="Times New Roman" panose="02020603050405020304" pitchFamily="18" charset="0"/>
+              </a:rPr>
+              <a:t>: </a:t>
+            </a:r>
+            <a:r>
+              <a:rPr lang="en-US" dirty="0" err="1">
+                <a:latin typeface="Times New Roman" panose="02020603050405020304" pitchFamily="18" charset="0"/>
+                <a:cs typeface="Times New Roman" panose="02020603050405020304" pitchFamily="18" charset="0"/>
+              </a:rPr>
+              <a:t>Tiếng</a:t>
+            </a:r>
+            <a:r>
+              <a:rPr lang="en-US" dirty="0">
+                <a:latin typeface="Times New Roman" panose="02020603050405020304" pitchFamily="18" charset="0"/>
+                <a:cs typeface="Times New Roman" panose="02020603050405020304" pitchFamily="18" charset="0"/>
+              </a:rPr>
+              <a:t> Anh: where is the manager?</a:t>
+            </a:r>
+          </a:p>
+          <a:p>
+            <a:pPr marL="0" indent="0">
+              <a:buNone/>
+            </a:pPr>
+            <a:r>
+              <a:rPr lang="en-US" dirty="0">
+                <a:latin typeface="Times New Roman" panose="02020603050405020304" pitchFamily="18" charset="0"/>
+                <a:cs typeface="Times New Roman" panose="02020603050405020304" pitchFamily="18" charset="0"/>
+              </a:rPr>
+              <a:t>			</a:t>
+            </a:r>
+            <a:r>
+              <a:rPr lang="en-US" dirty="0" err="1">
+                <a:latin typeface="Times New Roman" panose="02020603050405020304" pitchFamily="18" charset="0"/>
+                <a:cs typeface="Times New Roman" panose="02020603050405020304" pitchFamily="18" charset="0"/>
+              </a:rPr>
+              <a:t>Tiếng</a:t>
+            </a:r>
+            <a:r>
+              <a:rPr lang="en-US" dirty="0">
+                <a:latin typeface="Times New Roman" panose="02020603050405020304" pitchFamily="18" charset="0"/>
+                <a:cs typeface="Times New Roman" panose="02020603050405020304" pitchFamily="18" charset="0"/>
+              </a:rPr>
+              <a:t> Ả </a:t>
+            </a:r>
+            <a:r>
+              <a:rPr lang="en-US" dirty="0" err="1">
+                <a:latin typeface="Times New Roman" panose="02020603050405020304" pitchFamily="18" charset="0"/>
+                <a:cs typeface="Times New Roman" panose="02020603050405020304" pitchFamily="18" charset="0"/>
+              </a:rPr>
+              <a:t>Rập</a:t>
+            </a:r>
+            <a:r>
+              <a:rPr lang="en-US" dirty="0">
+                <a:latin typeface="Times New Roman" panose="02020603050405020304" pitchFamily="18" charset="0"/>
+                <a:cs typeface="Times New Roman" panose="02020603050405020304" pitchFamily="18" charset="0"/>
+              </a:rPr>
+              <a:t>: </a:t>
+            </a:r>
+            <a:r>
+              <a:rPr lang="ar-AE" dirty="0"/>
+              <a:t>أين المدير؟</a:t>
+            </a:r>
+            <a:endParaRPr lang="en-US" dirty="0">
+              <a:latin typeface="Times New Roman" panose="02020603050405020304" pitchFamily="18" charset="0"/>
+              <a:cs typeface="Times New Roman" panose="02020603050405020304" pitchFamily="18" charset="0"/>
+            </a:endParaRPr>
+          </a:p>
+          <a:p>
+            <a:r>
+              <a:rPr lang="en-US" dirty="0" err="1">
+                <a:latin typeface="Times New Roman" panose="02020603050405020304" pitchFamily="18" charset="0"/>
+                <a:cs typeface="Times New Roman" panose="02020603050405020304" pitchFamily="18" charset="0"/>
+              </a:rPr>
+              <a:t>Trong</a:t>
+            </a:r>
+            <a:r>
+              <a:rPr lang="en-US" dirty="0">
+                <a:latin typeface="Times New Roman" panose="02020603050405020304" pitchFamily="18" charset="0"/>
+                <a:cs typeface="Times New Roman" panose="02020603050405020304" pitchFamily="18" charset="0"/>
+              </a:rPr>
+              <a:t> </a:t>
+            </a:r>
+            <a:r>
+              <a:rPr lang="en-US" dirty="0" err="1">
+                <a:latin typeface="Times New Roman" panose="02020603050405020304" pitchFamily="18" charset="0"/>
+                <a:cs typeface="Times New Roman" panose="02020603050405020304" pitchFamily="18" charset="0"/>
+              </a:rPr>
+              <a:t>tiếng</a:t>
+            </a:r>
+            <a:r>
+              <a:rPr lang="en-US" dirty="0">
+                <a:latin typeface="Times New Roman" panose="02020603050405020304" pitchFamily="18" charset="0"/>
+                <a:cs typeface="Times New Roman" panose="02020603050405020304" pitchFamily="18" charset="0"/>
+              </a:rPr>
+              <a:t> Anh, </a:t>
+            </a:r>
+            <a:r>
+              <a:rPr lang="en-US" dirty="0" err="1">
+                <a:latin typeface="Times New Roman" panose="02020603050405020304" pitchFamily="18" charset="0"/>
+                <a:cs typeface="Times New Roman" panose="02020603050405020304" pitchFamily="18" charset="0"/>
+              </a:rPr>
+              <a:t>đôi</a:t>
+            </a:r>
+            <a:r>
+              <a:rPr lang="en-US" dirty="0">
+                <a:latin typeface="Times New Roman" panose="02020603050405020304" pitchFamily="18" charset="0"/>
+                <a:cs typeface="Times New Roman" panose="02020603050405020304" pitchFamily="18" charset="0"/>
+              </a:rPr>
+              <a:t> </a:t>
+            </a:r>
+            <a:r>
+              <a:rPr lang="en-US" dirty="0" err="1">
+                <a:latin typeface="Times New Roman" panose="02020603050405020304" pitchFamily="18" charset="0"/>
+                <a:cs typeface="Times New Roman" panose="02020603050405020304" pitchFamily="18" charset="0"/>
+              </a:rPr>
+              <a:t>khi</a:t>
+            </a:r>
+            <a:r>
+              <a:rPr lang="en-US" dirty="0">
+                <a:latin typeface="Times New Roman" panose="02020603050405020304" pitchFamily="18" charset="0"/>
+                <a:cs typeface="Times New Roman" panose="02020603050405020304" pitchFamily="18" charset="0"/>
+              </a:rPr>
+              <a:t> </a:t>
+            </a:r>
+            <a:r>
+              <a:rPr lang="en-US" dirty="0" err="1">
+                <a:latin typeface="Times New Roman" panose="02020603050405020304" pitchFamily="18" charset="0"/>
+                <a:cs typeface="Times New Roman" panose="02020603050405020304" pitchFamily="18" charset="0"/>
+              </a:rPr>
+              <a:t>dấu</a:t>
+            </a:r>
+            <a:r>
+              <a:rPr lang="en-US" dirty="0">
+                <a:latin typeface="Times New Roman" panose="02020603050405020304" pitchFamily="18" charset="0"/>
+                <a:cs typeface="Times New Roman" panose="02020603050405020304" pitchFamily="18" charset="0"/>
+              </a:rPr>
+              <a:t> </a:t>
+            </a:r>
+            <a:r>
+              <a:rPr lang="en-US" dirty="0" err="1">
+                <a:latin typeface="Times New Roman" panose="02020603050405020304" pitchFamily="18" charset="0"/>
+                <a:cs typeface="Times New Roman" panose="02020603050405020304" pitchFamily="18" charset="0"/>
+              </a:rPr>
+              <a:t>chấm</a:t>
+            </a:r>
+            <a:r>
+              <a:rPr lang="en-US" dirty="0">
+                <a:latin typeface="Times New Roman" panose="02020603050405020304" pitchFamily="18" charset="0"/>
+                <a:cs typeface="Times New Roman" panose="02020603050405020304" pitchFamily="18" charset="0"/>
+              </a:rPr>
+              <a:t> đ</a:t>
+            </a:r>
+            <a:r>
+              <a:rPr lang="vi-VN" dirty="0">
+                <a:latin typeface="Times New Roman" panose="02020603050405020304" pitchFamily="18" charset="0"/>
+                <a:cs typeface="Times New Roman" panose="02020603050405020304" pitchFamily="18" charset="0"/>
+              </a:rPr>
+              <a:t>ư</a:t>
+            </a:r>
+            <a:r>
+              <a:rPr lang="en-US" dirty="0" err="1">
+                <a:latin typeface="Times New Roman" panose="02020603050405020304" pitchFamily="18" charset="0"/>
+                <a:cs typeface="Times New Roman" panose="02020603050405020304" pitchFamily="18" charset="0"/>
+              </a:rPr>
+              <a:t>ợc</a:t>
+            </a:r>
+            <a:r>
+              <a:rPr lang="en-US" dirty="0">
+                <a:latin typeface="Times New Roman" panose="02020603050405020304" pitchFamily="18" charset="0"/>
+                <a:cs typeface="Times New Roman" panose="02020603050405020304" pitchFamily="18" charset="0"/>
+              </a:rPr>
+              <a:t> </a:t>
+            </a:r>
+            <a:r>
+              <a:rPr lang="en-US" dirty="0" err="1">
+                <a:latin typeface="Times New Roman" panose="02020603050405020304" pitchFamily="18" charset="0"/>
+                <a:cs typeface="Times New Roman" panose="02020603050405020304" pitchFamily="18" charset="0"/>
+              </a:rPr>
+              <a:t>sử</a:t>
+            </a:r>
+            <a:r>
+              <a:rPr lang="en-US" dirty="0">
+                <a:latin typeface="Times New Roman" panose="02020603050405020304" pitchFamily="18" charset="0"/>
+                <a:cs typeface="Times New Roman" panose="02020603050405020304" pitchFamily="18" charset="0"/>
+              </a:rPr>
+              <a:t> </a:t>
+            </a:r>
+            <a:r>
+              <a:rPr lang="en-US" dirty="0" err="1">
+                <a:latin typeface="Times New Roman" panose="02020603050405020304" pitchFamily="18" charset="0"/>
+                <a:cs typeface="Times New Roman" panose="02020603050405020304" pitchFamily="18" charset="0"/>
+              </a:rPr>
+              <a:t>dụng</a:t>
+            </a:r>
+            <a:r>
+              <a:rPr lang="en-US" dirty="0">
+                <a:latin typeface="Times New Roman" panose="02020603050405020304" pitchFamily="18" charset="0"/>
+                <a:cs typeface="Times New Roman" panose="02020603050405020304" pitchFamily="18" charset="0"/>
+              </a:rPr>
+              <a:t> </a:t>
+            </a:r>
+            <a:r>
+              <a:rPr lang="en-US" dirty="0" err="1">
+                <a:latin typeface="Times New Roman" panose="02020603050405020304" pitchFamily="18" charset="0"/>
+                <a:cs typeface="Times New Roman" panose="02020603050405020304" pitchFamily="18" charset="0"/>
+              </a:rPr>
+              <a:t>với</a:t>
+            </a:r>
+            <a:r>
+              <a:rPr lang="en-US" dirty="0">
+                <a:latin typeface="Times New Roman" panose="02020603050405020304" pitchFamily="18" charset="0"/>
+                <a:cs typeface="Times New Roman" panose="02020603050405020304" pitchFamily="18" charset="0"/>
+              </a:rPr>
+              <a:t> </a:t>
+            </a:r>
+            <a:r>
+              <a:rPr lang="en-US" dirty="0" err="1">
+                <a:latin typeface="Times New Roman" panose="02020603050405020304" pitchFamily="18" charset="0"/>
+                <a:cs typeface="Times New Roman" panose="02020603050405020304" pitchFamily="18" charset="0"/>
+              </a:rPr>
+              <a:t>mục</a:t>
+            </a:r>
+            <a:r>
+              <a:rPr lang="en-US" dirty="0">
+                <a:latin typeface="Times New Roman" panose="02020603050405020304" pitchFamily="18" charset="0"/>
+                <a:cs typeface="Times New Roman" panose="02020603050405020304" pitchFamily="18" charset="0"/>
+              </a:rPr>
+              <a:t> </a:t>
+            </a:r>
+            <a:r>
+              <a:rPr lang="en-US" dirty="0" err="1">
+                <a:latin typeface="Times New Roman" panose="02020603050405020304" pitchFamily="18" charset="0"/>
+                <a:cs typeface="Times New Roman" panose="02020603050405020304" pitchFamily="18" charset="0"/>
+              </a:rPr>
+              <a:t>đích</a:t>
+            </a:r>
+            <a:r>
+              <a:rPr lang="en-US" dirty="0">
+                <a:latin typeface="Times New Roman" panose="02020603050405020304" pitchFamily="18" charset="0"/>
+                <a:cs typeface="Times New Roman" panose="02020603050405020304" pitchFamily="18" charset="0"/>
+              </a:rPr>
+              <a:t> </a:t>
+            </a:r>
+            <a:r>
+              <a:rPr lang="en-US" dirty="0" err="1">
+                <a:latin typeface="Times New Roman" panose="02020603050405020304" pitchFamily="18" charset="0"/>
+                <a:cs typeface="Times New Roman" panose="02020603050405020304" pitchFamily="18" charset="0"/>
+              </a:rPr>
+              <a:t>khác</a:t>
+            </a:r>
+            <a:r>
+              <a:rPr lang="en-US" dirty="0">
+                <a:latin typeface="Times New Roman" panose="02020603050405020304" pitchFamily="18" charset="0"/>
+                <a:cs typeface="Times New Roman" panose="02020603050405020304" pitchFamily="18" charset="0"/>
+              </a:rPr>
+              <a:t> </a:t>
+            </a:r>
+            <a:r>
+              <a:rPr lang="en-US" dirty="0" err="1">
+                <a:latin typeface="Times New Roman" panose="02020603050405020304" pitchFamily="18" charset="0"/>
+                <a:cs typeface="Times New Roman" panose="02020603050405020304" pitchFamily="18" charset="0"/>
+              </a:rPr>
+              <a:t>như</a:t>
+            </a:r>
+            <a:r>
+              <a:rPr lang="en-US" dirty="0">
+                <a:latin typeface="Times New Roman" panose="02020603050405020304" pitchFamily="18" charset="0"/>
+                <a:cs typeface="Times New Roman" panose="02020603050405020304" pitchFamily="18" charset="0"/>
+              </a:rPr>
+              <a:t> </a:t>
+            </a:r>
+            <a:r>
+              <a:rPr lang="en-US" dirty="0" err="1">
+                <a:latin typeface="Times New Roman" panose="02020603050405020304" pitchFamily="18" charset="0"/>
+                <a:cs typeface="Times New Roman" panose="02020603050405020304" pitchFamily="18" charset="0"/>
+              </a:rPr>
+              <a:t>từ</a:t>
+            </a:r>
+            <a:r>
+              <a:rPr lang="en-US" dirty="0">
+                <a:latin typeface="Times New Roman" panose="02020603050405020304" pitchFamily="18" charset="0"/>
+                <a:cs typeface="Times New Roman" panose="02020603050405020304" pitchFamily="18" charset="0"/>
+              </a:rPr>
+              <a:t> </a:t>
+            </a:r>
+            <a:r>
+              <a:rPr lang="en-US" dirty="0" err="1">
+                <a:latin typeface="Times New Roman" panose="02020603050405020304" pitchFamily="18" charset="0"/>
+                <a:cs typeface="Times New Roman" panose="02020603050405020304" pitchFamily="18" charset="0"/>
+              </a:rPr>
+              <a:t>viết</a:t>
+            </a:r>
+            <a:r>
+              <a:rPr lang="en-US" dirty="0">
+                <a:latin typeface="Times New Roman" panose="02020603050405020304" pitchFamily="18" charset="0"/>
+                <a:cs typeface="Times New Roman" panose="02020603050405020304" pitchFamily="18" charset="0"/>
+              </a:rPr>
+              <a:t> </a:t>
+            </a:r>
+            <a:r>
+              <a:rPr lang="en-US" dirty="0" err="1">
+                <a:latin typeface="Times New Roman" panose="02020603050405020304" pitchFamily="18" charset="0"/>
+                <a:cs typeface="Times New Roman" panose="02020603050405020304" pitchFamily="18" charset="0"/>
+              </a:rPr>
+              <a:t>tắt</a:t>
+            </a:r>
+            <a:r>
+              <a:rPr lang="en-US" dirty="0">
+                <a:latin typeface="Times New Roman" panose="02020603050405020304" pitchFamily="18" charset="0"/>
+                <a:cs typeface="Times New Roman" panose="02020603050405020304" pitchFamily="18" charset="0"/>
+              </a:rPr>
+              <a:t>, </a:t>
+            </a:r>
+            <a:r>
+              <a:rPr lang="en-US" dirty="0" err="1">
+                <a:latin typeface="Times New Roman" panose="02020603050405020304" pitchFamily="18" charset="0"/>
+                <a:cs typeface="Times New Roman" panose="02020603050405020304" pitchFamily="18" charset="0"/>
+              </a:rPr>
+              <a:t>số</a:t>
+            </a:r>
+            <a:r>
+              <a:rPr lang="en-US" dirty="0">
+                <a:latin typeface="Times New Roman" panose="02020603050405020304" pitchFamily="18" charset="0"/>
+                <a:cs typeface="Times New Roman" panose="02020603050405020304" pitchFamily="18" charset="0"/>
+              </a:rPr>
+              <a:t> </a:t>
+            </a:r>
+            <a:r>
+              <a:rPr lang="en-US" dirty="0" err="1">
+                <a:latin typeface="Times New Roman" panose="02020603050405020304" pitchFamily="18" charset="0"/>
+                <a:cs typeface="Times New Roman" panose="02020603050405020304" pitchFamily="18" charset="0"/>
+              </a:rPr>
+              <a:t>phẩy</a:t>
+            </a:r>
+            <a:r>
+              <a:rPr lang="en-US" dirty="0">
+                <a:latin typeface="Times New Roman" panose="02020603050405020304" pitchFamily="18" charset="0"/>
+                <a:cs typeface="Times New Roman" panose="02020603050405020304" pitchFamily="18" charset="0"/>
+              </a:rPr>
+              <a:t>… </a:t>
+            </a:r>
+            <a:r>
+              <a:rPr lang="en-US" dirty="0">
+                <a:latin typeface="Times New Roman" panose="02020603050405020304" pitchFamily="18" charset="0"/>
+                <a:cs typeface="Times New Roman" panose="02020603050405020304" pitchFamily="18" charset="0"/>
+                <a:sym typeface="Wingdings" panose="05000000000000000000" pitchFamily="2" charset="2"/>
+              </a:rPr>
+              <a:t> </a:t>
+            </a:r>
+            <a:r>
+              <a:rPr lang="en-US" dirty="0" err="1">
+                <a:latin typeface="Times New Roman" panose="02020603050405020304" pitchFamily="18" charset="0"/>
+                <a:cs typeface="Times New Roman" panose="02020603050405020304" pitchFamily="18" charset="0"/>
+                <a:sym typeface="Wingdings" panose="05000000000000000000" pitchFamily="2" charset="2"/>
+              </a:rPr>
+              <a:t>Khó</a:t>
+            </a:r>
+            <a:r>
+              <a:rPr lang="en-US" dirty="0">
+                <a:latin typeface="Times New Roman" panose="02020603050405020304" pitchFamily="18" charset="0"/>
+                <a:cs typeface="Times New Roman" panose="02020603050405020304" pitchFamily="18" charset="0"/>
+                <a:sym typeface="Wingdings" panose="05000000000000000000" pitchFamily="2" charset="2"/>
+              </a:rPr>
+              <a:t> </a:t>
+            </a:r>
+            <a:r>
+              <a:rPr lang="en-US" dirty="0" err="1">
+                <a:latin typeface="Times New Roman" panose="02020603050405020304" pitchFamily="18" charset="0"/>
+                <a:cs typeface="Times New Roman" panose="02020603050405020304" pitchFamily="18" charset="0"/>
+                <a:sym typeface="Wingdings" panose="05000000000000000000" pitchFamily="2" charset="2"/>
+              </a:rPr>
+              <a:t>khăn</a:t>
+            </a:r>
+            <a:r>
+              <a:rPr lang="en-US" dirty="0">
+                <a:latin typeface="Times New Roman" panose="02020603050405020304" pitchFamily="18" charset="0"/>
+                <a:cs typeface="Times New Roman" panose="02020603050405020304" pitchFamily="18" charset="0"/>
+                <a:sym typeface="Wingdings" panose="05000000000000000000" pitchFamily="2" charset="2"/>
+              </a:rPr>
+              <a:t> sentence segmentation</a:t>
+            </a:r>
+          </a:p>
+          <a:p>
+            <a:pPr marL="0" indent="0">
+              <a:buNone/>
+            </a:pPr>
+            <a:r>
+              <a:rPr lang="en-US" dirty="0">
+                <a:latin typeface="Times New Roman" panose="02020603050405020304" pitchFamily="18" charset="0"/>
+                <a:cs typeface="Times New Roman" panose="02020603050405020304" pitchFamily="18" charset="0"/>
+                <a:sym typeface="Wingdings" panose="05000000000000000000" pitchFamily="2" charset="2"/>
+              </a:rPr>
+              <a:t>			</a:t>
+            </a:r>
+            <a:r>
+              <a:rPr lang="en-US" dirty="0" err="1">
+                <a:latin typeface="Times New Roman" panose="02020603050405020304" pitchFamily="18" charset="0"/>
+                <a:cs typeface="Times New Roman" panose="02020603050405020304" pitchFamily="18" charset="0"/>
+                <a:sym typeface="Wingdings" panose="05000000000000000000" pitchFamily="2" charset="2"/>
+              </a:rPr>
+              <a:t>Ví</a:t>
+            </a:r>
+            <a:r>
+              <a:rPr lang="en-US" dirty="0">
+                <a:latin typeface="Times New Roman" panose="02020603050405020304" pitchFamily="18" charset="0"/>
+                <a:cs typeface="Times New Roman" panose="02020603050405020304" pitchFamily="18" charset="0"/>
+                <a:sym typeface="Wingdings" panose="05000000000000000000" pitchFamily="2" charset="2"/>
+              </a:rPr>
+              <a:t> </a:t>
+            </a:r>
+            <a:r>
+              <a:rPr lang="en-US" dirty="0" err="1">
+                <a:latin typeface="Times New Roman" panose="02020603050405020304" pitchFamily="18" charset="0"/>
+                <a:cs typeface="Times New Roman" panose="02020603050405020304" pitchFamily="18" charset="0"/>
+                <a:sym typeface="Wingdings" panose="05000000000000000000" pitchFamily="2" charset="2"/>
+              </a:rPr>
+              <a:t>dụ</a:t>
+            </a:r>
+            <a:r>
+              <a:rPr lang="en-US" dirty="0">
+                <a:latin typeface="Times New Roman" panose="02020603050405020304" pitchFamily="18" charset="0"/>
+                <a:cs typeface="Times New Roman" panose="02020603050405020304" pitchFamily="18" charset="0"/>
+                <a:sym typeface="Wingdings" panose="05000000000000000000" pitchFamily="2" charset="2"/>
+              </a:rPr>
+              <a:t>: Mr. Lam	HVN Corp.	1.2</a:t>
+            </a:r>
+            <a:endParaRPr lang="en-US" dirty="0">
+              <a:latin typeface="Times New Roman" panose="02020603050405020304" pitchFamily="18" charset="0"/>
+              <a:cs typeface="Times New Roman" panose="02020603050405020304" pitchFamily="18" charset="0"/>
+            </a:endParaRPr>
+          </a:p>
+          <a:p>
+            <a:endParaRPr lang="en-US" dirty="0"/>
           </a:p>
         </p:txBody>
       </p:sp>
@@ -10936,7 +11243,7 @@
           <p:cNvPr id="4" name="Title 1">
             <a:extLst>
               <a:ext uri="{FF2B5EF4-FFF2-40B4-BE49-F238E27FC236}">
-                <a16:creationId xmlns:a16="http://schemas.microsoft.com/office/drawing/2014/main" id="{AF1CA3CF-B47B-4E45-BDAB-6D8E8590E04C}"/>
+                <a16:creationId xmlns:a16="http://schemas.microsoft.com/office/drawing/2014/main" id="{01A58B5A-1ACB-486F-A6E0-8F446AC6748B}"/>
               </a:ext>
             </a:extLst>
           </p:cNvPr>
@@ -10947,7 +11254,12 @@
             <p:ph type="title"/>
           </p:nvPr>
         </p:nvSpPr>
-        <p:spPr/>
+        <p:spPr>
+          <a:xfrm>
+            <a:off x="1484311" y="685800"/>
+            <a:ext cx="10018713" cy="1752599"/>
+          </a:xfrm>
+        </p:spPr>
         <p:txBody>
           <a:bodyPr/>
           <a:lstStyle/>
@@ -10969,7 +11281,7 @@
     </p:spTree>
     <p:extLst>
       <p:ext uri="{BB962C8B-B14F-4D97-AF65-F5344CB8AC3E}">
-        <p14:creationId xmlns:p14="http://schemas.microsoft.com/office/powerpoint/2010/main" val="3983537852"/>
+        <p14:creationId xmlns:p14="http://schemas.microsoft.com/office/powerpoint/2010/main" val="1734089245"/>
       </p:ext>
     </p:extLst>
   </p:cSld>
@@ -11001,7 +11313,7 @@
           <p:cNvPr id="3" name="Content Placeholder 2">
             <a:extLst>
               <a:ext uri="{FF2B5EF4-FFF2-40B4-BE49-F238E27FC236}">
-                <a16:creationId xmlns:a16="http://schemas.microsoft.com/office/drawing/2014/main" id="{46319F7C-AEAD-471F-947F-60F56F29266F}"/>
+                <a16:creationId xmlns:a16="http://schemas.microsoft.com/office/drawing/2014/main" id="{5C85A5BA-7BED-4930-8B2C-A643527BD467}"/>
               </a:ext>
             </a:extLst>
           </p:cNvPr>
@@ -11012,15 +11324,10 @@
             <p:ph idx="1"/>
           </p:nvPr>
         </p:nvSpPr>
-        <p:spPr>
-          <a:xfrm>
-            <a:off x="1280161" y="2438399"/>
-            <a:ext cx="10222863" cy="3352801"/>
-          </a:xfrm>
-        </p:spPr>
+        <p:spPr/>
         <p:txBody>
           <a:bodyPr>
-            <a:normAutofit/>
+            <a:noAutofit/>
           </a:bodyPr>
           <a:lstStyle/>
           <a:p>
@@ -11029,91 +11336,7 @@
                 <a:latin typeface="Times New Roman" panose="02020603050405020304" pitchFamily="18" charset="0"/>
                 <a:cs typeface="Times New Roman" panose="02020603050405020304" pitchFamily="18" charset="0"/>
               </a:rPr>
-              <a:t>Tiếng</a:t>
-            </a:r>
-            <a:r>
-              <a:rPr lang="en-US" dirty="0">
-                <a:latin typeface="Times New Roman" panose="02020603050405020304" pitchFamily="18" charset="0"/>
-                <a:cs typeface="Times New Roman" panose="02020603050405020304" pitchFamily="18" charset="0"/>
-              </a:rPr>
-              <a:t> Anh </a:t>
-            </a:r>
-            <a:r>
-              <a:rPr lang="en-US" dirty="0" err="1">
-                <a:latin typeface="Times New Roman" panose="02020603050405020304" pitchFamily="18" charset="0"/>
-                <a:cs typeface="Times New Roman" panose="02020603050405020304" pitchFamily="18" charset="0"/>
-              </a:rPr>
-              <a:t>sử</a:t>
-            </a:r>
-            <a:r>
-              <a:rPr lang="en-US" dirty="0">
-                <a:latin typeface="Times New Roman" panose="02020603050405020304" pitchFamily="18" charset="0"/>
-                <a:cs typeface="Times New Roman" panose="02020603050405020304" pitchFamily="18" charset="0"/>
-              </a:rPr>
-              <a:t> </a:t>
-            </a:r>
-            <a:r>
-              <a:rPr lang="en-US" dirty="0" err="1">
-                <a:latin typeface="Times New Roman" panose="02020603050405020304" pitchFamily="18" charset="0"/>
-                <a:cs typeface="Times New Roman" panose="02020603050405020304" pitchFamily="18" charset="0"/>
-              </a:rPr>
-              <a:t>và</a:t>
-            </a:r>
-            <a:r>
-              <a:rPr lang="en-US" dirty="0">
-                <a:latin typeface="Times New Roman" panose="02020603050405020304" pitchFamily="18" charset="0"/>
-                <a:cs typeface="Times New Roman" panose="02020603050405020304" pitchFamily="18" charset="0"/>
-              </a:rPr>
-              <a:t> </a:t>
-            </a:r>
-            <a:r>
-              <a:rPr lang="en-US" dirty="0" err="1">
-                <a:latin typeface="Times New Roman" panose="02020603050405020304" pitchFamily="18" charset="0"/>
-                <a:cs typeface="Times New Roman" panose="02020603050405020304" pitchFamily="18" charset="0"/>
-              </a:rPr>
-              <a:t>nhiều</a:t>
-            </a:r>
-            <a:r>
-              <a:rPr lang="en-US" dirty="0">
-                <a:latin typeface="Times New Roman" panose="02020603050405020304" pitchFamily="18" charset="0"/>
-                <a:cs typeface="Times New Roman" panose="02020603050405020304" pitchFamily="18" charset="0"/>
-              </a:rPr>
-              <a:t> </a:t>
-            </a:r>
-            <a:r>
-              <a:rPr lang="en-US" dirty="0" err="1">
-                <a:latin typeface="Times New Roman" panose="02020603050405020304" pitchFamily="18" charset="0"/>
-                <a:cs typeface="Times New Roman" panose="02020603050405020304" pitchFamily="18" charset="0"/>
-              </a:rPr>
-              <a:t>ngôn</a:t>
-            </a:r>
-            <a:r>
-              <a:rPr lang="en-US" dirty="0">
-                <a:latin typeface="Times New Roman" panose="02020603050405020304" pitchFamily="18" charset="0"/>
-                <a:cs typeface="Times New Roman" panose="02020603050405020304" pitchFamily="18" charset="0"/>
-              </a:rPr>
-              <a:t> </a:t>
-            </a:r>
-            <a:r>
-              <a:rPr lang="en-US" dirty="0" err="1">
-                <a:latin typeface="Times New Roman" panose="02020603050405020304" pitchFamily="18" charset="0"/>
-                <a:cs typeface="Times New Roman" panose="02020603050405020304" pitchFamily="18" charset="0"/>
-              </a:rPr>
-              <a:t>ngữ</a:t>
-            </a:r>
-            <a:r>
-              <a:rPr lang="en-US" dirty="0">
-                <a:latin typeface="Times New Roman" panose="02020603050405020304" pitchFamily="18" charset="0"/>
-                <a:cs typeface="Times New Roman" panose="02020603050405020304" pitchFamily="18" charset="0"/>
-              </a:rPr>
-              <a:t> </a:t>
-            </a:r>
-            <a:r>
-              <a:rPr lang="en-US" dirty="0" err="1">
-                <a:latin typeface="Times New Roman" panose="02020603050405020304" pitchFamily="18" charset="0"/>
-                <a:cs typeface="Times New Roman" panose="02020603050405020304" pitchFamily="18" charset="0"/>
-              </a:rPr>
-              <a:t>sử</a:t>
+              <a:t>Sử</a:t>
             </a:r>
             <a:r>
               <a:rPr lang="en-US" dirty="0">
@@ -11134,42 +11357,201 @@
                 <a:latin typeface="Times New Roman" panose="02020603050405020304" pitchFamily="18" charset="0"/>
                 <a:cs typeface="Times New Roman" panose="02020603050405020304" pitchFamily="18" charset="0"/>
               </a:rPr>
-              <a:t> </a:t>
-            </a:r>
-            <a:r>
-              <a:rPr lang="en-US" dirty="0" err="1">
-                <a:latin typeface="Times New Roman" panose="02020603050405020304" pitchFamily="18" charset="0"/>
-                <a:cs typeface="Times New Roman" panose="02020603050405020304" pitchFamily="18" charset="0"/>
-              </a:rPr>
-              <a:t>dấu</a:t>
-            </a:r>
-            <a:r>
-              <a:rPr lang="en-US" dirty="0">
-                <a:latin typeface="Times New Roman" panose="02020603050405020304" pitchFamily="18" charset="0"/>
-                <a:cs typeface="Times New Roman" panose="02020603050405020304" pitchFamily="18" charset="0"/>
-              </a:rPr>
-              <a:t> </a:t>
-            </a:r>
-            <a:r>
-              <a:rPr lang="en-US" dirty="0" err="1">
-                <a:latin typeface="Times New Roman" panose="02020603050405020304" pitchFamily="18" charset="0"/>
-                <a:cs typeface="Times New Roman" panose="02020603050405020304" pitchFamily="18" charset="0"/>
-              </a:rPr>
-              <a:t>chấm</a:t>
-            </a:r>
-            <a:r>
-              <a:rPr lang="en-US" dirty="0">
-                <a:latin typeface="Times New Roman" panose="02020603050405020304" pitchFamily="18" charset="0"/>
-                <a:cs typeface="Times New Roman" panose="02020603050405020304" pitchFamily="18" charset="0"/>
-              </a:rPr>
-              <a:t> </a:t>
-            </a:r>
-            <a:r>
-              <a:rPr lang="en-US" dirty="0" err="1">
-                <a:latin typeface="Times New Roman" panose="02020603050405020304" pitchFamily="18" charset="0"/>
-                <a:cs typeface="Times New Roman" panose="02020603050405020304" pitchFamily="18" charset="0"/>
-              </a:rPr>
-              <a:t>câu</a:t>
+              <a:t> class </a:t>
+            </a:r>
+            <a:r>
+              <a:rPr lang="en-US" dirty="0" err="1">
+                <a:latin typeface="Times New Roman" panose="02020603050405020304" pitchFamily="18" charset="0"/>
+                <a:cs typeface="Times New Roman" panose="02020603050405020304" pitchFamily="18" charset="0"/>
+              </a:rPr>
+              <a:t>PTBTokenizer</a:t>
+            </a:r>
+            <a:r>
+              <a:rPr lang="en-US" dirty="0">
+                <a:latin typeface="Times New Roman" panose="02020603050405020304" pitchFamily="18" charset="0"/>
+                <a:cs typeface="Times New Roman" panose="02020603050405020304" pitchFamily="18" charset="0"/>
+              </a:rPr>
+              <a:t> </a:t>
+            </a:r>
+          </a:p>
+          <a:p>
+            <a:r>
+              <a:rPr lang="en-US" dirty="0" err="1">
+                <a:latin typeface="Times New Roman" panose="02020603050405020304" pitchFamily="18" charset="0"/>
+                <a:cs typeface="Times New Roman" panose="02020603050405020304" pitchFamily="18" charset="0"/>
+              </a:rPr>
+              <a:t>Các</a:t>
+            </a:r>
+            <a:r>
+              <a:rPr lang="en-US" dirty="0">
+                <a:latin typeface="Times New Roman" panose="02020603050405020304" pitchFamily="18" charset="0"/>
+                <a:cs typeface="Times New Roman" panose="02020603050405020304" pitchFamily="18" charset="0"/>
+              </a:rPr>
+              <a:t> b</a:t>
+            </a:r>
+            <a:r>
+              <a:rPr lang="vi-VN" dirty="0">
+                <a:latin typeface="Times New Roman" panose="02020603050405020304" pitchFamily="18" charset="0"/>
+                <a:cs typeface="Times New Roman" panose="02020603050405020304" pitchFamily="18" charset="0"/>
+              </a:rPr>
+              <a:t>ư</a:t>
+            </a:r>
+            <a:r>
+              <a:rPr lang="en-US" dirty="0" err="1">
+                <a:latin typeface="Times New Roman" panose="02020603050405020304" pitchFamily="18" charset="0"/>
+                <a:cs typeface="Times New Roman" panose="02020603050405020304" pitchFamily="18" charset="0"/>
+              </a:rPr>
+              <a:t>ớc</a:t>
+            </a:r>
+            <a:r>
+              <a:rPr lang="en-US" dirty="0">
+                <a:latin typeface="Times New Roman" panose="02020603050405020304" pitchFamily="18" charset="0"/>
+                <a:cs typeface="Times New Roman" panose="02020603050405020304" pitchFamily="18" charset="0"/>
+              </a:rPr>
+              <a:t> </a:t>
+            </a:r>
+            <a:r>
+              <a:rPr lang="en-US" dirty="0" err="1">
+                <a:latin typeface="Times New Roman" panose="02020603050405020304" pitchFamily="18" charset="0"/>
+                <a:cs typeface="Times New Roman" panose="02020603050405020304" pitchFamily="18" charset="0"/>
+              </a:rPr>
+              <a:t>thực</a:t>
+            </a:r>
+            <a:r>
+              <a:rPr lang="en-US" dirty="0">
+                <a:latin typeface="Times New Roman" panose="02020603050405020304" pitchFamily="18" charset="0"/>
+                <a:cs typeface="Times New Roman" panose="02020603050405020304" pitchFamily="18" charset="0"/>
+              </a:rPr>
+              <a:t> </a:t>
+            </a:r>
+            <a:r>
+              <a:rPr lang="en-US" dirty="0" err="1">
+                <a:latin typeface="Times New Roman" panose="02020603050405020304" pitchFamily="18" charset="0"/>
+                <a:cs typeface="Times New Roman" panose="02020603050405020304" pitchFamily="18" charset="0"/>
+              </a:rPr>
+              <a:t>hiện</a:t>
+            </a:r>
+            <a:r>
+              <a:rPr lang="en-US" dirty="0">
+                <a:latin typeface="Times New Roman" panose="02020603050405020304" pitchFamily="18" charset="0"/>
+                <a:cs typeface="Times New Roman" panose="02020603050405020304" pitchFamily="18" charset="0"/>
+              </a:rPr>
+              <a:t>: </a:t>
+            </a:r>
+          </a:p>
+          <a:p>
+            <a:pPr lvl="1"/>
+            <a:r>
+              <a:rPr lang="en-US" sz="2400" dirty="0" err="1">
+                <a:latin typeface="Times New Roman" panose="02020603050405020304" pitchFamily="18" charset="0"/>
+                <a:cs typeface="Times New Roman" panose="02020603050405020304" pitchFamily="18" charset="0"/>
+              </a:rPr>
+              <a:t>Chuyển</a:t>
+            </a:r>
+            <a:r>
+              <a:rPr lang="en-US" sz="2400" dirty="0">
+                <a:latin typeface="Times New Roman" panose="02020603050405020304" pitchFamily="18" charset="0"/>
+                <a:cs typeface="Times New Roman" panose="02020603050405020304" pitchFamily="18" charset="0"/>
+              </a:rPr>
+              <a:t> </a:t>
+            </a:r>
+            <a:r>
+              <a:rPr lang="en-US" sz="2400" dirty="0" err="1">
+                <a:latin typeface="Times New Roman" panose="02020603050405020304" pitchFamily="18" charset="0"/>
+                <a:cs typeface="Times New Roman" panose="02020603050405020304" pitchFamily="18" charset="0"/>
+              </a:rPr>
+              <a:t>văn</a:t>
+            </a:r>
+            <a:r>
+              <a:rPr lang="en-US" sz="2400" dirty="0">
+                <a:latin typeface="Times New Roman" panose="02020603050405020304" pitchFamily="18" charset="0"/>
+                <a:cs typeface="Times New Roman" panose="02020603050405020304" pitchFamily="18" charset="0"/>
+              </a:rPr>
+              <a:t> </a:t>
+            </a:r>
+            <a:r>
+              <a:rPr lang="en-US" sz="2400" dirty="0" err="1">
+                <a:latin typeface="Times New Roman" panose="02020603050405020304" pitchFamily="18" charset="0"/>
+                <a:cs typeface="Times New Roman" panose="02020603050405020304" pitchFamily="18" charset="0"/>
+              </a:rPr>
+              <a:t>bản</a:t>
+            </a:r>
+            <a:r>
+              <a:rPr lang="en-US" sz="2400" dirty="0">
+                <a:latin typeface="Times New Roman" panose="02020603050405020304" pitchFamily="18" charset="0"/>
+                <a:cs typeface="Times New Roman" panose="02020603050405020304" pitchFamily="18" charset="0"/>
+              </a:rPr>
+              <a:t> string </a:t>
+            </a:r>
+            <a:r>
+              <a:rPr lang="en-US" sz="2400" dirty="0" err="1">
+                <a:latin typeface="Times New Roman" panose="02020603050405020304" pitchFamily="18" charset="0"/>
+                <a:cs typeface="Times New Roman" panose="02020603050405020304" pitchFamily="18" charset="0"/>
+              </a:rPr>
+              <a:t>thành</a:t>
+            </a:r>
+            <a:r>
+              <a:rPr lang="en-US" sz="2400" dirty="0">
+                <a:latin typeface="Times New Roman" panose="02020603050405020304" pitchFamily="18" charset="0"/>
+                <a:cs typeface="Times New Roman" panose="02020603050405020304" pitchFamily="18" charset="0"/>
+              </a:rPr>
+              <a:t> </a:t>
+            </a:r>
+            <a:r>
+              <a:rPr lang="en-US" sz="2400" dirty="0" err="1">
+                <a:latin typeface="Times New Roman" panose="02020603050405020304" pitchFamily="18" charset="0"/>
+                <a:cs typeface="Times New Roman" panose="02020603050405020304" pitchFamily="18" charset="0"/>
+              </a:rPr>
+              <a:t>StringReader</a:t>
+            </a:r>
+            <a:endParaRPr lang="en-US" sz="2400" dirty="0">
+              <a:latin typeface="Times New Roman" panose="02020603050405020304" pitchFamily="18" charset="0"/>
+              <a:cs typeface="Times New Roman" panose="02020603050405020304" pitchFamily="18" charset="0"/>
+            </a:endParaRPr>
+          </a:p>
+          <a:p>
+            <a:pPr lvl="1"/>
+            <a:endParaRPr lang="en-US" sz="2400" dirty="0">
+              <a:latin typeface="Times New Roman" panose="02020603050405020304" pitchFamily="18" charset="0"/>
+              <a:cs typeface="Times New Roman" panose="02020603050405020304" pitchFamily="18" charset="0"/>
+            </a:endParaRPr>
+          </a:p>
+          <a:p>
+            <a:pPr lvl="1"/>
+            <a:r>
+              <a:rPr lang="en-US" sz="2400" dirty="0" err="1">
+                <a:latin typeface="Times New Roman" panose="02020603050405020304" pitchFamily="18" charset="0"/>
+                <a:cs typeface="Times New Roman" panose="02020603050405020304" pitchFamily="18" charset="0"/>
+              </a:rPr>
+              <a:t>Sử</a:t>
+            </a:r>
+            <a:r>
+              <a:rPr lang="en-US" sz="2400" dirty="0">
+                <a:latin typeface="Times New Roman" panose="02020603050405020304" pitchFamily="18" charset="0"/>
+                <a:cs typeface="Times New Roman" panose="02020603050405020304" pitchFamily="18" charset="0"/>
+              </a:rPr>
+              <a:t> </a:t>
+            </a:r>
+            <a:r>
+              <a:rPr lang="en-US" dirty="0" err="1">
+                <a:latin typeface="Times New Roman" panose="02020603050405020304" pitchFamily="18" charset="0"/>
+                <a:cs typeface="Times New Roman" panose="02020603050405020304" pitchFamily="18" charset="0"/>
+              </a:rPr>
+              <a:t>dụng</a:t>
+            </a:r>
+            <a:r>
+              <a:rPr lang="en-US" dirty="0">
+                <a:latin typeface="Times New Roman" panose="02020603050405020304" pitchFamily="18" charset="0"/>
+                <a:cs typeface="Times New Roman" panose="02020603050405020304" pitchFamily="18" charset="0"/>
+              </a:rPr>
+              <a:t> class </a:t>
+            </a:r>
+            <a:r>
+              <a:rPr lang="en-US" dirty="0" err="1">
+                <a:latin typeface="Times New Roman" panose="02020603050405020304" pitchFamily="18" charset="0"/>
+                <a:cs typeface="Times New Roman" panose="02020603050405020304" pitchFamily="18" charset="0"/>
+              </a:rPr>
+              <a:t>PTBTokenizer</a:t>
             </a:r>
             <a:r>
               <a:rPr lang="en-US" dirty="0">
@@ -11211,209 +11593,34 @@
                 <a:latin typeface="Times New Roman" panose="02020603050405020304" pitchFamily="18" charset="0"/>
                 <a:cs typeface="Times New Roman" panose="02020603050405020304" pitchFamily="18" charset="0"/>
               </a:rPr>
-              <a:t>cách</a:t>
-            </a:r>
-            <a:r>
-              <a:rPr lang="en-US" dirty="0">
-                <a:latin typeface="Times New Roman" panose="02020603050405020304" pitchFamily="18" charset="0"/>
-                <a:cs typeface="Times New Roman" panose="02020603050405020304" pitchFamily="18" charset="0"/>
-              </a:rPr>
-              <a:t> </a:t>
-            </a:r>
-            <a:r>
-              <a:rPr lang="en-US" dirty="0" err="1">
-                <a:latin typeface="Times New Roman" panose="02020603050405020304" pitchFamily="18" charset="0"/>
-                <a:cs typeface="Times New Roman" panose="02020603050405020304" pitchFamily="18" charset="0"/>
-              </a:rPr>
-              <a:t>câu</a:t>
-            </a:r>
-            <a:r>
-              <a:rPr lang="en-US" dirty="0">
-                <a:latin typeface="Times New Roman" panose="02020603050405020304" pitchFamily="18" charset="0"/>
-                <a:cs typeface="Times New Roman" panose="02020603050405020304" pitchFamily="18" charset="0"/>
-              </a:rPr>
-              <a:t>. </a:t>
-            </a:r>
-            <a:r>
-              <a:rPr lang="en-US" dirty="0" err="1">
-                <a:latin typeface="Times New Roman" panose="02020603050405020304" pitchFamily="18" charset="0"/>
-                <a:cs typeface="Times New Roman" panose="02020603050405020304" pitchFamily="18" charset="0"/>
-              </a:rPr>
-              <a:t>Một</a:t>
-            </a:r>
-            <a:r>
-              <a:rPr lang="en-US" dirty="0">
-                <a:latin typeface="Times New Roman" panose="02020603050405020304" pitchFamily="18" charset="0"/>
-                <a:cs typeface="Times New Roman" panose="02020603050405020304" pitchFamily="18" charset="0"/>
-              </a:rPr>
-              <a:t> </a:t>
-            </a:r>
-            <a:r>
-              <a:rPr lang="en-US" dirty="0" err="1">
-                <a:latin typeface="Times New Roman" panose="02020603050405020304" pitchFamily="18" charset="0"/>
-                <a:cs typeface="Times New Roman" panose="02020603050405020304" pitchFamily="18" charset="0"/>
-              </a:rPr>
-              <a:t>số</a:t>
-            </a:r>
-            <a:r>
-              <a:rPr lang="en-US" dirty="0">
-                <a:latin typeface="Times New Roman" panose="02020603050405020304" pitchFamily="18" charset="0"/>
-                <a:cs typeface="Times New Roman" panose="02020603050405020304" pitchFamily="18" charset="0"/>
-              </a:rPr>
-              <a:t> </a:t>
-            </a:r>
-            <a:r>
-              <a:rPr lang="en-US" dirty="0" err="1">
-                <a:latin typeface="Times New Roman" panose="02020603050405020304" pitchFamily="18" charset="0"/>
-                <a:cs typeface="Times New Roman" panose="02020603050405020304" pitchFamily="18" charset="0"/>
-              </a:rPr>
-              <a:t>ngôn</a:t>
-            </a:r>
-            <a:r>
-              <a:rPr lang="en-US" dirty="0">
-                <a:latin typeface="Times New Roman" panose="02020603050405020304" pitchFamily="18" charset="0"/>
-                <a:cs typeface="Times New Roman" panose="02020603050405020304" pitchFamily="18" charset="0"/>
-              </a:rPr>
-              <a:t> </a:t>
-            </a:r>
-            <a:r>
-              <a:rPr lang="en-US" dirty="0" err="1">
-                <a:latin typeface="Times New Roman" panose="02020603050405020304" pitchFamily="18" charset="0"/>
-                <a:cs typeface="Times New Roman" panose="02020603050405020304" pitchFamily="18" charset="0"/>
-              </a:rPr>
-              <a:t>ngữ</a:t>
-            </a:r>
-            <a:r>
-              <a:rPr lang="en-US" dirty="0">
-                <a:latin typeface="Times New Roman" panose="02020603050405020304" pitchFamily="18" charset="0"/>
-                <a:cs typeface="Times New Roman" panose="02020603050405020304" pitchFamily="18" charset="0"/>
-              </a:rPr>
-              <a:t> </a:t>
-            </a:r>
-            <a:r>
-              <a:rPr lang="en-US" dirty="0" err="1">
-                <a:latin typeface="Times New Roman" panose="02020603050405020304" pitchFamily="18" charset="0"/>
-                <a:cs typeface="Times New Roman" panose="02020603050405020304" pitchFamily="18" charset="0"/>
-              </a:rPr>
-              <a:t>khác</a:t>
-            </a:r>
-            <a:r>
-              <a:rPr lang="en-US" dirty="0">
-                <a:latin typeface="Times New Roman" panose="02020603050405020304" pitchFamily="18" charset="0"/>
-                <a:cs typeface="Times New Roman" panose="02020603050405020304" pitchFamily="18" charset="0"/>
-              </a:rPr>
-              <a:t> </a:t>
-            </a:r>
-            <a:r>
-              <a:rPr lang="en-US" dirty="0" err="1">
-                <a:latin typeface="Times New Roman" panose="02020603050405020304" pitchFamily="18" charset="0"/>
-                <a:cs typeface="Times New Roman" panose="02020603050405020304" pitchFamily="18" charset="0"/>
-              </a:rPr>
-              <a:t>thì</a:t>
-            </a:r>
-            <a:r>
-              <a:rPr lang="en-US" dirty="0">
-                <a:latin typeface="Times New Roman" panose="02020603050405020304" pitchFamily="18" charset="0"/>
-                <a:cs typeface="Times New Roman" panose="02020603050405020304" pitchFamily="18" charset="0"/>
-              </a:rPr>
-              <a:t> </a:t>
-            </a:r>
-            <a:r>
-              <a:rPr lang="en-US" dirty="0" err="1">
-                <a:latin typeface="Times New Roman" panose="02020603050405020304" pitchFamily="18" charset="0"/>
-                <a:cs typeface="Times New Roman" panose="02020603050405020304" pitchFamily="18" charset="0"/>
-              </a:rPr>
-              <a:t>không</a:t>
-            </a:r>
-            <a:r>
-              <a:rPr lang="en-US" dirty="0">
-                <a:latin typeface="Times New Roman" panose="02020603050405020304" pitchFamily="18" charset="0"/>
-                <a:cs typeface="Times New Roman" panose="02020603050405020304" pitchFamily="18" charset="0"/>
-              </a:rPr>
-              <a:t> </a:t>
-            </a:r>
-            <a:r>
-              <a:rPr lang="en-US" dirty="0" err="1">
-                <a:latin typeface="Times New Roman" panose="02020603050405020304" pitchFamily="18" charset="0"/>
-                <a:cs typeface="Times New Roman" panose="02020603050405020304" pitchFamily="18" charset="0"/>
-              </a:rPr>
-              <a:t>có</a:t>
-            </a:r>
-            <a:r>
-              <a:rPr lang="en-US" dirty="0">
-                <a:latin typeface="Times New Roman" panose="02020603050405020304" pitchFamily="18" charset="0"/>
-                <a:cs typeface="Times New Roman" panose="02020603050405020304" pitchFamily="18" charset="0"/>
-              </a:rPr>
-              <a:t> </a:t>
-            </a:r>
-            <a:r>
-              <a:rPr lang="en-US" dirty="0" err="1">
-                <a:latin typeface="Times New Roman" panose="02020603050405020304" pitchFamily="18" charset="0"/>
-                <a:cs typeface="Times New Roman" panose="02020603050405020304" pitchFamily="18" charset="0"/>
-              </a:rPr>
-              <a:t>hoặc</a:t>
-            </a:r>
-            <a:r>
-              <a:rPr lang="en-US" dirty="0">
-                <a:latin typeface="Times New Roman" panose="02020603050405020304" pitchFamily="18" charset="0"/>
-                <a:cs typeface="Times New Roman" panose="02020603050405020304" pitchFamily="18" charset="0"/>
-              </a:rPr>
-              <a:t> </a:t>
-            </a:r>
-            <a:r>
-              <a:rPr lang="en-US" dirty="0" err="1">
-                <a:latin typeface="Times New Roman" panose="02020603050405020304" pitchFamily="18" charset="0"/>
-                <a:cs typeface="Times New Roman" panose="02020603050405020304" pitchFamily="18" charset="0"/>
-              </a:rPr>
-              <a:t>khác</a:t>
-            </a:r>
-            <a:r>
-              <a:rPr lang="en-US" dirty="0">
-                <a:latin typeface="Times New Roman" panose="02020603050405020304" pitchFamily="18" charset="0"/>
-                <a:cs typeface="Times New Roman" panose="02020603050405020304" pitchFamily="18" charset="0"/>
-              </a:rPr>
-              <a:t> </a:t>
-            </a:r>
-            <a:r>
-              <a:rPr lang="en-US" dirty="0">
-                <a:latin typeface="Times New Roman" panose="02020603050405020304" pitchFamily="18" charset="0"/>
-                <a:cs typeface="Times New Roman" panose="02020603050405020304" pitchFamily="18" charset="0"/>
-                <a:sym typeface="Wingdings" panose="05000000000000000000" pitchFamily="2" charset="2"/>
-              </a:rPr>
-              <a:t> </a:t>
-            </a:r>
-            <a:r>
-              <a:rPr lang="en-US" dirty="0" err="1">
-                <a:latin typeface="Times New Roman" panose="02020603050405020304" pitchFamily="18" charset="0"/>
-                <a:cs typeface="Times New Roman" panose="02020603050405020304" pitchFamily="18" charset="0"/>
-                <a:sym typeface="Wingdings" panose="05000000000000000000" pitchFamily="2" charset="2"/>
-              </a:rPr>
-              <a:t>Khó</a:t>
-            </a:r>
-            <a:r>
-              <a:rPr lang="en-US" dirty="0">
-                <a:latin typeface="Times New Roman" panose="02020603050405020304" pitchFamily="18" charset="0"/>
-                <a:cs typeface="Times New Roman" panose="02020603050405020304" pitchFamily="18" charset="0"/>
-                <a:sym typeface="Wingdings" panose="05000000000000000000" pitchFamily="2" charset="2"/>
-              </a:rPr>
-              <a:t> </a:t>
-            </a:r>
-            <a:r>
-              <a:rPr lang="en-US" dirty="0" err="1">
-                <a:latin typeface="Times New Roman" panose="02020603050405020304" pitchFamily="18" charset="0"/>
-                <a:cs typeface="Times New Roman" panose="02020603050405020304" pitchFamily="18" charset="0"/>
-                <a:sym typeface="Wingdings" panose="05000000000000000000" pitchFamily="2" charset="2"/>
-              </a:rPr>
-              <a:t>khăn</a:t>
-            </a:r>
-            <a:r>
-              <a:rPr lang="en-US" dirty="0">
-                <a:latin typeface="Times New Roman" panose="02020603050405020304" pitchFamily="18" charset="0"/>
-                <a:cs typeface="Times New Roman" panose="02020603050405020304" pitchFamily="18" charset="0"/>
-                <a:sym typeface="Wingdings" panose="05000000000000000000" pitchFamily="2" charset="2"/>
-              </a:rPr>
-              <a:t> sentence segmentation</a:t>
-            </a:r>
+              <a:t>đoạn</a:t>
+            </a:r>
+            <a:r>
+              <a:rPr lang="en-US" dirty="0">
+                <a:latin typeface="Times New Roman" panose="02020603050405020304" pitchFamily="18" charset="0"/>
+                <a:cs typeface="Times New Roman" panose="02020603050405020304" pitchFamily="18" charset="0"/>
+              </a:rPr>
+              <a:t> </a:t>
+            </a:r>
+            <a:r>
+              <a:rPr lang="en-US" dirty="0" err="1">
+                <a:latin typeface="Times New Roman" panose="02020603050405020304" pitchFamily="18" charset="0"/>
+                <a:cs typeface="Times New Roman" panose="02020603050405020304" pitchFamily="18" charset="0"/>
+              </a:rPr>
+              <a:t>từ</a:t>
+            </a:r>
+            <a:r>
+              <a:rPr lang="en-US" dirty="0">
+                <a:latin typeface="Times New Roman" panose="02020603050405020304" pitchFamily="18" charset="0"/>
+                <a:cs typeface="Times New Roman" panose="02020603050405020304" pitchFamily="18" charset="0"/>
+              </a:rPr>
+              <a:t>:</a:t>
+            </a:r>
+          </a:p>
+          <a:p>
+            <a:pPr marL="0" indent="0">
+              <a:buNone/>
+            </a:pPr>
             <a:endParaRPr lang="en-US" dirty="0">
               <a:latin typeface="Times New Roman" panose="02020603050405020304" pitchFamily="18" charset="0"/>
               <a:cs typeface="Times New Roman" panose="02020603050405020304" pitchFamily="18" charset="0"/>
@@ -11423,470 +11630,10 @@
             <a:pPr marL="0" indent="0">
               <a:buNone/>
             </a:pPr>
-            <a:r>
-              <a:rPr lang="en-US" dirty="0">
-                <a:latin typeface="Times New Roman" panose="02020603050405020304" pitchFamily="18" charset="0"/>
-                <a:cs typeface="Times New Roman" panose="02020603050405020304" pitchFamily="18" charset="0"/>
-              </a:rPr>
-              <a:t>	</a:t>
-            </a:r>
-            <a:r>
-              <a:rPr lang="en-US" dirty="0" err="1">
-                <a:latin typeface="Times New Roman" panose="02020603050405020304" pitchFamily="18" charset="0"/>
-                <a:cs typeface="Times New Roman" panose="02020603050405020304" pitchFamily="18" charset="0"/>
-              </a:rPr>
-              <a:t>Ví</a:t>
-            </a:r>
-            <a:r>
-              <a:rPr lang="en-US" dirty="0">
-                <a:latin typeface="Times New Roman" panose="02020603050405020304" pitchFamily="18" charset="0"/>
-                <a:cs typeface="Times New Roman" panose="02020603050405020304" pitchFamily="18" charset="0"/>
-              </a:rPr>
-              <a:t> </a:t>
-            </a:r>
-            <a:r>
-              <a:rPr lang="en-US" dirty="0" err="1">
-                <a:latin typeface="Times New Roman" panose="02020603050405020304" pitchFamily="18" charset="0"/>
-                <a:cs typeface="Times New Roman" panose="02020603050405020304" pitchFamily="18" charset="0"/>
-              </a:rPr>
-              <a:t>dụ</a:t>
-            </a:r>
-            <a:r>
-              <a:rPr lang="en-US" dirty="0">
-                <a:latin typeface="Times New Roman" panose="02020603050405020304" pitchFamily="18" charset="0"/>
-                <a:cs typeface="Times New Roman" panose="02020603050405020304" pitchFamily="18" charset="0"/>
-              </a:rPr>
-              <a:t>: </a:t>
-            </a:r>
-            <a:r>
-              <a:rPr lang="en-US" dirty="0" err="1">
-                <a:latin typeface="Times New Roman" panose="02020603050405020304" pitchFamily="18" charset="0"/>
-                <a:cs typeface="Times New Roman" panose="02020603050405020304" pitchFamily="18" charset="0"/>
-              </a:rPr>
-              <a:t>Tiếng</a:t>
-            </a:r>
-            <a:r>
-              <a:rPr lang="en-US" dirty="0">
-                <a:latin typeface="Times New Roman" panose="02020603050405020304" pitchFamily="18" charset="0"/>
-                <a:cs typeface="Times New Roman" panose="02020603050405020304" pitchFamily="18" charset="0"/>
-              </a:rPr>
-              <a:t> Anh: where is the manager?</a:t>
-            </a:r>
-          </a:p>
-          <a:p>
-            <a:pPr marL="0" indent="0">
-              <a:buNone/>
-            </a:pPr>
-            <a:r>
-              <a:rPr lang="en-US" dirty="0">
-                <a:latin typeface="Times New Roman" panose="02020603050405020304" pitchFamily="18" charset="0"/>
-                <a:cs typeface="Times New Roman" panose="02020603050405020304" pitchFamily="18" charset="0"/>
-              </a:rPr>
-              <a:t>			</a:t>
-            </a:r>
-            <a:r>
-              <a:rPr lang="en-US" dirty="0" err="1">
-                <a:latin typeface="Times New Roman" panose="02020603050405020304" pitchFamily="18" charset="0"/>
-                <a:cs typeface="Times New Roman" panose="02020603050405020304" pitchFamily="18" charset="0"/>
-              </a:rPr>
-              <a:t>Tiếng</a:t>
-            </a:r>
-            <a:r>
-              <a:rPr lang="en-US" dirty="0">
-                <a:latin typeface="Times New Roman" panose="02020603050405020304" pitchFamily="18" charset="0"/>
-                <a:cs typeface="Times New Roman" panose="02020603050405020304" pitchFamily="18" charset="0"/>
-              </a:rPr>
-              <a:t> Ả </a:t>
-            </a:r>
-            <a:r>
-              <a:rPr lang="en-US" dirty="0" err="1">
-                <a:latin typeface="Times New Roman" panose="02020603050405020304" pitchFamily="18" charset="0"/>
-                <a:cs typeface="Times New Roman" panose="02020603050405020304" pitchFamily="18" charset="0"/>
-              </a:rPr>
-              <a:t>Rập</a:t>
-            </a:r>
-            <a:r>
-              <a:rPr lang="en-US" dirty="0">
-                <a:latin typeface="Times New Roman" panose="02020603050405020304" pitchFamily="18" charset="0"/>
-                <a:cs typeface="Times New Roman" panose="02020603050405020304" pitchFamily="18" charset="0"/>
-              </a:rPr>
-              <a:t>: </a:t>
-            </a:r>
-            <a:r>
-              <a:rPr lang="ar-AE" dirty="0"/>
-              <a:t>أين المدير؟</a:t>
-            </a:r>
             <a:endParaRPr lang="en-US" dirty="0">
               <a:latin typeface="Times New Roman" panose="02020603050405020304" pitchFamily="18" charset="0"/>
               <a:cs typeface="Times New Roman" panose="02020603050405020304" pitchFamily="18" charset="0"/>
             </a:endParaRPr>
-          </a:p>
-          <a:p>
-            <a:r>
-              <a:rPr lang="en-US" dirty="0" err="1">
-                <a:latin typeface="Times New Roman" panose="02020603050405020304" pitchFamily="18" charset="0"/>
-                <a:cs typeface="Times New Roman" panose="02020603050405020304" pitchFamily="18" charset="0"/>
-              </a:rPr>
-              <a:t>Trong</a:t>
-            </a:r>
-            <a:r>
-              <a:rPr lang="en-US" dirty="0">
-                <a:latin typeface="Times New Roman" panose="02020603050405020304" pitchFamily="18" charset="0"/>
-                <a:cs typeface="Times New Roman" panose="02020603050405020304" pitchFamily="18" charset="0"/>
-              </a:rPr>
-              <a:t> </a:t>
-            </a:r>
-            <a:r>
-              <a:rPr lang="en-US" dirty="0" err="1">
-                <a:latin typeface="Times New Roman" panose="02020603050405020304" pitchFamily="18" charset="0"/>
-                <a:cs typeface="Times New Roman" panose="02020603050405020304" pitchFamily="18" charset="0"/>
-              </a:rPr>
-              <a:t>tiếng</a:t>
-            </a:r>
-            <a:r>
-              <a:rPr lang="en-US" dirty="0">
-                <a:latin typeface="Times New Roman" panose="02020603050405020304" pitchFamily="18" charset="0"/>
-                <a:cs typeface="Times New Roman" panose="02020603050405020304" pitchFamily="18" charset="0"/>
-              </a:rPr>
-              <a:t> Anh, </a:t>
-            </a:r>
-            <a:r>
-              <a:rPr lang="en-US" dirty="0" err="1">
-                <a:latin typeface="Times New Roman" panose="02020603050405020304" pitchFamily="18" charset="0"/>
-                <a:cs typeface="Times New Roman" panose="02020603050405020304" pitchFamily="18" charset="0"/>
-              </a:rPr>
-              <a:t>đôi</a:t>
-            </a:r>
-            <a:r>
-              <a:rPr lang="en-US" dirty="0">
-                <a:latin typeface="Times New Roman" panose="02020603050405020304" pitchFamily="18" charset="0"/>
-                <a:cs typeface="Times New Roman" panose="02020603050405020304" pitchFamily="18" charset="0"/>
-              </a:rPr>
-              <a:t> </a:t>
-            </a:r>
-            <a:r>
-              <a:rPr lang="en-US" dirty="0" err="1">
-                <a:latin typeface="Times New Roman" panose="02020603050405020304" pitchFamily="18" charset="0"/>
-                <a:cs typeface="Times New Roman" panose="02020603050405020304" pitchFamily="18" charset="0"/>
-              </a:rPr>
-              <a:t>khi</a:t>
-            </a:r>
-            <a:r>
-              <a:rPr lang="en-US" dirty="0">
-                <a:latin typeface="Times New Roman" panose="02020603050405020304" pitchFamily="18" charset="0"/>
-                <a:cs typeface="Times New Roman" panose="02020603050405020304" pitchFamily="18" charset="0"/>
-              </a:rPr>
-              <a:t> </a:t>
-            </a:r>
-            <a:r>
-              <a:rPr lang="en-US" dirty="0" err="1">
-                <a:latin typeface="Times New Roman" panose="02020603050405020304" pitchFamily="18" charset="0"/>
-                <a:cs typeface="Times New Roman" panose="02020603050405020304" pitchFamily="18" charset="0"/>
-              </a:rPr>
-              <a:t>dấu</a:t>
-            </a:r>
-            <a:r>
-              <a:rPr lang="en-US" dirty="0">
-                <a:latin typeface="Times New Roman" panose="02020603050405020304" pitchFamily="18" charset="0"/>
-                <a:cs typeface="Times New Roman" panose="02020603050405020304" pitchFamily="18" charset="0"/>
-              </a:rPr>
-              <a:t> </a:t>
-            </a:r>
-            <a:r>
-              <a:rPr lang="en-US" dirty="0" err="1">
-                <a:latin typeface="Times New Roman" panose="02020603050405020304" pitchFamily="18" charset="0"/>
-                <a:cs typeface="Times New Roman" panose="02020603050405020304" pitchFamily="18" charset="0"/>
-              </a:rPr>
-              <a:t>chấm</a:t>
-            </a:r>
-            <a:r>
-              <a:rPr lang="en-US" dirty="0">
-                <a:latin typeface="Times New Roman" panose="02020603050405020304" pitchFamily="18" charset="0"/>
-                <a:cs typeface="Times New Roman" panose="02020603050405020304" pitchFamily="18" charset="0"/>
-              </a:rPr>
-              <a:t> đ</a:t>
-            </a:r>
-            <a:r>
-              <a:rPr lang="vi-VN" dirty="0">
-                <a:latin typeface="Times New Roman" panose="02020603050405020304" pitchFamily="18" charset="0"/>
-                <a:cs typeface="Times New Roman" panose="02020603050405020304" pitchFamily="18" charset="0"/>
-              </a:rPr>
-              <a:t>ư</a:t>
-            </a:r>
-            <a:r>
-              <a:rPr lang="en-US" dirty="0" err="1">
-                <a:latin typeface="Times New Roman" panose="02020603050405020304" pitchFamily="18" charset="0"/>
-                <a:cs typeface="Times New Roman" panose="02020603050405020304" pitchFamily="18" charset="0"/>
-              </a:rPr>
-              <a:t>ợc</a:t>
-            </a:r>
-            <a:r>
-              <a:rPr lang="en-US" dirty="0">
-                <a:latin typeface="Times New Roman" panose="02020603050405020304" pitchFamily="18" charset="0"/>
-                <a:cs typeface="Times New Roman" panose="02020603050405020304" pitchFamily="18" charset="0"/>
-              </a:rPr>
-              <a:t> </a:t>
-            </a:r>
-            <a:r>
-              <a:rPr lang="en-US" dirty="0" err="1">
-                <a:latin typeface="Times New Roman" panose="02020603050405020304" pitchFamily="18" charset="0"/>
-                <a:cs typeface="Times New Roman" panose="02020603050405020304" pitchFamily="18" charset="0"/>
-              </a:rPr>
-              <a:t>sử</a:t>
-            </a:r>
-            <a:r>
-              <a:rPr lang="en-US" dirty="0">
-                <a:latin typeface="Times New Roman" panose="02020603050405020304" pitchFamily="18" charset="0"/>
-                <a:cs typeface="Times New Roman" panose="02020603050405020304" pitchFamily="18" charset="0"/>
-              </a:rPr>
-              <a:t> </a:t>
-            </a:r>
-            <a:r>
-              <a:rPr lang="en-US" dirty="0" err="1">
-                <a:latin typeface="Times New Roman" panose="02020603050405020304" pitchFamily="18" charset="0"/>
-                <a:cs typeface="Times New Roman" panose="02020603050405020304" pitchFamily="18" charset="0"/>
-              </a:rPr>
-              <a:t>dụng</a:t>
-            </a:r>
-            <a:r>
-              <a:rPr lang="en-US" dirty="0">
-                <a:latin typeface="Times New Roman" panose="02020603050405020304" pitchFamily="18" charset="0"/>
-                <a:cs typeface="Times New Roman" panose="02020603050405020304" pitchFamily="18" charset="0"/>
-              </a:rPr>
-              <a:t> </a:t>
-            </a:r>
-            <a:r>
-              <a:rPr lang="en-US" dirty="0" err="1">
-                <a:latin typeface="Times New Roman" panose="02020603050405020304" pitchFamily="18" charset="0"/>
-                <a:cs typeface="Times New Roman" panose="02020603050405020304" pitchFamily="18" charset="0"/>
-              </a:rPr>
-              <a:t>với</a:t>
-            </a:r>
-            <a:r>
-              <a:rPr lang="en-US" dirty="0">
-                <a:latin typeface="Times New Roman" panose="02020603050405020304" pitchFamily="18" charset="0"/>
-                <a:cs typeface="Times New Roman" panose="02020603050405020304" pitchFamily="18" charset="0"/>
-              </a:rPr>
-              <a:t> </a:t>
-            </a:r>
-            <a:r>
-              <a:rPr lang="en-US" dirty="0" err="1">
-                <a:latin typeface="Times New Roman" panose="02020603050405020304" pitchFamily="18" charset="0"/>
-                <a:cs typeface="Times New Roman" panose="02020603050405020304" pitchFamily="18" charset="0"/>
-              </a:rPr>
-              <a:t>mục</a:t>
-            </a:r>
-            <a:r>
-              <a:rPr lang="en-US" dirty="0">
-                <a:latin typeface="Times New Roman" panose="02020603050405020304" pitchFamily="18" charset="0"/>
-                <a:cs typeface="Times New Roman" panose="02020603050405020304" pitchFamily="18" charset="0"/>
-              </a:rPr>
-              <a:t> </a:t>
-            </a:r>
-            <a:r>
-              <a:rPr lang="en-US" dirty="0" err="1">
-                <a:latin typeface="Times New Roman" panose="02020603050405020304" pitchFamily="18" charset="0"/>
-                <a:cs typeface="Times New Roman" panose="02020603050405020304" pitchFamily="18" charset="0"/>
-              </a:rPr>
-              <a:t>đích</a:t>
-            </a:r>
-            <a:r>
-              <a:rPr lang="en-US" dirty="0">
-                <a:latin typeface="Times New Roman" panose="02020603050405020304" pitchFamily="18" charset="0"/>
-                <a:cs typeface="Times New Roman" panose="02020603050405020304" pitchFamily="18" charset="0"/>
-              </a:rPr>
-              <a:t> </a:t>
-            </a:r>
-            <a:r>
-              <a:rPr lang="en-US" dirty="0" err="1">
-                <a:latin typeface="Times New Roman" panose="02020603050405020304" pitchFamily="18" charset="0"/>
-                <a:cs typeface="Times New Roman" panose="02020603050405020304" pitchFamily="18" charset="0"/>
-              </a:rPr>
-              <a:t>khác</a:t>
-            </a:r>
-            <a:r>
-              <a:rPr lang="en-US" dirty="0">
-                <a:latin typeface="Times New Roman" panose="02020603050405020304" pitchFamily="18" charset="0"/>
-                <a:cs typeface="Times New Roman" panose="02020603050405020304" pitchFamily="18" charset="0"/>
-              </a:rPr>
-              <a:t> </a:t>
-            </a:r>
-            <a:r>
-              <a:rPr lang="en-US" dirty="0" err="1">
-                <a:latin typeface="Times New Roman" panose="02020603050405020304" pitchFamily="18" charset="0"/>
-                <a:cs typeface="Times New Roman" panose="02020603050405020304" pitchFamily="18" charset="0"/>
-              </a:rPr>
-              <a:t>như</a:t>
-            </a:r>
-            <a:r>
-              <a:rPr lang="en-US" dirty="0">
-                <a:latin typeface="Times New Roman" panose="02020603050405020304" pitchFamily="18" charset="0"/>
-                <a:cs typeface="Times New Roman" panose="02020603050405020304" pitchFamily="18" charset="0"/>
-              </a:rPr>
-              <a:t> </a:t>
-            </a:r>
-            <a:r>
-              <a:rPr lang="en-US" dirty="0" err="1">
-                <a:latin typeface="Times New Roman" panose="02020603050405020304" pitchFamily="18" charset="0"/>
-                <a:cs typeface="Times New Roman" panose="02020603050405020304" pitchFamily="18" charset="0"/>
-              </a:rPr>
-              <a:t>từ</a:t>
-            </a:r>
-            <a:r>
-              <a:rPr lang="en-US" dirty="0">
-                <a:latin typeface="Times New Roman" panose="02020603050405020304" pitchFamily="18" charset="0"/>
-                <a:cs typeface="Times New Roman" panose="02020603050405020304" pitchFamily="18" charset="0"/>
-              </a:rPr>
-              <a:t> </a:t>
-            </a:r>
-            <a:r>
-              <a:rPr lang="en-US" dirty="0" err="1">
-                <a:latin typeface="Times New Roman" panose="02020603050405020304" pitchFamily="18" charset="0"/>
-                <a:cs typeface="Times New Roman" panose="02020603050405020304" pitchFamily="18" charset="0"/>
-              </a:rPr>
-              <a:t>viết</a:t>
-            </a:r>
-            <a:r>
-              <a:rPr lang="en-US" dirty="0">
-                <a:latin typeface="Times New Roman" panose="02020603050405020304" pitchFamily="18" charset="0"/>
-                <a:cs typeface="Times New Roman" panose="02020603050405020304" pitchFamily="18" charset="0"/>
-              </a:rPr>
-              <a:t> </a:t>
-            </a:r>
-            <a:r>
-              <a:rPr lang="en-US" dirty="0" err="1">
-                <a:latin typeface="Times New Roman" panose="02020603050405020304" pitchFamily="18" charset="0"/>
-                <a:cs typeface="Times New Roman" panose="02020603050405020304" pitchFamily="18" charset="0"/>
-              </a:rPr>
-              <a:t>tắt</a:t>
-            </a:r>
-            <a:r>
-              <a:rPr lang="en-US" dirty="0">
-                <a:latin typeface="Times New Roman" panose="02020603050405020304" pitchFamily="18" charset="0"/>
-                <a:cs typeface="Times New Roman" panose="02020603050405020304" pitchFamily="18" charset="0"/>
-              </a:rPr>
-              <a:t>, </a:t>
-            </a:r>
-            <a:r>
-              <a:rPr lang="en-US" dirty="0" err="1">
-                <a:latin typeface="Times New Roman" panose="02020603050405020304" pitchFamily="18" charset="0"/>
-                <a:cs typeface="Times New Roman" panose="02020603050405020304" pitchFamily="18" charset="0"/>
-              </a:rPr>
-              <a:t>số</a:t>
-            </a:r>
-            <a:r>
-              <a:rPr lang="en-US" dirty="0">
-                <a:latin typeface="Times New Roman" panose="02020603050405020304" pitchFamily="18" charset="0"/>
-                <a:cs typeface="Times New Roman" panose="02020603050405020304" pitchFamily="18" charset="0"/>
-              </a:rPr>
-              <a:t> </a:t>
-            </a:r>
-            <a:r>
-              <a:rPr lang="en-US" dirty="0" err="1">
-                <a:latin typeface="Times New Roman" panose="02020603050405020304" pitchFamily="18" charset="0"/>
-                <a:cs typeface="Times New Roman" panose="02020603050405020304" pitchFamily="18" charset="0"/>
-              </a:rPr>
-              <a:t>phẩy</a:t>
-            </a:r>
-            <a:r>
-              <a:rPr lang="en-US" dirty="0">
-                <a:latin typeface="Times New Roman" panose="02020603050405020304" pitchFamily="18" charset="0"/>
-                <a:cs typeface="Times New Roman" panose="02020603050405020304" pitchFamily="18" charset="0"/>
-              </a:rPr>
-              <a:t>… </a:t>
-            </a:r>
-            <a:r>
-              <a:rPr lang="en-US" dirty="0">
-                <a:latin typeface="Times New Roman" panose="02020603050405020304" pitchFamily="18" charset="0"/>
-                <a:cs typeface="Times New Roman" panose="02020603050405020304" pitchFamily="18" charset="0"/>
-                <a:sym typeface="Wingdings" panose="05000000000000000000" pitchFamily="2" charset="2"/>
-              </a:rPr>
-              <a:t> </a:t>
-            </a:r>
-            <a:r>
-              <a:rPr lang="en-US" dirty="0" err="1">
-                <a:latin typeface="Times New Roman" panose="02020603050405020304" pitchFamily="18" charset="0"/>
-                <a:cs typeface="Times New Roman" panose="02020603050405020304" pitchFamily="18" charset="0"/>
-                <a:sym typeface="Wingdings" panose="05000000000000000000" pitchFamily="2" charset="2"/>
-              </a:rPr>
-              <a:t>Khó</a:t>
-            </a:r>
-            <a:r>
-              <a:rPr lang="en-US" dirty="0">
-                <a:latin typeface="Times New Roman" panose="02020603050405020304" pitchFamily="18" charset="0"/>
-                <a:cs typeface="Times New Roman" panose="02020603050405020304" pitchFamily="18" charset="0"/>
-                <a:sym typeface="Wingdings" panose="05000000000000000000" pitchFamily="2" charset="2"/>
-              </a:rPr>
-              <a:t> </a:t>
-            </a:r>
-            <a:r>
-              <a:rPr lang="en-US" dirty="0" err="1">
-                <a:latin typeface="Times New Roman" panose="02020603050405020304" pitchFamily="18" charset="0"/>
-                <a:cs typeface="Times New Roman" panose="02020603050405020304" pitchFamily="18" charset="0"/>
-                <a:sym typeface="Wingdings" panose="05000000000000000000" pitchFamily="2" charset="2"/>
-              </a:rPr>
-              <a:t>khăn</a:t>
-            </a:r>
-            <a:r>
-              <a:rPr lang="en-US" dirty="0">
-                <a:latin typeface="Times New Roman" panose="02020603050405020304" pitchFamily="18" charset="0"/>
-                <a:cs typeface="Times New Roman" panose="02020603050405020304" pitchFamily="18" charset="0"/>
-                <a:sym typeface="Wingdings" panose="05000000000000000000" pitchFamily="2" charset="2"/>
-              </a:rPr>
-              <a:t> sentence segmentation</a:t>
-            </a:r>
-          </a:p>
-          <a:p>
-            <a:pPr marL="0" indent="0">
-              <a:buNone/>
-            </a:pPr>
-            <a:r>
-              <a:rPr lang="en-US" dirty="0">
-                <a:latin typeface="Times New Roman" panose="02020603050405020304" pitchFamily="18" charset="0"/>
-                <a:cs typeface="Times New Roman" panose="02020603050405020304" pitchFamily="18" charset="0"/>
-                <a:sym typeface="Wingdings" panose="05000000000000000000" pitchFamily="2" charset="2"/>
-              </a:rPr>
-              <a:t>			</a:t>
-            </a:r>
-            <a:r>
-              <a:rPr lang="en-US" dirty="0" err="1">
-                <a:latin typeface="Times New Roman" panose="02020603050405020304" pitchFamily="18" charset="0"/>
-                <a:cs typeface="Times New Roman" panose="02020603050405020304" pitchFamily="18" charset="0"/>
-                <a:sym typeface="Wingdings" panose="05000000000000000000" pitchFamily="2" charset="2"/>
-              </a:rPr>
-              <a:t>Ví</a:t>
-            </a:r>
-            <a:r>
-              <a:rPr lang="en-US" dirty="0">
-                <a:latin typeface="Times New Roman" panose="02020603050405020304" pitchFamily="18" charset="0"/>
-                <a:cs typeface="Times New Roman" panose="02020603050405020304" pitchFamily="18" charset="0"/>
-                <a:sym typeface="Wingdings" panose="05000000000000000000" pitchFamily="2" charset="2"/>
-              </a:rPr>
-              <a:t> </a:t>
-            </a:r>
-            <a:r>
-              <a:rPr lang="en-US" dirty="0" err="1">
-                <a:latin typeface="Times New Roman" panose="02020603050405020304" pitchFamily="18" charset="0"/>
-                <a:cs typeface="Times New Roman" panose="02020603050405020304" pitchFamily="18" charset="0"/>
-                <a:sym typeface="Wingdings" panose="05000000000000000000" pitchFamily="2" charset="2"/>
-              </a:rPr>
-              <a:t>dụ</a:t>
-            </a:r>
-            <a:r>
-              <a:rPr lang="en-US" dirty="0">
-                <a:latin typeface="Times New Roman" panose="02020603050405020304" pitchFamily="18" charset="0"/>
-                <a:cs typeface="Times New Roman" panose="02020603050405020304" pitchFamily="18" charset="0"/>
-                <a:sym typeface="Wingdings" panose="05000000000000000000" pitchFamily="2" charset="2"/>
-              </a:rPr>
-              <a:t>: Mr. Lam	HVN Corp.	1.2</a:t>
-            </a:r>
-            <a:endParaRPr lang="en-US" dirty="0">
-              <a:latin typeface="Times New Roman" panose="02020603050405020304" pitchFamily="18" charset="0"/>
-              <a:cs typeface="Times New Roman" panose="02020603050405020304" pitchFamily="18" charset="0"/>
-            </a:endParaRPr>
-          </a:p>
-          <a:p>
-            <a:endParaRPr lang="en-US" dirty="0"/>
           </a:p>
         </p:txBody>
       </p:sp>
@@ -11895,7 +11642,7 @@
           <p:cNvPr id="4" name="Title 1">
             <a:extLst>
               <a:ext uri="{FF2B5EF4-FFF2-40B4-BE49-F238E27FC236}">
-                <a16:creationId xmlns:a16="http://schemas.microsoft.com/office/drawing/2014/main" id="{01A58B5A-1ACB-486F-A6E0-8F446AC6748B}"/>
+                <a16:creationId xmlns:a16="http://schemas.microsoft.com/office/drawing/2014/main" id="{37FD9831-7629-4B16-9A02-900B2E49212C}"/>
               </a:ext>
             </a:extLst>
           </p:cNvPr>
@@ -11909,7 +11656,7 @@
         <p:spPr>
           <a:xfrm>
             <a:off x="1484311" y="685800"/>
-            <a:ext cx="10018713" cy="1752599"/>
+            <a:ext cx="10018713" cy="1094761"/>
           </a:xfrm>
         </p:spPr>
         <p:txBody>
@@ -11925,15 +11672,112 @@
                 <a:latin typeface="Times New Roman" panose="02020603050405020304" pitchFamily="18" charset="0"/>
                 <a:cs typeface="Times New Roman" panose="02020603050405020304" pitchFamily="18" charset="0"/>
               </a:rPr>
-              <a:t>Tokenization/ Sentence Segmentation</a:t>
-            </a:r>
+              <a:t>Tokenizer </a:t>
+            </a:r>
+            <a:r>
+              <a:rPr lang="en-US" b="1" dirty="0" err="1">
+                <a:solidFill>
+                  <a:srgbClr val="0000FF"/>
+                </a:solidFill>
+                <a:latin typeface="Times New Roman" panose="02020603050405020304" pitchFamily="18" charset="0"/>
+                <a:cs typeface="Times New Roman" panose="02020603050405020304" pitchFamily="18" charset="0"/>
+              </a:rPr>
+              <a:t>trong</a:t>
+            </a:r>
+            <a:r>
+              <a:rPr lang="en-US" b="1" dirty="0">
+                <a:solidFill>
+                  <a:srgbClr val="0000FF"/>
+                </a:solidFill>
+                <a:latin typeface="Times New Roman" panose="02020603050405020304" pitchFamily="18" charset="0"/>
+                <a:cs typeface="Times New Roman" panose="02020603050405020304" pitchFamily="18" charset="0"/>
+              </a:rPr>
+              <a:t> Stanford </a:t>
+            </a:r>
+            <a:r>
+              <a:rPr lang="en-US" b="1" dirty="0" err="1">
+                <a:solidFill>
+                  <a:srgbClr val="0000FF"/>
+                </a:solidFill>
+                <a:latin typeface="Times New Roman" panose="02020603050405020304" pitchFamily="18" charset="0"/>
+                <a:cs typeface="Times New Roman" panose="02020603050405020304" pitchFamily="18" charset="0"/>
+              </a:rPr>
+              <a:t>CoreNLP</a:t>
+            </a:r>
+            <a:endParaRPr lang="en-US" b="1" dirty="0">
+              <a:solidFill>
+                <a:srgbClr val="0000FF"/>
+              </a:solidFill>
+              <a:latin typeface="Times New Roman" panose="02020603050405020304" pitchFamily="18" charset="0"/>
+              <a:cs typeface="Times New Roman" panose="02020603050405020304" pitchFamily="18" charset="0"/>
+            </a:endParaRPr>
           </a:p>
         </p:txBody>
       </p:sp>
+      <p:pic>
+        <p:nvPicPr>
+          <p:cNvPr id="6" name="Picture 5">
+            <a:extLst>
+              <a:ext uri="{FF2B5EF4-FFF2-40B4-BE49-F238E27FC236}">
+                <a16:creationId xmlns:a16="http://schemas.microsoft.com/office/drawing/2014/main" id="{AD36B0C7-F61A-43EF-AB1A-3AB1387AB815}"/>
+              </a:ext>
+            </a:extLst>
+          </p:cNvPr>
+          <p:cNvPicPr>
+            <a:picLocks noChangeAspect="1"/>
+          </p:cNvPicPr>
+          <p:nvPr/>
+        </p:nvPicPr>
+        <p:blipFill>
+          <a:blip r:embed="rId2"/>
+          <a:stretch>
+            <a:fillRect/>
+          </a:stretch>
+        </p:blipFill>
+        <p:spPr>
+          <a:xfrm>
+            <a:off x="1785529" y="5007594"/>
+            <a:ext cx="10149490" cy="417331"/>
+          </a:xfrm>
+          <a:prstGeom prst="rect">
+            <a:avLst/>
+          </a:prstGeom>
+        </p:spPr>
+      </p:pic>
+      <p:pic>
+        <p:nvPicPr>
+          <p:cNvPr id="7" name="Picture 6">
+            <a:extLst>
+              <a:ext uri="{FF2B5EF4-FFF2-40B4-BE49-F238E27FC236}">
+                <a16:creationId xmlns:a16="http://schemas.microsoft.com/office/drawing/2014/main" id="{665C67BF-F6C8-4869-916A-359C99F723FD}"/>
+              </a:ext>
+            </a:extLst>
+          </p:cNvPr>
+          <p:cNvPicPr>
+            <a:picLocks noChangeAspect="1"/>
+          </p:cNvPicPr>
+          <p:nvPr/>
+        </p:nvPicPr>
+        <p:blipFill>
+          <a:blip r:embed="rId3"/>
+          <a:stretch>
+            <a:fillRect/>
+          </a:stretch>
+        </p:blipFill>
+        <p:spPr>
+          <a:xfrm>
+            <a:off x="1785529" y="3985800"/>
+            <a:ext cx="5178281" cy="486048"/>
+          </a:xfrm>
+          <a:prstGeom prst="rect">
+            <a:avLst/>
+          </a:prstGeom>
+        </p:spPr>
+      </p:pic>
     </p:spTree>
     <p:extLst>
       <p:ext uri="{BB962C8B-B14F-4D97-AF65-F5344CB8AC3E}">
-        <p14:creationId xmlns:p14="http://schemas.microsoft.com/office/powerpoint/2010/main" val="1734089245"/>
+        <p14:creationId xmlns:p14="http://schemas.microsoft.com/office/powerpoint/2010/main" val="2676974974"/>
       </p:ext>
     </p:extLst>
   </p:cSld>
@@ -11944,6 +11788,368 @@
 </file>
 
 <file path=ppt/slides/slide12.xml><?xml version="1.0" encoding="utf-8"?>
+<p:sld xmlns:a="http://schemas.openxmlformats.org/drawingml/2006/main" xmlns:r="http://schemas.openxmlformats.org/officeDocument/2006/relationships" xmlns:p="http://schemas.openxmlformats.org/presentationml/2006/main">
+  <p:cSld>
+    <p:spTree>
+      <p:nvGrpSpPr>
+        <p:cNvPr id="1" name=""/>
+        <p:cNvGrpSpPr/>
+        <p:nvPr/>
+      </p:nvGrpSpPr>
+      <p:grpSpPr>
+        <a:xfrm>
+          <a:off x="0" y="0"/>
+          <a:ext cx="0" cy="0"/>
+          <a:chOff x="0" y="0"/>
+          <a:chExt cx="0" cy="0"/>
+        </a:xfrm>
+      </p:grpSpPr>
+      <p:sp>
+        <p:nvSpPr>
+          <p:cNvPr id="3" name="Content Placeholder 2">
+            <a:extLst>
+              <a:ext uri="{FF2B5EF4-FFF2-40B4-BE49-F238E27FC236}">
+                <a16:creationId xmlns:a16="http://schemas.microsoft.com/office/drawing/2014/main" id="{5C85A5BA-7BED-4930-8B2C-A643527BD467}"/>
+              </a:ext>
+            </a:extLst>
+          </p:cNvPr>
+          <p:cNvSpPr>
+            <a:spLocks noGrp="1"/>
+          </p:cNvSpPr>
+          <p:nvPr>
+            <p:ph idx="1"/>
+          </p:nvPr>
+        </p:nvSpPr>
+        <p:spPr/>
+        <p:txBody>
+          <a:bodyPr>
+            <a:noAutofit/>
+          </a:bodyPr>
+          <a:lstStyle/>
+          <a:p>
+            <a:pPr marL="0" indent="0">
+              <a:buNone/>
+            </a:pPr>
+            <a:endParaRPr lang="en-US" dirty="0">
+              <a:latin typeface="Times New Roman" panose="02020603050405020304" pitchFamily="18" charset="0"/>
+              <a:cs typeface="Times New Roman" panose="02020603050405020304" pitchFamily="18" charset="0"/>
+            </a:endParaRPr>
+          </a:p>
+          <a:p>
+            <a:r>
+              <a:rPr lang="en-US" dirty="0">
+                <a:latin typeface="Times New Roman" panose="02020603050405020304" pitchFamily="18" charset="0"/>
+                <a:cs typeface="Times New Roman" panose="02020603050405020304" pitchFamily="18" charset="0"/>
+              </a:rPr>
+              <a:t>In </a:t>
+            </a:r>
+            <a:r>
+              <a:rPr lang="en-US" dirty="0" err="1">
+                <a:latin typeface="Times New Roman" panose="02020603050405020304" pitchFamily="18" charset="0"/>
+                <a:cs typeface="Times New Roman" panose="02020603050405020304" pitchFamily="18" charset="0"/>
+              </a:rPr>
+              <a:t>kết</a:t>
+            </a:r>
+            <a:r>
+              <a:rPr lang="en-US" dirty="0">
+                <a:latin typeface="Times New Roman" panose="02020603050405020304" pitchFamily="18" charset="0"/>
+                <a:cs typeface="Times New Roman" panose="02020603050405020304" pitchFamily="18" charset="0"/>
+              </a:rPr>
+              <a:t> </a:t>
+            </a:r>
+            <a:r>
+              <a:rPr lang="en-US" dirty="0" err="1">
+                <a:latin typeface="Times New Roman" panose="02020603050405020304" pitchFamily="18" charset="0"/>
+                <a:cs typeface="Times New Roman" panose="02020603050405020304" pitchFamily="18" charset="0"/>
+              </a:rPr>
+              <a:t>quả</a:t>
+            </a:r>
+            <a:r>
+              <a:rPr lang="en-US" dirty="0">
+                <a:latin typeface="Times New Roman" panose="02020603050405020304" pitchFamily="18" charset="0"/>
+                <a:cs typeface="Times New Roman" panose="02020603050405020304" pitchFamily="18" charset="0"/>
+              </a:rPr>
+              <a:t> </a:t>
+            </a:r>
+            <a:r>
+              <a:rPr lang="en-US" dirty="0" err="1">
+                <a:latin typeface="Times New Roman" panose="02020603050405020304" pitchFamily="18" charset="0"/>
+                <a:cs typeface="Times New Roman" panose="02020603050405020304" pitchFamily="18" charset="0"/>
+              </a:rPr>
+              <a:t>ra</a:t>
+            </a:r>
+            <a:r>
+              <a:rPr lang="en-US" dirty="0">
+                <a:latin typeface="Times New Roman" panose="02020603050405020304" pitchFamily="18" charset="0"/>
+                <a:cs typeface="Times New Roman" panose="02020603050405020304" pitchFamily="18" charset="0"/>
+              </a:rPr>
+              <a:t> </a:t>
+            </a:r>
+            <a:r>
+              <a:rPr lang="en-US" dirty="0" err="1">
+                <a:latin typeface="Times New Roman" panose="02020603050405020304" pitchFamily="18" charset="0"/>
+                <a:cs typeface="Times New Roman" panose="02020603050405020304" pitchFamily="18" charset="0"/>
+              </a:rPr>
+              <a:t>màn</a:t>
+            </a:r>
+            <a:r>
+              <a:rPr lang="en-US" dirty="0">
+                <a:latin typeface="Times New Roman" panose="02020603050405020304" pitchFamily="18" charset="0"/>
+                <a:cs typeface="Times New Roman" panose="02020603050405020304" pitchFamily="18" charset="0"/>
+              </a:rPr>
+              <a:t> </a:t>
+            </a:r>
+            <a:r>
+              <a:rPr lang="en-US" dirty="0" err="1">
+                <a:latin typeface="Times New Roman" panose="02020603050405020304" pitchFamily="18" charset="0"/>
+                <a:cs typeface="Times New Roman" panose="02020603050405020304" pitchFamily="18" charset="0"/>
+              </a:rPr>
+              <a:t>hình</a:t>
+            </a:r>
+            <a:r>
+              <a:rPr lang="en-US" dirty="0">
+                <a:latin typeface="Times New Roman" panose="02020603050405020304" pitchFamily="18" charset="0"/>
+                <a:cs typeface="Times New Roman" panose="02020603050405020304" pitchFamily="18" charset="0"/>
+              </a:rPr>
+              <a:t>:</a:t>
+            </a:r>
+          </a:p>
+          <a:p>
+            <a:endParaRPr lang="en-US" dirty="0">
+              <a:latin typeface="Times New Roman" panose="02020603050405020304" pitchFamily="18" charset="0"/>
+              <a:cs typeface="Times New Roman" panose="02020603050405020304" pitchFamily="18" charset="0"/>
+            </a:endParaRPr>
+          </a:p>
+          <a:p>
+            <a:endParaRPr lang="en-US" dirty="0">
+              <a:latin typeface="Times New Roman" panose="02020603050405020304" pitchFamily="18" charset="0"/>
+              <a:cs typeface="Times New Roman" panose="02020603050405020304" pitchFamily="18" charset="0"/>
+            </a:endParaRPr>
+          </a:p>
+          <a:p>
+            <a:r>
+              <a:rPr lang="en-US" dirty="0" err="1">
+                <a:latin typeface="Times New Roman" panose="02020603050405020304" pitchFamily="18" charset="0"/>
+                <a:cs typeface="Times New Roman" panose="02020603050405020304" pitchFamily="18" charset="0"/>
+              </a:rPr>
+              <a:t>Ví</a:t>
+            </a:r>
+            <a:r>
+              <a:rPr lang="en-US" dirty="0">
+                <a:latin typeface="Times New Roman" panose="02020603050405020304" pitchFamily="18" charset="0"/>
+                <a:cs typeface="Times New Roman" panose="02020603050405020304" pitchFamily="18" charset="0"/>
+              </a:rPr>
+              <a:t> </a:t>
+            </a:r>
+            <a:r>
+              <a:rPr lang="en-US" dirty="0" err="1">
+                <a:latin typeface="Times New Roman" panose="02020603050405020304" pitchFamily="18" charset="0"/>
+                <a:cs typeface="Times New Roman" panose="02020603050405020304" pitchFamily="18" charset="0"/>
+              </a:rPr>
+              <a:t>dụ</a:t>
+            </a:r>
+            <a:r>
+              <a:rPr lang="en-US" dirty="0">
+                <a:latin typeface="Times New Roman" panose="02020603050405020304" pitchFamily="18" charset="0"/>
+                <a:cs typeface="Times New Roman" panose="02020603050405020304" pitchFamily="18" charset="0"/>
+              </a:rPr>
+              <a:t>:</a:t>
+            </a:r>
+          </a:p>
+          <a:p>
+            <a:pPr lvl="1"/>
+            <a:r>
+              <a:rPr lang="en-US" dirty="0">
+                <a:latin typeface="Times New Roman" panose="02020603050405020304" pitchFamily="18" charset="0"/>
+                <a:cs typeface="Times New Roman" panose="02020603050405020304" pitchFamily="18" charset="0"/>
+              </a:rPr>
+              <a:t>Input: She is a very nice person</a:t>
+            </a:r>
+          </a:p>
+          <a:p>
+            <a:pPr lvl="1"/>
+            <a:r>
+              <a:rPr lang="en-US" dirty="0">
+                <a:latin typeface="Times New Roman" panose="02020603050405020304" pitchFamily="18" charset="0"/>
+                <a:cs typeface="Times New Roman" panose="02020603050405020304" pitchFamily="18" charset="0"/>
+              </a:rPr>
+              <a:t>Output: </a:t>
+            </a:r>
+          </a:p>
+          <a:p>
+            <a:endParaRPr lang="en-US" dirty="0">
+              <a:latin typeface="Times New Roman" panose="02020603050405020304" pitchFamily="18" charset="0"/>
+              <a:cs typeface="Times New Roman" panose="02020603050405020304" pitchFamily="18" charset="0"/>
+            </a:endParaRPr>
+          </a:p>
+          <a:p>
+            <a:endParaRPr lang="en-US" dirty="0">
+              <a:latin typeface="Times New Roman" panose="02020603050405020304" pitchFamily="18" charset="0"/>
+              <a:cs typeface="Times New Roman" panose="02020603050405020304" pitchFamily="18" charset="0"/>
+            </a:endParaRPr>
+          </a:p>
+          <a:p>
+            <a:pPr marL="0" indent="0">
+              <a:buNone/>
+            </a:pPr>
+            <a:endParaRPr lang="en-US" dirty="0">
+              <a:latin typeface="Times New Roman" panose="02020603050405020304" pitchFamily="18" charset="0"/>
+              <a:cs typeface="Times New Roman" panose="02020603050405020304" pitchFamily="18" charset="0"/>
+            </a:endParaRPr>
+          </a:p>
+        </p:txBody>
+      </p:sp>
+      <p:sp>
+        <p:nvSpPr>
+          <p:cNvPr id="4" name="Title 1">
+            <a:extLst>
+              <a:ext uri="{FF2B5EF4-FFF2-40B4-BE49-F238E27FC236}">
+                <a16:creationId xmlns:a16="http://schemas.microsoft.com/office/drawing/2014/main" id="{37FD9831-7629-4B16-9A02-900B2E49212C}"/>
+              </a:ext>
+            </a:extLst>
+          </p:cNvPr>
+          <p:cNvSpPr>
+            <a:spLocks noGrp="1"/>
+          </p:cNvSpPr>
+          <p:nvPr>
+            <p:ph type="title"/>
+          </p:nvPr>
+        </p:nvSpPr>
+        <p:spPr>
+          <a:xfrm>
+            <a:off x="1484311" y="685800"/>
+            <a:ext cx="10018713" cy="1094761"/>
+          </a:xfrm>
+        </p:spPr>
+        <p:txBody>
+          <a:bodyPr/>
+          <a:lstStyle/>
+          <a:p>
+            <a:pPr algn="l"/>
+            <a:r>
+              <a:rPr lang="en-US" b="1" dirty="0">
+                <a:solidFill>
+                  <a:srgbClr val="0000FF"/>
+                </a:solidFill>
+                <a:latin typeface="Times New Roman" panose="02020603050405020304" pitchFamily="18" charset="0"/>
+                <a:cs typeface="Times New Roman" panose="02020603050405020304" pitchFamily="18" charset="0"/>
+              </a:rPr>
+              <a:t>Tokenizer </a:t>
+            </a:r>
+            <a:r>
+              <a:rPr lang="en-US" b="1" dirty="0" err="1">
+                <a:solidFill>
+                  <a:srgbClr val="0000FF"/>
+                </a:solidFill>
+                <a:latin typeface="Times New Roman" panose="02020603050405020304" pitchFamily="18" charset="0"/>
+                <a:cs typeface="Times New Roman" panose="02020603050405020304" pitchFamily="18" charset="0"/>
+              </a:rPr>
+              <a:t>trong</a:t>
+            </a:r>
+            <a:r>
+              <a:rPr lang="en-US" b="1" dirty="0">
+                <a:solidFill>
+                  <a:srgbClr val="0000FF"/>
+                </a:solidFill>
+                <a:latin typeface="Times New Roman" panose="02020603050405020304" pitchFamily="18" charset="0"/>
+                <a:cs typeface="Times New Roman" panose="02020603050405020304" pitchFamily="18" charset="0"/>
+              </a:rPr>
+              <a:t> Stanford </a:t>
+            </a:r>
+            <a:r>
+              <a:rPr lang="en-US" b="1" dirty="0" err="1">
+                <a:solidFill>
+                  <a:srgbClr val="0000FF"/>
+                </a:solidFill>
+                <a:latin typeface="Times New Roman" panose="02020603050405020304" pitchFamily="18" charset="0"/>
+                <a:cs typeface="Times New Roman" panose="02020603050405020304" pitchFamily="18" charset="0"/>
+              </a:rPr>
+              <a:t>CoreNLP</a:t>
+            </a:r>
+            <a:endParaRPr lang="en-US" b="1" dirty="0">
+              <a:solidFill>
+                <a:srgbClr val="0000FF"/>
+              </a:solidFill>
+              <a:latin typeface="Times New Roman" panose="02020603050405020304" pitchFamily="18" charset="0"/>
+              <a:cs typeface="Times New Roman" panose="02020603050405020304" pitchFamily="18" charset="0"/>
+            </a:endParaRPr>
+          </a:p>
+        </p:txBody>
+      </p:sp>
+      <p:pic>
+        <p:nvPicPr>
+          <p:cNvPr id="8" name="Picture 7">
+            <a:extLst>
+              <a:ext uri="{FF2B5EF4-FFF2-40B4-BE49-F238E27FC236}">
+                <a16:creationId xmlns:a16="http://schemas.microsoft.com/office/drawing/2014/main" id="{CAE7F65E-21DD-4FB9-B834-923C3FB75659}"/>
+              </a:ext>
+            </a:extLst>
+          </p:cNvPr>
+          <p:cNvPicPr>
+            <a:picLocks noChangeAspect="1"/>
+          </p:cNvPicPr>
+          <p:nvPr/>
+        </p:nvPicPr>
+        <p:blipFill>
+          <a:blip r:embed="rId2"/>
+          <a:stretch>
+            <a:fillRect/>
+          </a:stretch>
+        </p:blipFill>
+        <p:spPr>
+          <a:xfrm>
+            <a:off x="1484310" y="2758440"/>
+            <a:ext cx="10391651" cy="956855"/>
+          </a:xfrm>
+          <a:prstGeom prst="rect">
+            <a:avLst/>
+          </a:prstGeom>
+        </p:spPr>
+      </p:pic>
+      <p:pic>
+        <p:nvPicPr>
+          <p:cNvPr id="5" name="Picture 4">
+            <a:extLst>
+              <a:ext uri="{FF2B5EF4-FFF2-40B4-BE49-F238E27FC236}">
+                <a16:creationId xmlns:a16="http://schemas.microsoft.com/office/drawing/2014/main" id="{55484F90-24E8-4E4E-9170-23992AFD2A74}"/>
+              </a:ext>
+            </a:extLst>
+          </p:cNvPr>
+          <p:cNvPicPr>
+            <a:picLocks noChangeAspect="1"/>
+          </p:cNvPicPr>
+          <p:nvPr/>
+        </p:nvPicPr>
+        <p:blipFill>
+          <a:blip r:embed="rId3"/>
+          <a:stretch>
+            <a:fillRect/>
+          </a:stretch>
+        </p:blipFill>
+        <p:spPr>
+          <a:xfrm>
+            <a:off x="3180261" y="4693173"/>
+            <a:ext cx="5859236" cy="1621245"/>
+          </a:xfrm>
+          <a:prstGeom prst="rect">
+            <a:avLst/>
+          </a:prstGeom>
+        </p:spPr>
+      </p:pic>
+    </p:spTree>
+    <p:extLst>
+      <p:ext uri="{BB962C8B-B14F-4D97-AF65-F5344CB8AC3E}">
+        <p14:creationId xmlns:p14="http://schemas.microsoft.com/office/powerpoint/2010/main" val="2179122497"/>
+      </p:ext>
+    </p:extLst>
+  </p:cSld>
+  <p:clrMapOvr>
+    <a:masterClrMapping/>
+  </p:clrMapOvr>
+</p:sld>
+</file>
+
+<file path=ppt/slides/slide13.xml><?xml version="1.0" encoding="utf-8"?>
 <p:sld xmlns:a="http://schemas.openxmlformats.org/drawingml/2006/main" xmlns:r="http://schemas.openxmlformats.org/officeDocument/2006/relationships" xmlns:p="http://schemas.openxmlformats.org/presentationml/2006/main">
   <p:cSld>
     <p:spTree>
@@ -12923,7 +13129,7 @@
 </p:sld>
 </file>
 
-<file path=ppt/slides/slide13.xml><?xml version="1.0" encoding="utf-8"?>
+<file path=ppt/slides/slide14.xml><?xml version="1.0" encoding="utf-8"?>
 <p:sld xmlns:a="http://schemas.openxmlformats.org/drawingml/2006/main" xmlns:r="http://schemas.openxmlformats.org/officeDocument/2006/relationships" xmlns:p="http://schemas.openxmlformats.org/presentationml/2006/main">
   <p:cSld>
     <p:spTree>
@@ -13617,7 +13823,7 @@
 </p:sld>
 </file>
 
-<file path=ppt/slides/slide14.xml><?xml version="1.0" encoding="utf-8"?>
+<file path=ppt/slides/slide15.xml><?xml version="1.0" encoding="utf-8"?>
 <p:sld xmlns:a="http://schemas.openxmlformats.org/drawingml/2006/main" xmlns:r="http://schemas.openxmlformats.org/officeDocument/2006/relationships" xmlns:p="http://schemas.openxmlformats.org/presentationml/2006/main">
   <p:cSld>
     <p:spTree>
@@ -14120,7 +14326,7 @@
 </p:sld>
 </file>
 
-<file path=ppt/slides/slide15.xml><?xml version="1.0" encoding="utf-8"?>
+<file path=ppt/slides/slide16.xml><?xml version="1.0" encoding="utf-8"?>
 <p:sld xmlns:a="http://schemas.openxmlformats.org/drawingml/2006/main" xmlns:r="http://schemas.openxmlformats.org/officeDocument/2006/relationships" xmlns:p="http://schemas.openxmlformats.org/presentationml/2006/main">
   <p:cSld>
     <p:spTree>
@@ -14846,7 +15052,7 @@
 </p:sld>
 </file>
 
-<file path=ppt/slides/slide16.xml><?xml version="1.0" encoding="utf-8"?>
+<file path=ppt/slides/slide17.xml><?xml version="1.0" encoding="utf-8"?>
 <p:sld xmlns:a="http://schemas.openxmlformats.org/drawingml/2006/main" xmlns:r="http://schemas.openxmlformats.org/officeDocument/2006/relationships" xmlns:p="http://schemas.openxmlformats.org/presentationml/2006/main">
   <p:cSld>
     <p:spTree>
@@ -15068,7 +15274,7 @@
 </p:sld>
 </file>
 
-<file path=ppt/slides/slide17.xml><?xml version="1.0" encoding="utf-8"?>
+<file path=ppt/slides/slide18.xml><?xml version="1.0" encoding="utf-8"?>
 <p:sld xmlns:a="http://schemas.openxmlformats.org/drawingml/2006/main" xmlns:r="http://schemas.openxmlformats.org/officeDocument/2006/relationships" xmlns:p="http://schemas.openxmlformats.org/presentationml/2006/main">
   <p:cSld>
     <p:spTree>
@@ -15209,7 +15415,7 @@
 </p:sld>
 </file>
 
-<file path=ppt/slides/slide18.xml><?xml version="1.0" encoding="utf-8"?>
+<file path=ppt/slides/slide19.xml><?xml version="1.0" encoding="utf-8"?>
 <p:sld xmlns:a="http://schemas.openxmlformats.org/drawingml/2006/main" xmlns:r="http://schemas.openxmlformats.org/officeDocument/2006/relationships" xmlns:p="http://schemas.openxmlformats.org/presentationml/2006/main">
   <p:cSld>
     <p:spTree>
@@ -15432,7 +15638,184 @@
 </p:sld>
 </file>
 
-<file path=ppt/slides/slide19.xml><?xml version="1.0" encoding="utf-8"?>
+<file path=ppt/slides/slide2.xml><?xml version="1.0" encoding="utf-8"?>
+<p:sld xmlns:a="http://schemas.openxmlformats.org/drawingml/2006/main" xmlns:r="http://schemas.openxmlformats.org/officeDocument/2006/relationships" xmlns:p="http://schemas.openxmlformats.org/presentationml/2006/main">
+  <p:cSld>
+    <p:spTree>
+      <p:nvGrpSpPr>
+        <p:cNvPr id="1" name=""/>
+        <p:cNvGrpSpPr/>
+        <p:nvPr/>
+      </p:nvGrpSpPr>
+      <p:grpSpPr>
+        <a:xfrm>
+          <a:off x="0" y="0"/>
+          <a:ext cx="0" cy="0"/>
+          <a:chOff x="0" y="0"/>
+          <a:chExt cx="0" cy="0"/>
+        </a:xfrm>
+      </p:grpSpPr>
+      <p:sp>
+        <p:nvSpPr>
+          <p:cNvPr id="2" name="Title 1">
+            <a:extLst>
+              <a:ext uri="{FF2B5EF4-FFF2-40B4-BE49-F238E27FC236}">
+                <a16:creationId xmlns:a16="http://schemas.microsoft.com/office/drawing/2014/main" id="{11DE62A2-70BD-4054-8726-5F66199E19F1}"/>
+              </a:ext>
+            </a:extLst>
+          </p:cNvPr>
+          <p:cNvSpPr>
+            <a:spLocks noGrp="1"/>
+          </p:cNvSpPr>
+          <p:nvPr>
+            <p:ph type="title"/>
+          </p:nvPr>
+        </p:nvSpPr>
+        <p:spPr>
+          <a:xfrm>
+            <a:off x="1568245" y="251952"/>
+            <a:ext cx="4911213" cy="1128252"/>
+          </a:xfrm>
+        </p:spPr>
+        <p:txBody>
+          <a:bodyPr/>
+          <a:lstStyle/>
+          <a:p>
+            <a:pPr algn="l"/>
+            <a:r>
+              <a:rPr lang="en-US" b="1">
+                <a:solidFill>
+                  <a:srgbClr val="0000FF"/>
+                </a:solidFill>
+                <a:latin typeface="Times New Roman" panose="02020603050405020304" pitchFamily="18" charset="0"/>
+                <a:cs typeface="Times New Roman" panose="02020603050405020304" pitchFamily="18" charset="0"/>
+              </a:rPr>
+              <a:t>Thành viên nhóm</a:t>
+            </a:r>
+          </a:p>
+        </p:txBody>
+      </p:sp>
+      <p:sp>
+        <p:nvSpPr>
+          <p:cNvPr id="3" name="Content Placeholder 2">
+            <a:extLst>
+              <a:ext uri="{FF2B5EF4-FFF2-40B4-BE49-F238E27FC236}">
+                <a16:creationId xmlns:a16="http://schemas.microsoft.com/office/drawing/2014/main" id="{70BE8753-D59F-43F8-9425-932D86987DBD}"/>
+              </a:ext>
+            </a:extLst>
+          </p:cNvPr>
+          <p:cNvSpPr>
+            <a:spLocks noGrp="1"/>
+          </p:cNvSpPr>
+          <p:nvPr>
+            <p:ph idx="1"/>
+          </p:nvPr>
+        </p:nvSpPr>
+        <p:spPr>
+          <a:xfrm>
+            <a:off x="3308555" y="1763664"/>
+            <a:ext cx="6341806" cy="4961602"/>
+          </a:xfrm>
+        </p:spPr>
+        <p:txBody>
+          <a:bodyPr>
+            <a:normAutofit/>
+          </a:bodyPr>
+          <a:lstStyle/>
+          <a:p>
+            <a:pPr marL="0" indent="0">
+              <a:lnSpc>
+                <a:spcPct val="150000"/>
+              </a:lnSpc>
+              <a:buNone/>
+            </a:pPr>
+            <a:r>
+              <a:rPr lang="en-US" sz="2800">
+                <a:latin typeface="Times New Roman" panose="02020603050405020304" pitchFamily="18" charset="0"/>
+                <a:cs typeface="Times New Roman" panose="02020603050405020304" pitchFamily="18" charset="0"/>
+              </a:rPr>
+              <a:t>1412503 - Nguyễn Thị Thanh Thảo</a:t>
+            </a:r>
+          </a:p>
+          <a:p>
+            <a:pPr marL="0" indent="0">
+              <a:lnSpc>
+                <a:spcPct val="150000"/>
+              </a:lnSpc>
+              <a:buNone/>
+            </a:pPr>
+            <a:r>
+              <a:rPr lang="en-US" sz="2800">
+                <a:latin typeface="Times New Roman" panose="02020603050405020304" pitchFamily="18" charset="0"/>
+                <a:cs typeface="Times New Roman" panose="02020603050405020304" pitchFamily="18" charset="0"/>
+              </a:rPr>
+              <a:t>1412520 – Nguyễn Hoàng Thi </a:t>
+            </a:r>
+          </a:p>
+          <a:p>
+            <a:pPr marL="0" indent="0">
+              <a:lnSpc>
+                <a:spcPct val="150000"/>
+              </a:lnSpc>
+              <a:buNone/>
+            </a:pPr>
+            <a:r>
+              <a:rPr lang="en-US" sz="2800">
+                <a:latin typeface="Times New Roman" panose="02020603050405020304" pitchFamily="18" charset="0"/>
+                <a:cs typeface="Times New Roman" panose="02020603050405020304" pitchFamily="18" charset="0"/>
+              </a:rPr>
+              <a:t>1412542 - Nguyễn Hà Tiên</a:t>
+            </a:r>
+          </a:p>
+          <a:p>
+            <a:pPr marL="0" indent="0">
+              <a:lnSpc>
+                <a:spcPct val="150000"/>
+              </a:lnSpc>
+              <a:buNone/>
+            </a:pPr>
+            <a:r>
+              <a:rPr lang="en-US" sz="2800">
+                <a:latin typeface="Times New Roman" panose="02020603050405020304" pitchFamily="18" charset="0"/>
+                <a:cs typeface="Times New Roman" panose="02020603050405020304" pitchFamily="18" charset="0"/>
+              </a:rPr>
+              <a:t>1412543 - Nguyễn Thủy Tiên</a:t>
+            </a:r>
+          </a:p>
+          <a:p>
+            <a:pPr marL="0" indent="0">
+              <a:lnSpc>
+                <a:spcPct val="150000"/>
+              </a:lnSpc>
+              <a:buNone/>
+            </a:pPr>
+            <a:r>
+              <a:rPr lang="en-US" sz="2800">
+                <a:latin typeface="Times New Roman" panose="02020603050405020304" pitchFamily="18" charset="0"/>
+                <a:cs typeface="Times New Roman" panose="02020603050405020304" pitchFamily="18" charset="0"/>
+              </a:rPr>
+              <a:t>1412595 - Võ Thị Thanh Trúc</a:t>
+            </a:r>
+          </a:p>
+          <a:p>
+            <a:endParaRPr lang="en-US" sz="2800"/>
+          </a:p>
+        </p:txBody>
+      </p:sp>
+    </p:spTree>
+    <p:extLst>
+      <p:ext uri="{BB962C8B-B14F-4D97-AF65-F5344CB8AC3E}">
+        <p14:creationId xmlns:p14="http://schemas.microsoft.com/office/powerpoint/2010/main" val="1532792253"/>
+      </p:ext>
+    </p:extLst>
+  </p:cSld>
+  <p:clrMapOvr>
+    <a:masterClrMapping/>
+  </p:clrMapOvr>
+</p:sld>
+</file>
+
+<file path=ppt/slides/slide20.xml><?xml version="1.0" encoding="utf-8"?>
 <p:sld xmlns:a="http://schemas.openxmlformats.org/drawingml/2006/main" xmlns:r="http://schemas.openxmlformats.org/officeDocument/2006/relationships" xmlns:p="http://schemas.openxmlformats.org/presentationml/2006/main">
   <p:cSld>
     <p:spTree>
@@ -15694,184 +16077,7 @@
 </p:sld>
 </file>
 
-<file path=ppt/slides/slide2.xml><?xml version="1.0" encoding="utf-8"?>
-<p:sld xmlns:a="http://schemas.openxmlformats.org/drawingml/2006/main" xmlns:r="http://schemas.openxmlformats.org/officeDocument/2006/relationships" xmlns:p="http://schemas.openxmlformats.org/presentationml/2006/main">
-  <p:cSld>
-    <p:spTree>
-      <p:nvGrpSpPr>
-        <p:cNvPr id="1" name=""/>
-        <p:cNvGrpSpPr/>
-        <p:nvPr/>
-      </p:nvGrpSpPr>
-      <p:grpSpPr>
-        <a:xfrm>
-          <a:off x="0" y="0"/>
-          <a:ext cx="0" cy="0"/>
-          <a:chOff x="0" y="0"/>
-          <a:chExt cx="0" cy="0"/>
-        </a:xfrm>
-      </p:grpSpPr>
-      <p:sp>
-        <p:nvSpPr>
-          <p:cNvPr id="2" name="Title 1">
-            <a:extLst>
-              <a:ext uri="{FF2B5EF4-FFF2-40B4-BE49-F238E27FC236}">
-                <a16:creationId xmlns:a16="http://schemas.microsoft.com/office/drawing/2014/main" id="{11DE62A2-70BD-4054-8726-5F66199E19F1}"/>
-              </a:ext>
-            </a:extLst>
-          </p:cNvPr>
-          <p:cNvSpPr>
-            <a:spLocks noGrp="1"/>
-          </p:cNvSpPr>
-          <p:nvPr>
-            <p:ph type="title"/>
-          </p:nvPr>
-        </p:nvSpPr>
-        <p:spPr>
-          <a:xfrm>
-            <a:off x="1568245" y="251952"/>
-            <a:ext cx="4911213" cy="1128252"/>
-          </a:xfrm>
-        </p:spPr>
-        <p:txBody>
-          <a:bodyPr/>
-          <a:lstStyle/>
-          <a:p>
-            <a:pPr algn="l"/>
-            <a:r>
-              <a:rPr lang="en-US" b="1">
-                <a:solidFill>
-                  <a:srgbClr val="0000FF"/>
-                </a:solidFill>
-                <a:latin typeface="Times New Roman" panose="02020603050405020304" pitchFamily="18" charset="0"/>
-                <a:cs typeface="Times New Roman" panose="02020603050405020304" pitchFamily="18" charset="0"/>
-              </a:rPr>
-              <a:t>Thành viên nhóm</a:t>
-            </a:r>
-          </a:p>
-        </p:txBody>
-      </p:sp>
-      <p:sp>
-        <p:nvSpPr>
-          <p:cNvPr id="3" name="Content Placeholder 2">
-            <a:extLst>
-              <a:ext uri="{FF2B5EF4-FFF2-40B4-BE49-F238E27FC236}">
-                <a16:creationId xmlns:a16="http://schemas.microsoft.com/office/drawing/2014/main" id="{70BE8753-D59F-43F8-9425-932D86987DBD}"/>
-              </a:ext>
-            </a:extLst>
-          </p:cNvPr>
-          <p:cNvSpPr>
-            <a:spLocks noGrp="1"/>
-          </p:cNvSpPr>
-          <p:nvPr>
-            <p:ph idx="1"/>
-          </p:nvPr>
-        </p:nvSpPr>
-        <p:spPr>
-          <a:xfrm>
-            <a:off x="3308555" y="1763664"/>
-            <a:ext cx="6341806" cy="4961602"/>
-          </a:xfrm>
-        </p:spPr>
-        <p:txBody>
-          <a:bodyPr>
-            <a:normAutofit/>
-          </a:bodyPr>
-          <a:lstStyle/>
-          <a:p>
-            <a:pPr marL="0" indent="0">
-              <a:lnSpc>
-                <a:spcPct val="150000"/>
-              </a:lnSpc>
-              <a:buNone/>
-            </a:pPr>
-            <a:r>
-              <a:rPr lang="en-US" sz="2800">
-                <a:latin typeface="Times New Roman" panose="02020603050405020304" pitchFamily="18" charset="0"/>
-                <a:cs typeface="Times New Roman" panose="02020603050405020304" pitchFamily="18" charset="0"/>
-              </a:rPr>
-              <a:t>1412503 - Nguyễn Thị Thanh Thảo</a:t>
-            </a:r>
-          </a:p>
-          <a:p>
-            <a:pPr marL="0" indent="0">
-              <a:lnSpc>
-                <a:spcPct val="150000"/>
-              </a:lnSpc>
-              <a:buNone/>
-            </a:pPr>
-            <a:r>
-              <a:rPr lang="en-US" sz="2800">
-                <a:latin typeface="Times New Roman" panose="02020603050405020304" pitchFamily="18" charset="0"/>
-                <a:cs typeface="Times New Roman" panose="02020603050405020304" pitchFamily="18" charset="0"/>
-              </a:rPr>
-              <a:t>1412520 – Nguyễn Hoàng Thi </a:t>
-            </a:r>
-          </a:p>
-          <a:p>
-            <a:pPr marL="0" indent="0">
-              <a:lnSpc>
-                <a:spcPct val="150000"/>
-              </a:lnSpc>
-              <a:buNone/>
-            </a:pPr>
-            <a:r>
-              <a:rPr lang="en-US" sz="2800">
-                <a:latin typeface="Times New Roman" panose="02020603050405020304" pitchFamily="18" charset="0"/>
-                <a:cs typeface="Times New Roman" panose="02020603050405020304" pitchFamily="18" charset="0"/>
-              </a:rPr>
-              <a:t>1412542 - Nguyễn Hà Tiên</a:t>
-            </a:r>
-          </a:p>
-          <a:p>
-            <a:pPr marL="0" indent="0">
-              <a:lnSpc>
-                <a:spcPct val="150000"/>
-              </a:lnSpc>
-              <a:buNone/>
-            </a:pPr>
-            <a:r>
-              <a:rPr lang="en-US" sz="2800">
-                <a:latin typeface="Times New Roman" panose="02020603050405020304" pitchFamily="18" charset="0"/>
-                <a:cs typeface="Times New Roman" panose="02020603050405020304" pitchFamily="18" charset="0"/>
-              </a:rPr>
-              <a:t>1412543 - Nguyễn Thủy Tiên</a:t>
-            </a:r>
-          </a:p>
-          <a:p>
-            <a:pPr marL="0" indent="0">
-              <a:lnSpc>
-                <a:spcPct val="150000"/>
-              </a:lnSpc>
-              <a:buNone/>
-            </a:pPr>
-            <a:r>
-              <a:rPr lang="en-US" sz="2800">
-                <a:latin typeface="Times New Roman" panose="02020603050405020304" pitchFamily="18" charset="0"/>
-                <a:cs typeface="Times New Roman" panose="02020603050405020304" pitchFamily="18" charset="0"/>
-              </a:rPr>
-              <a:t>1412595 - Võ Thị Thanh Trúc</a:t>
-            </a:r>
-          </a:p>
-          <a:p>
-            <a:endParaRPr lang="en-US" sz="2800"/>
-          </a:p>
-        </p:txBody>
-      </p:sp>
-    </p:spTree>
-    <p:extLst>
-      <p:ext uri="{BB962C8B-B14F-4D97-AF65-F5344CB8AC3E}">
-        <p14:creationId xmlns:p14="http://schemas.microsoft.com/office/powerpoint/2010/main" val="1532792253"/>
-      </p:ext>
-    </p:extLst>
-  </p:cSld>
-  <p:clrMapOvr>
-    <a:masterClrMapping/>
-  </p:clrMapOvr>
-</p:sld>
-</file>
-
-<file path=ppt/slides/slide20.xml><?xml version="1.0" encoding="utf-8"?>
+<file path=ppt/slides/slide21.xml><?xml version="1.0" encoding="utf-8"?>
 <p:sld xmlns:a="http://schemas.openxmlformats.org/drawingml/2006/main" xmlns:r="http://schemas.openxmlformats.org/officeDocument/2006/relationships" xmlns:p="http://schemas.openxmlformats.org/presentationml/2006/main">
   <p:cSld>
     <p:spTree>
@@ -16114,7 +16320,7 @@
 </p:sld>
 </file>
 
-<file path=ppt/slides/slide21.xml><?xml version="1.0" encoding="utf-8"?>
+<file path=ppt/slides/slide22.xml><?xml version="1.0" encoding="utf-8"?>
 <p:sld xmlns:a="http://schemas.openxmlformats.org/drawingml/2006/main" xmlns:r="http://schemas.openxmlformats.org/officeDocument/2006/relationships" xmlns:p="http://schemas.openxmlformats.org/presentationml/2006/main">
   <p:cSld>
     <p:spTree>
@@ -16945,7 +17151,7 @@
 </p:sld>
 </file>
 
-<file path=ppt/slides/slide22.xml><?xml version="1.0" encoding="utf-8"?>
+<file path=ppt/slides/slide23.xml><?xml version="1.0" encoding="utf-8"?>
 <p:sld xmlns:a="http://schemas.openxmlformats.org/drawingml/2006/main" xmlns:r="http://schemas.openxmlformats.org/officeDocument/2006/relationships" xmlns:p="http://schemas.openxmlformats.org/presentationml/2006/main">
   <p:cSld>
     <p:spTree>
@@ -17656,7 +17862,7 @@
 </p:sld>
 </file>
 
-<file path=ppt/slides/slide23.xml><?xml version="1.0" encoding="utf-8"?>
+<file path=ppt/slides/slide24.xml><?xml version="1.0" encoding="utf-8"?>
 <p:sld xmlns:a="http://schemas.openxmlformats.org/drawingml/2006/main" xmlns:r="http://schemas.openxmlformats.org/officeDocument/2006/relationships" xmlns:p="http://schemas.openxmlformats.org/presentationml/2006/main">
   <p:cSld>
     <p:spTree>
@@ -18634,7 +18840,7 @@
 </p:sld>
 </file>
 
-<file path=ppt/slides/slide24.xml><?xml version="1.0" encoding="utf-8"?>
+<file path=ppt/slides/slide25.xml><?xml version="1.0" encoding="utf-8"?>
 <p:sld xmlns:a="http://schemas.openxmlformats.org/drawingml/2006/main" xmlns:r="http://schemas.openxmlformats.org/officeDocument/2006/relationships" xmlns:p="http://schemas.openxmlformats.org/presentationml/2006/main">
   <p:cSld>
     <p:spTree>
@@ -20197,7 +20403,7 @@
 </p:sld>
 </file>
 
-<file path=ppt/slides/slide25.xml><?xml version="1.0" encoding="utf-8"?>
+<file path=ppt/slides/slide26.xml><?xml version="1.0" encoding="utf-8"?>
 <p:sld xmlns:a="http://schemas.openxmlformats.org/drawingml/2006/main" xmlns:r="http://schemas.openxmlformats.org/officeDocument/2006/relationships" xmlns:p="http://schemas.openxmlformats.org/presentationml/2006/main">
   <p:cSld>
     <p:spTree>
@@ -20333,7 +20539,7 @@
         </p:spPr>
         <p:txBody>
           <a:bodyPr vert="horz" lIns="91440" tIns="45720" rIns="91440" bIns="45720" rtlCol="0" anchor="ctr">
-            <a:normAutofit lnSpcReduction="10000"/>
+            <a:normAutofit fontScale="92500"/>
           </a:bodyPr>
           <a:lstStyle>
             <a:lvl1pPr marL="285750" indent="-285750" algn="l" defTabSz="457200" rtl="0" eaLnBrk="1" latinLnBrk="0" hangingPunct="1">
@@ -20681,7 +20887,7 @@
         </p:spPr>
         <p:txBody>
           <a:bodyPr vert="horz" lIns="91440" tIns="45720" rIns="91440" bIns="45720" rtlCol="0" anchor="ctr">
-            <a:normAutofit lnSpcReduction="10000"/>
+            <a:normAutofit fontScale="92500"/>
           </a:bodyPr>
           <a:lstStyle>
             <a:lvl1pPr marL="285750" indent="-285750" algn="l" defTabSz="457200" rtl="0" eaLnBrk="1" latinLnBrk="0" hangingPunct="1">
@@ -21165,7 +21371,7 @@
 </p:sld>
 </file>
 
-<file path=ppt/slides/slide26.xml><?xml version="1.0" encoding="utf-8"?>
+<file path=ppt/slides/slide27.xml><?xml version="1.0" encoding="utf-8"?>
 <p:sld xmlns:a="http://schemas.openxmlformats.org/drawingml/2006/main" xmlns:r="http://schemas.openxmlformats.org/officeDocument/2006/relationships" xmlns:p="http://schemas.openxmlformats.org/presentationml/2006/main">
   <p:cSld>
     <p:spTree>
@@ -22113,7 +22319,7 @@
 </p:sld>
 </file>
 
-<file path=ppt/slides/slide27.xml><?xml version="1.0" encoding="utf-8"?>
+<file path=ppt/slides/slide28.xml><?xml version="1.0" encoding="utf-8"?>
 <p:sld xmlns:a="http://schemas.openxmlformats.org/drawingml/2006/main" xmlns:r="http://schemas.openxmlformats.org/officeDocument/2006/relationships" xmlns:p="http://schemas.openxmlformats.org/presentationml/2006/main">
   <p:cSld>
     <p:spTree>
@@ -25068,8 +25274,19 @@
                 <a:latin typeface="Times New Roman" panose="02020603050405020304" pitchFamily="18" charset="0"/>
                 <a:cs typeface="Times New Roman" panose="02020603050405020304" pitchFamily="18" charset="0"/>
               </a:rPr>
-              <a:t>).</a:t>
-            </a:r>
+              <a:t>). </a:t>
+            </a:r>
+            <a:r>
+              <a:rPr lang="vi-VN" dirty="0">
+                <a:latin typeface="Times New Roman" panose="02020603050405020304" pitchFamily="18" charset="0"/>
+                <a:cs typeface="Times New Roman" panose="02020603050405020304" pitchFamily="18" charset="0"/>
+              </a:rPr>
+              <a:t>Các đơn vị này sẽ là những đơn vị cơ bản sử dụng cho những bước xử lý sau này.</a:t>
+            </a:r>
+            <a:endParaRPr lang="en-US" dirty="0">
+              <a:latin typeface="Times New Roman" panose="02020603050405020304" pitchFamily="18" charset="0"/>
+              <a:cs typeface="Times New Roman" panose="02020603050405020304" pitchFamily="18" charset="0"/>
+            </a:endParaRPr>
           </a:p>
           <a:p>
             <a:r>

--- a/Seminar/Stanford_CoreNLP.pptx
+++ b/Seminar/Stanford_CoreNLP.pptx
@@ -5,7 +5,7 @@
     <p:sldMasterId id="2147483660" r:id="rId1"/>
   </p:sldMasterIdLst>
   <p:notesMasterIdLst>
-    <p:notesMasterId r:id="rId30"/>
+    <p:notesMasterId r:id="rId39"/>
   </p:notesMasterIdLst>
   <p:sldIdLst>
     <p:sldId id="256" r:id="rId2"/>
@@ -20,22 +20,31 @@
     <p:sldId id="272" r:id="rId11"/>
     <p:sldId id="288" r:id="rId12"/>
     <p:sldId id="290" r:id="rId13"/>
-    <p:sldId id="264" r:id="rId14"/>
-    <p:sldId id="265" r:id="rId15"/>
-    <p:sldId id="266" r:id="rId16"/>
-    <p:sldId id="267" r:id="rId17"/>
-    <p:sldId id="283" r:id="rId18"/>
-    <p:sldId id="284" r:id="rId19"/>
-    <p:sldId id="285" r:id="rId20"/>
-    <p:sldId id="286" r:id="rId21"/>
-    <p:sldId id="287" r:id="rId22"/>
-    <p:sldId id="275" r:id="rId23"/>
-    <p:sldId id="276" r:id="rId24"/>
-    <p:sldId id="277" r:id="rId25"/>
-    <p:sldId id="278" r:id="rId26"/>
-    <p:sldId id="279" r:id="rId27"/>
-    <p:sldId id="280" r:id="rId28"/>
-    <p:sldId id="281" r:id="rId29"/>
+    <p:sldId id="291" r:id="rId14"/>
+    <p:sldId id="295" r:id="rId15"/>
+    <p:sldId id="292" r:id="rId16"/>
+    <p:sldId id="293" r:id="rId17"/>
+    <p:sldId id="294" r:id="rId18"/>
+    <p:sldId id="296" r:id="rId19"/>
+    <p:sldId id="297" r:id="rId20"/>
+    <p:sldId id="298" r:id="rId21"/>
+    <p:sldId id="299" r:id="rId22"/>
+    <p:sldId id="264" r:id="rId23"/>
+    <p:sldId id="265" r:id="rId24"/>
+    <p:sldId id="266" r:id="rId25"/>
+    <p:sldId id="267" r:id="rId26"/>
+    <p:sldId id="283" r:id="rId27"/>
+    <p:sldId id="284" r:id="rId28"/>
+    <p:sldId id="285" r:id="rId29"/>
+    <p:sldId id="286" r:id="rId30"/>
+    <p:sldId id="287" r:id="rId31"/>
+    <p:sldId id="275" r:id="rId32"/>
+    <p:sldId id="276" r:id="rId33"/>
+    <p:sldId id="277" r:id="rId34"/>
+    <p:sldId id="278" r:id="rId35"/>
+    <p:sldId id="279" r:id="rId36"/>
+    <p:sldId id="280" r:id="rId37"/>
+    <p:sldId id="281" r:id="rId38"/>
   </p:sldIdLst>
   <p:sldSz cx="12192000" cy="6858000"/>
   <p:notesSz cx="6858000" cy="9144000"/>
@@ -1367,6 +1376,13 @@
         </dgm:presLayoutVars>
       </dgm:prSet>
       <dgm:spPr/>
+      <dgm:t>
+        <a:bodyPr/>
+        <a:lstStyle/>
+        <a:p>
+          <a:endParaRPr lang="en-US"/>
+        </a:p>
+      </dgm:t>
     </dgm:pt>
     <dgm:pt modelId="{BD6F99BE-639D-4AD7-A35A-BA247FB9B8EA}" type="pres">
       <dgm:prSet presAssocID="{1062D434-FD21-4024-A00A-F09F77E26E2A}" presName="parentText" presStyleLbl="node1" presStyleIdx="0" presStyleCnt="2">
@@ -1376,6 +1392,13 @@
         </dgm:presLayoutVars>
       </dgm:prSet>
       <dgm:spPr/>
+      <dgm:t>
+        <a:bodyPr/>
+        <a:lstStyle/>
+        <a:p>
+          <a:endParaRPr lang="en-US"/>
+        </a:p>
+      </dgm:t>
     </dgm:pt>
     <dgm:pt modelId="{8C09DAC4-6B0D-478C-A58C-7E8BD393A1D0}" type="pres">
       <dgm:prSet presAssocID="{6B7137D4-F18E-4AAB-BA22-2340DB292175}" presName="spacer" presStyleCnt="0"/>
@@ -1389,6 +1412,13 @@
         </dgm:presLayoutVars>
       </dgm:prSet>
       <dgm:spPr/>
+      <dgm:t>
+        <a:bodyPr/>
+        <a:lstStyle/>
+        <a:p>
+          <a:endParaRPr lang="en-US"/>
+        </a:p>
+      </dgm:t>
     </dgm:pt>
     <dgm:pt modelId="{7ECBE9F7-2ECC-4F57-BC9E-5D6A45EAB17A}" type="pres">
       <dgm:prSet presAssocID="{4667FDAC-0756-475F-A979-CC434EB14F94}" presName="childText" presStyleLbl="revTx" presStyleIdx="0" presStyleCnt="1">
@@ -1397,23 +1427,30 @@
         </dgm:presLayoutVars>
       </dgm:prSet>
       <dgm:spPr/>
+      <dgm:t>
+        <a:bodyPr/>
+        <a:lstStyle/>
+        <a:p>
+          <a:endParaRPr lang="en-US"/>
+        </a:p>
+      </dgm:t>
     </dgm:pt>
   </dgm:ptLst>
   <dgm:cxnLst>
-    <dgm:cxn modelId="{32BC9F00-BBBD-4B64-B8BF-8B98AE8FD68C}" srcId="{4667FDAC-0756-475F-A979-CC434EB14F94}" destId="{B9683ADE-51CB-4BC1-9A3A-BE274282F963}" srcOrd="4" destOrd="0" parTransId="{05C23253-FB13-4F2D-80EC-7B08EB17A8E5}" sibTransId="{252AFAAB-7E52-496E-8EE9-09C0535B382C}"/>
+    <dgm:cxn modelId="{8F1F1A54-8761-4F73-BD1A-25D70D984C47}" type="presOf" srcId="{17C67EE0-DB73-4A57-A340-E5143F29C601}" destId="{52DCF57B-F921-4F34-BB51-8EA86DE81EE5}" srcOrd="0" destOrd="0" presId="urn:microsoft.com/office/officeart/2005/8/layout/vList2"/>
+    <dgm:cxn modelId="{B76B456E-939F-4A78-9A90-186563505147}" type="presOf" srcId="{B9683ADE-51CB-4BC1-9A3A-BE274282F963}" destId="{7ECBE9F7-2ECC-4F57-BC9E-5D6A45EAB17A}" srcOrd="0" destOrd="4" presId="urn:microsoft.com/office/officeart/2005/8/layout/vList2"/>
     <dgm:cxn modelId="{9A604406-136E-476D-AB14-56F73DC70261}" srcId="{4667FDAC-0756-475F-A979-CC434EB14F94}" destId="{2159B9D9-B6BC-48D5-88E9-68CFB6B8ECE3}" srcOrd="2" destOrd="0" parTransId="{5F00B5B1-3279-43EF-B470-4021F530D3FC}" sibTransId="{2A8EA90C-3F81-46BB-8AA2-FEADE9AB026F}"/>
-    <dgm:cxn modelId="{D4329D49-47E0-43D1-B50A-277F67EA0A4F}" srcId="{4667FDAC-0756-475F-A979-CC434EB14F94}" destId="{2349D537-3D73-46A2-BE5D-06FD99FF5D23}" srcOrd="3" destOrd="0" parTransId="{D22666A6-DDF1-46D3-AC3F-F5E2CFD4C13D}" sibTransId="{D0FBB0C1-BCF4-4E01-A07F-ACEA5115DC09}"/>
-    <dgm:cxn modelId="{B76B456E-939F-4A78-9A90-186563505147}" type="presOf" srcId="{B9683ADE-51CB-4BC1-9A3A-BE274282F963}" destId="{7ECBE9F7-2ECC-4F57-BC9E-5D6A45EAB17A}" srcOrd="0" destOrd="4" presId="urn:microsoft.com/office/officeart/2005/8/layout/vList2"/>
-    <dgm:cxn modelId="{8F1F1A54-8761-4F73-BD1A-25D70D984C47}" type="presOf" srcId="{17C67EE0-DB73-4A57-A340-E5143F29C601}" destId="{52DCF57B-F921-4F34-BB51-8EA86DE81EE5}" srcOrd="0" destOrd="0" presId="urn:microsoft.com/office/officeart/2005/8/layout/vList2"/>
+    <dgm:cxn modelId="{F4DC01B9-FB5F-49AF-B7CA-6A12135C8B2F}" srcId="{17C67EE0-DB73-4A57-A340-E5143F29C601}" destId="{4667FDAC-0756-475F-A979-CC434EB14F94}" srcOrd="1" destOrd="0" parTransId="{08CCA7B2-06EC-4A4B-9137-33D5D87960B5}" sibTransId="{18B8EA86-D5BC-4BF0-94C4-DC6A2921D373}"/>
+    <dgm:cxn modelId="{3CAE2F9D-340D-4D4C-80C0-247C2F39C49C}" type="presOf" srcId="{2349D537-3D73-46A2-BE5D-06FD99FF5D23}" destId="{7ECBE9F7-2ECC-4F57-BC9E-5D6A45EAB17A}" srcOrd="0" destOrd="3" presId="urn:microsoft.com/office/officeart/2005/8/layout/vList2"/>
     <dgm:cxn modelId="{235D6079-736E-4BF0-92FF-42DC4B32ECB8}" type="presOf" srcId="{36498E60-BBD7-4129-ABD7-BF474CD4B00B}" destId="{7ECBE9F7-2ECC-4F57-BC9E-5D6A45EAB17A}" srcOrd="0" destOrd="0" presId="urn:microsoft.com/office/officeart/2005/8/layout/vList2"/>
-    <dgm:cxn modelId="{ABF5C17A-AB51-4E6B-8BCC-F1565282BE46}" type="presOf" srcId="{487AB114-347D-4FF0-A347-45D12B94FC14}" destId="{7ECBE9F7-2ECC-4F57-BC9E-5D6A45EAB17A}" srcOrd="0" destOrd="1" presId="urn:microsoft.com/office/officeart/2005/8/layout/vList2"/>
-    <dgm:cxn modelId="{3CAE2F9D-340D-4D4C-80C0-247C2F39C49C}" type="presOf" srcId="{2349D537-3D73-46A2-BE5D-06FD99FF5D23}" destId="{7ECBE9F7-2ECC-4F57-BC9E-5D6A45EAB17A}" srcOrd="0" destOrd="3" presId="urn:microsoft.com/office/officeart/2005/8/layout/vList2"/>
-    <dgm:cxn modelId="{0677B0AB-E1F2-49C7-9788-FF7B736BD84F}" type="presOf" srcId="{1062D434-FD21-4024-A00A-F09F77E26E2A}" destId="{BD6F99BE-639D-4AD7-A35A-BA247FB9B8EA}" srcOrd="0" destOrd="0" presId="urn:microsoft.com/office/officeart/2005/8/layout/vList2"/>
-    <dgm:cxn modelId="{E005D8AE-FBA9-4DCD-98B7-88CB4A0632B3}" srcId="{4667FDAC-0756-475F-A979-CC434EB14F94}" destId="{36498E60-BBD7-4129-ABD7-BF474CD4B00B}" srcOrd="0" destOrd="0" parTransId="{93353577-B8D8-4B9D-8759-0E95CDBEAFD4}" sibTransId="{14DD8FFD-371F-428C-ADB2-DEC35D5C74DE}"/>
-    <dgm:cxn modelId="{F4DC01B9-FB5F-49AF-B7CA-6A12135C8B2F}" srcId="{17C67EE0-DB73-4A57-A340-E5143F29C601}" destId="{4667FDAC-0756-475F-A979-CC434EB14F94}" srcOrd="1" destOrd="0" parTransId="{08CCA7B2-06EC-4A4B-9137-33D5D87960B5}" sibTransId="{18B8EA86-D5BC-4BF0-94C4-DC6A2921D373}"/>
-    <dgm:cxn modelId="{B9300FB9-24D2-4E0A-A1B0-F99D36BDD716}" srcId="{17C67EE0-DB73-4A57-A340-E5143F29C601}" destId="{1062D434-FD21-4024-A00A-F09F77E26E2A}" srcOrd="0" destOrd="0" parTransId="{83EF1B3F-8B5E-4CE9-82FD-5619D4429045}" sibTransId="{6B7137D4-F18E-4AAB-BA22-2340DB292175}"/>
     <dgm:cxn modelId="{DEBF60C1-F90E-4EAA-9303-0FEF4E19C083}" srcId="{4667FDAC-0756-475F-A979-CC434EB14F94}" destId="{487AB114-347D-4FF0-A347-45D12B94FC14}" srcOrd="1" destOrd="0" parTransId="{BFBD223E-095F-4591-8332-31704BE389C6}" sibTransId="{942D1FF3-FE3B-45C6-BC46-C7A16D21A017}"/>
     <dgm:cxn modelId="{E6272BCB-BB46-4CBE-8E3A-E50DEB5A5C70}" type="presOf" srcId="{2159B9D9-B6BC-48D5-88E9-68CFB6B8ECE3}" destId="{7ECBE9F7-2ECC-4F57-BC9E-5D6A45EAB17A}" srcOrd="0" destOrd="2" presId="urn:microsoft.com/office/officeart/2005/8/layout/vList2"/>
+    <dgm:cxn modelId="{D4329D49-47E0-43D1-B50A-277F67EA0A4F}" srcId="{4667FDAC-0756-475F-A979-CC434EB14F94}" destId="{2349D537-3D73-46A2-BE5D-06FD99FF5D23}" srcOrd="3" destOrd="0" parTransId="{D22666A6-DDF1-46D3-AC3F-F5E2CFD4C13D}" sibTransId="{D0FBB0C1-BCF4-4E01-A07F-ACEA5115DC09}"/>
+    <dgm:cxn modelId="{B9300FB9-24D2-4E0A-A1B0-F99D36BDD716}" srcId="{17C67EE0-DB73-4A57-A340-E5143F29C601}" destId="{1062D434-FD21-4024-A00A-F09F77E26E2A}" srcOrd="0" destOrd="0" parTransId="{83EF1B3F-8B5E-4CE9-82FD-5619D4429045}" sibTransId="{6B7137D4-F18E-4AAB-BA22-2340DB292175}"/>
+    <dgm:cxn modelId="{0677B0AB-E1F2-49C7-9788-FF7B736BD84F}" type="presOf" srcId="{1062D434-FD21-4024-A00A-F09F77E26E2A}" destId="{BD6F99BE-639D-4AD7-A35A-BA247FB9B8EA}" srcOrd="0" destOrd="0" presId="urn:microsoft.com/office/officeart/2005/8/layout/vList2"/>
+    <dgm:cxn modelId="{32BC9F00-BBBD-4B64-B8BF-8B98AE8FD68C}" srcId="{4667FDAC-0756-475F-A979-CC434EB14F94}" destId="{B9683ADE-51CB-4BC1-9A3A-BE274282F963}" srcOrd="4" destOrd="0" parTransId="{05C23253-FB13-4F2D-80EC-7B08EB17A8E5}" sibTransId="{252AFAAB-7E52-496E-8EE9-09C0535B382C}"/>
+    <dgm:cxn modelId="{E005D8AE-FBA9-4DCD-98B7-88CB4A0632B3}" srcId="{4667FDAC-0756-475F-A979-CC434EB14F94}" destId="{36498E60-BBD7-4129-ABD7-BF474CD4B00B}" srcOrd="0" destOrd="0" parTransId="{93353577-B8D8-4B9D-8759-0E95CDBEAFD4}" sibTransId="{14DD8FFD-371F-428C-ADB2-DEC35D5C74DE}"/>
+    <dgm:cxn modelId="{ABF5C17A-AB51-4E6B-8BCC-F1565282BE46}" type="presOf" srcId="{487AB114-347D-4FF0-A347-45D12B94FC14}" destId="{7ECBE9F7-2ECC-4F57-BC9E-5D6A45EAB17A}" srcOrd="0" destOrd="1" presId="urn:microsoft.com/office/officeart/2005/8/layout/vList2"/>
     <dgm:cxn modelId="{414B11F7-9C65-414D-912E-26184994731E}" type="presOf" srcId="{4667FDAC-0756-475F-A979-CC434EB14F94}" destId="{2BDB51C8-987F-4802-A627-3B964BB8807F}" srcOrd="0" destOrd="0" presId="urn:microsoft.com/office/officeart/2005/8/layout/vList2"/>
     <dgm:cxn modelId="{9BD1C03A-A756-45F5-AABF-26B75D3195EE}" type="presParOf" srcId="{52DCF57B-F921-4F34-BB51-8EA86DE81EE5}" destId="{BD6F99BE-639D-4AD7-A35A-BA247FB9B8EA}" srcOrd="0" destOrd="0" presId="urn:microsoft.com/office/officeart/2005/8/layout/vList2"/>
     <dgm:cxn modelId="{6D70FDC2-9E3A-4FA9-B00B-B48E1562BBCD}" type="presParOf" srcId="{52DCF57B-F921-4F34-BB51-8EA86DE81EE5}" destId="{8C09DAC4-6B0D-478C-A58C-7E8BD393A1D0}" srcOrd="1" destOrd="0" presId="urn:microsoft.com/office/officeart/2005/8/layout/vList2"/>
@@ -1492,7 +1529,7 @@
         </a:bodyPr>
         <a:lstStyle/>
         <a:p>
-          <a:pPr marL="0" lvl="0" indent="0" algn="l" defTabSz="1333500">
+          <a:pPr lvl="0" algn="l" defTabSz="1333500">
             <a:lnSpc>
               <a:spcPct val="90000"/>
             </a:lnSpc>
@@ -1502,7 +1539,6 @@
             <a:spcAft>
               <a:spcPct val="35000"/>
             </a:spcAft>
-            <a:buNone/>
           </a:pPr>
           <a:r>
             <a:rPr lang="en-US" sz="3000" kern="1200" dirty="0" err="1">
@@ -1618,7 +1654,7 @@
         </a:bodyPr>
         <a:lstStyle/>
         <a:p>
-          <a:pPr marL="0" lvl="0" indent="0" algn="l" defTabSz="1333500">
+          <a:pPr lvl="0" algn="l" defTabSz="1333500">
             <a:lnSpc>
               <a:spcPct val="90000"/>
             </a:lnSpc>
@@ -1628,7 +1664,6 @@
             <a:spcAft>
               <a:spcPct val="35000"/>
             </a:spcAft>
-            <a:buNone/>
           </a:pPr>
           <a:r>
             <a:rPr lang="en-US" sz="3000" kern="1200" dirty="0" err="1">
@@ -1779,7 +1814,7 @@
             <a:spcAft>
               <a:spcPct val="20000"/>
             </a:spcAft>
-            <a:buChar char="•"/>
+            <a:buChar char="••"/>
           </a:pPr>
           <a:r>
             <a:rPr lang="en-US" sz="2600" kern="1200" dirty="0">
@@ -1800,7 +1835,7 @@
             <a:spcAft>
               <a:spcPct val="20000"/>
             </a:spcAft>
-            <a:buChar char="•"/>
+            <a:buChar char="••"/>
           </a:pPr>
           <a:r>
             <a:rPr lang="en-US" sz="2600" kern="1200" dirty="0">
@@ -1821,7 +1856,7 @@
             <a:spcAft>
               <a:spcPct val="20000"/>
             </a:spcAft>
-            <a:buChar char="•"/>
+            <a:buChar char="••"/>
           </a:pPr>
           <a:r>
             <a:rPr lang="en-US" sz="2600" kern="1200" dirty="0">
@@ -1842,7 +1877,7 @@
             <a:spcAft>
               <a:spcPct val="20000"/>
             </a:spcAft>
-            <a:buChar char="•"/>
+            <a:buChar char="••"/>
           </a:pPr>
           <a:r>
             <a:rPr lang="en-US" sz="2600" kern="1200" dirty="0">
@@ -1863,7 +1898,7 @@
             <a:spcAft>
               <a:spcPct val="20000"/>
             </a:spcAft>
-            <a:buChar char="•"/>
+            <a:buChar char="••"/>
           </a:pPr>
           <a:r>
             <a:rPr lang="en-US" sz="2600" kern="1200" dirty="0">
@@ -3166,7 +3201,7 @@
           <a:p>
             <a:fld id="{063B485B-56CE-4234-859C-028E31A6017E}" type="datetimeFigureOut">
               <a:rPr lang="en-US" smtClean="0"/>
-              <a:t>5/15/2018</a:t>
+              <a:t>5/16/2018</a:t>
             </a:fld>
             <a:endParaRPr lang="en-US"/>
           </a:p>
@@ -3517,6 +3552,90 @@
 </p:notes>
 </file>
 
+<file path=ppt/notesSlides/notesSlide10.xml><?xml version="1.0" encoding="utf-8"?>
+<p:notes xmlns:a="http://schemas.openxmlformats.org/drawingml/2006/main" xmlns:r="http://schemas.openxmlformats.org/officeDocument/2006/relationships" xmlns:p="http://schemas.openxmlformats.org/presentationml/2006/main">
+  <p:cSld>
+    <p:spTree>
+      <p:nvGrpSpPr>
+        <p:cNvPr id="1" name=""/>
+        <p:cNvGrpSpPr/>
+        <p:nvPr/>
+      </p:nvGrpSpPr>
+      <p:grpSpPr>
+        <a:xfrm>
+          <a:off x="0" y="0"/>
+          <a:ext cx="0" cy="0"/>
+          <a:chOff x="0" y="0"/>
+          <a:chExt cx="0" cy="0"/>
+        </a:xfrm>
+      </p:grpSpPr>
+      <p:sp>
+        <p:nvSpPr>
+          <p:cNvPr id="2" name="Slide Image Placeholder 1"/>
+          <p:cNvSpPr>
+            <a:spLocks noGrp="1" noRot="1" noChangeAspect="1"/>
+          </p:cNvSpPr>
+          <p:nvPr>
+            <p:ph type="sldImg"/>
+          </p:nvPr>
+        </p:nvSpPr>
+        <p:spPr/>
+      </p:sp>
+      <p:sp>
+        <p:nvSpPr>
+          <p:cNvPr id="3" name="Notes Placeholder 2"/>
+          <p:cNvSpPr>
+            <a:spLocks noGrp="1"/>
+          </p:cNvSpPr>
+          <p:nvPr>
+            <p:ph type="body" idx="1"/>
+          </p:nvPr>
+        </p:nvSpPr>
+        <p:spPr/>
+        <p:txBody>
+          <a:bodyPr/>
+          <a:lstStyle/>
+          <a:p>
+            <a:endParaRPr lang="en-US" dirty="0"/>
+          </a:p>
+        </p:txBody>
+      </p:sp>
+      <p:sp>
+        <p:nvSpPr>
+          <p:cNvPr id="4" name="Slide Number Placeholder 3"/>
+          <p:cNvSpPr>
+            <a:spLocks noGrp="1"/>
+          </p:cNvSpPr>
+          <p:nvPr>
+            <p:ph type="sldNum" sz="quarter" idx="10"/>
+          </p:nvPr>
+        </p:nvSpPr>
+        <p:spPr/>
+        <p:txBody>
+          <a:bodyPr/>
+          <a:lstStyle/>
+          <a:p>
+            <a:fld id="{415931D0-8F45-45FA-A05E-D11DF5C9AD02}" type="slidenum">
+              <a:rPr lang="en-US" smtClean="0"/>
+              <a:t>34</a:t>
+            </a:fld>
+            <a:endParaRPr lang="en-US"/>
+          </a:p>
+        </p:txBody>
+      </p:sp>
+    </p:spTree>
+    <p:extLst>
+      <p:ext uri="{BB962C8B-B14F-4D97-AF65-F5344CB8AC3E}">
+        <p14:creationId xmlns:p14="http://schemas.microsoft.com/office/powerpoint/2010/main" val="523550093"/>
+      </p:ext>
+    </p:extLst>
+  </p:cSld>
+  <p:clrMapOvr>
+    <a:masterClrMapping/>
+  </p:clrMapOvr>
+</p:notes>
+</file>
+
 <file path=ppt/notesSlides/notesSlide2.xml><?xml version="1.0" encoding="utf-8"?>
 <p:notes xmlns:a="http://schemas.openxmlformats.org/drawingml/2006/main" xmlns:r="http://schemas.openxmlformats.org/officeDocument/2006/relationships" xmlns:p="http://schemas.openxmlformats.org/presentationml/2006/main">
   <p:cSld>
@@ -3750,7 +3869,7 @@
           <a:p>
             <a:fld id="{78BBFBE1-F28B-4D2E-997C-B307AD86A0C8}" type="slidenum">
               <a:rPr lang="en-US" smtClean="0"/>
-              <a:t>13</a:t>
+              <a:t>16</a:t>
             </a:fld>
             <a:endParaRPr lang="en-US"/>
           </a:p>
@@ -3759,7 +3878,7 @@
     </p:spTree>
     <p:extLst>
       <p:ext uri="{BB962C8B-B14F-4D97-AF65-F5344CB8AC3E}">
-        <p14:creationId xmlns:p14="http://schemas.microsoft.com/office/powerpoint/2010/main" val="394658720"/>
+        <p14:creationId xmlns:p14="http://schemas.microsoft.com/office/powerpoint/2010/main" val="1401264161"/>
       </p:ext>
     </p:extLst>
   </p:cSld>
@@ -3834,7 +3953,7 @@
           <a:p>
             <a:fld id="{78BBFBE1-F28B-4D2E-997C-B307AD86A0C8}" type="slidenum">
               <a:rPr lang="en-US" smtClean="0"/>
-              <a:t>14</a:t>
+              <a:t>22</a:t>
             </a:fld>
             <a:endParaRPr lang="en-US"/>
           </a:p>
@@ -3843,7 +3962,7 @@
     </p:spTree>
     <p:extLst>
       <p:ext uri="{BB962C8B-B14F-4D97-AF65-F5344CB8AC3E}">
-        <p14:creationId xmlns:p14="http://schemas.microsoft.com/office/powerpoint/2010/main" val="1284971071"/>
+        <p14:creationId xmlns:p14="http://schemas.microsoft.com/office/powerpoint/2010/main" val="394658720"/>
       </p:ext>
     </p:extLst>
   </p:cSld>
@@ -3918,7 +4037,7 @@
           <a:p>
             <a:fld id="{78BBFBE1-F28B-4D2E-997C-B307AD86A0C8}" type="slidenum">
               <a:rPr lang="en-US" smtClean="0"/>
-              <a:t>15</a:t>
+              <a:t>23</a:t>
             </a:fld>
             <a:endParaRPr lang="en-US"/>
           </a:p>
@@ -3927,7 +4046,7 @@
     </p:spTree>
     <p:extLst>
       <p:ext uri="{BB962C8B-B14F-4D97-AF65-F5344CB8AC3E}">
-        <p14:creationId xmlns:p14="http://schemas.microsoft.com/office/powerpoint/2010/main" val="4132018371"/>
+        <p14:creationId xmlns:p14="http://schemas.microsoft.com/office/powerpoint/2010/main" val="1284971071"/>
       </p:ext>
     </p:extLst>
   </p:cSld>
@@ -4002,7 +4121,7 @@
           <a:p>
             <a:fld id="{78BBFBE1-F28B-4D2E-997C-B307AD86A0C8}" type="slidenum">
               <a:rPr lang="en-US" smtClean="0"/>
-              <a:t>16</a:t>
+              <a:t>24</a:t>
             </a:fld>
             <a:endParaRPr lang="en-US"/>
           </a:p>
@@ -4011,7 +4130,7 @@
     </p:spTree>
     <p:extLst>
       <p:ext uri="{BB962C8B-B14F-4D97-AF65-F5344CB8AC3E}">
-        <p14:creationId xmlns:p14="http://schemas.microsoft.com/office/powerpoint/2010/main" val="3815226250"/>
+        <p14:creationId xmlns:p14="http://schemas.microsoft.com/office/powerpoint/2010/main" val="4132018371"/>
       </p:ext>
     </p:extLst>
   </p:cSld>
@@ -4065,7 +4184,7 @@
           <a:bodyPr/>
           <a:lstStyle/>
           <a:p>
-            <a:endParaRPr lang="en-US"/>
+            <a:endParaRPr lang="en-US" dirty="0"/>
           </a:p>
         </p:txBody>
       </p:sp>
@@ -4086,7 +4205,7 @@
           <a:p>
             <a:fld id="{78BBFBE1-F28B-4D2E-997C-B307AD86A0C8}" type="slidenum">
               <a:rPr lang="en-US" smtClean="0"/>
-              <a:t>19</a:t>
+              <a:t>25</a:t>
             </a:fld>
             <a:endParaRPr lang="en-US"/>
           </a:p>
@@ -4095,7 +4214,7 @@
     </p:spTree>
     <p:extLst>
       <p:ext uri="{BB962C8B-B14F-4D97-AF65-F5344CB8AC3E}">
-        <p14:creationId xmlns:p14="http://schemas.microsoft.com/office/powerpoint/2010/main" val="1739282530"/>
+        <p14:creationId xmlns:p14="http://schemas.microsoft.com/office/powerpoint/2010/main" val="3815226250"/>
       </p:ext>
     </p:extLst>
   </p:cSld>
@@ -4149,7 +4268,7 @@
           <a:bodyPr/>
           <a:lstStyle/>
           <a:p>
-            <a:endParaRPr lang="en-US" dirty="0"/>
+            <a:endParaRPr lang="en-US"/>
           </a:p>
         </p:txBody>
       </p:sp>
@@ -4168,9 +4287,9 @@
           <a:bodyPr/>
           <a:lstStyle/>
           <a:p>
-            <a:fld id="{415931D0-8F45-45FA-A05E-D11DF5C9AD02}" type="slidenum">
+            <a:fld id="{78BBFBE1-F28B-4D2E-997C-B307AD86A0C8}" type="slidenum">
               <a:rPr lang="en-US" smtClean="0"/>
-              <a:t>25</a:t>
+              <a:t>28</a:t>
             </a:fld>
             <a:endParaRPr lang="en-US"/>
           </a:p>
@@ -4179,7 +4298,7 @@
     </p:spTree>
     <p:extLst>
       <p:ext uri="{BB962C8B-B14F-4D97-AF65-F5344CB8AC3E}">
-        <p14:creationId xmlns:p14="http://schemas.microsoft.com/office/powerpoint/2010/main" val="523550093"/>
+        <p14:creationId xmlns:p14="http://schemas.microsoft.com/office/powerpoint/2010/main" val="1739282530"/>
       </p:ext>
     </p:extLst>
   </p:cSld>
@@ -4691,7 +4810,7 @@
           <a:p>
             <a:fld id="{B2C65A4B-112E-42DC-8450-93227160E903}" type="datetimeFigureOut">
               <a:rPr lang="en-US" smtClean="0"/>
-              <a:t>5/15/2018</a:t>
+              <a:t>5/16/2018</a:t>
             </a:fld>
             <a:endParaRPr lang="en-US"/>
           </a:p>
@@ -4987,7 +5106,7 @@
           <a:p>
             <a:fld id="{B2C65A4B-112E-42DC-8450-93227160E903}" type="datetimeFigureOut">
               <a:rPr lang="en-US" smtClean="0"/>
-              <a:t>5/15/2018</a:t>
+              <a:t>5/16/2018</a:t>
             </a:fld>
             <a:endParaRPr lang="en-US"/>
           </a:p>
@@ -5235,7 +5354,7 @@
           <a:p>
             <a:fld id="{B2C65A4B-112E-42DC-8450-93227160E903}" type="datetimeFigureOut">
               <a:rPr lang="en-US" smtClean="0"/>
-              <a:t>5/15/2018</a:t>
+              <a:t>5/16/2018</a:t>
             </a:fld>
             <a:endParaRPr lang="en-US"/>
           </a:p>
@@ -5775,7 +5894,7 @@
           <a:p>
             <a:fld id="{B2C65A4B-112E-42DC-8450-93227160E903}" type="datetimeFigureOut">
               <a:rPr lang="en-US" smtClean="0"/>
-              <a:t>5/15/2018</a:t>
+              <a:t>5/16/2018</a:t>
             </a:fld>
             <a:endParaRPr lang="en-US"/>
           </a:p>
@@ -6023,7 +6142,7 @@
           <a:p>
             <a:fld id="{B2C65A4B-112E-42DC-8450-93227160E903}" type="datetimeFigureOut">
               <a:rPr lang="en-US" smtClean="0"/>
-              <a:t>5/15/2018</a:t>
+              <a:t>5/16/2018</a:t>
             </a:fld>
             <a:endParaRPr lang="en-US"/>
           </a:p>
@@ -6555,7 +6674,7 @@
           <a:p>
             <a:fld id="{B2C65A4B-112E-42DC-8450-93227160E903}" type="datetimeFigureOut">
               <a:rPr lang="en-US" smtClean="0"/>
-              <a:t>5/15/2018</a:t>
+              <a:t>5/16/2018</a:t>
             </a:fld>
             <a:endParaRPr lang="en-US"/>
           </a:p>
@@ -6852,7 +6971,7 @@
           <a:p>
             <a:fld id="{B2C65A4B-112E-42DC-8450-93227160E903}" type="datetimeFigureOut">
               <a:rPr lang="en-US" smtClean="0"/>
-              <a:t>5/15/2018</a:t>
+              <a:t>5/16/2018</a:t>
             </a:fld>
             <a:endParaRPr lang="en-US"/>
           </a:p>
@@ -7026,7 +7145,7 @@
           <a:p>
             <a:fld id="{B2C65A4B-112E-42DC-8450-93227160E903}" type="datetimeFigureOut">
               <a:rPr lang="en-US" smtClean="0"/>
-              <a:t>5/15/2018</a:t>
+              <a:t>5/16/2018</a:t>
             </a:fld>
             <a:endParaRPr lang="en-US"/>
           </a:p>
@@ -7206,7 +7325,7 @@
           <a:p>
             <a:fld id="{B2C65A4B-112E-42DC-8450-93227160E903}" type="datetimeFigureOut">
               <a:rPr lang="en-US" smtClean="0"/>
-              <a:t>5/15/2018</a:t>
+              <a:t>5/16/2018</a:t>
             </a:fld>
             <a:endParaRPr lang="en-US"/>
           </a:p>
@@ -7376,7 +7495,7 @@
           <a:p>
             <a:fld id="{B2C65A4B-112E-42DC-8450-93227160E903}" type="datetimeFigureOut">
               <a:rPr lang="en-US" smtClean="0"/>
-              <a:t>5/15/2018</a:t>
+              <a:t>5/16/2018</a:t>
             </a:fld>
             <a:endParaRPr lang="en-US"/>
           </a:p>
@@ -7627,7 +7746,7 @@
           <a:p>
             <a:fld id="{B2C65A4B-112E-42DC-8450-93227160E903}" type="datetimeFigureOut">
               <a:rPr lang="en-US" smtClean="0"/>
-              <a:t>5/15/2018</a:t>
+              <a:t>5/16/2018</a:t>
             </a:fld>
             <a:endParaRPr lang="en-US"/>
           </a:p>
@@ -7924,7 +8043,7 @@
           <a:p>
             <a:fld id="{B2C65A4B-112E-42DC-8450-93227160E903}" type="datetimeFigureOut">
               <a:rPr lang="en-US" smtClean="0"/>
-              <a:t>5/15/2018</a:t>
+              <a:t>5/16/2018</a:t>
             </a:fld>
             <a:endParaRPr lang="en-US"/>
           </a:p>
@@ -8366,7 +8485,7 @@
           <a:p>
             <a:fld id="{B2C65A4B-112E-42DC-8450-93227160E903}" type="datetimeFigureOut">
               <a:rPr lang="en-US" smtClean="0"/>
-              <a:t>5/15/2018</a:t>
+              <a:t>5/16/2018</a:t>
             </a:fld>
             <a:endParaRPr lang="en-US"/>
           </a:p>
@@ -8484,7 +8603,7 @@
           <a:p>
             <a:fld id="{B2C65A4B-112E-42DC-8450-93227160E903}" type="datetimeFigureOut">
               <a:rPr lang="en-US" smtClean="0"/>
-              <a:t>5/15/2018</a:t>
+              <a:t>5/16/2018</a:t>
             </a:fld>
             <a:endParaRPr lang="en-US"/>
           </a:p>
@@ -8579,7 +8698,7 @@
           <a:p>
             <a:fld id="{B2C65A4B-112E-42DC-8450-93227160E903}" type="datetimeFigureOut">
               <a:rPr lang="en-US" smtClean="0"/>
-              <a:t>5/15/2018</a:t>
+              <a:t>5/16/2018</a:t>
             </a:fld>
             <a:endParaRPr lang="en-US"/>
           </a:p>
@@ -8862,7 +8981,7 @@
           <a:p>
             <a:fld id="{B2C65A4B-112E-42DC-8450-93227160E903}" type="datetimeFigureOut">
               <a:rPr lang="en-US" smtClean="0"/>
-              <a:t>5/15/2018</a:t>
+              <a:t>5/16/2018</a:t>
             </a:fld>
             <a:endParaRPr lang="en-US"/>
           </a:p>
@@ -9153,7 +9272,7 @@
           <a:p>
             <a:fld id="{B2C65A4B-112E-42DC-8450-93227160E903}" type="datetimeFigureOut">
               <a:rPr lang="en-US" smtClean="0"/>
-              <a:t>5/15/2018</a:t>
+              <a:t>5/16/2018</a:t>
             </a:fld>
             <a:endParaRPr lang="en-US"/>
           </a:p>
@@ -9683,7 +9802,7 @@
           <a:p>
             <a:fld id="{B2C65A4B-112E-42DC-8450-93227160E903}" type="datetimeFigureOut">
               <a:rPr lang="en-US" smtClean="0"/>
-              <a:t>5/15/2018</a:t>
+              <a:t>5/16/2018</a:t>
             </a:fld>
             <a:endParaRPr lang="en-US"/>
           </a:p>
@@ -10219,7 +10338,7 @@
           <p:cNvPr id="2" name="Title 1">
             <a:extLst>
               <a:ext uri="{FF2B5EF4-FFF2-40B4-BE49-F238E27FC236}">
-                <a16:creationId xmlns:a16="http://schemas.microsoft.com/office/drawing/2014/main" id="{044B5441-67EC-40AC-967C-343EA796A97F}"/>
+                <a16:creationId xmlns:a16="http://schemas.microsoft.com/office/drawing/2014/main" xmlns="" id="{044B5441-67EC-40AC-967C-343EA796A97F}"/>
               </a:ext>
             </a:extLst>
           </p:cNvPr>
@@ -10281,7 +10400,7 @@
           <p:cNvPr id="5" name="TextBox 4">
             <a:extLst>
               <a:ext uri="{FF2B5EF4-FFF2-40B4-BE49-F238E27FC236}">
-                <a16:creationId xmlns:a16="http://schemas.microsoft.com/office/drawing/2014/main" id="{808FEB2B-6212-481C-9ECA-D8E2EF66018F}"/>
+                <a16:creationId xmlns:a16="http://schemas.microsoft.com/office/drawing/2014/main" xmlns="" id="{808FEB2B-6212-481C-9ECA-D8E2EF66018F}"/>
               </a:ext>
             </a:extLst>
           </p:cNvPr>
@@ -10349,7 +10468,7 @@
           <p:cNvPr id="3" name="Content Placeholder 2">
             <a:extLst>
               <a:ext uri="{FF2B5EF4-FFF2-40B4-BE49-F238E27FC236}">
-                <a16:creationId xmlns:a16="http://schemas.microsoft.com/office/drawing/2014/main" id="{46319F7C-AEAD-471F-947F-60F56F29266F}"/>
+                <a16:creationId xmlns:a16="http://schemas.microsoft.com/office/drawing/2014/main" xmlns="" id="{46319F7C-AEAD-471F-947F-60F56F29266F}"/>
               </a:ext>
             </a:extLst>
           </p:cNvPr>
@@ -11243,7 +11362,7 @@
           <p:cNvPr id="4" name="Title 1">
             <a:extLst>
               <a:ext uri="{FF2B5EF4-FFF2-40B4-BE49-F238E27FC236}">
-                <a16:creationId xmlns:a16="http://schemas.microsoft.com/office/drawing/2014/main" id="{01A58B5A-1ACB-486F-A6E0-8F446AC6748B}"/>
+                <a16:creationId xmlns:a16="http://schemas.microsoft.com/office/drawing/2014/main" xmlns="" id="{01A58B5A-1ACB-486F-A6E0-8F446AC6748B}"/>
               </a:ext>
             </a:extLst>
           </p:cNvPr>
@@ -11313,7 +11432,7 @@
           <p:cNvPr id="3" name="Content Placeholder 2">
             <a:extLst>
               <a:ext uri="{FF2B5EF4-FFF2-40B4-BE49-F238E27FC236}">
-                <a16:creationId xmlns:a16="http://schemas.microsoft.com/office/drawing/2014/main" id="{5C85A5BA-7BED-4930-8B2C-A643527BD467}"/>
+                <a16:creationId xmlns:a16="http://schemas.microsoft.com/office/drawing/2014/main" xmlns="" id="{5C85A5BA-7BED-4930-8B2C-A643527BD467}"/>
               </a:ext>
             </a:extLst>
           </p:cNvPr>
@@ -11642,7 +11761,7 @@
           <p:cNvPr id="4" name="Title 1">
             <a:extLst>
               <a:ext uri="{FF2B5EF4-FFF2-40B4-BE49-F238E27FC236}">
-                <a16:creationId xmlns:a16="http://schemas.microsoft.com/office/drawing/2014/main" id="{37FD9831-7629-4B16-9A02-900B2E49212C}"/>
+                <a16:creationId xmlns:a16="http://schemas.microsoft.com/office/drawing/2014/main" xmlns="" id="{37FD9831-7629-4B16-9A02-900B2E49212C}"/>
               </a:ext>
             </a:extLst>
           </p:cNvPr>
@@ -11719,7 +11838,7 @@
           <p:cNvPr id="6" name="Picture 5">
             <a:extLst>
               <a:ext uri="{FF2B5EF4-FFF2-40B4-BE49-F238E27FC236}">
-                <a16:creationId xmlns:a16="http://schemas.microsoft.com/office/drawing/2014/main" id="{AD36B0C7-F61A-43EF-AB1A-3AB1387AB815}"/>
+                <a16:creationId xmlns:a16="http://schemas.microsoft.com/office/drawing/2014/main" xmlns="" id="{AD36B0C7-F61A-43EF-AB1A-3AB1387AB815}"/>
               </a:ext>
             </a:extLst>
           </p:cNvPr>
@@ -11749,7 +11868,7 @@
           <p:cNvPr id="7" name="Picture 6">
             <a:extLst>
               <a:ext uri="{FF2B5EF4-FFF2-40B4-BE49-F238E27FC236}">
-                <a16:creationId xmlns:a16="http://schemas.microsoft.com/office/drawing/2014/main" id="{665C67BF-F6C8-4869-916A-359C99F723FD}"/>
+                <a16:creationId xmlns:a16="http://schemas.microsoft.com/office/drawing/2014/main" xmlns="" id="{665C67BF-F6C8-4869-916A-359C99F723FD}"/>
               </a:ext>
             </a:extLst>
           </p:cNvPr>
@@ -11809,7 +11928,7 @@
           <p:cNvPr id="3" name="Content Placeholder 2">
             <a:extLst>
               <a:ext uri="{FF2B5EF4-FFF2-40B4-BE49-F238E27FC236}">
-                <a16:creationId xmlns:a16="http://schemas.microsoft.com/office/drawing/2014/main" id="{5C85A5BA-7BED-4930-8B2C-A643527BD467}"/>
+                <a16:creationId xmlns:a16="http://schemas.microsoft.com/office/drawing/2014/main" xmlns="" id="{5C85A5BA-7BED-4930-8B2C-A643527BD467}"/>
               </a:ext>
             </a:extLst>
           </p:cNvPr>
@@ -12004,7 +12123,7 @@
           <p:cNvPr id="4" name="Title 1">
             <a:extLst>
               <a:ext uri="{FF2B5EF4-FFF2-40B4-BE49-F238E27FC236}">
-                <a16:creationId xmlns:a16="http://schemas.microsoft.com/office/drawing/2014/main" id="{37FD9831-7629-4B16-9A02-900B2E49212C}"/>
+                <a16:creationId xmlns:a16="http://schemas.microsoft.com/office/drawing/2014/main" xmlns="" id="{37FD9831-7629-4B16-9A02-900B2E49212C}"/>
               </a:ext>
             </a:extLst>
           </p:cNvPr>
@@ -12081,7 +12200,7 @@
           <p:cNvPr id="8" name="Picture 7">
             <a:extLst>
               <a:ext uri="{FF2B5EF4-FFF2-40B4-BE49-F238E27FC236}">
-                <a16:creationId xmlns:a16="http://schemas.microsoft.com/office/drawing/2014/main" id="{CAE7F65E-21DD-4FB9-B834-923C3FB75659}"/>
+                <a16:creationId xmlns:a16="http://schemas.microsoft.com/office/drawing/2014/main" xmlns="" id="{CAE7F65E-21DD-4FB9-B834-923C3FB75659}"/>
               </a:ext>
             </a:extLst>
           </p:cNvPr>
@@ -12111,7 +12230,7 @@
           <p:cNvPr id="5" name="Picture 4">
             <a:extLst>
               <a:ext uri="{FF2B5EF4-FFF2-40B4-BE49-F238E27FC236}">
-                <a16:creationId xmlns:a16="http://schemas.microsoft.com/office/drawing/2014/main" id="{55484F90-24E8-4E4E-9170-23992AFD2A74}"/>
+                <a16:creationId xmlns:a16="http://schemas.microsoft.com/office/drawing/2014/main" xmlns="" id="{55484F90-24E8-4E4E-9170-23992AFD2A74}"/>
               </a:ext>
             </a:extLst>
           </p:cNvPr>
@@ -12168,10 +12287,7011 @@
       </p:grpSpPr>
       <p:sp>
         <p:nvSpPr>
+          <p:cNvPr id="2" name="Title 1"/>
+          <p:cNvSpPr>
+            <a:spLocks noGrp="1"/>
+          </p:cNvSpPr>
+          <p:nvPr>
+            <p:ph type="title"/>
+          </p:nvPr>
+        </p:nvSpPr>
+        <p:spPr>
+          <a:xfrm>
+            <a:off x="1484311" y="685800"/>
+            <a:ext cx="10018713" cy="870857"/>
+          </a:xfrm>
+        </p:spPr>
+        <p:txBody>
+          <a:bodyPr/>
+          <a:lstStyle/>
+          <a:p>
+            <a:pPr algn="l"/>
+            <a:r>
+              <a:rPr lang="en-US" b="1" dirty="0" err="1" smtClean="0">
+                <a:solidFill>
+                  <a:srgbClr val="0000FF"/>
+                </a:solidFill>
+              </a:rPr>
+              <a:t>Gán</a:t>
+            </a:r>
+            <a:r>
+              <a:rPr lang="en-US" b="1" dirty="0" smtClean="0">
+                <a:solidFill>
+                  <a:srgbClr val="0000FF"/>
+                </a:solidFill>
+              </a:rPr>
+              <a:t> </a:t>
+            </a:r>
+            <a:r>
+              <a:rPr lang="en-US" b="1" dirty="0" err="1" smtClean="0">
+                <a:solidFill>
+                  <a:srgbClr val="0000FF"/>
+                </a:solidFill>
+              </a:rPr>
+              <a:t>nhãn</a:t>
+            </a:r>
+            <a:r>
+              <a:rPr lang="en-US" b="1" dirty="0" smtClean="0">
+                <a:solidFill>
+                  <a:srgbClr val="0000FF"/>
+                </a:solidFill>
+              </a:rPr>
+              <a:t> </a:t>
+            </a:r>
+            <a:r>
+              <a:rPr lang="en-US" b="1" dirty="0" err="1" smtClean="0">
+                <a:solidFill>
+                  <a:srgbClr val="0000FF"/>
+                </a:solidFill>
+              </a:rPr>
+              <a:t>từ</a:t>
+            </a:r>
+            <a:r>
+              <a:rPr lang="en-US" b="1" dirty="0" smtClean="0">
+                <a:solidFill>
+                  <a:srgbClr val="0000FF"/>
+                </a:solidFill>
+              </a:rPr>
+              <a:t> </a:t>
+            </a:r>
+            <a:r>
+              <a:rPr lang="en-US" b="1" dirty="0" err="1" smtClean="0">
+                <a:solidFill>
+                  <a:srgbClr val="0000FF"/>
+                </a:solidFill>
+              </a:rPr>
+              <a:t>loại</a:t>
+            </a:r>
+            <a:r>
+              <a:rPr lang="en-US" b="1" dirty="0" smtClean="0">
+                <a:solidFill>
+                  <a:srgbClr val="0000FF"/>
+                </a:solidFill>
+              </a:rPr>
+              <a:t> (Part of speech Tagging)</a:t>
+            </a:r>
+            <a:endParaRPr lang="en-US" b="1" dirty="0">
+              <a:solidFill>
+                <a:srgbClr val="0000FF"/>
+              </a:solidFill>
+            </a:endParaRPr>
+          </a:p>
+        </p:txBody>
+      </p:sp>
+      <p:sp>
+        <p:nvSpPr>
+          <p:cNvPr id="3" name="Content Placeholder 2"/>
+          <p:cNvSpPr>
+            <a:spLocks noGrp="1"/>
+          </p:cNvSpPr>
+          <p:nvPr>
+            <p:ph idx="1"/>
+          </p:nvPr>
+        </p:nvSpPr>
+        <p:spPr>
+          <a:xfrm>
+            <a:off x="1484310" y="1654629"/>
+            <a:ext cx="10018713" cy="4136571"/>
+          </a:xfrm>
+        </p:spPr>
+        <p:txBody>
+          <a:bodyPr/>
+          <a:lstStyle/>
+          <a:p>
+            <a:r>
+              <a:rPr lang="en-US" dirty="0" err="1" smtClean="0">
+                <a:latin typeface="Times New Roman" panose="02020603050405020304" pitchFamily="18" charset="0"/>
+                <a:cs typeface="Times New Roman" panose="02020603050405020304" pitchFamily="18" charset="0"/>
+              </a:rPr>
+              <a:t>Là</a:t>
+            </a:r>
+            <a:r>
+              <a:rPr lang="en-US" dirty="0" smtClean="0">
+                <a:latin typeface="Times New Roman" panose="02020603050405020304" pitchFamily="18" charset="0"/>
+                <a:cs typeface="Times New Roman" panose="02020603050405020304" pitchFamily="18" charset="0"/>
+              </a:rPr>
+              <a:t> </a:t>
+            </a:r>
+            <a:r>
+              <a:rPr lang="en-US" dirty="0" err="1" smtClean="0">
+                <a:latin typeface="Times New Roman" panose="02020603050405020304" pitchFamily="18" charset="0"/>
+                <a:cs typeface="Times New Roman" panose="02020603050405020304" pitchFamily="18" charset="0"/>
+              </a:rPr>
+              <a:t>quá</a:t>
+            </a:r>
+            <a:r>
+              <a:rPr lang="en-US" dirty="0" smtClean="0">
+                <a:latin typeface="Times New Roman" panose="02020603050405020304" pitchFamily="18" charset="0"/>
+                <a:cs typeface="Times New Roman" panose="02020603050405020304" pitchFamily="18" charset="0"/>
+              </a:rPr>
+              <a:t> </a:t>
+            </a:r>
+            <a:r>
+              <a:rPr lang="en-US" dirty="0" err="1" smtClean="0">
+                <a:latin typeface="Times New Roman" panose="02020603050405020304" pitchFamily="18" charset="0"/>
+                <a:cs typeface="Times New Roman" panose="02020603050405020304" pitchFamily="18" charset="0"/>
+              </a:rPr>
+              <a:t>trình</a:t>
+            </a:r>
+            <a:r>
+              <a:rPr lang="en-US" dirty="0" smtClean="0">
+                <a:latin typeface="Times New Roman" panose="02020603050405020304" pitchFamily="18" charset="0"/>
+                <a:cs typeface="Times New Roman" panose="02020603050405020304" pitchFamily="18" charset="0"/>
+              </a:rPr>
+              <a:t> </a:t>
+            </a:r>
+            <a:r>
+              <a:rPr lang="en-US" dirty="0" err="1" smtClean="0">
+                <a:latin typeface="Times New Roman" panose="02020603050405020304" pitchFamily="18" charset="0"/>
+                <a:cs typeface="Times New Roman" panose="02020603050405020304" pitchFamily="18" charset="0"/>
+              </a:rPr>
+              <a:t>xác</a:t>
+            </a:r>
+            <a:r>
+              <a:rPr lang="en-US" dirty="0" smtClean="0">
+                <a:latin typeface="Times New Roman" panose="02020603050405020304" pitchFamily="18" charset="0"/>
+                <a:cs typeface="Times New Roman" panose="02020603050405020304" pitchFamily="18" charset="0"/>
+              </a:rPr>
+              <a:t> </a:t>
+            </a:r>
+            <a:r>
+              <a:rPr lang="en-US" dirty="0" err="1" smtClean="0">
+                <a:latin typeface="Times New Roman" panose="02020603050405020304" pitchFamily="18" charset="0"/>
+                <a:cs typeface="Times New Roman" panose="02020603050405020304" pitchFamily="18" charset="0"/>
+              </a:rPr>
+              <a:t>định</a:t>
+            </a:r>
+            <a:r>
+              <a:rPr lang="en-US" dirty="0" smtClean="0">
+                <a:latin typeface="Times New Roman" panose="02020603050405020304" pitchFamily="18" charset="0"/>
+                <a:cs typeface="Times New Roman" panose="02020603050405020304" pitchFamily="18" charset="0"/>
+              </a:rPr>
+              <a:t> </a:t>
+            </a:r>
+            <a:r>
+              <a:rPr lang="en-US" dirty="0" err="1" smtClean="0">
+                <a:latin typeface="Times New Roman" panose="02020603050405020304" pitchFamily="18" charset="0"/>
+                <a:cs typeface="Times New Roman" panose="02020603050405020304" pitchFamily="18" charset="0"/>
+              </a:rPr>
+              <a:t>nhãn</a:t>
+            </a:r>
+            <a:r>
+              <a:rPr lang="en-US" dirty="0" smtClean="0">
+                <a:latin typeface="Times New Roman" panose="02020603050405020304" pitchFamily="18" charset="0"/>
+                <a:cs typeface="Times New Roman" panose="02020603050405020304" pitchFamily="18" charset="0"/>
+              </a:rPr>
+              <a:t> </a:t>
+            </a:r>
+            <a:r>
+              <a:rPr lang="en-US" dirty="0" err="1" smtClean="0">
+                <a:latin typeface="Times New Roman" panose="02020603050405020304" pitchFamily="18" charset="0"/>
+                <a:cs typeface="Times New Roman" panose="02020603050405020304" pitchFamily="18" charset="0"/>
+              </a:rPr>
+              <a:t>của</a:t>
+            </a:r>
+            <a:r>
+              <a:rPr lang="en-US" dirty="0" smtClean="0">
+                <a:latin typeface="Times New Roman" panose="02020603050405020304" pitchFamily="18" charset="0"/>
+                <a:cs typeface="Times New Roman" panose="02020603050405020304" pitchFamily="18" charset="0"/>
+              </a:rPr>
+              <a:t> </a:t>
+            </a:r>
+            <a:r>
+              <a:rPr lang="en-US" dirty="0" err="1" smtClean="0">
+                <a:latin typeface="Times New Roman" panose="02020603050405020304" pitchFamily="18" charset="0"/>
+                <a:cs typeface="Times New Roman" panose="02020603050405020304" pitchFamily="18" charset="0"/>
+              </a:rPr>
+              <a:t>các</a:t>
+            </a:r>
+            <a:r>
+              <a:rPr lang="en-US" dirty="0" smtClean="0">
+                <a:latin typeface="Times New Roman" panose="02020603050405020304" pitchFamily="18" charset="0"/>
+                <a:cs typeface="Times New Roman" panose="02020603050405020304" pitchFamily="18" charset="0"/>
+              </a:rPr>
+              <a:t> </a:t>
+            </a:r>
+            <a:r>
+              <a:rPr lang="en-US" dirty="0" err="1" smtClean="0">
+                <a:latin typeface="Times New Roman" panose="02020603050405020304" pitchFamily="18" charset="0"/>
+                <a:cs typeface="Times New Roman" panose="02020603050405020304" pitchFamily="18" charset="0"/>
+              </a:rPr>
+              <a:t>từ</a:t>
+            </a:r>
+            <a:r>
+              <a:rPr lang="en-US" dirty="0" smtClean="0">
+                <a:latin typeface="Times New Roman" panose="02020603050405020304" pitchFamily="18" charset="0"/>
+                <a:cs typeface="Times New Roman" panose="02020603050405020304" pitchFamily="18" charset="0"/>
+              </a:rPr>
+              <a:t> </a:t>
+            </a:r>
+            <a:r>
+              <a:rPr lang="en-US" dirty="0" err="1" smtClean="0">
+                <a:latin typeface="Times New Roman" panose="02020603050405020304" pitchFamily="18" charset="0"/>
+                <a:cs typeface="Times New Roman" panose="02020603050405020304" pitchFamily="18" charset="0"/>
+              </a:rPr>
+              <a:t>theo</a:t>
+            </a:r>
+            <a:r>
+              <a:rPr lang="en-US" dirty="0" smtClean="0">
+                <a:latin typeface="Times New Roman" panose="02020603050405020304" pitchFamily="18" charset="0"/>
+                <a:cs typeface="Times New Roman" panose="02020603050405020304" pitchFamily="18" charset="0"/>
+              </a:rPr>
+              <a:t> </a:t>
+            </a:r>
+            <a:r>
+              <a:rPr lang="en-US" dirty="0" err="1" smtClean="0">
+                <a:latin typeface="Times New Roman" panose="02020603050405020304" pitchFamily="18" charset="0"/>
+                <a:cs typeface="Times New Roman" panose="02020603050405020304" pitchFamily="18" charset="0"/>
+              </a:rPr>
+              <a:t>mức</a:t>
+            </a:r>
+            <a:r>
+              <a:rPr lang="en-US" dirty="0" smtClean="0">
+                <a:latin typeface="Times New Roman" panose="02020603050405020304" pitchFamily="18" charset="0"/>
+                <a:cs typeface="Times New Roman" panose="02020603050405020304" pitchFamily="18" charset="0"/>
+              </a:rPr>
+              <a:t> </a:t>
+            </a:r>
+            <a:r>
+              <a:rPr lang="en-US" dirty="0" err="1" smtClean="0">
+                <a:latin typeface="Times New Roman" panose="02020603050405020304" pitchFamily="18" charset="0"/>
+                <a:cs typeface="Times New Roman" panose="02020603050405020304" pitchFamily="18" charset="0"/>
+              </a:rPr>
+              <a:t>độ</a:t>
+            </a:r>
+            <a:r>
+              <a:rPr lang="en-US" dirty="0" smtClean="0">
+                <a:latin typeface="Times New Roman" panose="02020603050405020304" pitchFamily="18" charset="0"/>
+                <a:cs typeface="Times New Roman" panose="02020603050405020304" pitchFamily="18" charset="0"/>
+              </a:rPr>
+              <a:t> </a:t>
+            </a:r>
+            <a:r>
+              <a:rPr lang="en-US" dirty="0" err="1" smtClean="0">
+                <a:latin typeface="Times New Roman" panose="02020603050405020304" pitchFamily="18" charset="0"/>
+                <a:cs typeface="Times New Roman" panose="02020603050405020304" pitchFamily="18" charset="0"/>
+              </a:rPr>
+              <a:t>loại</a:t>
+            </a:r>
+            <a:r>
+              <a:rPr lang="en-US" dirty="0" smtClean="0">
+                <a:latin typeface="Times New Roman" panose="02020603050405020304" pitchFamily="18" charset="0"/>
+                <a:cs typeface="Times New Roman" panose="02020603050405020304" pitchFamily="18" charset="0"/>
+              </a:rPr>
+              <a:t> </a:t>
+            </a:r>
+            <a:r>
+              <a:rPr lang="en-US" dirty="0" err="1" smtClean="0">
+                <a:latin typeface="Times New Roman" panose="02020603050405020304" pitchFamily="18" charset="0"/>
+                <a:cs typeface="Times New Roman" panose="02020603050405020304" pitchFamily="18" charset="0"/>
+              </a:rPr>
+              <a:t>từ</a:t>
+            </a:r>
+            <a:r>
+              <a:rPr lang="en-US" dirty="0" smtClean="0">
+                <a:latin typeface="Times New Roman" panose="02020603050405020304" pitchFamily="18" charset="0"/>
+                <a:cs typeface="Times New Roman" panose="02020603050405020304" pitchFamily="18" charset="0"/>
+              </a:rPr>
+              <a:t> </a:t>
+            </a:r>
+            <a:r>
+              <a:rPr lang="en-US" dirty="0" err="1" smtClean="0">
+                <a:latin typeface="Times New Roman" panose="02020603050405020304" pitchFamily="18" charset="0"/>
+                <a:cs typeface="Times New Roman" panose="02020603050405020304" pitchFamily="18" charset="0"/>
+              </a:rPr>
+              <a:t>vựng</a:t>
+            </a:r>
+            <a:r>
+              <a:rPr lang="en-US" dirty="0" smtClean="0">
+                <a:latin typeface="Times New Roman" panose="02020603050405020304" pitchFamily="18" charset="0"/>
+                <a:cs typeface="Times New Roman" panose="02020603050405020304" pitchFamily="18" charset="0"/>
+              </a:rPr>
+              <a:t> (</a:t>
+            </a:r>
+            <a:r>
+              <a:rPr lang="en-US" dirty="0" err="1" smtClean="0">
+                <a:latin typeface="Times New Roman" panose="02020603050405020304" pitchFamily="18" charset="0"/>
+                <a:cs typeface="Times New Roman" panose="02020603050405020304" pitchFamily="18" charset="0"/>
+              </a:rPr>
+              <a:t>động</a:t>
+            </a:r>
+            <a:r>
+              <a:rPr lang="en-US" dirty="0" smtClean="0">
+                <a:latin typeface="Times New Roman" panose="02020603050405020304" pitchFamily="18" charset="0"/>
+                <a:cs typeface="Times New Roman" panose="02020603050405020304" pitchFamily="18" charset="0"/>
+              </a:rPr>
+              <a:t> </a:t>
+            </a:r>
+            <a:r>
+              <a:rPr lang="en-US" dirty="0" err="1" smtClean="0">
+                <a:latin typeface="Times New Roman" panose="02020603050405020304" pitchFamily="18" charset="0"/>
+                <a:cs typeface="Times New Roman" panose="02020603050405020304" pitchFamily="18" charset="0"/>
+              </a:rPr>
+              <a:t>từ</a:t>
+            </a:r>
+            <a:r>
+              <a:rPr lang="en-US" dirty="0" smtClean="0">
+                <a:latin typeface="Times New Roman" panose="02020603050405020304" pitchFamily="18" charset="0"/>
+                <a:cs typeface="Times New Roman" panose="02020603050405020304" pitchFamily="18" charset="0"/>
+              </a:rPr>
+              <a:t>, </a:t>
+            </a:r>
+            <a:r>
+              <a:rPr lang="en-US" dirty="0" err="1" smtClean="0">
+                <a:latin typeface="Times New Roman" panose="02020603050405020304" pitchFamily="18" charset="0"/>
+                <a:cs typeface="Times New Roman" panose="02020603050405020304" pitchFamily="18" charset="0"/>
+              </a:rPr>
+              <a:t>tính</a:t>
+            </a:r>
+            <a:r>
+              <a:rPr lang="en-US" dirty="0" smtClean="0">
+                <a:latin typeface="Times New Roman" panose="02020603050405020304" pitchFamily="18" charset="0"/>
+                <a:cs typeface="Times New Roman" panose="02020603050405020304" pitchFamily="18" charset="0"/>
+              </a:rPr>
+              <a:t> </a:t>
+            </a:r>
+            <a:r>
+              <a:rPr lang="en-US" dirty="0" err="1" smtClean="0">
+                <a:latin typeface="Times New Roman" panose="02020603050405020304" pitchFamily="18" charset="0"/>
+                <a:cs typeface="Times New Roman" panose="02020603050405020304" pitchFamily="18" charset="0"/>
+              </a:rPr>
+              <a:t>từ</a:t>
+            </a:r>
+            <a:r>
+              <a:rPr lang="en-US" dirty="0" smtClean="0">
+                <a:latin typeface="Times New Roman" panose="02020603050405020304" pitchFamily="18" charset="0"/>
+                <a:cs typeface="Times New Roman" panose="02020603050405020304" pitchFamily="18" charset="0"/>
+              </a:rPr>
+              <a:t>, </a:t>
+            </a:r>
+            <a:r>
+              <a:rPr lang="en-US" dirty="0" err="1" smtClean="0">
+                <a:latin typeface="Times New Roman" panose="02020603050405020304" pitchFamily="18" charset="0"/>
+                <a:cs typeface="Times New Roman" panose="02020603050405020304" pitchFamily="18" charset="0"/>
+              </a:rPr>
+              <a:t>danh</a:t>
+            </a:r>
+            <a:r>
+              <a:rPr lang="en-US" dirty="0" smtClean="0">
+                <a:latin typeface="Times New Roman" panose="02020603050405020304" pitchFamily="18" charset="0"/>
+                <a:cs typeface="Times New Roman" panose="02020603050405020304" pitchFamily="18" charset="0"/>
+              </a:rPr>
+              <a:t> </a:t>
+            </a:r>
+            <a:r>
+              <a:rPr lang="en-US" dirty="0" err="1" smtClean="0">
+                <a:latin typeface="Times New Roman" panose="02020603050405020304" pitchFamily="18" charset="0"/>
+                <a:cs typeface="Times New Roman" panose="02020603050405020304" pitchFamily="18" charset="0"/>
+              </a:rPr>
+              <a:t>từ</a:t>
+            </a:r>
+            <a:r>
+              <a:rPr lang="en-US" dirty="0" smtClean="0">
+                <a:latin typeface="Times New Roman" panose="02020603050405020304" pitchFamily="18" charset="0"/>
+                <a:cs typeface="Times New Roman" panose="02020603050405020304" pitchFamily="18" charset="0"/>
+              </a:rPr>
+              <a:t>,…)</a:t>
+            </a:r>
+          </a:p>
+          <a:p>
+            <a:r>
+              <a:rPr lang="en-US" dirty="0" err="1" smtClean="0">
+                <a:latin typeface="Times New Roman" panose="02020603050405020304" pitchFamily="18" charset="0"/>
+                <a:cs typeface="Times New Roman" panose="02020603050405020304" pitchFamily="18" charset="0"/>
+              </a:rPr>
+              <a:t>Làm</a:t>
+            </a:r>
+            <a:r>
+              <a:rPr lang="en-US" dirty="0" smtClean="0">
+                <a:latin typeface="Times New Roman" panose="02020603050405020304" pitchFamily="18" charset="0"/>
+                <a:cs typeface="Times New Roman" panose="02020603050405020304" pitchFamily="18" charset="0"/>
+              </a:rPr>
+              <a:t> </a:t>
+            </a:r>
+            <a:r>
+              <a:rPr lang="en-US" dirty="0" err="1" smtClean="0">
+                <a:latin typeface="Times New Roman" panose="02020603050405020304" pitchFamily="18" charset="0"/>
+                <a:cs typeface="Times New Roman" panose="02020603050405020304" pitchFamily="18" charset="0"/>
+              </a:rPr>
+              <a:t>tiền</a:t>
+            </a:r>
+            <a:r>
+              <a:rPr lang="en-US" dirty="0" smtClean="0">
+                <a:latin typeface="Times New Roman" panose="02020603050405020304" pitchFamily="18" charset="0"/>
+                <a:cs typeface="Times New Roman" panose="02020603050405020304" pitchFamily="18" charset="0"/>
+              </a:rPr>
+              <a:t> </a:t>
+            </a:r>
+            <a:r>
+              <a:rPr lang="en-US" dirty="0" err="1" smtClean="0">
+                <a:latin typeface="Times New Roman" panose="02020603050405020304" pitchFamily="18" charset="0"/>
+                <a:cs typeface="Times New Roman" panose="02020603050405020304" pitchFamily="18" charset="0"/>
+              </a:rPr>
+              <a:t>đề</a:t>
+            </a:r>
+            <a:r>
+              <a:rPr lang="en-US" dirty="0" smtClean="0">
+                <a:latin typeface="Times New Roman" panose="02020603050405020304" pitchFamily="18" charset="0"/>
+                <a:cs typeface="Times New Roman" panose="02020603050405020304" pitchFamily="18" charset="0"/>
+              </a:rPr>
+              <a:t> </a:t>
+            </a:r>
+            <a:r>
+              <a:rPr lang="en-US" dirty="0" err="1" smtClean="0">
+                <a:latin typeface="Times New Roman" panose="02020603050405020304" pitchFamily="18" charset="0"/>
+                <a:cs typeface="Times New Roman" panose="02020603050405020304" pitchFamily="18" charset="0"/>
+              </a:rPr>
+              <a:t>cho</a:t>
+            </a:r>
+            <a:r>
+              <a:rPr lang="en-US" dirty="0" smtClean="0">
+                <a:latin typeface="Times New Roman" panose="02020603050405020304" pitchFamily="18" charset="0"/>
+                <a:cs typeface="Times New Roman" panose="02020603050405020304" pitchFamily="18" charset="0"/>
+              </a:rPr>
+              <a:t> </a:t>
+            </a:r>
+            <a:r>
+              <a:rPr lang="en-US" dirty="0" err="1" smtClean="0">
+                <a:latin typeface="Times New Roman" panose="02020603050405020304" pitchFamily="18" charset="0"/>
+                <a:cs typeface="Times New Roman" panose="02020603050405020304" pitchFamily="18" charset="0"/>
+              </a:rPr>
+              <a:t>việc</a:t>
+            </a:r>
+            <a:r>
+              <a:rPr lang="en-US" dirty="0" smtClean="0">
+                <a:latin typeface="Times New Roman" panose="02020603050405020304" pitchFamily="18" charset="0"/>
+                <a:cs typeface="Times New Roman" panose="02020603050405020304" pitchFamily="18" charset="0"/>
+              </a:rPr>
+              <a:t> </a:t>
+            </a:r>
+            <a:r>
+              <a:rPr lang="en-US" dirty="0" err="1" smtClean="0">
+                <a:latin typeface="Times New Roman" panose="02020603050405020304" pitchFamily="18" charset="0"/>
+                <a:cs typeface="Times New Roman" panose="02020603050405020304" pitchFamily="18" charset="0"/>
+              </a:rPr>
+              <a:t>xác</a:t>
+            </a:r>
+            <a:r>
+              <a:rPr lang="en-US" dirty="0" smtClean="0">
+                <a:latin typeface="Times New Roman" panose="02020603050405020304" pitchFamily="18" charset="0"/>
+                <a:cs typeface="Times New Roman" panose="02020603050405020304" pitchFamily="18" charset="0"/>
+              </a:rPr>
+              <a:t> </a:t>
+            </a:r>
+            <a:r>
+              <a:rPr lang="en-US" dirty="0" err="1" smtClean="0">
+                <a:latin typeface="Times New Roman" panose="02020603050405020304" pitchFamily="18" charset="0"/>
+                <a:cs typeface="Times New Roman" panose="02020603050405020304" pitchFamily="18" charset="0"/>
+              </a:rPr>
+              <a:t>định</a:t>
+            </a:r>
+            <a:r>
+              <a:rPr lang="en-US" dirty="0" smtClean="0">
+                <a:latin typeface="Times New Roman" panose="02020603050405020304" pitchFamily="18" charset="0"/>
+                <a:cs typeface="Times New Roman" panose="02020603050405020304" pitchFamily="18" charset="0"/>
+              </a:rPr>
+              <a:t> </a:t>
+            </a:r>
+            <a:r>
+              <a:rPr lang="en-US" dirty="0" err="1" smtClean="0">
+                <a:latin typeface="Times New Roman" panose="02020603050405020304" pitchFamily="18" charset="0"/>
+                <a:cs typeface="Times New Roman" panose="02020603050405020304" pitchFamily="18" charset="0"/>
+              </a:rPr>
+              <a:t>các</a:t>
+            </a:r>
+            <a:r>
+              <a:rPr lang="en-US" dirty="0" smtClean="0">
+                <a:latin typeface="Times New Roman" panose="02020603050405020304" pitchFamily="18" charset="0"/>
+                <a:cs typeface="Times New Roman" panose="02020603050405020304" pitchFamily="18" charset="0"/>
+              </a:rPr>
+              <a:t>  </a:t>
+            </a:r>
+            <a:r>
+              <a:rPr lang="en-US" dirty="0" err="1" smtClean="0">
+                <a:latin typeface="Times New Roman" panose="02020603050405020304" pitchFamily="18" charset="0"/>
+                <a:cs typeface="Times New Roman" panose="02020603050405020304" pitchFamily="18" charset="0"/>
+              </a:rPr>
+              <a:t>thực</a:t>
+            </a:r>
+            <a:r>
+              <a:rPr lang="en-US" dirty="0" smtClean="0">
+                <a:latin typeface="Times New Roman" panose="02020603050405020304" pitchFamily="18" charset="0"/>
+                <a:cs typeface="Times New Roman" panose="02020603050405020304" pitchFamily="18" charset="0"/>
+              </a:rPr>
+              <a:t> </a:t>
+            </a:r>
+            <a:r>
+              <a:rPr lang="en-US" dirty="0" err="1" smtClean="0">
+                <a:latin typeface="Times New Roman" panose="02020603050405020304" pitchFamily="18" charset="0"/>
+                <a:cs typeface="Times New Roman" panose="02020603050405020304" pitchFamily="18" charset="0"/>
+              </a:rPr>
+              <a:t>thể</a:t>
+            </a:r>
+            <a:r>
+              <a:rPr lang="en-US" dirty="0" smtClean="0">
+                <a:latin typeface="Times New Roman" panose="02020603050405020304" pitchFamily="18" charset="0"/>
+                <a:cs typeface="Times New Roman" panose="02020603050405020304" pitchFamily="18" charset="0"/>
+              </a:rPr>
+              <a:t> </a:t>
+            </a:r>
+            <a:r>
+              <a:rPr lang="en-US" dirty="0" err="1" smtClean="0">
+                <a:latin typeface="Times New Roman" panose="02020603050405020304" pitchFamily="18" charset="0"/>
+                <a:cs typeface="Times New Roman" panose="02020603050405020304" pitchFamily="18" charset="0"/>
+              </a:rPr>
+              <a:t>có</a:t>
+            </a:r>
+            <a:r>
+              <a:rPr lang="en-US" dirty="0" smtClean="0">
+                <a:latin typeface="Times New Roman" panose="02020603050405020304" pitchFamily="18" charset="0"/>
+                <a:cs typeface="Times New Roman" panose="02020603050405020304" pitchFamily="18" charset="0"/>
+              </a:rPr>
+              <a:t> </a:t>
+            </a:r>
+            <a:r>
+              <a:rPr lang="en-US" dirty="0" err="1" smtClean="0">
+                <a:latin typeface="Times New Roman" panose="02020603050405020304" pitchFamily="18" charset="0"/>
+                <a:cs typeface="Times New Roman" panose="02020603050405020304" pitchFamily="18" charset="0"/>
+              </a:rPr>
+              <a:t>nghĩa</a:t>
+            </a:r>
+            <a:r>
+              <a:rPr lang="en-US" dirty="0" smtClean="0">
+                <a:latin typeface="Times New Roman" panose="02020603050405020304" pitchFamily="18" charset="0"/>
+                <a:cs typeface="Times New Roman" panose="02020603050405020304" pitchFamily="18" charset="0"/>
+              </a:rPr>
+              <a:t> (NER)</a:t>
+            </a:r>
+          </a:p>
+          <a:p>
+            <a:r>
+              <a:rPr lang="en-US" dirty="0" err="1" smtClean="0">
+                <a:latin typeface="Times New Roman" panose="02020603050405020304" pitchFamily="18" charset="0"/>
+                <a:cs typeface="Times New Roman" panose="02020603050405020304" pitchFamily="18" charset="0"/>
+              </a:rPr>
+              <a:t>Cần</a:t>
+            </a:r>
+            <a:r>
+              <a:rPr lang="en-US" dirty="0" smtClean="0">
+                <a:latin typeface="Times New Roman" panose="02020603050405020304" pitchFamily="18" charset="0"/>
+                <a:cs typeface="Times New Roman" panose="02020603050405020304" pitchFamily="18" charset="0"/>
+              </a:rPr>
+              <a:t> </a:t>
+            </a:r>
+            <a:r>
+              <a:rPr lang="en-US" dirty="0" err="1" smtClean="0">
+                <a:latin typeface="Times New Roman" panose="02020603050405020304" pitchFamily="18" charset="0"/>
+                <a:cs typeface="Times New Roman" panose="02020603050405020304" pitchFamily="18" charset="0"/>
+              </a:rPr>
+              <a:t>chọn</a:t>
+            </a:r>
+            <a:r>
+              <a:rPr lang="en-US" dirty="0" smtClean="0">
+                <a:latin typeface="Times New Roman" panose="02020603050405020304" pitchFamily="18" charset="0"/>
+                <a:cs typeface="Times New Roman" panose="02020603050405020304" pitchFamily="18" charset="0"/>
+              </a:rPr>
+              <a:t> </a:t>
+            </a:r>
+            <a:r>
+              <a:rPr lang="en-US" dirty="0" err="1" smtClean="0">
+                <a:latin typeface="Times New Roman" panose="02020603050405020304" pitchFamily="18" charset="0"/>
+                <a:cs typeface="Times New Roman" panose="02020603050405020304" pitchFamily="18" charset="0"/>
+              </a:rPr>
+              <a:t>một</a:t>
+            </a:r>
+            <a:r>
+              <a:rPr lang="en-US" dirty="0" smtClean="0">
+                <a:latin typeface="Times New Roman" panose="02020603050405020304" pitchFamily="18" charset="0"/>
+                <a:cs typeface="Times New Roman" panose="02020603050405020304" pitchFamily="18" charset="0"/>
+              </a:rPr>
+              <a:t> </a:t>
+            </a:r>
+            <a:r>
+              <a:rPr lang="en-US" dirty="0" err="1" smtClean="0">
+                <a:latin typeface="Times New Roman" panose="02020603050405020304" pitchFamily="18" charset="0"/>
+                <a:cs typeface="Times New Roman" panose="02020603050405020304" pitchFamily="18" charset="0"/>
+              </a:rPr>
+              <a:t>bộ</a:t>
+            </a:r>
+            <a:r>
+              <a:rPr lang="en-US" dirty="0" smtClean="0">
+                <a:latin typeface="Times New Roman" panose="02020603050405020304" pitchFamily="18" charset="0"/>
+                <a:cs typeface="Times New Roman" panose="02020603050405020304" pitchFamily="18" charset="0"/>
+              </a:rPr>
+              <a:t> </a:t>
+            </a:r>
+            <a:r>
+              <a:rPr lang="en-US" dirty="0" err="1" smtClean="0">
+                <a:latin typeface="Times New Roman" panose="02020603050405020304" pitchFamily="18" charset="0"/>
+                <a:cs typeface="Times New Roman" panose="02020603050405020304" pitchFamily="18" charset="0"/>
+              </a:rPr>
+              <a:t>nhãn</a:t>
+            </a:r>
+            <a:r>
+              <a:rPr lang="en-US" dirty="0" smtClean="0">
+                <a:latin typeface="Times New Roman" panose="02020603050405020304" pitchFamily="18" charset="0"/>
+                <a:cs typeface="Times New Roman" panose="02020603050405020304" pitchFamily="18" charset="0"/>
+              </a:rPr>
+              <a:t> (</a:t>
+            </a:r>
+            <a:r>
+              <a:rPr lang="en-US" dirty="0" err="1" smtClean="0">
+                <a:latin typeface="Times New Roman" panose="02020603050405020304" pitchFamily="18" charset="0"/>
+                <a:cs typeface="Times New Roman" panose="02020603050405020304" pitchFamily="18" charset="0"/>
+              </a:rPr>
+              <a:t>tagset</a:t>
+            </a:r>
+            <a:r>
+              <a:rPr lang="en-US" dirty="0" smtClean="0">
+                <a:latin typeface="Times New Roman" panose="02020603050405020304" pitchFamily="18" charset="0"/>
+                <a:cs typeface="Times New Roman" panose="02020603050405020304" pitchFamily="18" charset="0"/>
+              </a:rPr>
+              <a:t>) </a:t>
+            </a:r>
+            <a:r>
+              <a:rPr lang="en-US" dirty="0" err="1" smtClean="0">
+                <a:latin typeface="Times New Roman" panose="02020603050405020304" pitchFamily="18" charset="0"/>
+                <a:cs typeface="Times New Roman" panose="02020603050405020304" pitchFamily="18" charset="0"/>
+              </a:rPr>
+              <a:t>chuẩn</a:t>
+            </a:r>
+            <a:r>
+              <a:rPr lang="en-US" dirty="0" smtClean="0">
+                <a:latin typeface="Times New Roman" panose="02020603050405020304" pitchFamily="18" charset="0"/>
+                <a:cs typeface="Times New Roman" panose="02020603050405020304" pitchFamily="18" charset="0"/>
+              </a:rPr>
+              <a:t> </a:t>
+            </a:r>
+            <a:r>
+              <a:rPr lang="en-US" dirty="0" err="1" smtClean="0">
+                <a:latin typeface="Times New Roman" panose="02020603050405020304" pitchFamily="18" charset="0"/>
+                <a:cs typeface="Times New Roman" panose="02020603050405020304" pitchFamily="18" charset="0"/>
+              </a:rPr>
+              <a:t>để</a:t>
+            </a:r>
+            <a:r>
+              <a:rPr lang="en-US" dirty="0" smtClean="0">
+                <a:latin typeface="Times New Roman" panose="02020603050405020304" pitchFamily="18" charset="0"/>
+                <a:cs typeface="Times New Roman" panose="02020603050405020304" pitchFamily="18" charset="0"/>
+              </a:rPr>
+              <a:t> </a:t>
+            </a:r>
+            <a:r>
+              <a:rPr lang="en-US" dirty="0" err="1" smtClean="0">
+                <a:latin typeface="Times New Roman" panose="02020603050405020304" pitchFamily="18" charset="0"/>
+                <a:cs typeface="Times New Roman" panose="02020603050405020304" pitchFamily="18" charset="0"/>
+              </a:rPr>
+              <a:t>gán</a:t>
+            </a:r>
+            <a:r>
+              <a:rPr lang="en-US" dirty="0" smtClean="0">
+                <a:latin typeface="Times New Roman" panose="02020603050405020304" pitchFamily="18" charset="0"/>
+                <a:cs typeface="Times New Roman" panose="02020603050405020304" pitchFamily="18" charset="0"/>
+              </a:rPr>
+              <a:t> </a:t>
+            </a:r>
+            <a:r>
+              <a:rPr lang="en-US" dirty="0" err="1" smtClean="0">
+                <a:latin typeface="Times New Roman" panose="02020603050405020304" pitchFamily="18" charset="0"/>
+                <a:cs typeface="Times New Roman" panose="02020603050405020304" pitchFamily="18" charset="0"/>
+              </a:rPr>
+              <a:t>nhãn</a:t>
+            </a:r>
+            <a:r>
+              <a:rPr lang="en-US" dirty="0" smtClean="0">
+                <a:latin typeface="Times New Roman" panose="02020603050405020304" pitchFamily="18" charset="0"/>
+                <a:cs typeface="Times New Roman" panose="02020603050405020304" pitchFamily="18" charset="0"/>
+              </a:rPr>
+              <a:t>, </a:t>
+            </a:r>
+            <a:r>
+              <a:rPr lang="en-US" dirty="0" err="1" smtClean="0">
+                <a:latin typeface="Times New Roman" panose="02020603050405020304" pitchFamily="18" charset="0"/>
+                <a:cs typeface="Times New Roman" panose="02020603050405020304" pitchFamily="18" charset="0"/>
+              </a:rPr>
+              <a:t>được</a:t>
+            </a:r>
+            <a:r>
+              <a:rPr lang="en-US" dirty="0" smtClean="0">
+                <a:latin typeface="Times New Roman" panose="02020603050405020304" pitchFamily="18" charset="0"/>
+                <a:cs typeface="Times New Roman" panose="02020603050405020304" pitchFamily="18" charset="0"/>
+              </a:rPr>
+              <a:t> </a:t>
+            </a:r>
+            <a:r>
+              <a:rPr lang="en-US" dirty="0" err="1" smtClean="0">
+                <a:latin typeface="Times New Roman" panose="02020603050405020304" pitchFamily="18" charset="0"/>
+                <a:cs typeface="Times New Roman" panose="02020603050405020304" pitchFamily="18" charset="0"/>
+              </a:rPr>
+              <a:t>sử</a:t>
+            </a:r>
+            <a:r>
+              <a:rPr lang="en-US" dirty="0" smtClean="0">
+                <a:latin typeface="Times New Roman" panose="02020603050405020304" pitchFamily="18" charset="0"/>
+                <a:cs typeface="Times New Roman" panose="02020603050405020304" pitchFamily="18" charset="0"/>
+              </a:rPr>
+              <a:t> </a:t>
+            </a:r>
+            <a:r>
+              <a:rPr lang="en-US" dirty="0" err="1" smtClean="0">
+                <a:latin typeface="Times New Roman" panose="02020603050405020304" pitchFamily="18" charset="0"/>
+                <a:cs typeface="Times New Roman" panose="02020603050405020304" pitchFamily="18" charset="0"/>
+              </a:rPr>
+              <a:t>dụng</a:t>
+            </a:r>
+            <a:r>
+              <a:rPr lang="en-US" dirty="0" smtClean="0">
+                <a:latin typeface="Times New Roman" panose="02020603050405020304" pitchFamily="18" charset="0"/>
+                <a:cs typeface="Times New Roman" panose="02020603050405020304" pitchFamily="18" charset="0"/>
+              </a:rPr>
+              <a:t> </a:t>
+            </a:r>
+            <a:r>
+              <a:rPr lang="en-US" dirty="0" err="1" smtClean="0">
+                <a:latin typeface="Times New Roman" panose="02020603050405020304" pitchFamily="18" charset="0"/>
+                <a:cs typeface="Times New Roman" panose="02020603050405020304" pitchFamily="18" charset="0"/>
+              </a:rPr>
+              <a:t>phổ</a:t>
+            </a:r>
+            <a:r>
+              <a:rPr lang="en-US" dirty="0" smtClean="0">
+                <a:latin typeface="Times New Roman" panose="02020603050405020304" pitchFamily="18" charset="0"/>
+                <a:cs typeface="Times New Roman" panose="02020603050405020304" pitchFamily="18" charset="0"/>
+              </a:rPr>
+              <a:t> </a:t>
+            </a:r>
+            <a:r>
+              <a:rPr lang="en-US" dirty="0" err="1" smtClean="0">
+                <a:latin typeface="Times New Roman" panose="02020603050405020304" pitchFamily="18" charset="0"/>
+                <a:cs typeface="Times New Roman" panose="02020603050405020304" pitchFamily="18" charset="0"/>
+              </a:rPr>
+              <a:t>biến</a:t>
+            </a:r>
+            <a:r>
+              <a:rPr lang="en-US" dirty="0" smtClean="0">
+                <a:latin typeface="Times New Roman" panose="02020603050405020304" pitchFamily="18" charset="0"/>
+                <a:cs typeface="Times New Roman" panose="02020603050405020304" pitchFamily="18" charset="0"/>
+              </a:rPr>
+              <a:t> </a:t>
+            </a:r>
+            <a:r>
+              <a:rPr lang="en-US" dirty="0" err="1" smtClean="0">
+                <a:latin typeface="Times New Roman" panose="02020603050405020304" pitchFamily="18" charset="0"/>
+                <a:cs typeface="Times New Roman" panose="02020603050405020304" pitchFamily="18" charset="0"/>
+              </a:rPr>
+              <a:t>là</a:t>
+            </a:r>
+            <a:r>
+              <a:rPr lang="en-US" dirty="0" smtClean="0">
+                <a:latin typeface="Times New Roman" panose="02020603050405020304" pitchFamily="18" charset="0"/>
+                <a:cs typeface="Times New Roman" panose="02020603050405020304" pitchFamily="18" charset="0"/>
+              </a:rPr>
+              <a:t> </a:t>
+            </a:r>
+            <a:r>
+              <a:rPr lang="en-US" dirty="0" err="1" smtClean="0">
+                <a:latin typeface="Times New Roman" panose="02020603050405020304" pitchFamily="18" charset="0"/>
+                <a:cs typeface="Times New Roman" panose="02020603050405020304" pitchFamily="18" charset="0"/>
+              </a:rPr>
+              <a:t>bộ</a:t>
+            </a:r>
+            <a:r>
+              <a:rPr lang="en-US" dirty="0" smtClean="0">
+                <a:latin typeface="Times New Roman" panose="02020603050405020304" pitchFamily="18" charset="0"/>
+                <a:cs typeface="Times New Roman" panose="02020603050405020304" pitchFamily="18" charset="0"/>
+              </a:rPr>
+              <a:t> </a:t>
+            </a:r>
+            <a:r>
+              <a:rPr lang="en-US" dirty="0" err="1" smtClean="0">
+                <a:latin typeface="Times New Roman" panose="02020603050405020304" pitchFamily="18" charset="0"/>
+                <a:cs typeface="Times New Roman" panose="02020603050405020304" pitchFamily="18" charset="0"/>
+              </a:rPr>
+              <a:t>nhãn</a:t>
+            </a:r>
+            <a:r>
+              <a:rPr lang="en-US" dirty="0" smtClean="0">
+                <a:latin typeface="Times New Roman" panose="02020603050405020304" pitchFamily="18" charset="0"/>
+                <a:cs typeface="Times New Roman" panose="02020603050405020304" pitchFamily="18" charset="0"/>
+              </a:rPr>
+              <a:t> </a:t>
+            </a:r>
+            <a:r>
+              <a:rPr lang="en-US" dirty="0" err="1" smtClean="0">
+                <a:latin typeface="Times New Roman" panose="02020603050405020304" pitchFamily="18" charset="0"/>
+                <a:cs typeface="Times New Roman" panose="02020603050405020304" pitchFamily="18" charset="0"/>
+              </a:rPr>
+              <a:t>từ</a:t>
+            </a:r>
+            <a:r>
+              <a:rPr lang="en-US" dirty="0" smtClean="0">
+                <a:latin typeface="Times New Roman" panose="02020603050405020304" pitchFamily="18" charset="0"/>
+                <a:cs typeface="Times New Roman" panose="02020603050405020304" pitchFamily="18" charset="0"/>
+              </a:rPr>
+              <a:t> </a:t>
+            </a:r>
+            <a:r>
+              <a:rPr lang="en-US" dirty="0" err="1" smtClean="0">
+                <a:latin typeface="Times New Roman" panose="02020603050405020304" pitchFamily="18" charset="0"/>
+                <a:cs typeface="Times New Roman" panose="02020603050405020304" pitchFamily="18" charset="0"/>
+              </a:rPr>
+              <a:t>vựng</a:t>
+            </a:r>
+            <a:r>
+              <a:rPr lang="en-US" dirty="0" smtClean="0">
+                <a:latin typeface="Times New Roman" panose="02020603050405020304" pitchFamily="18" charset="0"/>
+                <a:cs typeface="Times New Roman" panose="02020603050405020304" pitchFamily="18" charset="0"/>
+              </a:rPr>
+              <a:t> </a:t>
+            </a:r>
+            <a:r>
+              <a:rPr lang="en-US" dirty="0" err="1" smtClean="0">
+                <a:latin typeface="Times New Roman" panose="02020603050405020304" pitchFamily="18" charset="0"/>
+                <a:cs typeface="Times New Roman" panose="02020603050405020304" pitchFamily="18" charset="0"/>
+              </a:rPr>
+              <a:t>của</a:t>
+            </a:r>
+            <a:r>
+              <a:rPr lang="en-US" dirty="0" smtClean="0">
+                <a:latin typeface="Times New Roman" panose="02020603050405020304" pitchFamily="18" charset="0"/>
+                <a:cs typeface="Times New Roman" panose="02020603050405020304" pitchFamily="18" charset="0"/>
+              </a:rPr>
+              <a:t> Penn </a:t>
+            </a:r>
+            <a:r>
+              <a:rPr lang="en-US" dirty="0" err="1" smtClean="0">
+                <a:latin typeface="Times New Roman" panose="02020603050405020304" pitchFamily="18" charset="0"/>
+                <a:cs typeface="Times New Roman" panose="02020603050405020304" pitchFamily="18" charset="0"/>
+              </a:rPr>
+              <a:t>TreeBank</a:t>
+            </a:r>
+            <a:r>
+              <a:rPr lang="en-US" dirty="0" smtClean="0">
+                <a:latin typeface="Times New Roman" panose="02020603050405020304" pitchFamily="18" charset="0"/>
+                <a:cs typeface="Times New Roman" panose="02020603050405020304" pitchFamily="18" charset="0"/>
+              </a:rPr>
+              <a:t> (48 </a:t>
+            </a:r>
+            <a:r>
+              <a:rPr lang="en-US" dirty="0" err="1" smtClean="0">
+                <a:latin typeface="Times New Roman" panose="02020603050405020304" pitchFamily="18" charset="0"/>
+                <a:cs typeface="Times New Roman" panose="02020603050405020304" pitchFamily="18" charset="0"/>
+              </a:rPr>
+              <a:t>nhãn</a:t>
+            </a:r>
+            <a:r>
+              <a:rPr lang="en-US" dirty="0" smtClean="0">
+                <a:latin typeface="Times New Roman" panose="02020603050405020304" pitchFamily="18" charset="0"/>
+                <a:cs typeface="Times New Roman" panose="02020603050405020304" pitchFamily="18" charset="0"/>
+              </a:rPr>
+              <a:t>)</a:t>
+            </a:r>
+          </a:p>
+          <a:p>
+            <a:pPr marL="0" indent="0">
+              <a:buNone/>
+            </a:pPr>
+            <a:r>
+              <a:rPr lang="en-US" dirty="0">
+                <a:latin typeface="Times New Roman" panose="02020603050405020304" pitchFamily="18" charset="0"/>
+                <a:cs typeface="Times New Roman" panose="02020603050405020304" pitchFamily="18" charset="0"/>
+              </a:rPr>
+              <a:t>	</a:t>
+            </a:r>
+            <a:r>
+              <a:rPr lang="en-US" dirty="0">
+                <a:latin typeface="Times New Roman" panose="02020603050405020304" pitchFamily="18" charset="0"/>
+                <a:cs typeface="Times New Roman" panose="02020603050405020304" pitchFamily="18" charset="0"/>
+                <a:hlinkClick r:id="rId2"/>
+              </a:rPr>
+              <a:t>https://</a:t>
+            </a:r>
+            <a:r>
+              <a:rPr lang="en-US" dirty="0" smtClean="0">
+                <a:latin typeface="Times New Roman" panose="02020603050405020304" pitchFamily="18" charset="0"/>
+                <a:cs typeface="Times New Roman" panose="02020603050405020304" pitchFamily="18" charset="0"/>
+                <a:hlinkClick r:id="rId2"/>
+              </a:rPr>
+              <a:t>www.ling.upenn.edu/courses/Fall_2003/ling001/penn_treebank_pos.html</a:t>
+            </a:r>
+            <a:r>
+              <a:rPr lang="en-US" dirty="0" smtClean="0">
+                <a:latin typeface="Times New Roman" panose="02020603050405020304" pitchFamily="18" charset="0"/>
+                <a:cs typeface="Times New Roman" panose="02020603050405020304" pitchFamily="18" charset="0"/>
+              </a:rPr>
+              <a:t> </a:t>
+            </a:r>
+          </a:p>
+          <a:p>
+            <a:pPr marL="0" indent="0">
+              <a:buNone/>
+            </a:pPr>
+            <a:endParaRPr lang="en-US" dirty="0">
+              <a:latin typeface="Times New Roman" panose="02020603050405020304" pitchFamily="18" charset="0"/>
+              <a:cs typeface="Times New Roman" panose="02020603050405020304" pitchFamily="18" charset="0"/>
+            </a:endParaRPr>
+          </a:p>
+        </p:txBody>
+      </p:sp>
+    </p:spTree>
+    <p:extLst>
+      <p:ext uri="{BB962C8B-B14F-4D97-AF65-F5344CB8AC3E}">
+        <p14:creationId xmlns:p14="http://schemas.microsoft.com/office/powerpoint/2010/main" val="550875161"/>
+      </p:ext>
+    </p:extLst>
+  </p:cSld>
+  <p:clrMapOvr>
+    <a:masterClrMapping/>
+  </p:clrMapOvr>
+</p:sld>
+</file>
+
+<file path=ppt/slides/slide14.xml><?xml version="1.0" encoding="utf-8"?>
+<p:sld xmlns:a="http://schemas.openxmlformats.org/drawingml/2006/main" xmlns:r="http://schemas.openxmlformats.org/officeDocument/2006/relationships" xmlns:p="http://schemas.openxmlformats.org/presentationml/2006/main">
+  <p:cSld>
+    <p:spTree>
+      <p:nvGrpSpPr>
+        <p:cNvPr id="1" name=""/>
+        <p:cNvGrpSpPr/>
+        <p:nvPr/>
+      </p:nvGrpSpPr>
+      <p:grpSpPr>
+        <a:xfrm>
+          <a:off x="0" y="0"/>
+          <a:ext cx="0" cy="0"/>
+          <a:chOff x="0" y="0"/>
+          <a:chExt cx="0" cy="0"/>
+        </a:xfrm>
+      </p:grpSpPr>
+      <p:sp>
+        <p:nvSpPr>
+          <p:cNvPr id="2" name="Title 1"/>
+          <p:cNvSpPr>
+            <a:spLocks noGrp="1"/>
+          </p:cNvSpPr>
+          <p:nvPr>
+            <p:ph type="title"/>
+          </p:nvPr>
+        </p:nvSpPr>
+        <p:spPr>
+          <a:xfrm>
+            <a:off x="1484311" y="685801"/>
+            <a:ext cx="10018713" cy="849086"/>
+          </a:xfrm>
+        </p:spPr>
+        <p:txBody>
+          <a:bodyPr/>
+          <a:lstStyle/>
+          <a:p>
+            <a:pPr algn="l"/>
+            <a:r>
+              <a:rPr lang="en-US" b="1" dirty="0" err="1">
+                <a:solidFill>
+                  <a:srgbClr val="0000FF"/>
+                </a:solidFill>
+              </a:rPr>
+              <a:t>Gán</a:t>
+            </a:r>
+            <a:r>
+              <a:rPr lang="en-US" b="1" dirty="0">
+                <a:solidFill>
+                  <a:srgbClr val="0000FF"/>
+                </a:solidFill>
+              </a:rPr>
+              <a:t> </a:t>
+            </a:r>
+            <a:r>
+              <a:rPr lang="en-US" b="1" dirty="0" err="1">
+                <a:solidFill>
+                  <a:srgbClr val="0000FF"/>
+                </a:solidFill>
+              </a:rPr>
+              <a:t>nhãn</a:t>
+            </a:r>
+            <a:r>
+              <a:rPr lang="en-US" b="1" dirty="0">
+                <a:solidFill>
+                  <a:srgbClr val="0000FF"/>
+                </a:solidFill>
+              </a:rPr>
+              <a:t> </a:t>
+            </a:r>
+            <a:r>
+              <a:rPr lang="en-US" b="1" dirty="0" err="1">
+                <a:solidFill>
+                  <a:srgbClr val="0000FF"/>
+                </a:solidFill>
+              </a:rPr>
+              <a:t>từ</a:t>
+            </a:r>
+            <a:r>
+              <a:rPr lang="en-US" b="1" dirty="0">
+                <a:solidFill>
+                  <a:srgbClr val="0000FF"/>
+                </a:solidFill>
+              </a:rPr>
+              <a:t> </a:t>
+            </a:r>
+            <a:r>
+              <a:rPr lang="en-US" b="1" dirty="0" err="1">
+                <a:solidFill>
+                  <a:srgbClr val="0000FF"/>
+                </a:solidFill>
+              </a:rPr>
+              <a:t>loại</a:t>
+            </a:r>
+            <a:r>
+              <a:rPr lang="en-US" b="1" dirty="0">
+                <a:solidFill>
+                  <a:srgbClr val="0000FF"/>
+                </a:solidFill>
+              </a:rPr>
+              <a:t> (Part of speech Tagging)</a:t>
+            </a:r>
+            <a:endParaRPr lang="en-US" dirty="0"/>
+          </a:p>
+        </p:txBody>
+      </p:sp>
+      <p:pic>
+        <p:nvPicPr>
+          <p:cNvPr id="4" name="Content Placeholder 3"/>
+          <p:cNvPicPr>
+            <a:picLocks noGrp="1" noChangeAspect="1"/>
+          </p:cNvPicPr>
+          <p:nvPr>
+            <p:ph idx="1"/>
+          </p:nvPr>
+        </p:nvPicPr>
+        <p:blipFill rotWithShape="1">
+          <a:blip r:embed="rId2">
+            <a:extLst>
+              <a:ext uri="{28A0092B-C50C-407E-A947-70E740481C1C}">
+                <a14:useLocalDpi xmlns:a14="http://schemas.microsoft.com/office/drawing/2010/main" val="0"/>
+              </a:ext>
+            </a:extLst>
+          </a:blip>
+          <a:srcRect b="16617"/>
+          <a:stretch/>
+        </p:blipFill>
+        <p:spPr>
+          <a:xfrm>
+            <a:off x="2430286" y="1635589"/>
+            <a:ext cx="7399513" cy="4899662"/>
+          </a:xfrm>
+        </p:spPr>
+      </p:pic>
+    </p:spTree>
+    <p:extLst>
+      <p:ext uri="{BB962C8B-B14F-4D97-AF65-F5344CB8AC3E}">
+        <p14:creationId xmlns:p14="http://schemas.microsoft.com/office/powerpoint/2010/main" val="3697096635"/>
+      </p:ext>
+    </p:extLst>
+  </p:cSld>
+  <p:clrMapOvr>
+    <a:masterClrMapping/>
+  </p:clrMapOvr>
+</p:sld>
+</file>
+
+<file path=ppt/slides/slide15.xml><?xml version="1.0" encoding="utf-8"?>
+<p:sld xmlns:a="http://schemas.openxmlformats.org/drawingml/2006/main" xmlns:r="http://schemas.openxmlformats.org/officeDocument/2006/relationships" xmlns:p="http://schemas.openxmlformats.org/presentationml/2006/main">
+  <p:cSld>
+    <p:spTree>
+      <p:nvGrpSpPr>
+        <p:cNvPr id="1" name=""/>
+        <p:cNvGrpSpPr/>
+        <p:nvPr/>
+      </p:nvGrpSpPr>
+      <p:grpSpPr>
+        <a:xfrm>
+          <a:off x="0" y="0"/>
+          <a:ext cx="0" cy="0"/>
+          <a:chOff x="0" y="0"/>
+          <a:chExt cx="0" cy="0"/>
+        </a:xfrm>
+      </p:grpSpPr>
+      <p:sp>
+        <p:nvSpPr>
+          <p:cNvPr id="2" name="Title 1"/>
+          <p:cNvSpPr>
+            <a:spLocks noGrp="1"/>
+          </p:cNvSpPr>
+          <p:nvPr>
+            <p:ph type="title"/>
+          </p:nvPr>
+        </p:nvSpPr>
+        <p:spPr>
+          <a:xfrm>
+            <a:off x="1484311" y="685800"/>
+            <a:ext cx="10018713" cy="794657"/>
+          </a:xfrm>
+        </p:spPr>
+        <p:txBody>
+          <a:bodyPr/>
+          <a:lstStyle/>
+          <a:p>
+            <a:pPr algn="l"/>
+            <a:r>
+              <a:rPr lang="en-US" b="1" dirty="0" err="1">
+                <a:solidFill>
+                  <a:srgbClr val="0000FF"/>
+                </a:solidFill>
+              </a:rPr>
+              <a:t>Gán</a:t>
+            </a:r>
+            <a:r>
+              <a:rPr lang="en-US" b="1" dirty="0">
+                <a:solidFill>
+                  <a:srgbClr val="0000FF"/>
+                </a:solidFill>
+              </a:rPr>
+              <a:t> </a:t>
+            </a:r>
+            <a:r>
+              <a:rPr lang="en-US" b="1" dirty="0" err="1">
+                <a:solidFill>
+                  <a:srgbClr val="0000FF"/>
+                </a:solidFill>
+              </a:rPr>
+              <a:t>nhãn</a:t>
+            </a:r>
+            <a:r>
+              <a:rPr lang="en-US" b="1" dirty="0">
+                <a:solidFill>
+                  <a:srgbClr val="0000FF"/>
+                </a:solidFill>
+              </a:rPr>
+              <a:t> </a:t>
+            </a:r>
+            <a:r>
+              <a:rPr lang="en-US" b="1" dirty="0" err="1">
+                <a:solidFill>
+                  <a:srgbClr val="0000FF"/>
+                </a:solidFill>
+              </a:rPr>
+              <a:t>từ</a:t>
+            </a:r>
+            <a:r>
+              <a:rPr lang="en-US" b="1" dirty="0">
+                <a:solidFill>
+                  <a:srgbClr val="0000FF"/>
+                </a:solidFill>
+              </a:rPr>
+              <a:t> </a:t>
+            </a:r>
+            <a:r>
+              <a:rPr lang="en-US" b="1" dirty="0" err="1">
+                <a:solidFill>
+                  <a:srgbClr val="0000FF"/>
+                </a:solidFill>
+              </a:rPr>
+              <a:t>loại</a:t>
+            </a:r>
+            <a:r>
+              <a:rPr lang="en-US" b="1" dirty="0">
+                <a:solidFill>
+                  <a:srgbClr val="0000FF"/>
+                </a:solidFill>
+              </a:rPr>
+              <a:t> (Part of speech Tagging)</a:t>
+            </a:r>
+            <a:endParaRPr lang="en-US" dirty="0"/>
+          </a:p>
+        </p:txBody>
+      </p:sp>
+      <p:sp>
+        <p:nvSpPr>
+          <p:cNvPr id="3" name="Content Placeholder 2"/>
+          <p:cNvSpPr>
+            <a:spLocks noGrp="1"/>
+          </p:cNvSpPr>
+          <p:nvPr>
+            <p:ph idx="1"/>
+          </p:nvPr>
+        </p:nvSpPr>
+        <p:spPr>
+          <a:xfrm>
+            <a:off x="1484310" y="1643743"/>
+            <a:ext cx="10018713" cy="4147457"/>
+          </a:xfrm>
+        </p:spPr>
+        <p:txBody>
+          <a:bodyPr>
+            <a:normAutofit lnSpcReduction="10000"/>
+          </a:bodyPr>
+          <a:lstStyle/>
+          <a:p>
+            <a:r>
+              <a:rPr lang="en-US" dirty="0" err="1" smtClean="0">
+                <a:latin typeface="Times New Roman" panose="02020603050405020304" pitchFamily="18" charset="0"/>
+                <a:cs typeface="Times New Roman" panose="02020603050405020304" pitchFamily="18" charset="0"/>
+              </a:rPr>
+              <a:t>Phục</a:t>
+            </a:r>
+            <a:r>
+              <a:rPr lang="en-US" dirty="0" smtClean="0">
+                <a:latin typeface="Times New Roman" panose="02020603050405020304" pitchFamily="18" charset="0"/>
+                <a:cs typeface="Times New Roman" panose="02020603050405020304" pitchFamily="18" charset="0"/>
+              </a:rPr>
+              <a:t> </a:t>
+            </a:r>
+            <a:r>
+              <a:rPr lang="en-US" dirty="0" err="1" smtClean="0">
+                <a:latin typeface="Times New Roman" panose="02020603050405020304" pitchFamily="18" charset="0"/>
+                <a:cs typeface="Times New Roman" panose="02020603050405020304" pitchFamily="18" charset="0"/>
+              </a:rPr>
+              <a:t>vụ</a:t>
+            </a:r>
+            <a:r>
+              <a:rPr lang="en-US" dirty="0" smtClean="0">
+                <a:latin typeface="Times New Roman" panose="02020603050405020304" pitchFamily="18" charset="0"/>
+                <a:cs typeface="Times New Roman" panose="02020603050405020304" pitchFamily="18" charset="0"/>
+              </a:rPr>
+              <a:t> </a:t>
+            </a:r>
+            <a:r>
+              <a:rPr lang="en-US" dirty="0" err="1" smtClean="0">
+                <a:latin typeface="Times New Roman" panose="02020603050405020304" pitchFamily="18" charset="0"/>
+                <a:cs typeface="Times New Roman" panose="02020603050405020304" pitchFamily="18" charset="0"/>
+              </a:rPr>
+              <a:t>cho</a:t>
+            </a:r>
+            <a:r>
+              <a:rPr lang="en-US" dirty="0" smtClean="0">
+                <a:latin typeface="Times New Roman" panose="02020603050405020304" pitchFamily="18" charset="0"/>
+                <a:cs typeface="Times New Roman" panose="02020603050405020304" pitchFamily="18" charset="0"/>
+              </a:rPr>
+              <a:t> </a:t>
+            </a:r>
+            <a:r>
+              <a:rPr lang="en-US" dirty="0" err="1" smtClean="0">
+                <a:latin typeface="Times New Roman" panose="02020603050405020304" pitchFamily="18" charset="0"/>
+                <a:cs typeface="Times New Roman" panose="02020603050405020304" pitchFamily="18" charset="0"/>
+              </a:rPr>
+              <a:t>các</a:t>
+            </a:r>
+            <a:r>
+              <a:rPr lang="en-US" dirty="0" smtClean="0">
+                <a:latin typeface="Times New Roman" panose="02020603050405020304" pitchFamily="18" charset="0"/>
+                <a:cs typeface="Times New Roman" panose="02020603050405020304" pitchFamily="18" charset="0"/>
+              </a:rPr>
+              <a:t> </a:t>
+            </a:r>
+            <a:r>
+              <a:rPr lang="en-US" dirty="0" err="1" smtClean="0">
+                <a:latin typeface="Times New Roman" panose="02020603050405020304" pitchFamily="18" charset="0"/>
+                <a:cs typeface="Times New Roman" panose="02020603050405020304" pitchFamily="18" charset="0"/>
+              </a:rPr>
+              <a:t>bài</a:t>
+            </a:r>
+            <a:r>
+              <a:rPr lang="en-US" dirty="0" smtClean="0">
+                <a:latin typeface="Times New Roman" panose="02020603050405020304" pitchFamily="18" charset="0"/>
+                <a:cs typeface="Times New Roman" panose="02020603050405020304" pitchFamily="18" charset="0"/>
+              </a:rPr>
+              <a:t> </a:t>
+            </a:r>
+            <a:r>
+              <a:rPr lang="en-US" dirty="0" err="1" smtClean="0">
+                <a:latin typeface="Times New Roman" panose="02020603050405020304" pitchFamily="18" charset="0"/>
+                <a:cs typeface="Times New Roman" panose="02020603050405020304" pitchFamily="18" charset="0"/>
+              </a:rPr>
+              <a:t>toán</a:t>
+            </a:r>
+            <a:r>
+              <a:rPr lang="en-US" dirty="0" smtClean="0">
+                <a:latin typeface="Times New Roman" panose="02020603050405020304" pitchFamily="18" charset="0"/>
+                <a:cs typeface="Times New Roman" panose="02020603050405020304" pitchFamily="18" charset="0"/>
+              </a:rPr>
+              <a:t> </a:t>
+            </a:r>
+            <a:r>
+              <a:rPr lang="en-US" dirty="0" err="1" smtClean="0">
+                <a:latin typeface="Times New Roman" panose="02020603050405020304" pitchFamily="18" charset="0"/>
+                <a:cs typeface="Times New Roman" panose="02020603050405020304" pitchFamily="18" charset="0"/>
+              </a:rPr>
+              <a:t>xử</a:t>
+            </a:r>
+            <a:r>
+              <a:rPr lang="en-US" dirty="0" smtClean="0">
+                <a:latin typeface="Times New Roman" panose="02020603050405020304" pitchFamily="18" charset="0"/>
+                <a:cs typeface="Times New Roman" panose="02020603050405020304" pitchFamily="18" charset="0"/>
+              </a:rPr>
+              <a:t> </a:t>
+            </a:r>
+            <a:r>
+              <a:rPr lang="en-US" dirty="0" err="1" smtClean="0">
+                <a:latin typeface="Times New Roman" panose="02020603050405020304" pitchFamily="18" charset="0"/>
+                <a:cs typeface="Times New Roman" panose="02020603050405020304" pitchFamily="18" charset="0"/>
+              </a:rPr>
+              <a:t>lý</a:t>
+            </a:r>
+            <a:r>
+              <a:rPr lang="en-US" dirty="0" smtClean="0">
+                <a:latin typeface="Times New Roman" panose="02020603050405020304" pitchFamily="18" charset="0"/>
+                <a:cs typeface="Times New Roman" panose="02020603050405020304" pitchFamily="18" charset="0"/>
+              </a:rPr>
+              <a:t> </a:t>
+            </a:r>
+            <a:r>
+              <a:rPr lang="en-US" dirty="0" err="1" smtClean="0">
+                <a:latin typeface="Times New Roman" panose="02020603050405020304" pitchFamily="18" charset="0"/>
+                <a:cs typeface="Times New Roman" panose="02020603050405020304" pitchFamily="18" charset="0"/>
+              </a:rPr>
+              <a:t>văn</a:t>
+            </a:r>
+            <a:r>
+              <a:rPr lang="en-US" dirty="0" smtClean="0">
+                <a:latin typeface="Times New Roman" panose="02020603050405020304" pitchFamily="18" charset="0"/>
+                <a:cs typeface="Times New Roman" panose="02020603050405020304" pitchFamily="18" charset="0"/>
+              </a:rPr>
+              <a:t> </a:t>
+            </a:r>
+            <a:r>
+              <a:rPr lang="en-US" dirty="0" err="1" smtClean="0">
+                <a:latin typeface="Times New Roman" panose="02020603050405020304" pitchFamily="18" charset="0"/>
+                <a:cs typeface="Times New Roman" panose="02020603050405020304" pitchFamily="18" charset="0"/>
+              </a:rPr>
+              <a:t>bản</a:t>
+            </a:r>
+            <a:r>
+              <a:rPr lang="en-US" dirty="0" smtClean="0">
+                <a:latin typeface="Times New Roman" panose="02020603050405020304" pitchFamily="18" charset="0"/>
+                <a:cs typeface="Times New Roman" panose="02020603050405020304" pitchFamily="18" charset="0"/>
+              </a:rPr>
+              <a:t>: </a:t>
+            </a:r>
+            <a:r>
+              <a:rPr lang="en-US" dirty="0" err="1" smtClean="0">
+                <a:latin typeface="Times New Roman" panose="02020603050405020304" pitchFamily="18" charset="0"/>
+                <a:cs typeface="Times New Roman" panose="02020603050405020304" pitchFamily="18" charset="0"/>
+              </a:rPr>
+              <a:t>tạo</a:t>
+            </a:r>
+            <a:r>
+              <a:rPr lang="en-US" dirty="0" smtClean="0">
+                <a:latin typeface="Times New Roman" panose="02020603050405020304" pitchFamily="18" charset="0"/>
+                <a:cs typeface="Times New Roman" panose="02020603050405020304" pitchFamily="18" charset="0"/>
+              </a:rPr>
+              <a:t> </a:t>
+            </a:r>
+            <a:r>
+              <a:rPr lang="en-US" dirty="0" err="1" smtClean="0">
+                <a:latin typeface="Times New Roman" panose="02020603050405020304" pitchFamily="18" charset="0"/>
+                <a:cs typeface="Times New Roman" panose="02020603050405020304" pitchFamily="18" charset="0"/>
+              </a:rPr>
+              <a:t>ra</a:t>
+            </a:r>
+            <a:r>
+              <a:rPr lang="en-US" dirty="0" smtClean="0">
+                <a:latin typeface="Times New Roman" panose="02020603050405020304" pitchFamily="18" charset="0"/>
+                <a:cs typeface="Times New Roman" panose="02020603050405020304" pitchFamily="18" charset="0"/>
+              </a:rPr>
+              <a:t> </a:t>
+            </a:r>
+            <a:r>
+              <a:rPr lang="en-US" dirty="0" err="1" smtClean="0">
+                <a:latin typeface="Times New Roman" panose="02020603050405020304" pitchFamily="18" charset="0"/>
+                <a:cs typeface="Times New Roman" panose="02020603050405020304" pitchFamily="18" charset="0"/>
+              </a:rPr>
+              <a:t>các</a:t>
+            </a:r>
+            <a:r>
+              <a:rPr lang="en-US" dirty="0" smtClean="0">
+                <a:latin typeface="Times New Roman" panose="02020603050405020304" pitchFamily="18" charset="0"/>
+                <a:cs typeface="Times New Roman" panose="02020603050405020304" pitchFamily="18" charset="0"/>
+              </a:rPr>
+              <a:t> </a:t>
+            </a:r>
+            <a:r>
+              <a:rPr lang="en-US" dirty="0" err="1" smtClean="0">
+                <a:latin typeface="Times New Roman" panose="02020603050405020304" pitchFamily="18" charset="0"/>
+                <a:cs typeface="Times New Roman" panose="02020603050405020304" pitchFamily="18" charset="0"/>
+              </a:rPr>
+              <a:t>đặc</a:t>
+            </a:r>
+            <a:r>
+              <a:rPr lang="en-US" dirty="0" smtClean="0">
+                <a:latin typeface="Times New Roman" panose="02020603050405020304" pitchFamily="18" charset="0"/>
+                <a:cs typeface="Times New Roman" panose="02020603050405020304" pitchFamily="18" charset="0"/>
+              </a:rPr>
+              <a:t> </a:t>
+            </a:r>
+            <a:r>
+              <a:rPr lang="en-US" dirty="0" err="1" smtClean="0">
+                <a:latin typeface="Times New Roman" panose="02020603050405020304" pitchFamily="18" charset="0"/>
+                <a:cs typeface="Times New Roman" panose="02020603050405020304" pitchFamily="18" charset="0"/>
+              </a:rPr>
+              <a:t>trưng</a:t>
+            </a:r>
+            <a:r>
+              <a:rPr lang="en-US" dirty="0" smtClean="0">
+                <a:latin typeface="Times New Roman" panose="02020603050405020304" pitchFamily="18" charset="0"/>
+                <a:cs typeface="Times New Roman" panose="02020603050405020304" pitchFamily="18" charset="0"/>
+              </a:rPr>
+              <a:t> </a:t>
+            </a:r>
+            <a:r>
+              <a:rPr lang="en-US" dirty="0" err="1" smtClean="0">
+                <a:latin typeface="Times New Roman" panose="02020603050405020304" pitchFamily="18" charset="0"/>
+                <a:cs typeface="Times New Roman" panose="02020603050405020304" pitchFamily="18" charset="0"/>
+              </a:rPr>
+              <a:t>mang</a:t>
+            </a:r>
+            <a:r>
+              <a:rPr lang="en-US" dirty="0" smtClean="0">
+                <a:latin typeface="Times New Roman" panose="02020603050405020304" pitchFamily="18" charset="0"/>
+                <a:cs typeface="Times New Roman" panose="02020603050405020304" pitchFamily="18" charset="0"/>
+              </a:rPr>
+              <a:t> </a:t>
+            </a:r>
+            <a:r>
+              <a:rPr lang="en-US" dirty="0" err="1" smtClean="0">
+                <a:latin typeface="Times New Roman" panose="02020603050405020304" pitchFamily="18" charset="0"/>
+                <a:cs typeface="Times New Roman" panose="02020603050405020304" pitchFamily="18" charset="0"/>
+              </a:rPr>
+              <a:t>ngữ</a:t>
+            </a:r>
+            <a:r>
+              <a:rPr lang="en-US" dirty="0" smtClean="0">
+                <a:latin typeface="Times New Roman" panose="02020603050405020304" pitchFamily="18" charset="0"/>
+                <a:cs typeface="Times New Roman" panose="02020603050405020304" pitchFamily="18" charset="0"/>
+              </a:rPr>
+              <a:t> </a:t>
+            </a:r>
+            <a:r>
+              <a:rPr lang="en-US" dirty="0" err="1" smtClean="0">
+                <a:latin typeface="Times New Roman" panose="02020603050405020304" pitchFamily="18" charset="0"/>
+                <a:cs typeface="Times New Roman" panose="02020603050405020304" pitchFamily="18" charset="0"/>
+              </a:rPr>
+              <a:t>nghĩa</a:t>
+            </a:r>
+            <a:r>
+              <a:rPr lang="en-US" dirty="0" smtClean="0">
+                <a:latin typeface="Times New Roman" panose="02020603050405020304" pitchFamily="18" charset="0"/>
+                <a:cs typeface="Times New Roman" panose="02020603050405020304" pitchFamily="18" charset="0"/>
+              </a:rPr>
+              <a:t> </a:t>
+            </a:r>
+            <a:r>
+              <a:rPr lang="en-US" dirty="0" err="1" smtClean="0">
+                <a:latin typeface="Times New Roman" panose="02020603050405020304" pitchFamily="18" charset="0"/>
+                <a:cs typeface="Times New Roman" panose="02020603050405020304" pitchFamily="18" charset="0"/>
+              </a:rPr>
+              <a:t>cao</a:t>
+            </a:r>
+            <a:r>
+              <a:rPr lang="en-US" dirty="0" smtClean="0">
+                <a:latin typeface="Times New Roman" panose="02020603050405020304" pitchFamily="18" charset="0"/>
+                <a:cs typeface="Times New Roman" panose="02020603050405020304" pitchFamily="18" charset="0"/>
+              </a:rPr>
+              <a:t> </a:t>
+            </a:r>
+            <a:r>
+              <a:rPr lang="en-US" dirty="0" err="1" smtClean="0">
+                <a:latin typeface="Times New Roman" panose="02020603050405020304" pitchFamily="18" charset="0"/>
+                <a:cs typeface="Times New Roman" panose="02020603050405020304" pitchFamily="18" charset="0"/>
+              </a:rPr>
+              <a:t>hơn</a:t>
+            </a:r>
+            <a:endParaRPr lang="en-US" dirty="0" smtClean="0">
+              <a:latin typeface="Times New Roman" panose="02020603050405020304" pitchFamily="18" charset="0"/>
+              <a:cs typeface="Times New Roman" panose="02020603050405020304" pitchFamily="18" charset="0"/>
+            </a:endParaRPr>
+          </a:p>
+          <a:p>
+            <a:pPr marL="0" indent="0">
+              <a:buNone/>
+            </a:pPr>
+            <a:r>
+              <a:rPr lang="en-US" dirty="0" smtClean="0">
+                <a:latin typeface="Times New Roman" panose="02020603050405020304" pitchFamily="18" charset="0"/>
+                <a:cs typeface="Times New Roman" panose="02020603050405020304" pitchFamily="18" charset="0"/>
+              </a:rPr>
+              <a:t>	</a:t>
+            </a:r>
+            <a:r>
+              <a:rPr lang="en-US" dirty="0" err="1" smtClean="0">
+                <a:latin typeface="Times New Roman" panose="02020603050405020304" pitchFamily="18" charset="0"/>
+                <a:cs typeface="Times New Roman" panose="02020603050405020304" pitchFamily="18" charset="0"/>
+              </a:rPr>
+              <a:t>Ví</a:t>
+            </a:r>
+            <a:r>
+              <a:rPr lang="en-US" dirty="0" smtClean="0">
+                <a:latin typeface="Times New Roman" panose="02020603050405020304" pitchFamily="18" charset="0"/>
+                <a:cs typeface="Times New Roman" panose="02020603050405020304" pitchFamily="18" charset="0"/>
+              </a:rPr>
+              <a:t> </a:t>
+            </a:r>
+            <a:r>
+              <a:rPr lang="en-US" dirty="0" err="1" smtClean="0">
+                <a:latin typeface="Times New Roman" panose="02020603050405020304" pitchFamily="18" charset="0"/>
+                <a:cs typeface="Times New Roman" panose="02020603050405020304" pitchFamily="18" charset="0"/>
+              </a:rPr>
+              <a:t>dụ</a:t>
+            </a:r>
+            <a:r>
+              <a:rPr lang="en-US" dirty="0" smtClean="0">
+                <a:latin typeface="Times New Roman" panose="02020603050405020304" pitchFamily="18" charset="0"/>
+                <a:cs typeface="Times New Roman" panose="02020603050405020304" pitchFamily="18" charset="0"/>
+              </a:rPr>
+              <a:t>: </a:t>
+            </a:r>
+            <a:r>
+              <a:rPr lang="en-US" b="1" dirty="0" smtClean="0">
+                <a:latin typeface="Times New Roman" panose="02020603050405020304" pitchFamily="18" charset="0"/>
+                <a:cs typeface="Times New Roman" panose="02020603050405020304" pitchFamily="18" charset="0"/>
+              </a:rPr>
+              <a:t>book - </a:t>
+            </a:r>
+            <a:r>
+              <a:rPr lang="en-US" b="1" dirty="0" err="1" smtClean="0">
+                <a:latin typeface="Times New Roman" panose="02020603050405020304" pitchFamily="18" charset="0"/>
+                <a:cs typeface="Times New Roman" panose="02020603050405020304" pitchFamily="18" charset="0"/>
+              </a:rPr>
+              <a:t>động</a:t>
+            </a:r>
+            <a:r>
+              <a:rPr lang="en-US" dirty="0" smtClean="0">
+                <a:latin typeface="Times New Roman" panose="02020603050405020304" pitchFamily="18" charset="0"/>
+                <a:cs typeface="Times New Roman" panose="02020603050405020304" pitchFamily="18" charset="0"/>
+              </a:rPr>
+              <a:t> </a:t>
+            </a:r>
+            <a:r>
+              <a:rPr lang="en-US" b="1" dirty="0" err="1" smtClean="0">
+                <a:latin typeface="Times New Roman" panose="02020603050405020304" pitchFamily="18" charset="0"/>
+                <a:cs typeface="Times New Roman" panose="02020603050405020304" pitchFamily="18" charset="0"/>
+              </a:rPr>
+              <a:t>từ</a:t>
+            </a:r>
+            <a:r>
+              <a:rPr lang="en-US" dirty="0" smtClean="0">
+                <a:latin typeface="Times New Roman" panose="02020603050405020304" pitchFamily="18" charset="0"/>
+                <a:cs typeface="Times New Roman" panose="02020603050405020304" pitchFamily="18" charset="0"/>
+              </a:rPr>
+              <a:t> </a:t>
+            </a:r>
+            <a:r>
+              <a:rPr lang="en-US" dirty="0" err="1" smtClean="0">
+                <a:latin typeface="Times New Roman" panose="02020603050405020304" pitchFamily="18" charset="0"/>
+                <a:cs typeface="Times New Roman" panose="02020603050405020304" pitchFamily="18" charset="0"/>
+              </a:rPr>
+              <a:t>và</a:t>
+            </a:r>
+            <a:r>
+              <a:rPr lang="en-US" dirty="0" smtClean="0">
+                <a:latin typeface="Times New Roman" panose="02020603050405020304" pitchFamily="18" charset="0"/>
+                <a:cs typeface="Times New Roman" panose="02020603050405020304" pitchFamily="18" charset="0"/>
+              </a:rPr>
+              <a:t> </a:t>
+            </a:r>
+            <a:r>
+              <a:rPr lang="en-US" b="1" dirty="0" smtClean="0">
+                <a:latin typeface="Times New Roman" panose="02020603050405020304" pitchFamily="18" charset="0"/>
+                <a:cs typeface="Times New Roman" panose="02020603050405020304" pitchFamily="18" charset="0"/>
+              </a:rPr>
+              <a:t>book – </a:t>
+            </a:r>
+            <a:r>
+              <a:rPr lang="en-US" b="1" dirty="0" err="1" smtClean="0">
+                <a:latin typeface="Times New Roman" panose="02020603050405020304" pitchFamily="18" charset="0"/>
+                <a:cs typeface="Times New Roman" panose="02020603050405020304" pitchFamily="18" charset="0"/>
+              </a:rPr>
+              <a:t>danh</a:t>
+            </a:r>
+            <a:r>
+              <a:rPr lang="en-US" b="1" dirty="0" smtClean="0">
+                <a:latin typeface="Times New Roman" panose="02020603050405020304" pitchFamily="18" charset="0"/>
+                <a:cs typeface="Times New Roman" panose="02020603050405020304" pitchFamily="18" charset="0"/>
+              </a:rPr>
+              <a:t> </a:t>
+            </a:r>
+            <a:r>
+              <a:rPr lang="en-US" b="1" dirty="0" err="1" smtClean="0">
+                <a:latin typeface="Times New Roman" panose="02020603050405020304" pitchFamily="18" charset="0"/>
+                <a:cs typeface="Times New Roman" panose="02020603050405020304" pitchFamily="18" charset="0"/>
+              </a:rPr>
+              <a:t>từ</a:t>
+            </a:r>
+            <a:r>
+              <a:rPr lang="en-US" b="1" dirty="0" smtClean="0">
+                <a:latin typeface="Times New Roman" panose="02020603050405020304" pitchFamily="18" charset="0"/>
+                <a:cs typeface="Times New Roman" panose="02020603050405020304" pitchFamily="18" charset="0"/>
+              </a:rPr>
+              <a:t> </a:t>
+            </a:r>
+            <a:r>
+              <a:rPr lang="en-US" dirty="0" err="1" smtClean="0">
+                <a:latin typeface="Times New Roman" panose="02020603050405020304" pitchFamily="18" charset="0"/>
+                <a:cs typeface="Times New Roman" panose="02020603050405020304" pitchFamily="18" charset="0"/>
+              </a:rPr>
+              <a:t>được</a:t>
+            </a:r>
+            <a:r>
+              <a:rPr lang="en-US" dirty="0" smtClean="0">
+                <a:latin typeface="Times New Roman" panose="02020603050405020304" pitchFamily="18" charset="0"/>
+                <a:cs typeface="Times New Roman" panose="02020603050405020304" pitchFamily="18" charset="0"/>
+              </a:rPr>
+              <a:t> </a:t>
+            </a:r>
+            <a:r>
+              <a:rPr lang="en-US" dirty="0" err="1" smtClean="0">
+                <a:latin typeface="Times New Roman" panose="02020603050405020304" pitchFamily="18" charset="0"/>
+                <a:cs typeface="Times New Roman" panose="02020603050405020304" pitchFamily="18" charset="0"/>
+              </a:rPr>
+              <a:t>tính</a:t>
+            </a:r>
+            <a:r>
+              <a:rPr lang="en-US" dirty="0" smtClean="0">
+                <a:latin typeface="Times New Roman" panose="02020603050405020304" pitchFamily="18" charset="0"/>
+                <a:cs typeface="Times New Roman" panose="02020603050405020304" pitchFamily="18" charset="0"/>
+              </a:rPr>
+              <a:t> </a:t>
+            </a:r>
+            <a:r>
+              <a:rPr lang="en-US" dirty="0" err="1" smtClean="0">
+                <a:latin typeface="Times New Roman" panose="02020603050405020304" pitchFamily="18" charset="0"/>
+                <a:cs typeface="Times New Roman" panose="02020603050405020304" pitchFamily="18" charset="0"/>
+              </a:rPr>
+              <a:t>là</a:t>
+            </a:r>
+            <a:r>
+              <a:rPr lang="en-US" dirty="0" smtClean="0">
+                <a:latin typeface="Times New Roman" panose="02020603050405020304" pitchFamily="18" charset="0"/>
+                <a:cs typeface="Times New Roman" panose="02020603050405020304" pitchFamily="18" charset="0"/>
+              </a:rPr>
+              <a:t> 2 </a:t>
+            </a:r>
+            <a:r>
+              <a:rPr lang="en-US" dirty="0" err="1" smtClean="0">
+                <a:latin typeface="Times New Roman" panose="02020603050405020304" pitchFamily="18" charset="0"/>
+                <a:cs typeface="Times New Roman" panose="02020603050405020304" pitchFamily="18" charset="0"/>
+              </a:rPr>
+              <a:t>đặc</a:t>
+            </a:r>
+            <a:r>
+              <a:rPr lang="en-US" dirty="0" smtClean="0">
+                <a:latin typeface="Times New Roman" panose="02020603050405020304" pitchFamily="18" charset="0"/>
+                <a:cs typeface="Times New Roman" panose="02020603050405020304" pitchFamily="18" charset="0"/>
+              </a:rPr>
+              <a:t> </a:t>
+            </a:r>
+            <a:r>
+              <a:rPr lang="en-US" dirty="0" err="1" smtClean="0">
+                <a:latin typeface="Times New Roman" panose="02020603050405020304" pitchFamily="18" charset="0"/>
+                <a:cs typeface="Times New Roman" panose="02020603050405020304" pitchFamily="18" charset="0"/>
+              </a:rPr>
+              <a:t>trưng</a:t>
+            </a:r>
+            <a:r>
+              <a:rPr lang="en-US" dirty="0" smtClean="0">
+                <a:latin typeface="Times New Roman" panose="02020603050405020304" pitchFamily="18" charset="0"/>
+                <a:cs typeface="Times New Roman" panose="02020603050405020304" pitchFamily="18" charset="0"/>
+              </a:rPr>
+              <a:t> </a:t>
+            </a:r>
+            <a:r>
+              <a:rPr lang="en-US" dirty="0" err="1" smtClean="0">
+                <a:latin typeface="Times New Roman" panose="02020603050405020304" pitchFamily="18" charset="0"/>
+                <a:cs typeface="Times New Roman" panose="02020603050405020304" pitchFamily="18" charset="0"/>
+              </a:rPr>
+              <a:t>khác</a:t>
+            </a:r>
+            <a:r>
+              <a:rPr lang="en-US" dirty="0" smtClean="0">
+                <a:latin typeface="Times New Roman" panose="02020603050405020304" pitchFamily="18" charset="0"/>
+                <a:cs typeface="Times New Roman" panose="02020603050405020304" pitchFamily="18" charset="0"/>
+              </a:rPr>
+              <a:t> </a:t>
+            </a:r>
+            <a:r>
+              <a:rPr lang="en-US" dirty="0" err="1" smtClean="0">
+                <a:latin typeface="Times New Roman" panose="02020603050405020304" pitchFamily="18" charset="0"/>
+                <a:cs typeface="Times New Roman" panose="02020603050405020304" pitchFamily="18" charset="0"/>
+              </a:rPr>
+              <a:t>nhau</a:t>
+            </a:r>
+            <a:endParaRPr lang="en-US" dirty="0" smtClean="0">
+              <a:latin typeface="Times New Roman" panose="02020603050405020304" pitchFamily="18" charset="0"/>
+              <a:cs typeface="Times New Roman" panose="02020603050405020304" pitchFamily="18" charset="0"/>
+            </a:endParaRPr>
+          </a:p>
+          <a:p>
+            <a:r>
+              <a:rPr lang="en-US" dirty="0" err="1" smtClean="0">
+                <a:latin typeface="Times New Roman" panose="02020603050405020304" pitchFamily="18" charset="0"/>
+                <a:cs typeface="Times New Roman" panose="02020603050405020304" pitchFamily="18" charset="0"/>
+              </a:rPr>
+              <a:t>Ứng</a:t>
+            </a:r>
+            <a:r>
+              <a:rPr lang="en-US" dirty="0" smtClean="0">
+                <a:latin typeface="Times New Roman" panose="02020603050405020304" pitchFamily="18" charset="0"/>
+                <a:cs typeface="Times New Roman" panose="02020603050405020304" pitchFamily="18" charset="0"/>
+              </a:rPr>
+              <a:t> </a:t>
+            </a:r>
+            <a:r>
+              <a:rPr lang="en-US" dirty="0" err="1" smtClean="0">
+                <a:latin typeface="Times New Roman" panose="02020603050405020304" pitchFamily="18" charset="0"/>
+                <a:cs typeface="Times New Roman" panose="02020603050405020304" pitchFamily="18" charset="0"/>
+              </a:rPr>
+              <a:t>dụng</a:t>
+            </a:r>
+            <a:r>
+              <a:rPr lang="en-US" dirty="0" smtClean="0">
+                <a:latin typeface="Times New Roman" panose="02020603050405020304" pitchFamily="18" charset="0"/>
+                <a:cs typeface="Times New Roman" panose="02020603050405020304" pitchFamily="18" charset="0"/>
+              </a:rPr>
+              <a:t> </a:t>
+            </a:r>
+            <a:r>
+              <a:rPr lang="en-US" dirty="0" err="1" smtClean="0">
+                <a:latin typeface="Times New Roman" panose="02020603050405020304" pitchFamily="18" charset="0"/>
+                <a:cs typeface="Times New Roman" panose="02020603050405020304" pitchFamily="18" charset="0"/>
+              </a:rPr>
+              <a:t>trong</a:t>
+            </a:r>
+            <a:r>
+              <a:rPr lang="en-US" dirty="0" smtClean="0">
+                <a:latin typeface="Times New Roman" panose="02020603050405020304" pitchFamily="18" charset="0"/>
+                <a:cs typeface="Times New Roman" panose="02020603050405020304" pitchFamily="18" charset="0"/>
+              </a:rPr>
+              <a:t> </a:t>
+            </a:r>
+            <a:r>
+              <a:rPr lang="en-US" dirty="0" err="1" smtClean="0">
+                <a:latin typeface="Times New Roman" panose="02020603050405020304" pitchFamily="18" charset="0"/>
+                <a:cs typeface="Times New Roman" panose="02020603050405020304" pitchFamily="18" charset="0"/>
+              </a:rPr>
+              <a:t>nhận</a:t>
+            </a:r>
+            <a:r>
+              <a:rPr lang="en-US" dirty="0" smtClean="0">
+                <a:latin typeface="Times New Roman" panose="02020603050405020304" pitchFamily="18" charset="0"/>
+                <a:cs typeface="Times New Roman" panose="02020603050405020304" pitchFamily="18" charset="0"/>
+              </a:rPr>
+              <a:t> </a:t>
+            </a:r>
+            <a:r>
+              <a:rPr lang="en-US" dirty="0" err="1" smtClean="0">
+                <a:latin typeface="Times New Roman" panose="02020603050405020304" pitchFamily="18" charset="0"/>
+                <a:cs typeface="Times New Roman" panose="02020603050405020304" pitchFamily="18" charset="0"/>
+              </a:rPr>
+              <a:t>diện</a:t>
+            </a:r>
+            <a:r>
+              <a:rPr lang="en-US" dirty="0" smtClean="0">
+                <a:latin typeface="Times New Roman" panose="02020603050405020304" pitchFamily="18" charset="0"/>
+                <a:cs typeface="Times New Roman" panose="02020603050405020304" pitchFamily="18" charset="0"/>
+              </a:rPr>
+              <a:t> </a:t>
+            </a:r>
+            <a:r>
+              <a:rPr lang="en-US" dirty="0" err="1" smtClean="0">
+                <a:latin typeface="Times New Roman" panose="02020603050405020304" pitchFamily="18" charset="0"/>
+                <a:cs typeface="Times New Roman" panose="02020603050405020304" pitchFamily="18" charset="0"/>
+              </a:rPr>
+              <a:t>giọng</a:t>
+            </a:r>
+            <a:r>
+              <a:rPr lang="en-US" dirty="0" smtClean="0">
+                <a:latin typeface="Times New Roman" panose="02020603050405020304" pitchFamily="18" charset="0"/>
+                <a:cs typeface="Times New Roman" panose="02020603050405020304" pitchFamily="18" charset="0"/>
+              </a:rPr>
+              <a:t> </a:t>
+            </a:r>
+            <a:r>
+              <a:rPr lang="en-US" dirty="0" err="1" smtClean="0">
+                <a:latin typeface="Times New Roman" panose="02020603050405020304" pitchFamily="18" charset="0"/>
+                <a:cs typeface="Times New Roman" panose="02020603050405020304" pitchFamily="18" charset="0"/>
+              </a:rPr>
+              <a:t>nói</a:t>
+            </a:r>
+            <a:r>
+              <a:rPr lang="en-US" dirty="0" smtClean="0">
+                <a:latin typeface="Times New Roman" panose="02020603050405020304" pitchFamily="18" charset="0"/>
+                <a:cs typeface="Times New Roman" panose="02020603050405020304" pitchFamily="18" charset="0"/>
+              </a:rPr>
+              <a:t>: </a:t>
+            </a:r>
+            <a:r>
+              <a:rPr lang="en-US" dirty="0" err="1" smtClean="0">
+                <a:latin typeface="Times New Roman" panose="02020603050405020304" pitchFamily="18" charset="0"/>
+                <a:cs typeface="Times New Roman" panose="02020603050405020304" pitchFamily="18" charset="0"/>
+              </a:rPr>
+              <a:t>Đầu</a:t>
+            </a:r>
+            <a:r>
+              <a:rPr lang="en-US" dirty="0" smtClean="0">
+                <a:latin typeface="Times New Roman" panose="02020603050405020304" pitchFamily="18" charset="0"/>
+                <a:cs typeface="Times New Roman" panose="02020603050405020304" pitchFamily="18" charset="0"/>
+              </a:rPr>
+              <a:t> </a:t>
+            </a:r>
+            <a:r>
+              <a:rPr lang="en-US" dirty="0" err="1" smtClean="0">
+                <a:latin typeface="Times New Roman" panose="02020603050405020304" pitchFamily="18" charset="0"/>
+                <a:cs typeface="Times New Roman" panose="02020603050405020304" pitchFamily="18" charset="0"/>
+              </a:rPr>
+              <a:t>vào</a:t>
+            </a:r>
+            <a:r>
+              <a:rPr lang="en-US" dirty="0" smtClean="0">
+                <a:latin typeface="Times New Roman" panose="02020603050405020304" pitchFamily="18" charset="0"/>
+                <a:cs typeface="Times New Roman" panose="02020603050405020304" pitchFamily="18" charset="0"/>
+              </a:rPr>
+              <a:t> </a:t>
+            </a:r>
+            <a:r>
+              <a:rPr lang="en-US" dirty="0" err="1" smtClean="0">
+                <a:latin typeface="Times New Roman" panose="02020603050405020304" pitchFamily="18" charset="0"/>
+                <a:cs typeface="Times New Roman" panose="02020603050405020304" pitchFamily="18" charset="0"/>
+              </a:rPr>
+              <a:t>là</a:t>
+            </a:r>
+            <a:r>
+              <a:rPr lang="en-US" dirty="0" smtClean="0">
+                <a:latin typeface="Times New Roman" panose="02020603050405020304" pitchFamily="18" charset="0"/>
+                <a:cs typeface="Times New Roman" panose="02020603050405020304" pitchFamily="18" charset="0"/>
+              </a:rPr>
+              <a:t> </a:t>
+            </a:r>
+            <a:r>
+              <a:rPr lang="en-US" dirty="0" err="1" smtClean="0">
+                <a:latin typeface="Times New Roman" panose="02020603050405020304" pitchFamily="18" charset="0"/>
+                <a:cs typeface="Times New Roman" panose="02020603050405020304" pitchFamily="18" charset="0"/>
+              </a:rPr>
+              <a:t>giọng</a:t>
+            </a:r>
+            <a:r>
+              <a:rPr lang="en-US" dirty="0" smtClean="0">
+                <a:latin typeface="Times New Roman" panose="02020603050405020304" pitchFamily="18" charset="0"/>
+                <a:cs typeface="Times New Roman" panose="02020603050405020304" pitchFamily="18" charset="0"/>
+              </a:rPr>
+              <a:t> </a:t>
+            </a:r>
+            <a:r>
+              <a:rPr lang="en-US" dirty="0" err="1" smtClean="0">
+                <a:latin typeface="Times New Roman" panose="02020603050405020304" pitchFamily="18" charset="0"/>
+                <a:cs typeface="Times New Roman" panose="02020603050405020304" pitchFamily="18" charset="0"/>
+              </a:rPr>
+              <a:t>nói</a:t>
+            </a:r>
+            <a:r>
+              <a:rPr lang="en-US" dirty="0" smtClean="0">
+                <a:latin typeface="Times New Roman" panose="02020603050405020304" pitchFamily="18" charset="0"/>
+                <a:cs typeface="Times New Roman" panose="02020603050405020304" pitchFamily="18" charset="0"/>
+              </a:rPr>
+              <a:t>, </a:t>
+            </a:r>
+            <a:r>
+              <a:rPr lang="en-US" dirty="0" err="1" smtClean="0">
+                <a:latin typeface="Times New Roman" panose="02020603050405020304" pitchFamily="18" charset="0"/>
+                <a:cs typeface="Times New Roman" panose="02020603050405020304" pitchFamily="18" charset="0"/>
+              </a:rPr>
+              <a:t>đầu</a:t>
+            </a:r>
+            <a:r>
+              <a:rPr lang="en-US" dirty="0" smtClean="0">
+                <a:latin typeface="Times New Roman" panose="02020603050405020304" pitchFamily="18" charset="0"/>
+                <a:cs typeface="Times New Roman" panose="02020603050405020304" pitchFamily="18" charset="0"/>
+              </a:rPr>
+              <a:t> </a:t>
+            </a:r>
+            <a:r>
+              <a:rPr lang="en-US" dirty="0" err="1" smtClean="0">
+                <a:latin typeface="Times New Roman" panose="02020603050405020304" pitchFamily="18" charset="0"/>
+                <a:cs typeface="Times New Roman" panose="02020603050405020304" pitchFamily="18" charset="0"/>
+              </a:rPr>
+              <a:t>ra</a:t>
+            </a:r>
+            <a:r>
+              <a:rPr lang="en-US" dirty="0" smtClean="0">
+                <a:latin typeface="Times New Roman" panose="02020603050405020304" pitchFamily="18" charset="0"/>
+                <a:cs typeface="Times New Roman" panose="02020603050405020304" pitchFamily="18" charset="0"/>
+              </a:rPr>
+              <a:t> </a:t>
+            </a:r>
+            <a:r>
+              <a:rPr lang="en-US" dirty="0" err="1" smtClean="0">
+                <a:latin typeface="Times New Roman" panose="02020603050405020304" pitchFamily="18" charset="0"/>
+                <a:cs typeface="Times New Roman" panose="02020603050405020304" pitchFamily="18" charset="0"/>
+              </a:rPr>
+              <a:t>là</a:t>
+            </a:r>
+            <a:r>
+              <a:rPr lang="en-US" dirty="0" smtClean="0">
+                <a:latin typeface="Times New Roman" panose="02020603050405020304" pitchFamily="18" charset="0"/>
+                <a:cs typeface="Times New Roman" panose="02020603050405020304" pitchFamily="18" charset="0"/>
+              </a:rPr>
+              <a:t> </a:t>
+            </a:r>
+            <a:r>
+              <a:rPr lang="en-US" dirty="0" err="1" smtClean="0">
+                <a:latin typeface="Times New Roman" panose="02020603050405020304" pitchFamily="18" charset="0"/>
+                <a:cs typeface="Times New Roman" panose="02020603050405020304" pitchFamily="18" charset="0"/>
+              </a:rPr>
+              <a:t>đoạn</a:t>
+            </a:r>
+            <a:r>
+              <a:rPr lang="en-US" dirty="0" smtClean="0">
+                <a:latin typeface="Times New Roman" panose="02020603050405020304" pitchFamily="18" charset="0"/>
+                <a:cs typeface="Times New Roman" panose="02020603050405020304" pitchFamily="18" charset="0"/>
+              </a:rPr>
+              <a:t> </a:t>
+            </a:r>
+            <a:r>
+              <a:rPr lang="en-US" dirty="0" err="1" smtClean="0">
+                <a:latin typeface="Times New Roman" panose="02020603050405020304" pitchFamily="18" charset="0"/>
+                <a:cs typeface="Times New Roman" panose="02020603050405020304" pitchFamily="18" charset="0"/>
+              </a:rPr>
+              <a:t>văn</a:t>
+            </a:r>
+            <a:r>
+              <a:rPr lang="en-US" dirty="0" smtClean="0">
+                <a:latin typeface="Times New Roman" panose="02020603050405020304" pitchFamily="18" charset="0"/>
+                <a:cs typeface="Times New Roman" panose="02020603050405020304" pitchFamily="18" charset="0"/>
+              </a:rPr>
+              <a:t> </a:t>
+            </a:r>
+            <a:r>
+              <a:rPr lang="en-US" dirty="0" err="1" smtClean="0">
+                <a:latin typeface="Times New Roman" panose="02020603050405020304" pitchFamily="18" charset="0"/>
+                <a:cs typeface="Times New Roman" panose="02020603050405020304" pitchFamily="18" charset="0"/>
+              </a:rPr>
+              <a:t>bản</a:t>
+            </a:r>
+            <a:endParaRPr lang="en-US" dirty="0" smtClean="0">
+              <a:latin typeface="Times New Roman" panose="02020603050405020304" pitchFamily="18" charset="0"/>
+              <a:cs typeface="Times New Roman" panose="02020603050405020304" pitchFamily="18" charset="0"/>
+            </a:endParaRPr>
+          </a:p>
+          <a:p>
+            <a:r>
+              <a:rPr lang="en-US" dirty="0" err="1">
+                <a:latin typeface="Times New Roman" panose="02020603050405020304" pitchFamily="18" charset="0"/>
+                <a:cs typeface="Times New Roman" panose="02020603050405020304" pitchFamily="18" charset="0"/>
+              </a:rPr>
+              <a:t>Các</a:t>
+            </a:r>
+            <a:r>
+              <a:rPr lang="en-US" dirty="0">
+                <a:latin typeface="Times New Roman" panose="02020603050405020304" pitchFamily="18" charset="0"/>
+                <a:cs typeface="Times New Roman" panose="02020603050405020304" pitchFamily="18" charset="0"/>
+              </a:rPr>
+              <a:t> </a:t>
+            </a:r>
+            <a:r>
+              <a:rPr lang="en-US" dirty="0" err="1">
+                <a:latin typeface="Times New Roman" panose="02020603050405020304" pitchFamily="18" charset="0"/>
+                <a:cs typeface="Times New Roman" panose="02020603050405020304" pitchFamily="18" charset="0"/>
+              </a:rPr>
+              <a:t>phương</a:t>
+            </a:r>
+            <a:r>
+              <a:rPr lang="en-US" dirty="0">
+                <a:latin typeface="Times New Roman" panose="02020603050405020304" pitchFamily="18" charset="0"/>
+                <a:cs typeface="Times New Roman" panose="02020603050405020304" pitchFamily="18" charset="0"/>
+              </a:rPr>
+              <a:t> </a:t>
+            </a:r>
+            <a:r>
+              <a:rPr lang="en-US" dirty="0" err="1">
+                <a:latin typeface="Times New Roman" panose="02020603050405020304" pitchFamily="18" charset="0"/>
+                <a:cs typeface="Times New Roman" panose="02020603050405020304" pitchFamily="18" charset="0"/>
+              </a:rPr>
+              <a:t>pháp</a:t>
+            </a:r>
+            <a:r>
+              <a:rPr lang="en-US" dirty="0">
+                <a:latin typeface="Times New Roman" panose="02020603050405020304" pitchFamily="18" charset="0"/>
+                <a:cs typeface="Times New Roman" panose="02020603050405020304" pitchFamily="18" charset="0"/>
+              </a:rPr>
+              <a:t> </a:t>
+            </a:r>
+            <a:r>
+              <a:rPr lang="en-US" dirty="0" err="1">
+                <a:latin typeface="Times New Roman" panose="02020603050405020304" pitchFamily="18" charset="0"/>
+                <a:cs typeface="Times New Roman" panose="02020603050405020304" pitchFamily="18" charset="0"/>
+              </a:rPr>
+              <a:t>gán</a:t>
+            </a:r>
+            <a:r>
+              <a:rPr lang="en-US" dirty="0">
+                <a:latin typeface="Times New Roman" panose="02020603050405020304" pitchFamily="18" charset="0"/>
+                <a:cs typeface="Times New Roman" panose="02020603050405020304" pitchFamily="18" charset="0"/>
+              </a:rPr>
+              <a:t> </a:t>
+            </a:r>
+            <a:r>
+              <a:rPr lang="en-US" dirty="0" err="1">
+                <a:latin typeface="Times New Roman" panose="02020603050405020304" pitchFamily="18" charset="0"/>
+                <a:cs typeface="Times New Roman" panose="02020603050405020304" pitchFamily="18" charset="0"/>
+              </a:rPr>
+              <a:t>nhãn</a:t>
+            </a:r>
+            <a:r>
+              <a:rPr lang="en-US" dirty="0">
+                <a:latin typeface="Times New Roman" panose="02020603050405020304" pitchFamily="18" charset="0"/>
+                <a:cs typeface="Times New Roman" panose="02020603050405020304" pitchFamily="18" charset="0"/>
+              </a:rPr>
+              <a:t> </a:t>
+            </a:r>
+            <a:r>
+              <a:rPr lang="en-US" dirty="0" err="1">
+                <a:latin typeface="Times New Roman" panose="02020603050405020304" pitchFamily="18" charset="0"/>
+                <a:cs typeface="Times New Roman" panose="02020603050405020304" pitchFamily="18" charset="0"/>
+              </a:rPr>
+              <a:t>phổ</a:t>
+            </a:r>
+            <a:r>
+              <a:rPr lang="en-US" dirty="0">
+                <a:latin typeface="Times New Roman" panose="02020603050405020304" pitchFamily="18" charset="0"/>
+                <a:cs typeface="Times New Roman" panose="02020603050405020304" pitchFamily="18" charset="0"/>
+              </a:rPr>
+              <a:t> </a:t>
+            </a:r>
+            <a:r>
+              <a:rPr lang="en-US" dirty="0" err="1">
+                <a:latin typeface="Times New Roman" panose="02020603050405020304" pitchFamily="18" charset="0"/>
+                <a:cs typeface="Times New Roman" panose="02020603050405020304" pitchFamily="18" charset="0"/>
+              </a:rPr>
+              <a:t>biến</a:t>
+            </a:r>
+            <a:r>
+              <a:rPr lang="en-US" dirty="0">
+                <a:latin typeface="Times New Roman" panose="02020603050405020304" pitchFamily="18" charset="0"/>
+                <a:cs typeface="Times New Roman" panose="02020603050405020304" pitchFamily="18" charset="0"/>
+              </a:rPr>
+              <a:t> </a:t>
+            </a:r>
+            <a:r>
+              <a:rPr lang="en-US" dirty="0" err="1">
+                <a:latin typeface="Times New Roman" panose="02020603050405020304" pitchFamily="18" charset="0"/>
+                <a:cs typeface="Times New Roman" panose="02020603050405020304" pitchFamily="18" charset="0"/>
+              </a:rPr>
+              <a:t>như</a:t>
+            </a:r>
+            <a:r>
+              <a:rPr lang="en-US" dirty="0">
+                <a:latin typeface="Times New Roman" panose="02020603050405020304" pitchFamily="18" charset="0"/>
+                <a:cs typeface="Times New Roman" panose="02020603050405020304" pitchFamily="18" charset="0"/>
+              </a:rPr>
+              <a:t>: Hidden Markov Model (HMM), Maximum Entropy Markov Model (MEMM</a:t>
+            </a:r>
+            <a:r>
+              <a:rPr lang="en-US" dirty="0" smtClean="0">
+                <a:latin typeface="Times New Roman" panose="02020603050405020304" pitchFamily="18" charset="0"/>
+                <a:cs typeface="Times New Roman" panose="02020603050405020304" pitchFamily="18" charset="0"/>
+              </a:rPr>
+              <a:t>)</a:t>
+            </a:r>
+          </a:p>
+          <a:p>
+            <a:r>
+              <a:rPr lang="en-US" dirty="0" smtClean="0">
+                <a:latin typeface="Times New Roman" panose="02020603050405020304" pitchFamily="18" charset="0"/>
+                <a:cs typeface="Times New Roman" panose="02020603050405020304" pitchFamily="18" charset="0"/>
+              </a:rPr>
+              <a:t> </a:t>
+            </a:r>
+            <a:r>
+              <a:rPr lang="en-US" dirty="0" err="1" smtClean="0">
+                <a:latin typeface="Times New Roman" panose="02020603050405020304" pitchFamily="18" charset="0"/>
+                <a:cs typeface="Times New Roman" panose="02020603050405020304" pitchFamily="18" charset="0"/>
+              </a:rPr>
+              <a:t>Khó</a:t>
+            </a:r>
+            <a:r>
+              <a:rPr lang="en-US" dirty="0" smtClean="0">
+                <a:latin typeface="Times New Roman" panose="02020603050405020304" pitchFamily="18" charset="0"/>
+                <a:cs typeface="Times New Roman" panose="02020603050405020304" pitchFamily="18" charset="0"/>
+              </a:rPr>
+              <a:t> </a:t>
+            </a:r>
+            <a:r>
+              <a:rPr lang="en-US" dirty="0" err="1" smtClean="0">
+                <a:latin typeface="Times New Roman" panose="02020603050405020304" pitchFamily="18" charset="0"/>
+                <a:cs typeface="Times New Roman" panose="02020603050405020304" pitchFamily="18" charset="0"/>
+              </a:rPr>
+              <a:t>khăn</a:t>
+            </a:r>
+            <a:r>
+              <a:rPr lang="en-US" dirty="0" smtClean="0">
+                <a:latin typeface="Times New Roman" panose="02020603050405020304" pitchFamily="18" charset="0"/>
+                <a:cs typeface="Times New Roman" panose="02020603050405020304" pitchFamily="18" charset="0"/>
+              </a:rPr>
+              <a:t>: </a:t>
+            </a:r>
+            <a:r>
+              <a:rPr lang="en-US" dirty="0" err="1" smtClean="0">
+                <a:latin typeface="Times New Roman" panose="02020603050405020304" pitchFamily="18" charset="0"/>
+                <a:cs typeface="Times New Roman" panose="02020603050405020304" pitchFamily="18" charset="0"/>
+              </a:rPr>
+              <a:t>một</a:t>
+            </a:r>
+            <a:r>
+              <a:rPr lang="en-US" dirty="0" smtClean="0">
+                <a:latin typeface="Times New Roman" panose="02020603050405020304" pitchFamily="18" charset="0"/>
+                <a:cs typeface="Times New Roman" panose="02020603050405020304" pitchFamily="18" charset="0"/>
+              </a:rPr>
+              <a:t> </a:t>
+            </a:r>
+            <a:r>
+              <a:rPr lang="en-US" dirty="0" err="1" smtClean="0">
+                <a:latin typeface="Times New Roman" panose="02020603050405020304" pitchFamily="18" charset="0"/>
+                <a:cs typeface="Times New Roman" panose="02020603050405020304" pitchFamily="18" charset="0"/>
+              </a:rPr>
+              <a:t>từ</a:t>
+            </a:r>
+            <a:r>
+              <a:rPr lang="en-US" dirty="0" smtClean="0">
+                <a:latin typeface="Times New Roman" panose="02020603050405020304" pitchFamily="18" charset="0"/>
+                <a:cs typeface="Times New Roman" panose="02020603050405020304" pitchFamily="18" charset="0"/>
+              </a:rPr>
+              <a:t> </a:t>
+            </a:r>
+            <a:r>
+              <a:rPr lang="en-US" dirty="0" err="1" smtClean="0">
+                <a:latin typeface="Times New Roman" panose="02020603050405020304" pitchFamily="18" charset="0"/>
+                <a:cs typeface="Times New Roman" panose="02020603050405020304" pitchFamily="18" charset="0"/>
+              </a:rPr>
+              <a:t>có</a:t>
+            </a:r>
+            <a:r>
+              <a:rPr lang="en-US" dirty="0" smtClean="0">
+                <a:latin typeface="Times New Roman" panose="02020603050405020304" pitchFamily="18" charset="0"/>
+                <a:cs typeface="Times New Roman" panose="02020603050405020304" pitchFamily="18" charset="0"/>
+              </a:rPr>
+              <a:t> </a:t>
+            </a:r>
+            <a:r>
+              <a:rPr lang="en-US" dirty="0" err="1" smtClean="0">
+                <a:latin typeface="Times New Roman" panose="02020603050405020304" pitchFamily="18" charset="0"/>
+                <a:cs typeface="Times New Roman" panose="02020603050405020304" pitchFamily="18" charset="0"/>
+              </a:rPr>
+              <a:t>thể</a:t>
+            </a:r>
+            <a:r>
+              <a:rPr lang="en-US" dirty="0" smtClean="0">
+                <a:latin typeface="Times New Roman" panose="02020603050405020304" pitchFamily="18" charset="0"/>
+                <a:cs typeface="Times New Roman" panose="02020603050405020304" pitchFamily="18" charset="0"/>
+              </a:rPr>
+              <a:t> </a:t>
+            </a:r>
+            <a:r>
+              <a:rPr lang="en-US" dirty="0" err="1" smtClean="0">
+                <a:latin typeface="Times New Roman" panose="02020603050405020304" pitchFamily="18" charset="0"/>
+                <a:cs typeface="Times New Roman" panose="02020603050405020304" pitchFamily="18" charset="0"/>
+              </a:rPr>
+              <a:t>thuộc</a:t>
+            </a:r>
+            <a:r>
+              <a:rPr lang="en-US" dirty="0" smtClean="0">
+                <a:latin typeface="Times New Roman" panose="02020603050405020304" pitchFamily="18" charset="0"/>
+                <a:cs typeface="Times New Roman" panose="02020603050405020304" pitchFamily="18" charset="0"/>
+              </a:rPr>
+              <a:t> </a:t>
+            </a:r>
+            <a:r>
+              <a:rPr lang="en-US" dirty="0" err="1" smtClean="0">
+                <a:latin typeface="Times New Roman" panose="02020603050405020304" pitchFamily="18" charset="0"/>
+                <a:cs typeface="Times New Roman" panose="02020603050405020304" pitchFamily="18" charset="0"/>
+              </a:rPr>
+              <a:t>nhiều</a:t>
+            </a:r>
+            <a:r>
+              <a:rPr lang="en-US" dirty="0" smtClean="0">
+                <a:latin typeface="Times New Roman" panose="02020603050405020304" pitchFamily="18" charset="0"/>
+                <a:cs typeface="Times New Roman" panose="02020603050405020304" pitchFamily="18" charset="0"/>
+              </a:rPr>
+              <a:t> </a:t>
+            </a:r>
+            <a:r>
+              <a:rPr lang="en-US" dirty="0" err="1" smtClean="0">
+                <a:latin typeface="Times New Roman" panose="02020603050405020304" pitchFamily="18" charset="0"/>
+                <a:cs typeface="Times New Roman" panose="02020603050405020304" pitchFamily="18" charset="0"/>
+              </a:rPr>
+              <a:t>loại</a:t>
+            </a:r>
+            <a:r>
+              <a:rPr lang="en-US" dirty="0" smtClean="0">
+                <a:latin typeface="Times New Roman" panose="02020603050405020304" pitchFamily="18" charset="0"/>
+                <a:cs typeface="Times New Roman" panose="02020603050405020304" pitchFamily="18" charset="0"/>
+              </a:rPr>
+              <a:t> </a:t>
+            </a:r>
+            <a:r>
+              <a:rPr lang="en-US" dirty="0" err="1" smtClean="0">
+                <a:latin typeface="Times New Roman" panose="02020603050405020304" pitchFamily="18" charset="0"/>
+                <a:cs typeface="Times New Roman" panose="02020603050405020304" pitchFamily="18" charset="0"/>
+              </a:rPr>
+              <a:t>từ</a:t>
+            </a:r>
+            <a:r>
+              <a:rPr lang="en-US" dirty="0" smtClean="0">
+                <a:latin typeface="Times New Roman" panose="02020603050405020304" pitchFamily="18" charset="0"/>
+                <a:cs typeface="Times New Roman" panose="02020603050405020304" pitchFamily="18" charset="0"/>
+              </a:rPr>
+              <a:t> </a:t>
+            </a:r>
+            <a:r>
+              <a:rPr lang="en-US" dirty="0" err="1" smtClean="0">
+                <a:latin typeface="Times New Roman" panose="02020603050405020304" pitchFamily="18" charset="0"/>
+                <a:cs typeface="Times New Roman" panose="02020603050405020304" pitchFamily="18" charset="0"/>
+              </a:rPr>
+              <a:t>và</a:t>
+            </a:r>
+            <a:r>
+              <a:rPr lang="en-US" dirty="0" smtClean="0">
+                <a:latin typeface="Times New Roman" panose="02020603050405020304" pitchFamily="18" charset="0"/>
+                <a:cs typeface="Times New Roman" panose="02020603050405020304" pitchFamily="18" charset="0"/>
+              </a:rPr>
+              <a:t> </a:t>
+            </a:r>
+            <a:r>
+              <a:rPr lang="en-US" dirty="0" err="1" smtClean="0">
+                <a:latin typeface="Times New Roman" panose="02020603050405020304" pitchFamily="18" charset="0"/>
+                <a:cs typeface="Times New Roman" panose="02020603050405020304" pitchFamily="18" charset="0"/>
+              </a:rPr>
+              <a:t>mang</a:t>
+            </a:r>
+            <a:r>
+              <a:rPr lang="en-US" dirty="0" smtClean="0">
+                <a:latin typeface="Times New Roman" panose="02020603050405020304" pitchFamily="18" charset="0"/>
+                <a:cs typeface="Times New Roman" panose="02020603050405020304" pitchFamily="18" charset="0"/>
+              </a:rPr>
+              <a:t> </a:t>
+            </a:r>
+            <a:r>
+              <a:rPr lang="en-US" dirty="0" err="1" smtClean="0">
+                <a:latin typeface="Times New Roman" panose="02020603050405020304" pitchFamily="18" charset="0"/>
+                <a:cs typeface="Times New Roman" panose="02020603050405020304" pitchFamily="18" charset="0"/>
+              </a:rPr>
+              <a:t>nghĩa</a:t>
+            </a:r>
+            <a:r>
+              <a:rPr lang="en-US" dirty="0" smtClean="0">
+                <a:latin typeface="Times New Roman" panose="02020603050405020304" pitchFamily="18" charset="0"/>
+                <a:cs typeface="Times New Roman" panose="02020603050405020304" pitchFamily="18" charset="0"/>
+              </a:rPr>
+              <a:t> </a:t>
+            </a:r>
+            <a:r>
+              <a:rPr lang="en-US" dirty="0" err="1" smtClean="0">
+                <a:latin typeface="Times New Roman" panose="02020603050405020304" pitchFamily="18" charset="0"/>
+                <a:cs typeface="Times New Roman" panose="02020603050405020304" pitchFamily="18" charset="0"/>
+              </a:rPr>
+              <a:t>khác</a:t>
+            </a:r>
+            <a:r>
+              <a:rPr lang="en-US" dirty="0" smtClean="0">
+                <a:latin typeface="Times New Roman" panose="02020603050405020304" pitchFamily="18" charset="0"/>
+                <a:cs typeface="Times New Roman" panose="02020603050405020304" pitchFamily="18" charset="0"/>
+              </a:rPr>
+              <a:t> </a:t>
+            </a:r>
+            <a:r>
+              <a:rPr lang="en-US" dirty="0" err="1" smtClean="0">
+                <a:latin typeface="Times New Roman" panose="02020603050405020304" pitchFamily="18" charset="0"/>
+                <a:cs typeface="Times New Roman" panose="02020603050405020304" pitchFamily="18" charset="0"/>
+              </a:rPr>
+              <a:t>nhau</a:t>
+            </a:r>
+            <a:r>
+              <a:rPr lang="en-US" dirty="0" smtClean="0">
+                <a:latin typeface="Times New Roman" panose="02020603050405020304" pitchFamily="18" charset="0"/>
+                <a:cs typeface="Times New Roman" panose="02020603050405020304" pitchFamily="18" charset="0"/>
+              </a:rPr>
+              <a:t> -&gt; </a:t>
+            </a:r>
+            <a:r>
+              <a:rPr lang="en-US" dirty="0" err="1" smtClean="0">
+                <a:latin typeface="Times New Roman" panose="02020603050405020304" pitchFamily="18" charset="0"/>
+                <a:cs typeface="Times New Roman" panose="02020603050405020304" pitchFamily="18" charset="0"/>
+              </a:rPr>
+              <a:t>mơ</a:t>
+            </a:r>
+            <a:r>
+              <a:rPr lang="en-US" dirty="0" smtClean="0">
+                <a:latin typeface="Times New Roman" panose="02020603050405020304" pitchFamily="18" charset="0"/>
+                <a:cs typeface="Times New Roman" panose="02020603050405020304" pitchFamily="18" charset="0"/>
+              </a:rPr>
+              <a:t> </a:t>
+            </a:r>
+            <a:r>
+              <a:rPr lang="en-US" dirty="0" err="1" smtClean="0">
+                <a:latin typeface="Times New Roman" panose="02020603050405020304" pitchFamily="18" charset="0"/>
+                <a:cs typeface="Times New Roman" panose="02020603050405020304" pitchFamily="18" charset="0"/>
+              </a:rPr>
+              <a:t>hồ</a:t>
+            </a:r>
+            <a:r>
+              <a:rPr lang="en-US" dirty="0" smtClean="0">
+                <a:latin typeface="Times New Roman" panose="02020603050405020304" pitchFamily="18" charset="0"/>
+                <a:cs typeface="Times New Roman" panose="02020603050405020304" pitchFamily="18" charset="0"/>
+              </a:rPr>
+              <a:t>, </a:t>
+            </a:r>
+            <a:r>
+              <a:rPr lang="en-US" dirty="0" err="1" smtClean="0">
+                <a:latin typeface="Times New Roman" panose="02020603050405020304" pitchFamily="18" charset="0"/>
+                <a:cs typeface="Times New Roman" panose="02020603050405020304" pitchFamily="18" charset="0"/>
+              </a:rPr>
+              <a:t>không</a:t>
+            </a:r>
+            <a:r>
+              <a:rPr lang="en-US" dirty="0" smtClean="0">
+                <a:latin typeface="Times New Roman" panose="02020603050405020304" pitchFamily="18" charset="0"/>
+                <a:cs typeface="Times New Roman" panose="02020603050405020304" pitchFamily="18" charset="0"/>
+              </a:rPr>
+              <a:t> </a:t>
+            </a:r>
+            <a:r>
+              <a:rPr lang="en-US" dirty="0" err="1" smtClean="0">
+                <a:latin typeface="Times New Roman" panose="02020603050405020304" pitchFamily="18" charset="0"/>
+                <a:cs typeface="Times New Roman" panose="02020603050405020304" pitchFamily="18" charset="0"/>
+              </a:rPr>
+              <a:t>rõ</a:t>
+            </a:r>
+            <a:r>
+              <a:rPr lang="en-US" dirty="0" smtClean="0">
+                <a:latin typeface="Times New Roman" panose="02020603050405020304" pitchFamily="18" charset="0"/>
+                <a:cs typeface="Times New Roman" panose="02020603050405020304" pitchFamily="18" charset="0"/>
+              </a:rPr>
+              <a:t> </a:t>
+            </a:r>
+            <a:r>
+              <a:rPr lang="en-US" dirty="0" err="1" smtClean="0">
+                <a:latin typeface="Times New Roman" panose="02020603050405020304" pitchFamily="18" charset="0"/>
+                <a:cs typeface="Times New Roman" panose="02020603050405020304" pitchFamily="18" charset="0"/>
+              </a:rPr>
+              <a:t>ràng</a:t>
+            </a:r>
+            <a:endParaRPr lang="en-US" dirty="0">
+              <a:latin typeface="Times New Roman" panose="02020603050405020304" pitchFamily="18" charset="0"/>
+              <a:cs typeface="Times New Roman" panose="02020603050405020304" pitchFamily="18" charset="0"/>
+            </a:endParaRPr>
+          </a:p>
+        </p:txBody>
+      </p:sp>
+    </p:spTree>
+    <p:extLst>
+      <p:ext uri="{BB962C8B-B14F-4D97-AF65-F5344CB8AC3E}">
+        <p14:creationId xmlns:p14="http://schemas.microsoft.com/office/powerpoint/2010/main" val="1999160010"/>
+      </p:ext>
+    </p:extLst>
+  </p:cSld>
+  <p:clrMapOvr>
+    <a:masterClrMapping/>
+  </p:clrMapOvr>
+  <p:timing>
+    <p:tnLst>
+      <p:par>
+        <p:cTn id="1" dur="indefinite" restart="never" nodeType="tmRoot"/>
+      </p:par>
+    </p:tnLst>
+  </p:timing>
+</p:sld>
+</file>
+
+<file path=ppt/slides/slide16.xml><?xml version="1.0" encoding="utf-8"?>
+<p:sld xmlns:a="http://schemas.openxmlformats.org/drawingml/2006/main" xmlns:r="http://schemas.openxmlformats.org/officeDocument/2006/relationships" xmlns:p="http://schemas.openxmlformats.org/presentationml/2006/main">
+  <p:cSld>
+    <p:spTree>
+      <p:nvGrpSpPr>
+        <p:cNvPr id="1" name=""/>
+        <p:cNvGrpSpPr/>
+        <p:nvPr/>
+      </p:nvGrpSpPr>
+      <p:grpSpPr>
+        <a:xfrm>
+          <a:off x="0" y="0"/>
+          <a:ext cx="0" cy="0"/>
+          <a:chOff x="0" y="0"/>
+          <a:chExt cx="0" cy="0"/>
+        </a:xfrm>
+      </p:grpSpPr>
+      <p:sp>
+        <p:nvSpPr>
+          <p:cNvPr id="2" name="Title 1"/>
+          <p:cNvSpPr>
+            <a:spLocks noGrp="1"/>
+          </p:cNvSpPr>
+          <p:nvPr>
+            <p:ph type="title"/>
+          </p:nvPr>
+        </p:nvSpPr>
+        <p:spPr>
+          <a:xfrm>
+            <a:off x="1364568" y="533400"/>
+            <a:ext cx="10018713" cy="881743"/>
+          </a:xfrm>
+        </p:spPr>
+        <p:txBody>
+          <a:bodyPr/>
+          <a:lstStyle/>
+          <a:p>
+            <a:pPr algn="l"/>
+            <a:r>
+              <a:rPr lang="en-US" b="1" dirty="0" err="1">
+                <a:solidFill>
+                  <a:srgbClr val="0000FF"/>
+                </a:solidFill>
+              </a:rPr>
+              <a:t>Gán</a:t>
+            </a:r>
+            <a:r>
+              <a:rPr lang="en-US" b="1" dirty="0">
+                <a:solidFill>
+                  <a:srgbClr val="0000FF"/>
+                </a:solidFill>
+              </a:rPr>
+              <a:t> </a:t>
+            </a:r>
+            <a:r>
+              <a:rPr lang="en-US" b="1" dirty="0" err="1">
+                <a:solidFill>
+                  <a:srgbClr val="0000FF"/>
+                </a:solidFill>
+              </a:rPr>
+              <a:t>nhãn</a:t>
+            </a:r>
+            <a:r>
+              <a:rPr lang="en-US" b="1" dirty="0">
+                <a:solidFill>
+                  <a:srgbClr val="0000FF"/>
+                </a:solidFill>
+              </a:rPr>
+              <a:t> </a:t>
+            </a:r>
+            <a:r>
+              <a:rPr lang="en-US" b="1" dirty="0" err="1">
+                <a:solidFill>
+                  <a:srgbClr val="0000FF"/>
+                </a:solidFill>
+              </a:rPr>
+              <a:t>từ</a:t>
+            </a:r>
+            <a:r>
+              <a:rPr lang="en-US" b="1" dirty="0">
+                <a:solidFill>
+                  <a:srgbClr val="0000FF"/>
+                </a:solidFill>
+              </a:rPr>
+              <a:t> </a:t>
+            </a:r>
+            <a:r>
+              <a:rPr lang="en-US" b="1" dirty="0" err="1">
+                <a:solidFill>
+                  <a:srgbClr val="0000FF"/>
+                </a:solidFill>
+              </a:rPr>
+              <a:t>loại</a:t>
+            </a:r>
+            <a:r>
+              <a:rPr lang="en-US" b="1" dirty="0">
+                <a:solidFill>
+                  <a:srgbClr val="0000FF"/>
+                </a:solidFill>
+              </a:rPr>
+              <a:t> (Part of speech Tagging)</a:t>
+            </a:r>
+            <a:endParaRPr lang="en-US" dirty="0"/>
+          </a:p>
+        </p:txBody>
+      </p:sp>
+      <p:sp>
+        <p:nvSpPr>
+          <p:cNvPr id="3" name="Content Placeholder 2"/>
+          <p:cNvSpPr>
+            <a:spLocks noGrp="1"/>
+          </p:cNvSpPr>
+          <p:nvPr>
+            <p:ph idx="1"/>
+          </p:nvPr>
+        </p:nvSpPr>
+        <p:spPr>
+          <a:xfrm>
+            <a:off x="1164772" y="1567543"/>
+            <a:ext cx="10338252" cy="4713514"/>
+          </a:xfrm>
+        </p:spPr>
+        <p:txBody>
+          <a:bodyPr>
+            <a:normAutofit fontScale="85000" lnSpcReduction="20000"/>
+          </a:bodyPr>
+          <a:lstStyle/>
+          <a:p>
+            <a:r>
+              <a:rPr lang="en-US" dirty="0" err="1" smtClean="0">
+                <a:latin typeface="Times New Roman" panose="02020603050405020304" pitchFamily="18" charset="0"/>
+                <a:cs typeface="Times New Roman" panose="02020603050405020304" pitchFamily="18" charset="0"/>
+              </a:rPr>
+              <a:t>Ví</a:t>
+            </a:r>
+            <a:r>
+              <a:rPr lang="en-US" dirty="0" smtClean="0">
+                <a:latin typeface="Times New Roman" panose="02020603050405020304" pitchFamily="18" charset="0"/>
+                <a:cs typeface="Times New Roman" panose="02020603050405020304" pitchFamily="18" charset="0"/>
+              </a:rPr>
+              <a:t> </a:t>
+            </a:r>
+            <a:r>
+              <a:rPr lang="en-US" dirty="0" err="1" smtClean="0">
+                <a:latin typeface="Times New Roman" panose="02020603050405020304" pitchFamily="18" charset="0"/>
+                <a:cs typeface="Times New Roman" panose="02020603050405020304" pitchFamily="18" charset="0"/>
+              </a:rPr>
+              <a:t>dụ</a:t>
+            </a:r>
+            <a:r>
+              <a:rPr lang="en-US" dirty="0" smtClean="0">
+                <a:latin typeface="Times New Roman" panose="02020603050405020304" pitchFamily="18" charset="0"/>
+                <a:cs typeface="Times New Roman" panose="02020603050405020304" pitchFamily="18" charset="0"/>
+              </a:rPr>
+              <a:t>: </a:t>
+            </a:r>
+          </a:p>
+          <a:p>
+            <a:pPr marL="0" indent="0">
+              <a:buNone/>
+            </a:pPr>
+            <a:r>
+              <a:rPr lang="en-US" dirty="0">
+                <a:latin typeface="Times New Roman" panose="02020603050405020304" pitchFamily="18" charset="0"/>
+                <a:cs typeface="Times New Roman" panose="02020603050405020304" pitchFamily="18" charset="0"/>
+              </a:rPr>
+              <a:t>	</a:t>
+            </a:r>
+            <a:r>
+              <a:rPr lang="en-US" b="1" dirty="0" smtClean="0">
+                <a:latin typeface="Times New Roman" panose="02020603050405020304" pitchFamily="18" charset="0"/>
+                <a:cs typeface="Times New Roman" panose="02020603050405020304" pitchFamily="18" charset="0"/>
+              </a:rPr>
+              <a:t>Book</a:t>
+            </a:r>
+            <a:r>
+              <a:rPr lang="en-US" dirty="0" smtClean="0">
+                <a:latin typeface="Times New Roman" panose="02020603050405020304" pitchFamily="18" charset="0"/>
+                <a:cs typeface="Times New Roman" panose="02020603050405020304" pitchFamily="18" charset="0"/>
+              </a:rPr>
+              <a:t> : - </a:t>
+            </a:r>
+            <a:r>
+              <a:rPr lang="en-US" dirty="0" err="1" smtClean="0">
+                <a:latin typeface="Times New Roman" panose="02020603050405020304" pitchFamily="18" charset="0"/>
+                <a:cs typeface="Times New Roman" panose="02020603050405020304" pitchFamily="18" charset="0"/>
+              </a:rPr>
+              <a:t>Danh</a:t>
+            </a:r>
+            <a:r>
+              <a:rPr lang="en-US" dirty="0" smtClean="0">
+                <a:latin typeface="Times New Roman" panose="02020603050405020304" pitchFamily="18" charset="0"/>
+                <a:cs typeface="Times New Roman" panose="02020603050405020304" pitchFamily="18" charset="0"/>
+              </a:rPr>
+              <a:t> </a:t>
+            </a:r>
+            <a:r>
+              <a:rPr lang="en-US" dirty="0" err="1" smtClean="0">
+                <a:latin typeface="Times New Roman" panose="02020603050405020304" pitchFamily="18" charset="0"/>
+                <a:cs typeface="Times New Roman" panose="02020603050405020304" pitchFamily="18" charset="0"/>
+              </a:rPr>
+              <a:t>từ</a:t>
+            </a:r>
+            <a:r>
+              <a:rPr lang="en-US" dirty="0" smtClean="0">
+                <a:latin typeface="Times New Roman" panose="02020603050405020304" pitchFamily="18" charset="0"/>
+                <a:cs typeface="Times New Roman" panose="02020603050405020304" pitchFamily="18" charset="0"/>
+              </a:rPr>
+              <a:t>: </a:t>
+            </a:r>
+            <a:r>
+              <a:rPr lang="en-US" dirty="0" err="1" smtClean="0">
+                <a:latin typeface="Times New Roman" panose="02020603050405020304" pitchFamily="18" charset="0"/>
+                <a:cs typeface="Times New Roman" panose="02020603050405020304" pitchFamily="18" charset="0"/>
+              </a:rPr>
+              <a:t>quyển</a:t>
+            </a:r>
+            <a:r>
+              <a:rPr lang="en-US" dirty="0" smtClean="0">
+                <a:latin typeface="Times New Roman" panose="02020603050405020304" pitchFamily="18" charset="0"/>
+                <a:cs typeface="Times New Roman" panose="02020603050405020304" pitchFamily="18" charset="0"/>
+              </a:rPr>
+              <a:t> </a:t>
+            </a:r>
+            <a:r>
+              <a:rPr lang="en-US" dirty="0" err="1" smtClean="0">
+                <a:latin typeface="Times New Roman" panose="02020603050405020304" pitchFamily="18" charset="0"/>
+                <a:cs typeface="Times New Roman" panose="02020603050405020304" pitchFamily="18" charset="0"/>
+              </a:rPr>
+              <a:t>sách</a:t>
+            </a:r>
+            <a:endParaRPr lang="en-US" dirty="0" smtClean="0">
+              <a:latin typeface="Times New Roman" panose="02020603050405020304" pitchFamily="18" charset="0"/>
+              <a:cs typeface="Times New Roman" panose="02020603050405020304" pitchFamily="18" charset="0"/>
+            </a:endParaRPr>
+          </a:p>
+          <a:p>
+            <a:pPr marL="0" indent="0">
+              <a:buNone/>
+            </a:pPr>
+            <a:r>
+              <a:rPr lang="en-US" dirty="0">
+                <a:latin typeface="Times New Roman" panose="02020603050405020304" pitchFamily="18" charset="0"/>
+                <a:cs typeface="Times New Roman" panose="02020603050405020304" pitchFamily="18" charset="0"/>
+              </a:rPr>
+              <a:t>	</a:t>
+            </a:r>
+            <a:r>
+              <a:rPr lang="en-US" dirty="0" smtClean="0">
+                <a:latin typeface="Times New Roman" panose="02020603050405020304" pitchFamily="18" charset="0"/>
+                <a:cs typeface="Times New Roman" panose="02020603050405020304" pitchFamily="18" charset="0"/>
+              </a:rPr>
+              <a:t>	    - </a:t>
+            </a:r>
+            <a:r>
+              <a:rPr lang="en-US" dirty="0" err="1" smtClean="0">
+                <a:latin typeface="Times New Roman" panose="02020603050405020304" pitchFamily="18" charset="0"/>
+                <a:cs typeface="Times New Roman" panose="02020603050405020304" pitchFamily="18" charset="0"/>
+              </a:rPr>
+              <a:t>Động</a:t>
+            </a:r>
+            <a:r>
+              <a:rPr lang="en-US" dirty="0" smtClean="0">
+                <a:latin typeface="Times New Roman" panose="02020603050405020304" pitchFamily="18" charset="0"/>
+                <a:cs typeface="Times New Roman" panose="02020603050405020304" pitchFamily="18" charset="0"/>
+              </a:rPr>
+              <a:t> </a:t>
+            </a:r>
+            <a:r>
+              <a:rPr lang="en-US" dirty="0" err="1" smtClean="0">
+                <a:latin typeface="Times New Roman" panose="02020603050405020304" pitchFamily="18" charset="0"/>
+                <a:cs typeface="Times New Roman" panose="02020603050405020304" pitchFamily="18" charset="0"/>
+              </a:rPr>
+              <a:t>từ</a:t>
+            </a:r>
+            <a:r>
+              <a:rPr lang="en-US" dirty="0" smtClean="0">
+                <a:latin typeface="Times New Roman" panose="02020603050405020304" pitchFamily="18" charset="0"/>
+                <a:cs typeface="Times New Roman" panose="02020603050405020304" pitchFamily="18" charset="0"/>
+              </a:rPr>
+              <a:t>: </a:t>
+            </a:r>
+            <a:r>
+              <a:rPr lang="en-US" dirty="0" err="1" smtClean="0">
+                <a:latin typeface="Times New Roman" panose="02020603050405020304" pitchFamily="18" charset="0"/>
+                <a:cs typeface="Times New Roman" panose="02020603050405020304" pitchFamily="18" charset="0"/>
+              </a:rPr>
+              <a:t>đặt</a:t>
+            </a:r>
+            <a:r>
+              <a:rPr lang="en-US" dirty="0" smtClean="0">
+                <a:latin typeface="Times New Roman" panose="02020603050405020304" pitchFamily="18" charset="0"/>
+                <a:cs typeface="Times New Roman" panose="02020603050405020304" pitchFamily="18" charset="0"/>
+              </a:rPr>
+              <a:t> </a:t>
+            </a:r>
+            <a:r>
+              <a:rPr lang="en-US" dirty="0" err="1" smtClean="0">
+                <a:latin typeface="Times New Roman" panose="02020603050405020304" pitchFamily="18" charset="0"/>
+                <a:cs typeface="Times New Roman" panose="02020603050405020304" pitchFamily="18" charset="0"/>
+              </a:rPr>
+              <a:t>phòng</a:t>
+            </a:r>
+            <a:r>
+              <a:rPr lang="en-US" dirty="0" smtClean="0">
+                <a:latin typeface="Times New Roman" panose="02020603050405020304" pitchFamily="18" charset="0"/>
+                <a:cs typeface="Times New Roman" panose="02020603050405020304" pitchFamily="18" charset="0"/>
+              </a:rPr>
+              <a:t>, </a:t>
+            </a:r>
+            <a:r>
+              <a:rPr lang="en-US" dirty="0" err="1" smtClean="0">
+                <a:latin typeface="Times New Roman" panose="02020603050405020304" pitchFamily="18" charset="0"/>
+                <a:cs typeface="Times New Roman" panose="02020603050405020304" pitchFamily="18" charset="0"/>
+              </a:rPr>
+              <a:t>lịch</a:t>
+            </a:r>
+            <a:endParaRPr lang="en-US" dirty="0" smtClean="0">
+              <a:latin typeface="Times New Roman" panose="02020603050405020304" pitchFamily="18" charset="0"/>
+              <a:cs typeface="Times New Roman" panose="02020603050405020304" pitchFamily="18" charset="0"/>
+            </a:endParaRPr>
+          </a:p>
+          <a:p>
+            <a:r>
+              <a:rPr lang="en-US" dirty="0" err="1" smtClean="0">
+                <a:latin typeface="Times New Roman" panose="02020603050405020304" pitchFamily="18" charset="0"/>
+                <a:cs typeface="Times New Roman" panose="02020603050405020304" pitchFamily="18" charset="0"/>
+              </a:rPr>
+              <a:t>Độ</a:t>
+            </a:r>
+            <a:r>
+              <a:rPr lang="en-US" dirty="0" smtClean="0">
+                <a:latin typeface="Times New Roman" panose="02020603050405020304" pitchFamily="18" charset="0"/>
+                <a:cs typeface="Times New Roman" panose="02020603050405020304" pitchFamily="18" charset="0"/>
+              </a:rPr>
+              <a:t> </a:t>
+            </a:r>
+            <a:r>
+              <a:rPr lang="en-US" dirty="0" err="1" smtClean="0">
+                <a:latin typeface="Times New Roman" panose="02020603050405020304" pitchFamily="18" charset="0"/>
+                <a:cs typeface="Times New Roman" panose="02020603050405020304" pitchFamily="18" charset="0"/>
+              </a:rPr>
+              <a:t>chính</a:t>
+            </a:r>
+            <a:r>
+              <a:rPr lang="en-US" dirty="0" smtClean="0">
+                <a:latin typeface="Times New Roman" panose="02020603050405020304" pitchFamily="18" charset="0"/>
+                <a:cs typeface="Times New Roman" panose="02020603050405020304" pitchFamily="18" charset="0"/>
+              </a:rPr>
+              <a:t> </a:t>
+            </a:r>
+            <a:r>
+              <a:rPr lang="en-US" dirty="0" err="1" smtClean="0">
+                <a:latin typeface="Times New Roman" panose="02020603050405020304" pitchFamily="18" charset="0"/>
+                <a:cs typeface="Times New Roman" panose="02020603050405020304" pitchFamily="18" charset="0"/>
+              </a:rPr>
+              <a:t>xác</a:t>
+            </a:r>
+            <a:r>
+              <a:rPr lang="en-US" dirty="0" smtClean="0">
+                <a:latin typeface="Times New Roman" panose="02020603050405020304" pitchFamily="18" charset="0"/>
+                <a:cs typeface="Times New Roman" panose="02020603050405020304" pitchFamily="18" charset="0"/>
+              </a:rPr>
+              <a:t> </a:t>
+            </a:r>
+            <a:r>
+              <a:rPr lang="en-US" dirty="0" err="1" smtClean="0">
+                <a:latin typeface="Times New Roman" panose="02020603050405020304" pitchFamily="18" charset="0"/>
+                <a:cs typeface="Times New Roman" panose="02020603050405020304" pitchFamily="18" charset="0"/>
+              </a:rPr>
+              <a:t>phụ</a:t>
+            </a:r>
+            <a:r>
+              <a:rPr lang="en-US" dirty="0" smtClean="0">
+                <a:latin typeface="Times New Roman" panose="02020603050405020304" pitchFamily="18" charset="0"/>
+                <a:cs typeface="Times New Roman" panose="02020603050405020304" pitchFamily="18" charset="0"/>
+              </a:rPr>
+              <a:t> </a:t>
+            </a:r>
+            <a:r>
+              <a:rPr lang="en-US" dirty="0" err="1" smtClean="0">
+                <a:latin typeface="Times New Roman" panose="02020603050405020304" pitchFamily="18" charset="0"/>
+                <a:cs typeface="Times New Roman" panose="02020603050405020304" pitchFamily="18" charset="0"/>
+              </a:rPr>
+              <a:t>thuộc</a:t>
+            </a:r>
+            <a:r>
+              <a:rPr lang="en-US" dirty="0" smtClean="0">
+                <a:latin typeface="Times New Roman" panose="02020603050405020304" pitchFamily="18" charset="0"/>
+                <a:cs typeface="Times New Roman" panose="02020603050405020304" pitchFamily="18" charset="0"/>
+              </a:rPr>
+              <a:t> </a:t>
+            </a:r>
+            <a:r>
+              <a:rPr lang="en-US" dirty="0" err="1" smtClean="0">
+                <a:latin typeface="Times New Roman" panose="02020603050405020304" pitchFamily="18" charset="0"/>
+                <a:cs typeface="Times New Roman" panose="02020603050405020304" pitchFamily="18" charset="0"/>
+              </a:rPr>
+              <a:t>vào</a:t>
+            </a:r>
+            <a:r>
+              <a:rPr lang="en-US" dirty="0" smtClean="0">
+                <a:latin typeface="Times New Roman" panose="02020603050405020304" pitchFamily="18" charset="0"/>
+                <a:cs typeface="Times New Roman" panose="02020603050405020304" pitchFamily="18" charset="0"/>
+              </a:rPr>
+              <a:t> 2 </a:t>
+            </a:r>
+            <a:r>
+              <a:rPr lang="en-US" dirty="0" err="1" smtClean="0">
+                <a:latin typeface="Times New Roman" panose="02020603050405020304" pitchFamily="18" charset="0"/>
+                <a:cs typeface="Times New Roman" panose="02020603050405020304" pitchFamily="18" charset="0"/>
+              </a:rPr>
+              <a:t>yếu</a:t>
+            </a:r>
+            <a:r>
+              <a:rPr lang="en-US" dirty="0" smtClean="0">
+                <a:latin typeface="Times New Roman" panose="02020603050405020304" pitchFamily="18" charset="0"/>
+                <a:cs typeface="Times New Roman" panose="02020603050405020304" pitchFamily="18" charset="0"/>
+              </a:rPr>
+              <a:t> </a:t>
+            </a:r>
+            <a:r>
+              <a:rPr lang="en-US" dirty="0" err="1" smtClean="0">
+                <a:latin typeface="Times New Roman" panose="02020603050405020304" pitchFamily="18" charset="0"/>
+                <a:cs typeface="Times New Roman" panose="02020603050405020304" pitchFamily="18" charset="0"/>
+              </a:rPr>
+              <a:t>tố</a:t>
+            </a:r>
+            <a:r>
+              <a:rPr lang="en-US" dirty="0" smtClean="0">
+                <a:latin typeface="Times New Roman" panose="02020603050405020304" pitchFamily="18" charset="0"/>
+                <a:cs typeface="Times New Roman" panose="02020603050405020304" pitchFamily="18" charset="0"/>
+              </a:rPr>
+              <a:t>:</a:t>
+            </a:r>
+          </a:p>
+          <a:p>
+            <a:pPr marL="0" indent="0">
+              <a:buNone/>
+            </a:pPr>
+            <a:r>
+              <a:rPr lang="en-US" dirty="0" smtClean="0">
+                <a:latin typeface="Times New Roman" panose="02020603050405020304" pitchFamily="18" charset="0"/>
+                <a:cs typeface="Times New Roman" panose="02020603050405020304" pitchFamily="18" charset="0"/>
+              </a:rPr>
+              <a:t>	- </a:t>
+            </a:r>
+            <a:r>
+              <a:rPr lang="en-US" dirty="0" err="1" smtClean="0">
+                <a:latin typeface="Times New Roman" panose="02020603050405020304" pitchFamily="18" charset="0"/>
+                <a:cs typeface="Times New Roman" panose="02020603050405020304" pitchFamily="18" charset="0"/>
+              </a:rPr>
+              <a:t>Tần</a:t>
+            </a:r>
+            <a:r>
+              <a:rPr lang="en-US" dirty="0" smtClean="0">
+                <a:latin typeface="Times New Roman" panose="02020603050405020304" pitchFamily="18" charset="0"/>
+                <a:cs typeface="Times New Roman" panose="02020603050405020304" pitchFamily="18" charset="0"/>
+              </a:rPr>
+              <a:t> </a:t>
+            </a:r>
+            <a:r>
+              <a:rPr lang="en-US" dirty="0" err="1" smtClean="0">
+                <a:latin typeface="Times New Roman" panose="02020603050405020304" pitchFamily="18" charset="0"/>
+                <a:cs typeface="Times New Roman" panose="02020603050405020304" pitchFamily="18" charset="0"/>
+              </a:rPr>
+              <a:t>suất</a:t>
+            </a:r>
+            <a:r>
+              <a:rPr lang="en-US" dirty="0" smtClean="0">
+                <a:latin typeface="Times New Roman" panose="02020603050405020304" pitchFamily="18" charset="0"/>
+                <a:cs typeface="Times New Roman" panose="02020603050405020304" pitchFamily="18" charset="0"/>
+              </a:rPr>
+              <a:t> </a:t>
+            </a:r>
+            <a:r>
+              <a:rPr lang="en-US" dirty="0" err="1" smtClean="0">
+                <a:latin typeface="Times New Roman" panose="02020603050405020304" pitchFamily="18" charset="0"/>
+                <a:cs typeface="Times New Roman" panose="02020603050405020304" pitchFamily="18" charset="0"/>
+              </a:rPr>
+              <a:t>xuất</a:t>
+            </a:r>
+            <a:r>
+              <a:rPr lang="en-US" dirty="0" smtClean="0">
+                <a:latin typeface="Times New Roman" panose="02020603050405020304" pitchFamily="18" charset="0"/>
+                <a:cs typeface="Times New Roman" panose="02020603050405020304" pitchFamily="18" charset="0"/>
+              </a:rPr>
+              <a:t> </a:t>
+            </a:r>
+            <a:r>
+              <a:rPr lang="en-US" dirty="0" err="1" smtClean="0">
+                <a:latin typeface="Times New Roman" panose="02020603050405020304" pitchFamily="18" charset="0"/>
+                <a:cs typeface="Times New Roman" panose="02020603050405020304" pitchFamily="18" charset="0"/>
+              </a:rPr>
+              <a:t>hiện</a:t>
+            </a:r>
+            <a:r>
+              <a:rPr lang="en-US" dirty="0" smtClean="0">
+                <a:latin typeface="Times New Roman" panose="02020603050405020304" pitchFamily="18" charset="0"/>
+                <a:cs typeface="Times New Roman" panose="02020603050405020304" pitchFamily="18" charset="0"/>
+              </a:rPr>
+              <a:t> </a:t>
+            </a:r>
+            <a:r>
+              <a:rPr lang="en-US" dirty="0" err="1" smtClean="0">
+                <a:latin typeface="Times New Roman" panose="02020603050405020304" pitchFamily="18" charset="0"/>
+                <a:cs typeface="Times New Roman" panose="02020603050405020304" pitchFamily="18" charset="0"/>
+              </a:rPr>
+              <a:t>một</a:t>
+            </a:r>
+            <a:r>
+              <a:rPr lang="en-US" dirty="0" smtClean="0">
+                <a:latin typeface="Times New Roman" panose="02020603050405020304" pitchFamily="18" charset="0"/>
+                <a:cs typeface="Times New Roman" panose="02020603050405020304" pitchFamily="18" charset="0"/>
+              </a:rPr>
+              <a:t> </a:t>
+            </a:r>
+            <a:r>
+              <a:rPr lang="en-US" dirty="0" err="1" smtClean="0">
+                <a:latin typeface="Times New Roman" panose="02020603050405020304" pitchFamily="18" charset="0"/>
+                <a:cs typeface="Times New Roman" panose="02020603050405020304" pitchFamily="18" charset="0"/>
+              </a:rPr>
+              <a:t>loại</a:t>
+            </a:r>
+            <a:r>
+              <a:rPr lang="en-US" dirty="0" smtClean="0">
+                <a:latin typeface="Times New Roman" panose="02020603050405020304" pitchFamily="18" charset="0"/>
+                <a:cs typeface="Times New Roman" panose="02020603050405020304" pitchFamily="18" charset="0"/>
+              </a:rPr>
+              <a:t> </a:t>
+            </a:r>
+            <a:r>
+              <a:rPr lang="en-US" dirty="0" err="1" smtClean="0">
+                <a:latin typeface="Times New Roman" panose="02020603050405020304" pitchFamily="18" charset="0"/>
+                <a:cs typeface="Times New Roman" panose="02020603050405020304" pitchFamily="18" charset="0"/>
+              </a:rPr>
+              <a:t>từ</a:t>
+            </a:r>
+            <a:r>
+              <a:rPr lang="en-US" dirty="0" smtClean="0">
+                <a:latin typeface="Times New Roman" panose="02020603050405020304" pitchFamily="18" charset="0"/>
+                <a:cs typeface="Times New Roman" panose="02020603050405020304" pitchFamily="18" charset="0"/>
+              </a:rPr>
+              <a:t> </a:t>
+            </a:r>
+            <a:r>
+              <a:rPr lang="en-US" dirty="0" err="1" smtClean="0">
+                <a:latin typeface="Times New Roman" panose="02020603050405020304" pitchFamily="18" charset="0"/>
+                <a:cs typeface="Times New Roman" panose="02020603050405020304" pitchFamily="18" charset="0"/>
+              </a:rPr>
+              <a:t>của</a:t>
+            </a:r>
+            <a:r>
+              <a:rPr lang="en-US" dirty="0" smtClean="0">
+                <a:latin typeface="Times New Roman" panose="02020603050405020304" pitchFamily="18" charset="0"/>
+                <a:cs typeface="Times New Roman" panose="02020603050405020304" pitchFamily="18" charset="0"/>
+              </a:rPr>
+              <a:t> </a:t>
+            </a:r>
+            <a:r>
+              <a:rPr lang="en-US" dirty="0" err="1" smtClean="0">
+                <a:latin typeface="Times New Roman" panose="02020603050405020304" pitchFamily="18" charset="0"/>
+                <a:cs typeface="Times New Roman" panose="02020603050405020304" pitchFamily="18" charset="0"/>
+              </a:rPr>
+              <a:t>một</a:t>
+            </a:r>
+            <a:r>
+              <a:rPr lang="en-US" dirty="0" smtClean="0">
+                <a:latin typeface="Times New Roman" panose="02020603050405020304" pitchFamily="18" charset="0"/>
+                <a:cs typeface="Times New Roman" panose="02020603050405020304" pitchFamily="18" charset="0"/>
+              </a:rPr>
+              <a:t> </a:t>
+            </a:r>
+            <a:r>
+              <a:rPr lang="en-US" dirty="0" err="1" smtClean="0">
+                <a:latin typeface="Times New Roman" panose="02020603050405020304" pitchFamily="18" charset="0"/>
+                <a:cs typeface="Times New Roman" panose="02020603050405020304" pitchFamily="18" charset="0"/>
+              </a:rPr>
+              <a:t>từ</a:t>
+            </a:r>
+            <a:r>
+              <a:rPr lang="en-US" dirty="0" smtClean="0">
+                <a:latin typeface="Times New Roman" panose="02020603050405020304" pitchFamily="18" charset="0"/>
+                <a:cs typeface="Times New Roman" panose="02020603050405020304" pitchFamily="18" charset="0"/>
+              </a:rPr>
+              <a:t> </a:t>
+            </a:r>
+            <a:r>
+              <a:rPr lang="en-US" dirty="0" err="1" smtClean="0">
+                <a:latin typeface="Times New Roman" panose="02020603050405020304" pitchFamily="18" charset="0"/>
+                <a:cs typeface="Times New Roman" panose="02020603050405020304" pitchFamily="18" charset="0"/>
+              </a:rPr>
+              <a:t>nào</a:t>
+            </a:r>
+            <a:r>
+              <a:rPr lang="en-US" dirty="0" smtClean="0">
+                <a:latin typeface="Times New Roman" panose="02020603050405020304" pitchFamily="18" charset="0"/>
+                <a:cs typeface="Times New Roman" panose="02020603050405020304" pitchFamily="18" charset="0"/>
+              </a:rPr>
+              <a:t> </a:t>
+            </a:r>
+            <a:r>
+              <a:rPr lang="en-US" dirty="0" err="1" smtClean="0">
+                <a:latin typeface="Times New Roman" panose="02020603050405020304" pitchFamily="18" charset="0"/>
+                <a:cs typeface="Times New Roman" panose="02020603050405020304" pitchFamily="18" charset="0"/>
+              </a:rPr>
+              <a:t>đó</a:t>
+            </a:r>
+            <a:endParaRPr lang="en-US" dirty="0" smtClean="0">
+              <a:latin typeface="Times New Roman" panose="02020603050405020304" pitchFamily="18" charset="0"/>
+              <a:cs typeface="Times New Roman" panose="02020603050405020304" pitchFamily="18" charset="0"/>
+            </a:endParaRPr>
+          </a:p>
+          <a:p>
+            <a:pPr marL="0" indent="0">
+              <a:buNone/>
+            </a:pPr>
+            <a:r>
+              <a:rPr lang="en-US" dirty="0">
+                <a:latin typeface="Times New Roman" panose="02020603050405020304" pitchFamily="18" charset="0"/>
+                <a:cs typeface="Times New Roman" panose="02020603050405020304" pitchFamily="18" charset="0"/>
+              </a:rPr>
+              <a:t>	</a:t>
+            </a:r>
+            <a:r>
+              <a:rPr lang="en-US" dirty="0" err="1" smtClean="0">
+                <a:latin typeface="Times New Roman" panose="02020603050405020304" pitchFamily="18" charset="0"/>
+                <a:cs typeface="Times New Roman" panose="02020603050405020304" pitchFamily="18" charset="0"/>
+              </a:rPr>
+              <a:t>Ví</a:t>
+            </a:r>
+            <a:r>
+              <a:rPr lang="en-US" dirty="0" smtClean="0">
+                <a:latin typeface="Times New Roman" panose="02020603050405020304" pitchFamily="18" charset="0"/>
+                <a:cs typeface="Times New Roman" panose="02020603050405020304" pitchFamily="18" charset="0"/>
+              </a:rPr>
+              <a:t> </a:t>
+            </a:r>
+            <a:r>
+              <a:rPr lang="en-US" dirty="0" err="1" smtClean="0">
+                <a:latin typeface="Times New Roman" panose="02020603050405020304" pitchFamily="18" charset="0"/>
+                <a:cs typeface="Times New Roman" panose="02020603050405020304" pitchFamily="18" charset="0"/>
+              </a:rPr>
+              <a:t>dụ</a:t>
+            </a:r>
+            <a:r>
+              <a:rPr lang="en-US" dirty="0" smtClean="0">
+                <a:latin typeface="Times New Roman" panose="02020603050405020304" pitchFamily="18" charset="0"/>
+                <a:cs typeface="Times New Roman" panose="02020603050405020304" pitchFamily="18" charset="0"/>
+              </a:rPr>
+              <a:t>: act(v) </a:t>
+            </a:r>
+            <a:r>
+              <a:rPr lang="en-US" dirty="0" err="1" smtClean="0">
+                <a:latin typeface="Times New Roman" panose="02020603050405020304" pitchFamily="18" charset="0"/>
+                <a:cs typeface="Times New Roman" panose="02020603050405020304" pitchFamily="18" charset="0"/>
+              </a:rPr>
+              <a:t>được</a:t>
+            </a:r>
+            <a:r>
+              <a:rPr lang="en-US" dirty="0" smtClean="0">
+                <a:latin typeface="Times New Roman" panose="02020603050405020304" pitchFamily="18" charset="0"/>
+                <a:cs typeface="Times New Roman" panose="02020603050405020304" pitchFamily="18" charset="0"/>
+              </a:rPr>
+              <a:t> </a:t>
+            </a:r>
+            <a:r>
+              <a:rPr lang="en-US" dirty="0" err="1" smtClean="0">
+                <a:latin typeface="Times New Roman" panose="02020603050405020304" pitchFamily="18" charset="0"/>
+                <a:cs typeface="Times New Roman" panose="02020603050405020304" pitchFamily="18" charset="0"/>
+              </a:rPr>
+              <a:t>sử</a:t>
+            </a:r>
+            <a:r>
+              <a:rPr lang="en-US" dirty="0" smtClean="0">
+                <a:latin typeface="Times New Roman" panose="02020603050405020304" pitchFamily="18" charset="0"/>
+                <a:cs typeface="Times New Roman" panose="02020603050405020304" pitchFamily="18" charset="0"/>
+              </a:rPr>
+              <a:t> </a:t>
+            </a:r>
+            <a:r>
+              <a:rPr lang="en-US" dirty="0" err="1" smtClean="0">
+                <a:latin typeface="Times New Roman" panose="02020603050405020304" pitchFamily="18" charset="0"/>
+                <a:cs typeface="Times New Roman" panose="02020603050405020304" pitchFamily="18" charset="0"/>
+              </a:rPr>
+              <a:t>dụng</a:t>
+            </a:r>
+            <a:r>
+              <a:rPr lang="en-US" dirty="0" smtClean="0">
+                <a:latin typeface="Times New Roman" panose="02020603050405020304" pitchFamily="18" charset="0"/>
+                <a:cs typeface="Times New Roman" panose="02020603050405020304" pitchFamily="18" charset="0"/>
+              </a:rPr>
+              <a:t> </a:t>
+            </a:r>
+            <a:r>
+              <a:rPr lang="en-US" dirty="0" err="1" smtClean="0">
+                <a:latin typeface="Times New Roman" panose="02020603050405020304" pitchFamily="18" charset="0"/>
+                <a:cs typeface="Times New Roman" panose="02020603050405020304" pitchFamily="18" charset="0"/>
+              </a:rPr>
+              <a:t>nhiều</a:t>
+            </a:r>
+            <a:r>
+              <a:rPr lang="en-US" dirty="0" smtClean="0">
+                <a:latin typeface="Times New Roman" panose="02020603050405020304" pitchFamily="18" charset="0"/>
+                <a:cs typeface="Times New Roman" panose="02020603050405020304" pitchFamily="18" charset="0"/>
+              </a:rPr>
+              <a:t> </a:t>
+            </a:r>
+            <a:r>
+              <a:rPr lang="en-US" dirty="0" err="1" smtClean="0">
+                <a:latin typeface="Times New Roman" panose="02020603050405020304" pitchFamily="18" charset="0"/>
+                <a:cs typeface="Times New Roman" panose="02020603050405020304" pitchFamily="18" charset="0"/>
+              </a:rPr>
+              <a:t>hơn</a:t>
+            </a:r>
+            <a:r>
+              <a:rPr lang="en-US" dirty="0" smtClean="0">
+                <a:latin typeface="Times New Roman" panose="02020603050405020304" pitchFamily="18" charset="0"/>
+                <a:cs typeface="Times New Roman" panose="02020603050405020304" pitchFamily="18" charset="0"/>
+              </a:rPr>
+              <a:t> act(n)</a:t>
+            </a:r>
+          </a:p>
+          <a:p>
+            <a:pPr marL="0" indent="0">
+              <a:buNone/>
+            </a:pPr>
+            <a:r>
+              <a:rPr lang="en-US" dirty="0">
+                <a:latin typeface="Times New Roman" panose="02020603050405020304" pitchFamily="18" charset="0"/>
+                <a:cs typeface="Times New Roman" panose="02020603050405020304" pitchFamily="18" charset="0"/>
+              </a:rPr>
+              <a:t>	</a:t>
+            </a:r>
+            <a:r>
+              <a:rPr lang="en-US" dirty="0" smtClean="0">
+                <a:latin typeface="Times New Roman" panose="02020603050405020304" pitchFamily="18" charset="0"/>
+                <a:cs typeface="Times New Roman" panose="02020603050405020304" pitchFamily="18" charset="0"/>
+              </a:rPr>
+              <a:t>- </a:t>
+            </a:r>
+            <a:r>
+              <a:rPr lang="en-US" dirty="0" err="1" smtClean="0">
+                <a:latin typeface="Times New Roman" panose="02020603050405020304" pitchFamily="18" charset="0"/>
+                <a:cs typeface="Times New Roman" panose="02020603050405020304" pitchFamily="18" charset="0"/>
+              </a:rPr>
+              <a:t>Ngữ</a:t>
+            </a:r>
+            <a:r>
+              <a:rPr lang="en-US" dirty="0" smtClean="0">
+                <a:latin typeface="Times New Roman" panose="02020603050405020304" pitchFamily="18" charset="0"/>
+                <a:cs typeface="Times New Roman" panose="02020603050405020304" pitchFamily="18" charset="0"/>
+              </a:rPr>
+              <a:t> </a:t>
+            </a:r>
+            <a:r>
+              <a:rPr lang="en-US" dirty="0" err="1" smtClean="0">
+                <a:latin typeface="Times New Roman" panose="02020603050405020304" pitchFamily="18" charset="0"/>
+                <a:cs typeface="Times New Roman" panose="02020603050405020304" pitchFamily="18" charset="0"/>
+              </a:rPr>
+              <a:t>cảnh</a:t>
+            </a:r>
+            <a:r>
+              <a:rPr lang="en-US" dirty="0" smtClean="0">
+                <a:latin typeface="Times New Roman" panose="02020603050405020304" pitchFamily="18" charset="0"/>
+                <a:cs typeface="Times New Roman" panose="02020603050405020304" pitchFamily="18" charset="0"/>
+              </a:rPr>
+              <a:t> </a:t>
+            </a:r>
+            <a:r>
+              <a:rPr lang="en-US" dirty="0" err="1" smtClean="0">
+                <a:latin typeface="Times New Roman" panose="02020603050405020304" pitchFamily="18" charset="0"/>
+                <a:cs typeface="Times New Roman" panose="02020603050405020304" pitchFamily="18" charset="0"/>
+              </a:rPr>
+              <a:t>của</a:t>
+            </a:r>
+            <a:r>
+              <a:rPr lang="en-US" dirty="0" smtClean="0">
+                <a:latin typeface="Times New Roman" panose="02020603050405020304" pitchFamily="18" charset="0"/>
+                <a:cs typeface="Times New Roman" panose="02020603050405020304" pitchFamily="18" charset="0"/>
+              </a:rPr>
+              <a:t> </a:t>
+            </a:r>
+            <a:r>
+              <a:rPr lang="en-US" dirty="0" err="1" smtClean="0">
+                <a:latin typeface="Times New Roman" panose="02020603050405020304" pitchFamily="18" charset="0"/>
+                <a:cs typeface="Times New Roman" panose="02020603050405020304" pitchFamily="18" charset="0"/>
+              </a:rPr>
+              <a:t>câu</a:t>
+            </a:r>
+            <a:endParaRPr lang="en-US" dirty="0" smtClean="0">
+              <a:latin typeface="Times New Roman" panose="02020603050405020304" pitchFamily="18" charset="0"/>
+              <a:cs typeface="Times New Roman" panose="02020603050405020304" pitchFamily="18" charset="0"/>
+            </a:endParaRPr>
+          </a:p>
+          <a:p>
+            <a:pPr marL="0" indent="0">
+              <a:buNone/>
+            </a:pPr>
+            <a:r>
+              <a:rPr lang="en-US" dirty="0">
+                <a:latin typeface="Times New Roman" panose="02020603050405020304" pitchFamily="18" charset="0"/>
+                <a:cs typeface="Times New Roman" panose="02020603050405020304" pitchFamily="18" charset="0"/>
+              </a:rPr>
+              <a:t>	</a:t>
+            </a:r>
+            <a:r>
+              <a:rPr lang="en-US" dirty="0" err="1" smtClean="0">
+                <a:latin typeface="Times New Roman" panose="02020603050405020304" pitchFamily="18" charset="0"/>
+                <a:cs typeface="Times New Roman" panose="02020603050405020304" pitchFamily="18" charset="0"/>
+              </a:rPr>
+              <a:t>Ví</a:t>
+            </a:r>
+            <a:r>
+              <a:rPr lang="en-US" dirty="0" smtClean="0">
+                <a:latin typeface="Times New Roman" panose="02020603050405020304" pitchFamily="18" charset="0"/>
+                <a:cs typeface="Times New Roman" panose="02020603050405020304" pitchFamily="18" charset="0"/>
+              </a:rPr>
+              <a:t> </a:t>
+            </a:r>
+            <a:r>
+              <a:rPr lang="en-US" dirty="0" err="1" smtClean="0">
+                <a:latin typeface="Times New Roman" panose="02020603050405020304" pitchFamily="18" charset="0"/>
+                <a:cs typeface="Times New Roman" panose="02020603050405020304" pitchFamily="18" charset="0"/>
+              </a:rPr>
+              <a:t>dụ</a:t>
+            </a:r>
+            <a:r>
+              <a:rPr lang="en-US" dirty="0" smtClean="0">
+                <a:latin typeface="Times New Roman" panose="02020603050405020304" pitchFamily="18" charset="0"/>
+                <a:cs typeface="Times New Roman" panose="02020603050405020304" pitchFamily="18" charset="0"/>
+              </a:rPr>
+              <a:t>: </a:t>
+            </a:r>
+          </a:p>
+          <a:p>
+            <a:pPr marL="0" indent="0">
+              <a:buNone/>
+            </a:pPr>
+            <a:r>
+              <a:rPr lang="en-US" dirty="0">
+                <a:latin typeface="Times New Roman" panose="02020603050405020304" pitchFamily="18" charset="0"/>
+                <a:cs typeface="Times New Roman" panose="02020603050405020304" pitchFamily="18" charset="0"/>
+              </a:rPr>
+              <a:t>	</a:t>
+            </a:r>
+            <a:r>
+              <a:rPr lang="en-US" dirty="0" smtClean="0">
+                <a:latin typeface="Times New Roman" panose="02020603050405020304" pitchFamily="18" charset="0"/>
+                <a:cs typeface="Times New Roman" panose="02020603050405020304" pitchFamily="18" charset="0"/>
+              </a:rPr>
+              <a:t>	I am waiting for the </a:t>
+            </a:r>
+            <a:r>
+              <a:rPr lang="en-US" b="1" dirty="0" smtClean="0">
+                <a:latin typeface="Times New Roman" panose="02020603050405020304" pitchFamily="18" charset="0"/>
+                <a:cs typeface="Times New Roman" panose="02020603050405020304" pitchFamily="18" charset="0"/>
+              </a:rPr>
+              <a:t>train</a:t>
+            </a:r>
+            <a:r>
+              <a:rPr lang="en-US" dirty="0">
+                <a:latin typeface="Times New Roman" panose="02020603050405020304" pitchFamily="18" charset="0"/>
+                <a:cs typeface="Times New Roman" panose="02020603050405020304" pitchFamily="18" charset="0"/>
+              </a:rPr>
+              <a:t>	</a:t>
+            </a:r>
+            <a:r>
+              <a:rPr lang="en-US" dirty="0" smtClean="0">
+                <a:latin typeface="Times New Roman" panose="02020603050405020304" pitchFamily="18" charset="0"/>
+                <a:cs typeface="Times New Roman" panose="02020603050405020304" pitchFamily="18" charset="0"/>
+              </a:rPr>
+              <a:t>		</a:t>
+            </a:r>
+          </a:p>
+          <a:p>
+            <a:pPr marL="0" indent="0">
+              <a:buNone/>
+            </a:pPr>
+            <a:r>
+              <a:rPr lang="en-US" dirty="0">
+                <a:latin typeface="Times New Roman" panose="02020603050405020304" pitchFamily="18" charset="0"/>
+                <a:cs typeface="Times New Roman" panose="02020603050405020304" pitchFamily="18" charset="0"/>
+              </a:rPr>
+              <a:t>	</a:t>
+            </a:r>
+            <a:r>
+              <a:rPr lang="en-US" dirty="0" smtClean="0">
+                <a:latin typeface="Times New Roman" panose="02020603050405020304" pitchFamily="18" charset="0"/>
+                <a:cs typeface="Times New Roman" panose="02020603050405020304" pitchFamily="18" charset="0"/>
+              </a:rPr>
+              <a:t>		-&gt; </a:t>
+            </a:r>
+            <a:r>
+              <a:rPr lang="en-US" dirty="0" err="1" smtClean="0">
+                <a:latin typeface="Times New Roman" panose="02020603050405020304" pitchFamily="18" charset="0"/>
+                <a:cs typeface="Times New Roman" panose="02020603050405020304" pitchFamily="18" charset="0"/>
+              </a:rPr>
+              <a:t>Sau</a:t>
+            </a:r>
+            <a:r>
+              <a:rPr lang="en-US" dirty="0" smtClean="0">
+                <a:latin typeface="Times New Roman" panose="02020603050405020304" pitchFamily="18" charset="0"/>
+                <a:cs typeface="Times New Roman" panose="02020603050405020304" pitchFamily="18" charset="0"/>
+              </a:rPr>
+              <a:t> </a:t>
+            </a:r>
+            <a:r>
+              <a:rPr lang="en-US" dirty="0" err="1" smtClean="0">
+                <a:latin typeface="Times New Roman" panose="02020603050405020304" pitchFamily="18" charset="0"/>
+                <a:cs typeface="Times New Roman" panose="02020603050405020304" pitchFamily="18" charset="0"/>
+              </a:rPr>
+              <a:t>mạo</a:t>
+            </a:r>
+            <a:r>
+              <a:rPr lang="en-US" dirty="0" smtClean="0">
+                <a:latin typeface="Times New Roman" panose="02020603050405020304" pitchFamily="18" charset="0"/>
+                <a:cs typeface="Times New Roman" panose="02020603050405020304" pitchFamily="18" charset="0"/>
+              </a:rPr>
+              <a:t> </a:t>
+            </a:r>
+            <a:r>
+              <a:rPr lang="en-US" dirty="0" err="1" smtClean="0">
+                <a:latin typeface="Times New Roman" panose="02020603050405020304" pitchFamily="18" charset="0"/>
+                <a:cs typeface="Times New Roman" panose="02020603050405020304" pitchFamily="18" charset="0"/>
+              </a:rPr>
+              <a:t>từ</a:t>
+            </a:r>
+            <a:r>
+              <a:rPr lang="en-US" dirty="0" smtClean="0">
+                <a:latin typeface="Times New Roman" panose="02020603050405020304" pitchFamily="18" charset="0"/>
+                <a:cs typeface="Times New Roman" panose="02020603050405020304" pitchFamily="18" charset="0"/>
+              </a:rPr>
+              <a:t> the, train </a:t>
+            </a:r>
+            <a:r>
+              <a:rPr lang="en-US" dirty="0" err="1" smtClean="0">
+                <a:latin typeface="Times New Roman" panose="02020603050405020304" pitchFamily="18" charset="0"/>
+                <a:cs typeface="Times New Roman" panose="02020603050405020304" pitchFamily="18" charset="0"/>
+              </a:rPr>
+              <a:t>luôn</a:t>
+            </a:r>
+            <a:r>
+              <a:rPr lang="en-US" dirty="0" smtClean="0">
+                <a:latin typeface="Times New Roman" panose="02020603050405020304" pitchFamily="18" charset="0"/>
+                <a:cs typeface="Times New Roman" panose="02020603050405020304" pitchFamily="18" charset="0"/>
+              </a:rPr>
+              <a:t> </a:t>
+            </a:r>
+            <a:r>
+              <a:rPr lang="en-US" dirty="0" err="1" smtClean="0">
+                <a:latin typeface="Times New Roman" panose="02020603050405020304" pitchFamily="18" charset="0"/>
+                <a:cs typeface="Times New Roman" panose="02020603050405020304" pitchFamily="18" charset="0"/>
+              </a:rPr>
+              <a:t>được</a:t>
+            </a:r>
+            <a:r>
+              <a:rPr lang="en-US" dirty="0" smtClean="0">
+                <a:latin typeface="Times New Roman" panose="02020603050405020304" pitchFamily="18" charset="0"/>
+                <a:cs typeface="Times New Roman" panose="02020603050405020304" pitchFamily="18" charset="0"/>
+              </a:rPr>
+              <a:t> </a:t>
+            </a:r>
+            <a:r>
+              <a:rPr lang="en-US" dirty="0" err="1" smtClean="0">
+                <a:latin typeface="Times New Roman" panose="02020603050405020304" pitchFamily="18" charset="0"/>
+                <a:cs typeface="Times New Roman" panose="02020603050405020304" pitchFamily="18" charset="0"/>
+              </a:rPr>
+              <a:t>dùng</a:t>
+            </a:r>
+            <a:r>
+              <a:rPr lang="en-US" dirty="0" smtClean="0">
+                <a:latin typeface="Times New Roman" panose="02020603050405020304" pitchFamily="18" charset="0"/>
+                <a:cs typeface="Times New Roman" panose="02020603050405020304" pitchFamily="18" charset="0"/>
+              </a:rPr>
+              <a:t> </a:t>
+            </a:r>
+            <a:r>
+              <a:rPr lang="en-US" dirty="0" err="1" smtClean="0">
+                <a:latin typeface="Times New Roman" panose="02020603050405020304" pitchFamily="18" charset="0"/>
+                <a:cs typeface="Times New Roman" panose="02020603050405020304" pitchFamily="18" charset="0"/>
+              </a:rPr>
+              <a:t>như</a:t>
+            </a:r>
+            <a:r>
+              <a:rPr lang="en-US" dirty="0" smtClean="0">
+                <a:latin typeface="Times New Roman" panose="02020603050405020304" pitchFamily="18" charset="0"/>
+                <a:cs typeface="Times New Roman" panose="02020603050405020304" pitchFamily="18" charset="0"/>
+              </a:rPr>
+              <a:t> </a:t>
+            </a:r>
+            <a:r>
+              <a:rPr lang="en-US" dirty="0" err="1" smtClean="0">
+                <a:latin typeface="Times New Roman" panose="02020603050405020304" pitchFamily="18" charset="0"/>
+                <a:cs typeface="Times New Roman" panose="02020603050405020304" pitchFamily="18" charset="0"/>
+              </a:rPr>
+              <a:t>danh</a:t>
+            </a:r>
+            <a:r>
+              <a:rPr lang="en-US" dirty="0" smtClean="0">
+                <a:latin typeface="Times New Roman" panose="02020603050405020304" pitchFamily="18" charset="0"/>
+                <a:cs typeface="Times New Roman" panose="02020603050405020304" pitchFamily="18" charset="0"/>
+              </a:rPr>
+              <a:t> </a:t>
+            </a:r>
+            <a:r>
+              <a:rPr lang="en-US" dirty="0" err="1" smtClean="0">
+                <a:latin typeface="Times New Roman" panose="02020603050405020304" pitchFamily="18" charset="0"/>
+                <a:cs typeface="Times New Roman" panose="02020603050405020304" pitchFamily="18" charset="0"/>
+              </a:rPr>
+              <a:t>từ</a:t>
+            </a:r>
+            <a:endParaRPr lang="en-US" dirty="0" smtClean="0">
+              <a:latin typeface="Times New Roman" panose="02020603050405020304" pitchFamily="18" charset="0"/>
+              <a:cs typeface="Times New Roman" panose="02020603050405020304" pitchFamily="18" charset="0"/>
+            </a:endParaRPr>
+          </a:p>
+          <a:p>
+            <a:pPr marL="0" indent="0">
+              <a:buNone/>
+            </a:pPr>
+            <a:r>
+              <a:rPr lang="en-US" dirty="0">
+                <a:latin typeface="Times New Roman" panose="02020603050405020304" pitchFamily="18" charset="0"/>
+                <a:cs typeface="Times New Roman" panose="02020603050405020304" pitchFamily="18" charset="0"/>
+              </a:rPr>
+              <a:t>	</a:t>
+            </a:r>
+            <a:r>
+              <a:rPr lang="en-US" dirty="0" smtClean="0">
+                <a:latin typeface="Times New Roman" panose="02020603050405020304" pitchFamily="18" charset="0"/>
+                <a:cs typeface="Times New Roman" panose="02020603050405020304" pitchFamily="18" charset="0"/>
+              </a:rPr>
+              <a:t>	She can </a:t>
+            </a:r>
+            <a:r>
+              <a:rPr lang="en-US" b="1" dirty="0" smtClean="0">
+                <a:latin typeface="Times New Roman" panose="02020603050405020304" pitchFamily="18" charset="0"/>
+                <a:cs typeface="Times New Roman" panose="02020603050405020304" pitchFamily="18" charset="0"/>
+              </a:rPr>
+              <a:t>train </a:t>
+            </a:r>
+            <a:r>
+              <a:rPr lang="en-US" dirty="0" smtClean="0">
+                <a:latin typeface="Times New Roman" panose="02020603050405020304" pitchFamily="18" charset="0"/>
+                <a:cs typeface="Times New Roman" panose="02020603050405020304" pitchFamily="18" charset="0"/>
+              </a:rPr>
+              <a:t>me on cooking</a:t>
+            </a:r>
+          </a:p>
+          <a:p>
+            <a:pPr marL="0" indent="0">
+              <a:buNone/>
+            </a:pPr>
+            <a:r>
+              <a:rPr lang="en-US" dirty="0">
+                <a:latin typeface="Times New Roman" panose="02020603050405020304" pitchFamily="18" charset="0"/>
+                <a:cs typeface="Times New Roman" panose="02020603050405020304" pitchFamily="18" charset="0"/>
+              </a:rPr>
+              <a:t>	</a:t>
+            </a:r>
+            <a:r>
+              <a:rPr lang="en-US" dirty="0" smtClean="0">
+                <a:latin typeface="Times New Roman" panose="02020603050405020304" pitchFamily="18" charset="0"/>
+                <a:cs typeface="Times New Roman" panose="02020603050405020304" pitchFamily="18" charset="0"/>
+              </a:rPr>
+              <a:t>		-&gt; </a:t>
+            </a:r>
+            <a:r>
+              <a:rPr lang="en-US" dirty="0" err="1" smtClean="0">
+                <a:latin typeface="Times New Roman" panose="02020603050405020304" pitchFamily="18" charset="0"/>
+                <a:cs typeface="Times New Roman" panose="02020603050405020304" pitchFamily="18" charset="0"/>
+              </a:rPr>
+              <a:t>Sau</a:t>
+            </a:r>
+            <a:r>
+              <a:rPr lang="en-US" dirty="0" smtClean="0">
+                <a:latin typeface="Times New Roman" panose="02020603050405020304" pitchFamily="18" charset="0"/>
+                <a:cs typeface="Times New Roman" panose="02020603050405020304" pitchFamily="18" charset="0"/>
+              </a:rPr>
+              <a:t> modal verb, train </a:t>
+            </a:r>
+            <a:r>
+              <a:rPr lang="en-US" dirty="0" err="1" smtClean="0">
+                <a:latin typeface="Times New Roman" panose="02020603050405020304" pitchFamily="18" charset="0"/>
+                <a:cs typeface="Times New Roman" panose="02020603050405020304" pitchFamily="18" charset="0"/>
+              </a:rPr>
+              <a:t>chắc</a:t>
+            </a:r>
+            <a:r>
+              <a:rPr lang="en-US" dirty="0" smtClean="0">
+                <a:latin typeface="Times New Roman" panose="02020603050405020304" pitchFamily="18" charset="0"/>
+                <a:cs typeface="Times New Roman" panose="02020603050405020304" pitchFamily="18" charset="0"/>
+              </a:rPr>
+              <a:t> </a:t>
+            </a:r>
+            <a:r>
+              <a:rPr lang="en-US" dirty="0" err="1" smtClean="0">
+                <a:latin typeface="Times New Roman" panose="02020603050405020304" pitchFamily="18" charset="0"/>
+                <a:cs typeface="Times New Roman" panose="02020603050405020304" pitchFamily="18" charset="0"/>
+              </a:rPr>
+              <a:t>chắn</a:t>
+            </a:r>
+            <a:r>
+              <a:rPr lang="en-US" dirty="0" smtClean="0">
+                <a:latin typeface="Times New Roman" panose="02020603050405020304" pitchFamily="18" charset="0"/>
+                <a:cs typeface="Times New Roman" panose="02020603050405020304" pitchFamily="18" charset="0"/>
+              </a:rPr>
+              <a:t> </a:t>
+            </a:r>
+            <a:r>
+              <a:rPr lang="en-US" dirty="0" err="1" smtClean="0">
+                <a:latin typeface="Times New Roman" panose="02020603050405020304" pitchFamily="18" charset="0"/>
+                <a:cs typeface="Times New Roman" panose="02020603050405020304" pitchFamily="18" charset="0"/>
+              </a:rPr>
+              <a:t>là</a:t>
+            </a:r>
+            <a:r>
+              <a:rPr lang="en-US" dirty="0" smtClean="0">
+                <a:latin typeface="Times New Roman" panose="02020603050405020304" pitchFamily="18" charset="0"/>
+                <a:cs typeface="Times New Roman" panose="02020603050405020304" pitchFamily="18" charset="0"/>
+              </a:rPr>
+              <a:t> </a:t>
+            </a:r>
+            <a:r>
+              <a:rPr lang="en-US" dirty="0" err="1" smtClean="0">
+                <a:latin typeface="Times New Roman" panose="02020603050405020304" pitchFamily="18" charset="0"/>
+                <a:cs typeface="Times New Roman" panose="02020603050405020304" pitchFamily="18" charset="0"/>
+              </a:rPr>
+              <a:t>động</a:t>
+            </a:r>
+            <a:r>
+              <a:rPr lang="en-US" dirty="0" smtClean="0">
+                <a:latin typeface="Times New Roman" panose="02020603050405020304" pitchFamily="18" charset="0"/>
+                <a:cs typeface="Times New Roman" panose="02020603050405020304" pitchFamily="18" charset="0"/>
+              </a:rPr>
+              <a:t> </a:t>
+            </a:r>
+            <a:r>
+              <a:rPr lang="en-US" dirty="0" err="1" smtClean="0">
+                <a:latin typeface="Times New Roman" panose="02020603050405020304" pitchFamily="18" charset="0"/>
+                <a:cs typeface="Times New Roman" panose="02020603050405020304" pitchFamily="18" charset="0"/>
+              </a:rPr>
+              <a:t>từ</a:t>
+            </a:r>
+            <a:endParaRPr lang="en-US" dirty="0" smtClean="0">
+              <a:latin typeface="Times New Roman" panose="02020603050405020304" pitchFamily="18" charset="0"/>
+              <a:cs typeface="Times New Roman" panose="02020603050405020304" pitchFamily="18" charset="0"/>
+            </a:endParaRPr>
+          </a:p>
+          <a:p>
+            <a:endParaRPr lang="en-US" dirty="0">
+              <a:latin typeface="Times New Roman" panose="02020603050405020304" pitchFamily="18" charset="0"/>
+              <a:cs typeface="Times New Roman" panose="02020603050405020304" pitchFamily="18" charset="0"/>
+            </a:endParaRPr>
+          </a:p>
+        </p:txBody>
+      </p:sp>
+    </p:spTree>
+    <p:extLst>
+      <p:ext uri="{BB962C8B-B14F-4D97-AF65-F5344CB8AC3E}">
+        <p14:creationId xmlns:p14="http://schemas.microsoft.com/office/powerpoint/2010/main" val="2010834118"/>
+      </p:ext>
+    </p:extLst>
+  </p:cSld>
+  <p:clrMapOvr>
+    <a:masterClrMapping/>
+  </p:clrMapOvr>
+  <p:timing>
+    <p:tnLst>
+      <p:par>
+        <p:cTn id="1" dur="indefinite" restart="never" nodeType="tmRoot"/>
+      </p:par>
+    </p:tnLst>
+  </p:timing>
+</p:sld>
+</file>
+
+<file path=ppt/slides/slide17.xml><?xml version="1.0" encoding="utf-8"?>
+<p:sld xmlns:a="http://schemas.openxmlformats.org/drawingml/2006/main" xmlns:r="http://schemas.openxmlformats.org/officeDocument/2006/relationships" xmlns:p="http://schemas.openxmlformats.org/presentationml/2006/main">
+  <p:cSld>
+    <p:spTree>
+      <p:nvGrpSpPr>
+        <p:cNvPr id="1" name=""/>
+        <p:cNvGrpSpPr/>
+        <p:nvPr/>
+      </p:nvGrpSpPr>
+      <p:grpSpPr>
+        <a:xfrm>
+          <a:off x="0" y="0"/>
+          <a:ext cx="0" cy="0"/>
+          <a:chOff x="0" y="0"/>
+          <a:chExt cx="0" cy="0"/>
+        </a:xfrm>
+      </p:grpSpPr>
+      <p:sp>
+        <p:nvSpPr>
+          <p:cNvPr id="2" name="Title 1"/>
+          <p:cNvSpPr>
+            <a:spLocks noGrp="1"/>
+          </p:cNvSpPr>
+          <p:nvPr>
+            <p:ph type="title"/>
+          </p:nvPr>
+        </p:nvSpPr>
+        <p:spPr>
+          <a:xfrm>
+            <a:off x="1484311" y="685800"/>
+            <a:ext cx="10018713" cy="816429"/>
+          </a:xfrm>
+        </p:spPr>
+        <p:txBody>
+          <a:bodyPr/>
+          <a:lstStyle/>
+          <a:p>
+            <a:pPr algn="l"/>
+            <a:r>
+              <a:rPr lang="en-US" b="1" dirty="0" smtClean="0">
+                <a:solidFill>
+                  <a:srgbClr val="0000FF"/>
+                </a:solidFill>
+                <a:latin typeface="Times New Roman" panose="02020603050405020304" pitchFamily="18" charset="0"/>
+                <a:cs typeface="Times New Roman" panose="02020603050405020304" pitchFamily="18" charset="0"/>
+              </a:rPr>
+              <a:t>POS Tagging </a:t>
+            </a:r>
+            <a:r>
+              <a:rPr lang="en-US" b="1" dirty="0" err="1" smtClean="0">
+                <a:solidFill>
+                  <a:srgbClr val="0000FF"/>
+                </a:solidFill>
+                <a:latin typeface="Times New Roman" panose="02020603050405020304" pitchFamily="18" charset="0"/>
+                <a:cs typeface="Times New Roman" panose="02020603050405020304" pitchFamily="18" charset="0"/>
+              </a:rPr>
+              <a:t>trong</a:t>
+            </a:r>
+            <a:r>
+              <a:rPr lang="en-US" b="1" dirty="0" smtClean="0">
+                <a:solidFill>
+                  <a:srgbClr val="0000FF"/>
+                </a:solidFill>
+                <a:latin typeface="Times New Roman" panose="02020603050405020304" pitchFamily="18" charset="0"/>
+                <a:cs typeface="Times New Roman" panose="02020603050405020304" pitchFamily="18" charset="0"/>
+              </a:rPr>
+              <a:t> </a:t>
+            </a:r>
+            <a:r>
+              <a:rPr lang="en-US" b="1" dirty="0" err="1" smtClean="0">
+                <a:solidFill>
+                  <a:srgbClr val="0000FF"/>
+                </a:solidFill>
+                <a:latin typeface="Times New Roman" panose="02020603050405020304" pitchFamily="18" charset="0"/>
+                <a:cs typeface="Times New Roman" panose="02020603050405020304" pitchFamily="18" charset="0"/>
+              </a:rPr>
+              <a:t>StanfordCoreNLP</a:t>
+            </a:r>
+            <a:endParaRPr lang="en-US" b="1" dirty="0">
+              <a:solidFill>
+                <a:srgbClr val="0000FF"/>
+              </a:solidFill>
+              <a:latin typeface="Times New Roman" panose="02020603050405020304" pitchFamily="18" charset="0"/>
+              <a:cs typeface="Times New Roman" panose="02020603050405020304" pitchFamily="18" charset="0"/>
+            </a:endParaRPr>
+          </a:p>
+        </p:txBody>
+      </p:sp>
+      <p:sp>
+        <p:nvSpPr>
+          <p:cNvPr id="3" name="Content Placeholder 2"/>
+          <p:cNvSpPr>
+            <a:spLocks noGrp="1"/>
+          </p:cNvSpPr>
+          <p:nvPr>
+            <p:ph idx="1"/>
+          </p:nvPr>
+        </p:nvSpPr>
+        <p:spPr>
+          <a:xfrm>
+            <a:off x="1484310" y="1502229"/>
+            <a:ext cx="10018713" cy="4288971"/>
+          </a:xfrm>
+        </p:spPr>
+        <p:txBody>
+          <a:bodyPr/>
+          <a:lstStyle/>
+          <a:p>
+            <a:r>
+              <a:rPr lang="en-US" dirty="0" err="1" smtClean="0"/>
+              <a:t>Gồm</a:t>
+            </a:r>
+            <a:r>
+              <a:rPr lang="en-US" dirty="0" smtClean="0"/>
+              <a:t> </a:t>
+            </a:r>
+            <a:r>
+              <a:rPr lang="en-US" dirty="0" err="1" smtClean="0"/>
+              <a:t>các</a:t>
+            </a:r>
+            <a:r>
+              <a:rPr lang="en-US" dirty="0" smtClean="0"/>
+              <a:t> </a:t>
+            </a:r>
+            <a:r>
+              <a:rPr lang="en-US" dirty="0" err="1" smtClean="0"/>
+              <a:t>bước</a:t>
+            </a:r>
+            <a:r>
+              <a:rPr lang="en-US" dirty="0" smtClean="0"/>
+              <a:t> </a:t>
+            </a:r>
+            <a:r>
+              <a:rPr lang="en-US" dirty="0" err="1" smtClean="0"/>
+              <a:t>cơ</a:t>
+            </a:r>
+            <a:r>
+              <a:rPr lang="en-US" dirty="0" smtClean="0"/>
+              <a:t> </a:t>
+            </a:r>
+            <a:r>
+              <a:rPr lang="en-US" dirty="0" err="1" smtClean="0"/>
+              <a:t>bản</a:t>
+            </a:r>
+            <a:r>
+              <a:rPr lang="en-US" dirty="0" smtClean="0"/>
+              <a:t>:</a:t>
+            </a:r>
+          </a:p>
+          <a:p>
+            <a:pPr marL="0" indent="0">
+              <a:buNone/>
+            </a:pPr>
+            <a:r>
+              <a:rPr lang="en-US" dirty="0" smtClean="0"/>
+              <a:t>	- Tokenize</a:t>
+            </a:r>
+          </a:p>
+          <a:p>
+            <a:pPr marL="0" indent="0">
+              <a:buNone/>
+            </a:pPr>
+            <a:r>
+              <a:rPr lang="en-US" dirty="0"/>
+              <a:t>	</a:t>
+            </a:r>
+            <a:r>
+              <a:rPr lang="en-US" dirty="0" smtClean="0"/>
+              <a:t>- </a:t>
+            </a:r>
+            <a:r>
+              <a:rPr lang="en-US" dirty="0" err="1" smtClean="0"/>
+              <a:t>Ssplit</a:t>
+            </a:r>
+            <a:r>
+              <a:rPr lang="en-US" dirty="0" smtClean="0"/>
+              <a:t> (</a:t>
+            </a:r>
+            <a:r>
+              <a:rPr lang="en-US" dirty="0" err="1" smtClean="0"/>
+              <a:t>đoạn</a:t>
+            </a:r>
+            <a:r>
+              <a:rPr lang="en-US" dirty="0" smtClean="0"/>
+              <a:t> </a:t>
+            </a:r>
+            <a:r>
+              <a:rPr lang="en-US" dirty="0" err="1" smtClean="0"/>
+              <a:t>văn</a:t>
+            </a:r>
+            <a:r>
+              <a:rPr lang="en-US" dirty="0" smtClean="0"/>
+              <a:t> </a:t>
+            </a:r>
+            <a:r>
+              <a:rPr lang="en-US" dirty="0" err="1" smtClean="0"/>
+              <a:t>bản</a:t>
+            </a:r>
+            <a:r>
+              <a:rPr lang="en-US" dirty="0" smtClean="0"/>
+              <a:t> </a:t>
+            </a:r>
+            <a:r>
+              <a:rPr lang="en-US" dirty="0" err="1" smtClean="0"/>
+              <a:t>có</a:t>
+            </a:r>
+            <a:r>
+              <a:rPr lang="en-US" dirty="0" smtClean="0"/>
+              <a:t> </a:t>
+            </a:r>
+            <a:r>
+              <a:rPr lang="en-US" dirty="0" err="1" smtClean="0"/>
+              <a:t>nhiều</a:t>
+            </a:r>
+            <a:r>
+              <a:rPr lang="en-US" dirty="0" smtClean="0"/>
+              <a:t> </a:t>
+            </a:r>
+            <a:r>
+              <a:rPr lang="en-US" dirty="0" err="1" smtClean="0"/>
+              <a:t>câu</a:t>
+            </a:r>
+            <a:r>
+              <a:rPr lang="en-US" dirty="0" smtClean="0"/>
+              <a:t>)</a:t>
+            </a:r>
+          </a:p>
+          <a:p>
+            <a:pPr marL="0" indent="0">
+              <a:buNone/>
+            </a:pPr>
+            <a:r>
+              <a:rPr lang="en-US" dirty="0" smtClean="0"/>
+              <a:t>	- </a:t>
+            </a:r>
+            <a:r>
+              <a:rPr lang="en-US" dirty="0" err="1" smtClean="0"/>
+              <a:t>Gán</a:t>
+            </a:r>
+            <a:r>
+              <a:rPr lang="en-US" dirty="0" smtClean="0"/>
+              <a:t> </a:t>
+            </a:r>
+            <a:r>
+              <a:rPr lang="en-US" dirty="0" err="1" smtClean="0"/>
+              <a:t>nhãn</a:t>
+            </a:r>
+            <a:endParaRPr lang="en-US" dirty="0" smtClean="0"/>
+          </a:p>
+          <a:p>
+            <a:r>
+              <a:rPr lang="en-US" dirty="0" err="1" smtClean="0"/>
+              <a:t>Sử</a:t>
+            </a:r>
+            <a:r>
+              <a:rPr lang="en-US" dirty="0" smtClean="0"/>
+              <a:t> </a:t>
+            </a:r>
+            <a:r>
+              <a:rPr lang="en-US" dirty="0" err="1" smtClean="0"/>
+              <a:t>dụng</a:t>
+            </a:r>
+            <a:r>
+              <a:rPr lang="en-US" dirty="0" smtClean="0"/>
+              <a:t> </a:t>
+            </a:r>
+            <a:r>
+              <a:rPr lang="en-US" dirty="0" err="1" smtClean="0"/>
+              <a:t>các</a:t>
+            </a:r>
+            <a:r>
+              <a:rPr lang="en-US" dirty="0" smtClean="0"/>
+              <a:t> </a:t>
+            </a:r>
+            <a:r>
+              <a:rPr lang="en-US" dirty="0" err="1" smtClean="0"/>
+              <a:t>hàm</a:t>
+            </a:r>
+            <a:r>
+              <a:rPr lang="en-US" dirty="0" smtClean="0"/>
+              <a:t> </a:t>
+            </a:r>
+            <a:r>
+              <a:rPr lang="en-US" dirty="0" err="1" smtClean="0"/>
+              <a:t>trong</a:t>
+            </a:r>
+            <a:r>
+              <a:rPr lang="en-US" dirty="0" smtClean="0"/>
+              <a:t> </a:t>
+            </a:r>
+            <a:r>
+              <a:rPr lang="en-US" dirty="0" err="1" smtClean="0"/>
+              <a:t>lớp</a:t>
+            </a:r>
+            <a:endParaRPr lang="en-US" dirty="0"/>
+          </a:p>
+          <a:p>
+            <a:r>
+              <a:rPr lang="en-US" dirty="0" smtClean="0"/>
+              <a:t> 				 </a:t>
+            </a:r>
+            <a:r>
+              <a:rPr lang="en-US" dirty="0" err="1" smtClean="0"/>
+              <a:t>được</a:t>
+            </a:r>
+            <a:r>
+              <a:rPr lang="en-US" dirty="0" smtClean="0"/>
+              <a:t> </a:t>
+            </a:r>
+            <a:r>
+              <a:rPr lang="en-US" dirty="0" err="1" smtClean="0"/>
+              <a:t>sử</a:t>
+            </a:r>
+            <a:r>
+              <a:rPr lang="en-US" dirty="0" smtClean="0"/>
+              <a:t> </a:t>
+            </a:r>
+            <a:r>
+              <a:rPr lang="en-US" dirty="0" err="1" smtClean="0"/>
+              <a:t>dụng</a:t>
+            </a:r>
+            <a:r>
+              <a:rPr lang="en-US" dirty="0" smtClean="0"/>
+              <a:t> </a:t>
+            </a:r>
+            <a:r>
+              <a:rPr lang="en-US" dirty="0" err="1" smtClean="0"/>
+              <a:t>để</a:t>
+            </a:r>
+            <a:r>
+              <a:rPr lang="en-US" dirty="0" smtClean="0"/>
+              <a:t> </a:t>
+            </a:r>
+            <a:r>
+              <a:rPr lang="en-US" dirty="0" err="1" smtClean="0"/>
+              <a:t>gán</a:t>
+            </a:r>
+            <a:r>
+              <a:rPr lang="en-US" dirty="0" smtClean="0"/>
+              <a:t> </a:t>
+            </a:r>
+            <a:r>
+              <a:rPr lang="en-US" dirty="0" err="1" smtClean="0"/>
+              <a:t>nhãn</a:t>
+            </a:r>
+            <a:r>
+              <a:rPr lang="en-US" dirty="0" smtClean="0"/>
+              <a:t>, train </a:t>
+            </a:r>
+            <a:r>
+              <a:rPr lang="en-US" dirty="0" err="1" smtClean="0"/>
+              <a:t>và</a:t>
+            </a:r>
+            <a:r>
+              <a:rPr lang="en-US" dirty="0" smtClean="0"/>
+              <a:t> </a:t>
+            </a:r>
+            <a:r>
+              <a:rPr lang="en-US" dirty="0" err="1" smtClean="0"/>
+              <a:t>kiểm</a:t>
+            </a:r>
+            <a:r>
+              <a:rPr lang="en-US" dirty="0" smtClean="0"/>
+              <a:t> </a:t>
+            </a:r>
+            <a:r>
+              <a:rPr lang="en-US" dirty="0" err="1" smtClean="0"/>
+              <a:t>tra</a:t>
+            </a:r>
+            <a:r>
+              <a:rPr lang="en-US" dirty="0" smtClean="0"/>
+              <a:t> </a:t>
+            </a:r>
+            <a:r>
+              <a:rPr lang="en-US" dirty="0" err="1" smtClean="0"/>
+              <a:t>việc</a:t>
+            </a:r>
+            <a:r>
+              <a:rPr lang="en-US" dirty="0" smtClean="0"/>
+              <a:t> </a:t>
+            </a:r>
+            <a:r>
+              <a:rPr lang="en-US" dirty="0" err="1" smtClean="0"/>
+              <a:t>gán</a:t>
+            </a:r>
+            <a:r>
+              <a:rPr lang="en-US" dirty="0" smtClean="0"/>
+              <a:t> </a:t>
+            </a:r>
+            <a:r>
+              <a:rPr lang="en-US" dirty="0" err="1" smtClean="0"/>
+              <a:t>nhãn</a:t>
+            </a:r>
+            <a:r>
+              <a:rPr lang="en-US" dirty="0" smtClean="0"/>
+              <a:t> POS</a:t>
+            </a:r>
+          </a:p>
+        </p:txBody>
+      </p:sp>
+      <p:pic>
+        <p:nvPicPr>
+          <p:cNvPr id="4" name="Picture 3"/>
+          <p:cNvPicPr>
+            <a:picLocks noChangeAspect="1"/>
+          </p:cNvPicPr>
+          <p:nvPr/>
+        </p:nvPicPr>
+        <p:blipFill>
+          <a:blip r:embed="rId2"/>
+          <a:stretch>
+            <a:fillRect/>
+          </a:stretch>
+        </p:blipFill>
+        <p:spPr>
+          <a:xfrm>
+            <a:off x="5346926" y="4177392"/>
+            <a:ext cx="1462583" cy="383721"/>
+          </a:xfrm>
+          <a:prstGeom prst="rect">
+            <a:avLst/>
+          </a:prstGeom>
+        </p:spPr>
+      </p:pic>
+      <p:pic>
+        <p:nvPicPr>
+          <p:cNvPr id="5" name="Picture 4"/>
+          <p:cNvPicPr>
+            <a:picLocks noChangeAspect="1"/>
+          </p:cNvPicPr>
+          <p:nvPr/>
+        </p:nvPicPr>
+        <p:blipFill>
+          <a:blip r:embed="rId2"/>
+          <a:stretch>
+            <a:fillRect/>
+          </a:stretch>
+        </p:blipFill>
+        <p:spPr>
+          <a:xfrm>
+            <a:off x="1917927" y="4826453"/>
+            <a:ext cx="1462583" cy="300718"/>
+          </a:xfrm>
+          <a:prstGeom prst="rect">
+            <a:avLst/>
+          </a:prstGeom>
+        </p:spPr>
+      </p:pic>
+    </p:spTree>
+    <p:extLst>
+      <p:ext uri="{BB962C8B-B14F-4D97-AF65-F5344CB8AC3E}">
+        <p14:creationId xmlns:p14="http://schemas.microsoft.com/office/powerpoint/2010/main" val="2117323739"/>
+      </p:ext>
+    </p:extLst>
+  </p:cSld>
+  <p:clrMapOvr>
+    <a:masterClrMapping/>
+  </p:clrMapOvr>
+  <p:timing>
+    <p:tnLst>
+      <p:par>
+        <p:cTn id="1" dur="indefinite" restart="never" nodeType="tmRoot"/>
+      </p:par>
+    </p:tnLst>
+  </p:timing>
+</p:sld>
+</file>
+
+<file path=ppt/slides/slide18.xml><?xml version="1.0" encoding="utf-8"?>
+<p:sld xmlns:a="http://schemas.openxmlformats.org/drawingml/2006/main" xmlns:r="http://schemas.openxmlformats.org/officeDocument/2006/relationships" xmlns:p="http://schemas.openxmlformats.org/presentationml/2006/main">
+  <p:cSld>
+    <p:spTree>
+      <p:nvGrpSpPr>
+        <p:cNvPr id="1" name=""/>
+        <p:cNvGrpSpPr/>
+        <p:nvPr/>
+      </p:nvGrpSpPr>
+      <p:grpSpPr>
+        <a:xfrm>
+          <a:off x="0" y="0"/>
+          <a:ext cx="0" cy="0"/>
+          <a:chOff x="0" y="0"/>
+          <a:chExt cx="0" cy="0"/>
+        </a:xfrm>
+      </p:grpSpPr>
+      <p:sp>
+        <p:nvSpPr>
+          <p:cNvPr id="2" name="Title 1"/>
+          <p:cNvSpPr>
+            <a:spLocks noGrp="1"/>
+          </p:cNvSpPr>
+          <p:nvPr>
+            <p:ph type="title"/>
+          </p:nvPr>
+        </p:nvSpPr>
+        <p:spPr>
+          <a:xfrm>
+            <a:off x="1364568" y="337458"/>
+            <a:ext cx="10018713" cy="762000"/>
+          </a:xfrm>
+        </p:spPr>
+        <p:txBody>
+          <a:bodyPr/>
+          <a:lstStyle/>
+          <a:p>
+            <a:pPr algn="l"/>
+            <a:r>
+              <a:rPr lang="en-US" b="1" dirty="0">
+                <a:solidFill>
+                  <a:srgbClr val="0000FF"/>
+                </a:solidFill>
+                <a:latin typeface="Times New Roman" panose="02020603050405020304" pitchFamily="18" charset="0"/>
+                <a:cs typeface="Times New Roman" panose="02020603050405020304" pitchFamily="18" charset="0"/>
+              </a:rPr>
+              <a:t>POS Tagging </a:t>
+            </a:r>
+            <a:r>
+              <a:rPr lang="en-US" b="1" dirty="0" err="1">
+                <a:solidFill>
+                  <a:srgbClr val="0000FF"/>
+                </a:solidFill>
+                <a:latin typeface="Times New Roman" panose="02020603050405020304" pitchFamily="18" charset="0"/>
+                <a:cs typeface="Times New Roman" panose="02020603050405020304" pitchFamily="18" charset="0"/>
+              </a:rPr>
+              <a:t>trong</a:t>
+            </a:r>
+            <a:r>
+              <a:rPr lang="en-US" b="1" dirty="0">
+                <a:solidFill>
+                  <a:srgbClr val="0000FF"/>
+                </a:solidFill>
+                <a:latin typeface="Times New Roman" panose="02020603050405020304" pitchFamily="18" charset="0"/>
+                <a:cs typeface="Times New Roman" panose="02020603050405020304" pitchFamily="18" charset="0"/>
+              </a:rPr>
+              <a:t> </a:t>
+            </a:r>
+            <a:r>
+              <a:rPr lang="en-US" b="1" dirty="0" err="1">
+                <a:solidFill>
+                  <a:srgbClr val="0000FF"/>
+                </a:solidFill>
+                <a:latin typeface="Times New Roman" panose="02020603050405020304" pitchFamily="18" charset="0"/>
+                <a:cs typeface="Times New Roman" panose="02020603050405020304" pitchFamily="18" charset="0"/>
+              </a:rPr>
+              <a:t>StanfordCoreNLP</a:t>
+            </a:r>
+            <a:endParaRPr lang="en-US" dirty="0"/>
+          </a:p>
+        </p:txBody>
+      </p:sp>
+      <p:sp>
+        <p:nvSpPr>
+          <p:cNvPr id="3" name="Content Placeholder 2"/>
+          <p:cNvSpPr>
+            <a:spLocks noGrp="1"/>
+          </p:cNvSpPr>
+          <p:nvPr>
+            <p:ph idx="1"/>
+          </p:nvPr>
+        </p:nvSpPr>
+        <p:spPr>
+          <a:xfrm>
+            <a:off x="1484310" y="1447801"/>
+            <a:ext cx="10018713" cy="4811485"/>
+          </a:xfrm>
+        </p:spPr>
+        <p:txBody>
+          <a:bodyPr>
+            <a:normAutofit lnSpcReduction="10000"/>
+          </a:bodyPr>
+          <a:lstStyle/>
+          <a:p>
+            <a:r>
+              <a:rPr lang="en-US" dirty="0" err="1" smtClean="0"/>
+              <a:t>Hỗ</a:t>
+            </a:r>
+            <a:r>
+              <a:rPr lang="en-US" dirty="0" smtClean="0"/>
+              <a:t> </a:t>
+            </a:r>
+            <a:r>
+              <a:rPr lang="en-US" dirty="0" err="1" smtClean="0"/>
+              <a:t>trợ</a:t>
+            </a:r>
+            <a:r>
+              <a:rPr lang="en-US" dirty="0" smtClean="0"/>
+              <a:t> 2 </a:t>
+            </a:r>
+            <a:r>
+              <a:rPr lang="en-US" dirty="0" err="1" smtClean="0"/>
+              <a:t>cấu</a:t>
+            </a:r>
+            <a:r>
+              <a:rPr lang="en-US" dirty="0" smtClean="0"/>
+              <a:t> </a:t>
+            </a:r>
+            <a:r>
+              <a:rPr lang="en-US" dirty="0" err="1" smtClean="0"/>
+              <a:t>trúc</a:t>
+            </a:r>
+            <a:r>
+              <a:rPr lang="en-US" dirty="0" smtClean="0"/>
+              <a:t> </a:t>
+            </a:r>
+            <a:r>
+              <a:rPr lang="en-US" dirty="0" err="1" smtClean="0"/>
+              <a:t>gán</a:t>
+            </a:r>
+            <a:r>
+              <a:rPr lang="en-US" dirty="0" smtClean="0"/>
+              <a:t> </a:t>
+            </a:r>
+            <a:r>
+              <a:rPr lang="en-US" dirty="0" err="1" smtClean="0"/>
+              <a:t>nhãn</a:t>
+            </a:r>
+            <a:r>
+              <a:rPr lang="en-US" dirty="0" smtClean="0"/>
+              <a:t> </a:t>
+            </a:r>
+            <a:r>
+              <a:rPr lang="en-US" dirty="0" err="1" smtClean="0"/>
+              <a:t>là</a:t>
+            </a:r>
+            <a:r>
+              <a:rPr lang="en-US" dirty="0" smtClean="0"/>
+              <a:t> left3words </a:t>
+            </a:r>
+            <a:r>
+              <a:rPr lang="en-US" dirty="0" err="1" smtClean="0"/>
+              <a:t>và</a:t>
+            </a:r>
+            <a:r>
+              <a:rPr lang="en-US" dirty="0" smtClean="0"/>
+              <a:t> bidirectional</a:t>
+            </a:r>
+          </a:p>
+          <a:p>
+            <a:pPr marL="0" indent="0">
+              <a:buNone/>
+            </a:pPr>
+            <a:r>
+              <a:rPr lang="en-US" dirty="0" smtClean="0"/>
+              <a:t>	-	bi-directional </a:t>
+            </a:r>
+            <a:r>
+              <a:rPr lang="en-US" dirty="0"/>
+              <a:t>dependency network tagger (</a:t>
+            </a:r>
+            <a:r>
+              <a:rPr lang="en-US" dirty="0" err="1"/>
+              <a:t>gán</a:t>
+            </a:r>
+            <a:r>
+              <a:rPr lang="en-US" dirty="0"/>
+              <a:t> </a:t>
+            </a:r>
+            <a:r>
+              <a:rPr lang="en-US" dirty="0" err="1"/>
+              <a:t>nhãn</a:t>
+            </a:r>
+            <a:r>
+              <a:rPr lang="en-US" dirty="0"/>
+              <a:t> </a:t>
+            </a:r>
+            <a:r>
+              <a:rPr lang="en-US" dirty="0" err="1"/>
+              <a:t>mạng</a:t>
+            </a:r>
+            <a:r>
+              <a:rPr lang="en-US" dirty="0"/>
+              <a:t> </a:t>
+            </a:r>
+            <a:r>
+              <a:rPr lang="en-US" dirty="0" err="1"/>
+              <a:t>lưới</a:t>
+            </a:r>
+            <a:r>
+              <a:rPr lang="en-US" dirty="0"/>
+              <a:t> </a:t>
+            </a:r>
+            <a:r>
+              <a:rPr lang="en-US" dirty="0" err="1"/>
+              <a:t>phụ</a:t>
+            </a:r>
+            <a:r>
+              <a:rPr lang="en-US" dirty="0"/>
+              <a:t> </a:t>
+            </a:r>
+            <a:r>
+              <a:rPr lang="en-US" dirty="0" err="1"/>
+              <a:t>thuộc</a:t>
+            </a:r>
+            <a:r>
+              <a:rPr lang="en-US" dirty="0"/>
+              <a:t> </a:t>
+            </a:r>
+            <a:r>
+              <a:rPr lang="en-US" dirty="0" err="1"/>
+              <a:t>hai</a:t>
+            </a:r>
+            <a:r>
+              <a:rPr lang="en-US" dirty="0"/>
+              <a:t> </a:t>
+            </a:r>
+            <a:r>
+              <a:rPr lang="en-US" dirty="0" err="1"/>
+              <a:t>chiều</a:t>
+            </a:r>
+            <a:r>
+              <a:rPr lang="en-US" dirty="0"/>
+              <a:t>): </a:t>
+            </a:r>
+            <a:r>
+              <a:rPr lang="en-US" dirty="0" err="1"/>
+              <a:t>sử</a:t>
+            </a:r>
+            <a:r>
+              <a:rPr lang="en-US" dirty="0"/>
+              <a:t> </a:t>
+            </a:r>
+            <a:r>
+              <a:rPr lang="en-US" dirty="0" err="1"/>
+              <a:t>dụng</a:t>
+            </a:r>
+            <a:r>
+              <a:rPr lang="en-US" dirty="0"/>
+              <a:t> file </a:t>
+            </a:r>
+            <a:r>
+              <a:rPr lang="en-US" dirty="0" err="1"/>
+              <a:t>english</a:t>
+            </a:r>
+            <a:r>
+              <a:rPr lang="en-US" dirty="0"/>
+              <a:t>-bidirectional-</a:t>
+            </a:r>
+            <a:r>
+              <a:rPr lang="en-US" dirty="0" err="1"/>
+              <a:t>distsim.tagger</a:t>
+            </a:r>
+            <a:r>
+              <a:rPr lang="en-US" dirty="0"/>
+              <a:t>. </a:t>
+            </a:r>
+            <a:endParaRPr lang="en-US" dirty="0" smtClean="0"/>
+          </a:p>
+          <a:p>
+            <a:pPr marL="0" indent="0">
+              <a:buNone/>
+            </a:pPr>
+            <a:r>
+              <a:rPr lang="en-US" dirty="0"/>
+              <a:t>	</a:t>
+            </a:r>
+            <a:r>
+              <a:rPr lang="en-US" dirty="0" smtClean="0"/>
+              <a:t>	</a:t>
+            </a:r>
+            <a:r>
+              <a:rPr lang="en-US" dirty="0" err="1" smtClean="0"/>
+              <a:t>Độ</a:t>
+            </a:r>
+            <a:r>
+              <a:rPr lang="en-US" dirty="0" smtClean="0"/>
+              <a:t> </a:t>
+            </a:r>
+            <a:r>
+              <a:rPr lang="en-US" dirty="0" err="1"/>
+              <a:t>chính</a:t>
+            </a:r>
+            <a:r>
+              <a:rPr lang="en-US" dirty="0"/>
+              <a:t> </a:t>
+            </a:r>
+            <a:r>
+              <a:rPr lang="en-US" dirty="0" err="1" smtClean="0"/>
+              <a:t>xác</a:t>
+            </a:r>
+            <a:r>
+              <a:rPr lang="en-US" dirty="0" smtClean="0"/>
+              <a:t>: </a:t>
+            </a:r>
+            <a:r>
+              <a:rPr lang="en-US" dirty="0"/>
+              <a:t>97.32%.</a:t>
+            </a:r>
+          </a:p>
+          <a:p>
+            <a:pPr marL="0" indent="0">
+              <a:buNone/>
+            </a:pPr>
+            <a:r>
+              <a:rPr lang="en-US" dirty="0" smtClean="0"/>
+              <a:t>	-	 </a:t>
+            </a:r>
+            <a:r>
+              <a:rPr lang="en-US" dirty="0" err="1"/>
+              <a:t>Gán</a:t>
+            </a:r>
+            <a:r>
+              <a:rPr lang="en-US" dirty="0"/>
+              <a:t> </a:t>
+            </a:r>
+            <a:r>
+              <a:rPr lang="en-US" dirty="0" err="1"/>
+              <a:t>nhãn</a:t>
+            </a:r>
+            <a:r>
+              <a:rPr lang="en-US" dirty="0"/>
+              <a:t> </a:t>
+            </a:r>
+            <a:r>
+              <a:rPr lang="en-US" dirty="0" err="1"/>
+              <a:t>sử</a:t>
+            </a:r>
+            <a:r>
+              <a:rPr lang="en-US" dirty="0"/>
+              <a:t> </a:t>
+            </a:r>
+            <a:r>
+              <a:rPr lang="en-US" dirty="0" err="1"/>
+              <a:t>dụng</a:t>
+            </a:r>
+            <a:r>
+              <a:rPr lang="en-US" dirty="0"/>
+              <a:t> </a:t>
+            </a:r>
+            <a:r>
+              <a:rPr lang="en-US" dirty="0" err="1"/>
+              <a:t>chuỗi</a:t>
+            </a:r>
+            <a:r>
+              <a:rPr lang="en-US" dirty="0"/>
+              <a:t> </a:t>
+            </a:r>
+            <a:r>
+              <a:rPr lang="en-US" dirty="0" err="1"/>
+              <a:t>thông</a:t>
+            </a:r>
+            <a:r>
+              <a:rPr lang="en-US" dirty="0"/>
+              <a:t> tin </a:t>
+            </a:r>
+            <a:r>
+              <a:rPr lang="en-US" dirty="0" err="1"/>
+              <a:t>một</a:t>
+            </a:r>
+            <a:r>
+              <a:rPr lang="en-US" dirty="0"/>
+              <a:t> </a:t>
+            </a:r>
+            <a:r>
+              <a:rPr lang="en-US" dirty="0" err="1"/>
+              <a:t>chiều</a:t>
+            </a:r>
+            <a:r>
+              <a:rPr lang="en-US" dirty="0"/>
+              <a:t> </a:t>
+            </a:r>
+            <a:r>
+              <a:rPr lang="en-US" dirty="0" err="1"/>
+              <a:t>từ</a:t>
+            </a:r>
+            <a:r>
+              <a:rPr lang="en-US" dirty="0"/>
+              <a:t> </a:t>
+            </a:r>
+            <a:r>
+              <a:rPr lang="en-US" dirty="0" err="1"/>
+              <a:t>trái</a:t>
+            </a:r>
+            <a:r>
+              <a:rPr lang="en-US" dirty="0"/>
+              <a:t> sang </a:t>
+            </a:r>
+            <a:r>
+              <a:rPr lang="en-US" dirty="0" err="1"/>
+              <a:t>nhưng</a:t>
+            </a:r>
+            <a:r>
+              <a:rPr lang="en-US" dirty="0"/>
+              <a:t> </a:t>
+            </a:r>
+            <a:r>
+              <a:rPr lang="en-US" dirty="0" err="1"/>
+              <a:t>gán</a:t>
+            </a:r>
+            <a:r>
+              <a:rPr lang="en-US" dirty="0"/>
+              <a:t> </a:t>
+            </a:r>
+            <a:r>
+              <a:rPr lang="en-US" dirty="0" err="1"/>
+              <a:t>chính</a:t>
+            </a:r>
+            <a:r>
+              <a:rPr lang="en-US" dirty="0"/>
+              <a:t> </a:t>
+            </a:r>
+            <a:r>
+              <a:rPr lang="en-US" dirty="0" err="1"/>
+              <a:t>xác</a:t>
+            </a:r>
+            <a:r>
+              <a:rPr lang="en-US" dirty="0"/>
+              <a:t> </a:t>
+            </a:r>
+            <a:r>
+              <a:rPr lang="en-US" dirty="0" err="1"/>
+              <a:t>ít</a:t>
+            </a:r>
+            <a:r>
+              <a:rPr lang="en-US" dirty="0"/>
+              <a:t> </a:t>
+            </a:r>
+            <a:r>
+              <a:rPr lang="en-US" dirty="0" err="1"/>
+              <a:t>từ</a:t>
+            </a:r>
+            <a:r>
+              <a:rPr lang="en-US" dirty="0"/>
+              <a:t> </a:t>
+            </a:r>
+            <a:r>
+              <a:rPr lang="en-US" dirty="0" err="1"/>
+              <a:t>vô</a:t>
+            </a:r>
+            <a:r>
+              <a:rPr lang="en-US" dirty="0"/>
+              <a:t> </a:t>
+            </a:r>
+            <a:r>
+              <a:rPr lang="en-US" dirty="0" err="1"/>
+              <a:t>danh</a:t>
+            </a:r>
+            <a:r>
+              <a:rPr lang="en-US" dirty="0"/>
+              <a:t> </a:t>
+            </a:r>
+            <a:r>
+              <a:rPr lang="en-US" dirty="0" err="1"/>
+              <a:t>hơn</a:t>
+            </a:r>
+            <a:r>
+              <a:rPr lang="en-US" dirty="0"/>
+              <a:t> </a:t>
+            </a:r>
+            <a:r>
+              <a:rPr lang="en-US" dirty="0" err="1"/>
+              <a:t>cũng</a:t>
+            </a:r>
+            <a:r>
+              <a:rPr lang="en-US" dirty="0"/>
+              <a:t> </a:t>
+            </a:r>
+            <a:r>
+              <a:rPr lang="en-US" dirty="0" err="1"/>
+              <a:t>như</a:t>
+            </a:r>
+            <a:r>
+              <a:rPr lang="en-US" dirty="0"/>
+              <a:t> </a:t>
+            </a:r>
+            <a:r>
+              <a:rPr lang="en-US" dirty="0" err="1"/>
+              <a:t>ít</a:t>
+            </a:r>
+            <a:r>
+              <a:rPr lang="en-US" dirty="0"/>
+              <a:t> </a:t>
+            </a:r>
+            <a:r>
+              <a:rPr lang="en-US" dirty="0" err="1"/>
+              <a:t>các</a:t>
+            </a:r>
+            <a:r>
+              <a:rPr lang="en-US" dirty="0"/>
+              <a:t> </a:t>
+            </a:r>
+            <a:r>
+              <a:rPr lang="en-US" dirty="0" err="1"/>
+              <a:t>đặc</a:t>
+            </a:r>
+            <a:r>
+              <a:rPr lang="en-US" dirty="0"/>
+              <a:t> </a:t>
+            </a:r>
+            <a:r>
+              <a:rPr lang="en-US" dirty="0" err="1"/>
+              <a:t>trưng</a:t>
+            </a:r>
+            <a:r>
+              <a:rPr lang="en-US" dirty="0"/>
+              <a:t> </a:t>
+            </a:r>
+            <a:r>
+              <a:rPr lang="en-US" dirty="0" err="1"/>
+              <a:t>từ</a:t>
+            </a:r>
+            <a:r>
+              <a:rPr lang="en-US" dirty="0"/>
+              <a:t> </a:t>
+            </a:r>
+            <a:r>
+              <a:rPr lang="en-US" dirty="0" err="1"/>
+              <a:t>vựng</a:t>
+            </a:r>
+            <a:r>
+              <a:rPr lang="en-US" dirty="0"/>
+              <a:t> </a:t>
+            </a:r>
+            <a:r>
+              <a:rPr lang="en-US" dirty="0" err="1" smtClean="0"/>
+              <a:t>hơn</a:t>
+            </a:r>
+            <a:r>
+              <a:rPr lang="en-US" dirty="0" smtClean="0"/>
+              <a:t>, </a:t>
+            </a:r>
+            <a:r>
+              <a:rPr lang="en-US" dirty="0" err="1" smtClean="0"/>
+              <a:t>sử</a:t>
+            </a:r>
+            <a:r>
+              <a:rPr lang="en-US" dirty="0" smtClean="0"/>
+              <a:t> </a:t>
+            </a:r>
+            <a:r>
+              <a:rPr lang="en-US" dirty="0" err="1" smtClean="0"/>
+              <a:t>dụng</a:t>
+            </a:r>
+            <a:r>
+              <a:rPr lang="en-US" dirty="0" smtClean="0"/>
+              <a:t> file  english-left3words-distsim.tagger. </a:t>
+            </a:r>
+          </a:p>
+          <a:p>
+            <a:pPr marL="0" indent="0">
+              <a:buNone/>
+            </a:pPr>
+            <a:r>
+              <a:rPr lang="en-US" dirty="0"/>
+              <a:t>	</a:t>
+            </a:r>
+            <a:r>
+              <a:rPr lang="en-US" dirty="0" smtClean="0"/>
+              <a:t>	</a:t>
+            </a:r>
+            <a:r>
+              <a:rPr lang="en-US" dirty="0" err="1" smtClean="0"/>
+              <a:t>Độ</a:t>
+            </a:r>
+            <a:r>
+              <a:rPr lang="en-US" dirty="0" smtClean="0"/>
+              <a:t> </a:t>
+            </a:r>
+            <a:r>
+              <a:rPr lang="en-US" dirty="0" err="1"/>
+              <a:t>chính</a:t>
+            </a:r>
+            <a:r>
+              <a:rPr lang="en-US" dirty="0"/>
+              <a:t> </a:t>
+            </a:r>
+            <a:r>
+              <a:rPr lang="en-US" dirty="0" err="1"/>
+              <a:t>xác</a:t>
+            </a:r>
+            <a:r>
+              <a:rPr lang="en-US" dirty="0"/>
+              <a:t> </a:t>
+            </a:r>
+            <a:r>
+              <a:rPr lang="en-US" dirty="0" err="1"/>
+              <a:t>là</a:t>
+            </a:r>
+            <a:r>
+              <a:rPr lang="en-US" dirty="0"/>
+              <a:t> 96.92%, </a:t>
+            </a:r>
+            <a:r>
+              <a:rPr lang="en-US" dirty="0" err="1"/>
+              <a:t>bù</a:t>
+            </a:r>
+            <a:r>
+              <a:rPr lang="en-US" dirty="0"/>
+              <a:t> </a:t>
+            </a:r>
+            <a:r>
+              <a:rPr lang="en-US" dirty="0" err="1"/>
+              <a:t>lại</a:t>
+            </a:r>
+            <a:r>
+              <a:rPr lang="en-US" dirty="0"/>
+              <a:t> </a:t>
+            </a:r>
+            <a:r>
+              <a:rPr lang="en-US" dirty="0" err="1"/>
+              <a:t>kiểu</a:t>
+            </a:r>
+            <a:r>
+              <a:rPr lang="en-US" dirty="0"/>
+              <a:t> </a:t>
+            </a:r>
+            <a:r>
+              <a:rPr lang="en-US" dirty="0" err="1"/>
+              <a:t>dãn</a:t>
+            </a:r>
+            <a:r>
+              <a:rPr lang="en-US" dirty="0"/>
+              <a:t> </a:t>
+            </a:r>
+            <a:r>
+              <a:rPr lang="en-US" dirty="0" err="1"/>
+              <a:t>nhãn</a:t>
+            </a:r>
+            <a:r>
+              <a:rPr lang="en-US" dirty="0"/>
+              <a:t> </a:t>
+            </a:r>
+            <a:r>
+              <a:rPr lang="en-US" dirty="0" err="1"/>
+              <a:t>này</a:t>
+            </a:r>
+            <a:r>
+              <a:rPr lang="en-US" dirty="0"/>
+              <a:t> </a:t>
+            </a:r>
+            <a:r>
+              <a:rPr lang="en-US" dirty="0" err="1"/>
+              <a:t>nhanh</a:t>
+            </a:r>
+            <a:r>
+              <a:rPr lang="en-US" dirty="0"/>
+              <a:t> </a:t>
+            </a:r>
+            <a:r>
+              <a:rPr lang="en-US" dirty="0" err="1"/>
+              <a:t>hơn</a:t>
+            </a:r>
+            <a:r>
+              <a:rPr lang="en-US" dirty="0"/>
+              <a:t> </a:t>
+            </a:r>
+            <a:r>
+              <a:rPr lang="en-US" dirty="0" err="1"/>
+              <a:t>hẳn</a:t>
+            </a:r>
+            <a:r>
+              <a:rPr lang="en-US" dirty="0"/>
+              <a:t>, </a:t>
+            </a:r>
+            <a:r>
+              <a:rPr lang="en-US" dirty="0" err="1"/>
+              <a:t>và</a:t>
+            </a:r>
+            <a:r>
+              <a:rPr lang="en-US" dirty="0"/>
+              <a:t> </a:t>
+            </a:r>
+            <a:r>
+              <a:rPr lang="en-US" dirty="0" err="1"/>
+              <a:t>được</a:t>
+            </a:r>
+            <a:r>
+              <a:rPr lang="en-US" dirty="0"/>
+              <a:t> </a:t>
+            </a:r>
+            <a:r>
+              <a:rPr lang="en-US" dirty="0" err="1"/>
+              <a:t>khuyến</a:t>
+            </a:r>
+            <a:r>
+              <a:rPr lang="en-US" dirty="0"/>
+              <a:t> </a:t>
+            </a:r>
+            <a:r>
+              <a:rPr lang="en-US" dirty="0" err="1"/>
+              <a:t>khích</a:t>
+            </a:r>
+            <a:r>
+              <a:rPr lang="en-US" dirty="0"/>
+              <a:t> </a:t>
+            </a:r>
+            <a:r>
+              <a:rPr lang="en-US" dirty="0" err="1"/>
+              <a:t>sử</a:t>
+            </a:r>
+            <a:r>
+              <a:rPr lang="en-US" dirty="0"/>
+              <a:t> </a:t>
+            </a:r>
+            <a:r>
+              <a:rPr lang="en-US" dirty="0" err="1"/>
+              <a:t>dụng</a:t>
+            </a:r>
+            <a:r>
+              <a:rPr lang="en-US" dirty="0"/>
+              <a:t>.</a:t>
+            </a:r>
+          </a:p>
+          <a:p>
+            <a:r>
+              <a:rPr lang="en-US" dirty="0" err="1" smtClean="0"/>
+              <a:t>Cung</a:t>
+            </a:r>
+            <a:r>
+              <a:rPr lang="en-US" dirty="0" smtClean="0"/>
+              <a:t> </a:t>
+            </a:r>
+            <a:r>
+              <a:rPr lang="en-US" dirty="0" err="1" smtClean="0"/>
+              <a:t>cấp</a:t>
+            </a:r>
+            <a:r>
+              <a:rPr lang="en-US" dirty="0" smtClean="0"/>
+              <a:t> </a:t>
+            </a:r>
+            <a:r>
+              <a:rPr lang="en-US" dirty="0" err="1" smtClean="0"/>
+              <a:t>sẵn</a:t>
+            </a:r>
+            <a:r>
+              <a:rPr lang="en-US" dirty="0" smtClean="0"/>
+              <a:t> model </a:t>
+            </a:r>
+            <a:r>
+              <a:rPr lang="en-US" dirty="0" err="1" smtClean="0"/>
+              <a:t>đã</a:t>
+            </a:r>
+            <a:r>
+              <a:rPr lang="en-US" dirty="0" smtClean="0"/>
+              <a:t> </a:t>
+            </a:r>
+            <a:r>
+              <a:rPr lang="en-US" dirty="0" err="1" smtClean="0"/>
+              <a:t>được</a:t>
+            </a:r>
+            <a:r>
+              <a:rPr lang="en-US" dirty="0" smtClean="0"/>
+              <a:t> train (</a:t>
+            </a:r>
+            <a:r>
+              <a:rPr lang="en-US" dirty="0" err="1" smtClean="0"/>
+              <a:t>có</a:t>
+            </a:r>
+            <a:r>
+              <a:rPr lang="en-US" dirty="0" smtClean="0"/>
+              <a:t> </a:t>
+            </a:r>
+            <a:r>
+              <a:rPr lang="en-US" dirty="0" err="1" smtClean="0"/>
+              <a:t>hỗ</a:t>
+            </a:r>
+            <a:r>
+              <a:rPr lang="en-US" dirty="0" smtClean="0"/>
+              <a:t> </a:t>
+            </a:r>
+            <a:r>
+              <a:rPr lang="en-US" dirty="0" err="1" smtClean="0"/>
+              <a:t>trợ</a:t>
+            </a:r>
+            <a:r>
+              <a:rPr lang="en-US" dirty="0" smtClean="0"/>
+              <a:t> </a:t>
+            </a:r>
+            <a:r>
+              <a:rPr lang="en-US" dirty="0" err="1" smtClean="0"/>
+              <a:t>hàm</a:t>
+            </a:r>
+            <a:r>
+              <a:rPr lang="en-US" dirty="0" smtClean="0"/>
+              <a:t> </a:t>
+            </a:r>
+            <a:r>
+              <a:rPr lang="en-US" dirty="0" err="1" smtClean="0"/>
+              <a:t>tự</a:t>
+            </a:r>
+            <a:r>
+              <a:rPr lang="en-US" dirty="0" smtClean="0"/>
+              <a:t> train </a:t>
+            </a:r>
+            <a:r>
+              <a:rPr lang="en-US" dirty="0" err="1" smtClean="0"/>
+              <a:t>trên</a:t>
+            </a:r>
+            <a:r>
+              <a:rPr lang="en-US" dirty="0" smtClean="0"/>
+              <a:t> </a:t>
+            </a:r>
+            <a:r>
+              <a:rPr lang="en-US" dirty="0" err="1" smtClean="0"/>
+              <a:t>dữ</a:t>
+            </a:r>
+            <a:r>
+              <a:rPr lang="en-US" dirty="0" smtClean="0"/>
+              <a:t> </a:t>
+            </a:r>
+            <a:r>
+              <a:rPr lang="en-US" dirty="0" err="1" smtClean="0"/>
+              <a:t>liệu</a:t>
+            </a:r>
+            <a:r>
+              <a:rPr lang="en-US" dirty="0" smtClean="0"/>
+              <a:t> </a:t>
+            </a:r>
+            <a:r>
+              <a:rPr lang="en-US" dirty="0" err="1" smtClean="0"/>
+              <a:t>khác</a:t>
+            </a:r>
+            <a:r>
+              <a:rPr lang="en-US" dirty="0" smtClean="0"/>
+              <a:t> </a:t>
+            </a:r>
+            <a:r>
+              <a:rPr lang="en-US" dirty="0" err="1" smtClean="0"/>
+              <a:t>của</a:t>
+            </a:r>
+            <a:r>
+              <a:rPr lang="en-US" dirty="0" smtClean="0"/>
+              <a:t> </a:t>
+            </a:r>
+            <a:r>
+              <a:rPr lang="en-US" dirty="0" err="1" smtClean="0"/>
+              <a:t>người</a:t>
+            </a:r>
+            <a:r>
+              <a:rPr lang="en-US" dirty="0" smtClean="0"/>
+              <a:t> </a:t>
+            </a:r>
+            <a:r>
+              <a:rPr lang="en-US" dirty="0" err="1" smtClean="0"/>
+              <a:t>dùng</a:t>
+            </a:r>
+            <a:r>
+              <a:rPr lang="en-US" dirty="0" smtClean="0"/>
+              <a:t>)</a:t>
+            </a:r>
+          </a:p>
+          <a:p>
+            <a:endParaRPr lang="en-US" dirty="0"/>
+          </a:p>
+        </p:txBody>
+      </p:sp>
+    </p:spTree>
+    <p:extLst>
+      <p:ext uri="{BB962C8B-B14F-4D97-AF65-F5344CB8AC3E}">
+        <p14:creationId xmlns:p14="http://schemas.microsoft.com/office/powerpoint/2010/main" val="2094256745"/>
+      </p:ext>
+    </p:extLst>
+  </p:cSld>
+  <p:clrMapOvr>
+    <a:masterClrMapping/>
+  </p:clrMapOvr>
+  <p:timing>
+    <p:tnLst>
+      <p:par>
+        <p:cTn id="1" dur="indefinite" restart="never" nodeType="tmRoot"/>
+      </p:par>
+    </p:tnLst>
+  </p:timing>
+</p:sld>
+</file>
+
+<file path=ppt/slides/slide19.xml><?xml version="1.0" encoding="utf-8"?>
+<p:sld xmlns:a="http://schemas.openxmlformats.org/drawingml/2006/main" xmlns:r="http://schemas.openxmlformats.org/officeDocument/2006/relationships" xmlns:p="http://schemas.openxmlformats.org/presentationml/2006/main">
+  <p:cSld>
+    <p:spTree>
+      <p:nvGrpSpPr>
+        <p:cNvPr id="1" name=""/>
+        <p:cNvGrpSpPr/>
+        <p:nvPr/>
+      </p:nvGrpSpPr>
+      <p:grpSpPr>
+        <a:xfrm>
+          <a:off x="0" y="0"/>
+          <a:ext cx="0" cy="0"/>
+          <a:chOff x="0" y="0"/>
+          <a:chExt cx="0" cy="0"/>
+        </a:xfrm>
+      </p:grpSpPr>
+      <p:sp>
+        <p:nvSpPr>
+          <p:cNvPr id="2" name="Title 1"/>
+          <p:cNvSpPr>
+            <a:spLocks noGrp="1"/>
+          </p:cNvSpPr>
+          <p:nvPr>
+            <p:ph type="title"/>
+          </p:nvPr>
+        </p:nvSpPr>
+        <p:spPr>
+          <a:xfrm>
+            <a:off x="1484309" y="620488"/>
+            <a:ext cx="10018713" cy="838200"/>
+          </a:xfrm>
+        </p:spPr>
+        <p:txBody>
+          <a:bodyPr/>
+          <a:lstStyle/>
+          <a:p>
+            <a:pPr algn="l"/>
+            <a:r>
+              <a:rPr lang="en-US" b="1" dirty="0">
+                <a:solidFill>
+                  <a:srgbClr val="0000FF"/>
+                </a:solidFill>
+                <a:latin typeface="Times New Roman" panose="02020603050405020304" pitchFamily="18" charset="0"/>
+                <a:cs typeface="Times New Roman" panose="02020603050405020304" pitchFamily="18" charset="0"/>
+              </a:rPr>
+              <a:t>POS Tagging </a:t>
+            </a:r>
+            <a:r>
+              <a:rPr lang="en-US" b="1" dirty="0" err="1">
+                <a:solidFill>
+                  <a:srgbClr val="0000FF"/>
+                </a:solidFill>
+                <a:latin typeface="Times New Roman" panose="02020603050405020304" pitchFamily="18" charset="0"/>
+                <a:cs typeface="Times New Roman" panose="02020603050405020304" pitchFamily="18" charset="0"/>
+              </a:rPr>
+              <a:t>trong</a:t>
+            </a:r>
+            <a:r>
+              <a:rPr lang="en-US" b="1" dirty="0">
+                <a:solidFill>
+                  <a:srgbClr val="0000FF"/>
+                </a:solidFill>
+                <a:latin typeface="Times New Roman" panose="02020603050405020304" pitchFamily="18" charset="0"/>
+                <a:cs typeface="Times New Roman" panose="02020603050405020304" pitchFamily="18" charset="0"/>
+              </a:rPr>
+              <a:t> </a:t>
+            </a:r>
+            <a:r>
+              <a:rPr lang="en-US" b="1" dirty="0" err="1">
+                <a:solidFill>
+                  <a:srgbClr val="0000FF"/>
+                </a:solidFill>
+                <a:latin typeface="Times New Roman" panose="02020603050405020304" pitchFamily="18" charset="0"/>
+                <a:cs typeface="Times New Roman" panose="02020603050405020304" pitchFamily="18" charset="0"/>
+              </a:rPr>
+              <a:t>StanfordCoreNLP</a:t>
+            </a:r>
+            <a:endParaRPr lang="en-US" dirty="0"/>
+          </a:p>
+        </p:txBody>
+      </p:sp>
+      <p:sp>
+        <p:nvSpPr>
+          <p:cNvPr id="3" name="Content Placeholder 2"/>
+          <p:cNvSpPr>
+            <a:spLocks noGrp="1"/>
+          </p:cNvSpPr>
+          <p:nvPr>
+            <p:ph idx="1"/>
+          </p:nvPr>
+        </p:nvSpPr>
+        <p:spPr>
+          <a:xfrm>
+            <a:off x="1055914" y="1458689"/>
+            <a:ext cx="10447109" cy="4332512"/>
+          </a:xfrm>
+        </p:spPr>
+        <p:txBody>
+          <a:bodyPr/>
+          <a:lstStyle/>
+          <a:p>
+            <a:r>
+              <a:rPr lang="en-US" dirty="0" err="1" smtClean="0"/>
+              <a:t>Khởi</a:t>
+            </a:r>
+            <a:r>
+              <a:rPr lang="en-US" dirty="0" smtClean="0"/>
+              <a:t> </a:t>
+            </a:r>
+            <a:r>
+              <a:rPr lang="en-US" dirty="0" err="1" smtClean="0"/>
+              <a:t>tạo</a:t>
+            </a:r>
+            <a:r>
+              <a:rPr lang="en-US" dirty="0" smtClean="0"/>
+              <a:t> </a:t>
+            </a:r>
+            <a:r>
+              <a:rPr lang="en-US" dirty="0" err="1" smtClean="0"/>
+              <a:t>hàm</a:t>
+            </a:r>
+            <a:endParaRPr lang="en-US" dirty="0" smtClean="0"/>
+          </a:p>
+          <a:p>
+            <a:pPr marL="0" indent="0">
+              <a:buNone/>
+            </a:pPr>
+            <a:r>
+              <a:rPr lang="en-US" dirty="0"/>
+              <a:t>	</a:t>
+            </a:r>
+            <a:r>
+              <a:rPr lang="en-US" dirty="0" smtClean="0"/>
+              <a:t>Input: </a:t>
+            </a:r>
+            <a:r>
+              <a:rPr lang="en-US" dirty="0" err="1" smtClean="0"/>
+              <a:t>đường</a:t>
+            </a:r>
+            <a:r>
+              <a:rPr lang="en-US" dirty="0" smtClean="0"/>
+              <a:t> </a:t>
+            </a:r>
+            <a:r>
+              <a:rPr lang="en-US" dirty="0" err="1" smtClean="0"/>
+              <a:t>dẫn</a:t>
+            </a:r>
+            <a:r>
+              <a:rPr lang="en-US" dirty="0" smtClean="0"/>
+              <a:t> </a:t>
+            </a:r>
+            <a:r>
+              <a:rPr lang="en-US" dirty="0" err="1" smtClean="0"/>
+              <a:t>đến</a:t>
+            </a:r>
+            <a:r>
+              <a:rPr lang="en-US" dirty="0" smtClean="0"/>
+              <a:t> </a:t>
+            </a:r>
+            <a:r>
+              <a:rPr lang="en-US" dirty="0" err="1" smtClean="0"/>
+              <a:t>tập</a:t>
+            </a:r>
+            <a:r>
+              <a:rPr lang="en-US" dirty="0" smtClean="0"/>
+              <a:t> tin </a:t>
+            </a:r>
+            <a:r>
+              <a:rPr lang="en-US" dirty="0" err="1" smtClean="0"/>
+              <a:t>chứa</a:t>
+            </a:r>
+            <a:r>
+              <a:rPr lang="en-US" dirty="0" smtClean="0"/>
+              <a:t> model, </a:t>
+            </a:r>
+            <a:r>
+              <a:rPr lang="en-US" dirty="0" err="1" smtClean="0"/>
+              <a:t>ngoài</a:t>
+            </a:r>
+            <a:r>
+              <a:rPr lang="en-US" dirty="0" smtClean="0"/>
+              <a:t> </a:t>
+            </a:r>
+            <a:r>
+              <a:rPr lang="en-US" dirty="0" err="1" smtClean="0"/>
+              <a:t>ra</a:t>
+            </a:r>
+            <a:r>
+              <a:rPr lang="en-US" dirty="0" smtClean="0"/>
+              <a:t> </a:t>
+            </a:r>
+            <a:r>
+              <a:rPr lang="en-US" dirty="0" err="1" smtClean="0"/>
+              <a:t>có</a:t>
+            </a:r>
+            <a:r>
+              <a:rPr lang="en-US" dirty="0" smtClean="0"/>
+              <a:t> </a:t>
+            </a:r>
+            <a:r>
+              <a:rPr lang="en-US" dirty="0" err="1" smtClean="0"/>
+              <a:t>thể</a:t>
+            </a:r>
+            <a:r>
+              <a:rPr lang="en-US" dirty="0" smtClean="0"/>
+              <a:t> </a:t>
+            </a:r>
+            <a:r>
+              <a:rPr lang="en-US" dirty="0" err="1" smtClean="0"/>
+              <a:t>config</a:t>
+            </a:r>
+            <a:r>
+              <a:rPr lang="en-US" dirty="0" smtClean="0"/>
+              <a:t> </a:t>
+            </a:r>
+            <a:r>
+              <a:rPr lang="en-US" dirty="0" err="1" smtClean="0"/>
+              <a:t>một</a:t>
+            </a:r>
+            <a:r>
+              <a:rPr lang="en-US" dirty="0" smtClean="0"/>
+              <a:t> </a:t>
+            </a:r>
+            <a:r>
+              <a:rPr lang="en-US" dirty="0" err="1" smtClean="0"/>
+              <a:t>tham</a:t>
+            </a:r>
+            <a:r>
+              <a:rPr lang="en-US" dirty="0" smtClean="0"/>
+              <a:t> </a:t>
+            </a:r>
+            <a:r>
+              <a:rPr lang="en-US" dirty="0" err="1" smtClean="0"/>
+              <a:t>số</a:t>
+            </a:r>
+            <a:r>
+              <a:rPr lang="en-US" dirty="0" smtClean="0"/>
+              <a:t> </a:t>
+            </a:r>
+            <a:r>
+              <a:rPr lang="en-US" dirty="0" err="1" smtClean="0"/>
+              <a:t>kiểu</a:t>
+            </a:r>
+            <a:r>
+              <a:rPr lang="en-US" dirty="0" smtClean="0"/>
+              <a:t> Properties (</a:t>
+            </a:r>
+            <a:r>
+              <a:rPr lang="en-US" dirty="0" err="1" smtClean="0"/>
+              <a:t>các</a:t>
+            </a:r>
+            <a:r>
+              <a:rPr lang="en-US" dirty="0" smtClean="0"/>
+              <a:t> </a:t>
+            </a:r>
+            <a:r>
+              <a:rPr lang="en-US" dirty="0" err="1" smtClean="0"/>
+              <a:t>thuộc</a:t>
+            </a:r>
+            <a:r>
+              <a:rPr lang="en-US" dirty="0" smtClean="0"/>
+              <a:t> </a:t>
+            </a:r>
+            <a:r>
+              <a:rPr lang="en-US" dirty="0" err="1" smtClean="0"/>
+              <a:t>tính</a:t>
+            </a:r>
+            <a:r>
+              <a:rPr lang="en-US" dirty="0" smtClean="0"/>
+              <a:t> </a:t>
+            </a:r>
+            <a:r>
+              <a:rPr lang="en-US" dirty="0" err="1" smtClean="0"/>
+              <a:t>phục</a:t>
+            </a:r>
+            <a:r>
+              <a:rPr lang="en-US" dirty="0" smtClean="0"/>
+              <a:t> </a:t>
+            </a:r>
+            <a:r>
+              <a:rPr lang="en-US" dirty="0" err="1" smtClean="0"/>
+              <a:t>vụ</a:t>
+            </a:r>
+            <a:r>
+              <a:rPr lang="en-US" dirty="0" smtClean="0"/>
+              <a:t> </a:t>
+            </a:r>
+            <a:r>
+              <a:rPr lang="en-US" dirty="0" err="1" smtClean="0"/>
+              <a:t>cho</a:t>
+            </a:r>
+            <a:r>
+              <a:rPr lang="en-US" dirty="0" smtClean="0"/>
+              <a:t> </a:t>
+            </a:r>
+            <a:r>
+              <a:rPr lang="en-US" dirty="0" err="1" smtClean="0"/>
+              <a:t>quá</a:t>
+            </a:r>
+            <a:r>
+              <a:rPr lang="en-US" dirty="0" smtClean="0"/>
+              <a:t> </a:t>
+            </a:r>
+            <a:r>
+              <a:rPr lang="en-US" dirty="0" err="1" smtClean="0"/>
+              <a:t>trình</a:t>
+            </a:r>
+            <a:r>
+              <a:rPr lang="en-US" dirty="0" smtClean="0"/>
+              <a:t> </a:t>
+            </a:r>
+            <a:r>
+              <a:rPr lang="en-US" dirty="0" err="1" smtClean="0"/>
+              <a:t>gán</a:t>
+            </a:r>
+            <a:r>
+              <a:rPr lang="en-US" dirty="0" smtClean="0"/>
+              <a:t> </a:t>
+            </a:r>
+            <a:r>
+              <a:rPr lang="en-US" dirty="0" err="1" smtClean="0"/>
+              <a:t>nhãn</a:t>
+            </a:r>
+            <a:r>
+              <a:rPr lang="en-US" dirty="0" smtClean="0"/>
+              <a:t>)</a:t>
+            </a:r>
+          </a:p>
+          <a:p>
+            <a:pPr marL="0" indent="0">
+              <a:buNone/>
+            </a:pPr>
+            <a:r>
+              <a:rPr lang="en-US" dirty="0"/>
+              <a:t>	</a:t>
+            </a:r>
+            <a:endParaRPr lang="en-US" dirty="0" smtClean="0"/>
+          </a:p>
+          <a:p>
+            <a:pPr marL="0" indent="0">
+              <a:buNone/>
+            </a:pPr>
+            <a:endParaRPr lang="en-US" dirty="0"/>
+          </a:p>
+          <a:p>
+            <a:pPr marL="0" indent="0">
+              <a:buNone/>
+            </a:pPr>
+            <a:r>
+              <a:rPr lang="en-US" dirty="0" smtClean="0"/>
+              <a:t>	Properties </a:t>
+            </a:r>
+            <a:r>
+              <a:rPr lang="en-US" dirty="0" err="1" smtClean="0"/>
+              <a:t>có</a:t>
+            </a:r>
+            <a:r>
+              <a:rPr lang="en-US" dirty="0" smtClean="0"/>
+              <a:t> </a:t>
+            </a:r>
+            <a:r>
+              <a:rPr lang="en-US" dirty="0" err="1" smtClean="0"/>
+              <a:t>thể</a:t>
+            </a:r>
+            <a:r>
+              <a:rPr lang="en-US" dirty="0" smtClean="0"/>
+              <a:t> </a:t>
+            </a:r>
+            <a:r>
+              <a:rPr lang="en-US" dirty="0" err="1" smtClean="0"/>
+              <a:t>được</a:t>
+            </a:r>
+            <a:r>
+              <a:rPr lang="en-US" dirty="0" smtClean="0"/>
+              <a:t> load </a:t>
+            </a:r>
+            <a:r>
+              <a:rPr lang="en-US" dirty="0" err="1" smtClean="0"/>
+              <a:t>bằng</a:t>
+            </a:r>
+            <a:r>
+              <a:rPr lang="en-US" dirty="0" smtClean="0"/>
+              <a:t> file:</a:t>
+            </a:r>
+          </a:p>
+          <a:p>
+            <a:pPr marL="0" indent="0">
+              <a:buNone/>
+            </a:pPr>
+            <a:r>
+              <a:rPr lang="en-US" dirty="0" smtClean="0"/>
+              <a:t>	 </a:t>
+            </a:r>
+          </a:p>
+          <a:p>
+            <a:pPr marL="0" indent="0">
+              <a:buNone/>
+            </a:pPr>
+            <a:endParaRPr lang="en-US" dirty="0"/>
+          </a:p>
+        </p:txBody>
+      </p:sp>
+      <p:pic>
+        <p:nvPicPr>
+          <p:cNvPr id="4" name="Picture 3"/>
+          <p:cNvPicPr>
+            <a:picLocks noChangeAspect="1"/>
+          </p:cNvPicPr>
+          <p:nvPr/>
+        </p:nvPicPr>
+        <p:blipFill>
+          <a:blip r:embed="rId2"/>
+          <a:stretch>
+            <a:fillRect/>
+          </a:stretch>
+        </p:blipFill>
+        <p:spPr>
+          <a:xfrm>
+            <a:off x="3311297" y="1698173"/>
+            <a:ext cx="1462583" cy="383721"/>
+          </a:xfrm>
+          <a:prstGeom prst="rect">
+            <a:avLst/>
+          </a:prstGeom>
+        </p:spPr>
+      </p:pic>
+      <p:pic>
+        <p:nvPicPr>
+          <p:cNvPr id="5" name="Picture 4"/>
+          <p:cNvPicPr>
+            <a:picLocks noChangeAspect="1"/>
+          </p:cNvPicPr>
+          <p:nvPr/>
+        </p:nvPicPr>
+        <p:blipFill>
+          <a:blip r:embed="rId3"/>
+          <a:stretch>
+            <a:fillRect/>
+          </a:stretch>
+        </p:blipFill>
+        <p:spPr>
+          <a:xfrm>
+            <a:off x="1746248" y="3088820"/>
+            <a:ext cx="9066439" cy="802821"/>
+          </a:xfrm>
+          <a:prstGeom prst="rect">
+            <a:avLst/>
+          </a:prstGeom>
+        </p:spPr>
+      </p:pic>
+      <p:pic>
+        <p:nvPicPr>
+          <p:cNvPr id="6" name="Picture 5"/>
+          <p:cNvPicPr>
+            <a:picLocks noChangeAspect="1"/>
+          </p:cNvPicPr>
+          <p:nvPr/>
+        </p:nvPicPr>
+        <p:blipFill>
+          <a:blip r:embed="rId4"/>
+          <a:stretch>
+            <a:fillRect/>
+          </a:stretch>
+        </p:blipFill>
+        <p:spPr>
+          <a:xfrm>
+            <a:off x="1787792" y="4601255"/>
+            <a:ext cx="7748094" cy="849627"/>
+          </a:xfrm>
+          <a:prstGeom prst="rect">
+            <a:avLst/>
+          </a:prstGeom>
+        </p:spPr>
+      </p:pic>
+    </p:spTree>
+    <p:extLst>
+      <p:ext uri="{BB962C8B-B14F-4D97-AF65-F5344CB8AC3E}">
+        <p14:creationId xmlns:p14="http://schemas.microsoft.com/office/powerpoint/2010/main" val="3142385404"/>
+      </p:ext>
+    </p:extLst>
+  </p:cSld>
+  <p:clrMapOvr>
+    <a:masterClrMapping/>
+  </p:clrMapOvr>
+</p:sld>
+</file>
+
+<file path=ppt/slides/slide2.xml><?xml version="1.0" encoding="utf-8"?>
+<p:sld xmlns:a="http://schemas.openxmlformats.org/drawingml/2006/main" xmlns:r="http://schemas.openxmlformats.org/officeDocument/2006/relationships" xmlns:p="http://schemas.openxmlformats.org/presentationml/2006/main">
+  <p:cSld>
+    <p:spTree>
+      <p:nvGrpSpPr>
+        <p:cNvPr id="1" name=""/>
+        <p:cNvGrpSpPr/>
+        <p:nvPr/>
+      </p:nvGrpSpPr>
+      <p:grpSpPr>
+        <a:xfrm>
+          <a:off x="0" y="0"/>
+          <a:ext cx="0" cy="0"/>
+          <a:chOff x="0" y="0"/>
+          <a:chExt cx="0" cy="0"/>
+        </a:xfrm>
+      </p:grpSpPr>
+      <p:sp>
+        <p:nvSpPr>
           <p:cNvPr id="2" name="Title 1">
             <a:extLst>
               <a:ext uri="{FF2B5EF4-FFF2-40B4-BE49-F238E27FC236}">
-                <a16:creationId xmlns:a16="http://schemas.microsoft.com/office/drawing/2014/main" id="{3320184A-853A-46BC-A5D5-0BA775050763}"/>
+                <a16:creationId xmlns:a16="http://schemas.microsoft.com/office/drawing/2014/main" xmlns="" id="{11DE62A2-70BD-4054-8726-5F66199E19F1}"/>
+              </a:ext>
+            </a:extLst>
+          </p:cNvPr>
+          <p:cNvSpPr>
+            <a:spLocks noGrp="1"/>
+          </p:cNvSpPr>
+          <p:nvPr>
+            <p:ph type="title"/>
+          </p:nvPr>
+        </p:nvSpPr>
+        <p:spPr>
+          <a:xfrm>
+            <a:off x="1568245" y="251952"/>
+            <a:ext cx="4911213" cy="1128252"/>
+          </a:xfrm>
+        </p:spPr>
+        <p:txBody>
+          <a:bodyPr/>
+          <a:lstStyle/>
+          <a:p>
+            <a:pPr algn="l"/>
+            <a:r>
+              <a:rPr lang="en-US" b="1">
+                <a:solidFill>
+                  <a:srgbClr val="0000FF"/>
+                </a:solidFill>
+                <a:latin typeface="Times New Roman" panose="02020603050405020304" pitchFamily="18" charset="0"/>
+                <a:cs typeface="Times New Roman" panose="02020603050405020304" pitchFamily="18" charset="0"/>
+              </a:rPr>
+              <a:t>Thành viên nhóm</a:t>
+            </a:r>
+          </a:p>
+        </p:txBody>
+      </p:sp>
+      <p:sp>
+        <p:nvSpPr>
+          <p:cNvPr id="3" name="Content Placeholder 2">
+            <a:extLst>
+              <a:ext uri="{FF2B5EF4-FFF2-40B4-BE49-F238E27FC236}">
+                <a16:creationId xmlns:a16="http://schemas.microsoft.com/office/drawing/2014/main" xmlns="" id="{70BE8753-D59F-43F8-9425-932D86987DBD}"/>
+              </a:ext>
+            </a:extLst>
+          </p:cNvPr>
+          <p:cNvSpPr>
+            <a:spLocks noGrp="1"/>
+          </p:cNvSpPr>
+          <p:nvPr>
+            <p:ph idx="1"/>
+          </p:nvPr>
+        </p:nvSpPr>
+        <p:spPr>
+          <a:xfrm>
+            <a:off x="3308555" y="1763664"/>
+            <a:ext cx="6341806" cy="4961602"/>
+          </a:xfrm>
+        </p:spPr>
+        <p:txBody>
+          <a:bodyPr>
+            <a:normAutofit/>
+          </a:bodyPr>
+          <a:lstStyle/>
+          <a:p>
+            <a:pPr marL="0" indent="0">
+              <a:lnSpc>
+                <a:spcPct val="150000"/>
+              </a:lnSpc>
+              <a:buNone/>
+            </a:pPr>
+            <a:r>
+              <a:rPr lang="en-US" sz="2800">
+                <a:latin typeface="Times New Roman" panose="02020603050405020304" pitchFamily="18" charset="0"/>
+                <a:cs typeface="Times New Roman" panose="02020603050405020304" pitchFamily="18" charset="0"/>
+              </a:rPr>
+              <a:t>1412503 - Nguyễn Thị Thanh Thảo</a:t>
+            </a:r>
+          </a:p>
+          <a:p>
+            <a:pPr marL="0" indent="0">
+              <a:lnSpc>
+                <a:spcPct val="150000"/>
+              </a:lnSpc>
+              <a:buNone/>
+            </a:pPr>
+            <a:r>
+              <a:rPr lang="en-US" sz="2800">
+                <a:latin typeface="Times New Roman" panose="02020603050405020304" pitchFamily="18" charset="0"/>
+                <a:cs typeface="Times New Roman" panose="02020603050405020304" pitchFamily="18" charset="0"/>
+              </a:rPr>
+              <a:t>1412520 – Nguyễn Hoàng Thi </a:t>
+            </a:r>
+          </a:p>
+          <a:p>
+            <a:pPr marL="0" indent="0">
+              <a:lnSpc>
+                <a:spcPct val="150000"/>
+              </a:lnSpc>
+              <a:buNone/>
+            </a:pPr>
+            <a:r>
+              <a:rPr lang="en-US" sz="2800">
+                <a:latin typeface="Times New Roman" panose="02020603050405020304" pitchFamily="18" charset="0"/>
+                <a:cs typeface="Times New Roman" panose="02020603050405020304" pitchFamily="18" charset="0"/>
+              </a:rPr>
+              <a:t>1412542 - Nguyễn Hà Tiên</a:t>
+            </a:r>
+          </a:p>
+          <a:p>
+            <a:pPr marL="0" indent="0">
+              <a:lnSpc>
+                <a:spcPct val="150000"/>
+              </a:lnSpc>
+              <a:buNone/>
+            </a:pPr>
+            <a:r>
+              <a:rPr lang="en-US" sz="2800">
+                <a:latin typeface="Times New Roman" panose="02020603050405020304" pitchFamily="18" charset="0"/>
+                <a:cs typeface="Times New Roman" panose="02020603050405020304" pitchFamily="18" charset="0"/>
+              </a:rPr>
+              <a:t>1412543 - Nguyễn Thủy Tiên</a:t>
+            </a:r>
+          </a:p>
+          <a:p>
+            <a:pPr marL="0" indent="0">
+              <a:lnSpc>
+                <a:spcPct val="150000"/>
+              </a:lnSpc>
+              <a:buNone/>
+            </a:pPr>
+            <a:r>
+              <a:rPr lang="en-US" sz="2800">
+                <a:latin typeface="Times New Roman" panose="02020603050405020304" pitchFamily="18" charset="0"/>
+                <a:cs typeface="Times New Roman" panose="02020603050405020304" pitchFamily="18" charset="0"/>
+              </a:rPr>
+              <a:t>1412595 - Võ Thị Thanh Trúc</a:t>
+            </a:r>
+          </a:p>
+          <a:p>
+            <a:endParaRPr lang="en-US" sz="2800"/>
+          </a:p>
+        </p:txBody>
+      </p:sp>
+    </p:spTree>
+    <p:extLst>
+      <p:ext uri="{BB962C8B-B14F-4D97-AF65-F5344CB8AC3E}">
+        <p14:creationId xmlns:p14="http://schemas.microsoft.com/office/powerpoint/2010/main" val="1532792253"/>
+      </p:ext>
+    </p:extLst>
+  </p:cSld>
+  <p:clrMapOvr>
+    <a:masterClrMapping/>
+  </p:clrMapOvr>
+</p:sld>
+</file>
+
+<file path=ppt/slides/slide20.xml><?xml version="1.0" encoding="utf-8"?>
+<p:sld xmlns:a="http://schemas.openxmlformats.org/drawingml/2006/main" xmlns:r="http://schemas.openxmlformats.org/officeDocument/2006/relationships" xmlns:p="http://schemas.openxmlformats.org/presentationml/2006/main">
+  <p:cSld>
+    <p:spTree>
+      <p:nvGrpSpPr>
+        <p:cNvPr id="1" name=""/>
+        <p:cNvGrpSpPr/>
+        <p:nvPr/>
+      </p:nvGrpSpPr>
+      <p:grpSpPr>
+        <a:xfrm>
+          <a:off x="0" y="0"/>
+          <a:ext cx="0" cy="0"/>
+          <a:chOff x="0" y="0"/>
+          <a:chExt cx="0" cy="0"/>
+        </a:xfrm>
+      </p:grpSpPr>
+      <p:sp>
+        <p:nvSpPr>
+          <p:cNvPr id="2" name="Title 1"/>
+          <p:cNvSpPr>
+            <a:spLocks noGrp="1"/>
+          </p:cNvSpPr>
+          <p:nvPr>
+            <p:ph type="title"/>
+          </p:nvPr>
+        </p:nvSpPr>
+        <p:spPr>
+          <a:xfrm>
+            <a:off x="1484311" y="685800"/>
+            <a:ext cx="10018713" cy="816429"/>
+          </a:xfrm>
+        </p:spPr>
+        <p:txBody>
+          <a:bodyPr/>
+          <a:lstStyle/>
+          <a:p>
+            <a:pPr algn="l"/>
+            <a:r>
+              <a:rPr lang="en-US" b="1" dirty="0">
+                <a:solidFill>
+                  <a:srgbClr val="0000FF"/>
+                </a:solidFill>
+                <a:latin typeface="Times New Roman" panose="02020603050405020304" pitchFamily="18" charset="0"/>
+                <a:cs typeface="Times New Roman" panose="02020603050405020304" pitchFamily="18" charset="0"/>
+              </a:rPr>
+              <a:t>POS Tagging </a:t>
+            </a:r>
+            <a:r>
+              <a:rPr lang="en-US" b="1" dirty="0" err="1">
+                <a:solidFill>
+                  <a:srgbClr val="0000FF"/>
+                </a:solidFill>
+                <a:latin typeface="Times New Roman" panose="02020603050405020304" pitchFamily="18" charset="0"/>
+                <a:cs typeface="Times New Roman" panose="02020603050405020304" pitchFamily="18" charset="0"/>
+              </a:rPr>
+              <a:t>trong</a:t>
+            </a:r>
+            <a:r>
+              <a:rPr lang="en-US" b="1" dirty="0">
+                <a:solidFill>
+                  <a:srgbClr val="0000FF"/>
+                </a:solidFill>
+                <a:latin typeface="Times New Roman" panose="02020603050405020304" pitchFamily="18" charset="0"/>
+                <a:cs typeface="Times New Roman" panose="02020603050405020304" pitchFamily="18" charset="0"/>
+              </a:rPr>
+              <a:t> </a:t>
+            </a:r>
+            <a:r>
+              <a:rPr lang="en-US" b="1" dirty="0" err="1">
+                <a:solidFill>
+                  <a:srgbClr val="0000FF"/>
+                </a:solidFill>
+                <a:latin typeface="Times New Roman" panose="02020603050405020304" pitchFamily="18" charset="0"/>
+                <a:cs typeface="Times New Roman" panose="02020603050405020304" pitchFamily="18" charset="0"/>
+              </a:rPr>
+              <a:t>StanfordCoreNLP</a:t>
+            </a:r>
+            <a:endParaRPr lang="en-US" dirty="0"/>
+          </a:p>
+        </p:txBody>
+      </p:sp>
+      <p:sp>
+        <p:nvSpPr>
+          <p:cNvPr id="3" name="Content Placeholder 2"/>
+          <p:cNvSpPr>
+            <a:spLocks noGrp="1"/>
+          </p:cNvSpPr>
+          <p:nvPr>
+            <p:ph idx="1"/>
+          </p:nvPr>
+        </p:nvSpPr>
+        <p:spPr>
+          <a:xfrm>
+            <a:off x="1244825" y="1467419"/>
+            <a:ext cx="10258199" cy="4454410"/>
+          </a:xfrm>
+        </p:spPr>
+        <p:txBody>
+          <a:bodyPr>
+            <a:normAutofit fontScale="77500" lnSpcReduction="20000"/>
+          </a:bodyPr>
+          <a:lstStyle/>
+          <a:p>
+            <a:pPr marL="0" indent="0">
+              <a:buNone/>
+            </a:pPr>
+            <a:r>
+              <a:rPr lang="en-US" dirty="0" smtClean="0">
+                <a:latin typeface="Times New Roman" panose="02020603050405020304" pitchFamily="18" charset="0"/>
+                <a:cs typeface="Times New Roman" panose="02020603050405020304" pitchFamily="18" charset="0"/>
+              </a:rPr>
+              <a:t>    </a:t>
+            </a:r>
+          </a:p>
+          <a:p>
+            <a:pPr marL="0" indent="0">
+              <a:buNone/>
+            </a:pPr>
+            <a:endParaRPr lang="en-US" dirty="0" smtClean="0">
+              <a:latin typeface="Times New Roman" panose="02020603050405020304" pitchFamily="18" charset="0"/>
+              <a:cs typeface="Times New Roman" panose="02020603050405020304" pitchFamily="18" charset="0"/>
+            </a:endParaRPr>
+          </a:p>
+          <a:p>
+            <a:pPr marL="0" indent="0">
+              <a:buNone/>
+            </a:pPr>
+            <a:r>
+              <a:rPr lang="en-US" dirty="0" err="1" smtClean="0">
+                <a:latin typeface="Times New Roman" panose="02020603050405020304" pitchFamily="18" charset="0"/>
+                <a:cs typeface="Times New Roman" panose="02020603050405020304" pitchFamily="18" charset="0"/>
+              </a:rPr>
+              <a:t>Hoặc</a:t>
+            </a:r>
+            <a:r>
+              <a:rPr lang="en-US" dirty="0" smtClean="0">
+                <a:latin typeface="Times New Roman" panose="02020603050405020304" pitchFamily="18" charset="0"/>
+                <a:cs typeface="Times New Roman" panose="02020603050405020304" pitchFamily="18" charset="0"/>
+              </a:rPr>
+              <a:t> </a:t>
+            </a:r>
+            <a:r>
+              <a:rPr lang="en-US" dirty="0" err="1" smtClean="0">
+                <a:latin typeface="Times New Roman" panose="02020603050405020304" pitchFamily="18" charset="0"/>
+                <a:cs typeface="Times New Roman" panose="02020603050405020304" pitchFamily="18" charset="0"/>
+              </a:rPr>
+              <a:t>khởi</a:t>
+            </a:r>
+            <a:r>
+              <a:rPr lang="en-US" dirty="0" smtClean="0">
+                <a:latin typeface="Times New Roman" panose="02020603050405020304" pitchFamily="18" charset="0"/>
+                <a:cs typeface="Times New Roman" panose="02020603050405020304" pitchFamily="18" charset="0"/>
+              </a:rPr>
+              <a:t> </a:t>
+            </a:r>
+            <a:r>
+              <a:rPr lang="en-US" dirty="0" err="1" smtClean="0">
+                <a:latin typeface="Times New Roman" panose="02020603050405020304" pitchFamily="18" charset="0"/>
+                <a:cs typeface="Times New Roman" panose="02020603050405020304" pitchFamily="18" charset="0"/>
+              </a:rPr>
+              <a:t>tạo</a:t>
+            </a:r>
+            <a:r>
+              <a:rPr lang="en-US" dirty="0" smtClean="0">
+                <a:latin typeface="Times New Roman" panose="02020603050405020304" pitchFamily="18" charset="0"/>
+                <a:cs typeface="Times New Roman" panose="02020603050405020304" pitchFamily="18" charset="0"/>
+              </a:rPr>
+              <a:t> </a:t>
+            </a:r>
+            <a:r>
+              <a:rPr lang="en-US" dirty="0" err="1" smtClean="0">
+                <a:latin typeface="Times New Roman" panose="02020603050405020304" pitchFamily="18" charset="0"/>
+                <a:cs typeface="Times New Roman" panose="02020603050405020304" pitchFamily="18" charset="0"/>
+              </a:rPr>
+              <a:t>trực</a:t>
+            </a:r>
+            <a:r>
+              <a:rPr lang="en-US" dirty="0" smtClean="0">
+                <a:latin typeface="Times New Roman" panose="02020603050405020304" pitchFamily="18" charset="0"/>
+                <a:cs typeface="Times New Roman" panose="02020603050405020304" pitchFamily="18" charset="0"/>
+              </a:rPr>
+              <a:t> </a:t>
+            </a:r>
+            <a:r>
+              <a:rPr lang="en-US" dirty="0" err="1" smtClean="0">
+                <a:latin typeface="Times New Roman" panose="02020603050405020304" pitchFamily="18" charset="0"/>
+                <a:cs typeface="Times New Roman" panose="02020603050405020304" pitchFamily="18" charset="0"/>
+              </a:rPr>
+              <a:t>tiếp</a:t>
+            </a:r>
+            <a:r>
+              <a:rPr lang="en-US" dirty="0" smtClean="0">
+                <a:latin typeface="Times New Roman" panose="02020603050405020304" pitchFamily="18" charset="0"/>
+                <a:cs typeface="Times New Roman" panose="02020603050405020304" pitchFamily="18" charset="0"/>
+              </a:rPr>
+              <a:t>:</a:t>
+            </a:r>
+          </a:p>
+          <a:p>
+            <a:endParaRPr lang="en-US" dirty="0" smtClean="0">
+              <a:latin typeface="Times New Roman" panose="02020603050405020304" pitchFamily="18" charset="0"/>
+              <a:cs typeface="Times New Roman" panose="02020603050405020304" pitchFamily="18" charset="0"/>
+            </a:endParaRPr>
+          </a:p>
+          <a:p>
+            <a:pPr marL="0" indent="0">
+              <a:buNone/>
+            </a:pPr>
+            <a:r>
+              <a:rPr lang="en-US" dirty="0" smtClean="0">
+                <a:latin typeface="Times New Roman" panose="02020603050405020304" pitchFamily="18" charset="0"/>
+                <a:cs typeface="Times New Roman" panose="02020603050405020304" pitchFamily="18" charset="0"/>
+              </a:rPr>
+              <a:t>     </a:t>
+            </a:r>
+            <a:r>
+              <a:rPr lang="en-US" dirty="0" err="1" smtClean="0">
+                <a:latin typeface="Times New Roman" panose="02020603050405020304" pitchFamily="18" charset="0"/>
+                <a:cs typeface="Times New Roman" panose="02020603050405020304" pitchFamily="18" charset="0"/>
+              </a:rPr>
+              <a:t>Và</a:t>
+            </a:r>
+            <a:r>
+              <a:rPr lang="en-US" dirty="0" smtClean="0">
+                <a:latin typeface="Times New Roman" panose="02020603050405020304" pitchFamily="18" charset="0"/>
+                <a:cs typeface="Times New Roman" panose="02020603050405020304" pitchFamily="18" charset="0"/>
+              </a:rPr>
+              <a:t> </a:t>
+            </a:r>
+            <a:r>
+              <a:rPr lang="en-US" dirty="0" err="1" smtClean="0">
+                <a:latin typeface="Times New Roman" panose="02020603050405020304" pitchFamily="18" charset="0"/>
+                <a:cs typeface="Times New Roman" panose="02020603050405020304" pitchFamily="18" charset="0"/>
+              </a:rPr>
+              <a:t>khởi</a:t>
+            </a:r>
+            <a:r>
+              <a:rPr lang="en-US" dirty="0" smtClean="0">
+                <a:latin typeface="Times New Roman" panose="02020603050405020304" pitchFamily="18" charset="0"/>
+                <a:cs typeface="Times New Roman" panose="02020603050405020304" pitchFamily="18" charset="0"/>
+              </a:rPr>
+              <a:t> </a:t>
+            </a:r>
+            <a:r>
+              <a:rPr lang="en-US" dirty="0" err="1" smtClean="0">
+                <a:latin typeface="Times New Roman" panose="02020603050405020304" pitchFamily="18" charset="0"/>
+                <a:cs typeface="Times New Roman" panose="02020603050405020304" pitchFamily="18" charset="0"/>
+              </a:rPr>
+              <a:t>tạo</a:t>
+            </a:r>
+            <a:r>
+              <a:rPr lang="en-US" dirty="0" smtClean="0">
+                <a:latin typeface="Times New Roman" panose="02020603050405020304" pitchFamily="18" charset="0"/>
+                <a:cs typeface="Times New Roman" panose="02020603050405020304" pitchFamily="18" charset="0"/>
+              </a:rPr>
+              <a:t> </a:t>
+            </a:r>
+            <a:r>
+              <a:rPr lang="en-US" dirty="0" err="1" smtClean="0">
+                <a:latin typeface="Times New Roman" panose="02020603050405020304" pitchFamily="18" charset="0"/>
+                <a:cs typeface="Times New Roman" panose="02020603050405020304" pitchFamily="18" charset="0"/>
+              </a:rPr>
+              <a:t>MaxentTagger</a:t>
+            </a:r>
+            <a:r>
+              <a:rPr lang="en-US" smtClean="0">
+                <a:latin typeface="Times New Roman" panose="02020603050405020304" pitchFamily="18" charset="0"/>
+                <a:cs typeface="Times New Roman" panose="02020603050405020304" pitchFamily="18" charset="0"/>
+              </a:rPr>
+              <a:t> với</a:t>
+            </a:r>
+            <a:r>
+              <a:rPr lang="en-US" dirty="0" smtClean="0">
+                <a:latin typeface="Times New Roman" panose="02020603050405020304" pitchFamily="18" charset="0"/>
+                <a:cs typeface="Times New Roman" panose="02020603050405020304" pitchFamily="18" charset="0"/>
+              </a:rPr>
+              <a:t> </a:t>
+            </a:r>
+            <a:r>
+              <a:rPr lang="en-US" dirty="0" err="1" smtClean="0">
+                <a:latin typeface="Times New Roman" panose="02020603050405020304" pitchFamily="18" charset="0"/>
+                <a:cs typeface="Times New Roman" panose="02020603050405020304" pitchFamily="18" charset="0"/>
+              </a:rPr>
+              <a:t>tham</a:t>
+            </a:r>
+            <a:r>
+              <a:rPr lang="en-US" dirty="0" smtClean="0">
+                <a:latin typeface="Times New Roman" panose="02020603050405020304" pitchFamily="18" charset="0"/>
+                <a:cs typeface="Times New Roman" panose="02020603050405020304" pitchFamily="18" charset="0"/>
+              </a:rPr>
+              <a:t> </a:t>
+            </a:r>
+            <a:r>
+              <a:rPr lang="en-US" dirty="0" err="1" smtClean="0">
+                <a:latin typeface="Times New Roman" panose="02020603050405020304" pitchFamily="18" charset="0"/>
+                <a:cs typeface="Times New Roman" panose="02020603050405020304" pitchFamily="18" charset="0"/>
+              </a:rPr>
+              <a:t>số</a:t>
+            </a:r>
+            <a:r>
+              <a:rPr lang="en-US" dirty="0" smtClean="0">
+                <a:latin typeface="Times New Roman" panose="02020603050405020304" pitchFamily="18" charset="0"/>
+                <a:cs typeface="Times New Roman" panose="02020603050405020304" pitchFamily="18" charset="0"/>
+              </a:rPr>
+              <a:t> Properties:</a:t>
+            </a:r>
+          </a:p>
+          <a:p>
+            <a:pPr marL="0" indent="0">
+              <a:buNone/>
+            </a:pPr>
+            <a:r>
+              <a:rPr lang="en-US" dirty="0">
+                <a:latin typeface="Times New Roman" panose="02020603050405020304" pitchFamily="18" charset="0"/>
+                <a:cs typeface="Times New Roman" panose="02020603050405020304" pitchFamily="18" charset="0"/>
+              </a:rPr>
+              <a:t>	</a:t>
+            </a:r>
+            <a:endParaRPr lang="en-US" dirty="0" smtClean="0">
+              <a:latin typeface="Times New Roman" panose="02020603050405020304" pitchFamily="18" charset="0"/>
+              <a:cs typeface="Times New Roman" panose="02020603050405020304" pitchFamily="18" charset="0"/>
+            </a:endParaRPr>
+          </a:p>
+          <a:p>
+            <a:r>
+              <a:rPr lang="en-US" dirty="0" smtClean="0">
+                <a:latin typeface="Times New Roman" panose="02020603050405020304" pitchFamily="18" charset="0"/>
+                <a:cs typeface="Times New Roman" panose="02020603050405020304" pitchFamily="18" charset="0"/>
+              </a:rPr>
+              <a:t>Tokenize: </a:t>
+            </a:r>
+            <a:r>
+              <a:rPr lang="en-US" dirty="0" err="1" smtClean="0">
+                <a:latin typeface="Times New Roman" panose="02020603050405020304" pitchFamily="18" charset="0"/>
+                <a:cs typeface="Times New Roman" panose="02020603050405020304" pitchFamily="18" charset="0"/>
+              </a:rPr>
+              <a:t>Sử</a:t>
+            </a:r>
+            <a:r>
+              <a:rPr lang="en-US" dirty="0" smtClean="0">
+                <a:latin typeface="Times New Roman" panose="02020603050405020304" pitchFamily="18" charset="0"/>
+                <a:cs typeface="Times New Roman" panose="02020603050405020304" pitchFamily="18" charset="0"/>
+              </a:rPr>
+              <a:t> </a:t>
+            </a:r>
+            <a:r>
+              <a:rPr lang="en-US" dirty="0" err="1" smtClean="0">
+                <a:latin typeface="Times New Roman" panose="02020603050405020304" pitchFamily="18" charset="0"/>
+                <a:cs typeface="Times New Roman" panose="02020603050405020304" pitchFamily="18" charset="0"/>
+              </a:rPr>
+              <a:t>dụng</a:t>
+            </a:r>
+            <a:r>
+              <a:rPr lang="en-US" dirty="0" smtClean="0">
+                <a:latin typeface="Times New Roman" panose="02020603050405020304" pitchFamily="18" charset="0"/>
+                <a:cs typeface="Times New Roman" panose="02020603050405020304" pitchFamily="18" charset="0"/>
+              </a:rPr>
+              <a:t> </a:t>
+            </a:r>
+            <a:r>
+              <a:rPr lang="en-US" dirty="0" err="1" smtClean="0">
+                <a:latin typeface="Times New Roman" panose="02020603050405020304" pitchFamily="18" charset="0"/>
+                <a:cs typeface="Times New Roman" panose="02020603050405020304" pitchFamily="18" charset="0"/>
+              </a:rPr>
+              <a:t>hàm</a:t>
+            </a:r>
+            <a:r>
+              <a:rPr lang="en-US" dirty="0" smtClean="0">
+                <a:latin typeface="Times New Roman" panose="02020603050405020304" pitchFamily="18" charset="0"/>
+                <a:cs typeface="Times New Roman" panose="02020603050405020304" pitchFamily="18" charset="0"/>
+              </a:rPr>
+              <a:t> </a:t>
+            </a:r>
+            <a:r>
+              <a:rPr lang="en-US" dirty="0" err="1" smtClean="0">
+                <a:latin typeface="Times New Roman" panose="02020603050405020304" pitchFamily="18" charset="0"/>
+                <a:cs typeface="Times New Roman" panose="02020603050405020304" pitchFamily="18" charset="0"/>
+              </a:rPr>
+              <a:t>tokenizeText</a:t>
+            </a:r>
+            <a:endParaRPr lang="en-US" dirty="0" smtClean="0">
+              <a:latin typeface="Times New Roman" panose="02020603050405020304" pitchFamily="18" charset="0"/>
+              <a:cs typeface="Times New Roman" panose="02020603050405020304" pitchFamily="18" charset="0"/>
+            </a:endParaRPr>
+          </a:p>
+          <a:p>
+            <a:pPr marL="0" indent="0">
+              <a:buNone/>
+            </a:pPr>
+            <a:r>
+              <a:rPr lang="en-US" dirty="0" smtClean="0">
+                <a:latin typeface="Times New Roman" panose="02020603050405020304" pitchFamily="18" charset="0"/>
+                <a:cs typeface="Times New Roman" panose="02020603050405020304" pitchFamily="18" charset="0"/>
+              </a:rPr>
+              <a:t>	Input: </a:t>
+            </a:r>
+            <a:r>
+              <a:rPr lang="en-US" dirty="0" err="1" smtClean="0">
+                <a:latin typeface="Times New Roman" panose="02020603050405020304" pitchFamily="18" charset="0"/>
+                <a:cs typeface="Times New Roman" panose="02020603050405020304" pitchFamily="18" charset="0"/>
+              </a:rPr>
+              <a:t>tham</a:t>
+            </a:r>
+            <a:r>
+              <a:rPr lang="en-US" dirty="0" smtClean="0">
+                <a:latin typeface="Times New Roman" panose="02020603050405020304" pitchFamily="18" charset="0"/>
+                <a:cs typeface="Times New Roman" panose="02020603050405020304" pitchFamily="18" charset="0"/>
+              </a:rPr>
+              <a:t> </a:t>
+            </a:r>
+            <a:r>
+              <a:rPr lang="en-US" dirty="0" err="1" smtClean="0">
+                <a:latin typeface="Times New Roman" panose="02020603050405020304" pitchFamily="18" charset="0"/>
+                <a:cs typeface="Times New Roman" panose="02020603050405020304" pitchFamily="18" charset="0"/>
+              </a:rPr>
+              <a:t>số</a:t>
+            </a:r>
+            <a:r>
+              <a:rPr lang="en-US" dirty="0" smtClean="0">
+                <a:latin typeface="Times New Roman" panose="02020603050405020304" pitchFamily="18" charset="0"/>
+                <a:cs typeface="Times New Roman" panose="02020603050405020304" pitchFamily="18" charset="0"/>
+              </a:rPr>
+              <a:t> </a:t>
+            </a:r>
+            <a:r>
+              <a:rPr lang="en-US" dirty="0" err="1" smtClean="0">
+                <a:latin typeface="Times New Roman" panose="02020603050405020304" pitchFamily="18" charset="0"/>
+                <a:cs typeface="Times New Roman" panose="02020603050405020304" pitchFamily="18" charset="0"/>
+              </a:rPr>
+              <a:t>kiểu</a:t>
+            </a:r>
+            <a:r>
+              <a:rPr lang="en-US" dirty="0" smtClean="0">
+                <a:latin typeface="Times New Roman" panose="02020603050405020304" pitchFamily="18" charset="0"/>
+                <a:cs typeface="Times New Roman" panose="02020603050405020304" pitchFamily="18" charset="0"/>
+              </a:rPr>
+              <a:t> Reader (</a:t>
+            </a:r>
+            <a:r>
+              <a:rPr lang="en-US" dirty="0" err="1" smtClean="0">
+                <a:latin typeface="Times New Roman" panose="02020603050405020304" pitchFamily="18" charset="0"/>
+                <a:cs typeface="Times New Roman" panose="02020603050405020304" pitchFamily="18" charset="0"/>
+              </a:rPr>
+              <a:t>thư</a:t>
+            </a:r>
+            <a:r>
+              <a:rPr lang="en-US" dirty="0" smtClean="0">
+                <a:latin typeface="Times New Roman" panose="02020603050405020304" pitchFamily="18" charset="0"/>
+                <a:cs typeface="Times New Roman" panose="02020603050405020304" pitchFamily="18" charset="0"/>
+              </a:rPr>
+              <a:t> </a:t>
+            </a:r>
+            <a:r>
+              <a:rPr lang="en-US" dirty="0" err="1" smtClean="0">
+                <a:latin typeface="Times New Roman" panose="02020603050405020304" pitchFamily="18" charset="0"/>
+                <a:cs typeface="Times New Roman" panose="02020603050405020304" pitchFamily="18" charset="0"/>
+              </a:rPr>
+              <a:t>viện</a:t>
+            </a:r>
+            <a:r>
+              <a:rPr lang="en-US" dirty="0" smtClean="0">
+                <a:latin typeface="Times New Roman" panose="02020603050405020304" pitchFamily="18" charset="0"/>
+                <a:cs typeface="Times New Roman" panose="02020603050405020304" pitchFamily="18" charset="0"/>
+              </a:rPr>
+              <a:t> java.io)</a:t>
+            </a:r>
+          </a:p>
+          <a:p>
+            <a:pPr marL="0" indent="0">
+              <a:buNone/>
+            </a:pPr>
+            <a:endParaRPr lang="en-US" dirty="0">
+              <a:latin typeface="Times New Roman" panose="02020603050405020304" pitchFamily="18" charset="0"/>
+              <a:cs typeface="Times New Roman" panose="02020603050405020304" pitchFamily="18" charset="0"/>
+            </a:endParaRPr>
+          </a:p>
+          <a:p>
+            <a:pPr marL="0" indent="0">
+              <a:buNone/>
+            </a:pPr>
+            <a:endParaRPr lang="en-US" dirty="0" smtClean="0">
+              <a:latin typeface="Times New Roman" panose="02020603050405020304" pitchFamily="18" charset="0"/>
+              <a:cs typeface="Times New Roman" panose="02020603050405020304" pitchFamily="18" charset="0"/>
+            </a:endParaRPr>
+          </a:p>
+          <a:p>
+            <a:pPr marL="0" indent="0">
+              <a:buNone/>
+            </a:pPr>
+            <a:endParaRPr lang="en-US" dirty="0" smtClean="0">
+              <a:latin typeface="Times New Roman" panose="02020603050405020304" pitchFamily="18" charset="0"/>
+              <a:cs typeface="Times New Roman" panose="02020603050405020304" pitchFamily="18" charset="0"/>
+            </a:endParaRPr>
+          </a:p>
+          <a:p>
+            <a:pPr marL="0" indent="0">
+              <a:buNone/>
+            </a:pPr>
+            <a:r>
+              <a:rPr lang="en-US" dirty="0" smtClean="0">
+                <a:latin typeface="Times New Roman" panose="02020603050405020304" pitchFamily="18" charset="0"/>
+                <a:cs typeface="Times New Roman" panose="02020603050405020304" pitchFamily="18" charset="0"/>
+              </a:rPr>
+              <a:t>	Output: </a:t>
+            </a:r>
+            <a:r>
+              <a:rPr lang="en-US" dirty="0">
+                <a:latin typeface="Times New Roman" panose="02020603050405020304" pitchFamily="18" charset="0"/>
+                <a:cs typeface="Times New Roman" panose="02020603050405020304" pitchFamily="18" charset="0"/>
+              </a:rPr>
+              <a:t>interface List(</a:t>
+            </a:r>
+            <a:r>
+              <a:rPr lang="en-US" dirty="0" err="1">
+                <a:latin typeface="Times New Roman" panose="02020603050405020304" pitchFamily="18" charset="0"/>
+                <a:cs typeface="Times New Roman" panose="02020603050405020304" pitchFamily="18" charset="0"/>
+              </a:rPr>
+              <a:t>thư</a:t>
+            </a:r>
+            <a:r>
+              <a:rPr lang="en-US" dirty="0">
+                <a:latin typeface="Times New Roman" panose="02020603050405020304" pitchFamily="18" charset="0"/>
+                <a:cs typeface="Times New Roman" panose="02020603050405020304" pitchFamily="18" charset="0"/>
+              </a:rPr>
+              <a:t> </a:t>
+            </a:r>
+            <a:r>
+              <a:rPr lang="en-US" dirty="0" err="1">
+                <a:latin typeface="Times New Roman" panose="02020603050405020304" pitchFamily="18" charset="0"/>
+                <a:cs typeface="Times New Roman" panose="02020603050405020304" pitchFamily="18" charset="0"/>
+              </a:rPr>
+              <a:t>viện</a:t>
+            </a:r>
+            <a:r>
+              <a:rPr lang="en-US" dirty="0">
+                <a:latin typeface="Times New Roman" panose="02020603050405020304" pitchFamily="18" charset="0"/>
+                <a:cs typeface="Times New Roman" panose="02020603050405020304" pitchFamily="18" charset="0"/>
+              </a:rPr>
+              <a:t> java), </a:t>
+            </a:r>
+            <a:r>
+              <a:rPr lang="en-US" dirty="0" err="1">
+                <a:latin typeface="Times New Roman" panose="02020603050405020304" pitchFamily="18" charset="0"/>
+                <a:cs typeface="Times New Roman" panose="02020603050405020304" pitchFamily="18" charset="0"/>
+              </a:rPr>
+              <a:t>là</a:t>
+            </a:r>
+            <a:r>
+              <a:rPr lang="en-US" dirty="0">
+                <a:latin typeface="Times New Roman" panose="02020603050405020304" pitchFamily="18" charset="0"/>
+                <a:cs typeface="Times New Roman" panose="02020603050405020304" pitchFamily="18" charset="0"/>
+              </a:rPr>
+              <a:t> </a:t>
+            </a:r>
+            <a:r>
+              <a:rPr lang="en-US" dirty="0" err="1">
+                <a:latin typeface="Times New Roman" panose="02020603050405020304" pitchFamily="18" charset="0"/>
+                <a:cs typeface="Times New Roman" panose="02020603050405020304" pitchFamily="18" charset="0"/>
+              </a:rPr>
+              <a:t>mảng</a:t>
+            </a:r>
+            <a:r>
+              <a:rPr lang="en-US" dirty="0">
+                <a:latin typeface="Times New Roman" panose="02020603050405020304" pitchFamily="18" charset="0"/>
+                <a:cs typeface="Times New Roman" panose="02020603050405020304" pitchFamily="18" charset="0"/>
+              </a:rPr>
+              <a:t> </a:t>
+            </a:r>
+            <a:r>
+              <a:rPr lang="en-US" dirty="0" err="1">
+                <a:latin typeface="Times New Roman" panose="02020603050405020304" pitchFamily="18" charset="0"/>
+                <a:cs typeface="Times New Roman" panose="02020603050405020304" pitchFamily="18" charset="0"/>
+              </a:rPr>
+              <a:t>các</a:t>
+            </a:r>
+            <a:r>
+              <a:rPr lang="en-US" dirty="0">
+                <a:latin typeface="Times New Roman" panose="02020603050405020304" pitchFamily="18" charset="0"/>
+                <a:cs typeface="Times New Roman" panose="02020603050405020304" pitchFamily="18" charset="0"/>
+              </a:rPr>
+              <a:t> token </a:t>
+            </a:r>
+            <a:r>
+              <a:rPr lang="en-US" dirty="0" err="1">
+                <a:latin typeface="Times New Roman" panose="02020603050405020304" pitchFamily="18" charset="0"/>
+                <a:cs typeface="Times New Roman" panose="02020603050405020304" pitchFamily="18" charset="0"/>
+              </a:rPr>
+              <a:t>đã</a:t>
+            </a:r>
+            <a:r>
+              <a:rPr lang="en-US" dirty="0">
+                <a:latin typeface="Times New Roman" panose="02020603050405020304" pitchFamily="18" charset="0"/>
+                <a:cs typeface="Times New Roman" panose="02020603050405020304" pitchFamily="18" charset="0"/>
+              </a:rPr>
+              <a:t> </a:t>
+            </a:r>
+            <a:r>
+              <a:rPr lang="en-US" dirty="0" err="1">
+                <a:latin typeface="Times New Roman" panose="02020603050405020304" pitchFamily="18" charset="0"/>
+                <a:cs typeface="Times New Roman" panose="02020603050405020304" pitchFamily="18" charset="0"/>
+              </a:rPr>
+              <a:t>được</a:t>
+            </a:r>
+            <a:r>
+              <a:rPr lang="en-US" dirty="0">
+                <a:latin typeface="Times New Roman" panose="02020603050405020304" pitchFamily="18" charset="0"/>
+                <a:cs typeface="Times New Roman" panose="02020603050405020304" pitchFamily="18" charset="0"/>
+              </a:rPr>
+              <a:t> </a:t>
+            </a:r>
+            <a:r>
+              <a:rPr lang="en-US" dirty="0" err="1">
+                <a:latin typeface="Times New Roman" panose="02020603050405020304" pitchFamily="18" charset="0"/>
+                <a:cs typeface="Times New Roman" panose="02020603050405020304" pitchFamily="18" charset="0"/>
+              </a:rPr>
+              <a:t>tách</a:t>
+            </a:r>
+            <a:r>
+              <a:rPr lang="en-US" dirty="0">
+                <a:latin typeface="Times New Roman" panose="02020603050405020304" pitchFamily="18" charset="0"/>
+                <a:cs typeface="Times New Roman" panose="02020603050405020304" pitchFamily="18" charset="0"/>
+              </a:rPr>
+              <a:t> </a:t>
+            </a:r>
+            <a:r>
+              <a:rPr lang="en-US" dirty="0" err="1">
+                <a:latin typeface="Times New Roman" panose="02020603050405020304" pitchFamily="18" charset="0"/>
+                <a:cs typeface="Times New Roman" panose="02020603050405020304" pitchFamily="18" charset="0"/>
+              </a:rPr>
+              <a:t>từ</a:t>
+            </a:r>
+            <a:r>
+              <a:rPr lang="en-US" dirty="0">
+                <a:latin typeface="Times New Roman" panose="02020603050405020304" pitchFamily="18" charset="0"/>
+                <a:cs typeface="Times New Roman" panose="02020603050405020304" pitchFamily="18" charset="0"/>
+              </a:rPr>
+              <a:t> </a:t>
+            </a:r>
+            <a:r>
+              <a:rPr lang="en-US" dirty="0" err="1">
+                <a:latin typeface="Times New Roman" panose="02020603050405020304" pitchFamily="18" charset="0"/>
+                <a:cs typeface="Times New Roman" panose="02020603050405020304" pitchFamily="18" charset="0"/>
+              </a:rPr>
+              <a:t>chuỗi</a:t>
+            </a:r>
+            <a:r>
+              <a:rPr lang="en-US" dirty="0">
+                <a:latin typeface="Times New Roman" panose="02020603050405020304" pitchFamily="18" charset="0"/>
+                <a:cs typeface="Times New Roman" panose="02020603050405020304" pitchFamily="18" charset="0"/>
+              </a:rPr>
+              <a:t> ban </a:t>
+            </a:r>
+            <a:r>
+              <a:rPr lang="en-US" dirty="0" err="1">
+                <a:latin typeface="Times New Roman" panose="02020603050405020304" pitchFamily="18" charset="0"/>
+                <a:cs typeface="Times New Roman" panose="02020603050405020304" pitchFamily="18" charset="0"/>
+              </a:rPr>
+              <a:t>đầu</a:t>
+            </a:r>
+            <a:endParaRPr lang="en-US" dirty="0">
+              <a:latin typeface="Times New Roman" panose="02020603050405020304" pitchFamily="18" charset="0"/>
+              <a:cs typeface="Times New Roman" panose="02020603050405020304" pitchFamily="18" charset="0"/>
+            </a:endParaRPr>
+          </a:p>
+          <a:p>
+            <a:pPr marL="0" indent="0">
+              <a:buNone/>
+            </a:pPr>
+            <a:endParaRPr lang="en-US" dirty="0" smtClean="0">
+              <a:latin typeface="Times New Roman" panose="02020603050405020304" pitchFamily="18" charset="0"/>
+              <a:cs typeface="Times New Roman" panose="02020603050405020304" pitchFamily="18" charset="0"/>
+            </a:endParaRPr>
+          </a:p>
+          <a:p>
+            <a:pPr marL="0" indent="0">
+              <a:buNone/>
+            </a:pPr>
+            <a:endParaRPr lang="en-US" dirty="0">
+              <a:latin typeface="Times New Roman" panose="02020603050405020304" pitchFamily="18" charset="0"/>
+              <a:cs typeface="Times New Roman" panose="02020603050405020304" pitchFamily="18" charset="0"/>
+            </a:endParaRPr>
+          </a:p>
+          <a:p>
+            <a:pPr marL="0" indent="0">
+              <a:buNone/>
+            </a:pPr>
+            <a:endParaRPr lang="en-US" dirty="0" smtClean="0">
+              <a:latin typeface="Times New Roman" panose="02020603050405020304" pitchFamily="18" charset="0"/>
+              <a:cs typeface="Times New Roman" panose="02020603050405020304" pitchFamily="18" charset="0"/>
+            </a:endParaRPr>
+          </a:p>
+          <a:p>
+            <a:endParaRPr lang="en-US" dirty="0">
+              <a:latin typeface="Times New Roman" panose="02020603050405020304" pitchFamily="18" charset="0"/>
+              <a:cs typeface="Times New Roman" panose="02020603050405020304" pitchFamily="18" charset="0"/>
+            </a:endParaRPr>
+          </a:p>
+        </p:txBody>
+      </p:sp>
+      <p:pic>
+        <p:nvPicPr>
+          <p:cNvPr id="4" name="Picture 3"/>
+          <p:cNvPicPr>
+            <a:picLocks noChangeAspect="1"/>
+          </p:cNvPicPr>
+          <p:nvPr/>
+        </p:nvPicPr>
+        <p:blipFill>
+          <a:blip r:embed="rId2"/>
+          <a:stretch>
+            <a:fillRect/>
+          </a:stretch>
+        </p:blipFill>
+        <p:spPr>
+          <a:xfrm>
+            <a:off x="3794350" y="1561226"/>
+            <a:ext cx="4359049" cy="543264"/>
+          </a:xfrm>
+          <a:prstGeom prst="rect">
+            <a:avLst/>
+          </a:prstGeom>
+        </p:spPr>
+      </p:pic>
+      <p:pic>
+        <p:nvPicPr>
+          <p:cNvPr id="5" name="Picture 4"/>
+          <p:cNvPicPr>
+            <a:picLocks noChangeAspect="1"/>
+          </p:cNvPicPr>
+          <p:nvPr/>
+        </p:nvPicPr>
+        <p:blipFill>
+          <a:blip r:embed="rId3"/>
+          <a:stretch>
+            <a:fillRect/>
+          </a:stretch>
+        </p:blipFill>
+        <p:spPr>
+          <a:xfrm>
+            <a:off x="3794350" y="2533197"/>
+            <a:ext cx="5862638" cy="431689"/>
+          </a:xfrm>
+          <a:prstGeom prst="rect">
+            <a:avLst/>
+          </a:prstGeom>
+        </p:spPr>
+      </p:pic>
+      <p:pic>
+        <p:nvPicPr>
+          <p:cNvPr id="6" name="Picture 5"/>
+          <p:cNvPicPr>
+            <a:picLocks noChangeAspect="1"/>
+          </p:cNvPicPr>
+          <p:nvPr/>
+        </p:nvPicPr>
+        <p:blipFill>
+          <a:blip r:embed="rId4"/>
+          <a:stretch>
+            <a:fillRect/>
+          </a:stretch>
+        </p:blipFill>
+        <p:spPr>
+          <a:xfrm>
+            <a:off x="1581455" y="3845948"/>
+            <a:ext cx="9715566" cy="516221"/>
+          </a:xfrm>
+          <a:prstGeom prst="rect">
+            <a:avLst/>
+          </a:prstGeom>
+        </p:spPr>
+      </p:pic>
+    </p:spTree>
+    <p:extLst>
+      <p:ext uri="{BB962C8B-B14F-4D97-AF65-F5344CB8AC3E}">
+        <p14:creationId xmlns:p14="http://schemas.microsoft.com/office/powerpoint/2010/main" val="19119542"/>
+      </p:ext>
+    </p:extLst>
+  </p:cSld>
+  <p:clrMapOvr>
+    <a:masterClrMapping/>
+  </p:clrMapOvr>
+</p:sld>
+</file>
+
+<file path=ppt/slides/slide21.xml><?xml version="1.0" encoding="utf-8"?>
+<p:sld xmlns:a="http://schemas.openxmlformats.org/drawingml/2006/main" xmlns:r="http://schemas.openxmlformats.org/officeDocument/2006/relationships" xmlns:p="http://schemas.openxmlformats.org/presentationml/2006/main">
+  <p:cSld>
+    <p:spTree>
+      <p:nvGrpSpPr>
+        <p:cNvPr id="1" name=""/>
+        <p:cNvGrpSpPr/>
+        <p:nvPr/>
+      </p:nvGrpSpPr>
+      <p:grpSpPr>
+        <a:xfrm>
+          <a:off x="0" y="0"/>
+          <a:ext cx="0" cy="0"/>
+          <a:chOff x="0" y="0"/>
+          <a:chExt cx="0" cy="0"/>
+        </a:xfrm>
+      </p:grpSpPr>
+      <p:sp>
+        <p:nvSpPr>
+          <p:cNvPr id="2" name="Title 1"/>
+          <p:cNvSpPr>
+            <a:spLocks noGrp="1"/>
+          </p:cNvSpPr>
+          <p:nvPr>
+            <p:ph type="title"/>
+          </p:nvPr>
+        </p:nvSpPr>
+        <p:spPr>
+          <a:xfrm>
+            <a:off x="1484311" y="685801"/>
+            <a:ext cx="10018713" cy="827314"/>
+          </a:xfrm>
+        </p:spPr>
+        <p:txBody>
+          <a:bodyPr/>
+          <a:lstStyle/>
+          <a:p>
+            <a:pPr algn="l"/>
+            <a:r>
+              <a:rPr lang="en-US" b="1" dirty="0">
+                <a:solidFill>
+                  <a:srgbClr val="0000FF"/>
+                </a:solidFill>
+                <a:latin typeface="Times New Roman" panose="02020603050405020304" pitchFamily="18" charset="0"/>
+                <a:cs typeface="Times New Roman" panose="02020603050405020304" pitchFamily="18" charset="0"/>
+              </a:rPr>
+              <a:t>POS Tagging </a:t>
+            </a:r>
+            <a:r>
+              <a:rPr lang="en-US" b="1" dirty="0" err="1">
+                <a:solidFill>
+                  <a:srgbClr val="0000FF"/>
+                </a:solidFill>
+                <a:latin typeface="Times New Roman" panose="02020603050405020304" pitchFamily="18" charset="0"/>
+                <a:cs typeface="Times New Roman" panose="02020603050405020304" pitchFamily="18" charset="0"/>
+              </a:rPr>
+              <a:t>trong</a:t>
+            </a:r>
+            <a:r>
+              <a:rPr lang="en-US" b="1" dirty="0">
+                <a:solidFill>
+                  <a:srgbClr val="0000FF"/>
+                </a:solidFill>
+                <a:latin typeface="Times New Roman" panose="02020603050405020304" pitchFamily="18" charset="0"/>
+                <a:cs typeface="Times New Roman" panose="02020603050405020304" pitchFamily="18" charset="0"/>
+              </a:rPr>
+              <a:t> </a:t>
+            </a:r>
+            <a:r>
+              <a:rPr lang="en-US" b="1" dirty="0" err="1">
+                <a:solidFill>
+                  <a:srgbClr val="0000FF"/>
+                </a:solidFill>
+                <a:latin typeface="Times New Roman" panose="02020603050405020304" pitchFamily="18" charset="0"/>
+                <a:cs typeface="Times New Roman" panose="02020603050405020304" pitchFamily="18" charset="0"/>
+              </a:rPr>
+              <a:t>StanfordCoreNLP</a:t>
+            </a:r>
+            <a:endParaRPr lang="en-US" dirty="0"/>
+          </a:p>
+        </p:txBody>
+      </p:sp>
+      <p:sp>
+        <p:nvSpPr>
+          <p:cNvPr id="3" name="Content Placeholder 2"/>
+          <p:cNvSpPr>
+            <a:spLocks noGrp="1"/>
+          </p:cNvSpPr>
+          <p:nvPr>
+            <p:ph idx="1"/>
+          </p:nvPr>
+        </p:nvSpPr>
+        <p:spPr>
+          <a:xfrm>
+            <a:off x="1484310" y="1513115"/>
+            <a:ext cx="10018713" cy="4278085"/>
+          </a:xfrm>
+        </p:spPr>
+        <p:txBody>
+          <a:bodyPr/>
+          <a:lstStyle/>
+          <a:p>
+            <a:r>
+              <a:rPr lang="en-US" dirty="0" err="1" smtClean="0">
+                <a:latin typeface="Times New Roman" panose="02020603050405020304" pitchFamily="18" charset="0"/>
+                <a:cs typeface="Times New Roman" panose="02020603050405020304" pitchFamily="18" charset="0"/>
+              </a:rPr>
+              <a:t>tagSentence</a:t>
+            </a:r>
+            <a:r>
+              <a:rPr lang="en-US" dirty="0" smtClean="0">
+                <a:latin typeface="Times New Roman" panose="02020603050405020304" pitchFamily="18" charset="0"/>
+                <a:cs typeface="Times New Roman" panose="02020603050405020304" pitchFamily="18" charset="0"/>
+              </a:rPr>
+              <a:t>: </a:t>
+            </a:r>
+            <a:r>
+              <a:rPr lang="en-US" dirty="0" err="1">
+                <a:latin typeface="Times New Roman" panose="02020603050405020304" pitchFamily="18" charset="0"/>
+                <a:cs typeface="Times New Roman" panose="02020603050405020304" pitchFamily="18" charset="0"/>
+              </a:rPr>
+              <a:t>Gán</a:t>
+            </a:r>
+            <a:r>
+              <a:rPr lang="en-US" dirty="0">
+                <a:latin typeface="Times New Roman" panose="02020603050405020304" pitchFamily="18" charset="0"/>
+                <a:cs typeface="Times New Roman" panose="02020603050405020304" pitchFamily="18" charset="0"/>
+              </a:rPr>
+              <a:t> </a:t>
+            </a:r>
+            <a:r>
+              <a:rPr lang="en-US" dirty="0" err="1">
+                <a:latin typeface="Times New Roman" panose="02020603050405020304" pitchFamily="18" charset="0"/>
+                <a:cs typeface="Times New Roman" panose="02020603050405020304" pitchFamily="18" charset="0"/>
+              </a:rPr>
+              <a:t>nhãn</a:t>
+            </a:r>
+            <a:r>
+              <a:rPr lang="en-US" dirty="0">
+                <a:latin typeface="Times New Roman" panose="02020603050405020304" pitchFamily="18" charset="0"/>
+                <a:cs typeface="Times New Roman" panose="02020603050405020304" pitchFamily="18" charset="0"/>
+              </a:rPr>
+              <a:t> </a:t>
+            </a:r>
+            <a:r>
+              <a:rPr lang="en-US" dirty="0" err="1">
+                <a:latin typeface="Times New Roman" panose="02020603050405020304" pitchFamily="18" charset="0"/>
+                <a:cs typeface="Times New Roman" panose="02020603050405020304" pitchFamily="18" charset="0"/>
+              </a:rPr>
+              <a:t>cho</a:t>
+            </a:r>
+            <a:r>
+              <a:rPr lang="en-US" dirty="0">
+                <a:latin typeface="Times New Roman" panose="02020603050405020304" pitchFamily="18" charset="0"/>
+                <a:cs typeface="Times New Roman" panose="02020603050405020304" pitchFamily="18" charset="0"/>
+              </a:rPr>
+              <a:t> </a:t>
+            </a:r>
+            <a:r>
+              <a:rPr lang="en-US" dirty="0" err="1">
+                <a:latin typeface="Times New Roman" panose="02020603050405020304" pitchFamily="18" charset="0"/>
+                <a:cs typeface="Times New Roman" panose="02020603050405020304" pitchFamily="18" charset="0"/>
+              </a:rPr>
+              <a:t>một</a:t>
+            </a:r>
+            <a:r>
+              <a:rPr lang="en-US" dirty="0">
+                <a:latin typeface="Times New Roman" panose="02020603050405020304" pitchFamily="18" charset="0"/>
+                <a:cs typeface="Times New Roman" panose="02020603050405020304" pitchFamily="18" charset="0"/>
+              </a:rPr>
+              <a:t> </a:t>
+            </a:r>
+            <a:r>
+              <a:rPr lang="en-US" dirty="0" err="1">
+                <a:latin typeface="Times New Roman" panose="02020603050405020304" pitchFamily="18" charset="0"/>
+                <a:cs typeface="Times New Roman" panose="02020603050405020304" pitchFamily="18" charset="0"/>
+              </a:rPr>
+              <a:t>mảng</a:t>
+            </a:r>
+            <a:r>
+              <a:rPr lang="en-US" dirty="0">
+                <a:latin typeface="Times New Roman" panose="02020603050405020304" pitchFamily="18" charset="0"/>
+                <a:cs typeface="Times New Roman" panose="02020603050405020304" pitchFamily="18" charset="0"/>
+              </a:rPr>
+              <a:t> </a:t>
+            </a:r>
+            <a:r>
+              <a:rPr lang="en-US" dirty="0" err="1">
+                <a:latin typeface="Times New Roman" panose="02020603050405020304" pitchFamily="18" charset="0"/>
+                <a:cs typeface="Times New Roman" panose="02020603050405020304" pitchFamily="18" charset="0"/>
+              </a:rPr>
+              <a:t>các</a:t>
+            </a:r>
+            <a:r>
+              <a:rPr lang="en-US" dirty="0">
+                <a:latin typeface="Times New Roman" panose="02020603050405020304" pitchFamily="18" charset="0"/>
+                <a:cs typeface="Times New Roman" panose="02020603050405020304" pitchFamily="18" charset="0"/>
+              </a:rPr>
+              <a:t> </a:t>
+            </a:r>
+            <a:r>
+              <a:rPr lang="en-US" dirty="0" err="1">
+                <a:latin typeface="Times New Roman" panose="02020603050405020304" pitchFamily="18" charset="0"/>
+                <a:cs typeface="Times New Roman" panose="02020603050405020304" pitchFamily="18" charset="0"/>
+              </a:rPr>
+              <a:t>từ</a:t>
+            </a:r>
+            <a:r>
+              <a:rPr lang="en-US" dirty="0">
+                <a:latin typeface="Times New Roman" panose="02020603050405020304" pitchFamily="18" charset="0"/>
+                <a:cs typeface="Times New Roman" panose="02020603050405020304" pitchFamily="18" charset="0"/>
+              </a:rPr>
+              <a:t> </a:t>
+            </a:r>
+            <a:r>
+              <a:rPr lang="en-US" dirty="0" err="1">
+                <a:latin typeface="Times New Roman" panose="02020603050405020304" pitchFamily="18" charset="0"/>
+                <a:cs typeface="Times New Roman" panose="02020603050405020304" pitchFamily="18" charset="0"/>
+              </a:rPr>
+              <a:t>riêng</a:t>
+            </a:r>
+            <a:r>
+              <a:rPr lang="en-US" dirty="0">
+                <a:latin typeface="Times New Roman" panose="02020603050405020304" pitchFamily="18" charset="0"/>
+                <a:cs typeface="Times New Roman" panose="02020603050405020304" pitchFamily="18" charset="0"/>
+              </a:rPr>
+              <a:t> </a:t>
+            </a:r>
+            <a:r>
+              <a:rPr lang="en-US" dirty="0" err="1" smtClean="0">
+                <a:latin typeface="Times New Roman" panose="02020603050405020304" pitchFamily="18" charset="0"/>
+                <a:cs typeface="Times New Roman" panose="02020603050405020304" pitchFamily="18" charset="0"/>
+              </a:rPr>
+              <a:t>biệt</a:t>
+            </a:r>
+            <a:endParaRPr lang="en-US" dirty="0" smtClean="0">
+              <a:latin typeface="Times New Roman" panose="02020603050405020304" pitchFamily="18" charset="0"/>
+              <a:cs typeface="Times New Roman" panose="02020603050405020304" pitchFamily="18" charset="0"/>
+            </a:endParaRPr>
+          </a:p>
+          <a:p>
+            <a:pPr marL="0" indent="0">
+              <a:buNone/>
+            </a:pPr>
+            <a:r>
+              <a:rPr lang="en-US" dirty="0" smtClean="0">
+                <a:latin typeface="Times New Roman" panose="02020603050405020304" pitchFamily="18" charset="0"/>
+                <a:cs typeface="Times New Roman" panose="02020603050405020304" pitchFamily="18" charset="0"/>
+              </a:rPr>
+              <a:t>	Input</a:t>
+            </a:r>
+            <a:r>
+              <a:rPr lang="en-US" dirty="0">
+                <a:latin typeface="Times New Roman" panose="02020603050405020304" pitchFamily="18" charset="0"/>
+                <a:cs typeface="Times New Roman" panose="02020603050405020304" pitchFamily="18" charset="0"/>
+              </a:rPr>
+              <a:t>: </a:t>
+            </a:r>
+            <a:r>
+              <a:rPr lang="en-US" dirty="0" err="1">
+                <a:latin typeface="Times New Roman" panose="02020603050405020304" pitchFamily="18" charset="0"/>
+                <a:cs typeface="Times New Roman" panose="02020603050405020304" pitchFamily="18" charset="0"/>
+              </a:rPr>
+              <a:t>tham</a:t>
+            </a:r>
+            <a:r>
+              <a:rPr lang="en-US" dirty="0">
+                <a:latin typeface="Times New Roman" panose="02020603050405020304" pitchFamily="18" charset="0"/>
+                <a:cs typeface="Times New Roman" panose="02020603050405020304" pitchFamily="18" charset="0"/>
+              </a:rPr>
+              <a:t> </a:t>
+            </a:r>
+            <a:r>
+              <a:rPr lang="en-US" dirty="0" err="1">
+                <a:latin typeface="Times New Roman" panose="02020603050405020304" pitchFamily="18" charset="0"/>
+                <a:cs typeface="Times New Roman" panose="02020603050405020304" pitchFamily="18" charset="0"/>
+              </a:rPr>
+              <a:t>số</a:t>
+            </a:r>
+            <a:r>
+              <a:rPr lang="en-US" dirty="0">
+                <a:latin typeface="Times New Roman" panose="02020603050405020304" pitchFamily="18" charset="0"/>
+                <a:cs typeface="Times New Roman" panose="02020603050405020304" pitchFamily="18" charset="0"/>
+              </a:rPr>
+              <a:t> </a:t>
+            </a:r>
+            <a:r>
+              <a:rPr lang="en-US" dirty="0" err="1">
+                <a:latin typeface="Times New Roman" panose="02020603050405020304" pitchFamily="18" charset="0"/>
+                <a:cs typeface="Times New Roman" panose="02020603050405020304" pitchFamily="18" charset="0"/>
+              </a:rPr>
+              <a:t>có</a:t>
+            </a:r>
+            <a:r>
+              <a:rPr lang="en-US" dirty="0">
+                <a:latin typeface="Times New Roman" panose="02020603050405020304" pitchFamily="18" charset="0"/>
+                <a:cs typeface="Times New Roman" panose="02020603050405020304" pitchFamily="18" charset="0"/>
+              </a:rPr>
+              <a:t> </a:t>
+            </a:r>
+            <a:r>
+              <a:rPr lang="en-US" dirty="0" err="1">
+                <a:latin typeface="Times New Roman" panose="02020603050405020304" pitchFamily="18" charset="0"/>
+                <a:cs typeface="Times New Roman" panose="02020603050405020304" pitchFamily="18" charset="0"/>
+              </a:rPr>
+              <a:t>kiểu</a:t>
+            </a:r>
+            <a:r>
+              <a:rPr lang="en-US" dirty="0">
+                <a:latin typeface="Times New Roman" panose="02020603050405020304" pitchFamily="18" charset="0"/>
+                <a:cs typeface="Times New Roman" panose="02020603050405020304" pitchFamily="18" charset="0"/>
+              </a:rPr>
+              <a:t> </a:t>
+            </a:r>
+            <a:r>
+              <a:rPr lang="en-US" dirty="0" err="1">
+                <a:latin typeface="Times New Roman" panose="02020603050405020304" pitchFamily="18" charset="0"/>
+                <a:cs typeface="Times New Roman" panose="02020603050405020304" pitchFamily="18" charset="0"/>
+              </a:rPr>
+              <a:t>là</a:t>
+            </a:r>
+            <a:r>
+              <a:rPr lang="en-US" dirty="0">
+                <a:latin typeface="Times New Roman" panose="02020603050405020304" pitchFamily="18" charset="0"/>
+                <a:cs typeface="Times New Roman" panose="02020603050405020304" pitchFamily="18" charset="0"/>
+              </a:rPr>
+              <a:t> interface List (</a:t>
+            </a:r>
+            <a:r>
+              <a:rPr lang="en-US" dirty="0" err="1">
+                <a:latin typeface="Times New Roman" panose="02020603050405020304" pitchFamily="18" charset="0"/>
+                <a:cs typeface="Times New Roman" panose="02020603050405020304" pitchFamily="18" charset="0"/>
+              </a:rPr>
+              <a:t>ArrayList</a:t>
+            </a:r>
+            <a:r>
+              <a:rPr lang="en-US" dirty="0" smtClean="0">
+                <a:latin typeface="Times New Roman" panose="02020603050405020304" pitchFamily="18" charset="0"/>
+                <a:cs typeface="Times New Roman" panose="02020603050405020304" pitchFamily="18" charset="0"/>
+              </a:rPr>
+              <a:t>)</a:t>
+            </a:r>
+          </a:p>
+          <a:p>
+            <a:pPr marL="0" indent="0">
+              <a:buNone/>
+            </a:pPr>
+            <a:r>
+              <a:rPr lang="en-US" dirty="0">
+                <a:latin typeface="Times New Roman" panose="02020603050405020304" pitchFamily="18" charset="0"/>
+                <a:cs typeface="Times New Roman" panose="02020603050405020304" pitchFamily="18" charset="0"/>
+              </a:rPr>
+              <a:t>	</a:t>
+            </a:r>
+            <a:r>
+              <a:rPr lang="en-US" dirty="0" smtClean="0">
+                <a:latin typeface="Times New Roman" panose="02020603050405020304" pitchFamily="18" charset="0"/>
+                <a:cs typeface="Times New Roman" panose="02020603050405020304" pitchFamily="18" charset="0"/>
+              </a:rPr>
+              <a:t>	</a:t>
+            </a:r>
+            <a:endParaRPr lang="en-US" dirty="0">
+              <a:latin typeface="Times New Roman" panose="02020603050405020304" pitchFamily="18" charset="0"/>
+              <a:cs typeface="Times New Roman" panose="02020603050405020304" pitchFamily="18" charset="0"/>
+            </a:endParaRPr>
+          </a:p>
+          <a:p>
+            <a:pPr marL="0" indent="0">
+              <a:buNone/>
+            </a:pPr>
+            <a:r>
+              <a:rPr lang="en-US" dirty="0">
+                <a:latin typeface="Times New Roman" panose="02020603050405020304" pitchFamily="18" charset="0"/>
+                <a:cs typeface="Times New Roman" panose="02020603050405020304" pitchFamily="18" charset="0"/>
+              </a:rPr>
+              <a:t>	</a:t>
+            </a:r>
+            <a:r>
+              <a:rPr lang="en-US" dirty="0" smtClean="0">
+                <a:latin typeface="Times New Roman" panose="02020603050405020304" pitchFamily="18" charset="0"/>
+                <a:cs typeface="Times New Roman" panose="02020603050405020304" pitchFamily="18" charset="0"/>
+              </a:rPr>
+              <a:t>Output</a:t>
+            </a:r>
+            <a:r>
+              <a:rPr lang="en-US" dirty="0">
+                <a:latin typeface="Times New Roman" panose="02020603050405020304" pitchFamily="18" charset="0"/>
+                <a:cs typeface="Times New Roman" panose="02020603050405020304" pitchFamily="18" charset="0"/>
+              </a:rPr>
+              <a:t>: interface List, </a:t>
+            </a:r>
+            <a:r>
+              <a:rPr lang="en-US" dirty="0" err="1">
+                <a:latin typeface="Times New Roman" panose="02020603050405020304" pitchFamily="18" charset="0"/>
+                <a:cs typeface="Times New Roman" panose="02020603050405020304" pitchFamily="18" charset="0"/>
+              </a:rPr>
+              <a:t>là</a:t>
+            </a:r>
+            <a:r>
+              <a:rPr lang="en-US" dirty="0">
+                <a:latin typeface="Times New Roman" panose="02020603050405020304" pitchFamily="18" charset="0"/>
+                <a:cs typeface="Times New Roman" panose="02020603050405020304" pitchFamily="18" charset="0"/>
+              </a:rPr>
+              <a:t> </a:t>
+            </a:r>
+            <a:r>
+              <a:rPr lang="en-US" dirty="0" err="1">
+                <a:latin typeface="Times New Roman" panose="02020603050405020304" pitchFamily="18" charset="0"/>
+                <a:cs typeface="Times New Roman" panose="02020603050405020304" pitchFamily="18" charset="0"/>
+              </a:rPr>
+              <a:t>mảng</a:t>
+            </a:r>
+            <a:r>
+              <a:rPr lang="en-US" dirty="0">
+                <a:latin typeface="Times New Roman" panose="02020603050405020304" pitchFamily="18" charset="0"/>
+                <a:cs typeface="Times New Roman" panose="02020603050405020304" pitchFamily="18" charset="0"/>
+              </a:rPr>
+              <a:t> </a:t>
+            </a:r>
+            <a:r>
+              <a:rPr lang="en-US" dirty="0" err="1">
+                <a:latin typeface="Times New Roman" panose="02020603050405020304" pitchFamily="18" charset="0"/>
+                <a:cs typeface="Times New Roman" panose="02020603050405020304" pitchFamily="18" charset="0"/>
+              </a:rPr>
+              <a:t>các</a:t>
+            </a:r>
+            <a:r>
+              <a:rPr lang="en-US" dirty="0">
+                <a:latin typeface="Times New Roman" panose="02020603050405020304" pitchFamily="18" charset="0"/>
+                <a:cs typeface="Times New Roman" panose="02020603050405020304" pitchFamily="18" charset="0"/>
+              </a:rPr>
+              <a:t> </a:t>
+            </a:r>
+            <a:r>
+              <a:rPr lang="en-US" dirty="0" err="1">
+                <a:latin typeface="Times New Roman" panose="02020603050405020304" pitchFamily="18" charset="0"/>
+                <a:cs typeface="Times New Roman" panose="02020603050405020304" pitchFamily="18" charset="0"/>
+              </a:rPr>
+              <a:t>từ</a:t>
+            </a:r>
+            <a:r>
+              <a:rPr lang="en-US" dirty="0">
+                <a:latin typeface="Times New Roman" panose="02020603050405020304" pitchFamily="18" charset="0"/>
+                <a:cs typeface="Times New Roman" panose="02020603050405020304" pitchFamily="18" charset="0"/>
+              </a:rPr>
+              <a:t> </a:t>
+            </a:r>
+            <a:r>
+              <a:rPr lang="en-US" dirty="0" err="1">
+                <a:latin typeface="Times New Roman" panose="02020603050405020304" pitchFamily="18" charset="0"/>
+                <a:cs typeface="Times New Roman" panose="02020603050405020304" pitchFamily="18" charset="0"/>
+              </a:rPr>
+              <a:t>đã</a:t>
+            </a:r>
+            <a:r>
+              <a:rPr lang="en-US" dirty="0">
+                <a:latin typeface="Times New Roman" panose="02020603050405020304" pitchFamily="18" charset="0"/>
+                <a:cs typeface="Times New Roman" panose="02020603050405020304" pitchFamily="18" charset="0"/>
+              </a:rPr>
+              <a:t> </a:t>
+            </a:r>
+            <a:r>
+              <a:rPr lang="en-US" dirty="0" err="1">
+                <a:latin typeface="Times New Roman" panose="02020603050405020304" pitchFamily="18" charset="0"/>
+                <a:cs typeface="Times New Roman" panose="02020603050405020304" pitchFamily="18" charset="0"/>
+              </a:rPr>
+              <a:t>được</a:t>
+            </a:r>
+            <a:r>
+              <a:rPr lang="en-US" dirty="0">
+                <a:latin typeface="Times New Roman" panose="02020603050405020304" pitchFamily="18" charset="0"/>
+                <a:cs typeface="Times New Roman" panose="02020603050405020304" pitchFamily="18" charset="0"/>
+              </a:rPr>
+              <a:t> </a:t>
+            </a:r>
+            <a:r>
+              <a:rPr lang="en-US" dirty="0" err="1">
+                <a:latin typeface="Times New Roman" panose="02020603050405020304" pitchFamily="18" charset="0"/>
+                <a:cs typeface="Times New Roman" panose="02020603050405020304" pitchFamily="18" charset="0"/>
+              </a:rPr>
+              <a:t>gắn</a:t>
+            </a:r>
+            <a:r>
+              <a:rPr lang="en-US" dirty="0">
+                <a:latin typeface="Times New Roman" panose="02020603050405020304" pitchFamily="18" charset="0"/>
+                <a:cs typeface="Times New Roman" panose="02020603050405020304" pitchFamily="18" charset="0"/>
+              </a:rPr>
+              <a:t> </a:t>
+            </a:r>
+            <a:r>
+              <a:rPr lang="en-US" dirty="0" smtClean="0">
+                <a:latin typeface="Times New Roman" panose="02020603050405020304" pitchFamily="18" charset="0"/>
+                <a:cs typeface="Times New Roman" panose="02020603050405020304" pitchFamily="18" charset="0"/>
+              </a:rPr>
+              <a:t>tag</a:t>
+            </a:r>
+          </a:p>
+          <a:p>
+            <a:pPr marL="0" indent="0">
+              <a:buNone/>
+            </a:pPr>
+            <a:endParaRPr lang="en-US" dirty="0">
+              <a:latin typeface="Times New Roman" panose="02020603050405020304" pitchFamily="18" charset="0"/>
+              <a:cs typeface="Times New Roman" panose="02020603050405020304" pitchFamily="18" charset="0"/>
+            </a:endParaRPr>
+          </a:p>
+          <a:p>
+            <a:pPr marL="0" indent="0">
+              <a:buNone/>
+            </a:pPr>
+            <a:endParaRPr lang="en-US" dirty="0">
+              <a:latin typeface="Times New Roman" panose="02020603050405020304" pitchFamily="18" charset="0"/>
+              <a:cs typeface="Times New Roman" panose="02020603050405020304" pitchFamily="18" charset="0"/>
+            </a:endParaRPr>
+          </a:p>
+        </p:txBody>
+      </p:sp>
+      <p:pic>
+        <p:nvPicPr>
+          <p:cNvPr id="4" name="Picture 3"/>
+          <p:cNvPicPr>
+            <a:picLocks noChangeAspect="1"/>
+          </p:cNvPicPr>
+          <p:nvPr/>
+        </p:nvPicPr>
+        <p:blipFill>
+          <a:blip r:embed="rId2"/>
+          <a:stretch>
+            <a:fillRect/>
+          </a:stretch>
+        </p:blipFill>
+        <p:spPr>
+          <a:xfrm>
+            <a:off x="2332944" y="3127478"/>
+            <a:ext cx="7006999" cy="349786"/>
+          </a:xfrm>
+          <a:prstGeom prst="rect">
+            <a:avLst/>
+          </a:prstGeom>
+        </p:spPr>
+      </p:pic>
+      <p:pic>
+        <p:nvPicPr>
+          <p:cNvPr id="5" name="Picture 4"/>
+          <p:cNvPicPr>
+            <a:picLocks noChangeAspect="1"/>
+          </p:cNvPicPr>
+          <p:nvPr/>
+        </p:nvPicPr>
+        <p:blipFill>
+          <a:blip r:embed="rId3"/>
+          <a:stretch>
+            <a:fillRect/>
+          </a:stretch>
+        </p:blipFill>
+        <p:spPr>
+          <a:xfrm>
+            <a:off x="1055914" y="4304577"/>
+            <a:ext cx="10525704" cy="593993"/>
+          </a:xfrm>
+          <a:prstGeom prst="rect">
+            <a:avLst/>
+          </a:prstGeom>
+        </p:spPr>
+      </p:pic>
+    </p:spTree>
+    <p:extLst>
+      <p:ext uri="{BB962C8B-B14F-4D97-AF65-F5344CB8AC3E}">
+        <p14:creationId xmlns:p14="http://schemas.microsoft.com/office/powerpoint/2010/main" val="4009186766"/>
+      </p:ext>
+    </p:extLst>
+  </p:cSld>
+  <p:clrMapOvr>
+    <a:masterClrMapping/>
+  </p:clrMapOvr>
+</p:sld>
+</file>
+
+<file path=ppt/slides/slide22.xml><?xml version="1.0" encoding="utf-8"?>
+<p:sld xmlns:a="http://schemas.openxmlformats.org/drawingml/2006/main" xmlns:r="http://schemas.openxmlformats.org/officeDocument/2006/relationships" xmlns:p="http://schemas.openxmlformats.org/presentationml/2006/main">
+  <p:cSld>
+    <p:spTree>
+      <p:nvGrpSpPr>
+        <p:cNvPr id="1" name=""/>
+        <p:cNvGrpSpPr/>
+        <p:nvPr/>
+      </p:nvGrpSpPr>
+      <p:grpSpPr>
+        <a:xfrm>
+          <a:off x="0" y="0"/>
+          <a:ext cx="0" cy="0"/>
+          <a:chOff x="0" y="0"/>
+          <a:chExt cx="0" cy="0"/>
+        </a:xfrm>
+      </p:grpSpPr>
+      <p:sp>
+        <p:nvSpPr>
+          <p:cNvPr id="2" name="Title 1">
+            <a:extLst>
+              <a:ext uri="{FF2B5EF4-FFF2-40B4-BE49-F238E27FC236}">
+                <a16:creationId xmlns:a16="http://schemas.microsoft.com/office/drawing/2014/main" xmlns="" id="{3320184A-853A-46BC-A5D5-0BA775050763}"/>
               </a:ext>
             </a:extLst>
           </p:cNvPr>
@@ -12321,7 +19441,7 @@
           <p:cNvPr id="3" name="Content Placeholder 2">
             <a:extLst>
               <a:ext uri="{FF2B5EF4-FFF2-40B4-BE49-F238E27FC236}">
-                <a16:creationId xmlns:a16="http://schemas.microsoft.com/office/drawing/2014/main" id="{B19C7083-1D02-477A-B7C0-251FB4CF8D56}"/>
+                <a16:creationId xmlns:a16="http://schemas.microsoft.com/office/drawing/2014/main" xmlns="" id="{B19C7083-1D02-477A-B7C0-251FB4CF8D56}"/>
               </a:ext>
             </a:extLst>
           </p:cNvPr>
@@ -13086,7 +20206,7 @@
           <p:cNvPr id="5" name="Picture 4">
             <a:extLst>
               <a:ext uri="{FF2B5EF4-FFF2-40B4-BE49-F238E27FC236}">
-                <a16:creationId xmlns:a16="http://schemas.microsoft.com/office/drawing/2014/main" id="{8F1855AA-649A-44BB-8012-6896CFC10868}"/>
+                <a16:creationId xmlns:a16="http://schemas.microsoft.com/office/drawing/2014/main" xmlns="" id="{8F1855AA-649A-44BB-8012-6896CFC10868}"/>
               </a:ext>
             </a:extLst>
           </p:cNvPr>
@@ -13126,10 +20246,17 @@
   <p:clrMapOvr>
     <a:masterClrMapping/>
   </p:clrMapOvr>
+  <p:timing>
+    <p:tnLst>
+      <p:par>
+        <p:cTn id="1" dur="indefinite" restart="never" nodeType="tmRoot"/>
+      </p:par>
+    </p:tnLst>
+  </p:timing>
 </p:sld>
 </file>
 
-<file path=ppt/slides/slide14.xml><?xml version="1.0" encoding="utf-8"?>
+<file path=ppt/slides/slide23.xml><?xml version="1.0" encoding="utf-8"?>
 <p:sld xmlns:a="http://schemas.openxmlformats.org/drawingml/2006/main" xmlns:r="http://schemas.openxmlformats.org/officeDocument/2006/relationships" xmlns:p="http://schemas.openxmlformats.org/presentationml/2006/main">
   <p:cSld>
     <p:spTree>
@@ -13151,7 +20278,7 @@
           <p:cNvPr id="2" name="Title 1">
             <a:extLst>
               <a:ext uri="{FF2B5EF4-FFF2-40B4-BE49-F238E27FC236}">
-                <a16:creationId xmlns:a16="http://schemas.microsoft.com/office/drawing/2014/main" id="{3320184A-853A-46BC-A5D5-0BA775050763}"/>
+                <a16:creationId xmlns:a16="http://schemas.microsoft.com/office/drawing/2014/main" xmlns="" id="{3320184A-853A-46BC-A5D5-0BA775050763}"/>
               </a:ext>
             </a:extLst>
           </p:cNvPr>
@@ -13228,7 +20355,7 @@
           <p:cNvPr id="3" name="Content Placeholder 2">
             <a:extLst>
               <a:ext uri="{FF2B5EF4-FFF2-40B4-BE49-F238E27FC236}">
-                <a16:creationId xmlns:a16="http://schemas.microsoft.com/office/drawing/2014/main" id="{B19C7083-1D02-477A-B7C0-251FB4CF8D56}"/>
+                <a16:creationId xmlns:a16="http://schemas.microsoft.com/office/drawing/2014/main" xmlns="" id="{B19C7083-1D02-477A-B7C0-251FB4CF8D56}"/>
               </a:ext>
             </a:extLst>
           </p:cNvPr>
@@ -13492,7 +20619,7 @@
           <p:cNvPr id="7" name="Content Placeholder 2">
             <a:extLst>
               <a:ext uri="{FF2B5EF4-FFF2-40B4-BE49-F238E27FC236}">
-                <a16:creationId xmlns:a16="http://schemas.microsoft.com/office/drawing/2014/main" id="{18944DA1-41BD-4A6B-B34E-E230E66A6105}"/>
+                <a16:creationId xmlns:a16="http://schemas.microsoft.com/office/drawing/2014/main" xmlns="" id="{18944DA1-41BD-4A6B-B34E-E230E66A6105}"/>
               </a:ext>
             </a:extLst>
           </p:cNvPr>
@@ -13823,7 +20950,7 @@
 </p:sld>
 </file>
 
-<file path=ppt/slides/slide15.xml><?xml version="1.0" encoding="utf-8"?>
+<file path=ppt/slides/slide24.xml><?xml version="1.0" encoding="utf-8"?>
 <p:sld xmlns:a="http://schemas.openxmlformats.org/drawingml/2006/main" xmlns:r="http://schemas.openxmlformats.org/officeDocument/2006/relationships" xmlns:p="http://schemas.openxmlformats.org/presentationml/2006/main">
   <p:cSld>
     <p:spTree>
@@ -13845,7 +20972,7 @@
           <p:cNvPr id="2" name="Title 1">
             <a:extLst>
               <a:ext uri="{FF2B5EF4-FFF2-40B4-BE49-F238E27FC236}">
-                <a16:creationId xmlns:a16="http://schemas.microsoft.com/office/drawing/2014/main" id="{3320184A-853A-46BC-A5D5-0BA775050763}"/>
+                <a16:creationId xmlns:a16="http://schemas.microsoft.com/office/drawing/2014/main" xmlns="" id="{3320184A-853A-46BC-A5D5-0BA775050763}"/>
               </a:ext>
             </a:extLst>
           </p:cNvPr>
@@ -13922,7 +21049,7 @@
           <p:cNvPr id="3" name="Content Placeholder 2">
             <a:extLst>
               <a:ext uri="{FF2B5EF4-FFF2-40B4-BE49-F238E27FC236}">
-                <a16:creationId xmlns:a16="http://schemas.microsoft.com/office/drawing/2014/main" id="{B19C7083-1D02-477A-B7C0-251FB4CF8D56}"/>
+                <a16:creationId xmlns:a16="http://schemas.microsoft.com/office/drawing/2014/main" xmlns="" id="{B19C7083-1D02-477A-B7C0-251FB4CF8D56}"/>
               </a:ext>
             </a:extLst>
           </p:cNvPr>
@@ -14279,7 +21406,7 @@
           <p:cNvPr id="4" name="Picture 3">
             <a:extLst>
               <a:ext uri="{FF2B5EF4-FFF2-40B4-BE49-F238E27FC236}">
-                <a16:creationId xmlns:a16="http://schemas.microsoft.com/office/drawing/2014/main" id="{AA30FB0C-9B9A-4EED-A952-9454BE666E87}"/>
+                <a16:creationId xmlns:a16="http://schemas.microsoft.com/office/drawing/2014/main" xmlns="" id="{AA30FB0C-9B9A-4EED-A952-9454BE666E87}"/>
               </a:ext>
             </a:extLst>
           </p:cNvPr>
@@ -14326,7 +21453,7 @@
 </p:sld>
 </file>
 
-<file path=ppt/slides/slide16.xml><?xml version="1.0" encoding="utf-8"?>
+<file path=ppt/slides/slide25.xml><?xml version="1.0" encoding="utf-8"?>
 <p:sld xmlns:a="http://schemas.openxmlformats.org/drawingml/2006/main" xmlns:r="http://schemas.openxmlformats.org/officeDocument/2006/relationships" xmlns:p="http://schemas.openxmlformats.org/presentationml/2006/main">
   <p:cSld>
     <p:spTree>
@@ -14348,7 +21475,7 @@
           <p:cNvPr id="2" name="Title 1">
             <a:extLst>
               <a:ext uri="{FF2B5EF4-FFF2-40B4-BE49-F238E27FC236}">
-                <a16:creationId xmlns:a16="http://schemas.microsoft.com/office/drawing/2014/main" id="{3320184A-853A-46BC-A5D5-0BA775050763}"/>
+                <a16:creationId xmlns:a16="http://schemas.microsoft.com/office/drawing/2014/main" xmlns="" id="{3320184A-853A-46BC-A5D5-0BA775050763}"/>
               </a:ext>
             </a:extLst>
           </p:cNvPr>
@@ -14425,7 +21552,7 @@
           <p:cNvPr id="3" name="Content Placeholder 2">
             <a:extLst>
               <a:ext uri="{FF2B5EF4-FFF2-40B4-BE49-F238E27FC236}">
-                <a16:creationId xmlns:a16="http://schemas.microsoft.com/office/drawing/2014/main" id="{B19C7083-1D02-477A-B7C0-251FB4CF8D56}"/>
+                <a16:creationId xmlns:a16="http://schemas.microsoft.com/office/drawing/2014/main" xmlns="" id="{B19C7083-1D02-477A-B7C0-251FB4CF8D56}"/>
               </a:ext>
             </a:extLst>
           </p:cNvPr>
@@ -14920,7 +22047,7 @@
           <p:cNvPr id="5" name="Picture 4">
             <a:extLst>
               <a:ext uri="{FF2B5EF4-FFF2-40B4-BE49-F238E27FC236}">
-                <a16:creationId xmlns:a16="http://schemas.microsoft.com/office/drawing/2014/main" id="{92C274AA-38C8-4266-B6BE-A61B283B1D37}"/>
+                <a16:creationId xmlns:a16="http://schemas.microsoft.com/office/drawing/2014/main" xmlns="" id="{92C274AA-38C8-4266-B6BE-A61B283B1D37}"/>
               </a:ext>
             </a:extLst>
           </p:cNvPr>
@@ -14959,7 +22086,7 @@
           <p:cNvPr id="6" name="Picture 5">
             <a:extLst>
               <a:ext uri="{FF2B5EF4-FFF2-40B4-BE49-F238E27FC236}">
-                <a16:creationId xmlns:a16="http://schemas.microsoft.com/office/drawing/2014/main" id="{11A33592-FE4F-4BFE-8B4D-12663CF54976}"/>
+                <a16:creationId xmlns:a16="http://schemas.microsoft.com/office/drawing/2014/main" xmlns="" id="{11A33592-FE4F-4BFE-8B4D-12663CF54976}"/>
               </a:ext>
             </a:extLst>
           </p:cNvPr>
@@ -14998,7 +22125,7 @@
           <p:cNvPr id="7" name="Arrow: Right 6">
             <a:extLst>
               <a:ext uri="{FF2B5EF4-FFF2-40B4-BE49-F238E27FC236}">
-                <a16:creationId xmlns:a16="http://schemas.microsoft.com/office/drawing/2014/main" id="{96780124-2963-4FD4-BF64-4C7BD7B69292}"/>
+                <a16:creationId xmlns:a16="http://schemas.microsoft.com/office/drawing/2014/main" xmlns="" id="{96780124-2963-4FD4-BF64-4C7BD7B69292}"/>
               </a:ext>
             </a:extLst>
           </p:cNvPr>
@@ -15052,7 +22179,7 @@
 </p:sld>
 </file>
 
-<file path=ppt/slides/slide17.xml><?xml version="1.0" encoding="utf-8"?>
+<file path=ppt/slides/slide26.xml><?xml version="1.0" encoding="utf-8"?>
 <p:sld xmlns:a="http://schemas.openxmlformats.org/drawingml/2006/main" xmlns:r="http://schemas.openxmlformats.org/officeDocument/2006/relationships" xmlns:p="http://schemas.openxmlformats.org/presentationml/2006/main">
   <p:cSld>
     <p:spTree>
@@ -15074,7 +22201,7 @@
           <p:cNvPr id="2" name="Title 1">
             <a:extLst>
               <a:ext uri="{FF2B5EF4-FFF2-40B4-BE49-F238E27FC236}">
-                <a16:creationId xmlns:a16="http://schemas.microsoft.com/office/drawing/2014/main" id="{922C7F22-C285-44BA-86CB-3A96AFB77B23}"/>
+                <a16:creationId xmlns:a16="http://schemas.microsoft.com/office/drawing/2014/main" xmlns="" id="{922C7F22-C285-44BA-86CB-3A96AFB77B23}"/>
               </a:ext>
             </a:extLst>
           </p:cNvPr>
@@ -15115,7 +22242,7 @@
           <p:cNvPr id="3" name="Content Placeholder 2">
             <a:extLst>
               <a:ext uri="{FF2B5EF4-FFF2-40B4-BE49-F238E27FC236}">
-                <a16:creationId xmlns:a16="http://schemas.microsoft.com/office/drawing/2014/main" id="{94E56254-3B5D-48D0-AFA2-29BB3098CE10}"/>
+                <a16:creationId xmlns:a16="http://schemas.microsoft.com/office/drawing/2014/main" xmlns="" id="{94E56254-3B5D-48D0-AFA2-29BB3098CE10}"/>
               </a:ext>
             </a:extLst>
           </p:cNvPr>
@@ -15274,7 +22401,7 @@
 </p:sld>
 </file>
 
-<file path=ppt/slides/slide18.xml><?xml version="1.0" encoding="utf-8"?>
+<file path=ppt/slides/slide27.xml><?xml version="1.0" encoding="utf-8"?>
 <p:sld xmlns:a="http://schemas.openxmlformats.org/drawingml/2006/main" xmlns:r="http://schemas.openxmlformats.org/officeDocument/2006/relationships" xmlns:p="http://schemas.openxmlformats.org/presentationml/2006/main">
   <p:cSld>
     <p:spTree>
@@ -15296,7 +22423,7 @@
           <p:cNvPr id="4" name="Picture 3">
             <a:extLst>
               <a:ext uri="{FF2B5EF4-FFF2-40B4-BE49-F238E27FC236}">
-                <a16:creationId xmlns:a16="http://schemas.microsoft.com/office/drawing/2014/main" id="{B759218E-A635-433B-B71D-157249449D93}"/>
+                <a16:creationId xmlns:a16="http://schemas.microsoft.com/office/drawing/2014/main" xmlns="" id="{B759218E-A635-433B-B71D-157249449D93}"/>
               </a:ext>
             </a:extLst>
           </p:cNvPr>
@@ -15324,7 +22451,7 @@
           <p:cNvPr id="2" name="Title 1">
             <a:extLst>
               <a:ext uri="{FF2B5EF4-FFF2-40B4-BE49-F238E27FC236}">
-                <a16:creationId xmlns:a16="http://schemas.microsoft.com/office/drawing/2014/main" id="{11CFEAA0-FD65-467A-908A-1D9B480CAC39}"/>
+                <a16:creationId xmlns:a16="http://schemas.microsoft.com/office/drawing/2014/main" xmlns="" id="{11CFEAA0-FD65-467A-908A-1D9B480CAC39}"/>
               </a:ext>
             </a:extLst>
           </p:cNvPr>
@@ -15366,7 +22493,7 @@
           <p:cNvPr id="3" name="Content Placeholder 2">
             <a:extLst>
               <a:ext uri="{FF2B5EF4-FFF2-40B4-BE49-F238E27FC236}">
-                <a16:creationId xmlns:a16="http://schemas.microsoft.com/office/drawing/2014/main" id="{B2A15174-E921-43A0-9EFE-5FF1CABA6A2B}"/>
+                <a16:creationId xmlns:a16="http://schemas.microsoft.com/office/drawing/2014/main" xmlns="" id="{B2A15174-E921-43A0-9EFE-5FF1CABA6A2B}"/>
               </a:ext>
             </a:extLst>
           </p:cNvPr>
@@ -15415,7 +22542,7 @@
 </p:sld>
 </file>
 
-<file path=ppt/slides/slide19.xml><?xml version="1.0" encoding="utf-8"?>
+<file path=ppt/slides/slide28.xml><?xml version="1.0" encoding="utf-8"?>
 <p:sld xmlns:a="http://schemas.openxmlformats.org/drawingml/2006/main" xmlns:r="http://schemas.openxmlformats.org/officeDocument/2006/relationships" xmlns:p="http://schemas.openxmlformats.org/presentationml/2006/main">
   <p:cSld>
     <p:spTree>
@@ -15437,7 +22564,7 @@
           <p:cNvPr id="2" name="Title 1">
             <a:extLst>
               <a:ext uri="{FF2B5EF4-FFF2-40B4-BE49-F238E27FC236}">
-                <a16:creationId xmlns:a16="http://schemas.microsoft.com/office/drawing/2014/main" id="{6BB17E34-0395-432B-8A49-ED2D42FFBCB7}"/>
+                <a16:creationId xmlns:a16="http://schemas.microsoft.com/office/drawing/2014/main" xmlns="" id="{6BB17E34-0395-432B-8A49-ED2D42FFBCB7}"/>
               </a:ext>
             </a:extLst>
           </p:cNvPr>
@@ -15478,7 +22605,7 @@
           <p:cNvPr id="3" name="Content Placeholder 2">
             <a:extLst>
               <a:ext uri="{FF2B5EF4-FFF2-40B4-BE49-F238E27FC236}">
-                <a16:creationId xmlns:a16="http://schemas.microsoft.com/office/drawing/2014/main" id="{61369707-3410-42ED-9E72-D16FA03D07D4}"/>
+                <a16:creationId xmlns:a16="http://schemas.microsoft.com/office/drawing/2014/main" xmlns="" id="{61369707-3410-42ED-9E72-D16FA03D07D4}"/>
               </a:ext>
             </a:extLst>
           </p:cNvPr>
@@ -15531,7 +22658,7 @@
           <p:cNvPr id="4" name="Picture 3">
             <a:extLst>
               <a:ext uri="{FF2B5EF4-FFF2-40B4-BE49-F238E27FC236}">
-                <a16:creationId xmlns:a16="http://schemas.microsoft.com/office/drawing/2014/main" id="{EEF02EBA-4598-4F29-A57F-246FEC1A900A}"/>
+                <a16:creationId xmlns:a16="http://schemas.microsoft.com/office/drawing/2014/main" xmlns="" id="{EEF02EBA-4598-4F29-A57F-246FEC1A900A}"/>
               </a:ext>
             </a:extLst>
           </p:cNvPr>
@@ -15565,7 +22692,7 @@
           <p:cNvPr id="5" name="TextBox 4">
             <a:extLst>
               <a:ext uri="{FF2B5EF4-FFF2-40B4-BE49-F238E27FC236}">
-                <a16:creationId xmlns:a16="http://schemas.microsoft.com/office/drawing/2014/main" id="{FC15F14F-7B50-4E4C-89D4-BFC0A467C3ED}"/>
+                <a16:creationId xmlns:a16="http://schemas.microsoft.com/office/drawing/2014/main" xmlns="" id="{FC15F14F-7B50-4E4C-89D4-BFC0A467C3ED}"/>
               </a:ext>
             </a:extLst>
           </p:cNvPr>
@@ -15638,7 +22765,7 @@
 </p:sld>
 </file>
 
-<file path=ppt/slides/slide2.xml><?xml version="1.0" encoding="utf-8"?>
+<file path=ppt/slides/slide29.xml><?xml version="1.0" encoding="utf-8"?>
 <p:sld xmlns:a="http://schemas.openxmlformats.org/drawingml/2006/main" xmlns:r="http://schemas.openxmlformats.org/officeDocument/2006/relationships" xmlns:p="http://schemas.openxmlformats.org/presentationml/2006/main">
   <p:cSld>
     <p:spTree>
@@ -15660,184 +22787,7 @@
           <p:cNvPr id="2" name="Title 1">
             <a:extLst>
               <a:ext uri="{FF2B5EF4-FFF2-40B4-BE49-F238E27FC236}">
-                <a16:creationId xmlns:a16="http://schemas.microsoft.com/office/drawing/2014/main" id="{11DE62A2-70BD-4054-8726-5F66199E19F1}"/>
-              </a:ext>
-            </a:extLst>
-          </p:cNvPr>
-          <p:cNvSpPr>
-            <a:spLocks noGrp="1"/>
-          </p:cNvSpPr>
-          <p:nvPr>
-            <p:ph type="title"/>
-          </p:nvPr>
-        </p:nvSpPr>
-        <p:spPr>
-          <a:xfrm>
-            <a:off x="1568245" y="251952"/>
-            <a:ext cx="4911213" cy="1128252"/>
-          </a:xfrm>
-        </p:spPr>
-        <p:txBody>
-          <a:bodyPr/>
-          <a:lstStyle/>
-          <a:p>
-            <a:pPr algn="l"/>
-            <a:r>
-              <a:rPr lang="en-US" b="1">
-                <a:solidFill>
-                  <a:srgbClr val="0000FF"/>
-                </a:solidFill>
-                <a:latin typeface="Times New Roman" panose="02020603050405020304" pitchFamily="18" charset="0"/>
-                <a:cs typeface="Times New Roman" panose="02020603050405020304" pitchFamily="18" charset="0"/>
-              </a:rPr>
-              <a:t>Thành viên nhóm</a:t>
-            </a:r>
-          </a:p>
-        </p:txBody>
-      </p:sp>
-      <p:sp>
-        <p:nvSpPr>
-          <p:cNvPr id="3" name="Content Placeholder 2">
-            <a:extLst>
-              <a:ext uri="{FF2B5EF4-FFF2-40B4-BE49-F238E27FC236}">
-                <a16:creationId xmlns:a16="http://schemas.microsoft.com/office/drawing/2014/main" id="{70BE8753-D59F-43F8-9425-932D86987DBD}"/>
-              </a:ext>
-            </a:extLst>
-          </p:cNvPr>
-          <p:cNvSpPr>
-            <a:spLocks noGrp="1"/>
-          </p:cNvSpPr>
-          <p:nvPr>
-            <p:ph idx="1"/>
-          </p:nvPr>
-        </p:nvSpPr>
-        <p:spPr>
-          <a:xfrm>
-            <a:off x="3308555" y="1763664"/>
-            <a:ext cx="6341806" cy="4961602"/>
-          </a:xfrm>
-        </p:spPr>
-        <p:txBody>
-          <a:bodyPr>
-            <a:normAutofit/>
-          </a:bodyPr>
-          <a:lstStyle/>
-          <a:p>
-            <a:pPr marL="0" indent="0">
-              <a:lnSpc>
-                <a:spcPct val="150000"/>
-              </a:lnSpc>
-              <a:buNone/>
-            </a:pPr>
-            <a:r>
-              <a:rPr lang="en-US" sz="2800">
-                <a:latin typeface="Times New Roman" panose="02020603050405020304" pitchFamily="18" charset="0"/>
-                <a:cs typeface="Times New Roman" panose="02020603050405020304" pitchFamily="18" charset="0"/>
-              </a:rPr>
-              <a:t>1412503 - Nguyễn Thị Thanh Thảo</a:t>
-            </a:r>
-          </a:p>
-          <a:p>
-            <a:pPr marL="0" indent="0">
-              <a:lnSpc>
-                <a:spcPct val="150000"/>
-              </a:lnSpc>
-              <a:buNone/>
-            </a:pPr>
-            <a:r>
-              <a:rPr lang="en-US" sz="2800">
-                <a:latin typeface="Times New Roman" panose="02020603050405020304" pitchFamily="18" charset="0"/>
-                <a:cs typeface="Times New Roman" panose="02020603050405020304" pitchFamily="18" charset="0"/>
-              </a:rPr>
-              <a:t>1412520 – Nguyễn Hoàng Thi </a:t>
-            </a:r>
-          </a:p>
-          <a:p>
-            <a:pPr marL="0" indent="0">
-              <a:lnSpc>
-                <a:spcPct val="150000"/>
-              </a:lnSpc>
-              <a:buNone/>
-            </a:pPr>
-            <a:r>
-              <a:rPr lang="en-US" sz="2800">
-                <a:latin typeface="Times New Roman" panose="02020603050405020304" pitchFamily="18" charset="0"/>
-                <a:cs typeface="Times New Roman" panose="02020603050405020304" pitchFamily="18" charset="0"/>
-              </a:rPr>
-              <a:t>1412542 - Nguyễn Hà Tiên</a:t>
-            </a:r>
-          </a:p>
-          <a:p>
-            <a:pPr marL="0" indent="0">
-              <a:lnSpc>
-                <a:spcPct val="150000"/>
-              </a:lnSpc>
-              <a:buNone/>
-            </a:pPr>
-            <a:r>
-              <a:rPr lang="en-US" sz="2800">
-                <a:latin typeface="Times New Roman" panose="02020603050405020304" pitchFamily="18" charset="0"/>
-                <a:cs typeface="Times New Roman" panose="02020603050405020304" pitchFamily="18" charset="0"/>
-              </a:rPr>
-              <a:t>1412543 - Nguyễn Thủy Tiên</a:t>
-            </a:r>
-          </a:p>
-          <a:p>
-            <a:pPr marL="0" indent="0">
-              <a:lnSpc>
-                <a:spcPct val="150000"/>
-              </a:lnSpc>
-              <a:buNone/>
-            </a:pPr>
-            <a:r>
-              <a:rPr lang="en-US" sz="2800">
-                <a:latin typeface="Times New Roman" panose="02020603050405020304" pitchFamily="18" charset="0"/>
-                <a:cs typeface="Times New Roman" panose="02020603050405020304" pitchFamily="18" charset="0"/>
-              </a:rPr>
-              <a:t>1412595 - Võ Thị Thanh Trúc</a:t>
-            </a:r>
-          </a:p>
-          <a:p>
-            <a:endParaRPr lang="en-US" sz="2800"/>
-          </a:p>
-        </p:txBody>
-      </p:sp>
-    </p:spTree>
-    <p:extLst>
-      <p:ext uri="{BB962C8B-B14F-4D97-AF65-F5344CB8AC3E}">
-        <p14:creationId xmlns:p14="http://schemas.microsoft.com/office/powerpoint/2010/main" val="1532792253"/>
-      </p:ext>
-    </p:extLst>
-  </p:cSld>
-  <p:clrMapOvr>
-    <a:masterClrMapping/>
-  </p:clrMapOvr>
-</p:sld>
-</file>
-
-<file path=ppt/slides/slide20.xml><?xml version="1.0" encoding="utf-8"?>
-<p:sld xmlns:a="http://schemas.openxmlformats.org/drawingml/2006/main" xmlns:r="http://schemas.openxmlformats.org/officeDocument/2006/relationships" xmlns:p="http://schemas.openxmlformats.org/presentationml/2006/main">
-  <p:cSld>
-    <p:spTree>
-      <p:nvGrpSpPr>
-        <p:cNvPr id="1" name=""/>
-        <p:cNvGrpSpPr/>
-        <p:nvPr/>
-      </p:nvGrpSpPr>
-      <p:grpSpPr>
-        <a:xfrm>
-          <a:off x="0" y="0"/>
-          <a:ext cx="0" cy="0"/>
-          <a:chOff x="0" y="0"/>
-          <a:chExt cx="0" cy="0"/>
-        </a:xfrm>
-      </p:grpSpPr>
-      <p:sp>
-        <p:nvSpPr>
-          <p:cNvPr id="2" name="Title 1">
-            <a:extLst>
-              <a:ext uri="{FF2B5EF4-FFF2-40B4-BE49-F238E27FC236}">
-                <a16:creationId xmlns:a16="http://schemas.microsoft.com/office/drawing/2014/main" id="{946C940A-EECC-4E71-B937-72798D5C63C0}"/>
+                <a16:creationId xmlns:a16="http://schemas.microsoft.com/office/drawing/2014/main" xmlns="" id="{946C940A-EECC-4E71-B937-72798D5C63C0}"/>
               </a:ext>
             </a:extLst>
           </p:cNvPr>
@@ -15913,7 +22863,7 @@
           <p:cNvPr id="3" name="Content Placeholder 2">
             <a:extLst>
               <a:ext uri="{FF2B5EF4-FFF2-40B4-BE49-F238E27FC236}">
-                <a16:creationId xmlns:a16="http://schemas.microsoft.com/office/drawing/2014/main" id="{8EFF4B83-A453-45FF-98DF-A8540DA65EFB}"/>
+                <a16:creationId xmlns:a16="http://schemas.microsoft.com/office/drawing/2014/main" xmlns="" id="{8EFF4B83-A453-45FF-98DF-A8540DA65EFB}"/>
               </a:ext>
             </a:extLst>
           </p:cNvPr>
@@ -15968,7 +22918,7 @@
           <p:cNvPr id="5" name="Picture 4">
             <a:extLst>
               <a:ext uri="{FF2B5EF4-FFF2-40B4-BE49-F238E27FC236}">
-                <a16:creationId xmlns:a16="http://schemas.microsoft.com/office/drawing/2014/main" id="{867AA35C-1B43-4B0F-A5DA-EFFFB4C2183F}"/>
+                <a16:creationId xmlns:a16="http://schemas.microsoft.com/office/drawing/2014/main" xmlns="" id="{867AA35C-1B43-4B0F-A5DA-EFFFB4C2183F}"/>
               </a:ext>
             </a:extLst>
           </p:cNvPr>
@@ -15998,7 +22948,7 @@
           <p:cNvPr id="6" name="TextBox 5">
             <a:extLst>
               <a:ext uri="{FF2B5EF4-FFF2-40B4-BE49-F238E27FC236}">
-                <a16:creationId xmlns:a16="http://schemas.microsoft.com/office/drawing/2014/main" id="{D64297A2-3015-4C30-881E-C8ACA8A9C596}"/>
+                <a16:creationId xmlns:a16="http://schemas.microsoft.com/office/drawing/2014/main" xmlns="" id="{D64297A2-3015-4C30-881E-C8ACA8A9C596}"/>
               </a:ext>
             </a:extLst>
           </p:cNvPr>
@@ -16077,7 +23027,7 @@
 </p:sld>
 </file>
 
-<file path=ppt/slides/slide21.xml><?xml version="1.0" encoding="utf-8"?>
+<file path=ppt/slides/slide3.xml><?xml version="1.0" encoding="utf-8"?>
 <p:sld xmlns:a="http://schemas.openxmlformats.org/drawingml/2006/main" xmlns:r="http://schemas.openxmlformats.org/officeDocument/2006/relationships" xmlns:p="http://schemas.openxmlformats.org/presentationml/2006/main">
   <p:cSld>
     <p:spTree>
@@ -16099,7 +23049,115 @@
           <p:cNvPr id="2" name="Title 1">
             <a:extLst>
               <a:ext uri="{FF2B5EF4-FFF2-40B4-BE49-F238E27FC236}">
-                <a16:creationId xmlns:a16="http://schemas.microsoft.com/office/drawing/2014/main" id="{9987F1D9-F897-4BF6-A4A9-65B472BF70C2}"/>
+                <a16:creationId xmlns:a16="http://schemas.microsoft.com/office/drawing/2014/main" xmlns="" id="{DCDE6074-9E5A-45C2-A679-F2A8D4000FE9}"/>
+              </a:ext>
+            </a:extLst>
+          </p:cNvPr>
+          <p:cNvSpPr>
+            <a:spLocks noGrp="1"/>
+          </p:cNvSpPr>
+          <p:nvPr>
+            <p:ph type="title"/>
+          </p:nvPr>
+        </p:nvSpPr>
+        <p:spPr>
+          <a:xfrm>
+            <a:off x="1572803" y="443679"/>
+            <a:ext cx="2763224" cy="951271"/>
+          </a:xfrm>
+        </p:spPr>
+        <p:txBody>
+          <a:bodyPr/>
+          <a:lstStyle/>
+          <a:p>
+            <a:pPr algn="l"/>
+            <a:r>
+              <a:rPr lang="en-US" b="1" dirty="0" err="1">
+                <a:solidFill>
+                  <a:srgbClr val="0000FF"/>
+                </a:solidFill>
+                <a:latin typeface="Times New Roman" panose="02020603050405020304" pitchFamily="18" charset="0"/>
+                <a:cs typeface="Times New Roman" panose="02020603050405020304" pitchFamily="18" charset="0"/>
+              </a:rPr>
+              <a:t>Nội</a:t>
+            </a:r>
+            <a:r>
+              <a:rPr lang="en-US" b="1" dirty="0">
+                <a:solidFill>
+                  <a:srgbClr val="0000FF"/>
+                </a:solidFill>
+                <a:latin typeface="Times New Roman" panose="02020603050405020304" pitchFamily="18" charset="0"/>
+                <a:cs typeface="Times New Roman" panose="02020603050405020304" pitchFamily="18" charset="0"/>
+              </a:rPr>
+              <a:t> dung</a:t>
+            </a:r>
+          </a:p>
+        </p:txBody>
+      </p:sp>
+      <p:graphicFrame>
+        <p:nvGraphicFramePr>
+          <p:cNvPr id="4" name="Diagram 3">
+            <a:extLst>
+              <a:ext uri="{FF2B5EF4-FFF2-40B4-BE49-F238E27FC236}">
+                <a16:creationId xmlns:a16="http://schemas.microsoft.com/office/drawing/2014/main" xmlns="" id="{B73E53B0-E32A-46B9-A985-8FAC34A22EB3}"/>
+              </a:ext>
+            </a:extLst>
+          </p:cNvPr>
+          <p:cNvGraphicFramePr/>
+          <p:nvPr>
+            <p:extLst>
+              <p:ext uri="{D42A27DB-BD31-4B8C-83A1-F6EECF244321}">
+                <p14:modId xmlns:p14="http://schemas.microsoft.com/office/powerpoint/2010/main" val="1605035400"/>
+              </p:ext>
+            </p:extLst>
+          </p:nvPr>
+        </p:nvGraphicFramePr>
+        <p:xfrm>
+          <a:off x="2031999" y="1640114"/>
+          <a:ext cx="9187543" cy="4601029"/>
+        </p:xfrm>
+        <a:graphic>
+          <a:graphicData uri="http://schemas.openxmlformats.org/drawingml/2006/diagram">
+            <dgm:relIds xmlns:dgm="http://schemas.openxmlformats.org/drawingml/2006/diagram" xmlns:r="http://schemas.openxmlformats.org/officeDocument/2006/relationships" r:dm="rId3" r:lo="rId4" r:qs="rId5" r:cs="rId6"/>
+          </a:graphicData>
+        </a:graphic>
+      </p:graphicFrame>
+    </p:spTree>
+    <p:extLst>
+      <p:ext uri="{BB962C8B-B14F-4D97-AF65-F5344CB8AC3E}">
+        <p14:creationId xmlns:p14="http://schemas.microsoft.com/office/powerpoint/2010/main" val="1760130702"/>
+      </p:ext>
+    </p:extLst>
+  </p:cSld>
+  <p:clrMapOvr>
+    <a:masterClrMapping/>
+  </p:clrMapOvr>
+</p:sld>
+</file>
+
+<file path=ppt/slides/slide30.xml><?xml version="1.0" encoding="utf-8"?>
+<p:sld xmlns:a="http://schemas.openxmlformats.org/drawingml/2006/main" xmlns:r="http://schemas.openxmlformats.org/officeDocument/2006/relationships" xmlns:p="http://schemas.openxmlformats.org/presentationml/2006/main">
+  <p:cSld>
+    <p:spTree>
+      <p:nvGrpSpPr>
+        <p:cNvPr id="1" name=""/>
+        <p:cNvGrpSpPr/>
+        <p:nvPr/>
+      </p:nvGrpSpPr>
+      <p:grpSpPr>
+        <a:xfrm>
+          <a:off x="0" y="0"/>
+          <a:ext cx="0" cy="0"/>
+          <a:chOff x="0" y="0"/>
+          <a:chExt cx="0" cy="0"/>
+        </a:xfrm>
+      </p:grpSpPr>
+      <p:sp>
+        <p:nvSpPr>
+          <p:cNvPr id="2" name="Title 1">
+            <a:extLst>
+              <a:ext uri="{FF2B5EF4-FFF2-40B4-BE49-F238E27FC236}">
+                <a16:creationId xmlns:a16="http://schemas.microsoft.com/office/drawing/2014/main" xmlns="" id="{9987F1D9-F897-4BF6-A4A9-65B472BF70C2}"/>
               </a:ext>
             </a:extLst>
           </p:cNvPr>
@@ -16140,7 +23198,7 @@
           <p:cNvPr id="3" name="Content Placeholder 2">
             <a:extLst>
               <a:ext uri="{FF2B5EF4-FFF2-40B4-BE49-F238E27FC236}">
-                <a16:creationId xmlns:a16="http://schemas.microsoft.com/office/drawing/2014/main" id="{C99B1C64-EFF2-4305-9402-932FE886757F}"/>
+                <a16:creationId xmlns:a16="http://schemas.microsoft.com/office/drawing/2014/main" xmlns="" id="{C99B1C64-EFF2-4305-9402-932FE886757F}"/>
               </a:ext>
             </a:extLst>
           </p:cNvPr>
@@ -16193,7 +23251,7 @@
           <p:cNvPr id="4" name="Picture 3">
             <a:extLst>
               <a:ext uri="{FF2B5EF4-FFF2-40B4-BE49-F238E27FC236}">
-                <a16:creationId xmlns:a16="http://schemas.microsoft.com/office/drawing/2014/main" id="{A8638AC6-5CAE-409E-BDA6-723F66EA9761}"/>
+                <a16:creationId xmlns:a16="http://schemas.microsoft.com/office/drawing/2014/main" xmlns="" id="{A8638AC6-5CAE-409E-BDA6-723F66EA9761}"/>
               </a:ext>
             </a:extLst>
           </p:cNvPr>
@@ -16227,7 +23285,7 @@
           <p:cNvPr id="6" name="TextBox 5">
             <a:extLst>
               <a:ext uri="{FF2B5EF4-FFF2-40B4-BE49-F238E27FC236}">
-                <a16:creationId xmlns:a16="http://schemas.microsoft.com/office/drawing/2014/main" id="{D6747176-CB55-4B08-A2E1-909DDC32B7A2}"/>
+                <a16:creationId xmlns:a16="http://schemas.microsoft.com/office/drawing/2014/main" xmlns="" id="{D6747176-CB55-4B08-A2E1-909DDC32B7A2}"/>
               </a:ext>
             </a:extLst>
           </p:cNvPr>
@@ -16320,7 +23378,7 @@
 </p:sld>
 </file>
 
-<file path=ppt/slides/slide22.xml><?xml version="1.0" encoding="utf-8"?>
+<file path=ppt/slides/slide31.xml><?xml version="1.0" encoding="utf-8"?>
 <p:sld xmlns:a="http://schemas.openxmlformats.org/drawingml/2006/main" xmlns:r="http://schemas.openxmlformats.org/officeDocument/2006/relationships" xmlns:p="http://schemas.openxmlformats.org/presentationml/2006/main">
   <p:cSld>
     <p:spTree>
@@ -16342,7 +23400,7 @@
           <p:cNvPr id="6" name="Picture 5">
             <a:extLst>
               <a:ext uri="{FF2B5EF4-FFF2-40B4-BE49-F238E27FC236}">
-                <a16:creationId xmlns:a16="http://schemas.microsoft.com/office/drawing/2014/main" id="{D5E2479C-BAE4-4735-92BD-830BD93BCB9C}"/>
+                <a16:creationId xmlns:a16="http://schemas.microsoft.com/office/drawing/2014/main" xmlns="" id="{D5E2479C-BAE4-4735-92BD-830BD93BCB9C}"/>
               </a:ext>
             </a:extLst>
           </p:cNvPr>
@@ -16376,7 +23434,7 @@
           <p:cNvPr id="7" name="Title 1">
             <a:extLst>
               <a:ext uri="{FF2B5EF4-FFF2-40B4-BE49-F238E27FC236}">
-                <a16:creationId xmlns:a16="http://schemas.microsoft.com/office/drawing/2014/main" id="{BCE672A8-F7E2-4A65-B560-20B3B34B22CA}"/>
+                <a16:creationId xmlns:a16="http://schemas.microsoft.com/office/drawing/2014/main" xmlns="" id="{BCE672A8-F7E2-4A65-B560-20B3B34B22CA}"/>
               </a:ext>
             </a:extLst>
           </p:cNvPr>
@@ -16434,7 +23492,7 @@
           <p:cNvPr id="8" name="Content Placeholder 2">
             <a:extLst>
               <a:ext uri="{FF2B5EF4-FFF2-40B4-BE49-F238E27FC236}">
-                <a16:creationId xmlns:a16="http://schemas.microsoft.com/office/drawing/2014/main" id="{55D925BD-5490-4C9A-B9C1-8A7C3985E577}"/>
+                <a16:creationId xmlns:a16="http://schemas.microsoft.com/office/drawing/2014/main" xmlns="" id="{55D925BD-5490-4C9A-B9C1-8A7C3985E577}"/>
               </a:ext>
             </a:extLst>
           </p:cNvPr>
@@ -17151,7 +24209,7 @@
 </p:sld>
 </file>
 
-<file path=ppt/slides/slide23.xml><?xml version="1.0" encoding="utf-8"?>
+<file path=ppt/slides/slide32.xml><?xml version="1.0" encoding="utf-8"?>
 <p:sld xmlns:a="http://schemas.openxmlformats.org/drawingml/2006/main" xmlns:r="http://schemas.openxmlformats.org/officeDocument/2006/relationships" xmlns:p="http://schemas.openxmlformats.org/presentationml/2006/main">
   <p:cSld>
     <p:spTree>
@@ -17173,7 +24231,7 @@
           <p:cNvPr id="3" name="Content Placeholder 2">
             <a:extLst>
               <a:ext uri="{FF2B5EF4-FFF2-40B4-BE49-F238E27FC236}">
-                <a16:creationId xmlns:a16="http://schemas.microsoft.com/office/drawing/2014/main" id="{AB7A56BC-1341-4751-8F7F-D17CE60EAF0C}"/>
+                <a16:creationId xmlns:a16="http://schemas.microsoft.com/office/drawing/2014/main" xmlns="" id="{AB7A56BC-1341-4751-8F7F-D17CE60EAF0C}"/>
               </a:ext>
             </a:extLst>
           </p:cNvPr>
@@ -17344,7 +24402,7 @@
           <p:cNvPr id="4" name="Picture 3">
             <a:extLst>
               <a:ext uri="{FF2B5EF4-FFF2-40B4-BE49-F238E27FC236}">
-                <a16:creationId xmlns:a16="http://schemas.microsoft.com/office/drawing/2014/main" id="{13F94AAC-BF28-4B9A-942C-ECE96C34043D}"/>
+                <a16:creationId xmlns:a16="http://schemas.microsoft.com/office/drawing/2014/main" xmlns="" id="{13F94AAC-BF28-4B9A-942C-ECE96C34043D}"/>
               </a:ext>
             </a:extLst>
           </p:cNvPr>
@@ -17378,7 +24436,7 @@
           <p:cNvPr id="6" name="Picture 5">
             <a:extLst>
               <a:ext uri="{FF2B5EF4-FFF2-40B4-BE49-F238E27FC236}">
-                <a16:creationId xmlns:a16="http://schemas.microsoft.com/office/drawing/2014/main" id="{AB63A977-E977-4D15-A0CA-54479F007C84}"/>
+                <a16:creationId xmlns:a16="http://schemas.microsoft.com/office/drawing/2014/main" xmlns="" id="{AB63A977-E977-4D15-A0CA-54479F007C84}"/>
               </a:ext>
             </a:extLst>
           </p:cNvPr>
@@ -17412,7 +24470,7 @@
           <p:cNvPr id="7" name="Title 1">
             <a:extLst>
               <a:ext uri="{FF2B5EF4-FFF2-40B4-BE49-F238E27FC236}">
-                <a16:creationId xmlns:a16="http://schemas.microsoft.com/office/drawing/2014/main" id="{D2FA14C9-7F52-4427-98FE-522E97A1F819}"/>
+                <a16:creationId xmlns:a16="http://schemas.microsoft.com/office/drawing/2014/main" xmlns="" id="{D2FA14C9-7F52-4427-98FE-522E97A1F819}"/>
               </a:ext>
             </a:extLst>
           </p:cNvPr>
@@ -17470,7 +24528,7 @@
           <p:cNvPr id="8" name="Content Placeholder 2">
             <a:extLst>
               <a:ext uri="{FF2B5EF4-FFF2-40B4-BE49-F238E27FC236}">
-                <a16:creationId xmlns:a16="http://schemas.microsoft.com/office/drawing/2014/main" id="{9D17A0BE-0157-489F-8AF2-1EFA0CCEBEFB}"/>
+                <a16:creationId xmlns:a16="http://schemas.microsoft.com/office/drawing/2014/main" xmlns="" id="{9D17A0BE-0157-489F-8AF2-1EFA0CCEBEFB}"/>
               </a:ext>
             </a:extLst>
           </p:cNvPr>
@@ -17862,7 +24920,7 @@
 </p:sld>
 </file>
 
-<file path=ppt/slides/slide24.xml><?xml version="1.0" encoding="utf-8"?>
+<file path=ppt/slides/slide33.xml><?xml version="1.0" encoding="utf-8"?>
 <p:sld xmlns:a="http://schemas.openxmlformats.org/drawingml/2006/main" xmlns:r="http://schemas.openxmlformats.org/officeDocument/2006/relationships" xmlns:p="http://schemas.openxmlformats.org/presentationml/2006/main">
   <p:cSld>
     <p:spTree>
@@ -17884,7 +24942,7 @@
           <p:cNvPr id="3" name="Content Placeholder 2">
             <a:extLst>
               <a:ext uri="{FF2B5EF4-FFF2-40B4-BE49-F238E27FC236}">
-                <a16:creationId xmlns:a16="http://schemas.microsoft.com/office/drawing/2014/main" id="{54B66AE5-AB41-48F0-AD40-B5D720DAA0EE}"/>
+                <a16:creationId xmlns:a16="http://schemas.microsoft.com/office/drawing/2014/main" xmlns="" id="{54B66AE5-AB41-48F0-AD40-B5D720DAA0EE}"/>
               </a:ext>
             </a:extLst>
           </p:cNvPr>
@@ -18774,7 +25832,7 @@
           <p:cNvPr id="4" name="Title 1">
             <a:extLst>
               <a:ext uri="{FF2B5EF4-FFF2-40B4-BE49-F238E27FC236}">
-                <a16:creationId xmlns:a16="http://schemas.microsoft.com/office/drawing/2014/main" id="{3BBE93FA-2F9D-4677-A7EC-181CB13B0ED8}"/>
+                <a16:creationId xmlns:a16="http://schemas.microsoft.com/office/drawing/2014/main" xmlns="" id="{3BBE93FA-2F9D-4677-A7EC-181CB13B0ED8}"/>
               </a:ext>
             </a:extLst>
           </p:cNvPr>
@@ -18840,7 +25898,7 @@
 </p:sld>
 </file>
 
-<file path=ppt/slides/slide25.xml><?xml version="1.0" encoding="utf-8"?>
+<file path=ppt/slides/slide34.xml><?xml version="1.0" encoding="utf-8"?>
 <p:sld xmlns:a="http://schemas.openxmlformats.org/drawingml/2006/main" xmlns:r="http://schemas.openxmlformats.org/officeDocument/2006/relationships" xmlns:p="http://schemas.openxmlformats.org/presentationml/2006/main">
   <p:cSld>
     <p:spTree>
@@ -18862,7 +25920,7 @@
           <p:cNvPr id="3" name="Content Placeholder 2">
             <a:extLst>
               <a:ext uri="{FF2B5EF4-FFF2-40B4-BE49-F238E27FC236}">
-                <a16:creationId xmlns:a16="http://schemas.microsoft.com/office/drawing/2014/main" id="{45DF0A00-5D7C-4275-A70A-E2B462FF2E96}"/>
+                <a16:creationId xmlns:a16="http://schemas.microsoft.com/office/drawing/2014/main" xmlns="" id="{45DF0A00-5D7C-4275-A70A-E2B462FF2E96}"/>
               </a:ext>
             </a:extLst>
           </p:cNvPr>
@@ -20337,7 +27395,7 @@
           <p:cNvPr id="4" name="Title 1">
             <a:extLst>
               <a:ext uri="{FF2B5EF4-FFF2-40B4-BE49-F238E27FC236}">
-                <a16:creationId xmlns:a16="http://schemas.microsoft.com/office/drawing/2014/main" id="{A3B95D95-FFC1-4091-8EA3-31974BD12BC9}"/>
+                <a16:creationId xmlns:a16="http://schemas.microsoft.com/office/drawing/2014/main" xmlns="" id="{A3B95D95-FFC1-4091-8EA3-31974BD12BC9}"/>
               </a:ext>
             </a:extLst>
           </p:cNvPr>
@@ -20403,7 +27461,7 @@
 </p:sld>
 </file>
 
-<file path=ppt/slides/slide26.xml><?xml version="1.0" encoding="utf-8"?>
+<file path=ppt/slides/slide35.xml><?xml version="1.0" encoding="utf-8"?>
 <p:sld xmlns:a="http://schemas.openxmlformats.org/drawingml/2006/main" xmlns:r="http://schemas.openxmlformats.org/officeDocument/2006/relationships" xmlns:p="http://schemas.openxmlformats.org/presentationml/2006/main">
   <p:cSld>
     <p:spTree>
@@ -20425,7 +27483,7 @@
           <p:cNvPr id="6" name="Title 1">
             <a:extLst>
               <a:ext uri="{FF2B5EF4-FFF2-40B4-BE49-F238E27FC236}">
-                <a16:creationId xmlns:a16="http://schemas.microsoft.com/office/drawing/2014/main" id="{C96ACB6C-A975-4CE8-80C2-C010C680F05A}"/>
+                <a16:creationId xmlns:a16="http://schemas.microsoft.com/office/drawing/2014/main" xmlns="" id="{C96ACB6C-A975-4CE8-80C2-C010C680F05A}"/>
               </a:ext>
             </a:extLst>
           </p:cNvPr>
@@ -20483,7 +27541,7 @@
           <p:cNvPr id="9" name="Picture 8">
             <a:extLst>
               <a:ext uri="{FF2B5EF4-FFF2-40B4-BE49-F238E27FC236}">
-                <a16:creationId xmlns:a16="http://schemas.microsoft.com/office/drawing/2014/main" id="{05AEB741-FBA2-4FC1-A51D-C82859D47561}"/>
+                <a16:creationId xmlns:a16="http://schemas.microsoft.com/office/drawing/2014/main" xmlns="" id="{05AEB741-FBA2-4FC1-A51D-C82859D47561}"/>
               </a:ext>
             </a:extLst>
           </p:cNvPr>
@@ -20519,7 +27577,7 @@
           <p:cNvPr id="8" name="Content Placeholder 2">
             <a:extLst>
               <a:ext uri="{FF2B5EF4-FFF2-40B4-BE49-F238E27FC236}">
-                <a16:creationId xmlns:a16="http://schemas.microsoft.com/office/drawing/2014/main" id="{44490314-8A99-4B28-B654-6E55E6A6D23E}"/>
+                <a16:creationId xmlns:a16="http://schemas.microsoft.com/office/drawing/2014/main" xmlns="" id="{44490314-8A99-4B28-B654-6E55E6A6D23E}"/>
               </a:ext>
             </a:extLst>
           </p:cNvPr>
@@ -20867,7 +27925,7 @@
           <p:cNvPr id="10" name="Content Placeholder 2">
             <a:extLst>
               <a:ext uri="{FF2B5EF4-FFF2-40B4-BE49-F238E27FC236}">
-                <a16:creationId xmlns:a16="http://schemas.microsoft.com/office/drawing/2014/main" id="{0BF119C1-2AAB-4B87-8199-C232DBFEEA35}"/>
+                <a16:creationId xmlns:a16="http://schemas.microsoft.com/office/drawing/2014/main" xmlns="" id="{0BF119C1-2AAB-4B87-8199-C232DBFEEA35}"/>
               </a:ext>
             </a:extLst>
           </p:cNvPr>
@@ -21371,7 +28429,7 @@
 </p:sld>
 </file>
 
-<file path=ppt/slides/slide27.xml><?xml version="1.0" encoding="utf-8"?>
+<file path=ppt/slides/slide36.xml><?xml version="1.0" encoding="utf-8"?>
 <p:sld xmlns:a="http://schemas.openxmlformats.org/drawingml/2006/main" xmlns:r="http://schemas.openxmlformats.org/officeDocument/2006/relationships" xmlns:p="http://schemas.openxmlformats.org/presentationml/2006/main">
   <p:cSld>
     <p:spTree>
@@ -21393,7 +28451,7 @@
           <p:cNvPr id="5" name="Title 1">
             <a:extLst>
               <a:ext uri="{FF2B5EF4-FFF2-40B4-BE49-F238E27FC236}">
-                <a16:creationId xmlns:a16="http://schemas.microsoft.com/office/drawing/2014/main" id="{7C0B3CDD-A553-4D19-8E4F-FEFB8FF17CDF}"/>
+                <a16:creationId xmlns:a16="http://schemas.microsoft.com/office/drawing/2014/main" xmlns="" id="{7C0B3CDD-A553-4D19-8E4F-FEFB8FF17CDF}"/>
               </a:ext>
             </a:extLst>
           </p:cNvPr>
@@ -21451,7 +28509,7 @@
           <p:cNvPr id="6" name="Picture 5">
             <a:extLst>
               <a:ext uri="{FF2B5EF4-FFF2-40B4-BE49-F238E27FC236}">
-                <a16:creationId xmlns:a16="http://schemas.microsoft.com/office/drawing/2014/main" id="{19B9263D-826D-4126-891D-72215647B94C}"/>
+                <a16:creationId xmlns:a16="http://schemas.microsoft.com/office/drawing/2014/main" xmlns="" id="{19B9263D-826D-4126-891D-72215647B94C}"/>
               </a:ext>
             </a:extLst>
           </p:cNvPr>
@@ -21485,7 +28543,7 @@
           <p:cNvPr id="8" name="Picture 7">
             <a:extLst>
               <a:ext uri="{FF2B5EF4-FFF2-40B4-BE49-F238E27FC236}">
-                <a16:creationId xmlns:a16="http://schemas.microsoft.com/office/drawing/2014/main" id="{63F9D80F-8CDC-4C27-95BF-FCABFE09ADA7}"/>
+                <a16:creationId xmlns:a16="http://schemas.microsoft.com/office/drawing/2014/main" xmlns="" id="{63F9D80F-8CDC-4C27-95BF-FCABFE09ADA7}"/>
               </a:ext>
             </a:extLst>
           </p:cNvPr>
@@ -21519,7 +28577,7 @@
           <p:cNvPr id="9" name="Content Placeholder 2">
             <a:extLst>
               <a:ext uri="{FF2B5EF4-FFF2-40B4-BE49-F238E27FC236}">
-                <a16:creationId xmlns:a16="http://schemas.microsoft.com/office/drawing/2014/main" id="{9D64869F-5C6C-41BC-BD98-49B0C1048443}"/>
+                <a16:creationId xmlns:a16="http://schemas.microsoft.com/office/drawing/2014/main" xmlns="" id="{9D64869F-5C6C-41BC-BD98-49B0C1048443}"/>
               </a:ext>
             </a:extLst>
           </p:cNvPr>
@@ -21909,7 +28967,7 @@
           <p:cNvPr id="10" name="Content Placeholder 2">
             <a:extLst>
               <a:ext uri="{FF2B5EF4-FFF2-40B4-BE49-F238E27FC236}">
-                <a16:creationId xmlns:a16="http://schemas.microsoft.com/office/drawing/2014/main" id="{052F95BA-5020-4A38-8D5E-8B9D47562BA2}"/>
+                <a16:creationId xmlns:a16="http://schemas.microsoft.com/office/drawing/2014/main" xmlns="" id="{052F95BA-5020-4A38-8D5E-8B9D47562BA2}"/>
               </a:ext>
             </a:extLst>
           </p:cNvPr>
@@ -22319,7 +29377,7 @@
 </p:sld>
 </file>
 
-<file path=ppt/slides/slide28.xml><?xml version="1.0" encoding="utf-8"?>
+<file path=ppt/slides/slide37.xml><?xml version="1.0" encoding="utf-8"?>
 <p:sld xmlns:a="http://schemas.openxmlformats.org/drawingml/2006/main" xmlns:r="http://schemas.openxmlformats.org/officeDocument/2006/relationships" xmlns:p="http://schemas.openxmlformats.org/presentationml/2006/main">
   <p:cSld>
     <p:spTree>
@@ -22341,7 +29399,7 @@
           <p:cNvPr id="7" name="Title 1">
             <a:extLst>
               <a:ext uri="{FF2B5EF4-FFF2-40B4-BE49-F238E27FC236}">
-                <a16:creationId xmlns:a16="http://schemas.microsoft.com/office/drawing/2014/main" id="{6B314D18-4813-46F0-B2D9-6AD029E0A619}"/>
+                <a16:creationId xmlns:a16="http://schemas.microsoft.com/office/drawing/2014/main" xmlns="" id="{6B314D18-4813-46F0-B2D9-6AD029E0A619}"/>
               </a:ext>
             </a:extLst>
           </p:cNvPr>
@@ -22399,7 +29457,7 @@
           <p:cNvPr id="3" name="Picture 2">
             <a:extLst>
               <a:ext uri="{FF2B5EF4-FFF2-40B4-BE49-F238E27FC236}">
-                <a16:creationId xmlns:a16="http://schemas.microsoft.com/office/drawing/2014/main" id="{4E693A49-C170-4925-8358-570683F043D7}"/>
+                <a16:creationId xmlns:a16="http://schemas.microsoft.com/office/drawing/2014/main" xmlns="" id="{4E693A49-C170-4925-8358-570683F043D7}"/>
               </a:ext>
             </a:extLst>
           </p:cNvPr>
@@ -22435,7 +29493,7 @@
           <p:cNvPr id="11" name="Picture 10">
             <a:extLst>
               <a:ext uri="{FF2B5EF4-FFF2-40B4-BE49-F238E27FC236}">
-                <a16:creationId xmlns:a16="http://schemas.microsoft.com/office/drawing/2014/main" id="{57EB4BCD-54A5-4BF4-83CA-D96C25DF4ED4}"/>
+                <a16:creationId xmlns:a16="http://schemas.microsoft.com/office/drawing/2014/main" xmlns="" id="{57EB4BCD-54A5-4BF4-83CA-D96C25DF4ED4}"/>
               </a:ext>
             </a:extLst>
           </p:cNvPr>
@@ -22471,7 +29529,7 @@
           <p:cNvPr id="14" name="Content Placeholder 2">
             <a:extLst>
               <a:ext uri="{FF2B5EF4-FFF2-40B4-BE49-F238E27FC236}">
-                <a16:creationId xmlns:a16="http://schemas.microsoft.com/office/drawing/2014/main" id="{F689812C-143B-47DA-B286-7011C6DF2746}"/>
+                <a16:creationId xmlns:a16="http://schemas.microsoft.com/office/drawing/2014/main" xmlns="" id="{F689812C-143B-47DA-B286-7011C6DF2746}"/>
               </a:ext>
             </a:extLst>
           </p:cNvPr>
@@ -22518,7 +29576,7 @@
           <p:cNvPr id="15" name="Content Placeholder 2">
             <a:extLst>
               <a:ext uri="{FF2B5EF4-FFF2-40B4-BE49-F238E27FC236}">
-                <a16:creationId xmlns:a16="http://schemas.microsoft.com/office/drawing/2014/main" id="{6348E6B1-60FD-413E-89DF-15EAE7417152}"/>
+                <a16:creationId xmlns:a16="http://schemas.microsoft.com/office/drawing/2014/main" xmlns="" id="{6348E6B1-60FD-413E-89DF-15EAE7417152}"/>
               </a:ext>
             </a:extLst>
           </p:cNvPr>
@@ -22922,114 +29980,6 @@
 </p:sld>
 </file>
 
-<file path=ppt/slides/slide3.xml><?xml version="1.0" encoding="utf-8"?>
-<p:sld xmlns:a="http://schemas.openxmlformats.org/drawingml/2006/main" xmlns:r="http://schemas.openxmlformats.org/officeDocument/2006/relationships" xmlns:p="http://schemas.openxmlformats.org/presentationml/2006/main">
-  <p:cSld>
-    <p:spTree>
-      <p:nvGrpSpPr>
-        <p:cNvPr id="1" name=""/>
-        <p:cNvGrpSpPr/>
-        <p:nvPr/>
-      </p:nvGrpSpPr>
-      <p:grpSpPr>
-        <a:xfrm>
-          <a:off x="0" y="0"/>
-          <a:ext cx="0" cy="0"/>
-          <a:chOff x="0" y="0"/>
-          <a:chExt cx="0" cy="0"/>
-        </a:xfrm>
-      </p:grpSpPr>
-      <p:sp>
-        <p:nvSpPr>
-          <p:cNvPr id="2" name="Title 1">
-            <a:extLst>
-              <a:ext uri="{FF2B5EF4-FFF2-40B4-BE49-F238E27FC236}">
-                <a16:creationId xmlns:a16="http://schemas.microsoft.com/office/drawing/2014/main" id="{DCDE6074-9E5A-45C2-A679-F2A8D4000FE9}"/>
-              </a:ext>
-            </a:extLst>
-          </p:cNvPr>
-          <p:cNvSpPr>
-            <a:spLocks noGrp="1"/>
-          </p:cNvSpPr>
-          <p:nvPr>
-            <p:ph type="title"/>
-          </p:nvPr>
-        </p:nvSpPr>
-        <p:spPr>
-          <a:xfrm>
-            <a:off x="1572803" y="443679"/>
-            <a:ext cx="2763224" cy="951271"/>
-          </a:xfrm>
-        </p:spPr>
-        <p:txBody>
-          <a:bodyPr/>
-          <a:lstStyle/>
-          <a:p>
-            <a:pPr algn="l"/>
-            <a:r>
-              <a:rPr lang="en-US" b="1" dirty="0" err="1">
-                <a:solidFill>
-                  <a:srgbClr val="0000FF"/>
-                </a:solidFill>
-                <a:latin typeface="Times New Roman" panose="02020603050405020304" pitchFamily="18" charset="0"/>
-                <a:cs typeface="Times New Roman" panose="02020603050405020304" pitchFamily="18" charset="0"/>
-              </a:rPr>
-              <a:t>Nội</a:t>
-            </a:r>
-            <a:r>
-              <a:rPr lang="en-US" b="1" dirty="0">
-                <a:solidFill>
-                  <a:srgbClr val="0000FF"/>
-                </a:solidFill>
-                <a:latin typeface="Times New Roman" panose="02020603050405020304" pitchFamily="18" charset="0"/>
-                <a:cs typeface="Times New Roman" panose="02020603050405020304" pitchFamily="18" charset="0"/>
-              </a:rPr>
-              <a:t> dung</a:t>
-            </a:r>
-          </a:p>
-        </p:txBody>
-      </p:sp>
-      <p:graphicFrame>
-        <p:nvGraphicFramePr>
-          <p:cNvPr id="4" name="Diagram 3">
-            <a:extLst>
-              <a:ext uri="{FF2B5EF4-FFF2-40B4-BE49-F238E27FC236}">
-                <a16:creationId xmlns:a16="http://schemas.microsoft.com/office/drawing/2014/main" id="{B73E53B0-E32A-46B9-A985-8FAC34A22EB3}"/>
-              </a:ext>
-            </a:extLst>
-          </p:cNvPr>
-          <p:cNvGraphicFramePr/>
-          <p:nvPr>
-            <p:extLst>
-              <p:ext uri="{D42A27DB-BD31-4B8C-83A1-F6EECF244321}">
-                <p14:modId xmlns:p14="http://schemas.microsoft.com/office/powerpoint/2010/main" val="1605035400"/>
-              </p:ext>
-            </p:extLst>
-          </p:nvPr>
-        </p:nvGraphicFramePr>
-        <p:xfrm>
-          <a:off x="2031999" y="1640114"/>
-          <a:ext cx="9187543" cy="4601029"/>
-        </p:xfrm>
-        <a:graphic>
-          <a:graphicData uri="http://schemas.openxmlformats.org/drawingml/2006/diagram">
-            <dgm:relIds xmlns:dgm="http://schemas.openxmlformats.org/drawingml/2006/diagram" xmlns:r="http://schemas.openxmlformats.org/officeDocument/2006/relationships" r:dm="rId3" r:lo="rId4" r:qs="rId5" r:cs="rId6"/>
-          </a:graphicData>
-        </a:graphic>
-      </p:graphicFrame>
-    </p:spTree>
-    <p:extLst>
-      <p:ext uri="{BB962C8B-B14F-4D97-AF65-F5344CB8AC3E}">
-        <p14:creationId xmlns:p14="http://schemas.microsoft.com/office/powerpoint/2010/main" val="1760130702"/>
-      </p:ext>
-    </p:extLst>
-  </p:cSld>
-  <p:clrMapOvr>
-    <a:masterClrMapping/>
-  </p:clrMapOvr>
-</p:sld>
-</file>
-
 <file path=ppt/slides/slide4.xml><?xml version="1.0" encoding="utf-8"?>
 <p:sld xmlns:a="http://schemas.openxmlformats.org/drawingml/2006/main" xmlns:r="http://schemas.openxmlformats.org/officeDocument/2006/relationships" xmlns:p="http://schemas.openxmlformats.org/presentationml/2006/main">
   <p:cSld>
@@ -23052,7 +30002,7 @@
           <p:cNvPr id="2" name="Title 1">
             <a:extLst>
               <a:ext uri="{FF2B5EF4-FFF2-40B4-BE49-F238E27FC236}">
-                <a16:creationId xmlns:a16="http://schemas.microsoft.com/office/drawing/2014/main" id="{DCDE6074-9E5A-45C2-A679-F2A8D4000FE9}"/>
+                <a16:creationId xmlns:a16="http://schemas.microsoft.com/office/drawing/2014/main" xmlns="" id="{DCDE6074-9E5A-45C2-A679-F2A8D4000FE9}"/>
               </a:ext>
             </a:extLst>
           </p:cNvPr>
@@ -23161,7 +30111,7 @@
           <p:cNvPr id="3" name="Content Placeholder 2">
             <a:extLst>
               <a:ext uri="{FF2B5EF4-FFF2-40B4-BE49-F238E27FC236}">
-                <a16:creationId xmlns:a16="http://schemas.microsoft.com/office/drawing/2014/main" id="{F94A4AF2-B749-4F3D-9AC4-F9E4EA236747}"/>
+                <a16:creationId xmlns:a16="http://schemas.microsoft.com/office/drawing/2014/main" xmlns="" id="{F94A4AF2-B749-4F3D-9AC4-F9E4EA236747}"/>
               </a:ext>
             </a:extLst>
           </p:cNvPr>
@@ -24360,7 +31310,7 @@
           <p:cNvPr id="2" name="Title 1">
             <a:extLst>
               <a:ext uri="{FF2B5EF4-FFF2-40B4-BE49-F238E27FC236}">
-                <a16:creationId xmlns:a16="http://schemas.microsoft.com/office/drawing/2014/main" id="{66087C5C-B158-4DD8-BC70-CC5BE9FD067A}"/>
+                <a16:creationId xmlns:a16="http://schemas.microsoft.com/office/drawing/2014/main" xmlns="" id="{66087C5C-B158-4DD8-BC70-CC5BE9FD067A}"/>
               </a:ext>
             </a:extLst>
           </p:cNvPr>
@@ -24400,7 +31350,7 @@
           <p:cNvPr id="3" name="Content Placeholder 2">
             <a:extLst>
               <a:ext uri="{FF2B5EF4-FFF2-40B4-BE49-F238E27FC236}">
-                <a16:creationId xmlns:a16="http://schemas.microsoft.com/office/drawing/2014/main" id="{2181F6E7-23DC-4F0A-B2EE-014EF29CC373}"/>
+                <a16:creationId xmlns:a16="http://schemas.microsoft.com/office/drawing/2014/main" xmlns="" id="{2181F6E7-23DC-4F0A-B2EE-014EF29CC373}"/>
               </a:ext>
             </a:extLst>
           </p:cNvPr>
@@ -24641,7 +31591,7 @@
           <p:cNvPr id="2" name="Title 1">
             <a:extLst>
               <a:ext uri="{FF2B5EF4-FFF2-40B4-BE49-F238E27FC236}">
-                <a16:creationId xmlns:a16="http://schemas.microsoft.com/office/drawing/2014/main" id="{96FDB508-9710-454A-B982-041493308FE9}"/>
+                <a16:creationId xmlns:a16="http://schemas.microsoft.com/office/drawing/2014/main" xmlns="" id="{96FDB508-9710-454A-B982-041493308FE9}"/>
               </a:ext>
             </a:extLst>
           </p:cNvPr>
@@ -24681,7 +31631,7 @@
           <p:cNvPr id="3" name="Content Placeholder 2">
             <a:extLst>
               <a:ext uri="{FF2B5EF4-FFF2-40B4-BE49-F238E27FC236}">
-                <a16:creationId xmlns:a16="http://schemas.microsoft.com/office/drawing/2014/main" id="{54C26093-D17C-41D2-B1A3-7F696E6B41E7}"/>
+                <a16:creationId xmlns:a16="http://schemas.microsoft.com/office/drawing/2014/main" xmlns="" id="{54C26093-D17C-41D2-B1A3-7F696E6B41E7}"/>
               </a:ext>
             </a:extLst>
           </p:cNvPr>
@@ -24778,7 +31728,7 @@
           <p:cNvPr id="4" name="Picture 3" descr="A screenshot of a social media post&#10;&#10;Description generated with very high confidence">
             <a:extLst>
               <a:ext uri="{FF2B5EF4-FFF2-40B4-BE49-F238E27FC236}">
-                <a16:creationId xmlns:a16="http://schemas.microsoft.com/office/drawing/2014/main" id="{3714EA45-0EA7-4FE0-84FE-6294A25E2C48}"/>
+                <a16:creationId xmlns:a16="http://schemas.microsoft.com/office/drawing/2014/main" xmlns="" id="{3714EA45-0EA7-4FE0-84FE-6294A25E2C48}"/>
               </a:ext>
             </a:extLst>
           </p:cNvPr>
@@ -24838,7 +31788,7 @@
           <p:cNvPr id="2" name="Title 1">
             <a:extLst>
               <a:ext uri="{FF2B5EF4-FFF2-40B4-BE49-F238E27FC236}">
-                <a16:creationId xmlns:a16="http://schemas.microsoft.com/office/drawing/2014/main" id="{3320184A-853A-46BC-A5D5-0BA775050763}"/>
+                <a16:creationId xmlns:a16="http://schemas.microsoft.com/office/drawing/2014/main" xmlns="" id="{3320184A-853A-46BC-A5D5-0BA775050763}"/>
               </a:ext>
             </a:extLst>
           </p:cNvPr>
@@ -24917,7 +31867,7 @@
           <p:cNvPr id="3" name="Content Placeholder 2">
             <a:extLst>
               <a:ext uri="{FF2B5EF4-FFF2-40B4-BE49-F238E27FC236}">
-                <a16:creationId xmlns:a16="http://schemas.microsoft.com/office/drawing/2014/main" id="{B19C7083-1D02-477A-B7C0-251FB4CF8D56}"/>
+                <a16:creationId xmlns:a16="http://schemas.microsoft.com/office/drawing/2014/main" xmlns="" id="{B19C7083-1D02-477A-B7C0-251FB4CF8D56}"/>
               </a:ext>
             </a:extLst>
           </p:cNvPr>
@@ -24996,7 +31946,7 @@
           <p:cNvPr id="4" name="TextBox 3">
             <a:extLst>
               <a:ext uri="{FF2B5EF4-FFF2-40B4-BE49-F238E27FC236}">
-                <a16:creationId xmlns:a16="http://schemas.microsoft.com/office/drawing/2014/main" id="{62CCE3DC-5F37-4E4C-959F-B07501F2D377}"/>
+                <a16:creationId xmlns:a16="http://schemas.microsoft.com/office/drawing/2014/main" xmlns="" id="{62CCE3DC-5F37-4E4C-959F-B07501F2D377}"/>
               </a:ext>
             </a:extLst>
           </p:cNvPr>
@@ -25064,7 +32014,7 @@
           <p:cNvPr id="3" name="Content Placeholder 2">
             <a:extLst>
               <a:ext uri="{FF2B5EF4-FFF2-40B4-BE49-F238E27FC236}">
-                <a16:creationId xmlns:a16="http://schemas.microsoft.com/office/drawing/2014/main" id="{77CB0060-EA5E-40CD-87BE-643EDBDB86B0}"/>
+                <a16:creationId xmlns:a16="http://schemas.microsoft.com/office/drawing/2014/main" xmlns="" id="{77CB0060-EA5E-40CD-87BE-643EDBDB86B0}"/>
               </a:ext>
             </a:extLst>
           </p:cNvPr>
@@ -25744,7 +32694,7 @@
           <p:cNvPr id="4" name="Title 1">
             <a:extLst>
               <a:ext uri="{FF2B5EF4-FFF2-40B4-BE49-F238E27FC236}">
-                <a16:creationId xmlns:a16="http://schemas.microsoft.com/office/drawing/2014/main" id="{AF1CA3CF-B47B-4E45-BDAB-6D8E8590E04C}"/>
+                <a16:creationId xmlns:a16="http://schemas.microsoft.com/office/drawing/2014/main" xmlns="" id="{AF1CA3CF-B47B-4E45-BDAB-6D8E8590E04C}"/>
               </a:ext>
             </a:extLst>
           </p:cNvPr>
@@ -25809,7 +32759,7 @@
           <p:cNvPr id="3" name="Content Placeholder 2">
             <a:extLst>
               <a:ext uri="{FF2B5EF4-FFF2-40B4-BE49-F238E27FC236}">
-                <a16:creationId xmlns:a16="http://schemas.microsoft.com/office/drawing/2014/main" id="{77CB0060-EA5E-40CD-87BE-643EDBDB86B0}"/>
+                <a16:creationId xmlns:a16="http://schemas.microsoft.com/office/drawing/2014/main" xmlns="" id="{77CB0060-EA5E-40CD-87BE-643EDBDB86B0}"/>
               </a:ext>
             </a:extLst>
           </p:cNvPr>
@@ -26393,7 +33343,7 @@
           <p:cNvPr id="4" name="Title 1">
             <a:extLst>
               <a:ext uri="{FF2B5EF4-FFF2-40B4-BE49-F238E27FC236}">
-                <a16:creationId xmlns:a16="http://schemas.microsoft.com/office/drawing/2014/main" id="{AF1CA3CF-B47B-4E45-BDAB-6D8E8590E04C}"/>
+                <a16:creationId xmlns:a16="http://schemas.microsoft.com/office/drawing/2014/main" xmlns="" id="{AF1CA3CF-B47B-4E45-BDAB-6D8E8590E04C}"/>
               </a:ext>
             </a:extLst>
           </p:cNvPr>

--- a/Seminar/Stanford_CoreNLP.pptx
+++ b/Seminar/Stanford_CoreNLP.pptx
@@ -18172,11 +18172,18 @@
               <a:t>MaxentTagger</a:t>
             </a:r>
             <a:r>
-              <a:rPr lang="en-US" smtClean="0">
-                <a:latin typeface="Times New Roman" panose="02020603050405020304" pitchFamily="18" charset="0"/>
-                <a:cs typeface="Times New Roman" panose="02020603050405020304" pitchFamily="18" charset="0"/>
-              </a:rPr>
-              <a:t> với</a:t>
+              <a:rPr lang="en-US" dirty="0" smtClean="0">
+                <a:latin typeface="Times New Roman" panose="02020603050405020304" pitchFamily="18" charset="0"/>
+                <a:cs typeface="Times New Roman" panose="02020603050405020304" pitchFamily="18" charset="0"/>
+              </a:rPr>
+              <a:t> </a:t>
+            </a:r>
+            <a:r>
+              <a:rPr lang="en-US" dirty="0" err="1" smtClean="0">
+                <a:latin typeface="Times New Roman" panose="02020603050405020304" pitchFamily="18" charset="0"/>
+                <a:cs typeface="Times New Roman" panose="02020603050405020304" pitchFamily="18" charset="0"/>
+              </a:rPr>
+              <a:t>với</a:t>
             </a:r>
             <a:r>
               <a:rPr lang="en-US" dirty="0" smtClean="0">

--- a/Seminar/Stanford_CoreNLP.pptx
+++ b/Seminar/Stanford_CoreNLP.pptx
@@ -5,7 +5,7 @@
     <p:sldMasterId id="2147483660" r:id="rId1"/>
   </p:sldMasterIdLst>
   <p:notesMasterIdLst>
-    <p:notesMasterId r:id="rId39"/>
+    <p:notesMasterId r:id="rId41"/>
   </p:notesMasterIdLst>
   <p:sldIdLst>
     <p:sldId id="256" r:id="rId2"/>
@@ -38,13 +38,15 @@
     <p:sldId id="285" r:id="rId29"/>
     <p:sldId id="286" r:id="rId30"/>
     <p:sldId id="287" r:id="rId31"/>
-    <p:sldId id="275" r:id="rId32"/>
-    <p:sldId id="276" r:id="rId33"/>
-    <p:sldId id="277" r:id="rId34"/>
-    <p:sldId id="278" r:id="rId35"/>
-    <p:sldId id="279" r:id="rId36"/>
-    <p:sldId id="280" r:id="rId37"/>
-    <p:sldId id="281" r:id="rId38"/>
+    <p:sldId id="300" r:id="rId32"/>
+    <p:sldId id="301" r:id="rId33"/>
+    <p:sldId id="275" r:id="rId34"/>
+    <p:sldId id="276" r:id="rId35"/>
+    <p:sldId id="277" r:id="rId36"/>
+    <p:sldId id="278" r:id="rId37"/>
+    <p:sldId id="279" r:id="rId38"/>
+    <p:sldId id="280" r:id="rId39"/>
+    <p:sldId id="281" r:id="rId40"/>
   </p:sldIdLst>
   <p:sldSz cx="12192000" cy="6858000"/>
   <p:notesSz cx="6858000" cy="9144000"/>
@@ -152,10 +154,6 @@
     </p:ext>
   </p:extLst>
 </p:presentation>
-</file>
-
-<file path=ppt/revisionInfo.xml><?xml version="1.0" encoding="utf-8"?>
-<p1510:revInfo xmlns:a="http://schemas.openxmlformats.org/drawingml/2006/main" xmlns:r="http://schemas.openxmlformats.org/officeDocument/2006/relationships" xmlns:p1510="http://schemas.microsoft.com/office/powerpoint/2015/10/main"/>
 </file>
 
 <file path=ppt/diagrams/colors1.xml><?xml version="1.0" encoding="utf-8"?>
@@ -1376,13 +1374,6 @@
         </dgm:presLayoutVars>
       </dgm:prSet>
       <dgm:spPr/>
-      <dgm:t>
-        <a:bodyPr/>
-        <a:lstStyle/>
-        <a:p>
-          <a:endParaRPr lang="en-US"/>
-        </a:p>
-      </dgm:t>
     </dgm:pt>
     <dgm:pt modelId="{BD6F99BE-639D-4AD7-A35A-BA247FB9B8EA}" type="pres">
       <dgm:prSet presAssocID="{1062D434-FD21-4024-A00A-F09F77E26E2A}" presName="parentText" presStyleLbl="node1" presStyleIdx="0" presStyleCnt="2">
@@ -1392,13 +1383,6 @@
         </dgm:presLayoutVars>
       </dgm:prSet>
       <dgm:spPr/>
-      <dgm:t>
-        <a:bodyPr/>
-        <a:lstStyle/>
-        <a:p>
-          <a:endParaRPr lang="en-US"/>
-        </a:p>
-      </dgm:t>
     </dgm:pt>
     <dgm:pt modelId="{8C09DAC4-6B0D-478C-A58C-7E8BD393A1D0}" type="pres">
       <dgm:prSet presAssocID="{6B7137D4-F18E-4AAB-BA22-2340DB292175}" presName="spacer" presStyleCnt="0"/>
@@ -1412,13 +1396,6 @@
         </dgm:presLayoutVars>
       </dgm:prSet>
       <dgm:spPr/>
-      <dgm:t>
-        <a:bodyPr/>
-        <a:lstStyle/>
-        <a:p>
-          <a:endParaRPr lang="en-US"/>
-        </a:p>
-      </dgm:t>
     </dgm:pt>
     <dgm:pt modelId="{7ECBE9F7-2ECC-4F57-BC9E-5D6A45EAB17A}" type="pres">
       <dgm:prSet presAssocID="{4667FDAC-0756-475F-A979-CC434EB14F94}" presName="childText" presStyleLbl="revTx" presStyleIdx="0" presStyleCnt="1">
@@ -1427,30 +1404,23 @@
         </dgm:presLayoutVars>
       </dgm:prSet>
       <dgm:spPr/>
-      <dgm:t>
-        <a:bodyPr/>
-        <a:lstStyle/>
-        <a:p>
-          <a:endParaRPr lang="en-US"/>
-        </a:p>
-      </dgm:t>
     </dgm:pt>
   </dgm:ptLst>
   <dgm:cxnLst>
+    <dgm:cxn modelId="{32BC9F00-BBBD-4B64-B8BF-8B98AE8FD68C}" srcId="{4667FDAC-0756-475F-A979-CC434EB14F94}" destId="{B9683ADE-51CB-4BC1-9A3A-BE274282F963}" srcOrd="4" destOrd="0" parTransId="{05C23253-FB13-4F2D-80EC-7B08EB17A8E5}" sibTransId="{252AFAAB-7E52-496E-8EE9-09C0535B382C}"/>
+    <dgm:cxn modelId="{9A604406-136E-476D-AB14-56F73DC70261}" srcId="{4667FDAC-0756-475F-A979-CC434EB14F94}" destId="{2159B9D9-B6BC-48D5-88E9-68CFB6B8ECE3}" srcOrd="2" destOrd="0" parTransId="{5F00B5B1-3279-43EF-B470-4021F530D3FC}" sibTransId="{2A8EA90C-3F81-46BB-8AA2-FEADE9AB026F}"/>
+    <dgm:cxn modelId="{D4329D49-47E0-43D1-B50A-277F67EA0A4F}" srcId="{4667FDAC-0756-475F-A979-CC434EB14F94}" destId="{2349D537-3D73-46A2-BE5D-06FD99FF5D23}" srcOrd="3" destOrd="0" parTransId="{D22666A6-DDF1-46D3-AC3F-F5E2CFD4C13D}" sibTransId="{D0FBB0C1-BCF4-4E01-A07F-ACEA5115DC09}"/>
+    <dgm:cxn modelId="{B76B456E-939F-4A78-9A90-186563505147}" type="presOf" srcId="{B9683ADE-51CB-4BC1-9A3A-BE274282F963}" destId="{7ECBE9F7-2ECC-4F57-BC9E-5D6A45EAB17A}" srcOrd="0" destOrd="4" presId="urn:microsoft.com/office/officeart/2005/8/layout/vList2"/>
     <dgm:cxn modelId="{8F1F1A54-8761-4F73-BD1A-25D70D984C47}" type="presOf" srcId="{17C67EE0-DB73-4A57-A340-E5143F29C601}" destId="{52DCF57B-F921-4F34-BB51-8EA86DE81EE5}" srcOrd="0" destOrd="0" presId="urn:microsoft.com/office/officeart/2005/8/layout/vList2"/>
-    <dgm:cxn modelId="{B76B456E-939F-4A78-9A90-186563505147}" type="presOf" srcId="{B9683ADE-51CB-4BC1-9A3A-BE274282F963}" destId="{7ECBE9F7-2ECC-4F57-BC9E-5D6A45EAB17A}" srcOrd="0" destOrd="4" presId="urn:microsoft.com/office/officeart/2005/8/layout/vList2"/>
-    <dgm:cxn modelId="{9A604406-136E-476D-AB14-56F73DC70261}" srcId="{4667FDAC-0756-475F-A979-CC434EB14F94}" destId="{2159B9D9-B6BC-48D5-88E9-68CFB6B8ECE3}" srcOrd="2" destOrd="0" parTransId="{5F00B5B1-3279-43EF-B470-4021F530D3FC}" sibTransId="{2A8EA90C-3F81-46BB-8AA2-FEADE9AB026F}"/>
+    <dgm:cxn modelId="{235D6079-736E-4BF0-92FF-42DC4B32ECB8}" type="presOf" srcId="{36498E60-BBD7-4129-ABD7-BF474CD4B00B}" destId="{7ECBE9F7-2ECC-4F57-BC9E-5D6A45EAB17A}" srcOrd="0" destOrd="0" presId="urn:microsoft.com/office/officeart/2005/8/layout/vList2"/>
+    <dgm:cxn modelId="{ABF5C17A-AB51-4E6B-8BCC-F1565282BE46}" type="presOf" srcId="{487AB114-347D-4FF0-A347-45D12B94FC14}" destId="{7ECBE9F7-2ECC-4F57-BC9E-5D6A45EAB17A}" srcOrd="0" destOrd="1" presId="urn:microsoft.com/office/officeart/2005/8/layout/vList2"/>
+    <dgm:cxn modelId="{3CAE2F9D-340D-4D4C-80C0-247C2F39C49C}" type="presOf" srcId="{2349D537-3D73-46A2-BE5D-06FD99FF5D23}" destId="{7ECBE9F7-2ECC-4F57-BC9E-5D6A45EAB17A}" srcOrd="0" destOrd="3" presId="urn:microsoft.com/office/officeart/2005/8/layout/vList2"/>
+    <dgm:cxn modelId="{0677B0AB-E1F2-49C7-9788-FF7B736BD84F}" type="presOf" srcId="{1062D434-FD21-4024-A00A-F09F77E26E2A}" destId="{BD6F99BE-639D-4AD7-A35A-BA247FB9B8EA}" srcOrd="0" destOrd="0" presId="urn:microsoft.com/office/officeart/2005/8/layout/vList2"/>
+    <dgm:cxn modelId="{E005D8AE-FBA9-4DCD-98B7-88CB4A0632B3}" srcId="{4667FDAC-0756-475F-A979-CC434EB14F94}" destId="{36498E60-BBD7-4129-ABD7-BF474CD4B00B}" srcOrd="0" destOrd="0" parTransId="{93353577-B8D8-4B9D-8759-0E95CDBEAFD4}" sibTransId="{14DD8FFD-371F-428C-ADB2-DEC35D5C74DE}"/>
     <dgm:cxn modelId="{F4DC01B9-FB5F-49AF-B7CA-6A12135C8B2F}" srcId="{17C67EE0-DB73-4A57-A340-E5143F29C601}" destId="{4667FDAC-0756-475F-A979-CC434EB14F94}" srcOrd="1" destOrd="0" parTransId="{08CCA7B2-06EC-4A4B-9137-33D5D87960B5}" sibTransId="{18B8EA86-D5BC-4BF0-94C4-DC6A2921D373}"/>
-    <dgm:cxn modelId="{3CAE2F9D-340D-4D4C-80C0-247C2F39C49C}" type="presOf" srcId="{2349D537-3D73-46A2-BE5D-06FD99FF5D23}" destId="{7ECBE9F7-2ECC-4F57-BC9E-5D6A45EAB17A}" srcOrd="0" destOrd="3" presId="urn:microsoft.com/office/officeart/2005/8/layout/vList2"/>
-    <dgm:cxn modelId="{235D6079-736E-4BF0-92FF-42DC4B32ECB8}" type="presOf" srcId="{36498E60-BBD7-4129-ABD7-BF474CD4B00B}" destId="{7ECBE9F7-2ECC-4F57-BC9E-5D6A45EAB17A}" srcOrd="0" destOrd="0" presId="urn:microsoft.com/office/officeart/2005/8/layout/vList2"/>
+    <dgm:cxn modelId="{B9300FB9-24D2-4E0A-A1B0-F99D36BDD716}" srcId="{17C67EE0-DB73-4A57-A340-E5143F29C601}" destId="{1062D434-FD21-4024-A00A-F09F77E26E2A}" srcOrd="0" destOrd="0" parTransId="{83EF1B3F-8B5E-4CE9-82FD-5619D4429045}" sibTransId="{6B7137D4-F18E-4AAB-BA22-2340DB292175}"/>
     <dgm:cxn modelId="{DEBF60C1-F90E-4EAA-9303-0FEF4E19C083}" srcId="{4667FDAC-0756-475F-A979-CC434EB14F94}" destId="{487AB114-347D-4FF0-A347-45D12B94FC14}" srcOrd="1" destOrd="0" parTransId="{BFBD223E-095F-4591-8332-31704BE389C6}" sibTransId="{942D1FF3-FE3B-45C6-BC46-C7A16D21A017}"/>
     <dgm:cxn modelId="{E6272BCB-BB46-4CBE-8E3A-E50DEB5A5C70}" type="presOf" srcId="{2159B9D9-B6BC-48D5-88E9-68CFB6B8ECE3}" destId="{7ECBE9F7-2ECC-4F57-BC9E-5D6A45EAB17A}" srcOrd="0" destOrd="2" presId="urn:microsoft.com/office/officeart/2005/8/layout/vList2"/>
-    <dgm:cxn modelId="{D4329D49-47E0-43D1-B50A-277F67EA0A4F}" srcId="{4667FDAC-0756-475F-A979-CC434EB14F94}" destId="{2349D537-3D73-46A2-BE5D-06FD99FF5D23}" srcOrd="3" destOrd="0" parTransId="{D22666A6-DDF1-46D3-AC3F-F5E2CFD4C13D}" sibTransId="{D0FBB0C1-BCF4-4E01-A07F-ACEA5115DC09}"/>
-    <dgm:cxn modelId="{B9300FB9-24D2-4E0A-A1B0-F99D36BDD716}" srcId="{17C67EE0-DB73-4A57-A340-E5143F29C601}" destId="{1062D434-FD21-4024-A00A-F09F77E26E2A}" srcOrd="0" destOrd="0" parTransId="{83EF1B3F-8B5E-4CE9-82FD-5619D4429045}" sibTransId="{6B7137D4-F18E-4AAB-BA22-2340DB292175}"/>
-    <dgm:cxn modelId="{0677B0AB-E1F2-49C7-9788-FF7B736BD84F}" type="presOf" srcId="{1062D434-FD21-4024-A00A-F09F77E26E2A}" destId="{BD6F99BE-639D-4AD7-A35A-BA247FB9B8EA}" srcOrd="0" destOrd="0" presId="urn:microsoft.com/office/officeart/2005/8/layout/vList2"/>
-    <dgm:cxn modelId="{32BC9F00-BBBD-4B64-B8BF-8B98AE8FD68C}" srcId="{4667FDAC-0756-475F-A979-CC434EB14F94}" destId="{B9683ADE-51CB-4BC1-9A3A-BE274282F963}" srcOrd="4" destOrd="0" parTransId="{05C23253-FB13-4F2D-80EC-7B08EB17A8E5}" sibTransId="{252AFAAB-7E52-496E-8EE9-09C0535B382C}"/>
-    <dgm:cxn modelId="{E005D8AE-FBA9-4DCD-98B7-88CB4A0632B3}" srcId="{4667FDAC-0756-475F-A979-CC434EB14F94}" destId="{36498E60-BBD7-4129-ABD7-BF474CD4B00B}" srcOrd="0" destOrd="0" parTransId="{93353577-B8D8-4B9D-8759-0E95CDBEAFD4}" sibTransId="{14DD8FFD-371F-428C-ADB2-DEC35D5C74DE}"/>
-    <dgm:cxn modelId="{ABF5C17A-AB51-4E6B-8BCC-F1565282BE46}" type="presOf" srcId="{487AB114-347D-4FF0-A347-45D12B94FC14}" destId="{7ECBE9F7-2ECC-4F57-BC9E-5D6A45EAB17A}" srcOrd="0" destOrd="1" presId="urn:microsoft.com/office/officeart/2005/8/layout/vList2"/>
     <dgm:cxn modelId="{414B11F7-9C65-414D-912E-26184994731E}" type="presOf" srcId="{4667FDAC-0756-475F-A979-CC434EB14F94}" destId="{2BDB51C8-987F-4802-A627-3B964BB8807F}" srcOrd="0" destOrd="0" presId="urn:microsoft.com/office/officeart/2005/8/layout/vList2"/>
     <dgm:cxn modelId="{9BD1C03A-A756-45F5-AABF-26B75D3195EE}" type="presParOf" srcId="{52DCF57B-F921-4F34-BB51-8EA86DE81EE5}" destId="{BD6F99BE-639D-4AD7-A35A-BA247FB9B8EA}" srcOrd="0" destOrd="0" presId="urn:microsoft.com/office/officeart/2005/8/layout/vList2"/>
     <dgm:cxn modelId="{6D70FDC2-9E3A-4FA9-B00B-B48E1562BBCD}" type="presParOf" srcId="{52DCF57B-F921-4F34-BB51-8EA86DE81EE5}" destId="{8C09DAC4-6B0D-478C-A58C-7E8BD393A1D0}" srcOrd="1" destOrd="0" presId="urn:microsoft.com/office/officeart/2005/8/layout/vList2"/>
@@ -1529,7 +1499,7 @@
         </a:bodyPr>
         <a:lstStyle/>
         <a:p>
-          <a:pPr lvl="0" algn="l" defTabSz="1333500">
+          <a:pPr marL="0" lvl="0" indent="0" algn="l" defTabSz="1333500">
             <a:lnSpc>
               <a:spcPct val="90000"/>
             </a:lnSpc>
@@ -1539,6 +1509,7 @@
             <a:spcAft>
               <a:spcPct val="35000"/>
             </a:spcAft>
+            <a:buNone/>
           </a:pPr>
           <a:r>
             <a:rPr lang="en-US" sz="3000" kern="1200" dirty="0" err="1">
@@ -1654,7 +1625,7 @@
         </a:bodyPr>
         <a:lstStyle/>
         <a:p>
-          <a:pPr lvl="0" algn="l" defTabSz="1333500">
+          <a:pPr marL="0" lvl="0" indent="0" algn="l" defTabSz="1333500">
             <a:lnSpc>
               <a:spcPct val="90000"/>
             </a:lnSpc>
@@ -1664,6 +1635,7 @@
             <a:spcAft>
               <a:spcPct val="35000"/>
             </a:spcAft>
+            <a:buNone/>
           </a:pPr>
           <a:r>
             <a:rPr lang="en-US" sz="3000" kern="1200" dirty="0" err="1">
@@ -1814,7 +1786,7 @@
             <a:spcAft>
               <a:spcPct val="20000"/>
             </a:spcAft>
-            <a:buChar char="••"/>
+            <a:buChar char="•"/>
           </a:pPr>
           <a:r>
             <a:rPr lang="en-US" sz="2600" kern="1200" dirty="0">
@@ -1835,7 +1807,7 @@
             <a:spcAft>
               <a:spcPct val="20000"/>
             </a:spcAft>
-            <a:buChar char="••"/>
+            <a:buChar char="•"/>
           </a:pPr>
           <a:r>
             <a:rPr lang="en-US" sz="2600" kern="1200" dirty="0">
@@ -1856,7 +1828,7 @@
             <a:spcAft>
               <a:spcPct val="20000"/>
             </a:spcAft>
-            <a:buChar char="••"/>
+            <a:buChar char="•"/>
           </a:pPr>
           <a:r>
             <a:rPr lang="en-US" sz="2600" kern="1200" dirty="0">
@@ -1877,7 +1849,7 @@
             <a:spcAft>
               <a:spcPct val="20000"/>
             </a:spcAft>
-            <a:buChar char="••"/>
+            <a:buChar char="•"/>
           </a:pPr>
           <a:r>
             <a:rPr lang="en-US" sz="2600" kern="1200" dirty="0">
@@ -1898,7 +1870,7 @@
             <a:spcAft>
               <a:spcPct val="20000"/>
             </a:spcAft>
-            <a:buChar char="••"/>
+            <a:buChar char="•"/>
           </a:pPr>
           <a:r>
             <a:rPr lang="en-US" sz="2600" kern="1200" dirty="0">
@@ -3617,7 +3589,7 @@
           <a:p>
             <a:fld id="{415931D0-8F45-45FA-A05E-D11DF5C9AD02}" type="slidenum">
               <a:rPr lang="en-US" smtClean="0"/>
-              <a:t>34</a:t>
+              <a:t>36</a:t>
             </a:fld>
             <a:endParaRPr lang="en-US"/>
           </a:p>
@@ -10338,7 +10310,7 @@
           <p:cNvPr id="2" name="Title 1">
             <a:extLst>
               <a:ext uri="{FF2B5EF4-FFF2-40B4-BE49-F238E27FC236}">
-                <a16:creationId xmlns:a16="http://schemas.microsoft.com/office/drawing/2014/main" xmlns="" id="{044B5441-67EC-40AC-967C-343EA796A97F}"/>
+                <a16:creationId xmlns:a16="http://schemas.microsoft.com/office/drawing/2014/main" id="{044B5441-67EC-40AC-967C-343EA796A97F}"/>
               </a:ext>
             </a:extLst>
           </p:cNvPr>
@@ -10400,7 +10372,7 @@
           <p:cNvPr id="5" name="TextBox 4">
             <a:extLst>
               <a:ext uri="{FF2B5EF4-FFF2-40B4-BE49-F238E27FC236}">
-                <a16:creationId xmlns:a16="http://schemas.microsoft.com/office/drawing/2014/main" xmlns="" id="{808FEB2B-6212-481C-9ECA-D8E2EF66018F}"/>
+                <a16:creationId xmlns:a16="http://schemas.microsoft.com/office/drawing/2014/main" id="{808FEB2B-6212-481C-9ECA-D8E2EF66018F}"/>
               </a:ext>
             </a:extLst>
           </p:cNvPr>
@@ -10468,7 +10440,7 @@
           <p:cNvPr id="3" name="Content Placeholder 2">
             <a:extLst>
               <a:ext uri="{FF2B5EF4-FFF2-40B4-BE49-F238E27FC236}">
-                <a16:creationId xmlns:a16="http://schemas.microsoft.com/office/drawing/2014/main" xmlns="" id="{46319F7C-AEAD-471F-947F-60F56F29266F}"/>
+                <a16:creationId xmlns:a16="http://schemas.microsoft.com/office/drawing/2014/main" id="{46319F7C-AEAD-471F-947F-60F56F29266F}"/>
               </a:ext>
             </a:extLst>
           </p:cNvPr>
@@ -11362,7 +11334,7 @@
           <p:cNvPr id="4" name="Title 1">
             <a:extLst>
               <a:ext uri="{FF2B5EF4-FFF2-40B4-BE49-F238E27FC236}">
-                <a16:creationId xmlns:a16="http://schemas.microsoft.com/office/drawing/2014/main" xmlns="" id="{01A58B5A-1ACB-486F-A6E0-8F446AC6748B}"/>
+                <a16:creationId xmlns:a16="http://schemas.microsoft.com/office/drawing/2014/main" id="{01A58B5A-1ACB-486F-A6E0-8F446AC6748B}"/>
               </a:ext>
             </a:extLst>
           </p:cNvPr>
@@ -11432,7 +11404,7 @@
           <p:cNvPr id="3" name="Content Placeholder 2">
             <a:extLst>
               <a:ext uri="{FF2B5EF4-FFF2-40B4-BE49-F238E27FC236}">
-                <a16:creationId xmlns:a16="http://schemas.microsoft.com/office/drawing/2014/main" xmlns="" id="{5C85A5BA-7BED-4930-8B2C-A643527BD467}"/>
+                <a16:creationId xmlns:a16="http://schemas.microsoft.com/office/drawing/2014/main" id="{5C85A5BA-7BED-4930-8B2C-A643527BD467}"/>
               </a:ext>
             </a:extLst>
           </p:cNvPr>
@@ -11761,7 +11733,7 @@
           <p:cNvPr id="4" name="Title 1">
             <a:extLst>
               <a:ext uri="{FF2B5EF4-FFF2-40B4-BE49-F238E27FC236}">
-                <a16:creationId xmlns:a16="http://schemas.microsoft.com/office/drawing/2014/main" xmlns="" id="{37FD9831-7629-4B16-9A02-900B2E49212C}"/>
+                <a16:creationId xmlns:a16="http://schemas.microsoft.com/office/drawing/2014/main" id="{37FD9831-7629-4B16-9A02-900B2E49212C}"/>
               </a:ext>
             </a:extLst>
           </p:cNvPr>
@@ -11838,7 +11810,7 @@
           <p:cNvPr id="6" name="Picture 5">
             <a:extLst>
               <a:ext uri="{FF2B5EF4-FFF2-40B4-BE49-F238E27FC236}">
-                <a16:creationId xmlns:a16="http://schemas.microsoft.com/office/drawing/2014/main" xmlns="" id="{AD36B0C7-F61A-43EF-AB1A-3AB1387AB815}"/>
+                <a16:creationId xmlns:a16="http://schemas.microsoft.com/office/drawing/2014/main" id="{AD36B0C7-F61A-43EF-AB1A-3AB1387AB815}"/>
               </a:ext>
             </a:extLst>
           </p:cNvPr>
@@ -11868,7 +11840,7 @@
           <p:cNvPr id="7" name="Picture 6">
             <a:extLst>
               <a:ext uri="{FF2B5EF4-FFF2-40B4-BE49-F238E27FC236}">
-                <a16:creationId xmlns:a16="http://schemas.microsoft.com/office/drawing/2014/main" xmlns="" id="{665C67BF-F6C8-4869-916A-359C99F723FD}"/>
+                <a16:creationId xmlns:a16="http://schemas.microsoft.com/office/drawing/2014/main" id="{665C67BF-F6C8-4869-916A-359C99F723FD}"/>
               </a:ext>
             </a:extLst>
           </p:cNvPr>
@@ -11928,7 +11900,7 @@
           <p:cNvPr id="3" name="Content Placeholder 2">
             <a:extLst>
               <a:ext uri="{FF2B5EF4-FFF2-40B4-BE49-F238E27FC236}">
-                <a16:creationId xmlns:a16="http://schemas.microsoft.com/office/drawing/2014/main" xmlns="" id="{5C85A5BA-7BED-4930-8B2C-A643527BD467}"/>
+                <a16:creationId xmlns:a16="http://schemas.microsoft.com/office/drawing/2014/main" id="{5C85A5BA-7BED-4930-8B2C-A643527BD467}"/>
               </a:ext>
             </a:extLst>
           </p:cNvPr>
@@ -12123,7 +12095,7 @@
           <p:cNvPr id="4" name="Title 1">
             <a:extLst>
               <a:ext uri="{FF2B5EF4-FFF2-40B4-BE49-F238E27FC236}">
-                <a16:creationId xmlns:a16="http://schemas.microsoft.com/office/drawing/2014/main" xmlns="" id="{37FD9831-7629-4B16-9A02-900B2E49212C}"/>
+                <a16:creationId xmlns:a16="http://schemas.microsoft.com/office/drawing/2014/main" id="{37FD9831-7629-4B16-9A02-900B2E49212C}"/>
               </a:ext>
             </a:extLst>
           </p:cNvPr>
@@ -12200,7 +12172,7 @@
           <p:cNvPr id="8" name="Picture 7">
             <a:extLst>
               <a:ext uri="{FF2B5EF4-FFF2-40B4-BE49-F238E27FC236}">
-                <a16:creationId xmlns:a16="http://schemas.microsoft.com/office/drawing/2014/main" xmlns="" id="{CAE7F65E-21DD-4FB9-B834-923C3FB75659}"/>
+                <a16:creationId xmlns:a16="http://schemas.microsoft.com/office/drawing/2014/main" id="{CAE7F65E-21DD-4FB9-B834-923C3FB75659}"/>
               </a:ext>
             </a:extLst>
           </p:cNvPr>
@@ -12230,7 +12202,7 @@
           <p:cNvPr id="5" name="Picture 4">
             <a:extLst>
               <a:ext uri="{FF2B5EF4-FFF2-40B4-BE49-F238E27FC236}">
-                <a16:creationId xmlns:a16="http://schemas.microsoft.com/office/drawing/2014/main" xmlns="" id="{55484F90-24E8-4E4E-9170-23992AFD2A74}"/>
+                <a16:creationId xmlns:a16="http://schemas.microsoft.com/office/drawing/2014/main" id="{55484F90-24E8-4E4E-9170-23992AFD2A74}"/>
               </a:ext>
             </a:extLst>
           </p:cNvPr>
@@ -12307,7 +12279,7 @@
           <a:p>
             <a:pPr algn="l"/>
             <a:r>
-              <a:rPr lang="en-US" b="1" dirty="0" err="1" smtClean="0">
+              <a:rPr lang="en-US" b="1" dirty="0" err="1">
                 <a:solidFill>
                   <a:srgbClr val="0000FF"/>
                 </a:solidFill>
@@ -12315,7 +12287,7 @@
               <a:t>Gán</a:t>
             </a:r>
             <a:r>
-              <a:rPr lang="en-US" b="1" dirty="0" smtClean="0">
+              <a:rPr lang="en-US" b="1" dirty="0">
                 <a:solidFill>
                   <a:srgbClr val="0000FF"/>
                 </a:solidFill>
@@ -12323,7 +12295,7 @@
               <a:t> </a:t>
             </a:r>
             <a:r>
-              <a:rPr lang="en-US" b="1" dirty="0" err="1" smtClean="0">
+              <a:rPr lang="en-US" b="1" dirty="0" err="1">
                 <a:solidFill>
                   <a:srgbClr val="0000FF"/>
                 </a:solidFill>
@@ -12331,7 +12303,7 @@
               <a:t>nhãn</a:t>
             </a:r>
             <a:r>
-              <a:rPr lang="en-US" b="1" dirty="0" smtClean="0">
+              <a:rPr lang="en-US" b="1" dirty="0">
                 <a:solidFill>
                   <a:srgbClr val="0000FF"/>
                 </a:solidFill>
@@ -12339,7 +12311,7 @@
               <a:t> </a:t>
             </a:r>
             <a:r>
-              <a:rPr lang="en-US" b="1" dirty="0" err="1" smtClean="0">
+              <a:rPr lang="en-US" b="1" dirty="0" err="1">
                 <a:solidFill>
                   <a:srgbClr val="0000FF"/>
                 </a:solidFill>
@@ -12347,7 +12319,7 @@
               <a:t>từ</a:t>
             </a:r>
             <a:r>
-              <a:rPr lang="en-US" b="1" dirty="0" smtClean="0">
+              <a:rPr lang="en-US" b="1" dirty="0">
                 <a:solidFill>
                   <a:srgbClr val="0000FF"/>
                 </a:solidFill>
@@ -12355,7 +12327,7 @@
               <a:t> </a:t>
             </a:r>
             <a:r>
-              <a:rPr lang="en-US" b="1" dirty="0" err="1" smtClean="0">
+              <a:rPr lang="en-US" b="1" dirty="0" err="1">
                 <a:solidFill>
                   <a:srgbClr val="0000FF"/>
                 </a:solidFill>
@@ -12363,18 +12335,13 @@
               <a:t>loại</a:t>
             </a:r>
             <a:r>
-              <a:rPr lang="en-US" b="1" dirty="0" smtClean="0">
+              <a:rPr lang="en-US" b="1" dirty="0">
                 <a:solidFill>
                   <a:srgbClr val="0000FF"/>
                 </a:solidFill>
               </a:rPr>
               <a:t> (Part of speech Tagging)</a:t>
             </a:r>
-            <a:endParaRPr lang="en-US" b="1" dirty="0">
-              <a:solidFill>
-                <a:srgbClr val="0000FF"/>
-              </a:solidFill>
-            </a:endParaRPr>
           </a:p>
         </p:txBody>
       </p:sp>
@@ -12399,294 +12366,294 @@
           <a:lstStyle/>
           <a:p>
             <a:r>
-              <a:rPr lang="en-US" dirty="0" err="1" smtClean="0">
+              <a:rPr lang="en-US" dirty="0" err="1">
                 <a:latin typeface="Times New Roman" panose="02020603050405020304" pitchFamily="18" charset="0"/>
                 <a:cs typeface="Times New Roman" panose="02020603050405020304" pitchFamily="18" charset="0"/>
               </a:rPr>
               <a:t>Là</a:t>
             </a:r>
             <a:r>
-              <a:rPr lang="en-US" dirty="0" smtClean="0">
-                <a:latin typeface="Times New Roman" panose="02020603050405020304" pitchFamily="18" charset="0"/>
-                <a:cs typeface="Times New Roman" panose="02020603050405020304" pitchFamily="18" charset="0"/>
-              </a:rPr>
-              <a:t> </a:t>
-            </a:r>
-            <a:r>
-              <a:rPr lang="en-US" dirty="0" err="1" smtClean="0">
+              <a:rPr lang="en-US" dirty="0">
+                <a:latin typeface="Times New Roman" panose="02020603050405020304" pitchFamily="18" charset="0"/>
+                <a:cs typeface="Times New Roman" panose="02020603050405020304" pitchFamily="18" charset="0"/>
+              </a:rPr>
+              <a:t> </a:t>
+            </a:r>
+            <a:r>
+              <a:rPr lang="en-US" dirty="0" err="1">
                 <a:latin typeface="Times New Roman" panose="02020603050405020304" pitchFamily="18" charset="0"/>
                 <a:cs typeface="Times New Roman" panose="02020603050405020304" pitchFamily="18" charset="0"/>
               </a:rPr>
               <a:t>quá</a:t>
             </a:r>
             <a:r>
-              <a:rPr lang="en-US" dirty="0" smtClean="0">
-                <a:latin typeface="Times New Roman" panose="02020603050405020304" pitchFamily="18" charset="0"/>
-                <a:cs typeface="Times New Roman" panose="02020603050405020304" pitchFamily="18" charset="0"/>
-              </a:rPr>
-              <a:t> </a:t>
-            </a:r>
-            <a:r>
-              <a:rPr lang="en-US" dirty="0" err="1" smtClean="0">
+              <a:rPr lang="en-US" dirty="0">
+                <a:latin typeface="Times New Roman" panose="02020603050405020304" pitchFamily="18" charset="0"/>
+                <a:cs typeface="Times New Roman" panose="02020603050405020304" pitchFamily="18" charset="0"/>
+              </a:rPr>
+              <a:t> </a:t>
+            </a:r>
+            <a:r>
+              <a:rPr lang="en-US" dirty="0" err="1">
                 <a:latin typeface="Times New Roman" panose="02020603050405020304" pitchFamily="18" charset="0"/>
                 <a:cs typeface="Times New Roman" panose="02020603050405020304" pitchFamily="18" charset="0"/>
               </a:rPr>
               <a:t>trình</a:t>
             </a:r>
             <a:r>
-              <a:rPr lang="en-US" dirty="0" smtClean="0">
-                <a:latin typeface="Times New Roman" panose="02020603050405020304" pitchFamily="18" charset="0"/>
-                <a:cs typeface="Times New Roman" panose="02020603050405020304" pitchFamily="18" charset="0"/>
-              </a:rPr>
-              <a:t> </a:t>
-            </a:r>
-            <a:r>
-              <a:rPr lang="en-US" dirty="0" err="1" smtClean="0">
+              <a:rPr lang="en-US" dirty="0">
+                <a:latin typeface="Times New Roman" panose="02020603050405020304" pitchFamily="18" charset="0"/>
+                <a:cs typeface="Times New Roman" panose="02020603050405020304" pitchFamily="18" charset="0"/>
+              </a:rPr>
+              <a:t> </a:t>
+            </a:r>
+            <a:r>
+              <a:rPr lang="en-US" dirty="0" err="1">
                 <a:latin typeface="Times New Roman" panose="02020603050405020304" pitchFamily="18" charset="0"/>
                 <a:cs typeface="Times New Roman" panose="02020603050405020304" pitchFamily="18" charset="0"/>
               </a:rPr>
               <a:t>xác</a:t>
             </a:r>
             <a:r>
-              <a:rPr lang="en-US" dirty="0" smtClean="0">
-                <a:latin typeface="Times New Roman" panose="02020603050405020304" pitchFamily="18" charset="0"/>
-                <a:cs typeface="Times New Roman" panose="02020603050405020304" pitchFamily="18" charset="0"/>
-              </a:rPr>
-              <a:t> </a:t>
-            </a:r>
-            <a:r>
-              <a:rPr lang="en-US" dirty="0" err="1" smtClean="0">
+              <a:rPr lang="en-US" dirty="0">
+                <a:latin typeface="Times New Roman" panose="02020603050405020304" pitchFamily="18" charset="0"/>
+                <a:cs typeface="Times New Roman" panose="02020603050405020304" pitchFamily="18" charset="0"/>
+              </a:rPr>
+              <a:t> </a:t>
+            </a:r>
+            <a:r>
+              <a:rPr lang="en-US" dirty="0" err="1">
                 <a:latin typeface="Times New Roman" panose="02020603050405020304" pitchFamily="18" charset="0"/>
                 <a:cs typeface="Times New Roman" panose="02020603050405020304" pitchFamily="18" charset="0"/>
               </a:rPr>
               <a:t>định</a:t>
             </a:r>
             <a:r>
-              <a:rPr lang="en-US" dirty="0" smtClean="0">
-                <a:latin typeface="Times New Roman" panose="02020603050405020304" pitchFamily="18" charset="0"/>
-                <a:cs typeface="Times New Roman" panose="02020603050405020304" pitchFamily="18" charset="0"/>
-              </a:rPr>
-              <a:t> </a:t>
-            </a:r>
-            <a:r>
-              <a:rPr lang="en-US" dirty="0" err="1" smtClean="0">
+              <a:rPr lang="en-US" dirty="0">
+                <a:latin typeface="Times New Roman" panose="02020603050405020304" pitchFamily="18" charset="0"/>
+                <a:cs typeface="Times New Roman" panose="02020603050405020304" pitchFamily="18" charset="0"/>
+              </a:rPr>
+              <a:t> </a:t>
+            </a:r>
+            <a:r>
+              <a:rPr lang="en-US" dirty="0" err="1">
                 <a:latin typeface="Times New Roman" panose="02020603050405020304" pitchFamily="18" charset="0"/>
                 <a:cs typeface="Times New Roman" panose="02020603050405020304" pitchFamily="18" charset="0"/>
               </a:rPr>
               <a:t>nhãn</a:t>
             </a:r>
             <a:r>
-              <a:rPr lang="en-US" dirty="0" smtClean="0">
-                <a:latin typeface="Times New Roman" panose="02020603050405020304" pitchFamily="18" charset="0"/>
-                <a:cs typeface="Times New Roman" panose="02020603050405020304" pitchFamily="18" charset="0"/>
-              </a:rPr>
-              <a:t> </a:t>
-            </a:r>
-            <a:r>
-              <a:rPr lang="en-US" dirty="0" err="1" smtClean="0">
+              <a:rPr lang="en-US" dirty="0">
+                <a:latin typeface="Times New Roman" panose="02020603050405020304" pitchFamily="18" charset="0"/>
+                <a:cs typeface="Times New Roman" panose="02020603050405020304" pitchFamily="18" charset="0"/>
+              </a:rPr>
+              <a:t> </a:t>
+            </a:r>
+            <a:r>
+              <a:rPr lang="en-US" dirty="0" err="1">
                 <a:latin typeface="Times New Roman" panose="02020603050405020304" pitchFamily="18" charset="0"/>
                 <a:cs typeface="Times New Roman" panose="02020603050405020304" pitchFamily="18" charset="0"/>
               </a:rPr>
               <a:t>của</a:t>
             </a:r>
             <a:r>
-              <a:rPr lang="en-US" dirty="0" smtClean="0">
-                <a:latin typeface="Times New Roman" panose="02020603050405020304" pitchFamily="18" charset="0"/>
-                <a:cs typeface="Times New Roman" panose="02020603050405020304" pitchFamily="18" charset="0"/>
-              </a:rPr>
-              <a:t> </a:t>
-            </a:r>
-            <a:r>
-              <a:rPr lang="en-US" dirty="0" err="1" smtClean="0">
+              <a:rPr lang="en-US" dirty="0">
+                <a:latin typeface="Times New Roman" panose="02020603050405020304" pitchFamily="18" charset="0"/>
+                <a:cs typeface="Times New Roman" panose="02020603050405020304" pitchFamily="18" charset="0"/>
+              </a:rPr>
+              <a:t> </a:t>
+            </a:r>
+            <a:r>
+              <a:rPr lang="en-US" dirty="0" err="1">
                 <a:latin typeface="Times New Roman" panose="02020603050405020304" pitchFamily="18" charset="0"/>
                 <a:cs typeface="Times New Roman" panose="02020603050405020304" pitchFamily="18" charset="0"/>
               </a:rPr>
               <a:t>các</a:t>
             </a:r>
             <a:r>
-              <a:rPr lang="en-US" dirty="0" smtClean="0">
-                <a:latin typeface="Times New Roman" panose="02020603050405020304" pitchFamily="18" charset="0"/>
-                <a:cs typeface="Times New Roman" panose="02020603050405020304" pitchFamily="18" charset="0"/>
-              </a:rPr>
-              <a:t> </a:t>
-            </a:r>
-            <a:r>
-              <a:rPr lang="en-US" dirty="0" err="1" smtClean="0">
+              <a:rPr lang="en-US" dirty="0">
+                <a:latin typeface="Times New Roman" panose="02020603050405020304" pitchFamily="18" charset="0"/>
+                <a:cs typeface="Times New Roman" panose="02020603050405020304" pitchFamily="18" charset="0"/>
+              </a:rPr>
+              <a:t> </a:t>
+            </a:r>
+            <a:r>
+              <a:rPr lang="en-US" dirty="0" err="1">
                 <a:latin typeface="Times New Roman" panose="02020603050405020304" pitchFamily="18" charset="0"/>
                 <a:cs typeface="Times New Roman" panose="02020603050405020304" pitchFamily="18" charset="0"/>
               </a:rPr>
               <a:t>từ</a:t>
             </a:r>
             <a:r>
-              <a:rPr lang="en-US" dirty="0" smtClean="0">
-                <a:latin typeface="Times New Roman" panose="02020603050405020304" pitchFamily="18" charset="0"/>
-                <a:cs typeface="Times New Roman" panose="02020603050405020304" pitchFamily="18" charset="0"/>
-              </a:rPr>
-              <a:t> </a:t>
-            </a:r>
-            <a:r>
-              <a:rPr lang="en-US" dirty="0" err="1" smtClean="0">
+              <a:rPr lang="en-US" dirty="0">
+                <a:latin typeface="Times New Roman" panose="02020603050405020304" pitchFamily="18" charset="0"/>
+                <a:cs typeface="Times New Roman" panose="02020603050405020304" pitchFamily="18" charset="0"/>
+              </a:rPr>
+              <a:t> </a:t>
+            </a:r>
+            <a:r>
+              <a:rPr lang="en-US" dirty="0" err="1">
                 <a:latin typeface="Times New Roman" panose="02020603050405020304" pitchFamily="18" charset="0"/>
                 <a:cs typeface="Times New Roman" panose="02020603050405020304" pitchFamily="18" charset="0"/>
               </a:rPr>
               <a:t>theo</a:t>
             </a:r>
             <a:r>
-              <a:rPr lang="en-US" dirty="0" smtClean="0">
-                <a:latin typeface="Times New Roman" panose="02020603050405020304" pitchFamily="18" charset="0"/>
-                <a:cs typeface="Times New Roman" panose="02020603050405020304" pitchFamily="18" charset="0"/>
-              </a:rPr>
-              <a:t> </a:t>
-            </a:r>
-            <a:r>
-              <a:rPr lang="en-US" dirty="0" err="1" smtClean="0">
+              <a:rPr lang="en-US" dirty="0">
+                <a:latin typeface="Times New Roman" panose="02020603050405020304" pitchFamily="18" charset="0"/>
+                <a:cs typeface="Times New Roman" panose="02020603050405020304" pitchFamily="18" charset="0"/>
+              </a:rPr>
+              <a:t> </a:t>
+            </a:r>
+            <a:r>
+              <a:rPr lang="en-US" dirty="0" err="1">
                 <a:latin typeface="Times New Roman" panose="02020603050405020304" pitchFamily="18" charset="0"/>
                 <a:cs typeface="Times New Roman" panose="02020603050405020304" pitchFamily="18" charset="0"/>
               </a:rPr>
               <a:t>mức</a:t>
             </a:r>
             <a:r>
-              <a:rPr lang="en-US" dirty="0" smtClean="0">
-                <a:latin typeface="Times New Roman" panose="02020603050405020304" pitchFamily="18" charset="0"/>
-                <a:cs typeface="Times New Roman" panose="02020603050405020304" pitchFamily="18" charset="0"/>
-              </a:rPr>
-              <a:t> </a:t>
-            </a:r>
-            <a:r>
-              <a:rPr lang="en-US" dirty="0" err="1" smtClean="0">
+              <a:rPr lang="en-US" dirty="0">
+                <a:latin typeface="Times New Roman" panose="02020603050405020304" pitchFamily="18" charset="0"/>
+                <a:cs typeface="Times New Roman" panose="02020603050405020304" pitchFamily="18" charset="0"/>
+              </a:rPr>
+              <a:t> </a:t>
+            </a:r>
+            <a:r>
+              <a:rPr lang="en-US" dirty="0" err="1">
                 <a:latin typeface="Times New Roman" panose="02020603050405020304" pitchFamily="18" charset="0"/>
                 <a:cs typeface="Times New Roman" panose="02020603050405020304" pitchFamily="18" charset="0"/>
               </a:rPr>
               <a:t>độ</a:t>
             </a:r>
             <a:r>
-              <a:rPr lang="en-US" dirty="0" smtClean="0">
-                <a:latin typeface="Times New Roman" panose="02020603050405020304" pitchFamily="18" charset="0"/>
-                <a:cs typeface="Times New Roman" panose="02020603050405020304" pitchFamily="18" charset="0"/>
-              </a:rPr>
-              <a:t> </a:t>
-            </a:r>
-            <a:r>
-              <a:rPr lang="en-US" dirty="0" err="1" smtClean="0">
+              <a:rPr lang="en-US" dirty="0">
+                <a:latin typeface="Times New Roman" panose="02020603050405020304" pitchFamily="18" charset="0"/>
+                <a:cs typeface="Times New Roman" panose="02020603050405020304" pitchFamily="18" charset="0"/>
+              </a:rPr>
+              <a:t> </a:t>
+            </a:r>
+            <a:r>
+              <a:rPr lang="en-US" dirty="0" err="1">
                 <a:latin typeface="Times New Roman" panose="02020603050405020304" pitchFamily="18" charset="0"/>
                 <a:cs typeface="Times New Roman" panose="02020603050405020304" pitchFamily="18" charset="0"/>
               </a:rPr>
               <a:t>loại</a:t>
             </a:r>
             <a:r>
-              <a:rPr lang="en-US" dirty="0" smtClean="0">
-                <a:latin typeface="Times New Roman" panose="02020603050405020304" pitchFamily="18" charset="0"/>
-                <a:cs typeface="Times New Roman" panose="02020603050405020304" pitchFamily="18" charset="0"/>
-              </a:rPr>
-              <a:t> </a:t>
-            </a:r>
-            <a:r>
-              <a:rPr lang="en-US" dirty="0" err="1" smtClean="0">
+              <a:rPr lang="en-US" dirty="0">
+                <a:latin typeface="Times New Roman" panose="02020603050405020304" pitchFamily="18" charset="0"/>
+                <a:cs typeface="Times New Roman" panose="02020603050405020304" pitchFamily="18" charset="0"/>
+              </a:rPr>
+              <a:t> </a:t>
+            </a:r>
+            <a:r>
+              <a:rPr lang="en-US" dirty="0" err="1">
                 <a:latin typeface="Times New Roman" panose="02020603050405020304" pitchFamily="18" charset="0"/>
                 <a:cs typeface="Times New Roman" panose="02020603050405020304" pitchFamily="18" charset="0"/>
               </a:rPr>
               <a:t>từ</a:t>
             </a:r>
             <a:r>
-              <a:rPr lang="en-US" dirty="0" smtClean="0">
-                <a:latin typeface="Times New Roman" panose="02020603050405020304" pitchFamily="18" charset="0"/>
-                <a:cs typeface="Times New Roman" panose="02020603050405020304" pitchFamily="18" charset="0"/>
-              </a:rPr>
-              <a:t> </a:t>
-            </a:r>
-            <a:r>
-              <a:rPr lang="en-US" dirty="0" err="1" smtClean="0">
+              <a:rPr lang="en-US" dirty="0">
+                <a:latin typeface="Times New Roman" panose="02020603050405020304" pitchFamily="18" charset="0"/>
+                <a:cs typeface="Times New Roman" panose="02020603050405020304" pitchFamily="18" charset="0"/>
+              </a:rPr>
+              <a:t> </a:t>
+            </a:r>
+            <a:r>
+              <a:rPr lang="en-US" dirty="0" err="1">
                 <a:latin typeface="Times New Roman" panose="02020603050405020304" pitchFamily="18" charset="0"/>
                 <a:cs typeface="Times New Roman" panose="02020603050405020304" pitchFamily="18" charset="0"/>
               </a:rPr>
               <a:t>vựng</a:t>
             </a:r>
             <a:r>
-              <a:rPr lang="en-US" dirty="0" smtClean="0">
+              <a:rPr lang="en-US" dirty="0">
                 <a:latin typeface="Times New Roman" panose="02020603050405020304" pitchFamily="18" charset="0"/>
                 <a:cs typeface="Times New Roman" panose="02020603050405020304" pitchFamily="18" charset="0"/>
               </a:rPr>
               <a:t> (</a:t>
             </a:r>
             <a:r>
-              <a:rPr lang="en-US" dirty="0" err="1" smtClean="0">
+              <a:rPr lang="en-US" dirty="0" err="1">
                 <a:latin typeface="Times New Roman" panose="02020603050405020304" pitchFamily="18" charset="0"/>
                 <a:cs typeface="Times New Roman" panose="02020603050405020304" pitchFamily="18" charset="0"/>
               </a:rPr>
               <a:t>động</a:t>
             </a:r>
             <a:r>
-              <a:rPr lang="en-US" dirty="0" smtClean="0">
-                <a:latin typeface="Times New Roman" panose="02020603050405020304" pitchFamily="18" charset="0"/>
-                <a:cs typeface="Times New Roman" panose="02020603050405020304" pitchFamily="18" charset="0"/>
-              </a:rPr>
-              <a:t> </a:t>
-            </a:r>
-            <a:r>
-              <a:rPr lang="en-US" dirty="0" err="1" smtClean="0">
+              <a:rPr lang="en-US" dirty="0">
+                <a:latin typeface="Times New Roman" panose="02020603050405020304" pitchFamily="18" charset="0"/>
+                <a:cs typeface="Times New Roman" panose="02020603050405020304" pitchFamily="18" charset="0"/>
+              </a:rPr>
+              <a:t> </a:t>
+            </a:r>
+            <a:r>
+              <a:rPr lang="en-US" dirty="0" err="1">
                 <a:latin typeface="Times New Roman" panose="02020603050405020304" pitchFamily="18" charset="0"/>
                 <a:cs typeface="Times New Roman" panose="02020603050405020304" pitchFamily="18" charset="0"/>
               </a:rPr>
               <a:t>từ</a:t>
             </a:r>
             <a:r>
-              <a:rPr lang="en-US" dirty="0" smtClean="0">
+              <a:rPr lang="en-US" dirty="0">
                 <a:latin typeface="Times New Roman" panose="02020603050405020304" pitchFamily="18" charset="0"/>
                 <a:cs typeface="Times New Roman" panose="02020603050405020304" pitchFamily="18" charset="0"/>
               </a:rPr>
               <a:t>, </a:t>
             </a:r>
             <a:r>
-              <a:rPr lang="en-US" dirty="0" err="1" smtClean="0">
+              <a:rPr lang="en-US" dirty="0" err="1">
                 <a:latin typeface="Times New Roman" panose="02020603050405020304" pitchFamily="18" charset="0"/>
                 <a:cs typeface="Times New Roman" panose="02020603050405020304" pitchFamily="18" charset="0"/>
               </a:rPr>
               <a:t>tính</a:t>
             </a:r>
             <a:r>
-              <a:rPr lang="en-US" dirty="0" smtClean="0">
-                <a:latin typeface="Times New Roman" panose="02020603050405020304" pitchFamily="18" charset="0"/>
-                <a:cs typeface="Times New Roman" panose="02020603050405020304" pitchFamily="18" charset="0"/>
-              </a:rPr>
-              <a:t> </a:t>
-            </a:r>
-            <a:r>
-              <a:rPr lang="en-US" dirty="0" err="1" smtClean="0">
+              <a:rPr lang="en-US" dirty="0">
+                <a:latin typeface="Times New Roman" panose="02020603050405020304" pitchFamily="18" charset="0"/>
+                <a:cs typeface="Times New Roman" panose="02020603050405020304" pitchFamily="18" charset="0"/>
+              </a:rPr>
+              <a:t> </a:t>
+            </a:r>
+            <a:r>
+              <a:rPr lang="en-US" dirty="0" err="1">
                 <a:latin typeface="Times New Roman" panose="02020603050405020304" pitchFamily="18" charset="0"/>
                 <a:cs typeface="Times New Roman" panose="02020603050405020304" pitchFamily="18" charset="0"/>
               </a:rPr>
               <a:t>từ</a:t>
             </a:r>
             <a:r>
-              <a:rPr lang="en-US" dirty="0" smtClean="0">
+              <a:rPr lang="en-US" dirty="0">
                 <a:latin typeface="Times New Roman" panose="02020603050405020304" pitchFamily="18" charset="0"/>
                 <a:cs typeface="Times New Roman" panose="02020603050405020304" pitchFamily="18" charset="0"/>
               </a:rPr>
               <a:t>, </a:t>
             </a:r>
             <a:r>
-              <a:rPr lang="en-US" dirty="0" err="1" smtClean="0">
+              <a:rPr lang="en-US" dirty="0" err="1">
                 <a:latin typeface="Times New Roman" panose="02020603050405020304" pitchFamily="18" charset="0"/>
                 <a:cs typeface="Times New Roman" panose="02020603050405020304" pitchFamily="18" charset="0"/>
               </a:rPr>
               <a:t>danh</a:t>
             </a:r>
             <a:r>
-              <a:rPr lang="en-US" dirty="0" smtClean="0">
-                <a:latin typeface="Times New Roman" panose="02020603050405020304" pitchFamily="18" charset="0"/>
-                <a:cs typeface="Times New Roman" panose="02020603050405020304" pitchFamily="18" charset="0"/>
-              </a:rPr>
-              <a:t> </a:t>
-            </a:r>
-            <a:r>
-              <a:rPr lang="en-US" dirty="0" err="1" smtClean="0">
+              <a:rPr lang="en-US" dirty="0">
+                <a:latin typeface="Times New Roman" panose="02020603050405020304" pitchFamily="18" charset="0"/>
+                <a:cs typeface="Times New Roman" panose="02020603050405020304" pitchFamily="18" charset="0"/>
+              </a:rPr>
+              <a:t> </a:t>
+            </a:r>
+            <a:r>
+              <a:rPr lang="en-US" dirty="0" err="1">
                 <a:latin typeface="Times New Roman" panose="02020603050405020304" pitchFamily="18" charset="0"/>
                 <a:cs typeface="Times New Roman" panose="02020603050405020304" pitchFamily="18" charset="0"/>
               </a:rPr>
               <a:t>từ</a:t>
             </a:r>
             <a:r>
-              <a:rPr lang="en-US" dirty="0" smtClean="0">
+              <a:rPr lang="en-US" dirty="0">
                 <a:latin typeface="Times New Roman" panose="02020603050405020304" pitchFamily="18" charset="0"/>
                 <a:cs typeface="Times New Roman" panose="02020603050405020304" pitchFamily="18" charset="0"/>
               </a:rPr>
@@ -12695,168 +12662,168 @@
           </a:p>
           <a:p>
             <a:r>
-              <a:rPr lang="en-US" dirty="0" err="1" smtClean="0">
+              <a:rPr lang="en-US" dirty="0" err="1">
                 <a:latin typeface="Times New Roman" panose="02020603050405020304" pitchFamily="18" charset="0"/>
                 <a:cs typeface="Times New Roman" panose="02020603050405020304" pitchFamily="18" charset="0"/>
               </a:rPr>
               <a:t>Làm</a:t>
             </a:r>
             <a:r>
-              <a:rPr lang="en-US" dirty="0" smtClean="0">
-                <a:latin typeface="Times New Roman" panose="02020603050405020304" pitchFamily="18" charset="0"/>
-                <a:cs typeface="Times New Roman" panose="02020603050405020304" pitchFamily="18" charset="0"/>
-              </a:rPr>
-              <a:t> </a:t>
-            </a:r>
-            <a:r>
-              <a:rPr lang="en-US" dirty="0" err="1" smtClean="0">
+              <a:rPr lang="en-US" dirty="0">
+                <a:latin typeface="Times New Roman" panose="02020603050405020304" pitchFamily="18" charset="0"/>
+                <a:cs typeface="Times New Roman" panose="02020603050405020304" pitchFamily="18" charset="0"/>
+              </a:rPr>
+              <a:t> </a:t>
+            </a:r>
+            <a:r>
+              <a:rPr lang="en-US" dirty="0" err="1">
                 <a:latin typeface="Times New Roman" panose="02020603050405020304" pitchFamily="18" charset="0"/>
                 <a:cs typeface="Times New Roman" panose="02020603050405020304" pitchFamily="18" charset="0"/>
               </a:rPr>
               <a:t>tiền</a:t>
             </a:r>
             <a:r>
-              <a:rPr lang="en-US" dirty="0" smtClean="0">
-                <a:latin typeface="Times New Roman" panose="02020603050405020304" pitchFamily="18" charset="0"/>
-                <a:cs typeface="Times New Roman" panose="02020603050405020304" pitchFamily="18" charset="0"/>
-              </a:rPr>
-              <a:t> </a:t>
-            </a:r>
-            <a:r>
-              <a:rPr lang="en-US" dirty="0" err="1" smtClean="0">
+              <a:rPr lang="en-US" dirty="0">
+                <a:latin typeface="Times New Roman" panose="02020603050405020304" pitchFamily="18" charset="0"/>
+                <a:cs typeface="Times New Roman" panose="02020603050405020304" pitchFamily="18" charset="0"/>
+              </a:rPr>
+              <a:t> </a:t>
+            </a:r>
+            <a:r>
+              <a:rPr lang="en-US" dirty="0" err="1">
                 <a:latin typeface="Times New Roman" panose="02020603050405020304" pitchFamily="18" charset="0"/>
                 <a:cs typeface="Times New Roman" panose="02020603050405020304" pitchFamily="18" charset="0"/>
               </a:rPr>
               <a:t>đề</a:t>
             </a:r>
             <a:r>
-              <a:rPr lang="en-US" dirty="0" smtClean="0">
-                <a:latin typeface="Times New Roman" panose="02020603050405020304" pitchFamily="18" charset="0"/>
-                <a:cs typeface="Times New Roman" panose="02020603050405020304" pitchFamily="18" charset="0"/>
-              </a:rPr>
-              <a:t> </a:t>
-            </a:r>
-            <a:r>
-              <a:rPr lang="en-US" dirty="0" err="1" smtClean="0">
+              <a:rPr lang="en-US" dirty="0">
+                <a:latin typeface="Times New Roman" panose="02020603050405020304" pitchFamily="18" charset="0"/>
+                <a:cs typeface="Times New Roman" panose="02020603050405020304" pitchFamily="18" charset="0"/>
+              </a:rPr>
+              <a:t> </a:t>
+            </a:r>
+            <a:r>
+              <a:rPr lang="en-US" dirty="0" err="1">
                 <a:latin typeface="Times New Roman" panose="02020603050405020304" pitchFamily="18" charset="0"/>
                 <a:cs typeface="Times New Roman" panose="02020603050405020304" pitchFamily="18" charset="0"/>
               </a:rPr>
               <a:t>cho</a:t>
             </a:r>
             <a:r>
-              <a:rPr lang="en-US" dirty="0" smtClean="0">
-                <a:latin typeface="Times New Roman" panose="02020603050405020304" pitchFamily="18" charset="0"/>
-                <a:cs typeface="Times New Roman" panose="02020603050405020304" pitchFamily="18" charset="0"/>
-              </a:rPr>
-              <a:t> </a:t>
-            </a:r>
-            <a:r>
-              <a:rPr lang="en-US" dirty="0" err="1" smtClean="0">
+              <a:rPr lang="en-US" dirty="0">
+                <a:latin typeface="Times New Roman" panose="02020603050405020304" pitchFamily="18" charset="0"/>
+                <a:cs typeface="Times New Roman" panose="02020603050405020304" pitchFamily="18" charset="0"/>
+              </a:rPr>
+              <a:t> </a:t>
+            </a:r>
+            <a:r>
+              <a:rPr lang="en-US" dirty="0" err="1">
                 <a:latin typeface="Times New Roman" panose="02020603050405020304" pitchFamily="18" charset="0"/>
                 <a:cs typeface="Times New Roman" panose="02020603050405020304" pitchFamily="18" charset="0"/>
               </a:rPr>
               <a:t>việc</a:t>
             </a:r>
             <a:r>
-              <a:rPr lang="en-US" dirty="0" smtClean="0">
-                <a:latin typeface="Times New Roman" panose="02020603050405020304" pitchFamily="18" charset="0"/>
-                <a:cs typeface="Times New Roman" panose="02020603050405020304" pitchFamily="18" charset="0"/>
-              </a:rPr>
-              <a:t> </a:t>
-            </a:r>
-            <a:r>
-              <a:rPr lang="en-US" dirty="0" err="1" smtClean="0">
+              <a:rPr lang="en-US" dirty="0">
+                <a:latin typeface="Times New Roman" panose="02020603050405020304" pitchFamily="18" charset="0"/>
+                <a:cs typeface="Times New Roman" panose="02020603050405020304" pitchFamily="18" charset="0"/>
+              </a:rPr>
+              <a:t> </a:t>
+            </a:r>
+            <a:r>
+              <a:rPr lang="en-US" dirty="0" err="1">
                 <a:latin typeface="Times New Roman" panose="02020603050405020304" pitchFamily="18" charset="0"/>
                 <a:cs typeface="Times New Roman" panose="02020603050405020304" pitchFamily="18" charset="0"/>
               </a:rPr>
               <a:t>xác</a:t>
             </a:r>
             <a:r>
-              <a:rPr lang="en-US" dirty="0" smtClean="0">
-                <a:latin typeface="Times New Roman" panose="02020603050405020304" pitchFamily="18" charset="0"/>
-                <a:cs typeface="Times New Roman" panose="02020603050405020304" pitchFamily="18" charset="0"/>
-              </a:rPr>
-              <a:t> </a:t>
-            </a:r>
-            <a:r>
-              <a:rPr lang="en-US" dirty="0" err="1" smtClean="0">
+              <a:rPr lang="en-US" dirty="0">
+                <a:latin typeface="Times New Roman" panose="02020603050405020304" pitchFamily="18" charset="0"/>
+                <a:cs typeface="Times New Roman" panose="02020603050405020304" pitchFamily="18" charset="0"/>
+              </a:rPr>
+              <a:t> </a:t>
+            </a:r>
+            <a:r>
+              <a:rPr lang="en-US" dirty="0" err="1">
                 <a:latin typeface="Times New Roman" panose="02020603050405020304" pitchFamily="18" charset="0"/>
                 <a:cs typeface="Times New Roman" panose="02020603050405020304" pitchFamily="18" charset="0"/>
               </a:rPr>
               <a:t>định</a:t>
             </a:r>
             <a:r>
-              <a:rPr lang="en-US" dirty="0" smtClean="0">
-                <a:latin typeface="Times New Roman" panose="02020603050405020304" pitchFamily="18" charset="0"/>
-                <a:cs typeface="Times New Roman" panose="02020603050405020304" pitchFamily="18" charset="0"/>
-              </a:rPr>
-              <a:t> </a:t>
-            </a:r>
-            <a:r>
-              <a:rPr lang="en-US" dirty="0" err="1" smtClean="0">
+              <a:rPr lang="en-US" dirty="0">
+                <a:latin typeface="Times New Roman" panose="02020603050405020304" pitchFamily="18" charset="0"/>
+                <a:cs typeface="Times New Roman" panose="02020603050405020304" pitchFamily="18" charset="0"/>
+              </a:rPr>
+              <a:t> </a:t>
+            </a:r>
+            <a:r>
+              <a:rPr lang="en-US" dirty="0" err="1">
                 <a:latin typeface="Times New Roman" panose="02020603050405020304" pitchFamily="18" charset="0"/>
                 <a:cs typeface="Times New Roman" panose="02020603050405020304" pitchFamily="18" charset="0"/>
               </a:rPr>
               <a:t>các</a:t>
             </a:r>
             <a:r>
-              <a:rPr lang="en-US" dirty="0" smtClean="0">
+              <a:rPr lang="en-US" dirty="0">
                 <a:latin typeface="Times New Roman" panose="02020603050405020304" pitchFamily="18" charset="0"/>
                 <a:cs typeface="Times New Roman" panose="02020603050405020304" pitchFamily="18" charset="0"/>
               </a:rPr>
               <a:t>  </a:t>
             </a:r>
             <a:r>
-              <a:rPr lang="en-US" dirty="0" err="1" smtClean="0">
+              <a:rPr lang="en-US" dirty="0" err="1">
                 <a:latin typeface="Times New Roman" panose="02020603050405020304" pitchFamily="18" charset="0"/>
                 <a:cs typeface="Times New Roman" panose="02020603050405020304" pitchFamily="18" charset="0"/>
               </a:rPr>
               <a:t>thực</a:t>
             </a:r>
             <a:r>
-              <a:rPr lang="en-US" dirty="0" smtClean="0">
-                <a:latin typeface="Times New Roman" panose="02020603050405020304" pitchFamily="18" charset="0"/>
-                <a:cs typeface="Times New Roman" panose="02020603050405020304" pitchFamily="18" charset="0"/>
-              </a:rPr>
-              <a:t> </a:t>
-            </a:r>
-            <a:r>
-              <a:rPr lang="en-US" dirty="0" err="1" smtClean="0">
+              <a:rPr lang="en-US" dirty="0">
+                <a:latin typeface="Times New Roman" panose="02020603050405020304" pitchFamily="18" charset="0"/>
+                <a:cs typeface="Times New Roman" panose="02020603050405020304" pitchFamily="18" charset="0"/>
+              </a:rPr>
+              <a:t> </a:t>
+            </a:r>
+            <a:r>
+              <a:rPr lang="en-US" dirty="0" err="1">
                 <a:latin typeface="Times New Roman" panose="02020603050405020304" pitchFamily="18" charset="0"/>
                 <a:cs typeface="Times New Roman" panose="02020603050405020304" pitchFamily="18" charset="0"/>
               </a:rPr>
               <a:t>thể</a:t>
             </a:r>
             <a:r>
-              <a:rPr lang="en-US" dirty="0" smtClean="0">
-                <a:latin typeface="Times New Roman" panose="02020603050405020304" pitchFamily="18" charset="0"/>
-                <a:cs typeface="Times New Roman" panose="02020603050405020304" pitchFamily="18" charset="0"/>
-              </a:rPr>
-              <a:t> </a:t>
-            </a:r>
-            <a:r>
-              <a:rPr lang="en-US" dirty="0" err="1" smtClean="0">
+              <a:rPr lang="en-US" dirty="0">
+                <a:latin typeface="Times New Roman" panose="02020603050405020304" pitchFamily="18" charset="0"/>
+                <a:cs typeface="Times New Roman" panose="02020603050405020304" pitchFamily="18" charset="0"/>
+              </a:rPr>
+              <a:t> </a:t>
+            </a:r>
+            <a:r>
+              <a:rPr lang="en-US" dirty="0" err="1">
                 <a:latin typeface="Times New Roman" panose="02020603050405020304" pitchFamily="18" charset="0"/>
                 <a:cs typeface="Times New Roman" panose="02020603050405020304" pitchFamily="18" charset="0"/>
               </a:rPr>
               <a:t>có</a:t>
             </a:r>
             <a:r>
-              <a:rPr lang="en-US" dirty="0" smtClean="0">
-                <a:latin typeface="Times New Roman" panose="02020603050405020304" pitchFamily="18" charset="0"/>
-                <a:cs typeface="Times New Roman" panose="02020603050405020304" pitchFamily="18" charset="0"/>
-              </a:rPr>
-              <a:t> </a:t>
-            </a:r>
-            <a:r>
-              <a:rPr lang="en-US" dirty="0" err="1" smtClean="0">
+              <a:rPr lang="en-US" dirty="0">
+                <a:latin typeface="Times New Roman" panose="02020603050405020304" pitchFamily="18" charset="0"/>
+                <a:cs typeface="Times New Roman" panose="02020603050405020304" pitchFamily="18" charset="0"/>
+              </a:rPr>
+              <a:t> </a:t>
+            </a:r>
+            <a:r>
+              <a:rPr lang="en-US" dirty="0" err="1">
                 <a:latin typeface="Times New Roman" panose="02020603050405020304" pitchFamily="18" charset="0"/>
                 <a:cs typeface="Times New Roman" panose="02020603050405020304" pitchFamily="18" charset="0"/>
               </a:rPr>
               <a:t>nghĩa</a:t>
             </a:r>
             <a:r>
-              <a:rPr lang="en-US" dirty="0" smtClean="0">
+              <a:rPr lang="en-US" dirty="0">
                 <a:latin typeface="Times New Roman" panose="02020603050405020304" pitchFamily="18" charset="0"/>
                 <a:cs typeface="Times New Roman" panose="02020603050405020304" pitchFamily="18" charset="0"/>
               </a:rPr>
@@ -12865,322 +12832,322 @@
           </a:p>
           <a:p>
             <a:r>
-              <a:rPr lang="en-US" dirty="0" err="1" smtClean="0">
+              <a:rPr lang="en-US" dirty="0" err="1">
                 <a:latin typeface="Times New Roman" panose="02020603050405020304" pitchFamily="18" charset="0"/>
                 <a:cs typeface="Times New Roman" panose="02020603050405020304" pitchFamily="18" charset="0"/>
               </a:rPr>
               <a:t>Cần</a:t>
             </a:r>
             <a:r>
-              <a:rPr lang="en-US" dirty="0" smtClean="0">
-                <a:latin typeface="Times New Roman" panose="02020603050405020304" pitchFamily="18" charset="0"/>
-                <a:cs typeface="Times New Roman" panose="02020603050405020304" pitchFamily="18" charset="0"/>
-              </a:rPr>
-              <a:t> </a:t>
-            </a:r>
-            <a:r>
-              <a:rPr lang="en-US" dirty="0" err="1" smtClean="0">
+              <a:rPr lang="en-US" dirty="0">
+                <a:latin typeface="Times New Roman" panose="02020603050405020304" pitchFamily="18" charset="0"/>
+                <a:cs typeface="Times New Roman" panose="02020603050405020304" pitchFamily="18" charset="0"/>
+              </a:rPr>
+              <a:t> </a:t>
+            </a:r>
+            <a:r>
+              <a:rPr lang="en-US" dirty="0" err="1">
                 <a:latin typeface="Times New Roman" panose="02020603050405020304" pitchFamily="18" charset="0"/>
                 <a:cs typeface="Times New Roman" panose="02020603050405020304" pitchFamily="18" charset="0"/>
               </a:rPr>
               <a:t>chọn</a:t>
             </a:r>
             <a:r>
-              <a:rPr lang="en-US" dirty="0" smtClean="0">
-                <a:latin typeface="Times New Roman" panose="02020603050405020304" pitchFamily="18" charset="0"/>
-                <a:cs typeface="Times New Roman" panose="02020603050405020304" pitchFamily="18" charset="0"/>
-              </a:rPr>
-              <a:t> </a:t>
-            </a:r>
-            <a:r>
-              <a:rPr lang="en-US" dirty="0" err="1" smtClean="0">
+              <a:rPr lang="en-US" dirty="0">
+                <a:latin typeface="Times New Roman" panose="02020603050405020304" pitchFamily="18" charset="0"/>
+                <a:cs typeface="Times New Roman" panose="02020603050405020304" pitchFamily="18" charset="0"/>
+              </a:rPr>
+              <a:t> </a:t>
+            </a:r>
+            <a:r>
+              <a:rPr lang="en-US" dirty="0" err="1">
                 <a:latin typeface="Times New Roman" panose="02020603050405020304" pitchFamily="18" charset="0"/>
                 <a:cs typeface="Times New Roman" panose="02020603050405020304" pitchFamily="18" charset="0"/>
               </a:rPr>
               <a:t>một</a:t>
             </a:r>
             <a:r>
-              <a:rPr lang="en-US" dirty="0" smtClean="0">
-                <a:latin typeface="Times New Roman" panose="02020603050405020304" pitchFamily="18" charset="0"/>
-                <a:cs typeface="Times New Roman" panose="02020603050405020304" pitchFamily="18" charset="0"/>
-              </a:rPr>
-              <a:t> </a:t>
-            </a:r>
-            <a:r>
-              <a:rPr lang="en-US" dirty="0" err="1" smtClean="0">
+              <a:rPr lang="en-US" dirty="0">
+                <a:latin typeface="Times New Roman" panose="02020603050405020304" pitchFamily="18" charset="0"/>
+                <a:cs typeface="Times New Roman" panose="02020603050405020304" pitchFamily="18" charset="0"/>
+              </a:rPr>
+              <a:t> </a:t>
+            </a:r>
+            <a:r>
+              <a:rPr lang="en-US" dirty="0" err="1">
                 <a:latin typeface="Times New Roman" panose="02020603050405020304" pitchFamily="18" charset="0"/>
                 <a:cs typeface="Times New Roman" panose="02020603050405020304" pitchFamily="18" charset="0"/>
               </a:rPr>
               <a:t>bộ</a:t>
             </a:r>
             <a:r>
-              <a:rPr lang="en-US" dirty="0" smtClean="0">
-                <a:latin typeface="Times New Roman" panose="02020603050405020304" pitchFamily="18" charset="0"/>
-                <a:cs typeface="Times New Roman" panose="02020603050405020304" pitchFamily="18" charset="0"/>
-              </a:rPr>
-              <a:t> </a:t>
-            </a:r>
-            <a:r>
-              <a:rPr lang="en-US" dirty="0" err="1" smtClean="0">
+              <a:rPr lang="en-US" dirty="0">
+                <a:latin typeface="Times New Roman" panose="02020603050405020304" pitchFamily="18" charset="0"/>
+                <a:cs typeface="Times New Roman" panose="02020603050405020304" pitchFamily="18" charset="0"/>
+              </a:rPr>
+              <a:t> </a:t>
+            </a:r>
+            <a:r>
+              <a:rPr lang="en-US" dirty="0" err="1">
                 <a:latin typeface="Times New Roman" panose="02020603050405020304" pitchFamily="18" charset="0"/>
                 <a:cs typeface="Times New Roman" panose="02020603050405020304" pitchFamily="18" charset="0"/>
               </a:rPr>
               <a:t>nhãn</a:t>
             </a:r>
             <a:r>
-              <a:rPr lang="en-US" dirty="0" smtClean="0">
+              <a:rPr lang="en-US" dirty="0">
                 <a:latin typeface="Times New Roman" panose="02020603050405020304" pitchFamily="18" charset="0"/>
                 <a:cs typeface="Times New Roman" panose="02020603050405020304" pitchFamily="18" charset="0"/>
               </a:rPr>
               <a:t> (</a:t>
             </a:r>
             <a:r>
-              <a:rPr lang="en-US" dirty="0" err="1" smtClean="0">
+              <a:rPr lang="en-US" dirty="0" err="1">
                 <a:latin typeface="Times New Roman" panose="02020603050405020304" pitchFamily="18" charset="0"/>
                 <a:cs typeface="Times New Roman" panose="02020603050405020304" pitchFamily="18" charset="0"/>
               </a:rPr>
               <a:t>tagset</a:t>
             </a:r>
             <a:r>
-              <a:rPr lang="en-US" dirty="0" smtClean="0">
+              <a:rPr lang="en-US" dirty="0">
                 <a:latin typeface="Times New Roman" panose="02020603050405020304" pitchFamily="18" charset="0"/>
                 <a:cs typeface="Times New Roman" panose="02020603050405020304" pitchFamily="18" charset="0"/>
               </a:rPr>
               <a:t>) </a:t>
             </a:r>
             <a:r>
-              <a:rPr lang="en-US" dirty="0" err="1" smtClean="0">
+              <a:rPr lang="en-US" dirty="0" err="1">
                 <a:latin typeface="Times New Roman" panose="02020603050405020304" pitchFamily="18" charset="0"/>
                 <a:cs typeface="Times New Roman" panose="02020603050405020304" pitchFamily="18" charset="0"/>
               </a:rPr>
               <a:t>chuẩn</a:t>
             </a:r>
             <a:r>
-              <a:rPr lang="en-US" dirty="0" smtClean="0">
-                <a:latin typeface="Times New Roman" panose="02020603050405020304" pitchFamily="18" charset="0"/>
-                <a:cs typeface="Times New Roman" panose="02020603050405020304" pitchFamily="18" charset="0"/>
-              </a:rPr>
-              <a:t> </a:t>
-            </a:r>
-            <a:r>
-              <a:rPr lang="en-US" dirty="0" err="1" smtClean="0">
+              <a:rPr lang="en-US" dirty="0">
+                <a:latin typeface="Times New Roman" panose="02020603050405020304" pitchFamily="18" charset="0"/>
+                <a:cs typeface="Times New Roman" panose="02020603050405020304" pitchFamily="18" charset="0"/>
+              </a:rPr>
+              <a:t> </a:t>
+            </a:r>
+            <a:r>
+              <a:rPr lang="en-US" dirty="0" err="1">
                 <a:latin typeface="Times New Roman" panose="02020603050405020304" pitchFamily="18" charset="0"/>
                 <a:cs typeface="Times New Roman" panose="02020603050405020304" pitchFamily="18" charset="0"/>
               </a:rPr>
               <a:t>để</a:t>
             </a:r>
             <a:r>
-              <a:rPr lang="en-US" dirty="0" smtClean="0">
-                <a:latin typeface="Times New Roman" panose="02020603050405020304" pitchFamily="18" charset="0"/>
-                <a:cs typeface="Times New Roman" panose="02020603050405020304" pitchFamily="18" charset="0"/>
-              </a:rPr>
-              <a:t> </a:t>
-            </a:r>
-            <a:r>
-              <a:rPr lang="en-US" dirty="0" err="1" smtClean="0">
+              <a:rPr lang="en-US" dirty="0">
+                <a:latin typeface="Times New Roman" panose="02020603050405020304" pitchFamily="18" charset="0"/>
+                <a:cs typeface="Times New Roman" panose="02020603050405020304" pitchFamily="18" charset="0"/>
+              </a:rPr>
+              <a:t> </a:t>
+            </a:r>
+            <a:r>
+              <a:rPr lang="en-US" dirty="0" err="1">
                 <a:latin typeface="Times New Roman" panose="02020603050405020304" pitchFamily="18" charset="0"/>
                 <a:cs typeface="Times New Roman" panose="02020603050405020304" pitchFamily="18" charset="0"/>
               </a:rPr>
               <a:t>gán</a:t>
             </a:r>
             <a:r>
-              <a:rPr lang="en-US" dirty="0" smtClean="0">
-                <a:latin typeface="Times New Roman" panose="02020603050405020304" pitchFamily="18" charset="0"/>
-                <a:cs typeface="Times New Roman" panose="02020603050405020304" pitchFamily="18" charset="0"/>
-              </a:rPr>
-              <a:t> </a:t>
-            </a:r>
-            <a:r>
-              <a:rPr lang="en-US" dirty="0" err="1" smtClean="0">
+              <a:rPr lang="en-US" dirty="0">
+                <a:latin typeface="Times New Roman" panose="02020603050405020304" pitchFamily="18" charset="0"/>
+                <a:cs typeface="Times New Roman" panose="02020603050405020304" pitchFamily="18" charset="0"/>
+              </a:rPr>
+              <a:t> </a:t>
+            </a:r>
+            <a:r>
+              <a:rPr lang="en-US" dirty="0" err="1">
                 <a:latin typeface="Times New Roman" panose="02020603050405020304" pitchFamily="18" charset="0"/>
                 <a:cs typeface="Times New Roman" panose="02020603050405020304" pitchFamily="18" charset="0"/>
               </a:rPr>
               <a:t>nhãn</a:t>
             </a:r>
             <a:r>
-              <a:rPr lang="en-US" dirty="0" smtClean="0">
+              <a:rPr lang="en-US" dirty="0">
                 <a:latin typeface="Times New Roman" panose="02020603050405020304" pitchFamily="18" charset="0"/>
                 <a:cs typeface="Times New Roman" panose="02020603050405020304" pitchFamily="18" charset="0"/>
               </a:rPr>
               <a:t>, </a:t>
             </a:r>
             <a:r>
-              <a:rPr lang="en-US" dirty="0" err="1" smtClean="0">
+              <a:rPr lang="en-US" dirty="0" err="1">
                 <a:latin typeface="Times New Roman" panose="02020603050405020304" pitchFamily="18" charset="0"/>
                 <a:cs typeface="Times New Roman" panose="02020603050405020304" pitchFamily="18" charset="0"/>
               </a:rPr>
               <a:t>được</a:t>
             </a:r>
             <a:r>
-              <a:rPr lang="en-US" dirty="0" smtClean="0">
-                <a:latin typeface="Times New Roman" panose="02020603050405020304" pitchFamily="18" charset="0"/>
-                <a:cs typeface="Times New Roman" panose="02020603050405020304" pitchFamily="18" charset="0"/>
-              </a:rPr>
-              <a:t> </a:t>
-            </a:r>
-            <a:r>
-              <a:rPr lang="en-US" dirty="0" err="1" smtClean="0">
+              <a:rPr lang="en-US" dirty="0">
+                <a:latin typeface="Times New Roman" panose="02020603050405020304" pitchFamily="18" charset="0"/>
+                <a:cs typeface="Times New Roman" panose="02020603050405020304" pitchFamily="18" charset="0"/>
+              </a:rPr>
+              <a:t> </a:t>
+            </a:r>
+            <a:r>
+              <a:rPr lang="en-US" dirty="0" err="1">
                 <a:latin typeface="Times New Roman" panose="02020603050405020304" pitchFamily="18" charset="0"/>
                 <a:cs typeface="Times New Roman" panose="02020603050405020304" pitchFamily="18" charset="0"/>
               </a:rPr>
               <a:t>sử</a:t>
             </a:r>
             <a:r>
-              <a:rPr lang="en-US" dirty="0" smtClean="0">
-                <a:latin typeface="Times New Roman" panose="02020603050405020304" pitchFamily="18" charset="0"/>
-                <a:cs typeface="Times New Roman" panose="02020603050405020304" pitchFamily="18" charset="0"/>
-              </a:rPr>
-              <a:t> </a:t>
-            </a:r>
-            <a:r>
-              <a:rPr lang="en-US" dirty="0" err="1" smtClean="0">
+              <a:rPr lang="en-US" dirty="0">
+                <a:latin typeface="Times New Roman" panose="02020603050405020304" pitchFamily="18" charset="0"/>
+                <a:cs typeface="Times New Roman" panose="02020603050405020304" pitchFamily="18" charset="0"/>
+              </a:rPr>
+              <a:t> </a:t>
+            </a:r>
+            <a:r>
+              <a:rPr lang="en-US" dirty="0" err="1">
                 <a:latin typeface="Times New Roman" panose="02020603050405020304" pitchFamily="18" charset="0"/>
                 <a:cs typeface="Times New Roman" panose="02020603050405020304" pitchFamily="18" charset="0"/>
               </a:rPr>
               <a:t>dụng</a:t>
             </a:r>
             <a:r>
-              <a:rPr lang="en-US" dirty="0" smtClean="0">
-                <a:latin typeface="Times New Roman" panose="02020603050405020304" pitchFamily="18" charset="0"/>
-                <a:cs typeface="Times New Roman" panose="02020603050405020304" pitchFamily="18" charset="0"/>
-              </a:rPr>
-              <a:t> </a:t>
-            </a:r>
-            <a:r>
-              <a:rPr lang="en-US" dirty="0" err="1" smtClean="0">
+              <a:rPr lang="en-US" dirty="0">
+                <a:latin typeface="Times New Roman" panose="02020603050405020304" pitchFamily="18" charset="0"/>
+                <a:cs typeface="Times New Roman" panose="02020603050405020304" pitchFamily="18" charset="0"/>
+              </a:rPr>
+              <a:t> </a:t>
+            </a:r>
+            <a:r>
+              <a:rPr lang="en-US" dirty="0" err="1">
                 <a:latin typeface="Times New Roman" panose="02020603050405020304" pitchFamily="18" charset="0"/>
                 <a:cs typeface="Times New Roman" panose="02020603050405020304" pitchFamily="18" charset="0"/>
               </a:rPr>
               <a:t>phổ</a:t>
             </a:r>
             <a:r>
-              <a:rPr lang="en-US" dirty="0" smtClean="0">
-                <a:latin typeface="Times New Roman" panose="02020603050405020304" pitchFamily="18" charset="0"/>
-                <a:cs typeface="Times New Roman" panose="02020603050405020304" pitchFamily="18" charset="0"/>
-              </a:rPr>
-              <a:t> </a:t>
-            </a:r>
-            <a:r>
-              <a:rPr lang="en-US" dirty="0" err="1" smtClean="0">
+              <a:rPr lang="en-US" dirty="0">
+                <a:latin typeface="Times New Roman" panose="02020603050405020304" pitchFamily="18" charset="0"/>
+                <a:cs typeface="Times New Roman" panose="02020603050405020304" pitchFamily="18" charset="0"/>
+              </a:rPr>
+              <a:t> </a:t>
+            </a:r>
+            <a:r>
+              <a:rPr lang="en-US" dirty="0" err="1">
                 <a:latin typeface="Times New Roman" panose="02020603050405020304" pitchFamily="18" charset="0"/>
                 <a:cs typeface="Times New Roman" panose="02020603050405020304" pitchFamily="18" charset="0"/>
               </a:rPr>
               <a:t>biến</a:t>
             </a:r>
             <a:r>
-              <a:rPr lang="en-US" dirty="0" smtClean="0">
-                <a:latin typeface="Times New Roman" panose="02020603050405020304" pitchFamily="18" charset="0"/>
-                <a:cs typeface="Times New Roman" panose="02020603050405020304" pitchFamily="18" charset="0"/>
-              </a:rPr>
-              <a:t> </a:t>
-            </a:r>
-            <a:r>
-              <a:rPr lang="en-US" dirty="0" err="1" smtClean="0">
+              <a:rPr lang="en-US" dirty="0">
+                <a:latin typeface="Times New Roman" panose="02020603050405020304" pitchFamily="18" charset="0"/>
+                <a:cs typeface="Times New Roman" panose="02020603050405020304" pitchFamily="18" charset="0"/>
+              </a:rPr>
+              <a:t> </a:t>
+            </a:r>
+            <a:r>
+              <a:rPr lang="en-US" dirty="0" err="1">
                 <a:latin typeface="Times New Roman" panose="02020603050405020304" pitchFamily="18" charset="0"/>
                 <a:cs typeface="Times New Roman" panose="02020603050405020304" pitchFamily="18" charset="0"/>
               </a:rPr>
               <a:t>là</a:t>
             </a:r>
             <a:r>
-              <a:rPr lang="en-US" dirty="0" smtClean="0">
-                <a:latin typeface="Times New Roman" panose="02020603050405020304" pitchFamily="18" charset="0"/>
-                <a:cs typeface="Times New Roman" panose="02020603050405020304" pitchFamily="18" charset="0"/>
-              </a:rPr>
-              <a:t> </a:t>
-            </a:r>
-            <a:r>
-              <a:rPr lang="en-US" dirty="0" err="1" smtClean="0">
+              <a:rPr lang="en-US" dirty="0">
+                <a:latin typeface="Times New Roman" panose="02020603050405020304" pitchFamily="18" charset="0"/>
+                <a:cs typeface="Times New Roman" panose="02020603050405020304" pitchFamily="18" charset="0"/>
+              </a:rPr>
+              <a:t> </a:t>
+            </a:r>
+            <a:r>
+              <a:rPr lang="en-US" dirty="0" err="1">
                 <a:latin typeface="Times New Roman" panose="02020603050405020304" pitchFamily="18" charset="0"/>
                 <a:cs typeface="Times New Roman" panose="02020603050405020304" pitchFamily="18" charset="0"/>
               </a:rPr>
               <a:t>bộ</a:t>
             </a:r>
             <a:r>
-              <a:rPr lang="en-US" dirty="0" smtClean="0">
-                <a:latin typeface="Times New Roman" panose="02020603050405020304" pitchFamily="18" charset="0"/>
-                <a:cs typeface="Times New Roman" panose="02020603050405020304" pitchFamily="18" charset="0"/>
-              </a:rPr>
-              <a:t> </a:t>
-            </a:r>
-            <a:r>
-              <a:rPr lang="en-US" dirty="0" err="1" smtClean="0">
+              <a:rPr lang="en-US" dirty="0">
+                <a:latin typeface="Times New Roman" panose="02020603050405020304" pitchFamily="18" charset="0"/>
+                <a:cs typeface="Times New Roman" panose="02020603050405020304" pitchFamily="18" charset="0"/>
+              </a:rPr>
+              <a:t> </a:t>
+            </a:r>
+            <a:r>
+              <a:rPr lang="en-US" dirty="0" err="1">
                 <a:latin typeface="Times New Roman" panose="02020603050405020304" pitchFamily="18" charset="0"/>
                 <a:cs typeface="Times New Roman" panose="02020603050405020304" pitchFamily="18" charset="0"/>
               </a:rPr>
               <a:t>nhãn</a:t>
             </a:r>
             <a:r>
-              <a:rPr lang="en-US" dirty="0" smtClean="0">
-                <a:latin typeface="Times New Roman" panose="02020603050405020304" pitchFamily="18" charset="0"/>
-                <a:cs typeface="Times New Roman" panose="02020603050405020304" pitchFamily="18" charset="0"/>
-              </a:rPr>
-              <a:t> </a:t>
-            </a:r>
-            <a:r>
-              <a:rPr lang="en-US" dirty="0" err="1" smtClean="0">
+              <a:rPr lang="en-US" dirty="0">
+                <a:latin typeface="Times New Roman" panose="02020603050405020304" pitchFamily="18" charset="0"/>
+                <a:cs typeface="Times New Roman" panose="02020603050405020304" pitchFamily="18" charset="0"/>
+              </a:rPr>
+              <a:t> </a:t>
+            </a:r>
+            <a:r>
+              <a:rPr lang="en-US" dirty="0" err="1">
                 <a:latin typeface="Times New Roman" panose="02020603050405020304" pitchFamily="18" charset="0"/>
                 <a:cs typeface="Times New Roman" panose="02020603050405020304" pitchFamily="18" charset="0"/>
               </a:rPr>
               <a:t>từ</a:t>
             </a:r>
             <a:r>
-              <a:rPr lang="en-US" dirty="0" smtClean="0">
-                <a:latin typeface="Times New Roman" panose="02020603050405020304" pitchFamily="18" charset="0"/>
-                <a:cs typeface="Times New Roman" panose="02020603050405020304" pitchFamily="18" charset="0"/>
-              </a:rPr>
-              <a:t> </a:t>
-            </a:r>
-            <a:r>
-              <a:rPr lang="en-US" dirty="0" err="1" smtClean="0">
+              <a:rPr lang="en-US" dirty="0">
+                <a:latin typeface="Times New Roman" panose="02020603050405020304" pitchFamily="18" charset="0"/>
+                <a:cs typeface="Times New Roman" panose="02020603050405020304" pitchFamily="18" charset="0"/>
+              </a:rPr>
+              <a:t> </a:t>
+            </a:r>
+            <a:r>
+              <a:rPr lang="en-US" dirty="0" err="1">
                 <a:latin typeface="Times New Roman" panose="02020603050405020304" pitchFamily="18" charset="0"/>
                 <a:cs typeface="Times New Roman" panose="02020603050405020304" pitchFamily="18" charset="0"/>
               </a:rPr>
               <a:t>vựng</a:t>
             </a:r>
             <a:r>
-              <a:rPr lang="en-US" dirty="0" smtClean="0">
-                <a:latin typeface="Times New Roman" panose="02020603050405020304" pitchFamily="18" charset="0"/>
-                <a:cs typeface="Times New Roman" panose="02020603050405020304" pitchFamily="18" charset="0"/>
-              </a:rPr>
-              <a:t> </a:t>
-            </a:r>
-            <a:r>
-              <a:rPr lang="en-US" dirty="0" err="1" smtClean="0">
+              <a:rPr lang="en-US" dirty="0">
+                <a:latin typeface="Times New Roman" panose="02020603050405020304" pitchFamily="18" charset="0"/>
+                <a:cs typeface="Times New Roman" panose="02020603050405020304" pitchFamily="18" charset="0"/>
+              </a:rPr>
+              <a:t> </a:t>
+            </a:r>
+            <a:r>
+              <a:rPr lang="en-US" dirty="0" err="1">
                 <a:latin typeface="Times New Roman" panose="02020603050405020304" pitchFamily="18" charset="0"/>
                 <a:cs typeface="Times New Roman" panose="02020603050405020304" pitchFamily="18" charset="0"/>
               </a:rPr>
               <a:t>của</a:t>
             </a:r>
             <a:r>
-              <a:rPr lang="en-US" dirty="0" smtClean="0">
+              <a:rPr lang="en-US" dirty="0">
                 <a:latin typeface="Times New Roman" panose="02020603050405020304" pitchFamily="18" charset="0"/>
                 <a:cs typeface="Times New Roman" panose="02020603050405020304" pitchFamily="18" charset="0"/>
               </a:rPr>
               <a:t> Penn </a:t>
             </a:r>
             <a:r>
-              <a:rPr lang="en-US" dirty="0" err="1" smtClean="0">
+              <a:rPr lang="en-US" dirty="0" err="1">
                 <a:latin typeface="Times New Roman" panose="02020603050405020304" pitchFamily="18" charset="0"/>
                 <a:cs typeface="Times New Roman" panose="02020603050405020304" pitchFamily="18" charset="0"/>
               </a:rPr>
               <a:t>TreeBank</a:t>
             </a:r>
             <a:r>
-              <a:rPr lang="en-US" dirty="0" smtClean="0">
+              <a:rPr lang="en-US" dirty="0">
                 <a:latin typeface="Times New Roman" panose="02020603050405020304" pitchFamily="18" charset="0"/>
                 <a:cs typeface="Times New Roman" panose="02020603050405020304" pitchFamily="18" charset="0"/>
               </a:rPr>
               <a:t> (48 </a:t>
             </a:r>
             <a:r>
-              <a:rPr lang="en-US" dirty="0" err="1" smtClean="0">
+              <a:rPr lang="en-US" dirty="0" err="1">
                 <a:latin typeface="Times New Roman" panose="02020603050405020304" pitchFamily="18" charset="0"/>
                 <a:cs typeface="Times New Roman" panose="02020603050405020304" pitchFamily="18" charset="0"/>
               </a:rPr>
               <a:t>nhãn</a:t>
             </a:r>
             <a:r>
-              <a:rPr lang="en-US" dirty="0" smtClean="0">
+              <a:rPr lang="en-US" dirty="0">
                 <a:latin typeface="Times New Roman" panose="02020603050405020304" pitchFamily="18" charset="0"/>
                 <a:cs typeface="Times New Roman" panose="02020603050405020304" pitchFamily="18" charset="0"/>
               </a:rPr>
@@ -13204,18 +13171,10 @@
                 <a:cs typeface="Times New Roman" panose="02020603050405020304" pitchFamily="18" charset="0"/>
                 <a:hlinkClick r:id="rId2"/>
               </a:rPr>
-              <a:t>https://</a:t>
-            </a:r>
-            <a:r>
-              <a:rPr lang="en-US" dirty="0" smtClean="0">
-                <a:latin typeface="Times New Roman" panose="02020603050405020304" pitchFamily="18" charset="0"/>
-                <a:cs typeface="Times New Roman" panose="02020603050405020304" pitchFamily="18" charset="0"/>
-                <a:hlinkClick r:id="rId2"/>
-              </a:rPr>
-              <a:t>www.ling.upenn.edu/courses/Fall_2003/ling001/penn_treebank_pos.html</a:t>
-            </a:r>
-            <a:r>
-              <a:rPr lang="en-US" dirty="0" smtClean="0">
+              <a:t>https://www.ling.upenn.edu/courses/Fall_2003/ling001/penn_treebank_pos.html</a:t>
+            </a:r>
+            <a:r>
+              <a:rPr lang="en-US" dirty="0">
                 <a:latin typeface="Times New Roman" panose="02020603050405020304" pitchFamily="18" charset="0"/>
                 <a:cs typeface="Times New Roman" panose="02020603050405020304" pitchFamily="18" charset="0"/>
               </a:rPr>
@@ -13522,279 +13481,279 @@
           <a:lstStyle/>
           <a:p>
             <a:r>
-              <a:rPr lang="en-US" dirty="0" err="1" smtClean="0">
+              <a:rPr lang="en-US" dirty="0" err="1">
                 <a:latin typeface="Times New Roman" panose="02020603050405020304" pitchFamily="18" charset="0"/>
                 <a:cs typeface="Times New Roman" panose="02020603050405020304" pitchFamily="18" charset="0"/>
               </a:rPr>
               <a:t>Phục</a:t>
             </a:r>
             <a:r>
-              <a:rPr lang="en-US" dirty="0" smtClean="0">
-                <a:latin typeface="Times New Roman" panose="02020603050405020304" pitchFamily="18" charset="0"/>
-                <a:cs typeface="Times New Roman" panose="02020603050405020304" pitchFamily="18" charset="0"/>
-              </a:rPr>
-              <a:t> </a:t>
-            </a:r>
-            <a:r>
-              <a:rPr lang="en-US" dirty="0" err="1" smtClean="0">
+              <a:rPr lang="en-US" dirty="0">
+                <a:latin typeface="Times New Roman" panose="02020603050405020304" pitchFamily="18" charset="0"/>
+                <a:cs typeface="Times New Roman" panose="02020603050405020304" pitchFamily="18" charset="0"/>
+              </a:rPr>
+              <a:t> </a:t>
+            </a:r>
+            <a:r>
+              <a:rPr lang="en-US" dirty="0" err="1">
                 <a:latin typeface="Times New Roman" panose="02020603050405020304" pitchFamily="18" charset="0"/>
                 <a:cs typeface="Times New Roman" panose="02020603050405020304" pitchFamily="18" charset="0"/>
               </a:rPr>
               <a:t>vụ</a:t>
             </a:r>
             <a:r>
-              <a:rPr lang="en-US" dirty="0" smtClean="0">
-                <a:latin typeface="Times New Roman" panose="02020603050405020304" pitchFamily="18" charset="0"/>
-                <a:cs typeface="Times New Roman" panose="02020603050405020304" pitchFamily="18" charset="0"/>
-              </a:rPr>
-              <a:t> </a:t>
-            </a:r>
-            <a:r>
-              <a:rPr lang="en-US" dirty="0" err="1" smtClean="0">
+              <a:rPr lang="en-US" dirty="0">
+                <a:latin typeface="Times New Roman" panose="02020603050405020304" pitchFamily="18" charset="0"/>
+                <a:cs typeface="Times New Roman" panose="02020603050405020304" pitchFamily="18" charset="0"/>
+              </a:rPr>
+              <a:t> </a:t>
+            </a:r>
+            <a:r>
+              <a:rPr lang="en-US" dirty="0" err="1">
                 <a:latin typeface="Times New Roman" panose="02020603050405020304" pitchFamily="18" charset="0"/>
                 <a:cs typeface="Times New Roman" panose="02020603050405020304" pitchFamily="18" charset="0"/>
               </a:rPr>
               <a:t>cho</a:t>
             </a:r>
             <a:r>
-              <a:rPr lang="en-US" dirty="0" smtClean="0">
-                <a:latin typeface="Times New Roman" panose="02020603050405020304" pitchFamily="18" charset="0"/>
-                <a:cs typeface="Times New Roman" panose="02020603050405020304" pitchFamily="18" charset="0"/>
-              </a:rPr>
-              <a:t> </a:t>
-            </a:r>
-            <a:r>
-              <a:rPr lang="en-US" dirty="0" err="1" smtClean="0">
+              <a:rPr lang="en-US" dirty="0">
+                <a:latin typeface="Times New Roman" panose="02020603050405020304" pitchFamily="18" charset="0"/>
+                <a:cs typeface="Times New Roman" panose="02020603050405020304" pitchFamily="18" charset="0"/>
+              </a:rPr>
+              <a:t> </a:t>
+            </a:r>
+            <a:r>
+              <a:rPr lang="en-US" dirty="0" err="1">
                 <a:latin typeface="Times New Roman" panose="02020603050405020304" pitchFamily="18" charset="0"/>
                 <a:cs typeface="Times New Roman" panose="02020603050405020304" pitchFamily="18" charset="0"/>
               </a:rPr>
               <a:t>các</a:t>
             </a:r>
             <a:r>
-              <a:rPr lang="en-US" dirty="0" smtClean="0">
-                <a:latin typeface="Times New Roman" panose="02020603050405020304" pitchFamily="18" charset="0"/>
-                <a:cs typeface="Times New Roman" panose="02020603050405020304" pitchFamily="18" charset="0"/>
-              </a:rPr>
-              <a:t> </a:t>
-            </a:r>
-            <a:r>
-              <a:rPr lang="en-US" dirty="0" err="1" smtClean="0">
+              <a:rPr lang="en-US" dirty="0">
+                <a:latin typeface="Times New Roman" panose="02020603050405020304" pitchFamily="18" charset="0"/>
+                <a:cs typeface="Times New Roman" panose="02020603050405020304" pitchFamily="18" charset="0"/>
+              </a:rPr>
+              <a:t> </a:t>
+            </a:r>
+            <a:r>
+              <a:rPr lang="en-US" dirty="0" err="1">
                 <a:latin typeface="Times New Roman" panose="02020603050405020304" pitchFamily="18" charset="0"/>
                 <a:cs typeface="Times New Roman" panose="02020603050405020304" pitchFamily="18" charset="0"/>
               </a:rPr>
               <a:t>bài</a:t>
             </a:r>
             <a:r>
-              <a:rPr lang="en-US" dirty="0" smtClean="0">
-                <a:latin typeface="Times New Roman" panose="02020603050405020304" pitchFamily="18" charset="0"/>
-                <a:cs typeface="Times New Roman" panose="02020603050405020304" pitchFamily="18" charset="0"/>
-              </a:rPr>
-              <a:t> </a:t>
-            </a:r>
-            <a:r>
-              <a:rPr lang="en-US" dirty="0" err="1" smtClean="0">
+              <a:rPr lang="en-US" dirty="0">
+                <a:latin typeface="Times New Roman" panose="02020603050405020304" pitchFamily="18" charset="0"/>
+                <a:cs typeface="Times New Roman" panose="02020603050405020304" pitchFamily="18" charset="0"/>
+              </a:rPr>
+              <a:t> </a:t>
+            </a:r>
+            <a:r>
+              <a:rPr lang="en-US" dirty="0" err="1">
                 <a:latin typeface="Times New Roman" panose="02020603050405020304" pitchFamily="18" charset="0"/>
                 <a:cs typeface="Times New Roman" panose="02020603050405020304" pitchFamily="18" charset="0"/>
               </a:rPr>
               <a:t>toán</a:t>
             </a:r>
             <a:r>
-              <a:rPr lang="en-US" dirty="0" smtClean="0">
-                <a:latin typeface="Times New Roman" panose="02020603050405020304" pitchFamily="18" charset="0"/>
-                <a:cs typeface="Times New Roman" panose="02020603050405020304" pitchFamily="18" charset="0"/>
-              </a:rPr>
-              <a:t> </a:t>
-            </a:r>
-            <a:r>
-              <a:rPr lang="en-US" dirty="0" err="1" smtClean="0">
+              <a:rPr lang="en-US" dirty="0">
+                <a:latin typeface="Times New Roman" panose="02020603050405020304" pitchFamily="18" charset="0"/>
+                <a:cs typeface="Times New Roman" panose="02020603050405020304" pitchFamily="18" charset="0"/>
+              </a:rPr>
+              <a:t> </a:t>
+            </a:r>
+            <a:r>
+              <a:rPr lang="en-US" dirty="0" err="1">
                 <a:latin typeface="Times New Roman" panose="02020603050405020304" pitchFamily="18" charset="0"/>
                 <a:cs typeface="Times New Roman" panose="02020603050405020304" pitchFamily="18" charset="0"/>
               </a:rPr>
               <a:t>xử</a:t>
             </a:r>
             <a:r>
-              <a:rPr lang="en-US" dirty="0" smtClean="0">
-                <a:latin typeface="Times New Roman" panose="02020603050405020304" pitchFamily="18" charset="0"/>
-                <a:cs typeface="Times New Roman" panose="02020603050405020304" pitchFamily="18" charset="0"/>
-              </a:rPr>
-              <a:t> </a:t>
-            </a:r>
-            <a:r>
-              <a:rPr lang="en-US" dirty="0" err="1" smtClean="0">
+              <a:rPr lang="en-US" dirty="0">
+                <a:latin typeface="Times New Roman" panose="02020603050405020304" pitchFamily="18" charset="0"/>
+                <a:cs typeface="Times New Roman" panose="02020603050405020304" pitchFamily="18" charset="0"/>
+              </a:rPr>
+              <a:t> </a:t>
+            </a:r>
+            <a:r>
+              <a:rPr lang="en-US" dirty="0" err="1">
                 <a:latin typeface="Times New Roman" panose="02020603050405020304" pitchFamily="18" charset="0"/>
                 <a:cs typeface="Times New Roman" panose="02020603050405020304" pitchFamily="18" charset="0"/>
               </a:rPr>
               <a:t>lý</a:t>
             </a:r>
             <a:r>
-              <a:rPr lang="en-US" dirty="0" smtClean="0">
-                <a:latin typeface="Times New Roman" panose="02020603050405020304" pitchFamily="18" charset="0"/>
-                <a:cs typeface="Times New Roman" panose="02020603050405020304" pitchFamily="18" charset="0"/>
-              </a:rPr>
-              <a:t> </a:t>
-            </a:r>
-            <a:r>
-              <a:rPr lang="en-US" dirty="0" err="1" smtClean="0">
+              <a:rPr lang="en-US" dirty="0">
+                <a:latin typeface="Times New Roman" panose="02020603050405020304" pitchFamily="18" charset="0"/>
+                <a:cs typeface="Times New Roman" panose="02020603050405020304" pitchFamily="18" charset="0"/>
+              </a:rPr>
+              <a:t> </a:t>
+            </a:r>
+            <a:r>
+              <a:rPr lang="en-US" dirty="0" err="1">
                 <a:latin typeface="Times New Roman" panose="02020603050405020304" pitchFamily="18" charset="0"/>
                 <a:cs typeface="Times New Roman" panose="02020603050405020304" pitchFamily="18" charset="0"/>
               </a:rPr>
               <a:t>văn</a:t>
             </a:r>
             <a:r>
-              <a:rPr lang="en-US" dirty="0" smtClean="0">
-                <a:latin typeface="Times New Roman" panose="02020603050405020304" pitchFamily="18" charset="0"/>
-                <a:cs typeface="Times New Roman" panose="02020603050405020304" pitchFamily="18" charset="0"/>
-              </a:rPr>
-              <a:t> </a:t>
-            </a:r>
-            <a:r>
-              <a:rPr lang="en-US" dirty="0" err="1" smtClean="0">
+              <a:rPr lang="en-US" dirty="0">
+                <a:latin typeface="Times New Roman" panose="02020603050405020304" pitchFamily="18" charset="0"/>
+                <a:cs typeface="Times New Roman" panose="02020603050405020304" pitchFamily="18" charset="0"/>
+              </a:rPr>
+              <a:t> </a:t>
+            </a:r>
+            <a:r>
+              <a:rPr lang="en-US" dirty="0" err="1">
                 <a:latin typeface="Times New Roman" panose="02020603050405020304" pitchFamily="18" charset="0"/>
                 <a:cs typeface="Times New Roman" panose="02020603050405020304" pitchFamily="18" charset="0"/>
               </a:rPr>
               <a:t>bản</a:t>
             </a:r>
             <a:r>
-              <a:rPr lang="en-US" dirty="0" smtClean="0">
+              <a:rPr lang="en-US" dirty="0">
                 <a:latin typeface="Times New Roman" panose="02020603050405020304" pitchFamily="18" charset="0"/>
                 <a:cs typeface="Times New Roman" panose="02020603050405020304" pitchFamily="18" charset="0"/>
               </a:rPr>
               <a:t>: </a:t>
             </a:r>
             <a:r>
-              <a:rPr lang="en-US" dirty="0" err="1" smtClean="0">
+              <a:rPr lang="en-US" dirty="0" err="1">
                 <a:latin typeface="Times New Roman" panose="02020603050405020304" pitchFamily="18" charset="0"/>
                 <a:cs typeface="Times New Roman" panose="02020603050405020304" pitchFamily="18" charset="0"/>
               </a:rPr>
               <a:t>tạo</a:t>
             </a:r>
             <a:r>
-              <a:rPr lang="en-US" dirty="0" smtClean="0">
-                <a:latin typeface="Times New Roman" panose="02020603050405020304" pitchFamily="18" charset="0"/>
-                <a:cs typeface="Times New Roman" panose="02020603050405020304" pitchFamily="18" charset="0"/>
-              </a:rPr>
-              <a:t> </a:t>
-            </a:r>
-            <a:r>
-              <a:rPr lang="en-US" dirty="0" err="1" smtClean="0">
+              <a:rPr lang="en-US" dirty="0">
+                <a:latin typeface="Times New Roman" panose="02020603050405020304" pitchFamily="18" charset="0"/>
+                <a:cs typeface="Times New Roman" panose="02020603050405020304" pitchFamily="18" charset="0"/>
+              </a:rPr>
+              <a:t> </a:t>
+            </a:r>
+            <a:r>
+              <a:rPr lang="en-US" dirty="0" err="1">
                 <a:latin typeface="Times New Roman" panose="02020603050405020304" pitchFamily="18" charset="0"/>
                 <a:cs typeface="Times New Roman" panose="02020603050405020304" pitchFamily="18" charset="0"/>
               </a:rPr>
               <a:t>ra</a:t>
             </a:r>
             <a:r>
-              <a:rPr lang="en-US" dirty="0" smtClean="0">
-                <a:latin typeface="Times New Roman" panose="02020603050405020304" pitchFamily="18" charset="0"/>
-                <a:cs typeface="Times New Roman" panose="02020603050405020304" pitchFamily="18" charset="0"/>
-              </a:rPr>
-              <a:t> </a:t>
-            </a:r>
-            <a:r>
-              <a:rPr lang="en-US" dirty="0" err="1" smtClean="0">
+              <a:rPr lang="en-US" dirty="0">
+                <a:latin typeface="Times New Roman" panose="02020603050405020304" pitchFamily="18" charset="0"/>
+                <a:cs typeface="Times New Roman" panose="02020603050405020304" pitchFamily="18" charset="0"/>
+              </a:rPr>
+              <a:t> </a:t>
+            </a:r>
+            <a:r>
+              <a:rPr lang="en-US" dirty="0" err="1">
                 <a:latin typeface="Times New Roman" panose="02020603050405020304" pitchFamily="18" charset="0"/>
                 <a:cs typeface="Times New Roman" panose="02020603050405020304" pitchFamily="18" charset="0"/>
               </a:rPr>
               <a:t>các</a:t>
             </a:r>
             <a:r>
-              <a:rPr lang="en-US" dirty="0" smtClean="0">
-                <a:latin typeface="Times New Roman" panose="02020603050405020304" pitchFamily="18" charset="0"/>
-                <a:cs typeface="Times New Roman" panose="02020603050405020304" pitchFamily="18" charset="0"/>
-              </a:rPr>
-              <a:t> </a:t>
-            </a:r>
-            <a:r>
-              <a:rPr lang="en-US" dirty="0" err="1" smtClean="0">
+              <a:rPr lang="en-US" dirty="0">
+                <a:latin typeface="Times New Roman" panose="02020603050405020304" pitchFamily="18" charset="0"/>
+                <a:cs typeface="Times New Roman" panose="02020603050405020304" pitchFamily="18" charset="0"/>
+              </a:rPr>
+              <a:t> </a:t>
+            </a:r>
+            <a:r>
+              <a:rPr lang="en-US" dirty="0" err="1">
                 <a:latin typeface="Times New Roman" panose="02020603050405020304" pitchFamily="18" charset="0"/>
                 <a:cs typeface="Times New Roman" panose="02020603050405020304" pitchFamily="18" charset="0"/>
               </a:rPr>
               <a:t>đặc</a:t>
             </a:r>
             <a:r>
-              <a:rPr lang="en-US" dirty="0" smtClean="0">
-                <a:latin typeface="Times New Roman" panose="02020603050405020304" pitchFamily="18" charset="0"/>
-                <a:cs typeface="Times New Roman" panose="02020603050405020304" pitchFamily="18" charset="0"/>
-              </a:rPr>
-              <a:t> </a:t>
-            </a:r>
-            <a:r>
-              <a:rPr lang="en-US" dirty="0" err="1" smtClean="0">
+              <a:rPr lang="en-US" dirty="0">
+                <a:latin typeface="Times New Roman" panose="02020603050405020304" pitchFamily="18" charset="0"/>
+                <a:cs typeface="Times New Roman" panose="02020603050405020304" pitchFamily="18" charset="0"/>
+              </a:rPr>
+              <a:t> </a:t>
+            </a:r>
+            <a:r>
+              <a:rPr lang="en-US" dirty="0" err="1">
                 <a:latin typeface="Times New Roman" panose="02020603050405020304" pitchFamily="18" charset="0"/>
                 <a:cs typeface="Times New Roman" panose="02020603050405020304" pitchFamily="18" charset="0"/>
               </a:rPr>
               <a:t>trưng</a:t>
             </a:r>
             <a:r>
-              <a:rPr lang="en-US" dirty="0" smtClean="0">
-                <a:latin typeface="Times New Roman" panose="02020603050405020304" pitchFamily="18" charset="0"/>
-                <a:cs typeface="Times New Roman" panose="02020603050405020304" pitchFamily="18" charset="0"/>
-              </a:rPr>
-              <a:t> </a:t>
-            </a:r>
-            <a:r>
-              <a:rPr lang="en-US" dirty="0" err="1" smtClean="0">
+              <a:rPr lang="en-US" dirty="0">
+                <a:latin typeface="Times New Roman" panose="02020603050405020304" pitchFamily="18" charset="0"/>
+                <a:cs typeface="Times New Roman" panose="02020603050405020304" pitchFamily="18" charset="0"/>
+              </a:rPr>
+              <a:t> </a:t>
+            </a:r>
+            <a:r>
+              <a:rPr lang="en-US" dirty="0" err="1">
                 <a:latin typeface="Times New Roman" panose="02020603050405020304" pitchFamily="18" charset="0"/>
                 <a:cs typeface="Times New Roman" panose="02020603050405020304" pitchFamily="18" charset="0"/>
               </a:rPr>
               <a:t>mang</a:t>
             </a:r>
             <a:r>
-              <a:rPr lang="en-US" dirty="0" smtClean="0">
-                <a:latin typeface="Times New Roman" panose="02020603050405020304" pitchFamily="18" charset="0"/>
-                <a:cs typeface="Times New Roman" panose="02020603050405020304" pitchFamily="18" charset="0"/>
-              </a:rPr>
-              <a:t> </a:t>
-            </a:r>
-            <a:r>
-              <a:rPr lang="en-US" dirty="0" err="1" smtClean="0">
+              <a:rPr lang="en-US" dirty="0">
+                <a:latin typeface="Times New Roman" panose="02020603050405020304" pitchFamily="18" charset="0"/>
+                <a:cs typeface="Times New Roman" panose="02020603050405020304" pitchFamily="18" charset="0"/>
+              </a:rPr>
+              <a:t> </a:t>
+            </a:r>
+            <a:r>
+              <a:rPr lang="en-US" dirty="0" err="1">
                 <a:latin typeface="Times New Roman" panose="02020603050405020304" pitchFamily="18" charset="0"/>
                 <a:cs typeface="Times New Roman" panose="02020603050405020304" pitchFamily="18" charset="0"/>
               </a:rPr>
               <a:t>ngữ</a:t>
             </a:r>
             <a:r>
-              <a:rPr lang="en-US" dirty="0" smtClean="0">
-                <a:latin typeface="Times New Roman" panose="02020603050405020304" pitchFamily="18" charset="0"/>
-                <a:cs typeface="Times New Roman" panose="02020603050405020304" pitchFamily="18" charset="0"/>
-              </a:rPr>
-              <a:t> </a:t>
-            </a:r>
-            <a:r>
-              <a:rPr lang="en-US" dirty="0" err="1" smtClean="0">
+              <a:rPr lang="en-US" dirty="0">
+                <a:latin typeface="Times New Roman" panose="02020603050405020304" pitchFamily="18" charset="0"/>
+                <a:cs typeface="Times New Roman" panose="02020603050405020304" pitchFamily="18" charset="0"/>
+              </a:rPr>
+              <a:t> </a:t>
+            </a:r>
+            <a:r>
+              <a:rPr lang="en-US" dirty="0" err="1">
                 <a:latin typeface="Times New Roman" panose="02020603050405020304" pitchFamily="18" charset="0"/>
                 <a:cs typeface="Times New Roman" panose="02020603050405020304" pitchFamily="18" charset="0"/>
               </a:rPr>
               <a:t>nghĩa</a:t>
             </a:r>
             <a:r>
-              <a:rPr lang="en-US" dirty="0" smtClean="0">
-                <a:latin typeface="Times New Roman" panose="02020603050405020304" pitchFamily="18" charset="0"/>
-                <a:cs typeface="Times New Roman" panose="02020603050405020304" pitchFamily="18" charset="0"/>
-              </a:rPr>
-              <a:t> </a:t>
-            </a:r>
-            <a:r>
-              <a:rPr lang="en-US" dirty="0" err="1" smtClean="0">
+              <a:rPr lang="en-US" dirty="0">
+                <a:latin typeface="Times New Roman" panose="02020603050405020304" pitchFamily="18" charset="0"/>
+                <a:cs typeface="Times New Roman" panose="02020603050405020304" pitchFamily="18" charset="0"/>
+              </a:rPr>
+              <a:t> </a:t>
+            </a:r>
+            <a:r>
+              <a:rPr lang="en-US" dirty="0" err="1">
                 <a:latin typeface="Times New Roman" panose="02020603050405020304" pitchFamily="18" charset="0"/>
                 <a:cs typeface="Times New Roman" panose="02020603050405020304" pitchFamily="18" charset="0"/>
               </a:rPr>
               <a:t>cao</a:t>
             </a:r>
             <a:r>
-              <a:rPr lang="en-US" dirty="0" smtClean="0">
-                <a:latin typeface="Times New Roman" panose="02020603050405020304" pitchFamily="18" charset="0"/>
-                <a:cs typeface="Times New Roman" panose="02020603050405020304" pitchFamily="18" charset="0"/>
-              </a:rPr>
-              <a:t> </a:t>
-            </a:r>
-            <a:r>
-              <a:rPr lang="en-US" dirty="0" err="1" smtClean="0">
+              <a:rPr lang="en-US" dirty="0">
+                <a:latin typeface="Times New Roman" panose="02020603050405020304" pitchFamily="18" charset="0"/>
+                <a:cs typeface="Times New Roman" panose="02020603050405020304" pitchFamily="18" charset="0"/>
+              </a:rPr>
+              <a:t> </a:t>
+            </a:r>
+            <a:r>
+              <a:rPr lang="en-US" dirty="0" err="1">
                 <a:latin typeface="Times New Roman" panose="02020603050405020304" pitchFamily="18" charset="0"/>
                 <a:cs typeface="Times New Roman" panose="02020603050405020304" pitchFamily="18" charset="0"/>
               </a:rPr>
               <a:t>hơn</a:t>
             </a:r>
-            <a:endParaRPr lang="en-US" dirty="0" smtClean="0">
+            <a:endParaRPr lang="en-US" dirty="0">
               <a:latin typeface="Times New Roman" panose="02020603050405020304" pitchFamily="18" charset="0"/>
               <a:cs typeface="Times New Roman" panose="02020603050405020304" pitchFamily="18" charset="0"/>
             </a:endParaRPr>
@@ -13804,467 +13763,467 @@
               <a:buNone/>
             </a:pPr>
             <a:r>
-              <a:rPr lang="en-US" dirty="0" smtClean="0">
+              <a:rPr lang="en-US" dirty="0">
                 <a:latin typeface="Times New Roman" panose="02020603050405020304" pitchFamily="18" charset="0"/>
                 <a:cs typeface="Times New Roman" panose="02020603050405020304" pitchFamily="18" charset="0"/>
               </a:rPr>
               <a:t>	</a:t>
             </a:r>
             <a:r>
-              <a:rPr lang="en-US" dirty="0" err="1" smtClean="0">
+              <a:rPr lang="en-US" dirty="0" err="1">
                 <a:latin typeface="Times New Roman" panose="02020603050405020304" pitchFamily="18" charset="0"/>
                 <a:cs typeface="Times New Roman" panose="02020603050405020304" pitchFamily="18" charset="0"/>
               </a:rPr>
               <a:t>Ví</a:t>
             </a:r>
             <a:r>
-              <a:rPr lang="en-US" dirty="0" smtClean="0">
-                <a:latin typeface="Times New Roman" panose="02020603050405020304" pitchFamily="18" charset="0"/>
-                <a:cs typeface="Times New Roman" panose="02020603050405020304" pitchFamily="18" charset="0"/>
-              </a:rPr>
-              <a:t> </a:t>
-            </a:r>
-            <a:r>
-              <a:rPr lang="en-US" dirty="0" err="1" smtClean="0">
+              <a:rPr lang="en-US" dirty="0">
+                <a:latin typeface="Times New Roman" panose="02020603050405020304" pitchFamily="18" charset="0"/>
+                <a:cs typeface="Times New Roman" panose="02020603050405020304" pitchFamily="18" charset="0"/>
+              </a:rPr>
+              <a:t> </a:t>
+            </a:r>
+            <a:r>
+              <a:rPr lang="en-US" dirty="0" err="1">
                 <a:latin typeface="Times New Roman" panose="02020603050405020304" pitchFamily="18" charset="0"/>
                 <a:cs typeface="Times New Roman" panose="02020603050405020304" pitchFamily="18" charset="0"/>
               </a:rPr>
               <a:t>dụ</a:t>
             </a:r>
             <a:r>
-              <a:rPr lang="en-US" dirty="0" smtClean="0">
+              <a:rPr lang="en-US" dirty="0">
                 <a:latin typeface="Times New Roman" panose="02020603050405020304" pitchFamily="18" charset="0"/>
                 <a:cs typeface="Times New Roman" panose="02020603050405020304" pitchFamily="18" charset="0"/>
               </a:rPr>
               <a:t>: </a:t>
             </a:r>
             <a:r>
-              <a:rPr lang="en-US" b="1" dirty="0" smtClean="0">
+              <a:rPr lang="en-US" b="1" dirty="0">
                 <a:latin typeface="Times New Roman" panose="02020603050405020304" pitchFamily="18" charset="0"/>
                 <a:cs typeface="Times New Roman" panose="02020603050405020304" pitchFamily="18" charset="0"/>
               </a:rPr>
               <a:t>book - </a:t>
             </a:r>
             <a:r>
-              <a:rPr lang="en-US" b="1" dirty="0" err="1" smtClean="0">
+              <a:rPr lang="en-US" b="1" dirty="0" err="1">
                 <a:latin typeface="Times New Roman" panose="02020603050405020304" pitchFamily="18" charset="0"/>
                 <a:cs typeface="Times New Roman" panose="02020603050405020304" pitchFamily="18" charset="0"/>
               </a:rPr>
               <a:t>động</a:t>
             </a:r>
             <a:r>
-              <a:rPr lang="en-US" dirty="0" smtClean="0">
-                <a:latin typeface="Times New Roman" panose="02020603050405020304" pitchFamily="18" charset="0"/>
-                <a:cs typeface="Times New Roman" panose="02020603050405020304" pitchFamily="18" charset="0"/>
-              </a:rPr>
-              <a:t> </a:t>
-            </a:r>
-            <a:r>
-              <a:rPr lang="en-US" b="1" dirty="0" err="1" smtClean="0">
+              <a:rPr lang="en-US" dirty="0">
+                <a:latin typeface="Times New Roman" panose="02020603050405020304" pitchFamily="18" charset="0"/>
+                <a:cs typeface="Times New Roman" panose="02020603050405020304" pitchFamily="18" charset="0"/>
+              </a:rPr>
+              <a:t> </a:t>
+            </a:r>
+            <a:r>
+              <a:rPr lang="en-US" b="1" dirty="0" err="1">
                 <a:latin typeface="Times New Roman" panose="02020603050405020304" pitchFamily="18" charset="0"/>
                 <a:cs typeface="Times New Roman" panose="02020603050405020304" pitchFamily="18" charset="0"/>
               </a:rPr>
               <a:t>từ</a:t>
             </a:r>
             <a:r>
-              <a:rPr lang="en-US" dirty="0" smtClean="0">
-                <a:latin typeface="Times New Roman" panose="02020603050405020304" pitchFamily="18" charset="0"/>
-                <a:cs typeface="Times New Roman" panose="02020603050405020304" pitchFamily="18" charset="0"/>
-              </a:rPr>
-              <a:t> </a:t>
-            </a:r>
-            <a:r>
-              <a:rPr lang="en-US" dirty="0" err="1" smtClean="0">
+              <a:rPr lang="en-US" dirty="0">
+                <a:latin typeface="Times New Roman" panose="02020603050405020304" pitchFamily="18" charset="0"/>
+                <a:cs typeface="Times New Roman" panose="02020603050405020304" pitchFamily="18" charset="0"/>
+              </a:rPr>
+              <a:t> </a:t>
+            </a:r>
+            <a:r>
+              <a:rPr lang="en-US" dirty="0" err="1">
                 <a:latin typeface="Times New Roman" panose="02020603050405020304" pitchFamily="18" charset="0"/>
                 <a:cs typeface="Times New Roman" panose="02020603050405020304" pitchFamily="18" charset="0"/>
               </a:rPr>
               <a:t>và</a:t>
             </a:r>
             <a:r>
-              <a:rPr lang="en-US" dirty="0" smtClean="0">
-                <a:latin typeface="Times New Roman" panose="02020603050405020304" pitchFamily="18" charset="0"/>
-                <a:cs typeface="Times New Roman" panose="02020603050405020304" pitchFamily="18" charset="0"/>
-              </a:rPr>
-              <a:t> </a:t>
-            </a:r>
-            <a:r>
-              <a:rPr lang="en-US" b="1" dirty="0" smtClean="0">
+              <a:rPr lang="en-US" dirty="0">
+                <a:latin typeface="Times New Roman" panose="02020603050405020304" pitchFamily="18" charset="0"/>
+                <a:cs typeface="Times New Roman" panose="02020603050405020304" pitchFamily="18" charset="0"/>
+              </a:rPr>
+              <a:t> </a:t>
+            </a:r>
+            <a:r>
+              <a:rPr lang="en-US" b="1" dirty="0">
                 <a:latin typeface="Times New Roman" panose="02020603050405020304" pitchFamily="18" charset="0"/>
                 <a:cs typeface="Times New Roman" panose="02020603050405020304" pitchFamily="18" charset="0"/>
               </a:rPr>
               <a:t>book – </a:t>
             </a:r>
             <a:r>
-              <a:rPr lang="en-US" b="1" dirty="0" err="1" smtClean="0">
+              <a:rPr lang="en-US" b="1" dirty="0" err="1">
                 <a:latin typeface="Times New Roman" panose="02020603050405020304" pitchFamily="18" charset="0"/>
                 <a:cs typeface="Times New Roman" panose="02020603050405020304" pitchFamily="18" charset="0"/>
               </a:rPr>
               <a:t>danh</a:t>
             </a:r>
             <a:r>
-              <a:rPr lang="en-US" b="1" dirty="0" smtClean="0">
-                <a:latin typeface="Times New Roman" panose="02020603050405020304" pitchFamily="18" charset="0"/>
-                <a:cs typeface="Times New Roman" panose="02020603050405020304" pitchFamily="18" charset="0"/>
-              </a:rPr>
-              <a:t> </a:t>
-            </a:r>
-            <a:r>
-              <a:rPr lang="en-US" b="1" dirty="0" err="1" smtClean="0">
+              <a:rPr lang="en-US" b="1" dirty="0">
+                <a:latin typeface="Times New Roman" panose="02020603050405020304" pitchFamily="18" charset="0"/>
+                <a:cs typeface="Times New Roman" panose="02020603050405020304" pitchFamily="18" charset="0"/>
+              </a:rPr>
+              <a:t> </a:t>
+            </a:r>
+            <a:r>
+              <a:rPr lang="en-US" b="1" dirty="0" err="1">
                 <a:latin typeface="Times New Roman" panose="02020603050405020304" pitchFamily="18" charset="0"/>
                 <a:cs typeface="Times New Roman" panose="02020603050405020304" pitchFamily="18" charset="0"/>
               </a:rPr>
               <a:t>từ</a:t>
             </a:r>
             <a:r>
-              <a:rPr lang="en-US" b="1" dirty="0" smtClean="0">
-                <a:latin typeface="Times New Roman" panose="02020603050405020304" pitchFamily="18" charset="0"/>
-                <a:cs typeface="Times New Roman" panose="02020603050405020304" pitchFamily="18" charset="0"/>
-              </a:rPr>
-              <a:t> </a:t>
-            </a:r>
-            <a:r>
-              <a:rPr lang="en-US" dirty="0" err="1" smtClean="0">
+              <a:rPr lang="en-US" b="1" dirty="0">
+                <a:latin typeface="Times New Roman" panose="02020603050405020304" pitchFamily="18" charset="0"/>
+                <a:cs typeface="Times New Roman" panose="02020603050405020304" pitchFamily="18" charset="0"/>
+              </a:rPr>
+              <a:t> </a:t>
+            </a:r>
+            <a:r>
+              <a:rPr lang="en-US" dirty="0" err="1">
                 <a:latin typeface="Times New Roman" panose="02020603050405020304" pitchFamily="18" charset="0"/>
                 <a:cs typeface="Times New Roman" panose="02020603050405020304" pitchFamily="18" charset="0"/>
               </a:rPr>
               <a:t>được</a:t>
             </a:r>
             <a:r>
-              <a:rPr lang="en-US" dirty="0" smtClean="0">
-                <a:latin typeface="Times New Roman" panose="02020603050405020304" pitchFamily="18" charset="0"/>
-                <a:cs typeface="Times New Roman" panose="02020603050405020304" pitchFamily="18" charset="0"/>
-              </a:rPr>
-              <a:t> </a:t>
-            </a:r>
-            <a:r>
-              <a:rPr lang="en-US" dirty="0" err="1" smtClean="0">
+              <a:rPr lang="en-US" dirty="0">
+                <a:latin typeface="Times New Roman" panose="02020603050405020304" pitchFamily="18" charset="0"/>
+                <a:cs typeface="Times New Roman" panose="02020603050405020304" pitchFamily="18" charset="0"/>
+              </a:rPr>
+              <a:t> </a:t>
+            </a:r>
+            <a:r>
+              <a:rPr lang="en-US" dirty="0" err="1">
                 <a:latin typeface="Times New Roman" panose="02020603050405020304" pitchFamily="18" charset="0"/>
                 <a:cs typeface="Times New Roman" panose="02020603050405020304" pitchFamily="18" charset="0"/>
               </a:rPr>
               <a:t>tính</a:t>
             </a:r>
             <a:r>
-              <a:rPr lang="en-US" dirty="0" smtClean="0">
-                <a:latin typeface="Times New Roman" panose="02020603050405020304" pitchFamily="18" charset="0"/>
-                <a:cs typeface="Times New Roman" panose="02020603050405020304" pitchFamily="18" charset="0"/>
-              </a:rPr>
-              <a:t> </a:t>
-            </a:r>
-            <a:r>
-              <a:rPr lang="en-US" dirty="0" err="1" smtClean="0">
+              <a:rPr lang="en-US" dirty="0">
+                <a:latin typeface="Times New Roman" panose="02020603050405020304" pitchFamily="18" charset="0"/>
+                <a:cs typeface="Times New Roman" panose="02020603050405020304" pitchFamily="18" charset="0"/>
+              </a:rPr>
+              <a:t> </a:t>
+            </a:r>
+            <a:r>
+              <a:rPr lang="en-US" dirty="0" err="1">
                 <a:latin typeface="Times New Roman" panose="02020603050405020304" pitchFamily="18" charset="0"/>
                 <a:cs typeface="Times New Roman" panose="02020603050405020304" pitchFamily="18" charset="0"/>
               </a:rPr>
               <a:t>là</a:t>
             </a:r>
             <a:r>
-              <a:rPr lang="en-US" dirty="0" smtClean="0">
+              <a:rPr lang="en-US" dirty="0">
                 <a:latin typeface="Times New Roman" panose="02020603050405020304" pitchFamily="18" charset="0"/>
                 <a:cs typeface="Times New Roman" panose="02020603050405020304" pitchFamily="18" charset="0"/>
               </a:rPr>
               <a:t> 2 </a:t>
             </a:r>
             <a:r>
-              <a:rPr lang="en-US" dirty="0" err="1" smtClean="0">
+              <a:rPr lang="en-US" dirty="0" err="1">
                 <a:latin typeface="Times New Roman" panose="02020603050405020304" pitchFamily="18" charset="0"/>
                 <a:cs typeface="Times New Roman" panose="02020603050405020304" pitchFamily="18" charset="0"/>
               </a:rPr>
               <a:t>đặc</a:t>
             </a:r>
             <a:r>
-              <a:rPr lang="en-US" dirty="0" smtClean="0">
-                <a:latin typeface="Times New Roman" panose="02020603050405020304" pitchFamily="18" charset="0"/>
-                <a:cs typeface="Times New Roman" panose="02020603050405020304" pitchFamily="18" charset="0"/>
-              </a:rPr>
-              <a:t> </a:t>
-            </a:r>
-            <a:r>
-              <a:rPr lang="en-US" dirty="0" err="1" smtClean="0">
+              <a:rPr lang="en-US" dirty="0">
+                <a:latin typeface="Times New Roman" panose="02020603050405020304" pitchFamily="18" charset="0"/>
+                <a:cs typeface="Times New Roman" panose="02020603050405020304" pitchFamily="18" charset="0"/>
+              </a:rPr>
+              <a:t> </a:t>
+            </a:r>
+            <a:r>
+              <a:rPr lang="en-US" dirty="0" err="1">
                 <a:latin typeface="Times New Roman" panose="02020603050405020304" pitchFamily="18" charset="0"/>
                 <a:cs typeface="Times New Roman" panose="02020603050405020304" pitchFamily="18" charset="0"/>
               </a:rPr>
               <a:t>trưng</a:t>
             </a:r>
             <a:r>
-              <a:rPr lang="en-US" dirty="0" smtClean="0">
-                <a:latin typeface="Times New Roman" panose="02020603050405020304" pitchFamily="18" charset="0"/>
-                <a:cs typeface="Times New Roman" panose="02020603050405020304" pitchFamily="18" charset="0"/>
-              </a:rPr>
-              <a:t> </a:t>
-            </a:r>
-            <a:r>
-              <a:rPr lang="en-US" dirty="0" err="1" smtClean="0">
+              <a:rPr lang="en-US" dirty="0">
+                <a:latin typeface="Times New Roman" panose="02020603050405020304" pitchFamily="18" charset="0"/>
+                <a:cs typeface="Times New Roman" panose="02020603050405020304" pitchFamily="18" charset="0"/>
+              </a:rPr>
+              <a:t> </a:t>
+            </a:r>
+            <a:r>
+              <a:rPr lang="en-US" dirty="0" err="1">
                 <a:latin typeface="Times New Roman" panose="02020603050405020304" pitchFamily="18" charset="0"/>
                 <a:cs typeface="Times New Roman" panose="02020603050405020304" pitchFamily="18" charset="0"/>
               </a:rPr>
               <a:t>khác</a:t>
             </a:r>
             <a:r>
-              <a:rPr lang="en-US" dirty="0" smtClean="0">
-                <a:latin typeface="Times New Roman" panose="02020603050405020304" pitchFamily="18" charset="0"/>
-                <a:cs typeface="Times New Roman" panose="02020603050405020304" pitchFamily="18" charset="0"/>
-              </a:rPr>
-              <a:t> </a:t>
-            </a:r>
-            <a:r>
-              <a:rPr lang="en-US" dirty="0" err="1" smtClean="0">
+              <a:rPr lang="en-US" dirty="0">
+                <a:latin typeface="Times New Roman" panose="02020603050405020304" pitchFamily="18" charset="0"/>
+                <a:cs typeface="Times New Roman" panose="02020603050405020304" pitchFamily="18" charset="0"/>
+              </a:rPr>
+              <a:t> </a:t>
+            </a:r>
+            <a:r>
+              <a:rPr lang="en-US" dirty="0" err="1">
                 <a:latin typeface="Times New Roman" panose="02020603050405020304" pitchFamily="18" charset="0"/>
                 <a:cs typeface="Times New Roman" panose="02020603050405020304" pitchFamily="18" charset="0"/>
               </a:rPr>
               <a:t>nhau</a:t>
             </a:r>
-            <a:endParaRPr lang="en-US" dirty="0" smtClean="0">
+            <a:endParaRPr lang="en-US" dirty="0">
               <a:latin typeface="Times New Roman" panose="02020603050405020304" pitchFamily="18" charset="0"/>
               <a:cs typeface="Times New Roman" panose="02020603050405020304" pitchFamily="18" charset="0"/>
             </a:endParaRPr>
           </a:p>
           <a:p>
             <a:r>
-              <a:rPr lang="en-US" dirty="0" err="1" smtClean="0">
+              <a:rPr lang="en-US" dirty="0" err="1">
                 <a:latin typeface="Times New Roman" panose="02020603050405020304" pitchFamily="18" charset="0"/>
                 <a:cs typeface="Times New Roman" panose="02020603050405020304" pitchFamily="18" charset="0"/>
               </a:rPr>
               <a:t>Ứng</a:t>
             </a:r>
             <a:r>
-              <a:rPr lang="en-US" dirty="0" smtClean="0">
-                <a:latin typeface="Times New Roman" panose="02020603050405020304" pitchFamily="18" charset="0"/>
-                <a:cs typeface="Times New Roman" panose="02020603050405020304" pitchFamily="18" charset="0"/>
-              </a:rPr>
-              <a:t> </a:t>
-            </a:r>
-            <a:r>
-              <a:rPr lang="en-US" dirty="0" err="1" smtClean="0">
+              <a:rPr lang="en-US" dirty="0">
+                <a:latin typeface="Times New Roman" panose="02020603050405020304" pitchFamily="18" charset="0"/>
+                <a:cs typeface="Times New Roman" panose="02020603050405020304" pitchFamily="18" charset="0"/>
+              </a:rPr>
+              <a:t> </a:t>
+            </a:r>
+            <a:r>
+              <a:rPr lang="en-US" dirty="0" err="1">
                 <a:latin typeface="Times New Roman" panose="02020603050405020304" pitchFamily="18" charset="0"/>
                 <a:cs typeface="Times New Roman" panose="02020603050405020304" pitchFamily="18" charset="0"/>
               </a:rPr>
               <a:t>dụng</a:t>
             </a:r>
             <a:r>
-              <a:rPr lang="en-US" dirty="0" smtClean="0">
-                <a:latin typeface="Times New Roman" panose="02020603050405020304" pitchFamily="18" charset="0"/>
-                <a:cs typeface="Times New Roman" panose="02020603050405020304" pitchFamily="18" charset="0"/>
-              </a:rPr>
-              <a:t> </a:t>
-            </a:r>
-            <a:r>
-              <a:rPr lang="en-US" dirty="0" err="1" smtClean="0">
+              <a:rPr lang="en-US" dirty="0">
+                <a:latin typeface="Times New Roman" panose="02020603050405020304" pitchFamily="18" charset="0"/>
+                <a:cs typeface="Times New Roman" panose="02020603050405020304" pitchFamily="18" charset="0"/>
+              </a:rPr>
+              <a:t> </a:t>
+            </a:r>
+            <a:r>
+              <a:rPr lang="en-US" dirty="0" err="1">
                 <a:latin typeface="Times New Roman" panose="02020603050405020304" pitchFamily="18" charset="0"/>
                 <a:cs typeface="Times New Roman" panose="02020603050405020304" pitchFamily="18" charset="0"/>
               </a:rPr>
               <a:t>trong</a:t>
             </a:r>
             <a:r>
-              <a:rPr lang="en-US" dirty="0" smtClean="0">
-                <a:latin typeface="Times New Roman" panose="02020603050405020304" pitchFamily="18" charset="0"/>
-                <a:cs typeface="Times New Roman" panose="02020603050405020304" pitchFamily="18" charset="0"/>
-              </a:rPr>
-              <a:t> </a:t>
-            </a:r>
-            <a:r>
-              <a:rPr lang="en-US" dirty="0" err="1" smtClean="0">
+              <a:rPr lang="en-US" dirty="0">
+                <a:latin typeface="Times New Roman" panose="02020603050405020304" pitchFamily="18" charset="0"/>
+                <a:cs typeface="Times New Roman" panose="02020603050405020304" pitchFamily="18" charset="0"/>
+              </a:rPr>
+              <a:t> </a:t>
+            </a:r>
+            <a:r>
+              <a:rPr lang="en-US" dirty="0" err="1">
                 <a:latin typeface="Times New Roman" panose="02020603050405020304" pitchFamily="18" charset="0"/>
                 <a:cs typeface="Times New Roman" panose="02020603050405020304" pitchFamily="18" charset="0"/>
               </a:rPr>
               <a:t>nhận</a:t>
             </a:r>
             <a:r>
-              <a:rPr lang="en-US" dirty="0" smtClean="0">
-                <a:latin typeface="Times New Roman" panose="02020603050405020304" pitchFamily="18" charset="0"/>
-                <a:cs typeface="Times New Roman" panose="02020603050405020304" pitchFamily="18" charset="0"/>
-              </a:rPr>
-              <a:t> </a:t>
-            </a:r>
-            <a:r>
-              <a:rPr lang="en-US" dirty="0" err="1" smtClean="0">
+              <a:rPr lang="en-US" dirty="0">
+                <a:latin typeface="Times New Roman" panose="02020603050405020304" pitchFamily="18" charset="0"/>
+                <a:cs typeface="Times New Roman" panose="02020603050405020304" pitchFamily="18" charset="0"/>
+              </a:rPr>
+              <a:t> </a:t>
+            </a:r>
+            <a:r>
+              <a:rPr lang="en-US" dirty="0" err="1">
                 <a:latin typeface="Times New Roman" panose="02020603050405020304" pitchFamily="18" charset="0"/>
                 <a:cs typeface="Times New Roman" panose="02020603050405020304" pitchFamily="18" charset="0"/>
               </a:rPr>
               <a:t>diện</a:t>
             </a:r>
             <a:r>
-              <a:rPr lang="en-US" dirty="0" smtClean="0">
-                <a:latin typeface="Times New Roman" panose="02020603050405020304" pitchFamily="18" charset="0"/>
-                <a:cs typeface="Times New Roman" panose="02020603050405020304" pitchFamily="18" charset="0"/>
-              </a:rPr>
-              <a:t> </a:t>
-            </a:r>
-            <a:r>
-              <a:rPr lang="en-US" dirty="0" err="1" smtClean="0">
+              <a:rPr lang="en-US" dirty="0">
+                <a:latin typeface="Times New Roman" panose="02020603050405020304" pitchFamily="18" charset="0"/>
+                <a:cs typeface="Times New Roman" panose="02020603050405020304" pitchFamily="18" charset="0"/>
+              </a:rPr>
+              <a:t> </a:t>
+            </a:r>
+            <a:r>
+              <a:rPr lang="en-US" dirty="0" err="1">
                 <a:latin typeface="Times New Roman" panose="02020603050405020304" pitchFamily="18" charset="0"/>
                 <a:cs typeface="Times New Roman" panose="02020603050405020304" pitchFamily="18" charset="0"/>
               </a:rPr>
               <a:t>giọng</a:t>
             </a:r>
             <a:r>
-              <a:rPr lang="en-US" dirty="0" smtClean="0">
-                <a:latin typeface="Times New Roman" panose="02020603050405020304" pitchFamily="18" charset="0"/>
-                <a:cs typeface="Times New Roman" panose="02020603050405020304" pitchFamily="18" charset="0"/>
-              </a:rPr>
-              <a:t> </a:t>
-            </a:r>
-            <a:r>
-              <a:rPr lang="en-US" dirty="0" err="1" smtClean="0">
+              <a:rPr lang="en-US" dirty="0">
+                <a:latin typeface="Times New Roman" panose="02020603050405020304" pitchFamily="18" charset="0"/>
+                <a:cs typeface="Times New Roman" panose="02020603050405020304" pitchFamily="18" charset="0"/>
+              </a:rPr>
+              <a:t> </a:t>
+            </a:r>
+            <a:r>
+              <a:rPr lang="en-US" dirty="0" err="1">
                 <a:latin typeface="Times New Roman" panose="02020603050405020304" pitchFamily="18" charset="0"/>
                 <a:cs typeface="Times New Roman" panose="02020603050405020304" pitchFamily="18" charset="0"/>
               </a:rPr>
               <a:t>nói</a:t>
             </a:r>
             <a:r>
-              <a:rPr lang="en-US" dirty="0" smtClean="0">
+              <a:rPr lang="en-US" dirty="0">
                 <a:latin typeface="Times New Roman" panose="02020603050405020304" pitchFamily="18" charset="0"/>
                 <a:cs typeface="Times New Roman" panose="02020603050405020304" pitchFamily="18" charset="0"/>
               </a:rPr>
               <a:t>: </a:t>
             </a:r>
             <a:r>
-              <a:rPr lang="en-US" dirty="0" err="1" smtClean="0">
+              <a:rPr lang="en-US" dirty="0" err="1">
                 <a:latin typeface="Times New Roman" panose="02020603050405020304" pitchFamily="18" charset="0"/>
                 <a:cs typeface="Times New Roman" panose="02020603050405020304" pitchFamily="18" charset="0"/>
               </a:rPr>
               <a:t>Đầu</a:t>
             </a:r>
             <a:r>
-              <a:rPr lang="en-US" dirty="0" smtClean="0">
-                <a:latin typeface="Times New Roman" panose="02020603050405020304" pitchFamily="18" charset="0"/>
-                <a:cs typeface="Times New Roman" panose="02020603050405020304" pitchFamily="18" charset="0"/>
-              </a:rPr>
-              <a:t> </a:t>
-            </a:r>
-            <a:r>
-              <a:rPr lang="en-US" dirty="0" err="1" smtClean="0">
+              <a:rPr lang="en-US" dirty="0">
+                <a:latin typeface="Times New Roman" panose="02020603050405020304" pitchFamily="18" charset="0"/>
+                <a:cs typeface="Times New Roman" panose="02020603050405020304" pitchFamily="18" charset="0"/>
+              </a:rPr>
+              <a:t> </a:t>
+            </a:r>
+            <a:r>
+              <a:rPr lang="en-US" dirty="0" err="1">
                 <a:latin typeface="Times New Roman" panose="02020603050405020304" pitchFamily="18" charset="0"/>
                 <a:cs typeface="Times New Roman" panose="02020603050405020304" pitchFamily="18" charset="0"/>
               </a:rPr>
               <a:t>vào</a:t>
             </a:r>
             <a:r>
-              <a:rPr lang="en-US" dirty="0" smtClean="0">
-                <a:latin typeface="Times New Roman" panose="02020603050405020304" pitchFamily="18" charset="0"/>
-                <a:cs typeface="Times New Roman" panose="02020603050405020304" pitchFamily="18" charset="0"/>
-              </a:rPr>
-              <a:t> </a:t>
-            </a:r>
-            <a:r>
-              <a:rPr lang="en-US" dirty="0" err="1" smtClean="0">
+              <a:rPr lang="en-US" dirty="0">
+                <a:latin typeface="Times New Roman" panose="02020603050405020304" pitchFamily="18" charset="0"/>
+                <a:cs typeface="Times New Roman" panose="02020603050405020304" pitchFamily="18" charset="0"/>
+              </a:rPr>
+              <a:t> </a:t>
+            </a:r>
+            <a:r>
+              <a:rPr lang="en-US" dirty="0" err="1">
                 <a:latin typeface="Times New Roman" panose="02020603050405020304" pitchFamily="18" charset="0"/>
                 <a:cs typeface="Times New Roman" panose="02020603050405020304" pitchFamily="18" charset="0"/>
               </a:rPr>
               <a:t>là</a:t>
             </a:r>
             <a:r>
-              <a:rPr lang="en-US" dirty="0" smtClean="0">
-                <a:latin typeface="Times New Roman" panose="02020603050405020304" pitchFamily="18" charset="0"/>
-                <a:cs typeface="Times New Roman" panose="02020603050405020304" pitchFamily="18" charset="0"/>
-              </a:rPr>
-              <a:t> </a:t>
-            </a:r>
-            <a:r>
-              <a:rPr lang="en-US" dirty="0" err="1" smtClean="0">
+              <a:rPr lang="en-US" dirty="0">
+                <a:latin typeface="Times New Roman" panose="02020603050405020304" pitchFamily="18" charset="0"/>
+                <a:cs typeface="Times New Roman" panose="02020603050405020304" pitchFamily="18" charset="0"/>
+              </a:rPr>
+              <a:t> </a:t>
+            </a:r>
+            <a:r>
+              <a:rPr lang="en-US" dirty="0" err="1">
                 <a:latin typeface="Times New Roman" panose="02020603050405020304" pitchFamily="18" charset="0"/>
                 <a:cs typeface="Times New Roman" panose="02020603050405020304" pitchFamily="18" charset="0"/>
               </a:rPr>
               <a:t>giọng</a:t>
             </a:r>
             <a:r>
-              <a:rPr lang="en-US" dirty="0" smtClean="0">
-                <a:latin typeface="Times New Roman" panose="02020603050405020304" pitchFamily="18" charset="0"/>
-                <a:cs typeface="Times New Roman" panose="02020603050405020304" pitchFamily="18" charset="0"/>
-              </a:rPr>
-              <a:t> </a:t>
-            </a:r>
-            <a:r>
-              <a:rPr lang="en-US" dirty="0" err="1" smtClean="0">
+              <a:rPr lang="en-US" dirty="0">
+                <a:latin typeface="Times New Roman" panose="02020603050405020304" pitchFamily="18" charset="0"/>
+                <a:cs typeface="Times New Roman" panose="02020603050405020304" pitchFamily="18" charset="0"/>
+              </a:rPr>
+              <a:t> </a:t>
+            </a:r>
+            <a:r>
+              <a:rPr lang="en-US" dirty="0" err="1">
                 <a:latin typeface="Times New Roman" panose="02020603050405020304" pitchFamily="18" charset="0"/>
                 <a:cs typeface="Times New Roman" panose="02020603050405020304" pitchFamily="18" charset="0"/>
               </a:rPr>
               <a:t>nói</a:t>
             </a:r>
             <a:r>
-              <a:rPr lang="en-US" dirty="0" smtClean="0">
+              <a:rPr lang="en-US" dirty="0">
                 <a:latin typeface="Times New Roman" panose="02020603050405020304" pitchFamily="18" charset="0"/>
                 <a:cs typeface="Times New Roman" panose="02020603050405020304" pitchFamily="18" charset="0"/>
               </a:rPr>
               <a:t>, </a:t>
             </a:r>
             <a:r>
-              <a:rPr lang="en-US" dirty="0" err="1" smtClean="0">
+              <a:rPr lang="en-US" dirty="0" err="1">
                 <a:latin typeface="Times New Roman" panose="02020603050405020304" pitchFamily="18" charset="0"/>
                 <a:cs typeface="Times New Roman" panose="02020603050405020304" pitchFamily="18" charset="0"/>
               </a:rPr>
               <a:t>đầu</a:t>
             </a:r>
             <a:r>
-              <a:rPr lang="en-US" dirty="0" smtClean="0">
-                <a:latin typeface="Times New Roman" panose="02020603050405020304" pitchFamily="18" charset="0"/>
-                <a:cs typeface="Times New Roman" panose="02020603050405020304" pitchFamily="18" charset="0"/>
-              </a:rPr>
-              <a:t> </a:t>
-            </a:r>
-            <a:r>
-              <a:rPr lang="en-US" dirty="0" err="1" smtClean="0">
+              <a:rPr lang="en-US" dirty="0">
+                <a:latin typeface="Times New Roman" panose="02020603050405020304" pitchFamily="18" charset="0"/>
+                <a:cs typeface="Times New Roman" panose="02020603050405020304" pitchFamily="18" charset="0"/>
+              </a:rPr>
+              <a:t> </a:t>
+            </a:r>
+            <a:r>
+              <a:rPr lang="en-US" dirty="0" err="1">
                 <a:latin typeface="Times New Roman" panose="02020603050405020304" pitchFamily="18" charset="0"/>
                 <a:cs typeface="Times New Roman" panose="02020603050405020304" pitchFamily="18" charset="0"/>
               </a:rPr>
               <a:t>ra</a:t>
             </a:r>
             <a:r>
-              <a:rPr lang="en-US" dirty="0" smtClean="0">
-                <a:latin typeface="Times New Roman" panose="02020603050405020304" pitchFamily="18" charset="0"/>
-                <a:cs typeface="Times New Roman" panose="02020603050405020304" pitchFamily="18" charset="0"/>
-              </a:rPr>
-              <a:t> </a:t>
-            </a:r>
-            <a:r>
-              <a:rPr lang="en-US" dirty="0" err="1" smtClean="0">
+              <a:rPr lang="en-US" dirty="0">
+                <a:latin typeface="Times New Roman" panose="02020603050405020304" pitchFamily="18" charset="0"/>
+                <a:cs typeface="Times New Roman" panose="02020603050405020304" pitchFamily="18" charset="0"/>
+              </a:rPr>
+              <a:t> </a:t>
+            </a:r>
+            <a:r>
+              <a:rPr lang="en-US" dirty="0" err="1">
                 <a:latin typeface="Times New Roman" panose="02020603050405020304" pitchFamily="18" charset="0"/>
                 <a:cs typeface="Times New Roman" panose="02020603050405020304" pitchFamily="18" charset="0"/>
               </a:rPr>
               <a:t>là</a:t>
             </a:r>
             <a:r>
-              <a:rPr lang="en-US" dirty="0" smtClean="0">
-                <a:latin typeface="Times New Roman" panose="02020603050405020304" pitchFamily="18" charset="0"/>
-                <a:cs typeface="Times New Roman" panose="02020603050405020304" pitchFamily="18" charset="0"/>
-              </a:rPr>
-              <a:t> </a:t>
-            </a:r>
-            <a:r>
-              <a:rPr lang="en-US" dirty="0" err="1" smtClean="0">
+              <a:rPr lang="en-US" dirty="0">
+                <a:latin typeface="Times New Roman" panose="02020603050405020304" pitchFamily="18" charset="0"/>
+                <a:cs typeface="Times New Roman" panose="02020603050405020304" pitchFamily="18" charset="0"/>
+              </a:rPr>
+              <a:t> </a:t>
+            </a:r>
+            <a:r>
+              <a:rPr lang="en-US" dirty="0" err="1">
                 <a:latin typeface="Times New Roman" panose="02020603050405020304" pitchFamily="18" charset="0"/>
                 <a:cs typeface="Times New Roman" panose="02020603050405020304" pitchFamily="18" charset="0"/>
               </a:rPr>
               <a:t>đoạn</a:t>
             </a:r>
             <a:r>
-              <a:rPr lang="en-US" dirty="0" smtClean="0">
-                <a:latin typeface="Times New Roman" panose="02020603050405020304" pitchFamily="18" charset="0"/>
-                <a:cs typeface="Times New Roman" panose="02020603050405020304" pitchFamily="18" charset="0"/>
-              </a:rPr>
-              <a:t> </a:t>
-            </a:r>
-            <a:r>
-              <a:rPr lang="en-US" dirty="0" err="1" smtClean="0">
+              <a:rPr lang="en-US" dirty="0">
+                <a:latin typeface="Times New Roman" panose="02020603050405020304" pitchFamily="18" charset="0"/>
+                <a:cs typeface="Times New Roman" panose="02020603050405020304" pitchFamily="18" charset="0"/>
+              </a:rPr>
+              <a:t> </a:t>
+            </a:r>
+            <a:r>
+              <a:rPr lang="en-US" dirty="0" err="1">
                 <a:latin typeface="Times New Roman" panose="02020603050405020304" pitchFamily="18" charset="0"/>
                 <a:cs typeface="Times New Roman" panose="02020603050405020304" pitchFamily="18" charset="0"/>
               </a:rPr>
               <a:t>văn</a:t>
             </a:r>
             <a:r>
-              <a:rPr lang="en-US" dirty="0" smtClean="0">
-                <a:latin typeface="Times New Roman" panose="02020603050405020304" pitchFamily="18" charset="0"/>
-                <a:cs typeface="Times New Roman" panose="02020603050405020304" pitchFamily="18" charset="0"/>
-              </a:rPr>
-              <a:t> </a:t>
-            </a:r>
-            <a:r>
-              <a:rPr lang="en-US" dirty="0" err="1" smtClean="0">
+              <a:rPr lang="en-US" dirty="0">
+                <a:latin typeface="Times New Roman" panose="02020603050405020304" pitchFamily="18" charset="0"/>
+                <a:cs typeface="Times New Roman" panose="02020603050405020304" pitchFamily="18" charset="0"/>
+              </a:rPr>
+              <a:t> </a:t>
+            </a:r>
+            <a:r>
+              <a:rPr lang="en-US" dirty="0" err="1">
                 <a:latin typeface="Times New Roman" panose="02020603050405020304" pitchFamily="18" charset="0"/>
                 <a:cs typeface="Times New Roman" panose="02020603050405020304" pitchFamily="18" charset="0"/>
               </a:rPr>
               <a:t>bản</a:t>
             </a:r>
-            <a:endParaRPr lang="en-US" dirty="0" smtClean="0">
+            <a:endParaRPr lang="en-US" dirty="0">
               <a:latin typeface="Times New Roman" panose="02020603050405020304" pitchFamily="18" charset="0"/>
               <a:cs typeface="Times New Roman" panose="02020603050405020304" pitchFamily="18" charset="0"/>
             </a:endParaRPr>
@@ -14380,292 +14339,285 @@
                 <a:latin typeface="Times New Roman" panose="02020603050405020304" pitchFamily="18" charset="0"/>
                 <a:cs typeface="Times New Roman" panose="02020603050405020304" pitchFamily="18" charset="0"/>
               </a:rPr>
-              <a:t>: Hidden Markov Model (HMM), Maximum Entropy Markov Model (MEMM</a:t>
-            </a:r>
-            <a:r>
-              <a:rPr lang="en-US" dirty="0" smtClean="0">
-                <a:latin typeface="Times New Roman" panose="02020603050405020304" pitchFamily="18" charset="0"/>
-                <a:cs typeface="Times New Roman" panose="02020603050405020304" pitchFamily="18" charset="0"/>
-              </a:rPr>
-              <a:t>)</a:t>
-            </a:r>
-          </a:p>
-          <a:p>
-            <a:r>
-              <a:rPr lang="en-US" dirty="0" smtClean="0">
-                <a:latin typeface="Times New Roman" panose="02020603050405020304" pitchFamily="18" charset="0"/>
-                <a:cs typeface="Times New Roman" panose="02020603050405020304" pitchFamily="18" charset="0"/>
-              </a:rPr>
-              <a:t> </a:t>
-            </a:r>
-            <a:r>
-              <a:rPr lang="en-US" dirty="0" err="1" smtClean="0">
+              <a:t>: Hidden Markov Model (HMM), Maximum Entropy Markov Model (MEMM)</a:t>
+            </a:r>
+          </a:p>
+          <a:p>
+            <a:r>
+              <a:rPr lang="en-US" dirty="0">
+                <a:latin typeface="Times New Roman" panose="02020603050405020304" pitchFamily="18" charset="0"/>
+                <a:cs typeface="Times New Roman" panose="02020603050405020304" pitchFamily="18" charset="0"/>
+              </a:rPr>
+              <a:t> </a:t>
+            </a:r>
+            <a:r>
+              <a:rPr lang="en-US" dirty="0" err="1">
                 <a:latin typeface="Times New Roman" panose="02020603050405020304" pitchFamily="18" charset="0"/>
                 <a:cs typeface="Times New Roman" panose="02020603050405020304" pitchFamily="18" charset="0"/>
               </a:rPr>
               <a:t>Khó</a:t>
             </a:r>
             <a:r>
-              <a:rPr lang="en-US" dirty="0" smtClean="0">
-                <a:latin typeface="Times New Roman" panose="02020603050405020304" pitchFamily="18" charset="0"/>
-                <a:cs typeface="Times New Roman" panose="02020603050405020304" pitchFamily="18" charset="0"/>
-              </a:rPr>
-              <a:t> </a:t>
-            </a:r>
-            <a:r>
-              <a:rPr lang="en-US" dirty="0" err="1" smtClean="0">
+              <a:rPr lang="en-US" dirty="0">
+                <a:latin typeface="Times New Roman" panose="02020603050405020304" pitchFamily="18" charset="0"/>
+                <a:cs typeface="Times New Roman" panose="02020603050405020304" pitchFamily="18" charset="0"/>
+              </a:rPr>
+              <a:t> </a:t>
+            </a:r>
+            <a:r>
+              <a:rPr lang="en-US" dirty="0" err="1">
                 <a:latin typeface="Times New Roman" panose="02020603050405020304" pitchFamily="18" charset="0"/>
                 <a:cs typeface="Times New Roman" panose="02020603050405020304" pitchFamily="18" charset="0"/>
               </a:rPr>
               <a:t>khăn</a:t>
             </a:r>
             <a:r>
-              <a:rPr lang="en-US" dirty="0" smtClean="0">
+              <a:rPr lang="en-US" dirty="0">
                 <a:latin typeface="Times New Roman" panose="02020603050405020304" pitchFamily="18" charset="0"/>
                 <a:cs typeface="Times New Roman" panose="02020603050405020304" pitchFamily="18" charset="0"/>
               </a:rPr>
               <a:t>: </a:t>
             </a:r>
             <a:r>
-              <a:rPr lang="en-US" dirty="0" err="1" smtClean="0">
+              <a:rPr lang="en-US" dirty="0" err="1">
                 <a:latin typeface="Times New Roman" panose="02020603050405020304" pitchFamily="18" charset="0"/>
                 <a:cs typeface="Times New Roman" panose="02020603050405020304" pitchFamily="18" charset="0"/>
               </a:rPr>
               <a:t>một</a:t>
             </a:r>
             <a:r>
-              <a:rPr lang="en-US" dirty="0" smtClean="0">
-                <a:latin typeface="Times New Roman" panose="02020603050405020304" pitchFamily="18" charset="0"/>
-                <a:cs typeface="Times New Roman" panose="02020603050405020304" pitchFamily="18" charset="0"/>
-              </a:rPr>
-              <a:t> </a:t>
-            </a:r>
-            <a:r>
-              <a:rPr lang="en-US" dirty="0" err="1" smtClean="0">
+              <a:rPr lang="en-US" dirty="0">
+                <a:latin typeface="Times New Roman" panose="02020603050405020304" pitchFamily="18" charset="0"/>
+                <a:cs typeface="Times New Roman" panose="02020603050405020304" pitchFamily="18" charset="0"/>
+              </a:rPr>
+              <a:t> </a:t>
+            </a:r>
+            <a:r>
+              <a:rPr lang="en-US" dirty="0" err="1">
                 <a:latin typeface="Times New Roman" panose="02020603050405020304" pitchFamily="18" charset="0"/>
                 <a:cs typeface="Times New Roman" panose="02020603050405020304" pitchFamily="18" charset="0"/>
               </a:rPr>
               <a:t>từ</a:t>
             </a:r>
             <a:r>
-              <a:rPr lang="en-US" dirty="0" smtClean="0">
-                <a:latin typeface="Times New Roman" panose="02020603050405020304" pitchFamily="18" charset="0"/>
-                <a:cs typeface="Times New Roman" panose="02020603050405020304" pitchFamily="18" charset="0"/>
-              </a:rPr>
-              <a:t> </a:t>
-            </a:r>
-            <a:r>
-              <a:rPr lang="en-US" dirty="0" err="1" smtClean="0">
+              <a:rPr lang="en-US" dirty="0">
+                <a:latin typeface="Times New Roman" panose="02020603050405020304" pitchFamily="18" charset="0"/>
+                <a:cs typeface="Times New Roman" panose="02020603050405020304" pitchFamily="18" charset="0"/>
+              </a:rPr>
+              <a:t> </a:t>
+            </a:r>
+            <a:r>
+              <a:rPr lang="en-US" dirty="0" err="1">
                 <a:latin typeface="Times New Roman" panose="02020603050405020304" pitchFamily="18" charset="0"/>
                 <a:cs typeface="Times New Roman" panose="02020603050405020304" pitchFamily="18" charset="0"/>
               </a:rPr>
               <a:t>có</a:t>
             </a:r>
             <a:r>
-              <a:rPr lang="en-US" dirty="0" smtClean="0">
-                <a:latin typeface="Times New Roman" panose="02020603050405020304" pitchFamily="18" charset="0"/>
-                <a:cs typeface="Times New Roman" panose="02020603050405020304" pitchFamily="18" charset="0"/>
-              </a:rPr>
-              <a:t> </a:t>
-            </a:r>
-            <a:r>
-              <a:rPr lang="en-US" dirty="0" err="1" smtClean="0">
+              <a:rPr lang="en-US" dirty="0">
+                <a:latin typeface="Times New Roman" panose="02020603050405020304" pitchFamily="18" charset="0"/>
+                <a:cs typeface="Times New Roman" panose="02020603050405020304" pitchFamily="18" charset="0"/>
+              </a:rPr>
+              <a:t> </a:t>
+            </a:r>
+            <a:r>
+              <a:rPr lang="en-US" dirty="0" err="1">
                 <a:latin typeface="Times New Roman" panose="02020603050405020304" pitchFamily="18" charset="0"/>
                 <a:cs typeface="Times New Roman" panose="02020603050405020304" pitchFamily="18" charset="0"/>
               </a:rPr>
               <a:t>thể</a:t>
             </a:r>
             <a:r>
-              <a:rPr lang="en-US" dirty="0" smtClean="0">
-                <a:latin typeface="Times New Roman" panose="02020603050405020304" pitchFamily="18" charset="0"/>
-                <a:cs typeface="Times New Roman" panose="02020603050405020304" pitchFamily="18" charset="0"/>
-              </a:rPr>
-              <a:t> </a:t>
-            </a:r>
-            <a:r>
-              <a:rPr lang="en-US" dirty="0" err="1" smtClean="0">
+              <a:rPr lang="en-US" dirty="0">
+                <a:latin typeface="Times New Roman" panose="02020603050405020304" pitchFamily="18" charset="0"/>
+                <a:cs typeface="Times New Roman" panose="02020603050405020304" pitchFamily="18" charset="0"/>
+              </a:rPr>
+              <a:t> </a:t>
+            </a:r>
+            <a:r>
+              <a:rPr lang="en-US" dirty="0" err="1">
                 <a:latin typeface="Times New Roman" panose="02020603050405020304" pitchFamily="18" charset="0"/>
                 <a:cs typeface="Times New Roman" panose="02020603050405020304" pitchFamily="18" charset="0"/>
               </a:rPr>
               <a:t>thuộc</a:t>
             </a:r>
             <a:r>
-              <a:rPr lang="en-US" dirty="0" smtClean="0">
-                <a:latin typeface="Times New Roman" panose="02020603050405020304" pitchFamily="18" charset="0"/>
-                <a:cs typeface="Times New Roman" panose="02020603050405020304" pitchFamily="18" charset="0"/>
-              </a:rPr>
-              <a:t> </a:t>
-            </a:r>
-            <a:r>
-              <a:rPr lang="en-US" dirty="0" err="1" smtClean="0">
+              <a:rPr lang="en-US" dirty="0">
+                <a:latin typeface="Times New Roman" panose="02020603050405020304" pitchFamily="18" charset="0"/>
+                <a:cs typeface="Times New Roman" panose="02020603050405020304" pitchFamily="18" charset="0"/>
+              </a:rPr>
+              <a:t> </a:t>
+            </a:r>
+            <a:r>
+              <a:rPr lang="en-US" dirty="0" err="1">
                 <a:latin typeface="Times New Roman" panose="02020603050405020304" pitchFamily="18" charset="0"/>
                 <a:cs typeface="Times New Roman" panose="02020603050405020304" pitchFamily="18" charset="0"/>
               </a:rPr>
               <a:t>nhiều</a:t>
             </a:r>
             <a:r>
-              <a:rPr lang="en-US" dirty="0" smtClean="0">
-                <a:latin typeface="Times New Roman" panose="02020603050405020304" pitchFamily="18" charset="0"/>
-                <a:cs typeface="Times New Roman" panose="02020603050405020304" pitchFamily="18" charset="0"/>
-              </a:rPr>
-              <a:t> </a:t>
-            </a:r>
-            <a:r>
-              <a:rPr lang="en-US" dirty="0" err="1" smtClean="0">
+              <a:rPr lang="en-US" dirty="0">
+                <a:latin typeface="Times New Roman" panose="02020603050405020304" pitchFamily="18" charset="0"/>
+                <a:cs typeface="Times New Roman" panose="02020603050405020304" pitchFamily="18" charset="0"/>
+              </a:rPr>
+              <a:t> </a:t>
+            </a:r>
+            <a:r>
+              <a:rPr lang="en-US" dirty="0" err="1">
                 <a:latin typeface="Times New Roman" panose="02020603050405020304" pitchFamily="18" charset="0"/>
                 <a:cs typeface="Times New Roman" panose="02020603050405020304" pitchFamily="18" charset="0"/>
               </a:rPr>
               <a:t>loại</a:t>
             </a:r>
             <a:r>
-              <a:rPr lang="en-US" dirty="0" smtClean="0">
-                <a:latin typeface="Times New Roman" panose="02020603050405020304" pitchFamily="18" charset="0"/>
-                <a:cs typeface="Times New Roman" panose="02020603050405020304" pitchFamily="18" charset="0"/>
-              </a:rPr>
-              <a:t> </a:t>
-            </a:r>
-            <a:r>
-              <a:rPr lang="en-US" dirty="0" err="1" smtClean="0">
+              <a:rPr lang="en-US" dirty="0">
+                <a:latin typeface="Times New Roman" panose="02020603050405020304" pitchFamily="18" charset="0"/>
+                <a:cs typeface="Times New Roman" panose="02020603050405020304" pitchFamily="18" charset="0"/>
+              </a:rPr>
+              <a:t> </a:t>
+            </a:r>
+            <a:r>
+              <a:rPr lang="en-US" dirty="0" err="1">
                 <a:latin typeface="Times New Roman" panose="02020603050405020304" pitchFamily="18" charset="0"/>
                 <a:cs typeface="Times New Roman" panose="02020603050405020304" pitchFamily="18" charset="0"/>
               </a:rPr>
               <a:t>từ</a:t>
             </a:r>
             <a:r>
-              <a:rPr lang="en-US" dirty="0" smtClean="0">
-                <a:latin typeface="Times New Roman" panose="02020603050405020304" pitchFamily="18" charset="0"/>
-                <a:cs typeface="Times New Roman" panose="02020603050405020304" pitchFamily="18" charset="0"/>
-              </a:rPr>
-              <a:t> </a:t>
-            </a:r>
-            <a:r>
-              <a:rPr lang="en-US" dirty="0" err="1" smtClean="0">
+              <a:rPr lang="en-US" dirty="0">
+                <a:latin typeface="Times New Roman" panose="02020603050405020304" pitchFamily="18" charset="0"/>
+                <a:cs typeface="Times New Roman" panose="02020603050405020304" pitchFamily="18" charset="0"/>
+              </a:rPr>
+              <a:t> </a:t>
+            </a:r>
+            <a:r>
+              <a:rPr lang="en-US" dirty="0" err="1">
                 <a:latin typeface="Times New Roman" panose="02020603050405020304" pitchFamily="18" charset="0"/>
                 <a:cs typeface="Times New Roman" panose="02020603050405020304" pitchFamily="18" charset="0"/>
               </a:rPr>
               <a:t>và</a:t>
             </a:r>
             <a:r>
-              <a:rPr lang="en-US" dirty="0" smtClean="0">
-                <a:l